--- a/docs/solid.pptx
+++ b/docs/solid.pptx
@@ -12,27 +12,27 @@
   </p:handoutMasterIdLst>
   <p:sldIdLst>
     <p:sldId id="309" r:id="rId2"/>
-    <p:sldId id="288" r:id="rId3"/>
-    <p:sldId id="310" r:id="rId4"/>
-    <p:sldId id="289" r:id="rId5"/>
-    <p:sldId id="290" r:id="rId6"/>
-    <p:sldId id="291" r:id="rId7"/>
-    <p:sldId id="292" r:id="rId8"/>
-    <p:sldId id="293" r:id="rId9"/>
-    <p:sldId id="298" r:id="rId10"/>
-    <p:sldId id="314" r:id="rId11"/>
-    <p:sldId id="294" r:id="rId12"/>
-    <p:sldId id="295" r:id="rId13"/>
-    <p:sldId id="296" r:id="rId14"/>
-    <p:sldId id="297" r:id="rId15"/>
-    <p:sldId id="315" r:id="rId16"/>
-    <p:sldId id="316" r:id="rId17"/>
-    <p:sldId id="317" r:id="rId18"/>
-    <p:sldId id="313" r:id="rId19"/>
-    <p:sldId id="318" r:id="rId20"/>
-    <p:sldId id="299" r:id="rId21"/>
-    <p:sldId id="300" r:id="rId22"/>
-    <p:sldId id="301" r:id="rId23"/>
+    <p:sldId id="310" r:id="rId3"/>
+    <p:sldId id="289" r:id="rId4"/>
+    <p:sldId id="290" r:id="rId5"/>
+    <p:sldId id="291" r:id="rId6"/>
+    <p:sldId id="292" r:id="rId7"/>
+    <p:sldId id="293" r:id="rId8"/>
+    <p:sldId id="298" r:id="rId9"/>
+    <p:sldId id="314" r:id="rId10"/>
+    <p:sldId id="294" r:id="rId11"/>
+    <p:sldId id="295" r:id="rId12"/>
+    <p:sldId id="296" r:id="rId13"/>
+    <p:sldId id="297" r:id="rId14"/>
+    <p:sldId id="315" r:id="rId15"/>
+    <p:sldId id="316" r:id="rId16"/>
+    <p:sldId id="317" r:id="rId17"/>
+    <p:sldId id="313" r:id="rId18"/>
+    <p:sldId id="318" r:id="rId19"/>
+    <p:sldId id="299" r:id="rId20"/>
+    <p:sldId id="300" r:id="rId21"/>
+    <p:sldId id="301" r:id="rId22"/>
+    <p:sldId id="322" r:id="rId23"/>
     <p:sldId id="302" r:id="rId24"/>
     <p:sldId id="303" r:id="rId25"/>
     <p:sldId id="304" r:id="rId26"/>
@@ -264,7 +264,7 @@
           <a:p>
             <a:fld id="{BB6D47BE-B638-4384-8186-1BE11A133744}" type="datetimeFigureOut">
               <a:rPr lang="it-IT" smtClean="0"/>
-              <a:t>02/07/2021</a:t>
+              <a:t>05/07/2021</a:t>
             </a:fld>
             <a:endParaRPr lang="it-IT"/>
           </a:p>
@@ -441,7 +441,7 @@
           <a:p>
             <a:fld id="{511C7247-C3DA-4B1B-BCAA-E9308B4A9CD3}" type="datetimeFigureOut">
               <a:rPr lang="en-GB" smtClean="0"/>
-              <a:t>01/07/2021</a:t>
+              <a:t>05/07/2021</a:t>
             </a:fld>
             <a:endParaRPr lang="en-GB"/>
           </a:p>
@@ -824,6 +824,10 @@
           <a:bodyPr/>
           <a:lstStyle/>
           <a:p>
+            <a:pPr marL="171450" indent="-171450">
+              <a:buFontTx/>
+              <a:buChar char="-"/>
+            </a:pPr>
             <a:endParaRPr lang="it-IT" dirty="0"/>
           </a:p>
         </p:txBody>
@@ -854,7 +858,7 @@
     </p:spTree>
     <p:extLst>
       <p:ext uri="{BB962C8B-B14F-4D97-AF65-F5344CB8AC3E}">
-        <p14:creationId xmlns:p14="http://schemas.microsoft.com/office/powerpoint/2010/main" val="3842067168"/>
+        <p14:creationId xmlns:p14="http://schemas.microsoft.com/office/powerpoint/2010/main" val="920077862"/>
       </p:ext>
     </p:extLst>
   </p:cSld>
@@ -950,7 +954,7 @@
     </p:spTree>
     <p:extLst>
       <p:ext uri="{BB962C8B-B14F-4D97-AF65-F5344CB8AC3E}">
-        <p14:creationId xmlns:p14="http://schemas.microsoft.com/office/powerpoint/2010/main" val="920077862"/>
+        <p14:creationId xmlns:p14="http://schemas.microsoft.com/office/powerpoint/2010/main" val="890213963"/>
       </p:ext>
     </p:extLst>
   </p:cSld>
@@ -1012,10 +1016,6 @@
           <a:bodyPr/>
           <a:lstStyle/>
           <a:p>
-            <a:pPr marL="171450" indent="-171450">
-              <a:buFontTx/>
-              <a:buChar char="-"/>
-            </a:pPr>
             <a:endParaRPr lang="it-IT" dirty="0"/>
           </a:p>
         </p:txBody>
@@ -1046,7 +1046,7 @@
     </p:spTree>
     <p:extLst>
       <p:ext uri="{BB962C8B-B14F-4D97-AF65-F5344CB8AC3E}">
-        <p14:creationId xmlns:p14="http://schemas.microsoft.com/office/powerpoint/2010/main" val="890213963"/>
+        <p14:creationId xmlns:p14="http://schemas.microsoft.com/office/powerpoint/2010/main" val="1849095323"/>
       </p:ext>
     </p:extLst>
   </p:cSld>
@@ -1108,6 +1108,37 @@
           <a:bodyPr/>
           <a:lstStyle/>
           <a:p>
+            <a:pPr marL="171450" indent="-171450">
+              <a:buFontTx/>
+              <a:buChar char="-"/>
+            </a:pPr>
+            <a:r>
+              <a:rPr lang="it-IT" dirty="0"/>
+              <a:t>Codice scritto in questo modo</a:t>
+            </a:r>
+            <a:r>
+              <a:rPr lang="it-IT" baseline="0" dirty="0"/>
+              <a:t> mi permette facilmente di estendere la classe che calcola l’area contemplando anche nuove </a:t>
+            </a:r>
+            <a:r>
+              <a:rPr lang="it-IT" baseline="0" dirty="0" err="1"/>
+              <a:t>Shape</a:t>
+            </a:r>
+            <a:endParaRPr lang="it-IT" baseline="0" dirty="0"/>
+          </a:p>
+          <a:p>
+            <a:pPr marL="171450" indent="-171450">
+              <a:buFontTx/>
+              <a:buChar char="-"/>
+            </a:pPr>
+            <a:r>
+              <a:rPr lang="it-IT" baseline="0" dirty="0"/>
+              <a:t>Come ad esempio potrebbe essere </a:t>
+            </a:r>
+            <a:r>
+              <a:rPr lang="it-IT" baseline="0" dirty="0" err="1"/>
+              <a:t>Rectangle</a:t>
+            </a:r>
             <a:endParaRPr lang="it-IT" dirty="0"/>
           </a:p>
         </p:txBody>
@@ -1138,7 +1169,7 @@
     </p:spTree>
     <p:extLst>
       <p:ext uri="{BB962C8B-B14F-4D97-AF65-F5344CB8AC3E}">
-        <p14:creationId xmlns:p14="http://schemas.microsoft.com/office/powerpoint/2010/main" val="1849095323"/>
+        <p14:creationId xmlns:p14="http://schemas.microsoft.com/office/powerpoint/2010/main" val="74825620"/>
       </p:ext>
     </p:extLst>
   </p:cSld>
@@ -1261,7 +1292,7 @@
     </p:spTree>
     <p:extLst>
       <p:ext uri="{BB962C8B-B14F-4D97-AF65-F5344CB8AC3E}">
-        <p14:creationId xmlns:p14="http://schemas.microsoft.com/office/powerpoint/2010/main" val="74825620"/>
+        <p14:creationId xmlns:p14="http://schemas.microsoft.com/office/powerpoint/2010/main" val="2945386210"/>
       </p:ext>
     </p:extLst>
   </p:cSld>
@@ -1384,7 +1415,7 @@
     </p:spTree>
     <p:extLst>
       <p:ext uri="{BB962C8B-B14F-4D97-AF65-F5344CB8AC3E}">
-        <p14:creationId xmlns:p14="http://schemas.microsoft.com/office/powerpoint/2010/main" val="2945386210"/>
+        <p14:creationId xmlns:p14="http://schemas.microsoft.com/office/powerpoint/2010/main" val="1444188855"/>
       </p:ext>
     </p:extLst>
   </p:cSld>
@@ -1507,7 +1538,7 @@
     </p:spTree>
     <p:extLst>
       <p:ext uri="{BB962C8B-B14F-4D97-AF65-F5344CB8AC3E}">
-        <p14:creationId xmlns:p14="http://schemas.microsoft.com/office/powerpoint/2010/main" val="1444188855"/>
+        <p14:creationId xmlns:p14="http://schemas.microsoft.com/office/powerpoint/2010/main" val="1516866082"/>
       </p:ext>
     </p:extLst>
   </p:cSld>
@@ -1569,37 +1600,6 @@
           <a:bodyPr/>
           <a:lstStyle/>
           <a:p>
-            <a:pPr marL="171450" indent="-171450">
-              <a:buFontTx/>
-              <a:buChar char="-"/>
-            </a:pPr>
-            <a:r>
-              <a:rPr lang="it-IT" dirty="0"/>
-              <a:t>Codice scritto in questo modo</a:t>
-            </a:r>
-            <a:r>
-              <a:rPr lang="it-IT" baseline="0" dirty="0"/>
-              <a:t> mi permette facilmente di estendere la classe che calcola l’area contemplando anche nuove </a:t>
-            </a:r>
-            <a:r>
-              <a:rPr lang="it-IT" baseline="0" dirty="0" err="1"/>
-              <a:t>Shape</a:t>
-            </a:r>
-            <a:endParaRPr lang="it-IT" baseline="0" dirty="0"/>
-          </a:p>
-          <a:p>
-            <a:pPr marL="171450" indent="-171450">
-              <a:buFontTx/>
-              <a:buChar char="-"/>
-            </a:pPr>
-            <a:r>
-              <a:rPr lang="it-IT" baseline="0" dirty="0"/>
-              <a:t>Come ad esempio potrebbe essere </a:t>
-            </a:r>
-            <a:r>
-              <a:rPr lang="it-IT" baseline="0" dirty="0" err="1"/>
-              <a:t>Rectangle</a:t>
-            </a:r>
             <a:endParaRPr lang="it-IT" dirty="0"/>
           </a:p>
         </p:txBody>
@@ -1630,7 +1630,7 @@
     </p:spTree>
     <p:extLst>
       <p:ext uri="{BB962C8B-B14F-4D97-AF65-F5344CB8AC3E}">
-        <p14:creationId xmlns:p14="http://schemas.microsoft.com/office/powerpoint/2010/main" val="1516866082"/>
+        <p14:creationId xmlns:p14="http://schemas.microsoft.com/office/powerpoint/2010/main" val="3670212822"/>
       </p:ext>
     </p:extLst>
   </p:cSld>
@@ -1722,7 +1722,7 @@
     </p:spTree>
     <p:extLst>
       <p:ext uri="{BB962C8B-B14F-4D97-AF65-F5344CB8AC3E}">
-        <p14:creationId xmlns:p14="http://schemas.microsoft.com/office/powerpoint/2010/main" val="3670212822"/>
+        <p14:creationId xmlns:p14="http://schemas.microsoft.com/office/powerpoint/2010/main" val="3896729092"/>
       </p:ext>
     </p:extLst>
   </p:cSld>
@@ -1784,7 +1784,10 @@
           <a:bodyPr/>
           <a:lstStyle/>
           <a:p>
-            <a:endParaRPr lang="it-IT" dirty="0"/>
+            <a:r>
+              <a:rPr lang="it-IT" dirty="0"/>
+              <a:t>- </a:t>
+            </a:r>
           </a:p>
         </p:txBody>
       </p:sp>
@@ -1814,7 +1817,7 @@
     </p:spTree>
     <p:extLst>
       <p:ext uri="{BB962C8B-B14F-4D97-AF65-F5344CB8AC3E}">
-        <p14:creationId xmlns:p14="http://schemas.microsoft.com/office/powerpoint/2010/main" val="3896729092"/>
+        <p14:creationId xmlns:p14="http://schemas.microsoft.com/office/powerpoint/2010/main" val="2118481561"/>
       </p:ext>
     </p:extLst>
   </p:cSld>
@@ -1876,11 +1879,7 @@
           <a:bodyPr/>
           <a:lstStyle/>
           <a:p>
-            <a:pPr marL="171450" indent="-171450">
-              <a:buFontTx/>
-              <a:buChar char="-"/>
-            </a:pPr>
-            <a:endParaRPr lang="it-IT" baseline="0" dirty="0"/>
+            <a:endParaRPr lang="it-IT" dirty="0"/>
           </a:p>
         </p:txBody>
       </p:sp>
@@ -1910,7 +1909,7 @@
     </p:spTree>
     <p:extLst>
       <p:ext uri="{BB962C8B-B14F-4D97-AF65-F5344CB8AC3E}">
-        <p14:creationId xmlns:p14="http://schemas.microsoft.com/office/powerpoint/2010/main" val="137648102"/>
+        <p14:creationId xmlns:p14="http://schemas.microsoft.com/office/powerpoint/2010/main" val="3791005458"/>
       </p:ext>
     </p:extLst>
   </p:cSld>
@@ -1972,10 +1971,7 @@
           <a:bodyPr/>
           <a:lstStyle/>
           <a:p>
-            <a:r>
-              <a:rPr lang="it-IT" dirty="0"/>
-              <a:t>- </a:t>
-            </a:r>
+            <a:endParaRPr lang="it-IT" dirty="0"/>
           </a:p>
         </p:txBody>
       </p:sp>
@@ -2005,7 +2001,7 @@
     </p:spTree>
     <p:extLst>
       <p:ext uri="{BB962C8B-B14F-4D97-AF65-F5344CB8AC3E}">
-        <p14:creationId xmlns:p14="http://schemas.microsoft.com/office/powerpoint/2010/main" val="2118481561"/>
+        <p14:creationId xmlns:p14="http://schemas.microsoft.com/office/powerpoint/2010/main" val="1289168601"/>
       </p:ext>
     </p:extLst>
   </p:cSld>
@@ -2097,7 +2093,7 @@
     </p:spTree>
     <p:extLst>
       <p:ext uri="{BB962C8B-B14F-4D97-AF65-F5344CB8AC3E}">
-        <p14:creationId xmlns:p14="http://schemas.microsoft.com/office/powerpoint/2010/main" val="1289168601"/>
+        <p14:creationId xmlns:p14="http://schemas.microsoft.com/office/powerpoint/2010/main" val="847996177"/>
       </p:ext>
     </p:extLst>
   </p:cSld>
@@ -2189,7 +2185,7 @@
     </p:spTree>
     <p:extLst>
       <p:ext uri="{BB962C8B-B14F-4D97-AF65-F5344CB8AC3E}">
-        <p14:creationId xmlns:p14="http://schemas.microsoft.com/office/powerpoint/2010/main" val="847996177"/>
+        <p14:creationId xmlns:p14="http://schemas.microsoft.com/office/powerpoint/2010/main" val="3080452212"/>
       </p:ext>
     </p:extLst>
   </p:cSld>
@@ -2951,7 +2947,7 @@
     </p:spTree>
     <p:extLst>
       <p:ext uri="{BB962C8B-B14F-4D97-AF65-F5344CB8AC3E}">
-        <p14:creationId xmlns:p14="http://schemas.microsoft.com/office/powerpoint/2010/main" val="3791005458"/>
+        <p14:creationId xmlns:p14="http://schemas.microsoft.com/office/powerpoint/2010/main" val="156475395"/>
       </p:ext>
     </p:extLst>
   </p:cSld>
@@ -3227,7 +3223,7 @@
     </p:spTree>
     <p:extLst>
       <p:ext uri="{BB962C8B-B14F-4D97-AF65-F5344CB8AC3E}">
-        <p14:creationId xmlns:p14="http://schemas.microsoft.com/office/powerpoint/2010/main" val="156475395"/>
+        <p14:creationId xmlns:p14="http://schemas.microsoft.com/office/powerpoint/2010/main" val="227422975"/>
       </p:ext>
     </p:extLst>
   </p:cSld>
@@ -3319,7 +3315,7 @@
     </p:spTree>
     <p:extLst>
       <p:ext uri="{BB962C8B-B14F-4D97-AF65-F5344CB8AC3E}">
-        <p14:creationId xmlns:p14="http://schemas.microsoft.com/office/powerpoint/2010/main" val="227422975"/>
+        <p14:creationId xmlns:p14="http://schemas.microsoft.com/office/powerpoint/2010/main" val="4071013871"/>
       </p:ext>
     </p:extLst>
   </p:cSld>
@@ -3411,7 +3407,7 @@
     </p:spTree>
     <p:extLst>
       <p:ext uri="{BB962C8B-B14F-4D97-AF65-F5344CB8AC3E}">
-        <p14:creationId xmlns:p14="http://schemas.microsoft.com/office/powerpoint/2010/main" val="4071013871"/>
+        <p14:creationId xmlns:p14="http://schemas.microsoft.com/office/powerpoint/2010/main" val="257687918"/>
       </p:ext>
     </p:extLst>
   </p:cSld>
@@ -3503,7 +3499,7 @@
     </p:spTree>
     <p:extLst>
       <p:ext uri="{BB962C8B-B14F-4D97-AF65-F5344CB8AC3E}">
-        <p14:creationId xmlns:p14="http://schemas.microsoft.com/office/powerpoint/2010/main" val="257687918"/>
+        <p14:creationId xmlns:p14="http://schemas.microsoft.com/office/powerpoint/2010/main" val="3449063600"/>
       </p:ext>
     </p:extLst>
   </p:cSld>
@@ -3595,7 +3591,7 @@
     </p:spTree>
     <p:extLst>
       <p:ext uri="{BB962C8B-B14F-4D97-AF65-F5344CB8AC3E}">
-        <p14:creationId xmlns:p14="http://schemas.microsoft.com/office/powerpoint/2010/main" val="3449063600"/>
+        <p14:creationId xmlns:p14="http://schemas.microsoft.com/office/powerpoint/2010/main" val="1981760586"/>
       </p:ext>
     </p:extLst>
   </p:cSld>
@@ -3687,7 +3683,7 @@
     </p:spTree>
     <p:extLst>
       <p:ext uri="{BB962C8B-B14F-4D97-AF65-F5344CB8AC3E}">
-        <p14:creationId xmlns:p14="http://schemas.microsoft.com/office/powerpoint/2010/main" val="1981760586"/>
+        <p14:creationId xmlns:p14="http://schemas.microsoft.com/office/powerpoint/2010/main" val="3842067168"/>
       </p:ext>
     </p:extLst>
   </p:cSld>
@@ -5742,94 +5738,6 @@
           <a:lstStyle/>
           <a:p>
             <a:r>
-              <a:rPr lang="en-US" dirty="0"/>
-              <a:t>SRP Single Responsibility Principle</a:t>
-            </a:r>
-          </a:p>
-          <a:p>
-            <a:endParaRPr lang="en-US" dirty="0"/>
-          </a:p>
-          <a:p>
-            <a:endParaRPr lang="en-US" dirty="0"/>
-          </a:p>
-        </p:txBody>
-      </p:sp>
-      <p:pic>
-        <p:nvPicPr>
-          <p:cNvPr id="3" name="Picture 2">
-            <a:extLst>
-              <a:ext uri="{FF2B5EF4-FFF2-40B4-BE49-F238E27FC236}">
-                <a16:creationId xmlns:a16="http://schemas.microsoft.com/office/drawing/2014/main" id="{17A316CB-EDB6-4E3A-8082-4340A74FD5DC}"/>
-              </a:ext>
-            </a:extLst>
-          </p:cNvPr>
-          <p:cNvPicPr>
-            <a:picLocks noChangeAspect="1"/>
-          </p:cNvPicPr>
-          <p:nvPr/>
-        </p:nvPicPr>
-        <p:blipFill>
-          <a:blip r:embed="rId3"/>
-          <a:stretch>
-            <a:fillRect/>
-          </a:stretch>
-        </p:blipFill>
-        <p:spPr>
-          <a:xfrm>
-            <a:off x="1833285" y="2469505"/>
-            <a:ext cx="5391902" cy="3448531"/>
-          </a:xfrm>
-          <a:prstGeom prst="rect">
-            <a:avLst/>
-          </a:prstGeom>
-        </p:spPr>
-      </p:pic>
-    </p:spTree>
-    <p:extLst>
-      <p:ext uri="{BB962C8B-B14F-4D97-AF65-F5344CB8AC3E}">
-        <p14:creationId xmlns:p14="http://schemas.microsoft.com/office/powerpoint/2010/main" val="2247099466"/>
-      </p:ext>
-    </p:extLst>
-  </p:cSld>
-  <p:clrMapOvr>
-    <a:masterClrMapping/>
-  </p:clrMapOvr>
-</p:sld>
-</file>
-
-<file path=ppt/slides/slide11.xml><?xml version="1.0" encoding="utf-8"?>
-<p:sld xmlns:a="http://schemas.openxmlformats.org/drawingml/2006/main" xmlns:r="http://schemas.openxmlformats.org/officeDocument/2006/relationships" xmlns:p="http://schemas.openxmlformats.org/presentationml/2006/main">
-  <p:cSld>
-    <p:spTree>
-      <p:nvGrpSpPr>
-        <p:cNvPr id="1" name=""/>
-        <p:cNvGrpSpPr/>
-        <p:nvPr/>
-      </p:nvGrpSpPr>
-      <p:grpSpPr>
-        <a:xfrm>
-          <a:off x="0" y="0"/>
-          <a:ext cx="0" cy="0"/>
-          <a:chOff x="0" y="0"/>
-          <a:chExt cx="0" cy="0"/>
-        </a:xfrm>
-      </p:grpSpPr>
-      <p:sp>
-        <p:nvSpPr>
-          <p:cNvPr id="2" name="Text Placeholder 1"/>
-          <p:cNvSpPr>
-            <a:spLocks noGrp="1"/>
-          </p:cNvSpPr>
-          <p:nvPr>
-            <p:ph type="body" sz="quarter" idx="11"/>
-          </p:nvPr>
-        </p:nvSpPr>
-        <p:spPr/>
-        <p:txBody>
-          <a:bodyPr/>
-          <a:lstStyle/>
-          <a:p>
-            <a:r>
               <a:rPr lang="en-US"/>
               <a:t>OCP Open Closed Principle</a:t>
             </a:r>
@@ -5919,7 +5827,7 @@
 </p:sld>
 </file>
 
-<file path=ppt/slides/slide12.xml><?xml version="1.0" encoding="utf-8"?>
+<file path=ppt/slides/slide11.xml><?xml version="1.0" encoding="utf-8"?>
 <p:sld xmlns:a="http://schemas.openxmlformats.org/drawingml/2006/main" xmlns:r="http://schemas.openxmlformats.org/officeDocument/2006/relationships" xmlns:p="http://schemas.openxmlformats.org/presentationml/2006/main">
   <p:cSld>
     <p:spTree>
@@ -6007,7 +5915,7 @@
 </p:sld>
 </file>
 
-<file path=ppt/slides/slide13.xml><?xml version="1.0" encoding="utf-8"?>
+<file path=ppt/slides/slide12.xml><?xml version="1.0" encoding="utf-8"?>
 <p:sld xmlns:a="http://schemas.openxmlformats.org/drawingml/2006/main" xmlns:r="http://schemas.openxmlformats.org/officeDocument/2006/relationships" xmlns:p="http://schemas.openxmlformats.org/presentationml/2006/main">
   <p:cSld>
     <p:spTree>
@@ -6096,7 +6004,19 @@
               <a:rPr lang="en-GB" sz="1600" dirty="0">
                 <a:latin typeface="Chronicle Display" pitchFamily="50" charset="0"/>
               </a:rPr>
-              <a:t>This goes against the Open Closed principle because we must modify the class itself to obtain the new behaviour.</a:t>
+              <a:t>This goes against the </a:t>
+            </a:r>
+            <a:r>
+              <a:rPr lang="en-GB" sz="1600" b="1" i="1" dirty="0">
+                <a:latin typeface="Chronicle Display" pitchFamily="50" charset="0"/>
+              </a:rPr>
+              <a:t>Open Closed Principle </a:t>
+            </a:r>
+            <a:r>
+              <a:rPr lang="en-GB" sz="1600" dirty="0">
+                <a:latin typeface="Chronicle Display" pitchFamily="50" charset="0"/>
+              </a:rPr>
+              <a:t>because we must modify the class itself to obtain the new behaviour.</a:t>
             </a:r>
           </a:p>
           <a:p>
@@ -6112,7 +6032,7 @@
               <a:t>A better design is to remove the logic to calculate the area from the </a:t>
             </a:r>
             <a:r>
-              <a:rPr lang="en-GB" sz="1600" dirty="0" err="1">
+              <a:rPr lang="en-GB" sz="1600" b="1" i="1" dirty="0" err="1">
                 <a:latin typeface="Chronicle Display" pitchFamily="50" charset="0"/>
               </a:rPr>
               <a:t>AreaCalculator</a:t>
@@ -6152,7 +6072,7 @@
 </p:sld>
 </file>
 
-<file path=ppt/slides/slide14.xml><?xml version="1.0" encoding="utf-8"?>
+<file path=ppt/slides/slide13.xml><?xml version="1.0" encoding="utf-8"?>
 <p:sld xmlns:a="http://schemas.openxmlformats.org/drawingml/2006/main" xmlns:r="http://schemas.openxmlformats.org/officeDocument/2006/relationships" xmlns:p="http://schemas.openxmlformats.org/presentationml/2006/main">
   <p:cSld>
     <p:spTree>
@@ -6240,7 +6160,7 @@
 </p:sld>
 </file>
 
-<file path=ppt/slides/slide15.xml><?xml version="1.0" encoding="utf-8"?>
+<file path=ppt/slides/slide14.xml><?xml version="1.0" encoding="utf-8"?>
 <p:sld xmlns:a="http://schemas.openxmlformats.org/drawingml/2006/main" xmlns:r="http://schemas.openxmlformats.org/officeDocument/2006/relationships" xmlns:p="http://schemas.openxmlformats.org/presentationml/2006/main">
   <p:cSld>
     <p:spTree>
@@ -6358,7 +6278,7 @@
 </p:sld>
 </file>
 
-<file path=ppt/slides/slide16.xml><?xml version="1.0" encoding="utf-8"?>
+<file path=ppt/slides/slide15.xml><?xml version="1.0" encoding="utf-8"?>
 <p:sld xmlns:a="http://schemas.openxmlformats.org/drawingml/2006/main" xmlns:r="http://schemas.openxmlformats.org/officeDocument/2006/relationships" xmlns:p="http://schemas.openxmlformats.org/presentationml/2006/main">
   <p:cSld>
     <p:spTree>
@@ -6446,7 +6366,7 @@
 </p:sld>
 </file>
 
-<file path=ppt/slides/slide17.xml><?xml version="1.0" encoding="utf-8"?>
+<file path=ppt/slides/slide16.xml><?xml version="1.0" encoding="utf-8"?>
 <p:sld xmlns:a="http://schemas.openxmlformats.org/drawingml/2006/main" xmlns:r="http://schemas.openxmlformats.org/officeDocument/2006/relationships" xmlns:p="http://schemas.openxmlformats.org/presentationml/2006/main">
   <p:cSld>
     <p:spTree>
@@ -6534,7 +6454,7 @@
 </p:sld>
 </file>
 
-<file path=ppt/slides/slide18.xml><?xml version="1.0" encoding="utf-8"?>
+<file path=ppt/slides/slide17.xml><?xml version="1.0" encoding="utf-8"?>
 <p:sld xmlns:a="http://schemas.openxmlformats.org/drawingml/2006/main" xmlns:r="http://schemas.openxmlformats.org/officeDocument/2006/relationships" xmlns:p="http://schemas.openxmlformats.org/presentationml/2006/main">
   <p:cSld>
     <p:spTree>
@@ -6622,7 +6542,7 @@
 </p:sld>
 </file>
 
-<file path=ppt/slides/slide19.xml><?xml version="1.0" encoding="utf-8"?>
+<file path=ppt/slides/slide18.xml><?xml version="1.0" encoding="utf-8"?>
 <p:sld xmlns:a="http://schemas.openxmlformats.org/drawingml/2006/main" xmlns:r="http://schemas.openxmlformats.org/officeDocument/2006/relationships" xmlns:p="http://schemas.openxmlformats.org/presentationml/2006/main">
   <p:cSld>
     <p:spTree>
@@ -6710,6 +6630,137 @@
 </p:sld>
 </file>
 
+<file path=ppt/slides/slide19.xml><?xml version="1.0" encoding="utf-8"?>
+<p:sld xmlns:a="http://schemas.openxmlformats.org/drawingml/2006/main" xmlns:r="http://schemas.openxmlformats.org/officeDocument/2006/relationships" xmlns:p="http://schemas.openxmlformats.org/presentationml/2006/main">
+  <p:cSld>
+    <p:spTree>
+      <p:nvGrpSpPr>
+        <p:cNvPr id="1" name=""/>
+        <p:cNvGrpSpPr/>
+        <p:nvPr/>
+      </p:nvGrpSpPr>
+      <p:grpSpPr>
+        <a:xfrm>
+          <a:off x="0" y="0"/>
+          <a:ext cx="0" cy="0"/>
+          <a:chOff x="0" y="0"/>
+          <a:chExt cx="0" cy="0"/>
+        </a:xfrm>
+      </p:grpSpPr>
+      <p:sp>
+        <p:nvSpPr>
+          <p:cNvPr id="2" name="Text Placeholder 1"/>
+          <p:cNvSpPr>
+            <a:spLocks noGrp="1"/>
+          </p:cNvSpPr>
+          <p:nvPr>
+            <p:ph type="body" sz="quarter" idx="11"/>
+          </p:nvPr>
+        </p:nvSpPr>
+        <p:spPr/>
+        <p:txBody>
+          <a:bodyPr/>
+          <a:lstStyle/>
+          <a:p>
+            <a:r>
+              <a:rPr lang="en-US"/>
+              <a:t>LSP Liskov Substitution Principle</a:t>
+            </a:r>
+          </a:p>
+          <a:p>
+            <a:endParaRPr lang="en-US"/>
+          </a:p>
+          <a:p>
+            <a:endParaRPr lang="en-US" dirty="0"/>
+          </a:p>
+        </p:txBody>
+      </p:sp>
+      <p:sp>
+        <p:nvSpPr>
+          <p:cNvPr id="5" name="TextBox 4"/>
+          <p:cNvSpPr txBox="1"/>
+          <p:nvPr/>
+        </p:nvSpPr>
+        <p:spPr>
+          <a:xfrm>
+            <a:off x="621372" y="2274838"/>
+            <a:ext cx="8210747" cy="2308324"/>
+          </a:xfrm>
+          <a:prstGeom prst="rect">
+            <a:avLst/>
+          </a:prstGeom>
+          <a:noFill/>
+        </p:spPr>
+        <p:txBody>
+          <a:bodyPr wrap="square" rtlCol="0">
+            <a:spAutoFit/>
+          </a:bodyPr>
+          <a:lstStyle/>
+          <a:p>
+            <a:endParaRPr lang="en-GB" sz="1600" dirty="0">
+              <a:latin typeface="Chronicle Display" pitchFamily="50" charset="0"/>
+            </a:endParaRPr>
+          </a:p>
+          <a:p>
+            <a:r>
+              <a:rPr lang="en-GB" sz="2400" b="1" i="1" dirty="0">
+                <a:latin typeface="Chronicle Display" pitchFamily="50" charset="0"/>
+              </a:rPr>
+              <a:t>Functions that use reference to base classes must be able to use object of derived classes without knowing it.</a:t>
+            </a:r>
+          </a:p>
+          <a:p>
+            <a:endParaRPr lang="en-GB" sz="1600" b="1" i="1" dirty="0">
+              <a:latin typeface="Chronicle Display" pitchFamily="50" charset="0"/>
+            </a:endParaRPr>
+          </a:p>
+          <a:p>
+            <a:endParaRPr lang="en-GB" sz="1600" dirty="0">
+              <a:latin typeface="Chronicle Display" pitchFamily="50" charset="0"/>
+            </a:endParaRPr>
+          </a:p>
+          <a:p>
+            <a:r>
+              <a:rPr lang="en-GB" sz="1600" dirty="0">
+                <a:latin typeface="Chronicle Display" pitchFamily="50" charset="0"/>
+              </a:rPr>
+              <a:t>This mean that every subclass/derived should be substitutable for their base/parent class.</a:t>
+            </a:r>
+          </a:p>
+          <a:p>
+            <a:endParaRPr lang="en-GB" sz="1600" dirty="0">
+              <a:latin typeface="Chronicle Display" pitchFamily="50" charset="0"/>
+            </a:endParaRPr>
+          </a:p>
+          <a:p>
+            <a:r>
+              <a:rPr lang="en-GB" sz="1600" dirty="0">
+                <a:latin typeface="Chronicle Display" pitchFamily="50" charset="0"/>
+              </a:rPr>
+              <a:t>This principle is the base of </a:t>
+            </a:r>
+            <a:r>
+              <a:rPr lang="en-GB" sz="1600" b="1" i="1" dirty="0">
+                <a:latin typeface="Chronicle Display" pitchFamily="50" charset="0"/>
+              </a:rPr>
+              <a:t>Design by Contract</a:t>
+            </a:r>
+          </a:p>
+        </p:txBody>
+      </p:sp>
+    </p:spTree>
+    <p:extLst>
+      <p:ext uri="{BB962C8B-B14F-4D97-AF65-F5344CB8AC3E}">
+        <p14:creationId xmlns:p14="http://schemas.microsoft.com/office/powerpoint/2010/main" val="908337412"/>
+      </p:ext>
+    </p:extLst>
+  </p:cSld>
+  <p:clrMapOvr>
+    <a:masterClrMapping/>
+  </p:clrMapOvr>
+</p:sld>
+</file>
+
 <file path=ppt/slides/slide2.xml><?xml version="1.0" encoding="utf-8"?>
 <p:sld xmlns:a="http://schemas.openxmlformats.org/drawingml/2006/main" xmlns:r="http://schemas.openxmlformats.org/officeDocument/2006/relationships" xmlns:p="http://schemas.openxmlformats.org/presentationml/2006/main">
   <p:cSld>
@@ -6729,13 +6780,7 @@
       </p:grpSpPr>
       <p:sp>
         <p:nvSpPr>
-          <p:cNvPr id="8" name="Text Placeholder 7">
-            <a:extLst>
-              <a:ext uri="{FF2B5EF4-FFF2-40B4-BE49-F238E27FC236}">
-                <a16:creationId xmlns:a16="http://schemas.microsoft.com/office/drawing/2014/main" id="{ED458CBF-BC5F-475B-A023-43CCF94BA646}"/>
-              </a:ext>
-            </a:extLst>
-          </p:cNvPr>
+          <p:cNvPr id="2" name="Text Placeholder 1"/>
           <p:cNvSpPr>
             <a:spLocks noGrp="1"/>
           </p:cNvSpPr>
@@ -6748,44 +6793,190 @@
           <a:bodyPr/>
           <a:lstStyle/>
           <a:p>
-            <a:endParaRPr lang="it-IT" dirty="0"/>
+            <a:r>
+              <a:rPr lang="en-US" dirty="0"/>
+              <a:t>SOLID Principles</a:t>
+            </a:r>
+          </a:p>
+          <a:p>
+            <a:endParaRPr lang="en-US" dirty="0"/>
           </a:p>
         </p:txBody>
       </p:sp>
-      <p:pic>
-        <p:nvPicPr>
-          <p:cNvPr id="4" name="Picture 3"/>
-          <p:cNvPicPr>
-            <a:picLocks noChangeAspect="1"/>
-          </p:cNvPicPr>
+      <p:sp>
+        <p:nvSpPr>
+          <p:cNvPr id="5" name="TextBox 4"/>
+          <p:cNvSpPr txBox="1"/>
           <p:nvPr/>
-        </p:nvPicPr>
-        <p:blipFill>
-          <a:blip r:embed="rId3">
-            <a:extLst>
-              <a:ext uri="{28A0092B-C50C-407E-A947-70E740481C1C}">
-                <a14:useLocalDpi xmlns:a14="http://schemas.microsoft.com/office/drawing/2010/main" val="0"/>
-              </a:ext>
-            </a:extLst>
-          </a:blip>
-          <a:stretch>
-            <a:fillRect/>
-          </a:stretch>
-        </p:blipFill>
+        </p:nvSpPr>
         <p:spPr>
           <a:xfrm>
-            <a:off x="2244684" y="1079047"/>
-            <a:ext cx="4569103" cy="5425419"/>
+            <a:off x="621372" y="1501213"/>
+            <a:ext cx="8210747" cy="4647426"/>
           </a:xfrm>
           <a:prstGeom prst="rect">
             <a:avLst/>
           </a:prstGeom>
+          <a:noFill/>
         </p:spPr>
-      </p:pic>
+        <p:txBody>
+          <a:bodyPr wrap="square" rtlCol="0">
+            <a:spAutoFit/>
+          </a:bodyPr>
+          <a:lstStyle/>
+          <a:p>
+            <a:endParaRPr lang="en-GB" sz="1600" u="sng" dirty="0">
+              <a:latin typeface="Chronicle Display" pitchFamily="50" charset="0"/>
+            </a:endParaRPr>
+          </a:p>
+          <a:p>
+            <a:endParaRPr lang="en-GB" sz="1600" u="sng" dirty="0">
+              <a:latin typeface="Chronicle Display" pitchFamily="50" charset="0"/>
+            </a:endParaRPr>
+          </a:p>
+          <a:p>
+            <a:r>
+              <a:rPr lang="en-GB" sz="2400" b="1" dirty="0">
+                <a:latin typeface="Chronicle Display" pitchFamily="50" charset="0"/>
+              </a:rPr>
+              <a:t>SOLID</a:t>
+            </a:r>
+            <a:r>
+              <a:rPr lang="en-GB" sz="1600" b="1" dirty="0">
+                <a:latin typeface="Chronicle Display" pitchFamily="50" charset="0"/>
+              </a:rPr>
+              <a:t> </a:t>
+            </a:r>
+            <a:r>
+              <a:rPr lang="en-GB" sz="1600" dirty="0">
+                <a:latin typeface="Chronicle Display" pitchFamily="50" charset="0"/>
+              </a:rPr>
+              <a:t>is an acronym for five </a:t>
+            </a:r>
+            <a:r>
+              <a:rPr lang="en-GB" sz="1600" b="1" dirty="0">
+                <a:latin typeface="Chronicle Display" pitchFamily="50" charset="0"/>
+              </a:rPr>
+              <a:t>OOD</a:t>
+            </a:r>
+            <a:r>
+              <a:rPr lang="en-GB" sz="1600" dirty="0">
+                <a:latin typeface="Chronicle Display" pitchFamily="50" charset="0"/>
+              </a:rPr>
+              <a:t> principles by Robert C. Martin (uncle bob)</a:t>
+            </a:r>
+            <a:endParaRPr lang="en-GB" sz="1600" u="sng" dirty="0">
+              <a:latin typeface="Chronicle Display" pitchFamily="50" charset="0"/>
+            </a:endParaRPr>
+          </a:p>
+          <a:p>
+            <a:endParaRPr lang="en-GB" sz="1600" u="sng" dirty="0">
+              <a:latin typeface="Chronicle Display" pitchFamily="50" charset="0"/>
+            </a:endParaRPr>
+          </a:p>
+          <a:p>
+            <a:endParaRPr lang="en-GB" sz="1600" dirty="0">
+              <a:latin typeface="Chronicle Display" pitchFamily="50" charset="0"/>
+            </a:endParaRPr>
+          </a:p>
+          <a:p>
+            <a:r>
+              <a:rPr lang="en-GB" sz="1600" dirty="0">
+                <a:latin typeface="Chronicle Display" pitchFamily="50" charset="0"/>
+              </a:rPr>
+              <a:t>These principles, when applied, help developer in</a:t>
+            </a:r>
+          </a:p>
+          <a:p>
+            <a:r>
+              <a:rPr lang="en-GB" sz="1600" dirty="0">
+                <a:latin typeface="Chronicle Display" pitchFamily="50" charset="0"/>
+              </a:rPr>
+              <a:t>	</a:t>
+            </a:r>
+          </a:p>
+          <a:p>
+            <a:r>
+              <a:rPr lang="en-GB" sz="1600" dirty="0">
+                <a:latin typeface="Chronicle Display" pitchFamily="50" charset="0"/>
+              </a:rPr>
+              <a:t>	&gt; easily maintain software</a:t>
+            </a:r>
+          </a:p>
+          <a:p>
+            <a:r>
+              <a:rPr lang="en-GB" sz="1600" dirty="0">
+                <a:latin typeface="Chronicle Display" pitchFamily="50" charset="0"/>
+              </a:rPr>
+              <a:t>	</a:t>
+            </a:r>
+          </a:p>
+          <a:p>
+            <a:r>
+              <a:rPr lang="en-GB" sz="1600" dirty="0">
+                <a:latin typeface="Chronicle Display" pitchFamily="50" charset="0"/>
+              </a:rPr>
+              <a:t>	&gt; extend software</a:t>
+            </a:r>
+          </a:p>
+          <a:p>
+            <a:endParaRPr lang="en-GB" sz="1600" dirty="0">
+              <a:latin typeface="Chronicle Display" pitchFamily="50" charset="0"/>
+            </a:endParaRPr>
+          </a:p>
+          <a:p>
+            <a:r>
+              <a:rPr lang="en-GB" sz="1600" dirty="0">
+                <a:latin typeface="Chronicle Display" pitchFamily="50" charset="0"/>
+              </a:rPr>
+              <a:t>	&gt; avoid smells</a:t>
+            </a:r>
+          </a:p>
+          <a:p>
+            <a:endParaRPr lang="en-GB" sz="1600" dirty="0">
+              <a:latin typeface="Chronicle Display" pitchFamily="50" charset="0"/>
+            </a:endParaRPr>
+          </a:p>
+          <a:p>
+            <a:r>
+              <a:rPr lang="en-GB" sz="1600" dirty="0">
+                <a:latin typeface="Chronicle Display" pitchFamily="50" charset="0"/>
+              </a:rPr>
+              <a:t>	&gt; easily refactor code</a:t>
+            </a:r>
+          </a:p>
+          <a:p>
+            <a:endParaRPr lang="en-GB" sz="1600" dirty="0">
+              <a:latin typeface="Chronicle Display" pitchFamily="50" charset="0"/>
+            </a:endParaRPr>
+          </a:p>
+          <a:p>
+            <a:r>
+              <a:rPr lang="en-GB" sz="1600" dirty="0">
+                <a:latin typeface="Chronicle Display" pitchFamily="50" charset="0"/>
+              </a:rPr>
+              <a:t>	&gt; achieve low coupling, high cohesion and string encapsulation</a:t>
+            </a:r>
+          </a:p>
+          <a:p>
+            <a:endParaRPr lang="en-GB" sz="1600" dirty="0">
+              <a:latin typeface="Chronicle Display" pitchFamily="50" charset="0"/>
+            </a:endParaRPr>
+          </a:p>
+          <a:p>
+            <a:r>
+              <a:rPr lang="en-GB" sz="1600" dirty="0">
+                <a:latin typeface="Chronicle Display" pitchFamily="50" charset="0"/>
+              </a:rPr>
+              <a:t>	&gt; software easier to read, easier to understand and easier to change</a:t>
+            </a:r>
+          </a:p>
+        </p:txBody>
+      </p:sp>
     </p:spTree>
     <p:extLst>
       <p:ext uri="{BB962C8B-B14F-4D97-AF65-F5344CB8AC3E}">
-        <p14:creationId xmlns:p14="http://schemas.microsoft.com/office/powerpoint/2010/main" val="1324935333"/>
+        <p14:creationId xmlns:p14="http://schemas.microsoft.com/office/powerpoint/2010/main" val="944026845"/>
       </p:ext>
     </p:extLst>
   </p:cSld>
@@ -6828,95 +7019,120 @@
           <a:lstStyle/>
           <a:p>
             <a:r>
-              <a:rPr lang="en-US"/>
-              <a:t>LSP Liskov Substitution Principle</a:t>
-            </a:r>
-          </a:p>
-          <a:p>
-            <a:endParaRPr lang="en-US"/>
+              <a:rPr lang="en-US" dirty="0"/>
+              <a:t>LSP </a:t>
+            </a:r>
+            <a:r>
+              <a:rPr lang="en-US" dirty="0" err="1"/>
+              <a:t>Liskov</a:t>
+            </a:r>
+            <a:r>
+              <a:rPr lang="en-US" dirty="0"/>
+              <a:t> Substitution Principle</a:t>
+            </a:r>
+          </a:p>
+          <a:p>
+            <a:endParaRPr lang="en-US" dirty="0"/>
           </a:p>
           <a:p>
             <a:endParaRPr lang="en-US" dirty="0"/>
           </a:p>
         </p:txBody>
       </p:sp>
-      <p:sp>
-        <p:nvSpPr>
-          <p:cNvPr id="5" name="TextBox 4"/>
-          <p:cNvSpPr txBox="1"/>
+      <p:pic>
+        <p:nvPicPr>
+          <p:cNvPr id="4" name="Picture 3">
+            <a:extLst>
+              <a:ext uri="{FF2B5EF4-FFF2-40B4-BE49-F238E27FC236}">
+                <a16:creationId xmlns:a16="http://schemas.microsoft.com/office/drawing/2014/main" id="{F3DF34AA-28DA-41D8-9514-8E3C4F546401}"/>
+              </a:ext>
+            </a:extLst>
+          </p:cNvPr>
+          <p:cNvPicPr>
+            <a:picLocks noChangeAspect="1"/>
+          </p:cNvPicPr>
           <p:nvPr/>
-        </p:nvSpPr>
+        </p:nvPicPr>
+        <p:blipFill>
+          <a:blip r:embed="rId3"/>
+          <a:stretch>
+            <a:fillRect/>
+          </a:stretch>
+        </p:blipFill>
         <p:spPr>
           <a:xfrm>
-            <a:off x="621372" y="2274838"/>
-            <a:ext cx="8210747" cy="2308324"/>
+            <a:off x="2566707" y="1822959"/>
+            <a:ext cx="4010585" cy="2553056"/>
           </a:xfrm>
           <a:prstGeom prst="rect">
             <a:avLst/>
           </a:prstGeom>
-          <a:noFill/>
         </p:spPr>
-        <p:txBody>
-          <a:bodyPr wrap="square" rtlCol="0">
-            <a:spAutoFit/>
-          </a:bodyPr>
-          <a:lstStyle/>
-          <a:p>
-            <a:endParaRPr lang="en-GB" sz="1600" dirty="0">
-              <a:latin typeface="Chronicle Display" pitchFamily="50" charset="0"/>
-            </a:endParaRPr>
-          </a:p>
-          <a:p>
-            <a:r>
-              <a:rPr lang="en-GB" sz="2400" b="1" i="1" dirty="0">
-                <a:latin typeface="Chronicle Display" pitchFamily="50" charset="0"/>
-              </a:rPr>
-              <a:t>Functions that use reference to base classes must be able to use object of derived classes without knowing it.</a:t>
-            </a:r>
-          </a:p>
-          <a:p>
-            <a:endParaRPr lang="en-GB" sz="1600" b="1" i="1" dirty="0">
-              <a:latin typeface="Chronicle Display" pitchFamily="50" charset="0"/>
-            </a:endParaRPr>
-          </a:p>
-          <a:p>
-            <a:endParaRPr lang="en-GB" sz="1600" dirty="0">
-              <a:latin typeface="Chronicle Display" pitchFamily="50" charset="0"/>
-            </a:endParaRPr>
-          </a:p>
-          <a:p>
-            <a:r>
-              <a:rPr lang="en-GB" sz="1600" dirty="0">
-                <a:latin typeface="Chronicle Display" pitchFamily="50" charset="0"/>
-              </a:rPr>
-              <a:t>This mean that every subclass/derived should be substitutable for their base/parent class.</a:t>
-            </a:r>
-          </a:p>
-          <a:p>
-            <a:endParaRPr lang="en-GB" sz="1600" dirty="0">
-              <a:latin typeface="Chronicle Display" pitchFamily="50" charset="0"/>
-            </a:endParaRPr>
-          </a:p>
-          <a:p>
-            <a:r>
-              <a:rPr lang="en-GB" sz="1600" dirty="0">
-                <a:latin typeface="Chronicle Display" pitchFamily="50" charset="0"/>
-              </a:rPr>
-              <a:t>This principle is the base of </a:t>
-            </a:r>
-            <a:r>
-              <a:rPr lang="en-GB" sz="1600" b="1" i="1" dirty="0">
-                <a:latin typeface="Chronicle Display" pitchFamily="50" charset="0"/>
-              </a:rPr>
-              <a:t>Design by Contract</a:t>
-            </a:r>
-          </a:p>
-        </p:txBody>
-      </p:sp>
+      </p:pic>
+      <p:pic>
+        <p:nvPicPr>
+          <p:cNvPr id="5" name="Picture 4">
+            <a:extLst>
+              <a:ext uri="{FF2B5EF4-FFF2-40B4-BE49-F238E27FC236}">
+                <a16:creationId xmlns:a16="http://schemas.microsoft.com/office/drawing/2014/main" id="{4D4DD59A-2A70-4B38-B907-CBDEFCC78245}"/>
+              </a:ext>
+            </a:extLst>
+          </p:cNvPr>
+          <p:cNvPicPr>
+            <a:picLocks noChangeAspect="1"/>
+          </p:cNvPicPr>
+          <p:nvPr/>
+        </p:nvPicPr>
+        <p:blipFill>
+          <a:blip r:embed="rId4"/>
+          <a:stretch>
+            <a:fillRect/>
+          </a:stretch>
+        </p:blipFill>
+        <p:spPr>
+          <a:xfrm>
+            <a:off x="266098" y="4450155"/>
+            <a:ext cx="4171895" cy="2229161"/>
+          </a:xfrm>
+          <a:prstGeom prst="rect">
+            <a:avLst/>
+          </a:prstGeom>
+        </p:spPr>
+      </p:pic>
+      <p:pic>
+        <p:nvPicPr>
+          <p:cNvPr id="7" name="Picture 6">
+            <a:extLst>
+              <a:ext uri="{FF2B5EF4-FFF2-40B4-BE49-F238E27FC236}">
+                <a16:creationId xmlns:a16="http://schemas.microsoft.com/office/drawing/2014/main" id="{51366BA9-E17C-46E9-8317-688E1A452830}"/>
+              </a:ext>
+            </a:extLst>
+          </p:cNvPr>
+          <p:cNvPicPr>
+            <a:picLocks noChangeAspect="1"/>
+          </p:cNvPicPr>
+          <p:nvPr/>
+        </p:nvPicPr>
+        <p:blipFill>
+          <a:blip r:embed="rId5"/>
+          <a:stretch>
+            <a:fillRect/>
+          </a:stretch>
+        </p:blipFill>
+        <p:spPr>
+          <a:xfrm>
+            <a:off x="4500508" y="4450154"/>
+            <a:ext cx="4557726" cy="2229161"/>
+          </a:xfrm>
+          <a:prstGeom prst="rect">
+            <a:avLst/>
+          </a:prstGeom>
+        </p:spPr>
+      </p:pic>
     </p:spTree>
     <p:extLst>
       <p:ext uri="{BB962C8B-B14F-4D97-AF65-F5344CB8AC3E}">
-        <p14:creationId xmlns:p14="http://schemas.microsoft.com/office/powerpoint/2010/main" val="908337412"/>
+        <p14:creationId xmlns:p14="http://schemas.microsoft.com/office/powerpoint/2010/main" val="1174909020"/>
       </p:ext>
     </p:extLst>
   </p:cSld>
@@ -6959,1854 +7175,60 @@
           <a:lstStyle/>
           <a:p>
             <a:r>
-              <a:rPr lang="en-US"/>
-              <a:t>LSP Liskov Substitution Principle</a:t>
-            </a:r>
-          </a:p>
-          <a:p>
-            <a:endParaRPr lang="en-US"/>
+              <a:rPr lang="en-US" dirty="0"/>
+              <a:t>LSP </a:t>
+            </a:r>
+            <a:r>
+              <a:rPr lang="en-US" dirty="0" err="1"/>
+              <a:t>Liskov</a:t>
+            </a:r>
+            <a:r>
+              <a:rPr lang="en-US" dirty="0"/>
+              <a:t> Substitution Principle</a:t>
+            </a:r>
+          </a:p>
+          <a:p>
+            <a:endParaRPr lang="en-US" dirty="0"/>
           </a:p>
           <a:p>
             <a:endParaRPr lang="en-US" dirty="0"/>
           </a:p>
         </p:txBody>
       </p:sp>
-      <p:sp>
-        <p:nvSpPr>
-          <p:cNvPr id="6" name="TextBox 5"/>
-          <p:cNvSpPr txBox="1"/>
+      <p:pic>
+        <p:nvPicPr>
+          <p:cNvPr id="3" name="Picture 2">
+            <a:extLst>
+              <a:ext uri="{FF2B5EF4-FFF2-40B4-BE49-F238E27FC236}">
+                <a16:creationId xmlns:a16="http://schemas.microsoft.com/office/drawing/2014/main" id="{41E81130-9825-42FF-8B7C-31725375DEB6}"/>
+              </a:ext>
+            </a:extLst>
+          </p:cNvPr>
+          <p:cNvPicPr>
+            <a:picLocks noChangeAspect="1"/>
+          </p:cNvPicPr>
           <p:nvPr/>
-        </p:nvSpPr>
+        </p:nvPicPr>
+        <p:blipFill>
+          <a:blip r:embed="rId3"/>
+          <a:stretch>
+            <a:fillRect/>
+          </a:stretch>
+        </p:blipFill>
         <p:spPr>
           <a:xfrm>
-            <a:off x="621370" y="1595329"/>
-            <a:ext cx="8210747" cy="4031873"/>
+            <a:off x="1599785" y="2334556"/>
+            <a:ext cx="5944430" cy="2896004"/>
           </a:xfrm>
           <a:prstGeom prst="rect">
             <a:avLst/>
           </a:prstGeom>
-          <a:solidFill>
-            <a:schemeClr val="tx1"/>
-          </a:solidFill>
         </p:spPr>
-        <p:txBody>
-          <a:bodyPr wrap="square" rtlCol="0">
-            <a:spAutoFit/>
-          </a:bodyPr>
-          <a:lstStyle/>
-          <a:p>
-            <a:r>
-              <a:rPr lang="it-IT" sz="800" dirty="0">
-                <a:solidFill>
-                  <a:srgbClr val="DCDCDC"/>
-                </a:solidFill>
-                <a:highlight>
-                  <a:srgbClr val="1E1E1E"/>
-                </a:highlight>
-                <a:latin typeface="Consolas" panose="020B0609020204030204" pitchFamily="49" charset="0"/>
-              </a:rPr>
-              <a:t> </a:t>
-            </a:r>
-            <a:r>
-              <a:rPr lang="it-IT" sz="800" dirty="0">
-                <a:solidFill>
-                  <a:srgbClr val="569CD6"/>
-                </a:solidFill>
-                <a:highlight>
-                  <a:srgbClr val="1E1E1E"/>
-                </a:highlight>
-                <a:latin typeface="Consolas" panose="020B0609020204030204" pitchFamily="49" charset="0"/>
-              </a:rPr>
-              <a:t>public</a:t>
-            </a:r>
-            <a:r>
-              <a:rPr lang="it-IT" sz="800" dirty="0">
-                <a:solidFill>
-                  <a:srgbClr val="DCDCDC"/>
-                </a:solidFill>
-                <a:highlight>
-                  <a:srgbClr val="1E1E1E"/>
-                </a:highlight>
-                <a:latin typeface="Consolas" panose="020B0609020204030204" pitchFamily="49" charset="0"/>
-              </a:rPr>
-              <a:t> </a:t>
-            </a:r>
-            <a:r>
-              <a:rPr lang="it-IT" sz="800" dirty="0" err="1">
-                <a:solidFill>
-                  <a:srgbClr val="569CD6"/>
-                </a:solidFill>
-                <a:highlight>
-                  <a:srgbClr val="1E1E1E"/>
-                </a:highlight>
-                <a:latin typeface="Consolas" panose="020B0609020204030204" pitchFamily="49" charset="0"/>
-              </a:rPr>
-              <a:t>class</a:t>
-            </a:r>
-            <a:r>
-              <a:rPr lang="it-IT" sz="800" dirty="0">
-                <a:solidFill>
-                  <a:srgbClr val="DCDCDC"/>
-                </a:solidFill>
-                <a:highlight>
-                  <a:srgbClr val="1E1E1E"/>
-                </a:highlight>
-                <a:latin typeface="Consolas" panose="020B0609020204030204" pitchFamily="49" charset="0"/>
-              </a:rPr>
-              <a:t> </a:t>
-            </a:r>
-            <a:r>
-              <a:rPr lang="it-IT" sz="800" dirty="0" err="1">
-                <a:solidFill>
-                  <a:srgbClr val="4EC9B0"/>
-                </a:solidFill>
-                <a:highlight>
-                  <a:srgbClr val="1E1E1E"/>
-                </a:highlight>
-                <a:latin typeface="Consolas" panose="020B0609020204030204" pitchFamily="49" charset="0"/>
-              </a:rPr>
-              <a:t>GenericCalculator</a:t>
-            </a:r>
-            <a:endParaRPr lang="it-IT" sz="800" dirty="0">
-              <a:solidFill>
-                <a:srgbClr val="DCDCDC"/>
-              </a:solidFill>
-              <a:highlight>
-                <a:srgbClr val="1E1E1E"/>
-              </a:highlight>
-              <a:latin typeface="Consolas" panose="020B0609020204030204" pitchFamily="49" charset="0"/>
-            </a:endParaRPr>
-          </a:p>
-          <a:p>
-            <a:r>
-              <a:rPr lang="it-IT" sz="800" dirty="0">
-                <a:solidFill>
-                  <a:srgbClr val="DCDCDC"/>
-                </a:solidFill>
-                <a:highlight>
-                  <a:srgbClr val="1E1E1E"/>
-                </a:highlight>
-                <a:latin typeface="Consolas" panose="020B0609020204030204" pitchFamily="49" charset="0"/>
-              </a:rPr>
-              <a:t> {</a:t>
-            </a:r>
-          </a:p>
-          <a:p>
-            <a:r>
-              <a:rPr lang="it-IT" sz="800" dirty="0">
-                <a:solidFill>
-                  <a:srgbClr val="DCDCDC"/>
-                </a:solidFill>
-                <a:highlight>
-                  <a:srgbClr val="1E1E1E"/>
-                </a:highlight>
-                <a:latin typeface="Consolas" panose="020B0609020204030204" pitchFamily="49" charset="0"/>
-              </a:rPr>
-              <a:t>        </a:t>
-            </a:r>
-            <a:r>
-              <a:rPr lang="it-IT" sz="800" dirty="0" err="1">
-                <a:solidFill>
-                  <a:srgbClr val="569CD6"/>
-                </a:solidFill>
-                <a:highlight>
-                  <a:srgbClr val="1E1E1E"/>
-                </a:highlight>
-                <a:latin typeface="Consolas" panose="020B0609020204030204" pitchFamily="49" charset="0"/>
-              </a:rPr>
-              <a:t>protected</a:t>
-            </a:r>
-            <a:r>
-              <a:rPr lang="it-IT" sz="800" dirty="0">
-                <a:solidFill>
-                  <a:srgbClr val="DCDCDC"/>
-                </a:solidFill>
-                <a:highlight>
-                  <a:srgbClr val="1E1E1E"/>
-                </a:highlight>
-                <a:latin typeface="Consolas" panose="020B0609020204030204" pitchFamily="49" charset="0"/>
-              </a:rPr>
-              <a:t> </a:t>
-            </a:r>
-            <a:r>
-              <a:rPr lang="it-IT" sz="800" dirty="0" err="1">
-                <a:solidFill>
-                  <a:srgbClr val="569CD6"/>
-                </a:solidFill>
-                <a:highlight>
-                  <a:srgbClr val="1E1E1E"/>
-                </a:highlight>
-                <a:latin typeface="Consolas" panose="020B0609020204030204" pitchFamily="49" charset="0"/>
-              </a:rPr>
-              <a:t>readonly</a:t>
-            </a:r>
-            <a:r>
-              <a:rPr lang="it-IT" sz="800" dirty="0">
-                <a:solidFill>
-                  <a:srgbClr val="DCDCDC"/>
-                </a:solidFill>
-                <a:highlight>
-                  <a:srgbClr val="1E1E1E"/>
-                </a:highlight>
-                <a:latin typeface="Consolas" panose="020B0609020204030204" pitchFamily="49" charset="0"/>
-              </a:rPr>
-              <a:t> </a:t>
-            </a:r>
-            <a:r>
-              <a:rPr lang="it-IT" sz="800" dirty="0" err="1">
-                <a:solidFill>
-                  <a:srgbClr val="4EC9B0"/>
-                </a:solidFill>
-                <a:highlight>
-                  <a:srgbClr val="1E1E1E"/>
-                </a:highlight>
-                <a:latin typeface="Consolas" panose="020B0609020204030204" pitchFamily="49" charset="0"/>
-              </a:rPr>
-              <a:t>Shape</a:t>
-            </a:r>
-            <a:r>
-              <a:rPr lang="it-IT" sz="800" dirty="0">
-                <a:solidFill>
-                  <a:srgbClr val="DCDCDC"/>
-                </a:solidFill>
-                <a:highlight>
-                  <a:srgbClr val="1E1E1E"/>
-                </a:highlight>
-                <a:latin typeface="Consolas" panose="020B0609020204030204" pitchFamily="49" charset="0"/>
-              </a:rPr>
-              <a:t> [] </a:t>
-            </a:r>
-            <a:r>
-              <a:rPr lang="it-IT" sz="800" dirty="0" err="1">
-                <a:solidFill>
-                  <a:srgbClr val="DCDCDC"/>
-                </a:solidFill>
-                <a:highlight>
-                  <a:srgbClr val="1E1E1E"/>
-                </a:highlight>
-                <a:latin typeface="Consolas" panose="020B0609020204030204" pitchFamily="49" charset="0"/>
-              </a:rPr>
-              <a:t>shapes</a:t>
-            </a:r>
-            <a:r>
-              <a:rPr lang="it-IT" sz="800" dirty="0">
-                <a:solidFill>
-                  <a:srgbClr val="DCDCDC"/>
-                </a:solidFill>
-                <a:highlight>
-                  <a:srgbClr val="1E1E1E"/>
-                </a:highlight>
-                <a:latin typeface="Consolas" panose="020B0609020204030204" pitchFamily="49" charset="0"/>
-              </a:rPr>
-              <a:t>;</a:t>
-            </a:r>
-          </a:p>
-          <a:p>
-            <a:r>
-              <a:rPr lang="it-IT" sz="800" dirty="0">
-                <a:solidFill>
-                  <a:srgbClr val="DCDCDC"/>
-                </a:solidFill>
-                <a:highlight>
-                  <a:srgbClr val="1E1E1E"/>
-                </a:highlight>
-                <a:latin typeface="Consolas" panose="020B0609020204030204" pitchFamily="49" charset="0"/>
-              </a:rPr>
-              <a:t>        </a:t>
-            </a:r>
-            <a:r>
-              <a:rPr lang="it-IT" sz="800" dirty="0">
-                <a:solidFill>
-                  <a:srgbClr val="569CD6"/>
-                </a:solidFill>
-                <a:highlight>
-                  <a:srgbClr val="1E1E1E"/>
-                </a:highlight>
-                <a:latin typeface="Consolas" panose="020B0609020204030204" pitchFamily="49" charset="0"/>
-              </a:rPr>
-              <a:t>public</a:t>
-            </a:r>
-            <a:r>
-              <a:rPr lang="it-IT" sz="800" dirty="0">
-                <a:solidFill>
-                  <a:srgbClr val="DCDCDC"/>
-                </a:solidFill>
-                <a:highlight>
-                  <a:srgbClr val="1E1E1E"/>
-                </a:highlight>
-                <a:latin typeface="Consolas" panose="020B0609020204030204" pitchFamily="49" charset="0"/>
-              </a:rPr>
-              <a:t> </a:t>
-            </a:r>
-            <a:r>
-              <a:rPr lang="it-IT" sz="800" dirty="0" err="1">
-                <a:solidFill>
-                  <a:srgbClr val="DCDCDC"/>
-                </a:solidFill>
-                <a:highlight>
-                  <a:srgbClr val="1E1E1E"/>
-                </a:highlight>
-                <a:latin typeface="Consolas" panose="020B0609020204030204" pitchFamily="49" charset="0"/>
-              </a:rPr>
-              <a:t>GenericCalculator</a:t>
-            </a:r>
-            <a:r>
-              <a:rPr lang="it-IT" sz="800" dirty="0">
-                <a:solidFill>
-                  <a:srgbClr val="DCDCDC"/>
-                </a:solidFill>
-                <a:highlight>
-                  <a:srgbClr val="1E1E1E"/>
-                </a:highlight>
-                <a:latin typeface="Consolas" panose="020B0609020204030204" pitchFamily="49" charset="0"/>
-              </a:rPr>
-              <a:t>(</a:t>
-            </a:r>
-            <a:r>
-              <a:rPr lang="it-IT" sz="800" dirty="0" err="1">
-                <a:solidFill>
-                  <a:srgbClr val="4EC9B0"/>
-                </a:solidFill>
-                <a:highlight>
-                  <a:srgbClr val="1E1E1E"/>
-                </a:highlight>
-                <a:latin typeface="Consolas" panose="020B0609020204030204" pitchFamily="49" charset="0"/>
-              </a:rPr>
-              <a:t>Shape</a:t>
-            </a:r>
-            <a:r>
-              <a:rPr lang="it-IT" sz="800" dirty="0">
-                <a:solidFill>
-                  <a:srgbClr val="DCDCDC"/>
-                </a:solidFill>
-                <a:highlight>
-                  <a:srgbClr val="1E1E1E"/>
-                </a:highlight>
-                <a:latin typeface="Consolas" panose="020B0609020204030204" pitchFamily="49" charset="0"/>
-              </a:rPr>
-              <a:t> [] </a:t>
-            </a:r>
-            <a:r>
-              <a:rPr lang="it-IT" sz="800" dirty="0" err="1">
-                <a:solidFill>
-                  <a:srgbClr val="DCDCDC"/>
-                </a:solidFill>
-                <a:highlight>
-                  <a:srgbClr val="1E1E1E"/>
-                </a:highlight>
-                <a:latin typeface="Consolas" panose="020B0609020204030204" pitchFamily="49" charset="0"/>
-              </a:rPr>
-              <a:t>shapes</a:t>
-            </a:r>
-            <a:r>
-              <a:rPr lang="it-IT" sz="800" dirty="0">
-                <a:solidFill>
-                  <a:srgbClr val="DCDCDC"/>
-                </a:solidFill>
-                <a:highlight>
-                  <a:srgbClr val="1E1E1E"/>
-                </a:highlight>
-                <a:latin typeface="Consolas" panose="020B0609020204030204" pitchFamily="49" charset="0"/>
-              </a:rPr>
-              <a:t>)</a:t>
-            </a:r>
-          </a:p>
-          <a:p>
-            <a:r>
-              <a:rPr lang="it-IT" sz="800" dirty="0">
-                <a:solidFill>
-                  <a:srgbClr val="DCDCDC"/>
-                </a:solidFill>
-                <a:highlight>
-                  <a:srgbClr val="1E1E1E"/>
-                </a:highlight>
-                <a:latin typeface="Consolas" panose="020B0609020204030204" pitchFamily="49" charset="0"/>
-              </a:rPr>
-              <a:t>        {</a:t>
-            </a:r>
-          </a:p>
-          <a:p>
-            <a:r>
-              <a:rPr lang="it-IT" sz="800" dirty="0">
-                <a:solidFill>
-                  <a:srgbClr val="DCDCDC"/>
-                </a:solidFill>
-                <a:highlight>
-                  <a:srgbClr val="1E1E1E"/>
-                </a:highlight>
-                <a:latin typeface="Consolas" panose="020B0609020204030204" pitchFamily="49" charset="0"/>
-              </a:rPr>
-              <a:t>            </a:t>
-            </a:r>
-            <a:r>
-              <a:rPr lang="it-IT" sz="800" dirty="0" err="1">
-                <a:solidFill>
-                  <a:srgbClr val="569CD6"/>
-                </a:solidFill>
-                <a:highlight>
-                  <a:srgbClr val="1E1E1E"/>
-                </a:highlight>
-                <a:latin typeface="Consolas" panose="020B0609020204030204" pitchFamily="49" charset="0"/>
-              </a:rPr>
-              <a:t>this</a:t>
-            </a:r>
-            <a:r>
-              <a:rPr lang="it-IT" sz="800" dirty="0" err="1">
-                <a:solidFill>
-                  <a:srgbClr val="B4B4B4"/>
-                </a:solidFill>
-                <a:highlight>
-                  <a:srgbClr val="1E1E1E"/>
-                </a:highlight>
-                <a:latin typeface="Consolas" panose="020B0609020204030204" pitchFamily="49" charset="0"/>
-              </a:rPr>
-              <a:t>.</a:t>
-            </a:r>
-            <a:r>
-              <a:rPr lang="it-IT" sz="800" dirty="0" err="1">
-                <a:solidFill>
-                  <a:srgbClr val="DCDCDC"/>
-                </a:solidFill>
-                <a:highlight>
-                  <a:srgbClr val="1E1E1E"/>
-                </a:highlight>
-                <a:latin typeface="Consolas" panose="020B0609020204030204" pitchFamily="49" charset="0"/>
-              </a:rPr>
-              <a:t>shapes</a:t>
-            </a:r>
-            <a:r>
-              <a:rPr lang="it-IT" sz="800" dirty="0">
-                <a:solidFill>
-                  <a:srgbClr val="DCDCDC"/>
-                </a:solidFill>
-                <a:highlight>
-                  <a:srgbClr val="1E1E1E"/>
-                </a:highlight>
-                <a:latin typeface="Consolas" panose="020B0609020204030204" pitchFamily="49" charset="0"/>
-              </a:rPr>
-              <a:t> </a:t>
-            </a:r>
-            <a:r>
-              <a:rPr lang="it-IT" sz="800" dirty="0">
-                <a:solidFill>
-                  <a:srgbClr val="B4B4B4"/>
-                </a:solidFill>
-                <a:highlight>
-                  <a:srgbClr val="1E1E1E"/>
-                </a:highlight>
-                <a:latin typeface="Consolas" panose="020B0609020204030204" pitchFamily="49" charset="0"/>
-              </a:rPr>
-              <a:t>=</a:t>
-            </a:r>
-            <a:r>
-              <a:rPr lang="it-IT" sz="800" dirty="0">
-                <a:solidFill>
-                  <a:srgbClr val="DCDCDC"/>
-                </a:solidFill>
-                <a:highlight>
-                  <a:srgbClr val="1E1E1E"/>
-                </a:highlight>
-                <a:latin typeface="Consolas" panose="020B0609020204030204" pitchFamily="49" charset="0"/>
-              </a:rPr>
-              <a:t> </a:t>
-            </a:r>
-            <a:r>
-              <a:rPr lang="it-IT" sz="800" dirty="0" err="1">
-                <a:solidFill>
-                  <a:srgbClr val="DCDCDC"/>
-                </a:solidFill>
-                <a:highlight>
-                  <a:srgbClr val="1E1E1E"/>
-                </a:highlight>
-                <a:latin typeface="Consolas" panose="020B0609020204030204" pitchFamily="49" charset="0"/>
-              </a:rPr>
-              <a:t>shapes</a:t>
-            </a:r>
-            <a:r>
-              <a:rPr lang="it-IT" sz="800" dirty="0">
-                <a:solidFill>
-                  <a:srgbClr val="DCDCDC"/>
-                </a:solidFill>
-                <a:highlight>
-                  <a:srgbClr val="1E1E1E"/>
-                </a:highlight>
-                <a:latin typeface="Consolas" panose="020B0609020204030204" pitchFamily="49" charset="0"/>
-              </a:rPr>
-              <a:t>;</a:t>
-            </a:r>
-          </a:p>
-          <a:p>
-            <a:r>
-              <a:rPr lang="it-IT" sz="800" dirty="0">
-                <a:solidFill>
-                  <a:srgbClr val="DCDCDC"/>
-                </a:solidFill>
-                <a:highlight>
-                  <a:srgbClr val="1E1E1E"/>
-                </a:highlight>
-                <a:latin typeface="Consolas" panose="020B0609020204030204" pitchFamily="49" charset="0"/>
-              </a:rPr>
-              <a:t>        }</a:t>
-            </a:r>
-          </a:p>
-          <a:p>
-            <a:r>
-              <a:rPr lang="it-IT" sz="800" dirty="0">
-                <a:solidFill>
-                  <a:srgbClr val="DCDCDC"/>
-                </a:solidFill>
-                <a:highlight>
-                  <a:srgbClr val="1E1E1E"/>
-                </a:highlight>
-                <a:latin typeface="Consolas" panose="020B0609020204030204" pitchFamily="49" charset="0"/>
-              </a:rPr>
-              <a:t>        </a:t>
-            </a:r>
-            <a:r>
-              <a:rPr lang="it-IT" sz="800" dirty="0">
-                <a:solidFill>
-                  <a:srgbClr val="569CD6"/>
-                </a:solidFill>
-                <a:highlight>
-                  <a:srgbClr val="1E1E1E"/>
-                </a:highlight>
-                <a:latin typeface="Consolas" panose="020B0609020204030204" pitchFamily="49" charset="0"/>
-              </a:rPr>
-              <a:t>public</a:t>
-            </a:r>
-            <a:r>
-              <a:rPr lang="it-IT" sz="800" dirty="0">
-                <a:solidFill>
-                  <a:srgbClr val="DCDCDC"/>
-                </a:solidFill>
-                <a:highlight>
-                  <a:srgbClr val="1E1E1E"/>
-                </a:highlight>
-                <a:latin typeface="Consolas" panose="020B0609020204030204" pitchFamily="49" charset="0"/>
-              </a:rPr>
-              <a:t> </a:t>
-            </a:r>
-            <a:r>
-              <a:rPr lang="it-IT" sz="800" dirty="0" err="1">
-                <a:solidFill>
-                  <a:srgbClr val="569CD6"/>
-                </a:solidFill>
-                <a:highlight>
-                  <a:srgbClr val="1E1E1E"/>
-                </a:highlight>
-                <a:latin typeface="Consolas" panose="020B0609020204030204" pitchFamily="49" charset="0"/>
-              </a:rPr>
-              <a:t>virtual</a:t>
-            </a:r>
-            <a:r>
-              <a:rPr lang="it-IT" sz="800" dirty="0">
-                <a:solidFill>
-                  <a:srgbClr val="DCDCDC"/>
-                </a:solidFill>
-                <a:highlight>
-                  <a:srgbClr val="1E1E1E"/>
-                </a:highlight>
-                <a:latin typeface="Consolas" panose="020B0609020204030204" pitchFamily="49" charset="0"/>
-              </a:rPr>
-              <a:t> </a:t>
-            </a:r>
-            <a:r>
-              <a:rPr lang="it-IT" sz="800" dirty="0">
-                <a:solidFill>
-                  <a:srgbClr val="569CD6"/>
-                </a:solidFill>
-                <a:highlight>
-                  <a:srgbClr val="1E1E1E"/>
-                </a:highlight>
-                <a:latin typeface="Consolas" panose="020B0609020204030204" pitchFamily="49" charset="0"/>
-              </a:rPr>
-              <a:t>float</a:t>
-            </a:r>
-            <a:r>
-              <a:rPr lang="it-IT" sz="800" dirty="0">
-                <a:solidFill>
-                  <a:srgbClr val="DCDCDC"/>
-                </a:solidFill>
-                <a:highlight>
-                  <a:srgbClr val="1E1E1E"/>
-                </a:highlight>
-                <a:latin typeface="Consolas" panose="020B0609020204030204" pitchFamily="49" charset="0"/>
-              </a:rPr>
-              <a:t> Sum()</a:t>
-            </a:r>
-          </a:p>
-          <a:p>
-            <a:r>
-              <a:rPr lang="it-IT" sz="800" dirty="0">
-                <a:solidFill>
-                  <a:srgbClr val="DCDCDC"/>
-                </a:solidFill>
-                <a:highlight>
-                  <a:srgbClr val="1E1E1E"/>
-                </a:highlight>
-                <a:latin typeface="Consolas" panose="020B0609020204030204" pitchFamily="49" charset="0"/>
-              </a:rPr>
-              <a:t>        {</a:t>
-            </a:r>
-          </a:p>
-          <a:p>
-            <a:r>
-              <a:rPr lang="it-IT" sz="800" dirty="0">
-                <a:solidFill>
-                  <a:srgbClr val="DCDCDC"/>
-                </a:solidFill>
-                <a:highlight>
-                  <a:srgbClr val="1E1E1E"/>
-                </a:highlight>
-                <a:latin typeface="Consolas" panose="020B0609020204030204" pitchFamily="49" charset="0"/>
-              </a:rPr>
-              <a:t>            </a:t>
-            </a:r>
-            <a:r>
-              <a:rPr lang="it-IT" sz="800" dirty="0" err="1">
-                <a:solidFill>
-                  <a:srgbClr val="569CD6"/>
-                </a:solidFill>
-                <a:highlight>
-                  <a:srgbClr val="1E1E1E"/>
-                </a:highlight>
-                <a:latin typeface="Consolas" panose="020B0609020204030204" pitchFamily="49" charset="0"/>
-              </a:rPr>
-              <a:t>return</a:t>
-            </a:r>
-            <a:r>
-              <a:rPr lang="it-IT" sz="800" dirty="0">
-                <a:solidFill>
-                  <a:srgbClr val="DCDCDC"/>
-                </a:solidFill>
-                <a:highlight>
-                  <a:srgbClr val="1E1E1E"/>
-                </a:highlight>
-                <a:latin typeface="Consolas" panose="020B0609020204030204" pitchFamily="49" charset="0"/>
-              </a:rPr>
-              <a:t> </a:t>
-            </a:r>
-            <a:r>
-              <a:rPr lang="it-IT" sz="800" dirty="0">
-                <a:solidFill>
-                  <a:srgbClr val="B5CEA8"/>
-                </a:solidFill>
-                <a:highlight>
-                  <a:srgbClr val="1E1E1E"/>
-                </a:highlight>
-                <a:latin typeface="Consolas" panose="020B0609020204030204" pitchFamily="49" charset="0"/>
-              </a:rPr>
-              <a:t>0</a:t>
-            </a:r>
-            <a:r>
-              <a:rPr lang="it-IT" sz="800" dirty="0">
-                <a:solidFill>
-                  <a:srgbClr val="DCDCDC"/>
-                </a:solidFill>
-                <a:highlight>
-                  <a:srgbClr val="1E1E1E"/>
-                </a:highlight>
-                <a:latin typeface="Consolas" panose="020B0609020204030204" pitchFamily="49" charset="0"/>
-              </a:rPr>
-              <a:t>;</a:t>
-            </a:r>
-          </a:p>
-          <a:p>
-            <a:r>
-              <a:rPr lang="it-IT" sz="800" dirty="0">
-                <a:solidFill>
-                  <a:srgbClr val="DCDCDC"/>
-                </a:solidFill>
-                <a:highlight>
-                  <a:srgbClr val="1E1E1E"/>
-                </a:highlight>
-                <a:latin typeface="Consolas" panose="020B0609020204030204" pitchFamily="49" charset="0"/>
-              </a:rPr>
-              <a:t>        }</a:t>
-            </a:r>
-          </a:p>
-          <a:p>
-            <a:r>
-              <a:rPr lang="it-IT" sz="800" dirty="0">
-                <a:solidFill>
-                  <a:srgbClr val="DCDCDC"/>
-                </a:solidFill>
-                <a:highlight>
-                  <a:srgbClr val="1E1E1E"/>
-                </a:highlight>
-                <a:latin typeface="Consolas" panose="020B0609020204030204" pitchFamily="49" charset="0"/>
-              </a:rPr>
-              <a:t> }</a:t>
-            </a:r>
-          </a:p>
-          <a:p>
-            <a:r>
-              <a:rPr lang="it-IT" sz="800" dirty="0">
-                <a:solidFill>
-                  <a:srgbClr val="DCDCDC"/>
-                </a:solidFill>
-                <a:highlight>
-                  <a:srgbClr val="1E1E1E"/>
-                </a:highlight>
-                <a:latin typeface="Consolas" panose="020B0609020204030204" pitchFamily="49" charset="0"/>
-              </a:rPr>
-              <a:t> </a:t>
-            </a:r>
-          </a:p>
-          <a:p>
-            <a:r>
-              <a:rPr lang="it-IT" sz="800" dirty="0">
-                <a:solidFill>
-                  <a:srgbClr val="569CD6"/>
-                </a:solidFill>
-                <a:highlight>
-                  <a:srgbClr val="1E1E1E"/>
-                </a:highlight>
-                <a:latin typeface="Consolas" panose="020B0609020204030204" pitchFamily="49" charset="0"/>
-              </a:rPr>
-              <a:t>public</a:t>
-            </a:r>
-            <a:r>
-              <a:rPr lang="it-IT" sz="800" dirty="0">
-                <a:solidFill>
-                  <a:srgbClr val="DCDCDC"/>
-                </a:solidFill>
-                <a:highlight>
-                  <a:srgbClr val="1E1E1E"/>
-                </a:highlight>
-                <a:latin typeface="Consolas" panose="020B0609020204030204" pitchFamily="49" charset="0"/>
-              </a:rPr>
-              <a:t> </a:t>
-            </a:r>
-            <a:r>
-              <a:rPr lang="it-IT" sz="800" dirty="0" err="1">
-                <a:solidFill>
-                  <a:srgbClr val="569CD6"/>
-                </a:solidFill>
-                <a:highlight>
-                  <a:srgbClr val="1E1E1E"/>
-                </a:highlight>
-                <a:latin typeface="Consolas" panose="020B0609020204030204" pitchFamily="49" charset="0"/>
-              </a:rPr>
-              <a:t>class</a:t>
-            </a:r>
-            <a:r>
-              <a:rPr lang="it-IT" sz="800" dirty="0">
-                <a:solidFill>
-                  <a:srgbClr val="DCDCDC"/>
-                </a:solidFill>
-                <a:highlight>
-                  <a:srgbClr val="1E1E1E"/>
-                </a:highlight>
-                <a:latin typeface="Consolas" panose="020B0609020204030204" pitchFamily="49" charset="0"/>
-              </a:rPr>
-              <a:t> </a:t>
-            </a:r>
-            <a:r>
-              <a:rPr lang="it-IT" sz="800" dirty="0" err="1">
-                <a:solidFill>
-                  <a:srgbClr val="4EC9B0"/>
-                </a:solidFill>
-                <a:highlight>
-                  <a:srgbClr val="1E1E1E"/>
-                </a:highlight>
-                <a:latin typeface="Consolas" panose="020B0609020204030204" pitchFamily="49" charset="0"/>
-              </a:rPr>
-              <a:t>AreaCalculator</a:t>
-            </a:r>
-            <a:r>
-              <a:rPr lang="it-IT" sz="800" dirty="0">
-                <a:solidFill>
-                  <a:srgbClr val="DCDCDC"/>
-                </a:solidFill>
-                <a:highlight>
-                  <a:srgbClr val="1E1E1E"/>
-                </a:highlight>
-                <a:latin typeface="Consolas" panose="020B0609020204030204" pitchFamily="49" charset="0"/>
-              </a:rPr>
-              <a:t> : </a:t>
-            </a:r>
-            <a:r>
-              <a:rPr lang="it-IT" sz="800" dirty="0" err="1">
-                <a:solidFill>
-                  <a:srgbClr val="4EC9B0"/>
-                </a:solidFill>
-                <a:highlight>
-                  <a:srgbClr val="1E1E1E"/>
-                </a:highlight>
-                <a:latin typeface="Consolas" panose="020B0609020204030204" pitchFamily="49" charset="0"/>
-              </a:rPr>
-              <a:t>GenericCalculator</a:t>
-            </a:r>
-            <a:endParaRPr lang="it-IT" sz="800" dirty="0">
-              <a:solidFill>
-                <a:srgbClr val="DCDCDC"/>
-              </a:solidFill>
-              <a:highlight>
-                <a:srgbClr val="1E1E1E"/>
-              </a:highlight>
-              <a:latin typeface="Consolas" panose="020B0609020204030204" pitchFamily="49" charset="0"/>
-            </a:endParaRPr>
-          </a:p>
-          <a:p>
-            <a:r>
-              <a:rPr lang="it-IT" sz="800" dirty="0">
-                <a:solidFill>
-                  <a:srgbClr val="DCDCDC"/>
-                </a:solidFill>
-                <a:highlight>
-                  <a:srgbClr val="1E1E1E"/>
-                </a:highlight>
-                <a:latin typeface="Consolas" panose="020B0609020204030204" pitchFamily="49" charset="0"/>
-              </a:rPr>
-              <a:t> {</a:t>
-            </a:r>
-          </a:p>
-          <a:p>
-            <a:r>
-              <a:rPr lang="it-IT" sz="800" dirty="0">
-                <a:solidFill>
-                  <a:srgbClr val="DCDCDC"/>
-                </a:solidFill>
-                <a:highlight>
-                  <a:srgbClr val="1E1E1E"/>
-                </a:highlight>
-                <a:latin typeface="Consolas" panose="020B0609020204030204" pitchFamily="49" charset="0"/>
-              </a:rPr>
-              <a:t>        </a:t>
-            </a:r>
-            <a:r>
-              <a:rPr lang="it-IT" sz="800" dirty="0">
-                <a:solidFill>
-                  <a:srgbClr val="569CD6"/>
-                </a:solidFill>
-                <a:highlight>
-                  <a:srgbClr val="1E1E1E"/>
-                </a:highlight>
-                <a:latin typeface="Consolas" panose="020B0609020204030204" pitchFamily="49" charset="0"/>
-              </a:rPr>
-              <a:t>public</a:t>
-            </a:r>
-            <a:r>
-              <a:rPr lang="it-IT" sz="800" dirty="0">
-                <a:solidFill>
-                  <a:srgbClr val="DCDCDC"/>
-                </a:solidFill>
-                <a:highlight>
-                  <a:srgbClr val="1E1E1E"/>
-                </a:highlight>
-                <a:latin typeface="Consolas" panose="020B0609020204030204" pitchFamily="49" charset="0"/>
-              </a:rPr>
-              <a:t> </a:t>
-            </a:r>
-            <a:r>
-              <a:rPr lang="it-IT" sz="800" dirty="0" err="1">
-                <a:solidFill>
-                  <a:srgbClr val="DCDCDC"/>
-                </a:solidFill>
-                <a:highlight>
-                  <a:srgbClr val="1E1E1E"/>
-                </a:highlight>
-                <a:latin typeface="Consolas" panose="020B0609020204030204" pitchFamily="49" charset="0"/>
-              </a:rPr>
-              <a:t>AreaCalculator</a:t>
-            </a:r>
-            <a:r>
-              <a:rPr lang="it-IT" sz="800" dirty="0">
-                <a:solidFill>
-                  <a:srgbClr val="DCDCDC"/>
-                </a:solidFill>
-                <a:highlight>
-                  <a:srgbClr val="1E1E1E"/>
-                </a:highlight>
-                <a:latin typeface="Consolas" panose="020B0609020204030204" pitchFamily="49" charset="0"/>
-              </a:rPr>
-              <a:t>(</a:t>
-            </a:r>
-            <a:r>
-              <a:rPr lang="it-IT" sz="800" dirty="0" err="1">
-                <a:solidFill>
-                  <a:srgbClr val="4EC9B0"/>
-                </a:solidFill>
-                <a:highlight>
-                  <a:srgbClr val="1E1E1E"/>
-                </a:highlight>
-                <a:latin typeface="Consolas" panose="020B0609020204030204" pitchFamily="49" charset="0"/>
-              </a:rPr>
-              <a:t>Shape</a:t>
-            </a:r>
-            <a:r>
-              <a:rPr lang="it-IT" sz="800" dirty="0">
-                <a:solidFill>
-                  <a:srgbClr val="DCDCDC"/>
-                </a:solidFill>
-                <a:highlight>
-                  <a:srgbClr val="1E1E1E"/>
-                </a:highlight>
-                <a:latin typeface="Consolas" panose="020B0609020204030204" pitchFamily="49" charset="0"/>
-              </a:rPr>
-              <a:t> [] </a:t>
-            </a:r>
-            <a:r>
-              <a:rPr lang="it-IT" sz="800" dirty="0" err="1">
-                <a:solidFill>
-                  <a:srgbClr val="DCDCDC"/>
-                </a:solidFill>
-                <a:highlight>
-                  <a:srgbClr val="1E1E1E"/>
-                </a:highlight>
-                <a:latin typeface="Consolas" panose="020B0609020204030204" pitchFamily="49" charset="0"/>
-              </a:rPr>
-              <a:t>shapes</a:t>
-            </a:r>
-            <a:r>
-              <a:rPr lang="it-IT" sz="800" dirty="0">
-                <a:solidFill>
-                  <a:srgbClr val="DCDCDC"/>
-                </a:solidFill>
-                <a:highlight>
-                  <a:srgbClr val="1E1E1E"/>
-                </a:highlight>
-                <a:latin typeface="Consolas" panose="020B0609020204030204" pitchFamily="49" charset="0"/>
-              </a:rPr>
-              <a:t>)</a:t>
-            </a:r>
-          </a:p>
-          <a:p>
-            <a:r>
-              <a:rPr lang="it-IT" sz="800" dirty="0">
-                <a:solidFill>
-                  <a:srgbClr val="DCDCDC"/>
-                </a:solidFill>
-                <a:highlight>
-                  <a:srgbClr val="1E1E1E"/>
-                </a:highlight>
-                <a:latin typeface="Consolas" panose="020B0609020204030204" pitchFamily="49" charset="0"/>
-              </a:rPr>
-              <a:t>            : </a:t>
-            </a:r>
-            <a:r>
-              <a:rPr lang="it-IT" sz="800" dirty="0">
-                <a:solidFill>
-                  <a:srgbClr val="569CD6"/>
-                </a:solidFill>
-                <a:highlight>
-                  <a:srgbClr val="1E1E1E"/>
-                </a:highlight>
-                <a:latin typeface="Consolas" panose="020B0609020204030204" pitchFamily="49" charset="0"/>
-              </a:rPr>
-              <a:t>base</a:t>
-            </a:r>
-            <a:r>
-              <a:rPr lang="it-IT" sz="800" dirty="0">
-                <a:solidFill>
-                  <a:srgbClr val="DCDCDC"/>
-                </a:solidFill>
-                <a:highlight>
-                  <a:srgbClr val="1E1E1E"/>
-                </a:highlight>
-                <a:latin typeface="Consolas" panose="020B0609020204030204" pitchFamily="49" charset="0"/>
-              </a:rPr>
-              <a:t>(</a:t>
-            </a:r>
-            <a:r>
-              <a:rPr lang="it-IT" sz="800" dirty="0" err="1">
-                <a:solidFill>
-                  <a:srgbClr val="DCDCDC"/>
-                </a:solidFill>
-                <a:highlight>
-                  <a:srgbClr val="1E1E1E"/>
-                </a:highlight>
-                <a:latin typeface="Consolas" panose="020B0609020204030204" pitchFamily="49" charset="0"/>
-              </a:rPr>
-              <a:t>shapes</a:t>
-            </a:r>
-            <a:r>
-              <a:rPr lang="it-IT" sz="800" dirty="0">
-                <a:solidFill>
-                  <a:srgbClr val="DCDCDC"/>
-                </a:solidFill>
-                <a:highlight>
-                  <a:srgbClr val="1E1E1E"/>
-                </a:highlight>
-                <a:latin typeface="Consolas" panose="020B0609020204030204" pitchFamily="49" charset="0"/>
-              </a:rPr>
-              <a:t>) { }</a:t>
-            </a:r>
-          </a:p>
-          <a:p>
-            <a:r>
-              <a:rPr lang="it-IT" sz="800" dirty="0">
-                <a:solidFill>
-                  <a:srgbClr val="DCDCDC"/>
-                </a:solidFill>
-                <a:highlight>
-                  <a:srgbClr val="1E1E1E"/>
-                </a:highlight>
-                <a:latin typeface="Consolas" panose="020B0609020204030204" pitchFamily="49" charset="0"/>
-              </a:rPr>
-              <a:t>        </a:t>
-            </a:r>
-            <a:r>
-              <a:rPr lang="it-IT" sz="800" dirty="0">
-                <a:solidFill>
-                  <a:srgbClr val="569CD6"/>
-                </a:solidFill>
-                <a:highlight>
-                  <a:srgbClr val="1E1E1E"/>
-                </a:highlight>
-                <a:latin typeface="Consolas" panose="020B0609020204030204" pitchFamily="49" charset="0"/>
-              </a:rPr>
-              <a:t>public</a:t>
-            </a:r>
-            <a:r>
-              <a:rPr lang="it-IT" sz="800" dirty="0">
-                <a:solidFill>
-                  <a:srgbClr val="DCDCDC"/>
-                </a:solidFill>
-                <a:highlight>
-                  <a:srgbClr val="1E1E1E"/>
-                </a:highlight>
-                <a:latin typeface="Consolas" panose="020B0609020204030204" pitchFamily="49" charset="0"/>
-              </a:rPr>
-              <a:t> </a:t>
-            </a:r>
-            <a:r>
-              <a:rPr lang="it-IT" sz="800" dirty="0" err="1">
-                <a:solidFill>
-                  <a:srgbClr val="569CD6"/>
-                </a:solidFill>
-                <a:highlight>
-                  <a:srgbClr val="1E1E1E"/>
-                </a:highlight>
-                <a:latin typeface="Consolas" panose="020B0609020204030204" pitchFamily="49" charset="0"/>
-              </a:rPr>
-              <a:t>override</a:t>
-            </a:r>
-            <a:r>
-              <a:rPr lang="it-IT" sz="800" dirty="0">
-                <a:solidFill>
-                  <a:srgbClr val="DCDCDC"/>
-                </a:solidFill>
-                <a:highlight>
-                  <a:srgbClr val="1E1E1E"/>
-                </a:highlight>
-                <a:latin typeface="Consolas" panose="020B0609020204030204" pitchFamily="49" charset="0"/>
-              </a:rPr>
-              <a:t> </a:t>
-            </a:r>
-            <a:r>
-              <a:rPr lang="it-IT" sz="800" dirty="0">
-                <a:solidFill>
-                  <a:srgbClr val="569CD6"/>
-                </a:solidFill>
-                <a:highlight>
-                  <a:srgbClr val="1E1E1E"/>
-                </a:highlight>
-                <a:latin typeface="Consolas" panose="020B0609020204030204" pitchFamily="49" charset="0"/>
-              </a:rPr>
-              <a:t>float</a:t>
-            </a:r>
-            <a:r>
-              <a:rPr lang="it-IT" sz="800" dirty="0">
-                <a:solidFill>
-                  <a:srgbClr val="DCDCDC"/>
-                </a:solidFill>
-                <a:highlight>
-                  <a:srgbClr val="1E1E1E"/>
-                </a:highlight>
-                <a:latin typeface="Consolas" panose="020B0609020204030204" pitchFamily="49" charset="0"/>
-              </a:rPr>
-              <a:t> Sum()</a:t>
-            </a:r>
-          </a:p>
-          <a:p>
-            <a:r>
-              <a:rPr lang="it-IT" sz="800" dirty="0">
-                <a:solidFill>
-                  <a:srgbClr val="DCDCDC"/>
-                </a:solidFill>
-                <a:highlight>
-                  <a:srgbClr val="1E1E1E"/>
-                </a:highlight>
-                <a:latin typeface="Consolas" panose="020B0609020204030204" pitchFamily="49" charset="0"/>
-              </a:rPr>
-              <a:t>        {</a:t>
-            </a:r>
-          </a:p>
-          <a:p>
-            <a:r>
-              <a:rPr lang="it-IT" sz="800" dirty="0">
-                <a:solidFill>
-                  <a:srgbClr val="DCDCDC"/>
-                </a:solidFill>
-                <a:highlight>
-                  <a:srgbClr val="1E1E1E"/>
-                </a:highlight>
-                <a:latin typeface="Consolas" panose="020B0609020204030204" pitchFamily="49" charset="0"/>
-              </a:rPr>
-              <a:t>            </a:t>
-            </a:r>
-            <a:r>
-              <a:rPr lang="it-IT" sz="800" dirty="0" err="1">
-                <a:solidFill>
-                  <a:srgbClr val="569CD6"/>
-                </a:solidFill>
-                <a:highlight>
-                  <a:srgbClr val="1E1E1E"/>
-                </a:highlight>
-                <a:latin typeface="Consolas" panose="020B0609020204030204" pitchFamily="49" charset="0"/>
-              </a:rPr>
-              <a:t>return</a:t>
-            </a:r>
-            <a:r>
-              <a:rPr lang="it-IT" sz="800" dirty="0">
-                <a:solidFill>
-                  <a:srgbClr val="DCDCDC"/>
-                </a:solidFill>
-                <a:highlight>
-                  <a:srgbClr val="1E1E1E"/>
-                </a:highlight>
-                <a:latin typeface="Consolas" panose="020B0609020204030204" pitchFamily="49" charset="0"/>
-              </a:rPr>
-              <a:t> </a:t>
-            </a:r>
-            <a:r>
-              <a:rPr lang="it-IT" sz="800" dirty="0" err="1">
-                <a:solidFill>
-                  <a:srgbClr val="DCDCDC"/>
-                </a:solidFill>
-                <a:highlight>
-                  <a:srgbClr val="1E1E1E"/>
-                </a:highlight>
-                <a:latin typeface="Consolas" panose="020B0609020204030204" pitchFamily="49" charset="0"/>
-              </a:rPr>
-              <a:t>shapes</a:t>
-            </a:r>
-            <a:r>
-              <a:rPr lang="it-IT" sz="800" dirty="0" err="1">
-                <a:solidFill>
-                  <a:srgbClr val="B4B4B4"/>
-                </a:solidFill>
-                <a:highlight>
-                  <a:srgbClr val="1E1E1E"/>
-                </a:highlight>
-                <a:latin typeface="Consolas" panose="020B0609020204030204" pitchFamily="49" charset="0"/>
-              </a:rPr>
-              <a:t>.</a:t>
-            </a:r>
-            <a:r>
-              <a:rPr lang="it-IT" sz="800" dirty="0" err="1">
-                <a:solidFill>
-                  <a:srgbClr val="DCDCDC"/>
-                </a:solidFill>
-                <a:highlight>
-                  <a:srgbClr val="1E1E1E"/>
-                </a:highlight>
-                <a:latin typeface="Consolas" panose="020B0609020204030204" pitchFamily="49" charset="0"/>
-              </a:rPr>
-              <a:t>Sum</a:t>
-            </a:r>
-            <a:r>
-              <a:rPr lang="it-IT" sz="800" dirty="0">
-                <a:solidFill>
-                  <a:srgbClr val="DCDCDC"/>
-                </a:solidFill>
-                <a:highlight>
-                  <a:srgbClr val="1E1E1E"/>
-                </a:highlight>
-                <a:latin typeface="Consolas" panose="020B0609020204030204" pitchFamily="49" charset="0"/>
-              </a:rPr>
-              <a:t>(s </a:t>
-            </a:r>
-            <a:r>
-              <a:rPr lang="it-IT" sz="800" dirty="0">
-                <a:solidFill>
-                  <a:srgbClr val="B4B4B4"/>
-                </a:solidFill>
-                <a:highlight>
-                  <a:srgbClr val="1E1E1E"/>
-                </a:highlight>
-                <a:latin typeface="Consolas" panose="020B0609020204030204" pitchFamily="49" charset="0"/>
-              </a:rPr>
-              <a:t>=&gt;</a:t>
-            </a:r>
-            <a:r>
-              <a:rPr lang="it-IT" sz="800" dirty="0">
-                <a:solidFill>
-                  <a:srgbClr val="DCDCDC"/>
-                </a:solidFill>
-                <a:highlight>
-                  <a:srgbClr val="1E1E1E"/>
-                </a:highlight>
-                <a:latin typeface="Consolas" panose="020B0609020204030204" pitchFamily="49" charset="0"/>
-              </a:rPr>
-              <a:t> </a:t>
-            </a:r>
-            <a:r>
-              <a:rPr lang="it-IT" sz="800" dirty="0" err="1">
-                <a:solidFill>
-                  <a:srgbClr val="DCDCDC"/>
-                </a:solidFill>
-                <a:highlight>
-                  <a:srgbClr val="1E1E1E"/>
-                </a:highlight>
-                <a:latin typeface="Consolas" panose="020B0609020204030204" pitchFamily="49" charset="0"/>
-              </a:rPr>
-              <a:t>s</a:t>
-            </a:r>
-            <a:r>
-              <a:rPr lang="it-IT" sz="800" dirty="0" err="1">
-                <a:solidFill>
-                  <a:srgbClr val="B4B4B4"/>
-                </a:solidFill>
-                <a:highlight>
-                  <a:srgbClr val="1E1E1E"/>
-                </a:highlight>
-                <a:latin typeface="Consolas" panose="020B0609020204030204" pitchFamily="49" charset="0"/>
-              </a:rPr>
-              <a:t>.</a:t>
-            </a:r>
-            <a:r>
-              <a:rPr lang="it-IT" sz="800" dirty="0" err="1">
-                <a:solidFill>
-                  <a:srgbClr val="DCDCDC"/>
-                </a:solidFill>
-                <a:highlight>
-                  <a:srgbClr val="1E1E1E"/>
-                </a:highlight>
-                <a:latin typeface="Consolas" panose="020B0609020204030204" pitchFamily="49" charset="0"/>
-              </a:rPr>
-              <a:t>GetArea</a:t>
-            </a:r>
-            <a:r>
-              <a:rPr lang="it-IT" sz="800" dirty="0">
-                <a:solidFill>
-                  <a:srgbClr val="DCDCDC"/>
-                </a:solidFill>
-                <a:highlight>
-                  <a:srgbClr val="1E1E1E"/>
-                </a:highlight>
-                <a:latin typeface="Consolas" panose="020B0609020204030204" pitchFamily="49" charset="0"/>
-              </a:rPr>
-              <a:t>());</a:t>
-            </a:r>
-          </a:p>
-          <a:p>
-            <a:r>
-              <a:rPr lang="it-IT" sz="800" dirty="0">
-                <a:solidFill>
-                  <a:srgbClr val="DCDCDC"/>
-                </a:solidFill>
-                <a:highlight>
-                  <a:srgbClr val="1E1E1E"/>
-                </a:highlight>
-                <a:latin typeface="Consolas" panose="020B0609020204030204" pitchFamily="49" charset="0"/>
-              </a:rPr>
-              <a:t>        }</a:t>
-            </a:r>
-          </a:p>
-          <a:p>
-            <a:r>
-              <a:rPr lang="it-IT" sz="800" dirty="0">
-                <a:solidFill>
-                  <a:srgbClr val="DCDCDC"/>
-                </a:solidFill>
-                <a:highlight>
-                  <a:srgbClr val="1E1E1E"/>
-                </a:highlight>
-                <a:latin typeface="Consolas" panose="020B0609020204030204" pitchFamily="49" charset="0"/>
-              </a:rPr>
-              <a:t> }</a:t>
-            </a:r>
-          </a:p>
-          <a:p>
-            <a:r>
-              <a:rPr lang="it-IT" sz="800" dirty="0">
-                <a:solidFill>
-                  <a:srgbClr val="DCDCDC"/>
-                </a:solidFill>
-                <a:highlight>
-                  <a:srgbClr val="1E1E1E"/>
-                </a:highlight>
-                <a:latin typeface="Consolas" panose="020B0609020204030204" pitchFamily="49" charset="0"/>
-              </a:rPr>
-              <a:t> </a:t>
-            </a:r>
-          </a:p>
-          <a:p>
-            <a:r>
-              <a:rPr lang="it-IT" sz="800" dirty="0">
-                <a:solidFill>
-                  <a:srgbClr val="569CD6"/>
-                </a:solidFill>
-                <a:highlight>
-                  <a:srgbClr val="1E1E1E"/>
-                </a:highlight>
-                <a:latin typeface="Consolas" panose="020B0609020204030204" pitchFamily="49" charset="0"/>
-              </a:rPr>
-              <a:t>public</a:t>
-            </a:r>
-            <a:r>
-              <a:rPr lang="it-IT" sz="800" dirty="0">
-                <a:solidFill>
-                  <a:srgbClr val="DCDCDC"/>
-                </a:solidFill>
-                <a:highlight>
-                  <a:srgbClr val="1E1E1E"/>
-                </a:highlight>
-                <a:latin typeface="Consolas" panose="020B0609020204030204" pitchFamily="49" charset="0"/>
-              </a:rPr>
-              <a:t> </a:t>
-            </a:r>
-            <a:r>
-              <a:rPr lang="it-IT" sz="800" dirty="0" err="1">
-                <a:solidFill>
-                  <a:srgbClr val="569CD6"/>
-                </a:solidFill>
-                <a:highlight>
-                  <a:srgbClr val="1E1E1E"/>
-                </a:highlight>
-                <a:latin typeface="Consolas" panose="020B0609020204030204" pitchFamily="49" charset="0"/>
-              </a:rPr>
-              <a:t>class</a:t>
-            </a:r>
-            <a:r>
-              <a:rPr lang="it-IT" sz="800" dirty="0">
-                <a:solidFill>
-                  <a:srgbClr val="DCDCDC"/>
-                </a:solidFill>
-                <a:highlight>
-                  <a:srgbClr val="1E1E1E"/>
-                </a:highlight>
-                <a:latin typeface="Consolas" panose="020B0609020204030204" pitchFamily="49" charset="0"/>
-              </a:rPr>
-              <a:t> </a:t>
-            </a:r>
-            <a:r>
-              <a:rPr lang="it-IT" sz="800" dirty="0" err="1">
-                <a:solidFill>
-                  <a:srgbClr val="4EC9B0"/>
-                </a:solidFill>
-                <a:highlight>
-                  <a:srgbClr val="1E1E1E"/>
-                </a:highlight>
-                <a:latin typeface="Consolas" panose="020B0609020204030204" pitchFamily="49" charset="0"/>
-              </a:rPr>
-              <a:t>PerimeterCalculator</a:t>
-            </a:r>
-            <a:r>
-              <a:rPr lang="it-IT" sz="800" dirty="0">
-                <a:solidFill>
-                  <a:srgbClr val="DCDCDC"/>
-                </a:solidFill>
-                <a:highlight>
-                  <a:srgbClr val="1E1E1E"/>
-                </a:highlight>
-                <a:latin typeface="Consolas" panose="020B0609020204030204" pitchFamily="49" charset="0"/>
-              </a:rPr>
-              <a:t> : </a:t>
-            </a:r>
-            <a:r>
-              <a:rPr lang="it-IT" sz="800" dirty="0" err="1">
-                <a:solidFill>
-                  <a:srgbClr val="4EC9B0"/>
-                </a:solidFill>
-                <a:highlight>
-                  <a:srgbClr val="1E1E1E"/>
-                </a:highlight>
-                <a:latin typeface="Consolas" panose="020B0609020204030204" pitchFamily="49" charset="0"/>
-              </a:rPr>
-              <a:t>GenericCalculator</a:t>
-            </a:r>
-            <a:endParaRPr lang="it-IT" sz="800" dirty="0">
-              <a:solidFill>
-                <a:srgbClr val="DCDCDC"/>
-              </a:solidFill>
-              <a:highlight>
-                <a:srgbClr val="1E1E1E"/>
-              </a:highlight>
-              <a:latin typeface="Consolas" panose="020B0609020204030204" pitchFamily="49" charset="0"/>
-            </a:endParaRPr>
-          </a:p>
-          <a:p>
-            <a:r>
-              <a:rPr lang="it-IT" sz="800" dirty="0">
-                <a:solidFill>
-                  <a:srgbClr val="DCDCDC"/>
-                </a:solidFill>
-                <a:highlight>
-                  <a:srgbClr val="1E1E1E"/>
-                </a:highlight>
-                <a:latin typeface="Consolas" panose="020B0609020204030204" pitchFamily="49" charset="0"/>
-              </a:rPr>
-              <a:t>{</a:t>
-            </a:r>
-          </a:p>
-          <a:p>
-            <a:r>
-              <a:rPr lang="it-IT" sz="800" dirty="0">
-                <a:solidFill>
-                  <a:srgbClr val="DCDCDC"/>
-                </a:solidFill>
-                <a:highlight>
-                  <a:srgbClr val="1E1E1E"/>
-                </a:highlight>
-                <a:latin typeface="Consolas" panose="020B0609020204030204" pitchFamily="49" charset="0"/>
-              </a:rPr>
-              <a:t>        </a:t>
-            </a:r>
-            <a:r>
-              <a:rPr lang="it-IT" sz="800" dirty="0">
-                <a:solidFill>
-                  <a:srgbClr val="569CD6"/>
-                </a:solidFill>
-                <a:highlight>
-                  <a:srgbClr val="1E1E1E"/>
-                </a:highlight>
-                <a:latin typeface="Consolas" panose="020B0609020204030204" pitchFamily="49" charset="0"/>
-              </a:rPr>
-              <a:t>public</a:t>
-            </a:r>
-            <a:r>
-              <a:rPr lang="it-IT" sz="800" dirty="0">
-                <a:solidFill>
-                  <a:srgbClr val="DCDCDC"/>
-                </a:solidFill>
-                <a:highlight>
-                  <a:srgbClr val="1E1E1E"/>
-                </a:highlight>
-                <a:latin typeface="Consolas" panose="020B0609020204030204" pitchFamily="49" charset="0"/>
-              </a:rPr>
-              <a:t> </a:t>
-            </a:r>
-            <a:r>
-              <a:rPr lang="it-IT" sz="800" dirty="0" err="1">
-                <a:solidFill>
-                  <a:srgbClr val="DCDCDC"/>
-                </a:solidFill>
-                <a:highlight>
-                  <a:srgbClr val="1E1E1E"/>
-                </a:highlight>
-                <a:latin typeface="Consolas" panose="020B0609020204030204" pitchFamily="49" charset="0"/>
-              </a:rPr>
-              <a:t>PerimeterCalculator</a:t>
-            </a:r>
-            <a:r>
-              <a:rPr lang="it-IT" sz="800" dirty="0">
-                <a:solidFill>
-                  <a:srgbClr val="DCDCDC"/>
-                </a:solidFill>
-                <a:highlight>
-                  <a:srgbClr val="1E1E1E"/>
-                </a:highlight>
-                <a:latin typeface="Consolas" panose="020B0609020204030204" pitchFamily="49" charset="0"/>
-              </a:rPr>
-              <a:t>(</a:t>
-            </a:r>
-            <a:r>
-              <a:rPr lang="it-IT" sz="800" dirty="0" err="1">
-                <a:solidFill>
-                  <a:srgbClr val="4EC9B0"/>
-                </a:solidFill>
-                <a:highlight>
-                  <a:srgbClr val="1E1E1E"/>
-                </a:highlight>
-                <a:latin typeface="Consolas" panose="020B0609020204030204" pitchFamily="49" charset="0"/>
-              </a:rPr>
-              <a:t>Shape</a:t>
-            </a:r>
-            <a:r>
-              <a:rPr lang="it-IT" sz="800" dirty="0">
-                <a:solidFill>
-                  <a:srgbClr val="DCDCDC"/>
-                </a:solidFill>
-                <a:highlight>
-                  <a:srgbClr val="1E1E1E"/>
-                </a:highlight>
-                <a:latin typeface="Consolas" panose="020B0609020204030204" pitchFamily="49" charset="0"/>
-              </a:rPr>
-              <a:t> [] </a:t>
-            </a:r>
-            <a:r>
-              <a:rPr lang="it-IT" sz="800" dirty="0" err="1">
-                <a:solidFill>
-                  <a:srgbClr val="DCDCDC"/>
-                </a:solidFill>
-                <a:highlight>
-                  <a:srgbClr val="1E1E1E"/>
-                </a:highlight>
-                <a:latin typeface="Consolas" panose="020B0609020204030204" pitchFamily="49" charset="0"/>
-              </a:rPr>
-              <a:t>shapes</a:t>
-            </a:r>
-            <a:r>
-              <a:rPr lang="it-IT" sz="800" dirty="0">
-                <a:solidFill>
-                  <a:srgbClr val="DCDCDC"/>
-                </a:solidFill>
-                <a:highlight>
-                  <a:srgbClr val="1E1E1E"/>
-                </a:highlight>
-                <a:latin typeface="Consolas" panose="020B0609020204030204" pitchFamily="49" charset="0"/>
-              </a:rPr>
-              <a:t>)</a:t>
-            </a:r>
-          </a:p>
-          <a:p>
-            <a:r>
-              <a:rPr lang="it-IT" sz="800" dirty="0">
-                <a:solidFill>
-                  <a:srgbClr val="DCDCDC"/>
-                </a:solidFill>
-                <a:highlight>
-                  <a:srgbClr val="1E1E1E"/>
-                </a:highlight>
-                <a:latin typeface="Consolas" panose="020B0609020204030204" pitchFamily="49" charset="0"/>
-              </a:rPr>
-              <a:t> 		: </a:t>
-            </a:r>
-            <a:r>
-              <a:rPr lang="it-IT" sz="800" dirty="0">
-                <a:solidFill>
-                  <a:srgbClr val="569CD6"/>
-                </a:solidFill>
-                <a:highlight>
-                  <a:srgbClr val="1E1E1E"/>
-                </a:highlight>
-                <a:latin typeface="Consolas" panose="020B0609020204030204" pitchFamily="49" charset="0"/>
-              </a:rPr>
-              <a:t>base</a:t>
-            </a:r>
-            <a:r>
-              <a:rPr lang="it-IT" sz="800" dirty="0">
-                <a:solidFill>
-                  <a:srgbClr val="DCDCDC"/>
-                </a:solidFill>
-                <a:highlight>
-                  <a:srgbClr val="1E1E1E"/>
-                </a:highlight>
-                <a:latin typeface="Consolas" panose="020B0609020204030204" pitchFamily="49" charset="0"/>
-              </a:rPr>
-              <a:t>(</a:t>
-            </a:r>
-            <a:r>
-              <a:rPr lang="it-IT" sz="800" dirty="0" err="1">
-                <a:solidFill>
-                  <a:srgbClr val="DCDCDC"/>
-                </a:solidFill>
-                <a:highlight>
-                  <a:srgbClr val="1E1E1E"/>
-                </a:highlight>
-                <a:latin typeface="Consolas" panose="020B0609020204030204" pitchFamily="49" charset="0"/>
-              </a:rPr>
-              <a:t>shapes</a:t>
-            </a:r>
-            <a:r>
-              <a:rPr lang="it-IT" sz="800" dirty="0">
-                <a:solidFill>
-                  <a:srgbClr val="DCDCDC"/>
-                </a:solidFill>
-                <a:highlight>
-                  <a:srgbClr val="1E1E1E"/>
-                </a:highlight>
-                <a:latin typeface="Consolas" panose="020B0609020204030204" pitchFamily="49" charset="0"/>
-              </a:rPr>
-              <a:t>) { }</a:t>
-            </a:r>
-          </a:p>
-          <a:p>
-            <a:r>
-              <a:rPr lang="it-IT" sz="800" dirty="0">
-                <a:solidFill>
-                  <a:srgbClr val="DCDCDC"/>
-                </a:solidFill>
-                <a:highlight>
-                  <a:srgbClr val="1E1E1E"/>
-                </a:highlight>
-                <a:latin typeface="Consolas" panose="020B0609020204030204" pitchFamily="49" charset="0"/>
-              </a:rPr>
-              <a:t>        </a:t>
-            </a:r>
-            <a:r>
-              <a:rPr lang="it-IT" sz="800" dirty="0">
-                <a:solidFill>
-                  <a:srgbClr val="569CD6"/>
-                </a:solidFill>
-                <a:highlight>
-                  <a:srgbClr val="1E1E1E"/>
-                </a:highlight>
-                <a:latin typeface="Consolas" panose="020B0609020204030204" pitchFamily="49" charset="0"/>
-              </a:rPr>
-              <a:t>public</a:t>
-            </a:r>
-            <a:r>
-              <a:rPr lang="it-IT" sz="800" dirty="0">
-                <a:solidFill>
-                  <a:srgbClr val="DCDCDC"/>
-                </a:solidFill>
-                <a:highlight>
-                  <a:srgbClr val="1E1E1E"/>
-                </a:highlight>
-                <a:latin typeface="Consolas" panose="020B0609020204030204" pitchFamily="49" charset="0"/>
-              </a:rPr>
-              <a:t> </a:t>
-            </a:r>
-            <a:r>
-              <a:rPr lang="it-IT" sz="800" dirty="0" err="1">
-                <a:solidFill>
-                  <a:srgbClr val="569CD6"/>
-                </a:solidFill>
-                <a:highlight>
-                  <a:srgbClr val="1E1E1E"/>
-                </a:highlight>
-                <a:latin typeface="Consolas" panose="020B0609020204030204" pitchFamily="49" charset="0"/>
-              </a:rPr>
-              <a:t>override</a:t>
-            </a:r>
-            <a:r>
-              <a:rPr lang="it-IT" sz="800" dirty="0">
-                <a:solidFill>
-                  <a:srgbClr val="DCDCDC"/>
-                </a:solidFill>
-                <a:highlight>
-                  <a:srgbClr val="1E1E1E"/>
-                </a:highlight>
-                <a:latin typeface="Consolas" panose="020B0609020204030204" pitchFamily="49" charset="0"/>
-              </a:rPr>
-              <a:t> </a:t>
-            </a:r>
-            <a:r>
-              <a:rPr lang="it-IT" sz="800" dirty="0">
-                <a:solidFill>
-                  <a:srgbClr val="569CD6"/>
-                </a:solidFill>
-                <a:highlight>
-                  <a:srgbClr val="1E1E1E"/>
-                </a:highlight>
-                <a:latin typeface="Consolas" panose="020B0609020204030204" pitchFamily="49" charset="0"/>
-              </a:rPr>
-              <a:t>float</a:t>
-            </a:r>
-            <a:r>
-              <a:rPr lang="it-IT" sz="800" dirty="0">
-                <a:solidFill>
-                  <a:srgbClr val="DCDCDC"/>
-                </a:solidFill>
-                <a:highlight>
-                  <a:srgbClr val="1E1E1E"/>
-                </a:highlight>
-                <a:latin typeface="Consolas" panose="020B0609020204030204" pitchFamily="49" charset="0"/>
-              </a:rPr>
-              <a:t> Sum()</a:t>
-            </a:r>
-          </a:p>
-          <a:p>
-            <a:r>
-              <a:rPr lang="it-IT" sz="800" dirty="0">
-                <a:solidFill>
-                  <a:srgbClr val="DCDCDC"/>
-                </a:solidFill>
-                <a:highlight>
-                  <a:srgbClr val="1E1E1E"/>
-                </a:highlight>
-                <a:latin typeface="Consolas" panose="020B0609020204030204" pitchFamily="49" charset="0"/>
-              </a:rPr>
-              <a:t>        {</a:t>
-            </a:r>
-          </a:p>
-          <a:p>
-            <a:r>
-              <a:rPr lang="it-IT" sz="800" dirty="0">
-                <a:solidFill>
-                  <a:srgbClr val="DCDCDC"/>
-                </a:solidFill>
-                <a:highlight>
-                  <a:srgbClr val="1E1E1E"/>
-                </a:highlight>
-                <a:latin typeface="Consolas" panose="020B0609020204030204" pitchFamily="49" charset="0"/>
-              </a:rPr>
-              <a:t>            </a:t>
-            </a:r>
-            <a:r>
-              <a:rPr lang="it-IT" sz="800" dirty="0" err="1">
-                <a:solidFill>
-                  <a:srgbClr val="569CD6"/>
-                </a:solidFill>
-                <a:highlight>
-                  <a:srgbClr val="1E1E1E"/>
-                </a:highlight>
-                <a:latin typeface="Consolas" panose="020B0609020204030204" pitchFamily="49" charset="0"/>
-              </a:rPr>
-              <a:t>return</a:t>
-            </a:r>
-            <a:r>
-              <a:rPr lang="it-IT" sz="800" dirty="0">
-                <a:solidFill>
-                  <a:srgbClr val="DCDCDC"/>
-                </a:solidFill>
-                <a:highlight>
-                  <a:srgbClr val="1E1E1E"/>
-                </a:highlight>
-                <a:latin typeface="Consolas" panose="020B0609020204030204" pitchFamily="49" charset="0"/>
-              </a:rPr>
-              <a:t> </a:t>
-            </a:r>
-            <a:r>
-              <a:rPr lang="it-IT" sz="800" dirty="0" err="1">
-                <a:solidFill>
-                  <a:srgbClr val="DCDCDC"/>
-                </a:solidFill>
-                <a:highlight>
-                  <a:srgbClr val="1E1E1E"/>
-                </a:highlight>
-                <a:latin typeface="Consolas" panose="020B0609020204030204" pitchFamily="49" charset="0"/>
-              </a:rPr>
-              <a:t>shapes</a:t>
-            </a:r>
-            <a:r>
-              <a:rPr lang="it-IT" sz="800" dirty="0" err="1">
-                <a:solidFill>
-                  <a:srgbClr val="B4B4B4"/>
-                </a:solidFill>
-                <a:highlight>
-                  <a:srgbClr val="1E1E1E"/>
-                </a:highlight>
-                <a:latin typeface="Consolas" panose="020B0609020204030204" pitchFamily="49" charset="0"/>
-              </a:rPr>
-              <a:t>.</a:t>
-            </a:r>
-            <a:r>
-              <a:rPr lang="it-IT" sz="800" dirty="0" err="1">
-                <a:solidFill>
-                  <a:srgbClr val="DCDCDC"/>
-                </a:solidFill>
-                <a:highlight>
-                  <a:srgbClr val="1E1E1E"/>
-                </a:highlight>
-                <a:latin typeface="Consolas" panose="020B0609020204030204" pitchFamily="49" charset="0"/>
-              </a:rPr>
-              <a:t>Sum</a:t>
-            </a:r>
-            <a:r>
-              <a:rPr lang="it-IT" sz="800" dirty="0">
-                <a:solidFill>
-                  <a:srgbClr val="DCDCDC"/>
-                </a:solidFill>
-                <a:highlight>
-                  <a:srgbClr val="1E1E1E"/>
-                </a:highlight>
-                <a:latin typeface="Consolas" panose="020B0609020204030204" pitchFamily="49" charset="0"/>
-              </a:rPr>
-              <a:t>(s </a:t>
-            </a:r>
-            <a:r>
-              <a:rPr lang="it-IT" sz="800" dirty="0">
-                <a:solidFill>
-                  <a:srgbClr val="B4B4B4"/>
-                </a:solidFill>
-                <a:highlight>
-                  <a:srgbClr val="1E1E1E"/>
-                </a:highlight>
-                <a:latin typeface="Consolas" panose="020B0609020204030204" pitchFamily="49" charset="0"/>
-              </a:rPr>
-              <a:t>=&gt;</a:t>
-            </a:r>
-            <a:r>
-              <a:rPr lang="it-IT" sz="800" dirty="0">
-                <a:solidFill>
-                  <a:srgbClr val="DCDCDC"/>
-                </a:solidFill>
-                <a:highlight>
-                  <a:srgbClr val="1E1E1E"/>
-                </a:highlight>
-                <a:latin typeface="Consolas" panose="020B0609020204030204" pitchFamily="49" charset="0"/>
-              </a:rPr>
-              <a:t> </a:t>
-            </a:r>
-            <a:r>
-              <a:rPr lang="it-IT" sz="800" dirty="0" err="1">
-                <a:solidFill>
-                  <a:srgbClr val="DCDCDC"/>
-                </a:solidFill>
-                <a:highlight>
-                  <a:srgbClr val="1E1E1E"/>
-                </a:highlight>
-                <a:latin typeface="Consolas" panose="020B0609020204030204" pitchFamily="49" charset="0"/>
-              </a:rPr>
-              <a:t>s</a:t>
-            </a:r>
-            <a:r>
-              <a:rPr lang="it-IT" sz="800" dirty="0" err="1">
-                <a:solidFill>
-                  <a:srgbClr val="B4B4B4"/>
-                </a:solidFill>
-                <a:highlight>
-                  <a:srgbClr val="1E1E1E"/>
-                </a:highlight>
-                <a:latin typeface="Consolas" panose="020B0609020204030204" pitchFamily="49" charset="0"/>
-              </a:rPr>
-              <a:t>.</a:t>
-            </a:r>
-            <a:r>
-              <a:rPr lang="it-IT" sz="800" dirty="0" err="1">
-                <a:solidFill>
-                  <a:srgbClr val="DCDCDC"/>
-                </a:solidFill>
-                <a:highlight>
-                  <a:srgbClr val="1E1E1E"/>
-                </a:highlight>
-                <a:latin typeface="Consolas" panose="020B0609020204030204" pitchFamily="49" charset="0"/>
-              </a:rPr>
-              <a:t>GetPerimeter</a:t>
-            </a:r>
-            <a:r>
-              <a:rPr lang="it-IT" sz="800" dirty="0">
-                <a:solidFill>
-                  <a:srgbClr val="DCDCDC"/>
-                </a:solidFill>
-                <a:highlight>
-                  <a:srgbClr val="1E1E1E"/>
-                </a:highlight>
-                <a:latin typeface="Consolas" panose="020B0609020204030204" pitchFamily="49" charset="0"/>
-              </a:rPr>
-              <a:t>());</a:t>
-            </a:r>
-          </a:p>
-          <a:p>
-            <a:r>
-              <a:rPr lang="it-IT" sz="800" dirty="0">
-                <a:solidFill>
-                  <a:srgbClr val="DCDCDC"/>
-                </a:solidFill>
-                <a:highlight>
-                  <a:srgbClr val="1E1E1E"/>
-                </a:highlight>
-                <a:latin typeface="Consolas" panose="020B0609020204030204" pitchFamily="49" charset="0"/>
-              </a:rPr>
-              <a:t>        }</a:t>
-            </a:r>
-          </a:p>
-          <a:p>
-            <a:r>
-              <a:rPr lang="it-IT" sz="800" dirty="0">
-                <a:solidFill>
-                  <a:srgbClr val="DCDCDC"/>
-                </a:solidFill>
-                <a:highlight>
-                  <a:srgbClr val="1E1E1E"/>
-                </a:highlight>
-                <a:latin typeface="Consolas" panose="020B0609020204030204" pitchFamily="49" charset="0"/>
-              </a:rPr>
-              <a:t>}</a:t>
-            </a:r>
-          </a:p>
-        </p:txBody>
-      </p:sp>
+      </p:pic>
     </p:spTree>
     <p:extLst>
       <p:ext uri="{BB962C8B-B14F-4D97-AF65-F5344CB8AC3E}">
-        <p14:creationId xmlns:p14="http://schemas.microsoft.com/office/powerpoint/2010/main" val="1174909020"/>
+        <p14:creationId xmlns:p14="http://schemas.microsoft.com/office/powerpoint/2010/main" val="2095394683"/>
       </p:ext>
     </p:extLst>
   </p:cSld>
@@ -8849,2025 +7271,60 @@
           <a:lstStyle/>
           <a:p>
             <a:r>
-              <a:rPr lang="en-US"/>
-              <a:t>LSP Liskov Substitution Principle</a:t>
-            </a:r>
-          </a:p>
-          <a:p>
-            <a:endParaRPr lang="en-US"/>
+              <a:rPr lang="en-US" dirty="0"/>
+              <a:t>LSP </a:t>
+            </a:r>
+            <a:r>
+              <a:rPr lang="en-US" dirty="0" err="1"/>
+              <a:t>Liskov</a:t>
+            </a:r>
+            <a:r>
+              <a:rPr lang="en-US" dirty="0"/>
+              <a:t> Substitution Principle</a:t>
+            </a:r>
+          </a:p>
+          <a:p>
+            <a:endParaRPr lang="en-US" dirty="0"/>
           </a:p>
           <a:p>
             <a:endParaRPr lang="en-US" dirty="0"/>
           </a:p>
         </p:txBody>
       </p:sp>
-      <p:sp>
-        <p:nvSpPr>
-          <p:cNvPr id="6" name="TextBox 5"/>
-          <p:cNvSpPr txBox="1"/>
+      <p:pic>
+        <p:nvPicPr>
+          <p:cNvPr id="4" name="Picture 3">
+            <a:extLst>
+              <a:ext uri="{FF2B5EF4-FFF2-40B4-BE49-F238E27FC236}">
+                <a16:creationId xmlns:a16="http://schemas.microsoft.com/office/drawing/2014/main" id="{CDE18172-2F07-46DE-9C55-D8C74BF2BD2C}"/>
+              </a:ext>
+            </a:extLst>
+          </p:cNvPr>
+          <p:cNvPicPr>
+            <a:picLocks noChangeAspect="1"/>
+          </p:cNvPicPr>
           <p:nvPr/>
-        </p:nvSpPr>
+        </p:nvPicPr>
+        <p:blipFill>
+          <a:blip r:embed="rId3"/>
+          <a:stretch>
+            <a:fillRect/>
+          </a:stretch>
+        </p:blipFill>
         <p:spPr>
           <a:xfrm>
-            <a:off x="621370" y="1595329"/>
-            <a:ext cx="8210747" cy="4154984"/>
+            <a:off x="1866522" y="2549527"/>
+            <a:ext cx="5410955" cy="3229426"/>
           </a:xfrm>
           <a:prstGeom prst="rect">
             <a:avLst/>
           </a:prstGeom>
-          <a:solidFill>
-            <a:schemeClr val="tx1"/>
-          </a:solidFill>
         </p:spPr>
-        <p:txBody>
-          <a:bodyPr wrap="square" rtlCol="0">
-            <a:spAutoFit/>
-          </a:bodyPr>
-          <a:lstStyle/>
-          <a:p>
-            <a:r>
-              <a:rPr lang="it-IT" sz="800" dirty="0">
-                <a:solidFill>
-                  <a:srgbClr val="569CD6"/>
-                </a:solidFill>
-                <a:highlight>
-                  <a:srgbClr val="1E1E1E"/>
-                </a:highlight>
-                <a:latin typeface="Consolas" panose="020B0609020204030204" pitchFamily="49" charset="0"/>
-              </a:rPr>
-              <a:t>public</a:t>
-            </a:r>
-            <a:r>
-              <a:rPr lang="it-IT" sz="800" dirty="0">
-                <a:solidFill>
-                  <a:srgbClr val="DCDCDC"/>
-                </a:solidFill>
-                <a:highlight>
-                  <a:srgbClr val="1E1E1E"/>
-                </a:highlight>
-                <a:latin typeface="Consolas" panose="020B0609020204030204" pitchFamily="49" charset="0"/>
-              </a:rPr>
-              <a:t> </a:t>
-            </a:r>
-            <a:r>
-              <a:rPr lang="it-IT" sz="800" dirty="0" err="1">
-                <a:solidFill>
-                  <a:srgbClr val="569CD6"/>
-                </a:solidFill>
-                <a:highlight>
-                  <a:srgbClr val="1E1E1E"/>
-                </a:highlight>
-                <a:latin typeface="Consolas" panose="020B0609020204030204" pitchFamily="49" charset="0"/>
-              </a:rPr>
-              <a:t>class</a:t>
-            </a:r>
-            <a:r>
-              <a:rPr lang="it-IT" sz="800" dirty="0">
-                <a:solidFill>
-                  <a:srgbClr val="DCDCDC"/>
-                </a:solidFill>
-                <a:highlight>
-                  <a:srgbClr val="1E1E1E"/>
-                </a:highlight>
-                <a:latin typeface="Consolas" panose="020B0609020204030204" pitchFamily="49" charset="0"/>
-              </a:rPr>
-              <a:t> </a:t>
-            </a:r>
-            <a:r>
-              <a:rPr lang="it-IT" sz="800" dirty="0" err="1">
-                <a:solidFill>
-                  <a:srgbClr val="4EC9B0"/>
-                </a:solidFill>
-                <a:highlight>
-                  <a:srgbClr val="1E1E1E"/>
-                </a:highlight>
-                <a:latin typeface="Consolas" panose="020B0609020204030204" pitchFamily="49" charset="0"/>
-              </a:rPr>
-              <a:t>GenericCalculatorOutput</a:t>
-            </a:r>
-            <a:endParaRPr lang="it-IT" sz="800" dirty="0">
-              <a:solidFill>
-                <a:srgbClr val="DCDCDC"/>
-              </a:solidFill>
-              <a:highlight>
-                <a:srgbClr val="1E1E1E"/>
-              </a:highlight>
-              <a:latin typeface="Consolas" panose="020B0609020204030204" pitchFamily="49" charset="0"/>
-            </a:endParaRPr>
-          </a:p>
-          <a:p>
-            <a:r>
-              <a:rPr lang="it-IT" sz="800" dirty="0">
-                <a:solidFill>
-                  <a:srgbClr val="DCDCDC"/>
-                </a:solidFill>
-                <a:highlight>
-                  <a:srgbClr val="1E1E1E"/>
-                </a:highlight>
-                <a:latin typeface="Consolas" panose="020B0609020204030204" pitchFamily="49" charset="0"/>
-              </a:rPr>
-              <a:t>{</a:t>
-            </a:r>
-          </a:p>
-          <a:p>
-            <a:r>
-              <a:rPr lang="it-IT" sz="800" dirty="0">
-                <a:solidFill>
-                  <a:srgbClr val="DCDCDC"/>
-                </a:solidFill>
-                <a:highlight>
-                  <a:srgbClr val="1E1E1E"/>
-                </a:highlight>
-                <a:latin typeface="Consolas" panose="020B0609020204030204" pitchFamily="49" charset="0"/>
-              </a:rPr>
-              <a:t>        </a:t>
-            </a:r>
-            <a:r>
-              <a:rPr lang="it-IT" sz="800" dirty="0">
-                <a:solidFill>
-                  <a:srgbClr val="569CD6"/>
-                </a:solidFill>
-                <a:highlight>
-                  <a:srgbClr val="1E1E1E"/>
-                </a:highlight>
-                <a:latin typeface="Consolas" panose="020B0609020204030204" pitchFamily="49" charset="0"/>
-              </a:rPr>
-              <a:t>private</a:t>
-            </a:r>
-            <a:r>
-              <a:rPr lang="it-IT" sz="800" dirty="0">
-                <a:solidFill>
-                  <a:srgbClr val="DCDCDC"/>
-                </a:solidFill>
-                <a:highlight>
-                  <a:srgbClr val="1E1E1E"/>
-                </a:highlight>
-                <a:latin typeface="Consolas" panose="020B0609020204030204" pitchFamily="49" charset="0"/>
-              </a:rPr>
-              <a:t> </a:t>
-            </a:r>
-            <a:r>
-              <a:rPr lang="it-IT" sz="800" dirty="0" err="1">
-                <a:solidFill>
-                  <a:srgbClr val="569CD6"/>
-                </a:solidFill>
-                <a:highlight>
-                  <a:srgbClr val="1E1E1E"/>
-                </a:highlight>
-                <a:latin typeface="Consolas" panose="020B0609020204030204" pitchFamily="49" charset="0"/>
-              </a:rPr>
-              <a:t>readonly</a:t>
-            </a:r>
-            <a:r>
-              <a:rPr lang="it-IT" sz="800" dirty="0">
-                <a:solidFill>
-                  <a:srgbClr val="DCDCDC"/>
-                </a:solidFill>
-                <a:highlight>
-                  <a:srgbClr val="1E1E1E"/>
-                </a:highlight>
-                <a:latin typeface="Consolas" panose="020B0609020204030204" pitchFamily="49" charset="0"/>
-              </a:rPr>
-              <a:t> </a:t>
-            </a:r>
-            <a:r>
-              <a:rPr lang="it-IT" sz="800" dirty="0" err="1">
-                <a:solidFill>
-                  <a:srgbClr val="4EC9B0"/>
-                </a:solidFill>
-                <a:highlight>
-                  <a:srgbClr val="1E1E1E"/>
-                </a:highlight>
-                <a:latin typeface="Consolas" panose="020B0609020204030204" pitchFamily="49" charset="0"/>
-              </a:rPr>
-              <a:t>GenericCalculator</a:t>
-            </a:r>
-            <a:r>
-              <a:rPr lang="it-IT" sz="800" dirty="0">
-                <a:solidFill>
-                  <a:srgbClr val="DCDCDC"/>
-                </a:solidFill>
-                <a:highlight>
-                  <a:srgbClr val="1E1E1E"/>
-                </a:highlight>
-                <a:latin typeface="Consolas" panose="020B0609020204030204" pitchFamily="49" charset="0"/>
-              </a:rPr>
-              <a:t> </a:t>
-            </a:r>
-            <a:r>
-              <a:rPr lang="it-IT" sz="800" dirty="0" err="1">
-                <a:solidFill>
-                  <a:srgbClr val="DCDCDC"/>
-                </a:solidFill>
-                <a:highlight>
-                  <a:srgbClr val="1E1E1E"/>
-                </a:highlight>
-                <a:latin typeface="Consolas" panose="020B0609020204030204" pitchFamily="49" charset="0"/>
-              </a:rPr>
-              <a:t>calculator</a:t>
-            </a:r>
-            <a:r>
-              <a:rPr lang="it-IT" sz="800" dirty="0">
-                <a:solidFill>
-                  <a:srgbClr val="DCDCDC"/>
-                </a:solidFill>
-                <a:highlight>
-                  <a:srgbClr val="1E1E1E"/>
-                </a:highlight>
-                <a:latin typeface="Consolas" panose="020B0609020204030204" pitchFamily="49" charset="0"/>
-              </a:rPr>
-              <a:t>;</a:t>
-            </a:r>
-          </a:p>
-          <a:p>
-            <a:endParaRPr lang="it-IT" sz="800" dirty="0">
-              <a:solidFill>
-                <a:srgbClr val="DCDCDC"/>
-              </a:solidFill>
-              <a:highlight>
-                <a:srgbClr val="1E1E1E"/>
-              </a:highlight>
-              <a:latin typeface="Consolas" panose="020B0609020204030204" pitchFamily="49" charset="0"/>
-            </a:endParaRPr>
-          </a:p>
-          <a:p>
-            <a:r>
-              <a:rPr lang="it-IT" sz="800" dirty="0">
-                <a:solidFill>
-                  <a:srgbClr val="DCDCDC"/>
-                </a:solidFill>
-                <a:highlight>
-                  <a:srgbClr val="1E1E1E"/>
-                </a:highlight>
-                <a:latin typeface="Consolas" panose="020B0609020204030204" pitchFamily="49" charset="0"/>
-              </a:rPr>
-              <a:t>        </a:t>
-            </a:r>
-            <a:r>
-              <a:rPr lang="it-IT" sz="800" dirty="0">
-                <a:solidFill>
-                  <a:srgbClr val="569CD6"/>
-                </a:solidFill>
-                <a:highlight>
-                  <a:srgbClr val="1E1E1E"/>
-                </a:highlight>
-                <a:latin typeface="Consolas" panose="020B0609020204030204" pitchFamily="49" charset="0"/>
-              </a:rPr>
-              <a:t>public</a:t>
-            </a:r>
-            <a:r>
-              <a:rPr lang="it-IT" sz="800" dirty="0">
-                <a:solidFill>
-                  <a:srgbClr val="DCDCDC"/>
-                </a:solidFill>
-                <a:highlight>
-                  <a:srgbClr val="1E1E1E"/>
-                </a:highlight>
-                <a:latin typeface="Consolas" panose="020B0609020204030204" pitchFamily="49" charset="0"/>
-              </a:rPr>
-              <a:t> </a:t>
-            </a:r>
-            <a:r>
-              <a:rPr lang="it-IT" sz="800" dirty="0" err="1">
-                <a:solidFill>
-                  <a:srgbClr val="DCDCDC"/>
-                </a:solidFill>
-                <a:highlight>
-                  <a:srgbClr val="1E1E1E"/>
-                </a:highlight>
-                <a:latin typeface="Consolas" panose="020B0609020204030204" pitchFamily="49" charset="0"/>
-              </a:rPr>
-              <a:t>GenericCalculatorOutput</a:t>
-            </a:r>
-            <a:r>
-              <a:rPr lang="it-IT" sz="800" dirty="0">
-                <a:solidFill>
-                  <a:srgbClr val="DCDCDC"/>
-                </a:solidFill>
-                <a:highlight>
-                  <a:srgbClr val="1E1E1E"/>
-                </a:highlight>
-                <a:latin typeface="Consolas" panose="020B0609020204030204" pitchFamily="49" charset="0"/>
-              </a:rPr>
-              <a:t>(</a:t>
-            </a:r>
-            <a:r>
-              <a:rPr lang="it-IT" sz="800" dirty="0" err="1">
-                <a:solidFill>
-                  <a:srgbClr val="4EC9B0"/>
-                </a:solidFill>
-                <a:highlight>
-                  <a:srgbClr val="1E1E1E"/>
-                </a:highlight>
-                <a:latin typeface="Consolas" panose="020B0609020204030204" pitchFamily="49" charset="0"/>
-              </a:rPr>
-              <a:t>GenericCalculator</a:t>
-            </a:r>
-            <a:r>
-              <a:rPr lang="it-IT" sz="800" dirty="0">
-                <a:solidFill>
-                  <a:srgbClr val="DCDCDC"/>
-                </a:solidFill>
-                <a:highlight>
-                  <a:srgbClr val="1E1E1E"/>
-                </a:highlight>
-                <a:latin typeface="Consolas" panose="020B0609020204030204" pitchFamily="49" charset="0"/>
-              </a:rPr>
-              <a:t> </a:t>
-            </a:r>
-            <a:r>
-              <a:rPr lang="it-IT" sz="800" dirty="0" err="1">
-                <a:solidFill>
-                  <a:srgbClr val="DCDCDC"/>
-                </a:solidFill>
-                <a:highlight>
-                  <a:srgbClr val="1E1E1E"/>
-                </a:highlight>
-                <a:latin typeface="Consolas" panose="020B0609020204030204" pitchFamily="49" charset="0"/>
-              </a:rPr>
-              <a:t>calculator</a:t>
-            </a:r>
-            <a:r>
-              <a:rPr lang="it-IT" sz="800" dirty="0">
-                <a:solidFill>
-                  <a:srgbClr val="DCDCDC"/>
-                </a:solidFill>
-                <a:highlight>
-                  <a:srgbClr val="1E1E1E"/>
-                </a:highlight>
-                <a:latin typeface="Consolas" panose="020B0609020204030204" pitchFamily="49" charset="0"/>
-              </a:rPr>
-              <a:t>)</a:t>
-            </a:r>
-          </a:p>
-          <a:p>
-            <a:r>
-              <a:rPr lang="it-IT" sz="800" dirty="0">
-                <a:solidFill>
-                  <a:srgbClr val="DCDCDC"/>
-                </a:solidFill>
-                <a:highlight>
-                  <a:srgbClr val="1E1E1E"/>
-                </a:highlight>
-                <a:latin typeface="Consolas" panose="020B0609020204030204" pitchFamily="49" charset="0"/>
-              </a:rPr>
-              <a:t>        {</a:t>
-            </a:r>
-          </a:p>
-          <a:p>
-            <a:r>
-              <a:rPr lang="it-IT" sz="800" dirty="0">
-                <a:solidFill>
-                  <a:srgbClr val="DCDCDC"/>
-                </a:solidFill>
-                <a:highlight>
-                  <a:srgbClr val="1E1E1E"/>
-                </a:highlight>
-                <a:latin typeface="Consolas" panose="020B0609020204030204" pitchFamily="49" charset="0"/>
-              </a:rPr>
-              <a:t>            </a:t>
-            </a:r>
-            <a:r>
-              <a:rPr lang="it-IT" sz="800" dirty="0" err="1">
-                <a:solidFill>
-                  <a:srgbClr val="569CD6"/>
-                </a:solidFill>
-                <a:highlight>
-                  <a:srgbClr val="1E1E1E"/>
-                </a:highlight>
-                <a:latin typeface="Consolas" panose="020B0609020204030204" pitchFamily="49" charset="0"/>
-              </a:rPr>
-              <a:t>this</a:t>
-            </a:r>
-            <a:r>
-              <a:rPr lang="it-IT" sz="800" dirty="0" err="1">
-                <a:solidFill>
-                  <a:srgbClr val="B4B4B4"/>
-                </a:solidFill>
-                <a:highlight>
-                  <a:srgbClr val="1E1E1E"/>
-                </a:highlight>
-                <a:latin typeface="Consolas" panose="020B0609020204030204" pitchFamily="49" charset="0"/>
-              </a:rPr>
-              <a:t>.</a:t>
-            </a:r>
-            <a:r>
-              <a:rPr lang="it-IT" sz="800" dirty="0" err="1">
-                <a:solidFill>
-                  <a:srgbClr val="DCDCDC"/>
-                </a:solidFill>
-                <a:highlight>
-                  <a:srgbClr val="1E1E1E"/>
-                </a:highlight>
-                <a:latin typeface="Consolas" panose="020B0609020204030204" pitchFamily="49" charset="0"/>
-              </a:rPr>
-              <a:t>calculator</a:t>
-            </a:r>
-            <a:r>
-              <a:rPr lang="it-IT" sz="800" dirty="0">
-                <a:solidFill>
-                  <a:srgbClr val="DCDCDC"/>
-                </a:solidFill>
-                <a:highlight>
-                  <a:srgbClr val="1E1E1E"/>
-                </a:highlight>
-                <a:latin typeface="Consolas" panose="020B0609020204030204" pitchFamily="49" charset="0"/>
-              </a:rPr>
-              <a:t> </a:t>
-            </a:r>
-            <a:r>
-              <a:rPr lang="it-IT" sz="800" dirty="0">
-                <a:solidFill>
-                  <a:srgbClr val="B4B4B4"/>
-                </a:solidFill>
-                <a:highlight>
-                  <a:srgbClr val="1E1E1E"/>
-                </a:highlight>
-                <a:latin typeface="Consolas" panose="020B0609020204030204" pitchFamily="49" charset="0"/>
-              </a:rPr>
-              <a:t>= </a:t>
-            </a:r>
-            <a:r>
-              <a:rPr lang="it-IT" sz="800" dirty="0" err="1">
-                <a:solidFill>
-                  <a:srgbClr val="DCDCDC"/>
-                </a:solidFill>
-                <a:highlight>
-                  <a:srgbClr val="1E1E1E"/>
-                </a:highlight>
-                <a:latin typeface="Consolas" panose="020B0609020204030204" pitchFamily="49" charset="0"/>
-              </a:rPr>
-              <a:t>calculator</a:t>
-            </a:r>
-            <a:r>
-              <a:rPr lang="it-IT" sz="800" dirty="0">
-                <a:solidFill>
-                  <a:srgbClr val="DCDCDC"/>
-                </a:solidFill>
-                <a:highlight>
-                  <a:srgbClr val="1E1E1E"/>
-                </a:highlight>
-                <a:latin typeface="Consolas" panose="020B0609020204030204" pitchFamily="49" charset="0"/>
-              </a:rPr>
-              <a:t>;</a:t>
-            </a:r>
-          </a:p>
-          <a:p>
-            <a:r>
-              <a:rPr lang="it-IT" sz="800" dirty="0">
-                <a:solidFill>
-                  <a:srgbClr val="DCDCDC"/>
-                </a:solidFill>
-                <a:highlight>
-                  <a:srgbClr val="1E1E1E"/>
-                </a:highlight>
-                <a:latin typeface="Consolas" panose="020B0609020204030204" pitchFamily="49" charset="0"/>
-              </a:rPr>
-              <a:t>        }</a:t>
-            </a:r>
-          </a:p>
-          <a:p>
-            <a:endParaRPr lang="it-IT" sz="800" dirty="0">
-              <a:solidFill>
-                <a:srgbClr val="DCDCDC"/>
-              </a:solidFill>
-              <a:highlight>
-                <a:srgbClr val="1E1E1E"/>
-              </a:highlight>
-              <a:latin typeface="Consolas" panose="020B0609020204030204" pitchFamily="49" charset="0"/>
-            </a:endParaRPr>
-          </a:p>
-          <a:p>
-            <a:r>
-              <a:rPr lang="it-IT" sz="800" dirty="0">
-                <a:solidFill>
-                  <a:srgbClr val="DCDCDC"/>
-                </a:solidFill>
-                <a:highlight>
-                  <a:srgbClr val="1E1E1E"/>
-                </a:highlight>
-                <a:latin typeface="Consolas" panose="020B0609020204030204" pitchFamily="49" charset="0"/>
-              </a:rPr>
-              <a:t>        </a:t>
-            </a:r>
-            <a:r>
-              <a:rPr lang="it-IT" sz="800" dirty="0">
-                <a:solidFill>
-                  <a:srgbClr val="569CD6"/>
-                </a:solidFill>
-                <a:highlight>
-                  <a:srgbClr val="1E1E1E"/>
-                </a:highlight>
-                <a:latin typeface="Consolas" panose="020B0609020204030204" pitchFamily="49" charset="0"/>
-              </a:rPr>
-              <a:t>public</a:t>
-            </a:r>
-            <a:r>
-              <a:rPr lang="it-IT" sz="800" dirty="0">
-                <a:solidFill>
-                  <a:srgbClr val="DCDCDC"/>
-                </a:solidFill>
-                <a:highlight>
-                  <a:srgbClr val="1E1E1E"/>
-                </a:highlight>
-                <a:latin typeface="Consolas" panose="020B0609020204030204" pitchFamily="49" charset="0"/>
-              </a:rPr>
-              <a:t> </a:t>
-            </a:r>
-            <a:r>
-              <a:rPr lang="it-IT" sz="800" dirty="0" err="1">
-                <a:solidFill>
-                  <a:srgbClr val="569CD6"/>
-                </a:solidFill>
-                <a:highlight>
-                  <a:srgbClr val="1E1E1E"/>
-                </a:highlight>
-                <a:latin typeface="Consolas" panose="020B0609020204030204" pitchFamily="49" charset="0"/>
-              </a:rPr>
-              <a:t>string</a:t>
-            </a:r>
-            <a:r>
-              <a:rPr lang="it-IT" sz="800" dirty="0">
-                <a:solidFill>
-                  <a:srgbClr val="DCDCDC"/>
-                </a:solidFill>
-                <a:highlight>
-                  <a:srgbClr val="1E1E1E"/>
-                </a:highlight>
-                <a:latin typeface="Consolas" panose="020B0609020204030204" pitchFamily="49" charset="0"/>
-              </a:rPr>
-              <a:t> </a:t>
-            </a:r>
-            <a:r>
-              <a:rPr lang="it-IT" sz="800" dirty="0" err="1">
-                <a:solidFill>
-                  <a:srgbClr val="DCDCDC"/>
-                </a:solidFill>
-                <a:highlight>
-                  <a:srgbClr val="1E1E1E"/>
-                </a:highlight>
-                <a:latin typeface="Consolas" panose="020B0609020204030204" pitchFamily="49" charset="0"/>
-              </a:rPr>
-              <a:t>ShowHtml</a:t>
-            </a:r>
-            <a:r>
-              <a:rPr lang="it-IT" sz="800" dirty="0">
-                <a:solidFill>
-                  <a:srgbClr val="DCDCDC"/>
-                </a:solidFill>
-                <a:highlight>
-                  <a:srgbClr val="1E1E1E"/>
-                </a:highlight>
-                <a:latin typeface="Consolas" panose="020B0609020204030204" pitchFamily="49" charset="0"/>
-              </a:rPr>
-              <a:t>()</a:t>
-            </a:r>
-          </a:p>
-          <a:p>
-            <a:r>
-              <a:rPr lang="it-IT" sz="800" dirty="0">
-                <a:solidFill>
-                  <a:srgbClr val="DCDCDC"/>
-                </a:solidFill>
-                <a:highlight>
-                  <a:srgbClr val="1E1E1E"/>
-                </a:highlight>
-                <a:latin typeface="Consolas" panose="020B0609020204030204" pitchFamily="49" charset="0"/>
-              </a:rPr>
-              <a:t>        {</a:t>
-            </a:r>
-          </a:p>
-          <a:p>
-            <a:r>
-              <a:rPr lang="it-IT" sz="800" dirty="0">
-                <a:solidFill>
-                  <a:srgbClr val="DCDCDC"/>
-                </a:solidFill>
-                <a:highlight>
-                  <a:srgbClr val="1E1E1E"/>
-                </a:highlight>
-                <a:latin typeface="Consolas" panose="020B0609020204030204" pitchFamily="49" charset="0"/>
-              </a:rPr>
-              <a:t>            </a:t>
-            </a:r>
-            <a:r>
-              <a:rPr lang="it-IT" sz="800" dirty="0" err="1">
-                <a:solidFill>
-                  <a:srgbClr val="569CD6"/>
-                </a:solidFill>
-                <a:highlight>
-                  <a:srgbClr val="1E1E1E"/>
-                </a:highlight>
-                <a:latin typeface="Consolas" panose="020B0609020204030204" pitchFamily="49" charset="0"/>
-              </a:rPr>
-              <a:t>return</a:t>
-            </a:r>
-            <a:r>
-              <a:rPr lang="it-IT" sz="800" dirty="0">
-                <a:solidFill>
-                  <a:srgbClr val="DCDCDC"/>
-                </a:solidFill>
-                <a:highlight>
-                  <a:srgbClr val="1E1E1E"/>
-                </a:highlight>
-                <a:latin typeface="Consolas" panose="020B0609020204030204" pitchFamily="49" charset="0"/>
-              </a:rPr>
-              <a:t> </a:t>
-            </a:r>
-            <a:r>
-              <a:rPr lang="it-IT" sz="800" dirty="0" err="1">
-                <a:solidFill>
-                  <a:srgbClr val="569CD6"/>
-                </a:solidFill>
-                <a:highlight>
-                  <a:srgbClr val="1E1E1E"/>
-                </a:highlight>
-                <a:latin typeface="Consolas" panose="020B0609020204030204" pitchFamily="49" charset="0"/>
-              </a:rPr>
-              <a:t>string</a:t>
-            </a:r>
-            <a:r>
-              <a:rPr lang="it-IT" sz="800" dirty="0" err="1">
-                <a:solidFill>
-                  <a:srgbClr val="B4B4B4"/>
-                </a:solidFill>
-                <a:highlight>
-                  <a:srgbClr val="1E1E1E"/>
-                </a:highlight>
-                <a:latin typeface="Consolas" panose="020B0609020204030204" pitchFamily="49" charset="0"/>
-              </a:rPr>
-              <a:t>.</a:t>
-            </a:r>
-            <a:r>
-              <a:rPr lang="it-IT" sz="800" dirty="0" err="1">
-                <a:solidFill>
-                  <a:srgbClr val="DCDCDC"/>
-                </a:solidFill>
-                <a:highlight>
-                  <a:srgbClr val="1E1E1E"/>
-                </a:highlight>
-                <a:latin typeface="Consolas" panose="020B0609020204030204" pitchFamily="49" charset="0"/>
-              </a:rPr>
-              <a:t>Format</a:t>
-            </a:r>
-            <a:r>
-              <a:rPr lang="it-IT" sz="800" dirty="0">
-                <a:solidFill>
-                  <a:srgbClr val="DCDCDC"/>
-                </a:solidFill>
-                <a:highlight>
-                  <a:srgbClr val="1E1E1E"/>
-                </a:highlight>
-                <a:latin typeface="Consolas" panose="020B0609020204030204" pitchFamily="49" charset="0"/>
-              </a:rPr>
-              <a:t>(</a:t>
-            </a:r>
-            <a:r>
-              <a:rPr lang="it-IT" sz="800" dirty="0">
-                <a:solidFill>
-                  <a:srgbClr val="D69D85"/>
-                </a:solidFill>
-                <a:highlight>
-                  <a:srgbClr val="1E1E1E"/>
-                </a:highlight>
-                <a:latin typeface="Consolas" panose="020B0609020204030204" pitchFamily="49" charset="0"/>
-              </a:rPr>
-              <a:t>"&lt;div&gt;</a:t>
-            </a:r>
-            <a:r>
-              <a:rPr lang="it-IT" sz="800" dirty="0">
-                <a:solidFill>
-                  <a:srgbClr val="80FF80"/>
-                </a:solidFill>
-                <a:highlight>
-                  <a:srgbClr val="1E1E1E"/>
-                </a:highlight>
-                <a:latin typeface="Consolas" panose="020B0609020204030204" pitchFamily="49" charset="0"/>
-              </a:rPr>
-              <a:t>{0}</a:t>
-            </a:r>
-            <a:r>
-              <a:rPr lang="it-IT" sz="800" dirty="0">
-                <a:solidFill>
-                  <a:srgbClr val="D69D85"/>
-                </a:solidFill>
-                <a:highlight>
-                  <a:srgbClr val="1E1E1E"/>
-                </a:highlight>
-                <a:latin typeface="Consolas" panose="020B0609020204030204" pitchFamily="49" charset="0"/>
-              </a:rPr>
-              <a:t>&lt;/div&gt;"</a:t>
-            </a:r>
-            <a:r>
-              <a:rPr lang="it-IT" sz="800" dirty="0">
-                <a:solidFill>
-                  <a:srgbClr val="DCDCDC"/>
-                </a:solidFill>
-                <a:highlight>
-                  <a:srgbClr val="1E1E1E"/>
-                </a:highlight>
-                <a:latin typeface="Consolas" panose="020B0609020204030204" pitchFamily="49" charset="0"/>
-              </a:rPr>
-              <a:t>, </a:t>
-            </a:r>
-            <a:r>
-              <a:rPr lang="it-IT" sz="800" dirty="0" err="1">
-                <a:solidFill>
-                  <a:srgbClr val="DCDCDC"/>
-                </a:solidFill>
-                <a:highlight>
-                  <a:srgbClr val="1E1E1E"/>
-                </a:highlight>
-                <a:latin typeface="Consolas" panose="020B0609020204030204" pitchFamily="49" charset="0"/>
-              </a:rPr>
-              <a:t>calculator</a:t>
-            </a:r>
-            <a:r>
-              <a:rPr lang="it-IT" sz="800" dirty="0" err="1">
-                <a:solidFill>
-                  <a:srgbClr val="B4B4B4"/>
-                </a:solidFill>
-                <a:highlight>
-                  <a:srgbClr val="1E1E1E"/>
-                </a:highlight>
-                <a:latin typeface="Consolas" panose="020B0609020204030204" pitchFamily="49" charset="0"/>
-              </a:rPr>
-              <a:t>.</a:t>
-            </a:r>
-            <a:r>
-              <a:rPr lang="it-IT" sz="800" dirty="0" err="1">
-                <a:solidFill>
-                  <a:srgbClr val="DCDCDC"/>
-                </a:solidFill>
-                <a:highlight>
-                  <a:srgbClr val="1E1E1E"/>
-                </a:highlight>
-                <a:latin typeface="Consolas" panose="020B0609020204030204" pitchFamily="49" charset="0"/>
-              </a:rPr>
-              <a:t>Sum</a:t>
-            </a:r>
-            <a:r>
-              <a:rPr lang="it-IT" sz="800" dirty="0">
-                <a:solidFill>
-                  <a:srgbClr val="DCDCDC"/>
-                </a:solidFill>
-                <a:highlight>
-                  <a:srgbClr val="1E1E1E"/>
-                </a:highlight>
-                <a:latin typeface="Consolas" panose="020B0609020204030204" pitchFamily="49" charset="0"/>
-              </a:rPr>
-              <a:t>());</a:t>
-            </a:r>
-          </a:p>
-          <a:p>
-            <a:r>
-              <a:rPr lang="it-IT" sz="800" dirty="0">
-                <a:solidFill>
-                  <a:srgbClr val="DCDCDC"/>
-                </a:solidFill>
-                <a:highlight>
-                  <a:srgbClr val="1E1E1E"/>
-                </a:highlight>
-                <a:latin typeface="Consolas" panose="020B0609020204030204" pitchFamily="49" charset="0"/>
-              </a:rPr>
-              <a:t>        }</a:t>
-            </a:r>
-          </a:p>
-          <a:p>
-            <a:r>
-              <a:rPr lang="it-IT" sz="800" dirty="0">
-                <a:solidFill>
-                  <a:srgbClr val="DCDCDC"/>
-                </a:solidFill>
-                <a:highlight>
-                  <a:srgbClr val="1E1E1E"/>
-                </a:highlight>
-                <a:latin typeface="Consolas" panose="020B0609020204030204" pitchFamily="49" charset="0"/>
-              </a:rPr>
-              <a:t>}</a:t>
-            </a:r>
-          </a:p>
-          <a:p>
-            <a:endParaRPr lang="it-IT" sz="1000" dirty="0">
-              <a:solidFill>
-                <a:srgbClr val="DCDCDC"/>
-              </a:solidFill>
-              <a:highlight>
-                <a:srgbClr val="1E1E1E"/>
-              </a:highlight>
-              <a:latin typeface="Consolas" panose="020B0609020204030204" pitchFamily="49" charset="0"/>
-            </a:endParaRPr>
-          </a:p>
-          <a:p>
-            <a:endParaRPr lang="it-IT" sz="1000" dirty="0">
-              <a:solidFill>
-                <a:srgbClr val="DCDCDC"/>
-              </a:solidFill>
-              <a:highlight>
-                <a:srgbClr val="1E1E1E"/>
-              </a:highlight>
-              <a:latin typeface="Consolas" panose="020B0609020204030204" pitchFamily="49" charset="0"/>
-            </a:endParaRPr>
-          </a:p>
-          <a:p>
-            <a:endParaRPr lang="it-IT" sz="1000" dirty="0">
-              <a:solidFill>
-                <a:srgbClr val="DCDCDC"/>
-              </a:solidFill>
-              <a:highlight>
-                <a:srgbClr val="1E1E1E"/>
-              </a:highlight>
-              <a:latin typeface="Consolas" panose="020B0609020204030204" pitchFamily="49" charset="0"/>
-            </a:endParaRPr>
-          </a:p>
-          <a:p>
-            <a:r>
-              <a:rPr lang="it-IT" sz="800" dirty="0">
-                <a:solidFill>
-                  <a:srgbClr val="DCDCDC"/>
-                </a:solidFill>
-                <a:highlight>
-                  <a:srgbClr val="1E1E1E"/>
-                </a:highlight>
-                <a:latin typeface="Consolas" panose="020B0609020204030204" pitchFamily="49" charset="0"/>
-              </a:rPr>
-              <a:t> 	    </a:t>
-            </a:r>
-            <a:r>
-              <a:rPr lang="it-IT" sz="800" dirty="0" err="1">
-                <a:solidFill>
-                  <a:srgbClr val="569CD6"/>
-                </a:solidFill>
-                <a:highlight>
-                  <a:srgbClr val="1E1E1E"/>
-                </a:highlight>
-                <a:latin typeface="Consolas" panose="020B0609020204030204" pitchFamily="49" charset="0"/>
-              </a:rPr>
-              <a:t>var</a:t>
-            </a:r>
-            <a:r>
-              <a:rPr lang="it-IT" sz="800" dirty="0">
-                <a:solidFill>
-                  <a:srgbClr val="DCDCDC"/>
-                </a:solidFill>
-                <a:highlight>
-                  <a:srgbClr val="1E1E1E"/>
-                </a:highlight>
-                <a:latin typeface="Consolas" panose="020B0609020204030204" pitchFamily="49" charset="0"/>
-              </a:rPr>
-              <a:t> </a:t>
-            </a:r>
-            <a:r>
-              <a:rPr lang="it-IT" sz="800" dirty="0" err="1">
-                <a:solidFill>
-                  <a:srgbClr val="DCDCDC"/>
-                </a:solidFill>
-                <a:highlight>
-                  <a:srgbClr val="1E1E1E"/>
-                </a:highlight>
-                <a:latin typeface="Consolas" panose="020B0609020204030204" pitchFamily="49" charset="0"/>
-              </a:rPr>
-              <a:t>shapes</a:t>
-            </a:r>
-            <a:r>
-              <a:rPr lang="it-IT" sz="800" dirty="0">
-                <a:solidFill>
-                  <a:srgbClr val="DCDCDC"/>
-                </a:solidFill>
-                <a:highlight>
-                  <a:srgbClr val="1E1E1E"/>
-                </a:highlight>
-                <a:latin typeface="Consolas" panose="020B0609020204030204" pitchFamily="49" charset="0"/>
-              </a:rPr>
-              <a:t> </a:t>
-            </a:r>
-            <a:r>
-              <a:rPr lang="it-IT" sz="800" dirty="0">
-                <a:solidFill>
-                  <a:srgbClr val="B4B4B4"/>
-                </a:solidFill>
-                <a:highlight>
-                  <a:srgbClr val="1E1E1E"/>
-                </a:highlight>
-                <a:latin typeface="Consolas" panose="020B0609020204030204" pitchFamily="49" charset="0"/>
-              </a:rPr>
-              <a:t>=</a:t>
-            </a:r>
-            <a:r>
-              <a:rPr lang="it-IT" sz="800" dirty="0">
-                <a:solidFill>
-                  <a:srgbClr val="DCDCDC"/>
-                </a:solidFill>
-                <a:highlight>
-                  <a:srgbClr val="1E1E1E"/>
-                </a:highlight>
-                <a:latin typeface="Consolas" panose="020B0609020204030204" pitchFamily="49" charset="0"/>
-              </a:rPr>
-              <a:t> </a:t>
-            </a:r>
-            <a:r>
-              <a:rPr lang="it-IT" sz="800" dirty="0">
-                <a:solidFill>
-                  <a:srgbClr val="569CD6"/>
-                </a:solidFill>
-                <a:highlight>
-                  <a:srgbClr val="1E1E1E"/>
-                </a:highlight>
-                <a:latin typeface="Consolas" panose="020B0609020204030204" pitchFamily="49" charset="0"/>
-              </a:rPr>
-              <a:t>new</a:t>
-            </a:r>
-            <a:r>
-              <a:rPr lang="it-IT" sz="800" dirty="0">
-                <a:solidFill>
-                  <a:srgbClr val="DCDCDC"/>
-                </a:solidFill>
-                <a:highlight>
-                  <a:srgbClr val="1E1E1E"/>
-                </a:highlight>
-                <a:latin typeface="Consolas" panose="020B0609020204030204" pitchFamily="49" charset="0"/>
-              </a:rPr>
-              <a:t> </a:t>
-            </a:r>
-            <a:r>
-              <a:rPr lang="it-IT" sz="800" dirty="0" err="1">
-                <a:solidFill>
-                  <a:srgbClr val="4EC9B0"/>
-                </a:solidFill>
-                <a:highlight>
-                  <a:srgbClr val="1E1E1E"/>
-                </a:highlight>
-                <a:latin typeface="Consolas" panose="020B0609020204030204" pitchFamily="49" charset="0"/>
-              </a:rPr>
-              <a:t>Shape</a:t>
-            </a:r>
-            <a:r>
-              <a:rPr lang="it-IT" sz="800" dirty="0">
-                <a:solidFill>
-                  <a:srgbClr val="DCDCDC"/>
-                </a:solidFill>
-                <a:highlight>
-                  <a:srgbClr val="1E1E1E"/>
-                </a:highlight>
-                <a:latin typeface="Consolas" panose="020B0609020204030204" pitchFamily="49" charset="0"/>
-              </a:rPr>
-              <a:t> []</a:t>
-            </a:r>
-          </a:p>
-          <a:p>
-            <a:r>
-              <a:rPr lang="it-IT" sz="800" dirty="0">
-                <a:solidFill>
-                  <a:srgbClr val="DCDCDC"/>
-                </a:solidFill>
-                <a:highlight>
-                  <a:srgbClr val="1E1E1E"/>
-                </a:highlight>
-                <a:latin typeface="Consolas" panose="020B0609020204030204" pitchFamily="49" charset="0"/>
-              </a:rPr>
-              <a:t>            {</a:t>
-            </a:r>
-          </a:p>
-          <a:p>
-            <a:r>
-              <a:rPr lang="it-IT" sz="800" dirty="0">
-                <a:solidFill>
-                  <a:srgbClr val="DCDCDC"/>
-                </a:solidFill>
-                <a:highlight>
-                  <a:srgbClr val="1E1E1E"/>
-                </a:highlight>
-                <a:latin typeface="Consolas" panose="020B0609020204030204" pitchFamily="49" charset="0"/>
-              </a:rPr>
-              <a:t>                </a:t>
-            </a:r>
-            <a:r>
-              <a:rPr lang="it-IT" sz="800" dirty="0">
-                <a:solidFill>
-                  <a:srgbClr val="569CD6"/>
-                </a:solidFill>
-                <a:highlight>
-                  <a:srgbClr val="1E1E1E"/>
-                </a:highlight>
-                <a:latin typeface="Consolas" panose="020B0609020204030204" pitchFamily="49" charset="0"/>
-              </a:rPr>
-              <a:t>new</a:t>
-            </a:r>
-            <a:r>
-              <a:rPr lang="it-IT" sz="800" dirty="0">
-                <a:solidFill>
-                  <a:srgbClr val="DCDCDC"/>
-                </a:solidFill>
-                <a:highlight>
-                  <a:srgbClr val="1E1E1E"/>
-                </a:highlight>
-                <a:latin typeface="Consolas" panose="020B0609020204030204" pitchFamily="49" charset="0"/>
-              </a:rPr>
-              <a:t> </a:t>
-            </a:r>
-            <a:r>
-              <a:rPr lang="it-IT" sz="800" dirty="0" err="1">
-                <a:solidFill>
-                  <a:srgbClr val="4EC9B0"/>
-                </a:solidFill>
-                <a:highlight>
-                  <a:srgbClr val="1E1E1E"/>
-                </a:highlight>
-                <a:latin typeface="Consolas" panose="020B0609020204030204" pitchFamily="49" charset="0"/>
-              </a:rPr>
-              <a:t>Square</a:t>
-            </a:r>
-            <a:r>
-              <a:rPr lang="it-IT" sz="800" dirty="0">
-                <a:solidFill>
-                  <a:srgbClr val="DCDCDC"/>
-                </a:solidFill>
-                <a:highlight>
-                  <a:srgbClr val="1E1E1E"/>
-                </a:highlight>
-                <a:latin typeface="Consolas" panose="020B0609020204030204" pitchFamily="49" charset="0"/>
-              </a:rPr>
-              <a:t>(</a:t>
-            </a:r>
-            <a:r>
-              <a:rPr lang="it-IT" sz="800" dirty="0">
-                <a:solidFill>
-                  <a:srgbClr val="B5CEA8"/>
-                </a:solidFill>
-                <a:highlight>
-                  <a:srgbClr val="1E1E1E"/>
-                </a:highlight>
-                <a:latin typeface="Consolas" panose="020B0609020204030204" pitchFamily="49" charset="0"/>
-              </a:rPr>
-              <a:t>5</a:t>
-            </a:r>
-            <a:r>
-              <a:rPr lang="it-IT" sz="800" dirty="0">
-                <a:solidFill>
-                  <a:srgbClr val="DCDCDC"/>
-                </a:solidFill>
-                <a:highlight>
-                  <a:srgbClr val="1E1E1E"/>
-                </a:highlight>
-                <a:latin typeface="Consolas" panose="020B0609020204030204" pitchFamily="49" charset="0"/>
-              </a:rPr>
-              <a:t>),</a:t>
-            </a:r>
-          </a:p>
-          <a:p>
-            <a:r>
-              <a:rPr lang="it-IT" sz="800" dirty="0">
-                <a:solidFill>
-                  <a:srgbClr val="DCDCDC"/>
-                </a:solidFill>
-                <a:highlight>
-                  <a:srgbClr val="1E1E1E"/>
-                </a:highlight>
-                <a:latin typeface="Consolas" panose="020B0609020204030204" pitchFamily="49" charset="0"/>
-              </a:rPr>
-              <a:t>                </a:t>
-            </a:r>
-            <a:r>
-              <a:rPr lang="it-IT" sz="800" dirty="0">
-                <a:solidFill>
-                  <a:srgbClr val="569CD6"/>
-                </a:solidFill>
-                <a:highlight>
-                  <a:srgbClr val="1E1E1E"/>
-                </a:highlight>
-                <a:latin typeface="Consolas" panose="020B0609020204030204" pitchFamily="49" charset="0"/>
-              </a:rPr>
-              <a:t>new</a:t>
-            </a:r>
-            <a:r>
-              <a:rPr lang="it-IT" sz="800" dirty="0">
-                <a:solidFill>
-                  <a:srgbClr val="DCDCDC"/>
-                </a:solidFill>
-                <a:highlight>
-                  <a:srgbClr val="1E1E1E"/>
-                </a:highlight>
-                <a:latin typeface="Consolas" panose="020B0609020204030204" pitchFamily="49" charset="0"/>
-              </a:rPr>
-              <a:t> </a:t>
-            </a:r>
-            <a:r>
-              <a:rPr lang="it-IT" sz="800" dirty="0" err="1">
-                <a:solidFill>
-                  <a:srgbClr val="4EC9B0"/>
-                </a:solidFill>
-                <a:highlight>
-                  <a:srgbClr val="1E1E1E"/>
-                </a:highlight>
-                <a:latin typeface="Consolas" panose="020B0609020204030204" pitchFamily="49" charset="0"/>
-              </a:rPr>
-              <a:t>Circle</a:t>
-            </a:r>
-            <a:r>
-              <a:rPr lang="it-IT" sz="800" dirty="0">
-                <a:solidFill>
-                  <a:srgbClr val="DCDCDC"/>
-                </a:solidFill>
-                <a:highlight>
-                  <a:srgbClr val="1E1E1E"/>
-                </a:highlight>
-                <a:latin typeface="Consolas" panose="020B0609020204030204" pitchFamily="49" charset="0"/>
-              </a:rPr>
-              <a:t>(</a:t>
-            </a:r>
-            <a:r>
-              <a:rPr lang="it-IT" sz="800" dirty="0">
-                <a:solidFill>
-                  <a:srgbClr val="B5CEA8"/>
-                </a:solidFill>
-                <a:highlight>
-                  <a:srgbClr val="1E1E1E"/>
-                </a:highlight>
-                <a:latin typeface="Consolas" panose="020B0609020204030204" pitchFamily="49" charset="0"/>
-              </a:rPr>
-              <a:t>5</a:t>
-            </a:r>
-            <a:r>
-              <a:rPr lang="it-IT" sz="800" dirty="0">
-                <a:solidFill>
-                  <a:srgbClr val="DCDCDC"/>
-                </a:solidFill>
-                <a:highlight>
-                  <a:srgbClr val="1E1E1E"/>
-                </a:highlight>
-                <a:latin typeface="Consolas" panose="020B0609020204030204" pitchFamily="49" charset="0"/>
-              </a:rPr>
-              <a:t>)</a:t>
-            </a:r>
-          </a:p>
-          <a:p>
-            <a:r>
-              <a:rPr lang="it-IT" sz="800" dirty="0">
-                <a:solidFill>
-                  <a:srgbClr val="DCDCDC"/>
-                </a:solidFill>
-                <a:highlight>
-                  <a:srgbClr val="1E1E1E"/>
-                </a:highlight>
-                <a:latin typeface="Consolas" panose="020B0609020204030204" pitchFamily="49" charset="0"/>
-              </a:rPr>
-              <a:t>            };</a:t>
-            </a:r>
-          </a:p>
-          <a:p>
-            <a:endParaRPr lang="it-IT" sz="800" dirty="0">
-              <a:solidFill>
-                <a:srgbClr val="DCDCDC"/>
-              </a:solidFill>
-              <a:highlight>
-                <a:srgbClr val="1E1E1E"/>
-              </a:highlight>
-              <a:latin typeface="Consolas" panose="020B0609020204030204" pitchFamily="49" charset="0"/>
-            </a:endParaRPr>
-          </a:p>
-          <a:p>
-            <a:r>
-              <a:rPr lang="it-IT" sz="800" dirty="0">
-                <a:solidFill>
-                  <a:srgbClr val="DCDCDC"/>
-                </a:solidFill>
-                <a:highlight>
-                  <a:srgbClr val="1E1E1E"/>
-                </a:highlight>
-                <a:latin typeface="Consolas" panose="020B0609020204030204" pitchFamily="49" charset="0"/>
-              </a:rPr>
-              <a:t>            </a:t>
-            </a:r>
-            <a:r>
-              <a:rPr lang="it-IT" sz="800" dirty="0" err="1">
-                <a:solidFill>
-                  <a:srgbClr val="569CD6"/>
-                </a:solidFill>
-                <a:highlight>
-                  <a:srgbClr val="1E1E1E"/>
-                </a:highlight>
-                <a:latin typeface="Consolas" panose="020B0609020204030204" pitchFamily="49" charset="0"/>
-              </a:rPr>
-              <a:t>var</a:t>
-            </a:r>
-            <a:r>
-              <a:rPr lang="it-IT" sz="800" dirty="0">
-                <a:solidFill>
-                  <a:srgbClr val="DCDCDC"/>
-                </a:solidFill>
-                <a:highlight>
-                  <a:srgbClr val="1E1E1E"/>
-                </a:highlight>
-                <a:latin typeface="Consolas" panose="020B0609020204030204" pitchFamily="49" charset="0"/>
-              </a:rPr>
-              <a:t> area </a:t>
-            </a:r>
-            <a:r>
-              <a:rPr lang="it-IT" sz="800" dirty="0">
-                <a:solidFill>
-                  <a:srgbClr val="B4B4B4"/>
-                </a:solidFill>
-                <a:highlight>
-                  <a:srgbClr val="1E1E1E"/>
-                </a:highlight>
-                <a:latin typeface="Consolas" panose="020B0609020204030204" pitchFamily="49" charset="0"/>
-              </a:rPr>
-              <a:t>=</a:t>
-            </a:r>
-            <a:r>
-              <a:rPr lang="it-IT" sz="800" dirty="0">
-                <a:solidFill>
-                  <a:srgbClr val="DCDCDC"/>
-                </a:solidFill>
-                <a:highlight>
-                  <a:srgbClr val="1E1E1E"/>
-                </a:highlight>
-                <a:latin typeface="Consolas" panose="020B0609020204030204" pitchFamily="49" charset="0"/>
-              </a:rPr>
-              <a:t> </a:t>
-            </a:r>
-            <a:r>
-              <a:rPr lang="it-IT" sz="800" dirty="0">
-                <a:solidFill>
-                  <a:srgbClr val="569CD6"/>
-                </a:solidFill>
-                <a:highlight>
-                  <a:srgbClr val="1E1E1E"/>
-                </a:highlight>
-                <a:latin typeface="Consolas" panose="020B0609020204030204" pitchFamily="49" charset="0"/>
-              </a:rPr>
-              <a:t>new</a:t>
-            </a:r>
-            <a:r>
-              <a:rPr lang="it-IT" sz="800" dirty="0">
-                <a:solidFill>
-                  <a:srgbClr val="DCDCDC"/>
-                </a:solidFill>
-                <a:highlight>
-                  <a:srgbClr val="1E1E1E"/>
-                </a:highlight>
-                <a:latin typeface="Consolas" panose="020B0609020204030204" pitchFamily="49" charset="0"/>
-              </a:rPr>
-              <a:t> </a:t>
-            </a:r>
-            <a:r>
-              <a:rPr lang="it-IT" sz="800" dirty="0" err="1">
-                <a:solidFill>
-                  <a:srgbClr val="4EC9B0"/>
-                </a:solidFill>
-                <a:highlight>
-                  <a:srgbClr val="1E1E1E"/>
-                </a:highlight>
-                <a:latin typeface="Consolas" panose="020B0609020204030204" pitchFamily="49" charset="0"/>
-              </a:rPr>
-              <a:t>AreaCalculator</a:t>
-            </a:r>
-            <a:r>
-              <a:rPr lang="it-IT" sz="800" dirty="0">
-                <a:solidFill>
-                  <a:srgbClr val="DCDCDC"/>
-                </a:solidFill>
-                <a:highlight>
-                  <a:srgbClr val="1E1E1E"/>
-                </a:highlight>
-                <a:latin typeface="Consolas" panose="020B0609020204030204" pitchFamily="49" charset="0"/>
-              </a:rPr>
-              <a:t>(</a:t>
-            </a:r>
-            <a:r>
-              <a:rPr lang="it-IT" sz="800" dirty="0" err="1">
-                <a:solidFill>
-                  <a:srgbClr val="DCDCDC"/>
-                </a:solidFill>
-                <a:highlight>
-                  <a:srgbClr val="1E1E1E"/>
-                </a:highlight>
-                <a:latin typeface="Consolas" panose="020B0609020204030204" pitchFamily="49" charset="0"/>
-              </a:rPr>
-              <a:t>shapes</a:t>
-            </a:r>
-            <a:r>
-              <a:rPr lang="it-IT" sz="800" dirty="0">
-                <a:solidFill>
-                  <a:srgbClr val="DCDCDC"/>
-                </a:solidFill>
-                <a:highlight>
-                  <a:srgbClr val="1E1E1E"/>
-                </a:highlight>
-                <a:latin typeface="Consolas" panose="020B0609020204030204" pitchFamily="49" charset="0"/>
-              </a:rPr>
-              <a:t>);</a:t>
-            </a:r>
-          </a:p>
-          <a:p>
-            <a:r>
-              <a:rPr lang="it-IT" sz="800" dirty="0">
-                <a:solidFill>
-                  <a:srgbClr val="DCDCDC"/>
-                </a:solidFill>
-                <a:highlight>
-                  <a:srgbClr val="1E1E1E"/>
-                </a:highlight>
-                <a:latin typeface="Consolas" panose="020B0609020204030204" pitchFamily="49" charset="0"/>
-              </a:rPr>
-              <a:t>            </a:t>
-            </a:r>
-            <a:r>
-              <a:rPr lang="it-IT" sz="800" dirty="0" err="1">
-                <a:solidFill>
-                  <a:srgbClr val="569CD6"/>
-                </a:solidFill>
-                <a:highlight>
-                  <a:srgbClr val="1E1E1E"/>
-                </a:highlight>
-                <a:latin typeface="Consolas" panose="020B0609020204030204" pitchFamily="49" charset="0"/>
-              </a:rPr>
-              <a:t>var</a:t>
-            </a:r>
-            <a:r>
-              <a:rPr lang="it-IT" sz="800" dirty="0">
-                <a:solidFill>
-                  <a:srgbClr val="DCDCDC"/>
-                </a:solidFill>
-                <a:highlight>
-                  <a:srgbClr val="1E1E1E"/>
-                </a:highlight>
-                <a:latin typeface="Consolas" panose="020B0609020204030204" pitchFamily="49" charset="0"/>
-              </a:rPr>
-              <a:t> </a:t>
-            </a:r>
-            <a:r>
-              <a:rPr lang="it-IT" sz="800" dirty="0" err="1">
-                <a:solidFill>
-                  <a:srgbClr val="DCDCDC"/>
-                </a:solidFill>
-                <a:highlight>
-                  <a:srgbClr val="1E1E1E"/>
-                </a:highlight>
-                <a:latin typeface="Consolas" panose="020B0609020204030204" pitchFamily="49" charset="0"/>
-              </a:rPr>
-              <a:t>perimeter</a:t>
-            </a:r>
-            <a:r>
-              <a:rPr lang="it-IT" sz="800" dirty="0">
-                <a:solidFill>
-                  <a:srgbClr val="DCDCDC"/>
-                </a:solidFill>
-                <a:highlight>
-                  <a:srgbClr val="1E1E1E"/>
-                </a:highlight>
-                <a:latin typeface="Consolas" panose="020B0609020204030204" pitchFamily="49" charset="0"/>
-              </a:rPr>
-              <a:t> </a:t>
-            </a:r>
-            <a:r>
-              <a:rPr lang="it-IT" sz="800" dirty="0">
-                <a:solidFill>
-                  <a:srgbClr val="B4B4B4"/>
-                </a:solidFill>
-                <a:highlight>
-                  <a:srgbClr val="1E1E1E"/>
-                </a:highlight>
-                <a:latin typeface="Consolas" panose="020B0609020204030204" pitchFamily="49" charset="0"/>
-              </a:rPr>
-              <a:t>=</a:t>
-            </a:r>
-            <a:r>
-              <a:rPr lang="it-IT" sz="800" dirty="0">
-                <a:solidFill>
-                  <a:srgbClr val="DCDCDC"/>
-                </a:solidFill>
-                <a:highlight>
-                  <a:srgbClr val="1E1E1E"/>
-                </a:highlight>
-                <a:latin typeface="Consolas" panose="020B0609020204030204" pitchFamily="49" charset="0"/>
-              </a:rPr>
-              <a:t> </a:t>
-            </a:r>
-            <a:r>
-              <a:rPr lang="it-IT" sz="800" dirty="0">
-                <a:solidFill>
-                  <a:srgbClr val="569CD6"/>
-                </a:solidFill>
-                <a:highlight>
-                  <a:srgbClr val="1E1E1E"/>
-                </a:highlight>
-                <a:latin typeface="Consolas" panose="020B0609020204030204" pitchFamily="49" charset="0"/>
-              </a:rPr>
-              <a:t>new</a:t>
-            </a:r>
-            <a:r>
-              <a:rPr lang="it-IT" sz="800" dirty="0">
-                <a:solidFill>
-                  <a:srgbClr val="DCDCDC"/>
-                </a:solidFill>
-                <a:highlight>
-                  <a:srgbClr val="1E1E1E"/>
-                </a:highlight>
-                <a:latin typeface="Consolas" panose="020B0609020204030204" pitchFamily="49" charset="0"/>
-              </a:rPr>
-              <a:t> </a:t>
-            </a:r>
-            <a:r>
-              <a:rPr lang="it-IT" sz="800" dirty="0" err="1">
-                <a:solidFill>
-                  <a:srgbClr val="4EC9B0"/>
-                </a:solidFill>
-                <a:highlight>
-                  <a:srgbClr val="1E1E1E"/>
-                </a:highlight>
-                <a:latin typeface="Consolas" panose="020B0609020204030204" pitchFamily="49" charset="0"/>
-              </a:rPr>
-              <a:t>PerimeterCalculator</a:t>
-            </a:r>
-            <a:r>
-              <a:rPr lang="it-IT" sz="800" dirty="0">
-                <a:solidFill>
-                  <a:srgbClr val="DCDCDC"/>
-                </a:solidFill>
-                <a:highlight>
-                  <a:srgbClr val="1E1E1E"/>
-                </a:highlight>
-                <a:latin typeface="Consolas" panose="020B0609020204030204" pitchFamily="49" charset="0"/>
-              </a:rPr>
-              <a:t>(</a:t>
-            </a:r>
-            <a:r>
-              <a:rPr lang="it-IT" sz="800" dirty="0" err="1">
-                <a:solidFill>
-                  <a:srgbClr val="DCDCDC"/>
-                </a:solidFill>
-                <a:highlight>
-                  <a:srgbClr val="1E1E1E"/>
-                </a:highlight>
-                <a:latin typeface="Consolas" panose="020B0609020204030204" pitchFamily="49" charset="0"/>
-              </a:rPr>
-              <a:t>shapes</a:t>
-            </a:r>
-            <a:r>
-              <a:rPr lang="it-IT" sz="800" dirty="0">
-                <a:solidFill>
-                  <a:srgbClr val="DCDCDC"/>
-                </a:solidFill>
-                <a:highlight>
-                  <a:srgbClr val="1E1E1E"/>
-                </a:highlight>
-                <a:latin typeface="Consolas" panose="020B0609020204030204" pitchFamily="49" charset="0"/>
-              </a:rPr>
-              <a:t>);</a:t>
-            </a:r>
-          </a:p>
-          <a:p>
-            <a:endParaRPr lang="it-IT" sz="800" dirty="0">
-              <a:solidFill>
-                <a:srgbClr val="DCDCDC"/>
-              </a:solidFill>
-              <a:highlight>
-                <a:srgbClr val="1E1E1E"/>
-              </a:highlight>
-              <a:latin typeface="Consolas" panose="020B0609020204030204" pitchFamily="49" charset="0"/>
-            </a:endParaRPr>
-          </a:p>
-          <a:p>
-            <a:r>
-              <a:rPr lang="it-IT" sz="800" dirty="0">
-                <a:solidFill>
-                  <a:srgbClr val="DCDCDC"/>
-                </a:solidFill>
-                <a:highlight>
-                  <a:srgbClr val="1E1E1E"/>
-                </a:highlight>
-                <a:latin typeface="Consolas" panose="020B0609020204030204" pitchFamily="49" charset="0"/>
-              </a:rPr>
-              <a:t>            </a:t>
-            </a:r>
-            <a:r>
-              <a:rPr lang="it-IT" sz="800" dirty="0" err="1">
-                <a:solidFill>
-                  <a:srgbClr val="569CD6"/>
-                </a:solidFill>
-                <a:highlight>
-                  <a:srgbClr val="1E1E1E"/>
-                </a:highlight>
-                <a:latin typeface="Consolas" panose="020B0609020204030204" pitchFamily="49" charset="0"/>
-              </a:rPr>
-              <a:t>var</a:t>
-            </a:r>
-            <a:r>
-              <a:rPr lang="it-IT" sz="800" dirty="0">
-                <a:solidFill>
-                  <a:srgbClr val="DCDCDC"/>
-                </a:solidFill>
-                <a:highlight>
-                  <a:srgbClr val="1E1E1E"/>
-                </a:highlight>
-                <a:latin typeface="Consolas" panose="020B0609020204030204" pitchFamily="49" charset="0"/>
-              </a:rPr>
-              <a:t> </a:t>
-            </a:r>
-            <a:r>
-              <a:rPr lang="it-IT" sz="800" dirty="0" err="1">
-                <a:solidFill>
-                  <a:srgbClr val="DCDCDC"/>
-                </a:solidFill>
-                <a:highlight>
-                  <a:srgbClr val="1E1E1E"/>
-                </a:highlight>
-                <a:latin typeface="Consolas" panose="020B0609020204030204" pitchFamily="49" charset="0"/>
-              </a:rPr>
-              <a:t>outputArea</a:t>
-            </a:r>
-            <a:r>
-              <a:rPr lang="it-IT" sz="800" dirty="0">
-                <a:solidFill>
-                  <a:srgbClr val="DCDCDC"/>
-                </a:solidFill>
-                <a:highlight>
-                  <a:srgbClr val="1E1E1E"/>
-                </a:highlight>
-                <a:latin typeface="Consolas" panose="020B0609020204030204" pitchFamily="49" charset="0"/>
-              </a:rPr>
-              <a:t> </a:t>
-            </a:r>
-            <a:r>
-              <a:rPr lang="it-IT" sz="800" dirty="0">
-                <a:solidFill>
-                  <a:srgbClr val="B4B4B4"/>
-                </a:solidFill>
-                <a:highlight>
-                  <a:srgbClr val="1E1E1E"/>
-                </a:highlight>
-                <a:latin typeface="Consolas" panose="020B0609020204030204" pitchFamily="49" charset="0"/>
-              </a:rPr>
-              <a:t>=</a:t>
-            </a:r>
-            <a:r>
-              <a:rPr lang="it-IT" sz="800" dirty="0">
-                <a:solidFill>
-                  <a:srgbClr val="DCDCDC"/>
-                </a:solidFill>
-                <a:highlight>
-                  <a:srgbClr val="1E1E1E"/>
-                </a:highlight>
-                <a:latin typeface="Consolas" panose="020B0609020204030204" pitchFamily="49" charset="0"/>
-              </a:rPr>
-              <a:t> </a:t>
-            </a:r>
-            <a:r>
-              <a:rPr lang="it-IT" sz="800" dirty="0">
-                <a:solidFill>
-                  <a:srgbClr val="569CD6"/>
-                </a:solidFill>
-                <a:highlight>
-                  <a:srgbClr val="1E1E1E"/>
-                </a:highlight>
-                <a:latin typeface="Consolas" panose="020B0609020204030204" pitchFamily="49" charset="0"/>
-              </a:rPr>
-              <a:t>new</a:t>
-            </a:r>
-            <a:r>
-              <a:rPr lang="it-IT" sz="800" dirty="0">
-                <a:solidFill>
-                  <a:srgbClr val="DCDCDC"/>
-                </a:solidFill>
-                <a:highlight>
-                  <a:srgbClr val="1E1E1E"/>
-                </a:highlight>
-                <a:latin typeface="Consolas" panose="020B0609020204030204" pitchFamily="49" charset="0"/>
-              </a:rPr>
-              <a:t> </a:t>
-            </a:r>
-            <a:r>
-              <a:rPr lang="it-IT" sz="800" dirty="0" err="1">
-                <a:solidFill>
-                  <a:srgbClr val="4EC9B0"/>
-                </a:solidFill>
-                <a:highlight>
-                  <a:srgbClr val="1E1E1E"/>
-                </a:highlight>
-                <a:latin typeface="Consolas" panose="020B0609020204030204" pitchFamily="49" charset="0"/>
-              </a:rPr>
-              <a:t>GenericCalculatorOutput</a:t>
-            </a:r>
-            <a:r>
-              <a:rPr lang="it-IT" sz="800" dirty="0">
-                <a:solidFill>
-                  <a:srgbClr val="DCDCDC"/>
-                </a:solidFill>
-                <a:highlight>
-                  <a:srgbClr val="1E1E1E"/>
-                </a:highlight>
-                <a:latin typeface="Consolas" panose="020B0609020204030204" pitchFamily="49" charset="0"/>
-              </a:rPr>
-              <a:t>(area);</a:t>
-            </a:r>
-          </a:p>
-          <a:p>
-            <a:r>
-              <a:rPr lang="it-IT" sz="800" dirty="0">
-                <a:solidFill>
-                  <a:srgbClr val="DCDCDC"/>
-                </a:solidFill>
-                <a:highlight>
-                  <a:srgbClr val="1E1E1E"/>
-                </a:highlight>
-                <a:latin typeface="Consolas" panose="020B0609020204030204" pitchFamily="49" charset="0"/>
-              </a:rPr>
-              <a:t>            </a:t>
-            </a:r>
-            <a:r>
-              <a:rPr lang="it-IT" sz="800" dirty="0" err="1">
-                <a:solidFill>
-                  <a:srgbClr val="569CD6"/>
-                </a:solidFill>
-                <a:highlight>
-                  <a:srgbClr val="1E1E1E"/>
-                </a:highlight>
-                <a:latin typeface="Consolas" panose="020B0609020204030204" pitchFamily="49" charset="0"/>
-              </a:rPr>
-              <a:t>var</a:t>
-            </a:r>
-            <a:r>
-              <a:rPr lang="it-IT" sz="800" dirty="0">
-                <a:solidFill>
-                  <a:srgbClr val="DCDCDC"/>
-                </a:solidFill>
-                <a:highlight>
-                  <a:srgbClr val="1E1E1E"/>
-                </a:highlight>
-                <a:latin typeface="Consolas" panose="020B0609020204030204" pitchFamily="49" charset="0"/>
-              </a:rPr>
-              <a:t> </a:t>
-            </a:r>
-            <a:r>
-              <a:rPr lang="it-IT" sz="800" dirty="0" err="1">
-                <a:solidFill>
-                  <a:srgbClr val="DCDCDC"/>
-                </a:solidFill>
-                <a:highlight>
-                  <a:srgbClr val="1E1E1E"/>
-                </a:highlight>
-                <a:latin typeface="Consolas" panose="020B0609020204030204" pitchFamily="49" charset="0"/>
-              </a:rPr>
-              <a:t>outputPerimeter</a:t>
-            </a:r>
-            <a:r>
-              <a:rPr lang="it-IT" sz="800" dirty="0">
-                <a:solidFill>
-                  <a:srgbClr val="DCDCDC"/>
-                </a:solidFill>
-                <a:highlight>
-                  <a:srgbClr val="1E1E1E"/>
-                </a:highlight>
-                <a:latin typeface="Consolas" panose="020B0609020204030204" pitchFamily="49" charset="0"/>
-              </a:rPr>
-              <a:t> </a:t>
-            </a:r>
-            <a:r>
-              <a:rPr lang="it-IT" sz="800" dirty="0">
-                <a:solidFill>
-                  <a:srgbClr val="B4B4B4"/>
-                </a:solidFill>
-                <a:highlight>
-                  <a:srgbClr val="1E1E1E"/>
-                </a:highlight>
-                <a:latin typeface="Consolas" panose="020B0609020204030204" pitchFamily="49" charset="0"/>
-              </a:rPr>
-              <a:t>=</a:t>
-            </a:r>
-            <a:r>
-              <a:rPr lang="it-IT" sz="800" dirty="0">
-                <a:solidFill>
-                  <a:srgbClr val="DCDCDC"/>
-                </a:solidFill>
-                <a:highlight>
-                  <a:srgbClr val="1E1E1E"/>
-                </a:highlight>
-                <a:latin typeface="Consolas" panose="020B0609020204030204" pitchFamily="49" charset="0"/>
-              </a:rPr>
-              <a:t> </a:t>
-            </a:r>
-            <a:r>
-              <a:rPr lang="it-IT" sz="800" dirty="0">
-                <a:solidFill>
-                  <a:srgbClr val="569CD6"/>
-                </a:solidFill>
-                <a:highlight>
-                  <a:srgbClr val="1E1E1E"/>
-                </a:highlight>
-                <a:latin typeface="Consolas" panose="020B0609020204030204" pitchFamily="49" charset="0"/>
-              </a:rPr>
-              <a:t>new</a:t>
-            </a:r>
-            <a:r>
-              <a:rPr lang="it-IT" sz="800" dirty="0">
-                <a:solidFill>
-                  <a:srgbClr val="DCDCDC"/>
-                </a:solidFill>
-                <a:highlight>
-                  <a:srgbClr val="1E1E1E"/>
-                </a:highlight>
-                <a:latin typeface="Consolas" panose="020B0609020204030204" pitchFamily="49" charset="0"/>
-              </a:rPr>
-              <a:t> </a:t>
-            </a:r>
-            <a:r>
-              <a:rPr lang="it-IT" sz="800" dirty="0" err="1">
-                <a:solidFill>
-                  <a:srgbClr val="4EC9B0"/>
-                </a:solidFill>
-                <a:highlight>
-                  <a:srgbClr val="1E1E1E"/>
-                </a:highlight>
-                <a:latin typeface="Consolas" panose="020B0609020204030204" pitchFamily="49" charset="0"/>
-              </a:rPr>
-              <a:t>GenericCalculatorOutput</a:t>
-            </a:r>
-            <a:r>
-              <a:rPr lang="it-IT" sz="800" dirty="0">
-                <a:solidFill>
-                  <a:srgbClr val="DCDCDC"/>
-                </a:solidFill>
-                <a:highlight>
-                  <a:srgbClr val="1E1E1E"/>
-                </a:highlight>
-                <a:latin typeface="Consolas" panose="020B0609020204030204" pitchFamily="49" charset="0"/>
-              </a:rPr>
-              <a:t>(</a:t>
-            </a:r>
-            <a:r>
-              <a:rPr lang="it-IT" sz="800" dirty="0" err="1">
-                <a:solidFill>
-                  <a:srgbClr val="DCDCDC"/>
-                </a:solidFill>
-                <a:highlight>
-                  <a:srgbClr val="1E1E1E"/>
-                </a:highlight>
-                <a:latin typeface="Consolas" panose="020B0609020204030204" pitchFamily="49" charset="0"/>
-              </a:rPr>
-              <a:t>perimeter</a:t>
-            </a:r>
-            <a:r>
-              <a:rPr lang="it-IT" sz="800" dirty="0">
-                <a:solidFill>
-                  <a:srgbClr val="DCDCDC"/>
-                </a:solidFill>
-                <a:highlight>
-                  <a:srgbClr val="1E1E1E"/>
-                </a:highlight>
-                <a:latin typeface="Consolas" panose="020B0609020204030204" pitchFamily="49" charset="0"/>
-              </a:rPr>
-              <a:t>);</a:t>
-            </a:r>
-          </a:p>
-          <a:p>
-            <a:endParaRPr lang="it-IT" sz="800" dirty="0">
-              <a:solidFill>
-                <a:srgbClr val="DCDCDC"/>
-              </a:solidFill>
-              <a:highlight>
-                <a:srgbClr val="1E1E1E"/>
-              </a:highlight>
-              <a:latin typeface="Consolas" panose="020B0609020204030204" pitchFamily="49" charset="0"/>
-            </a:endParaRPr>
-          </a:p>
-          <a:p>
-            <a:r>
-              <a:rPr lang="it-IT" sz="800" dirty="0">
-                <a:solidFill>
-                  <a:srgbClr val="DCDCDC"/>
-                </a:solidFill>
-                <a:highlight>
-                  <a:srgbClr val="1E1E1E"/>
-                </a:highlight>
-                <a:latin typeface="Consolas" panose="020B0609020204030204" pitchFamily="49" charset="0"/>
-              </a:rPr>
-              <a:t>            </a:t>
-            </a:r>
-            <a:r>
-              <a:rPr lang="it-IT" sz="800" dirty="0" err="1">
-                <a:solidFill>
-                  <a:srgbClr val="4EC9B0"/>
-                </a:solidFill>
-                <a:highlight>
-                  <a:srgbClr val="1E1E1E"/>
-                </a:highlight>
-                <a:latin typeface="Consolas" panose="020B0609020204030204" pitchFamily="49" charset="0"/>
-              </a:rPr>
-              <a:t>Console</a:t>
-            </a:r>
-            <a:r>
-              <a:rPr lang="it-IT" sz="800" dirty="0" err="1">
-                <a:solidFill>
-                  <a:srgbClr val="B4B4B4"/>
-                </a:solidFill>
-                <a:highlight>
-                  <a:srgbClr val="1E1E1E"/>
-                </a:highlight>
-                <a:latin typeface="Consolas" panose="020B0609020204030204" pitchFamily="49" charset="0"/>
-              </a:rPr>
-              <a:t>.</a:t>
-            </a:r>
-            <a:r>
-              <a:rPr lang="it-IT" sz="800" dirty="0" err="1">
-                <a:solidFill>
-                  <a:srgbClr val="DCDCDC"/>
-                </a:solidFill>
-                <a:highlight>
-                  <a:srgbClr val="1E1E1E"/>
-                </a:highlight>
-                <a:latin typeface="Consolas" panose="020B0609020204030204" pitchFamily="49" charset="0"/>
-              </a:rPr>
-              <a:t>WriteLine</a:t>
-            </a:r>
-            <a:r>
-              <a:rPr lang="it-IT" sz="800" dirty="0">
-                <a:solidFill>
-                  <a:srgbClr val="DCDCDC"/>
-                </a:solidFill>
-                <a:highlight>
-                  <a:srgbClr val="1E1E1E"/>
-                </a:highlight>
-                <a:latin typeface="Consolas" panose="020B0609020204030204" pitchFamily="49" charset="0"/>
-              </a:rPr>
-              <a:t>(</a:t>
-            </a:r>
-            <a:r>
-              <a:rPr lang="it-IT" sz="800" dirty="0" err="1">
-                <a:solidFill>
-                  <a:srgbClr val="DCDCDC"/>
-                </a:solidFill>
-                <a:highlight>
-                  <a:srgbClr val="1E1E1E"/>
-                </a:highlight>
-                <a:latin typeface="Consolas" panose="020B0609020204030204" pitchFamily="49" charset="0"/>
-              </a:rPr>
-              <a:t>outputArea</a:t>
-            </a:r>
-            <a:r>
-              <a:rPr lang="it-IT" sz="800" dirty="0" err="1">
-                <a:solidFill>
-                  <a:srgbClr val="B4B4B4"/>
-                </a:solidFill>
-                <a:highlight>
-                  <a:srgbClr val="1E1E1E"/>
-                </a:highlight>
-                <a:latin typeface="Consolas" panose="020B0609020204030204" pitchFamily="49" charset="0"/>
-              </a:rPr>
-              <a:t>.</a:t>
-            </a:r>
-            <a:r>
-              <a:rPr lang="it-IT" sz="800" dirty="0" err="1">
-                <a:solidFill>
-                  <a:srgbClr val="DCDCDC"/>
-                </a:solidFill>
-                <a:highlight>
-                  <a:srgbClr val="1E1E1E"/>
-                </a:highlight>
-                <a:latin typeface="Consolas" panose="020B0609020204030204" pitchFamily="49" charset="0"/>
-              </a:rPr>
-              <a:t>ShowHtml</a:t>
-            </a:r>
-            <a:r>
-              <a:rPr lang="it-IT" sz="800" dirty="0">
-                <a:solidFill>
-                  <a:srgbClr val="DCDCDC"/>
-                </a:solidFill>
-                <a:highlight>
-                  <a:srgbClr val="1E1E1E"/>
-                </a:highlight>
-                <a:latin typeface="Consolas" panose="020B0609020204030204" pitchFamily="49" charset="0"/>
-              </a:rPr>
-              <a:t>());</a:t>
-            </a:r>
-          </a:p>
-          <a:p>
-            <a:r>
-              <a:rPr lang="it-IT" sz="800" dirty="0">
-                <a:solidFill>
-                  <a:srgbClr val="DCDCDC"/>
-                </a:solidFill>
-                <a:highlight>
-                  <a:srgbClr val="1E1E1E"/>
-                </a:highlight>
-                <a:latin typeface="Consolas" panose="020B0609020204030204" pitchFamily="49" charset="0"/>
-              </a:rPr>
-              <a:t>            </a:t>
-            </a:r>
-            <a:r>
-              <a:rPr lang="it-IT" sz="800" dirty="0" err="1">
-                <a:solidFill>
-                  <a:srgbClr val="4EC9B0"/>
-                </a:solidFill>
-                <a:highlight>
-                  <a:srgbClr val="1E1E1E"/>
-                </a:highlight>
-                <a:latin typeface="Consolas" panose="020B0609020204030204" pitchFamily="49" charset="0"/>
-              </a:rPr>
-              <a:t>Console</a:t>
-            </a:r>
-            <a:r>
-              <a:rPr lang="it-IT" sz="800" dirty="0" err="1">
-                <a:solidFill>
-                  <a:srgbClr val="B4B4B4"/>
-                </a:solidFill>
-                <a:highlight>
-                  <a:srgbClr val="1E1E1E"/>
-                </a:highlight>
-                <a:latin typeface="Consolas" panose="020B0609020204030204" pitchFamily="49" charset="0"/>
-              </a:rPr>
-              <a:t>.</a:t>
-            </a:r>
-            <a:r>
-              <a:rPr lang="it-IT" sz="800" dirty="0" err="1">
-                <a:solidFill>
-                  <a:srgbClr val="DCDCDC"/>
-                </a:solidFill>
-                <a:highlight>
-                  <a:srgbClr val="1E1E1E"/>
-                </a:highlight>
-                <a:latin typeface="Consolas" panose="020B0609020204030204" pitchFamily="49" charset="0"/>
-              </a:rPr>
-              <a:t>WriteLine</a:t>
-            </a:r>
-            <a:r>
-              <a:rPr lang="it-IT" sz="800" dirty="0">
-                <a:solidFill>
-                  <a:srgbClr val="DCDCDC"/>
-                </a:solidFill>
-                <a:highlight>
-                  <a:srgbClr val="1E1E1E"/>
-                </a:highlight>
-                <a:latin typeface="Consolas" panose="020B0609020204030204" pitchFamily="49" charset="0"/>
-              </a:rPr>
-              <a:t>(</a:t>
-            </a:r>
-            <a:r>
-              <a:rPr lang="it-IT" sz="800" dirty="0" err="1">
-                <a:solidFill>
-                  <a:srgbClr val="DCDCDC"/>
-                </a:solidFill>
-                <a:highlight>
-                  <a:srgbClr val="1E1E1E"/>
-                </a:highlight>
-                <a:latin typeface="Consolas" panose="020B0609020204030204" pitchFamily="49" charset="0"/>
-              </a:rPr>
-              <a:t>outputPerimeter</a:t>
-            </a:r>
-            <a:r>
-              <a:rPr lang="it-IT" sz="800" dirty="0" err="1">
-                <a:solidFill>
-                  <a:srgbClr val="B4B4B4"/>
-                </a:solidFill>
-                <a:highlight>
-                  <a:srgbClr val="1E1E1E"/>
-                </a:highlight>
-                <a:latin typeface="Consolas" panose="020B0609020204030204" pitchFamily="49" charset="0"/>
-              </a:rPr>
-              <a:t>.</a:t>
-            </a:r>
-            <a:r>
-              <a:rPr lang="it-IT" sz="800" dirty="0" err="1">
-                <a:solidFill>
-                  <a:srgbClr val="DCDCDC"/>
-                </a:solidFill>
-                <a:highlight>
-                  <a:srgbClr val="1E1E1E"/>
-                </a:highlight>
-                <a:latin typeface="Consolas" panose="020B0609020204030204" pitchFamily="49" charset="0"/>
-              </a:rPr>
-              <a:t>ShowHtml</a:t>
-            </a:r>
-            <a:r>
-              <a:rPr lang="it-IT" sz="800" dirty="0">
-                <a:solidFill>
-                  <a:srgbClr val="DCDCDC"/>
-                </a:solidFill>
-                <a:highlight>
-                  <a:srgbClr val="1E1E1E"/>
-                </a:highlight>
-                <a:latin typeface="Consolas" panose="020B0609020204030204" pitchFamily="49" charset="0"/>
-              </a:rPr>
-              <a:t>());</a:t>
-            </a:r>
-          </a:p>
-          <a:p>
-            <a:endParaRPr lang="it-IT" sz="1000" dirty="0">
-              <a:solidFill>
-                <a:srgbClr val="DCDCDC"/>
-              </a:solidFill>
-              <a:highlight>
-                <a:srgbClr val="1E1E1E"/>
-              </a:highlight>
-              <a:latin typeface="Consolas" panose="020B0609020204030204" pitchFamily="49" charset="0"/>
-            </a:endParaRPr>
-          </a:p>
-        </p:txBody>
-      </p:sp>
+      </p:pic>
     </p:spTree>
     <p:extLst>
       <p:ext uri="{BB962C8B-B14F-4D97-AF65-F5344CB8AC3E}">
-        <p14:creationId xmlns:p14="http://schemas.microsoft.com/office/powerpoint/2010/main" val="2095394683"/>
+        <p14:creationId xmlns:p14="http://schemas.microsoft.com/office/powerpoint/2010/main" val="16659559"/>
       </p:ext>
     </p:extLst>
   </p:cSld>
@@ -11052,7 +7509,7 @@
         </p:nvSpPr>
         <p:spPr>
           <a:xfrm>
-            <a:off x="621370" y="1595329"/>
+            <a:off x="604640" y="2122551"/>
             <a:ext cx="8210747" cy="4154984"/>
           </a:xfrm>
           <a:prstGeom prst="rect">
@@ -15211,12 +11668,20 @@
           <a:lstStyle/>
           <a:p>
             <a:r>
-              <a:rPr lang="en-US"/>
-              <a:t>LSP Liskov Substitution Principle</a:t>
-            </a:r>
-          </a:p>
-          <a:p>
-            <a:endParaRPr lang="en-US"/>
+              <a:rPr lang="en-US" dirty="0"/>
+              <a:t>LSP </a:t>
+            </a:r>
+            <a:r>
+              <a:rPr lang="en-US" dirty="0" err="1"/>
+              <a:t>Liskov</a:t>
+            </a:r>
+            <a:r>
+              <a:rPr lang="en-US" dirty="0"/>
+              <a:t> Substitution Principle</a:t>
+            </a:r>
+          </a:p>
+          <a:p>
+            <a:endParaRPr lang="en-US" dirty="0"/>
           </a:p>
           <a:p>
             <a:endParaRPr lang="en-US" dirty="0"/>
@@ -15231,7 +11696,7 @@
         </p:nvSpPr>
         <p:spPr>
           <a:xfrm>
-            <a:off x="621370" y="1618189"/>
+            <a:off x="519112" y="2252503"/>
             <a:ext cx="8210747" cy="2923877"/>
           </a:xfrm>
           <a:prstGeom prst="rect">
@@ -19205,9 +15670,12 @@
           <a:lstStyle/>
           <a:p>
             <a:r>
-              <a:rPr lang="en-US" dirty="0"/>
-              <a:t>SOLID Principles</a:t>
-            </a:r>
+              <a:rPr lang="en-US"/>
+              <a:t>SOLID stands for</a:t>
+            </a:r>
+          </a:p>
+          <a:p>
+            <a:endParaRPr lang="en-US"/>
           </a:p>
           <a:p>
             <a:endParaRPr lang="en-US" dirty="0"/>
@@ -19222,8 +15690,8 @@
         </p:nvSpPr>
         <p:spPr>
           <a:xfrm>
-            <a:off x="621372" y="1501213"/>
-            <a:ext cx="8210747" cy="4647426"/>
+            <a:off x="604640" y="2132981"/>
+            <a:ext cx="8210747" cy="3416320"/>
           </a:xfrm>
           <a:prstGeom prst="rect">
             <a:avLst/>
@@ -19247,43 +15715,17 @@
           </a:p>
           <a:p>
             <a:r>
-              <a:rPr lang="en-GB" sz="2400" b="1" dirty="0">
+              <a:rPr lang="en-GB" sz="2400" dirty="0">
                 <a:latin typeface="Chronicle Display" pitchFamily="50" charset="0"/>
               </a:rPr>
-              <a:t>SOLID</a:t>
-            </a:r>
-            <a:r>
-              <a:rPr lang="en-GB" sz="1600" b="1" dirty="0">
-                <a:latin typeface="Chronicle Display" pitchFamily="50" charset="0"/>
-              </a:rPr>
-              <a:t> </a:t>
+              <a:t>S</a:t>
             </a:r>
             <a:r>
               <a:rPr lang="en-GB" sz="1600" dirty="0">
                 <a:latin typeface="Chronicle Display" pitchFamily="50" charset="0"/>
               </a:rPr>
-              <a:t>is an acronym for five </a:t>
-            </a:r>
-            <a:r>
-              <a:rPr lang="en-GB" sz="1600" b="1" dirty="0">
-                <a:latin typeface="Chronicle Display" pitchFamily="50" charset="0"/>
-              </a:rPr>
-              <a:t>OOD</a:t>
-            </a:r>
-            <a:r>
-              <a:rPr lang="en-GB" sz="1600" dirty="0">
-                <a:latin typeface="Chronicle Display" pitchFamily="50" charset="0"/>
-              </a:rPr>
-              <a:t> principles by Robert C. Martin (uncle bob)</a:t>
-            </a:r>
-            <a:endParaRPr lang="en-GB" sz="1600" u="sng" dirty="0">
-              <a:latin typeface="Chronicle Display" pitchFamily="50" charset="0"/>
-            </a:endParaRPr>
-          </a:p>
-          <a:p>
-            <a:endParaRPr lang="en-GB" sz="1600" u="sng" dirty="0">
-              <a:latin typeface="Chronicle Display" pitchFamily="50" charset="0"/>
-            </a:endParaRPr>
+              <a:t>  	SRP - Single Responsibility Principle</a:t>
+            </a:r>
           </a:p>
           <a:p>
             <a:endParaRPr lang="en-GB" sz="1600" dirty="0">
@@ -19292,42 +15734,16 @@
           </a:p>
           <a:p>
             <a:r>
+              <a:rPr lang="en-GB" sz="2400" dirty="0">
+                <a:latin typeface="Chronicle Display" pitchFamily="50" charset="0"/>
+              </a:rPr>
+              <a:t>O</a:t>
+            </a:r>
+            <a:r>
               <a:rPr lang="en-GB" sz="1600" dirty="0">
                 <a:latin typeface="Chronicle Display" pitchFamily="50" charset="0"/>
               </a:rPr>
-              <a:t>These principles, when applied, help developer in</a:t>
-            </a:r>
-          </a:p>
-          <a:p>
-            <a:r>
-              <a:rPr lang="en-GB" sz="1600" dirty="0">
-                <a:latin typeface="Chronicle Display" pitchFamily="50" charset="0"/>
-              </a:rPr>
-              <a:t>	</a:t>
-            </a:r>
-          </a:p>
-          <a:p>
-            <a:r>
-              <a:rPr lang="en-GB" sz="1600" dirty="0">
-                <a:latin typeface="Chronicle Display" pitchFamily="50" charset="0"/>
-              </a:rPr>
-              <a:t>	&gt; easily maintain software</a:t>
-            </a:r>
-          </a:p>
-          <a:p>
-            <a:r>
-              <a:rPr lang="en-GB" sz="1600" dirty="0">
-                <a:latin typeface="Chronicle Display" pitchFamily="50" charset="0"/>
-              </a:rPr>
-              <a:t>	</a:t>
-            </a:r>
-          </a:p>
-          <a:p>
-            <a:r>
-              <a:rPr lang="en-GB" sz="1600" dirty="0">
-                <a:latin typeface="Chronicle Display" pitchFamily="50" charset="0"/>
-              </a:rPr>
-              <a:t>	&gt; extend software</a:t>
+              <a:t>  	OPC - Open Closed Principle</a:t>
             </a:r>
           </a:p>
           <a:p>
@@ -19337,10 +15753,28 @@
           </a:p>
           <a:p>
             <a:r>
+              <a:rPr lang="en-GB" sz="2400" dirty="0">
+                <a:latin typeface="Chronicle Display" pitchFamily="50" charset="0"/>
+              </a:rPr>
+              <a:t>L</a:t>
+            </a:r>
+            <a:r>
               <a:rPr lang="en-GB" sz="1600" dirty="0">
                 <a:latin typeface="Chronicle Display" pitchFamily="50" charset="0"/>
               </a:rPr>
-              <a:t>	&gt; avoid smells</a:t>
+              <a:t>  	LSP - </a:t>
+            </a:r>
+            <a:r>
+              <a:rPr lang="en-GB" sz="1600" dirty="0" err="1">
+                <a:latin typeface="Chronicle Display" pitchFamily="50" charset="0"/>
+              </a:rPr>
+              <a:t>Liskov</a:t>
+            </a:r>
+            <a:r>
+              <a:rPr lang="en-GB" sz="1600" dirty="0">
+                <a:latin typeface="Chronicle Display" pitchFamily="50" charset="0"/>
+              </a:rPr>
+              <a:t> Substitution Principle</a:t>
             </a:r>
           </a:p>
           <a:p>
@@ -19350,10 +15784,16 @@
           </a:p>
           <a:p>
             <a:r>
+              <a:rPr lang="en-GB" sz="2400" dirty="0">
+                <a:latin typeface="Chronicle Display" pitchFamily="50" charset="0"/>
+              </a:rPr>
+              <a:t>I</a:t>
+            </a:r>
+            <a:r>
               <a:rPr lang="en-GB" sz="1600" dirty="0">
                 <a:latin typeface="Chronicle Display" pitchFamily="50" charset="0"/>
               </a:rPr>
-              <a:t>	&gt; easily refactor code</a:t>
+              <a:t>  	ISP  - Interface Segregation Principle</a:t>
             </a:r>
           </a:p>
           <a:p>
@@ -19363,23 +15803,16 @@
           </a:p>
           <a:p>
             <a:r>
+              <a:rPr lang="en-GB" sz="2400" dirty="0">
+                <a:latin typeface="Chronicle Display" pitchFamily="50" charset="0"/>
+              </a:rPr>
+              <a:t>D</a:t>
+            </a:r>
+            <a:r>
               <a:rPr lang="en-GB" sz="1600" dirty="0">
                 <a:latin typeface="Chronicle Display" pitchFamily="50" charset="0"/>
               </a:rPr>
-              <a:t>	&gt; achieve low coupling, high cohesion and string encapsulation</a:t>
-            </a:r>
-          </a:p>
-          <a:p>
-            <a:endParaRPr lang="en-GB" sz="1600" dirty="0">
-              <a:latin typeface="Chronicle Display" pitchFamily="50" charset="0"/>
-            </a:endParaRPr>
-          </a:p>
-          <a:p>
-            <a:r>
-              <a:rPr lang="en-GB" sz="1600" dirty="0">
-                <a:latin typeface="Chronicle Display" pitchFamily="50" charset="0"/>
-              </a:rPr>
-              <a:t>	&gt; software easier to read, easier to understand and easier to change</a:t>
+              <a:t>  	DIP - Dependency Inversion Principle</a:t>
             </a:r>
           </a:p>
         </p:txBody>
@@ -19387,7 +15820,7 @@
     </p:spTree>
     <p:extLst>
       <p:ext uri="{BB962C8B-B14F-4D97-AF65-F5344CB8AC3E}">
-        <p14:creationId xmlns:p14="http://schemas.microsoft.com/office/powerpoint/2010/main" val="944026845"/>
+        <p14:creationId xmlns:p14="http://schemas.microsoft.com/office/powerpoint/2010/main" val="493347506"/>
       </p:ext>
     </p:extLst>
   </p:cSld>
@@ -19885,199 +16318,6 @@
           <a:p>
             <a:r>
               <a:rPr lang="en-US"/>
-              <a:t>SOLID stands for</a:t>
-            </a:r>
-          </a:p>
-          <a:p>
-            <a:endParaRPr lang="en-US"/>
-          </a:p>
-          <a:p>
-            <a:endParaRPr lang="en-US" dirty="0"/>
-          </a:p>
-        </p:txBody>
-      </p:sp>
-      <p:sp>
-        <p:nvSpPr>
-          <p:cNvPr id="5" name="TextBox 4"/>
-          <p:cNvSpPr txBox="1"/>
-          <p:nvPr/>
-        </p:nvSpPr>
-        <p:spPr>
-          <a:xfrm>
-            <a:off x="604640" y="2132981"/>
-            <a:ext cx="8210747" cy="3416320"/>
-          </a:xfrm>
-          <a:prstGeom prst="rect">
-            <a:avLst/>
-          </a:prstGeom>
-          <a:noFill/>
-        </p:spPr>
-        <p:txBody>
-          <a:bodyPr wrap="square" rtlCol="0">
-            <a:spAutoFit/>
-          </a:bodyPr>
-          <a:lstStyle/>
-          <a:p>
-            <a:endParaRPr lang="en-GB" sz="1600" u="sng" dirty="0">
-              <a:latin typeface="Chronicle Display" pitchFamily="50" charset="0"/>
-            </a:endParaRPr>
-          </a:p>
-          <a:p>
-            <a:endParaRPr lang="en-GB" sz="1600" u="sng" dirty="0">
-              <a:latin typeface="Chronicle Display" pitchFamily="50" charset="0"/>
-            </a:endParaRPr>
-          </a:p>
-          <a:p>
-            <a:r>
-              <a:rPr lang="en-GB" sz="2400" dirty="0">
-                <a:latin typeface="Chronicle Display" pitchFamily="50" charset="0"/>
-              </a:rPr>
-              <a:t>S</a:t>
-            </a:r>
-            <a:r>
-              <a:rPr lang="en-GB" sz="1600" dirty="0">
-                <a:latin typeface="Chronicle Display" pitchFamily="50" charset="0"/>
-              </a:rPr>
-              <a:t>  	SRP - Single Responsibility Principle</a:t>
-            </a:r>
-          </a:p>
-          <a:p>
-            <a:endParaRPr lang="en-GB" sz="1600" dirty="0">
-              <a:latin typeface="Chronicle Display" pitchFamily="50" charset="0"/>
-            </a:endParaRPr>
-          </a:p>
-          <a:p>
-            <a:r>
-              <a:rPr lang="en-GB" sz="2400" dirty="0">
-                <a:latin typeface="Chronicle Display" pitchFamily="50" charset="0"/>
-              </a:rPr>
-              <a:t>O</a:t>
-            </a:r>
-            <a:r>
-              <a:rPr lang="en-GB" sz="1600" dirty="0">
-                <a:latin typeface="Chronicle Display" pitchFamily="50" charset="0"/>
-              </a:rPr>
-              <a:t>  	OPC - Open Closed Principle</a:t>
-            </a:r>
-          </a:p>
-          <a:p>
-            <a:endParaRPr lang="en-GB" sz="1600" dirty="0">
-              <a:latin typeface="Chronicle Display" pitchFamily="50" charset="0"/>
-            </a:endParaRPr>
-          </a:p>
-          <a:p>
-            <a:r>
-              <a:rPr lang="en-GB" sz="2400" dirty="0">
-                <a:latin typeface="Chronicle Display" pitchFamily="50" charset="0"/>
-              </a:rPr>
-              <a:t>L</a:t>
-            </a:r>
-            <a:r>
-              <a:rPr lang="en-GB" sz="1600" dirty="0">
-                <a:latin typeface="Chronicle Display" pitchFamily="50" charset="0"/>
-              </a:rPr>
-              <a:t>  	LSP - </a:t>
-            </a:r>
-            <a:r>
-              <a:rPr lang="en-GB" sz="1600" dirty="0" err="1">
-                <a:latin typeface="Chronicle Display" pitchFamily="50" charset="0"/>
-              </a:rPr>
-              <a:t>Liskov</a:t>
-            </a:r>
-            <a:r>
-              <a:rPr lang="en-GB" sz="1600" dirty="0">
-                <a:latin typeface="Chronicle Display" pitchFamily="50" charset="0"/>
-              </a:rPr>
-              <a:t> Substitution Principle</a:t>
-            </a:r>
-          </a:p>
-          <a:p>
-            <a:endParaRPr lang="en-GB" sz="1600" dirty="0">
-              <a:latin typeface="Chronicle Display" pitchFamily="50" charset="0"/>
-            </a:endParaRPr>
-          </a:p>
-          <a:p>
-            <a:r>
-              <a:rPr lang="en-GB" sz="2400" dirty="0">
-                <a:latin typeface="Chronicle Display" pitchFamily="50" charset="0"/>
-              </a:rPr>
-              <a:t>I</a:t>
-            </a:r>
-            <a:r>
-              <a:rPr lang="en-GB" sz="1600" dirty="0">
-                <a:latin typeface="Chronicle Display" pitchFamily="50" charset="0"/>
-              </a:rPr>
-              <a:t>  	ISP  - Interface Segregation Principle</a:t>
-            </a:r>
-          </a:p>
-          <a:p>
-            <a:endParaRPr lang="en-GB" sz="1600" dirty="0">
-              <a:latin typeface="Chronicle Display" pitchFamily="50" charset="0"/>
-            </a:endParaRPr>
-          </a:p>
-          <a:p>
-            <a:r>
-              <a:rPr lang="en-GB" sz="2400" dirty="0">
-                <a:latin typeface="Chronicle Display" pitchFamily="50" charset="0"/>
-              </a:rPr>
-              <a:t>D</a:t>
-            </a:r>
-            <a:r>
-              <a:rPr lang="en-GB" sz="1600" dirty="0">
-                <a:latin typeface="Chronicle Display" pitchFamily="50" charset="0"/>
-              </a:rPr>
-              <a:t>  	DIP - Dependency Inversion Principle</a:t>
-            </a:r>
-          </a:p>
-        </p:txBody>
-      </p:sp>
-    </p:spTree>
-    <p:extLst>
-      <p:ext uri="{BB962C8B-B14F-4D97-AF65-F5344CB8AC3E}">
-        <p14:creationId xmlns:p14="http://schemas.microsoft.com/office/powerpoint/2010/main" val="493347506"/>
-      </p:ext>
-    </p:extLst>
-  </p:cSld>
-  <p:clrMapOvr>
-    <a:masterClrMapping/>
-  </p:clrMapOvr>
-</p:sld>
-</file>
-
-<file path=ppt/slides/slide5.xml><?xml version="1.0" encoding="utf-8"?>
-<p:sld xmlns:a="http://schemas.openxmlformats.org/drawingml/2006/main" xmlns:r="http://schemas.openxmlformats.org/officeDocument/2006/relationships" xmlns:p="http://schemas.openxmlformats.org/presentationml/2006/main">
-  <p:cSld>
-    <p:spTree>
-      <p:nvGrpSpPr>
-        <p:cNvPr id="1" name=""/>
-        <p:cNvGrpSpPr/>
-        <p:nvPr/>
-      </p:nvGrpSpPr>
-      <p:grpSpPr>
-        <a:xfrm>
-          <a:off x="0" y="0"/>
-          <a:ext cx="0" cy="0"/>
-          <a:chOff x="0" y="0"/>
-          <a:chExt cx="0" cy="0"/>
-        </a:xfrm>
-      </p:grpSpPr>
-      <p:sp>
-        <p:nvSpPr>
-          <p:cNvPr id="2" name="Text Placeholder 1"/>
-          <p:cNvSpPr>
-            <a:spLocks noGrp="1"/>
-          </p:cNvSpPr>
-          <p:nvPr>
-            <p:ph type="body" sz="quarter" idx="11"/>
-          </p:nvPr>
-        </p:nvSpPr>
-        <p:spPr/>
-        <p:txBody>
-          <a:bodyPr/>
-          <a:lstStyle/>
-          <a:p>
-            <a:r>
-              <a:rPr lang="en-US"/>
               <a:t>SRP Single Responsibility Principle</a:t>
             </a:r>
           </a:p>
@@ -20174,7 +16414,7 @@
 </p:sld>
 </file>
 
-<file path=ppt/slides/slide6.xml><?xml version="1.0" encoding="utf-8"?>
+<file path=ppt/slides/slide5.xml><?xml version="1.0" encoding="utf-8"?>
 <p:sld xmlns:a="http://schemas.openxmlformats.org/drawingml/2006/main" xmlns:r="http://schemas.openxmlformats.org/officeDocument/2006/relationships" xmlns:p="http://schemas.openxmlformats.org/presentationml/2006/main">
   <p:cSld>
     <p:spTree>
@@ -20262,7 +16502,7 @@
 </p:sld>
 </file>
 
-<file path=ppt/slides/slide7.xml><?xml version="1.0" encoding="utf-8"?>
+<file path=ppt/slides/slide6.xml><?xml version="1.0" encoding="utf-8"?>
 <p:sld xmlns:a="http://schemas.openxmlformats.org/drawingml/2006/main" xmlns:r="http://schemas.openxmlformats.org/officeDocument/2006/relationships" xmlns:p="http://schemas.openxmlformats.org/presentationml/2006/main">
   <p:cSld>
     <p:spTree>
@@ -20338,10 +16578,10 @@
               <a:rPr lang="en-GB" sz="1600" dirty="0">
                 <a:latin typeface="Chronicle Display" pitchFamily="50" charset="0"/>
               </a:rPr>
-              <a:t>In the code example the </a:t>
-            </a:r>
-            <a:r>
-              <a:rPr lang="en-GB" sz="1600" dirty="0" err="1">
+              <a:t>In the example code the </a:t>
+            </a:r>
+            <a:r>
+              <a:rPr lang="en-GB" sz="1600" b="1" i="1" dirty="0" err="1">
                 <a:latin typeface="Chronicle Display" pitchFamily="50" charset="0"/>
               </a:rPr>
               <a:t>AreaCalculator</a:t>
@@ -20376,10 +16616,10 @@
               <a:rPr lang="en-GB" sz="1600" dirty="0">
                 <a:latin typeface="Chronicle Display" pitchFamily="50" charset="0"/>
               </a:rPr>
-              <a:t>We could add a new class called for example </a:t>
-            </a:r>
-            <a:r>
-              <a:rPr lang="en-GB" sz="1600" dirty="0" err="1">
+              <a:t>We could add a new class called </a:t>
+            </a:r>
+            <a:r>
+              <a:rPr lang="en-GB" sz="1600" b="1" i="1" u="sng" dirty="0" err="1">
                 <a:latin typeface="Chronicle Display" pitchFamily="50" charset="0"/>
               </a:rPr>
               <a:t>AreaCalculatorOutput</a:t>
@@ -20391,29 +16631,188 @@
               <a:t> that has the responsibility to format the output data coming from the </a:t>
             </a:r>
             <a:r>
-              <a:rPr lang="en-GB" sz="1600" dirty="0" err="1">
+              <a:rPr lang="en-GB" sz="1600" b="1" i="1" dirty="0" err="1">
                 <a:latin typeface="Chronicle Display" pitchFamily="50" charset="0"/>
               </a:rPr>
               <a:t>AreaCalculator</a:t>
             </a:r>
+            <a:endParaRPr lang="en-GB" sz="1600" b="1" i="1" dirty="0">
+              <a:latin typeface="Chronicle Display" pitchFamily="50" charset="0"/>
+            </a:endParaRPr>
+          </a:p>
+          <a:p>
+            <a:endParaRPr lang="en-GB" sz="1600" b="1" i="1" dirty="0">
+              <a:latin typeface="Chronicle Display" pitchFamily="50" charset="0"/>
+            </a:endParaRPr>
+          </a:p>
+          <a:p>
             <a:endParaRPr lang="en-GB" sz="1600" dirty="0">
               <a:latin typeface="Chronicle Display" pitchFamily="50" charset="0"/>
             </a:endParaRPr>
           </a:p>
           <a:p>
-            <a:endParaRPr lang="en-GB" sz="1600" b="1" i="1" dirty="0">
-              <a:latin typeface="Chronicle Display" pitchFamily="50" charset="0"/>
-            </a:endParaRPr>
-          </a:p>
-          <a:p>
             <a:endParaRPr lang="en-GB" sz="1600" dirty="0">
               <a:latin typeface="Chronicle Display" pitchFamily="50" charset="0"/>
             </a:endParaRPr>
           </a:p>
-          <a:p>
-            <a:endParaRPr lang="en-GB" sz="1600" dirty="0">
-              <a:latin typeface="Chronicle Display" pitchFamily="50" charset="0"/>
-            </a:endParaRPr>
+        </p:txBody>
+      </p:sp>
+      <p:sp>
+        <p:nvSpPr>
+          <p:cNvPr id="9" name="Rectangle: Rounded Corners 8">
+            <a:extLst>
+              <a:ext uri="{FF2B5EF4-FFF2-40B4-BE49-F238E27FC236}">
+                <a16:creationId xmlns:a16="http://schemas.microsoft.com/office/drawing/2014/main" id="{42D394D1-AAA7-49F8-AB59-6E8CF6B83B52}"/>
+              </a:ext>
+            </a:extLst>
+          </p:cNvPr>
+          <p:cNvSpPr/>
+          <p:nvPr/>
+        </p:nvSpPr>
+        <p:spPr>
+          <a:xfrm>
+            <a:off x="604640" y="3630620"/>
+            <a:ext cx="8125219" cy="773084"/>
+          </a:xfrm>
+          <a:prstGeom prst="roundRect">
+            <a:avLst/>
+          </a:prstGeom>
+          <a:noFill/>
+          <a:ln w="57150">
+            <a:solidFill>
+              <a:schemeClr val="tx1">
+                <a:lumMod val="95000"/>
+                <a:lumOff val="5000"/>
+              </a:schemeClr>
+            </a:solidFill>
+          </a:ln>
+        </p:spPr>
+        <p:style>
+          <a:lnRef idx="2">
+            <a:schemeClr val="accent5"/>
+          </a:lnRef>
+          <a:fillRef idx="1">
+            <a:schemeClr val="lt1"/>
+          </a:fillRef>
+          <a:effectRef idx="0">
+            <a:schemeClr val="accent5"/>
+          </a:effectRef>
+          <a:fontRef idx="minor">
+            <a:schemeClr val="dk1"/>
+          </a:fontRef>
+        </p:style>
+        <p:txBody>
+          <a:bodyPr rtlCol="0" anchor="ctr"/>
+          <a:lstStyle/>
+          <a:p>
+            <a:pPr algn="ctr"/>
+            <a:endParaRPr lang="it-IT"/>
+          </a:p>
+        </p:txBody>
+      </p:sp>
+      <p:sp>
+        <p:nvSpPr>
+          <p:cNvPr id="6" name="Rectangle: Rounded Corners 5">
+            <a:extLst>
+              <a:ext uri="{FF2B5EF4-FFF2-40B4-BE49-F238E27FC236}">
+                <a16:creationId xmlns:a16="http://schemas.microsoft.com/office/drawing/2014/main" id="{1D498334-C1FD-4B37-944A-87E0779E5825}"/>
+              </a:ext>
+            </a:extLst>
+          </p:cNvPr>
+          <p:cNvSpPr/>
+          <p:nvPr/>
+        </p:nvSpPr>
+        <p:spPr>
+          <a:xfrm>
+            <a:off x="604640" y="2818015"/>
+            <a:ext cx="8125219" cy="773084"/>
+          </a:xfrm>
+          <a:prstGeom prst="roundRect">
+            <a:avLst/>
+          </a:prstGeom>
+          <a:noFill/>
+          <a:ln w="57150">
+            <a:solidFill>
+              <a:schemeClr val="tx1">
+                <a:lumMod val="95000"/>
+                <a:lumOff val="5000"/>
+              </a:schemeClr>
+            </a:solidFill>
+          </a:ln>
+        </p:spPr>
+        <p:style>
+          <a:lnRef idx="2">
+            <a:schemeClr val="accent5"/>
+          </a:lnRef>
+          <a:fillRef idx="1">
+            <a:schemeClr val="lt1"/>
+          </a:fillRef>
+          <a:effectRef idx="0">
+            <a:schemeClr val="accent5"/>
+          </a:effectRef>
+          <a:fontRef idx="minor">
+            <a:schemeClr val="dk1"/>
+          </a:fontRef>
+        </p:style>
+        <p:txBody>
+          <a:bodyPr rtlCol="0" anchor="ctr"/>
+          <a:lstStyle/>
+          <a:p>
+            <a:pPr algn="ctr"/>
+            <a:endParaRPr lang="it-IT"/>
+          </a:p>
+        </p:txBody>
+      </p:sp>
+      <p:sp>
+        <p:nvSpPr>
+          <p:cNvPr id="4" name="Rectangle: Rounded Corners 3">
+            <a:extLst>
+              <a:ext uri="{FF2B5EF4-FFF2-40B4-BE49-F238E27FC236}">
+                <a16:creationId xmlns:a16="http://schemas.microsoft.com/office/drawing/2014/main" id="{6B63734A-6F73-4F97-87D1-8E661666FAFA}"/>
+              </a:ext>
+            </a:extLst>
+          </p:cNvPr>
+          <p:cNvSpPr/>
+          <p:nvPr/>
+        </p:nvSpPr>
+        <p:spPr>
+          <a:xfrm>
+            <a:off x="604640" y="2044931"/>
+            <a:ext cx="8125219" cy="773084"/>
+          </a:xfrm>
+          <a:prstGeom prst="roundRect">
+            <a:avLst/>
+          </a:prstGeom>
+          <a:noFill/>
+          <a:ln w="57150">
+            <a:solidFill>
+              <a:schemeClr val="tx1">
+                <a:lumMod val="95000"/>
+                <a:lumOff val="5000"/>
+              </a:schemeClr>
+            </a:solidFill>
+          </a:ln>
+        </p:spPr>
+        <p:style>
+          <a:lnRef idx="2">
+            <a:schemeClr val="accent5"/>
+          </a:lnRef>
+          <a:fillRef idx="1">
+            <a:schemeClr val="lt1"/>
+          </a:fillRef>
+          <a:effectRef idx="0">
+            <a:schemeClr val="accent5"/>
+          </a:effectRef>
+          <a:fontRef idx="minor">
+            <a:schemeClr val="dk1"/>
+          </a:fontRef>
+        </p:style>
+        <p:txBody>
+          <a:bodyPr rtlCol="0" anchor="ctr"/>
+          <a:lstStyle/>
+          <a:p>
+            <a:pPr algn="ctr"/>
+            <a:endParaRPr lang="it-IT"/>
           </a:p>
         </p:txBody>
       </p:sp>
@@ -20427,10 +16826,276 @@
   <p:clrMapOvr>
     <a:masterClrMapping/>
   </p:clrMapOvr>
+  <p:timing>
+    <p:tnLst>
+      <p:par>
+        <p:cTn id="1" dur="indefinite" restart="never" nodeType="tmRoot">
+          <p:childTnLst>
+            <p:seq concurrent="1" nextAc="seek">
+              <p:cTn id="2" dur="indefinite" nodeType="mainSeq">
+                <p:childTnLst>
+                  <p:par>
+                    <p:cTn id="3" fill="hold">
+                      <p:stCondLst>
+                        <p:cond delay="indefinite"/>
+                      </p:stCondLst>
+                      <p:childTnLst>
+                        <p:par>
+                          <p:cTn id="4" fill="hold">
+                            <p:stCondLst>
+                              <p:cond delay="0"/>
+                            </p:stCondLst>
+                            <p:childTnLst>
+                              <p:par>
+                                <p:cTn id="5" presetID="10" presetClass="entr" presetSubtype="0" fill="hold" grpId="0" nodeType="clickEffect">
+                                  <p:stCondLst>
+                                    <p:cond delay="0"/>
+                                  </p:stCondLst>
+                                  <p:childTnLst>
+                                    <p:set>
+                                      <p:cBhvr>
+                                        <p:cTn id="6" dur="1" fill="hold">
+                                          <p:stCondLst>
+                                            <p:cond delay="0"/>
+                                          </p:stCondLst>
+                                        </p:cTn>
+                                        <p:tgtEl>
+                                          <p:spTgt spid="4"/>
+                                        </p:tgtEl>
+                                        <p:attrNameLst>
+                                          <p:attrName>style.visibility</p:attrName>
+                                        </p:attrNameLst>
+                                      </p:cBhvr>
+                                      <p:to>
+                                        <p:strVal val="visible"/>
+                                      </p:to>
+                                    </p:set>
+                                    <p:animEffect transition="in" filter="fade">
+                                      <p:cBhvr>
+                                        <p:cTn id="7" dur="500"/>
+                                        <p:tgtEl>
+                                          <p:spTgt spid="4"/>
+                                        </p:tgtEl>
+                                      </p:cBhvr>
+                                    </p:animEffect>
+                                  </p:childTnLst>
+                                </p:cTn>
+                              </p:par>
+                            </p:childTnLst>
+                          </p:cTn>
+                        </p:par>
+                      </p:childTnLst>
+                    </p:cTn>
+                  </p:par>
+                  <p:par>
+                    <p:cTn id="8" fill="hold">
+                      <p:stCondLst>
+                        <p:cond delay="indefinite"/>
+                      </p:stCondLst>
+                      <p:childTnLst>
+                        <p:par>
+                          <p:cTn id="9" fill="hold">
+                            <p:stCondLst>
+                              <p:cond delay="0"/>
+                            </p:stCondLst>
+                            <p:childTnLst>
+                              <p:par>
+                                <p:cTn id="10" presetID="10" presetClass="exit" presetSubtype="0" fill="hold" grpId="1" nodeType="clickEffect">
+                                  <p:stCondLst>
+                                    <p:cond delay="0"/>
+                                  </p:stCondLst>
+                                  <p:childTnLst>
+                                    <p:animEffect transition="out" filter="fade">
+                                      <p:cBhvr>
+                                        <p:cTn id="11" dur="500"/>
+                                        <p:tgtEl>
+                                          <p:spTgt spid="4"/>
+                                        </p:tgtEl>
+                                      </p:cBhvr>
+                                    </p:animEffect>
+                                    <p:set>
+                                      <p:cBhvr>
+                                        <p:cTn id="12" dur="1" fill="hold">
+                                          <p:stCondLst>
+                                            <p:cond delay="499"/>
+                                          </p:stCondLst>
+                                        </p:cTn>
+                                        <p:tgtEl>
+                                          <p:spTgt spid="4"/>
+                                        </p:tgtEl>
+                                        <p:attrNameLst>
+                                          <p:attrName>style.visibility</p:attrName>
+                                        </p:attrNameLst>
+                                      </p:cBhvr>
+                                      <p:to>
+                                        <p:strVal val="hidden"/>
+                                      </p:to>
+                                    </p:set>
+                                  </p:childTnLst>
+                                </p:cTn>
+                              </p:par>
+                              <p:par>
+                                <p:cTn id="13" presetID="10" presetClass="entr" presetSubtype="0" fill="hold" grpId="0" nodeType="withEffect">
+                                  <p:stCondLst>
+                                    <p:cond delay="0"/>
+                                  </p:stCondLst>
+                                  <p:childTnLst>
+                                    <p:set>
+                                      <p:cBhvr>
+                                        <p:cTn id="14" dur="1" fill="hold">
+                                          <p:stCondLst>
+                                            <p:cond delay="0"/>
+                                          </p:stCondLst>
+                                        </p:cTn>
+                                        <p:tgtEl>
+                                          <p:spTgt spid="6"/>
+                                        </p:tgtEl>
+                                        <p:attrNameLst>
+                                          <p:attrName>style.visibility</p:attrName>
+                                        </p:attrNameLst>
+                                      </p:cBhvr>
+                                      <p:to>
+                                        <p:strVal val="visible"/>
+                                      </p:to>
+                                    </p:set>
+                                    <p:animEffect transition="in" filter="fade">
+                                      <p:cBhvr>
+                                        <p:cTn id="15" dur="500"/>
+                                        <p:tgtEl>
+                                          <p:spTgt spid="6"/>
+                                        </p:tgtEl>
+                                      </p:cBhvr>
+                                    </p:animEffect>
+                                  </p:childTnLst>
+                                </p:cTn>
+                              </p:par>
+                            </p:childTnLst>
+                          </p:cTn>
+                        </p:par>
+                      </p:childTnLst>
+                    </p:cTn>
+                  </p:par>
+                  <p:par>
+                    <p:cTn id="16" fill="hold">
+                      <p:stCondLst>
+                        <p:cond delay="indefinite"/>
+                      </p:stCondLst>
+                      <p:childTnLst>
+                        <p:par>
+                          <p:cTn id="17" fill="hold">
+                            <p:stCondLst>
+                              <p:cond delay="0"/>
+                            </p:stCondLst>
+                            <p:childTnLst>
+                              <p:par>
+                                <p:cTn id="18" presetID="10" presetClass="exit" presetSubtype="0" fill="hold" grpId="1" nodeType="clickEffect">
+                                  <p:stCondLst>
+                                    <p:cond delay="0"/>
+                                  </p:stCondLst>
+                                  <p:childTnLst>
+                                    <p:animEffect transition="out" filter="fade">
+                                      <p:cBhvr>
+                                        <p:cTn id="19" dur="500"/>
+                                        <p:tgtEl>
+                                          <p:spTgt spid="6"/>
+                                        </p:tgtEl>
+                                      </p:cBhvr>
+                                    </p:animEffect>
+                                    <p:set>
+                                      <p:cBhvr>
+                                        <p:cTn id="20" dur="1" fill="hold">
+                                          <p:stCondLst>
+                                            <p:cond delay="499"/>
+                                          </p:stCondLst>
+                                        </p:cTn>
+                                        <p:tgtEl>
+                                          <p:spTgt spid="6"/>
+                                        </p:tgtEl>
+                                        <p:attrNameLst>
+                                          <p:attrName>style.visibility</p:attrName>
+                                        </p:attrNameLst>
+                                      </p:cBhvr>
+                                      <p:to>
+                                        <p:strVal val="hidden"/>
+                                      </p:to>
+                                    </p:set>
+                                  </p:childTnLst>
+                                </p:cTn>
+                              </p:par>
+                              <p:par>
+                                <p:cTn id="21" presetID="10" presetClass="entr" presetSubtype="0" fill="hold" grpId="0" nodeType="withEffect">
+                                  <p:stCondLst>
+                                    <p:cond delay="0"/>
+                                  </p:stCondLst>
+                                  <p:childTnLst>
+                                    <p:set>
+                                      <p:cBhvr>
+                                        <p:cTn id="22" dur="1" fill="hold">
+                                          <p:stCondLst>
+                                            <p:cond delay="0"/>
+                                          </p:stCondLst>
+                                        </p:cTn>
+                                        <p:tgtEl>
+                                          <p:spTgt spid="9"/>
+                                        </p:tgtEl>
+                                        <p:attrNameLst>
+                                          <p:attrName>style.visibility</p:attrName>
+                                        </p:attrNameLst>
+                                      </p:cBhvr>
+                                      <p:to>
+                                        <p:strVal val="visible"/>
+                                      </p:to>
+                                    </p:set>
+                                    <p:animEffect transition="in" filter="fade">
+                                      <p:cBhvr>
+                                        <p:cTn id="23" dur="500"/>
+                                        <p:tgtEl>
+                                          <p:spTgt spid="9"/>
+                                        </p:tgtEl>
+                                      </p:cBhvr>
+                                    </p:animEffect>
+                                  </p:childTnLst>
+                                </p:cTn>
+                              </p:par>
+                            </p:childTnLst>
+                          </p:cTn>
+                        </p:par>
+                      </p:childTnLst>
+                    </p:cTn>
+                  </p:par>
+                </p:childTnLst>
+              </p:cTn>
+              <p:prevCondLst>
+                <p:cond evt="onPrev" delay="0">
+                  <p:tgtEl>
+                    <p:sldTgt/>
+                  </p:tgtEl>
+                </p:cond>
+              </p:prevCondLst>
+              <p:nextCondLst>
+                <p:cond evt="onNext" delay="0">
+                  <p:tgtEl>
+                    <p:sldTgt/>
+                  </p:tgtEl>
+                </p:cond>
+              </p:nextCondLst>
+            </p:seq>
+          </p:childTnLst>
+        </p:cTn>
+      </p:par>
+    </p:tnLst>
+    <p:bldLst>
+      <p:bldP spid="9" grpId="0" animBg="1"/>
+      <p:bldP spid="6" grpId="0" animBg="1"/>
+      <p:bldP spid="6" grpId="1" animBg="1"/>
+      <p:bldP spid="4" grpId="0" animBg="1"/>
+      <p:bldP spid="4" grpId="1" animBg="1"/>
+    </p:bldLst>
+  </p:timing>
 </p:sld>
 </file>
 
-<file path=ppt/slides/slide8.xml><?xml version="1.0" encoding="utf-8"?>
+<file path=ppt/slides/slide7.xml><?xml version="1.0" encoding="utf-8"?>
 <p:sld xmlns:a="http://schemas.openxmlformats.org/drawingml/2006/main" xmlns:r="http://schemas.openxmlformats.org/officeDocument/2006/relationships" xmlns:p="http://schemas.openxmlformats.org/presentationml/2006/main">
   <p:cSld>
     <p:spTree>
@@ -20518,7 +17183,7 @@
 </p:sld>
 </file>
 
-<file path=ppt/slides/slide9.xml><?xml version="1.0" encoding="utf-8"?>
+<file path=ppt/slides/slide8.xml><?xml version="1.0" encoding="utf-8"?>
 <p:sld xmlns:a="http://schemas.openxmlformats.org/drawingml/2006/main" xmlns:r="http://schemas.openxmlformats.org/officeDocument/2006/relationships" xmlns:p="http://schemas.openxmlformats.org/presentationml/2006/main">
   <p:cSld>
     <p:spTree>
@@ -20597,6 +17262,94 @@
     <p:extLst>
       <p:ext uri="{BB962C8B-B14F-4D97-AF65-F5344CB8AC3E}">
         <p14:creationId xmlns:p14="http://schemas.microsoft.com/office/powerpoint/2010/main" val="2122867086"/>
+      </p:ext>
+    </p:extLst>
+  </p:cSld>
+  <p:clrMapOvr>
+    <a:masterClrMapping/>
+  </p:clrMapOvr>
+</p:sld>
+</file>
+
+<file path=ppt/slides/slide9.xml><?xml version="1.0" encoding="utf-8"?>
+<p:sld xmlns:a="http://schemas.openxmlformats.org/drawingml/2006/main" xmlns:r="http://schemas.openxmlformats.org/officeDocument/2006/relationships" xmlns:p="http://schemas.openxmlformats.org/presentationml/2006/main">
+  <p:cSld>
+    <p:spTree>
+      <p:nvGrpSpPr>
+        <p:cNvPr id="1" name=""/>
+        <p:cNvGrpSpPr/>
+        <p:nvPr/>
+      </p:nvGrpSpPr>
+      <p:grpSpPr>
+        <a:xfrm>
+          <a:off x="0" y="0"/>
+          <a:ext cx="0" cy="0"/>
+          <a:chOff x="0" y="0"/>
+          <a:chExt cx="0" cy="0"/>
+        </a:xfrm>
+      </p:grpSpPr>
+      <p:sp>
+        <p:nvSpPr>
+          <p:cNvPr id="2" name="Text Placeholder 1"/>
+          <p:cNvSpPr>
+            <a:spLocks noGrp="1"/>
+          </p:cNvSpPr>
+          <p:nvPr>
+            <p:ph type="body" sz="quarter" idx="11"/>
+          </p:nvPr>
+        </p:nvSpPr>
+        <p:spPr/>
+        <p:txBody>
+          <a:bodyPr/>
+          <a:lstStyle/>
+          <a:p>
+            <a:r>
+              <a:rPr lang="en-US" dirty="0"/>
+              <a:t>SRP Single Responsibility Principle</a:t>
+            </a:r>
+          </a:p>
+          <a:p>
+            <a:endParaRPr lang="en-US" dirty="0"/>
+          </a:p>
+          <a:p>
+            <a:endParaRPr lang="en-US" dirty="0"/>
+          </a:p>
+        </p:txBody>
+      </p:sp>
+      <p:pic>
+        <p:nvPicPr>
+          <p:cNvPr id="3" name="Picture 2">
+            <a:extLst>
+              <a:ext uri="{FF2B5EF4-FFF2-40B4-BE49-F238E27FC236}">
+                <a16:creationId xmlns:a16="http://schemas.microsoft.com/office/drawing/2014/main" id="{17A316CB-EDB6-4E3A-8082-4340A74FD5DC}"/>
+              </a:ext>
+            </a:extLst>
+          </p:cNvPr>
+          <p:cNvPicPr>
+            <a:picLocks noChangeAspect="1"/>
+          </p:cNvPicPr>
+          <p:nvPr/>
+        </p:nvPicPr>
+        <p:blipFill>
+          <a:blip r:embed="rId3"/>
+          <a:stretch>
+            <a:fillRect/>
+          </a:stretch>
+        </p:blipFill>
+        <p:spPr>
+          <a:xfrm>
+            <a:off x="1833285" y="2469505"/>
+            <a:ext cx="5391902" cy="3448531"/>
+          </a:xfrm>
+          <a:prstGeom prst="rect">
+            <a:avLst/>
+          </a:prstGeom>
+        </p:spPr>
+      </p:pic>
+    </p:spTree>
+    <p:extLst>
+      <p:ext uri="{BB962C8B-B14F-4D97-AF65-F5344CB8AC3E}">
+        <p14:creationId xmlns:p14="http://schemas.microsoft.com/office/powerpoint/2010/main" val="2247099466"/>
       </p:ext>
     </p:extLst>
   </p:cSld>

--- a/docs/solid.pptx
+++ b/docs/solid.pptx
@@ -5,10 +5,10 @@
     <p:sldMasterId id="2147483650" r:id="rId1"/>
   </p:sldMasterIdLst>
   <p:notesMasterIdLst>
-    <p:notesMasterId r:id="rId35"/>
+    <p:notesMasterId r:id="rId37"/>
   </p:notesMasterIdLst>
   <p:handoutMasterIdLst>
-    <p:handoutMasterId r:id="rId36"/>
+    <p:handoutMasterId r:id="rId38"/>
   </p:handoutMasterIdLst>
   <p:sldIdLst>
     <p:sldId id="309" r:id="rId2"/>
@@ -41,9 +41,11 @@
     <p:sldId id="305" r:id="rId29"/>
     <p:sldId id="306" r:id="rId30"/>
     <p:sldId id="307" r:id="rId31"/>
-    <p:sldId id="319" r:id="rId32"/>
-    <p:sldId id="320" r:id="rId33"/>
-    <p:sldId id="308" r:id="rId34"/>
+    <p:sldId id="326" r:id="rId32"/>
+    <p:sldId id="327" r:id="rId33"/>
+    <p:sldId id="319" r:id="rId34"/>
+    <p:sldId id="320" r:id="rId35"/>
+    <p:sldId id="308" r:id="rId36"/>
   </p:sldIdLst>
   <p:sldSz cx="9144000" cy="6858000" type="screen4x3"/>
   <p:notesSz cx="6858000" cy="9144000"/>
@@ -3133,7 +3135,7 @@
     </p:spTree>
     <p:extLst>
       <p:ext uri="{BB962C8B-B14F-4D97-AF65-F5344CB8AC3E}">
-        <p14:creationId xmlns:p14="http://schemas.microsoft.com/office/powerpoint/2010/main" val="700657275"/>
+        <p14:creationId xmlns:p14="http://schemas.microsoft.com/office/powerpoint/2010/main" val="3986163092"/>
       </p:ext>
     </p:extLst>
   </p:cSld>
@@ -3225,7 +3227,7 @@
     </p:spTree>
     <p:extLst>
       <p:ext uri="{BB962C8B-B14F-4D97-AF65-F5344CB8AC3E}">
-        <p14:creationId xmlns:p14="http://schemas.microsoft.com/office/powerpoint/2010/main" val="4192043878"/>
+        <p14:creationId xmlns:p14="http://schemas.microsoft.com/office/powerpoint/2010/main" val="447199454"/>
       </p:ext>
     </p:extLst>
   </p:cSld>
@@ -3309,6 +3311,190 @@
             <a:fld id="{2C5A56FE-B2E8-4285-8F31-2AEEB8EA39C6}" type="slidenum">
               <a:rPr lang="en-GB" smtClean="0"/>
               <a:t>33</a:t>
+            </a:fld>
+            <a:endParaRPr lang="en-GB"/>
+          </a:p>
+        </p:txBody>
+      </p:sp>
+    </p:spTree>
+    <p:extLst>
+      <p:ext uri="{BB962C8B-B14F-4D97-AF65-F5344CB8AC3E}">
+        <p14:creationId xmlns:p14="http://schemas.microsoft.com/office/powerpoint/2010/main" val="700657275"/>
+      </p:ext>
+    </p:extLst>
+  </p:cSld>
+  <p:clrMapOvr>
+    <a:masterClrMapping/>
+  </p:clrMapOvr>
+</p:notes>
+</file>
+
+<file path=ppt/notesSlides/notesSlide34.xml><?xml version="1.0" encoding="utf-8"?>
+<p:notes xmlns:a="http://schemas.openxmlformats.org/drawingml/2006/main" xmlns:r="http://schemas.openxmlformats.org/officeDocument/2006/relationships" xmlns:p="http://schemas.openxmlformats.org/presentationml/2006/main">
+  <p:cSld>
+    <p:spTree>
+      <p:nvGrpSpPr>
+        <p:cNvPr id="1" name=""/>
+        <p:cNvGrpSpPr/>
+        <p:nvPr/>
+      </p:nvGrpSpPr>
+      <p:grpSpPr>
+        <a:xfrm>
+          <a:off x="0" y="0"/>
+          <a:ext cx="0" cy="0"/>
+          <a:chOff x="0" y="0"/>
+          <a:chExt cx="0" cy="0"/>
+        </a:xfrm>
+      </p:grpSpPr>
+      <p:sp>
+        <p:nvSpPr>
+          <p:cNvPr id="2" name="Slide Image Placeholder 1"/>
+          <p:cNvSpPr>
+            <a:spLocks noGrp="1" noRot="1" noChangeAspect="1"/>
+          </p:cNvSpPr>
+          <p:nvPr>
+            <p:ph type="sldImg"/>
+          </p:nvPr>
+        </p:nvSpPr>
+        <p:spPr>
+          <a:xfrm>
+            <a:off x="1143000" y="685800"/>
+            <a:ext cx="4572000" cy="3429000"/>
+          </a:xfrm>
+          <a:prstGeom prst="rect">
+            <a:avLst/>
+          </a:prstGeom>
+        </p:spPr>
+      </p:sp>
+      <p:sp>
+        <p:nvSpPr>
+          <p:cNvPr id="3" name="Notes Placeholder 2"/>
+          <p:cNvSpPr>
+            <a:spLocks noGrp="1"/>
+          </p:cNvSpPr>
+          <p:nvPr>
+            <p:ph type="body" idx="1"/>
+          </p:nvPr>
+        </p:nvSpPr>
+        <p:spPr/>
+        <p:txBody>
+          <a:bodyPr/>
+          <a:lstStyle/>
+          <a:p>
+            <a:endParaRPr lang="it-IT" dirty="0"/>
+          </a:p>
+        </p:txBody>
+      </p:sp>
+      <p:sp>
+        <p:nvSpPr>
+          <p:cNvPr id="4" name="Slide Number Placeholder 3"/>
+          <p:cNvSpPr>
+            <a:spLocks noGrp="1"/>
+          </p:cNvSpPr>
+          <p:nvPr>
+            <p:ph type="sldNum" sz="quarter" idx="10"/>
+          </p:nvPr>
+        </p:nvSpPr>
+        <p:spPr/>
+        <p:txBody>
+          <a:bodyPr/>
+          <a:lstStyle/>
+          <a:p>
+            <a:fld id="{2C5A56FE-B2E8-4285-8F31-2AEEB8EA39C6}" type="slidenum">
+              <a:rPr lang="en-GB" smtClean="0"/>
+              <a:t>34</a:t>
+            </a:fld>
+            <a:endParaRPr lang="en-GB"/>
+          </a:p>
+        </p:txBody>
+      </p:sp>
+    </p:spTree>
+    <p:extLst>
+      <p:ext uri="{BB962C8B-B14F-4D97-AF65-F5344CB8AC3E}">
+        <p14:creationId xmlns:p14="http://schemas.microsoft.com/office/powerpoint/2010/main" val="4192043878"/>
+      </p:ext>
+    </p:extLst>
+  </p:cSld>
+  <p:clrMapOvr>
+    <a:masterClrMapping/>
+  </p:clrMapOvr>
+</p:notes>
+</file>
+
+<file path=ppt/notesSlides/notesSlide35.xml><?xml version="1.0" encoding="utf-8"?>
+<p:notes xmlns:a="http://schemas.openxmlformats.org/drawingml/2006/main" xmlns:r="http://schemas.openxmlformats.org/officeDocument/2006/relationships" xmlns:p="http://schemas.openxmlformats.org/presentationml/2006/main">
+  <p:cSld>
+    <p:spTree>
+      <p:nvGrpSpPr>
+        <p:cNvPr id="1" name=""/>
+        <p:cNvGrpSpPr/>
+        <p:nvPr/>
+      </p:nvGrpSpPr>
+      <p:grpSpPr>
+        <a:xfrm>
+          <a:off x="0" y="0"/>
+          <a:ext cx="0" cy="0"/>
+          <a:chOff x="0" y="0"/>
+          <a:chExt cx="0" cy="0"/>
+        </a:xfrm>
+      </p:grpSpPr>
+      <p:sp>
+        <p:nvSpPr>
+          <p:cNvPr id="2" name="Slide Image Placeholder 1"/>
+          <p:cNvSpPr>
+            <a:spLocks noGrp="1" noRot="1" noChangeAspect="1"/>
+          </p:cNvSpPr>
+          <p:nvPr>
+            <p:ph type="sldImg"/>
+          </p:nvPr>
+        </p:nvSpPr>
+        <p:spPr>
+          <a:xfrm>
+            <a:off x="1143000" y="685800"/>
+            <a:ext cx="4572000" cy="3429000"/>
+          </a:xfrm>
+          <a:prstGeom prst="rect">
+            <a:avLst/>
+          </a:prstGeom>
+        </p:spPr>
+      </p:sp>
+      <p:sp>
+        <p:nvSpPr>
+          <p:cNvPr id="3" name="Notes Placeholder 2"/>
+          <p:cNvSpPr>
+            <a:spLocks noGrp="1"/>
+          </p:cNvSpPr>
+          <p:nvPr>
+            <p:ph type="body" idx="1"/>
+          </p:nvPr>
+        </p:nvSpPr>
+        <p:spPr/>
+        <p:txBody>
+          <a:bodyPr/>
+          <a:lstStyle/>
+          <a:p>
+            <a:endParaRPr lang="it-IT" dirty="0"/>
+          </a:p>
+        </p:txBody>
+      </p:sp>
+      <p:sp>
+        <p:nvSpPr>
+          <p:cNvPr id="4" name="Slide Number Placeholder 3"/>
+          <p:cNvSpPr>
+            <a:spLocks noGrp="1"/>
+          </p:cNvSpPr>
+          <p:nvPr>
+            <p:ph type="sldNum" sz="quarter" idx="10"/>
+          </p:nvPr>
+        </p:nvSpPr>
+        <p:spPr/>
+        <p:txBody>
+          <a:bodyPr/>
+          <a:lstStyle/>
+          <a:p>
+            <a:fld id="{2C5A56FE-B2E8-4285-8F31-2AEEB8EA39C6}" type="slidenum">
+              <a:rPr lang="en-GB" smtClean="0"/>
+              <a:t>35</a:t>
             </a:fld>
             <a:endParaRPr lang="en-GB"/>
           </a:p>
@@ -8561,1850 +8747,108 @@
           <a:lstStyle/>
           <a:p>
             <a:r>
-              <a:rPr lang="en-US"/>
+              <a:rPr lang="en-US" dirty="0"/>
               <a:t>DIP Dependency Inversion Principle</a:t>
             </a:r>
           </a:p>
           <a:p>
-            <a:endParaRPr lang="en-US"/>
-          </a:p>
-          <a:p>
             <a:endParaRPr lang="en-US" dirty="0"/>
           </a:p>
-        </p:txBody>
-      </p:sp>
-      <p:sp>
-        <p:nvSpPr>
-          <p:cNvPr id="6" name="TextBox 5"/>
-          <p:cNvSpPr txBox="1"/>
+          <a:p>
+            <a:endParaRPr lang="en-US" dirty="0"/>
+          </a:p>
+        </p:txBody>
+      </p:sp>
+      <p:pic>
+        <p:nvPicPr>
+          <p:cNvPr id="3" name="Picture 2">
+            <a:extLst>
+              <a:ext uri="{FF2B5EF4-FFF2-40B4-BE49-F238E27FC236}">
+                <a16:creationId xmlns:a16="http://schemas.microsoft.com/office/drawing/2014/main" id="{D386205D-CE29-445F-BCF2-E5672B6C0CD4}"/>
+              </a:ext>
+            </a:extLst>
+          </p:cNvPr>
+          <p:cNvPicPr>
+            <a:picLocks noChangeAspect="1"/>
+          </p:cNvPicPr>
           <p:nvPr/>
-        </p:nvSpPr>
-        <p:spPr>
-          <a:xfrm>
-            <a:off x="621370" y="1595329"/>
-            <a:ext cx="8210747" cy="4031873"/>
-          </a:xfrm>
-          <a:prstGeom prst="rect">
-            <a:avLst/>
-          </a:prstGeom>
-          <a:solidFill>
-            <a:schemeClr val="tx1"/>
-          </a:solidFill>
-        </p:spPr>
-        <p:txBody>
-          <a:bodyPr wrap="square" rtlCol="0">
-            <a:spAutoFit/>
-          </a:bodyPr>
-          <a:lstStyle/>
-          <a:p>
-            <a:r>
-              <a:rPr lang="it-IT" sz="800" dirty="0">
-                <a:solidFill>
-                  <a:srgbClr val="DCDCDC"/>
-                </a:solidFill>
-                <a:highlight>
-                  <a:srgbClr val="1E1E1E"/>
-                </a:highlight>
-                <a:latin typeface="Consolas" panose="020B0609020204030204" pitchFamily="49" charset="0"/>
-              </a:rPr>
-              <a:t> </a:t>
-            </a:r>
-            <a:r>
-              <a:rPr lang="it-IT" sz="800" dirty="0">
-                <a:solidFill>
-                  <a:srgbClr val="569CD6"/>
-                </a:solidFill>
-                <a:highlight>
-                  <a:srgbClr val="1E1E1E"/>
-                </a:highlight>
-                <a:latin typeface="Consolas" panose="020B0609020204030204" pitchFamily="49" charset="0"/>
-              </a:rPr>
-              <a:t>public</a:t>
-            </a:r>
-            <a:r>
-              <a:rPr lang="it-IT" sz="800" dirty="0">
-                <a:solidFill>
-                  <a:srgbClr val="DCDCDC"/>
-                </a:solidFill>
-                <a:highlight>
-                  <a:srgbClr val="1E1E1E"/>
-                </a:highlight>
-                <a:latin typeface="Consolas" panose="020B0609020204030204" pitchFamily="49" charset="0"/>
-              </a:rPr>
-              <a:t> </a:t>
-            </a:r>
-            <a:r>
-              <a:rPr lang="it-IT" sz="800" dirty="0" err="1">
-                <a:solidFill>
-                  <a:srgbClr val="569CD6"/>
-                </a:solidFill>
-                <a:highlight>
-                  <a:srgbClr val="1E1E1E"/>
-                </a:highlight>
-                <a:latin typeface="Consolas" panose="020B0609020204030204" pitchFamily="49" charset="0"/>
-              </a:rPr>
-              <a:t>class</a:t>
-            </a:r>
-            <a:r>
-              <a:rPr lang="it-IT" sz="800" dirty="0">
-                <a:solidFill>
-                  <a:srgbClr val="DCDCDC"/>
-                </a:solidFill>
-                <a:highlight>
-                  <a:srgbClr val="1E1E1E"/>
-                </a:highlight>
-                <a:latin typeface="Consolas" panose="020B0609020204030204" pitchFamily="49" charset="0"/>
-              </a:rPr>
-              <a:t> </a:t>
-            </a:r>
-            <a:r>
-              <a:rPr lang="it-IT" sz="800" dirty="0" err="1">
-                <a:solidFill>
-                  <a:srgbClr val="4EC9B0"/>
-                </a:solidFill>
-                <a:highlight>
-                  <a:srgbClr val="1E1E1E"/>
-                </a:highlight>
-                <a:latin typeface="Consolas" panose="020B0609020204030204" pitchFamily="49" charset="0"/>
-              </a:rPr>
-              <a:t>GenericCalculator</a:t>
-            </a:r>
-            <a:endParaRPr lang="it-IT" sz="800" dirty="0">
-              <a:solidFill>
-                <a:srgbClr val="DCDCDC"/>
-              </a:solidFill>
-              <a:highlight>
-                <a:srgbClr val="1E1E1E"/>
-              </a:highlight>
-              <a:latin typeface="Consolas" panose="020B0609020204030204" pitchFamily="49" charset="0"/>
-            </a:endParaRPr>
-          </a:p>
-          <a:p>
-            <a:r>
-              <a:rPr lang="it-IT" sz="800" dirty="0">
-                <a:solidFill>
-                  <a:srgbClr val="DCDCDC"/>
-                </a:solidFill>
-                <a:highlight>
-                  <a:srgbClr val="1E1E1E"/>
-                </a:highlight>
-                <a:latin typeface="Consolas" panose="020B0609020204030204" pitchFamily="49" charset="0"/>
-              </a:rPr>
-              <a:t> {</a:t>
-            </a:r>
-          </a:p>
-          <a:p>
-            <a:r>
-              <a:rPr lang="it-IT" sz="800" dirty="0">
-                <a:solidFill>
-                  <a:srgbClr val="DCDCDC"/>
-                </a:solidFill>
-                <a:highlight>
-                  <a:srgbClr val="1E1E1E"/>
-                </a:highlight>
-                <a:latin typeface="Consolas" panose="020B0609020204030204" pitchFamily="49" charset="0"/>
-              </a:rPr>
-              <a:t>        </a:t>
-            </a:r>
-            <a:r>
-              <a:rPr lang="it-IT" sz="800" dirty="0" err="1">
-                <a:solidFill>
-                  <a:srgbClr val="569CD6"/>
-                </a:solidFill>
-                <a:highlight>
-                  <a:srgbClr val="1E1E1E"/>
-                </a:highlight>
-                <a:latin typeface="Consolas" panose="020B0609020204030204" pitchFamily="49" charset="0"/>
-              </a:rPr>
-              <a:t>protected</a:t>
-            </a:r>
-            <a:r>
-              <a:rPr lang="it-IT" sz="800" dirty="0">
-                <a:solidFill>
-                  <a:srgbClr val="DCDCDC"/>
-                </a:solidFill>
-                <a:highlight>
-                  <a:srgbClr val="1E1E1E"/>
-                </a:highlight>
-                <a:latin typeface="Consolas" panose="020B0609020204030204" pitchFamily="49" charset="0"/>
-              </a:rPr>
-              <a:t> </a:t>
-            </a:r>
-            <a:r>
-              <a:rPr lang="it-IT" sz="800" dirty="0" err="1">
-                <a:solidFill>
-                  <a:srgbClr val="569CD6"/>
-                </a:solidFill>
-                <a:highlight>
-                  <a:srgbClr val="1E1E1E"/>
-                </a:highlight>
-                <a:latin typeface="Consolas" panose="020B0609020204030204" pitchFamily="49" charset="0"/>
-              </a:rPr>
-              <a:t>readonly</a:t>
-            </a:r>
-            <a:r>
-              <a:rPr lang="it-IT" sz="800" dirty="0">
-                <a:solidFill>
-                  <a:srgbClr val="DCDCDC"/>
-                </a:solidFill>
-                <a:highlight>
-                  <a:srgbClr val="1E1E1E"/>
-                </a:highlight>
-                <a:latin typeface="Consolas" panose="020B0609020204030204" pitchFamily="49" charset="0"/>
-              </a:rPr>
-              <a:t> </a:t>
-            </a:r>
-            <a:r>
-              <a:rPr lang="it-IT" sz="800" dirty="0" err="1">
-                <a:solidFill>
-                  <a:srgbClr val="B8D7A3"/>
-                </a:solidFill>
-                <a:highlight>
-                  <a:srgbClr val="1E1E1E"/>
-                </a:highlight>
-                <a:latin typeface="Consolas" panose="020B0609020204030204" pitchFamily="49" charset="0"/>
-              </a:rPr>
-              <a:t>IShape</a:t>
-            </a:r>
-            <a:r>
-              <a:rPr lang="it-IT" sz="800" dirty="0">
-                <a:solidFill>
-                  <a:srgbClr val="DCDCDC"/>
-                </a:solidFill>
-                <a:highlight>
-                  <a:srgbClr val="1E1E1E"/>
-                </a:highlight>
-                <a:latin typeface="Consolas" panose="020B0609020204030204" pitchFamily="49" charset="0"/>
-              </a:rPr>
-              <a:t>[] </a:t>
-            </a:r>
-            <a:r>
-              <a:rPr lang="it-IT" sz="800" dirty="0" err="1">
-                <a:solidFill>
-                  <a:srgbClr val="DCDCDC"/>
-                </a:solidFill>
-                <a:highlight>
-                  <a:srgbClr val="1E1E1E"/>
-                </a:highlight>
-                <a:latin typeface="Consolas" panose="020B0609020204030204" pitchFamily="49" charset="0"/>
-              </a:rPr>
-              <a:t>shapes</a:t>
-            </a:r>
-            <a:r>
-              <a:rPr lang="it-IT" sz="800" dirty="0">
-                <a:solidFill>
-                  <a:srgbClr val="DCDCDC"/>
-                </a:solidFill>
-                <a:highlight>
-                  <a:srgbClr val="1E1E1E"/>
-                </a:highlight>
-                <a:latin typeface="Consolas" panose="020B0609020204030204" pitchFamily="49" charset="0"/>
-              </a:rPr>
-              <a:t>;</a:t>
-            </a:r>
-          </a:p>
-          <a:p>
-            <a:r>
-              <a:rPr lang="it-IT" sz="800" dirty="0">
-                <a:solidFill>
-                  <a:srgbClr val="DCDCDC"/>
-                </a:solidFill>
-                <a:highlight>
-                  <a:srgbClr val="1E1E1E"/>
-                </a:highlight>
-                <a:latin typeface="Consolas" panose="020B0609020204030204" pitchFamily="49" charset="0"/>
-              </a:rPr>
-              <a:t>        </a:t>
-            </a:r>
-            <a:r>
-              <a:rPr lang="it-IT" sz="800" dirty="0">
-                <a:solidFill>
-                  <a:srgbClr val="569CD6"/>
-                </a:solidFill>
-                <a:highlight>
-                  <a:srgbClr val="1E1E1E"/>
-                </a:highlight>
-                <a:latin typeface="Consolas" panose="020B0609020204030204" pitchFamily="49" charset="0"/>
-              </a:rPr>
-              <a:t>public</a:t>
-            </a:r>
-            <a:r>
-              <a:rPr lang="it-IT" sz="800" dirty="0">
-                <a:solidFill>
-                  <a:srgbClr val="DCDCDC"/>
-                </a:solidFill>
-                <a:highlight>
-                  <a:srgbClr val="1E1E1E"/>
-                </a:highlight>
-                <a:latin typeface="Consolas" panose="020B0609020204030204" pitchFamily="49" charset="0"/>
-              </a:rPr>
-              <a:t> </a:t>
-            </a:r>
-            <a:r>
-              <a:rPr lang="it-IT" sz="800" dirty="0" err="1">
-                <a:solidFill>
-                  <a:srgbClr val="DCDCDC"/>
-                </a:solidFill>
-                <a:highlight>
-                  <a:srgbClr val="1E1E1E"/>
-                </a:highlight>
-                <a:latin typeface="Consolas" panose="020B0609020204030204" pitchFamily="49" charset="0"/>
-              </a:rPr>
-              <a:t>GenericCalculator</a:t>
-            </a:r>
-            <a:r>
-              <a:rPr lang="it-IT" sz="800" dirty="0">
-                <a:solidFill>
-                  <a:srgbClr val="DCDCDC"/>
-                </a:solidFill>
-                <a:highlight>
-                  <a:srgbClr val="1E1E1E"/>
-                </a:highlight>
-                <a:latin typeface="Consolas" panose="020B0609020204030204" pitchFamily="49" charset="0"/>
-              </a:rPr>
-              <a:t>(</a:t>
-            </a:r>
-            <a:r>
-              <a:rPr lang="it-IT" sz="800" dirty="0" err="1">
-                <a:solidFill>
-                  <a:srgbClr val="B8D7A3"/>
-                </a:solidFill>
-                <a:highlight>
-                  <a:srgbClr val="1E1E1E"/>
-                </a:highlight>
-                <a:latin typeface="Consolas" panose="020B0609020204030204" pitchFamily="49" charset="0"/>
-              </a:rPr>
-              <a:t>IShape</a:t>
-            </a:r>
-            <a:r>
-              <a:rPr lang="it-IT" sz="800" dirty="0">
-                <a:solidFill>
-                  <a:srgbClr val="DCDCDC"/>
-                </a:solidFill>
-                <a:highlight>
-                  <a:srgbClr val="1E1E1E"/>
-                </a:highlight>
-                <a:latin typeface="Consolas" panose="020B0609020204030204" pitchFamily="49" charset="0"/>
-              </a:rPr>
-              <a:t>[] </a:t>
-            </a:r>
-            <a:r>
-              <a:rPr lang="it-IT" sz="800" dirty="0" err="1">
-                <a:solidFill>
-                  <a:srgbClr val="DCDCDC"/>
-                </a:solidFill>
-                <a:highlight>
-                  <a:srgbClr val="1E1E1E"/>
-                </a:highlight>
-                <a:latin typeface="Consolas" panose="020B0609020204030204" pitchFamily="49" charset="0"/>
-              </a:rPr>
-              <a:t>shapes</a:t>
-            </a:r>
-            <a:r>
-              <a:rPr lang="it-IT" sz="800" dirty="0">
-                <a:solidFill>
-                  <a:srgbClr val="DCDCDC"/>
-                </a:solidFill>
-                <a:highlight>
-                  <a:srgbClr val="1E1E1E"/>
-                </a:highlight>
-                <a:latin typeface="Consolas" panose="020B0609020204030204" pitchFamily="49" charset="0"/>
-              </a:rPr>
-              <a:t>)</a:t>
-            </a:r>
-          </a:p>
-          <a:p>
-            <a:r>
-              <a:rPr lang="it-IT" sz="800" dirty="0">
-                <a:solidFill>
-                  <a:srgbClr val="DCDCDC"/>
-                </a:solidFill>
-                <a:highlight>
-                  <a:srgbClr val="1E1E1E"/>
-                </a:highlight>
-                <a:latin typeface="Consolas" panose="020B0609020204030204" pitchFamily="49" charset="0"/>
-              </a:rPr>
-              <a:t>        {</a:t>
-            </a:r>
-          </a:p>
-          <a:p>
-            <a:r>
-              <a:rPr lang="it-IT" sz="800" dirty="0">
-                <a:solidFill>
-                  <a:srgbClr val="DCDCDC"/>
-                </a:solidFill>
-                <a:highlight>
-                  <a:srgbClr val="1E1E1E"/>
-                </a:highlight>
-                <a:latin typeface="Consolas" panose="020B0609020204030204" pitchFamily="49" charset="0"/>
-              </a:rPr>
-              <a:t>            </a:t>
-            </a:r>
-            <a:r>
-              <a:rPr lang="it-IT" sz="800" dirty="0" err="1">
-                <a:solidFill>
-                  <a:srgbClr val="569CD6"/>
-                </a:solidFill>
-                <a:highlight>
-                  <a:srgbClr val="1E1E1E"/>
-                </a:highlight>
-                <a:latin typeface="Consolas" panose="020B0609020204030204" pitchFamily="49" charset="0"/>
-              </a:rPr>
-              <a:t>this</a:t>
-            </a:r>
-            <a:r>
-              <a:rPr lang="it-IT" sz="800" dirty="0" err="1">
-                <a:solidFill>
-                  <a:srgbClr val="B4B4B4"/>
-                </a:solidFill>
-                <a:highlight>
-                  <a:srgbClr val="1E1E1E"/>
-                </a:highlight>
-                <a:latin typeface="Consolas" panose="020B0609020204030204" pitchFamily="49" charset="0"/>
-              </a:rPr>
-              <a:t>.</a:t>
-            </a:r>
-            <a:r>
-              <a:rPr lang="it-IT" sz="800" dirty="0" err="1">
-                <a:solidFill>
-                  <a:srgbClr val="DCDCDC"/>
-                </a:solidFill>
-                <a:highlight>
-                  <a:srgbClr val="1E1E1E"/>
-                </a:highlight>
-                <a:latin typeface="Consolas" panose="020B0609020204030204" pitchFamily="49" charset="0"/>
-              </a:rPr>
-              <a:t>shapes</a:t>
-            </a:r>
-            <a:r>
-              <a:rPr lang="it-IT" sz="800" dirty="0">
-                <a:solidFill>
-                  <a:srgbClr val="DCDCDC"/>
-                </a:solidFill>
-                <a:highlight>
-                  <a:srgbClr val="1E1E1E"/>
-                </a:highlight>
-                <a:latin typeface="Consolas" panose="020B0609020204030204" pitchFamily="49" charset="0"/>
-              </a:rPr>
-              <a:t> </a:t>
-            </a:r>
-            <a:r>
-              <a:rPr lang="it-IT" sz="800" dirty="0">
-                <a:solidFill>
-                  <a:srgbClr val="B4B4B4"/>
-                </a:solidFill>
-                <a:highlight>
-                  <a:srgbClr val="1E1E1E"/>
-                </a:highlight>
-                <a:latin typeface="Consolas" panose="020B0609020204030204" pitchFamily="49" charset="0"/>
-              </a:rPr>
-              <a:t>=</a:t>
-            </a:r>
-            <a:r>
-              <a:rPr lang="it-IT" sz="800" dirty="0">
-                <a:solidFill>
-                  <a:srgbClr val="DCDCDC"/>
-                </a:solidFill>
-                <a:highlight>
-                  <a:srgbClr val="1E1E1E"/>
-                </a:highlight>
-                <a:latin typeface="Consolas" panose="020B0609020204030204" pitchFamily="49" charset="0"/>
-              </a:rPr>
-              <a:t> </a:t>
-            </a:r>
-            <a:r>
-              <a:rPr lang="it-IT" sz="800" dirty="0" err="1">
-                <a:solidFill>
-                  <a:srgbClr val="DCDCDC"/>
-                </a:solidFill>
-                <a:highlight>
-                  <a:srgbClr val="1E1E1E"/>
-                </a:highlight>
-                <a:latin typeface="Consolas" panose="020B0609020204030204" pitchFamily="49" charset="0"/>
-              </a:rPr>
-              <a:t>shapes</a:t>
-            </a:r>
-            <a:r>
-              <a:rPr lang="it-IT" sz="800" dirty="0">
-                <a:solidFill>
-                  <a:srgbClr val="DCDCDC"/>
-                </a:solidFill>
-                <a:highlight>
-                  <a:srgbClr val="1E1E1E"/>
-                </a:highlight>
-                <a:latin typeface="Consolas" panose="020B0609020204030204" pitchFamily="49" charset="0"/>
-              </a:rPr>
-              <a:t>;</a:t>
-            </a:r>
-          </a:p>
-          <a:p>
-            <a:r>
-              <a:rPr lang="it-IT" sz="800" dirty="0">
-                <a:solidFill>
-                  <a:srgbClr val="DCDCDC"/>
-                </a:solidFill>
-                <a:highlight>
-                  <a:srgbClr val="1E1E1E"/>
-                </a:highlight>
-                <a:latin typeface="Consolas" panose="020B0609020204030204" pitchFamily="49" charset="0"/>
-              </a:rPr>
-              <a:t>        }</a:t>
-            </a:r>
-          </a:p>
-          <a:p>
-            <a:r>
-              <a:rPr lang="it-IT" sz="800" dirty="0">
-                <a:solidFill>
-                  <a:srgbClr val="DCDCDC"/>
-                </a:solidFill>
-                <a:highlight>
-                  <a:srgbClr val="1E1E1E"/>
-                </a:highlight>
-                <a:latin typeface="Consolas" panose="020B0609020204030204" pitchFamily="49" charset="0"/>
-              </a:rPr>
-              <a:t>        </a:t>
-            </a:r>
-            <a:r>
-              <a:rPr lang="it-IT" sz="800" dirty="0">
-                <a:solidFill>
-                  <a:srgbClr val="569CD6"/>
-                </a:solidFill>
-                <a:highlight>
-                  <a:srgbClr val="1E1E1E"/>
-                </a:highlight>
-                <a:latin typeface="Consolas" panose="020B0609020204030204" pitchFamily="49" charset="0"/>
-              </a:rPr>
-              <a:t>public</a:t>
-            </a:r>
-            <a:r>
-              <a:rPr lang="it-IT" sz="800" dirty="0">
-                <a:solidFill>
-                  <a:srgbClr val="DCDCDC"/>
-                </a:solidFill>
-                <a:highlight>
-                  <a:srgbClr val="1E1E1E"/>
-                </a:highlight>
-                <a:latin typeface="Consolas" panose="020B0609020204030204" pitchFamily="49" charset="0"/>
-              </a:rPr>
-              <a:t> </a:t>
-            </a:r>
-            <a:r>
-              <a:rPr lang="it-IT" sz="800" dirty="0" err="1">
-                <a:solidFill>
-                  <a:srgbClr val="569CD6"/>
-                </a:solidFill>
-                <a:highlight>
-                  <a:srgbClr val="1E1E1E"/>
-                </a:highlight>
-                <a:latin typeface="Consolas" panose="020B0609020204030204" pitchFamily="49" charset="0"/>
-              </a:rPr>
-              <a:t>virtual</a:t>
-            </a:r>
-            <a:r>
-              <a:rPr lang="it-IT" sz="800" dirty="0">
-                <a:solidFill>
-                  <a:srgbClr val="DCDCDC"/>
-                </a:solidFill>
-                <a:highlight>
-                  <a:srgbClr val="1E1E1E"/>
-                </a:highlight>
-                <a:latin typeface="Consolas" panose="020B0609020204030204" pitchFamily="49" charset="0"/>
-              </a:rPr>
-              <a:t> </a:t>
-            </a:r>
-            <a:r>
-              <a:rPr lang="it-IT" sz="800" dirty="0">
-                <a:solidFill>
-                  <a:srgbClr val="569CD6"/>
-                </a:solidFill>
-                <a:highlight>
-                  <a:srgbClr val="1E1E1E"/>
-                </a:highlight>
-                <a:latin typeface="Consolas" panose="020B0609020204030204" pitchFamily="49" charset="0"/>
-              </a:rPr>
-              <a:t>float</a:t>
-            </a:r>
-            <a:r>
-              <a:rPr lang="it-IT" sz="800" dirty="0">
-                <a:solidFill>
-                  <a:srgbClr val="DCDCDC"/>
-                </a:solidFill>
-                <a:highlight>
-                  <a:srgbClr val="1E1E1E"/>
-                </a:highlight>
-                <a:latin typeface="Consolas" panose="020B0609020204030204" pitchFamily="49" charset="0"/>
-              </a:rPr>
-              <a:t> Sum()</a:t>
-            </a:r>
-          </a:p>
-          <a:p>
-            <a:r>
-              <a:rPr lang="it-IT" sz="800" dirty="0">
-                <a:solidFill>
-                  <a:srgbClr val="DCDCDC"/>
-                </a:solidFill>
-                <a:highlight>
-                  <a:srgbClr val="1E1E1E"/>
-                </a:highlight>
-                <a:latin typeface="Consolas" panose="020B0609020204030204" pitchFamily="49" charset="0"/>
-              </a:rPr>
-              <a:t>        {</a:t>
-            </a:r>
-          </a:p>
-          <a:p>
-            <a:r>
-              <a:rPr lang="it-IT" sz="800" dirty="0">
-                <a:solidFill>
-                  <a:srgbClr val="DCDCDC"/>
-                </a:solidFill>
-                <a:highlight>
-                  <a:srgbClr val="1E1E1E"/>
-                </a:highlight>
-                <a:latin typeface="Consolas" panose="020B0609020204030204" pitchFamily="49" charset="0"/>
-              </a:rPr>
-              <a:t>            </a:t>
-            </a:r>
-            <a:r>
-              <a:rPr lang="it-IT" sz="800" dirty="0" err="1">
-                <a:solidFill>
-                  <a:srgbClr val="569CD6"/>
-                </a:solidFill>
-                <a:highlight>
-                  <a:srgbClr val="1E1E1E"/>
-                </a:highlight>
-                <a:latin typeface="Consolas" panose="020B0609020204030204" pitchFamily="49" charset="0"/>
-              </a:rPr>
-              <a:t>return</a:t>
-            </a:r>
-            <a:r>
-              <a:rPr lang="it-IT" sz="800" dirty="0">
-                <a:solidFill>
-                  <a:srgbClr val="DCDCDC"/>
-                </a:solidFill>
-                <a:highlight>
-                  <a:srgbClr val="1E1E1E"/>
-                </a:highlight>
-                <a:latin typeface="Consolas" panose="020B0609020204030204" pitchFamily="49" charset="0"/>
-              </a:rPr>
-              <a:t> </a:t>
-            </a:r>
-            <a:r>
-              <a:rPr lang="it-IT" sz="800" dirty="0">
-                <a:solidFill>
-                  <a:srgbClr val="B5CEA8"/>
-                </a:solidFill>
-                <a:highlight>
-                  <a:srgbClr val="1E1E1E"/>
-                </a:highlight>
-                <a:latin typeface="Consolas" panose="020B0609020204030204" pitchFamily="49" charset="0"/>
-              </a:rPr>
-              <a:t>0</a:t>
-            </a:r>
-            <a:r>
-              <a:rPr lang="it-IT" sz="800" dirty="0">
-                <a:solidFill>
-                  <a:srgbClr val="DCDCDC"/>
-                </a:solidFill>
-                <a:highlight>
-                  <a:srgbClr val="1E1E1E"/>
-                </a:highlight>
-                <a:latin typeface="Consolas" panose="020B0609020204030204" pitchFamily="49" charset="0"/>
-              </a:rPr>
-              <a:t>;</a:t>
-            </a:r>
-          </a:p>
-          <a:p>
-            <a:r>
-              <a:rPr lang="it-IT" sz="800" dirty="0">
-                <a:solidFill>
-                  <a:srgbClr val="DCDCDC"/>
-                </a:solidFill>
-                <a:highlight>
-                  <a:srgbClr val="1E1E1E"/>
-                </a:highlight>
-                <a:latin typeface="Consolas" panose="020B0609020204030204" pitchFamily="49" charset="0"/>
-              </a:rPr>
-              <a:t>        }</a:t>
-            </a:r>
-          </a:p>
-          <a:p>
-            <a:r>
-              <a:rPr lang="it-IT" sz="800" dirty="0">
-                <a:solidFill>
-                  <a:srgbClr val="DCDCDC"/>
-                </a:solidFill>
-                <a:highlight>
-                  <a:srgbClr val="1E1E1E"/>
-                </a:highlight>
-                <a:latin typeface="Consolas" panose="020B0609020204030204" pitchFamily="49" charset="0"/>
-              </a:rPr>
-              <a:t> }</a:t>
-            </a:r>
-          </a:p>
-          <a:p>
-            <a:r>
-              <a:rPr lang="it-IT" sz="800" dirty="0">
-                <a:solidFill>
-                  <a:srgbClr val="DCDCDC"/>
-                </a:solidFill>
-                <a:highlight>
-                  <a:srgbClr val="1E1E1E"/>
-                </a:highlight>
-                <a:latin typeface="Consolas" panose="020B0609020204030204" pitchFamily="49" charset="0"/>
-              </a:rPr>
-              <a:t> </a:t>
-            </a:r>
-          </a:p>
-          <a:p>
-            <a:r>
-              <a:rPr lang="it-IT" sz="800" dirty="0">
-                <a:solidFill>
-                  <a:srgbClr val="569CD6"/>
-                </a:solidFill>
-                <a:highlight>
-                  <a:srgbClr val="1E1E1E"/>
-                </a:highlight>
-                <a:latin typeface="Consolas" panose="020B0609020204030204" pitchFamily="49" charset="0"/>
-              </a:rPr>
-              <a:t>public</a:t>
-            </a:r>
-            <a:r>
-              <a:rPr lang="it-IT" sz="800" dirty="0">
-                <a:solidFill>
-                  <a:srgbClr val="DCDCDC"/>
-                </a:solidFill>
-                <a:highlight>
-                  <a:srgbClr val="1E1E1E"/>
-                </a:highlight>
-                <a:latin typeface="Consolas" panose="020B0609020204030204" pitchFamily="49" charset="0"/>
-              </a:rPr>
-              <a:t> </a:t>
-            </a:r>
-            <a:r>
-              <a:rPr lang="it-IT" sz="800" dirty="0" err="1">
-                <a:solidFill>
-                  <a:srgbClr val="569CD6"/>
-                </a:solidFill>
-                <a:highlight>
-                  <a:srgbClr val="1E1E1E"/>
-                </a:highlight>
-                <a:latin typeface="Consolas" panose="020B0609020204030204" pitchFamily="49" charset="0"/>
-              </a:rPr>
-              <a:t>class</a:t>
-            </a:r>
-            <a:r>
-              <a:rPr lang="it-IT" sz="800" dirty="0">
-                <a:solidFill>
-                  <a:srgbClr val="DCDCDC"/>
-                </a:solidFill>
-                <a:highlight>
-                  <a:srgbClr val="1E1E1E"/>
-                </a:highlight>
-                <a:latin typeface="Consolas" panose="020B0609020204030204" pitchFamily="49" charset="0"/>
-              </a:rPr>
-              <a:t> </a:t>
-            </a:r>
-            <a:r>
-              <a:rPr lang="it-IT" sz="800" dirty="0" err="1">
-                <a:solidFill>
-                  <a:srgbClr val="4EC9B0"/>
-                </a:solidFill>
-                <a:highlight>
-                  <a:srgbClr val="1E1E1E"/>
-                </a:highlight>
-                <a:latin typeface="Consolas" panose="020B0609020204030204" pitchFamily="49" charset="0"/>
-              </a:rPr>
-              <a:t>AreaCalculator</a:t>
-            </a:r>
-            <a:r>
-              <a:rPr lang="it-IT" sz="800" dirty="0">
-                <a:solidFill>
-                  <a:srgbClr val="DCDCDC"/>
-                </a:solidFill>
-                <a:highlight>
-                  <a:srgbClr val="1E1E1E"/>
-                </a:highlight>
-                <a:latin typeface="Consolas" panose="020B0609020204030204" pitchFamily="49" charset="0"/>
-              </a:rPr>
-              <a:t> : </a:t>
-            </a:r>
-            <a:r>
-              <a:rPr lang="it-IT" sz="800" dirty="0" err="1">
-                <a:solidFill>
-                  <a:srgbClr val="4EC9B0"/>
-                </a:solidFill>
-                <a:highlight>
-                  <a:srgbClr val="1E1E1E"/>
-                </a:highlight>
-                <a:latin typeface="Consolas" panose="020B0609020204030204" pitchFamily="49" charset="0"/>
-              </a:rPr>
-              <a:t>GenericCalculator</a:t>
-            </a:r>
-            <a:endParaRPr lang="it-IT" sz="800" dirty="0">
-              <a:solidFill>
-                <a:srgbClr val="DCDCDC"/>
-              </a:solidFill>
-              <a:highlight>
-                <a:srgbClr val="1E1E1E"/>
-              </a:highlight>
-              <a:latin typeface="Consolas" panose="020B0609020204030204" pitchFamily="49" charset="0"/>
-            </a:endParaRPr>
-          </a:p>
-          <a:p>
-            <a:r>
-              <a:rPr lang="it-IT" sz="800" dirty="0">
-                <a:solidFill>
-                  <a:srgbClr val="DCDCDC"/>
-                </a:solidFill>
-                <a:highlight>
-                  <a:srgbClr val="1E1E1E"/>
-                </a:highlight>
-                <a:latin typeface="Consolas" panose="020B0609020204030204" pitchFamily="49" charset="0"/>
-              </a:rPr>
-              <a:t> {</a:t>
-            </a:r>
-          </a:p>
-          <a:p>
-            <a:r>
-              <a:rPr lang="it-IT" sz="800" dirty="0">
-                <a:solidFill>
-                  <a:srgbClr val="DCDCDC"/>
-                </a:solidFill>
-                <a:highlight>
-                  <a:srgbClr val="1E1E1E"/>
-                </a:highlight>
-                <a:latin typeface="Consolas" panose="020B0609020204030204" pitchFamily="49" charset="0"/>
-              </a:rPr>
-              <a:t>        </a:t>
-            </a:r>
-            <a:r>
-              <a:rPr lang="it-IT" sz="800" dirty="0">
-                <a:solidFill>
-                  <a:srgbClr val="569CD6"/>
-                </a:solidFill>
-                <a:highlight>
-                  <a:srgbClr val="1E1E1E"/>
-                </a:highlight>
-                <a:latin typeface="Consolas" panose="020B0609020204030204" pitchFamily="49" charset="0"/>
-              </a:rPr>
-              <a:t>public</a:t>
-            </a:r>
-            <a:r>
-              <a:rPr lang="it-IT" sz="800" dirty="0">
-                <a:solidFill>
-                  <a:srgbClr val="DCDCDC"/>
-                </a:solidFill>
-                <a:highlight>
-                  <a:srgbClr val="1E1E1E"/>
-                </a:highlight>
-                <a:latin typeface="Consolas" panose="020B0609020204030204" pitchFamily="49" charset="0"/>
-              </a:rPr>
-              <a:t> </a:t>
-            </a:r>
-            <a:r>
-              <a:rPr lang="it-IT" sz="800" dirty="0" err="1">
-                <a:solidFill>
-                  <a:srgbClr val="DCDCDC"/>
-                </a:solidFill>
-                <a:highlight>
-                  <a:srgbClr val="1E1E1E"/>
-                </a:highlight>
-                <a:latin typeface="Consolas" panose="020B0609020204030204" pitchFamily="49" charset="0"/>
-              </a:rPr>
-              <a:t>AreaCalculator</a:t>
-            </a:r>
-            <a:r>
-              <a:rPr lang="it-IT" sz="800" dirty="0">
-                <a:solidFill>
-                  <a:srgbClr val="DCDCDC"/>
-                </a:solidFill>
-                <a:highlight>
-                  <a:srgbClr val="1E1E1E"/>
-                </a:highlight>
-                <a:latin typeface="Consolas" panose="020B0609020204030204" pitchFamily="49" charset="0"/>
-              </a:rPr>
-              <a:t>(</a:t>
-            </a:r>
-            <a:r>
-              <a:rPr lang="it-IT" sz="800" dirty="0" err="1">
-                <a:solidFill>
-                  <a:srgbClr val="B8D7A3"/>
-                </a:solidFill>
-                <a:highlight>
-                  <a:srgbClr val="1E1E1E"/>
-                </a:highlight>
-                <a:latin typeface="Consolas" panose="020B0609020204030204" pitchFamily="49" charset="0"/>
-              </a:rPr>
-              <a:t>IShape</a:t>
-            </a:r>
-            <a:r>
-              <a:rPr lang="it-IT" sz="800" dirty="0">
-                <a:solidFill>
-                  <a:srgbClr val="DCDCDC"/>
-                </a:solidFill>
-                <a:highlight>
-                  <a:srgbClr val="1E1E1E"/>
-                </a:highlight>
-                <a:latin typeface="Consolas" panose="020B0609020204030204" pitchFamily="49" charset="0"/>
-              </a:rPr>
-              <a:t>[] </a:t>
-            </a:r>
-            <a:r>
-              <a:rPr lang="it-IT" sz="800" dirty="0" err="1">
-                <a:solidFill>
-                  <a:srgbClr val="DCDCDC"/>
-                </a:solidFill>
-                <a:highlight>
-                  <a:srgbClr val="1E1E1E"/>
-                </a:highlight>
-                <a:latin typeface="Consolas" panose="020B0609020204030204" pitchFamily="49" charset="0"/>
-              </a:rPr>
-              <a:t>shapes</a:t>
-            </a:r>
-            <a:r>
-              <a:rPr lang="it-IT" sz="800" dirty="0">
-                <a:solidFill>
-                  <a:srgbClr val="DCDCDC"/>
-                </a:solidFill>
-                <a:highlight>
-                  <a:srgbClr val="1E1E1E"/>
-                </a:highlight>
-                <a:latin typeface="Consolas" panose="020B0609020204030204" pitchFamily="49" charset="0"/>
-              </a:rPr>
-              <a:t>)</a:t>
-            </a:r>
-          </a:p>
-          <a:p>
-            <a:r>
-              <a:rPr lang="it-IT" sz="800" dirty="0">
-                <a:solidFill>
-                  <a:srgbClr val="DCDCDC"/>
-                </a:solidFill>
-                <a:highlight>
-                  <a:srgbClr val="1E1E1E"/>
-                </a:highlight>
-                <a:latin typeface="Consolas" panose="020B0609020204030204" pitchFamily="49" charset="0"/>
-              </a:rPr>
-              <a:t>            : </a:t>
-            </a:r>
-            <a:r>
-              <a:rPr lang="it-IT" sz="800" dirty="0">
-                <a:solidFill>
-                  <a:srgbClr val="569CD6"/>
-                </a:solidFill>
-                <a:highlight>
-                  <a:srgbClr val="1E1E1E"/>
-                </a:highlight>
-                <a:latin typeface="Consolas" panose="020B0609020204030204" pitchFamily="49" charset="0"/>
-              </a:rPr>
-              <a:t>base</a:t>
-            </a:r>
-            <a:r>
-              <a:rPr lang="it-IT" sz="800" dirty="0">
-                <a:solidFill>
-                  <a:srgbClr val="DCDCDC"/>
-                </a:solidFill>
-                <a:highlight>
-                  <a:srgbClr val="1E1E1E"/>
-                </a:highlight>
-                <a:latin typeface="Consolas" panose="020B0609020204030204" pitchFamily="49" charset="0"/>
-              </a:rPr>
-              <a:t>(</a:t>
-            </a:r>
-            <a:r>
-              <a:rPr lang="it-IT" sz="800" dirty="0" err="1">
-                <a:solidFill>
-                  <a:srgbClr val="DCDCDC"/>
-                </a:solidFill>
-                <a:highlight>
-                  <a:srgbClr val="1E1E1E"/>
-                </a:highlight>
-                <a:latin typeface="Consolas" panose="020B0609020204030204" pitchFamily="49" charset="0"/>
-              </a:rPr>
-              <a:t>shapes</a:t>
-            </a:r>
-            <a:r>
-              <a:rPr lang="it-IT" sz="800" dirty="0">
-                <a:solidFill>
-                  <a:srgbClr val="DCDCDC"/>
-                </a:solidFill>
-                <a:highlight>
-                  <a:srgbClr val="1E1E1E"/>
-                </a:highlight>
-                <a:latin typeface="Consolas" panose="020B0609020204030204" pitchFamily="49" charset="0"/>
-              </a:rPr>
-              <a:t>) { }</a:t>
-            </a:r>
-          </a:p>
-          <a:p>
-            <a:r>
-              <a:rPr lang="it-IT" sz="800" dirty="0">
-                <a:solidFill>
-                  <a:srgbClr val="DCDCDC"/>
-                </a:solidFill>
-                <a:highlight>
-                  <a:srgbClr val="1E1E1E"/>
-                </a:highlight>
-                <a:latin typeface="Consolas" panose="020B0609020204030204" pitchFamily="49" charset="0"/>
-              </a:rPr>
-              <a:t>        </a:t>
-            </a:r>
-            <a:r>
-              <a:rPr lang="it-IT" sz="800" dirty="0">
-                <a:solidFill>
-                  <a:srgbClr val="569CD6"/>
-                </a:solidFill>
-                <a:highlight>
-                  <a:srgbClr val="1E1E1E"/>
-                </a:highlight>
-                <a:latin typeface="Consolas" panose="020B0609020204030204" pitchFamily="49" charset="0"/>
-              </a:rPr>
-              <a:t>public</a:t>
-            </a:r>
-            <a:r>
-              <a:rPr lang="it-IT" sz="800" dirty="0">
-                <a:solidFill>
-                  <a:srgbClr val="DCDCDC"/>
-                </a:solidFill>
-                <a:highlight>
-                  <a:srgbClr val="1E1E1E"/>
-                </a:highlight>
-                <a:latin typeface="Consolas" panose="020B0609020204030204" pitchFamily="49" charset="0"/>
-              </a:rPr>
-              <a:t> </a:t>
-            </a:r>
-            <a:r>
-              <a:rPr lang="it-IT" sz="800" dirty="0" err="1">
-                <a:solidFill>
-                  <a:srgbClr val="569CD6"/>
-                </a:solidFill>
-                <a:highlight>
-                  <a:srgbClr val="1E1E1E"/>
-                </a:highlight>
-                <a:latin typeface="Consolas" panose="020B0609020204030204" pitchFamily="49" charset="0"/>
-              </a:rPr>
-              <a:t>override</a:t>
-            </a:r>
-            <a:r>
-              <a:rPr lang="it-IT" sz="800" dirty="0">
-                <a:solidFill>
-                  <a:srgbClr val="DCDCDC"/>
-                </a:solidFill>
-                <a:highlight>
-                  <a:srgbClr val="1E1E1E"/>
-                </a:highlight>
-                <a:latin typeface="Consolas" panose="020B0609020204030204" pitchFamily="49" charset="0"/>
-              </a:rPr>
-              <a:t> </a:t>
-            </a:r>
-            <a:r>
-              <a:rPr lang="it-IT" sz="800" dirty="0">
-                <a:solidFill>
-                  <a:srgbClr val="569CD6"/>
-                </a:solidFill>
-                <a:highlight>
-                  <a:srgbClr val="1E1E1E"/>
-                </a:highlight>
-                <a:latin typeface="Consolas" panose="020B0609020204030204" pitchFamily="49" charset="0"/>
-              </a:rPr>
-              <a:t>float</a:t>
-            </a:r>
-            <a:r>
-              <a:rPr lang="it-IT" sz="800" dirty="0">
-                <a:solidFill>
-                  <a:srgbClr val="DCDCDC"/>
-                </a:solidFill>
-                <a:highlight>
-                  <a:srgbClr val="1E1E1E"/>
-                </a:highlight>
-                <a:latin typeface="Consolas" panose="020B0609020204030204" pitchFamily="49" charset="0"/>
-              </a:rPr>
-              <a:t> Sum()</a:t>
-            </a:r>
-          </a:p>
-          <a:p>
-            <a:r>
-              <a:rPr lang="it-IT" sz="800" dirty="0">
-                <a:solidFill>
-                  <a:srgbClr val="DCDCDC"/>
-                </a:solidFill>
-                <a:highlight>
-                  <a:srgbClr val="1E1E1E"/>
-                </a:highlight>
-                <a:latin typeface="Consolas" panose="020B0609020204030204" pitchFamily="49" charset="0"/>
-              </a:rPr>
-              <a:t>        {</a:t>
-            </a:r>
-          </a:p>
-          <a:p>
-            <a:r>
-              <a:rPr lang="it-IT" sz="800" dirty="0">
-                <a:solidFill>
-                  <a:srgbClr val="DCDCDC"/>
-                </a:solidFill>
-                <a:highlight>
-                  <a:srgbClr val="1E1E1E"/>
-                </a:highlight>
-                <a:latin typeface="Consolas" panose="020B0609020204030204" pitchFamily="49" charset="0"/>
-              </a:rPr>
-              <a:t>            </a:t>
-            </a:r>
-            <a:r>
-              <a:rPr lang="it-IT" sz="800" dirty="0" err="1">
-                <a:solidFill>
-                  <a:srgbClr val="569CD6"/>
-                </a:solidFill>
-                <a:highlight>
-                  <a:srgbClr val="1E1E1E"/>
-                </a:highlight>
-                <a:latin typeface="Consolas" panose="020B0609020204030204" pitchFamily="49" charset="0"/>
-              </a:rPr>
-              <a:t>return</a:t>
-            </a:r>
-            <a:r>
-              <a:rPr lang="it-IT" sz="800" dirty="0">
-                <a:solidFill>
-                  <a:srgbClr val="DCDCDC"/>
-                </a:solidFill>
-                <a:highlight>
-                  <a:srgbClr val="1E1E1E"/>
-                </a:highlight>
-                <a:latin typeface="Consolas" panose="020B0609020204030204" pitchFamily="49" charset="0"/>
-              </a:rPr>
-              <a:t> </a:t>
-            </a:r>
-            <a:r>
-              <a:rPr lang="it-IT" sz="800" dirty="0" err="1">
-                <a:solidFill>
-                  <a:srgbClr val="DCDCDC"/>
-                </a:solidFill>
-                <a:highlight>
-                  <a:srgbClr val="1E1E1E"/>
-                </a:highlight>
-                <a:latin typeface="Consolas" panose="020B0609020204030204" pitchFamily="49" charset="0"/>
-              </a:rPr>
-              <a:t>shapes</a:t>
-            </a:r>
-            <a:r>
-              <a:rPr lang="it-IT" sz="800" dirty="0" err="1">
-                <a:solidFill>
-                  <a:srgbClr val="B4B4B4"/>
-                </a:solidFill>
-                <a:highlight>
-                  <a:srgbClr val="1E1E1E"/>
-                </a:highlight>
-                <a:latin typeface="Consolas" panose="020B0609020204030204" pitchFamily="49" charset="0"/>
-              </a:rPr>
-              <a:t>.</a:t>
-            </a:r>
-            <a:r>
-              <a:rPr lang="it-IT" sz="800" dirty="0" err="1">
-                <a:solidFill>
-                  <a:srgbClr val="DCDCDC"/>
-                </a:solidFill>
-                <a:highlight>
-                  <a:srgbClr val="1E1E1E"/>
-                </a:highlight>
-                <a:latin typeface="Consolas" panose="020B0609020204030204" pitchFamily="49" charset="0"/>
-              </a:rPr>
-              <a:t>Sum</a:t>
-            </a:r>
-            <a:r>
-              <a:rPr lang="it-IT" sz="800" dirty="0">
-                <a:solidFill>
-                  <a:srgbClr val="DCDCDC"/>
-                </a:solidFill>
-                <a:highlight>
-                  <a:srgbClr val="1E1E1E"/>
-                </a:highlight>
-                <a:latin typeface="Consolas" panose="020B0609020204030204" pitchFamily="49" charset="0"/>
-              </a:rPr>
-              <a:t>(s </a:t>
-            </a:r>
-            <a:r>
-              <a:rPr lang="it-IT" sz="800" dirty="0">
-                <a:solidFill>
-                  <a:srgbClr val="B4B4B4"/>
-                </a:solidFill>
-                <a:highlight>
-                  <a:srgbClr val="1E1E1E"/>
-                </a:highlight>
-                <a:latin typeface="Consolas" panose="020B0609020204030204" pitchFamily="49" charset="0"/>
-              </a:rPr>
-              <a:t>=&gt;</a:t>
-            </a:r>
-            <a:r>
-              <a:rPr lang="it-IT" sz="800" dirty="0">
-                <a:solidFill>
-                  <a:srgbClr val="DCDCDC"/>
-                </a:solidFill>
-                <a:highlight>
-                  <a:srgbClr val="1E1E1E"/>
-                </a:highlight>
-                <a:latin typeface="Consolas" panose="020B0609020204030204" pitchFamily="49" charset="0"/>
-              </a:rPr>
-              <a:t> </a:t>
-            </a:r>
-            <a:r>
-              <a:rPr lang="it-IT" sz="800" dirty="0" err="1">
-                <a:solidFill>
-                  <a:srgbClr val="DCDCDC"/>
-                </a:solidFill>
-                <a:highlight>
-                  <a:srgbClr val="1E1E1E"/>
-                </a:highlight>
-                <a:latin typeface="Consolas" panose="020B0609020204030204" pitchFamily="49" charset="0"/>
-              </a:rPr>
-              <a:t>s</a:t>
-            </a:r>
-            <a:r>
-              <a:rPr lang="it-IT" sz="800" dirty="0" err="1">
-                <a:solidFill>
-                  <a:srgbClr val="B4B4B4"/>
-                </a:solidFill>
-                <a:highlight>
-                  <a:srgbClr val="1E1E1E"/>
-                </a:highlight>
-                <a:latin typeface="Consolas" panose="020B0609020204030204" pitchFamily="49" charset="0"/>
-              </a:rPr>
-              <a:t>.</a:t>
-            </a:r>
-            <a:r>
-              <a:rPr lang="it-IT" sz="800" dirty="0" err="1">
-                <a:solidFill>
-                  <a:srgbClr val="DCDCDC"/>
-                </a:solidFill>
-                <a:highlight>
-                  <a:srgbClr val="1E1E1E"/>
-                </a:highlight>
-                <a:latin typeface="Consolas" panose="020B0609020204030204" pitchFamily="49" charset="0"/>
-              </a:rPr>
-              <a:t>GetArea</a:t>
-            </a:r>
-            <a:r>
-              <a:rPr lang="it-IT" sz="800" dirty="0">
-                <a:solidFill>
-                  <a:srgbClr val="DCDCDC"/>
-                </a:solidFill>
-                <a:highlight>
-                  <a:srgbClr val="1E1E1E"/>
-                </a:highlight>
-                <a:latin typeface="Consolas" panose="020B0609020204030204" pitchFamily="49" charset="0"/>
-              </a:rPr>
-              <a:t>());</a:t>
-            </a:r>
-          </a:p>
-          <a:p>
-            <a:r>
-              <a:rPr lang="it-IT" sz="800" dirty="0">
-                <a:solidFill>
-                  <a:srgbClr val="DCDCDC"/>
-                </a:solidFill>
-                <a:highlight>
-                  <a:srgbClr val="1E1E1E"/>
-                </a:highlight>
-                <a:latin typeface="Consolas" panose="020B0609020204030204" pitchFamily="49" charset="0"/>
-              </a:rPr>
-              <a:t>        }</a:t>
-            </a:r>
-          </a:p>
-          <a:p>
-            <a:r>
-              <a:rPr lang="it-IT" sz="800" dirty="0">
-                <a:solidFill>
-                  <a:srgbClr val="DCDCDC"/>
-                </a:solidFill>
-                <a:highlight>
-                  <a:srgbClr val="1E1E1E"/>
-                </a:highlight>
-                <a:latin typeface="Consolas" panose="020B0609020204030204" pitchFamily="49" charset="0"/>
-              </a:rPr>
-              <a:t> }</a:t>
-            </a:r>
-          </a:p>
-          <a:p>
-            <a:r>
-              <a:rPr lang="it-IT" sz="800" dirty="0">
-                <a:solidFill>
-                  <a:srgbClr val="DCDCDC"/>
-                </a:solidFill>
-                <a:highlight>
-                  <a:srgbClr val="1E1E1E"/>
-                </a:highlight>
-                <a:latin typeface="Consolas" panose="020B0609020204030204" pitchFamily="49" charset="0"/>
-              </a:rPr>
-              <a:t> </a:t>
-            </a:r>
-          </a:p>
-          <a:p>
-            <a:r>
-              <a:rPr lang="it-IT" sz="800" dirty="0">
-                <a:solidFill>
-                  <a:srgbClr val="569CD6"/>
-                </a:solidFill>
-                <a:highlight>
-                  <a:srgbClr val="1E1E1E"/>
-                </a:highlight>
-                <a:latin typeface="Consolas" panose="020B0609020204030204" pitchFamily="49" charset="0"/>
-              </a:rPr>
-              <a:t>public</a:t>
-            </a:r>
-            <a:r>
-              <a:rPr lang="it-IT" sz="800" dirty="0">
-                <a:solidFill>
-                  <a:srgbClr val="DCDCDC"/>
-                </a:solidFill>
-                <a:highlight>
-                  <a:srgbClr val="1E1E1E"/>
-                </a:highlight>
-                <a:latin typeface="Consolas" panose="020B0609020204030204" pitchFamily="49" charset="0"/>
-              </a:rPr>
-              <a:t> </a:t>
-            </a:r>
-            <a:r>
-              <a:rPr lang="it-IT" sz="800" dirty="0" err="1">
-                <a:solidFill>
-                  <a:srgbClr val="569CD6"/>
-                </a:solidFill>
-                <a:highlight>
-                  <a:srgbClr val="1E1E1E"/>
-                </a:highlight>
-                <a:latin typeface="Consolas" panose="020B0609020204030204" pitchFamily="49" charset="0"/>
-              </a:rPr>
-              <a:t>class</a:t>
-            </a:r>
-            <a:r>
-              <a:rPr lang="it-IT" sz="800" dirty="0">
-                <a:solidFill>
-                  <a:srgbClr val="DCDCDC"/>
-                </a:solidFill>
-                <a:highlight>
-                  <a:srgbClr val="1E1E1E"/>
-                </a:highlight>
-                <a:latin typeface="Consolas" panose="020B0609020204030204" pitchFamily="49" charset="0"/>
-              </a:rPr>
-              <a:t> </a:t>
-            </a:r>
-            <a:r>
-              <a:rPr lang="it-IT" sz="800" dirty="0" err="1">
-                <a:solidFill>
-                  <a:srgbClr val="4EC9B0"/>
-                </a:solidFill>
-                <a:highlight>
-                  <a:srgbClr val="1E1E1E"/>
-                </a:highlight>
-                <a:latin typeface="Consolas" panose="020B0609020204030204" pitchFamily="49" charset="0"/>
-              </a:rPr>
-              <a:t>PerimeterCalculator</a:t>
-            </a:r>
-            <a:r>
-              <a:rPr lang="it-IT" sz="800" dirty="0">
-                <a:solidFill>
-                  <a:srgbClr val="DCDCDC"/>
-                </a:solidFill>
-                <a:highlight>
-                  <a:srgbClr val="1E1E1E"/>
-                </a:highlight>
-                <a:latin typeface="Consolas" panose="020B0609020204030204" pitchFamily="49" charset="0"/>
-              </a:rPr>
-              <a:t> : </a:t>
-            </a:r>
-            <a:r>
-              <a:rPr lang="it-IT" sz="800" dirty="0" err="1">
-                <a:solidFill>
-                  <a:srgbClr val="4EC9B0"/>
-                </a:solidFill>
-                <a:highlight>
-                  <a:srgbClr val="1E1E1E"/>
-                </a:highlight>
-                <a:latin typeface="Consolas" panose="020B0609020204030204" pitchFamily="49" charset="0"/>
-              </a:rPr>
-              <a:t>GenericCalculator</a:t>
-            </a:r>
-            <a:endParaRPr lang="it-IT" sz="800" dirty="0">
-              <a:solidFill>
-                <a:srgbClr val="DCDCDC"/>
-              </a:solidFill>
-              <a:highlight>
-                <a:srgbClr val="1E1E1E"/>
-              </a:highlight>
-              <a:latin typeface="Consolas" panose="020B0609020204030204" pitchFamily="49" charset="0"/>
-            </a:endParaRPr>
-          </a:p>
-          <a:p>
-            <a:r>
-              <a:rPr lang="it-IT" sz="800" dirty="0">
-                <a:solidFill>
-                  <a:srgbClr val="DCDCDC"/>
-                </a:solidFill>
-                <a:highlight>
-                  <a:srgbClr val="1E1E1E"/>
-                </a:highlight>
-                <a:latin typeface="Consolas" panose="020B0609020204030204" pitchFamily="49" charset="0"/>
-              </a:rPr>
-              <a:t>{</a:t>
-            </a:r>
-          </a:p>
-          <a:p>
-            <a:r>
-              <a:rPr lang="it-IT" sz="800" dirty="0">
-                <a:solidFill>
-                  <a:srgbClr val="DCDCDC"/>
-                </a:solidFill>
-                <a:highlight>
-                  <a:srgbClr val="1E1E1E"/>
-                </a:highlight>
-                <a:latin typeface="Consolas" panose="020B0609020204030204" pitchFamily="49" charset="0"/>
-              </a:rPr>
-              <a:t>        </a:t>
-            </a:r>
-            <a:r>
-              <a:rPr lang="it-IT" sz="800" dirty="0">
-                <a:solidFill>
-                  <a:srgbClr val="569CD6"/>
-                </a:solidFill>
-                <a:highlight>
-                  <a:srgbClr val="1E1E1E"/>
-                </a:highlight>
-                <a:latin typeface="Consolas" panose="020B0609020204030204" pitchFamily="49" charset="0"/>
-              </a:rPr>
-              <a:t>public</a:t>
-            </a:r>
-            <a:r>
-              <a:rPr lang="it-IT" sz="800" dirty="0">
-                <a:solidFill>
-                  <a:srgbClr val="DCDCDC"/>
-                </a:solidFill>
-                <a:highlight>
-                  <a:srgbClr val="1E1E1E"/>
-                </a:highlight>
-                <a:latin typeface="Consolas" panose="020B0609020204030204" pitchFamily="49" charset="0"/>
-              </a:rPr>
-              <a:t> </a:t>
-            </a:r>
-            <a:r>
-              <a:rPr lang="it-IT" sz="800" dirty="0" err="1">
-                <a:solidFill>
-                  <a:srgbClr val="DCDCDC"/>
-                </a:solidFill>
-                <a:highlight>
-                  <a:srgbClr val="1E1E1E"/>
-                </a:highlight>
-                <a:latin typeface="Consolas" panose="020B0609020204030204" pitchFamily="49" charset="0"/>
-              </a:rPr>
-              <a:t>PerimeterCalculator</a:t>
-            </a:r>
-            <a:r>
-              <a:rPr lang="it-IT" sz="800" dirty="0">
-                <a:solidFill>
-                  <a:srgbClr val="DCDCDC"/>
-                </a:solidFill>
-                <a:highlight>
-                  <a:srgbClr val="1E1E1E"/>
-                </a:highlight>
-                <a:latin typeface="Consolas" panose="020B0609020204030204" pitchFamily="49" charset="0"/>
-              </a:rPr>
-              <a:t>(</a:t>
-            </a:r>
-            <a:r>
-              <a:rPr lang="it-IT" sz="800" dirty="0" err="1">
-                <a:solidFill>
-                  <a:srgbClr val="B8D7A3"/>
-                </a:solidFill>
-                <a:highlight>
-                  <a:srgbClr val="1E1E1E"/>
-                </a:highlight>
-                <a:latin typeface="Consolas" panose="020B0609020204030204" pitchFamily="49" charset="0"/>
-              </a:rPr>
-              <a:t>IShape</a:t>
-            </a:r>
-            <a:r>
-              <a:rPr lang="it-IT" sz="800" dirty="0">
-                <a:solidFill>
-                  <a:srgbClr val="DCDCDC"/>
-                </a:solidFill>
-                <a:highlight>
-                  <a:srgbClr val="1E1E1E"/>
-                </a:highlight>
-                <a:latin typeface="Consolas" panose="020B0609020204030204" pitchFamily="49" charset="0"/>
-              </a:rPr>
-              <a:t>[] </a:t>
-            </a:r>
-            <a:r>
-              <a:rPr lang="it-IT" sz="800" dirty="0" err="1">
-                <a:solidFill>
-                  <a:srgbClr val="DCDCDC"/>
-                </a:solidFill>
-                <a:highlight>
-                  <a:srgbClr val="1E1E1E"/>
-                </a:highlight>
-                <a:latin typeface="Consolas" panose="020B0609020204030204" pitchFamily="49" charset="0"/>
-              </a:rPr>
-              <a:t>shapes</a:t>
-            </a:r>
-            <a:r>
-              <a:rPr lang="it-IT" sz="800" dirty="0">
-                <a:solidFill>
-                  <a:srgbClr val="DCDCDC"/>
-                </a:solidFill>
-                <a:highlight>
-                  <a:srgbClr val="1E1E1E"/>
-                </a:highlight>
-                <a:latin typeface="Consolas" panose="020B0609020204030204" pitchFamily="49" charset="0"/>
-              </a:rPr>
-              <a:t>)</a:t>
-            </a:r>
-          </a:p>
-          <a:p>
-            <a:r>
-              <a:rPr lang="it-IT" sz="800" dirty="0">
-                <a:solidFill>
-                  <a:srgbClr val="DCDCDC"/>
-                </a:solidFill>
-                <a:highlight>
-                  <a:srgbClr val="1E1E1E"/>
-                </a:highlight>
-                <a:latin typeface="Consolas" panose="020B0609020204030204" pitchFamily="49" charset="0"/>
-              </a:rPr>
-              <a:t> 		: </a:t>
-            </a:r>
-            <a:r>
-              <a:rPr lang="it-IT" sz="800" dirty="0">
-                <a:solidFill>
-                  <a:srgbClr val="569CD6"/>
-                </a:solidFill>
-                <a:highlight>
-                  <a:srgbClr val="1E1E1E"/>
-                </a:highlight>
-                <a:latin typeface="Consolas" panose="020B0609020204030204" pitchFamily="49" charset="0"/>
-              </a:rPr>
-              <a:t>base</a:t>
-            </a:r>
-            <a:r>
-              <a:rPr lang="it-IT" sz="800" dirty="0">
-                <a:solidFill>
-                  <a:srgbClr val="DCDCDC"/>
-                </a:solidFill>
-                <a:highlight>
-                  <a:srgbClr val="1E1E1E"/>
-                </a:highlight>
-                <a:latin typeface="Consolas" panose="020B0609020204030204" pitchFamily="49" charset="0"/>
-              </a:rPr>
-              <a:t>(</a:t>
-            </a:r>
-            <a:r>
-              <a:rPr lang="it-IT" sz="800" dirty="0" err="1">
-                <a:solidFill>
-                  <a:srgbClr val="DCDCDC"/>
-                </a:solidFill>
-                <a:highlight>
-                  <a:srgbClr val="1E1E1E"/>
-                </a:highlight>
-                <a:latin typeface="Consolas" panose="020B0609020204030204" pitchFamily="49" charset="0"/>
-              </a:rPr>
-              <a:t>shapes</a:t>
-            </a:r>
-            <a:r>
-              <a:rPr lang="it-IT" sz="800" dirty="0">
-                <a:solidFill>
-                  <a:srgbClr val="DCDCDC"/>
-                </a:solidFill>
-                <a:highlight>
-                  <a:srgbClr val="1E1E1E"/>
-                </a:highlight>
-                <a:latin typeface="Consolas" panose="020B0609020204030204" pitchFamily="49" charset="0"/>
-              </a:rPr>
-              <a:t>) { }</a:t>
-            </a:r>
-          </a:p>
-          <a:p>
-            <a:r>
-              <a:rPr lang="it-IT" sz="800" dirty="0">
-                <a:solidFill>
-                  <a:srgbClr val="DCDCDC"/>
-                </a:solidFill>
-                <a:highlight>
-                  <a:srgbClr val="1E1E1E"/>
-                </a:highlight>
-                <a:latin typeface="Consolas" panose="020B0609020204030204" pitchFamily="49" charset="0"/>
-              </a:rPr>
-              <a:t>        </a:t>
-            </a:r>
-            <a:r>
-              <a:rPr lang="it-IT" sz="800" dirty="0">
-                <a:solidFill>
-                  <a:srgbClr val="569CD6"/>
-                </a:solidFill>
-                <a:highlight>
-                  <a:srgbClr val="1E1E1E"/>
-                </a:highlight>
-                <a:latin typeface="Consolas" panose="020B0609020204030204" pitchFamily="49" charset="0"/>
-              </a:rPr>
-              <a:t>public</a:t>
-            </a:r>
-            <a:r>
-              <a:rPr lang="it-IT" sz="800" dirty="0">
-                <a:solidFill>
-                  <a:srgbClr val="DCDCDC"/>
-                </a:solidFill>
-                <a:highlight>
-                  <a:srgbClr val="1E1E1E"/>
-                </a:highlight>
-                <a:latin typeface="Consolas" panose="020B0609020204030204" pitchFamily="49" charset="0"/>
-              </a:rPr>
-              <a:t> </a:t>
-            </a:r>
-            <a:r>
-              <a:rPr lang="it-IT" sz="800" dirty="0" err="1">
-                <a:solidFill>
-                  <a:srgbClr val="569CD6"/>
-                </a:solidFill>
-                <a:highlight>
-                  <a:srgbClr val="1E1E1E"/>
-                </a:highlight>
-                <a:latin typeface="Consolas" panose="020B0609020204030204" pitchFamily="49" charset="0"/>
-              </a:rPr>
-              <a:t>override</a:t>
-            </a:r>
-            <a:r>
-              <a:rPr lang="it-IT" sz="800" dirty="0">
-                <a:solidFill>
-                  <a:srgbClr val="DCDCDC"/>
-                </a:solidFill>
-                <a:highlight>
-                  <a:srgbClr val="1E1E1E"/>
-                </a:highlight>
-                <a:latin typeface="Consolas" panose="020B0609020204030204" pitchFamily="49" charset="0"/>
-              </a:rPr>
-              <a:t> </a:t>
-            </a:r>
-            <a:r>
-              <a:rPr lang="it-IT" sz="800" dirty="0">
-                <a:solidFill>
-                  <a:srgbClr val="569CD6"/>
-                </a:solidFill>
-                <a:highlight>
-                  <a:srgbClr val="1E1E1E"/>
-                </a:highlight>
-                <a:latin typeface="Consolas" panose="020B0609020204030204" pitchFamily="49" charset="0"/>
-              </a:rPr>
-              <a:t>float</a:t>
-            </a:r>
-            <a:r>
-              <a:rPr lang="it-IT" sz="800" dirty="0">
-                <a:solidFill>
-                  <a:srgbClr val="DCDCDC"/>
-                </a:solidFill>
-                <a:highlight>
-                  <a:srgbClr val="1E1E1E"/>
-                </a:highlight>
-                <a:latin typeface="Consolas" panose="020B0609020204030204" pitchFamily="49" charset="0"/>
-              </a:rPr>
-              <a:t> Sum()</a:t>
-            </a:r>
-          </a:p>
-          <a:p>
-            <a:r>
-              <a:rPr lang="it-IT" sz="800" dirty="0">
-                <a:solidFill>
-                  <a:srgbClr val="DCDCDC"/>
-                </a:solidFill>
-                <a:highlight>
-                  <a:srgbClr val="1E1E1E"/>
-                </a:highlight>
-                <a:latin typeface="Consolas" panose="020B0609020204030204" pitchFamily="49" charset="0"/>
-              </a:rPr>
-              <a:t>        {</a:t>
-            </a:r>
-          </a:p>
-          <a:p>
-            <a:r>
-              <a:rPr lang="it-IT" sz="800" dirty="0">
-                <a:solidFill>
-                  <a:srgbClr val="DCDCDC"/>
-                </a:solidFill>
-                <a:highlight>
-                  <a:srgbClr val="1E1E1E"/>
-                </a:highlight>
-                <a:latin typeface="Consolas" panose="020B0609020204030204" pitchFamily="49" charset="0"/>
-              </a:rPr>
-              <a:t>            </a:t>
-            </a:r>
-            <a:r>
-              <a:rPr lang="it-IT" sz="800" dirty="0" err="1">
-                <a:solidFill>
-                  <a:srgbClr val="569CD6"/>
-                </a:solidFill>
-                <a:highlight>
-                  <a:srgbClr val="1E1E1E"/>
-                </a:highlight>
-                <a:latin typeface="Consolas" panose="020B0609020204030204" pitchFamily="49" charset="0"/>
-              </a:rPr>
-              <a:t>return</a:t>
-            </a:r>
-            <a:r>
-              <a:rPr lang="it-IT" sz="800" dirty="0">
-                <a:solidFill>
-                  <a:srgbClr val="DCDCDC"/>
-                </a:solidFill>
-                <a:highlight>
-                  <a:srgbClr val="1E1E1E"/>
-                </a:highlight>
-                <a:latin typeface="Consolas" panose="020B0609020204030204" pitchFamily="49" charset="0"/>
-              </a:rPr>
-              <a:t> </a:t>
-            </a:r>
-            <a:r>
-              <a:rPr lang="it-IT" sz="800" dirty="0" err="1">
-                <a:solidFill>
-                  <a:srgbClr val="DCDCDC"/>
-                </a:solidFill>
-                <a:highlight>
-                  <a:srgbClr val="1E1E1E"/>
-                </a:highlight>
-                <a:latin typeface="Consolas" panose="020B0609020204030204" pitchFamily="49" charset="0"/>
-              </a:rPr>
-              <a:t>shapes</a:t>
-            </a:r>
-            <a:r>
-              <a:rPr lang="it-IT" sz="800" dirty="0" err="1">
-                <a:solidFill>
-                  <a:srgbClr val="B4B4B4"/>
-                </a:solidFill>
-                <a:highlight>
-                  <a:srgbClr val="1E1E1E"/>
-                </a:highlight>
-                <a:latin typeface="Consolas" panose="020B0609020204030204" pitchFamily="49" charset="0"/>
-              </a:rPr>
-              <a:t>.</a:t>
-            </a:r>
-            <a:r>
-              <a:rPr lang="it-IT" sz="800" dirty="0" err="1">
-                <a:solidFill>
-                  <a:srgbClr val="DCDCDC"/>
-                </a:solidFill>
-                <a:highlight>
-                  <a:srgbClr val="1E1E1E"/>
-                </a:highlight>
-                <a:latin typeface="Consolas" panose="020B0609020204030204" pitchFamily="49" charset="0"/>
-              </a:rPr>
-              <a:t>Sum</a:t>
-            </a:r>
-            <a:r>
-              <a:rPr lang="it-IT" sz="800" dirty="0">
-                <a:solidFill>
-                  <a:srgbClr val="DCDCDC"/>
-                </a:solidFill>
-                <a:highlight>
-                  <a:srgbClr val="1E1E1E"/>
-                </a:highlight>
-                <a:latin typeface="Consolas" panose="020B0609020204030204" pitchFamily="49" charset="0"/>
-              </a:rPr>
-              <a:t>(s </a:t>
-            </a:r>
-            <a:r>
-              <a:rPr lang="it-IT" sz="800" dirty="0">
-                <a:solidFill>
-                  <a:srgbClr val="B4B4B4"/>
-                </a:solidFill>
-                <a:highlight>
-                  <a:srgbClr val="1E1E1E"/>
-                </a:highlight>
-                <a:latin typeface="Consolas" panose="020B0609020204030204" pitchFamily="49" charset="0"/>
-              </a:rPr>
-              <a:t>=&gt;</a:t>
-            </a:r>
-            <a:r>
-              <a:rPr lang="it-IT" sz="800" dirty="0">
-                <a:solidFill>
-                  <a:srgbClr val="DCDCDC"/>
-                </a:solidFill>
-                <a:highlight>
-                  <a:srgbClr val="1E1E1E"/>
-                </a:highlight>
-                <a:latin typeface="Consolas" panose="020B0609020204030204" pitchFamily="49" charset="0"/>
-              </a:rPr>
-              <a:t> </a:t>
-            </a:r>
-            <a:r>
-              <a:rPr lang="it-IT" sz="800" dirty="0" err="1">
-                <a:solidFill>
-                  <a:srgbClr val="DCDCDC"/>
-                </a:solidFill>
-                <a:highlight>
-                  <a:srgbClr val="1E1E1E"/>
-                </a:highlight>
-                <a:latin typeface="Consolas" panose="020B0609020204030204" pitchFamily="49" charset="0"/>
-              </a:rPr>
-              <a:t>s</a:t>
-            </a:r>
-            <a:r>
-              <a:rPr lang="it-IT" sz="800" dirty="0" err="1">
-                <a:solidFill>
-                  <a:srgbClr val="B4B4B4"/>
-                </a:solidFill>
-                <a:highlight>
-                  <a:srgbClr val="1E1E1E"/>
-                </a:highlight>
-                <a:latin typeface="Consolas" panose="020B0609020204030204" pitchFamily="49" charset="0"/>
-              </a:rPr>
-              <a:t>.</a:t>
-            </a:r>
-            <a:r>
-              <a:rPr lang="it-IT" sz="800" dirty="0" err="1">
-                <a:solidFill>
-                  <a:srgbClr val="DCDCDC"/>
-                </a:solidFill>
-                <a:highlight>
-                  <a:srgbClr val="1E1E1E"/>
-                </a:highlight>
-                <a:latin typeface="Consolas" panose="020B0609020204030204" pitchFamily="49" charset="0"/>
-              </a:rPr>
-              <a:t>GetPerimeter</a:t>
-            </a:r>
-            <a:r>
-              <a:rPr lang="it-IT" sz="800" dirty="0">
-                <a:solidFill>
-                  <a:srgbClr val="DCDCDC"/>
-                </a:solidFill>
-                <a:highlight>
-                  <a:srgbClr val="1E1E1E"/>
-                </a:highlight>
-                <a:latin typeface="Consolas" panose="020B0609020204030204" pitchFamily="49" charset="0"/>
-              </a:rPr>
-              <a:t>());</a:t>
-            </a:r>
-          </a:p>
-          <a:p>
-            <a:r>
-              <a:rPr lang="it-IT" sz="800" dirty="0">
-                <a:solidFill>
-                  <a:srgbClr val="DCDCDC"/>
-                </a:solidFill>
-                <a:highlight>
-                  <a:srgbClr val="1E1E1E"/>
-                </a:highlight>
-                <a:latin typeface="Consolas" panose="020B0609020204030204" pitchFamily="49" charset="0"/>
-              </a:rPr>
-              <a:t>        }</a:t>
-            </a:r>
-          </a:p>
-          <a:p>
-            <a:r>
-              <a:rPr lang="it-IT" sz="800" dirty="0">
-                <a:solidFill>
-                  <a:srgbClr val="DCDCDC"/>
-                </a:solidFill>
-                <a:highlight>
-                  <a:srgbClr val="1E1E1E"/>
-                </a:highlight>
-                <a:latin typeface="Consolas" panose="020B0609020204030204" pitchFamily="49" charset="0"/>
-              </a:rPr>
-              <a:t>}</a:t>
-            </a:r>
-          </a:p>
-        </p:txBody>
-      </p:sp>
+        </p:nvPicPr>
+        <p:blipFill>
+          <a:blip r:embed="rId3"/>
+          <a:stretch>
+            <a:fillRect/>
+          </a:stretch>
+        </p:blipFill>
+        <p:spPr>
+          <a:xfrm>
+            <a:off x="2898822" y="2169173"/>
+            <a:ext cx="2562583" cy="1381318"/>
+          </a:xfrm>
+          <a:prstGeom prst="rect">
+            <a:avLst/>
+          </a:prstGeom>
+        </p:spPr>
+      </p:pic>
+      <p:pic>
+        <p:nvPicPr>
+          <p:cNvPr id="4" name="Picture 3">
+            <a:extLst>
+              <a:ext uri="{FF2B5EF4-FFF2-40B4-BE49-F238E27FC236}">
+                <a16:creationId xmlns:a16="http://schemas.microsoft.com/office/drawing/2014/main" id="{DB6E735D-D5C2-45DD-9E54-5CAC1880433E}"/>
+              </a:ext>
+            </a:extLst>
+          </p:cNvPr>
+          <p:cNvPicPr>
+            <a:picLocks noChangeAspect="1"/>
+          </p:cNvPicPr>
+          <p:nvPr/>
+        </p:nvPicPr>
+        <p:blipFill>
+          <a:blip r:embed="rId4"/>
+          <a:stretch>
+            <a:fillRect/>
+          </a:stretch>
+        </p:blipFill>
+        <p:spPr>
+          <a:xfrm>
+            <a:off x="647146" y="3646489"/>
+            <a:ext cx="3762900" cy="2743583"/>
+          </a:xfrm>
+          <a:prstGeom prst="rect">
+            <a:avLst/>
+          </a:prstGeom>
+        </p:spPr>
+      </p:pic>
+      <p:pic>
+        <p:nvPicPr>
+          <p:cNvPr id="5" name="Picture 4">
+            <a:extLst>
+              <a:ext uri="{FF2B5EF4-FFF2-40B4-BE49-F238E27FC236}">
+                <a16:creationId xmlns:a16="http://schemas.microsoft.com/office/drawing/2014/main" id="{7A4A4F1E-25F5-4DFB-978F-85F295217420}"/>
+              </a:ext>
+            </a:extLst>
+          </p:cNvPr>
+          <p:cNvPicPr>
+            <a:picLocks noChangeAspect="1"/>
+          </p:cNvPicPr>
+          <p:nvPr/>
+        </p:nvPicPr>
+        <p:blipFill>
+          <a:blip r:embed="rId5"/>
+          <a:stretch>
+            <a:fillRect/>
+          </a:stretch>
+        </p:blipFill>
+        <p:spPr>
+          <a:xfrm>
+            <a:off x="4547896" y="3646489"/>
+            <a:ext cx="4372585" cy="2743583"/>
+          </a:xfrm>
+          <a:prstGeom prst="rect">
+            <a:avLst/>
+          </a:prstGeom>
+        </p:spPr>
+      </p:pic>
     </p:spTree>
     <p:extLst>
       <p:ext uri="{BB962C8B-B14F-4D97-AF65-F5344CB8AC3E}">
@@ -10419,6 +8863,182 @@
 </file>
 
 <file path=ppt/slides/slide31.xml><?xml version="1.0" encoding="utf-8"?>
+<p:sld xmlns:a="http://schemas.openxmlformats.org/drawingml/2006/main" xmlns:r="http://schemas.openxmlformats.org/officeDocument/2006/relationships" xmlns:p="http://schemas.openxmlformats.org/presentationml/2006/main">
+  <p:cSld>
+    <p:spTree>
+      <p:nvGrpSpPr>
+        <p:cNvPr id="1" name=""/>
+        <p:cNvGrpSpPr/>
+        <p:nvPr/>
+      </p:nvGrpSpPr>
+      <p:grpSpPr>
+        <a:xfrm>
+          <a:off x="0" y="0"/>
+          <a:ext cx="0" cy="0"/>
+          <a:chOff x="0" y="0"/>
+          <a:chExt cx="0" cy="0"/>
+        </a:xfrm>
+      </p:grpSpPr>
+      <p:sp>
+        <p:nvSpPr>
+          <p:cNvPr id="2" name="Text Placeholder 1"/>
+          <p:cNvSpPr>
+            <a:spLocks noGrp="1"/>
+          </p:cNvSpPr>
+          <p:nvPr>
+            <p:ph type="body" sz="quarter" idx="11"/>
+          </p:nvPr>
+        </p:nvSpPr>
+        <p:spPr/>
+        <p:txBody>
+          <a:bodyPr/>
+          <a:lstStyle/>
+          <a:p>
+            <a:r>
+              <a:rPr lang="en-US"/>
+              <a:t>DIP Dependency Inversion Principle</a:t>
+            </a:r>
+          </a:p>
+          <a:p>
+            <a:endParaRPr lang="en-US"/>
+          </a:p>
+          <a:p>
+            <a:endParaRPr lang="en-US" dirty="0"/>
+          </a:p>
+        </p:txBody>
+      </p:sp>
+      <p:pic>
+        <p:nvPicPr>
+          <p:cNvPr id="3" name="Picture 2">
+            <a:extLst>
+              <a:ext uri="{FF2B5EF4-FFF2-40B4-BE49-F238E27FC236}">
+                <a16:creationId xmlns:a16="http://schemas.microsoft.com/office/drawing/2014/main" id="{2339C8CF-74A6-4C2F-BB51-E76C778D8BEA}"/>
+              </a:ext>
+            </a:extLst>
+          </p:cNvPr>
+          <p:cNvPicPr>
+            <a:picLocks noChangeAspect="1"/>
+          </p:cNvPicPr>
+          <p:nvPr/>
+        </p:nvPicPr>
+        <p:blipFill>
+          <a:blip r:embed="rId3"/>
+          <a:stretch>
+            <a:fillRect/>
+          </a:stretch>
+        </p:blipFill>
+        <p:spPr>
+          <a:xfrm>
+            <a:off x="2080865" y="2491179"/>
+            <a:ext cx="4982270" cy="2734057"/>
+          </a:xfrm>
+          <a:prstGeom prst="rect">
+            <a:avLst/>
+          </a:prstGeom>
+        </p:spPr>
+      </p:pic>
+    </p:spTree>
+    <p:extLst>
+      <p:ext uri="{BB962C8B-B14F-4D97-AF65-F5344CB8AC3E}">
+        <p14:creationId xmlns:p14="http://schemas.microsoft.com/office/powerpoint/2010/main" val="3073883093"/>
+      </p:ext>
+    </p:extLst>
+  </p:cSld>
+  <p:clrMapOvr>
+    <a:masterClrMapping/>
+  </p:clrMapOvr>
+</p:sld>
+</file>
+
+<file path=ppt/slides/slide32.xml><?xml version="1.0" encoding="utf-8"?>
+<p:sld xmlns:a="http://schemas.openxmlformats.org/drawingml/2006/main" xmlns:r="http://schemas.openxmlformats.org/officeDocument/2006/relationships" xmlns:p="http://schemas.openxmlformats.org/presentationml/2006/main">
+  <p:cSld>
+    <p:spTree>
+      <p:nvGrpSpPr>
+        <p:cNvPr id="1" name=""/>
+        <p:cNvGrpSpPr/>
+        <p:nvPr/>
+      </p:nvGrpSpPr>
+      <p:grpSpPr>
+        <a:xfrm>
+          <a:off x="0" y="0"/>
+          <a:ext cx="0" cy="0"/>
+          <a:chOff x="0" y="0"/>
+          <a:chExt cx="0" cy="0"/>
+        </a:xfrm>
+      </p:grpSpPr>
+      <p:sp>
+        <p:nvSpPr>
+          <p:cNvPr id="2" name="Text Placeholder 1"/>
+          <p:cNvSpPr>
+            <a:spLocks noGrp="1"/>
+          </p:cNvSpPr>
+          <p:nvPr>
+            <p:ph type="body" sz="quarter" idx="11"/>
+          </p:nvPr>
+        </p:nvSpPr>
+        <p:spPr/>
+        <p:txBody>
+          <a:bodyPr/>
+          <a:lstStyle/>
+          <a:p>
+            <a:r>
+              <a:rPr lang="en-US"/>
+              <a:t>DIP Dependency Inversion Principle</a:t>
+            </a:r>
+          </a:p>
+          <a:p>
+            <a:endParaRPr lang="en-US"/>
+          </a:p>
+          <a:p>
+            <a:endParaRPr lang="en-US" dirty="0"/>
+          </a:p>
+        </p:txBody>
+      </p:sp>
+      <p:pic>
+        <p:nvPicPr>
+          <p:cNvPr id="3" name="Picture 2">
+            <a:extLst>
+              <a:ext uri="{FF2B5EF4-FFF2-40B4-BE49-F238E27FC236}">
+                <a16:creationId xmlns:a16="http://schemas.microsoft.com/office/drawing/2014/main" id="{6BD5F852-8850-400B-B6BA-690EA969F557}"/>
+              </a:ext>
+            </a:extLst>
+          </p:cNvPr>
+          <p:cNvPicPr>
+            <a:picLocks noChangeAspect="1"/>
+          </p:cNvPicPr>
+          <p:nvPr/>
+        </p:nvPicPr>
+        <p:blipFill>
+          <a:blip r:embed="rId3"/>
+          <a:stretch>
+            <a:fillRect/>
+          </a:stretch>
+        </p:blipFill>
+        <p:spPr>
+          <a:xfrm>
+            <a:off x="1366390" y="2096506"/>
+            <a:ext cx="6411220" cy="3934374"/>
+          </a:xfrm>
+          <a:prstGeom prst="rect">
+            <a:avLst/>
+          </a:prstGeom>
+        </p:spPr>
+      </p:pic>
+    </p:spTree>
+    <p:extLst>
+      <p:ext uri="{BB962C8B-B14F-4D97-AF65-F5344CB8AC3E}">
+        <p14:creationId xmlns:p14="http://schemas.microsoft.com/office/powerpoint/2010/main" val="1237620757"/>
+      </p:ext>
+    </p:extLst>
+  </p:cSld>
+  <p:clrMapOvr>
+    <a:masterClrMapping/>
+  </p:clrMapOvr>
+</p:sld>
+</file>
+
+<file path=ppt/slides/slide33.xml><?xml version="1.0" encoding="utf-8"?>
 <p:sld xmlns:a="http://schemas.openxmlformats.org/drawingml/2006/main" xmlns:r="http://schemas.openxmlformats.org/officeDocument/2006/relationships" xmlns:p="http://schemas.openxmlformats.org/presentationml/2006/main">
   <p:cSld>
     <p:spTree>
@@ -10730,7 +9350,7 @@
 </p:sld>
 </file>
 
-<file path=ppt/slides/slide32.xml><?xml version="1.0" encoding="utf-8"?>
+<file path=ppt/slides/slide34.xml><?xml version="1.0" encoding="utf-8"?>
 <p:sld xmlns:a="http://schemas.openxmlformats.org/drawingml/2006/main" xmlns:r="http://schemas.openxmlformats.org/officeDocument/2006/relationships" xmlns:p="http://schemas.openxmlformats.org/presentationml/2006/main">
   <p:cSld>
     <p:spTree>
@@ -11042,7 +9662,7 @@
 </p:sld>
 </file>
 
-<file path=ppt/slides/slide33.xml><?xml version="1.0" encoding="utf-8"?>
+<file path=ppt/slides/slide35.xml><?xml version="1.0" encoding="utf-8"?>
 <p:sld xmlns:a="http://schemas.openxmlformats.org/drawingml/2006/main" xmlns:r="http://schemas.openxmlformats.org/officeDocument/2006/relationships" xmlns:p="http://schemas.openxmlformats.org/presentationml/2006/main">
   <p:cSld>
     <p:spTree>

--- a/docs/solid.pptx
+++ b/docs/solid.pptx
@@ -43,9 +43,9 @@
     <p:sldId id="307" r:id="rId31"/>
     <p:sldId id="326" r:id="rId32"/>
     <p:sldId id="327" r:id="rId33"/>
-    <p:sldId id="319" r:id="rId34"/>
-    <p:sldId id="320" r:id="rId35"/>
-    <p:sldId id="308" r:id="rId36"/>
+    <p:sldId id="328" r:id="rId34"/>
+    <p:sldId id="319" r:id="rId35"/>
+    <p:sldId id="320" r:id="rId36"/>
   </p:sldIdLst>
   <p:sldSz cx="9144000" cy="6858000" type="screen4x3"/>
   <p:notesSz cx="6858000" cy="9144000"/>
@@ -3319,7 +3319,7 @@
     </p:spTree>
     <p:extLst>
       <p:ext uri="{BB962C8B-B14F-4D97-AF65-F5344CB8AC3E}">
-        <p14:creationId xmlns:p14="http://schemas.microsoft.com/office/powerpoint/2010/main" val="700657275"/>
+        <p14:creationId xmlns:p14="http://schemas.microsoft.com/office/powerpoint/2010/main" val="1895338400"/>
       </p:ext>
     </p:extLst>
   </p:cSld>
@@ -3411,7 +3411,7 @@
     </p:spTree>
     <p:extLst>
       <p:ext uri="{BB962C8B-B14F-4D97-AF65-F5344CB8AC3E}">
-        <p14:creationId xmlns:p14="http://schemas.microsoft.com/office/powerpoint/2010/main" val="4192043878"/>
+        <p14:creationId xmlns:p14="http://schemas.microsoft.com/office/powerpoint/2010/main" val="700657275"/>
       </p:ext>
     </p:extLst>
   </p:cSld>
@@ -3503,7 +3503,7 @@
     </p:spTree>
     <p:extLst>
       <p:ext uri="{BB962C8B-B14F-4D97-AF65-F5344CB8AC3E}">
-        <p14:creationId xmlns:p14="http://schemas.microsoft.com/office/powerpoint/2010/main" val="4111834462"/>
+        <p14:creationId xmlns:p14="http://schemas.microsoft.com/office/powerpoint/2010/main" val="4192043878"/>
       </p:ext>
     </p:extLst>
   </p:cSld>
@@ -9065,6 +9065,168 @@
             <p:ph type="body" sz="quarter" idx="11"/>
           </p:nvPr>
         </p:nvSpPr>
+        <p:spPr/>
+        <p:txBody>
+          <a:bodyPr/>
+          <a:lstStyle/>
+          <a:p>
+            <a:r>
+              <a:rPr lang="en-US" dirty="0"/>
+              <a:t>SOLID Principles</a:t>
+            </a:r>
+          </a:p>
+          <a:p>
+            <a:endParaRPr lang="en-US" dirty="0"/>
+          </a:p>
+        </p:txBody>
+      </p:sp>
+      <p:sp>
+        <p:nvSpPr>
+          <p:cNvPr id="5" name="TextBox 4"/>
+          <p:cNvSpPr txBox="1"/>
+          <p:nvPr/>
+        </p:nvSpPr>
+        <p:spPr>
+          <a:xfrm>
+            <a:off x="621372" y="1859340"/>
+            <a:ext cx="8210747" cy="3785652"/>
+          </a:xfrm>
+          <a:prstGeom prst="rect">
+            <a:avLst/>
+          </a:prstGeom>
+          <a:noFill/>
+        </p:spPr>
+        <p:txBody>
+          <a:bodyPr wrap="square" rtlCol="0">
+            <a:spAutoFit/>
+          </a:bodyPr>
+          <a:lstStyle/>
+          <a:p>
+            <a:endParaRPr lang="en-GB" sz="1600" u="sng" dirty="0">
+              <a:latin typeface="Chronicle Display" pitchFamily="50" charset="0"/>
+            </a:endParaRPr>
+          </a:p>
+          <a:p>
+            <a:endParaRPr lang="en-GB" sz="1600" u="sng" dirty="0">
+              <a:latin typeface="Chronicle Display" pitchFamily="50" charset="0"/>
+            </a:endParaRPr>
+          </a:p>
+          <a:p>
+            <a:r>
+              <a:rPr lang="en-GB" sz="3200" b="1" i="1" dirty="0">
+                <a:latin typeface="Chronicle Display" pitchFamily="50" charset="0"/>
+              </a:rPr>
+              <a:t>Resources</a:t>
+            </a:r>
+          </a:p>
+          <a:p>
+            <a:endParaRPr lang="en-GB" sz="3200" b="1" i="1" dirty="0">
+              <a:latin typeface="Chronicle Display" pitchFamily="50" charset="0"/>
+            </a:endParaRPr>
+          </a:p>
+          <a:p>
+            <a:endParaRPr lang="en-GB" sz="1600" dirty="0">
+              <a:latin typeface="Chronicle Display" pitchFamily="50" charset="0"/>
+            </a:endParaRPr>
+          </a:p>
+          <a:p>
+            <a:r>
+              <a:rPr lang="en-GB" sz="1600" b="1" i="1" dirty="0">
+                <a:latin typeface="Chronicle Display" pitchFamily="50" charset="0"/>
+                <a:hlinkClick r:id="rId3"/>
+              </a:rPr>
+              <a:t>https://github.com/franco-melandri/SOLID</a:t>
+            </a:r>
+            <a:endParaRPr lang="en-GB" sz="1600" b="1" i="1" dirty="0">
+              <a:latin typeface="Chronicle Display" pitchFamily="50" charset="0"/>
+            </a:endParaRPr>
+          </a:p>
+          <a:p>
+            <a:endParaRPr lang="en-GB" sz="1600" b="1" i="1" dirty="0">
+              <a:latin typeface="Chronicle Display" pitchFamily="50" charset="0"/>
+            </a:endParaRPr>
+          </a:p>
+          <a:p>
+            <a:r>
+              <a:rPr lang="en-GB" sz="1600" b="1" i="1" dirty="0">
+                <a:latin typeface="Chronicle Display" pitchFamily="50" charset="0"/>
+                <a:hlinkClick r:id="rId4"/>
+              </a:rPr>
+              <a:t>http://butunclebob.com/ArticleS.UncleBob.PrinciplesOfOod</a:t>
+            </a:r>
+            <a:endParaRPr lang="en-GB" sz="1600" b="1" i="1" dirty="0">
+              <a:latin typeface="Chronicle Display" pitchFamily="50" charset="0"/>
+            </a:endParaRPr>
+          </a:p>
+          <a:p>
+            <a:endParaRPr lang="en-GB" sz="1600" b="1" i="1" dirty="0">
+              <a:latin typeface="Chronicle Display" pitchFamily="50" charset="0"/>
+            </a:endParaRPr>
+          </a:p>
+          <a:p>
+            <a:r>
+              <a:rPr lang="en-GB" sz="1600" b="1" i="1" dirty="0">
+                <a:latin typeface="Chronicle Display" pitchFamily="50" charset="0"/>
+                <a:hlinkClick r:id="rId5"/>
+              </a:rPr>
+              <a:t>http://www.codeproject.com/Articles/703634/SOLID-architecture-principles-using-simple-Csharp</a:t>
+            </a:r>
+            <a:endParaRPr lang="en-GB" sz="1600" b="1" i="1" dirty="0">
+              <a:latin typeface="Chronicle Display" pitchFamily="50" charset="0"/>
+            </a:endParaRPr>
+          </a:p>
+          <a:p>
+            <a:endParaRPr lang="en-GB" sz="1600" dirty="0">
+              <a:latin typeface="Chronicle Display" pitchFamily="50" charset="0"/>
+            </a:endParaRPr>
+          </a:p>
+          <a:p>
+            <a:endParaRPr lang="en-GB" sz="1600" dirty="0">
+              <a:latin typeface="Chronicle Display" pitchFamily="50" charset="0"/>
+            </a:endParaRPr>
+          </a:p>
+        </p:txBody>
+      </p:sp>
+    </p:spTree>
+    <p:extLst>
+      <p:ext uri="{BB962C8B-B14F-4D97-AF65-F5344CB8AC3E}">
+        <p14:creationId xmlns:p14="http://schemas.microsoft.com/office/powerpoint/2010/main" val="2987290541"/>
+      </p:ext>
+    </p:extLst>
+  </p:cSld>
+  <p:clrMapOvr>
+    <a:masterClrMapping/>
+  </p:clrMapOvr>
+</p:sld>
+</file>
+
+<file path=ppt/slides/slide34.xml><?xml version="1.0" encoding="utf-8"?>
+<p:sld xmlns:a="http://schemas.openxmlformats.org/drawingml/2006/main" xmlns:r="http://schemas.openxmlformats.org/officeDocument/2006/relationships" xmlns:p="http://schemas.openxmlformats.org/presentationml/2006/main">
+  <p:cSld>
+    <p:spTree>
+      <p:nvGrpSpPr>
+        <p:cNvPr id="1" name=""/>
+        <p:cNvGrpSpPr/>
+        <p:nvPr/>
+      </p:nvGrpSpPr>
+      <p:grpSpPr>
+        <a:xfrm>
+          <a:off x="0" y="0"/>
+          <a:ext cx="0" cy="0"/>
+          <a:chOff x="0" y="0"/>
+          <a:chExt cx="0" cy="0"/>
+        </a:xfrm>
+      </p:grpSpPr>
+      <p:sp>
+        <p:nvSpPr>
+          <p:cNvPr id="2" name="Text Placeholder 1"/>
+          <p:cNvSpPr>
+            <a:spLocks noGrp="1"/>
+          </p:cNvSpPr>
+          <p:nvPr>
+            <p:ph type="body" sz="quarter" idx="11"/>
+          </p:nvPr>
+        </p:nvSpPr>
         <p:spPr>
           <a:xfrm>
             <a:off x="328613" y="1079048"/>
@@ -9102,7 +9264,7 @@
         <p:spPr>
           <a:xfrm>
             <a:off x="311881" y="2329394"/>
-            <a:ext cx="8401246" cy="485802"/>
+            <a:ext cx="8401246" cy="656402"/>
           </a:xfrm>
           <a:prstGeom prst="rect">
             <a:avLst/>
@@ -9249,7 +9411,7 @@
           </a:lstStyle>
           <a:p>
             <a:r>
-              <a:rPr lang="en-US" sz="2400" dirty="0"/>
+              <a:rPr lang="en-US" sz="4000" b="1" i="1" dirty="0"/>
               <a:t>KISS</a:t>
             </a:r>
           </a:p>
@@ -9275,7 +9437,7 @@
         </p:nvSpPr>
         <p:spPr>
           <a:xfrm>
-            <a:off x="621372" y="2791291"/>
+            <a:off x="621372" y="3073309"/>
             <a:ext cx="8210747" cy="1938992"/>
           </a:xfrm>
           <a:prstGeom prst="rect">
@@ -9329,7 +9491,7 @@
               <a:rPr lang="en-GB" sz="1600" dirty="0">
                 <a:latin typeface="Chronicle Display" pitchFamily="50" charset="0"/>
               </a:rPr>
-              <a:t>Avoid OVERENGINERING</a:t>
+              <a:t>Avoid OVER-ENGINEERING</a:t>
             </a:r>
             <a:endParaRPr lang="en-GB" sz="1600" b="1" i="1" dirty="0">
               <a:latin typeface="Chronicle Display" pitchFamily="50" charset="0"/>
@@ -9350,7 +9512,7 @@
 </p:sld>
 </file>
 
-<file path=ppt/slides/slide34.xml><?xml version="1.0" encoding="utf-8"?>
+<file path=ppt/slides/slide35.xml><?xml version="1.0" encoding="utf-8"?>
 <p:sld xmlns:a="http://schemas.openxmlformats.org/drawingml/2006/main" xmlns:r="http://schemas.openxmlformats.org/officeDocument/2006/relationships" xmlns:p="http://schemas.openxmlformats.org/presentationml/2006/main">
   <p:cSld>
     <p:spTree>
@@ -9561,7 +9723,7 @@
           </a:lstStyle>
           <a:p>
             <a:r>
-              <a:rPr lang="en-US" sz="2400" dirty="0"/>
+              <a:rPr lang="en-US" sz="4000" b="1" i="1" dirty="0"/>
               <a:t>YAGNI</a:t>
             </a:r>
           </a:p>
@@ -9587,8 +9749,8 @@
         </p:nvSpPr>
         <p:spPr>
           <a:xfrm>
-            <a:off x="599630" y="3109204"/>
-            <a:ext cx="8210747" cy="1200329"/>
+            <a:off x="599630" y="3333139"/>
+            <a:ext cx="8210747" cy="1938992"/>
           </a:xfrm>
           <a:prstGeom prst="rect">
             <a:avLst/>
@@ -9643,6 +9805,30 @@
             </a:endParaRPr>
           </a:p>
           <a:p>
+            <a:r>
+              <a:rPr lang="en-GB" sz="1600" dirty="0">
+                <a:latin typeface="Chronicle Display" pitchFamily="50" charset="0"/>
+              </a:rPr>
+              <a:t>If you don’t need it don’t do it</a:t>
+            </a:r>
+          </a:p>
+          <a:p>
+            <a:endParaRPr lang="en-GB" sz="1600" dirty="0">
+              <a:latin typeface="Chronicle Display" pitchFamily="50" charset="0"/>
+            </a:endParaRPr>
+          </a:p>
+          <a:p>
+            <a:r>
+              <a:rPr lang="en-GB" sz="1600" dirty="0">
+                <a:latin typeface="Chronicle Display" pitchFamily="50" charset="0"/>
+              </a:rPr>
+              <a:t>Avoid OVER-ENGINEERING</a:t>
+            </a:r>
+            <a:endParaRPr lang="en-GB" sz="1600" b="1" i="1" dirty="0">
+              <a:latin typeface="Chronicle Display" pitchFamily="50" charset="0"/>
+            </a:endParaRPr>
+          </a:p>
+          <a:p>
             <a:endParaRPr lang="en-GB" sz="1600" dirty="0">
               <a:latin typeface="Chronicle Display" pitchFamily="50" charset="0"/>
             </a:endParaRPr>
@@ -9653,148 +9839,6 @@
     <p:extLst>
       <p:ext uri="{BB962C8B-B14F-4D97-AF65-F5344CB8AC3E}">
         <p14:creationId xmlns:p14="http://schemas.microsoft.com/office/powerpoint/2010/main" val="2768036412"/>
-      </p:ext>
-    </p:extLst>
-  </p:cSld>
-  <p:clrMapOvr>
-    <a:masterClrMapping/>
-  </p:clrMapOvr>
-</p:sld>
-</file>
-
-<file path=ppt/slides/slide35.xml><?xml version="1.0" encoding="utf-8"?>
-<p:sld xmlns:a="http://schemas.openxmlformats.org/drawingml/2006/main" xmlns:r="http://schemas.openxmlformats.org/officeDocument/2006/relationships" xmlns:p="http://schemas.openxmlformats.org/presentationml/2006/main">
-  <p:cSld>
-    <p:spTree>
-      <p:nvGrpSpPr>
-        <p:cNvPr id="1" name=""/>
-        <p:cNvGrpSpPr/>
-        <p:nvPr/>
-      </p:nvGrpSpPr>
-      <p:grpSpPr>
-        <a:xfrm>
-          <a:off x="0" y="0"/>
-          <a:ext cx="0" cy="0"/>
-          <a:chOff x="0" y="0"/>
-          <a:chExt cx="0" cy="0"/>
-        </a:xfrm>
-      </p:grpSpPr>
-      <p:sp>
-        <p:nvSpPr>
-          <p:cNvPr id="2" name="Text Placeholder 1"/>
-          <p:cNvSpPr>
-            <a:spLocks noGrp="1"/>
-          </p:cNvSpPr>
-          <p:nvPr>
-            <p:ph type="body" sz="quarter" idx="11"/>
-          </p:nvPr>
-        </p:nvSpPr>
-        <p:spPr/>
-        <p:txBody>
-          <a:bodyPr/>
-          <a:lstStyle/>
-          <a:p>
-            <a:r>
-              <a:rPr lang="en-US"/>
-              <a:t>Resources</a:t>
-            </a:r>
-          </a:p>
-          <a:p>
-            <a:endParaRPr lang="en-US"/>
-          </a:p>
-          <a:p>
-            <a:endParaRPr lang="en-US" dirty="0"/>
-          </a:p>
-        </p:txBody>
-      </p:sp>
-      <p:sp>
-        <p:nvSpPr>
-          <p:cNvPr id="5" name="TextBox 4"/>
-          <p:cNvSpPr txBox="1"/>
-          <p:nvPr/>
-        </p:nvSpPr>
-        <p:spPr>
-          <a:xfrm>
-            <a:off x="621372" y="1501213"/>
-            <a:ext cx="8210747" cy="2308324"/>
-          </a:xfrm>
-          <a:prstGeom prst="rect">
-            <a:avLst/>
-          </a:prstGeom>
-          <a:noFill/>
-        </p:spPr>
-        <p:txBody>
-          <a:bodyPr wrap="square" rtlCol="0">
-            <a:spAutoFit/>
-          </a:bodyPr>
-          <a:lstStyle/>
-          <a:p>
-            <a:endParaRPr lang="en-GB" sz="1600" dirty="0">
-              <a:latin typeface="Chronicle Display" pitchFamily="50" charset="0"/>
-            </a:endParaRPr>
-          </a:p>
-          <a:p>
-            <a:endParaRPr lang="en-GB" sz="1600" dirty="0">
-              <a:latin typeface="Chronicle Display" pitchFamily="50" charset="0"/>
-            </a:endParaRPr>
-          </a:p>
-          <a:p>
-            <a:r>
-              <a:rPr lang="en-GB" sz="1600" b="1" i="1" dirty="0">
-                <a:latin typeface="Chronicle Display" pitchFamily="50" charset="0"/>
-                <a:hlinkClick r:id="rId3"/>
-              </a:rPr>
-              <a:t>https://github.com/franco-melandri/SOLID</a:t>
-            </a:r>
-            <a:endParaRPr lang="en-GB" sz="1600" b="1" i="1" dirty="0">
-              <a:latin typeface="Chronicle Display" pitchFamily="50" charset="0"/>
-            </a:endParaRPr>
-          </a:p>
-          <a:p>
-            <a:endParaRPr lang="en-GB" sz="1600" b="1" i="1" dirty="0">
-              <a:latin typeface="Chronicle Display" pitchFamily="50" charset="0"/>
-            </a:endParaRPr>
-          </a:p>
-          <a:p>
-            <a:r>
-              <a:rPr lang="en-GB" sz="1600" b="1" i="1" dirty="0">
-                <a:latin typeface="Chronicle Display" pitchFamily="50" charset="0"/>
-                <a:hlinkClick r:id="rId4"/>
-              </a:rPr>
-              <a:t>http://butunclebob.com/ArticleS.UncleBob.PrinciplesOfOod</a:t>
-            </a:r>
-            <a:endParaRPr lang="en-GB" sz="1600" b="1" i="1" dirty="0">
-              <a:latin typeface="Chronicle Display" pitchFamily="50" charset="0"/>
-            </a:endParaRPr>
-          </a:p>
-          <a:p>
-            <a:endParaRPr lang="en-GB" sz="1600" b="1" i="1" dirty="0">
-              <a:latin typeface="Chronicle Display" pitchFamily="50" charset="0"/>
-            </a:endParaRPr>
-          </a:p>
-          <a:p>
-            <a:r>
-              <a:rPr lang="en-GB" sz="1600" b="1" i="1" dirty="0">
-                <a:latin typeface="Chronicle Display" pitchFamily="50" charset="0"/>
-                <a:hlinkClick r:id="rId5"/>
-              </a:rPr>
-              <a:t>http://www.codeproject.com/Articles/703634/SOLID-architecture-principles-using-simple-Csharp</a:t>
-            </a:r>
-            <a:endParaRPr lang="en-GB" sz="1600" b="1" i="1" dirty="0">
-              <a:latin typeface="Chronicle Display" pitchFamily="50" charset="0"/>
-            </a:endParaRPr>
-          </a:p>
-          <a:p>
-            <a:endParaRPr lang="en-GB" sz="1600" b="1" i="1" dirty="0">
-              <a:latin typeface="Chronicle Display" pitchFamily="50" charset="0"/>
-            </a:endParaRPr>
-          </a:p>
-        </p:txBody>
-      </p:sp>
-    </p:spTree>
-    <p:extLst>
-      <p:ext uri="{BB962C8B-B14F-4D97-AF65-F5344CB8AC3E}">
-        <p14:creationId xmlns:p14="http://schemas.microsoft.com/office/powerpoint/2010/main" val="3293004043"/>
       </p:ext>
     </p:extLst>
   </p:cSld>

--- a/docs/solid.pptx
+++ b/docs/solid.pptx
@@ -5,10 +5,10 @@
     <p:sldMasterId id="2147483650" r:id="rId1"/>
   </p:sldMasterIdLst>
   <p:notesMasterIdLst>
-    <p:notesMasterId r:id="rId37"/>
+    <p:notesMasterId r:id="rId44"/>
   </p:notesMasterIdLst>
   <p:handoutMasterIdLst>
-    <p:handoutMasterId r:id="rId38"/>
+    <p:handoutMasterId r:id="rId45"/>
   </p:handoutMasterIdLst>
   <p:sldIdLst>
     <p:sldId id="309" r:id="rId2"/>
@@ -46,6 +46,13 @@
     <p:sldId id="328" r:id="rId34"/>
     <p:sldId id="319" r:id="rId35"/>
     <p:sldId id="320" r:id="rId36"/>
+    <p:sldId id="329" r:id="rId37"/>
+    <p:sldId id="331" r:id="rId38"/>
+    <p:sldId id="332" r:id="rId39"/>
+    <p:sldId id="333" r:id="rId40"/>
+    <p:sldId id="334" r:id="rId41"/>
+    <p:sldId id="335" r:id="rId42"/>
+    <p:sldId id="330" r:id="rId43"/>
   </p:sldIdLst>
   <p:sldSz cx="9144000" cy="6858000" type="screen4x3"/>
   <p:notesSz cx="6858000" cy="9144000"/>
@@ -3513,6 +3520,374 @@
 </p:notes>
 </file>
 
+<file path=ppt/notesSlides/notesSlide36.xml><?xml version="1.0" encoding="utf-8"?>
+<p:notes xmlns:a="http://schemas.openxmlformats.org/drawingml/2006/main" xmlns:r="http://schemas.openxmlformats.org/officeDocument/2006/relationships" xmlns:p="http://schemas.openxmlformats.org/presentationml/2006/main">
+  <p:cSld>
+    <p:spTree>
+      <p:nvGrpSpPr>
+        <p:cNvPr id="1" name=""/>
+        <p:cNvGrpSpPr/>
+        <p:nvPr/>
+      </p:nvGrpSpPr>
+      <p:grpSpPr>
+        <a:xfrm>
+          <a:off x="0" y="0"/>
+          <a:ext cx="0" cy="0"/>
+          <a:chOff x="0" y="0"/>
+          <a:chExt cx="0" cy="0"/>
+        </a:xfrm>
+      </p:grpSpPr>
+      <p:sp>
+        <p:nvSpPr>
+          <p:cNvPr id="2" name="Slide Image Placeholder 1"/>
+          <p:cNvSpPr>
+            <a:spLocks noGrp="1" noRot="1" noChangeAspect="1"/>
+          </p:cNvSpPr>
+          <p:nvPr>
+            <p:ph type="sldImg"/>
+          </p:nvPr>
+        </p:nvSpPr>
+        <p:spPr>
+          <a:xfrm>
+            <a:off x="1143000" y="685800"/>
+            <a:ext cx="4572000" cy="3429000"/>
+          </a:xfrm>
+          <a:prstGeom prst="rect">
+            <a:avLst/>
+          </a:prstGeom>
+        </p:spPr>
+      </p:sp>
+      <p:sp>
+        <p:nvSpPr>
+          <p:cNvPr id="3" name="Notes Placeholder 2"/>
+          <p:cNvSpPr>
+            <a:spLocks noGrp="1"/>
+          </p:cNvSpPr>
+          <p:nvPr>
+            <p:ph type="body" idx="1"/>
+          </p:nvPr>
+        </p:nvSpPr>
+        <p:spPr/>
+        <p:txBody>
+          <a:bodyPr/>
+          <a:lstStyle/>
+          <a:p>
+            <a:endParaRPr lang="it-IT" dirty="0"/>
+          </a:p>
+        </p:txBody>
+      </p:sp>
+      <p:sp>
+        <p:nvSpPr>
+          <p:cNvPr id="4" name="Slide Number Placeholder 3"/>
+          <p:cNvSpPr>
+            <a:spLocks noGrp="1"/>
+          </p:cNvSpPr>
+          <p:nvPr>
+            <p:ph type="sldNum" sz="quarter" idx="10"/>
+          </p:nvPr>
+        </p:nvSpPr>
+        <p:spPr/>
+        <p:txBody>
+          <a:bodyPr/>
+          <a:lstStyle/>
+          <a:p>
+            <a:fld id="{2C5A56FE-B2E8-4285-8F31-2AEEB8EA39C6}" type="slidenum">
+              <a:rPr lang="en-GB" smtClean="0"/>
+              <a:t>36</a:t>
+            </a:fld>
+            <a:endParaRPr lang="en-GB"/>
+          </a:p>
+        </p:txBody>
+      </p:sp>
+    </p:spTree>
+    <p:extLst>
+      <p:ext uri="{BB962C8B-B14F-4D97-AF65-F5344CB8AC3E}">
+        <p14:creationId xmlns:p14="http://schemas.microsoft.com/office/powerpoint/2010/main" val="937582895"/>
+      </p:ext>
+    </p:extLst>
+  </p:cSld>
+  <p:clrMapOvr>
+    <a:masterClrMapping/>
+  </p:clrMapOvr>
+</p:notes>
+</file>
+
+<file path=ppt/notesSlides/notesSlide37.xml><?xml version="1.0" encoding="utf-8"?>
+<p:notes xmlns:a="http://schemas.openxmlformats.org/drawingml/2006/main" xmlns:r="http://schemas.openxmlformats.org/officeDocument/2006/relationships" xmlns:p="http://schemas.openxmlformats.org/presentationml/2006/main">
+  <p:cSld>
+    <p:spTree>
+      <p:nvGrpSpPr>
+        <p:cNvPr id="1" name=""/>
+        <p:cNvGrpSpPr/>
+        <p:nvPr/>
+      </p:nvGrpSpPr>
+      <p:grpSpPr>
+        <a:xfrm>
+          <a:off x="0" y="0"/>
+          <a:ext cx="0" cy="0"/>
+          <a:chOff x="0" y="0"/>
+          <a:chExt cx="0" cy="0"/>
+        </a:xfrm>
+      </p:grpSpPr>
+      <p:sp>
+        <p:nvSpPr>
+          <p:cNvPr id="2" name="Slide Image Placeholder 1"/>
+          <p:cNvSpPr>
+            <a:spLocks noGrp="1" noRot="1" noChangeAspect="1"/>
+          </p:cNvSpPr>
+          <p:nvPr>
+            <p:ph type="sldImg"/>
+          </p:nvPr>
+        </p:nvSpPr>
+        <p:spPr>
+          <a:xfrm>
+            <a:off x="1143000" y="685800"/>
+            <a:ext cx="4572000" cy="3429000"/>
+          </a:xfrm>
+          <a:prstGeom prst="rect">
+            <a:avLst/>
+          </a:prstGeom>
+        </p:spPr>
+      </p:sp>
+      <p:sp>
+        <p:nvSpPr>
+          <p:cNvPr id="3" name="Notes Placeholder 2"/>
+          <p:cNvSpPr>
+            <a:spLocks noGrp="1"/>
+          </p:cNvSpPr>
+          <p:nvPr>
+            <p:ph type="body" idx="1"/>
+          </p:nvPr>
+        </p:nvSpPr>
+        <p:spPr/>
+        <p:txBody>
+          <a:bodyPr/>
+          <a:lstStyle/>
+          <a:p>
+            <a:endParaRPr lang="it-IT" dirty="0"/>
+          </a:p>
+        </p:txBody>
+      </p:sp>
+      <p:sp>
+        <p:nvSpPr>
+          <p:cNvPr id="4" name="Slide Number Placeholder 3"/>
+          <p:cNvSpPr>
+            <a:spLocks noGrp="1"/>
+          </p:cNvSpPr>
+          <p:nvPr>
+            <p:ph type="sldNum" sz="quarter" idx="10"/>
+          </p:nvPr>
+        </p:nvSpPr>
+        <p:spPr/>
+        <p:txBody>
+          <a:bodyPr/>
+          <a:lstStyle/>
+          <a:p>
+            <a:fld id="{2C5A56FE-B2E8-4285-8F31-2AEEB8EA39C6}" type="slidenum">
+              <a:rPr lang="en-GB" smtClean="0"/>
+              <a:t>37</a:t>
+            </a:fld>
+            <a:endParaRPr lang="en-GB"/>
+          </a:p>
+        </p:txBody>
+      </p:sp>
+    </p:spTree>
+    <p:extLst>
+      <p:ext uri="{BB962C8B-B14F-4D97-AF65-F5344CB8AC3E}">
+        <p14:creationId xmlns:p14="http://schemas.microsoft.com/office/powerpoint/2010/main" val="3611770367"/>
+      </p:ext>
+    </p:extLst>
+  </p:cSld>
+  <p:clrMapOvr>
+    <a:masterClrMapping/>
+  </p:clrMapOvr>
+</p:notes>
+</file>
+
+<file path=ppt/notesSlides/notesSlide38.xml><?xml version="1.0" encoding="utf-8"?>
+<p:notes xmlns:a="http://schemas.openxmlformats.org/drawingml/2006/main" xmlns:r="http://schemas.openxmlformats.org/officeDocument/2006/relationships" xmlns:p="http://schemas.openxmlformats.org/presentationml/2006/main">
+  <p:cSld>
+    <p:spTree>
+      <p:nvGrpSpPr>
+        <p:cNvPr id="1" name=""/>
+        <p:cNvGrpSpPr/>
+        <p:nvPr/>
+      </p:nvGrpSpPr>
+      <p:grpSpPr>
+        <a:xfrm>
+          <a:off x="0" y="0"/>
+          <a:ext cx="0" cy="0"/>
+          <a:chOff x="0" y="0"/>
+          <a:chExt cx="0" cy="0"/>
+        </a:xfrm>
+      </p:grpSpPr>
+      <p:sp>
+        <p:nvSpPr>
+          <p:cNvPr id="2" name="Slide Image Placeholder 1"/>
+          <p:cNvSpPr>
+            <a:spLocks noGrp="1" noRot="1" noChangeAspect="1"/>
+          </p:cNvSpPr>
+          <p:nvPr>
+            <p:ph type="sldImg"/>
+          </p:nvPr>
+        </p:nvSpPr>
+        <p:spPr>
+          <a:xfrm>
+            <a:off x="1143000" y="685800"/>
+            <a:ext cx="4572000" cy="3429000"/>
+          </a:xfrm>
+          <a:prstGeom prst="rect">
+            <a:avLst/>
+          </a:prstGeom>
+        </p:spPr>
+      </p:sp>
+      <p:sp>
+        <p:nvSpPr>
+          <p:cNvPr id="3" name="Notes Placeholder 2"/>
+          <p:cNvSpPr>
+            <a:spLocks noGrp="1"/>
+          </p:cNvSpPr>
+          <p:nvPr>
+            <p:ph type="body" idx="1"/>
+          </p:nvPr>
+        </p:nvSpPr>
+        <p:spPr/>
+        <p:txBody>
+          <a:bodyPr/>
+          <a:lstStyle/>
+          <a:p>
+            <a:endParaRPr lang="it-IT" dirty="0"/>
+          </a:p>
+        </p:txBody>
+      </p:sp>
+      <p:sp>
+        <p:nvSpPr>
+          <p:cNvPr id="4" name="Slide Number Placeholder 3"/>
+          <p:cNvSpPr>
+            <a:spLocks noGrp="1"/>
+          </p:cNvSpPr>
+          <p:nvPr>
+            <p:ph type="sldNum" sz="quarter" idx="10"/>
+          </p:nvPr>
+        </p:nvSpPr>
+        <p:spPr/>
+        <p:txBody>
+          <a:bodyPr/>
+          <a:lstStyle/>
+          <a:p>
+            <a:fld id="{2C5A56FE-B2E8-4285-8F31-2AEEB8EA39C6}" type="slidenum">
+              <a:rPr lang="en-GB" smtClean="0"/>
+              <a:t>38</a:t>
+            </a:fld>
+            <a:endParaRPr lang="en-GB"/>
+          </a:p>
+        </p:txBody>
+      </p:sp>
+    </p:spTree>
+    <p:extLst>
+      <p:ext uri="{BB962C8B-B14F-4D97-AF65-F5344CB8AC3E}">
+        <p14:creationId xmlns:p14="http://schemas.microsoft.com/office/powerpoint/2010/main" val="2685214439"/>
+      </p:ext>
+    </p:extLst>
+  </p:cSld>
+  <p:clrMapOvr>
+    <a:masterClrMapping/>
+  </p:clrMapOvr>
+</p:notes>
+</file>
+
+<file path=ppt/notesSlides/notesSlide39.xml><?xml version="1.0" encoding="utf-8"?>
+<p:notes xmlns:a="http://schemas.openxmlformats.org/drawingml/2006/main" xmlns:r="http://schemas.openxmlformats.org/officeDocument/2006/relationships" xmlns:p="http://schemas.openxmlformats.org/presentationml/2006/main">
+  <p:cSld>
+    <p:spTree>
+      <p:nvGrpSpPr>
+        <p:cNvPr id="1" name=""/>
+        <p:cNvGrpSpPr/>
+        <p:nvPr/>
+      </p:nvGrpSpPr>
+      <p:grpSpPr>
+        <a:xfrm>
+          <a:off x="0" y="0"/>
+          <a:ext cx="0" cy="0"/>
+          <a:chOff x="0" y="0"/>
+          <a:chExt cx="0" cy="0"/>
+        </a:xfrm>
+      </p:grpSpPr>
+      <p:sp>
+        <p:nvSpPr>
+          <p:cNvPr id="2" name="Slide Image Placeholder 1"/>
+          <p:cNvSpPr>
+            <a:spLocks noGrp="1" noRot="1" noChangeAspect="1"/>
+          </p:cNvSpPr>
+          <p:nvPr>
+            <p:ph type="sldImg"/>
+          </p:nvPr>
+        </p:nvSpPr>
+        <p:spPr>
+          <a:xfrm>
+            <a:off x="1143000" y="685800"/>
+            <a:ext cx="4572000" cy="3429000"/>
+          </a:xfrm>
+          <a:prstGeom prst="rect">
+            <a:avLst/>
+          </a:prstGeom>
+        </p:spPr>
+      </p:sp>
+      <p:sp>
+        <p:nvSpPr>
+          <p:cNvPr id="3" name="Notes Placeholder 2"/>
+          <p:cNvSpPr>
+            <a:spLocks noGrp="1"/>
+          </p:cNvSpPr>
+          <p:nvPr>
+            <p:ph type="body" idx="1"/>
+          </p:nvPr>
+        </p:nvSpPr>
+        <p:spPr/>
+        <p:txBody>
+          <a:bodyPr/>
+          <a:lstStyle/>
+          <a:p>
+            <a:endParaRPr lang="it-IT" dirty="0"/>
+          </a:p>
+        </p:txBody>
+      </p:sp>
+      <p:sp>
+        <p:nvSpPr>
+          <p:cNvPr id="4" name="Slide Number Placeholder 3"/>
+          <p:cNvSpPr>
+            <a:spLocks noGrp="1"/>
+          </p:cNvSpPr>
+          <p:nvPr>
+            <p:ph type="sldNum" sz="quarter" idx="10"/>
+          </p:nvPr>
+        </p:nvSpPr>
+        <p:spPr/>
+        <p:txBody>
+          <a:bodyPr/>
+          <a:lstStyle/>
+          <a:p>
+            <a:fld id="{2C5A56FE-B2E8-4285-8F31-2AEEB8EA39C6}" type="slidenum">
+              <a:rPr lang="en-GB" smtClean="0"/>
+              <a:t>39</a:t>
+            </a:fld>
+            <a:endParaRPr lang="en-GB"/>
+          </a:p>
+        </p:txBody>
+      </p:sp>
+    </p:spTree>
+    <p:extLst>
+      <p:ext uri="{BB962C8B-B14F-4D97-AF65-F5344CB8AC3E}">
+        <p14:creationId xmlns:p14="http://schemas.microsoft.com/office/powerpoint/2010/main" val="194811362"/>
+      </p:ext>
+    </p:extLst>
+  </p:cSld>
+  <p:clrMapOvr>
+    <a:masterClrMapping/>
+  </p:clrMapOvr>
+</p:notes>
+</file>
+
 <file path=ppt/notesSlides/notesSlide4.xml><?xml version="1.0" encoding="utf-8"?>
 <p:notes xmlns:a="http://schemas.openxmlformats.org/drawingml/2006/main" xmlns:r="http://schemas.openxmlformats.org/officeDocument/2006/relationships" xmlns:p="http://schemas.openxmlformats.org/presentationml/2006/main">
   <p:cSld>
@@ -3596,6 +3971,282 @@
     <p:extLst>
       <p:ext uri="{BB962C8B-B14F-4D97-AF65-F5344CB8AC3E}">
         <p14:creationId xmlns:p14="http://schemas.microsoft.com/office/powerpoint/2010/main" val="227422975"/>
+      </p:ext>
+    </p:extLst>
+  </p:cSld>
+  <p:clrMapOvr>
+    <a:masterClrMapping/>
+  </p:clrMapOvr>
+</p:notes>
+</file>
+
+<file path=ppt/notesSlides/notesSlide40.xml><?xml version="1.0" encoding="utf-8"?>
+<p:notes xmlns:a="http://schemas.openxmlformats.org/drawingml/2006/main" xmlns:r="http://schemas.openxmlformats.org/officeDocument/2006/relationships" xmlns:p="http://schemas.openxmlformats.org/presentationml/2006/main">
+  <p:cSld>
+    <p:spTree>
+      <p:nvGrpSpPr>
+        <p:cNvPr id="1" name=""/>
+        <p:cNvGrpSpPr/>
+        <p:nvPr/>
+      </p:nvGrpSpPr>
+      <p:grpSpPr>
+        <a:xfrm>
+          <a:off x="0" y="0"/>
+          <a:ext cx="0" cy="0"/>
+          <a:chOff x="0" y="0"/>
+          <a:chExt cx="0" cy="0"/>
+        </a:xfrm>
+      </p:grpSpPr>
+      <p:sp>
+        <p:nvSpPr>
+          <p:cNvPr id="2" name="Slide Image Placeholder 1"/>
+          <p:cNvSpPr>
+            <a:spLocks noGrp="1" noRot="1" noChangeAspect="1"/>
+          </p:cNvSpPr>
+          <p:nvPr>
+            <p:ph type="sldImg"/>
+          </p:nvPr>
+        </p:nvSpPr>
+        <p:spPr>
+          <a:xfrm>
+            <a:off x="1143000" y="685800"/>
+            <a:ext cx="4572000" cy="3429000"/>
+          </a:xfrm>
+          <a:prstGeom prst="rect">
+            <a:avLst/>
+          </a:prstGeom>
+        </p:spPr>
+      </p:sp>
+      <p:sp>
+        <p:nvSpPr>
+          <p:cNvPr id="3" name="Notes Placeholder 2"/>
+          <p:cNvSpPr>
+            <a:spLocks noGrp="1"/>
+          </p:cNvSpPr>
+          <p:nvPr>
+            <p:ph type="body" idx="1"/>
+          </p:nvPr>
+        </p:nvSpPr>
+        <p:spPr/>
+        <p:txBody>
+          <a:bodyPr/>
+          <a:lstStyle/>
+          <a:p>
+            <a:endParaRPr lang="it-IT" dirty="0"/>
+          </a:p>
+        </p:txBody>
+      </p:sp>
+      <p:sp>
+        <p:nvSpPr>
+          <p:cNvPr id="4" name="Slide Number Placeholder 3"/>
+          <p:cNvSpPr>
+            <a:spLocks noGrp="1"/>
+          </p:cNvSpPr>
+          <p:nvPr>
+            <p:ph type="sldNum" sz="quarter" idx="10"/>
+          </p:nvPr>
+        </p:nvSpPr>
+        <p:spPr/>
+        <p:txBody>
+          <a:bodyPr/>
+          <a:lstStyle/>
+          <a:p>
+            <a:fld id="{2C5A56FE-B2E8-4285-8F31-2AEEB8EA39C6}" type="slidenum">
+              <a:rPr lang="en-GB" smtClean="0"/>
+              <a:t>40</a:t>
+            </a:fld>
+            <a:endParaRPr lang="en-GB"/>
+          </a:p>
+        </p:txBody>
+      </p:sp>
+    </p:spTree>
+    <p:extLst>
+      <p:ext uri="{BB962C8B-B14F-4D97-AF65-F5344CB8AC3E}">
+        <p14:creationId xmlns:p14="http://schemas.microsoft.com/office/powerpoint/2010/main" val="715644702"/>
+      </p:ext>
+    </p:extLst>
+  </p:cSld>
+  <p:clrMapOvr>
+    <a:masterClrMapping/>
+  </p:clrMapOvr>
+</p:notes>
+</file>
+
+<file path=ppt/notesSlides/notesSlide41.xml><?xml version="1.0" encoding="utf-8"?>
+<p:notes xmlns:a="http://schemas.openxmlformats.org/drawingml/2006/main" xmlns:r="http://schemas.openxmlformats.org/officeDocument/2006/relationships" xmlns:p="http://schemas.openxmlformats.org/presentationml/2006/main">
+  <p:cSld>
+    <p:spTree>
+      <p:nvGrpSpPr>
+        <p:cNvPr id="1" name=""/>
+        <p:cNvGrpSpPr/>
+        <p:nvPr/>
+      </p:nvGrpSpPr>
+      <p:grpSpPr>
+        <a:xfrm>
+          <a:off x="0" y="0"/>
+          <a:ext cx="0" cy="0"/>
+          <a:chOff x="0" y="0"/>
+          <a:chExt cx="0" cy="0"/>
+        </a:xfrm>
+      </p:grpSpPr>
+      <p:sp>
+        <p:nvSpPr>
+          <p:cNvPr id="2" name="Slide Image Placeholder 1"/>
+          <p:cNvSpPr>
+            <a:spLocks noGrp="1" noRot="1" noChangeAspect="1"/>
+          </p:cNvSpPr>
+          <p:nvPr>
+            <p:ph type="sldImg"/>
+          </p:nvPr>
+        </p:nvSpPr>
+        <p:spPr>
+          <a:xfrm>
+            <a:off x="1143000" y="685800"/>
+            <a:ext cx="4572000" cy="3429000"/>
+          </a:xfrm>
+          <a:prstGeom prst="rect">
+            <a:avLst/>
+          </a:prstGeom>
+        </p:spPr>
+      </p:sp>
+      <p:sp>
+        <p:nvSpPr>
+          <p:cNvPr id="3" name="Notes Placeholder 2"/>
+          <p:cNvSpPr>
+            <a:spLocks noGrp="1"/>
+          </p:cNvSpPr>
+          <p:nvPr>
+            <p:ph type="body" idx="1"/>
+          </p:nvPr>
+        </p:nvSpPr>
+        <p:spPr/>
+        <p:txBody>
+          <a:bodyPr/>
+          <a:lstStyle/>
+          <a:p>
+            <a:endParaRPr lang="it-IT" dirty="0"/>
+          </a:p>
+        </p:txBody>
+      </p:sp>
+      <p:sp>
+        <p:nvSpPr>
+          <p:cNvPr id="4" name="Slide Number Placeholder 3"/>
+          <p:cNvSpPr>
+            <a:spLocks noGrp="1"/>
+          </p:cNvSpPr>
+          <p:nvPr>
+            <p:ph type="sldNum" sz="quarter" idx="10"/>
+          </p:nvPr>
+        </p:nvSpPr>
+        <p:spPr/>
+        <p:txBody>
+          <a:bodyPr/>
+          <a:lstStyle/>
+          <a:p>
+            <a:fld id="{2C5A56FE-B2E8-4285-8F31-2AEEB8EA39C6}" type="slidenum">
+              <a:rPr lang="en-GB" smtClean="0"/>
+              <a:t>41</a:t>
+            </a:fld>
+            <a:endParaRPr lang="en-GB"/>
+          </a:p>
+        </p:txBody>
+      </p:sp>
+    </p:spTree>
+    <p:extLst>
+      <p:ext uri="{BB962C8B-B14F-4D97-AF65-F5344CB8AC3E}">
+        <p14:creationId xmlns:p14="http://schemas.microsoft.com/office/powerpoint/2010/main" val="2866667866"/>
+      </p:ext>
+    </p:extLst>
+  </p:cSld>
+  <p:clrMapOvr>
+    <a:masterClrMapping/>
+  </p:clrMapOvr>
+</p:notes>
+</file>
+
+<file path=ppt/notesSlides/notesSlide42.xml><?xml version="1.0" encoding="utf-8"?>
+<p:notes xmlns:a="http://schemas.openxmlformats.org/drawingml/2006/main" xmlns:r="http://schemas.openxmlformats.org/officeDocument/2006/relationships" xmlns:p="http://schemas.openxmlformats.org/presentationml/2006/main">
+  <p:cSld>
+    <p:spTree>
+      <p:nvGrpSpPr>
+        <p:cNvPr id="1" name=""/>
+        <p:cNvGrpSpPr/>
+        <p:nvPr/>
+      </p:nvGrpSpPr>
+      <p:grpSpPr>
+        <a:xfrm>
+          <a:off x="0" y="0"/>
+          <a:ext cx="0" cy="0"/>
+          <a:chOff x="0" y="0"/>
+          <a:chExt cx="0" cy="0"/>
+        </a:xfrm>
+      </p:grpSpPr>
+      <p:sp>
+        <p:nvSpPr>
+          <p:cNvPr id="2" name="Slide Image Placeholder 1"/>
+          <p:cNvSpPr>
+            <a:spLocks noGrp="1" noRot="1" noChangeAspect="1"/>
+          </p:cNvSpPr>
+          <p:nvPr>
+            <p:ph type="sldImg"/>
+          </p:nvPr>
+        </p:nvSpPr>
+        <p:spPr>
+          <a:xfrm>
+            <a:off x="1143000" y="685800"/>
+            <a:ext cx="4572000" cy="3429000"/>
+          </a:xfrm>
+          <a:prstGeom prst="rect">
+            <a:avLst/>
+          </a:prstGeom>
+        </p:spPr>
+      </p:sp>
+      <p:sp>
+        <p:nvSpPr>
+          <p:cNvPr id="3" name="Notes Placeholder 2"/>
+          <p:cNvSpPr>
+            <a:spLocks noGrp="1"/>
+          </p:cNvSpPr>
+          <p:nvPr>
+            <p:ph type="body" idx="1"/>
+          </p:nvPr>
+        </p:nvSpPr>
+        <p:spPr/>
+        <p:txBody>
+          <a:bodyPr/>
+          <a:lstStyle/>
+          <a:p>
+            <a:endParaRPr lang="it-IT" dirty="0"/>
+          </a:p>
+        </p:txBody>
+      </p:sp>
+      <p:sp>
+        <p:nvSpPr>
+          <p:cNvPr id="4" name="Slide Number Placeholder 3"/>
+          <p:cNvSpPr>
+            <a:spLocks noGrp="1"/>
+          </p:cNvSpPr>
+          <p:nvPr>
+            <p:ph type="sldNum" sz="quarter" idx="10"/>
+          </p:nvPr>
+        </p:nvSpPr>
+        <p:spPr/>
+        <p:txBody>
+          <a:bodyPr/>
+          <a:lstStyle/>
+          <a:p>
+            <a:fld id="{2C5A56FE-B2E8-4285-8F31-2AEEB8EA39C6}" type="slidenum">
+              <a:rPr lang="en-GB" smtClean="0"/>
+              <a:t>42</a:t>
+            </a:fld>
+            <a:endParaRPr lang="en-GB"/>
+          </a:p>
+        </p:txBody>
+      </p:sp>
+    </p:spTree>
+    <p:extLst>
+      <p:ext uri="{BB962C8B-B14F-4D97-AF65-F5344CB8AC3E}">
+        <p14:creationId xmlns:p14="http://schemas.microsoft.com/office/powerpoint/2010/main" val="3055954277"/>
       </p:ext>
     </p:extLst>
   </p:cSld>
@@ -6018,7 +6669,7 @@
           <a:p>
             <a:pPr algn="ctr"/>
             <a:r>
-              <a:rPr lang="it-IT" sz="6000" dirty="0"/>
+              <a:rPr lang="it-IT" sz="6000" b="1" i="1" dirty="0"/>
               <a:t>SOFTWARE PRINCIPLES</a:t>
             </a:r>
           </a:p>
@@ -6074,6 +6725,146 @@
   <p:clrMapOvr>
     <a:masterClrMapping/>
   </p:clrMapOvr>
+  <p:timing>
+    <p:tnLst>
+      <p:par>
+        <p:cTn id="1" dur="indefinite" restart="never" nodeType="tmRoot">
+          <p:childTnLst>
+            <p:seq concurrent="1" nextAc="seek">
+              <p:cTn id="2" dur="indefinite" nodeType="mainSeq">
+                <p:childTnLst>
+                  <p:par>
+                    <p:cTn id="3" fill="hold">
+                      <p:stCondLst>
+                        <p:cond delay="indefinite"/>
+                      </p:stCondLst>
+                      <p:childTnLst>
+                        <p:par>
+                          <p:cTn id="4" fill="hold">
+                            <p:stCondLst>
+                              <p:cond delay="0"/>
+                            </p:stCondLst>
+                            <p:childTnLst>
+                              <p:par>
+                                <p:cTn id="5" presetID="10" presetClass="entr" presetSubtype="0" fill="hold" grpId="0" nodeType="clickEffect">
+                                  <p:stCondLst>
+                                    <p:cond delay="0"/>
+                                  </p:stCondLst>
+                                  <p:childTnLst>
+                                    <p:set>
+                                      <p:cBhvr>
+                                        <p:cTn id="6" dur="1" fill="hold">
+                                          <p:stCondLst>
+                                            <p:cond delay="0"/>
+                                          </p:stCondLst>
+                                        </p:cTn>
+                                        <p:tgtEl>
+                                          <p:spTgt spid="2"/>
+                                        </p:tgtEl>
+                                        <p:attrNameLst>
+                                          <p:attrName>style.visibility</p:attrName>
+                                        </p:attrNameLst>
+                                      </p:cBhvr>
+                                      <p:to>
+                                        <p:strVal val="visible"/>
+                                      </p:to>
+                                    </p:set>
+                                    <p:animEffect transition="in" filter="fade">
+                                      <p:cBhvr>
+                                        <p:cTn id="7" dur="500"/>
+                                        <p:tgtEl>
+                                          <p:spTgt spid="2"/>
+                                        </p:tgtEl>
+                                      </p:cBhvr>
+                                    </p:animEffect>
+                                  </p:childTnLst>
+                                </p:cTn>
+                              </p:par>
+                            </p:childTnLst>
+                          </p:cTn>
+                        </p:par>
+                      </p:childTnLst>
+                    </p:cTn>
+                  </p:par>
+                  <p:par>
+                    <p:cTn id="8" fill="hold">
+                      <p:stCondLst>
+                        <p:cond delay="indefinite"/>
+                      </p:stCondLst>
+                      <p:childTnLst>
+                        <p:par>
+                          <p:cTn id="9" fill="hold">
+                            <p:stCondLst>
+                              <p:cond delay="0"/>
+                            </p:stCondLst>
+                            <p:childTnLst>
+                              <p:par>
+                                <p:cTn id="10" presetID="10" presetClass="entr" presetSubtype="0" fill="hold" grpId="0" nodeType="clickEffect">
+                                  <p:stCondLst>
+                                    <p:cond delay="0"/>
+                                  </p:stCondLst>
+                                  <p:childTnLst>
+                                    <p:set>
+                                      <p:cBhvr>
+                                        <p:cTn id="11" dur="1" fill="hold">
+                                          <p:stCondLst>
+                                            <p:cond delay="0"/>
+                                          </p:stCondLst>
+                                        </p:cTn>
+                                        <p:tgtEl>
+                                          <p:spTgt spid="10"/>
+                                        </p:tgtEl>
+                                        <p:attrNameLst>
+                                          <p:attrName>style.visibility</p:attrName>
+                                        </p:attrNameLst>
+                                      </p:cBhvr>
+                                      <p:to>
+                                        <p:strVal val="visible"/>
+                                      </p:to>
+                                    </p:set>
+                                    <p:animEffect transition="in" filter="fade">
+                                      <p:cBhvr>
+                                        <p:cTn id="12" dur="500"/>
+                                        <p:tgtEl>
+                                          <p:spTgt spid="10"/>
+                                        </p:tgtEl>
+                                      </p:cBhvr>
+                                    </p:animEffect>
+                                  </p:childTnLst>
+                                </p:cTn>
+                              </p:par>
+                            </p:childTnLst>
+                          </p:cTn>
+                        </p:par>
+                      </p:childTnLst>
+                    </p:cTn>
+                  </p:par>
+                </p:childTnLst>
+              </p:cTn>
+              <p:prevCondLst>
+                <p:cond evt="onPrev" delay="0">
+                  <p:tgtEl>
+                    <p:sldTgt/>
+                  </p:tgtEl>
+                </p:cond>
+              </p:prevCondLst>
+              <p:nextCondLst>
+                <p:cond evt="onNext" delay="0">
+                  <p:tgtEl>
+                    <p:sldTgt/>
+                  </p:tgtEl>
+                </p:cond>
+              </p:nextCondLst>
+            </p:seq>
+          </p:childTnLst>
+        </p:cTn>
+      </p:par>
+    </p:tnLst>
+    <p:bldLst>
+      <p:bldP spid="2" grpId="0"/>
+      <p:bldP spid="10" grpId="0"/>
+    </p:bldLst>
+  </p:timing>
 </p:sld>
 </file>
 
@@ -7166,8 +7957,12 @@
           <a:lstStyle/>
           <a:p>
             <a:r>
+              <a:rPr lang="en-US" b="1" i="1" dirty="0"/>
+              <a:t>SOLID</a:t>
+            </a:r>
+            <a:r>
               <a:rPr lang="en-US" dirty="0"/>
-              <a:t>SOLID Principles</a:t>
+              <a:t> Principles</a:t>
             </a:r>
           </a:p>
           <a:p>
@@ -8548,34 +9343,45 @@
             <p:ph type="body" sz="quarter" idx="11"/>
           </p:nvPr>
         </p:nvSpPr>
-        <p:spPr/>
+        <p:spPr>
+          <a:xfrm>
+            <a:off x="328613" y="1079048"/>
+            <a:ext cx="8401246" cy="796405"/>
+          </a:xfrm>
+        </p:spPr>
         <p:txBody>
           <a:bodyPr/>
           <a:lstStyle/>
           <a:p>
             <a:r>
-              <a:rPr lang="en-US"/>
+              <a:rPr lang="en-US" dirty="0"/>
               <a:t>SOLID stands for</a:t>
             </a:r>
           </a:p>
           <a:p>
-            <a:endParaRPr lang="en-US"/>
-          </a:p>
-          <a:p>
             <a:endParaRPr lang="en-US" dirty="0"/>
           </a:p>
-        </p:txBody>
-      </p:sp>
-      <p:sp>
-        <p:nvSpPr>
-          <p:cNvPr id="5" name="TextBox 4"/>
+          <a:p>
+            <a:endParaRPr lang="en-US" dirty="0"/>
+          </a:p>
+        </p:txBody>
+      </p:sp>
+      <p:sp>
+        <p:nvSpPr>
+          <p:cNvPr id="4" name="TextBox 3">
+            <a:extLst>
+              <a:ext uri="{FF2B5EF4-FFF2-40B4-BE49-F238E27FC236}">
+                <a16:creationId xmlns:a16="http://schemas.microsoft.com/office/drawing/2014/main" id="{63C269EE-161D-48D7-A785-3E2FC7B1A523}"/>
+              </a:ext>
+            </a:extLst>
+          </p:cNvPr>
           <p:cNvSpPr txBox="1"/>
           <p:nvPr/>
         </p:nvSpPr>
         <p:spPr>
           <a:xfrm>
-            <a:off x="604640" y="2132981"/>
-            <a:ext cx="8210747" cy="3416320"/>
+            <a:off x="604635" y="5248144"/>
+            <a:ext cx="8210747" cy="707886"/>
           </a:xfrm>
           <a:prstGeom prst="rect">
             <a:avLst/>
@@ -8588,15 +9394,199 @@
           </a:bodyPr>
           <a:lstStyle/>
           <a:p>
-            <a:endParaRPr lang="en-GB" sz="1600" u="sng" dirty="0">
+            <a:endParaRPr lang="en-GB" sz="1600" dirty="0">
               <a:latin typeface="Chronicle Display" pitchFamily="50" charset="0"/>
             </a:endParaRPr>
           </a:p>
           <a:p>
-            <a:endParaRPr lang="en-GB" sz="1600" u="sng" dirty="0">
+            <a:r>
+              <a:rPr lang="en-GB" sz="2400" dirty="0">
+                <a:latin typeface="Chronicle Display" pitchFamily="50" charset="0"/>
+              </a:rPr>
+              <a:t>D</a:t>
+            </a:r>
+            <a:r>
+              <a:rPr lang="en-GB" sz="1600" dirty="0">
+                <a:latin typeface="Chronicle Display" pitchFamily="50" charset="0"/>
+              </a:rPr>
+              <a:t>  		DIP		Dependency Inversion Principle</a:t>
+            </a:r>
+          </a:p>
+        </p:txBody>
+      </p:sp>
+      <p:sp>
+        <p:nvSpPr>
+          <p:cNvPr id="7" name="TextBox 6">
+            <a:extLst>
+              <a:ext uri="{FF2B5EF4-FFF2-40B4-BE49-F238E27FC236}">
+                <a16:creationId xmlns:a16="http://schemas.microsoft.com/office/drawing/2014/main" id="{8D454E17-CE25-4F9D-B1BD-0BF07E155431}"/>
+              </a:ext>
+            </a:extLst>
+          </p:cNvPr>
+          <p:cNvSpPr txBox="1"/>
+          <p:nvPr/>
+        </p:nvSpPr>
+        <p:spPr>
+          <a:xfrm>
+            <a:off x="604636" y="4651342"/>
+            <a:ext cx="8210747" cy="707886"/>
+          </a:xfrm>
+          <a:prstGeom prst="rect">
+            <a:avLst/>
+          </a:prstGeom>
+          <a:noFill/>
+        </p:spPr>
+        <p:txBody>
+          <a:bodyPr wrap="square" rtlCol="0">
+            <a:spAutoFit/>
+          </a:bodyPr>
+          <a:lstStyle/>
+          <a:p>
+            <a:r>
+              <a:rPr lang="en-GB" sz="2400" dirty="0">
+                <a:latin typeface="Chronicle Display" pitchFamily="50" charset="0"/>
+              </a:rPr>
+              <a:t>I</a:t>
+            </a:r>
+            <a:r>
+              <a:rPr lang="en-GB" sz="1600" dirty="0">
+                <a:latin typeface="Chronicle Display" pitchFamily="50" charset="0"/>
+              </a:rPr>
+              <a:t>  		ISP		Interface Segregation Principle</a:t>
+            </a:r>
+          </a:p>
+          <a:p>
+            <a:endParaRPr lang="en-GB" sz="1600" dirty="0">
               <a:latin typeface="Chronicle Display" pitchFamily="50" charset="0"/>
             </a:endParaRPr>
           </a:p>
+        </p:txBody>
+      </p:sp>
+      <p:sp>
+        <p:nvSpPr>
+          <p:cNvPr id="8" name="TextBox 7">
+            <a:extLst>
+              <a:ext uri="{FF2B5EF4-FFF2-40B4-BE49-F238E27FC236}">
+                <a16:creationId xmlns:a16="http://schemas.microsoft.com/office/drawing/2014/main" id="{95AB1476-5DF8-4C63-B8EC-CED20481456E}"/>
+              </a:ext>
+            </a:extLst>
+          </p:cNvPr>
+          <p:cNvSpPr txBox="1"/>
+          <p:nvPr/>
+        </p:nvSpPr>
+        <p:spPr>
+          <a:xfrm>
+            <a:off x="604640" y="3946818"/>
+            <a:ext cx="8210747" cy="461665"/>
+          </a:xfrm>
+          <a:prstGeom prst="rect">
+            <a:avLst/>
+          </a:prstGeom>
+          <a:noFill/>
+        </p:spPr>
+        <p:txBody>
+          <a:bodyPr wrap="square" rtlCol="0">
+            <a:spAutoFit/>
+          </a:bodyPr>
+          <a:lstStyle/>
+          <a:p>
+            <a:r>
+              <a:rPr lang="en-GB" sz="2400" dirty="0">
+                <a:latin typeface="Chronicle Display" pitchFamily="50" charset="0"/>
+              </a:rPr>
+              <a:t>L</a:t>
+            </a:r>
+            <a:r>
+              <a:rPr lang="en-GB" sz="1600" dirty="0">
+                <a:latin typeface="Chronicle Display" pitchFamily="50" charset="0"/>
+              </a:rPr>
+              <a:t>  		LSP		</a:t>
+            </a:r>
+            <a:r>
+              <a:rPr lang="en-GB" sz="1600" dirty="0" err="1">
+                <a:latin typeface="Chronicle Display" pitchFamily="50" charset="0"/>
+              </a:rPr>
+              <a:t>Liskov</a:t>
+            </a:r>
+            <a:r>
+              <a:rPr lang="en-GB" sz="1600" dirty="0">
+                <a:latin typeface="Chronicle Display" pitchFamily="50" charset="0"/>
+              </a:rPr>
+              <a:t> Substitution Principle</a:t>
+            </a:r>
+          </a:p>
+        </p:txBody>
+      </p:sp>
+      <p:sp>
+        <p:nvSpPr>
+          <p:cNvPr id="9" name="TextBox 8">
+            <a:extLst>
+              <a:ext uri="{FF2B5EF4-FFF2-40B4-BE49-F238E27FC236}">
+                <a16:creationId xmlns:a16="http://schemas.microsoft.com/office/drawing/2014/main" id="{B23EA5FF-3ADB-4B1F-8FA4-31188C91A960}"/>
+              </a:ext>
+            </a:extLst>
+          </p:cNvPr>
+          <p:cNvSpPr txBox="1"/>
+          <p:nvPr/>
+        </p:nvSpPr>
+        <p:spPr>
+          <a:xfrm>
+            <a:off x="604637" y="3198167"/>
+            <a:ext cx="8210747" cy="461665"/>
+          </a:xfrm>
+          <a:prstGeom prst="rect">
+            <a:avLst/>
+          </a:prstGeom>
+          <a:noFill/>
+        </p:spPr>
+        <p:txBody>
+          <a:bodyPr wrap="square" rtlCol="0">
+            <a:spAutoFit/>
+          </a:bodyPr>
+          <a:lstStyle/>
+          <a:p>
+            <a:r>
+              <a:rPr lang="en-GB" sz="2400" dirty="0">
+                <a:latin typeface="Chronicle Display" pitchFamily="50" charset="0"/>
+              </a:rPr>
+              <a:t>O</a:t>
+            </a:r>
+            <a:r>
+              <a:rPr lang="en-GB" sz="1600" dirty="0">
+                <a:latin typeface="Chronicle Display" pitchFamily="50" charset="0"/>
+              </a:rPr>
+              <a:t>  		OPC		Open Closed Principle</a:t>
+            </a:r>
+          </a:p>
+        </p:txBody>
+      </p:sp>
+      <p:sp>
+        <p:nvSpPr>
+          <p:cNvPr id="10" name="TextBox 9">
+            <a:extLst>
+              <a:ext uri="{FF2B5EF4-FFF2-40B4-BE49-F238E27FC236}">
+                <a16:creationId xmlns:a16="http://schemas.microsoft.com/office/drawing/2014/main" id="{2BF089F7-70D5-485F-A194-CB033597E612}"/>
+              </a:ext>
+            </a:extLst>
+          </p:cNvPr>
+          <p:cNvSpPr txBox="1"/>
+          <p:nvPr/>
+        </p:nvSpPr>
+        <p:spPr>
+          <a:xfrm>
+            <a:off x="604638" y="2467995"/>
+            <a:ext cx="8210747" cy="461665"/>
+          </a:xfrm>
+          <a:prstGeom prst="rect">
+            <a:avLst/>
+          </a:prstGeom>
+          <a:noFill/>
+        </p:spPr>
+        <p:txBody>
+          <a:bodyPr wrap="square" rtlCol="0">
+            <a:spAutoFit/>
+          </a:bodyPr>
+          <a:lstStyle/>
           <a:p>
             <a:r>
               <a:rPr lang="en-GB" sz="2400" dirty="0">
@@ -8608,95 +9598,7 @@
               <a:rPr lang="en-GB" sz="1600" dirty="0">
                 <a:latin typeface="Chronicle Display" pitchFamily="50" charset="0"/>
               </a:rPr>
-              <a:t>  	SRP - Single Responsibility Principle</a:t>
-            </a:r>
-          </a:p>
-          <a:p>
-            <a:endParaRPr lang="en-GB" sz="1600" dirty="0">
-              <a:latin typeface="Chronicle Display" pitchFamily="50" charset="0"/>
-            </a:endParaRPr>
-          </a:p>
-          <a:p>
-            <a:r>
-              <a:rPr lang="en-GB" sz="2400" dirty="0">
-                <a:latin typeface="Chronicle Display" pitchFamily="50" charset="0"/>
-              </a:rPr>
-              <a:t>O</a:t>
-            </a:r>
-            <a:r>
-              <a:rPr lang="en-GB" sz="1600" dirty="0">
-                <a:latin typeface="Chronicle Display" pitchFamily="50" charset="0"/>
-              </a:rPr>
-              <a:t>  	OPC - Open Closed Principle</a:t>
-            </a:r>
-          </a:p>
-          <a:p>
-            <a:endParaRPr lang="en-GB" sz="1600" dirty="0">
-              <a:latin typeface="Chronicle Display" pitchFamily="50" charset="0"/>
-            </a:endParaRPr>
-          </a:p>
-          <a:p>
-            <a:r>
-              <a:rPr lang="en-GB" sz="2400" dirty="0">
-                <a:latin typeface="Chronicle Display" pitchFamily="50" charset="0"/>
-              </a:rPr>
-              <a:t>L</a:t>
-            </a:r>
-            <a:r>
-              <a:rPr lang="en-GB" sz="1600" dirty="0">
-                <a:latin typeface="Chronicle Display" pitchFamily="50" charset="0"/>
-              </a:rPr>
-              <a:t>  	LSP - </a:t>
-            </a:r>
-            <a:r>
-              <a:rPr lang="en-GB" sz="1600" dirty="0" err="1">
-                <a:latin typeface="Chronicle Display" pitchFamily="50" charset="0"/>
-              </a:rPr>
-              <a:t>Liskov</a:t>
-            </a:r>
-            <a:r>
-              <a:rPr lang="en-GB" sz="1600" dirty="0">
-                <a:latin typeface="Chronicle Display" pitchFamily="50" charset="0"/>
-              </a:rPr>
-              <a:t> Substitution Principle</a:t>
-            </a:r>
-          </a:p>
-          <a:p>
-            <a:endParaRPr lang="en-GB" sz="1600" dirty="0">
-              <a:latin typeface="Chronicle Display" pitchFamily="50" charset="0"/>
-            </a:endParaRPr>
-          </a:p>
-          <a:p>
-            <a:r>
-              <a:rPr lang="en-GB" sz="2400" dirty="0">
-                <a:latin typeface="Chronicle Display" pitchFamily="50" charset="0"/>
-              </a:rPr>
-              <a:t>I</a:t>
-            </a:r>
-            <a:r>
-              <a:rPr lang="en-GB" sz="1600" dirty="0">
-                <a:latin typeface="Chronicle Display" pitchFamily="50" charset="0"/>
-              </a:rPr>
-              <a:t>  	ISP  - Interface Segregation Principle</a:t>
-            </a:r>
-          </a:p>
-          <a:p>
-            <a:endParaRPr lang="en-GB" sz="1600" dirty="0">
-              <a:latin typeface="Chronicle Display" pitchFamily="50" charset="0"/>
-            </a:endParaRPr>
-          </a:p>
-          <a:p>
-            <a:r>
-              <a:rPr lang="en-GB" sz="2400" dirty="0">
-                <a:latin typeface="Chronicle Display" pitchFamily="50" charset="0"/>
-              </a:rPr>
-              <a:t>D</a:t>
-            </a:r>
-            <a:r>
-              <a:rPr lang="en-GB" sz="1600" dirty="0">
-                <a:latin typeface="Chronicle Display" pitchFamily="50" charset="0"/>
-              </a:rPr>
-              <a:t>  	DIP - Dependency Inversion Principle</a:t>
+              <a:t>  		SRP		Single Responsibility Principle</a:t>
             </a:r>
           </a:p>
         </p:txBody>
@@ -8711,6 +9613,308 @@
   <p:clrMapOvr>
     <a:masterClrMapping/>
   </p:clrMapOvr>
+  <p:timing>
+    <p:tnLst>
+      <p:par>
+        <p:cTn id="1" dur="indefinite" restart="never" nodeType="tmRoot">
+          <p:childTnLst>
+            <p:seq concurrent="1" nextAc="seek">
+              <p:cTn id="2" dur="indefinite" nodeType="mainSeq">
+                <p:childTnLst>
+                  <p:par>
+                    <p:cTn id="3" fill="hold">
+                      <p:stCondLst>
+                        <p:cond delay="indefinite"/>
+                      </p:stCondLst>
+                      <p:childTnLst>
+                        <p:par>
+                          <p:cTn id="4" fill="hold">
+                            <p:stCondLst>
+                              <p:cond delay="0"/>
+                            </p:stCondLst>
+                            <p:childTnLst>
+                              <p:par>
+                                <p:cTn id="5" presetID="10" presetClass="entr" presetSubtype="0" fill="hold" grpId="0" nodeType="clickEffect">
+                                  <p:stCondLst>
+                                    <p:cond delay="0"/>
+                                  </p:stCondLst>
+                                  <p:childTnLst>
+                                    <p:set>
+                                      <p:cBhvr>
+                                        <p:cTn id="6" dur="1" fill="hold">
+                                          <p:stCondLst>
+                                            <p:cond delay="0"/>
+                                          </p:stCondLst>
+                                        </p:cTn>
+                                        <p:tgtEl>
+                                          <p:spTgt spid="10"/>
+                                        </p:tgtEl>
+                                        <p:attrNameLst>
+                                          <p:attrName>style.visibility</p:attrName>
+                                        </p:attrNameLst>
+                                      </p:cBhvr>
+                                      <p:to>
+                                        <p:strVal val="visible"/>
+                                      </p:to>
+                                    </p:set>
+                                    <p:animEffect transition="in" filter="fade">
+                                      <p:cBhvr>
+                                        <p:cTn id="7" dur="500"/>
+                                        <p:tgtEl>
+                                          <p:spTgt spid="10"/>
+                                        </p:tgtEl>
+                                      </p:cBhvr>
+                                    </p:animEffect>
+                                  </p:childTnLst>
+                                </p:cTn>
+                              </p:par>
+                            </p:childTnLst>
+                          </p:cTn>
+                        </p:par>
+                      </p:childTnLst>
+                    </p:cTn>
+                  </p:par>
+                  <p:par>
+                    <p:cTn id="8" fill="hold">
+                      <p:stCondLst>
+                        <p:cond delay="indefinite"/>
+                      </p:stCondLst>
+                      <p:childTnLst>
+                        <p:par>
+                          <p:cTn id="9" fill="hold">
+                            <p:stCondLst>
+                              <p:cond delay="0"/>
+                            </p:stCondLst>
+                            <p:childTnLst>
+                              <p:par>
+                                <p:cTn id="10" presetID="10" presetClass="entr" presetSubtype="0" fill="hold" grpId="0" nodeType="clickEffect">
+                                  <p:stCondLst>
+                                    <p:cond delay="0"/>
+                                  </p:stCondLst>
+                                  <p:childTnLst>
+                                    <p:set>
+                                      <p:cBhvr>
+                                        <p:cTn id="11" dur="1" fill="hold">
+                                          <p:stCondLst>
+                                            <p:cond delay="0"/>
+                                          </p:stCondLst>
+                                        </p:cTn>
+                                        <p:tgtEl>
+                                          <p:spTgt spid="9"/>
+                                        </p:tgtEl>
+                                        <p:attrNameLst>
+                                          <p:attrName>style.visibility</p:attrName>
+                                        </p:attrNameLst>
+                                      </p:cBhvr>
+                                      <p:to>
+                                        <p:strVal val="visible"/>
+                                      </p:to>
+                                    </p:set>
+                                    <p:animEffect transition="in" filter="fade">
+                                      <p:cBhvr>
+                                        <p:cTn id="12" dur="500"/>
+                                        <p:tgtEl>
+                                          <p:spTgt spid="9"/>
+                                        </p:tgtEl>
+                                      </p:cBhvr>
+                                    </p:animEffect>
+                                  </p:childTnLst>
+                                </p:cTn>
+                              </p:par>
+                            </p:childTnLst>
+                          </p:cTn>
+                        </p:par>
+                      </p:childTnLst>
+                    </p:cTn>
+                  </p:par>
+                  <p:par>
+                    <p:cTn id="13" fill="hold">
+                      <p:stCondLst>
+                        <p:cond delay="indefinite"/>
+                      </p:stCondLst>
+                      <p:childTnLst>
+                        <p:par>
+                          <p:cTn id="14" fill="hold">
+                            <p:stCondLst>
+                              <p:cond delay="0"/>
+                            </p:stCondLst>
+                            <p:childTnLst>
+                              <p:par>
+                                <p:cTn id="15" presetID="10" presetClass="entr" presetSubtype="0" fill="hold" grpId="0" nodeType="clickEffect">
+                                  <p:stCondLst>
+                                    <p:cond delay="0"/>
+                                  </p:stCondLst>
+                                  <p:childTnLst>
+                                    <p:set>
+                                      <p:cBhvr>
+                                        <p:cTn id="16" dur="1" fill="hold">
+                                          <p:stCondLst>
+                                            <p:cond delay="0"/>
+                                          </p:stCondLst>
+                                        </p:cTn>
+                                        <p:tgtEl>
+                                          <p:spTgt spid="8"/>
+                                        </p:tgtEl>
+                                        <p:attrNameLst>
+                                          <p:attrName>style.visibility</p:attrName>
+                                        </p:attrNameLst>
+                                      </p:cBhvr>
+                                      <p:to>
+                                        <p:strVal val="visible"/>
+                                      </p:to>
+                                    </p:set>
+                                    <p:animEffect transition="in" filter="fade">
+                                      <p:cBhvr>
+                                        <p:cTn id="17" dur="500"/>
+                                        <p:tgtEl>
+                                          <p:spTgt spid="8"/>
+                                        </p:tgtEl>
+                                      </p:cBhvr>
+                                    </p:animEffect>
+                                  </p:childTnLst>
+                                </p:cTn>
+                              </p:par>
+                            </p:childTnLst>
+                          </p:cTn>
+                        </p:par>
+                      </p:childTnLst>
+                    </p:cTn>
+                  </p:par>
+                  <p:par>
+                    <p:cTn id="18" fill="hold">
+                      <p:stCondLst>
+                        <p:cond delay="indefinite"/>
+                      </p:stCondLst>
+                      <p:childTnLst>
+                        <p:par>
+                          <p:cTn id="19" fill="hold">
+                            <p:stCondLst>
+                              <p:cond delay="0"/>
+                            </p:stCondLst>
+                            <p:childTnLst>
+                              <p:par>
+                                <p:cTn id="20" presetID="10" presetClass="entr" presetSubtype="0" fill="hold" grpId="0" nodeType="clickEffect">
+                                  <p:stCondLst>
+                                    <p:cond delay="0"/>
+                                  </p:stCondLst>
+                                  <p:childTnLst>
+                                    <p:set>
+                                      <p:cBhvr>
+                                        <p:cTn id="21" dur="1" fill="hold">
+                                          <p:stCondLst>
+                                            <p:cond delay="0"/>
+                                          </p:stCondLst>
+                                        </p:cTn>
+                                        <p:tgtEl>
+                                          <p:spTgt spid="7"/>
+                                        </p:tgtEl>
+                                        <p:attrNameLst>
+                                          <p:attrName>style.visibility</p:attrName>
+                                        </p:attrNameLst>
+                                      </p:cBhvr>
+                                      <p:to>
+                                        <p:strVal val="visible"/>
+                                      </p:to>
+                                    </p:set>
+                                    <p:animEffect transition="in" filter="fade">
+                                      <p:cBhvr>
+                                        <p:cTn id="22" dur="500"/>
+                                        <p:tgtEl>
+                                          <p:spTgt spid="7"/>
+                                        </p:tgtEl>
+                                      </p:cBhvr>
+                                    </p:animEffect>
+                                  </p:childTnLst>
+                                </p:cTn>
+                              </p:par>
+                            </p:childTnLst>
+                          </p:cTn>
+                        </p:par>
+                      </p:childTnLst>
+                    </p:cTn>
+                  </p:par>
+                  <p:par>
+                    <p:cTn id="23" fill="hold">
+                      <p:stCondLst>
+                        <p:cond delay="indefinite"/>
+                      </p:stCondLst>
+                      <p:childTnLst>
+                        <p:par>
+                          <p:cTn id="24" fill="hold">
+                            <p:stCondLst>
+                              <p:cond delay="0"/>
+                            </p:stCondLst>
+                            <p:childTnLst>
+                              <p:par>
+                                <p:cTn id="25" presetID="10" presetClass="entr" presetSubtype="0" fill="hold" grpId="0" nodeType="clickEffect">
+                                  <p:stCondLst>
+                                    <p:cond delay="0"/>
+                                  </p:stCondLst>
+                                  <p:childTnLst>
+                                    <p:set>
+                                      <p:cBhvr>
+                                        <p:cTn id="26" dur="1" fill="hold">
+                                          <p:stCondLst>
+                                            <p:cond delay="0"/>
+                                          </p:stCondLst>
+                                        </p:cTn>
+                                        <p:tgtEl>
+                                          <p:spTgt spid="4"/>
+                                        </p:tgtEl>
+                                        <p:attrNameLst>
+                                          <p:attrName>style.visibility</p:attrName>
+                                        </p:attrNameLst>
+                                      </p:cBhvr>
+                                      <p:to>
+                                        <p:strVal val="visible"/>
+                                      </p:to>
+                                    </p:set>
+                                    <p:animEffect transition="in" filter="fade">
+                                      <p:cBhvr>
+                                        <p:cTn id="27" dur="500"/>
+                                        <p:tgtEl>
+                                          <p:spTgt spid="4"/>
+                                        </p:tgtEl>
+                                      </p:cBhvr>
+                                    </p:animEffect>
+                                  </p:childTnLst>
+                                </p:cTn>
+                              </p:par>
+                            </p:childTnLst>
+                          </p:cTn>
+                        </p:par>
+                      </p:childTnLst>
+                    </p:cTn>
+                  </p:par>
+                </p:childTnLst>
+              </p:cTn>
+              <p:prevCondLst>
+                <p:cond evt="onPrev" delay="0">
+                  <p:tgtEl>
+                    <p:sldTgt/>
+                  </p:tgtEl>
+                </p:cond>
+              </p:prevCondLst>
+              <p:nextCondLst>
+                <p:cond evt="onNext" delay="0">
+                  <p:tgtEl>
+                    <p:sldTgt/>
+                  </p:tgtEl>
+                </p:cond>
+              </p:nextCondLst>
+            </p:seq>
+          </p:childTnLst>
+        </p:cTn>
+      </p:par>
+    </p:tnLst>
+    <p:bldLst>
+      <p:bldP spid="4" grpId="0"/>
+      <p:bldP spid="7" grpId="0"/>
+      <p:bldP spid="8" grpId="0"/>
+      <p:bldP spid="9" grpId="0"/>
+      <p:bldP spid="10" grpId="0"/>
+    </p:bldLst>
+  </p:timing>
 </p:sld>
 </file>
 
@@ -9848,6 +11052,959 @@
 </p:sld>
 </file>
 
+<file path=ppt/slides/slide36.xml><?xml version="1.0" encoding="utf-8"?>
+<p:sld xmlns:a="http://schemas.openxmlformats.org/drawingml/2006/main" xmlns:r="http://schemas.openxmlformats.org/officeDocument/2006/relationships" xmlns:p="http://schemas.openxmlformats.org/presentationml/2006/main">
+  <p:cSld>
+    <p:spTree>
+      <p:nvGrpSpPr>
+        <p:cNvPr id="1" name=""/>
+        <p:cNvGrpSpPr/>
+        <p:nvPr/>
+      </p:nvGrpSpPr>
+      <p:grpSpPr>
+        <a:xfrm>
+          <a:off x="0" y="0"/>
+          <a:ext cx="0" cy="0"/>
+          <a:chOff x="0" y="0"/>
+          <a:chExt cx="0" cy="0"/>
+        </a:xfrm>
+      </p:grpSpPr>
+      <p:sp>
+        <p:nvSpPr>
+          <p:cNvPr id="2" name="Text Placeholder 1"/>
+          <p:cNvSpPr>
+            <a:spLocks noGrp="1"/>
+          </p:cNvSpPr>
+          <p:nvPr>
+            <p:ph type="body" sz="quarter" idx="11"/>
+          </p:nvPr>
+        </p:nvSpPr>
+        <p:spPr/>
+        <p:txBody>
+          <a:bodyPr/>
+          <a:lstStyle/>
+          <a:p>
+            <a:r>
+              <a:rPr lang="en-US" dirty="0"/>
+              <a:t>Principles for </a:t>
+            </a:r>
+            <a:r>
+              <a:rPr lang="en-US" dirty="0" err="1"/>
+              <a:t>uServices</a:t>
+            </a:r>
+            <a:r>
+              <a:rPr lang="en-US" dirty="0"/>
+              <a:t> Design</a:t>
+            </a:r>
+          </a:p>
+          <a:p>
+            <a:endParaRPr lang="en-US" dirty="0"/>
+          </a:p>
+        </p:txBody>
+      </p:sp>
+      <p:sp>
+        <p:nvSpPr>
+          <p:cNvPr id="5" name="TextBox 4"/>
+          <p:cNvSpPr txBox="1"/>
+          <p:nvPr/>
+        </p:nvSpPr>
+        <p:spPr>
+          <a:xfrm>
+            <a:off x="621372" y="2536911"/>
+            <a:ext cx="8210747" cy="1938992"/>
+          </a:xfrm>
+          <a:prstGeom prst="rect">
+            <a:avLst/>
+          </a:prstGeom>
+          <a:noFill/>
+        </p:spPr>
+        <p:txBody>
+          <a:bodyPr wrap="square" rtlCol="0">
+            <a:spAutoFit/>
+          </a:bodyPr>
+          <a:lstStyle/>
+          <a:p>
+            <a:endParaRPr lang="en-GB" sz="1600" u="sng" dirty="0">
+              <a:latin typeface="Chronicle Display" pitchFamily="50" charset="0"/>
+            </a:endParaRPr>
+          </a:p>
+          <a:p>
+            <a:endParaRPr lang="en-GB" sz="1600" u="sng" dirty="0">
+              <a:latin typeface="Chronicle Display" pitchFamily="50" charset="0"/>
+            </a:endParaRPr>
+          </a:p>
+          <a:p>
+            <a:r>
+              <a:rPr lang="en-GB" sz="2400" b="1" dirty="0">
+                <a:latin typeface="Chronicle Display" pitchFamily="50" charset="0"/>
+              </a:rPr>
+              <a:t>IDEALS</a:t>
+            </a:r>
+            <a:r>
+              <a:rPr lang="en-GB" sz="1600" b="1" dirty="0">
+                <a:latin typeface="Chronicle Display" pitchFamily="50" charset="0"/>
+              </a:rPr>
+              <a:t> </a:t>
+            </a:r>
+            <a:r>
+              <a:rPr lang="en-GB" sz="1600" dirty="0">
+                <a:latin typeface="Chronicle Display" pitchFamily="50" charset="0"/>
+              </a:rPr>
+              <a:t>is an acronym for six microservices principles design</a:t>
+            </a:r>
+            <a:endParaRPr lang="en-GB" sz="1600" u="sng" dirty="0">
+              <a:latin typeface="Chronicle Display" pitchFamily="50" charset="0"/>
+            </a:endParaRPr>
+          </a:p>
+          <a:p>
+            <a:endParaRPr lang="en-GB" sz="1600" u="sng" dirty="0">
+              <a:latin typeface="Chronicle Display" pitchFamily="50" charset="0"/>
+            </a:endParaRPr>
+          </a:p>
+          <a:p>
+            <a:endParaRPr lang="en-GB" sz="1600" dirty="0">
+              <a:latin typeface="Chronicle Display" pitchFamily="50" charset="0"/>
+            </a:endParaRPr>
+          </a:p>
+          <a:p>
+            <a:r>
+              <a:rPr lang="en-GB" sz="1600" dirty="0">
+                <a:latin typeface="Chronicle Display" pitchFamily="50" charset="0"/>
+              </a:rPr>
+              <a:t>These principles, when applied, help us to design a modern service-based systems (SOA)</a:t>
+            </a:r>
+          </a:p>
+          <a:p>
+            <a:endParaRPr lang="en-GB" sz="1600" dirty="0">
+              <a:latin typeface="Chronicle Display" pitchFamily="50" charset="0"/>
+            </a:endParaRPr>
+          </a:p>
+        </p:txBody>
+      </p:sp>
+    </p:spTree>
+    <p:extLst>
+      <p:ext uri="{BB962C8B-B14F-4D97-AF65-F5344CB8AC3E}">
+        <p14:creationId xmlns:p14="http://schemas.microsoft.com/office/powerpoint/2010/main" val="2293084510"/>
+      </p:ext>
+    </p:extLst>
+  </p:cSld>
+  <p:clrMapOvr>
+    <a:masterClrMapping/>
+  </p:clrMapOvr>
+</p:sld>
+</file>
+
+<file path=ppt/slides/slide37.xml><?xml version="1.0" encoding="utf-8"?>
+<p:sld xmlns:a="http://schemas.openxmlformats.org/drawingml/2006/main" xmlns:r="http://schemas.openxmlformats.org/officeDocument/2006/relationships" xmlns:p="http://schemas.openxmlformats.org/presentationml/2006/main">
+  <p:cSld>
+    <p:spTree>
+      <p:nvGrpSpPr>
+        <p:cNvPr id="1" name=""/>
+        <p:cNvGrpSpPr/>
+        <p:nvPr/>
+      </p:nvGrpSpPr>
+      <p:grpSpPr>
+        <a:xfrm>
+          <a:off x="0" y="0"/>
+          <a:ext cx="0" cy="0"/>
+          <a:chOff x="0" y="0"/>
+          <a:chExt cx="0" cy="0"/>
+        </a:xfrm>
+      </p:grpSpPr>
+      <p:sp>
+        <p:nvSpPr>
+          <p:cNvPr id="2" name="Text Placeholder 1"/>
+          <p:cNvSpPr>
+            <a:spLocks noGrp="1"/>
+          </p:cNvSpPr>
+          <p:nvPr>
+            <p:ph type="body" sz="quarter" idx="11"/>
+          </p:nvPr>
+        </p:nvSpPr>
+        <p:spPr/>
+        <p:txBody>
+          <a:bodyPr/>
+          <a:lstStyle/>
+          <a:p>
+            <a:r>
+              <a:rPr lang="en-US" b="1" i="1" dirty="0"/>
+              <a:t>IDEALS</a:t>
+            </a:r>
+            <a:r>
+              <a:rPr lang="en-US" dirty="0"/>
+              <a:t> stands for</a:t>
+            </a:r>
+          </a:p>
+          <a:p>
+            <a:endParaRPr lang="en-US" dirty="0"/>
+          </a:p>
+          <a:p>
+            <a:endParaRPr lang="en-US" dirty="0"/>
+          </a:p>
+        </p:txBody>
+      </p:sp>
+      <p:sp>
+        <p:nvSpPr>
+          <p:cNvPr id="5" name="TextBox 4"/>
+          <p:cNvSpPr txBox="1"/>
+          <p:nvPr/>
+        </p:nvSpPr>
+        <p:spPr>
+          <a:xfrm>
+            <a:off x="604640" y="2590250"/>
+            <a:ext cx="8210747" cy="461665"/>
+          </a:xfrm>
+          <a:prstGeom prst="rect">
+            <a:avLst/>
+          </a:prstGeom>
+          <a:noFill/>
+        </p:spPr>
+        <p:txBody>
+          <a:bodyPr wrap="square" rtlCol="0">
+            <a:spAutoFit/>
+          </a:bodyPr>
+          <a:lstStyle/>
+          <a:p>
+            <a:r>
+              <a:rPr lang="en-GB" sz="2400" dirty="0">
+                <a:latin typeface="Chronicle Display" pitchFamily="50" charset="0"/>
+              </a:rPr>
+              <a:t>I</a:t>
+            </a:r>
+            <a:r>
+              <a:rPr lang="en-GB" sz="1600" dirty="0">
+                <a:latin typeface="Chronicle Display" pitchFamily="50" charset="0"/>
+              </a:rPr>
+              <a:t>  		Interface Segregation Principle</a:t>
+            </a:r>
+          </a:p>
+        </p:txBody>
+      </p:sp>
+      <p:sp>
+        <p:nvSpPr>
+          <p:cNvPr id="6" name="TextBox 5">
+            <a:extLst>
+              <a:ext uri="{FF2B5EF4-FFF2-40B4-BE49-F238E27FC236}">
+                <a16:creationId xmlns:a16="http://schemas.microsoft.com/office/drawing/2014/main" id="{0AFD5180-7BA6-4F8A-9B37-6EBFDCF70768}"/>
+              </a:ext>
+            </a:extLst>
+          </p:cNvPr>
+          <p:cNvSpPr txBox="1"/>
+          <p:nvPr/>
+        </p:nvSpPr>
+        <p:spPr>
+          <a:xfrm>
+            <a:off x="604640" y="5355895"/>
+            <a:ext cx="8210747" cy="461665"/>
+          </a:xfrm>
+          <a:prstGeom prst="rect">
+            <a:avLst/>
+          </a:prstGeom>
+          <a:noFill/>
+        </p:spPr>
+        <p:txBody>
+          <a:bodyPr wrap="square" rtlCol="0">
+            <a:spAutoFit/>
+          </a:bodyPr>
+          <a:lstStyle/>
+          <a:p>
+            <a:r>
+              <a:rPr lang="en-GB" sz="2400" dirty="0">
+                <a:latin typeface="Chronicle Display" pitchFamily="50" charset="0"/>
+              </a:rPr>
+              <a:t>S</a:t>
+            </a:r>
+            <a:r>
+              <a:rPr lang="en-GB" sz="1600" dirty="0">
+                <a:latin typeface="Chronicle Display" pitchFamily="50" charset="0"/>
+              </a:rPr>
+              <a:t>  		Single responsibility Principle</a:t>
+            </a:r>
+          </a:p>
+        </p:txBody>
+      </p:sp>
+      <p:sp>
+        <p:nvSpPr>
+          <p:cNvPr id="7" name="TextBox 6">
+            <a:extLst>
+              <a:ext uri="{FF2B5EF4-FFF2-40B4-BE49-F238E27FC236}">
+                <a16:creationId xmlns:a16="http://schemas.microsoft.com/office/drawing/2014/main" id="{B0223A12-D9DF-4594-A680-470005F4EDC7}"/>
+              </a:ext>
+            </a:extLst>
+          </p:cNvPr>
+          <p:cNvSpPr txBox="1"/>
+          <p:nvPr/>
+        </p:nvSpPr>
+        <p:spPr>
+          <a:xfrm>
+            <a:off x="604637" y="4802317"/>
+            <a:ext cx="8210747" cy="461665"/>
+          </a:xfrm>
+          <a:prstGeom prst="rect">
+            <a:avLst/>
+          </a:prstGeom>
+          <a:noFill/>
+        </p:spPr>
+        <p:txBody>
+          <a:bodyPr wrap="square" rtlCol="0">
+            <a:spAutoFit/>
+          </a:bodyPr>
+          <a:lstStyle/>
+          <a:p>
+            <a:r>
+              <a:rPr lang="en-GB" sz="2400" dirty="0">
+                <a:latin typeface="Chronicle Display" pitchFamily="50" charset="0"/>
+              </a:rPr>
+              <a:t>L</a:t>
+            </a:r>
+            <a:r>
+              <a:rPr lang="en-GB" sz="1600" dirty="0">
+                <a:latin typeface="Chronicle Display" pitchFamily="50" charset="0"/>
+              </a:rPr>
+              <a:t>  		Loose coupling Principle</a:t>
+            </a:r>
+          </a:p>
+        </p:txBody>
+      </p:sp>
+      <p:sp>
+        <p:nvSpPr>
+          <p:cNvPr id="8" name="TextBox 7">
+            <a:extLst>
+              <a:ext uri="{FF2B5EF4-FFF2-40B4-BE49-F238E27FC236}">
+                <a16:creationId xmlns:a16="http://schemas.microsoft.com/office/drawing/2014/main" id="{93C6CA08-8BB1-4C26-8EDB-8AC0708B67F0}"/>
+              </a:ext>
+            </a:extLst>
+          </p:cNvPr>
+          <p:cNvSpPr txBox="1"/>
+          <p:nvPr/>
+        </p:nvSpPr>
+        <p:spPr>
+          <a:xfrm>
+            <a:off x="604640" y="4248739"/>
+            <a:ext cx="8210747" cy="461665"/>
+          </a:xfrm>
+          <a:prstGeom prst="rect">
+            <a:avLst/>
+          </a:prstGeom>
+          <a:noFill/>
+        </p:spPr>
+        <p:txBody>
+          <a:bodyPr wrap="square" rtlCol="0">
+            <a:spAutoFit/>
+          </a:bodyPr>
+          <a:lstStyle/>
+          <a:p>
+            <a:r>
+              <a:rPr lang="en-GB" sz="2400" dirty="0">
+                <a:latin typeface="Chronicle Display" pitchFamily="50" charset="0"/>
+              </a:rPr>
+              <a:t>A</a:t>
+            </a:r>
+            <a:r>
+              <a:rPr lang="en-GB" sz="1600" dirty="0">
+                <a:latin typeface="Chronicle Display" pitchFamily="50" charset="0"/>
+              </a:rPr>
+              <a:t>		</a:t>
+            </a:r>
+            <a:r>
+              <a:rPr lang="en-GB" sz="1600" dirty="0" err="1">
+                <a:latin typeface="Chronicle Display" pitchFamily="50" charset="0"/>
+              </a:rPr>
+              <a:t>Availabilty</a:t>
+            </a:r>
+            <a:r>
+              <a:rPr lang="en-GB" sz="1600" dirty="0">
+                <a:latin typeface="Chronicle Display" pitchFamily="50" charset="0"/>
+              </a:rPr>
+              <a:t> over Consistency Principle</a:t>
+            </a:r>
+          </a:p>
+        </p:txBody>
+      </p:sp>
+      <p:sp>
+        <p:nvSpPr>
+          <p:cNvPr id="9" name="TextBox 8">
+            <a:extLst>
+              <a:ext uri="{FF2B5EF4-FFF2-40B4-BE49-F238E27FC236}">
+                <a16:creationId xmlns:a16="http://schemas.microsoft.com/office/drawing/2014/main" id="{9575A0BC-A48B-456E-9A63-1D83206A00FC}"/>
+              </a:ext>
+            </a:extLst>
+          </p:cNvPr>
+          <p:cNvSpPr txBox="1"/>
+          <p:nvPr/>
+        </p:nvSpPr>
+        <p:spPr>
+          <a:xfrm>
+            <a:off x="604640" y="3695161"/>
+            <a:ext cx="8210747" cy="461665"/>
+          </a:xfrm>
+          <a:prstGeom prst="rect">
+            <a:avLst/>
+          </a:prstGeom>
+          <a:noFill/>
+        </p:spPr>
+        <p:txBody>
+          <a:bodyPr wrap="square" rtlCol="0">
+            <a:spAutoFit/>
+          </a:bodyPr>
+          <a:lstStyle/>
+          <a:p>
+            <a:r>
+              <a:rPr lang="en-GB" sz="2400" dirty="0">
+                <a:latin typeface="Chronicle Display" pitchFamily="50" charset="0"/>
+              </a:rPr>
+              <a:t>E</a:t>
+            </a:r>
+            <a:r>
+              <a:rPr lang="en-GB" sz="1600" dirty="0">
+                <a:latin typeface="Chronicle Display" pitchFamily="50" charset="0"/>
+              </a:rPr>
+              <a:t> 		Event-Driven Principle</a:t>
+            </a:r>
+          </a:p>
+        </p:txBody>
+      </p:sp>
+      <p:sp>
+        <p:nvSpPr>
+          <p:cNvPr id="10" name="TextBox 9">
+            <a:extLst>
+              <a:ext uri="{FF2B5EF4-FFF2-40B4-BE49-F238E27FC236}">
+                <a16:creationId xmlns:a16="http://schemas.microsoft.com/office/drawing/2014/main" id="{E4909CD9-1099-4ACA-B786-767C66B54770}"/>
+              </a:ext>
+            </a:extLst>
+          </p:cNvPr>
+          <p:cNvSpPr txBox="1"/>
+          <p:nvPr/>
+        </p:nvSpPr>
+        <p:spPr>
+          <a:xfrm>
+            <a:off x="604636" y="3140725"/>
+            <a:ext cx="8210747" cy="461665"/>
+          </a:xfrm>
+          <a:prstGeom prst="rect">
+            <a:avLst/>
+          </a:prstGeom>
+          <a:noFill/>
+        </p:spPr>
+        <p:txBody>
+          <a:bodyPr wrap="square" rtlCol="0">
+            <a:spAutoFit/>
+          </a:bodyPr>
+          <a:lstStyle/>
+          <a:p>
+            <a:r>
+              <a:rPr lang="en-GB" sz="2400" dirty="0">
+                <a:latin typeface="Chronicle Display" pitchFamily="50" charset="0"/>
+              </a:rPr>
+              <a:t>D</a:t>
+            </a:r>
+            <a:r>
+              <a:rPr lang="en-GB" sz="1600" dirty="0">
+                <a:latin typeface="Chronicle Display" pitchFamily="50" charset="0"/>
+              </a:rPr>
+              <a:t>  		</a:t>
+            </a:r>
+            <a:r>
+              <a:rPr lang="en-GB" sz="1600" dirty="0" err="1">
+                <a:latin typeface="Chronicle Display" pitchFamily="50" charset="0"/>
+              </a:rPr>
+              <a:t>Deployability</a:t>
+            </a:r>
+            <a:r>
+              <a:rPr lang="en-GB" sz="1600" dirty="0">
+                <a:latin typeface="Chronicle Display" pitchFamily="50" charset="0"/>
+              </a:rPr>
+              <a:t> Principle</a:t>
+            </a:r>
+          </a:p>
+        </p:txBody>
+      </p:sp>
+    </p:spTree>
+    <p:extLst>
+      <p:ext uri="{BB962C8B-B14F-4D97-AF65-F5344CB8AC3E}">
+        <p14:creationId xmlns:p14="http://schemas.microsoft.com/office/powerpoint/2010/main" val="1354489208"/>
+      </p:ext>
+    </p:extLst>
+  </p:cSld>
+  <p:clrMapOvr>
+    <a:masterClrMapping/>
+  </p:clrMapOvr>
+  <p:timing>
+    <p:tnLst>
+      <p:par>
+        <p:cTn id="1" dur="indefinite" restart="never" nodeType="tmRoot">
+          <p:childTnLst>
+            <p:seq concurrent="1" nextAc="seek">
+              <p:cTn id="2" dur="indefinite" nodeType="mainSeq">
+                <p:childTnLst>
+                  <p:par>
+                    <p:cTn id="3" fill="hold">
+                      <p:stCondLst>
+                        <p:cond delay="indefinite"/>
+                      </p:stCondLst>
+                      <p:childTnLst>
+                        <p:par>
+                          <p:cTn id="4" fill="hold">
+                            <p:stCondLst>
+                              <p:cond delay="0"/>
+                            </p:stCondLst>
+                            <p:childTnLst>
+                              <p:par>
+                                <p:cTn id="5" presetID="10" presetClass="entr" presetSubtype="0" fill="hold" grpId="0" nodeType="clickEffect">
+                                  <p:stCondLst>
+                                    <p:cond delay="0"/>
+                                  </p:stCondLst>
+                                  <p:childTnLst>
+                                    <p:set>
+                                      <p:cBhvr>
+                                        <p:cTn id="6" dur="1" fill="hold">
+                                          <p:stCondLst>
+                                            <p:cond delay="0"/>
+                                          </p:stCondLst>
+                                        </p:cTn>
+                                        <p:tgtEl>
+                                          <p:spTgt spid="5"/>
+                                        </p:tgtEl>
+                                        <p:attrNameLst>
+                                          <p:attrName>style.visibility</p:attrName>
+                                        </p:attrNameLst>
+                                      </p:cBhvr>
+                                      <p:to>
+                                        <p:strVal val="visible"/>
+                                      </p:to>
+                                    </p:set>
+                                    <p:animEffect transition="in" filter="fade">
+                                      <p:cBhvr>
+                                        <p:cTn id="7" dur="500"/>
+                                        <p:tgtEl>
+                                          <p:spTgt spid="5"/>
+                                        </p:tgtEl>
+                                      </p:cBhvr>
+                                    </p:animEffect>
+                                  </p:childTnLst>
+                                </p:cTn>
+                              </p:par>
+                            </p:childTnLst>
+                          </p:cTn>
+                        </p:par>
+                      </p:childTnLst>
+                    </p:cTn>
+                  </p:par>
+                  <p:par>
+                    <p:cTn id="8" fill="hold">
+                      <p:stCondLst>
+                        <p:cond delay="indefinite"/>
+                      </p:stCondLst>
+                      <p:childTnLst>
+                        <p:par>
+                          <p:cTn id="9" fill="hold">
+                            <p:stCondLst>
+                              <p:cond delay="0"/>
+                            </p:stCondLst>
+                            <p:childTnLst>
+                              <p:par>
+                                <p:cTn id="10" presetID="10" presetClass="entr" presetSubtype="0" fill="hold" grpId="0" nodeType="clickEffect">
+                                  <p:stCondLst>
+                                    <p:cond delay="0"/>
+                                  </p:stCondLst>
+                                  <p:childTnLst>
+                                    <p:set>
+                                      <p:cBhvr>
+                                        <p:cTn id="11" dur="1" fill="hold">
+                                          <p:stCondLst>
+                                            <p:cond delay="0"/>
+                                          </p:stCondLst>
+                                        </p:cTn>
+                                        <p:tgtEl>
+                                          <p:spTgt spid="10"/>
+                                        </p:tgtEl>
+                                        <p:attrNameLst>
+                                          <p:attrName>style.visibility</p:attrName>
+                                        </p:attrNameLst>
+                                      </p:cBhvr>
+                                      <p:to>
+                                        <p:strVal val="visible"/>
+                                      </p:to>
+                                    </p:set>
+                                    <p:animEffect transition="in" filter="fade">
+                                      <p:cBhvr>
+                                        <p:cTn id="12" dur="500"/>
+                                        <p:tgtEl>
+                                          <p:spTgt spid="10"/>
+                                        </p:tgtEl>
+                                      </p:cBhvr>
+                                    </p:animEffect>
+                                  </p:childTnLst>
+                                </p:cTn>
+                              </p:par>
+                            </p:childTnLst>
+                          </p:cTn>
+                        </p:par>
+                      </p:childTnLst>
+                    </p:cTn>
+                  </p:par>
+                  <p:par>
+                    <p:cTn id="13" fill="hold">
+                      <p:stCondLst>
+                        <p:cond delay="indefinite"/>
+                      </p:stCondLst>
+                      <p:childTnLst>
+                        <p:par>
+                          <p:cTn id="14" fill="hold">
+                            <p:stCondLst>
+                              <p:cond delay="0"/>
+                            </p:stCondLst>
+                            <p:childTnLst>
+                              <p:par>
+                                <p:cTn id="15" presetID="10" presetClass="entr" presetSubtype="0" fill="hold" grpId="0" nodeType="clickEffect">
+                                  <p:stCondLst>
+                                    <p:cond delay="0"/>
+                                  </p:stCondLst>
+                                  <p:childTnLst>
+                                    <p:set>
+                                      <p:cBhvr>
+                                        <p:cTn id="16" dur="1" fill="hold">
+                                          <p:stCondLst>
+                                            <p:cond delay="0"/>
+                                          </p:stCondLst>
+                                        </p:cTn>
+                                        <p:tgtEl>
+                                          <p:spTgt spid="9"/>
+                                        </p:tgtEl>
+                                        <p:attrNameLst>
+                                          <p:attrName>style.visibility</p:attrName>
+                                        </p:attrNameLst>
+                                      </p:cBhvr>
+                                      <p:to>
+                                        <p:strVal val="visible"/>
+                                      </p:to>
+                                    </p:set>
+                                    <p:animEffect transition="in" filter="fade">
+                                      <p:cBhvr>
+                                        <p:cTn id="17" dur="500"/>
+                                        <p:tgtEl>
+                                          <p:spTgt spid="9"/>
+                                        </p:tgtEl>
+                                      </p:cBhvr>
+                                    </p:animEffect>
+                                  </p:childTnLst>
+                                </p:cTn>
+                              </p:par>
+                            </p:childTnLst>
+                          </p:cTn>
+                        </p:par>
+                      </p:childTnLst>
+                    </p:cTn>
+                  </p:par>
+                  <p:par>
+                    <p:cTn id="18" fill="hold">
+                      <p:stCondLst>
+                        <p:cond delay="indefinite"/>
+                      </p:stCondLst>
+                      <p:childTnLst>
+                        <p:par>
+                          <p:cTn id="19" fill="hold">
+                            <p:stCondLst>
+                              <p:cond delay="0"/>
+                            </p:stCondLst>
+                            <p:childTnLst>
+                              <p:par>
+                                <p:cTn id="20" presetID="10" presetClass="entr" presetSubtype="0" fill="hold" grpId="0" nodeType="clickEffect">
+                                  <p:stCondLst>
+                                    <p:cond delay="0"/>
+                                  </p:stCondLst>
+                                  <p:childTnLst>
+                                    <p:set>
+                                      <p:cBhvr>
+                                        <p:cTn id="21" dur="1" fill="hold">
+                                          <p:stCondLst>
+                                            <p:cond delay="0"/>
+                                          </p:stCondLst>
+                                        </p:cTn>
+                                        <p:tgtEl>
+                                          <p:spTgt spid="8"/>
+                                        </p:tgtEl>
+                                        <p:attrNameLst>
+                                          <p:attrName>style.visibility</p:attrName>
+                                        </p:attrNameLst>
+                                      </p:cBhvr>
+                                      <p:to>
+                                        <p:strVal val="visible"/>
+                                      </p:to>
+                                    </p:set>
+                                    <p:animEffect transition="in" filter="fade">
+                                      <p:cBhvr>
+                                        <p:cTn id="22" dur="500"/>
+                                        <p:tgtEl>
+                                          <p:spTgt spid="8"/>
+                                        </p:tgtEl>
+                                      </p:cBhvr>
+                                    </p:animEffect>
+                                  </p:childTnLst>
+                                </p:cTn>
+                              </p:par>
+                            </p:childTnLst>
+                          </p:cTn>
+                        </p:par>
+                      </p:childTnLst>
+                    </p:cTn>
+                  </p:par>
+                  <p:par>
+                    <p:cTn id="23" fill="hold">
+                      <p:stCondLst>
+                        <p:cond delay="indefinite"/>
+                      </p:stCondLst>
+                      <p:childTnLst>
+                        <p:par>
+                          <p:cTn id="24" fill="hold">
+                            <p:stCondLst>
+                              <p:cond delay="0"/>
+                            </p:stCondLst>
+                            <p:childTnLst>
+                              <p:par>
+                                <p:cTn id="25" presetID="10" presetClass="entr" presetSubtype="0" fill="hold" grpId="0" nodeType="clickEffect">
+                                  <p:stCondLst>
+                                    <p:cond delay="0"/>
+                                  </p:stCondLst>
+                                  <p:childTnLst>
+                                    <p:set>
+                                      <p:cBhvr>
+                                        <p:cTn id="26" dur="1" fill="hold">
+                                          <p:stCondLst>
+                                            <p:cond delay="0"/>
+                                          </p:stCondLst>
+                                        </p:cTn>
+                                        <p:tgtEl>
+                                          <p:spTgt spid="7"/>
+                                        </p:tgtEl>
+                                        <p:attrNameLst>
+                                          <p:attrName>style.visibility</p:attrName>
+                                        </p:attrNameLst>
+                                      </p:cBhvr>
+                                      <p:to>
+                                        <p:strVal val="visible"/>
+                                      </p:to>
+                                    </p:set>
+                                    <p:animEffect transition="in" filter="fade">
+                                      <p:cBhvr>
+                                        <p:cTn id="27" dur="500"/>
+                                        <p:tgtEl>
+                                          <p:spTgt spid="7"/>
+                                        </p:tgtEl>
+                                      </p:cBhvr>
+                                    </p:animEffect>
+                                  </p:childTnLst>
+                                </p:cTn>
+                              </p:par>
+                            </p:childTnLst>
+                          </p:cTn>
+                        </p:par>
+                      </p:childTnLst>
+                    </p:cTn>
+                  </p:par>
+                  <p:par>
+                    <p:cTn id="28" fill="hold">
+                      <p:stCondLst>
+                        <p:cond delay="indefinite"/>
+                      </p:stCondLst>
+                      <p:childTnLst>
+                        <p:par>
+                          <p:cTn id="29" fill="hold">
+                            <p:stCondLst>
+                              <p:cond delay="0"/>
+                            </p:stCondLst>
+                            <p:childTnLst>
+                              <p:par>
+                                <p:cTn id="30" presetID="10" presetClass="entr" presetSubtype="0" fill="hold" grpId="0" nodeType="clickEffect">
+                                  <p:stCondLst>
+                                    <p:cond delay="0"/>
+                                  </p:stCondLst>
+                                  <p:childTnLst>
+                                    <p:set>
+                                      <p:cBhvr>
+                                        <p:cTn id="31" dur="1" fill="hold">
+                                          <p:stCondLst>
+                                            <p:cond delay="0"/>
+                                          </p:stCondLst>
+                                        </p:cTn>
+                                        <p:tgtEl>
+                                          <p:spTgt spid="6"/>
+                                        </p:tgtEl>
+                                        <p:attrNameLst>
+                                          <p:attrName>style.visibility</p:attrName>
+                                        </p:attrNameLst>
+                                      </p:cBhvr>
+                                      <p:to>
+                                        <p:strVal val="visible"/>
+                                      </p:to>
+                                    </p:set>
+                                    <p:animEffect transition="in" filter="fade">
+                                      <p:cBhvr>
+                                        <p:cTn id="32" dur="500"/>
+                                        <p:tgtEl>
+                                          <p:spTgt spid="6"/>
+                                        </p:tgtEl>
+                                      </p:cBhvr>
+                                    </p:animEffect>
+                                  </p:childTnLst>
+                                </p:cTn>
+                              </p:par>
+                            </p:childTnLst>
+                          </p:cTn>
+                        </p:par>
+                      </p:childTnLst>
+                    </p:cTn>
+                  </p:par>
+                </p:childTnLst>
+              </p:cTn>
+              <p:prevCondLst>
+                <p:cond evt="onPrev" delay="0">
+                  <p:tgtEl>
+                    <p:sldTgt/>
+                  </p:tgtEl>
+                </p:cond>
+              </p:prevCondLst>
+              <p:nextCondLst>
+                <p:cond evt="onNext" delay="0">
+                  <p:tgtEl>
+                    <p:sldTgt/>
+                  </p:tgtEl>
+                </p:cond>
+              </p:nextCondLst>
+            </p:seq>
+          </p:childTnLst>
+        </p:cTn>
+      </p:par>
+    </p:tnLst>
+    <p:bldLst>
+      <p:bldP spid="5" grpId="0"/>
+      <p:bldP spid="6" grpId="0"/>
+      <p:bldP spid="7" grpId="0"/>
+      <p:bldP spid="8" grpId="0"/>
+      <p:bldP spid="9" grpId="0"/>
+      <p:bldP spid="10" grpId="0"/>
+    </p:bldLst>
+  </p:timing>
+</p:sld>
+</file>
+
+<file path=ppt/slides/slide38.xml><?xml version="1.0" encoding="utf-8"?>
+<p:sld xmlns:a="http://schemas.openxmlformats.org/drawingml/2006/main" xmlns:r="http://schemas.openxmlformats.org/officeDocument/2006/relationships" xmlns:p="http://schemas.openxmlformats.org/presentationml/2006/main">
+  <p:cSld>
+    <p:spTree>
+      <p:nvGrpSpPr>
+        <p:cNvPr id="1" name=""/>
+        <p:cNvGrpSpPr/>
+        <p:nvPr/>
+      </p:nvGrpSpPr>
+      <p:grpSpPr>
+        <a:xfrm>
+          <a:off x="0" y="0"/>
+          <a:ext cx="0" cy="0"/>
+          <a:chOff x="0" y="0"/>
+          <a:chExt cx="0" cy="0"/>
+        </a:xfrm>
+      </p:grpSpPr>
+      <p:sp>
+        <p:nvSpPr>
+          <p:cNvPr id="2" name="Text Placeholder 1"/>
+          <p:cNvSpPr>
+            <a:spLocks noGrp="1"/>
+          </p:cNvSpPr>
+          <p:nvPr>
+            <p:ph type="body" sz="quarter" idx="11"/>
+          </p:nvPr>
+        </p:nvSpPr>
+        <p:spPr/>
+        <p:txBody>
+          <a:bodyPr/>
+          <a:lstStyle/>
+          <a:p>
+            <a:r>
+              <a:rPr lang="en-US" dirty="0"/>
+              <a:t>Interface Segregation Principle</a:t>
+            </a:r>
+          </a:p>
+          <a:p>
+            <a:endParaRPr lang="en-US" dirty="0"/>
+          </a:p>
+          <a:p>
+            <a:endParaRPr lang="en-US" dirty="0"/>
+          </a:p>
+        </p:txBody>
+      </p:sp>
+    </p:spTree>
+    <p:extLst>
+      <p:ext uri="{BB962C8B-B14F-4D97-AF65-F5344CB8AC3E}">
+        <p14:creationId xmlns:p14="http://schemas.microsoft.com/office/powerpoint/2010/main" val="1558118851"/>
+      </p:ext>
+    </p:extLst>
+  </p:cSld>
+  <p:clrMapOvr>
+    <a:masterClrMapping/>
+  </p:clrMapOvr>
+</p:sld>
+</file>
+
+<file path=ppt/slides/slide39.xml><?xml version="1.0" encoding="utf-8"?>
+<p:sld xmlns:a="http://schemas.openxmlformats.org/drawingml/2006/main" xmlns:r="http://schemas.openxmlformats.org/officeDocument/2006/relationships" xmlns:p="http://schemas.openxmlformats.org/presentationml/2006/main">
+  <p:cSld>
+    <p:spTree>
+      <p:nvGrpSpPr>
+        <p:cNvPr id="1" name=""/>
+        <p:cNvGrpSpPr/>
+        <p:nvPr/>
+      </p:nvGrpSpPr>
+      <p:grpSpPr>
+        <a:xfrm>
+          <a:off x="0" y="0"/>
+          <a:ext cx="0" cy="0"/>
+          <a:chOff x="0" y="0"/>
+          <a:chExt cx="0" cy="0"/>
+        </a:xfrm>
+      </p:grpSpPr>
+      <p:sp>
+        <p:nvSpPr>
+          <p:cNvPr id="2" name="Text Placeholder 1"/>
+          <p:cNvSpPr>
+            <a:spLocks noGrp="1"/>
+          </p:cNvSpPr>
+          <p:nvPr>
+            <p:ph type="body" sz="quarter" idx="11"/>
+          </p:nvPr>
+        </p:nvSpPr>
+        <p:spPr/>
+        <p:txBody>
+          <a:bodyPr/>
+          <a:lstStyle/>
+          <a:p>
+            <a:r>
+              <a:rPr lang="en-US" dirty="0" err="1"/>
+              <a:t>Deployability</a:t>
+            </a:r>
+            <a:endParaRPr lang="en-US" dirty="0"/>
+          </a:p>
+          <a:p>
+            <a:endParaRPr lang="en-US" dirty="0"/>
+          </a:p>
+          <a:p>
+            <a:endParaRPr lang="en-US" dirty="0"/>
+          </a:p>
+        </p:txBody>
+      </p:sp>
+    </p:spTree>
+    <p:extLst>
+      <p:ext uri="{BB962C8B-B14F-4D97-AF65-F5344CB8AC3E}">
+        <p14:creationId xmlns:p14="http://schemas.microsoft.com/office/powerpoint/2010/main" val="2249306102"/>
+      </p:ext>
+    </p:extLst>
+  </p:cSld>
+  <p:clrMapOvr>
+    <a:masterClrMapping/>
+  </p:clrMapOvr>
+</p:sld>
+</file>
+
 <file path=ppt/slides/slide4.xml><?xml version="1.0" encoding="utf-8"?>
 <p:sld xmlns:a="http://schemas.openxmlformats.org/drawingml/2006/main" xmlns:r="http://schemas.openxmlformats.org/officeDocument/2006/relationships" xmlns:p="http://schemas.openxmlformats.org/presentationml/2006/main">
   <p:cSld>
@@ -9969,6 +12126,247 @@
     <p:extLst>
       <p:ext uri="{BB962C8B-B14F-4D97-AF65-F5344CB8AC3E}">
         <p14:creationId xmlns:p14="http://schemas.microsoft.com/office/powerpoint/2010/main" val="1699204522"/>
+      </p:ext>
+    </p:extLst>
+  </p:cSld>
+  <p:clrMapOvr>
+    <a:masterClrMapping/>
+  </p:clrMapOvr>
+</p:sld>
+</file>
+
+<file path=ppt/slides/slide40.xml><?xml version="1.0" encoding="utf-8"?>
+<p:sld xmlns:a="http://schemas.openxmlformats.org/drawingml/2006/main" xmlns:r="http://schemas.openxmlformats.org/officeDocument/2006/relationships" xmlns:p="http://schemas.openxmlformats.org/presentationml/2006/main">
+  <p:cSld>
+    <p:spTree>
+      <p:nvGrpSpPr>
+        <p:cNvPr id="1" name=""/>
+        <p:cNvGrpSpPr/>
+        <p:nvPr/>
+      </p:nvGrpSpPr>
+      <p:grpSpPr>
+        <a:xfrm>
+          <a:off x="0" y="0"/>
+          <a:ext cx="0" cy="0"/>
+          <a:chOff x="0" y="0"/>
+          <a:chExt cx="0" cy="0"/>
+        </a:xfrm>
+      </p:grpSpPr>
+      <p:sp>
+        <p:nvSpPr>
+          <p:cNvPr id="2" name="Text Placeholder 1"/>
+          <p:cNvSpPr>
+            <a:spLocks noGrp="1"/>
+          </p:cNvSpPr>
+          <p:nvPr>
+            <p:ph type="body" sz="quarter" idx="11"/>
+          </p:nvPr>
+        </p:nvSpPr>
+        <p:spPr/>
+        <p:txBody>
+          <a:bodyPr/>
+          <a:lstStyle/>
+          <a:p>
+            <a:r>
+              <a:rPr lang="en-US" dirty="0"/>
+              <a:t>Event-Driven</a:t>
+            </a:r>
+          </a:p>
+          <a:p>
+            <a:endParaRPr lang="en-US" dirty="0"/>
+          </a:p>
+          <a:p>
+            <a:endParaRPr lang="en-US" dirty="0"/>
+          </a:p>
+        </p:txBody>
+      </p:sp>
+    </p:spTree>
+    <p:extLst>
+      <p:ext uri="{BB962C8B-B14F-4D97-AF65-F5344CB8AC3E}">
+        <p14:creationId xmlns:p14="http://schemas.microsoft.com/office/powerpoint/2010/main" val="2242557126"/>
+      </p:ext>
+    </p:extLst>
+  </p:cSld>
+  <p:clrMapOvr>
+    <a:masterClrMapping/>
+  </p:clrMapOvr>
+</p:sld>
+</file>
+
+<file path=ppt/slides/slide41.xml><?xml version="1.0" encoding="utf-8"?>
+<p:sld xmlns:a="http://schemas.openxmlformats.org/drawingml/2006/main" xmlns:r="http://schemas.openxmlformats.org/officeDocument/2006/relationships" xmlns:p="http://schemas.openxmlformats.org/presentationml/2006/main">
+  <p:cSld>
+    <p:spTree>
+      <p:nvGrpSpPr>
+        <p:cNvPr id="1" name=""/>
+        <p:cNvGrpSpPr/>
+        <p:nvPr/>
+      </p:nvGrpSpPr>
+      <p:grpSpPr>
+        <a:xfrm>
+          <a:off x="0" y="0"/>
+          <a:ext cx="0" cy="0"/>
+          <a:chOff x="0" y="0"/>
+          <a:chExt cx="0" cy="0"/>
+        </a:xfrm>
+      </p:grpSpPr>
+      <p:sp>
+        <p:nvSpPr>
+          <p:cNvPr id="2" name="Text Placeholder 1"/>
+          <p:cNvSpPr>
+            <a:spLocks noGrp="1"/>
+          </p:cNvSpPr>
+          <p:nvPr>
+            <p:ph type="body" sz="quarter" idx="11"/>
+          </p:nvPr>
+        </p:nvSpPr>
+        <p:spPr/>
+        <p:txBody>
+          <a:bodyPr/>
+          <a:lstStyle/>
+          <a:p>
+            <a:r>
+              <a:rPr lang="en-US" dirty="0"/>
+              <a:t>Loose-Coupling</a:t>
+            </a:r>
+          </a:p>
+          <a:p>
+            <a:endParaRPr lang="en-US" dirty="0"/>
+          </a:p>
+        </p:txBody>
+      </p:sp>
+    </p:spTree>
+    <p:extLst>
+      <p:ext uri="{BB962C8B-B14F-4D97-AF65-F5344CB8AC3E}">
+        <p14:creationId xmlns:p14="http://schemas.microsoft.com/office/powerpoint/2010/main" val="4027912360"/>
+      </p:ext>
+    </p:extLst>
+  </p:cSld>
+  <p:clrMapOvr>
+    <a:masterClrMapping/>
+  </p:clrMapOvr>
+</p:sld>
+</file>
+
+<file path=ppt/slides/slide42.xml><?xml version="1.0" encoding="utf-8"?>
+<p:sld xmlns:a="http://schemas.openxmlformats.org/drawingml/2006/main" xmlns:r="http://schemas.openxmlformats.org/officeDocument/2006/relationships" xmlns:p="http://schemas.openxmlformats.org/presentationml/2006/main">
+  <p:cSld>
+    <p:spTree>
+      <p:nvGrpSpPr>
+        <p:cNvPr id="1" name=""/>
+        <p:cNvGrpSpPr/>
+        <p:nvPr/>
+      </p:nvGrpSpPr>
+      <p:grpSpPr>
+        <a:xfrm>
+          <a:off x="0" y="0"/>
+          <a:ext cx="0" cy="0"/>
+          <a:chOff x="0" y="0"/>
+          <a:chExt cx="0" cy="0"/>
+        </a:xfrm>
+      </p:grpSpPr>
+      <p:sp>
+        <p:nvSpPr>
+          <p:cNvPr id="2" name="Text Placeholder 1"/>
+          <p:cNvSpPr>
+            <a:spLocks noGrp="1"/>
+          </p:cNvSpPr>
+          <p:nvPr>
+            <p:ph type="body" sz="quarter" idx="11"/>
+          </p:nvPr>
+        </p:nvSpPr>
+        <p:spPr/>
+        <p:txBody>
+          <a:bodyPr/>
+          <a:lstStyle/>
+          <a:p>
+            <a:r>
+              <a:rPr lang="en-US" dirty="0"/>
+              <a:t>IDEALS Principles</a:t>
+            </a:r>
+          </a:p>
+          <a:p>
+            <a:endParaRPr lang="en-US" dirty="0"/>
+          </a:p>
+        </p:txBody>
+      </p:sp>
+      <p:sp>
+        <p:nvSpPr>
+          <p:cNvPr id="5" name="TextBox 4"/>
+          <p:cNvSpPr txBox="1"/>
+          <p:nvPr/>
+        </p:nvSpPr>
+        <p:spPr>
+          <a:xfrm>
+            <a:off x="621372" y="1859340"/>
+            <a:ext cx="8210747" cy="2554545"/>
+          </a:xfrm>
+          <a:prstGeom prst="rect">
+            <a:avLst/>
+          </a:prstGeom>
+          <a:noFill/>
+        </p:spPr>
+        <p:txBody>
+          <a:bodyPr wrap="square" rtlCol="0">
+            <a:spAutoFit/>
+          </a:bodyPr>
+          <a:lstStyle/>
+          <a:p>
+            <a:endParaRPr lang="en-GB" sz="1600" u="sng" dirty="0">
+              <a:latin typeface="Chronicle Display" pitchFamily="50" charset="0"/>
+            </a:endParaRPr>
+          </a:p>
+          <a:p>
+            <a:endParaRPr lang="en-GB" sz="1600" u="sng" dirty="0">
+              <a:latin typeface="Chronicle Display" pitchFamily="50" charset="0"/>
+            </a:endParaRPr>
+          </a:p>
+          <a:p>
+            <a:r>
+              <a:rPr lang="en-GB" sz="3200" b="1" i="1" dirty="0">
+                <a:latin typeface="Chronicle Display" pitchFamily="50" charset="0"/>
+              </a:rPr>
+              <a:t>Resources</a:t>
+            </a:r>
+          </a:p>
+          <a:p>
+            <a:endParaRPr lang="en-GB" sz="3200" b="1" i="1" dirty="0">
+              <a:latin typeface="Chronicle Display" pitchFamily="50" charset="0"/>
+            </a:endParaRPr>
+          </a:p>
+          <a:p>
+            <a:endParaRPr lang="en-GB" sz="1600" dirty="0">
+              <a:latin typeface="Chronicle Display" pitchFamily="50" charset="0"/>
+            </a:endParaRPr>
+          </a:p>
+          <a:p>
+            <a:r>
+              <a:rPr lang="en-GB" sz="1600" b="1" i="1" dirty="0">
+                <a:latin typeface="Chronicle Display" pitchFamily="50" charset="0"/>
+                <a:hlinkClick r:id="rId3"/>
+              </a:rPr>
+              <a:t>https://www.infoq.com/articles/microservices-design-ideals/</a:t>
+            </a:r>
+            <a:endParaRPr lang="en-GB" sz="1600" b="1" i="1" dirty="0">
+              <a:latin typeface="Chronicle Display" pitchFamily="50" charset="0"/>
+            </a:endParaRPr>
+          </a:p>
+          <a:p>
+            <a:endParaRPr lang="en-GB" sz="1600" dirty="0">
+              <a:latin typeface="Chronicle Display" pitchFamily="50" charset="0"/>
+            </a:endParaRPr>
+          </a:p>
+          <a:p>
+            <a:endParaRPr lang="en-GB" sz="1600" dirty="0">
+              <a:latin typeface="Chronicle Display" pitchFamily="50" charset="0"/>
+            </a:endParaRPr>
+          </a:p>
+        </p:txBody>
+      </p:sp>
+    </p:spTree>
+    <p:extLst>
+      <p:ext uri="{BB962C8B-B14F-4D97-AF65-F5344CB8AC3E}">
+        <p14:creationId xmlns:p14="http://schemas.microsoft.com/office/powerpoint/2010/main" val="3371919035"/>
       </p:ext>
     </p:extLst>
   </p:cSld>

--- a/docs/solid.pptx
+++ b/docs/solid.pptx
@@ -5,10 +5,10 @@
     <p:sldMasterId id="2147483650" r:id="rId1"/>
   </p:sldMasterIdLst>
   <p:notesMasterIdLst>
-    <p:notesMasterId r:id="rId44"/>
+    <p:notesMasterId r:id="rId45"/>
   </p:notesMasterIdLst>
   <p:handoutMasterIdLst>
-    <p:handoutMasterId r:id="rId45"/>
+    <p:handoutMasterId r:id="rId46"/>
   </p:handoutMasterIdLst>
   <p:sldIdLst>
     <p:sldId id="309" r:id="rId2"/>
@@ -49,10 +49,11 @@
     <p:sldId id="329" r:id="rId37"/>
     <p:sldId id="331" r:id="rId38"/>
     <p:sldId id="332" r:id="rId39"/>
-    <p:sldId id="333" r:id="rId40"/>
-    <p:sldId id="334" r:id="rId41"/>
-    <p:sldId id="335" r:id="rId42"/>
-    <p:sldId id="330" r:id="rId43"/>
+    <p:sldId id="336" r:id="rId40"/>
+    <p:sldId id="333" r:id="rId41"/>
+    <p:sldId id="334" r:id="rId42"/>
+    <p:sldId id="335" r:id="rId43"/>
+    <p:sldId id="330" r:id="rId44"/>
   </p:sldIdLst>
   <p:sldSz cx="9144000" cy="6858000" type="screen4x3"/>
   <p:notesSz cx="6858000" cy="9144000"/>
@@ -3878,7 +3879,7 @@
     </p:spTree>
     <p:extLst>
       <p:ext uri="{BB962C8B-B14F-4D97-AF65-F5344CB8AC3E}">
-        <p14:creationId xmlns:p14="http://schemas.microsoft.com/office/powerpoint/2010/main" val="194811362"/>
+        <p14:creationId xmlns:p14="http://schemas.microsoft.com/office/powerpoint/2010/main" val="641130536"/>
       </p:ext>
     </p:extLst>
   </p:cSld>
@@ -4062,7 +4063,7 @@
     </p:spTree>
     <p:extLst>
       <p:ext uri="{BB962C8B-B14F-4D97-AF65-F5344CB8AC3E}">
-        <p14:creationId xmlns:p14="http://schemas.microsoft.com/office/powerpoint/2010/main" val="715644702"/>
+        <p14:creationId xmlns:p14="http://schemas.microsoft.com/office/powerpoint/2010/main" val="194811362"/>
       </p:ext>
     </p:extLst>
   </p:cSld>
@@ -4154,7 +4155,7 @@
     </p:spTree>
     <p:extLst>
       <p:ext uri="{BB962C8B-B14F-4D97-AF65-F5344CB8AC3E}">
-        <p14:creationId xmlns:p14="http://schemas.microsoft.com/office/powerpoint/2010/main" val="2866667866"/>
+        <p14:creationId xmlns:p14="http://schemas.microsoft.com/office/powerpoint/2010/main" val="715644702"/>
       </p:ext>
     </p:extLst>
   </p:cSld>
@@ -4238,6 +4239,98 @@
             <a:fld id="{2C5A56FE-B2E8-4285-8F31-2AEEB8EA39C6}" type="slidenum">
               <a:rPr lang="en-GB" smtClean="0"/>
               <a:t>42</a:t>
+            </a:fld>
+            <a:endParaRPr lang="en-GB"/>
+          </a:p>
+        </p:txBody>
+      </p:sp>
+    </p:spTree>
+    <p:extLst>
+      <p:ext uri="{BB962C8B-B14F-4D97-AF65-F5344CB8AC3E}">
+        <p14:creationId xmlns:p14="http://schemas.microsoft.com/office/powerpoint/2010/main" val="2866667866"/>
+      </p:ext>
+    </p:extLst>
+  </p:cSld>
+  <p:clrMapOvr>
+    <a:masterClrMapping/>
+  </p:clrMapOvr>
+</p:notes>
+</file>
+
+<file path=ppt/notesSlides/notesSlide43.xml><?xml version="1.0" encoding="utf-8"?>
+<p:notes xmlns:a="http://schemas.openxmlformats.org/drawingml/2006/main" xmlns:r="http://schemas.openxmlformats.org/officeDocument/2006/relationships" xmlns:p="http://schemas.openxmlformats.org/presentationml/2006/main">
+  <p:cSld>
+    <p:spTree>
+      <p:nvGrpSpPr>
+        <p:cNvPr id="1" name=""/>
+        <p:cNvGrpSpPr/>
+        <p:nvPr/>
+      </p:nvGrpSpPr>
+      <p:grpSpPr>
+        <a:xfrm>
+          <a:off x="0" y="0"/>
+          <a:ext cx="0" cy="0"/>
+          <a:chOff x="0" y="0"/>
+          <a:chExt cx="0" cy="0"/>
+        </a:xfrm>
+      </p:grpSpPr>
+      <p:sp>
+        <p:nvSpPr>
+          <p:cNvPr id="2" name="Slide Image Placeholder 1"/>
+          <p:cNvSpPr>
+            <a:spLocks noGrp="1" noRot="1" noChangeAspect="1"/>
+          </p:cNvSpPr>
+          <p:nvPr>
+            <p:ph type="sldImg"/>
+          </p:nvPr>
+        </p:nvSpPr>
+        <p:spPr>
+          <a:xfrm>
+            <a:off x="1143000" y="685800"/>
+            <a:ext cx="4572000" cy="3429000"/>
+          </a:xfrm>
+          <a:prstGeom prst="rect">
+            <a:avLst/>
+          </a:prstGeom>
+        </p:spPr>
+      </p:sp>
+      <p:sp>
+        <p:nvSpPr>
+          <p:cNvPr id="3" name="Notes Placeholder 2"/>
+          <p:cNvSpPr>
+            <a:spLocks noGrp="1"/>
+          </p:cNvSpPr>
+          <p:nvPr>
+            <p:ph type="body" idx="1"/>
+          </p:nvPr>
+        </p:nvSpPr>
+        <p:spPr/>
+        <p:txBody>
+          <a:bodyPr/>
+          <a:lstStyle/>
+          <a:p>
+            <a:endParaRPr lang="it-IT" dirty="0"/>
+          </a:p>
+        </p:txBody>
+      </p:sp>
+      <p:sp>
+        <p:nvSpPr>
+          <p:cNvPr id="4" name="Slide Number Placeholder 3"/>
+          <p:cNvSpPr>
+            <a:spLocks noGrp="1"/>
+          </p:cNvSpPr>
+          <p:nvPr>
+            <p:ph type="sldNum" sz="quarter" idx="10"/>
+          </p:nvPr>
+        </p:nvSpPr>
+        <p:spPr/>
+        <p:txBody>
+          <a:bodyPr/>
+          <a:lstStyle/>
+          <a:p>
+            <a:fld id="{2C5A56FE-B2E8-4285-8F31-2AEEB8EA39C6}" type="slidenum">
+              <a:rPr lang="en-GB" smtClean="0"/>
+              <a:t>43</a:t>
             </a:fld>
             <a:endParaRPr lang="en-GB"/>
           </a:p>
@@ -11915,13 +12008,20 @@
             <p:ph type="body" sz="quarter" idx="11"/>
           </p:nvPr>
         </p:nvSpPr>
-        <p:spPr/>
+        <p:spPr>
+          <a:xfrm>
+            <a:off x="328613" y="1079047"/>
+            <a:ext cx="8401246" cy="871051"/>
+          </a:xfrm>
+        </p:spPr>
         <p:txBody>
           <a:bodyPr/>
           <a:lstStyle/>
           <a:p>
             <a:r>
-              <a:rPr lang="en-US" dirty="0"/>
+              <a:rPr lang="en-US" dirty="0">
+                <a:latin typeface="+mj-lt"/>
+              </a:rPr>
               <a:t>Interface Segregation Principle</a:t>
             </a:r>
           </a:p>
@@ -11930,6 +12030,187 @@
           </a:p>
           <a:p>
             <a:endParaRPr lang="en-US" dirty="0"/>
+          </a:p>
+        </p:txBody>
+      </p:sp>
+      <p:sp>
+        <p:nvSpPr>
+          <p:cNvPr id="5" name="TextBox 4">
+            <a:extLst>
+              <a:ext uri="{FF2B5EF4-FFF2-40B4-BE49-F238E27FC236}">
+                <a16:creationId xmlns:a16="http://schemas.microsoft.com/office/drawing/2014/main" id="{0649C76A-653B-4936-A74E-66DFC4B23D52}"/>
+              </a:ext>
+            </a:extLst>
+          </p:cNvPr>
+          <p:cNvSpPr txBox="1"/>
+          <p:nvPr/>
+        </p:nvSpPr>
+        <p:spPr>
+          <a:xfrm>
+            <a:off x="328613" y="2359417"/>
+            <a:ext cx="8210747" cy="584775"/>
+          </a:xfrm>
+          <a:prstGeom prst="rect">
+            <a:avLst/>
+          </a:prstGeom>
+          <a:noFill/>
+        </p:spPr>
+        <p:txBody>
+          <a:bodyPr wrap="square" rtlCol="0">
+            <a:spAutoFit/>
+          </a:bodyPr>
+          <a:lstStyle/>
+          <a:p>
+            <a:r>
+              <a:rPr lang="en-GB" sz="1600" dirty="0"/>
+              <a:t>As we saw in OOD interface segregation principle admonish to use class implementing “fat” interfaces</a:t>
+            </a:r>
+          </a:p>
+        </p:txBody>
+      </p:sp>
+      <p:sp>
+        <p:nvSpPr>
+          <p:cNvPr id="6" name="TextBox 5">
+            <a:extLst>
+              <a:ext uri="{FF2B5EF4-FFF2-40B4-BE49-F238E27FC236}">
+                <a16:creationId xmlns:a16="http://schemas.microsoft.com/office/drawing/2014/main" id="{DEE95456-91F2-439B-8C12-F1FA4A1A8525}"/>
+              </a:ext>
+            </a:extLst>
+          </p:cNvPr>
+          <p:cNvSpPr txBox="1"/>
+          <p:nvPr/>
+        </p:nvSpPr>
+        <p:spPr>
+          <a:xfrm>
+            <a:off x="328613" y="3136612"/>
+            <a:ext cx="8210747" cy="584775"/>
+          </a:xfrm>
+          <a:prstGeom prst="rect">
+            <a:avLst/>
+          </a:prstGeom>
+          <a:noFill/>
+        </p:spPr>
+        <p:txBody>
+          <a:bodyPr wrap="square" rtlCol="0">
+            <a:spAutoFit/>
+          </a:bodyPr>
+          <a:lstStyle/>
+          <a:p>
+            <a:r>
+              <a:rPr lang="en-GB" sz="1600" dirty="0"/>
+              <a:t>Instead of a class interface with all possible methods client might needs, separate into granular interface for the clients specific needs</a:t>
+            </a:r>
+          </a:p>
+        </p:txBody>
+      </p:sp>
+      <p:sp>
+        <p:nvSpPr>
+          <p:cNvPr id="7" name="TextBox 6">
+            <a:extLst>
+              <a:ext uri="{FF2B5EF4-FFF2-40B4-BE49-F238E27FC236}">
+                <a16:creationId xmlns:a16="http://schemas.microsoft.com/office/drawing/2014/main" id="{4D1F56C7-8B39-4225-A837-A294AD9613D4}"/>
+              </a:ext>
+            </a:extLst>
+          </p:cNvPr>
+          <p:cNvSpPr txBox="1"/>
+          <p:nvPr/>
+        </p:nvSpPr>
+        <p:spPr>
+          <a:xfrm>
+            <a:off x="328612" y="3913807"/>
+            <a:ext cx="8210747" cy="584775"/>
+          </a:xfrm>
+          <a:prstGeom prst="rect">
+            <a:avLst/>
+          </a:prstGeom>
+          <a:noFill/>
+        </p:spPr>
+        <p:txBody>
+          <a:bodyPr wrap="square" rtlCol="0">
+            <a:spAutoFit/>
+          </a:bodyPr>
+          <a:lstStyle/>
+          <a:p>
+            <a:r>
+              <a:rPr lang="en-GB" sz="1600" dirty="0"/>
+              <a:t>In the era of microservices there are a multitude of client (frontend) to the same service logic; that’s the main motivation to apply interface segregation for each possible client with its needs</a:t>
+            </a:r>
+          </a:p>
+        </p:txBody>
+      </p:sp>
+      <p:sp>
+        <p:nvSpPr>
+          <p:cNvPr id="8" name="TextBox 7">
+            <a:extLst>
+              <a:ext uri="{FF2B5EF4-FFF2-40B4-BE49-F238E27FC236}">
+                <a16:creationId xmlns:a16="http://schemas.microsoft.com/office/drawing/2014/main" id="{A3B5B226-45B4-4ED4-99B8-EA815AFC504C}"/>
+              </a:ext>
+            </a:extLst>
+          </p:cNvPr>
+          <p:cNvSpPr txBox="1"/>
+          <p:nvPr/>
+        </p:nvSpPr>
+        <p:spPr>
+          <a:xfrm>
+            <a:off x="328611" y="4691002"/>
+            <a:ext cx="8210747" cy="584775"/>
+          </a:xfrm>
+          <a:prstGeom prst="rect">
+            <a:avLst/>
+          </a:prstGeom>
+          <a:noFill/>
+        </p:spPr>
+        <p:txBody>
+          <a:bodyPr wrap="square" rtlCol="0">
+            <a:spAutoFit/>
+          </a:bodyPr>
+          <a:lstStyle/>
+          <a:p>
+            <a:r>
+              <a:rPr lang="en-US" sz="1600" dirty="0"/>
+              <a:t>The goal of interface segregation for microservices is that each type of frontend sees the service contract that best suits its needs</a:t>
+            </a:r>
+            <a:endParaRPr lang="en-GB" sz="1600" dirty="0">
+              <a:latin typeface="Chronicle Display" pitchFamily="50" charset="0"/>
+            </a:endParaRPr>
+          </a:p>
+        </p:txBody>
+      </p:sp>
+      <p:sp>
+        <p:nvSpPr>
+          <p:cNvPr id="9" name="TextBox 8">
+            <a:extLst>
+              <a:ext uri="{FF2B5EF4-FFF2-40B4-BE49-F238E27FC236}">
+                <a16:creationId xmlns:a16="http://schemas.microsoft.com/office/drawing/2014/main" id="{E9B13102-124D-4A0B-A300-71EA0056CCF3}"/>
+              </a:ext>
+            </a:extLst>
+          </p:cNvPr>
+          <p:cNvSpPr txBox="1"/>
+          <p:nvPr/>
+        </p:nvSpPr>
+        <p:spPr>
+          <a:xfrm>
+            <a:off x="328613" y="5486565"/>
+            <a:ext cx="8210747" cy="338554"/>
+          </a:xfrm>
+          <a:prstGeom prst="rect">
+            <a:avLst/>
+          </a:prstGeom>
+          <a:noFill/>
+        </p:spPr>
+        <p:txBody>
+          <a:bodyPr wrap="square" rtlCol="0">
+            <a:spAutoFit/>
+          </a:bodyPr>
+          <a:lstStyle/>
+          <a:p>
+            <a:r>
+              <a:rPr lang="en-US" sz="1600" dirty="0"/>
+              <a:t>We can reach the goal using the API Gateway pattern or in alternative the BFF pattern</a:t>
+            </a:r>
+            <a:endParaRPr lang="en-GB" sz="1600" dirty="0">
+              <a:latin typeface="Chronicle Display" pitchFamily="50" charset="0"/>
+            </a:endParaRPr>
           </a:p>
         </p:txBody>
       </p:sp>
@@ -11943,6 +12224,308 @@
   <p:clrMapOvr>
     <a:masterClrMapping/>
   </p:clrMapOvr>
+  <p:timing>
+    <p:tnLst>
+      <p:par>
+        <p:cTn id="1" dur="indefinite" restart="never" nodeType="tmRoot">
+          <p:childTnLst>
+            <p:seq concurrent="1" nextAc="seek">
+              <p:cTn id="2" dur="indefinite" nodeType="mainSeq">
+                <p:childTnLst>
+                  <p:par>
+                    <p:cTn id="3" fill="hold">
+                      <p:stCondLst>
+                        <p:cond delay="indefinite"/>
+                      </p:stCondLst>
+                      <p:childTnLst>
+                        <p:par>
+                          <p:cTn id="4" fill="hold">
+                            <p:stCondLst>
+                              <p:cond delay="0"/>
+                            </p:stCondLst>
+                            <p:childTnLst>
+                              <p:par>
+                                <p:cTn id="5" presetID="10" presetClass="entr" presetSubtype="0" fill="hold" grpId="0" nodeType="clickEffect">
+                                  <p:stCondLst>
+                                    <p:cond delay="0"/>
+                                  </p:stCondLst>
+                                  <p:childTnLst>
+                                    <p:set>
+                                      <p:cBhvr>
+                                        <p:cTn id="6" dur="1" fill="hold">
+                                          <p:stCondLst>
+                                            <p:cond delay="0"/>
+                                          </p:stCondLst>
+                                        </p:cTn>
+                                        <p:tgtEl>
+                                          <p:spTgt spid="5"/>
+                                        </p:tgtEl>
+                                        <p:attrNameLst>
+                                          <p:attrName>style.visibility</p:attrName>
+                                        </p:attrNameLst>
+                                      </p:cBhvr>
+                                      <p:to>
+                                        <p:strVal val="visible"/>
+                                      </p:to>
+                                    </p:set>
+                                    <p:animEffect transition="in" filter="fade">
+                                      <p:cBhvr>
+                                        <p:cTn id="7" dur="500"/>
+                                        <p:tgtEl>
+                                          <p:spTgt spid="5"/>
+                                        </p:tgtEl>
+                                      </p:cBhvr>
+                                    </p:animEffect>
+                                  </p:childTnLst>
+                                </p:cTn>
+                              </p:par>
+                            </p:childTnLst>
+                          </p:cTn>
+                        </p:par>
+                      </p:childTnLst>
+                    </p:cTn>
+                  </p:par>
+                  <p:par>
+                    <p:cTn id="8" fill="hold">
+                      <p:stCondLst>
+                        <p:cond delay="indefinite"/>
+                      </p:stCondLst>
+                      <p:childTnLst>
+                        <p:par>
+                          <p:cTn id="9" fill="hold">
+                            <p:stCondLst>
+                              <p:cond delay="0"/>
+                            </p:stCondLst>
+                            <p:childTnLst>
+                              <p:par>
+                                <p:cTn id="10" presetID="10" presetClass="entr" presetSubtype="0" fill="hold" grpId="0" nodeType="clickEffect">
+                                  <p:stCondLst>
+                                    <p:cond delay="0"/>
+                                  </p:stCondLst>
+                                  <p:childTnLst>
+                                    <p:set>
+                                      <p:cBhvr>
+                                        <p:cTn id="11" dur="1" fill="hold">
+                                          <p:stCondLst>
+                                            <p:cond delay="0"/>
+                                          </p:stCondLst>
+                                        </p:cTn>
+                                        <p:tgtEl>
+                                          <p:spTgt spid="6"/>
+                                        </p:tgtEl>
+                                        <p:attrNameLst>
+                                          <p:attrName>style.visibility</p:attrName>
+                                        </p:attrNameLst>
+                                      </p:cBhvr>
+                                      <p:to>
+                                        <p:strVal val="visible"/>
+                                      </p:to>
+                                    </p:set>
+                                    <p:animEffect transition="in" filter="fade">
+                                      <p:cBhvr>
+                                        <p:cTn id="12" dur="500"/>
+                                        <p:tgtEl>
+                                          <p:spTgt spid="6"/>
+                                        </p:tgtEl>
+                                      </p:cBhvr>
+                                    </p:animEffect>
+                                  </p:childTnLst>
+                                </p:cTn>
+                              </p:par>
+                            </p:childTnLst>
+                          </p:cTn>
+                        </p:par>
+                      </p:childTnLst>
+                    </p:cTn>
+                  </p:par>
+                  <p:par>
+                    <p:cTn id="13" fill="hold">
+                      <p:stCondLst>
+                        <p:cond delay="indefinite"/>
+                      </p:stCondLst>
+                      <p:childTnLst>
+                        <p:par>
+                          <p:cTn id="14" fill="hold">
+                            <p:stCondLst>
+                              <p:cond delay="0"/>
+                            </p:stCondLst>
+                            <p:childTnLst>
+                              <p:par>
+                                <p:cTn id="15" presetID="10" presetClass="entr" presetSubtype="0" fill="hold" grpId="0" nodeType="clickEffect">
+                                  <p:stCondLst>
+                                    <p:cond delay="0"/>
+                                  </p:stCondLst>
+                                  <p:childTnLst>
+                                    <p:set>
+                                      <p:cBhvr>
+                                        <p:cTn id="16" dur="1" fill="hold">
+                                          <p:stCondLst>
+                                            <p:cond delay="0"/>
+                                          </p:stCondLst>
+                                        </p:cTn>
+                                        <p:tgtEl>
+                                          <p:spTgt spid="7"/>
+                                        </p:tgtEl>
+                                        <p:attrNameLst>
+                                          <p:attrName>style.visibility</p:attrName>
+                                        </p:attrNameLst>
+                                      </p:cBhvr>
+                                      <p:to>
+                                        <p:strVal val="visible"/>
+                                      </p:to>
+                                    </p:set>
+                                    <p:animEffect transition="in" filter="fade">
+                                      <p:cBhvr>
+                                        <p:cTn id="17" dur="500"/>
+                                        <p:tgtEl>
+                                          <p:spTgt spid="7"/>
+                                        </p:tgtEl>
+                                      </p:cBhvr>
+                                    </p:animEffect>
+                                  </p:childTnLst>
+                                </p:cTn>
+                              </p:par>
+                            </p:childTnLst>
+                          </p:cTn>
+                        </p:par>
+                      </p:childTnLst>
+                    </p:cTn>
+                  </p:par>
+                  <p:par>
+                    <p:cTn id="18" fill="hold">
+                      <p:stCondLst>
+                        <p:cond delay="indefinite"/>
+                      </p:stCondLst>
+                      <p:childTnLst>
+                        <p:par>
+                          <p:cTn id="19" fill="hold">
+                            <p:stCondLst>
+                              <p:cond delay="0"/>
+                            </p:stCondLst>
+                            <p:childTnLst>
+                              <p:par>
+                                <p:cTn id="20" presetID="10" presetClass="entr" presetSubtype="0" fill="hold" grpId="0" nodeType="clickEffect">
+                                  <p:stCondLst>
+                                    <p:cond delay="0"/>
+                                  </p:stCondLst>
+                                  <p:childTnLst>
+                                    <p:set>
+                                      <p:cBhvr>
+                                        <p:cTn id="21" dur="1" fill="hold">
+                                          <p:stCondLst>
+                                            <p:cond delay="0"/>
+                                          </p:stCondLst>
+                                        </p:cTn>
+                                        <p:tgtEl>
+                                          <p:spTgt spid="8"/>
+                                        </p:tgtEl>
+                                        <p:attrNameLst>
+                                          <p:attrName>style.visibility</p:attrName>
+                                        </p:attrNameLst>
+                                      </p:cBhvr>
+                                      <p:to>
+                                        <p:strVal val="visible"/>
+                                      </p:to>
+                                    </p:set>
+                                    <p:animEffect transition="in" filter="fade">
+                                      <p:cBhvr>
+                                        <p:cTn id="22" dur="500"/>
+                                        <p:tgtEl>
+                                          <p:spTgt spid="8"/>
+                                        </p:tgtEl>
+                                      </p:cBhvr>
+                                    </p:animEffect>
+                                  </p:childTnLst>
+                                </p:cTn>
+                              </p:par>
+                            </p:childTnLst>
+                          </p:cTn>
+                        </p:par>
+                      </p:childTnLst>
+                    </p:cTn>
+                  </p:par>
+                  <p:par>
+                    <p:cTn id="23" fill="hold">
+                      <p:stCondLst>
+                        <p:cond delay="indefinite"/>
+                      </p:stCondLst>
+                      <p:childTnLst>
+                        <p:par>
+                          <p:cTn id="24" fill="hold">
+                            <p:stCondLst>
+                              <p:cond delay="0"/>
+                            </p:stCondLst>
+                            <p:childTnLst>
+                              <p:par>
+                                <p:cTn id="25" presetID="10" presetClass="entr" presetSubtype="0" fill="hold" grpId="0" nodeType="clickEffect">
+                                  <p:stCondLst>
+                                    <p:cond delay="0"/>
+                                  </p:stCondLst>
+                                  <p:childTnLst>
+                                    <p:set>
+                                      <p:cBhvr>
+                                        <p:cTn id="26" dur="1" fill="hold">
+                                          <p:stCondLst>
+                                            <p:cond delay="0"/>
+                                          </p:stCondLst>
+                                        </p:cTn>
+                                        <p:tgtEl>
+                                          <p:spTgt spid="9"/>
+                                        </p:tgtEl>
+                                        <p:attrNameLst>
+                                          <p:attrName>style.visibility</p:attrName>
+                                        </p:attrNameLst>
+                                      </p:cBhvr>
+                                      <p:to>
+                                        <p:strVal val="visible"/>
+                                      </p:to>
+                                    </p:set>
+                                    <p:animEffect transition="in" filter="fade">
+                                      <p:cBhvr>
+                                        <p:cTn id="27" dur="500"/>
+                                        <p:tgtEl>
+                                          <p:spTgt spid="9"/>
+                                        </p:tgtEl>
+                                      </p:cBhvr>
+                                    </p:animEffect>
+                                  </p:childTnLst>
+                                </p:cTn>
+                              </p:par>
+                            </p:childTnLst>
+                          </p:cTn>
+                        </p:par>
+                      </p:childTnLst>
+                    </p:cTn>
+                  </p:par>
+                </p:childTnLst>
+              </p:cTn>
+              <p:prevCondLst>
+                <p:cond evt="onPrev" delay="0">
+                  <p:tgtEl>
+                    <p:sldTgt/>
+                  </p:tgtEl>
+                </p:cond>
+              </p:prevCondLst>
+              <p:nextCondLst>
+                <p:cond evt="onNext" delay="0">
+                  <p:tgtEl>
+                    <p:sldTgt/>
+                  </p:tgtEl>
+                </p:cond>
+              </p:nextCondLst>
+            </p:seq>
+          </p:childTnLst>
+        </p:cTn>
+      </p:par>
+    </p:tnLst>
+    <p:bldLst>
+      <p:bldP spid="5" grpId="0"/>
+      <p:bldP spid="6" grpId="0"/>
+      <p:bldP spid="7" grpId="0"/>
+      <p:bldP spid="8" grpId="0"/>
+      <p:bldP spid="9" grpId="0"/>
+    </p:bldLst>
+  </p:timing>
 </p:sld>
 </file>
 
@@ -11973,35 +12556,1845 @@
             <p:ph type="body" sz="quarter" idx="11"/>
           </p:nvPr>
         </p:nvSpPr>
-        <p:spPr/>
+        <p:spPr>
+          <a:xfrm>
+            <a:off x="328613" y="1079047"/>
+            <a:ext cx="8401246" cy="871051"/>
+          </a:xfrm>
+        </p:spPr>
         <p:txBody>
           <a:bodyPr/>
           <a:lstStyle/>
           <a:p>
             <a:r>
-              <a:rPr lang="en-US" dirty="0" err="1"/>
-              <a:t>Deployability</a:t>
-            </a:r>
+              <a:rPr lang="en-US" dirty="0"/>
+              <a:t>Interface Segregation Principle</a:t>
+            </a:r>
+          </a:p>
+          <a:p>
             <a:endParaRPr lang="en-US" dirty="0"/>
           </a:p>
           <a:p>
             <a:endParaRPr lang="en-US" dirty="0"/>
           </a:p>
-          <a:p>
-            <a:endParaRPr lang="en-US" dirty="0"/>
-          </a:p>
-        </p:txBody>
-      </p:sp>
+        </p:txBody>
+      </p:sp>
+      <p:sp>
+        <p:nvSpPr>
+          <p:cNvPr id="3" name="Rectangle 2">
+            <a:extLst>
+              <a:ext uri="{FF2B5EF4-FFF2-40B4-BE49-F238E27FC236}">
+                <a16:creationId xmlns:a16="http://schemas.microsoft.com/office/drawing/2014/main" id="{8C871F0E-693A-4A6A-9DC6-58ACB9CDCCC1}"/>
+              </a:ext>
+            </a:extLst>
+          </p:cNvPr>
+          <p:cNvSpPr/>
+          <p:nvPr/>
+        </p:nvSpPr>
+        <p:spPr>
+          <a:xfrm>
+            <a:off x="909738" y="2020513"/>
+            <a:ext cx="1110343" cy="690465"/>
+          </a:xfrm>
+          <a:prstGeom prst="rect">
+            <a:avLst/>
+          </a:prstGeom>
+        </p:spPr>
+        <p:style>
+          <a:lnRef idx="1">
+            <a:schemeClr val="accent1"/>
+          </a:lnRef>
+          <a:fillRef idx="3">
+            <a:schemeClr val="accent1"/>
+          </a:fillRef>
+          <a:effectRef idx="2">
+            <a:schemeClr val="accent1"/>
+          </a:effectRef>
+          <a:fontRef idx="minor">
+            <a:schemeClr val="lt1"/>
+          </a:fontRef>
+        </p:style>
+        <p:txBody>
+          <a:bodyPr rot="0" spcFirstLastPara="0" vertOverflow="overflow" horzOverflow="overflow" vert="horz" wrap="square" lIns="91440" tIns="45720" rIns="91440" bIns="45720" numCol="1" spcCol="0" rtlCol="0" fromWordArt="0" anchor="ctr" anchorCtr="0" forceAA="0" compatLnSpc="1">
+            <a:prstTxWarp prst="textNoShape">
+              <a:avLst/>
+            </a:prstTxWarp>
+            <a:noAutofit/>
+          </a:bodyPr>
+          <a:lstStyle/>
+          <a:p>
+            <a:pPr algn="ctr"/>
+            <a:r>
+              <a:rPr lang="it-IT" dirty="0">
+                <a:ln w="0"/>
+                <a:solidFill>
+                  <a:schemeClr val="tx1"/>
+                </a:solidFill>
+                <a:effectLst>
+                  <a:outerShdw blurRad="38100" dist="19050" dir="2700000" algn="tl" rotWithShape="0">
+                    <a:schemeClr val="dk1">
+                      <a:alpha val="40000"/>
+                    </a:schemeClr>
+                  </a:outerShdw>
+                </a:effectLst>
+              </a:rPr>
+              <a:t>Desktop Web</a:t>
+            </a:r>
+          </a:p>
+        </p:txBody>
+      </p:sp>
+      <p:sp>
+        <p:nvSpPr>
+          <p:cNvPr id="8" name="Rectangle 7">
+            <a:extLst>
+              <a:ext uri="{FF2B5EF4-FFF2-40B4-BE49-F238E27FC236}">
+                <a16:creationId xmlns:a16="http://schemas.microsoft.com/office/drawing/2014/main" id="{4E9C25D7-8DD2-443B-B5B7-43AF1A8D0FB1}"/>
+              </a:ext>
+            </a:extLst>
+          </p:cNvPr>
+          <p:cNvSpPr/>
+          <p:nvPr/>
+        </p:nvSpPr>
+        <p:spPr>
+          <a:xfrm>
+            <a:off x="909738" y="2816337"/>
+            <a:ext cx="1110343" cy="690465"/>
+          </a:xfrm>
+          <a:prstGeom prst="rect">
+            <a:avLst/>
+          </a:prstGeom>
+        </p:spPr>
+        <p:style>
+          <a:lnRef idx="1">
+            <a:schemeClr val="dk1"/>
+          </a:lnRef>
+          <a:fillRef idx="3">
+            <a:schemeClr val="dk1"/>
+          </a:fillRef>
+          <a:effectRef idx="2">
+            <a:schemeClr val="dk1"/>
+          </a:effectRef>
+          <a:fontRef idx="minor">
+            <a:schemeClr val="lt1"/>
+          </a:fontRef>
+        </p:style>
+        <p:txBody>
+          <a:bodyPr rot="0" spcFirstLastPara="0" vertOverflow="overflow" horzOverflow="overflow" vert="horz" wrap="square" lIns="91440" tIns="45720" rIns="91440" bIns="45720" numCol="1" spcCol="0" rtlCol="0" fromWordArt="0" anchor="ctr" anchorCtr="0" forceAA="0" compatLnSpc="1">
+            <a:prstTxWarp prst="textNoShape">
+              <a:avLst/>
+            </a:prstTxWarp>
+            <a:noAutofit/>
+          </a:bodyPr>
+          <a:lstStyle/>
+          <a:p>
+            <a:pPr algn="ctr"/>
+            <a:r>
+              <a:rPr lang="it-IT" dirty="0">
+                <a:ln w="0"/>
+                <a:solidFill>
+                  <a:schemeClr val="tx1"/>
+                </a:solidFill>
+                <a:effectLst>
+                  <a:outerShdw blurRad="38100" dist="19050" dir="2700000" algn="tl" rotWithShape="0">
+                    <a:schemeClr val="dk1">
+                      <a:alpha val="40000"/>
+                    </a:schemeClr>
+                  </a:outerShdw>
+                </a:effectLst>
+              </a:rPr>
+              <a:t>Mobile Web</a:t>
+            </a:r>
+          </a:p>
+        </p:txBody>
+      </p:sp>
+      <p:sp>
+        <p:nvSpPr>
+          <p:cNvPr id="9" name="Rectangle 8">
+            <a:extLst>
+              <a:ext uri="{FF2B5EF4-FFF2-40B4-BE49-F238E27FC236}">
+                <a16:creationId xmlns:a16="http://schemas.microsoft.com/office/drawing/2014/main" id="{A8B84411-7AEA-40C7-8FD3-2AAA3E2783F1}"/>
+              </a:ext>
+            </a:extLst>
+          </p:cNvPr>
+          <p:cNvSpPr/>
+          <p:nvPr/>
+        </p:nvSpPr>
+        <p:spPr>
+          <a:xfrm>
+            <a:off x="895736" y="3883621"/>
+            <a:ext cx="1110343" cy="690465"/>
+          </a:xfrm>
+          <a:prstGeom prst="rect">
+            <a:avLst/>
+          </a:prstGeom>
+        </p:spPr>
+        <p:style>
+          <a:lnRef idx="2">
+            <a:schemeClr val="accent3">
+              <a:shade val="50000"/>
+            </a:schemeClr>
+          </a:lnRef>
+          <a:fillRef idx="1">
+            <a:schemeClr val="accent3"/>
+          </a:fillRef>
+          <a:effectRef idx="0">
+            <a:schemeClr val="accent3"/>
+          </a:effectRef>
+          <a:fontRef idx="minor">
+            <a:schemeClr val="lt1"/>
+          </a:fontRef>
+        </p:style>
+        <p:txBody>
+          <a:bodyPr rot="0" spcFirstLastPara="0" vertOverflow="overflow" horzOverflow="overflow" vert="horz" wrap="square" lIns="91440" tIns="45720" rIns="91440" bIns="45720" numCol="1" spcCol="0" rtlCol="0" fromWordArt="0" anchor="ctr" anchorCtr="0" forceAA="0" compatLnSpc="1">
+            <a:prstTxWarp prst="textNoShape">
+              <a:avLst/>
+            </a:prstTxWarp>
+            <a:noAutofit/>
+          </a:bodyPr>
+          <a:lstStyle/>
+          <a:p>
+            <a:pPr algn="ctr"/>
+            <a:r>
+              <a:rPr lang="it-IT" dirty="0">
+                <a:ln w="0"/>
+                <a:solidFill>
+                  <a:schemeClr val="tx1"/>
+                </a:solidFill>
+                <a:effectLst>
+                  <a:outerShdw blurRad="38100" dist="19050" dir="2700000" algn="tl" rotWithShape="0">
+                    <a:schemeClr val="dk1">
+                      <a:alpha val="40000"/>
+                    </a:schemeClr>
+                  </a:outerShdw>
+                </a:effectLst>
+              </a:rPr>
+              <a:t>Android</a:t>
+            </a:r>
+          </a:p>
+        </p:txBody>
+      </p:sp>
+      <p:sp>
+        <p:nvSpPr>
+          <p:cNvPr id="10" name="Rectangle 9">
+            <a:extLst>
+              <a:ext uri="{FF2B5EF4-FFF2-40B4-BE49-F238E27FC236}">
+                <a16:creationId xmlns:a16="http://schemas.microsoft.com/office/drawing/2014/main" id="{B58A11F2-5F26-4DCA-B1C8-7D39B33A9019}"/>
+              </a:ext>
+            </a:extLst>
+          </p:cNvPr>
+          <p:cNvSpPr/>
+          <p:nvPr/>
+        </p:nvSpPr>
+        <p:spPr>
+          <a:xfrm>
+            <a:off x="895736" y="4686053"/>
+            <a:ext cx="1110343" cy="690465"/>
+          </a:xfrm>
+          <a:prstGeom prst="rect">
+            <a:avLst/>
+          </a:prstGeom>
+        </p:spPr>
+        <p:style>
+          <a:lnRef idx="2">
+            <a:schemeClr val="accent4">
+              <a:shade val="50000"/>
+            </a:schemeClr>
+          </a:lnRef>
+          <a:fillRef idx="1">
+            <a:schemeClr val="accent4"/>
+          </a:fillRef>
+          <a:effectRef idx="0">
+            <a:schemeClr val="accent4"/>
+          </a:effectRef>
+          <a:fontRef idx="minor">
+            <a:schemeClr val="lt1"/>
+          </a:fontRef>
+        </p:style>
+        <p:txBody>
+          <a:bodyPr rot="0" spcFirstLastPara="0" vertOverflow="overflow" horzOverflow="overflow" vert="horz" wrap="square" lIns="91440" tIns="45720" rIns="91440" bIns="45720" numCol="1" spcCol="0" rtlCol="0" fromWordArt="0" anchor="ctr" anchorCtr="0" forceAA="0" compatLnSpc="1">
+            <a:prstTxWarp prst="textNoShape">
+              <a:avLst/>
+            </a:prstTxWarp>
+            <a:noAutofit/>
+          </a:bodyPr>
+          <a:lstStyle/>
+          <a:p>
+            <a:pPr algn="ctr"/>
+            <a:r>
+              <a:rPr lang="it-IT" dirty="0">
+                <a:ln w="0"/>
+                <a:solidFill>
+                  <a:schemeClr val="tx1"/>
+                </a:solidFill>
+                <a:effectLst>
+                  <a:outerShdw blurRad="38100" dist="19050" dir="2700000" algn="tl" rotWithShape="0">
+                    <a:schemeClr val="dk1">
+                      <a:alpha val="40000"/>
+                    </a:schemeClr>
+                  </a:outerShdw>
+                </a:effectLst>
+              </a:rPr>
+              <a:t>iOS</a:t>
+            </a:r>
+          </a:p>
+        </p:txBody>
+      </p:sp>
+      <p:sp>
+        <p:nvSpPr>
+          <p:cNvPr id="11" name="Rectangle 10">
+            <a:extLst>
+              <a:ext uri="{FF2B5EF4-FFF2-40B4-BE49-F238E27FC236}">
+                <a16:creationId xmlns:a16="http://schemas.microsoft.com/office/drawing/2014/main" id="{AFEF2AF2-B510-4230-9435-D43D0BA58FB2}"/>
+              </a:ext>
+            </a:extLst>
+          </p:cNvPr>
+          <p:cNvSpPr/>
+          <p:nvPr/>
+        </p:nvSpPr>
+        <p:spPr>
+          <a:xfrm>
+            <a:off x="881734" y="5803930"/>
+            <a:ext cx="1110343" cy="690465"/>
+          </a:xfrm>
+          <a:prstGeom prst="rect">
+            <a:avLst/>
+          </a:prstGeom>
+        </p:spPr>
+        <p:style>
+          <a:lnRef idx="1">
+            <a:schemeClr val="dk1"/>
+          </a:lnRef>
+          <a:fillRef idx="2">
+            <a:schemeClr val="dk1"/>
+          </a:fillRef>
+          <a:effectRef idx="1">
+            <a:schemeClr val="dk1"/>
+          </a:effectRef>
+          <a:fontRef idx="minor">
+            <a:schemeClr val="dk1"/>
+          </a:fontRef>
+        </p:style>
+        <p:txBody>
+          <a:bodyPr rtlCol="0" anchor="ctr"/>
+          <a:lstStyle/>
+          <a:p>
+            <a:pPr algn="ctr"/>
+            <a:r>
+              <a:rPr lang="it-IT" dirty="0"/>
+              <a:t>3° Party</a:t>
+            </a:r>
+          </a:p>
+        </p:txBody>
+      </p:sp>
+      <p:sp>
+        <p:nvSpPr>
+          <p:cNvPr id="4" name="Rectangle: Rounded Corners 3">
+            <a:extLst>
+              <a:ext uri="{FF2B5EF4-FFF2-40B4-BE49-F238E27FC236}">
+                <a16:creationId xmlns:a16="http://schemas.microsoft.com/office/drawing/2014/main" id="{61E8C97A-33FF-46ED-B778-03691E86FFED}"/>
+              </a:ext>
+            </a:extLst>
+          </p:cNvPr>
+          <p:cNvSpPr/>
+          <p:nvPr/>
+        </p:nvSpPr>
+        <p:spPr>
+          <a:xfrm>
+            <a:off x="3353578" y="2062065"/>
+            <a:ext cx="1520890" cy="1243694"/>
+          </a:xfrm>
+          <a:prstGeom prst="roundRect">
+            <a:avLst/>
+          </a:prstGeom>
+        </p:spPr>
+        <p:style>
+          <a:lnRef idx="1">
+            <a:schemeClr val="accent3"/>
+          </a:lnRef>
+          <a:fillRef idx="3">
+            <a:schemeClr val="accent3"/>
+          </a:fillRef>
+          <a:effectRef idx="2">
+            <a:schemeClr val="accent3"/>
+          </a:effectRef>
+          <a:fontRef idx="minor">
+            <a:schemeClr val="lt1"/>
+          </a:fontRef>
+        </p:style>
+        <p:txBody>
+          <a:bodyPr rot="0" spcFirstLastPara="0" vertOverflow="overflow" horzOverflow="overflow" vert="horz" wrap="square" lIns="91440" tIns="45720" rIns="91440" bIns="45720" numCol="1" spcCol="0" rtlCol="0" fromWordArt="0" anchor="ctr" anchorCtr="0" forceAA="0" compatLnSpc="1">
+            <a:prstTxWarp prst="textNoShape">
+              <a:avLst/>
+            </a:prstTxWarp>
+            <a:noAutofit/>
+          </a:bodyPr>
+          <a:lstStyle/>
+          <a:p>
+            <a:pPr algn="ctr"/>
+            <a:r>
+              <a:rPr lang="it-IT" dirty="0">
+                <a:ln w="0"/>
+                <a:solidFill>
+                  <a:schemeClr val="tx1"/>
+                </a:solidFill>
+                <a:effectLst>
+                  <a:outerShdw blurRad="38100" dist="19050" dir="2700000" algn="tl" rotWithShape="0">
+                    <a:schemeClr val="dk1">
+                      <a:alpha val="40000"/>
+                    </a:schemeClr>
+                  </a:outerShdw>
+                </a:effectLst>
+              </a:rPr>
+              <a:t>BFF</a:t>
+            </a:r>
+          </a:p>
+          <a:p>
+            <a:pPr algn="ctr"/>
+            <a:r>
+              <a:rPr lang="it-IT" dirty="0">
+                <a:ln w="0"/>
+                <a:solidFill>
+                  <a:schemeClr val="tx1"/>
+                </a:solidFill>
+                <a:effectLst>
+                  <a:outerShdw blurRad="38100" dist="19050" dir="2700000" algn="tl" rotWithShape="0">
+                    <a:schemeClr val="dk1">
+                      <a:alpha val="40000"/>
+                    </a:schemeClr>
+                  </a:outerShdw>
+                </a:effectLst>
+              </a:rPr>
+              <a:t>Web Apps</a:t>
+            </a:r>
+          </a:p>
+        </p:txBody>
+      </p:sp>
+      <p:sp>
+        <p:nvSpPr>
+          <p:cNvPr id="13" name="Rectangle: Rounded Corners 12">
+            <a:extLst>
+              <a:ext uri="{FF2B5EF4-FFF2-40B4-BE49-F238E27FC236}">
+                <a16:creationId xmlns:a16="http://schemas.microsoft.com/office/drawing/2014/main" id="{E9AF20B5-3E7F-4E0C-A87B-D1DDCDD15E05}"/>
+              </a:ext>
+            </a:extLst>
+          </p:cNvPr>
+          <p:cNvSpPr/>
+          <p:nvPr/>
+        </p:nvSpPr>
+        <p:spPr>
+          <a:xfrm>
+            <a:off x="3353578" y="5440328"/>
+            <a:ext cx="1520890" cy="1243694"/>
+          </a:xfrm>
+          <a:prstGeom prst="roundRect">
+            <a:avLst/>
+          </a:prstGeom>
+        </p:spPr>
+        <p:style>
+          <a:lnRef idx="1">
+            <a:schemeClr val="accent5"/>
+          </a:lnRef>
+          <a:fillRef idx="3">
+            <a:schemeClr val="accent5"/>
+          </a:fillRef>
+          <a:effectRef idx="2">
+            <a:schemeClr val="accent5"/>
+          </a:effectRef>
+          <a:fontRef idx="minor">
+            <a:schemeClr val="lt1"/>
+          </a:fontRef>
+        </p:style>
+        <p:txBody>
+          <a:bodyPr rot="0" spcFirstLastPara="0" vertOverflow="overflow" horzOverflow="overflow" vert="horz" wrap="square" lIns="91440" tIns="45720" rIns="91440" bIns="45720" numCol="1" spcCol="0" rtlCol="0" fromWordArt="0" anchor="ctr" anchorCtr="0" forceAA="0" compatLnSpc="1">
+            <a:prstTxWarp prst="textNoShape">
+              <a:avLst/>
+            </a:prstTxWarp>
+            <a:noAutofit/>
+          </a:bodyPr>
+          <a:lstStyle/>
+          <a:p>
+            <a:pPr algn="ctr"/>
+            <a:r>
+              <a:rPr lang="it-IT" dirty="0">
+                <a:ln w="0"/>
+                <a:solidFill>
+                  <a:schemeClr val="tx1"/>
+                </a:solidFill>
+                <a:effectLst>
+                  <a:outerShdw blurRad="38100" dist="19050" dir="2700000" algn="tl" rotWithShape="0">
+                    <a:schemeClr val="dk1">
+                      <a:alpha val="40000"/>
+                    </a:schemeClr>
+                  </a:outerShdw>
+                </a:effectLst>
+              </a:rPr>
+              <a:t>BFF</a:t>
+            </a:r>
+          </a:p>
+          <a:p>
+            <a:pPr algn="ctr"/>
+            <a:r>
+              <a:rPr lang="it-IT" dirty="0">
+                <a:ln w="0"/>
+                <a:solidFill>
+                  <a:schemeClr val="tx1"/>
+                </a:solidFill>
+                <a:effectLst>
+                  <a:outerShdw blurRad="38100" dist="19050" dir="2700000" algn="tl" rotWithShape="0">
+                    <a:schemeClr val="dk1">
+                      <a:alpha val="40000"/>
+                    </a:schemeClr>
+                  </a:outerShdw>
+                </a:effectLst>
+              </a:rPr>
+              <a:t>Public API</a:t>
+            </a:r>
+          </a:p>
+        </p:txBody>
+      </p:sp>
+      <p:sp>
+        <p:nvSpPr>
+          <p:cNvPr id="14" name="Rectangle: Rounded Corners 13">
+            <a:extLst>
+              <a:ext uri="{FF2B5EF4-FFF2-40B4-BE49-F238E27FC236}">
+                <a16:creationId xmlns:a16="http://schemas.microsoft.com/office/drawing/2014/main" id="{B5207ADC-CDD0-4823-B827-46328C4E4EFA}"/>
+              </a:ext>
+            </a:extLst>
+          </p:cNvPr>
+          <p:cNvSpPr/>
+          <p:nvPr/>
+        </p:nvSpPr>
+        <p:spPr>
+          <a:xfrm>
+            <a:off x="3353578" y="3751196"/>
+            <a:ext cx="1520890" cy="1243694"/>
+          </a:xfrm>
+          <a:prstGeom prst="roundRect">
+            <a:avLst/>
+          </a:prstGeom>
+        </p:spPr>
+        <p:style>
+          <a:lnRef idx="1">
+            <a:schemeClr val="accent6"/>
+          </a:lnRef>
+          <a:fillRef idx="3">
+            <a:schemeClr val="accent6"/>
+          </a:fillRef>
+          <a:effectRef idx="2">
+            <a:schemeClr val="accent6"/>
+          </a:effectRef>
+          <a:fontRef idx="minor">
+            <a:schemeClr val="lt1"/>
+          </a:fontRef>
+        </p:style>
+        <p:txBody>
+          <a:bodyPr rot="0" spcFirstLastPara="0" vertOverflow="overflow" horzOverflow="overflow" vert="horz" wrap="square" lIns="91440" tIns="45720" rIns="91440" bIns="45720" numCol="1" spcCol="0" rtlCol="0" fromWordArt="0" anchor="ctr" anchorCtr="0" forceAA="0" compatLnSpc="1">
+            <a:prstTxWarp prst="textNoShape">
+              <a:avLst/>
+            </a:prstTxWarp>
+            <a:noAutofit/>
+          </a:bodyPr>
+          <a:lstStyle/>
+          <a:p>
+            <a:pPr algn="ctr"/>
+            <a:r>
+              <a:rPr lang="it-IT" dirty="0">
+                <a:ln w="0"/>
+                <a:solidFill>
+                  <a:schemeClr val="tx1"/>
+                </a:solidFill>
+                <a:effectLst>
+                  <a:outerShdw blurRad="38100" dist="19050" dir="2700000" algn="tl" rotWithShape="0">
+                    <a:schemeClr val="dk1">
+                      <a:alpha val="40000"/>
+                    </a:schemeClr>
+                  </a:outerShdw>
+                </a:effectLst>
+              </a:rPr>
+              <a:t>BFF</a:t>
+            </a:r>
+          </a:p>
+          <a:p>
+            <a:pPr algn="ctr"/>
+            <a:r>
+              <a:rPr lang="it-IT" dirty="0">
+                <a:ln w="0"/>
+                <a:solidFill>
+                  <a:schemeClr val="tx1"/>
+                </a:solidFill>
+                <a:effectLst>
+                  <a:outerShdw blurRad="38100" dist="19050" dir="2700000" algn="tl" rotWithShape="0">
+                    <a:schemeClr val="dk1">
+                      <a:alpha val="40000"/>
+                    </a:schemeClr>
+                  </a:outerShdw>
+                </a:effectLst>
+              </a:rPr>
+              <a:t>Mobile Apps</a:t>
+            </a:r>
+          </a:p>
+        </p:txBody>
+      </p:sp>
+      <p:sp>
+        <p:nvSpPr>
+          <p:cNvPr id="15" name="Oval 14">
+            <a:extLst>
+              <a:ext uri="{FF2B5EF4-FFF2-40B4-BE49-F238E27FC236}">
+                <a16:creationId xmlns:a16="http://schemas.microsoft.com/office/drawing/2014/main" id="{8FD3EC83-F1C4-43FC-85B5-87D9019C494E}"/>
+              </a:ext>
+            </a:extLst>
+          </p:cNvPr>
+          <p:cNvSpPr/>
+          <p:nvPr/>
+        </p:nvSpPr>
+        <p:spPr>
+          <a:xfrm>
+            <a:off x="6699379" y="3600399"/>
+            <a:ext cx="1800808" cy="1508547"/>
+          </a:xfrm>
+          <a:prstGeom prst="ellipse">
+            <a:avLst/>
+          </a:prstGeom>
+        </p:spPr>
+        <p:style>
+          <a:lnRef idx="1">
+            <a:schemeClr val="accent2"/>
+          </a:lnRef>
+          <a:fillRef idx="3">
+            <a:schemeClr val="accent2"/>
+          </a:fillRef>
+          <a:effectRef idx="2">
+            <a:schemeClr val="accent2"/>
+          </a:effectRef>
+          <a:fontRef idx="minor">
+            <a:schemeClr val="lt1"/>
+          </a:fontRef>
+        </p:style>
+        <p:txBody>
+          <a:bodyPr rot="0" spcFirstLastPara="0" vertOverflow="overflow" horzOverflow="overflow" vert="horz" wrap="square" lIns="91440" tIns="45720" rIns="91440" bIns="45720" numCol="1" spcCol="0" rtlCol="0" fromWordArt="0" anchor="ctr" anchorCtr="0" forceAA="0" compatLnSpc="1">
+            <a:prstTxWarp prst="textNoShape">
+              <a:avLst/>
+            </a:prstTxWarp>
+            <a:noAutofit/>
+          </a:bodyPr>
+          <a:lstStyle/>
+          <a:p>
+            <a:pPr algn="ctr"/>
+            <a:r>
+              <a:rPr lang="it-IT" dirty="0">
+                <a:ln w="0"/>
+                <a:solidFill>
+                  <a:schemeClr val="tx1"/>
+                </a:solidFill>
+                <a:effectLst>
+                  <a:outerShdw blurRad="38100" dist="19050" dir="2700000" algn="tl" rotWithShape="0">
+                    <a:schemeClr val="dk1">
+                      <a:alpha val="40000"/>
+                    </a:schemeClr>
+                  </a:outerShdw>
+                </a:effectLst>
+              </a:rPr>
+              <a:t>SVC</a:t>
+            </a:r>
+          </a:p>
+        </p:txBody>
+      </p:sp>
+      <p:cxnSp>
+        <p:nvCxnSpPr>
+          <p:cNvPr id="17" name="Straight Arrow Connector 16">
+            <a:extLst>
+              <a:ext uri="{FF2B5EF4-FFF2-40B4-BE49-F238E27FC236}">
+                <a16:creationId xmlns:a16="http://schemas.microsoft.com/office/drawing/2014/main" id="{D7A7F9B8-3094-48DC-A4CE-CA7252981EF7}"/>
+              </a:ext>
+            </a:extLst>
+          </p:cNvPr>
+          <p:cNvCxnSpPr>
+            <a:stCxn id="3" idx="3"/>
+            <a:endCxn id="4" idx="1"/>
+          </p:cNvCxnSpPr>
+          <p:nvPr/>
+        </p:nvCxnSpPr>
+        <p:spPr>
+          <a:xfrm>
+            <a:off x="2020081" y="2365746"/>
+            <a:ext cx="1333497" cy="318166"/>
+          </a:xfrm>
+          <a:prstGeom prst="straightConnector1">
+            <a:avLst/>
+          </a:prstGeom>
+          <a:ln>
+            <a:tailEnd type="triangle"/>
+          </a:ln>
+        </p:spPr>
+        <p:style>
+          <a:lnRef idx="2">
+            <a:schemeClr val="dk1"/>
+          </a:lnRef>
+          <a:fillRef idx="0">
+            <a:schemeClr val="dk1"/>
+          </a:fillRef>
+          <a:effectRef idx="1">
+            <a:schemeClr val="dk1"/>
+          </a:effectRef>
+          <a:fontRef idx="minor">
+            <a:schemeClr val="tx1"/>
+          </a:fontRef>
+        </p:style>
+      </p:cxnSp>
+      <p:cxnSp>
+        <p:nvCxnSpPr>
+          <p:cNvPr id="18" name="Straight Arrow Connector 17">
+            <a:extLst>
+              <a:ext uri="{FF2B5EF4-FFF2-40B4-BE49-F238E27FC236}">
+                <a16:creationId xmlns:a16="http://schemas.microsoft.com/office/drawing/2014/main" id="{BC62D5E6-D892-4A73-AF5D-C8E33CDE25F1}"/>
+              </a:ext>
+            </a:extLst>
+          </p:cNvPr>
+          <p:cNvCxnSpPr>
+            <a:cxnSpLocks/>
+            <a:stCxn id="8" idx="3"/>
+            <a:endCxn id="4" idx="1"/>
+          </p:cNvCxnSpPr>
+          <p:nvPr/>
+        </p:nvCxnSpPr>
+        <p:spPr>
+          <a:xfrm flipV="1">
+            <a:off x="2020081" y="2683912"/>
+            <a:ext cx="1333497" cy="477658"/>
+          </a:xfrm>
+          <a:prstGeom prst="straightConnector1">
+            <a:avLst/>
+          </a:prstGeom>
+          <a:ln>
+            <a:tailEnd type="triangle"/>
+          </a:ln>
+        </p:spPr>
+        <p:style>
+          <a:lnRef idx="2">
+            <a:schemeClr val="dk1"/>
+          </a:lnRef>
+          <a:fillRef idx="0">
+            <a:schemeClr val="dk1"/>
+          </a:fillRef>
+          <a:effectRef idx="1">
+            <a:schemeClr val="dk1"/>
+          </a:effectRef>
+          <a:fontRef idx="minor">
+            <a:schemeClr val="tx1"/>
+          </a:fontRef>
+        </p:style>
+      </p:cxnSp>
+      <p:cxnSp>
+        <p:nvCxnSpPr>
+          <p:cNvPr id="21" name="Straight Arrow Connector 20">
+            <a:extLst>
+              <a:ext uri="{FF2B5EF4-FFF2-40B4-BE49-F238E27FC236}">
+                <a16:creationId xmlns:a16="http://schemas.microsoft.com/office/drawing/2014/main" id="{F860207C-37FD-46FC-9708-835AFD9DF0C6}"/>
+              </a:ext>
+            </a:extLst>
+          </p:cNvPr>
+          <p:cNvCxnSpPr>
+            <a:cxnSpLocks/>
+            <a:stCxn id="9" idx="3"/>
+            <a:endCxn id="14" idx="1"/>
+          </p:cNvCxnSpPr>
+          <p:nvPr/>
+        </p:nvCxnSpPr>
+        <p:spPr>
+          <a:xfrm>
+            <a:off x="2006079" y="4228854"/>
+            <a:ext cx="1347499" cy="144189"/>
+          </a:xfrm>
+          <a:prstGeom prst="straightConnector1">
+            <a:avLst/>
+          </a:prstGeom>
+          <a:ln>
+            <a:tailEnd type="triangle"/>
+          </a:ln>
+        </p:spPr>
+        <p:style>
+          <a:lnRef idx="2">
+            <a:schemeClr val="dk1"/>
+          </a:lnRef>
+          <a:fillRef idx="0">
+            <a:schemeClr val="dk1"/>
+          </a:fillRef>
+          <a:effectRef idx="1">
+            <a:schemeClr val="dk1"/>
+          </a:effectRef>
+          <a:fontRef idx="minor">
+            <a:schemeClr val="tx1"/>
+          </a:fontRef>
+        </p:style>
+      </p:cxnSp>
+      <p:cxnSp>
+        <p:nvCxnSpPr>
+          <p:cNvPr id="24" name="Straight Arrow Connector 23">
+            <a:extLst>
+              <a:ext uri="{FF2B5EF4-FFF2-40B4-BE49-F238E27FC236}">
+                <a16:creationId xmlns:a16="http://schemas.microsoft.com/office/drawing/2014/main" id="{4E3D44B4-7F76-4B19-BA8D-CCEFF3DE783E}"/>
+              </a:ext>
+            </a:extLst>
+          </p:cNvPr>
+          <p:cNvCxnSpPr>
+            <a:cxnSpLocks/>
+            <a:stCxn id="10" idx="3"/>
+            <a:endCxn id="14" idx="1"/>
+          </p:cNvCxnSpPr>
+          <p:nvPr/>
+        </p:nvCxnSpPr>
+        <p:spPr>
+          <a:xfrm flipV="1">
+            <a:off x="2006079" y="4373043"/>
+            <a:ext cx="1347499" cy="658243"/>
+          </a:xfrm>
+          <a:prstGeom prst="straightConnector1">
+            <a:avLst/>
+          </a:prstGeom>
+          <a:ln>
+            <a:tailEnd type="triangle"/>
+          </a:ln>
+        </p:spPr>
+        <p:style>
+          <a:lnRef idx="2">
+            <a:schemeClr val="dk1"/>
+          </a:lnRef>
+          <a:fillRef idx="0">
+            <a:schemeClr val="dk1"/>
+          </a:fillRef>
+          <a:effectRef idx="1">
+            <a:schemeClr val="dk1"/>
+          </a:effectRef>
+          <a:fontRef idx="minor">
+            <a:schemeClr val="tx1"/>
+          </a:fontRef>
+        </p:style>
+      </p:cxnSp>
+      <p:cxnSp>
+        <p:nvCxnSpPr>
+          <p:cNvPr id="27" name="Straight Arrow Connector 26">
+            <a:extLst>
+              <a:ext uri="{FF2B5EF4-FFF2-40B4-BE49-F238E27FC236}">
+                <a16:creationId xmlns:a16="http://schemas.microsoft.com/office/drawing/2014/main" id="{2142D1C1-CABD-403D-A907-AFAFFF6ECAD4}"/>
+              </a:ext>
+            </a:extLst>
+          </p:cNvPr>
+          <p:cNvCxnSpPr>
+            <a:cxnSpLocks/>
+            <a:stCxn id="11" idx="3"/>
+            <a:endCxn id="13" idx="1"/>
+          </p:cNvCxnSpPr>
+          <p:nvPr/>
+        </p:nvCxnSpPr>
+        <p:spPr>
+          <a:xfrm flipV="1">
+            <a:off x="1992077" y="6062175"/>
+            <a:ext cx="1361501" cy="86988"/>
+          </a:xfrm>
+          <a:prstGeom prst="straightConnector1">
+            <a:avLst/>
+          </a:prstGeom>
+          <a:ln>
+            <a:tailEnd type="triangle"/>
+          </a:ln>
+        </p:spPr>
+        <p:style>
+          <a:lnRef idx="2">
+            <a:schemeClr val="dk1"/>
+          </a:lnRef>
+          <a:fillRef idx="0">
+            <a:schemeClr val="dk1"/>
+          </a:fillRef>
+          <a:effectRef idx="1">
+            <a:schemeClr val="dk1"/>
+          </a:effectRef>
+          <a:fontRef idx="minor">
+            <a:schemeClr val="tx1"/>
+          </a:fontRef>
+        </p:style>
+      </p:cxnSp>
+      <p:cxnSp>
+        <p:nvCxnSpPr>
+          <p:cNvPr id="30" name="Straight Arrow Connector 29">
+            <a:extLst>
+              <a:ext uri="{FF2B5EF4-FFF2-40B4-BE49-F238E27FC236}">
+                <a16:creationId xmlns:a16="http://schemas.microsoft.com/office/drawing/2014/main" id="{EEE9540E-D928-4764-B0BD-F1C191155D31}"/>
+              </a:ext>
+            </a:extLst>
+          </p:cNvPr>
+          <p:cNvCxnSpPr>
+            <a:cxnSpLocks/>
+            <a:endCxn id="15" idx="1"/>
+          </p:cNvCxnSpPr>
+          <p:nvPr/>
+        </p:nvCxnSpPr>
+        <p:spPr>
+          <a:xfrm>
+            <a:off x="4874468" y="2710978"/>
+            <a:ext cx="2088633" cy="1110343"/>
+          </a:xfrm>
+          <a:prstGeom prst="straightConnector1">
+            <a:avLst/>
+          </a:prstGeom>
+          <a:ln>
+            <a:tailEnd type="triangle"/>
+          </a:ln>
+        </p:spPr>
+        <p:style>
+          <a:lnRef idx="2">
+            <a:schemeClr val="dk1"/>
+          </a:lnRef>
+          <a:fillRef idx="0">
+            <a:schemeClr val="dk1"/>
+          </a:fillRef>
+          <a:effectRef idx="1">
+            <a:schemeClr val="dk1"/>
+          </a:effectRef>
+          <a:fontRef idx="minor">
+            <a:schemeClr val="tx1"/>
+          </a:fontRef>
+        </p:style>
+      </p:cxnSp>
+      <p:cxnSp>
+        <p:nvCxnSpPr>
+          <p:cNvPr id="33" name="Straight Arrow Connector 32">
+            <a:extLst>
+              <a:ext uri="{FF2B5EF4-FFF2-40B4-BE49-F238E27FC236}">
+                <a16:creationId xmlns:a16="http://schemas.microsoft.com/office/drawing/2014/main" id="{735F16B8-5BB7-44FC-A8A4-95B8F5E200F2}"/>
+              </a:ext>
+            </a:extLst>
+          </p:cNvPr>
+          <p:cNvCxnSpPr>
+            <a:cxnSpLocks/>
+            <a:stCxn id="14" idx="3"/>
+            <a:endCxn id="15" idx="2"/>
+          </p:cNvCxnSpPr>
+          <p:nvPr/>
+        </p:nvCxnSpPr>
+        <p:spPr>
+          <a:xfrm flipV="1">
+            <a:off x="4874468" y="4354673"/>
+            <a:ext cx="1824911" cy="18370"/>
+          </a:xfrm>
+          <a:prstGeom prst="straightConnector1">
+            <a:avLst/>
+          </a:prstGeom>
+          <a:ln>
+            <a:tailEnd type="triangle"/>
+          </a:ln>
+        </p:spPr>
+        <p:style>
+          <a:lnRef idx="2">
+            <a:schemeClr val="dk1"/>
+          </a:lnRef>
+          <a:fillRef idx="0">
+            <a:schemeClr val="dk1"/>
+          </a:fillRef>
+          <a:effectRef idx="1">
+            <a:schemeClr val="dk1"/>
+          </a:effectRef>
+          <a:fontRef idx="minor">
+            <a:schemeClr val="tx1"/>
+          </a:fontRef>
+        </p:style>
+      </p:cxnSp>
+      <p:cxnSp>
+        <p:nvCxnSpPr>
+          <p:cNvPr id="36" name="Straight Arrow Connector 35">
+            <a:extLst>
+              <a:ext uri="{FF2B5EF4-FFF2-40B4-BE49-F238E27FC236}">
+                <a16:creationId xmlns:a16="http://schemas.microsoft.com/office/drawing/2014/main" id="{0F284597-9800-42EF-8C93-07095DEF53D2}"/>
+              </a:ext>
+            </a:extLst>
+          </p:cNvPr>
+          <p:cNvCxnSpPr>
+            <a:cxnSpLocks/>
+            <a:stCxn id="13" idx="3"/>
+            <a:endCxn id="15" idx="3"/>
+          </p:cNvCxnSpPr>
+          <p:nvPr/>
+        </p:nvCxnSpPr>
+        <p:spPr>
+          <a:xfrm flipV="1">
+            <a:off x="4874468" y="4888024"/>
+            <a:ext cx="2088633" cy="1174151"/>
+          </a:xfrm>
+          <a:prstGeom prst="straightConnector1">
+            <a:avLst/>
+          </a:prstGeom>
+          <a:ln>
+            <a:tailEnd type="triangle"/>
+          </a:ln>
+        </p:spPr>
+        <p:style>
+          <a:lnRef idx="2">
+            <a:schemeClr val="dk1"/>
+          </a:lnRef>
+          <a:fillRef idx="0">
+            <a:schemeClr val="dk1"/>
+          </a:fillRef>
+          <a:effectRef idx="1">
+            <a:schemeClr val="dk1"/>
+          </a:effectRef>
+          <a:fontRef idx="minor">
+            <a:schemeClr val="tx1"/>
+          </a:fontRef>
+        </p:style>
+      </p:cxnSp>
     </p:spTree>
     <p:extLst>
       <p:ext uri="{BB962C8B-B14F-4D97-AF65-F5344CB8AC3E}">
-        <p14:creationId xmlns:p14="http://schemas.microsoft.com/office/powerpoint/2010/main" val="2249306102"/>
+        <p14:creationId xmlns:p14="http://schemas.microsoft.com/office/powerpoint/2010/main" val="3519078401"/>
       </p:ext>
     </p:extLst>
   </p:cSld>
   <p:clrMapOvr>
     <a:masterClrMapping/>
   </p:clrMapOvr>
+  <p:timing>
+    <p:tnLst>
+      <p:par>
+        <p:cTn id="1" dur="indefinite" restart="never" nodeType="tmRoot">
+          <p:childTnLst>
+            <p:seq concurrent="1" nextAc="seek">
+              <p:cTn id="2" dur="indefinite" nodeType="mainSeq">
+                <p:childTnLst>
+                  <p:par>
+                    <p:cTn id="3" fill="hold">
+                      <p:stCondLst>
+                        <p:cond delay="indefinite"/>
+                      </p:stCondLst>
+                      <p:childTnLst>
+                        <p:par>
+                          <p:cTn id="4" fill="hold">
+                            <p:stCondLst>
+                              <p:cond delay="0"/>
+                            </p:stCondLst>
+                            <p:childTnLst>
+                              <p:par>
+                                <p:cTn id="5" presetID="10" presetClass="entr" presetSubtype="0" fill="hold" grpId="0" nodeType="clickEffect">
+                                  <p:stCondLst>
+                                    <p:cond delay="0"/>
+                                  </p:stCondLst>
+                                  <p:childTnLst>
+                                    <p:set>
+                                      <p:cBhvr>
+                                        <p:cTn id="6" dur="1" fill="hold">
+                                          <p:stCondLst>
+                                            <p:cond delay="0"/>
+                                          </p:stCondLst>
+                                        </p:cTn>
+                                        <p:tgtEl>
+                                          <p:spTgt spid="3"/>
+                                        </p:tgtEl>
+                                        <p:attrNameLst>
+                                          <p:attrName>style.visibility</p:attrName>
+                                        </p:attrNameLst>
+                                      </p:cBhvr>
+                                      <p:to>
+                                        <p:strVal val="visible"/>
+                                      </p:to>
+                                    </p:set>
+                                    <p:animEffect transition="in" filter="fade">
+                                      <p:cBhvr>
+                                        <p:cTn id="7" dur="500"/>
+                                        <p:tgtEl>
+                                          <p:spTgt spid="3"/>
+                                        </p:tgtEl>
+                                      </p:cBhvr>
+                                    </p:animEffect>
+                                  </p:childTnLst>
+                                </p:cTn>
+                              </p:par>
+                            </p:childTnLst>
+                          </p:cTn>
+                        </p:par>
+                        <p:par>
+                          <p:cTn id="8" fill="hold">
+                            <p:stCondLst>
+                              <p:cond delay="500"/>
+                            </p:stCondLst>
+                            <p:childTnLst>
+                              <p:par>
+                                <p:cTn id="9" presetID="10" presetClass="entr" presetSubtype="0" fill="hold" grpId="0" nodeType="afterEffect">
+                                  <p:stCondLst>
+                                    <p:cond delay="0"/>
+                                  </p:stCondLst>
+                                  <p:childTnLst>
+                                    <p:set>
+                                      <p:cBhvr>
+                                        <p:cTn id="10" dur="1" fill="hold">
+                                          <p:stCondLst>
+                                            <p:cond delay="0"/>
+                                          </p:stCondLst>
+                                        </p:cTn>
+                                        <p:tgtEl>
+                                          <p:spTgt spid="8"/>
+                                        </p:tgtEl>
+                                        <p:attrNameLst>
+                                          <p:attrName>style.visibility</p:attrName>
+                                        </p:attrNameLst>
+                                      </p:cBhvr>
+                                      <p:to>
+                                        <p:strVal val="visible"/>
+                                      </p:to>
+                                    </p:set>
+                                    <p:animEffect transition="in" filter="fade">
+                                      <p:cBhvr>
+                                        <p:cTn id="11" dur="500"/>
+                                        <p:tgtEl>
+                                          <p:spTgt spid="8"/>
+                                        </p:tgtEl>
+                                      </p:cBhvr>
+                                    </p:animEffect>
+                                  </p:childTnLst>
+                                </p:cTn>
+                              </p:par>
+                            </p:childTnLst>
+                          </p:cTn>
+                        </p:par>
+                      </p:childTnLst>
+                    </p:cTn>
+                  </p:par>
+                  <p:par>
+                    <p:cTn id="12" fill="hold">
+                      <p:stCondLst>
+                        <p:cond delay="indefinite"/>
+                      </p:stCondLst>
+                      <p:childTnLst>
+                        <p:par>
+                          <p:cTn id="13" fill="hold">
+                            <p:stCondLst>
+                              <p:cond delay="0"/>
+                            </p:stCondLst>
+                            <p:childTnLst>
+                              <p:par>
+                                <p:cTn id="14" presetID="10" presetClass="entr" presetSubtype="0" fill="hold" grpId="0" nodeType="clickEffect">
+                                  <p:stCondLst>
+                                    <p:cond delay="0"/>
+                                  </p:stCondLst>
+                                  <p:childTnLst>
+                                    <p:set>
+                                      <p:cBhvr>
+                                        <p:cTn id="15" dur="1" fill="hold">
+                                          <p:stCondLst>
+                                            <p:cond delay="0"/>
+                                          </p:stCondLst>
+                                        </p:cTn>
+                                        <p:tgtEl>
+                                          <p:spTgt spid="9"/>
+                                        </p:tgtEl>
+                                        <p:attrNameLst>
+                                          <p:attrName>style.visibility</p:attrName>
+                                        </p:attrNameLst>
+                                      </p:cBhvr>
+                                      <p:to>
+                                        <p:strVal val="visible"/>
+                                      </p:to>
+                                    </p:set>
+                                    <p:animEffect transition="in" filter="fade">
+                                      <p:cBhvr>
+                                        <p:cTn id="16" dur="500"/>
+                                        <p:tgtEl>
+                                          <p:spTgt spid="9"/>
+                                        </p:tgtEl>
+                                      </p:cBhvr>
+                                    </p:animEffect>
+                                  </p:childTnLst>
+                                </p:cTn>
+                              </p:par>
+                            </p:childTnLst>
+                          </p:cTn>
+                        </p:par>
+                        <p:par>
+                          <p:cTn id="17" fill="hold">
+                            <p:stCondLst>
+                              <p:cond delay="500"/>
+                            </p:stCondLst>
+                            <p:childTnLst>
+                              <p:par>
+                                <p:cTn id="18" presetID="10" presetClass="entr" presetSubtype="0" fill="hold" grpId="0" nodeType="afterEffect">
+                                  <p:stCondLst>
+                                    <p:cond delay="0"/>
+                                  </p:stCondLst>
+                                  <p:childTnLst>
+                                    <p:set>
+                                      <p:cBhvr>
+                                        <p:cTn id="19" dur="1" fill="hold">
+                                          <p:stCondLst>
+                                            <p:cond delay="0"/>
+                                          </p:stCondLst>
+                                        </p:cTn>
+                                        <p:tgtEl>
+                                          <p:spTgt spid="10"/>
+                                        </p:tgtEl>
+                                        <p:attrNameLst>
+                                          <p:attrName>style.visibility</p:attrName>
+                                        </p:attrNameLst>
+                                      </p:cBhvr>
+                                      <p:to>
+                                        <p:strVal val="visible"/>
+                                      </p:to>
+                                    </p:set>
+                                    <p:animEffect transition="in" filter="fade">
+                                      <p:cBhvr>
+                                        <p:cTn id="20" dur="500"/>
+                                        <p:tgtEl>
+                                          <p:spTgt spid="10"/>
+                                        </p:tgtEl>
+                                      </p:cBhvr>
+                                    </p:animEffect>
+                                  </p:childTnLst>
+                                </p:cTn>
+                              </p:par>
+                            </p:childTnLst>
+                          </p:cTn>
+                        </p:par>
+                      </p:childTnLst>
+                    </p:cTn>
+                  </p:par>
+                  <p:par>
+                    <p:cTn id="21" fill="hold">
+                      <p:stCondLst>
+                        <p:cond delay="indefinite"/>
+                      </p:stCondLst>
+                      <p:childTnLst>
+                        <p:par>
+                          <p:cTn id="22" fill="hold">
+                            <p:stCondLst>
+                              <p:cond delay="0"/>
+                            </p:stCondLst>
+                            <p:childTnLst>
+                              <p:par>
+                                <p:cTn id="23" presetID="10" presetClass="entr" presetSubtype="0" fill="hold" grpId="0" nodeType="clickEffect">
+                                  <p:stCondLst>
+                                    <p:cond delay="0"/>
+                                  </p:stCondLst>
+                                  <p:childTnLst>
+                                    <p:set>
+                                      <p:cBhvr>
+                                        <p:cTn id="24" dur="1" fill="hold">
+                                          <p:stCondLst>
+                                            <p:cond delay="0"/>
+                                          </p:stCondLst>
+                                        </p:cTn>
+                                        <p:tgtEl>
+                                          <p:spTgt spid="11"/>
+                                        </p:tgtEl>
+                                        <p:attrNameLst>
+                                          <p:attrName>style.visibility</p:attrName>
+                                        </p:attrNameLst>
+                                      </p:cBhvr>
+                                      <p:to>
+                                        <p:strVal val="visible"/>
+                                      </p:to>
+                                    </p:set>
+                                    <p:animEffect transition="in" filter="fade">
+                                      <p:cBhvr>
+                                        <p:cTn id="25" dur="500"/>
+                                        <p:tgtEl>
+                                          <p:spTgt spid="11"/>
+                                        </p:tgtEl>
+                                      </p:cBhvr>
+                                    </p:animEffect>
+                                  </p:childTnLst>
+                                </p:cTn>
+                              </p:par>
+                            </p:childTnLst>
+                          </p:cTn>
+                        </p:par>
+                      </p:childTnLst>
+                    </p:cTn>
+                  </p:par>
+                  <p:par>
+                    <p:cTn id="26" fill="hold">
+                      <p:stCondLst>
+                        <p:cond delay="indefinite"/>
+                      </p:stCondLst>
+                      <p:childTnLst>
+                        <p:par>
+                          <p:cTn id="27" fill="hold">
+                            <p:stCondLst>
+                              <p:cond delay="0"/>
+                            </p:stCondLst>
+                            <p:childTnLst>
+                              <p:par>
+                                <p:cTn id="28" presetID="1" presetClass="entr" presetSubtype="0" fill="hold" grpId="0" nodeType="clickEffect">
+                                  <p:stCondLst>
+                                    <p:cond delay="0"/>
+                                  </p:stCondLst>
+                                  <p:childTnLst>
+                                    <p:set>
+                                      <p:cBhvr>
+                                        <p:cTn id="29" dur="1" fill="hold">
+                                          <p:stCondLst>
+                                            <p:cond delay="0"/>
+                                          </p:stCondLst>
+                                        </p:cTn>
+                                        <p:tgtEl>
+                                          <p:spTgt spid="15"/>
+                                        </p:tgtEl>
+                                        <p:attrNameLst>
+                                          <p:attrName>style.visibility</p:attrName>
+                                        </p:attrNameLst>
+                                      </p:cBhvr>
+                                      <p:to>
+                                        <p:strVal val="visible"/>
+                                      </p:to>
+                                    </p:set>
+                                  </p:childTnLst>
+                                </p:cTn>
+                              </p:par>
+                            </p:childTnLst>
+                          </p:cTn>
+                        </p:par>
+                      </p:childTnLst>
+                    </p:cTn>
+                  </p:par>
+                  <p:par>
+                    <p:cTn id="30" fill="hold">
+                      <p:stCondLst>
+                        <p:cond delay="indefinite"/>
+                      </p:stCondLst>
+                      <p:childTnLst>
+                        <p:par>
+                          <p:cTn id="31" fill="hold">
+                            <p:stCondLst>
+                              <p:cond delay="0"/>
+                            </p:stCondLst>
+                            <p:childTnLst>
+                              <p:par>
+                                <p:cTn id="32" presetID="10" presetClass="entr" presetSubtype="0" fill="hold" grpId="0" nodeType="clickEffect">
+                                  <p:stCondLst>
+                                    <p:cond delay="0"/>
+                                  </p:stCondLst>
+                                  <p:childTnLst>
+                                    <p:set>
+                                      <p:cBhvr>
+                                        <p:cTn id="33" dur="1" fill="hold">
+                                          <p:stCondLst>
+                                            <p:cond delay="0"/>
+                                          </p:stCondLst>
+                                        </p:cTn>
+                                        <p:tgtEl>
+                                          <p:spTgt spid="4"/>
+                                        </p:tgtEl>
+                                        <p:attrNameLst>
+                                          <p:attrName>style.visibility</p:attrName>
+                                        </p:attrNameLst>
+                                      </p:cBhvr>
+                                      <p:to>
+                                        <p:strVal val="visible"/>
+                                      </p:to>
+                                    </p:set>
+                                    <p:animEffect transition="in" filter="fade">
+                                      <p:cBhvr>
+                                        <p:cTn id="34" dur="500"/>
+                                        <p:tgtEl>
+                                          <p:spTgt spid="4"/>
+                                        </p:tgtEl>
+                                      </p:cBhvr>
+                                    </p:animEffect>
+                                  </p:childTnLst>
+                                </p:cTn>
+                              </p:par>
+                            </p:childTnLst>
+                          </p:cTn>
+                        </p:par>
+                        <p:par>
+                          <p:cTn id="35" fill="hold">
+                            <p:stCondLst>
+                              <p:cond delay="500"/>
+                            </p:stCondLst>
+                            <p:childTnLst>
+                              <p:par>
+                                <p:cTn id="36" presetID="10" presetClass="entr" presetSubtype="0" fill="hold" nodeType="afterEffect">
+                                  <p:stCondLst>
+                                    <p:cond delay="0"/>
+                                  </p:stCondLst>
+                                  <p:childTnLst>
+                                    <p:set>
+                                      <p:cBhvr>
+                                        <p:cTn id="37" dur="1" fill="hold">
+                                          <p:stCondLst>
+                                            <p:cond delay="0"/>
+                                          </p:stCondLst>
+                                        </p:cTn>
+                                        <p:tgtEl>
+                                          <p:spTgt spid="17"/>
+                                        </p:tgtEl>
+                                        <p:attrNameLst>
+                                          <p:attrName>style.visibility</p:attrName>
+                                        </p:attrNameLst>
+                                      </p:cBhvr>
+                                      <p:to>
+                                        <p:strVal val="visible"/>
+                                      </p:to>
+                                    </p:set>
+                                    <p:animEffect transition="in" filter="fade">
+                                      <p:cBhvr>
+                                        <p:cTn id="38" dur="500"/>
+                                        <p:tgtEl>
+                                          <p:spTgt spid="17"/>
+                                        </p:tgtEl>
+                                      </p:cBhvr>
+                                    </p:animEffect>
+                                  </p:childTnLst>
+                                </p:cTn>
+                              </p:par>
+                            </p:childTnLst>
+                          </p:cTn>
+                        </p:par>
+                        <p:par>
+                          <p:cTn id="39" fill="hold">
+                            <p:stCondLst>
+                              <p:cond delay="1000"/>
+                            </p:stCondLst>
+                            <p:childTnLst>
+                              <p:par>
+                                <p:cTn id="40" presetID="10" presetClass="entr" presetSubtype="0" fill="hold" nodeType="afterEffect">
+                                  <p:stCondLst>
+                                    <p:cond delay="0"/>
+                                  </p:stCondLst>
+                                  <p:childTnLst>
+                                    <p:set>
+                                      <p:cBhvr>
+                                        <p:cTn id="41" dur="1" fill="hold">
+                                          <p:stCondLst>
+                                            <p:cond delay="0"/>
+                                          </p:stCondLst>
+                                        </p:cTn>
+                                        <p:tgtEl>
+                                          <p:spTgt spid="18"/>
+                                        </p:tgtEl>
+                                        <p:attrNameLst>
+                                          <p:attrName>style.visibility</p:attrName>
+                                        </p:attrNameLst>
+                                      </p:cBhvr>
+                                      <p:to>
+                                        <p:strVal val="visible"/>
+                                      </p:to>
+                                    </p:set>
+                                    <p:animEffect transition="in" filter="fade">
+                                      <p:cBhvr>
+                                        <p:cTn id="42" dur="500"/>
+                                        <p:tgtEl>
+                                          <p:spTgt spid="18"/>
+                                        </p:tgtEl>
+                                      </p:cBhvr>
+                                    </p:animEffect>
+                                  </p:childTnLst>
+                                </p:cTn>
+                              </p:par>
+                            </p:childTnLst>
+                          </p:cTn>
+                        </p:par>
+                        <p:par>
+                          <p:cTn id="43" fill="hold">
+                            <p:stCondLst>
+                              <p:cond delay="1500"/>
+                            </p:stCondLst>
+                            <p:childTnLst>
+                              <p:par>
+                                <p:cTn id="44" presetID="10" presetClass="entr" presetSubtype="0" fill="hold" nodeType="afterEffect">
+                                  <p:stCondLst>
+                                    <p:cond delay="0"/>
+                                  </p:stCondLst>
+                                  <p:childTnLst>
+                                    <p:set>
+                                      <p:cBhvr>
+                                        <p:cTn id="45" dur="1" fill="hold">
+                                          <p:stCondLst>
+                                            <p:cond delay="0"/>
+                                          </p:stCondLst>
+                                        </p:cTn>
+                                        <p:tgtEl>
+                                          <p:spTgt spid="30"/>
+                                        </p:tgtEl>
+                                        <p:attrNameLst>
+                                          <p:attrName>style.visibility</p:attrName>
+                                        </p:attrNameLst>
+                                      </p:cBhvr>
+                                      <p:to>
+                                        <p:strVal val="visible"/>
+                                      </p:to>
+                                    </p:set>
+                                    <p:animEffect transition="in" filter="fade">
+                                      <p:cBhvr>
+                                        <p:cTn id="46" dur="500"/>
+                                        <p:tgtEl>
+                                          <p:spTgt spid="30"/>
+                                        </p:tgtEl>
+                                      </p:cBhvr>
+                                    </p:animEffect>
+                                  </p:childTnLst>
+                                </p:cTn>
+                              </p:par>
+                            </p:childTnLst>
+                          </p:cTn>
+                        </p:par>
+                      </p:childTnLst>
+                    </p:cTn>
+                  </p:par>
+                  <p:par>
+                    <p:cTn id="47" fill="hold">
+                      <p:stCondLst>
+                        <p:cond delay="indefinite"/>
+                      </p:stCondLst>
+                      <p:childTnLst>
+                        <p:par>
+                          <p:cTn id="48" fill="hold">
+                            <p:stCondLst>
+                              <p:cond delay="0"/>
+                            </p:stCondLst>
+                            <p:childTnLst>
+                              <p:par>
+                                <p:cTn id="49" presetID="10" presetClass="entr" presetSubtype="0" fill="hold" grpId="0" nodeType="clickEffect">
+                                  <p:stCondLst>
+                                    <p:cond delay="0"/>
+                                  </p:stCondLst>
+                                  <p:childTnLst>
+                                    <p:set>
+                                      <p:cBhvr>
+                                        <p:cTn id="50" dur="1" fill="hold">
+                                          <p:stCondLst>
+                                            <p:cond delay="0"/>
+                                          </p:stCondLst>
+                                        </p:cTn>
+                                        <p:tgtEl>
+                                          <p:spTgt spid="14"/>
+                                        </p:tgtEl>
+                                        <p:attrNameLst>
+                                          <p:attrName>style.visibility</p:attrName>
+                                        </p:attrNameLst>
+                                      </p:cBhvr>
+                                      <p:to>
+                                        <p:strVal val="visible"/>
+                                      </p:to>
+                                    </p:set>
+                                    <p:animEffect transition="in" filter="fade">
+                                      <p:cBhvr>
+                                        <p:cTn id="51" dur="500"/>
+                                        <p:tgtEl>
+                                          <p:spTgt spid="14"/>
+                                        </p:tgtEl>
+                                      </p:cBhvr>
+                                    </p:animEffect>
+                                  </p:childTnLst>
+                                </p:cTn>
+                              </p:par>
+                            </p:childTnLst>
+                          </p:cTn>
+                        </p:par>
+                        <p:par>
+                          <p:cTn id="52" fill="hold">
+                            <p:stCondLst>
+                              <p:cond delay="500"/>
+                            </p:stCondLst>
+                            <p:childTnLst>
+                              <p:par>
+                                <p:cTn id="53" presetID="10" presetClass="entr" presetSubtype="0" fill="hold" nodeType="afterEffect">
+                                  <p:stCondLst>
+                                    <p:cond delay="0"/>
+                                  </p:stCondLst>
+                                  <p:childTnLst>
+                                    <p:set>
+                                      <p:cBhvr>
+                                        <p:cTn id="54" dur="1" fill="hold">
+                                          <p:stCondLst>
+                                            <p:cond delay="0"/>
+                                          </p:stCondLst>
+                                        </p:cTn>
+                                        <p:tgtEl>
+                                          <p:spTgt spid="21"/>
+                                        </p:tgtEl>
+                                        <p:attrNameLst>
+                                          <p:attrName>style.visibility</p:attrName>
+                                        </p:attrNameLst>
+                                      </p:cBhvr>
+                                      <p:to>
+                                        <p:strVal val="visible"/>
+                                      </p:to>
+                                    </p:set>
+                                    <p:animEffect transition="in" filter="fade">
+                                      <p:cBhvr>
+                                        <p:cTn id="55" dur="500"/>
+                                        <p:tgtEl>
+                                          <p:spTgt spid="21"/>
+                                        </p:tgtEl>
+                                      </p:cBhvr>
+                                    </p:animEffect>
+                                  </p:childTnLst>
+                                </p:cTn>
+                              </p:par>
+                            </p:childTnLst>
+                          </p:cTn>
+                        </p:par>
+                        <p:par>
+                          <p:cTn id="56" fill="hold">
+                            <p:stCondLst>
+                              <p:cond delay="1000"/>
+                            </p:stCondLst>
+                            <p:childTnLst>
+                              <p:par>
+                                <p:cTn id="57" presetID="10" presetClass="entr" presetSubtype="0" fill="hold" nodeType="afterEffect">
+                                  <p:stCondLst>
+                                    <p:cond delay="0"/>
+                                  </p:stCondLst>
+                                  <p:childTnLst>
+                                    <p:set>
+                                      <p:cBhvr>
+                                        <p:cTn id="58" dur="1" fill="hold">
+                                          <p:stCondLst>
+                                            <p:cond delay="0"/>
+                                          </p:stCondLst>
+                                        </p:cTn>
+                                        <p:tgtEl>
+                                          <p:spTgt spid="24"/>
+                                        </p:tgtEl>
+                                        <p:attrNameLst>
+                                          <p:attrName>style.visibility</p:attrName>
+                                        </p:attrNameLst>
+                                      </p:cBhvr>
+                                      <p:to>
+                                        <p:strVal val="visible"/>
+                                      </p:to>
+                                    </p:set>
+                                    <p:animEffect transition="in" filter="fade">
+                                      <p:cBhvr>
+                                        <p:cTn id="59" dur="500"/>
+                                        <p:tgtEl>
+                                          <p:spTgt spid="24"/>
+                                        </p:tgtEl>
+                                      </p:cBhvr>
+                                    </p:animEffect>
+                                  </p:childTnLst>
+                                </p:cTn>
+                              </p:par>
+                            </p:childTnLst>
+                          </p:cTn>
+                        </p:par>
+                        <p:par>
+                          <p:cTn id="60" fill="hold">
+                            <p:stCondLst>
+                              <p:cond delay="1500"/>
+                            </p:stCondLst>
+                            <p:childTnLst>
+                              <p:par>
+                                <p:cTn id="61" presetID="10" presetClass="entr" presetSubtype="0" fill="hold" nodeType="afterEffect">
+                                  <p:stCondLst>
+                                    <p:cond delay="0"/>
+                                  </p:stCondLst>
+                                  <p:childTnLst>
+                                    <p:set>
+                                      <p:cBhvr>
+                                        <p:cTn id="62" dur="1" fill="hold">
+                                          <p:stCondLst>
+                                            <p:cond delay="0"/>
+                                          </p:stCondLst>
+                                        </p:cTn>
+                                        <p:tgtEl>
+                                          <p:spTgt spid="33"/>
+                                        </p:tgtEl>
+                                        <p:attrNameLst>
+                                          <p:attrName>style.visibility</p:attrName>
+                                        </p:attrNameLst>
+                                      </p:cBhvr>
+                                      <p:to>
+                                        <p:strVal val="visible"/>
+                                      </p:to>
+                                    </p:set>
+                                    <p:animEffect transition="in" filter="fade">
+                                      <p:cBhvr>
+                                        <p:cTn id="63" dur="500"/>
+                                        <p:tgtEl>
+                                          <p:spTgt spid="33"/>
+                                        </p:tgtEl>
+                                      </p:cBhvr>
+                                    </p:animEffect>
+                                  </p:childTnLst>
+                                </p:cTn>
+                              </p:par>
+                            </p:childTnLst>
+                          </p:cTn>
+                        </p:par>
+                      </p:childTnLst>
+                    </p:cTn>
+                  </p:par>
+                  <p:par>
+                    <p:cTn id="64" fill="hold">
+                      <p:stCondLst>
+                        <p:cond delay="indefinite"/>
+                      </p:stCondLst>
+                      <p:childTnLst>
+                        <p:par>
+                          <p:cTn id="65" fill="hold">
+                            <p:stCondLst>
+                              <p:cond delay="0"/>
+                            </p:stCondLst>
+                            <p:childTnLst>
+                              <p:par>
+                                <p:cTn id="66" presetID="10" presetClass="entr" presetSubtype="0" fill="hold" grpId="0" nodeType="clickEffect">
+                                  <p:stCondLst>
+                                    <p:cond delay="0"/>
+                                  </p:stCondLst>
+                                  <p:childTnLst>
+                                    <p:set>
+                                      <p:cBhvr>
+                                        <p:cTn id="67" dur="1" fill="hold">
+                                          <p:stCondLst>
+                                            <p:cond delay="0"/>
+                                          </p:stCondLst>
+                                        </p:cTn>
+                                        <p:tgtEl>
+                                          <p:spTgt spid="13"/>
+                                        </p:tgtEl>
+                                        <p:attrNameLst>
+                                          <p:attrName>style.visibility</p:attrName>
+                                        </p:attrNameLst>
+                                      </p:cBhvr>
+                                      <p:to>
+                                        <p:strVal val="visible"/>
+                                      </p:to>
+                                    </p:set>
+                                    <p:animEffect transition="in" filter="fade">
+                                      <p:cBhvr>
+                                        <p:cTn id="68" dur="500"/>
+                                        <p:tgtEl>
+                                          <p:spTgt spid="13"/>
+                                        </p:tgtEl>
+                                      </p:cBhvr>
+                                    </p:animEffect>
+                                  </p:childTnLst>
+                                </p:cTn>
+                              </p:par>
+                            </p:childTnLst>
+                          </p:cTn>
+                        </p:par>
+                        <p:par>
+                          <p:cTn id="69" fill="hold">
+                            <p:stCondLst>
+                              <p:cond delay="500"/>
+                            </p:stCondLst>
+                            <p:childTnLst>
+                              <p:par>
+                                <p:cTn id="70" presetID="10" presetClass="entr" presetSubtype="0" fill="hold" nodeType="afterEffect">
+                                  <p:stCondLst>
+                                    <p:cond delay="0"/>
+                                  </p:stCondLst>
+                                  <p:childTnLst>
+                                    <p:set>
+                                      <p:cBhvr>
+                                        <p:cTn id="71" dur="1" fill="hold">
+                                          <p:stCondLst>
+                                            <p:cond delay="0"/>
+                                          </p:stCondLst>
+                                        </p:cTn>
+                                        <p:tgtEl>
+                                          <p:spTgt spid="27"/>
+                                        </p:tgtEl>
+                                        <p:attrNameLst>
+                                          <p:attrName>style.visibility</p:attrName>
+                                        </p:attrNameLst>
+                                      </p:cBhvr>
+                                      <p:to>
+                                        <p:strVal val="visible"/>
+                                      </p:to>
+                                    </p:set>
+                                    <p:animEffect transition="in" filter="fade">
+                                      <p:cBhvr>
+                                        <p:cTn id="72" dur="500"/>
+                                        <p:tgtEl>
+                                          <p:spTgt spid="27"/>
+                                        </p:tgtEl>
+                                      </p:cBhvr>
+                                    </p:animEffect>
+                                  </p:childTnLst>
+                                </p:cTn>
+                              </p:par>
+                            </p:childTnLst>
+                          </p:cTn>
+                        </p:par>
+                        <p:par>
+                          <p:cTn id="73" fill="hold">
+                            <p:stCondLst>
+                              <p:cond delay="1000"/>
+                            </p:stCondLst>
+                            <p:childTnLst>
+                              <p:par>
+                                <p:cTn id="74" presetID="10" presetClass="entr" presetSubtype="0" fill="hold" nodeType="afterEffect">
+                                  <p:stCondLst>
+                                    <p:cond delay="0"/>
+                                  </p:stCondLst>
+                                  <p:childTnLst>
+                                    <p:set>
+                                      <p:cBhvr>
+                                        <p:cTn id="75" dur="1" fill="hold">
+                                          <p:stCondLst>
+                                            <p:cond delay="0"/>
+                                          </p:stCondLst>
+                                        </p:cTn>
+                                        <p:tgtEl>
+                                          <p:spTgt spid="36"/>
+                                        </p:tgtEl>
+                                        <p:attrNameLst>
+                                          <p:attrName>style.visibility</p:attrName>
+                                        </p:attrNameLst>
+                                      </p:cBhvr>
+                                      <p:to>
+                                        <p:strVal val="visible"/>
+                                      </p:to>
+                                    </p:set>
+                                    <p:animEffect transition="in" filter="fade">
+                                      <p:cBhvr>
+                                        <p:cTn id="76" dur="500"/>
+                                        <p:tgtEl>
+                                          <p:spTgt spid="36"/>
+                                        </p:tgtEl>
+                                      </p:cBhvr>
+                                    </p:animEffect>
+                                  </p:childTnLst>
+                                </p:cTn>
+                              </p:par>
+                            </p:childTnLst>
+                          </p:cTn>
+                        </p:par>
+                      </p:childTnLst>
+                    </p:cTn>
+                  </p:par>
+                </p:childTnLst>
+              </p:cTn>
+              <p:prevCondLst>
+                <p:cond evt="onPrev" delay="0">
+                  <p:tgtEl>
+                    <p:sldTgt/>
+                  </p:tgtEl>
+                </p:cond>
+              </p:prevCondLst>
+              <p:nextCondLst>
+                <p:cond evt="onNext" delay="0">
+                  <p:tgtEl>
+                    <p:sldTgt/>
+                  </p:tgtEl>
+                </p:cond>
+              </p:nextCondLst>
+            </p:seq>
+          </p:childTnLst>
+        </p:cTn>
+      </p:par>
+    </p:tnLst>
+    <p:bldLst>
+      <p:bldP spid="3" grpId="0" animBg="1"/>
+      <p:bldP spid="8" grpId="0" animBg="1"/>
+      <p:bldP spid="9" grpId="0" animBg="1"/>
+      <p:bldP spid="10" grpId="0" animBg="1"/>
+      <p:bldP spid="11" grpId="0" animBg="1"/>
+      <p:bldP spid="4" grpId="0" animBg="1"/>
+      <p:bldP spid="13" grpId="0" animBg="1"/>
+      <p:bldP spid="14" grpId="0" animBg="1"/>
+      <p:bldP spid="15" grpId="0" animBg="1"/>
+    </p:bldLst>
+  </p:timing>
 </p:sld>
 </file>
 
@@ -12168,9 +14561,10 @@
           <a:lstStyle/>
           <a:p>
             <a:r>
-              <a:rPr lang="en-US" dirty="0"/>
-              <a:t>Event-Driven</a:t>
-            </a:r>
+              <a:rPr lang="en-US" dirty="0" err="1"/>
+              <a:t>Deployability</a:t>
+            </a:r>
+            <a:endParaRPr lang="en-US" dirty="0"/>
           </a:p>
           <a:p>
             <a:endParaRPr lang="en-US" dirty="0"/>
@@ -12183,7 +14577,7 @@
     </p:spTree>
     <p:extLst>
       <p:ext uri="{BB962C8B-B14F-4D97-AF65-F5344CB8AC3E}">
-        <p14:creationId xmlns:p14="http://schemas.microsoft.com/office/powerpoint/2010/main" val="2242557126"/>
+        <p14:creationId xmlns:p14="http://schemas.microsoft.com/office/powerpoint/2010/main" val="2249306102"/>
       </p:ext>
     </p:extLst>
   </p:cSld>
@@ -12227,6 +14621,64 @@
           <a:p>
             <a:r>
               <a:rPr lang="en-US" dirty="0"/>
+              <a:t>Event-Driven</a:t>
+            </a:r>
+          </a:p>
+          <a:p>
+            <a:endParaRPr lang="en-US" dirty="0"/>
+          </a:p>
+          <a:p>
+            <a:endParaRPr lang="en-US" dirty="0"/>
+          </a:p>
+        </p:txBody>
+      </p:sp>
+    </p:spTree>
+    <p:extLst>
+      <p:ext uri="{BB962C8B-B14F-4D97-AF65-F5344CB8AC3E}">
+        <p14:creationId xmlns:p14="http://schemas.microsoft.com/office/powerpoint/2010/main" val="2242557126"/>
+      </p:ext>
+    </p:extLst>
+  </p:cSld>
+  <p:clrMapOvr>
+    <a:masterClrMapping/>
+  </p:clrMapOvr>
+</p:sld>
+</file>
+
+<file path=ppt/slides/slide42.xml><?xml version="1.0" encoding="utf-8"?>
+<p:sld xmlns:a="http://schemas.openxmlformats.org/drawingml/2006/main" xmlns:r="http://schemas.openxmlformats.org/officeDocument/2006/relationships" xmlns:p="http://schemas.openxmlformats.org/presentationml/2006/main">
+  <p:cSld>
+    <p:spTree>
+      <p:nvGrpSpPr>
+        <p:cNvPr id="1" name=""/>
+        <p:cNvGrpSpPr/>
+        <p:nvPr/>
+      </p:nvGrpSpPr>
+      <p:grpSpPr>
+        <a:xfrm>
+          <a:off x="0" y="0"/>
+          <a:ext cx="0" cy="0"/>
+          <a:chOff x="0" y="0"/>
+          <a:chExt cx="0" cy="0"/>
+        </a:xfrm>
+      </p:grpSpPr>
+      <p:sp>
+        <p:nvSpPr>
+          <p:cNvPr id="2" name="Text Placeholder 1"/>
+          <p:cNvSpPr>
+            <a:spLocks noGrp="1"/>
+          </p:cNvSpPr>
+          <p:nvPr>
+            <p:ph type="body" sz="quarter" idx="11"/>
+          </p:nvPr>
+        </p:nvSpPr>
+        <p:spPr/>
+        <p:txBody>
+          <a:bodyPr/>
+          <a:lstStyle/>
+          <a:p>
+            <a:r>
+              <a:rPr lang="en-US" dirty="0"/>
               <a:t>Loose-Coupling</a:t>
             </a:r>
           </a:p>
@@ -12248,7 +14700,7 @@
 </p:sld>
 </file>
 
-<file path=ppt/slides/slide42.xml><?xml version="1.0" encoding="utf-8"?>
+<file path=ppt/slides/slide43.xml><?xml version="1.0" encoding="utf-8"?>
 <p:sld xmlns:a="http://schemas.openxmlformats.org/drawingml/2006/main" xmlns:r="http://schemas.openxmlformats.org/officeDocument/2006/relationships" xmlns:p="http://schemas.openxmlformats.org/presentationml/2006/main">
   <p:cSld>
     <p:spTree>

--- a/docs/solid.pptx
+++ b/docs/solid.pptx
@@ -5,10 +5,10 @@
     <p:sldMasterId id="2147483650" r:id="rId1"/>
   </p:sldMasterIdLst>
   <p:notesMasterIdLst>
-    <p:notesMasterId r:id="rId45"/>
+    <p:notesMasterId r:id="rId48"/>
   </p:notesMasterIdLst>
   <p:handoutMasterIdLst>
-    <p:handoutMasterId r:id="rId46"/>
+    <p:handoutMasterId r:id="rId49"/>
   </p:handoutMasterIdLst>
   <p:sldIdLst>
     <p:sldId id="309" r:id="rId2"/>
@@ -51,9 +51,12 @@
     <p:sldId id="332" r:id="rId39"/>
     <p:sldId id="336" r:id="rId40"/>
     <p:sldId id="333" r:id="rId41"/>
-    <p:sldId id="334" r:id="rId42"/>
-    <p:sldId id="335" r:id="rId43"/>
-    <p:sldId id="330" r:id="rId44"/>
+    <p:sldId id="337" r:id="rId42"/>
+    <p:sldId id="338" r:id="rId43"/>
+    <p:sldId id="339" r:id="rId44"/>
+    <p:sldId id="334" r:id="rId45"/>
+    <p:sldId id="335" r:id="rId46"/>
+    <p:sldId id="330" r:id="rId47"/>
   </p:sldIdLst>
   <p:sldSz cx="9144000" cy="6858000" type="screen4x3"/>
   <p:notesSz cx="6858000" cy="9144000"/>
@@ -276,7 +279,7 @@
           <a:p>
             <a:fld id="{BB6D47BE-B638-4384-8186-1BE11A133744}" type="datetimeFigureOut">
               <a:rPr lang="it-IT" smtClean="0"/>
-              <a:t>06/07/2021</a:t>
+              <a:t>08/07/2021</a:t>
             </a:fld>
             <a:endParaRPr lang="it-IT"/>
           </a:p>
@@ -453,7 +456,7 @@
           <a:p>
             <a:fld id="{511C7247-C3DA-4B1B-BCAA-E9308B4A9CD3}" type="datetimeFigureOut">
               <a:rPr lang="en-GB" smtClean="0"/>
-              <a:t>06/07/2021</a:t>
+              <a:t>08/07/2021</a:t>
             </a:fld>
             <a:endParaRPr lang="en-GB"/>
           </a:p>
@@ -4155,7 +4158,7 @@
     </p:spTree>
     <p:extLst>
       <p:ext uri="{BB962C8B-B14F-4D97-AF65-F5344CB8AC3E}">
-        <p14:creationId xmlns:p14="http://schemas.microsoft.com/office/powerpoint/2010/main" val="715644702"/>
+        <p14:creationId xmlns:p14="http://schemas.microsoft.com/office/powerpoint/2010/main" val="1868279530"/>
       </p:ext>
     </p:extLst>
   </p:cSld>
@@ -4247,7 +4250,7 @@
     </p:spTree>
     <p:extLst>
       <p:ext uri="{BB962C8B-B14F-4D97-AF65-F5344CB8AC3E}">
-        <p14:creationId xmlns:p14="http://schemas.microsoft.com/office/powerpoint/2010/main" val="2866667866"/>
+        <p14:creationId xmlns:p14="http://schemas.microsoft.com/office/powerpoint/2010/main" val="1414121173"/>
       </p:ext>
     </p:extLst>
   </p:cSld>
@@ -4331,6 +4334,282 @@
             <a:fld id="{2C5A56FE-B2E8-4285-8F31-2AEEB8EA39C6}" type="slidenum">
               <a:rPr lang="en-GB" smtClean="0"/>
               <a:t>43</a:t>
+            </a:fld>
+            <a:endParaRPr lang="en-GB"/>
+          </a:p>
+        </p:txBody>
+      </p:sp>
+    </p:spTree>
+    <p:extLst>
+      <p:ext uri="{BB962C8B-B14F-4D97-AF65-F5344CB8AC3E}">
+        <p14:creationId xmlns:p14="http://schemas.microsoft.com/office/powerpoint/2010/main" val="1114115547"/>
+      </p:ext>
+    </p:extLst>
+  </p:cSld>
+  <p:clrMapOvr>
+    <a:masterClrMapping/>
+  </p:clrMapOvr>
+</p:notes>
+</file>
+
+<file path=ppt/notesSlides/notesSlide44.xml><?xml version="1.0" encoding="utf-8"?>
+<p:notes xmlns:a="http://schemas.openxmlformats.org/drawingml/2006/main" xmlns:r="http://schemas.openxmlformats.org/officeDocument/2006/relationships" xmlns:p="http://schemas.openxmlformats.org/presentationml/2006/main">
+  <p:cSld>
+    <p:spTree>
+      <p:nvGrpSpPr>
+        <p:cNvPr id="1" name=""/>
+        <p:cNvGrpSpPr/>
+        <p:nvPr/>
+      </p:nvGrpSpPr>
+      <p:grpSpPr>
+        <a:xfrm>
+          <a:off x="0" y="0"/>
+          <a:ext cx="0" cy="0"/>
+          <a:chOff x="0" y="0"/>
+          <a:chExt cx="0" cy="0"/>
+        </a:xfrm>
+      </p:grpSpPr>
+      <p:sp>
+        <p:nvSpPr>
+          <p:cNvPr id="2" name="Slide Image Placeholder 1"/>
+          <p:cNvSpPr>
+            <a:spLocks noGrp="1" noRot="1" noChangeAspect="1"/>
+          </p:cNvSpPr>
+          <p:nvPr>
+            <p:ph type="sldImg"/>
+          </p:nvPr>
+        </p:nvSpPr>
+        <p:spPr>
+          <a:xfrm>
+            <a:off x="1143000" y="685800"/>
+            <a:ext cx="4572000" cy="3429000"/>
+          </a:xfrm>
+          <a:prstGeom prst="rect">
+            <a:avLst/>
+          </a:prstGeom>
+        </p:spPr>
+      </p:sp>
+      <p:sp>
+        <p:nvSpPr>
+          <p:cNvPr id="3" name="Notes Placeholder 2"/>
+          <p:cNvSpPr>
+            <a:spLocks noGrp="1"/>
+          </p:cNvSpPr>
+          <p:nvPr>
+            <p:ph type="body" idx="1"/>
+          </p:nvPr>
+        </p:nvSpPr>
+        <p:spPr/>
+        <p:txBody>
+          <a:bodyPr/>
+          <a:lstStyle/>
+          <a:p>
+            <a:endParaRPr lang="it-IT" dirty="0"/>
+          </a:p>
+        </p:txBody>
+      </p:sp>
+      <p:sp>
+        <p:nvSpPr>
+          <p:cNvPr id="4" name="Slide Number Placeholder 3"/>
+          <p:cNvSpPr>
+            <a:spLocks noGrp="1"/>
+          </p:cNvSpPr>
+          <p:nvPr>
+            <p:ph type="sldNum" sz="quarter" idx="10"/>
+          </p:nvPr>
+        </p:nvSpPr>
+        <p:spPr/>
+        <p:txBody>
+          <a:bodyPr/>
+          <a:lstStyle/>
+          <a:p>
+            <a:fld id="{2C5A56FE-B2E8-4285-8F31-2AEEB8EA39C6}" type="slidenum">
+              <a:rPr lang="en-GB" smtClean="0"/>
+              <a:t>44</a:t>
+            </a:fld>
+            <a:endParaRPr lang="en-GB"/>
+          </a:p>
+        </p:txBody>
+      </p:sp>
+    </p:spTree>
+    <p:extLst>
+      <p:ext uri="{BB962C8B-B14F-4D97-AF65-F5344CB8AC3E}">
+        <p14:creationId xmlns:p14="http://schemas.microsoft.com/office/powerpoint/2010/main" val="715644702"/>
+      </p:ext>
+    </p:extLst>
+  </p:cSld>
+  <p:clrMapOvr>
+    <a:masterClrMapping/>
+  </p:clrMapOvr>
+</p:notes>
+</file>
+
+<file path=ppt/notesSlides/notesSlide45.xml><?xml version="1.0" encoding="utf-8"?>
+<p:notes xmlns:a="http://schemas.openxmlformats.org/drawingml/2006/main" xmlns:r="http://schemas.openxmlformats.org/officeDocument/2006/relationships" xmlns:p="http://schemas.openxmlformats.org/presentationml/2006/main">
+  <p:cSld>
+    <p:spTree>
+      <p:nvGrpSpPr>
+        <p:cNvPr id="1" name=""/>
+        <p:cNvGrpSpPr/>
+        <p:nvPr/>
+      </p:nvGrpSpPr>
+      <p:grpSpPr>
+        <a:xfrm>
+          <a:off x="0" y="0"/>
+          <a:ext cx="0" cy="0"/>
+          <a:chOff x="0" y="0"/>
+          <a:chExt cx="0" cy="0"/>
+        </a:xfrm>
+      </p:grpSpPr>
+      <p:sp>
+        <p:nvSpPr>
+          <p:cNvPr id="2" name="Slide Image Placeholder 1"/>
+          <p:cNvSpPr>
+            <a:spLocks noGrp="1" noRot="1" noChangeAspect="1"/>
+          </p:cNvSpPr>
+          <p:nvPr>
+            <p:ph type="sldImg"/>
+          </p:nvPr>
+        </p:nvSpPr>
+        <p:spPr>
+          <a:xfrm>
+            <a:off x="1143000" y="685800"/>
+            <a:ext cx="4572000" cy="3429000"/>
+          </a:xfrm>
+          <a:prstGeom prst="rect">
+            <a:avLst/>
+          </a:prstGeom>
+        </p:spPr>
+      </p:sp>
+      <p:sp>
+        <p:nvSpPr>
+          <p:cNvPr id="3" name="Notes Placeholder 2"/>
+          <p:cNvSpPr>
+            <a:spLocks noGrp="1"/>
+          </p:cNvSpPr>
+          <p:nvPr>
+            <p:ph type="body" idx="1"/>
+          </p:nvPr>
+        </p:nvSpPr>
+        <p:spPr/>
+        <p:txBody>
+          <a:bodyPr/>
+          <a:lstStyle/>
+          <a:p>
+            <a:endParaRPr lang="it-IT" dirty="0"/>
+          </a:p>
+        </p:txBody>
+      </p:sp>
+      <p:sp>
+        <p:nvSpPr>
+          <p:cNvPr id="4" name="Slide Number Placeholder 3"/>
+          <p:cNvSpPr>
+            <a:spLocks noGrp="1"/>
+          </p:cNvSpPr>
+          <p:nvPr>
+            <p:ph type="sldNum" sz="quarter" idx="10"/>
+          </p:nvPr>
+        </p:nvSpPr>
+        <p:spPr/>
+        <p:txBody>
+          <a:bodyPr/>
+          <a:lstStyle/>
+          <a:p>
+            <a:fld id="{2C5A56FE-B2E8-4285-8F31-2AEEB8EA39C6}" type="slidenum">
+              <a:rPr lang="en-GB" smtClean="0"/>
+              <a:t>45</a:t>
+            </a:fld>
+            <a:endParaRPr lang="en-GB"/>
+          </a:p>
+        </p:txBody>
+      </p:sp>
+    </p:spTree>
+    <p:extLst>
+      <p:ext uri="{BB962C8B-B14F-4D97-AF65-F5344CB8AC3E}">
+        <p14:creationId xmlns:p14="http://schemas.microsoft.com/office/powerpoint/2010/main" val="2866667866"/>
+      </p:ext>
+    </p:extLst>
+  </p:cSld>
+  <p:clrMapOvr>
+    <a:masterClrMapping/>
+  </p:clrMapOvr>
+</p:notes>
+</file>
+
+<file path=ppt/notesSlides/notesSlide46.xml><?xml version="1.0" encoding="utf-8"?>
+<p:notes xmlns:a="http://schemas.openxmlformats.org/drawingml/2006/main" xmlns:r="http://schemas.openxmlformats.org/officeDocument/2006/relationships" xmlns:p="http://schemas.openxmlformats.org/presentationml/2006/main">
+  <p:cSld>
+    <p:spTree>
+      <p:nvGrpSpPr>
+        <p:cNvPr id="1" name=""/>
+        <p:cNvGrpSpPr/>
+        <p:nvPr/>
+      </p:nvGrpSpPr>
+      <p:grpSpPr>
+        <a:xfrm>
+          <a:off x="0" y="0"/>
+          <a:ext cx="0" cy="0"/>
+          <a:chOff x="0" y="0"/>
+          <a:chExt cx="0" cy="0"/>
+        </a:xfrm>
+      </p:grpSpPr>
+      <p:sp>
+        <p:nvSpPr>
+          <p:cNvPr id="2" name="Slide Image Placeholder 1"/>
+          <p:cNvSpPr>
+            <a:spLocks noGrp="1" noRot="1" noChangeAspect="1"/>
+          </p:cNvSpPr>
+          <p:nvPr>
+            <p:ph type="sldImg"/>
+          </p:nvPr>
+        </p:nvSpPr>
+        <p:spPr>
+          <a:xfrm>
+            <a:off x="1143000" y="685800"/>
+            <a:ext cx="4572000" cy="3429000"/>
+          </a:xfrm>
+          <a:prstGeom prst="rect">
+            <a:avLst/>
+          </a:prstGeom>
+        </p:spPr>
+      </p:sp>
+      <p:sp>
+        <p:nvSpPr>
+          <p:cNvPr id="3" name="Notes Placeholder 2"/>
+          <p:cNvSpPr>
+            <a:spLocks noGrp="1"/>
+          </p:cNvSpPr>
+          <p:nvPr>
+            <p:ph type="body" idx="1"/>
+          </p:nvPr>
+        </p:nvSpPr>
+        <p:spPr/>
+        <p:txBody>
+          <a:bodyPr/>
+          <a:lstStyle/>
+          <a:p>
+            <a:endParaRPr lang="it-IT" dirty="0"/>
+          </a:p>
+        </p:txBody>
+      </p:sp>
+      <p:sp>
+        <p:nvSpPr>
+          <p:cNvPr id="4" name="Slide Number Placeholder 3"/>
+          <p:cNvSpPr>
+            <a:spLocks noGrp="1"/>
+          </p:cNvSpPr>
+          <p:nvPr>
+            <p:ph type="sldNum" sz="quarter" idx="10"/>
+          </p:nvPr>
+        </p:nvSpPr>
+        <p:spPr/>
+        <p:txBody>
+          <a:bodyPr/>
+          <a:lstStyle/>
+          <a:p>
+            <a:fld id="{2C5A56FE-B2E8-4285-8F31-2AEEB8EA39C6}" type="slidenum">
+              <a:rPr lang="en-GB" smtClean="0"/>
+              <a:t>46</a:t>
             </a:fld>
             <a:endParaRPr lang="en-GB"/>
           </a:p>
@@ -14555,7 +14834,12 @@
             <p:ph type="body" sz="quarter" idx="11"/>
           </p:nvPr>
         </p:nvSpPr>
-        <p:spPr/>
+        <p:spPr>
+          <a:xfrm>
+            <a:off x="328613" y="1079048"/>
+            <a:ext cx="8401246" cy="731092"/>
+          </a:xfrm>
+        </p:spPr>
         <p:txBody>
           <a:bodyPr/>
           <a:lstStyle/>
@@ -14566,11 +14850,203 @@
             </a:r>
             <a:endParaRPr lang="en-US" dirty="0"/>
           </a:p>
-          <a:p>
-            <a:endParaRPr lang="en-US" dirty="0"/>
-          </a:p>
-          <a:p>
-            <a:endParaRPr lang="en-US" dirty="0"/>
+        </p:txBody>
+      </p:sp>
+      <p:sp>
+        <p:nvSpPr>
+          <p:cNvPr id="3" name="TextBox 2">
+            <a:extLst>
+              <a:ext uri="{FF2B5EF4-FFF2-40B4-BE49-F238E27FC236}">
+                <a16:creationId xmlns:a16="http://schemas.microsoft.com/office/drawing/2014/main" id="{9A255D84-9FFF-4456-9AE8-0E1F2D02E19D}"/>
+              </a:ext>
+            </a:extLst>
+          </p:cNvPr>
+          <p:cNvSpPr txBox="1"/>
+          <p:nvPr/>
+        </p:nvSpPr>
+        <p:spPr>
+          <a:xfrm>
+            <a:off x="328613" y="2909916"/>
+            <a:ext cx="8210747" cy="369332"/>
+          </a:xfrm>
+          <a:prstGeom prst="rect">
+            <a:avLst/>
+          </a:prstGeom>
+          <a:noFill/>
+        </p:spPr>
+        <p:txBody>
+          <a:bodyPr wrap="square" rtlCol="0">
+            <a:spAutoFit/>
+          </a:bodyPr>
+          <a:lstStyle/>
+          <a:p>
+            <a:r>
+              <a:rPr lang="en-GB" dirty="0" err="1"/>
+              <a:t>Deployability</a:t>
+            </a:r>
+            <a:r>
+              <a:rPr lang="en-GB" sz="1600" dirty="0"/>
+              <a:t> is ON YOU</a:t>
+            </a:r>
+          </a:p>
+        </p:txBody>
+      </p:sp>
+      <p:sp>
+        <p:nvSpPr>
+          <p:cNvPr id="4" name="TextBox 3">
+            <a:extLst>
+              <a:ext uri="{FF2B5EF4-FFF2-40B4-BE49-F238E27FC236}">
+                <a16:creationId xmlns:a16="http://schemas.microsoft.com/office/drawing/2014/main" id="{857363D9-B9C0-4C6B-933A-50A8AE974E64}"/>
+              </a:ext>
+            </a:extLst>
+          </p:cNvPr>
+          <p:cNvSpPr txBox="1"/>
+          <p:nvPr/>
+        </p:nvSpPr>
+        <p:spPr>
+          <a:xfrm>
+            <a:off x="328613" y="3459193"/>
+            <a:ext cx="8210747" cy="646331"/>
+          </a:xfrm>
+          <a:prstGeom prst="rect">
+            <a:avLst/>
+          </a:prstGeom>
+          <a:noFill/>
+        </p:spPr>
+        <p:txBody>
+          <a:bodyPr wrap="square" rtlCol="0">
+            <a:spAutoFit/>
+          </a:bodyPr>
+          <a:lstStyle/>
+          <a:p>
+            <a:r>
+              <a:rPr lang="en-US" dirty="0"/>
+              <a:t>For microservice developers, there are critical design decisions that go beyond the software design as module, dependencies, patterns, etc.</a:t>
+            </a:r>
+            <a:endParaRPr lang="en-GB" sz="1600" dirty="0"/>
+          </a:p>
+        </p:txBody>
+      </p:sp>
+      <p:sp>
+        <p:nvSpPr>
+          <p:cNvPr id="5" name="TextBox 4">
+            <a:extLst>
+              <a:ext uri="{FF2B5EF4-FFF2-40B4-BE49-F238E27FC236}">
+                <a16:creationId xmlns:a16="http://schemas.microsoft.com/office/drawing/2014/main" id="{D0BB586C-3216-41E5-AAEB-5A9F6F927205}"/>
+              </a:ext>
+            </a:extLst>
+          </p:cNvPr>
+          <p:cNvSpPr txBox="1"/>
+          <p:nvPr/>
+        </p:nvSpPr>
+        <p:spPr>
+          <a:xfrm>
+            <a:off x="328612" y="4316247"/>
+            <a:ext cx="8210747" cy="646331"/>
+          </a:xfrm>
+          <a:prstGeom prst="rect">
+            <a:avLst/>
+          </a:prstGeom>
+          <a:noFill/>
+        </p:spPr>
+        <p:txBody>
+          <a:bodyPr wrap="square" rtlCol="0">
+            <a:spAutoFit/>
+          </a:bodyPr>
+          <a:lstStyle/>
+          <a:p>
+            <a:r>
+              <a:rPr lang="en-US" dirty="0"/>
+              <a:t>The realm of technology and design decisions that here we’re calling </a:t>
+            </a:r>
+            <a:r>
+              <a:rPr lang="en-US" b="1" i="1" dirty="0"/>
+              <a:t>"</a:t>
+            </a:r>
+            <a:r>
+              <a:rPr lang="en-US" b="1" i="1" dirty="0" err="1"/>
+              <a:t>deployability</a:t>
+            </a:r>
+            <a:r>
+              <a:rPr lang="en-US" b="1" i="1" dirty="0"/>
+              <a:t>"</a:t>
+            </a:r>
+            <a:r>
+              <a:rPr lang="en-US" dirty="0"/>
+              <a:t> has become critical to the success of microservices</a:t>
+            </a:r>
+            <a:endParaRPr lang="en-GB" sz="1600" dirty="0"/>
+          </a:p>
+        </p:txBody>
+      </p:sp>
+      <p:sp>
+        <p:nvSpPr>
+          <p:cNvPr id="6" name="TextBox 5">
+            <a:extLst>
+              <a:ext uri="{FF2B5EF4-FFF2-40B4-BE49-F238E27FC236}">
+                <a16:creationId xmlns:a16="http://schemas.microsoft.com/office/drawing/2014/main" id="{24C555BD-DFE1-4F8B-90C6-902CDF600B52}"/>
+              </a:ext>
+            </a:extLst>
+          </p:cNvPr>
+          <p:cNvSpPr txBox="1"/>
+          <p:nvPr/>
+        </p:nvSpPr>
+        <p:spPr>
+          <a:xfrm>
+            <a:off x="328612" y="5173301"/>
+            <a:ext cx="8210747" cy="646331"/>
+          </a:xfrm>
+          <a:prstGeom prst="rect">
+            <a:avLst/>
+          </a:prstGeom>
+          <a:noFill/>
+        </p:spPr>
+        <p:txBody>
+          <a:bodyPr wrap="square" rtlCol="0">
+            <a:spAutoFit/>
+          </a:bodyPr>
+          <a:lstStyle/>
+          <a:p>
+            <a:r>
+              <a:rPr lang="en-US" dirty="0"/>
+              <a:t>The main reason is the simple fact that microservices dramatically increases the number of deployment units</a:t>
+            </a:r>
+            <a:endParaRPr lang="en-GB" sz="1600" dirty="0"/>
+          </a:p>
+        </p:txBody>
+      </p:sp>
+      <p:sp>
+        <p:nvSpPr>
+          <p:cNvPr id="7" name="TextBox 6">
+            <a:extLst>
+              <a:ext uri="{FF2B5EF4-FFF2-40B4-BE49-F238E27FC236}">
+                <a16:creationId xmlns:a16="http://schemas.microsoft.com/office/drawing/2014/main" id="{F59280B3-E374-45CC-B35C-D1D8EDCDAE7C}"/>
+              </a:ext>
+            </a:extLst>
+          </p:cNvPr>
+          <p:cNvSpPr txBox="1"/>
+          <p:nvPr/>
+        </p:nvSpPr>
+        <p:spPr>
+          <a:xfrm>
+            <a:off x="328611" y="2329861"/>
+            <a:ext cx="8210747" cy="369332"/>
+          </a:xfrm>
+          <a:prstGeom prst="rect">
+            <a:avLst/>
+          </a:prstGeom>
+          <a:noFill/>
+        </p:spPr>
+        <p:txBody>
+          <a:bodyPr wrap="square" rtlCol="0">
+            <a:spAutoFit/>
+          </a:bodyPr>
+          <a:lstStyle/>
+          <a:p>
+            <a:r>
+              <a:rPr lang="en-GB" dirty="0"/>
+              <a:t>One of the most important key for a success microservice architecture</a:t>
+            </a:r>
           </a:p>
         </p:txBody>
       </p:sp>
@@ -14584,6 +15060,308 @@
   <p:clrMapOvr>
     <a:masterClrMapping/>
   </p:clrMapOvr>
+  <p:timing>
+    <p:tnLst>
+      <p:par>
+        <p:cTn id="1" dur="indefinite" restart="never" nodeType="tmRoot">
+          <p:childTnLst>
+            <p:seq concurrent="1" nextAc="seek">
+              <p:cTn id="2" dur="indefinite" nodeType="mainSeq">
+                <p:childTnLst>
+                  <p:par>
+                    <p:cTn id="3" fill="hold">
+                      <p:stCondLst>
+                        <p:cond delay="indefinite"/>
+                      </p:stCondLst>
+                      <p:childTnLst>
+                        <p:par>
+                          <p:cTn id="4" fill="hold">
+                            <p:stCondLst>
+                              <p:cond delay="0"/>
+                            </p:stCondLst>
+                            <p:childTnLst>
+                              <p:par>
+                                <p:cTn id="5" presetID="10" presetClass="entr" presetSubtype="0" fill="hold" grpId="0" nodeType="clickEffect">
+                                  <p:stCondLst>
+                                    <p:cond delay="0"/>
+                                  </p:stCondLst>
+                                  <p:childTnLst>
+                                    <p:set>
+                                      <p:cBhvr>
+                                        <p:cTn id="6" dur="1" fill="hold">
+                                          <p:stCondLst>
+                                            <p:cond delay="0"/>
+                                          </p:stCondLst>
+                                        </p:cTn>
+                                        <p:tgtEl>
+                                          <p:spTgt spid="7"/>
+                                        </p:tgtEl>
+                                        <p:attrNameLst>
+                                          <p:attrName>style.visibility</p:attrName>
+                                        </p:attrNameLst>
+                                      </p:cBhvr>
+                                      <p:to>
+                                        <p:strVal val="visible"/>
+                                      </p:to>
+                                    </p:set>
+                                    <p:animEffect transition="in" filter="fade">
+                                      <p:cBhvr>
+                                        <p:cTn id="7" dur="500"/>
+                                        <p:tgtEl>
+                                          <p:spTgt spid="7"/>
+                                        </p:tgtEl>
+                                      </p:cBhvr>
+                                    </p:animEffect>
+                                  </p:childTnLst>
+                                </p:cTn>
+                              </p:par>
+                            </p:childTnLst>
+                          </p:cTn>
+                        </p:par>
+                      </p:childTnLst>
+                    </p:cTn>
+                  </p:par>
+                  <p:par>
+                    <p:cTn id="8" fill="hold">
+                      <p:stCondLst>
+                        <p:cond delay="indefinite"/>
+                      </p:stCondLst>
+                      <p:childTnLst>
+                        <p:par>
+                          <p:cTn id="9" fill="hold">
+                            <p:stCondLst>
+                              <p:cond delay="0"/>
+                            </p:stCondLst>
+                            <p:childTnLst>
+                              <p:par>
+                                <p:cTn id="10" presetID="10" presetClass="entr" presetSubtype="0" fill="hold" grpId="0" nodeType="clickEffect">
+                                  <p:stCondLst>
+                                    <p:cond delay="0"/>
+                                  </p:stCondLst>
+                                  <p:childTnLst>
+                                    <p:set>
+                                      <p:cBhvr>
+                                        <p:cTn id="11" dur="1" fill="hold">
+                                          <p:stCondLst>
+                                            <p:cond delay="0"/>
+                                          </p:stCondLst>
+                                        </p:cTn>
+                                        <p:tgtEl>
+                                          <p:spTgt spid="3"/>
+                                        </p:tgtEl>
+                                        <p:attrNameLst>
+                                          <p:attrName>style.visibility</p:attrName>
+                                        </p:attrNameLst>
+                                      </p:cBhvr>
+                                      <p:to>
+                                        <p:strVal val="visible"/>
+                                      </p:to>
+                                    </p:set>
+                                    <p:animEffect transition="in" filter="fade">
+                                      <p:cBhvr>
+                                        <p:cTn id="12" dur="500"/>
+                                        <p:tgtEl>
+                                          <p:spTgt spid="3"/>
+                                        </p:tgtEl>
+                                      </p:cBhvr>
+                                    </p:animEffect>
+                                  </p:childTnLst>
+                                </p:cTn>
+                              </p:par>
+                            </p:childTnLst>
+                          </p:cTn>
+                        </p:par>
+                      </p:childTnLst>
+                    </p:cTn>
+                  </p:par>
+                  <p:par>
+                    <p:cTn id="13" fill="hold">
+                      <p:stCondLst>
+                        <p:cond delay="indefinite"/>
+                      </p:stCondLst>
+                      <p:childTnLst>
+                        <p:par>
+                          <p:cTn id="14" fill="hold">
+                            <p:stCondLst>
+                              <p:cond delay="0"/>
+                            </p:stCondLst>
+                            <p:childTnLst>
+                              <p:par>
+                                <p:cTn id="15" presetID="10" presetClass="entr" presetSubtype="0" fill="hold" grpId="0" nodeType="clickEffect">
+                                  <p:stCondLst>
+                                    <p:cond delay="0"/>
+                                  </p:stCondLst>
+                                  <p:childTnLst>
+                                    <p:set>
+                                      <p:cBhvr>
+                                        <p:cTn id="16" dur="1" fill="hold">
+                                          <p:stCondLst>
+                                            <p:cond delay="0"/>
+                                          </p:stCondLst>
+                                        </p:cTn>
+                                        <p:tgtEl>
+                                          <p:spTgt spid="4"/>
+                                        </p:tgtEl>
+                                        <p:attrNameLst>
+                                          <p:attrName>style.visibility</p:attrName>
+                                        </p:attrNameLst>
+                                      </p:cBhvr>
+                                      <p:to>
+                                        <p:strVal val="visible"/>
+                                      </p:to>
+                                    </p:set>
+                                    <p:animEffect transition="in" filter="fade">
+                                      <p:cBhvr>
+                                        <p:cTn id="17" dur="500"/>
+                                        <p:tgtEl>
+                                          <p:spTgt spid="4"/>
+                                        </p:tgtEl>
+                                      </p:cBhvr>
+                                    </p:animEffect>
+                                  </p:childTnLst>
+                                </p:cTn>
+                              </p:par>
+                            </p:childTnLst>
+                          </p:cTn>
+                        </p:par>
+                      </p:childTnLst>
+                    </p:cTn>
+                  </p:par>
+                  <p:par>
+                    <p:cTn id="18" fill="hold">
+                      <p:stCondLst>
+                        <p:cond delay="indefinite"/>
+                      </p:stCondLst>
+                      <p:childTnLst>
+                        <p:par>
+                          <p:cTn id="19" fill="hold">
+                            <p:stCondLst>
+                              <p:cond delay="0"/>
+                            </p:stCondLst>
+                            <p:childTnLst>
+                              <p:par>
+                                <p:cTn id="20" presetID="10" presetClass="entr" presetSubtype="0" fill="hold" grpId="0" nodeType="clickEffect">
+                                  <p:stCondLst>
+                                    <p:cond delay="0"/>
+                                  </p:stCondLst>
+                                  <p:childTnLst>
+                                    <p:set>
+                                      <p:cBhvr>
+                                        <p:cTn id="21" dur="1" fill="hold">
+                                          <p:stCondLst>
+                                            <p:cond delay="0"/>
+                                          </p:stCondLst>
+                                        </p:cTn>
+                                        <p:tgtEl>
+                                          <p:spTgt spid="5"/>
+                                        </p:tgtEl>
+                                        <p:attrNameLst>
+                                          <p:attrName>style.visibility</p:attrName>
+                                        </p:attrNameLst>
+                                      </p:cBhvr>
+                                      <p:to>
+                                        <p:strVal val="visible"/>
+                                      </p:to>
+                                    </p:set>
+                                    <p:animEffect transition="in" filter="fade">
+                                      <p:cBhvr>
+                                        <p:cTn id="22" dur="500"/>
+                                        <p:tgtEl>
+                                          <p:spTgt spid="5"/>
+                                        </p:tgtEl>
+                                      </p:cBhvr>
+                                    </p:animEffect>
+                                  </p:childTnLst>
+                                </p:cTn>
+                              </p:par>
+                            </p:childTnLst>
+                          </p:cTn>
+                        </p:par>
+                      </p:childTnLst>
+                    </p:cTn>
+                  </p:par>
+                  <p:par>
+                    <p:cTn id="23" fill="hold">
+                      <p:stCondLst>
+                        <p:cond delay="indefinite"/>
+                      </p:stCondLst>
+                      <p:childTnLst>
+                        <p:par>
+                          <p:cTn id="24" fill="hold">
+                            <p:stCondLst>
+                              <p:cond delay="0"/>
+                            </p:stCondLst>
+                            <p:childTnLst>
+                              <p:par>
+                                <p:cTn id="25" presetID="10" presetClass="entr" presetSubtype="0" fill="hold" grpId="0" nodeType="clickEffect">
+                                  <p:stCondLst>
+                                    <p:cond delay="0"/>
+                                  </p:stCondLst>
+                                  <p:childTnLst>
+                                    <p:set>
+                                      <p:cBhvr>
+                                        <p:cTn id="26" dur="1" fill="hold">
+                                          <p:stCondLst>
+                                            <p:cond delay="0"/>
+                                          </p:stCondLst>
+                                        </p:cTn>
+                                        <p:tgtEl>
+                                          <p:spTgt spid="6"/>
+                                        </p:tgtEl>
+                                        <p:attrNameLst>
+                                          <p:attrName>style.visibility</p:attrName>
+                                        </p:attrNameLst>
+                                      </p:cBhvr>
+                                      <p:to>
+                                        <p:strVal val="visible"/>
+                                      </p:to>
+                                    </p:set>
+                                    <p:animEffect transition="in" filter="fade">
+                                      <p:cBhvr>
+                                        <p:cTn id="27" dur="500"/>
+                                        <p:tgtEl>
+                                          <p:spTgt spid="6"/>
+                                        </p:tgtEl>
+                                      </p:cBhvr>
+                                    </p:animEffect>
+                                  </p:childTnLst>
+                                </p:cTn>
+                              </p:par>
+                            </p:childTnLst>
+                          </p:cTn>
+                        </p:par>
+                      </p:childTnLst>
+                    </p:cTn>
+                  </p:par>
+                </p:childTnLst>
+              </p:cTn>
+              <p:prevCondLst>
+                <p:cond evt="onPrev" delay="0">
+                  <p:tgtEl>
+                    <p:sldTgt/>
+                  </p:tgtEl>
+                </p:cond>
+              </p:prevCondLst>
+              <p:nextCondLst>
+                <p:cond evt="onNext" delay="0">
+                  <p:tgtEl>
+                    <p:sldTgt/>
+                  </p:tgtEl>
+                </p:cond>
+              </p:nextCondLst>
+            </p:seq>
+          </p:childTnLst>
+        </p:cTn>
+      </p:par>
+    </p:tnLst>
+    <p:bldLst>
+      <p:bldP spid="3" grpId="0"/>
+      <p:bldP spid="4" grpId="0"/>
+      <p:bldP spid="5" grpId="0"/>
+      <p:bldP spid="6" grpId="0"/>
+      <p:bldP spid="7" grpId="0"/>
+    </p:bldLst>
+  </p:timing>
 </p:sld>
 </file>
 
@@ -14614,34 +15392,673 @@
             <p:ph type="body" sz="quarter" idx="11"/>
           </p:nvPr>
         </p:nvSpPr>
-        <p:spPr/>
+        <p:spPr>
+          <a:xfrm>
+            <a:off x="328613" y="1079048"/>
+            <a:ext cx="8401246" cy="731092"/>
+          </a:xfrm>
+        </p:spPr>
         <p:txBody>
           <a:bodyPr/>
           <a:lstStyle/>
           <a:p>
             <a:r>
+              <a:rPr lang="en-US" dirty="0" err="1"/>
+              <a:t>Deployability</a:t>
+            </a:r>
+            <a:endParaRPr lang="en-US" dirty="0"/>
+          </a:p>
+        </p:txBody>
+      </p:sp>
+      <p:sp>
+        <p:nvSpPr>
+          <p:cNvPr id="3" name="TextBox 2">
+            <a:extLst>
+              <a:ext uri="{FF2B5EF4-FFF2-40B4-BE49-F238E27FC236}">
+                <a16:creationId xmlns:a16="http://schemas.microsoft.com/office/drawing/2014/main" id="{9A255D84-9FFF-4456-9AE8-0E1F2D02E19D}"/>
+              </a:ext>
+            </a:extLst>
+          </p:cNvPr>
+          <p:cNvSpPr txBox="1"/>
+          <p:nvPr/>
+        </p:nvSpPr>
+        <p:spPr>
+          <a:xfrm>
+            <a:off x="328614" y="3438859"/>
+            <a:ext cx="8210747" cy="646331"/>
+          </a:xfrm>
+          <a:prstGeom prst="rect">
+            <a:avLst/>
+          </a:prstGeom>
+          <a:noFill/>
+        </p:spPr>
+        <p:txBody>
+          <a:bodyPr wrap="square" rtlCol="0">
+            <a:spAutoFit/>
+          </a:bodyPr>
+          <a:lstStyle/>
+          <a:p>
+            <a:r>
+              <a:rPr lang="en-US" b="1" dirty="0"/>
+              <a:t>Scaling microservices in and out</a:t>
+            </a:r>
+            <a:r>
               <a:rPr lang="en-US" dirty="0"/>
-              <a:t>Event-Driven</a:t>
-            </a:r>
-          </a:p>
-          <a:p>
-            <a:endParaRPr lang="en-US" dirty="0"/>
-          </a:p>
-          <a:p>
-            <a:endParaRPr lang="en-US" dirty="0"/>
+              <a:t>, or migrating them from one runtime environment to another</a:t>
+            </a:r>
+            <a:endParaRPr lang="en-GB" sz="1600" dirty="0"/>
+          </a:p>
+        </p:txBody>
+      </p:sp>
+      <p:sp>
+        <p:nvSpPr>
+          <p:cNvPr id="4" name="TextBox 3">
+            <a:extLst>
+              <a:ext uri="{FF2B5EF4-FFF2-40B4-BE49-F238E27FC236}">
+                <a16:creationId xmlns:a16="http://schemas.microsoft.com/office/drawing/2014/main" id="{857363D9-B9C0-4C6B-933A-50A8AE974E64}"/>
+              </a:ext>
+            </a:extLst>
+          </p:cNvPr>
+          <p:cNvSpPr txBox="1"/>
+          <p:nvPr/>
+        </p:nvSpPr>
+        <p:spPr>
+          <a:xfrm>
+            <a:off x="328610" y="4125075"/>
+            <a:ext cx="8210747" cy="369332"/>
+          </a:xfrm>
+          <a:prstGeom prst="rect">
+            <a:avLst/>
+          </a:prstGeom>
+          <a:noFill/>
+        </p:spPr>
+        <p:txBody>
+          <a:bodyPr wrap="square" rtlCol="0">
+            <a:spAutoFit/>
+          </a:bodyPr>
+          <a:lstStyle/>
+          <a:p>
+            <a:r>
+              <a:rPr lang="en-US" dirty="0"/>
+              <a:t>Expediting the </a:t>
+            </a:r>
+            <a:r>
+              <a:rPr lang="en-US" b="1" dirty="0"/>
+              <a:t>commit + build + test + deploy</a:t>
+            </a:r>
+            <a:r>
+              <a:rPr lang="en-US" dirty="0"/>
+              <a:t> process.</a:t>
+            </a:r>
+            <a:endParaRPr lang="en-GB" sz="1600" dirty="0"/>
+          </a:p>
+        </p:txBody>
+      </p:sp>
+      <p:sp>
+        <p:nvSpPr>
+          <p:cNvPr id="5" name="TextBox 4">
+            <a:extLst>
+              <a:ext uri="{FF2B5EF4-FFF2-40B4-BE49-F238E27FC236}">
+                <a16:creationId xmlns:a16="http://schemas.microsoft.com/office/drawing/2014/main" id="{D0BB586C-3216-41E5-AAEB-5A9F6F927205}"/>
+              </a:ext>
+            </a:extLst>
+          </p:cNvPr>
+          <p:cNvSpPr txBox="1"/>
+          <p:nvPr/>
+        </p:nvSpPr>
+        <p:spPr>
+          <a:xfrm>
+            <a:off x="328609" y="4534292"/>
+            <a:ext cx="8210747" cy="369332"/>
+          </a:xfrm>
+          <a:prstGeom prst="rect">
+            <a:avLst/>
+          </a:prstGeom>
+          <a:noFill/>
+        </p:spPr>
+        <p:txBody>
+          <a:bodyPr wrap="square" rtlCol="0">
+            <a:spAutoFit/>
+          </a:bodyPr>
+          <a:lstStyle/>
+          <a:p>
+            <a:r>
+              <a:rPr lang="en-US" b="1" dirty="0"/>
+              <a:t>Minimizing downtime </a:t>
+            </a:r>
+            <a:r>
+              <a:rPr lang="en-US" dirty="0"/>
+              <a:t>for replacing the current version.</a:t>
+            </a:r>
+            <a:endParaRPr lang="en-GB" sz="1600" dirty="0"/>
+          </a:p>
+        </p:txBody>
+      </p:sp>
+      <p:sp>
+        <p:nvSpPr>
+          <p:cNvPr id="6" name="TextBox 5">
+            <a:extLst>
+              <a:ext uri="{FF2B5EF4-FFF2-40B4-BE49-F238E27FC236}">
+                <a16:creationId xmlns:a16="http://schemas.microsoft.com/office/drawing/2014/main" id="{24C555BD-DFE1-4F8B-90C6-902CDF600B52}"/>
+              </a:ext>
+            </a:extLst>
+          </p:cNvPr>
+          <p:cNvSpPr txBox="1"/>
+          <p:nvPr/>
+        </p:nvSpPr>
+        <p:spPr>
+          <a:xfrm>
+            <a:off x="328608" y="4943509"/>
+            <a:ext cx="8210747" cy="369332"/>
+          </a:xfrm>
+          <a:prstGeom prst="rect">
+            <a:avLst/>
+          </a:prstGeom>
+          <a:noFill/>
+        </p:spPr>
+        <p:txBody>
+          <a:bodyPr wrap="square" rtlCol="0">
+            <a:spAutoFit/>
+          </a:bodyPr>
+          <a:lstStyle/>
+          <a:p>
+            <a:r>
+              <a:rPr lang="en-US" b="1" dirty="0"/>
+              <a:t>Synchronizing version </a:t>
+            </a:r>
+            <a:r>
+              <a:rPr lang="en-US" dirty="0"/>
+              <a:t>changes of related software.</a:t>
+            </a:r>
+            <a:endParaRPr lang="en-GB" sz="1600" dirty="0"/>
+          </a:p>
+        </p:txBody>
+      </p:sp>
+      <p:sp>
+        <p:nvSpPr>
+          <p:cNvPr id="7" name="TextBox 6">
+            <a:extLst>
+              <a:ext uri="{FF2B5EF4-FFF2-40B4-BE49-F238E27FC236}">
+                <a16:creationId xmlns:a16="http://schemas.microsoft.com/office/drawing/2014/main" id="{F59280B3-E374-45CC-B35C-D1D8EDCDAE7C}"/>
+              </a:ext>
+            </a:extLst>
+          </p:cNvPr>
+          <p:cNvSpPr txBox="1"/>
+          <p:nvPr/>
+        </p:nvSpPr>
+        <p:spPr>
+          <a:xfrm>
+            <a:off x="328611" y="2787062"/>
+            <a:ext cx="8210747" cy="646331"/>
+          </a:xfrm>
+          <a:prstGeom prst="rect">
+            <a:avLst/>
+          </a:prstGeom>
+          <a:noFill/>
+        </p:spPr>
+        <p:txBody>
+          <a:bodyPr wrap="square" rtlCol="0">
+            <a:spAutoFit/>
+          </a:bodyPr>
+          <a:lstStyle/>
+          <a:p>
+            <a:r>
+              <a:rPr lang="en-US" b="1" dirty="0"/>
+              <a:t>Configuring the runtime infrastructure</a:t>
+            </a:r>
+            <a:r>
+              <a:rPr lang="en-US" dirty="0"/>
+              <a:t>, which includes containers, pods, clusters, persistence, security, and networking</a:t>
+            </a:r>
+            <a:endParaRPr lang="en-GB" dirty="0"/>
+          </a:p>
+        </p:txBody>
+      </p:sp>
+      <p:sp>
+        <p:nvSpPr>
+          <p:cNvPr id="8" name="TextBox 7">
+            <a:extLst>
+              <a:ext uri="{FF2B5EF4-FFF2-40B4-BE49-F238E27FC236}">
+                <a16:creationId xmlns:a16="http://schemas.microsoft.com/office/drawing/2014/main" id="{6BFC1A12-7774-4533-BA10-C04AC6794692}"/>
+              </a:ext>
+            </a:extLst>
+          </p:cNvPr>
+          <p:cNvSpPr txBox="1"/>
+          <p:nvPr/>
+        </p:nvSpPr>
+        <p:spPr>
+          <a:xfrm>
+            <a:off x="328610" y="2113935"/>
+            <a:ext cx="8210747" cy="523220"/>
+          </a:xfrm>
+          <a:prstGeom prst="rect">
+            <a:avLst/>
+          </a:prstGeom>
+          <a:noFill/>
+        </p:spPr>
+        <p:txBody>
+          <a:bodyPr wrap="square" rtlCol="0">
+            <a:spAutoFit/>
+          </a:bodyPr>
+          <a:lstStyle/>
+          <a:p>
+            <a:r>
+              <a:rPr lang="en-GB" sz="2800" dirty="0" err="1"/>
+              <a:t>Deployability</a:t>
+            </a:r>
+            <a:r>
+              <a:rPr lang="en-GB" sz="2800" dirty="0"/>
+              <a:t> involves… </a:t>
+            </a:r>
+          </a:p>
+        </p:txBody>
+      </p:sp>
+      <p:sp>
+        <p:nvSpPr>
+          <p:cNvPr id="9" name="TextBox 8">
+            <a:extLst>
+              <a:ext uri="{FF2B5EF4-FFF2-40B4-BE49-F238E27FC236}">
+                <a16:creationId xmlns:a16="http://schemas.microsoft.com/office/drawing/2014/main" id="{D0D200AC-9042-41C6-BB13-145D4D0CCBEB}"/>
+              </a:ext>
+            </a:extLst>
+          </p:cNvPr>
+          <p:cNvSpPr txBox="1"/>
+          <p:nvPr/>
+        </p:nvSpPr>
+        <p:spPr>
+          <a:xfrm>
+            <a:off x="328614" y="5353886"/>
+            <a:ext cx="8210747" cy="369332"/>
+          </a:xfrm>
+          <a:prstGeom prst="rect">
+            <a:avLst/>
+          </a:prstGeom>
+          <a:noFill/>
+        </p:spPr>
+        <p:txBody>
+          <a:bodyPr wrap="square" rtlCol="0">
+            <a:spAutoFit/>
+          </a:bodyPr>
+          <a:lstStyle/>
+          <a:p>
+            <a:r>
+              <a:rPr lang="en-US" b="1" dirty="0"/>
+              <a:t>Monitoring the health </a:t>
+            </a:r>
+            <a:r>
+              <a:rPr lang="en-US" dirty="0"/>
+              <a:t>of the microservices to quickly identify and remedy faults.</a:t>
+            </a:r>
+            <a:endParaRPr lang="en-GB" sz="1600" dirty="0"/>
           </a:p>
         </p:txBody>
       </p:sp>
     </p:spTree>
     <p:extLst>
       <p:ext uri="{BB962C8B-B14F-4D97-AF65-F5344CB8AC3E}">
-        <p14:creationId xmlns:p14="http://schemas.microsoft.com/office/powerpoint/2010/main" val="2242557126"/>
+        <p14:creationId xmlns:p14="http://schemas.microsoft.com/office/powerpoint/2010/main" val="3029388027"/>
       </p:ext>
     </p:extLst>
   </p:cSld>
   <p:clrMapOvr>
     <a:masterClrMapping/>
   </p:clrMapOvr>
+  <p:timing>
+    <p:tnLst>
+      <p:par>
+        <p:cTn id="1" dur="indefinite" restart="never" nodeType="tmRoot">
+          <p:childTnLst>
+            <p:seq concurrent="1" nextAc="seek">
+              <p:cTn id="2" dur="indefinite" nodeType="mainSeq">
+                <p:childTnLst>
+                  <p:par>
+                    <p:cTn id="3" fill="hold">
+                      <p:stCondLst>
+                        <p:cond delay="indefinite"/>
+                      </p:stCondLst>
+                      <p:childTnLst>
+                        <p:par>
+                          <p:cTn id="4" fill="hold">
+                            <p:stCondLst>
+                              <p:cond delay="0"/>
+                            </p:stCondLst>
+                            <p:childTnLst>
+                              <p:par>
+                                <p:cTn id="5" presetID="10" presetClass="entr" presetSubtype="0" fill="hold" grpId="0" nodeType="clickEffect">
+                                  <p:stCondLst>
+                                    <p:cond delay="0"/>
+                                  </p:stCondLst>
+                                  <p:childTnLst>
+                                    <p:set>
+                                      <p:cBhvr>
+                                        <p:cTn id="6" dur="1" fill="hold">
+                                          <p:stCondLst>
+                                            <p:cond delay="0"/>
+                                          </p:stCondLst>
+                                        </p:cTn>
+                                        <p:tgtEl>
+                                          <p:spTgt spid="7"/>
+                                        </p:tgtEl>
+                                        <p:attrNameLst>
+                                          <p:attrName>style.visibility</p:attrName>
+                                        </p:attrNameLst>
+                                      </p:cBhvr>
+                                      <p:to>
+                                        <p:strVal val="visible"/>
+                                      </p:to>
+                                    </p:set>
+                                    <p:animEffect transition="in" filter="fade">
+                                      <p:cBhvr>
+                                        <p:cTn id="7" dur="500"/>
+                                        <p:tgtEl>
+                                          <p:spTgt spid="7"/>
+                                        </p:tgtEl>
+                                      </p:cBhvr>
+                                    </p:animEffect>
+                                  </p:childTnLst>
+                                </p:cTn>
+                              </p:par>
+                            </p:childTnLst>
+                          </p:cTn>
+                        </p:par>
+                      </p:childTnLst>
+                    </p:cTn>
+                  </p:par>
+                  <p:par>
+                    <p:cTn id="8" fill="hold">
+                      <p:stCondLst>
+                        <p:cond delay="indefinite"/>
+                      </p:stCondLst>
+                      <p:childTnLst>
+                        <p:par>
+                          <p:cTn id="9" fill="hold">
+                            <p:stCondLst>
+                              <p:cond delay="0"/>
+                            </p:stCondLst>
+                            <p:childTnLst>
+                              <p:par>
+                                <p:cTn id="10" presetID="10" presetClass="entr" presetSubtype="0" fill="hold" grpId="0" nodeType="clickEffect">
+                                  <p:stCondLst>
+                                    <p:cond delay="0"/>
+                                  </p:stCondLst>
+                                  <p:childTnLst>
+                                    <p:set>
+                                      <p:cBhvr>
+                                        <p:cTn id="11" dur="1" fill="hold">
+                                          <p:stCondLst>
+                                            <p:cond delay="0"/>
+                                          </p:stCondLst>
+                                        </p:cTn>
+                                        <p:tgtEl>
+                                          <p:spTgt spid="3"/>
+                                        </p:tgtEl>
+                                        <p:attrNameLst>
+                                          <p:attrName>style.visibility</p:attrName>
+                                        </p:attrNameLst>
+                                      </p:cBhvr>
+                                      <p:to>
+                                        <p:strVal val="visible"/>
+                                      </p:to>
+                                    </p:set>
+                                    <p:animEffect transition="in" filter="fade">
+                                      <p:cBhvr>
+                                        <p:cTn id="12" dur="500"/>
+                                        <p:tgtEl>
+                                          <p:spTgt spid="3"/>
+                                        </p:tgtEl>
+                                      </p:cBhvr>
+                                    </p:animEffect>
+                                  </p:childTnLst>
+                                </p:cTn>
+                              </p:par>
+                            </p:childTnLst>
+                          </p:cTn>
+                        </p:par>
+                      </p:childTnLst>
+                    </p:cTn>
+                  </p:par>
+                  <p:par>
+                    <p:cTn id="13" fill="hold">
+                      <p:stCondLst>
+                        <p:cond delay="indefinite"/>
+                      </p:stCondLst>
+                      <p:childTnLst>
+                        <p:par>
+                          <p:cTn id="14" fill="hold">
+                            <p:stCondLst>
+                              <p:cond delay="0"/>
+                            </p:stCondLst>
+                            <p:childTnLst>
+                              <p:par>
+                                <p:cTn id="15" presetID="10" presetClass="entr" presetSubtype="0" fill="hold" grpId="0" nodeType="clickEffect">
+                                  <p:stCondLst>
+                                    <p:cond delay="0"/>
+                                  </p:stCondLst>
+                                  <p:childTnLst>
+                                    <p:set>
+                                      <p:cBhvr>
+                                        <p:cTn id="16" dur="1" fill="hold">
+                                          <p:stCondLst>
+                                            <p:cond delay="0"/>
+                                          </p:stCondLst>
+                                        </p:cTn>
+                                        <p:tgtEl>
+                                          <p:spTgt spid="4"/>
+                                        </p:tgtEl>
+                                        <p:attrNameLst>
+                                          <p:attrName>style.visibility</p:attrName>
+                                        </p:attrNameLst>
+                                      </p:cBhvr>
+                                      <p:to>
+                                        <p:strVal val="visible"/>
+                                      </p:to>
+                                    </p:set>
+                                    <p:animEffect transition="in" filter="fade">
+                                      <p:cBhvr>
+                                        <p:cTn id="17" dur="500"/>
+                                        <p:tgtEl>
+                                          <p:spTgt spid="4"/>
+                                        </p:tgtEl>
+                                      </p:cBhvr>
+                                    </p:animEffect>
+                                  </p:childTnLst>
+                                </p:cTn>
+                              </p:par>
+                            </p:childTnLst>
+                          </p:cTn>
+                        </p:par>
+                      </p:childTnLst>
+                    </p:cTn>
+                  </p:par>
+                  <p:par>
+                    <p:cTn id="18" fill="hold">
+                      <p:stCondLst>
+                        <p:cond delay="indefinite"/>
+                      </p:stCondLst>
+                      <p:childTnLst>
+                        <p:par>
+                          <p:cTn id="19" fill="hold">
+                            <p:stCondLst>
+                              <p:cond delay="0"/>
+                            </p:stCondLst>
+                            <p:childTnLst>
+                              <p:par>
+                                <p:cTn id="20" presetID="10" presetClass="entr" presetSubtype="0" fill="hold" grpId="0" nodeType="clickEffect">
+                                  <p:stCondLst>
+                                    <p:cond delay="0"/>
+                                  </p:stCondLst>
+                                  <p:childTnLst>
+                                    <p:set>
+                                      <p:cBhvr>
+                                        <p:cTn id="21" dur="1" fill="hold">
+                                          <p:stCondLst>
+                                            <p:cond delay="0"/>
+                                          </p:stCondLst>
+                                        </p:cTn>
+                                        <p:tgtEl>
+                                          <p:spTgt spid="5"/>
+                                        </p:tgtEl>
+                                        <p:attrNameLst>
+                                          <p:attrName>style.visibility</p:attrName>
+                                        </p:attrNameLst>
+                                      </p:cBhvr>
+                                      <p:to>
+                                        <p:strVal val="visible"/>
+                                      </p:to>
+                                    </p:set>
+                                    <p:animEffect transition="in" filter="fade">
+                                      <p:cBhvr>
+                                        <p:cTn id="22" dur="500"/>
+                                        <p:tgtEl>
+                                          <p:spTgt spid="5"/>
+                                        </p:tgtEl>
+                                      </p:cBhvr>
+                                    </p:animEffect>
+                                  </p:childTnLst>
+                                </p:cTn>
+                              </p:par>
+                            </p:childTnLst>
+                          </p:cTn>
+                        </p:par>
+                      </p:childTnLst>
+                    </p:cTn>
+                  </p:par>
+                  <p:par>
+                    <p:cTn id="23" fill="hold">
+                      <p:stCondLst>
+                        <p:cond delay="indefinite"/>
+                      </p:stCondLst>
+                      <p:childTnLst>
+                        <p:par>
+                          <p:cTn id="24" fill="hold">
+                            <p:stCondLst>
+                              <p:cond delay="0"/>
+                            </p:stCondLst>
+                            <p:childTnLst>
+                              <p:par>
+                                <p:cTn id="25" presetID="10" presetClass="entr" presetSubtype="0" fill="hold" grpId="0" nodeType="clickEffect">
+                                  <p:stCondLst>
+                                    <p:cond delay="0"/>
+                                  </p:stCondLst>
+                                  <p:childTnLst>
+                                    <p:set>
+                                      <p:cBhvr>
+                                        <p:cTn id="26" dur="1" fill="hold">
+                                          <p:stCondLst>
+                                            <p:cond delay="0"/>
+                                          </p:stCondLst>
+                                        </p:cTn>
+                                        <p:tgtEl>
+                                          <p:spTgt spid="6"/>
+                                        </p:tgtEl>
+                                        <p:attrNameLst>
+                                          <p:attrName>style.visibility</p:attrName>
+                                        </p:attrNameLst>
+                                      </p:cBhvr>
+                                      <p:to>
+                                        <p:strVal val="visible"/>
+                                      </p:to>
+                                    </p:set>
+                                    <p:animEffect transition="in" filter="fade">
+                                      <p:cBhvr>
+                                        <p:cTn id="27" dur="500"/>
+                                        <p:tgtEl>
+                                          <p:spTgt spid="6"/>
+                                        </p:tgtEl>
+                                      </p:cBhvr>
+                                    </p:animEffect>
+                                  </p:childTnLst>
+                                </p:cTn>
+                              </p:par>
+                            </p:childTnLst>
+                          </p:cTn>
+                        </p:par>
+                      </p:childTnLst>
+                    </p:cTn>
+                  </p:par>
+                  <p:par>
+                    <p:cTn id="28" fill="hold">
+                      <p:stCondLst>
+                        <p:cond delay="indefinite"/>
+                      </p:stCondLst>
+                      <p:childTnLst>
+                        <p:par>
+                          <p:cTn id="29" fill="hold">
+                            <p:stCondLst>
+                              <p:cond delay="0"/>
+                            </p:stCondLst>
+                            <p:childTnLst>
+                              <p:par>
+                                <p:cTn id="30" presetID="10" presetClass="entr" presetSubtype="0" fill="hold" grpId="0" nodeType="clickEffect">
+                                  <p:stCondLst>
+                                    <p:cond delay="0"/>
+                                  </p:stCondLst>
+                                  <p:childTnLst>
+                                    <p:set>
+                                      <p:cBhvr>
+                                        <p:cTn id="31" dur="1" fill="hold">
+                                          <p:stCondLst>
+                                            <p:cond delay="0"/>
+                                          </p:stCondLst>
+                                        </p:cTn>
+                                        <p:tgtEl>
+                                          <p:spTgt spid="9"/>
+                                        </p:tgtEl>
+                                        <p:attrNameLst>
+                                          <p:attrName>style.visibility</p:attrName>
+                                        </p:attrNameLst>
+                                      </p:cBhvr>
+                                      <p:to>
+                                        <p:strVal val="visible"/>
+                                      </p:to>
+                                    </p:set>
+                                    <p:animEffect transition="in" filter="fade">
+                                      <p:cBhvr>
+                                        <p:cTn id="32" dur="500"/>
+                                        <p:tgtEl>
+                                          <p:spTgt spid="9"/>
+                                        </p:tgtEl>
+                                      </p:cBhvr>
+                                    </p:animEffect>
+                                  </p:childTnLst>
+                                </p:cTn>
+                              </p:par>
+                            </p:childTnLst>
+                          </p:cTn>
+                        </p:par>
+                      </p:childTnLst>
+                    </p:cTn>
+                  </p:par>
+                </p:childTnLst>
+              </p:cTn>
+              <p:prevCondLst>
+                <p:cond evt="onPrev" delay="0">
+                  <p:tgtEl>
+                    <p:sldTgt/>
+                  </p:tgtEl>
+                </p:cond>
+              </p:prevCondLst>
+              <p:nextCondLst>
+                <p:cond evt="onNext" delay="0">
+                  <p:tgtEl>
+                    <p:sldTgt/>
+                  </p:tgtEl>
+                </p:cond>
+              </p:nextCondLst>
+            </p:seq>
+          </p:childTnLst>
+        </p:cTn>
+      </p:par>
+    </p:tnLst>
+    <p:bldLst>
+      <p:bldP spid="3" grpId="0"/>
+      <p:bldP spid="4" grpId="0"/>
+      <p:bldP spid="5" grpId="0"/>
+      <p:bldP spid="6" grpId="0"/>
+      <p:bldP spid="7" grpId="0"/>
+      <p:bldP spid="9" grpId="0"/>
+    </p:bldLst>
+  </p:timing>
 </p:sld>
 </file>
 
@@ -14672,6 +16089,1840 @@
             <p:ph type="body" sz="quarter" idx="11"/>
           </p:nvPr>
         </p:nvSpPr>
+        <p:spPr>
+          <a:xfrm>
+            <a:off x="328613" y="1079048"/>
+            <a:ext cx="8401246" cy="731092"/>
+          </a:xfrm>
+        </p:spPr>
+        <p:txBody>
+          <a:bodyPr/>
+          <a:lstStyle/>
+          <a:p>
+            <a:r>
+              <a:rPr lang="en-US" dirty="0" err="1"/>
+              <a:t>Deployability</a:t>
+            </a:r>
+            <a:endParaRPr lang="en-US" dirty="0"/>
+          </a:p>
+        </p:txBody>
+      </p:sp>
+      <p:sp>
+        <p:nvSpPr>
+          <p:cNvPr id="3" name="TextBox 2">
+            <a:extLst>
+              <a:ext uri="{FF2B5EF4-FFF2-40B4-BE49-F238E27FC236}">
+                <a16:creationId xmlns:a16="http://schemas.microsoft.com/office/drawing/2014/main" id="{9A255D84-9FFF-4456-9AE8-0E1F2D02E19D}"/>
+              </a:ext>
+            </a:extLst>
+          </p:cNvPr>
+          <p:cNvSpPr txBox="1"/>
+          <p:nvPr/>
+        </p:nvSpPr>
+        <p:spPr>
+          <a:xfrm>
+            <a:off x="328599" y="3351238"/>
+            <a:ext cx="8210747" cy="369332"/>
+          </a:xfrm>
+          <a:prstGeom prst="rect">
+            <a:avLst/>
+          </a:prstGeom>
+          <a:noFill/>
+        </p:spPr>
+        <p:txBody>
+          <a:bodyPr wrap="square" rtlCol="0">
+            <a:spAutoFit/>
+          </a:bodyPr>
+          <a:lstStyle/>
+          <a:p>
+            <a:r>
+              <a:rPr lang="it-IT" b="1" dirty="0" err="1"/>
+              <a:t>Containerization</a:t>
+            </a:r>
+            <a:r>
+              <a:rPr lang="it-IT" b="1" dirty="0"/>
+              <a:t> and container </a:t>
+            </a:r>
+            <a:r>
+              <a:rPr lang="it-IT" b="1" dirty="0" err="1"/>
+              <a:t>orchestration</a:t>
+            </a:r>
+            <a:r>
+              <a:rPr lang="it-IT" b="1" dirty="0"/>
+              <a:t> </a:t>
+            </a:r>
+            <a:r>
+              <a:rPr lang="it-IT" dirty="0"/>
+              <a:t>(CRI, K8s)</a:t>
+            </a:r>
+            <a:endParaRPr lang="en-GB" sz="1600" dirty="0"/>
+          </a:p>
+        </p:txBody>
+      </p:sp>
+      <p:sp>
+        <p:nvSpPr>
+          <p:cNvPr id="4" name="TextBox 3">
+            <a:extLst>
+              <a:ext uri="{FF2B5EF4-FFF2-40B4-BE49-F238E27FC236}">
+                <a16:creationId xmlns:a16="http://schemas.microsoft.com/office/drawing/2014/main" id="{857363D9-B9C0-4C6B-933A-50A8AE974E64}"/>
+              </a:ext>
+            </a:extLst>
+          </p:cNvPr>
+          <p:cNvSpPr txBox="1"/>
+          <p:nvPr/>
+        </p:nvSpPr>
+        <p:spPr>
+          <a:xfrm>
+            <a:off x="328606" y="3700806"/>
+            <a:ext cx="8210747" cy="369332"/>
+          </a:xfrm>
+          <a:prstGeom prst="rect">
+            <a:avLst/>
+          </a:prstGeom>
+          <a:noFill/>
+        </p:spPr>
+        <p:txBody>
+          <a:bodyPr wrap="square" rtlCol="0">
+            <a:spAutoFit/>
+          </a:bodyPr>
+          <a:lstStyle/>
+          <a:p>
+            <a:r>
+              <a:rPr lang="it-IT" b="1" dirty="0"/>
+              <a:t>Service mesh </a:t>
+            </a:r>
+            <a:r>
+              <a:rPr lang="it-IT" dirty="0"/>
+              <a:t>(</a:t>
+            </a:r>
+            <a:r>
+              <a:rPr lang="en-US" dirty="0" err="1"/>
+              <a:t>Istio</a:t>
+            </a:r>
+            <a:r>
+              <a:rPr lang="en-US" dirty="0"/>
+              <a:t>, </a:t>
+            </a:r>
+            <a:r>
+              <a:rPr lang="en-US" dirty="0" err="1"/>
+              <a:t>Linkerd</a:t>
+            </a:r>
+            <a:r>
+              <a:rPr lang="en-US" dirty="0"/>
+              <a:t>, and Consul Connect</a:t>
+            </a:r>
+            <a:r>
+              <a:rPr lang="it-IT" dirty="0"/>
+              <a:t>)</a:t>
+            </a:r>
+            <a:endParaRPr lang="en-GB" sz="1600" dirty="0"/>
+          </a:p>
+        </p:txBody>
+      </p:sp>
+      <p:sp>
+        <p:nvSpPr>
+          <p:cNvPr id="5" name="TextBox 4">
+            <a:extLst>
+              <a:ext uri="{FF2B5EF4-FFF2-40B4-BE49-F238E27FC236}">
+                <a16:creationId xmlns:a16="http://schemas.microsoft.com/office/drawing/2014/main" id="{D0BB586C-3216-41E5-AAEB-5A9F6F927205}"/>
+              </a:ext>
+            </a:extLst>
+          </p:cNvPr>
+          <p:cNvSpPr txBox="1"/>
+          <p:nvPr/>
+        </p:nvSpPr>
+        <p:spPr>
+          <a:xfrm>
+            <a:off x="328603" y="4050374"/>
+            <a:ext cx="8210747" cy="369332"/>
+          </a:xfrm>
+          <a:prstGeom prst="rect">
+            <a:avLst/>
+          </a:prstGeom>
+          <a:noFill/>
+        </p:spPr>
+        <p:txBody>
+          <a:bodyPr wrap="square" rtlCol="0">
+            <a:spAutoFit/>
+          </a:bodyPr>
+          <a:lstStyle/>
+          <a:p>
+            <a:r>
+              <a:rPr lang="it-IT" b="1" dirty="0"/>
+              <a:t>API gateway </a:t>
+            </a:r>
+            <a:r>
+              <a:rPr lang="it-IT" dirty="0"/>
+              <a:t>(</a:t>
+            </a:r>
+            <a:r>
+              <a:rPr lang="en-US" dirty="0"/>
+              <a:t>Kong, </a:t>
+            </a:r>
+            <a:r>
+              <a:rPr lang="en-US" dirty="0" err="1"/>
+              <a:t>Apiman</a:t>
+            </a:r>
+            <a:r>
+              <a:rPr lang="en-US" dirty="0"/>
+              <a:t>, WSO2 API Manager, Apigee, and Amazon API Gateway</a:t>
+            </a:r>
+            <a:r>
+              <a:rPr lang="it-IT" dirty="0"/>
+              <a:t>)</a:t>
+            </a:r>
+            <a:endParaRPr lang="en-GB" sz="1600" dirty="0"/>
+          </a:p>
+        </p:txBody>
+      </p:sp>
+      <p:sp>
+        <p:nvSpPr>
+          <p:cNvPr id="6" name="TextBox 5">
+            <a:extLst>
+              <a:ext uri="{FF2B5EF4-FFF2-40B4-BE49-F238E27FC236}">
+                <a16:creationId xmlns:a16="http://schemas.microsoft.com/office/drawing/2014/main" id="{24C555BD-DFE1-4F8B-90C6-902CDF600B52}"/>
+              </a:ext>
+            </a:extLst>
+          </p:cNvPr>
+          <p:cNvSpPr txBox="1"/>
+          <p:nvPr/>
+        </p:nvSpPr>
+        <p:spPr>
+          <a:xfrm>
+            <a:off x="328602" y="4399942"/>
+            <a:ext cx="8210747" cy="369332"/>
+          </a:xfrm>
+          <a:prstGeom prst="rect">
+            <a:avLst/>
+          </a:prstGeom>
+          <a:noFill/>
+        </p:spPr>
+        <p:txBody>
+          <a:bodyPr wrap="square" rtlCol="0">
+            <a:spAutoFit/>
+          </a:bodyPr>
+          <a:lstStyle/>
+          <a:p>
+            <a:r>
+              <a:rPr lang="it-IT" b="1" dirty="0" err="1"/>
+              <a:t>Serverless</a:t>
+            </a:r>
+            <a:r>
+              <a:rPr lang="it-IT" b="1" dirty="0"/>
+              <a:t> </a:t>
+            </a:r>
+            <a:r>
+              <a:rPr lang="it-IT" b="1" dirty="0" err="1"/>
+              <a:t>architecture</a:t>
+            </a:r>
+            <a:r>
+              <a:rPr lang="it-IT" dirty="0"/>
+              <a:t> (</a:t>
+            </a:r>
+            <a:r>
+              <a:rPr lang="en-US" dirty="0" err="1"/>
+              <a:t>Knative</a:t>
+            </a:r>
+            <a:r>
+              <a:rPr lang="en-US" dirty="0"/>
+              <a:t>, AWS Lambda, Az Functions, GC Functions </a:t>
+            </a:r>
+            <a:r>
+              <a:rPr lang="it-IT" dirty="0"/>
+              <a:t>)</a:t>
+            </a:r>
+            <a:endParaRPr lang="en-GB" sz="1600" dirty="0"/>
+          </a:p>
+        </p:txBody>
+      </p:sp>
+      <p:sp>
+        <p:nvSpPr>
+          <p:cNvPr id="7" name="TextBox 6">
+            <a:extLst>
+              <a:ext uri="{FF2B5EF4-FFF2-40B4-BE49-F238E27FC236}">
+                <a16:creationId xmlns:a16="http://schemas.microsoft.com/office/drawing/2014/main" id="{F59280B3-E374-45CC-B35C-D1D8EDCDAE7C}"/>
+              </a:ext>
+            </a:extLst>
+          </p:cNvPr>
+          <p:cNvSpPr txBox="1"/>
+          <p:nvPr/>
+        </p:nvSpPr>
+        <p:spPr>
+          <a:xfrm>
+            <a:off x="328611" y="2787062"/>
+            <a:ext cx="8210747" cy="369332"/>
+          </a:xfrm>
+          <a:prstGeom prst="rect">
+            <a:avLst/>
+          </a:prstGeom>
+          <a:noFill/>
+        </p:spPr>
+        <p:txBody>
+          <a:bodyPr wrap="square" rtlCol="0">
+            <a:spAutoFit/>
+          </a:bodyPr>
+          <a:lstStyle/>
+          <a:p>
+            <a:r>
+              <a:rPr lang="en-US" b="1" i="1" dirty="0"/>
+              <a:t>Automation is the key to effective </a:t>
+            </a:r>
+            <a:r>
+              <a:rPr lang="en-US" b="1" i="1" dirty="0" err="1"/>
+              <a:t>deployability</a:t>
+            </a:r>
+            <a:endParaRPr lang="en-GB" b="1" i="1" dirty="0"/>
+          </a:p>
+        </p:txBody>
+      </p:sp>
+      <p:sp>
+        <p:nvSpPr>
+          <p:cNvPr id="8" name="TextBox 7">
+            <a:extLst>
+              <a:ext uri="{FF2B5EF4-FFF2-40B4-BE49-F238E27FC236}">
+                <a16:creationId xmlns:a16="http://schemas.microsoft.com/office/drawing/2014/main" id="{6BFC1A12-7774-4533-BA10-C04AC6794692}"/>
+              </a:ext>
+            </a:extLst>
+          </p:cNvPr>
+          <p:cNvSpPr txBox="1"/>
+          <p:nvPr/>
+        </p:nvSpPr>
+        <p:spPr>
+          <a:xfrm>
+            <a:off x="328610" y="2113935"/>
+            <a:ext cx="8210747" cy="523220"/>
+          </a:xfrm>
+          <a:prstGeom prst="rect">
+            <a:avLst/>
+          </a:prstGeom>
+          <a:noFill/>
+        </p:spPr>
+        <p:txBody>
+          <a:bodyPr wrap="square" rtlCol="0">
+            <a:spAutoFit/>
+          </a:bodyPr>
+          <a:lstStyle/>
+          <a:p>
+            <a:r>
+              <a:rPr lang="en-GB" sz="2800" dirty="0"/>
+              <a:t>Achieving good </a:t>
+            </a:r>
+            <a:r>
+              <a:rPr lang="en-GB" sz="2800" dirty="0" err="1"/>
+              <a:t>deployability</a:t>
+            </a:r>
+            <a:endParaRPr lang="en-GB" sz="2800" dirty="0"/>
+          </a:p>
+        </p:txBody>
+      </p:sp>
+      <p:sp>
+        <p:nvSpPr>
+          <p:cNvPr id="9" name="TextBox 8">
+            <a:extLst>
+              <a:ext uri="{FF2B5EF4-FFF2-40B4-BE49-F238E27FC236}">
+                <a16:creationId xmlns:a16="http://schemas.microsoft.com/office/drawing/2014/main" id="{D0D200AC-9042-41C6-BB13-145D4D0CCBEB}"/>
+              </a:ext>
+            </a:extLst>
+          </p:cNvPr>
+          <p:cNvSpPr txBox="1"/>
+          <p:nvPr/>
+        </p:nvSpPr>
+        <p:spPr>
+          <a:xfrm>
+            <a:off x="328598" y="4749510"/>
+            <a:ext cx="8210747" cy="369332"/>
+          </a:xfrm>
+          <a:prstGeom prst="rect">
+            <a:avLst/>
+          </a:prstGeom>
+          <a:noFill/>
+        </p:spPr>
+        <p:txBody>
+          <a:bodyPr wrap="square" rtlCol="0">
+            <a:spAutoFit/>
+          </a:bodyPr>
+          <a:lstStyle/>
+          <a:p>
+            <a:r>
+              <a:rPr lang="it-IT" b="1" dirty="0"/>
+              <a:t>Monitoring </a:t>
+            </a:r>
+            <a:r>
+              <a:rPr lang="it-IT" b="1" dirty="0" err="1"/>
+              <a:t>tools</a:t>
+            </a:r>
+            <a:r>
+              <a:rPr lang="it-IT" b="1" dirty="0"/>
+              <a:t> </a:t>
+            </a:r>
+            <a:r>
+              <a:rPr lang="it-IT" dirty="0"/>
+              <a:t>(</a:t>
+            </a:r>
+            <a:r>
+              <a:rPr lang="en-US" dirty="0"/>
+              <a:t>CloudWatch, Datadog, Prometheus, and Grafana</a:t>
+            </a:r>
+            <a:r>
+              <a:rPr lang="it-IT" dirty="0"/>
+              <a:t>)</a:t>
+            </a:r>
+            <a:endParaRPr lang="en-GB" sz="1600" dirty="0"/>
+          </a:p>
+        </p:txBody>
+      </p:sp>
+      <p:sp>
+        <p:nvSpPr>
+          <p:cNvPr id="10" name="TextBox 9">
+            <a:extLst>
+              <a:ext uri="{FF2B5EF4-FFF2-40B4-BE49-F238E27FC236}">
+                <a16:creationId xmlns:a16="http://schemas.microsoft.com/office/drawing/2014/main" id="{51984599-3C7C-4086-803F-05BF88FE3CC7}"/>
+              </a:ext>
+            </a:extLst>
+          </p:cNvPr>
+          <p:cNvSpPr txBox="1"/>
+          <p:nvPr/>
+        </p:nvSpPr>
+        <p:spPr>
+          <a:xfrm>
+            <a:off x="328594" y="5118842"/>
+            <a:ext cx="8210747" cy="369332"/>
+          </a:xfrm>
+          <a:prstGeom prst="rect">
+            <a:avLst/>
+          </a:prstGeom>
+          <a:noFill/>
+        </p:spPr>
+        <p:txBody>
+          <a:bodyPr wrap="square" rtlCol="0">
+            <a:spAutoFit/>
+          </a:bodyPr>
+          <a:lstStyle/>
+          <a:p>
+            <a:r>
+              <a:rPr lang="it-IT" b="1" dirty="0"/>
+              <a:t>Log </a:t>
+            </a:r>
+            <a:r>
+              <a:rPr lang="it-IT" b="1" dirty="0" err="1"/>
+              <a:t>consolidation</a:t>
+            </a:r>
+            <a:r>
+              <a:rPr lang="it-IT" b="1" dirty="0"/>
+              <a:t> </a:t>
+            </a:r>
+            <a:r>
+              <a:rPr lang="it-IT" b="1" dirty="0" err="1"/>
+              <a:t>tools</a:t>
+            </a:r>
+            <a:r>
+              <a:rPr lang="it-IT" b="1" dirty="0"/>
+              <a:t> </a:t>
+            </a:r>
+            <a:r>
+              <a:rPr lang="it-IT" dirty="0"/>
+              <a:t>(</a:t>
+            </a:r>
+            <a:r>
+              <a:rPr lang="en-US" dirty="0" err="1"/>
+              <a:t>Fluentd</a:t>
+            </a:r>
+            <a:r>
+              <a:rPr lang="en-US" dirty="0"/>
+              <a:t>, </a:t>
+            </a:r>
+            <a:r>
+              <a:rPr lang="en-US" dirty="0" err="1"/>
+              <a:t>Graylog</a:t>
+            </a:r>
+            <a:r>
+              <a:rPr lang="en-US" dirty="0"/>
+              <a:t>, Splunk, and ELK</a:t>
+            </a:r>
+            <a:r>
+              <a:rPr lang="it-IT" dirty="0"/>
+              <a:t>)</a:t>
+            </a:r>
+            <a:endParaRPr lang="en-GB" sz="1600" dirty="0"/>
+          </a:p>
+        </p:txBody>
+      </p:sp>
+      <p:sp>
+        <p:nvSpPr>
+          <p:cNvPr id="11" name="TextBox 10">
+            <a:extLst>
+              <a:ext uri="{FF2B5EF4-FFF2-40B4-BE49-F238E27FC236}">
+                <a16:creationId xmlns:a16="http://schemas.microsoft.com/office/drawing/2014/main" id="{E5CEF9E3-776D-48A0-8A79-F84B7122CDB9}"/>
+              </a:ext>
+            </a:extLst>
+          </p:cNvPr>
+          <p:cNvSpPr txBox="1"/>
+          <p:nvPr/>
+        </p:nvSpPr>
+        <p:spPr>
+          <a:xfrm>
+            <a:off x="328590" y="5468410"/>
+            <a:ext cx="8210747" cy="369332"/>
+          </a:xfrm>
+          <a:prstGeom prst="rect">
+            <a:avLst/>
+          </a:prstGeom>
+          <a:noFill/>
+        </p:spPr>
+        <p:txBody>
+          <a:bodyPr wrap="square" rtlCol="0">
+            <a:spAutoFit/>
+          </a:bodyPr>
+          <a:lstStyle/>
+          <a:p>
+            <a:r>
+              <a:rPr lang="it-IT" b="1" dirty="0" err="1"/>
+              <a:t>Tracing</a:t>
+            </a:r>
+            <a:r>
+              <a:rPr lang="it-IT" b="1" dirty="0"/>
+              <a:t> </a:t>
+            </a:r>
+            <a:r>
+              <a:rPr lang="it-IT" b="1" dirty="0" err="1"/>
+              <a:t>tools</a:t>
+            </a:r>
+            <a:r>
+              <a:rPr lang="it-IT" b="1" dirty="0"/>
+              <a:t> </a:t>
+            </a:r>
+            <a:r>
+              <a:rPr lang="it-IT" dirty="0"/>
+              <a:t>(</a:t>
+            </a:r>
+            <a:r>
+              <a:rPr lang="en-US" dirty="0" err="1"/>
+              <a:t>Zipkin</a:t>
+            </a:r>
+            <a:r>
+              <a:rPr lang="en-US" dirty="0"/>
+              <a:t>, Jaeger, and AWS X-Ray</a:t>
+            </a:r>
+            <a:r>
+              <a:rPr lang="it-IT" dirty="0"/>
+              <a:t>)</a:t>
+            </a:r>
+            <a:endParaRPr lang="en-GB" sz="1600" dirty="0"/>
+          </a:p>
+        </p:txBody>
+      </p:sp>
+    </p:spTree>
+    <p:extLst>
+      <p:ext uri="{BB962C8B-B14F-4D97-AF65-F5344CB8AC3E}">
+        <p14:creationId xmlns:p14="http://schemas.microsoft.com/office/powerpoint/2010/main" val="1739338595"/>
+      </p:ext>
+    </p:extLst>
+  </p:cSld>
+  <p:clrMapOvr>
+    <a:masterClrMapping/>
+  </p:clrMapOvr>
+  <p:timing>
+    <p:tnLst>
+      <p:par>
+        <p:cTn id="1" dur="indefinite" restart="never" nodeType="tmRoot">
+          <p:childTnLst>
+            <p:seq concurrent="1" nextAc="seek">
+              <p:cTn id="2" dur="indefinite" nodeType="mainSeq">
+                <p:childTnLst>
+                  <p:par>
+                    <p:cTn id="3" fill="hold">
+                      <p:stCondLst>
+                        <p:cond delay="indefinite"/>
+                      </p:stCondLst>
+                      <p:childTnLst>
+                        <p:par>
+                          <p:cTn id="4" fill="hold">
+                            <p:stCondLst>
+                              <p:cond delay="0"/>
+                            </p:stCondLst>
+                            <p:childTnLst>
+                              <p:par>
+                                <p:cTn id="5" presetID="10" presetClass="entr" presetSubtype="0" fill="hold" grpId="0" nodeType="clickEffect">
+                                  <p:stCondLst>
+                                    <p:cond delay="0"/>
+                                  </p:stCondLst>
+                                  <p:childTnLst>
+                                    <p:set>
+                                      <p:cBhvr>
+                                        <p:cTn id="6" dur="1" fill="hold">
+                                          <p:stCondLst>
+                                            <p:cond delay="0"/>
+                                          </p:stCondLst>
+                                        </p:cTn>
+                                        <p:tgtEl>
+                                          <p:spTgt spid="7"/>
+                                        </p:tgtEl>
+                                        <p:attrNameLst>
+                                          <p:attrName>style.visibility</p:attrName>
+                                        </p:attrNameLst>
+                                      </p:cBhvr>
+                                      <p:to>
+                                        <p:strVal val="visible"/>
+                                      </p:to>
+                                    </p:set>
+                                    <p:animEffect transition="in" filter="fade">
+                                      <p:cBhvr>
+                                        <p:cTn id="7" dur="500"/>
+                                        <p:tgtEl>
+                                          <p:spTgt spid="7"/>
+                                        </p:tgtEl>
+                                      </p:cBhvr>
+                                    </p:animEffect>
+                                  </p:childTnLst>
+                                </p:cTn>
+                              </p:par>
+                            </p:childTnLst>
+                          </p:cTn>
+                        </p:par>
+                      </p:childTnLst>
+                    </p:cTn>
+                  </p:par>
+                  <p:par>
+                    <p:cTn id="8" fill="hold">
+                      <p:stCondLst>
+                        <p:cond delay="indefinite"/>
+                      </p:stCondLst>
+                      <p:childTnLst>
+                        <p:par>
+                          <p:cTn id="9" fill="hold">
+                            <p:stCondLst>
+                              <p:cond delay="0"/>
+                            </p:stCondLst>
+                            <p:childTnLst>
+                              <p:par>
+                                <p:cTn id="10" presetID="10" presetClass="entr" presetSubtype="0" fill="hold" grpId="0" nodeType="clickEffect">
+                                  <p:stCondLst>
+                                    <p:cond delay="0"/>
+                                  </p:stCondLst>
+                                  <p:childTnLst>
+                                    <p:set>
+                                      <p:cBhvr>
+                                        <p:cTn id="11" dur="1" fill="hold">
+                                          <p:stCondLst>
+                                            <p:cond delay="0"/>
+                                          </p:stCondLst>
+                                        </p:cTn>
+                                        <p:tgtEl>
+                                          <p:spTgt spid="3"/>
+                                        </p:tgtEl>
+                                        <p:attrNameLst>
+                                          <p:attrName>style.visibility</p:attrName>
+                                        </p:attrNameLst>
+                                      </p:cBhvr>
+                                      <p:to>
+                                        <p:strVal val="visible"/>
+                                      </p:to>
+                                    </p:set>
+                                    <p:animEffect transition="in" filter="fade">
+                                      <p:cBhvr>
+                                        <p:cTn id="12" dur="500"/>
+                                        <p:tgtEl>
+                                          <p:spTgt spid="3"/>
+                                        </p:tgtEl>
+                                      </p:cBhvr>
+                                    </p:animEffect>
+                                  </p:childTnLst>
+                                </p:cTn>
+                              </p:par>
+                            </p:childTnLst>
+                          </p:cTn>
+                        </p:par>
+                      </p:childTnLst>
+                    </p:cTn>
+                  </p:par>
+                  <p:par>
+                    <p:cTn id="13" fill="hold">
+                      <p:stCondLst>
+                        <p:cond delay="indefinite"/>
+                      </p:stCondLst>
+                      <p:childTnLst>
+                        <p:par>
+                          <p:cTn id="14" fill="hold">
+                            <p:stCondLst>
+                              <p:cond delay="0"/>
+                            </p:stCondLst>
+                            <p:childTnLst>
+                              <p:par>
+                                <p:cTn id="15" presetID="10" presetClass="entr" presetSubtype="0" fill="hold" grpId="0" nodeType="clickEffect">
+                                  <p:stCondLst>
+                                    <p:cond delay="0"/>
+                                  </p:stCondLst>
+                                  <p:childTnLst>
+                                    <p:set>
+                                      <p:cBhvr>
+                                        <p:cTn id="16" dur="1" fill="hold">
+                                          <p:stCondLst>
+                                            <p:cond delay="0"/>
+                                          </p:stCondLst>
+                                        </p:cTn>
+                                        <p:tgtEl>
+                                          <p:spTgt spid="4"/>
+                                        </p:tgtEl>
+                                        <p:attrNameLst>
+                                          <p:attrName>style.visibility</p:attrName>
+                                        </p:attrNameLst>
+                                      </p:cBhvr>
+                                      <p:to>
+                                        <p:strVal val="visible"/>
+                                      </p:to>
+                                    </p:set>
+                                    <p:animEffect transition="in" filter="fade">
+                                      <p:cBhvr>
+                                        <p:cTn id="17" dur="500"/>
+                                        <p:tgtEl>
+                                          <p:spTgt spid="4"/>
+                                        </p:tgtEl>
+                                      </p:cBhvr>
+                                    </p:animEffect>
+                                  </p:childTnLst>
+                                </p:cTn>
+                              </p:par>
+                            </p:childTnLst>
+                          </p:cTn>
+                        </p:par>
+                      </p:childTnLst>
+                    </p:cTn>
+                  </p:par>
+                  <p:par>
+                    <p:cTn id="18" fill="hold">
+                      <p:stCondLst>
+                        <p:cond delay="indefinite"/>
+                      </p:stCondLst>
+                      <p:childTnLst>
+                        <p:par>
+                          <p:cTn id="19" fill="hold">
+                            <p:stCondLst>
+                              <p:cond delay="0"/>
+                            </p:stCondLst>
+                            <p:childTnLst>
+                              <p:par>
+                                <p:cTn id="20" presetID="10" presetClass="entr" presetSubtype="0" fill="hold" grpId="0" nodeType="clickEffect">
+                                  <p:stCondLst>
+                                    <p:cond delay="0"/>
+                                  </p:stCondLst>
+                                  <p:childTnLst>
+                                    <p:set>
+                                      <p:cBhvr>
+                                        <p:cTn id="21" dur="1" fill="hold">
+                                          <p:stCondLst>
+                                            <p:cond delay="0"/>
+                                          </p:stCondLst>
+                                        </p:cTn>
+                                        <p:tgtEl>
+                                          <p:spTgt spid="5"/>
+                                        </p:tgtEl>
+                                        <p:attrNameLst>
+                                          <p:attrName>style.visibility</p:attrName>
+                                        </p:attrNameLst>
+                                      </p:cBhvr>
+                                      <p:to>
+                                        <p:strVal val="visible"/>
+                                      </p:to>
+                                    </p:set>
+                                    <p:animEffect transition="in" filter="fade">
+                                      <p:cBhvr>
+                                        <p:cTn id="22" dur="500"/>
+                                        <p:tgtEl>
+                                          <p:spTgt spid="5"/>
+                                        </p:tgtEl>
+                                      </p:cBhvr>
+                                    </p:animEffect>
+                                  </p:childTnLst>
+                                </p:cTn>
+                              </p:par>
+                            </p:childTnLst>
+                          </p:cTn>
+                        </p:par>
+                      </p:childTnLst>
+                    </p:cTn>
+                  </p:par>
+                  <p:par>
+                    <p:cTn id="23" fill="hold">
+                      <p:stCondLst>
+                        <p:cond delay="indefinite"/>
+                      </p:stCondLst>
+                      <p:childTnLst>
+                        <p:par>
+                          <p:cTn id="24" fill="hold">
+                            <p:stCondLst>
+                              <p:cond delay="0"/>
+                            </p:stCondLst>
+                            <p:childTnLst>
+                              <p:par>
+                                <p:cTn id="25" presetID="10" presetClass="entr" presetSubtype="0" fill="hold" grpId="0" nodeType="clickEffect">
+                                  <p:stCondLst>
+                                    <p:cond delay="0"/>
+                                  </p:stCondLst>
+                                  <p:childTnLst>
+                                    <p:set>
+                                      <p:cBhvr>
+                                        <p:cTn id="26" dur="1" fill="hold">
+                                          <p:stCondLst>
+                                            <p:cond delay="0"/>
+                                          </p:stCondLst>
+                                        </p:cTn>
+                                        <p:tgtEl>
+                                          <p:spTgt spid="6"/>
+                                        </p:tgtEl>
+                                        <p:attrNameLst>
+                                          <p:attrName>style.visibility</p:attrName>
+                                        </p:attrNameLst>
+                                      </p:cBhvr>
+                                      <p:to>
+                                        <p:strVal val="visible"/>
+                                      </p:to>
+                                    </p:set>
+                                    <p:animEffect transition="in" filter="fade">
+                                      <p:cBhvr>
+                                        <p:cTn id="27" dur="500"/>
+                                        <p:tgtEl>
+                                          <p:spTgt spid="6"/>
+                                        </p:tgtEl>
+                                      </p:cBhvr>
+                                    </p:animEffect>
+                                  </p:childTnLst>
+                                </p:cTn>
+                              </p:par>
+                            </p:childTnLst>
+                          </p:cTn>
+                        </p:par>
+                      </p:childTnLst>
+                    </p:cTn>
+                  </p:par>
+                  <p:par>
+                    <p:cTn id="28" fill="hold">
+                      <p:stCondLst>
+                        <p:cond delay="indefinite"/>
+                      </p:stCondLst>
+                      <p:childTnLst>
+                        <p:par>
+                          <p:cTn id="29" fill="hold">
+                            <p:stCondLst>
+                              <p:cond delay="0"/>
+                            </p:stCondLst>
+                            <p:childTnLst>
+                              <p:par>
+                                <p:cTn id="30" presetID="10" presetClass="entr" presetSubtype="0" fill="hold" grpId="0" nodeType="clickEffect">
+                                  <p:stCondLst>
+                                    <p:cond delay="0"/>
+                                  </p:stCondLst>
+                                  <p:childTnLst>
+                                    <p:set>
+                                      <p:cBhvr>
+                                        <p:cTn id="31" dur="1" fill="hold">
+                                          <p:stCondLst>
+                                            <p:cond delay="0"/>
+                                          </p:stCondLst>
+                                        </p:cTn>
+                                        <p:tgtEl>
+                                          <p:spTgt spid="9"/>
+                                        </p:tgtEl>
+                                        <p:attrNameLst>
+                                          <p:attrName>style.visibility</p:attrName>
+                                        </p:attrNameLst>
+                                      </p:cBhvr>
+                                      <p:to>
+                                        <p:strVal val="visible"/>
+                                      </p:to>
+                                    </p:set>
+                                    <p:animEffect transition="in" filter="fade">
+                                      <p:cBhvr>
+                                        <p:cTn id="32" dur="500"/>
+                                        <p:tgtEl>
+                                          <p:spTgt spid="9"/>
+                                        </p:tgtEl>
+                                      </p:cBhvr>
+                                    </p:animEffect>
+                                  </p:childTnLst>
+                                </p:cTn>
+                              </p:par>
+                            </p:childTnLst>
+                          </p:cTn>
+                        </p:par>
+                      </p:childTnLst>
+                    </p:cTn>
+                  </p:par>
+                  <p:par>
+                    <p:cTn id="33" fill="hold">
+                      <p:stCondLst>
+                        <p:cond delay="indefinite"/>
+                      </p:stCondLst>
+                      <p:childTnLst>
+                        <p:par>
+                          <p:cTn id="34" fill="hold">
+                            <p:stCondLst>
+                              <p:cond delay="0"/>
+                            </p:stCondLst>
+                            <p:childTnLst>
+                              <p:par>
+                                <p:cTn id="35" presetID="10" presetClass="entr" presetSubtype="0" fill="hold" grpId="0" nodeType="clickEffect">
+                                  <p:stCondLst>
+                                    <p:cond delay="0"/>
+                                  </p:stCondLst>
+                                  <p:childTnLst>
+                                    <p:set>
+                                      <p:cBhvr>
+                                        <p:cTn id="36" dur="1" fill="hold">
+                                          <p:stCondLst>
+                                            <p:cond delay="0"/>
+                                          </p:stCondLst>
+                                        </p:cTn>
+                                        <p:tgtEl>
+                                          <p:spTgt spid="10"/>
+                                        </p:tgtEl>
+                                        <p:attrNameLst>
+                                          <p:attrName>style.visibility</p:attrName>
+                                        </p:attrNameLst>
+                                      </p:cBhvr>
+                                      <p:to>
+                                        <p:strVal val="visible"/>
+                                      </p:to>
+                                    </p:set>
+                                    <p:animEffect transition="in" filter="fade">
+                                      <p:cBhvr>
+                                        <p:cTn id="37" dur="500"/>
+                                        <p:tgtEl>
+                                          <p:spTgt spid="10"/>
+                                        </p:tgtEl>
+                                      </p:cBhvr>
+                                    </p:animEffect>
+                                  </p:childTnLst>
+                                </p:cTn>
+                              </p:par>
+                            </p:childTnLst>
+                          </p:cTn>
+                        </p:par>
+                      </p:childTnLst>
+                    </p:cTn>
+                  </p:par>
+                  <p:par>
+                    <p:cTn id="38" fill="hold">
+                      <p:stCondLst>
+                        <p:cond delay="indefinite"/>
+                      </p:stCondLst>
+                      <p:childTnLst>
+                        <p:par>
+                          <p:cTn id="39" fill="hold">
+                            <p:stCondLst>
+                              <p:cond delay="0"/>
+                            </p:stCondLst>
+                            <p:childTnLst>
+                              <p:par>
+                                <p:cTn id="40" presetID="10" presetClass="entr" presetSubtype="0" fill="hold" grpId="0" nodeType="clickEffect">
+                                  <p:stCondLst>
+                                    <p:cond delay="0"/>
+                                  </p:stCondLst>
+                                  <p:childTnLst>
+                                    <p:set>
+                                      <p:cBhvr>
+                                        <p:cTn id="41" dur="1" fill="hold">
+                                          <p:stCondLst>
+                                            <p:cond delay="0"/>
+                                          </p:stCondLst>
+                                        </p:cTn>
+                                        <p:tgtEl>
+                                          <p:spTgt spid="11"/>
+                                        </p:tgtEl>
+                                        <p:attrNameLst>
+                                          <p:attrName>style.visibility</p:attrName>
+                                        </p:attrNameLst>
+                                      </p:cBhvr>
+                                      <p:to>
+                                        <p:strVal val="visible"/>
+                                      </p:to>
+                                    </p:set>
+                                    <p:animEffect transition="in" filter="fade">
+                                      <p:cBhvr>
+                                        <p:cTn id="42" dur="500"/>
+                                        <p:tgtEl>
+                                          <p:spTgt spid="11"/>
+                                        </p:tgtEl>
+                                      </p:cBhvr>
+                                    </p:animEffect>
+                                  </p:childTnLst>
+                                </p:cTn>
+                              </p:par>
+                            </p:childTnLst>
+                          </p:cTn>
+                        </p:par>
+                      </p:childTnLst>
+                    </p:cTn>
+                  </p:par>
+                </p:childTnLst>
+              </p:cTn>
+              <p:prevCondLst>
+                <p:cond evt="onPrev" delay="0">
+                  <p:tgtEl>
+                    <p:sldTgt/>
+                  </p:tgtEl>
+                </p:cond>
+              </p:prevCondLst>
+              <p:nextCondLst>
+                <p:cond evt="onNext" delay="0">
+                  <p:tgtEl>
+                    <p:sldTgt/>
+                  </p:tgtEl>
+                </p:cond>
+              </p:nextCondLst>
+            </p:seq>
+          </p:childTnLst>
+        </p:cTn>
+      </p:par>
+    </p:tnLst>
+    <p:bldLst>
+      <p:bldP spid="3" grpId="0"/>
+      <p:bldP spid="4" grpId="0"/>
+      <p:bldP spid="5" grpId="0"/>
+      <p:bldP spid="6" grpId="0"/>
+      <p:bldP spid="7" grpId="0"/>
+      <p:bldP spid="9" grpId="0"/>
+      <p:bldP spid="10" grpId="0"/>
+      <p:bldP spid="11" grpId="0"/>
+    </p:bldLst>
+  </p:timing>
+</p:sld>
+</file>
+
+<file path=ppt/slides/slide43.xml><?xml version="1.0" encoding="utf-8"?>
+<p:sld xmlns:a="http://schemas.openxmlformats.org/drawingml/2006/main" xmlns:r="http://schemas.openxmlformats.org/officeDocument/2006/relationships" xmlns:p="http://schemas.openxmlformats.org/presentationml/2006/main">
+  <p:cSld>
+    <p:spTree>
+      <p:nvGrpSpPr>
+        <p:cNvPr id="1" name=""/>
+        <p:cNvGrpSpPr/>
+        <p:nvPr/>
+      </p:nvGrpSpPr>
+      <p:grpSpPr>
+        <a:xfrm>
+          <a:off x="0" y="0"/>
+          <a:ext cx="0" cy="0"/>
+          <a:chOff x="0" y="0"/>
+          <a:chExt cx="0" cy="0"/>
+        </a:xfrm>
+      </p:grpSpPr>
+      <p:sp>
+        <p:nvSpPr>
+          <p:cNvPr id="2" name="Text Placeholder 1"/>
+          <p:cNvSpPr>
+            <a:spLocks noGrp="1"/>
+          </p:cNvSpPr>
+          <p:nvPr>
+            <p:ph type="body" sz="quarter" idx="11"/>
+          </p:nvPr>
+        </p:nvSpPr>
+        <p:spPr>
+          <a:xfrm>
+            <a:off x="328613" y="1079048"/>
+            <a:ext cx="8401246" cy="731092"/>
+          </a:xfrm>
+        </p:spPr>
+        <p:txBody>
+          <a:bodyPr/>
+          <a:lstStyle/>
+          <a:p>
+            <a:r>
+              <a:rPr lang="en-US" dirty="0" err="1"/>
+              <a:t>Deployability</a:t>
+            </a:r>
+            <a:endParaRPr lang="en-US" dirty="0"/>
+          </a:p>
+        </p:txBody>
+      </p:sp>
+      <p:sp>
+        <p:nvSpPr>
+          <p:cNvPr id="8" name="TextBox 7">
+            <a:extLst>
+              <a:ext uri="{FF2B5EF4-FFF2-40B4-BE49-F238E27FC236}">
+                <a16:creationId xmlns:a16="http://schemas.microsoft.com/office/drawing/2014/main" id="{6BFC1A12-7774-4533-BA10-C04AC6794692}"/>
+              </a:ext>
+            </a:extLst>
+          </p:cNvPr>
+          <p:cNvSpPr txBox="1"/>
+          <p:nvPr/>
+        </p:nvSpPr>
+        <p:spPr>
+          <a:xfrm>
+            <a:off x="328610" y="2113935"/>
+            <a:ext cx="8210747" cy="523220"/>
+          </a:xfrm>
+          <a:prstGeom prst="rect">
+            <a:avLst/>
+          </a:prstGeom>
+          <a:noFill/>
+        </p:spPr>
+        <p:txBody>
+          <a:bodyPr wrap="square" rtlCol="0">
+            <a:spAutoFit/>
+          </a:bodyPr>
+          <a:lstStyle/>
+          <a:p>
+            <a:r>
+              <a:rPr lang="en-GB" sz="2800" dirty="0"/>
+              <a:t>Achieving good </a:t>
+            </a:r>
+            <a:r>
+              <a:rPr lang="en-GB" sz="2800" dirty="0" err="1"/>
+              <a:t>deployability</a:t>
+            </a:r>
+            <a:endParaRPr lang="en-GB" sz="2800" dirty="0"/>
+          </a:p>
+        </p:txBody>
+      </p:sp>
+      <p:sp>
+        <p:nvSpPr>
+          <p:cNvPr id="12" name="TextBox 11">
+            <a:extLst>
+              <a:ext uri="{FF2B5EF4-FFF2-40B4-BE49-F238E27FC236}">
+                <a16:creationId xmlns:a16="http://schemas.microsoft.com/office/drawing/2014/main" id="{AC2BF59B-05EE-430E-842A-191E2A439474}"/>
+              </a:ext>
+            </a:extLst>
+          </p:cNvPr>
+          <p:cNvSpPr txBox="1"/>
+          <p:nvPr/>
+        </p:nvSpPr>
+        <p:spPr>
+          <a:xfrm>
+            <a:off x="328609" y="2940950"/>
+            <a:ext cx="8210747" cy="369332"/>
+          </a:xfrm>
+          <a:prstGeom prst="rect">
+            <a:avLst/>
+          </a:prstGeom>
+          <a:noFill/>
+        </p:spPr>
+        <p:txBody>
+          <a:bodyPr wrap="square" rtlCol="0">
+            <a:spAutoFit/>
+          </a:bodyPr>
+          <a:lstStyle/>
+          <a:p>
+            <a:r>
+              <a:rPr lang="it-IT" b="1" dirty="0" err="1"/>
+              <a:t>DevOps</a:t>
+            </a:r>
+            <a:endParaRPr lang="en-GB" sz="1600" dirty="0"/>
+          </a:p>
+        </p:txBody>
+      </p:sp>
+      <p:sp>
+        <p:nvSpPr>
+          <p:cNvPr id="13" name="TextBox 12">
+            <a:extLst>
+              <a:ext uri="{FF2B5EF4-FFF2-40B4-BE49-F238E27FC236}">
+                <a16:creationId xmlns:a16="http://schemas.microsoft.com/office/drawing/2014/main" id="{FFFFAB45-0AF5-47E5-A923-40F765F0A0AB}"/>
+              </a:ext>
+            </a:extLst>
+          </p:cNvPr>
+          <p:cNvSpPr txBox="1"/>
+          <p:nvPr/>
+        </p:nvSpPr>
+        <p:spPr>
+          <a:xfrm>
+            <a:off x="328609" y="3364180"/>
+            <a:ext cx="8210747" cy="369332"/>
+          </a:xfrm>
+          <a:prstGeom prst="rect">
+            <a:avLst/>
+          </a:prstGeom>
+          <a:noFill/>
+        </p:spPr>
+        <p:txBody>
+          <a:bodyPr wrap="square" rtlCol="0">
+            <a:spAutoFit/>
+          </a:bodyPr>
+          <a:lstStyle/>
+          <a:p>
+            <a:r>
+              <a:rPr lang="en-US" b="1" dirty="0"/>
+              <a:t>Blue-green deployment and canary releasing</a:t>
+            </a:r>
+            <a:endParaRPr lang="en-GB" sz="1600" dirty="0"/>
+          </a:p>
+        </p:txBody>
+      </p:sp>
+      <p:sp>
+        <p:nvSpPr>
+          <p:cNvPr id="14" name="TextBox 13">
+            <a:extLst>
+              <a:ext uri="{FF2B5EF4-FFF2-40B4-BE49-F238E27FC236}">
+                <a16:creationId xmlns:a16="http://schemas.microsoft.com/office/drawing/2014/main" id="{C4CA6EEE-5F2F-49FA-AB74-0EE9F4BFA6A2}"/>
+              </a:ext>
+            </a:extLst>
+          </p:cNvPr>
+          <p:cNvSpPr txBox="1"/>
+          <p:nvPr/>
+        </p:nvSpPr>
+        <p:spPr>
+          <a:xfrm>
+            <a:off x="328613" y="3753387"/>
+            <a:ext cx="8210747" cy="369332"/>
+          </a:xfrm>
+          <a:prstGeom prst="rect">
+            <a:avLst/>
+          </a:prstGeom>
+          <a:noFill/>
+        </p:spPr>
+        <p:txBody>
+          <a:bodyPr wrap="square" rtlCol="0">
+            <a:spAutoFit/>
+          </a:bodyPr>
+          <a:lstStyle/>
+          <a:p>
+            <a:r>
+              <a:rPr lang="it-IT" b="1" dirty="0" err="1"/>
+              <a:t>Infrastructure</a:t>
+            </a:r>
+            <a:r>
+              <a:rPr lang="it-IT" b="1" dirty="0"/>
+              <a:t> </a:t>
+            </a:r>
+            <a:r>
+              <a:rPr lang="it-IT" b="1" dirty="0" err="1"/>
+              <a:t>as</a:t>
+            </a:r>
+            <a:r>
+              <a:rPr lang="it-IT" b="1" dirty="0"/>
+              <a:t> Code (</a:t>
+            </a:r>
+            <a:r>
+              <a:rPr lang="it-IT" b="1" dirty="0" err="1"/>
+              <a:t>IaC</a:t>
+            </a:r>
+            <a:r>
+              <a:rPr lang="it-IT" b="1" dirty="0"/>
+              <a:t>) </a:t>
+            </a:r>
+            <a:r>
+              <a:rPr lang="it-IT" sz="1600" dirty="0"/>
+              <a:t>(</a:t>
+            </a:r>
+            <a:r>
+              <a:rPr lang="it-IT" sz="1600" dirty="0" err="1"/>
+              <a:t>Terraform</a:t>
+            </a:r>
+            <a:r>
+              <a:rPr lang="it-IT" sz="1600" dirty="0"/>
+              <a:t>, </a:t>
+            </a:r>
+            <a:r>
+              <a:rPr lang="it-IT" sz="1600" dirty="0" err="1"/>
+              <a:t>Pulumi</a:t>
+            </a:r>
+            <a:r>
+              <a:rPr lang="it-IT" sz="1600" dirty="0"/>
+              <a:t>, AWS CDK)</a:t>
+            </a:r>
+            <a:endParaRPr lang="en-GB" sz="1600" dirty="0"/>
+          </a:p>
+        </p:txBody>
+      </p:sp>
+      <p:sp>
+        <p:nvSpPr>
+          <p:cNvPr id="15" name="TextBox 14">
+            <a:extLst>
+              <a:ext uri="{FF2B5EF4-FFF2-40B4-BE49-F238E27FC236}">
+                <a16:creationId xmlns:a16="http://schemas.microsoft.com/office/drawing/2014/main" id="{5B9B290B-F5C8-407A-941C-C8F791433767}"/>
+              </a:ext>
+            </a:extLst>
+          </p:cNvPr>
+          <p:cNvSpPr txBox="1"/>
+          <p:nvPr/>
+        </p:nvSpPr>
+        <p:spPr>
+          <a:xfrm>
+            <a:off x="328613" y="4142594"/>
+            <a:ext cx="8210747" cy="369332"/>
+          </a:xfrm>
+          <a:prstGeom prst="rect">
+            <a:avLst/>
+          </a:prstGeom>
+          <a:noFill/>
+        </p:spPr>
+        <p:txBody>
+          <a:bodyPr wrap="square" rtlCol="0">
+            <a:spAutoFit/>
+          </a:bodyPr>
+          <a:lstStyle/>
+          <a:p>
+            <a:r>
+              <a:rPr lang="it-IT" b="1" dirty="0" err="1"/>
+              <a:t>Continuous</a:t>
+            </a:r>
+            <a:r>
+              <a:rPr lang="it-IT" b="1" dirty="0"/>
+              <a:t> delivery</a:t>
+            </a:r>
+            <a:endParaRPr lang="en-GB" sz="1600" dirty="0"/>
+          </a:p>
+        </p:txBody>
+      </p:sp>
+      <p:sp>
+        <p:nvSpPr>
+          <p:cNvPr id="16" name="TextBox 15">
+            <a:extLst>
+              <a:ext uri="{FF2B5EF4-FFF2-40B4-BE49-F238E27FC236}">
+                <a16:creationId xmlns:a16="http://schemas.microsoft.com/office/drawing/2014/main" id="{5C6C105A-9862-49A3-9E3D-CDC2C3998375}"/>
+              </a:ext>
+            </a:extLst>
+          </p:cNvPr>
+          <p:cNvSpPr txBox="1"/>
+          <p:nvPr/>
+        </p:nvSpPr>
+        <p:spPr>
+          <a:xfrm>
+            <a:off x="328608" y="4897782"/>
+            <a:ext cx="8210747" cy="369332"/>
+          </a:xfrm>
+          <a:prstGeom prst="rect">
+            <a:avLst/>
+          </a:prstGeom>
+          <a:noFill/>
+        </p:spPr>
+        <p:txBody>
+          <a:bodyPr wrap="square" rtlCol="0">
+            <a:spAutoFit/>
+          </a:bodyPr>
+          <a:lstStyle/>
+          <a:p>
+            <a:r>
+              <a:rPr lang="it-IT" b="1" dirty="0" err="1"/>
+              <a:t>Externalized</a:t>
+            </a:r>
+            <a:r>
+              <a:rPr lang="it-IT" b="1" dirty="0"/>
+              <a:t> </a:t>
+            </a:r>
+            <a:r>
+              <a:rPr lang="it-IT" b="1" dirty="0" err="1"/>
+              <a:t>configuration</a:t>
+            </a:r>
+            <a:endParaRPr lang="en-GB" sz="1600" dirty="0"/>
+          </a:p>
+        </p:txBody>
+      </p:sp>
+      <p:sp>
+        <p:nvSpPr>
+          <p:cNvPr id="17" name="TextBox 16">
+            <a:extLst>
+              <a:ext uri="{FF2B5EF4-FFF2-40B4-BE49-F238E27FC236}">
+                <a16:creationId xmlns:a16="http://schemas.microsoft.com/office/drawing/2014/main" id="{5A8A7F90-D021-4172-A690-8F07F293DBAD}"/>
+              </a:ext>
+            </a:extLst>
+          </p:cNvPr>
+          <p:cNvSpPr txBox="1"/>
+          <p:nvPr/>
+        </p:nvSpPr>
+        <p:spPr>
+          <a:xfrm>
+            <a:off x="328613" y="4508575"/>
+            <a:ext cx="8210747" cy="369332"/>
+          </a:xfrm>
+          <a:prstGeom prst="rect">
+            <a:avLst/>
+          </a:prstGeom>
+          <a:noFill/>
+        </p:spPr>
+        <p:txBody>
+          <a:bodyPr wrap="square" rtlCol="0">
+            <a:spAutoFit/>
+          </a:bodyPr>
+          <a:lstStyle/>
+          <a:p>
+            <a:r>
+              <a:rPr lang="it-IT" b="1" dirty="0"/>
+              <a:t>Progressive delivery </a:t>
+            </a:r>
+            <a:r>
+              <a:rPr lang="it-IT" dirty="0"/>
+              <a:t>(</a:t>
+            </a:r>
+            <a:r>
+              <a:rPr lang="it-IT" dirty="0" err="1"/>
+              <a:t>GitOps</a:t>
+            </a:r>
+            <a:r>
+              <a:rPr lang="it-IT" dirty="0"/>
+              <a:t>, </a:t>
+            </a:r>
+            <a:r>
+              <a:rPr lang="it-IT" dirty="0" err="1"/>
+              <a:t>Flux</a:t>
+            </a:r>
+            <a:r>
+              <a:rPr lang="it-IT" dirty="0"/>
+              <a:t>, </a:t>
+            </a:r>
+            <a:r>
+              <a:rPr lang="it-IT" dirty="0" err="1"/>
+              <a:t>Flagger</a:t>
+            </a:r>
+            <a:r>
+              <a:rPr lang="it-IT" dirty="0"/>
+              <a:t>)</a:t>
+            </a:r>
+            <a:endParaRPr lang="en-GB" sz="1600" dirty="0"/>
+          </a:p>
+        </p:txBody>
+      </p:sp>
+    </p:spTree>
+    <p:extLst>
+      <p:ext uri="{BB962C8B-B14F-4D97-AF65-F5344CB8AC3E}">
+        <p14:creationId xmlns:p14="http://schemas.microsoft.com/office/powerpoint/2010/main" val="3342702171"/>
+      </p:ext>
+    </p:extLst>
+  </p:cSld>
+  <p:clrMapOvr>
+    <a:masterClrMapping/>
+  </p:clrMapOvr>
+  <p:timing>
+    <p:tnLst>
+      <p:par>
+        <p:cTn id="1" dur="indefinite" restart="never" nodeType="tmRoot">
+          <p:childTnLst>
+            <p:seq concurrent="1" nextAc="seek">
+              <p:cTn id="2" dur="indefinite" nodeType="mainSeq">
+                <p:childTnLst>
+                  <p:par>
+                    <p:cTn id="3" fill="hold">
+                      <p:stCondLst>
+                        <p:cond delay="indefinite"/>
+                      </p:stCondLst>
+                      <p:childTnLst>
+                        <p:par>
+                          <p:cTn id="4" fill="hold">
+                            <p:stCondLst>
+                              <p:cond delay="0"/>
+                            </p:stCondLst>
+                            <p:childTnLst>
+                              <p:par>
+                                <p:cTn id="5" presetID="10" presetClass="entr" presetSubtype="0" fill="hold" grpId="0" nodeType="clickEffect">
+                                  <p:stCondLst>
+                                    <p:cond delay="0"/>
+                                  </p:stCondLst>
+                                  <p:childTnLst>
+                                    <p:set>
+                                      <p:cBhvr>
+                                        <p:cTn id="6" dur="1" fill="hold">
+                                          <p:stCondLst>
+                                            <p:cond delay="0"/>
+                                          </p:stCondLst>
+                                        </p:cTn>
+                                        <p:tgtEl>
+                                          <p:spTgt spid="12"/>
+                                        </p:tgtEl>
+                                        <p:attrNameLst>
+                                          <p:attrName>style.visibility</p:attrName>
+                                        </p:attrNameLst>
+                                      </p:cBhvr>
+                                      <p:to>
+                                        <p:strVal val="visible"/>
+                                      </p:to>
+                                    </p:set>
+                                    <p:animEffect transition="in" filter="fade">
+                                      <p:cBhvr>
+                                        <p:cTn id="7" dur="500"/>
+                                        <p:tgtEl>
+                                          <p:spTgt spid="12"/>
+                                        </p:tgtEl>
+                                      </p:cBhvr>
+                                    </p:animEffect>
+                                  </p:childTnLst>
+                                </p:cTn>
+                              </p:par>
+                            </p:childTnLst>
+                          </p:cTn>
+                        </p:par>
+                      </p:childTnLst>
+                    </p:cTn>
+                  </p:par>
+                  <p:par>
+                    <p:cTn id="8" fill="hold">
+                      <p:stCondLst>
+                        <p:cond delay="indefinite"/>
+                      </p:stCondLst>
+                      <p:childTnLst>
+                        <p:par>
+                          <p:cTn id="9" fill="hold">
+                            <p:stCondLst>
+                              <p:cond delay="0"/>
+                            </p:stCondLst>
+                            <p:childTnLst>
+                              <p:par>
+                                <p:cTn id="10" presetID="10" presetClass="entr" presetSubtype="0" fill="hold" grpId="0" nodeType="clickEffect">
+                                  <p:stCondLst>
+                                    <p:cond delay="0"/>
+                                  </p:stCondLst>
+                                  <p:childTnLst>
+                                    <p:set>
+                                      <p:cBhvr>
+                                        <p:cTn id="11" dur="1" fill="hold">
+                                          <p:stCondLst>
+                                            <p:cond delay="0"/>
+                                          </p:stCondLst>
+                                        </p:cTn>
+                                        <p:tgtEl>
+                                          <p:spTgt spid="13"/>
+                                        </p:tgtEl>
+                                        <p:attrNameLst>
+                                          <p:attrName>style.visibility</p:attrName>
+                                        </p:attrNameLst>
+                                      </p:cBhvr>
+                                      <p:to>
+                                        <p:strVal val="visible"/>
+                                      </p:to>
+                                    </p:set>
+                                    <p:animEffect transition="in" filter="fade">
+                                      <p:cBhvr>
+                                        <p:cTn id="12" dur="500"/>
+                                        <p:tgtEl>
+                                          <p:spTgt spid="13"/>
+                                        </p:tgtEl>
+                                      </p:cBhvr>
+                                    </p:animEffect>
+                                  </p:childTnLst>
+                                </p:cTn>
+                              </p:par>
+                            </p:childTnLst>
+                          </p:cTn>
+                        </p:par>
+                      </p:childTnLst>
+                    </p:cTn>
+                  </p:par>
+                  <p:par>
+                    <p:cTn id="13" fill="hold">
+                      <p:stCondLst>
+                        <p:cond delay="indefinite"/>
+                      </p:stCondLst>
+                      <p:childTnLst>
+                        <p:par>
+                          <p:cTn id="14" fill="hold">
+                            <p:stCondLst>
+                              <p:cond delay="0"/>
+                            </p:stCondLst>
+                            <p:childTnLst>
+                              <p:par>
+                                <p:cTn id="15" presetID="10" presetClass="entr" presetSubtype="0" fill="hold" grpId="0" nodeType="clickEffect">
+                                  <p:stCondLst>
+                                    <p:cond delay="0"/>
+                                  </p:stCondLst>
+                                  <p:childTnLst>
+                                    <p:set>
+                                      <p:cBhvr>
+                                        <p:cTn id="16" dur="1" fill="hold">
+                                          <p:stCondLst>
+                                            <p:cond delay="0"/>
+                                          </p:stCondLst>
+                                        </p:cTn>
+                                        <p:tgtEl>
+                                          <p:spTgt spid="14"/>
+                                        </p:tgtEl>
+                                        <p:attrNameLst>
+                                          <p:attrName>style.visibility</p:attrName>
+                                        </p:attrNameLst>
+                                      </p:cBhvr>
+                                      <p:to>
+                                        <p:strVal val="visible"/>
+                                      </p:to>
+                                    </p:set>
+                                    <p:animEffect transition="in" filter="fade">
+                                      <p:cBhvr>
+                                        <p:cTn id="17" dur="500"/>
+                                        <p:tgtEl>
+                                          <p:spTgt spid="14"/>
+                                        </p:tgtEl>
+                                      </p:cBhvr>
+                                    </p:animEffect>
+                                  </p:childTnLst>
+                                </p:cTn>
+                              </p:par>
+                            </p:childTnLst>
+                          </p:cTn>
+                        </p:par>
+                      </p:childTnLst>
+                    </p:cTn>
+                  </p:par>
+                  <p:par>
+                    <p:cTn id="18" fill="hold">
+                      <p:stCondLst>
+                        <p:cond delay="indefinite"/>
+                      </p:stCondLst>
+                      <p:childTnLst>
+                        <p:par>
+                          <p:cTn id="19" fill="hold">
+                            <p:stCondLst>
+                              <p:cond delay="0"/>
+                            </p:stCondLst>
+                            <p:childTnLst>
+                              <p:par>
+                                <p:cTn id="20" presetID="10" presetClass="entr" presetSubtype="0" fill="hold" grpId="0" nodeType="clickEffect">
+                                  <p:stCondLst>
+                                    <p:cond delay="0"/>
+                                  </p:stCondLst>
+                                  <p:childTnLst>
+                                    <p:set>
+                                      <p:cBhvr>
+                                        <p:cTn id="21" dur="1" fill="hold">
+                                          <p:stCondLst>
+                                            <p:cond delay="0"/>
+                                          </p:stCondLst>
+                                        </p:cTn>
+                                        <p:tgtEl>
+                                          <p:spTgt spid="15"/>
+                                        </p:tgtEl>
+                                        <p:attrNameLst>
+                                          <p:attrName>style.visibility</p:attrName>
+                                        </p:attrNameLst>
+                                      </p:cBhvr>
+                                      <p:to>
+                                        <p:strVal val="visible"/>
+                                      </p:to>
+                                    </p:set>
+                                    <p:animEffect transition="in" filter="fade">
+                                      <p:cBhvr>
+                                        <p:cTn id="22" dur="500"/>
+                                        <p:tgtEl>
+                                          <p:spTgt spid="15"/>
+                                        </p:tgtEl>
+                                      </p:cBhvr>
+                                    </p:animEffect>
+                                  </p:childTnLst>
+                                </p:cTn>
+                              </p:par>
+                            </p:childTnLst>
+                          </p:cTn>
+                        </p:par>
+                      </p:childTnLst>
+                    </p:cTn>
+                  </p:par>
+                  <p:par>
+                    <p:cTn id="23" fill="hold">
+                      <p:stCondLst>
+                        <p:cond delay="indefinite"/>
+                      </p:stCondLst>
+                      <p:childTnLst>
+                        <p:par>
+                          <p:cTn id="24" fill="hold">
+                            <p:stCondLst>
+                              <p:cond delay="0"/>
+                            </p:stCondLst>
+                            <p:childTnLst>
+                              <p:par>
+                                <p:cTn id="25" presetID="10" presetClass="entr" presetSubtype="0" fill="hold" grpId="0" nodeType="clickEffect">
+                                  <p:stCondLst>
+                                    <p:cond delay="0"/>
+                                  </p:stCondLst>
+                                  <p:childTnLst>
+                                    <p:set>
+                                      <p:cBhvr>
+                                        <p:cTn id="26" dur="1" fill="hold">
+                                          <p:stCondLst>
+                                            <p:cond delay="0"/>
+                                          </p:stCondLst>
+                                        </p:cTn>
+                                        <p:tgtEl>
+                                          <p:spTgt spid="16"/>
+                                        </p:tgtEl>
+                                        <p:attrNameLst>
+                                          <p:attrName>style.visibility</p:attrName>
+                                        </p:attrNameLst>
+                                      </p:cBhvr>
+                                      <p:to>
+                                        <p:strVal val="visible"/>
+                                      </p:to>
+                                    </p:set>
+                                    <p:animEffect transition="in" filter="fade">
+                                      <p:cBhvr>
+                                        <p:cTn id="27" dur="500"/>
+                                        <p:tgtEl>
+                                          <p:spTgt spid="16"/>
+                                        </p:tgtEl>
+                                      </p:cBhvr>
+                                    </p:animEffect>
+                                  </p:childTnLst>
+                                </p:cTn>
+                              </p:par>
+                            </p:childTnLst>
+                          </p:cTn>
+                        </p:par>
+                      </p:childTnLst>
+                    </p:cTn>
+                  </p:par>
+                  <p:par>
+                    <p:cTn id="28" fill="hold">
+                      <p:stCondLst>
+                        <p:cond delay="indefinite"/>
+                      </p:stCondLst>
+                      <p:childTnLst>
+                        <p:par>
+                          <p:cTn id="29" fill="hold">
+                            <p:stCondLst>
+                              <p:cond delay="0"/>
+                            </p:stCondLst>
+                            <p:childTnLst>
+                              <p:par>
+                                <p:cTn id="30" presetID="10" presetClass="entr" presetSubtype="0" fill="hold" grpId="0" nodeType="clickEffect">
+                                  <p:stCondLst>
+                                    <p:cond delay="0"/>
+                                  </p:stCondLst>
+                                  <p:childTnLst>
+                                    <p:set>
+                                      <p:cBhvr>
+                                        <p:cTn id="31" dur="1" fill="hold">
+                                          <p:stCondLst>
+                                            <p:cond delay="0"/>
+                                          </p:stCondLst>
+                                        </p:cTn>
+                                        <p:tgtEl>
+                                          <p:spTgt spid="17"/>
+                                        </p:tgtEl>
+                                        <p:attrNameLst>
+                                          <p:attrName>style.visibility</p:attrName>
+                                        </p:attrNameLst>
+                                      </p:cBhvr>
+                                      <p:to>
+                                        <p:strVal val="visible"/>
+                                      </p:to>
+                                    </p:set>
+                                    <p:animEffect transition="in" filter="fade">
+                                      <p:cBhvr>
+                                        <p:cTn id="32" dur="500"/>
+                                        <p:tgtEl>
+                                          <p:spTgt spid="17"/>
+                                        </p:tgtEl>
+                                      </p:cBhvr>
+                                    </p:animEffect>
+                                  </p:childTnLst>
+                                </p:cTn>
+                              </p:par>
+                            </p:childTnLst>
+                          </p:cTn>
+                        </p:par>
+                      </p:childTnLst>
+                    </p:cTn>
+                  </p:par>
+                </p:childTnLst>
+              </p:cTn>
+              <p:prevCondLst>
+                <p:cond evt="onPrev" delay="0">
+                  <p:tgtEl>
+                    <p:sldTgt/>
+                  </p:tgtEl>
+                </p:cond>
+              </p:prevCondLst>
+              <p:nextCondLst>
+                <p:cond evt="onNext" delay="0">
+                  <p:tgtEl>
+                    <p:sldTgt/>
+                  </p:tgtEl>
+                </p:cond>
+              </p:nextCondLst>
+            </p:seq>
+          </p:childTnLst>
+        </p:cTn>
+      </p:par>
+    </p:tnLst>
+    <p:bldLst>
+      <p:bldP spid="12" grpId="0"/>
+      <p:bldP spid="13" grpId="0"/>
+      <p:bldP spid="14" grpId="0"/>
+      <p:bldP spid="15" grpId="0"/>
+      <p:bldP spid="16" grpId="0"/>
+      <p:bldP spid="17" grpId="0"/>
+    </p:bldLst>
+  </p:timing>
+</p:sld>
+</file>
+
+<file path=ppt/slides/slide44.xml><?xml version="1.0" encoding="utf-8"?>
+<p:sld xmlns:a="http://schemas.openxmlformats.org/drawingml/2006/main" xmlns:r="http://schemas.openxmlformats.org/officeDocument/2006/relationships" xmlns:p="http://schemas.openxmlformats.org/presentationml/2006/main">
+  <p:cSld>
+    <p:spTree>
+      <p:nvGrpSpPr>
+        <p:cNvPr id="1" name=""/>
+        <p:cNvGrpSpPr/>
+        <p:nvPr/>
+      </p:nvGrpSpPr>
+      <p:grpSpPr>
+        <a:xfrm>
+          <a:off x="0" y="0"/>
+          <a:ext cx="0" cy="0"/>
+          <a:chOff x="0" y="0"/>
+          <a:chExt cx="0" cy="0"/>
+        </a:xfrm>
+      </p:grpSpPr>
+      <p:sp>
+        <p:nvSpPr>
+          <p:cNvPr id="2" name="Text Placeholder 1"/>
+          <p:cNvSpPr>
+            <a:spLocks noGrp="1"/>
+          </p:cNvSpPr>
+          <p:nvPr>
+            <p:ph type="body" sz="quarter" idx="11"/>
+          </p:nvPr>
+        </p:nvSpPr>
+        <p:spPr/>
+        <p:txBody>
+          <a:bodyPr/>
+          <a:lstStyle/>
+          <a:p>
+            <a:r>
+              <a:rPr lang="en-US" dirty="0"/>
+              <a:t>Event-Driven</a:t>
+            </a:r>
+          </a:p>
+          <a:p>
+            <a:endParaRPr lang="en-US" dirty="0"/>
+          </a:p>
+          <a:p>
+            <a:endParaRPr lang="en-US" dirty="0"/>
+          </a:p>
+        </p:txBody>
+      </p:sp>
+    </p:spTree>
+    <p:extLst>
+      <p:ext uri="{BB962C8B-B14F-4D97-AF65-F5344CB8AC3E}">
+        <p14:creationId xmlns:p14="http://schemas.microsoft.com/office/powerpoint/2010/main" val="2242557126"/>
+      </p:ext>
+    </p:extLst>
+  </p:cSld>
+  <p:clrMapOvr>
+    <a:masterClrMapping/>
+  </p:clrMapOvr>
+</p:sld>
+</file>
+
+<file path=ppt/slides/slide45.xml><?xml version="1.0" encoding="utf-8"?>
+<p:sld xmlns:a="http://schemas.openxmlformats.org/drawingml/2006/main" xmlns:r="http://schemas.openxmlformats.org/officeDocument/2006/relationships" xmlns:p="http://schemas.openxmlformats.org/presentationml/2006/main">
+  <p:cSld>
+    <p:spTree>
+      <p:nvGrpSpPr>
+        <p:cNvPr id="1" name=""/>
+        <p:cNvGrpSpPr/>
+        <p:nvPr/>
+      </p:nvGrpSpPr>
+      <p:grpSpPr>
+        <a:xfrm>
+          <a:off x="0" y="0"/>
+          <a:ext cx="0" cy="0"/>
+          <a:chOff x="0" y="0"/>
+          <a:chExt cx="0" cy="0"/>
+        </a:xfrm>
+      </p:grpSpPr>
+      <p:sp>
+        <p:nvSpPr>
+          <p:cNvPr id="2" name="Text Placeholder 1"/>
+          <p:cNvSpPr>
+            <a:spLocks noGrp="1"/>
+          </p:cNvSpPr>
+          <p:nvPr>
+            <p:ph type="body" sz="quarter" idx="11"/>
+          </p:nvPr>
+        </p:nvSpPr>
         <p:spPr/>
         <p:txBody>
           <a:bodyPr/>
@@ -14700,7 +17951,7 @@
 </p:sld>
 </file>
 
-<file path=ppt/slides/slide43.xml><?xml version="1.0" encoding="utf-8"?>
+<file path=ppt/slides/slide46.xml><?xml version="1.0" encoding="utf-8"?>
 <p:sld xmlns:a="http://schemas.openxmlformats.org/drawingml/2006/main" xmlns:r="http://schemas.openxmlformats.org/officeDocument/2006/relationships" xmlns:p="http://schemas.openxmlformats.org/presentationml/2006/main">
   <p:cSld>
     <p:spTree>

--- a/docs/solid.pptx
+++ b/docs/solid.pptx
@@ -5,10 +5,10 @@
     <p:sldMasterId id="2147483650" r:id="rId1"/>
   </p:sldMasterIdLst>
   <p:notesMasterIdLst>
-    <p:notesMasterId r:id="rId48"/>
+    <p:notesMasterId r:id="rId50"/>
   </p:notesMasterIdLst>
   <p:handoutMasterIdLst>
-    <p:handoutMasterId r:id="rId49"/>
+    <p:handoutMasterId r:id="rId51"/>
   </p:handoutMasterIdLst>
   <p:sldIdLst>
     <p:sldId id="309" r:id="rId2"/>
@@ -54,9 +54,11 @@
     <p:sldId id="337" r:id="rId42"/>
     <p:sldId id="338" r:id="rId43"/>
     <p:sldId id="339" r:id="rId44"/>
-    <p:sldId id="334" r:id="rId45"/>
-    <p:sldId id="335" r:id="rId46"/>
-    <p:sldId id="330" r:id="rId47"/>
+    <p:sldId id="340" r:id="rId45"/>
+    <p:sldId id="342" r:id="rId46"/>
+    <p:sldId id="334" r:id="rId47"/>
+    <p:sldId id="335" r:id="rId48"/>
+    <p:sldId id="330" r:id="rId49"/>
   </p:sldIdLst>
   <p:sldSz cx="9144000" cy="6858000" type="screen4x3"/>
   <p:notesSz cx="6858000" cy="9144000"/>
@@ -4434,7 +4436,7 @@
     </p:spTree>
     <p:extLst>
       <p:ext uri="{BB962C8B-B14F-4D97-AF65-F5344CB8AC3E}">
-        <p14:creationId xmlns:p14="http://schemas.microsoft.com/office/powerpoint/2010/main" val="715644702"/>
+        <p14:creationId xmlns:p14="http://schemas.microsoft.com/office/powerpoint/2010/main" val="3343323683"/>
       </p:ext>
     </p:extLst>
   </p:cSld>
@@ -4526,7 +4528,7 @@
     </p:spTree>
     <p:extLst>
       <p:ext uri="{BB962C8B-B14F-4D97-AF65-F5344CB8AC3E}">
-        <p14:creationId xmlns:p14="http://schemas.microsoft.com/office/powerpoint/2010/main" val="2866667866"/>
+        <p14:creationId xmlns:p14="http://schemas.microsoft.com/office/powerpoint/2010/main" val="744288894"/>
       </p:ext>
     </p:extLst>
   </p:cSld>
@@ -4610,6 +4612,190 @@
             <a:fld id="{2C5A56FE-B2E8-4285-8F31-2AEEB8EA39C6}" type="slidenum">
               <a:rPr lang="en-GB" smtClean="0"/>
               <a:t>46</a:t>
+            </a:fld>
+            <a:endParaRPr lang="en-GB"/>
+          </a:p>
+        </p:txBody>
+      </p:sp>
+    </p:spTree>
+    <p:extLst>
+      <p:ext uri="{BB962C8B-B14F-4D97-AF65-F5344CB8AC3E}">
+        <p14:creationId xmlns:p14="http://schemas.microsoft.com/office/powerpoint/2010/main" val="715644702"/>
+      </p:ext>
+    </p:extLst>
+  </p:cSld>
+  <p:clrMapOvr>
+    <a:masterClrMapping/>
+  </p:clrMapOvr>
+</p:notes>
+</file>
+
+<file path=ppt/notesSlides/notesSlide47.xml><?xml version="1.0" encoding="utf-8"?>
+<p:notes xmlns:a="http://schemas.openxmlformats.org/drawingml/2006/main" xmlns:r="http://schemas.openxmlformats.org/officeDocument/2006/relationships" xmlns:p="http://schemas.openxmlformats.org/presentationml/2006/main">
+  <p:cSld>
+    <p:spTree>
+      <p:nvGrpSpPr>
+        <p:cNvPr id="1" name=""/>
+        <p:cNvGrpSpPr/>
+        <p:nvPr/>
+      </p:nvGrpSpPr>
+      <p:grpSpPr>
+        <a:xfrm>
+          <a:off x="0" y="0"/>
+          <a:ext cx="0" cy="0"/>
+          <a:chOff x="0" y="0"/>
+          <a:chExt cx="0" cy="0"/>
+        </a:xfrm>
+      </p:grpSpPr>
+      <p:sp>
+        <p:nvSpPr>
+          <p:cNvPr id="2" name="Slide Image Placeholder 1"/>
+          <p:cNvSpPr>
+            <a:spLocks noGrp="1" noRot="1" noChangeAspect="1"/>
+          </p:cNvSpPr>
+          <p:nvPr>
+            <p:ph type="sldImg"/>
+          </p:nvPr>
+        </p:nvSpPr>
+        <p:spPr>
+          <a:xfrm>
+            <a:off x="1143000" y="685800"/>
+            <a:ext cx="4572000" cy="3429000"/>
+          </a:xfrm>
+          <a:prstGeom prst="rect">
+            <a:avLst/>
+          </a:prstGeom>
+        </p:spPr>
+      </p:sp>
+      <p:sp>
+        <p:nvSpPr>
+          <p:cNvPr id="3" name="Notes Placeholder 2"/>
+          <p:cNvSpPr>
+            <a:spLocks noGrp="1"/>
+          </p:cNvSpPr>
+          <p:nvPr>
+            <p:ph type="body" idx="1"/>
+          </p:nvPr>
+        </p:nvSpPr>
+        <p:spPr/>
+        <p:txBody>
+          <a:bodyPr/>
+          <a:lstStyle/>
+          <a:p>
+            <a:endParaRPr lang="it-IT" dirty="0"/>
+          </a:p>
+        </p:txBody>
+      </p:sp>
+      <p:sp>
+        <p:nvSpPr>
+          <p:cNvPr id="4" name="Slide Number Placeholder 3"/>
+          <p:cNvSpPr>
+            <a:spLocks noGrp="1"/>
+          </p:cNvSpPr>
+          <p:nvPr>
+            <p:ph type="sldNum" sz="quarter" idx="10"/>
+          </p:nvPr>
+        </p:nvSpPr>
+        <p:spPr/>
+        <p:txBody>
+          <a:bodyPr/>
+          <a:lstStyle/>
+          <a:p>
+            <a:fld id="{2C5A56FE-B2E8-4285-8F31-2AEEB8EA39C6}" type="slidenum">
+              <a:rPr lang="en-GB" smtClean="0"/>
+              <a:t>47</a:t>
+            </a:fld>
+            <a:endParaRPr lang="en-GB"/>
+          </a:p>
+        </p:txBody>
+      </p:sp>
+    </p:spTree>
+    <p:extLst>
+      <p:ext uri="{BB962C8B-B14F-4D97-AF65-F5344CB8AC3E}">
+        <p14:creationId xmlns:p14="http://schemas.microsoft.com/office/powerpoint/2010/main" val="2866667866"/>
+      </p:ext>
+    </p:extLst>
+  </p:cSld>
+  <p:clrMapOvr>
+    <a:masterClrMapping/>
+  </p:clrMapOvr>
+</p:notes>
+</file>
+
+<file path=ppt/notesSlides/notesSlide48.xml><?xml version="1.0" encoding="utf-8"?>
+<p:notes xmlns:a="http://schemas.openxmlformats.org/drawingml/2006/main" xmlns:r="http://schemas.openxmlformats.org/officeDocument/2006/relationships" xmlns:p="http://schemas.openxmlformats.org/presentationml/2006/main">
+  <p:cSld>
+    <p:spTree>
+      <p:nvGrpSpPr>
+        <p:cNvPr id="1" name=""/>
+        <p:cNvGrpSpPr/>
+        <p:nvPr/>
+      </p:nvGrpSpPr>
+      <p:grpSpPr>
+        <a:xfrm>
+          <a:off x="0" y="0"/>
+          <a:ext cx="0" cy="0"/>
+          <a:chOff x="0" y="0"/>
+          <a:chExt cx="0" cy="0"/>
+        </a:xfrm>
+      </p:grpSpPr>
+      <p:sp>
+        <p:nvSpPr>
+          <p:cNvPr id="2" name="Slide Image Placeholder 1"/>
+          <p:cNvSpPr>
+            <a:spLocks noGrp="1" noRot="1" noChangeAspect="1"/>
+          </p:cNvSpPr>
+          <p:nvPr>
+            <p:ph type="sldImg"/>
+          </p:nvPr>
+        </p:nvSpPr>
+        <p:spPr>
+          <a:xfrm>
+            <a:off x="1143000" y="685800"/>
+            <a:ext cx="4572000" cy="3429000"/>
+          </a:xfrm>
+          <a:prstGeom prst="rect">
+            <a:avLst/>
+          </a:prstGeom>
+        </p:spPr>
+      </p:sp>
+      <p:sp>
+        <p:nvSpPr>
+          <p:cNvPr id="3" name="Notes Placeholder 2"/>
+          <p:cNvSpPr>
+            <a:spLocks noGrp="1"/>
+          </p:cNvSpPr>
+          <p:nvPr>
+            <p:ph type="body" idx="1"/>
+          </p:nvPr>
+        </p:nvSpPr>
+        <p:spPr/>
+        <p:txBody>
+          <a:bodyPr/>
+          <a:lstStyle/>
+          <a:p>
+            <a:endParaRPr lang="it-IT" dirty="0"/>
+          </a:p>
+        </p:txBody>
+      </p:sp>
+      <p:sp>
+        <p:nvSpPr>
+          <p:cNvPr id="4" name="Slide Number Placeholder 3"/>
+          <p:cNvSpPr>
+            <a:spLocks noGrp="1"/>
+          </p:cNvSpPr>
+          <p:nvPr>
+            <p:ph type="sldNum" sz="quarter" idx="10"/>
+          </p:nvPr>
+        </p:nvSpPr>
+        <p:spPr/>
+        <p:txBody>
+          <a:bodyPr/>
+          <a:lstStyle/>
+          <a:p>
+            <a:fld id="{2C5A56FE-B2E8-4285-8F31-2AEEB8EA39C6}" type="slidenum">
+              <a:rPr lang="en-GB" smtClean="0"/>
+              <a:t>48</a:t>
             </a:fld>
             <a:endParaRPr lang="en-GB"/>
           </a:p>
@@ -17865,28 +18051,973 @@
             <p:ph type="body" sz="quarter" idx="11"/>
           </p:nvPr>
         </p:nvSpPr>
-        <p:spPr/>
+        <p:spPr>
+          <a:xfrm>
+            <a:off x="328613" y="1079048"/>
+            <a:ext cx="8401246" cy="731092"/>
+          </a:xfrm>
+        </p:spPr>
         <p:txBody>
           <a:bodyPr/>
           <a:lstStyle/>
           <a:p>
             <a:r>
-              <a:rPr lang="en-US" dirty="0"/>
-              <a:t>Event-Driven</a:t>
-            </a:r>
-          </a:p>
-          <a:p>
+              <a:rPr lang="en-US" dirty="0" err="1"/>
+              <a:t>Deployability</a:t>
+            </a:r>
             <a:endParaRPr lang="en-US" dirty="0"/>
           </a:p>
-          <a:p>
-            <a:endParaRPr lang="en-US" dirty="0"/>
+        </p:txBody>
+      </p:sp>
+      <p:sp>
+        <p:nvSpPr>
+          <p:cNvPr id="11" name="TextBox 10">
+            <a:extLst>
+              <a:ext uri="{FF2B5EF4-FFF2-40B4-BE49-F238E27FC236}">
+                <a16:creationId xmlns:a16="http://schemas.microsoft.com/office/drawing/2014/main" id="{05247ED7-02F4-49CB-B839-553286B18DF6}"/>
+              </a:ext>
+            </a:extLst>
+          </p:cNvPr>
+          <p:cNvSpPr txBox="1"/>
+          <p:nvPr/>
+        </p:nvSpPr>
+        <p:spPr>
+          <a:xfrm>
+            <a:off x="328610" y="2113935"/>
+            <a:ext cx="8210747" cy="523220"/>
+          </a:xfrm>
+          <a:prstGeom prst="rect">
+            <a:avLst/>
+          </a:prstGeom>
+          <a:noFill/>
+        </p:spPr>
+        <p:txBody>
+          <a:bodyPr wrap="square" rtlCol="0">
+            <a:spAutoFit/>
+          </a:bodyPr>
+          <a:lstStyle/>
+          <a:p>
+            <a:r>
+              <a:rPr lang="en-GB" sz="2800" dirty="0"/>
+              <a:t>CI/CD Push</a:t>
+            </a:r>
+          </a:p>
+        </p:txBody>
+      </p:sp>
+      <p:pic>
+        <p:nvPicPr>
+          <p:cNvPr id="5" name="Picture 4">
+            <a:extLst>
+              <a:ext uri="{FF2B5EF4-FFF2-40B4-BE49-F238E27FC236}">
+                <a16:creationId xmlns:a16="http://schemas.microsoft.com/office/drawing/2014/main" id="{7660FE69-5CE6-45C1-9AC8-A4F1E2C187DA}"/>
+              </a:ext>
+            </a:extLst>
+          </p:cNvPr>
+          <p:cNvPicPr>
+            <a:picLocks noChangeAspect="1"/>
+          </p:cNvPicPr>
+          <p:nvPr/>
+        </p:nvPicPr>
+        <p:blipFill>
+          <a:blip r:embed="rId3"/>
+          <a:stretch>
+            <a:fillRect/>
+          </a:stretch>
+        </p:blipFill>
+        <p:spPr>
+          <a:xfrm>
+            <a:off x="162618" y="4107883"/>
+            <a:ext cx="688886" cy="682230"/>
+          </a:xfrm>
+          <a:prstGeom prst="rect">
+            <a:avLst/>
+          </a:prstGeom>
+        </p:spPr>
+      </p:pic>
+      <p:pic>
+        <p:nvPicPr>
+          <p:cNvPr id="6" name="Picture 5">
+            <a:extLst>
+              <a:ext uri="{FF2B5EF4-FFF2-40B4-BE49-F238E27FC236}">
+                <a16:creationId xmlns:a16="http://schemas.microsoft.com/office/drawing/2014/main" id="{FF110200-A312-4203-81D8-F0A866FC0DCF}"/>
+              </a:ext>
+            </a:extLst>
+          </p:cNvPr>
+          <p:cNvPicPr>
+            <a:picLocks noChangeAspect="1"/>
+          </p:cNvPicPr>
+          <p:nvPr/>
+        </p:nvPicPr>
+        <p:blipFill>
+          <a:blip r:embed="rId4"/>
+          <a:stretch>
+            <a:fillRect/>
+          </a:stretch>
+        </p:blipFill>
+        <p:spPr>
+          <a:xfrm>
+            <a:off x="1167955" y="4111244"/>
+            <a:ext cx="688886" cy="685542"/>
+          </a:xfrm>
+          <a:prstGeom prst="rect">
+            <a:avLst/>
+          </a:prstGeom>
+        </p:spPr>
+      </p:pic>
+      <p:pic>
+        <p:nvPicPr>
+          <p:cNvPr id="7" name="Picture 6">
+            <a:extLst>
+              <a:ext uri="{FF2B5EF4-FFF2-40B4-BE49-F238E27FC236}">
+                <a16:creationId xmlns:a16="http://schemas.microsoft.com/office/drawing/2014/main" id="{085578EC-DDA6-4185-AFED-A254BFC6EF2A}"/>
+              </a:ext>
+            </a:extLst>
+          </p:cNvPr>
+          <p:cNvPicPr>
+            <a:picLocks noChangeAspect="1"/>
+          </p:cNvPicPr>
+          <p:nvPr/>
+        </p:nvPicPr>
+        <p:blipFill>
+          <a:blip r:embed="rId5"/>
+          <a:stretch>
+            <a:fillRect/>
+          </a:stretch>
+        </p:blipFill>
+        <p:spPr>
+          <a:xfrm>
+            <a:off x="4572000" y="2736737"/>
+            <a:ext cx="688886" cy="692263"/>
+          </a:xfrm>
+          <a:prstGeom prst="rect">
+            <a:avLst/>
+          </a:prstGeom>
+        </p:spPr>
+      </p:pic>
+      <p:pic>
+        <p:nvPicPr>
+          <p:cNvPr id="9" name="Picture 8">
+            <a:extLst>
+              <a:ext uri="{FF2B5EF4-FFF2-40B4-BE49-F238E27FC236}">
+                <a16:creationId xmlns:a16="http://schemas.microsoft.com/office/drawing/2014/main" id="{52063F44-719C-4E90-9622-D99619064F35}"/>
+              </a:ext>
+            </a:extLst>
+          </p:cNvPr>
+          <p:cNvPicPr>
+            <a:picLocks noChangeAspect="1"/>
+          </p:cNvPicPr>
+          <p:nvPr/>
+        </p:nvPicPr>
+        <p:blipFill>
+          <a:blip r:embed="rId6"/>
+          <a:stretch>
+            <a:fillRect/>
+          </a:stretch>
+        </p:blipFill>
+        <p:spPr>
+          <a:xfrm>
+            <a:off x="2436378" y="4094538"/>
+            <a:ext cx="1803618" cy="695575"/>
+          </a:xfrm>
+          <a:prstGeom prst="rect">
+            <a:avLst/>
+          </a:prstGeom>
+        </p:spPr>
+      </p:pic>
+      <p:pic>
+        <p:nvPicPr>
+          <p:cNvPr id="18" name="Picture 17">
+            <a:extLst>
+              <a:ext uri="{FF2B5EF4-FFF2-40B4-BE49-F238E27FC236}">
+                <a16:creationId xmlns:a16="http://schemas.microsoft.com/office/drawing/2014/main" id="{DD24B6D0-0FFC-40B8-974A-E1595867DBC7}"/>
+              </a:ext>
+            </a:extLst>
+          </p:cNvPr>
+          <p:cNvPicPr>
+            <a:picLocks noChangeAspect="1"/>
+          </p:cNvPicPr>
+          <p:nvPr/>
+        </p:nvPicPr>
+        <p:blipFill>
+          <a:blip r:embed="rId6"/>
+          <a:stretch>
+            <a:fillRect/>
+          </a:stretch>
+        </p:blipFill>
+        <p:spPr>
+          <a:xfrm>
+            <a:off x="4681350" y="4088250"/>
+            <a:ext cx="1803618" cy="695575"/>
+          </a:xfrm>
+          <a:prstGeom prst="rect">
+            <a:avLst/>
+          </a:prstGeom>
+        </p:spPr>
+      </p:pic>
+      <p:pic>
+        <p:nvPicPr>
+          <p:cNvPr id="10" name="Picture 9">
+            <a:extLst>
+              <a:ext uri="{FF2B5EF4-FFF2-40B4-BE49-F238E27FC236}">
+                <a16:creationId xmlns:a16="http://schemas.microsoft.com/office/drawing/2014/main" id="{3CCCBA9C-E2D5-4C3C-A5DC-F247D04CDA64}"/>
+              </a:ext>
+            </a:extLst>
+          </p:cNvPr>
+          <p:cNvPicPr>
+            <a:picLocks noChangeAspect="1"/>
+          </p:cNvPicPr>
+          <p:nvPr/>
+        </p:nvPicPr>
+        <p:blipFill>
+          <a:blip r:embed="rId7"/>
+          <a:stretch>
+            <a:fillRect/>
+          </a:stretch>
+        </p:blipFill>
+        <p:spPr>
+          <a:xfrm>
+            <a:off x="6953392" y="4111244"/>
+            <a:ext cx="1923385" cy="678566"/>
+          </a:xfrm>
+          <a:prstGeom prst="rect">
+            <a:avLst/>
+          </a:prstGeom>
+        </p:spPr>
+      </p:pic>
+      <p:cxnSp>
+        <p:nvCxnSpPr>
+          <p:cNvPr id="21" name="Straight Arrow Connector 20">
+            <a:extLst>
+              <a:ext uri="{FF2B5EF4-FFF2-40B4-BE49-F238E27FC236}">
+                <a16:creationId xmlns:a16="http://schemas.microsoft.com/office/drawing/2014/main" id="{C6AE85D1-08BB-427C-AEF1-15A344CEDD4A}"/>
+              </a:ext>
+            </a:extLst>
+          </p:cNvPr>
+          <p:cNvCxnSpPr>
+            <a:stCxn id="5" idx="3"/>
+            <a:endCxn id="6" idx="1"/>
+          </p:cNvCxnSpPr>
+          <p:nvPr/>
+        </p:nvCxnSpPr>
+        <p:spPr>
+          <a:xfrm>
+            <a:off x="851504" y="4448998"/>
+            <a:ext cx="316451" cy="5017"/>
+          </a:xfrm>
+          <a:prstGeom prst="straightConnector1">
+            <a:avLst/>
+          </a:prstGeom>
+          <a:ln>
+            <a:tailEnd type="triangle"/>
+          </a:ln>
+        </p:spPr>
+        <p:style>
+          <a:lnRef idx="2">
+            <a:schemeClr val="accent3"/>
+          </a:lnRef>
+          <a:fillRef idx="0">
+            <a:schemeClr val="accent3"/>
+          </a:fillRef>
+          <a:effectRef idx="1">
+            <a:schemeClr val="accent3"/>
+          </a:effectRef>
+          <a:fontRef idx="minor">
+            <a:schemeClr val="tx1"/>
+          </a:fontRef>
+        </p:style>
+      </p:cxnSp>
+      <p:cxnSp>
+        <p:nvCxnSpPr>
+          <p:cNvPr id="25" name="Straight Arrow Connector 24">
+            <a:extLst>
+              <a:ext uri="{FF2B5EF4-FFF2-40B4-BE49-F238E27FC236}">
+                <a16:creationId xmlns:a16="http://schemas.microsoft.com/office/drawing/2014/main" id="{2DD7F8B1-6870-4B24-A0A3-7D4E6C1E9D1F}"/>
+              </a:ext>
+            </a:extLst>
+          </p:cNvPr>
+          <p:cNvCxnSpPr>
+            <a:stCxn id="6" idx="3"/>
+            <a:endCxn id="9" idx="1"/>
+          </p:cNvCxnSpPr>
+          <p:nvPr/>
+        </p:nvCxnSpPr>
+        <p:spPr>
+          <a:xfrm flipV="1">
+            <a:off x="1856841" y="4442326"/>
+            <a:ext cx="579537" cy="11689"/>
+          </a:xfrm>
+          <a:prstGeom prst="straightConnector1">
+            <a:avLst/>
+          </a:prstGeom>
+          <a:ln>
+            <a:tailEnd type="triangle"/>
+          </a:ln>
+        </p:spPr>
+        <p:style>
+          <a:lnRef idx="2">
+            <a:schemeClr val="accent6"/>
+          </a:lnRef>
+          <a:fillRef idx="0">
+            <a:schemeClr val="accent6"/>
+          </a:fillRef>
+          <a:effectRef idx="1">
+            <a:schemeClr val="accent6"/>
+          </a:effectRef>
+          <a:fontRef idx="minor">
+            <a:schemeClr val="tx1"/>
+          </a:fontRef>
+        </p:style>
+      </p:cxnSp>
+      <p:cxnSp>
+        <p:nvCxnSpPr>
+          <p:cNvPr id="29" name="Straight Arrow Connector 28">
+            <a:extLst>
+              <a:ext uri="{FF2B5EF4-FFF2-40B4-BE49-F238E27FC236}">
+                <a16:creationId xmlns:a16="http://schemas.microsoft.com/office/drawing/2014/main" id="{1F025491-1681-4596-B433-ED1D40D682BA}"/>
+              </a:ext>
+            </a:extLst>
+          </p:cNvPr>
+          <p:cNvCxnSpPr>
+            <a:cxnSpLocks/>
+            <a:stCxn id="9" idx="3"/>
+            <a:endCxn id="18" idx="1"/>
+          </p:cNvCxnSpPr>
+          <p:nvPr/>
+        </p:nvCxnSpPr>
+        <p:spPr>
+          <a:xfrm flipV="1">
+            <a:off x="4239996" y="4436038"/>
+            <a:ext cx="441354" cy="6288"/>
+          </a:xfrm>
+          <a:prstGeom prst="straightConnector1">
+            <a:avLst/>
+          </a:prstGeom>
+          <a:ln>
+            <a:tailEnd type="triangle"/>
+          </a:ln>
+        </p:spPr>
+        <p:style>
+          <a:lnRef idx="2">
+            <a:schemeClr val="accent6"/>
+          </a:lnRef>
+          <a:fillRef idx="0">
+            <a:schemeClr val="accent6"/>
+          </a:fillRef>
+          <a:effectRef idx="1">
+            <a:schemeClr val="accent6"/>
+          </a:effectRef>
+          <a:fontRef idx="minor">
+            <a:schemeClr val="tx1"/>
+          </a:fontRef>
+        </p:style>
+      </p:cxnSp>
+      <p:cxnSp>
+        <p:nvCxnSpPr>
+          <p:cNvPr id="39" name="Straight Arrow Connector 38">
+            <a:extLst>
+              <a:ext uri="{FF2B5EF4-FFF2-40B4-BE49-F238E27FC236}">
+                <a16:creationId xmlns:a16="http://schemas.microsoft.com/office/drawing/2014/main" id="{1A76A7FB-D933-4979-B7B9-7FD0D967E725}"/>
+              </a:ext>
+            </a:extLst>
+          </p:cNvPr>
+          <p:cNvCxnSpPr>
+            <a:cxnSpLocks/>
+            <a:stCxn id="18" idx="3"/>
+            <a:endCxn id="10" idx="1"/>
+          </p:cNvCxnSpPr>
+          <p:nvPr/>
+        </p:nvCxnSpPr>
+        <p:spPr>
+          <a:xfrm>
+            <a:off x="6484968" y="4436038"/>
+            <a:ext cx="468424" cy="14489"/>
+          </a:xfrm>
+          <a:prstGeom prst="straightConnector1">
+            <a:avLst/>
+          </a:prstGeom>
+          <a:ln>
+            <a:tailEnd type="triangle"/>
+          </a:ln>
+        </p:spPr>
+        <p:style>
+          <a:lnRef idx="2">
+            <a:schemeClr val="accent1"/>
+          </a:lnRef>
+          <a:fillRef idx="0">
+            <a:schemeClr val="accent1"/>
+          </a:fillRef>
+          <a:effectRef idx="1">
+            <a:schemeClr val="accent1"/>
+          </a:effectRef>
+          <a:fontRef idx="minor">
+            <a:schemeClr val="tx1"/>
+          </a:fontRef>
+        </p:style>
+      </p:cxnSp>
+      <p:pic>
+        <p:nvPicPr>
+          <p:cNvPr id="54" name="Picture 53">
+            <a:extLst>
+              <a:ext uri="{FF2B5EF4-FFF2-40B4-BE49-F238E27FC236}">
+                <a16:creationId xmlns:a16="http://schemas.microsoft.com/office/drawing/2014/main" id="{4B487240-2F9D-4328-A4DF-371D8F3B1167}"/>
+              </a:ext>
+            </a:extLst>
+          </p:cNvPr>
+          <p:cNvPicPr>
+            <a:picLocks noChangeAspect="1"/>
+          </p:cNvPicPr>
+          <p:nvPr/>
+        </p:nvPicPr>
+        <p:blipFill>
+          <a:blip r:embed="rId4"/>
+          <a:stretch>
+            <a:fillRect/>
+          </a:stretch>
+        </p:blipFill>
+        <p:spPr>
+          <a:xfrm>
+            <a:off x="1167955" y="5359936"/>
+            <a:ext cx="688886" cy="685542"/>
+          </a:xfrm>
+          <a:prstGeom prst="rect">
+            <a:avLst/>
+          </a:prstGeom>
+        </p:spPr>
+      </p:pic>
+      <p:cxnSp>
+        <p:nvCxnSpPr>
+          <p:cNvPr id="56" name="Connector: Elbow 55">
+            <a:extLst>
+              <a:ext uri="{FF2B5EF4-FFF2-40B4-BE49-F238E27FC236}">
+                <a16:creationId xmlns:a16="http://schemas.microsoft.com/office/drawing/2014/main" id="{03A371B6-E050-421E-9F51-10755D6B88F8}"/>
+              </a:ext>
+            </a:extLst>
+          </p:cNvPr>
+          <p:cNvCxnSpPr>
+            <a:stCxn id="9" idx="0"/>
+            <a:endCxn id="7" idx="1"/>
+          </p:cNvCxnSpPr>
+          <p:nvPr/>
+        </p:nvCxnSpPr>
+        <p:spPr>
+          <a:xfrm rot="5400000" flipH="1" flipV="1">
+            <a:off x="3449259" y="2971798"/>
+            <a:ext cx="1011669" cy="1233813"/>
+          </a:xfrm>
+          <a:prstGeom prst="bentConnector2">
+            <a:avLst/>
+          </a:prstGeom>
+          <a:ln>
+            <a:tailEnd type="triangle"/>
+          </a:ln>
+        </p:spPr>
+        <p:style>
+          <a:lnRef idx="2">
+            <a:schemeClr val="accent1"/>
+          </a:lnRef>
+          <a:fillRef idx="0">
+            <a:schemeClr val="accent1"/>
+          </a:fillRef>
+          <a:effectRef idx="1">
+            <a:schemeClr val="accent1"/>
+          </a:effectRef>
+          <a:fontRef idx="minor">
+            <a:schemeClr val="tx1"/>
+          </a:fontRef>
+        </p:style>
+      </p:cxnSp>
+      <p:cxnSp>
+        <p:nvCxnSpPr>
+          <p:cNvPr id="58" name="Connector: Elbow 57">
+            <a:extLst>
+              <a:ext uri="{FF2B5EF4-FFF2-40B4-BE49-F238E27FC236}">
+                <a16:creationId xmlns:a16="http://schemas.microsoft.com/office/drawing/2014/main" id="{57DD01CF-EF12-459A-A58D-1D4D19A47645}"/>
+              </a:ext>
+            </a:extLst>
+          </p:cNvPr>
+          <p:cNvCxnSpPr>
+            <a:stCxn id="10" idx="0"/>
+            <a:endCxn id="7" idx="3"/>
+          </p:cNvCxnSpPr>
+          <p:nvPr/>
+        </p:nvCxnSpPr>
+        <p:spPr>
+          <a:xfrm rot="16200000" flipV="1">
+            <a:off x="6073799" y="2269957"/>
+            <a:ext cx="1028375" cy="2654199"/>
+          </a:xfrm>
+          <a:prstGeom prst="bentConnector2">
+            <a:avLst/>
+          </a:prstGeom>
+          <a:ln>
+            <a:tailEnd type="triangle"/>
+          </a:ln>
+        </p:spPr>
+        <p:style>
+          <a:lnRef idx="2">
+            <a:schemeClr val="accent1"/>
+          </a:lnRef>
+          <a:fillRef idx="0">
+            <a:schemeClr val="accent1"/>
+          </a:fillRef>
+          <a:effectRef idx="1">
+            <a:schemeClr val="accent1"/>
+          </a:effectRef>
+          <a:fontRef idx="minor">
+            <a:schemeClr val="tx1"/>
+          </a:fontRef>
+        </p:style>
+      </p:cxnSp>
+      <p:cxnSp>
+        <p:nvCxnSpPr>
+          <p:cNvPr id="63" name="Connector: Elbow 62">
+            <a:extLst>
+              <a:ext uri="{FF2B5EF4-FFF2-40B4-BE49-F238E27FC236}">
+                <a16:creationId xmlns:a16="http://schemas.microsoft.com/office/drawing/2014/main" id="{F603E818-39DA-4481-AAD1-32ED0DD22095}"/>
+              </a:ext>
+            </a:extLst>
+          </p:cNvPr>
+          <p:cNvCxnSpPr>
+            <a:stCxn id="18" idx="2"/>
+            <a:endCxn id="54" idx="3"/>
+          </p:cNvCxnSpPr>
+          <p:nvPr/>
+        </p:nvCxnSpPr>
+        <p:spPr>
+          <a:xfrm rot="5400000">
+            <a:off x="3260559" y="3380107"/>
+            <a:ext cx="918882" cy="3726318"/>
+          </a:xfrm>
+          <a:prstGeom prst="bentConnector2">
+            <a:avLst/>
+          </a:prstGeom>
+          <a:ln>
+            <a:tailEnd type="triangle"/>
+          </a:ln>
+        </p:spPr>
+        <p:style>
+          <a:lnRef idx="2">
+            <a:schemeClr val="accent1"/>
+          </a:lnRef>
+          <a:fillRef idx="0">
+            <a:schemeClr val="accent1"/>
+          </a:fillRef>
+          <a:effectRef idx="1">
+            <a:schemeClr val="accent1"/>
+          </a:effectRef>
+          <a:fontRef idx="minor">
+            <a:schemeClr val="tx1"/>
+          </a:fontRef>
+        </p:style>
+      </p:cxnSp>
+      <p:cxnSp>
+        <p:nvCxnSpPr>
+          <p:cNvPr id="65" name="Connector: Elbow 64">
+            <a:extLst>
+              <a:ext uri="{FF2B5EF4-FFF2-40B4-BE49-F238E27FC236}">
+                <a16:creationId xmlns:a16="http://schemas.microsoft.com/office/drawing/2014/main" id="{AE702056-0792-45B9-AA66-0E1603CFFEF8}"/>
+              </a:ext>
+            </a:extLst>
+          </p:cNvPr>
+          <p:cNvCxnSpPr>
+            <a:stCxn id="5" idx="2"/>
+            <a:endCxn id="54" idx="1"/>
+          </p:cNvCxnSpPr>
+          <p:nvPr/>
+        </p:nvCxnSpPr>
+        <p:spPr>
+          <a:xfrm rot="16200000" flipH="1">
+            <a:off x="381211" y="4915963"/>
+            <a:ext cx="912594" cy="660894"/>
+          </a:xfrm>
+          <a:prstGeom prst="bentConnector2">
+            <a:avLst/>
+          </a:prstGeom>
+          <a:ln>
+            <a:tailEnd type="triangle"/>
+          </a:ln>
+        </p:spPr>
+        <p:style>
+          <a:lnRef idx="2">
+            <a:schemeClr val="accent3"/>
+          </a:lnRef>
+          <a:fillRef idx="0">
+            <a:schemeClr val="accent3"/>
+          </a:fillRef>
+          <a:effectRef idx="1">
+            <a:schemeClr val="accent3"/>
+          </a:effectRef>
+          <a:fontRef idx="minor">
+            <a:schemeClr val="tx1"/>
+          </a:fontRef>
+        </p:style>
+      </p:cxnSp>
+      <p:sp>
+        <p:nvSpPr>
+          <p:cNvPr id="68" name="Callout: Bent Line 67">
+            <a:extLst>
+              <a:ext uri="{FF2B5EF4-FFF2-40B4-BE49-F238E27FC236}">
+                <a16:creationId xmlns:a16="http://schemas.microsoft.com/office/drawing/2014/main" id="{655782EB-BCBD-437F-963A-E9D99D36E4BC}"/>
+              </a:ext>
+            </a:extLst>
+          </p:cNvPr>
+          <p:cNvSpPr/>
+          <p:nvPr/>
+        </p:nvSpPr>
+        <p:spPr>
+          <a:xfrm>
+            <a:off x="1228914" y="3284229"/>
+            <a:ext cx="914400" cy="403591"/>
+          </a:xfrm>
+          <a:prstGeom prst="borderCallout2">
+            <a:avLst>
+              <a:gd name="adj1" fmla="val 47357"/>
+              <a:gd name="adj2" fmla="val -1666"/>
+              <a:gd name="adj3" fmla="val 47358"/>
+              <a:gd name="adj4" fmla="val -22500"/>
+              <a:gd name="adj5" fmla="val 272152"/>
+              <a:gd name="adj6" fmla="val -29167"/>
+            </a:avLst>
+          </a:prstGeom>
+        </p:spPr>
+        <p:style>
+          <a:lnRef idx="1">
+            <a:schemeClr val="accent3"/>
+          </a:lnRef>
+          <a:fillRef idx="2">
+            <a:schemeClr val="accent3"/>
+          </a:fillRef>
+          <a:effectRef idx="1">
+            <a:schemeClr val="accent3"/>
+          </a:effectRef>
+          <a:fontRef idx="minor">
+            <a:schemeClr val="dk1"/>
+          </a:fontRef>
+        </p:style>
+        <p:txBody>
+          <a:bodyPr rtlCol="0" anchor="ctr"/>
+          <a:lstStyle/>
+          <a:p>
+            <a:pPr algn="ctr"/>
+            <a:r>
+              <a:rPr lang="it-IT" sz="1200" dirty="0"/>
+              <a:t>code</a:t>
+            </a:r>
+          </a:p>
+        </p:txBody>
+      </p:sp>
+      <p:sp>
+        <p:nvSpPr>
+          <p:cNvPr id="69" name="TextBox 68">
+            <a:extLst>
+              <a:ext uri="{FF2B5EF4-FFF2-40B4-BE49-F238E27FC236}">
+                <a16:creationId xmlns:a16="http://schemas.microsoft.com/office/drawing/2014/main" id="{2A099489-91B1-4416-8928-85C82DE51283}"/>
+              </a:ext>
+            </a:extLst>
+          </p:cNvPr>
+          <p:cNvSpPr txBox="1"/>
+          <p:nvPr/>
+        </p:nvSpPr>
+        <p:spPr>
+          <a:xfrm>
+            <a:off x="3147455" y="4269349"/>
+            <a:ext cx="659155" cy="369332"/>
+          </a:xfrm>
+          <a:prstGeom prst="rect">
+            <a:avLst/>
+          </a:prstGeom>
+          <a:noFill/>
+        </p:spPr>
+        <p:txBody>
+          <a:bodyPr wrap="none" rtlCol="0">
+            <a:spAutoFit/>
+          </a:bodyPr>
+          <a:lstStyle/>
+          <a:p>
+            <a:r>
+              <a:rPr lang="it-IT" dirty="0"/>
+              <a:t>Build</a:t>
+            </a:r>
+          </a:p>
+        </p:txBody>
+      </p:sp>
+      <p:sp>
+        <p:nvSpPr>
+          <p:cNvPr id="70" name="TextBox 69">
+            <a:extLst>
+              <a:ext uri="{FF2B5EF4-FFF2-40B4-BE49-F238E27FC236}">
+                <a16:creationId xmlns:a16="http://schemas.microsoft.com/office/drawing/2014/main" id="{A8A3D390-B92A-4856-9B6D-9D094973A69E}"/>
+              </a:ext>
+            </a:extLst>
+          </p:cNvPr>
+          <p:cNvSpPr txBox="1"/>
+          <p:nvPr/>
+        </p:nvSpPr>
+        <p:spPr>
+          <a:xfrm>
+            <a:off x="5384459" y="4260969"/>
+            <a:ext cx="842282" cy="369332"/>
+          </a:xfrm>
+          <a:prstGeom prst="rect">
+            <a:avLst/>
+          </a:prstGeom>
+          <a:noFill/>
+        </p:spPr>
+        <p:txBody>
+          <a:bodyPr wrap="none" rtlCol="0">
+            <a:spAutoFit/>
+          </a:bodyPr>
+          <a:lstStyle/>
+          <a:p>
+            <a:r>
+              <a:rPr lang="it-IT" dirty="0" err="1"/>
+              <a:t>Deploy</a:t>
+            </a:r>
+            <a:endParaRPr lang="it-IT" dirty="0"/>
+          </a:p>
+        </p:txBody>
+      </p:sp>
+      <p:sp>
+        <p:nvSpPr>
+          <p:cNvPr id="71" name="Callout: Bent Line 70">
+            <a:extLst>
+              <a:ext uri="{FF2B5EF4-FFF2-40B4-BE49-F238E27FC236}">
+                <a16:creationId xmlns:a16="http://schemas.microsoft.com/office/drawing/2014/main" id="{21A0D03B-2C67-467D-BD7A-7504F5203673}"/>
+              </a:ext>
+            </a:extLst>
+          </p:cNvPr>
+          <p:cNvSpPr/>
+          <p:nvPr/>
+        </p:nvSpPr>
+        <p:spPr>
+          <a:xfrm>
+            <a:off x="3976783" y="1952987"/>
+            <a:ext cx="914400" cy="403591"/>
+          </a:xfrm>
+          <a:prstGeom prst="borderCallout2">
+            <a:avLst>
+              <a:gd name="adj1" fmla="val 47357"/>
+              <a:gd name="adj2" fmla="val -1666"/>
+              <a:gd name="adj3" fmla="val 47358"/>
+              <a:gd name="adj4" fmla="val -22500"/>
+              <a:gd name="adj5" fmla="val 272152"/>
+              <a:gd name="adj6" fmla="val -29167"/>
+            </a:avLst>
+          </a:prstGeom>
+        </p:spPr>
+        <p:style>
+          <a:lnRef idx="1">
+            <a:schemeClr val="accent3"/>
+          </a:lnRef>
+          <a:fillRef idx="2">
+            <a:schemeClr val="accent3"/>
+          </a:fillRef>
+          <a:effectRef idx="1">
+            <a:schemeClr val="accent3"/>
+          </a:effectRef>
+          <a:fontRef idx="minor">
+            <a:schemeClr val="dk1"/>
+          </a:fontRef>
+        </p:style>
+        <p:txBody>
+          <a:bodyPr rtlCol="0" anchor="ctr"/>
+          <a:lstStyle/>
+          <a:p>
+            <a:pPr algn="ctr"/>
+            <a:r>
+              <a:rPr lang="it-IT" sz="1200" dirty="0" err="1"/>
+              <a:t>Push</a:t>
+            </a:r>
+            <a:r>
+              <a:rPr lang="it-IT" sz="1200" dirty="0"/>
+              <a:t> images</a:t>
+            </a:r>
+          </a:p>
+        </p:txBody>
+      </p:sp>
+      <p:sp>
+        <p:nvSpPr>
+          <p:cNvPr id="72" name="Callout: Bent Line 71">
+            <a:extLst>
+              <a:ext uri="{FF2B5EF4-FFF2-40B4-BE49-F238E27FC236}">
+                <a16:creationId xmlns:a16="http://schemas.microsoft.com/office/drawing/2014/main" id="{3DC4799E-B154-455B-83E7-034248166A4C}"/>
+              </a:ext>
+            </a:extLst>
+          </p:cNvPr>
+          <p:cNvSpPr/>
+          <p:nvPr/>
+        </p:nvSpPr>
+        <p:spPr>
+          <a:xfrm>
+            <a:off x="1064778" y="6265858"/>
+            <a:ext cx="914400" cy="403591"/>
+          </a:xfrm>
+          <a:prstGeom prst="borderCallout2">
+            <a:avLst>
+              <a:gd name="adj1" fmla="val 47357"/>
+              <a:gd name="adj2" fmla="val -1666"/>
+              <a:gd name="adj3" fmla="val 47358"/>
+              <a:gd name="adj4" fmla="val -22500"/>
+              <a:gd name="adj5" fmla="val -120562"/>
+              <a:gd name="adj6" fmla="val -20001"/>
+            </a:avLst>
+          </a:prstGeom>
+        </p:spPr>
+        <p:style>
+          <a:lnRef idx="1">
+            <a:schemeClr val="accent3"/>
+          </a:lnRef>
+          <a:fillRef idx="2">
+            <a:schemeClr val="accent3"/>
+          </a:fillRef>
+          <a:effectRef idx="1">
+            <a:schemeClr val="accent3"/>
+          </a:effectRef>
+          <a:fontRef idx="minor">
+            <a:schemeClr val="dk1"/>
+          </a:fontRef>
+        </p:style>
+        <p:txBody>
+          <a:bodyPr rtlCol="0" anchor="ctr"/>
+          <a:lstStyle/>
+          <a:p>
+            <a:pPr algn="ctr"/>
+            <a:r>
+              <a:rPr lang="it-IT" sz="1200" dirty="0" err="1"/>
+              <a:t>config</a:t>
+            </a:r>
+            <a:endParaRPr lang="it-IT" sz="1200" dirty="0"/>
+          </a:p>
+        </p:txBody>
+      </p:sp>
+      <p:sp>
+        <p:nvSpPr>
+          <p:cNvPr id="75" name="Callout: Bent Line 74">
+            <a:extLst>
+              <a:ext uri="{FF2B5EF4-FFF2-40B4-BE49-F238E27FC236}">
+                <a16:creationId xmlns:a16="http://schemas.microsoft.com/office/drawing/2014/main" id="{BE6D9DDE-5E3D-48AB-BBA2-7C598223B901}"/>
+              </a:ext>
+            </a:extLst>
+          </p:cNvPr>
+          <p:cNvSpPr/>
+          <p:nvPr/>
+        </p:nvSpPr>
+        <p:spPr>
+          <a:xfrm>
+            <a:off x="7061645" y="5237545"/>
+            <a:ext cx="914400" cy="685542"/>
+          </a:xfrm>
+          <a:prstGeom prst="borderCallout2">
+            <a:avLst>
+              <a:gd name="adj1" fmla="val 47357"/>
+              <a:gd name="adj2" fmla="val -1666"/>
+              <a:gd name="adj3" fmla="val 47358"/>
+              <a:gd name="adj4" fmla="val -22500"/>
+              <a:gd name="adj5" fmla="val -100142"/>
+              <a:gd name="adj6" fmla="val -40834"/>
+            </a:avLst>
+          </a:prstGeom>
+        </p:spPr>
+        <p:style>
+          <a:lnRef idx="1">
+            <a:schemeClr val="accent3"/>
+          </a:lnRef>
+          <a:fillRef idx="2">
+            <a:schemeClr val="accent3"/>
+          </a:fillRef>
+          <a:effectRef idx="1">
+            <a:schemeClr val="accent3"/>
+          </a:effectRef>
+          <a:fontRef idx="minor">
+            <a:schemeClr val="dk1"/>
+          </a:fontRef>
+        </p:style>
+        <p:txBody>
+          <a:bodyPr rtlCol="0" anchor="ctr"/>
+          <a:lstStyle/>
+          <a:p>
+            <a:pPr algn="ctr"/>
+            <a:r>
+              <a:rPr lang="it-IT" sz="1200" dirty="0"/>
+              <a:t>Scripts</a:t>
+            </a:r>
+          </a:p>
+          <a:p>
+            <a:pPr algn="ctr"/>
+            <a:r>
+              <a:rPr lang="it-IT" sz="1200" dirty="0" err="1"/>
+              <a:t>Helm</a:t>
+            </a:r>
+            <a:endParaRPr lang="it-IT" sz="1200" dirty="0"/>
+          </a:p>
+          <a:p>
+            <a:pPr algn="ctr"/>
+            <a:r>
+              <a:rPr lang="it-IT" sz="1200" dirty="0" err="1"/>
+              <a:t>kubectl</a:t>
+            </a:r>
+            <a:endParaRPr lang="it-IT" sz="1200" dirty="0"/>
+          </a:p>
+        </p:txBody>
+      </p:sp>
+      <p:sp>
+        <p:nvSpPr>
+          <p:cNvPr id="76" name="Callout: Bent Line 75">
+            <a:extLst>
+              <a:ext uri="{FF2B5EF4-FFF2-40B4-BE49-F238E27FC236}">
+                <a16:creationId xmlns:a16="http://schemas.microsoft.com/office/drawing/2014/main" id="{E8F13834-E9F2-4ADD-9D04-4273326B1FC4}"/>
+              </a:ext>
+            </a:extLst>
+          </p:cNvPr>
+          <p:cNvSpPr/>
+          <p:nvPr/>
+        </p:nvSpPr>
+        <p:spPr>
+          <a:xfrm>
+            <a:off x="6375279" y="2106631"/>
+            <a:ext cx="914400" cy="403591"/>
+          </a:xfrm>
+          <a:prstGeom prst="borderCallout2">
+            <a:avLst>
+              <a:gd name="adj1" fmla="val 45469"/>
+              <a:gd name="adj2" fmla="val 101667"/>
+              <a:gd name="adj3" fmla="val 90783"/>
+              <a:gd name="adj4" fmla="val 137500"/>
+              <a:gd name="adj5" fmla="val 217398"/>
+              <a:gd name="adj6" fmla="val 148333"/>
+            </a:avLst>
+          </a:prstGeom>
+        </p:spPr>
+        <p:style>
+          <a:lnRef idx="1">
+            <a:schemeClr val="accent3"/>
+          </a:lnRef>
+          <a:fillRef idx="2">
+            <a:schemeClr val="accent3"/>
+          </a:fillRef>
+          <a:effectRef idx="1">
+            <a:schemeClr val="accent3"/>
+          </a:effectRef>
+          <a:fontRef idx="minor">
+            <a:schemeClr val="dk1"/>
+          </a:fontRef>
+        </p:style>
+        <p:txBody>
+          <a:bodyPr rtlCol="0" anchor="ctr"/>
+          <a:lstStyle/>
+          <a:p>
+            <a:pPr algn="ctr"/>
+            <a:r>
+              <a:rPr lang="it-IT" sz="1200" dirty="0"/>
+              <a:t>Pull images</a:t>
+            </a:r>
           </a:p>
         </p:txBody>
       </p:sp>
     </p:spTree>
     <p:extLst>
       <p:ext uri="{BB962C8B-B14F-4D97-AF65-F5344CB8AC3E}">
-        <p14:creationId xmlns:p14="http://schemas.microsoft.com/office/powerpoint/2010/main" val="2242557126"/>
+        <p14:creationId xmlns:p14="http://schemas.microsoft.com/office/powerpoint/2010/main" val="3042618897"/>
       </p:ext>
     </p:extLst>
   </p:cSld>
@@ -17923,6 +19054,1037 @@
             <p:ph type="body" sz="quarter" idx="11"/>
           </p:nvPr>
         </p:nvSpPr>
+        <p:spPr>
+          <a:xfrm>
+            <a:off x="328613" y="1079048"/>
+            <a:ext cx="8401246" cy="731092"/>
+          </a:xfrm>
+        </p:spPr>
+        <p:txBody>
+          <a:bodyPr/>
+          <a:lstStyle/>
+          <a:p>
+            <a:r>
+              <a:rPr lang="en-US" dirty="0" err="1"/>
+              <a:t>Deployability</a:t>
+            </a:r>
+            <a:endParaRPr lang="en-US" dirty="0"/>
+          </a:p>
+        </p:txBody>
+      </p:sp>
+      <p:sp>
+        <p:nvSpPr>
+          <p:cNvPr id="11" name="TextBox 10">
+            <a:extLst>
+              <a:ext uri="{FF2B5EF4-FFF2-40B4-BE49-F238E27FC236}">
+                <a16:creationId xmlns:a16="http://schemas.microsoft.com/office/drawing/2014/main" id="{05247ED7-02F4-49CB-B839-553286B18DF6}"/>
+              </a:ext>
+            </a:extLst>
+          </p:cNvPr>
+          <p:cNvSpPr txBox="1"/>
+          <p:nvPr/>
+        </p:nvSpPr>
+        <p:spPr>
+          <a:xfrm>
+            <a:off x="328610" y="2113935"/>
+            <a:ext cx="8210747" cy="523220"/>
+          </a:xfrm>
+          <a:prstGeom prst="rect">
+            <a:avLst/>
+          </a:prstGeom>
+          <a:noFill/>
+        </p:spPr>
+        <p:txBody>
+          <a:bodyPr wrap="square" rtlCol="0">
+            <a:spAutoFit/>
+          </a:bodyPr>
+          <a:lstStyle/>
+          <a:p>
+            <a:r>
+              <a:rPr lang="en-GB" sz="2800" dirty="0"/>
+              <a:t>CI/CD Pull (</a:t>
+            </a:r>
+            <a:r>
+              <a:rPr lang="en-GB" sz="2800" dirty="0" err="1"/>
+              <a:t>GitOps</a:t>
+            </a:r>
+            <a:r>
+              <a:rPr lang="en-GB" sz="2800" dirty="0"/>
+              <a:t>)</a:t>
+            </a:r>
+          </a:p>
+        </p:txBody>
+      </p:sp>
+      <p:pic>
+        <p:nvPicPr>
+          <p:cNvPr id="5" name="Picture 4">
+            <a:extLst>
+              <a:ext uri="{FF2B5EF4-FFF2-40B4-BE49-F238E27FC236}">
+                <a16:creationId xmlns:a16="http://schemas.microsoft.com/office/drawing/2014/main" id="{7660FE69-5CE6-45C1-9AC8-A4F1E2C187DA}"/>
+              </a:ext>
+            </a:extLst>
+          </p:cNvPr>
+          <p:cNvPicPr>
+            <a:picLocks noChangeAspect="1"/>
+          </p:cNvPicPr>
+          <p:nvPr/>
+        </p:nvPicPr>
+        <p:blipFill>
+          <a:blip r:embed="rId3"/>
+          <a:stretch>
+            <a:fillRect/>
+          </a:stretch>
+        </p:blipFill>
+        <p:spPr>
+          <a:xfrm>
+            <a:off x="162618" y="4107883"/>
+            <a:ext cx="688886" cy="682230"/>
+          </a:xfrm>
+          <a:prstGeom prst="rect">
+            <a:avLst/>
+          </a:prstGeom>
+        </p:spPr>
+      </p:pic>
+      <p:pic>
+        <p:nvPicPr>
+          <p:cNvPr id="6" name="Picture 5">
+            <a:extLst>
+              <a:ext uri="{FF2B5EF4-FFF2-40B4-BE49-F238E27FC236}">
+                <a16:creationId xmlns:a16="http://schemas.microsoft.com/office/drawing/2014/main" id="{FF110200-A312-4203-81D8-F0A866FC0DCF}"/>
+              </a:ext>
+            </a:extLst>
+          </p:cNvPr>
+          <p:cNvPicPr>
+            <a:picLocks noChangeAspect="1"/>
+          </p:cNvPicPr>
+          <p:nvPr/>
+        </p:nvPicPr>
+        <p:blipFill>
+          <a:blip r:embed="rId4"/>
+          <a:stretch>
+            <a:fillRect/>
+          </a:stretch>
+        </p:blipFill>
+        <p:spPr>
+          <a:xfrm>
+            <a:off x="1167955" y="4111244"/>
+            <a:ext cx="688886" cy="685542"/>
+          </a:xfrm>
+          <a:prstGeom prst="rect">
+            <a:avLst/>
+          </a:prstGeom>
+        </p:spPr>
+      </p:pic>
+      <p:pic>
+        <p:nvPicPr>
+          <p:cNvPr id="7" name="Picture 6">
+            <a:extLst>
+              <a:ext uri="{FF2B5EF4-FFF2-40B4-BE49-F238E27FC236}">
+                <a16:creationId xmlns:a16="http://schemas.microsoft.com/office/drawing/2014/main" id="{085578EC-DDA6-4185-AFED-A254BFC6EF2A}"/>
+              </a:ext>
+            </a:extLst>
+          </p:cNvPr>
+          <p:cNvPicPr>
+            <a:picLocks noChangeAspect="1"/>
+          </p:cNvPicPr>
+          <p:nvPr/>
+        </p:nvPicPr>
+        <p:blipFill>
+          <a:blip r:embed="rId5"/>
+          <a:stretch>
+            <a:fillRect/>
+          </a:stretch>
+        </p:blipFill>
+        <p:spPr>
+          <a:xfrm>
+            <a:off x="4572000" y="2736737"/>
+            <a:ext cx="688886" cy="692263"/>
+          </a:xfrm>
+          <a:prstGeom prst="rect">
+            <a:avLst/>
+          </a:prstGeom>
+        </p:spPr>
+      </p:pic>
+      <p:pic>
+        <p:nvPicPr>
+          <p:cNvPr id="9" name="Picture 8">
+            <a:extLst>
+              <a:ext uri="{FF2B5EF4-FFF2-40B4-BE49-F238E27FC236}">
+                <a16:creationId xmlns:a16="http://schemas.microsoft.com/office/drawing/2014/main" id="{52063F44-719C-4E90-9622-D99619064F35}"/>
+              </a:ext>
+            </a:extLst>
+          </p:cNvPr>
+          <p:cNvPicPr>
+            <a:picLocks noChangeAspect="1"/>
+          </p:cNvPicPr>
+          <p:nvPr/>
+        </p:nvPicPr>
+        <p:blipFill>
+          <a:blip r:embed="rId6"/>
+          <a:stretch>
+            <a:fillRect/>
+          </a:stretch>
+        </p:blipFill>
+        <p:spPr>
+          <a:xfrm>
+            <a:off x="2436378" y="4094538"/>
+            <a:ext cx="1803618" cy="695575"/>
+          </a:xfrm>
+          <a:prstGeom prst="rect">
+            <a:avLst/>
+          </a:prstGeom>
+        </p:spPr>
+      </p:pic>
+      <p:pic>
+        <p:nvPicPr>
+          <p:cNvPr id="10" name="Picture 9">
+            <a:extLst>
+              <a:ext uri="{FF2B5EF4-FFF2-40B4-BE49-F238E27FC236}">
+                <a16:creationId xmlns:a16="http://schemas.microsoft.com/office/drawing/2014/main" id="{3CCCBA9C-E2D5-4C3C-A5DC-F247D04CDA64}"/>
+              </a:ext>
+            </a:extLst>
+          </p:cNvPr>
+          <p:cNvPicPr>
+            <a:picLocks noChangeAspect="1"/>
+          </p:cNvPicPr>
+          <p:nvPr/>
+        </p:nvPicPr>
+        <p:blipFill>
+          <a:blip r:embed="rId7"/>
+          <a:stretch>
+            <a:fillRect/>
+          </a:stretch>
+        </p:blipFill>
+        <p:spPr>
+          <a:xfrm>
+            <a:off x="6863570" y="4118391"/>
+            <a:ext cx="1923385" cy="678566"/>
+          </a:xfrm>
+          <a:prstGeom prst="rect">
+            <a:avLst/>
+          </a:prstGeom>
+        </p:spPr>
+      </p:pic>
+      <p:cxnSp>
+        <p:nvCxnSpPr>
+          <p:cNvPr id="21" name="Straight Arrow Connector 20">
+            <a:extLst>
+              <a:ext uri="{FF2B5EF4-FFF2-40B4-BE49-F238E27FC236}">
+                <a16:creationId xmlns:a16="http://schemas.microsoft.com/office/drawing/2014/main" id="{C6AE85D1-08BB-427C-AEF1-15A344CEDD4A}"/>
+              </a:ext>
+            </a:extLst>
+          </p:cNvPr>
+          <p:cNvCxnSpPr>
+            <a:stCxn id="5" idx="3"/>
+            <a:endCxn id="6" idx="1"/>
+          </p:cNvCxnSpPr>
+          <p:nvPr/>
+        </p:nvCxnSpPr>
+        <p:spPr>
+          <a:xfrm>
+            <a:off x="851504" y="4448998"/>
+            <a:ext cx="316451" cy="5017"/>
+          </a:xfrm>
+          <a:prstGeom prst="straightConnector1">
+            <a:avLst/>
+          </a:prstGeom>
+          <a:ln>
+            <a:tailEnd type="triangle"/>
+          </a:ln>
+        </p:spPr>
+        <p:style>
+          <a:lnRef idx="2">
+            <a:schemeClr val="accent3"/>
+          </a:lnRef>
+          <a:fillRef idx="0">
+            <a:schemeClr val="accent3"/>
+          </a:fillRef>
+          <a:effectRef idx="1">
+            <a:schemeClr val="accent3"/>
+          </a:effectRef>
+          <a:fontRef idx="minor">
+            <a:schemeClr val="tx1"/>
+          </a:fontRef>
+        </p:style>
+      </p:cxnSp>
+      <p:cxnSp>
+        <p:nvCxnSpPr>
+          <p:cNvPr id="25" name="Straight Arrow Connector 24">
+            <a:extLst>
+              <a:ext uri="{FF2B5EF4-FFF2-40B4-BE49-F238E27FC236}">
+                <a16:creationId xmlns:a16="http://schemas.microsoft.com/office/drawing/2014/main" id="{2DD7F8B1-6870-4B24-A0A3-7D4E6C1E9D1F}"/>
+              </a:ext>
+            </a:extLst>
+          </p:cNvPr>
+          <p:cNvCxnSpPr>
+            <a:stCxn id="6" idx="3"/>
+            <a:endCxn id="9" idx="1"/>
+          </p:cNvCxnSpPr>
+          <p:nvPr/>
+        </p:nvCxnSpPr>
+        <p:spPr>
+          <a:xfrm flipV="1">
+            <a:off x="1856841" y="4442326"/>
+            <a:ext cx="579537" cy="11689"/>
+          </a:xfrm>
+          <a:prstGeom prst="straightConnector1">
+            <a:avLst/>
+          </a:prstGeom>
+          <a:ln>
+            <a:tailEnd type="triangle"/>
+          </a:ln>
+        </p:spPr>
+        <p:style>
+          <a:lnRef idx="2">
+            <a:schemeClr val="accent6"/>
+          </a:lnRef>
+          <a:fillRef idx="0">
+            <a:schemeClr val="accent6"/>
+          </a:fillRef>
+          <a:effectRef idx="1">
+            <a:schemeClr val="accent6"/>
+          </a:effectRef>
+          <a:fontRef idx="minor">
+            <a:schemeClr val="tx1"/>
+          </a:fontRef>
+        </p:style>
+      </p:cxnSp>
+      <p:pic>
+        <p:nvPicPr>
+          <p:cNvPr id="54" name="Picture 53">
+            <a:extLst>
+              <a:ext uri="{FF2B5EF4-FFF2-40B4-BE49-F238E27FC236}">
+                <a16:creationId xmlns:a16="http://schemas.microsoft.com/office/drawing/2014/main" id="{4B487240-2F9D-4328-A4DF-371D8F3B1167}"/>
+              </a:ext>
+            </a:extLst>
+          </p:cNvPr>
+          <p:cNvPicPr>
+            <a:picLocks noChangeAspect="1"/>
+          </p:cNvPicPr>
+          <p:nvPr/>
+        </p:nvPicPr>
+        <p:blipFill>
+          <a:blip r:embed="rId4"/>
+          <a:stretch>
+            <a:fillRect/>
+          </a:stretch>
+        </p:blipFill>
+        <p:spPr>
+          <a:xfrm>
+            <a:off x="1167955" y="5359936"/>
+            <a:ext cx="688886" cy="685542"/>
+          </a:xfrm>
+          <a:prstGeom prst="rect">
+            <a:avLst/>
+          </a:prstGeom>
+        </p:spPr>
+      </p:pic>
+      <p:cxnSp>
+        <p:nvCxnSpPr>
+          <p:cNvPr id="56" name="Connector: Elbow 55">
+            <a:extLst>
+              <a:ext uri="{FF2B5EF4-FFF2-40B4-BE49-F238E27FC236}">
+                <a16:creationId xmlns:a16="http://schemas.microsoft.com/office/drawing/2014/main" id="{03A371B6-E050-421E-9F51-10755D6B88F8}"/>
+              </a:ext>
+            </a:extLst>
+          </p:cNvPr>
+          <p:cNvCxnSpPr>
+            <a:stCxn id="9" idx="0"/>
+            <a:endCxn id="7" idx="1"/>
+          </p:cNvCxnSpPr>
+          <p:nvPr/>
+        </p:nvCxnSpPr>
+        <p:spPr>
+          <a:xfrm rot="5400000" flipH="1" flipV="1">
+            <a:off x="3449259" y="2971798"/>
+            <a:ext cx="1011669" cy="1233813"/>
+          </a:xfrm>
+          <a:prstGeom prst="bentConnector2">
+            <a:avLst/>
+          </a:prstGeom>
+          <a:ln>
+            <a:tailEnd type="triangle"/>
+          </a:ln>
+        </p:spPr>
+        <p:style>
+          <a:lnRef idx="2">
+            <a:schemeClr val="accent1"/>
+          </a:lnRef>
+          <a:fillRef idx="0">
+            <a:schemeClr val="accent1"/>
+          </a:fillRef>
+          <a:effectRef idx="1">
+            <a:schemeClr val="accent1"/>
+          </a:effectRef>
+          <a:fontRef idx="minor">
+            <a:schemeClr val="tx1"/>
+          </a:fontRef>
+        </p:style>
+      </p:cxnSp>
+      <p:cxnSp>
+        <p:nvCxnSpPr>
+          <p:cNvPr id="58" name="Connector: Elbow 57">
+            <a:extLst>
+              <a:ext uri="{FF2B5EF4-FFF2-40B4-BE49-F238E27FC236}">
+                <a16:creationId xmlns:a16="http://schemas.microsoft.com/office/drawing/2014/main" id="{57DD01CF-EF12-459A-A58D-1D4D19A47645}"/>
+              </a:ext>
+            </a:extLst>
+          </p:cNvPr>
+          <p:cNvCxnSpPr>
+            <a:stCxn id="10" idx="0"/>
+            <a:endCxn id="7" idx="3"/>
+          </p:cNvCxnSpPr>
+          <p:nvPr/>
+        </p:nvCxnSpPr>
+        <p:spPr>
+          <a:xfrm rot="16200000" flipV="1">
+            <a:off x="6025314" y="2318441"/>
+            <a:ext cx="1035522" cy="2564377"/>
+          </a:xfrm>
+          <a:prstGeom prst="bentConnector2">
+            <a:avLst/>
+          </a:prstGeom>
+          <a:ln>
+            <a:tailEnd type="triangle"/>
+          </a:ln>
+        </p:spPr>
+        <p:style>
+          <a:lnRef idx="2">
+            <a:schemeClr val="accent1"/>
+          </a:lnRef>
+          <a:fillRef idx="0">
+            <a:schemeClr val="accent1"/>
+          </a:fillRef>
+          <a:effectRef idx="1">
+            <a:schemeClr val="accent1"/>
+          </a:effectRef>
+          <a:fontRef idx="minor">
+            <a:schemeClr val="tx1"/>
+          </a:fontRef>
+        </p:style>
+      </p:cxnSp>
+      <p:cxnSp>
+        <p:nvCxnSpPr>
+          <p:cNvPr id="63" name="Connector: Elbow 62">
+            <a:extLst>
+              <a:ext uri="{FF2B5EF4-FFF2-40B4-BE49-F238E27FC236}">
+                <a16:creationId xmlns:a16="http://schemas.microsoft.com/office/drawing/2014/main" id="{F603E818-39DA-4481-AAD1-32ED0DD22095}"/>
+              </a:ext>
+            </a:extLst>
+          </p:cNvPr>
+          <p:cNvCxnSpPr>
+            <a:cxnSpLocks/>
+            <a:stCxn id="13" idx="2"/>
+            <a:endCxn id="54" idx="3"/>
+          </p:cNvCxnSpPr>
+          <p:nvPr/>
+        </p:nvCxnSpPr>
+        <p:spPr>
+          <a:xfrm rot="5400000">
+            <a:off x="3485586" y="3226427"/>
+            <a:ext cx="847536" cy="4105025"/>
+          </a:xfrm>
+          <a:prstGeom prst="bentConnector2">
+            <a:avLst/>
+          </a:prstGeom>
+          <a:ln>
+            <a:tailEnd type="triangle"/>
+          </a:ln>
+        </p:spPr>
+        <p:style>
+          <a:lnRef idx="2">
+            <a:schemeClr val="accent1"/>
+          </a:lnRef>
+          <a:fillRef idx="0">
+            <a:schemeClr val="accent1"/>
+          </a:fillRef>
+          <a:effectRef idx="1">
+            <a:schemeClr val="accent1"/>
+          </a:effectRef>
+          <a:fontRef idx="minor">
+            <a:schemeClr val="tx1"/>
+          </a:fontRef>
+        </p:style>
+      </p:cxnSp>
+      <p:cxnSp>
+        <p:nvCxnSpPr>
+          <p:cNvPr id="65" name="Connector: Elbow 64">
+            <a:extLst>
+              <a:ext uri="{FF2B5EF4-FFF2-40B4-BE49-F238E27FC236}">
+                <a16:creationId xmlns:a16="http://schemas.microsoft.com/office/drawing/2014/main" id="{AE702056-0792-45B9-AA66-0E1603CFFEF8}"/>
+              </a:ext>
+            </a:extLst>
+          </p:cNvPr>
+          <p:cNvCxnSpPr>
+            <a:stCxn id="5" idx="2"/>
+            <a:endCxn id="54" idx="1"/>
+          </p:cNvCxnSpPr>
+          <p:nvPr/>
+        </p:nvCxnSpPr>
+        <p:spPr>
+          <a:xfrm rot="16200000" flipH="1">
+            <a:off x="381211" y="4915963"/>
+            <a:ext cx="912594" cy="660894"/>
+          </a:xfrm>
+          <a:prstGeom prst="bentConnector2">
+            <a:avLst/>
+          </a:prstGeom>
+          <a:ln>
+            <a:tailEnd type="triangle"/>
+          </a:ln>
+        </p:spPr>
+        <p:style>
+          <a:lnRef idx="2">
+            <a:schemeClr val="accent3"/>
+          </a:lnRef>
+          <a:fillRef idx="0">
+            <a:schemeClr val="accent3"/>
+          </a:fillRef>
+          <a:effectRef idx="1">
+            <a:schemeClr val="accent3"/>
+          </a:effectRef>
+          <a:fontRef idx="minor">
+            <a:schemeClr val="tx1"/>
+          </a:fontRef>
+        </p:style>
+      </p:cxnSp>
+      <p:sp>
+        <p:nvSpPr>
+          <p:cNvPr id="68" name="Callout: Bent Line 67">
+            <a:extLst>
+              <a:ext uri="{FF2B5EF4-FFF2-40B4-BE49-F238E27FC236}">
+                <a16:creationId xmlns:a16="http://schemas.microsoft.com/office/drawing/2014/main" id="{655782EB-BCBD-437F-963A-E9D99D36E4BC}"/>
+              </a:ext>
+            </a:extLst>
+          </p:cNvPr>
+          <p:cNvSpPr/>
+          <p:nvPr/>
+        </p:nvSpPr>
+        <p:spPr>
+          <a:xfrm>
+            <a:off x="1228914" y="3284229"/>
+            <a:ext cx="914400" cy="403591"/>
+          </a:xfrm>
+          <a:prstGeom prst="borderCallout2">
+            <a:avLst>
+              <a:gd name="adj1" fmla="val 47357"/>
+              <a:gd name="adj2" fmla="val -1666"/>
+              <a:gd name="adj3" fmla="val 47358"/>
+              <a:gd name="adj4" fmla="val -22500"/>
+              <a:gd name="adj5" fmla="val 272152"/>
+              <a:gd name="adj6" fmla="val -29167"/>
+            </a:avLst>
+          </a:prstGeom>
+        </p:spPr>
+        <p:style>
+          <a:lnRef idx="1">
+            <a:schemeClr val="accent3"/>
+          </a:lnRef>
+          <a:fillRef idx="2">
+            <a:schemeClr val="accent3"/>
+          </a:fillRef>
+          <a:effectRef idx="1">
+            <a:schemeClr val="accent3"/>
+          </a:effectRef>
+          <a:fontRef idx="minor">
+            <a:schemeClr val="dk1"/>
+          </a:fontRef>
+        </p:style>
+        <p:txBody>
+          <a:bodyPr rtlCol="0" anchor="ctr"/>
+          <a:lstStyle/>
+          <a:p>
+            <a:pPr algn="ctr"/>
+            <a:r>
+              <a:rPr lang="it-IT" sz="1200" dirty="0"/>
+              <a:t>code</a:t>
+            </a:r>
+          </a:p>
+        </p:txBody>
+      </p:sp>
+      <p:sp>
+        <p:nvSpPr>
+          <p:cNvPr id="69" name="TextBox 68">
+            <a:extLst>
+              <a:ext uri="{FF2B5EF4-FFF2-40B4-BE49-F238E27FC236}">
+                <a16:creationId xmlns:a16="http://schemas.microsoft.com/office/drawing/2014/main" id="{2A099489-91B1-4416-8928-85C82DE51283}"/>
+              </a:ext>
+            </a:extLst>
+          </p:cNvPr>
+          <p:cNvSpPr txBox="1"/>
+          <p:nvPr/>
+        </p:nvSpPr>
+        <p:spPr>
+          <a:xfrm>
+            <a:off x="3147455" y="4269349"/>
+            <a:ext cx="659155" cy="369332"/>
+          </a:xfrm>
+          <a:prstGeom prst="rect">
+            <a:avLst/>
+          </a:prstGeom>
+          <a:noFill/>
+        </p:spPr>
+        <p:txBody>
+          <a:bodyPr wrap="none" rtlCol="0">
+            <a:spAutoFit/>
+          </a:bodyPr>
+          <a:lstStyle/>
+          <a:p>
+            <a:r>
+              <a:rPr lang="it-IT" dirty="0"/>
+              <a:t>Build</a:t>
+            </a:r>
+          </a:p>
+        </p:txBody>
+      </p:sp>
+      <p:sp>
+        <p:nvSpPr>
+          <p:cNvPr id="71" name="Callout: Bent Line 70">
+            <a:extLst>
+              <a:ext uri="{FF2B5EF4-FFF2-40B4-BE49-F238E27FC236}">
+                <a16:creationId xmlns:a16="http://schemas.microsoft.com/office/drawing/2014/main" id="{21A0D03B-2C67-467D-BD7A-7504F5203673}"/>
+              </a:ext>
+            </a:extLst>
+          </p:cNvPr>
+          <p:cNvSpPr/>
+          <p:nvPr/>
+        </p:nvSpPr>
+        <p:spPr>
+          <a:xfrm>
+            <a:off x="3976783" y="1952987"/>
+            <a:ext cx="914400" cy="403591"/>
+          </a:xfrm>
+          <a:prstGeom prst="borderCallout2">
+            <a:avLst>
+              <a:gd name="adj1" fmla="val 47357"/>
+              <a:gd name="adj2" fmla="val -1666"/>
+              <a:gd name="adj3" fmla="val 47358"/>
+              <a:gd name="adj4" fmla="val -22500"/>
+              <a:gd name="adj5" fmla="val 272152"/>
+              <a:gd name="adj6" fmla="val -29167"/>
+            </a:avLst>
+          </a:prstGeom>
+        </p:spPr>
+        <p:style>
+          <a:lnRef idx="1">
+            <a:schemeClr val="accent3"/>
+          </a:lnRef>
+          <a:fillRef idx="2">
+            <a:schemeClr val="accent3"/>
+          </a:fillRef>
+          <a:effectRef idx="1">
+            <a:schemeClr val="accent3"/>
+          </a:effectRef>
+          <a:fontRef idx="minor">
+            <a:schemeClr val="dk1"/>
+          </a:fontRef>
+        </p:style>
+        <p:txBody>
+          <a:bodyPr rtlCol="0" anchor="ctr"/>
+          <a:lstStyle/>
+          <a:p>
+            <a:pPr algn="ctr"/>
+            <a:r>
+              <a:rPr lang="it-IT" sz="1200" dirty="0" err="1"/>
+              <a:t>Push</a:t>
+            </a:r>
+            <a:r>
+              <a:rPr lang="it-IT" sz="1200" dirty="0"/>
+              <a:t> images</a:t>
+            </a:r>
+          </a:p>
+        </p:txBody>
+      </p:sp>
+      <p:sp>
+        <p:nvSpPr>
+          <p:cNvPr id="72" name="Callout: Bent Line 71">
+            <a:extLst>
+              <a:ext uri="{FF2B5EF4-FFF2-40B4-BE49-F238E27FC236}">
+                <a16:creationId xmlns:a16="http://schemas.microsoft.com/office/drawing/2014/main" id="{3DC4799E-B154-455B-83E7-034248166A4C}"/>
+              </a:ext>
+            </a:extLst>
+          </p:cNvPr>
+          <p:cNvSpPr/>
+          <p:nvPr/>
+        </p:nvSpPr>
+        <p:spPr>
+          <a:xfrm>
+            <a:off x="1064778" y="6265858"/>
+            <a:ext cx="914400" cy="403591"/>
+          </a:xfrm>
+          <a:prstGeom prst="borderCallout2">
+            <a:avLst>
+              <a:gd name="adj1" fmla="val 47357"/>
+              <a:gd name="adj2" fmla="val -1666"/>
+              <a:gd name="adj3" fmla="val 47358"/>
+              <a:gd name="adj4" fmla="val -22500"/>
+              <a:gd name="adj5" fmla="val -120562"/>
+              <a:gd name="adj6" fmla="val -20001"/>
+            </a:avLst>
+          </a:prstGeom>
+        </p:spPr>
+        <p:style>
+          <a:lnRef idx="1">
+            <a:schemeClr val="accent3"/>
+          </a:lnRef>
+          <a:fillRef idx="2">
+            <a:schemeClr val="accent3"/>
+          </a:fillRef>
+          <a:effectRef idx="1">
+            <a:schemeClr val="accent3"/>
+          </a:effectRef>
+          <a:fontRef idx="minor">
+            <a:schemeClr val="dk1"/>
+          </a:fontRef>
+        </p:style>
+        <p:txBody>
+          <a:bodyPr rtlCol="0" anchor="ctr"/>
+          <a:lstStyle/>
+          <a:p>
+            <a:pPr algn="ctr"/>
+            <a:r>
+              <a:rPr lang="it-IT" sz="1200" dirty="0" err="1"/>
+              <a:t>config</a:t>
+            </a:r>
+            <a:endParaRPr lang="it-IT" sz="1200" dirty="0"/>
+          </a:p>
+        </p:txBody>
+      </p:sp>
+      <p:sp>
+        <p:nvSpPr>
+          <p:cNvPr id="76" name="Callout: Bent Line 75">
+            <a:extLst>
+              <a:ext uri="{FF2B5EF4-FFF2-40B4-BE49-F238E27FC236}">
+                <a16:creationId xmlns:a16="http://schemas.microsoft.com/office/drawing/2014/main" id="{E8F13834-E9F2-4ADD-9D04-4273326B1FC4}"/>
+              </a:ext>
+            </a:extLst>
+          </p:cNvPr>
+          <p:cNvSpPr/>
+          <p:nvPr/>
+        </p:nvSpPr>
+        <p:spPr>
+          <a:xfrm>
+            <a:off x="6375279" y="2106631"/>
+            <a:ext cx="914400" cy="403591"/>
+          </a:xfrm>
+          <a:prstGeom prst="borderCallout2">
+            <a:avLst>
+              <a:gd name="adj1" fmla="val 45469"/>
+              <a:gd name="adj2" fmla="val 101667"/>
+              <a:gd name="adj3" fmla="val 90783"/>
+              <a:gd name="adj4" fmla="val 137500"/>
+              <a:gd name="adj5" fmla="val 217398"/>
+              <a:gd name="adj6" fmla="val 148333"/>
+            </a:avLst>
+          </a:prstGeom>
+        </p:spPr>
+        <p:style>
+          <a:lnRef idx="1">
+            <a:schemeClr val="accent3"/>
+          </a:lnRef>
+          <a:fillRef idx="2">
+            <a:schemeClr val="accent3"/>
+          </a:fillRef>
+          <a:effectRef idx="1">
+            <a:schemeClr val="accent3"/>
+          </a:effectRef>
+          <a:fontRef idx="minor">
+            <a:schemeClr val="dk1"/>
+          </a:fontRef>
+        </p:style>
+        <p:txBody>
+          <a:bodyPr rtlCol="0" anchor="ctr"/>
+          <a:lstStyle/>
+          <a:p>
+            <a:pPr algn="ctr"/>
+            <a:r>
+              <a:rPr lang="it-IT" sz="1200" dirty="0"/>
+              <a:t>Pull images</a:t>
+            </a:r>
+          </a:p>
+        </p:txBody>
+      </p:sp>
+      <p:sp>
+        <p:nvSpPr>
+          <p:cNvPr id="4" name="Rectangle: Rounded Corners 3">
+            <a:extLst>
+              <a:ext uri="{FF2B5EF4-FFF2-40B4-BE49-F238E27FC236}">
+                <a16:creationId xmlns:a16="http://schemas.microsoft.com/office/drawing/2014/main" id="{6A483C46-CF31-4C26-B741-BBF6777EC4CD}"/>
+              </a:ext>
+            </a:extLst>
+          </p:cNvPr>
+          <p:cNvSpPr/>
+          <p:nvPr/>
+        </p:nvSpPr>
+        <p:spPr>
+          <a:xfrm>
+            <a:off x="5434869" y="3638797"/>
+            <a:ext cx="3488151" cy="1672116"/>
+          </a:xfrm>
+          <a:prstGeom prst="roundRect">
+            <a:avLst/>
+          </a:prstGeom>
+          <a:noFill/>
+          <a:ln w="9525" cap="flat" cmpd="sng" algn="ctr">
+            <a:solidFill>
+              <a:schemeClr val="accent1"/>
+            </a:solidFill>
+            <a:prstDash val="solid"/>
+            <a:round/>
+            <a:headEnd type="none" w="med" len="med"/>
+            <a:tailEnd type="none" w="med" len="med"/>
+          </a:ln>
+        </p:spPr>
+        <p:style>
+          <a:lnRef idx="0">
+            <a:scrgbClr r="0" g="0" b="0"/>
+          </a:lnRef>
+          <a:fillRef idx="0">
+            <a:scrgbClr r="0" g="0" b="0"/>
+          </a:fillRef>
+          <a:effectRef idx="0">
+            <a:scrgbClr r="0" g="0" b="0"/>
+          </a:effectRef>
+          <a:fontRef idx="minor">
+            <a:schemeClr val="accent1"/>
+          </a:fontRef>
+        </p:style>
+        <p:txBody>
+          <a:bodyPr rtlCol="0" anchor="ctr"/>
+          <a:lstStyle/>
+          <a:p>
+            <a:pPr algn="ctr"/>
+            <a:endParaRPr lang="it-IT"/>
+          </a:p>
+        </p:txBody>
+      </p:sp>
+      <p:pic>
+        <p:nvPicPr>
+          <p:cNvPr id="13" name="Picture 12">
+            <a:extLst>
+              <a:ext uri="{FF2B5EF4-FFF2-40B4-BE49-F238E27FC236}">
+                <a16:creationId xmlns:a16="http://schemas.microsoft.com/office/drawing/2014/main" id="{D98297BE-0239-4E34-BAB9-9FDA507DC22E}"/>
+              </a:ext>
+            </a:extLst>
+          </p:cNvPr>
+          <p:cNvPicPr>
+            <a:picLocks noChangeAspect="1"/>
+          </p:cNvPicPr>
+          <p:nvPr/>
+        </p:nvPicPr>
+        <p:blipFill>
+          <a:blip r:embed="rId8"/>
+          <a:stretch>
+            <a:fillRect/>
+          </a:stretch>
+        </p:blipFill>
+        <p:spPr>
+          <a:xfrm>
+            <a:off x="5570606" y="4068256"/>
+            <a:ext cx="782519" cy="786915"/>
+          </a:xfrm>
+          <a:prstGeom prst="rect">
+            <a:avLst/>
+          </a:prstGeom>
+        </p:spPr>
+      </p:pic>
+      <p:sp>
+        <p:nvSpPr>
+          <p:cNvPr id="31" name="Callout: Bent Line 30">
+            <a:extLst>
+              <a:ext uri="{FF2B5EF4-FFF2-40B4-BE49-F238E27FC236}">
+                <a16:creationId xmlns:a16="http://schemas.microsoft.com/office/drawing/2014/main" id="{B638BC96-A5FB-4AC8-A2BC-04E197F361DF}"/>
+              </a:ext>
+            </a:extLst>
+          </p:cNvPr>
+          <p:cNvSpPr/>
+          <p:nvPr/>
+        </p:nvSpPr>
+        <p:spPr>
+          <a:xfrm>
+            <a:off x="7368064" y="5989591"/>
+            <a:ext cx="914400" cy="403591"/>
+          </a:xfrm>
+          <a:prstGeom prst="borderCallout2">
+            <a:avLst>
+              <a:gd name="adj1" fmla="val 47357"/>
+              <a:gd name="adj2" fmla="val -1666"/>
+              <a:gd name="adj3" fmla="val 47358"/>
+              <a:gd name="adj4" fmla="val -22500"/>
+              <a:gd name="adj5" fmla="val -281046"/>
+              <a:gd name="adj6" fmla="val -116667"/>
+            </a:avLst>
+          </a:prstGeom>
+        </p:spPr>
+        <p:style>
+          <a:lnRef idx="1">
+            <a:schemeClr val="accent3"/>
+          </a:lnRef>
+          <a:fillRef idx="2">
+            <a:schemeClr val="accent3"/>
+          </a:fillRef>
+          <a:effectRef idx="1">
+            <a:schemeClr val="accent3"/>
+          </a:effectRef>
+          <a:fontRef idx="minor">
+            <a:schemeClr val="dk1"/>
+          </a:fontRef>
+        </p:style>
+        <p:txBody>
+          <a:bodyPr rtlCol="0" anchor="ctr"/>
+          <a:lstStyle/>
+          <a:p>
+            <a:pPr algn="ctr"/>
+            <a:r>
+              <a:rPr lang="it-IT" sz="1200" dirty="0"/>
+              <a:t>Operator</a:t>
+            </a:r>
+          </a:p>
+        </p:txBody>
+      </p:sp>
+      <p:cxnSp>
+        <p:nvCxnSpPr>
+          <p:cNvPr id="33" name="Connector: Elbow 32">
+            <a:extLst>
+              <a:ext uri="{FF2B5EF4-FFF2-40B4-BE49-F238E27FC236}">
+                <a16:creationId xmlns:a16="http://schemas.microsoft.com/office/drawing/2014/main" id="{EE48F134-5479-4201-BBD3-96F44E037AFB}"/>
+              </a:ext>
+            </a:extLst>
+          </p:cNvPr>
+          <p:cNvCxnSpPr>
+            <a:cxnSpLocks/>
+            <a:stCxn id="13" idx="3"/>
+            <a:endCxn id="10" idx="1"/>
+          </p:cNvCxnSpPr>
+          <p:nvPr/>
+        </p:nvCxnSpPr>
+        <p:spPr>
+          <a:xfrm flipV="1">
+            <a:off x="6353125" y="4457674"/>
+            <a:ext cx="510445" cy="4040"/>
+          </a:xfrm>
+          <a:prstGeom prst="bentConnector3">
+            <a:avLst>
+              <a:gd name="adj1" fmla="val 50000"/>
+            </a:avLst>
+          </a:prstGeom>
+          <a:ln>
+            <a:tailEnd type="triangle"/>
+          </a:ln>
+        </p:spPr>
+        <p:style>
+          <a:lnRef idx="2">
+            <a:schemeClr val="accent1"/>
+          </a:lnRef>
+          <a:fillRef idx="0">
+            <a:schemeClr val="accent1"/>
+          </a:fillRef>
+          <a:effectRef idx="1">
+            <a:schemeClr val="accent1"/>
+          </a:effectRef>
+          <a:fontRef idx="minor">
+            <a:schemeClr val="tx1"/>
+          </a:fontRef>
+        </p:style>
+      </p:cxnSp>
+    </p:spTree>
+    <p:extLst>
+      <p:ext uri="{BB962C8B-B14F-4D97-AF65-F5344CB8AC3E}">
+        <p14:creationId xmlns:p14="http://schemas.microsoft.com/office/powerpoint/2010/main" val="2411463346"/>
+      </p:ext>
+    </p:extLst>
+  </p:cSld>
+  <p:clrMapOvr>
+    <a:masterClrMapping/>
+  </p:clrMapOvr>
+</p:sld>
+</file>
+
+<file path=ppt/slides/slide46.xml><?xml version="1.0" encoding="utf-8"?>
+<p:sld xmlns:a="http://schemas.openxmlformats.org/drawingml/2006/main" xmlns:r="http://schemas.openxmlformats.org/officeDocument/2006/relationships" xmlns:p="http://schemas.openxmlformats.org/presentationml/2006/main">
+  <p:cSld>
+    <p:spTree>
+      <p:nvGrpSpPr>
+        <p:cNvPr id="1" name=""/>
+        <p:cNvGrpSpPr/>
+        <p:nvPr/>
+      </p:nvGrpSpPr>
+      <p:grpSpPr>
+        <a:xfrm>
+          <a:off x="0" y="0"/>
+          <a:ext cx="0" cy="0"/>
+          <a:chOff x="0" y="0"/>
+          <a:chExt cx="0" cy="0"/>
+        </a:xfrm>
+      </p:grpSpPr>
+      <p:sp>
+        <p:nvSpPr>
+          <p:cNvPr id="2" name="Text Placeholder 1"/>
+          <p:cNvSpPr>
+            <a:spLocks noGrp="1"/>
+          </p:cNvSpPr>
+          <p:nvPr>
+            <p:ph type="body" sz="quarter" idx="11"/>
+          </p:nvPr>
+        </p:nvSpPr>
+        <p:spPr/>
+        <p:txBody>
+          <a:bodyPr/>
+          <a:lstStyle/>
+          <a:p>
+            <a:r>
+              <a:rPr lang="en-US" dirty="0"/>
+              <a:t>Event-Driven</a:t>
+            </a:r>
+          </a:p>
+          <a:p>
+            <a:endParaRPr lang="en-US" dirty="0"/>
+          </a:p>
+          <a:p>
+            <a:endParaRPr lang="en-US" dirty="0"/>
+          </a:p>
+        </p:txBody>
+      </p:sp>
+    </p:spTree>
+    <p:extLst>
+      <p:ext uri="{BB962C8B-B14F-4D97-AF65-F5344CB8AC3E}">
+        <p14:creationId xmlns:p14="http://schemas.microsoft.com/office/powerpoint/2010/main" val="2242557126"/>
+      </p:ext>
+    </p:extLst>
+  </p:cSld>
+  <p:clrMapOvr>
+    <a:masterClrMapping/>
+  </p:clrMapOvr>
+</p:sld>
+</file>
+
+<file path=ppt/slides/slide47.xml><?xml version="1.0" encoding="utf-8"?>
+<p:sld xmlns:a="http://schemas.openxmlformats.org/drawingml/2006/main" xmlns:r="http://schemas.openxmlformats.org/officeDocument/2006/relationships" xmlns:p="http://schemas.openxmlformats.org/presentationml/2006/main">
+  <p:cSld>
+    <p:spTree>
+      <p:nvGrpSpPr>
+        <p:cNvPr id="1" name=""/>
+        <p:cNvGrpSpPr/>
+        <p:nvPr/>
+      </p:nvGrpSpPr>
+      <p:grpSpPr>
+        <a:xfrm>
+          <a:off x="0" y="0"/>
+          <a:ext cx="0" cy="0"/>
+          <a:chOff x="0" y="0"/>
+          <a:chExt cx="0" cy="0"/>
+        </a:xfrm>
+      </p:grpSpPr>
+      <p:sp>
+        <p:nvSpPr>
+          <p:cNvPr id="2" name="Text Placeholder 1"/>
+          <p:cNvSpPr>
+            <a:spLocks noGrp="1"/>
+          </p:cNvSpPr>
+          <p:nvPr>
+            <p:ph type="body" sz="quarter" idx="11"/>
+          </p:nvPr>
+        </p:nvSpPr>
         <p:spPr/>
         <p:txBody>
           <a:bodyPr/>
@@ -17951,7 +20113,7 @@
 </p:sld>
 </file>
 
-<file path=ppt/slides/slide46.xml><?xml version="1.0" encoding="utf-8"?>
+<file path=ppt/slides/slide48.xml><?xml version="1.0" encoding="utf-8"?>
 <p:sld xmlns:a="http://schemas.openxmlformats.org/drawingml/2006/main" xmlns:r="http://schemas.openxmlformats.org/officeDocument/2006/relationships" xmlns:p="http://schemas.openxmlformats.org/presentationml/2006/main">
   <p:cSld>
     <p:spTree>

--- a/docs/solid.pptx
+++ b/docs/solid.pptx
@@ -5,10 +5,10 @@
     <p:sldMasterId id="2147483650" r:id="rId1"/>
   </p:sldMasterIdLst>
   <p:notesMasterIdLst>
-    <p:notesMasterId r:id="rId50"/>
+    <p:notesMasterId r:id="rId51"/>
   </p:notesMasterIdLst>
   <p:handoutMasterIdLst>
-    <p:handoutMasterId r:id="rId51"/>
+    <p:handoutMasterId r:id="rId52"/>
   </p:handoutMasterIdLst>
   <p:sldIdLst>
     <p:sldId id="309" r:id="rId2"/>
@@ -58,7 +58,8 @@
     <p:sldId id="342" r:id="rId46"/>
     <p:sldId id="334" r:id="rId47"/>
     <p:sldId id="335" r:id="rId48"/>
-    <p:sldId id="330" r:id="rId49"/>
+    <p:sldId id="343" r:id="rId49"/>
+    <p:sldId id="330" r:id="rId50"/>
   </p:sldIdLst>
   <p:sldSz cx="9144000" cy="6858000" type="screen4x3"/>
   <p:notesSz cx="6858000" cy="9144000"/>
@@ -4796,6 +4797,98 @@
             <a:fld id="{2C5A56FE-B2E8-4285-8F31-2AEEB8EA39C6}" type="slidenum">
               <a:rPr lang="en-GB" smtClean="0"/>
               <a:t>48</a:t>
+            </a:fld>
+            <a:endParaRPr lang="en-GB"/>
+          </a:p>
+        </p:txBody>
+      </p:sp>
+    </p:spTree>
+    <p:extLst>
+      <p:ext uri="{BB962C8B-B14F-4D97-AF65-F5344CB8AC3E}">
+        <p14:creationId xmlns:p14="http://schemas.microsoft.com/office/powerpoint/2010/main" val="3060836967"/>
+      </p:ext>
+    </p:extLst>
+  </p:cSld>
+  <p:clrMapOvr>
+    <a:masterClrMapping/>
+  </p:clrMapOvr>
+</p:notes>
+</file>
+
+<file path=ppt/notesSlides/notesSlide49.xml><?xml version="1.0" encoding="utf-8"?>
+<p:notes xmlns:a="http://schemas.openxmlformats.org/drawingml/2006/main" xmlns:r="http://schemas.openxmlformats.org/officeDocument/2006/relationships" xmlns:p="http://schemas.openxmlformats.org/presentationml/2006/main">
+  <p:cSld>
+    <p:spTree>
+      <p:nvGrpSpPr>
+        <p:cNvPr id="1" name=""/>
+        <p:cNvGrpSpPr/>
+        <p:nvPr/>
+      </p:nvGrpSpPr>
+      <p:grpSpPr>
+        <a:xfrm>
+          <a:off x="0" y="0"/>
+          <a:ext cx="0" cy="0"/>
+          <a:chOff x="0" y="0"/>
+          <a:chExt cx="0" cy="0"/>
+        </a:xfrm>
+      </p:grpSpPr>
+      <p:sp>
+        <p:nvSpPr>
+          <p:cNvPr id="2" name="Slide Image Placeholder 1"/>
+          <p:cNvSpPr>
+            <a:spLocks noGrp="1" noRot="1" noChangeAspect="1"/>
+          </p:cNvSpPr>
+          <p:nvPr>
+            <p:ph type="sldImg"/>
+          </p:nvPr>
+        </p:nvSpPr>
+        <p:spPr>
+          <a:xfrm>
+            <a:off x="1143000" y="685800"/>
+            <a:ext cx="4572000" cy="3429000"/>
+          </a:xfrm>
+          <a:prstGeom prst="rect">
+            <a:avLst/>
+          </a:prstGeom>
+        </p:spPr>
+      </p:sp>
+      <p:sp>
+        <p:nvSpPr>
+          <p:cNvPr id="3" name="Notes Placeholder 2"/>
+          <p:cNvSpPr>
+            <a:spLocks noGrp="1"/>
+          </p:cNvSpPr>
+          <p:nvPr>
+            <p:ph type="body" idx="1"/>
+          </p:nvPr>
+        </p:nvSpPr>
+        <p:spPr/>
+        <p:txBody>
+          <a:bodyPr/>
+          <a:lstStyle/>
+          <a:p>
+            <a:endParaRPr lang="it-IT" dirty="0"/>
+          </a:p>
+        </p:txBody>
+      </p:sp>
+      <p:sp>
+        <p:nvSpPr>
+          <p:cNvPr id="4" name="Slide Number Placeholder 3"/>
+          <p:cNvSpPr>
+            <a:spLocks noGrp="1"/>
+          </p:cNvSpPr>
+          <p:nvPr>
+            <p:ph type="sldNum" sz="quarter" idx="10"/>
+          </p:nvPr>
+        </p:nvSpPr>
+        <p:spPr/>
+        <p:txBody>
+          <a:bodyPr/>
+          <a:lstStyle/>
+          <a:p>
+            <a:fld id="{2C5A56FE-B2E8-4285-8F31-2AEEB8EA39C6}" type="slidenum">
+              <a:rPr lang="en-GB" smtClean="0"/>
+              <a:t>49</a:t>
             </a:fld>
             <a:endParaRPr lang="en-GB"/>
           </a:p>
@@ -10897,7 +10990,7 @@
                 <a:latin typeface="Chronicle Display" pitchFamily="50" charset="0"/>
                 <a:hlinkClick r:id="rId3"/>
               </a:rPr>
-              <a:t>https://github.com/franco-melandri/SOLID</a:t>
+              <a:t>https://github.com/francomelandri/SOLID</a:t>
             </a:r>
             <a:endParaRPr lang="en-GB" sz="1600" b="1" i="1" dirty="0">
               <a:latin typeface="Chronicle Display" pitchFamily="50" charset="0"/>
@@ -20114,6 +20207,61 @@
 </file>
 
 <file path=ppt/slides/slide48.xml><?xml version="1.0" encoding="utf-8"?>
+<p:sld xmlns:a="http://schemas.openxmlformats.org/drawingml/2006/main" xmlns:r="http://schemas.openxmlformats.org/officeDocument/2006/relationships" xmlns:p="http://schemas.openxmlformats.org/presentationml/2006/main">
+  <p:cSld>
+    <p:spTree>
+      <p:nvGrpSpPr>
+        <p:cNvPr id="1" name=""/>
+        <p:cNvGrpSpPr/>
+        <p:nvPr/>
+      </p:nvGrpSpPr>
+      <p:grpSpPr>
+        <a:xfrm>
+          <a:off x="0" y="0"/>
+          <a:ext cx="0" cy="0"/>
+          <a:chOff x="0" y="0"/>
+          <a:chExt cx="0" cy="0"/>
+        </a:xfrm>
+      </p:grpSpPr>
+      <p:sp>
+        <p:nvSpPr>
+          <p:cNvPr id="2" name="Text Placeholder 1"/>
+          <p:cNvSpPr>
+            <a:spLocks noGrp="1"/>
+          </p:cNvSpPr>
+          <p:nvPr>
+            <p:ph type="body" sz="quarter" idx="11"/>
+          </p:nvPr>
+        </p:nvSpPr>
+        <p:spPr/>
+        <p:txBody>
+          <a:bodyPr/>
+          <a:lstStyle/>
+          <a:p>
+            <a:r>
+              <a:rPr lang="en-US" dirty="0"/>
+              <a:t>Single Responsibility</a:t>
+            </a:r>
+          </a:p>
+          <a:p>
+            <a:endParaRPr lang="en-US" dirty="0"/>
+          </a:p>
+        </p:txBody>
+      </p:sp>
+    </p:spTree>
+    <p:extLst>
+      <p:ext uri="{BB962C8B-B14F-4D97-AF65-F5344CB8AC3E}">
+        <p14:creationId xmlns:p14="http://schemas.microsoft.com/office/powerpoint/2010/main" val="3590855284"/>
+      </p:ext>
+    </p:extLst>
+  </p:cSld>
+  <p:clrMapOvr>
+    <a:masterClrMapping/>
+  </p:clrMapOvr>
+</p:sld>
+</file>
+
+<file path=ppt/slides/slide49.xml><?xml version="1.0" encoding="utf-8"?>
 <p:sld xmlns:a="http://schemas.openxmlformats.org/drawingml/2006/main" xmlns:r="http://schemas.openxmlformats.org/officeDocument/2006/relationships" xmlns:p="http://schemas.openxmlformats.org/presentationml/2006/main">
   <p:cSld>
     <p:spTree>

--- a/docs/solid.pptx
+++ b/docs/solid.pptx
@@ -5,10 +5,10 @@
     <p:sldMasterId id="2147483650" r:id="rId1"/>
   </p:sldMasterIdLst>
   <p:notesMasterIdLst>
-    <p:notesMasterId r:id="rId51"/>
+    <p:notesMasterId r:id="rId52"/>
   </p:notesMasterIdLst>
   <p:handoutMasterIdLst>
-    <p:handoutMasterId r:id="rId52"/>
+    <p:handoutMasterId r:id="rId53"/>
   </p:handoutMasterIdLst>
   <p:sldIdLst>
     <p:sldId id="309" r:id="rId2"/>
@@ -58,8 +58,9 @@
     <p:sldId id="342" r:id="rId46"/>
     <p:sldId id="334" r:id="rId47"/>
     <p:sldId id="335" r:id="rId48"/>
-    <p:sldId id="343" r:id="rId49"/>
-    <p:sldId id="330" r:id="rId50"/>
+    <p:sldId id="344" r:id="rId49"/>
+    <p:sldId id="343" r:id="rId50"/>
+    <p:sldId id="330" r:id="rId51"/>
   </p:sldIdLst>
   <p:sldSz cx="9144000" cy="6858000" type="screen4x3"/>
   <p:notesSz cx="6858000" cy="9144000"/>
@@ -282,7 +283,7 @@
           <a:p>
             <a:fld id="{BB6D47BE-B638-4384-8186-1BE11A133744}" type="datetimeFigureOut">
               <a:rPr lang="it-IT" smtClean="0"/>
-              <a:t>08/07/2021</a:t>
+              <a:t>12/07/2021</a:t>
             </a:fld>
             <a:endParaRPr lang="it-IT"/>
           </a:p>
@@ -459,7 +460,7 @@
           <a:p>
             <a:fld id="{511C7247-C3DA-4B1B-BCAA-E9308B4A9CD3}" type="datetimeFigureOut">
               <a:rPr lang="en-GB" smtClean="0"/>
-              <a:t>08/07/2021</a:t>
+              <a:t>12/07/2021</a:t>
             </a:fld>
             <a:endParaRPr lang="en-GB"/>
           </a:p>
@@ -4805,7 +4806,7 @@
     </p:spTree>
     <p:extLst>
       <p:ext uri="{BB962C8B-B14F-4D97-AF65-F5344CB8AC3E}">
-        <p14:creationId xmlns:p14="http://schemas.microsoft.com/office/powerpoint/2010/main" val="3060836967"/>
+        <p14:creationId xmlns:p14="http://schemas.microsoft.com/office/powerpoint/2010/main" val="138877905"/>
       </p:ext>
     </p:extLst>
   </p:cSld>
@@ -4897,7 +4898,7 @@
     </p:spTree>
     <p:extLst>
       <p:ext uri="{BB962C8B-B14F-4D97-AF65-F5344CB8AC3E}">
-        <p14:creationId xmlns:p14="http://schemas.microsoft.com/office/powerpoint/2010/main" val="3055954277"/>
+        <p14:creationId xmlns:p14="http://schemas.microsoft.com/office/powerpoint/2010/main" val="3060836967"/>
       </p:ext>
     </p:extLst>
   </p:cSld>
@@ -4990,6 +4991,98 @@
     <p:extLst>
       <p:ext uri="{BB962C8B-B14F-4D97-AF65-F5344CB8AC3E}">
         <p14:creationId xmlns:p14="http://schemas.microsoft.com/office/powerpoint/2010/main" val="4071013871"/>
+      </p:ext>
+    </p:extLst>
+  </p:cSld>
+  <p:clrMapOvr>
+    <a:masterClrMapping/>
+  </p:clrMapOvr>
+</p:notes>
+</file>
+
+<file path=ppt/notesSlides/notesSlide50.xml><?xml version="1.0" encoding="utf-8"?>
+<p:notes xmlns:a="http://schemas.openxmlformats.org/drawingml/2006/main" xmlns:r="http://schemas.openxmlformats.org/officeDocument/2006/relationships" xmlns:p="http://schemas.openxmlformats.org/presentationml/2006/main">
+  <p:cSld>
+    <p:spTree>
+      <p:nvGrpSpPr>
+        <p:cNvPr id="1" name=""/>
+        <p:cNvGrpSpPr/>
+        <p:nvPr/>
+      </p:nvGrpSpPr>
+      <p:grpSpPr>
+        <a:xfrm>
+          <a:off x="0" y="0"/>
+          <a:ext cx="0" cy="0"/>
+          <a:chOff x="0" y="0"/>
+          <a:chExt cx="0" cy="0"/>
+        </a:xfrm>
+      </p:grpSpPr>
+      <p:sp>
+        <p:nvSpPr>
+          <p:cNvPr id="2" name="Slide Image Placeholder 1"/>
+          <p:cNvSpPr>
+            <a:spLocks noGrp="1" noRot="1" noChangeAspect="1"/>
+          </p:cNvSpPr>
+          <p:nvPr>
+            <p:ph type="sldImg"/>
+          </p:nvPr>
+        </p:nvSpPr>
+        <p:spPr>
+          <a:xfrm>
+            <a:off x="1143000" y="685800"/>
+            <a:ext cx="4572000" cy="3429000"/>
+          </a:xfrm>
+          <a:prstGeom prst="rect">
+            <a:avLst/>
+          </a:prstGeom>
+        </p:spPr>
+      </p:sp>
+      <p:sp>
+        <p:nvSpPr>
+          <p:cNvPr id="3" name="Notes Placeholder 2"/>
+          <p:cNvSpPr>
+            <a:spLocks noGrp="1"/>
+          </p:cNvSpPr>
+          <p:nvPr>
+            <p:ph type="body" idx="1"/>
+          </p:nvPr>
+        </p:nvSpPr>
+        <p:spPr/>
+        <p:txBody>
+          <a:bodyPr/>
+          <a:lstStyle/>
+          <a:p>
+            <a:endParaRPr lang="it-IT" dirty="0"/>
+          </a:p>
+        </p:txBody>
+      </p:sp>
+      <p:sp>
+        <p:nvSpPr>
+          <p:cNvPr id="4" name="Slide Number Placeholder 3"/>
+          <p:cNvSpPr>
+            <a:spLocks noGrp="1"/>
+          </p:cNvSpPr>
+          <p:nvPr>
+            <p:ph type="sldNum" sz="quarter" idx="10"/>
+          </p:nvPr>
+        </p:nvSpPr>
+        <p:spPr/>
+        <p:txBody>
+          <a:bodyPr/>
+          <a:lstStyle/>
+          <a:p>
+            <a:fld id="{2C5A56FE-B2E8-4285-8F31-2AEEB8EA39C6}" type="slidenum">
+              <a:rPr lang="en-GB" smtClean="0"/>
+              <a:t>50</a:t>
+            </a:fld>
+            <a:endParaRPr lang="en-GB"/>
+          </a:p>
+        </p:txBody>
+      </p:sp>
+    </p:spTree>
+    <p:extLst>
+      <p:ext uri="{BB962C8B-B14F-4D97-AF65-F5344CB8AC3E}">
+        <p14:creationId xmlns:p14="http://schemas.microsoft.com/office/powerpoint/2010/main" val="3055954277"/>
       </p:ext>
     </p:extLst>
   </p:cSld>
@@ -20120,7 +20213,12 @@
             <p:ph type="body" sz="quarter" idx="11"/>
           </p:nvPr>
         </p:nvSpPr>
-        <p:spPr/>
+        <p:spPr>
+          <a:xfrm>
+            <a:off x="328613" y="1079047"/>
+            <a:ext cx="8401246" cy="719525"/>
+          </a:xfrm>
+        </p:spPr>
         <p:txBody>
           <a:bodyPr/>
           <a:lstStyle/>
@@ -20130,11 +20228,258 @@
               <a:t>Event-Driven</a:t>
             </a:r>
           </a:p>
-          <a:p>
-            <a:endParaRPr lang="en-US" dirty="0"/>
-          </a:p>
-          <a:p>
-            <a:endParaRPr lang="en-US" dirty="0"/>
+        </p:txBody>
+      </p:sp>
+      <p:sp>
+        <p:nvSpPr>
+          <p:cNvPr id="3" name="TextBox 2">
+            <a:extLst>
+              <a:ext uri="{FF2B5EF4-FFF2-40B4-BE49-F238E27FC236}">
+                <a16:creationId xmlns:a16="http://schemas.microsoft.com/office/drawing/2014/main" id="{2457306B-AA66-4A6F-A8EB-0D3827C888F8}"/>
+              </a:ext>
+            </a:extLst>
+          </p:cNvPr>
+          <p:cNvSpPr txBox="1"/>
+          <p:nvPr/>
+        </p:nvSpPr>
+        <p:spPr>
+          <a:xfrm>
+            <a:off x="328613" y="2359417"/>
+            <a:ext cx="8210747" cy="338554"/>
+          </a:xfrm>
+          <a:prstGeom prst="rect">
+            <a:avLst/>
+          </a:prstGeom>
+          <a:noFill/>
+        </p:spPr>
+        <p:txBody>
+          <a:bodyPr wrap="square" rtlCol="0">
+            <a:spAutoFit/>
+          </a:bodyPr>
+          <a:lstStyle/>
+          <a:p>
+            <a:r>
+              <a:rPr lang="en-GB" sz="1600" dirty="0"/>
+              <a:t>Microservices are typically activated using one of these connectors</a:t>
+            </a:r>
+          </a:p>
+        </p:txBody>
+      </p:sp>
+      <p:sp>
+        <p:nvSpPr>
+          <p:cNvPr id="4" name="TextBox 3">
+            <a:extLst>
+              <a:ext uri="{FF2B5EF4-FFF2-40B4-BE49-F238E27FC236}">
+                <a16:creationId xmlns:a16="http://schemas.microsoft.com/office/drawing/2014/main" id="{6E9E41E6-FADC-4EDE-88B2-419F28151A29}"/>
+              </a:ext>
+            </a:extLst>
+          </p:cNvPr>
+          <p:cNvSpPr txBox="1"/>
+          <p:nvPr/>
+        </p:nvSpPr>
+        <p:spPr>
+          <a:xfrm>
+            <a:off x="783294" y="3099376"/>
+            <a:ext cx="8210747" cy="338554"/>
+          </a:xfrm>
+          <a:prstGeom prst="rect">
+            <a:avLst/>
+          </a:prstGeom>
+          <a:noFill/>
+        </p:spPr>
+        <p:txBody>
+          <a:bodyPr wrap="square" rtlCol="0">
+            <a:spAutoFit/>
+          </a:bodyPr>
+          <a:lstStyle/>
+          <a:p>
+            <a:r>
+              <a:rPr lang="en-GB" sz="1600" dirty="0"/>
+              <a:t>HTTP call (REST service)</a:t>
+            </a:r>
+          </a:p>
+        </p:txBody>
+      </p:sp>
+      <p:sp>
+        <p:nvSpPr>
+          <p:cNvPr id="5" name="TextBox 4">
+            <a:extLst>
+              <a:ext uri="{FF2B5EF4-FFF2-40B4-BE49-F238E27FC236}">
+                <a16:creationId xmlns:a16="http://schemas.microsoft.com/office/drawing/2014/main" id="{09C5E7B5-2D60-4664-A19F-3D38A21BBD80}"/>
+              </a:ext>
+            </a:extLst>
+          </p:cNvPr>
+          <p:cNvSpPr txBox="1"/>
+          <p:nvPr/>
+        </p:nvSpPr>
+        <p:spPr>
+          <a:xfrm>
+            <a:off x="783293" y="3591073"/>
+            <a:ext cx="8210747" cy="338554"/>
+          </a:xfrm>
+          <a:prstGeom prst="rect">
+            <a:avLst/>
+          </a:prstGeom>
+          <a:noFill/>
+        </p:spPr>
+        <p:txBody>
+          <a:bodyPr wrap="square" rtlCol="0">
+            <a:spAutoFit/>
+          </a:bodyPr>
+          <a:lstStyle/>
+          <a:p>
+            <a:r>
+              <a:rPr lang="en-GB" sz="1600" dirty="0"/>
+              <a:t>RPC-Like call (</a:t>
+            </a:r>
+            <a:r>
+              <a:rPr lang="en-GB" sz="1600" dirty="0" err="1"/>
+              <a:t>gRPC</a:t>
+            </a:r>
+            <a:r>
+              <a:rPr lang="en-GB" sz="1600" dirty="0"/>
+              <a:t> service)</a:t>
+            </a:r>
+          </a:p>
+        </p:txBody>
+      </p:sp>
+      <p:sp>
+        <p:nvSpPr>
+          <p:cNvPr id="6" name="TextBox 5">
+            <a:extLst>
+              <a:ext uri="{FF2B5EF4-FFF2-40B4-BE49-F238E27FC236}">
+                <a16:creationId xmlns:a16="http://schemas.microsoft.com/office/drawing/2014/main" id="{5E633C8D-B83C-4199-B86D-3B304135ECB8}"/>
+              </a:ext>
+            </a:extLst>
+          </p:cNvPr>
+          <p:cNvSpPr txBox="1"/>
+          <p:nvPr/>
+        </p:nvSpPr>
+        <p:spPr>
+          <a:xfrm>
+            <a:off x="783294" y="4082770"/>
+            <a:ext cx="8210747" cy="338554"/>
+          </a:xfrm>
+          <a:prstGeom prst="rect">
+            <a:avLst/>
+          </a:prstGeom>
+          <a:noFill/>
+        </p:spPr>
+        <p:txBody>
+          <a:bodyPr wrap="square" rtlCol="0">
+            <a:spAutoFit/>
+          </a:bodyPr>
+          <a:lstStyle/>
+          <a:p>
+            <a:r>
+              <a:rPr lang="en-GB" sz="1600" dirty="0"/>
+              <a:t>Asynchronous messages using message broken</a:t>
+            </a:r>
+          </a:p>
+        </p:txBody>
+      </p:sp>
+      <p:sp>
+        <p:nvSpPr>
+          <p:cNvPr id="7" name="TextBox 6">
+            <a:extLst>
+              <a:ext uri="{FF2B5EF4-FFF2-40B4-BE49-F238E27FC236}">
+                <a16:creationId xmlns:a16="http://schemas.microsoft.com/office/drawing/2014/main" id="{ECEA8909-E8A8-410B-A7A7-072443361BC4}"/>
+              </a:ext>
+            </a:extLst>
+          </p:cNvPr>
+          <p:cNvSpPr txBox="1"/>
+          <p:nvPr/>
+        </p:nvSpPr>
+        <p:spPr>
+          <a:xfrm>
+            <a:off x="519112" y="4643280"/>
+            <a:ext cx="8210747" cy="584775"/>
+          </a:xfrm>
+          <a:prstGeom prst="rect">
+            <a:avLst/>
+          </a:prstGeom>
+          <a:noFill/>
+        </p:spPr>
+        <p:txBody>
+          <a:bodyPr wrap="square" rtlCol="0">
+            <a:spAutoFit/>
+          </a:bodyPr>
+          <a:lstStyle/>
+          <a:p>
+            <a:r>
+              <a:rPr lang="en-GB" sz="1600" dirty="0"/>
+              <a:t>Using Event-Driven architecture we improve scalability and throughput leveraging on Asynchronous communication</a:t>
+            </a:r>
+          </a:p>
+        </p:txBody>
+      </p:sp>
+      <p:sp>
+        <p:nvSpPr>
+          <p:cNvPr id="8" name="TextBox 7">
+            <a:extLst>
+              <a:ext uri="{FF2B5EF4-FFF2-40B4-BE49-F238E27FC236}">
+                <a16:creationId xmlns:a16="http://schemas.microsoft.com/office/drawing/2014/main" id="{FEBB2BD7-D3BD-4FC5-B4AE-B0BF1DA0B631}"/>
+              </a:ext>
+            </a:extLst>
+          </p:cNvPr>
+          <p:cNvSpPr txBox="1"/>
+          <p:nvPr/>
+        </p:nvSpPr>
+        <p:spPr>
+          <a:xfrm>
+            <a:off x="519112" y="5217191"/>
+            <a:ext cx="8210747" cy="584775"/>
+          </a:xfrm>
+          <a:prstGeom prst="rect">
+            <a:avLst/>
+          </a:prstGeom>
+          <a:noFill/>
+        </p:spPr>
+        <p:txBody>
+          <a:bodyPr wrap="square" rtlCol="0">
+            <a:spAutoFit/>
+          </a:bodyPr>
+          <a:lstStyle/>
+          <a:p>
+            <a:r>
+              <a:rPr lang="en-GB" sz="1600" dirty="0"/>
+              <a:t>Using Event-Driven also promotes loose-coupling since message senders and receivers are independent</a:t>
+            </a:r>
+          </a:p>
+        </p:txBody>
+      </p:sp>
+      <p:sp>
+        <p:nvSpPr>
+          <p:cNvPr id="9" name="TextBox 8">
+            <a:extLst>
+              <a:ext uri="{FF2B5EF4-FFF2-40B4-BE49-F238E27FC236}">
+                <a16:creationId xmlns:a16="http://schemas.microsoft.com/office/drawing/2014/main" id="{B5B7A6E2-6100-45AC-8BE4-854FEE107752}"/>
+              </a:ext>
+            </a:extLst>
+          </p:cNvPr>
+          <p:cNvSpPr txBox="1"/>
+          <p:nvPr/>
+        </p:nvSpPr>
+        <p:spPr>
+          <a:xfrm>
+            <a:off x="519111" y="5778953"/>
+            <a:ext cx="8210747" cy="584775"/>
+          </a:xfrm>
+          <a:prstGeom prst="rect">
+            <a:avLst/>
+          </a:prstGeom>
+          <a:noFill/>
+        </p:spPr>
+        <p:txBody>
+          <a:bodyPr wrap="square" rtlCol="0">
+            <a:spAutoFit/>
+          </a:bodyPr>
+          <a:lstStyle/>
+          <a:p>
+            <a:r>
+              <a:rPr lang="en-GB" sz="1600" dirty="0"/>
+              <a:t>Using Event-Driven also improve reliability because message could be stored in the queue if some service fails</a:t>
+            </a:r>
           </a:p>
         </p:txBody>
       </p:sp>
@@ -20148,6 +20493,362 @@
   <p:clrMapOvr>
     <a:masterClrMapping/>
   </p:clrMapOvr>
+  <p:timing>
+    <p:tnLst>
+      <p:par>
+        <p:cTn id="1" dur="indefinite" restart="never" nodeType="tmRoot">
+          <p:childTnLst>
+            <p:seq concurrent="1" nextAc="seek">
+              <p:cTn id="2" dur="indefinite" nodeType="mainSeq">
+                <p:childTnLst>
+                  <p:par>
+                    <p:cTn id="3" fill="hold">
+                      <p:stCondLst>
+                        <p:cond delay="indefinite"/>
+                      </p:stCondLst>
+                      <p:childTnLst>
+                        <p:par>
+                          <p:cTn id="4" fill="hold">
+                            <p:stCondLst>
+                              <p:cond delay="0"/>
+                            </p:stCondLst>
+                            <p:childTnLst>
+                              <p:par>
+                                <p:cTn id="5" presetID="10" presetClass="entr" presetSubtype="0" fill="hold" grpId="0" nodeType="clickEffect">
+                                  <p:stCondLst>
+                                    <p:cond delay="0"/>
+                                  </p:stCondLst>
+                                  <p:childTnLst>
+                                    <p:set>
+                                      <p:cBhvr>
+                                        <p:cTn id="6" dur="1" fill="hold">
+                                          <p:stCondLst>
+                                            <p:cond delay="0"/>
+                                          </p:stCondLst>
+                                        </p:cTn>
+                                        <p:tgtEl>
+                                          <p:spTgt spid="4"/>
+                                        </p:tgtEl>
+                                        <p:attrNameLst>
+                                          <p:attrName>style.visibility</p:attrName>
+                                        </p:attrNameLst>
+                                      </p:cBhvr>
+                                      <p:to>
+                                        <p:strVal val="visible"/>
+                                      </p:to>
+                                    </p:set>
+                                    <p:animEffect transition="in" filter="fade">
+                                      <p:cBhvr>
+                                        <p:cTn id="7" dur="500"/>
+                                        <p:tgtEl>
+                                          <p:spTgt spid="4"/>
+                                        </p:tgtEl>
+                                      </p:cBhvr>
+                                    </p:animEffect>
+                                  </p:childTnLst>
+                                </p:cTn>
+                              </p:par>
+                            </p:childTnLst>
+                          </p:cTn>
+                        </p:par>
+                      </p:childTnLst>
+                    </p:cTn>
+                  </p:par>
+                  <p:par>
+                    <p:cTn id="8" fill="hold">
+                      <p:stCondLst>
+                        <p:cond delay="indefinite"/>
+                      </p:stCondLst>
+                      <p:childTnLst>
+                        <p:par>
+                          <p:cTn id="9" fill="hold">
+                            <p:stCondLst>
+                              <p:cond delay="0"/>
+                            </p:stCondLst>
+                            <p:childTnLst>
+                              <p:par>
+                                <p:cTn id="10" presetID="10" presetClass="entr" presetSubtype="0" fill="hold" grpId="0" nodeType="clickEffect">
+                                  <p:stCondLst>
+                                    <p:cond delay="0"/>
+                                  </p:stCondLst>
+                                  <p:childTnLst>
+                                    <p:set>
+                                      <p:cBhvr>
+                                        <p:cTn id="11" dur="1" fill="hold">
+                                          <p:stCondLst>
+                                            <p:cond delay="0"/>
+                                          </p:stCondLst>
+                                        </p:cTn>
+                                        <p:tgtEl>
+                                          <p:spTgt spid="5"/>
+                                        </p:tgtEl>
+                                        <p:attrNameLst>
+                                          <p:attrName>style.visibility</p:attrName>
+                                        </p:attrNameLst>
+                                      </p:cBhvr>
+                                      <p:to>
+                                        <p:strVal val="visible"/>
+                                      </p:to>
+                                    </p:set>
+                                    <p:animEffect transition="in" filter="fade">
+                                      <p:cBhvr>
+                                        <p:cTn id="12" dur="500"/>
+                                        <p:tgtEl>
+                                          <p:spTgt spid="5"/>
+                                        </p:tgtEl>
+                                      </p:cBhvr>
+                                    </p:animEffect>
+                                  </p:childTnLst>
+                                </p:cTn>
+                              </p:par>
+                            </p:childTnLst>
+                          </p:cTn>
+                        </p:par>
+                      </p:childTnLst>
+                    </p:cTn>
+                  </p:par>
+                  <p:par>
+                    <p:cTn id="13" fill="hold">
+                      <p:stCondLst>
+                        <p:cond delay="indefinite"/>
+                      </p:stCondLst>
+                      <p:childTnLst>
+                        <p:par>
+                          <p:cTn id="14" fill="hold">
+                            <p:stCondLst>
+                              <p:cond delay="0"/>
+                            </p:stCondLst>
+                            <p:childTnLst>
+                              <p:par>
+                                <p:cTn id="15" presetID="10" presetClass="entr" presetSubtype="0" fill="hold" grpId="0" nodeType="clickEffect">
+                                  <p:stCondLst>
+                                    <p:cond delay="0"/>
+                                  </p:stCondLst>
+                                  <p:childTnLst>
+                                    <p:set>
+                                      <p:cBhvr>
+                                        <p:cTn id="16" dur="1" fill="hold">
+                                          <p:stCondLst>
+                                            <p:cond delay="0"/>
+                                          </p:stCondLst>
+                                        </p:cTn>
+                                        <p:tgtEl>
+                                          <p:spTgt spid="6"/>
+                                        </p:tgtEl>
+                                        <p:attrNameLst>
+                                          <p:attrName>style.visibility</p:attrName>
+                                        </p:attrNameLst>
+                                      </p:cBhvr>
+                                      <p:to>
+                                        <p:strVal val="visible"/>
+                                      </p:to>
+                                    </p:set>
+                                    <p:animEffect transition="in" filter="fade">
+                                      <p:cBhvr>
+                                        <p:cTn id="17" dur="500"/>
+                                        <p:tgtEl>
+                                          <p:spTgt spid="6"/>
+                                        </p:tgtEl>
+                                      </p:cBhvr>
+                                    </p:animEffect>
+                                  </p:childTnLst>
+                                </p:cTn>
+                              </p:par>
+                            </p:childTnLst>
+                          </p:cTn>
+                        </p:par>
+                      </p:childTnLst>
+                    </p:cTn>
+                  </p:par>
+                  <p:par>
+                    <p:cTn id="18" fill="hold">
+                      <p:stCondLst>
+                        <p:cond delay="indefinite"/>
+                      </p:stCondLst>
+                      <p:childTnLst>
+                        <p:par>
+                          <p:cTn id="19" fill="hold">
+                            <p:stCondLst>
+                              <p:cond delay="0"/>
+                            </p:stCondLst>
+                            <p:childTnLst>
+                              <p:par>
+                                <p:cTn id="20" presetID="10" presetClass="entr" presetSubtype="0" fill="hold" grpId="0" nodeType="clickEffect">
+                                  <p:stCondLst>
+                                    <p:cond delay="0"/>
+                                  </p:stCondLst>
+                                  <p:childTnLst>
+                                    <p:set>
+                                      <p:cBhvr>
+                                        <p:cTn id="21" dur="1" fill="hold">
+                                          <p:stCondLst>
+                                            <p:cond delay="0"/>
+                                          </p:stCondLst>
+                                        </p:cTn>
+                                        <p:tgtEl>
+                                          <p:spTgt spid="7"/>
+                                        </p:tgtEl>
+                                        <p:attrNameLst>
+                                          <p:attrName>style.visibility</p:attrName>
+                                        </p:attrNameLst>
+                                      </p:cBhvr>
+                                      <p:to>
+                                        <p:strVal val="visible"/>
+                                      </p:to>
+                                    </p:set>
+                                    <p:animEffect transition="in" filter="fade">
+                                      <p:cBhvr>
+                                        <p:cTn id="22" dur="500"/>
+                                        <p:tgtEl>
+                                          <p:spTgt spid="7"/>
+                                        </p:tgtEl>
+                                      </p:cBhvr>
+                                    </p:animEffect>
+                                  </p:childTnLst>
+                                </p:cTn>
+                              </p:par>
+                            </p:childTnLst>
+                          </p:cTn>
+                        </p:par>
+                      </p:childTnLst>
+                    </p:cTn>
+                  </p:par>
+                  <p:par>
+                    <p:cTn id="23" fill="hold">
+                      <p:stCondLst>
+                        <p:cond delay="indefinite"/>
+                      </p:stCondLst>
+                      <p:childTnLst>
+                        <p:par>
+                          <p:cTn id="24" fill="hold">
+                            <p:stCondLst>
+                              <p:cond delay="0"/>
+                            </p:stCondLst>
+                            <p:childTnLst>
+                              <p:par>
+                                <p:cTn id="25" presetID="10" presetClass="entr" presetSubtype="0" fill="hold" grpId="0" nodeType="clickEffect">
+                                  <p:stCondLst>
+                                    <p:cond delay="0"/>
+                                  </p:stCondLst>
+                                  <p:childTnLst>
+                                    <p:set>
+                                      <p:cBhvr>
+                                        <p:cTn id="26" dur="1" fill="hold">
+                                          <p:stCondLst>
+                                            <p:cond delay="0"/>
+                                          </p:stCondLst>
+                                        </p:cTn>
+                                        <p:tgtEl>
+                                          <p:spTgt spid="8"/>
+                                        </p:tgtEl>
+                                        <p:attrNameLst>
+                                          <p:attrName>style.visibility</p:attrName>
+                                        </p:attrNameLst>
+                                      </p:cBhvr>
+                                      <p:to>
+                                        <p:strVal val="visible"/>
+                                      </p:to>
+                                    </p:set>
+                                    <p:animEffect transition="in" filter="fade">
+                                      <p:cBhvr>
+                                        <p:cTn id="27" dur="500"/>
+                                        <p:tgtEl>
+                                          <p:spTgt spid="8"/>
+                                        </p:tgtEl>
+                                      </p:cBhvr>
+                                    </p:animEffect>
+                                  </p:childTnLst>
+                                </p:cTn>
+                              </p:par>
+                            </p:childTnLst>
+                          </p:cTn>
+                        </p:par>
+                      </p:childTnLst>
+                    </p:cTn>
+                  </p:par>
+                  <p:par>
+                    <p:cTn id="28" fill="hold">
+                      <p:stCondLst>
+                        <p:cond delay="indefinite"/>
+                      </p:stCondLst>
+                      <p:childTnLst>
+                        <p:par>
+                          <p:cTn id="29" fill="hold">
+                            <p:stCondLst>
+                              <p:cond delay="0"/>
+                            </p:stCondLst>
+                            <p:childTnLst>
+                              <p:par>
+                                <p:cTn id="30" presetID="10" presetClass="entr" presetSubtype="0" fill="hold" grpId="0" nodeType="clickEffect">
+                                  <p:stCondLst>
+                                    <p:cond delay="0"/>
+                                  </p:stCondLst>
+                                  <p:childTnLst>
+                                    <p:set>
+                                      <p:cBhvr>
+                                        <p:cTn id="31" dur="1" fill="hold">
+                                          <p:stCondLst>
+                                            <p:cond delay="0"/>
+                                          </p:stCondLst>
+                                        </p:cTn>
+                                        <p:tgtEl>
+                                          <p:spTgt spid="9"/>
+                                        </p:tgtEl>
+                                        <p:attrNameLst>
+                                          <p:attrName>style.visibility</p:attrName>
+                                        </p:attrNameLst>
+                                      </p:cBhvr>
+                                      <p:to>
+                                        <p:strVal val="visible"/>
+                                      </p:to>
+                                    </p:set>
+                                    <p:animEffect transition="in" filter="fade">
+                                      <p:cBhvr>
+                                        <p:cTn id="32" dur="500"/>
+                                        <p:tgtEl>
+                                          <p:spTgt spid="9"/>
+                                        </p:tgtEl>
+                                      </p:cBhvr>
+                                    </p:animEffect>
+                                  </p:childTnLst>
+                                </p:cTn>
+                              </p:par>
+                            </p:childTnLst>
+                          </p:cTn>
+                        </p:par>
+                      </p:childTnLst>
+                    </p:cTn>
+                  </p:par>
+                </p:childTnLst>
+              </p:cTn>
+              <p:prevCondLst>
+                <p:cond evt="onPrev" delay="0">
+                  <p:tgtEl>
+                    <p:sldTgt/>
+                  </p:tgtEl>
+                </p:cond>
+              </p:prevCondLst>
+              <p:nextCondLst>
+                <p:cond evt="onNext" delay="0">
+                  <p:tgtEl>
+                    <p:sldTgt/>
+                  </p:tgtEl>
+                </p:cond>
+              </p:nextCondLst>
+            </p:seq>
+          </p:childTnLst>
+        </p:cTn>
+      </p:par>
+    </p:tnLst>
+    <p:bldLst>
+      <p:bldP spid="4" grpId="0"/>
+      <p:bldP spid="5" grpId="0"/>
+      <p:bldP spid="6" grpId="0"/>
+      <p:bldP spid="7" grpId="0"/>
+      <p:bldP spid="8" grpId="0"/>
+      <p:bldP spid="9" grpId="0"/>
+    </p:bldLst>
+  </p:timing>
 </p:sld>
 </file>
 
@@ -20178,7 +20879,12 @@
             <p:ph type="body" sz="quarter" idx="11"/>
           </p:nvPr>
         </p:nvSpPr>
-        <p:spPr/>
+        <p:spPr>
+          <a:xfrm>
+            <a:off x="328613" y="1079047"/>
+            <a:ext cx="8401246" cy="779981"/>
+          </a:xfrm>
+        </p:spPr>
         <p:txBody>
           <a:bodyPr/>
           <a:lstStyle/>
@@ -20188,8 +20894,281 @@
               <a:t>Loose-Coupling</a:t>
             </a:r>
           </a:p>
-          <a:p>
-            <a:endParaRPr lang="en-US" dirty="0"/>
+        </p:txBody>
+      </p:sp>
+      <p:sp>
+        <p:nvSpPr>
+          <p:cNvPr id="3" name="TextBox 2">
+            <a:extLst>
+              <a:ext uri="{FF2B5EF4-FFF2-40B4-BE49-F238E27FC236}">
+                <a16:creationId xmlns:a16="http://schemas.microsoft.com/office/drawing/2014/main" id="{5DD5C7A7-43D1-47AC-9EDC-3A3A5AE795A2}"/>
+              </a:ext>
+            </a:extLst>
+          </p:cNvPr>
+          <p:cNvSpPr txBox="1"/>
+          <p:nvPr/>
+        </p:nvSpPr>
+        <p:spPr>
+          <a:xfrm>
+            <a:off x="423862" y="2247703"/>
+            <a:ext cx="8210747" cy="584775"/>
+          </a:xfrm>
+          <a:prstGeom prst="rect">
+            <a:avLst/>
+          </a:prstGeom>
+          <a:noFill/>
+        </p:spPr>
+        <p:txBody>
+          <a:bodyPr wrap="square" rtlCol="0">
+            <a:spAutoFit/>
+          </a:bodyPr>
+          <a:lstStyle/>
+          <a:p>
+            <a:r>
+              <a:rPr lang="en-US" sz="1600" dirty="0"/>
+              <a:t>In software engineering, coupling refers to the degree of interdependence between two software elements</a:t>
+            </a:r>
+            <a:endParaRPr lang="en-GB" sz="1600" dirty="0"/>
+          </a:p>
+        </p:txBody>
+      </p:sp>
+      <p:sp>
+        <p:nvSpPr>
+          <p:cNvPr id="4" name="TextBox 3">
+            <a:extLst>
+              <a:ext uri="{FF2B5EF4-FFF2-40B4-BE49-F238E27FC236}">
+                <a16:creationId xmlns:a16="http://schemas.microsoft.com/office/drawing/2014/main" id="{D996103C-F74C-49B6-9E4E-D1A26E5EA63B}"/>
+              </a:ext>
+            </a:extLst>
+          </p:cNvPr>
+          <p:cNvSpPr txBox="1"/>
+          <p:nvPr/>
+        </p:nvSpPr>
+        <p:spPr>
+          <a:xfrm>
+            <a:off x="423858" y="3420392"/>
+            <a:ext cx="8210747" cy="338554"/>
+          </a:xfrm>
+          <a:prstGeom prst="rect">
+            <a:avLst/>
+          </a:prstGeom>
+          <a:noFill/>
+        </p:spPr>
+        <p:txBody>
+          <a:bodyPr wrap="square" rtlCol="0">
+            <a:spAutoFit/>
+          </a:bodyPr>
+          <a:lstStyle/>
+          <a:p>
+            <a:r>
+              <a:rPr lang="en-US" sz="1600" dirty="0"/>
+              <a:t>Services exposes its functionality through the service contract (json, proto, xml) </a:t>
+            </a:r>
+            <a:endParaRPr lang="en-GB" sz="1600" dirty="0"/>
+          </a:p>
+        </p:txBody>
+      </p:sp>
+      <p:sp>
+        <p:nvSpPr>
+          <p:cNvPr id="5" name="TextBox 4">
+            <a:extLst>
+              <a:ext uri="{FF2B5EF4-FFF2-40B4-BE49-F238E27FC236}">
+                <a16:creationId xmlns:a16="http://schemas.microsoft.com/office/drawing/2014/main" id="{27F1C816-024C-4E94-AEC0-31C7E79EC846}"/>
+              </a:ext>
+            </a:extLst>
+          </p:cNvPr>
+          <p:cNvSpPr txBox="1"/>
+          <p:nvPr/>
+        </p:nvSpPr>
+        <p:spPr>
+          <a:xfrm>
+            <a:off x="423857" y="3807126"/>
+            <a:ext cx="8210747" cy="338554"/>
+          </a:xfrm>
+          <a:prstGeom prst="rect">
+            <a:avLst/>
+          </a:prstGeom>
+          <a:noFill/>
+        </p:spPr>
+        <p:txBody>
+          <a:bodyPr wrap="square" rtlCol="0">
+            <a:spAutoFit/>
+          </a:bodyPr>
+          <a:lstStyle/>
+          <a:p>
+            <a:r>
+              <a:rPr lang="en-US" sz="1600" dirty="0"/>
+              <a:t>The contract should not be tightly coupled to implementation details or a specific technology</a:t>
+            </a:r>
+            <a:endParaRPr lang="en-GB" sz="1600" dirty="0"/>
+          </a:p>
+        </p:txBody>
+      </p:sp>
+      <p:sp>
+        <p:nvSpPr>
+          <p:cNvPr id="6" name="TextBox 5">
+            <a:extLst>
+              <a:ext uri="{FF2B5EF4-FFF2-40B4-BE49-F238E27FC236}">
+                <a16:creationId xmlns:a16="http://schemas.microsoft.com/office/drawing/2014/main" id="{09577634-28EC-46FB-B7BB-2B9433E8F710}"/>
+              </a:ext>
+            </a:extLst>
+          </p:cNvPr>
+          <p:cNvSpPr txBox="1"/>
+          <p:nvPr/>
+        </p:nvSpPr>
+        <p:spPr>
+          <a:xfrm>
+            <a:off x="423859" y="3031717"/>
+            <a:ext cx="8210747" cy="369332"/>
+          </a:xfrm>
+          <a:prstGeom prst="rect">
+            <a:avLst/>
+          </a:prstGeom>
+          <a:noFill/>
+        </p:spPr>
+        <p:txBody>
+          <a:bodyPr wrap="square" rtlCol="0">
+            <a:spAutoFit/>
+          </a:bodyPr>
+          <a:lstStyle/>
+          <a:p>
+            <a:r>
+              <a:rPr lang="it-IT" b="1" i="1" dirty="0" err="1"/>
+              <a:t>Afferent</a:t>
+            </a:r>
+            <a:r>
+              <a:rPr lang="it-IT" b="1" i="1" dirty="0"/>
+              <a:t> </a:t>
+            </a:r>
+            <a:r>
+              <a:rPr lang="it-IT" b="1" i="1" dirty="0" err="1"/>
+              <a:t>coupling</a:t>
+            </a:r>
+            <a:r>
+              <a:rPr lang="it-IT" b="1" dirty="0"/>
+              <a:t> </a:t>
+            </a:r>
+            <a:endParaRPr lang="en-GB" sz="1600" b="1" dirty="0"/>
+          </a:p>
+        </p:txBody>
+      </p:sp>
+      <p:sp>
+        <p:nvSpPr>
+          <p:cNvPr id="8" name="TextBox 7">
+            <a:extLst>
+              <a:ext uri="{FF2B5EF4-FFF2-40B4-BE49-F238E27FC236}">
+                <a16:creationId xmlns:a16="http://schemas.microsoft.com/office/drawing/2014/main" id="{C85C853B-3606-4F01-B035-B05CBBC30DD9}"/>
+              </a:ext>
+            </a:extLst>
+          </p:cNvPr>
+          <p:cNvSpPr txBox="1"/>
+          <p:nvPr/>
+        </p:nvSpPr>
+        <p:spPr>
+          <a:xfrm>
+            <a:off x="423856" y="4427235"/>
+            <a:ext cx="8210747" cy="369332"/>
+          </a:xfrm>
+          <a:prstGeom prst="rect">
+            <a:avLst/>
+          </a:prstGeom>
+          <a:noFill/>
+        </p:spPr>
+        <p:txBody>
+          <a:bodyPr wrap="square" rtlCol="0">
+            <a:spAutoFit/>
+          </a:bodyPr>
+          <a:lstStyle/>
+          <a:p>
+            <a:r>
+              <a:rPr lang="it-IT" b="1" i="1" dirty="0" err="1"/>
+              <a:t>Efferent</a:t>
+            </a:r>
+            <a:r>
+              <a:rPr lang="it-IT" b="1" i="1" dirty="0"/>
+              <a:t> </a:t>
+            </a:r>
+            <a:r>
+              <a:rPr lang="it-IT" b="1" i="1" dirty="0" err="1"/>
+              <a:t>coupling</a:t>
+            </a:r>
+            <a:r>
+              <a:rPr lang="it-IT" b="1" dirty="0"/>
+              <a:t> </a:t>
+            </a:r>
+            <a:endParaRPr lang="en-GB" sz="1600" b="1" dirty="0"/>
+          </a:p>
+        </p:txBody>
+      </p:sp>
+      <p:sp>
+        <p:nvSpPr>
+          <p:cNvPr id="9" name="TextBox 8">
+            <a:extLst>
+              <a:ext uri="{FF2B5EF4-FFF2-40B4-BE49-F238E27FC236}">
+                <a16:creationId xmlns:a16="http://schemas.microsoft.com/office/drawing/2014/main" id="{CCC2D28F-A5F1-4889-8117-6C60E2611D6A}"/>
+              </a:ext>
+            </a:extLst>
+          </p:cNvPr>
+          <p:cNvSpPr txBox="1"/>
+          <p:nvPr/>
+        </p:nvSpPr>
+        <p:spPr>
+          <a:xfrm>
+            <a:off x="423862" y="4845007"/>
+            <a:ext cx="8210747" cy="338554"/>
+          </a:xfrm>
+          <a:prstGeom prst="rect">
+            <a:avLst/>
+          </a:prstGeom>
+          <a:noFill/>
+        </p:spPr>
+        <p:txBody>
+          <a:bodyPr wrap="square" rtlCol="0">
+            <a:spAutoFit/>
+          </a:bodyPr>
+          <a:lstStyle/>
+          <a:p>
+            <a:r>
+              <a:rPr lang="en-US" sz="1600" dirty="0"/>
+              <a:t>Services often need to interact each other</a:t>
+            </a:r>
+            <a:endParaRPr lang="en-GB" sz="1600" dirty="0"/>
+          </a:p>
+        </p:txBody>
+      </p:sp>
+      <p:sp>
+        <p:nvSpPr>
+          <p:cNvPr id="10" name="TextBox 9">
+            <a:extLst>
+              <a:ext uri="{FF2B5EF4-FFF2-40B4-BE49-F238E27FC236}">
+                <a16:creationId xmlns:a16="http://schemas.microsoft.com/office/drawing/2014/main" id="{E782462A-B5CC-4979-AC8B-0D070236D342}"/>
+              </a:ext>
+            </a:extLst>
+          </p:cNvPr>
+          <p:cNvSpPr txBox="1"/>
+          <p:nvPr/>
+        </p:nvSpPr>
+        <p:spPr>
+          <a:xfrm>
+            <a:off x="423855" y="5183561"/>
+            <a:ext cx="8210747" cy="338554"/>
+          </a:xfrm>
+          <a:prstGeom prst="rect">
+            <a:avLst/>
+          </a:prstGeom>
+          <a:noFill/>
+        </p:spPr>
+        <p:txBody>
+          <a:bodyPr wrap="square" rtlCol="0">
+            <a:spAutoFit/>
+          </a:bodyPr>
+          <a:lstStyle/>
+          <a:p>
+            <a:r>
+              <a:rPr lang="en-US" sz="1600" dirty="0"/>
+              <a:t>The interaction establishes runtime dependencies that directly impact the service autonomy</a:t>
+            </a:r>
+            <a:endParaRPr lang="en-GB" sz="1600" dirty="0"/>
           </a:p>
         </p:txBody>
       </p:sp>
@@ -20203,6 +21182,416 @@
   <p:clrMapOvr>
     <a:masterClrMapping/>
   </p:clrMapOvr>
+  <p:timing>
+    <p:tnLst>
+      <p:par>
+        <p:cTn id="1" dur="indefinite" restart="never" nodeType="tmRoot">
+          <p:childTnLst>
+            <p:seq concurrent="1" nextAc="seek">
+              <p:cTn id="2" dur="indefinite" nodeType="mainSeq">
+                <p:childTnLst>
+                  <p:par>
+                    <p:cTn id="3" fill="hold">
+                      <p:stCondLst>
+                        <p:cond delay="indefinite"/>
+                      </p:stCondLst>
+                      <p:childTnLst>
+                        <p:par>
+                          <p:cTn id="4" fill="hold">
+                            <p:stCondLst>
+                              <p:cond delay="0"/>
+                            </p:stCondLst>
+                            <p:childTnLst>
+                              <p:par>
+                                <p:cTn id="5" presetID="10" presetClass="entr" presetSubtype="0" fill="hold" grpId="0" nodeType="clickEffect">
+                                  <p:stCondLst>
+                                    <p:cond delay="0"/>
+                                  </p:stCondLst>
+                                  <p:childTnLst>
+                                    <p:set>
+                                      <p:cBhvr>
+                                        <p:cTn id="6" dur="1" fill="hold">
+                                          <p:stCondLst>
+                                            <p:cond delay="0"/>
+                                          </p:stCondLst>
+                                        </p:cTn>
+                                        <p:tgtEl>
+                                          <p:spTgt spid="3"/>
+                                        </p:tgtEl>
+                                        <p:attrNameLst>
+                                          <p:attrName>style.visibility</p:attrName>
+                                        </p:attrNameLst>
+                                      </p:cBhvr>
+                                      <p:to>
+                                        <p:strVal val="visible"/>
+                                      </p:to>
+                                    </p:set>
+                                    <p:animEffect transition="in" filter="fade">
+                                      <p:cBhvr>
+                                        <p:cTn id="7" dur="500"/>
+                                        <p:tgtEl>
+                                          <p:spTgt spid="3"/>
+                                        </p:tgtEl>
+                                      </p:cBhvr>
+                                    </p:animEffect>
+                                  </p:childTnLst>
+                                </p:cTn>
+                              </p:par>
+                            </p:childTnLst>
+                          </p:cTn>
+                        </p:par>
+                      </p:childTnLst>
+                    </p:cTn>
+                  </p:par>
+                  <p:par>
+                    <p:cTn id="8" fill="hold">
+                      <p:stCondLst>
+                        <p:cond delay="indefinite"/>
+                      </p:stCondLst>
+                      <p:childTnLst>
+                        <p:par>
+                          <p:cTn id="9" fill="hold">
+                            <p:stCondLst>
+                              <p:cond delay="0"/>
+                            </p:stCondLst>
+                            <p:childTnLst>
+                              <p:par>
+                                <p:cTn id="10" presetID="10" presetClass="entr" presetSubtype="0" fill="hold" grpId="0" nodeType="clickEffect">
+                                  <p:stCondLst>
+                                    <p:cond delay="0"/>
+                                  </p:stCondLst>
+                                  <p:childTnLst>
+                                    <p:set>
+                                      <p:cBhvr>
+                                        <p:cTn id="11" dur="1" fill="hold">
+                                          <p:stCondLst>
+                                            <p:cond delay="0"/>
+                                          </p:stCondLst>
+                                        </p:cTn>
+                                        <p:tgtEl>
+                                          <p:spTgt spid="4"/>
+                                        </p:tgtEl>
+                                        <p:attrNameLst>
+                                          <p:attrName>style.visibility</p:attrName>
+                                        </p:attrNameLst>
+                                      </p:cBhvr>
+                                      <p:to>
+                                        <p:strVal val="visible"/>
+                                      </p:to>
+                                    </p:set>
+                                    <p:animEffect transition="in" filter="fade">
+                                      <p:cBhvr>
+                                        <p:cTn id="12" dur="500"/>
+                                        <p:tgtEl>
+                                          <p:spTgt spid="4"/>
+                                        </p:tgtEl>
+                                      </p:cBhvr>
+                                    </p:animEffect>
+                                  </p:childTnLst>
+                                </p:cTn>
+                              </p:par>
+                            </p:childTnLst>
+                          </p:cTn>
+                        </p:par>
+                      </p:childTnLst>
+                    </p:cTn>
+                  </p:par>
+                  <p:par>
+                    <p:cTn id="13" fill="hold">
+                      <p:stCondLst>
+                        <p:cond delay="indefinite"/>
+                      </p:stCondLst>
+                      <p:childTnLst>
+                        <p:par>
+                          <p:cTn id="14" fill="hold">
+                            <p:stCondLst>
+                              <p:cond delay="0"/>
+                            </p:stCondLst>
+                            <p:childTnLst>
+                              <p:par>
+                                <p:cTn id="15" presetID="10" presetClass="entr" presetSubtype="0" fill="hold" grpId="0" nodeType="clickEffect">
+                                  <p:stCondLst>
+                                    <p:cond delay="0"/>
+                                  </p:stCondLst>
+                                  <p:childTnLst>
+                                    <p:set>
+                                      <p:cBhvr>
+                                        <p:cTn id="16" dur="1" fill="hold">
+                                          <p:stCondLst>
+                                            <p:cond delay="0"/>
+                                          </p:stCondLst>
+                                        </p:cTn>
+                                        <p:tgtEl>
+                                          <p:spTgt spid="5"/>
+                                        </p:tgtEl>
+                                        <p:attrNameLst>
+                                          <p:attrName>style.visibility</p:attrName>
+                                        </p:attrNameLst>
+                                      </p:cBhvr>
+                                      <p:to>
+                                        <p:strVal val="visible"/>
+                                      </p:to>
+                                    </p:set>
+                                    <p:animEffect transition="in" filter="fade">
+                                      <p:cBhvr>
+                                        <p:cTn id="17" dur="500"/>
+                                        <p:tgtEl>
+                                          <p:spTgt spid="5"/>
+                                        </p:tgtEl>
+                                      </p:cBhvr>
+                                    </p:animEffect>
+                                  </p:childTnLst>
+                                </p:cTn>
+                              </p:par>
+                            </p:childTnLst>
+                          </p:cTn>
+                        </p:par>
+                      </p:childTnLst>
+                    </p:cTn>
+                  </p:par>
+                  <p:par>
+                    <p:cTn id="18" fill="hold">
+                      <p:stCondLst>
+                        <p:cond delay="indefinite"/>
+                      </p:stCondLst>
+                      <p:childTnLst>
+                        <p:par>
+                          <p:cTn id="19" fill="hold">
+                            <p:stCondLst>
+                              <p:cond delay="0"/>
+                            </p:stCondLst>
+                            <p:childTnLst>
+                              <p:par>
+                                <p:cTn id="20" presetID="10" presetClass="entr" presetSubtype="0" fill="hold" grpId="0" nodeType="clickEffect">
+                                  <p:stCondLst>
+                                    <p:cond delay="0"/>
+                                  </p:stCondLst>
+                                  <p:childTnLst>
+                                    <p:set>
+                                      <p:cBhvr>
+                                        <p:cTn id="21" dur="1" fill="hold">
+                                          <p:stCondLst>
+                                            <p:cond delay="0"/>
+                                          </p:stCondLst>
+                                        </p:cTn>
+                                        <p:tgtEl>
+                                          <p:spTgt spid="6"/>
+                                        </p:tgtEl>
+                                        <p:attrNameLst>
+                                          <p:attrName>style.visibility</p:attrName>
+                                        </p:attrNameLst>
+                                      </p:cBhvr>
+                                      <p:to>
+                                        <p:strVal val="visible"/>
+                                      </p:to>
+                                    </p:set>
+                                    <p:animEffect transition="in" filter="fade">
+                                      <p:cBhvr>
+                                        <p:cTn id="22" dur="500"/>
+                                        <p:tgtEl>
+                                          <p:spTgt spid="6"/>
+                                        </p:tgtEl>
+                                      </p:cBhvr>
+                                    </p:animEffect>
+                                  </p:childTnLst>
+                                </p:cTn>
+                              </p:par>
+                            </p:childTnLst>
+                          </p:cTn>
+                        </p:par>
+                      </p:childTnLst>
+                    </p:cTn>
+                  </p:par>
+                  <p:par>
+                    <p:cTn id="23" fill="hold">
+                      <p:stCondLst>
+                        <p:cond delay="indefinite"/>
+                      </p:stCondLst>
+                      <p:childTnLst>
+                        <p:par>
+                          <p:cTn id="24" fill="hold">
+                            <p:stCondLst>
+                              <p:cond delay="0"/>
+                            </p:stCondLst>
+                            <p:childTnLst>
+                              <p:par>
+                                <p:cTn id="25" presetID="10" presetClass="entr" presetSubtype="0" fill="hold" grpId="0" nodeType="clickEffect">
+                                  <p:stCondLst>
+                                    <p:cond delay="0"/>
+                                  </p:stCondLst>
+                                  <p:childTnLst>
+                                    <p:set>
+                                      <p:cBhvr>
+                                        <p:cTn id="26" dur="1" fill="hold">
+                                          <p:stCondLst>
+                                            <p:cond delay="0"/>
+                                          </p:stCondLst>
+                                        </p:cTn>
+                                        <p:tgtEl>
+                                          <p:spTgt spid="8"/>
+                                        </p:tgtEl>
+                                        <p:attrNameLst>
+                                          <p:attrName>style.visibility</p:attrName>
+                                        </p:attrNameLst>
+                                      </p:cBhvr>
+                                      <p:to>
+                                        <p:strVal val="visible"/>
+                                      </p:to>
+                                    </p:set>
+                                    <p:animEffect transition="in" filter="fade">
+                                      <p:cBhvr>
+                                        <p:cTn id="27" dur="500"/>
+                                        <p:tgtEl>
+                                          <p:spTgt spid="8"/>
+                                        </p:tgtEl>
+                                      </p:cBhvr>
+                                    </p:animEffect>
+                                  </p:childTnLst>
+                                </p:cTn>
+                              </p:par>
+                            </p:childTnLst>
+                          </p:cTn>
+                        </p:par>
+                      </p:childTnLst>
+                    </p:cTn>
+                  </p:par>
+                  <p:par>
+                    <p:cTn id="28" fill="hold">
+                      <p:stCondLst>
+                        <p:cond delay="indefinite"/>
+                      </p:stCondLst>
+                      <p:childTnLst>
+                        <p:par>
+                          <p:cTn id="29" fill="hold">
+                            <p:stCondLst>
+                              <p:cond delay="0"/>
+                            </p:stCondLst>
+                            <p:childTnLst>
+                              <p:par>
+                                <p:cTn id="30" presetID="10" presetClass="entr" presetSubtype="0" fill="hold" grpId="0" nodeType="clickEffect">
+                                  <p:stCondLst>
+                                    <p:cond delay="0"/>
+                                  </p:stCondLst>
+                                  <p:childTnLst>
+                                    <p:set>
+                                      <p:cBhvr>
+                                        <p:cTn id="31" dur="1" fill="hold">
+                                          <p:stCondLst>
+                                            <p:cond delay="0"/>
+                                          </p:stCondLst>
+                                        </p:cTn>
+                                        <p:tgtEl>
+                                          <p:spTgt spid="9"/>
+                                        </p:tgtEl>
+                                        <p:attrNameLst>
+                                          <p:attrName>style.visibility</p:attrName>
+                                        </p:attrNameLst>
+                                      </p:cBhvr>
+                                      <p:to>
+                                        <p:strVal val="visible"/>
+                                      </p:to>
+                                    </p:set>
+                                    <p:animEffect transition="in" filter="fade">
+                                      <p:cBhvr>
+                                        <p:cTn id="32" dur="500"/>
+                                        <p:tgtEl>
+                                          <p:spTgt spid="9"/>
+                                        </p:tgtEl>
+                                      </p:cBhvr>
+                                    </p:animEffect>
+                                  </p:childTnLst>
+                                </p:cTn>
+                              </p:par>
+                            </p:childTnLst>
+                          </p:cTn>
+                        </p:par>
+                      </p:childTnLst>
+                    </p:cTn>
+                  </p:par>
+                  <p:par>
+                    <p:cTn id="33" fill="hold">
+                      <p:stCondLst>
+                        <p:cond delay="indefinite"/>
+                      </p:stCondLst>
+                      <p:childTnLst>
+                        <p:par>
+                          <p:cTn id="34" fill="hold">
+                            <p:stCondLst>
+                              <p:cond delay="0"/>
+                            </p:stCondLst>
+                            <p:childTnLst>
+                              <p:par>
+                                <p:cTn id="35" presetID="10" presetClass="entr" presetSubtype="0" fill="hold" grpId="0" nodeType="clickEffect">
+                                  <p:stCondLst>
+                                    <p:cond delay="0"/>
+                                  </p:stCondLst>
+                                  <p:childTnLst>
+                                    <p:set>
+                                      <p:cBhvr>
+                                        <p:cTn id="36" dur="1" fill="hold">
+                                          <p:stCondLst>
+                                            <p:cond delay="0"/>
+                                          </p:stCondLst>
+                                        </p:cTn>
+                                        <p:tgtEl>
+                                          <p:spTgt spid="10"/>
+                                        </p:tgtEl>
+                                        <p:attrNameLst>
+                                          <p:attrName>style.visibility</p:attrName>
+                                        </p:attrNameLst>
+                                      </p:cBhvr>
+                                      <p:to>
+                                        <p:strVal val="visible"/>
+                                      </p:to>
+                                    </p:set>
+                                    <p:animEffect transition="in" filter="fade">
+                                      <p:cBhvr>
+                                        <p:cTn id="37" dur="500"/>
+                                        <p:tgtEl>
+                                          <p:spTgt spid="10"/>
+                                        </p:tgtEl>
+                                      </p:cBhvr>
+                                    </p:animEffect>
+                                  </p:childTnLst>
+                                </p:cTn>
+                              </p:par>
+                            </p:childTnLst>
+                          </p:cTn>
+                        </p:par>
+                      </p:childTnLst>
+                    </p:cTn>
+                  </p:par>
+                </p:childTnLst>
+              </p:cTn>
+              <p:prevCondLst>
+                <p:cond evt="onPrev" delay="0">
+                  <p:tgtEl>
+                    <p:sldTgt/>
+                  </p:tgtEl>
+                </p:cond>
+              </p:prevCondLst>
+              <p:nextCondLst>
+                <p:cond evt="onNext" delay="0">
+                  <p:tgtEl>
+                    <p:sldTgt/>
+                  </p:tgtEl>
+                </p:cond>
+              </p:nextCondLst>
+            </p:seq>
+          </p:childTnLst>
+        </p:cTn>
+      </p:par>
+    </p:tnLst>
+    <p:bldLst>
+      <p:bldP spid="3" grpId="0"/>
+      <p:bldP spid="4" grpId="0"/>
+      <p:bldP spid="5" grpId="0"/>
+      <p:bldP spid="6" grpId="0"/>
+      <p:bldP spid="8" grpId="0"/>
+      <p:bldP spid="9" grpId="0"/>
+      <p:bldP spid="10" grpId="0"/>
+    </p:bldLst>
+  </p:timing>
 </p:sld>
 </file>
 
@@ -20233,31 +21622,865 @@
             <p:ph type="body" sz="quarter" idx="11"/>
           </p:nvPr>
         </p:nvSpPr>
-        <p:spPr/>
+        <p:spPr>
+          <a:xfrm>
+            <a:off x="328613" y="1079047"/>
+            <a:ext cx="8401246" cy="779981"/>
+          </a:xfrm>
+        </p:spPr>
         <p:txBody>
           <a:bodyPr/>
           <a:lstStyle/>
           <a:p>
             <a:r>
               <a:rPr lang="en-US" dirty="0"/>
-              <a:t>Single Responsibility</a:t>
-            </a:r>
-          </a:p>
-          <a:p>
-            <a:endParaRPr lang="en-US" dirty="0"/>
+              <a:t>Loose-Coupling</a:t>
+            </a:r>
+          </a:p>
+        </p:txBody>
+      </p:sp>
+      <p:sp>
+        <p:nvSpPr>
+          <p:cNvPr id="3" name="TextBox 2">
+            <a:extLst>
+              <a:ext uri="{FF2B5EF4-FFF2-40B4-BE49-F238E27FC236}">
+                <a16:creationId xmlns:a16="http://schemas.microsoft.com/office/drawing/2014/main" id="{5DD5C7A7-43D1-47AC-9EDC-3A3A5AE795A2}"/>
+              </a:ext>
+            </a:extLst>
+          </p:cNvPr>
+          <p:cNvSpPr txBox="1"/>
+          <p:nvPr/>
+        </p:nvSpPr>
+        <p:spPr>
+          <a:xfrm>
+            <a:off x="423862" y="2247703"/>
+            <a:ext cx="8210747" cy="338554"/>
+          </a:xfrm>
+          <a:prstGeom prst="rect">
+            <a:avLst/>
+          </a:prstGeom>
+          <a:noFill/>
+        </p:spPr>
+        <p:txBody>
+          <a:bodyPr wrap="square" rtlCol="0">
+            <a:spAutoFit/>
+          </a:bodyPr>
+          <a:lstStyle/>
+          <a:p>
+            <a:r>
+              <a:rPr lang="en-US" sz="1600" dirty="0"/>
+              <a:t>There are some strategies to promote </a:t>
+            </a:r>
+            <a:r>
+              <a:rPr lang="en-US" sz="1600" b="1" i="1" dirty="0"/>
+              <a:t>Afferent</a:t>
+            </a:r>
+            <a:r>
+              <a:rPr lang="en-US" sz="1600" dirty="0"/>
+              <a:t> and </a:t>
+            </a:r>
+            <a:r>
+              <a:rPr lang="en-US" sz="1600" b="1" i="1" dirty="0"/>
+              <a:t>Efferent</a:t>
+            </a:r>
+            <a:r>
+              <a:rPr lang="en-US" sz="1600" dirty="0"/>
+              <a:t> loose coupling</a:t>
+            </a:r>
+            <a:endParaRPr lang="en-GB" sz="1600" dirty="0"/>
+          </a:p>
+        </p:txBody>
+      </p:sp>
+      <p:sp>
+        <p:nvSpPr>
+          <p:cNvPr id="11" name="TextBox 10">
+            <a:extLst>
+              <a:ext uri="{FF2B5EF4-FFF2-40B4-BE49-F238E27FC236}">
+                <a16:creationId xmlns:a16="http://schemas.microsoft.com/office/drawing/2014/main" id="{6E2AA6D5-17B1-49AA-9348-810F97736A24}"/>
+              </a:ext>
+            </a:extLst>
+          </p:cNvPr>
+          <p:cNvSpPr txBox="1"/>
+          <p:nvPr/>
+        </p:nvSpPr>
+        <p:spPr>
+          <a:xfrm>
+            <a:off x="423859" y="3084989"/>
+            <a:ext cx="8210747" cy="369332"/>
+          </a:xfrm>
+          <a:prstGeom prst="rect">
+            <a:avLst/>
+          </a:prstGeom>
+          <a:noFill/>
+        </p:spPr>
+        <p:txBody>
+          <a:bodyPr wrap="square" rtlCol="0">
+            <a:spAutoFit/>
+          </a:bodyPr>
+          <a:lstStyle/>
+          <a:p>
+            <a:r>
+              <a:rPr lang="it-IT" b="1" i="1" dirty="0" err="1"/>
+              <a:t>Point-to-point</a:t>
+            </a:r>
+            <a:r>
+              <a:rPr lang="it-IT" b="1" i="1" dirty="0"/>
+              <a:t> and </a:t>
+            </a:r>
+            <a:r>
+              <a:rPr lang="it-IT" b="1" i="1" dirty="0" err="1"/>
+              <a:t>publish-subscribe</a:t>
+            </a:r>
+            <a:r>
+              <a:rPr lang="it-IT" b="1" i="1" dirty="0"/>
+              <a:t> </a:t>
+            </a:r>
+            <a:r>
+              <a:rPr lang="it-IT" sz="1400" dirty="0"/>
+              <a:t>(</a:t>
+            </a:r>
+            <a:r>
+              <a:rPr lang="it-IT" sz="1400" dirty="0" err="1"/>
+              <a:t>message-driven</a:t>
+            </a:r>
+            <a:r>
+              <a:rPr lang="it-IT" sz="1400" dirty="0"/>
+              <a:t> pattern to </a:t>
+            </a:r>
+            <a:r>
+              <a:rPr lang="it-IT" sz="1400" dirty="0" err="1"/>
+              <a:t>decouple</a:t>
+            </a:r>
+            <a:r>
+              <a:rPr lang="it-IT" sz="1400" dirty="0"/>
+              <a:t> </a:t>
+            </a:r>
+            <a:r>
+              <a:rPr lang="it-IT" sz="1400" dirty="0" err="1"/>
+              <a:t>senders</a:t>
+            </a:r>
+            <a:r>
+              <a:rPr lang="it-IT" sz="1400" dirty="0"/>
+              <a:t> and receivers)</a:t>
+            </a:r>
+            <a:endParaRPr lang="en-GB" sz="1400" b="1" dirty="0"/>
+          </a:p>
+        </p:txBody>
+      </p:sp>
+      <p:sp>
+        <p:nvSpPr>
+          <p:cNvPr id="12" name="TextBox 11">
+            <a:extLst>
+              <a:ext uri="{FF2B5EF4-FFF2-40B4-BE49-F238E27FC236}">
+                <a16:creationId xmlns:a16="http://schemas.microsoft.com/office/drawing/2014/main" id="{4BED8671-ADBE-436E-8B6E-2177F9FC1F02}"/>
+              </a:ext>
+            </a:extLst>
+          </p:cNvPr>
+          <p:cNvSpPr txBox="1"/>
+          <p:nvPr/>
+        </p:nvSpPr>
+        <p:spPr>
+          <a:xfrm>
+            <a:off x="423862" y="3539057"/>
+            <a:ext cx="8210747" cy="369332"/>
+          </a:xfrm>
+          <a:prstGeom prst="rect">
+            <a:avLst/>
+          </a:prstGeom>
+          <a:noFill/>
+        </p:spPr>
+        <p:txBody>
+          <a:bodyPr wrap="square" rtlCol="0">
+            <a:spAutoFit/>
+          </a:bodyPr>
+          <a:lstStyle/>
+          <a:p>
+            <a:r>
+              <a:rPr lang="it-IT" b="1" i="1" dirty="0"/>
+              <a:t>API gateway and BFF </a:t>
+            </a:r>
+            <a:r>
+              <a:rPr lang="it-IT" sz="1400" dirty="0"/>
+              <a:t>(</a:t>
+            </a:r>
+            <a:r>
+              <a:rPr lang="it-IT" sz="1400" dirty="0" err="1"/>
+              <a:t>intermediary</a:t>
+            </a:r>
+            <a:r>
+              <a:rPr lang="it-IT" sz="1400" dirty="0"/>
+              <a:t> component to deals with contract </a:t>
+            </a:r>
+            <a:r>
+              <a:rPr lang="it-IT" sz="1400" dirty="0" err="1"/>
+              <a:t>between</a:t>
+            </a:r>
+            <a:r>
+              <a:rPr lang="it-IT" sz="1400" dirty="0"/>
+              <a:t> clients and </a:t>
+            </a:r>
+            <a:r>
+              <a:rPr lang="it-IT" sz="1400" dirty="0" err="1"/>
+              <a:t>services</a:t>
+            </a:r>
+            <a:r>
+              <a:rPr lang="it-IT" sz="1400" dirty="0"/>
+              <a:t>)</a:t>
+            </a:r>
+            <a:endParaRPr lang="en-GB" sz="1400" b="1" dirty="0"/>
+          </a:p>
+        </p:txBody>
+      </p:sp>
+      <p:sp>
+        <p:nvSpPr>
+          <p:cNvPr id="13" name="TextBox 12">
+            <a:extLst>
+              <a:ext uri="{FF2B5EF4-FFF2-40B4-BE49-F238E27FC236}">
+                <a16:creationId xmlns:a16="http://schemas.microsoft.com/office/drawing/2014/main" id="{523BB7BB-AA00-495C-ABB8-FA0EFFD320F6}"/>
+              </a:ext>
+            </a:extLst>
+          </p:cNvPr>
+          <p:cNvSpPr txBox="1"/>
+          <p:nvPr/>
+        </p:nvSpPr>
+        <p:spPr>
+          <a:xfrm>
+            <a:off x="423858" y="3993125"/>
+            <a:ext cx="8210747" cy="369332"/>
+          </a:xfrm>
+          <a:prstGeom prst="rect">
+            <a:avLst/>
+          </a:prstGeom>
+          <a:noFill/>
+        </p:spPr>
+        <p:txBody>
+          <a:bodyPr wrap="square" rtlCol="0">
+            <a:spAutoFit/>
+          </a:bodyPr>
+          <a:lstStyle/>
+          <a:p>
+            <a:r>
+              <a:rPr lang="it-IT" b="1" i="1" dirty="0"/>
+              <a:t>Contract-first design </a:t>
+            </a:r>
+            <a:r>
+              <a:rPr lang="it-IT" sz="1400" dirty="0"/>
+              <a:t>(</a:t>
+            </a:r>
+            <a:r>
+              <a:rPr lang="it-IT" sz="1400" dirty="0" err="1"/>
+              <a:t>designing</a:t>
+            </a:r>
+            <a:r>
+              <a:rPr lang="it-IT" sz="1400" dirty="0"/>
+              <a:t> the contract </a:t>
+            </a:r>
+            <a:r>
+              <a:rPr lang="it-IT" sz="1400" dirty="0" err="1"/>
+              <a:t>independently</a:t>
+            </a:r>
+            <a:r>
+              <a:rPr lang="it-IT" sz="1400" dirty="0"/>
+              <a:t> of </a:t>
+            </a:r>
+            <a:r>
+              <a:rPr lang="it-IT" sz="1400" dirty="0" err="1"/>
+              <a:t>any</a:t>
+            </a:r>
+            <a:r>
+              <a:rPr lang="it-IT" sz="1400" dirty="0"/>
+              <a:t> </a:t>
+            </a:r>
+            <a:r>
+              <a:rPr lang="it-IT" sz="1400" dirty="0" err="1"/>
+              <a:t>existing</a:t>
+            </a:r>
+            <a:r>
+              <a:rPr lang="it-IT" sz="1400" dirty="0"/>
+              <a:t> code)</a:t>
+            </a:r>
+            <a:endParaRPr lang="en-GB" sz="1400" b="1" dirty="0"/>
+          </a:p>
+        </p:txBody>
+      </p:sp>
+      <p:sp>
+        <p:nvSpPr>
+          <p:cNvPr id="14" name="TextBox 13">
+            <a:extLst>
+              <a:ext uri="{FF2B5EF4-FFF2-40B4-BE49-F238E27FC236}">
+                <a16:creationId xmlns:a16="http://schemas.microsoft.com/office/drawing/2014/main" id="{B0B6AEE2-CE2A-4BF9-BD93-BDA6B39327E8}"/>
+              </a:ext>
+            </a:extLst>
+          </p:cNvPr>
+          <p:cNvSpPr txBox="1"/>
+          <p:nvPr/>
+        </p:nvSpPr>
+        <p:spPr>
+          <a:xfrm>
+            <a:off x="423857" y="4441691"/>
+            <a:ext cx="8210747" cy="369332"/>
+          </a:xfrm>
+          <a:prstGeom prst="rect">
+            <a:avLst/>
+          </a:prstGeom>
+          <a:noFill/>
+        </p:spPr>
+        <p:txBody>
+          <a:bodyPr wrap="square" rtlCol="0">
+            <a:spAutoFit/>
+          </a:bodyPr>
+          <a:lstStyle/>
+          <a:p>
+            <a:r>
+              <a:rPr lang="it-IT" b="1" i="1" dirty="0" err="1"/>
+              <a:t>Hypermedia</a:t>
+            </a:r>
+            <a:r>
+              <a:rPr lang="it-IT" b="1" i="1" dirty="0"/>
+              <a:t> </a:t>
+            </a:r>
+            <a:r>
+              <a:rPr lang="it-IT" sz="1400" dirty="0"/>
+              <a:t>(</a:t>
+            </a:r>
+            <a:r>
+              <a:rPr lang="it-IT" sz="1400" b="1" i="1" dirty="0" err="1"/>
+              <a:t>hateoas</a:t>
+            </a:r>
+            <a:r>
+              <a:rPr lang="it-IT" sz="1400" dirty="0"/>
+              <a:t> to help clients to be more </a:t>
+            </a:r>
+            <a:r>
+              <a:rPr lang="it-IT" sz="1400" dirty="0" err="1"/>
+              <a:t>independend</a:t>
+            </a:r>
+            <a:r>
+              <a:rPr lang="it-IT" sz="1400" dirty="0"/>
+              <a:t> of service endpoint)</a:t>
+            </a:r>
+            <a:endParaRPr lang="en-GB" sz="1400" b="1" dirty="0"/>
+          </a:p>
+        </p:txBody>
+      </p:sp>
+      <p:sp>
+        <p:nvSpPr>
+          <p:cNvPr id="15" name="TextBox 14">
+            <a:extLst>
+              <a:ext uri="{FF2B5EF4-FFF2-40B4-BE49-F238E27FC236}">
+                <a16:creationId xmlns:a16="http://schemas.microsoft.com/office/drawing/2014/main" id="{61418826-9FC3-4DB2-A70B-1BF92016EAB8}"/>
+              </a:ext>
+            </a:extLst>
+          </p:cNvPr>
+          <p:cNvSpPr txBox="1"/>
+          <p:nvPr/>
+        </p:nvSpPr>
+        <p:spPr>
+          <a:xfrm>
+            <a:off x="423862" y="4890257"/>
+            <a:ext cx="8210747" cy="369332"/>
+          </a:xfrm>
+          <a:prstGeom prst="rect">
+            <a:avLst/>
+          </a:prstGeom>
+          <a:noFill/>
+        </p:spPr>
+        <p:txBody>
+          <a:bodyPr wrap="square" rtlCol="0">
+            <a:spAutoFit/>
+          </a:bodyPr>
+          <a:lstStyle/>
+          <a:p>
+            <a:r>
+              <a:rPr lang="it-IT" b="1" i="1" dirty="0"/>
+              <a:t>Adapter/Wrapper </a:t>
+            </a:r>
+            <a:r>
+              <a:rPr lang="it-IT" b="1" i="1" dirty="0" err="1"/>
+              <a:t>patterns</a:t>
+            </a:r>
+            <a:r>
+              <a:rPr lang="it-IT" b="1" i="1" dirty="0"/>
+              <a:t> </a:t>
+            </a:r>
+            <a:r>
+              <a:rPr lang="it-IT" sz="1400" dirty="0"/>
+              <a:t>(code </a:t>
+            </a:r>
+            <a:r>
+              <a:rPr lang="it-IT" sz="1400" dirty="0" err="1"/>
+              <a:t>is</a:t>
+            </a:r>
+            <a:r>
+              <a:rPr lang="it-IT" sz="1400" dirty="0"/>
+              <a:t> </a:t>
+            </a:r>
+            <a:r>
+              <a:rPr lang="it-IT" sz="1400" dirty="0" err="1"/>
+              <a:t>not</a:t>
+            </a:r>
+            <a:r>
+              <a:rPr lang="it-IT" sz="1400" dirty="0"/>
+              <a:t> </a:t>
+            </a:r>
+            <a:r>
+              <a:rPr lang="it-IT" sz="1400" dirty="0" err="1"/>
+              <a:t>dependend</a:t>
+            </a:r>
+            <a:r>
+              <a:rPr lang="it-IT" sz="1400" dirty="0"/>
+              <a:t> from concrete implementation)</a:t>
+            </a:r>
+            <a:endParaRPr lang="en-GB" sz="1400" b="1" dirty="0"/>
+          </a:p>
+        </p:txBody>
+      </p:sp>
+      <p:sp>
+        <p:nvSpPr>
+          <p:cNvPr id="16" name="TextBox 15">
+            <a:extLst>
+              <a:ext uri="{FF2B5EF4-FFF2-40B4-BE49-F238E27FC236}">
+                <a16:creationId xmlns:a16="http://schemas.microsoft.com/office/drawing/2014/main" id="{8994139B-29CB-48FE-8F01-059DCF8D38A1}"/>
+              </a:ext>
+            </a:extLst>
+          </p:cNvPr>
+          <p:cNvSpPr txBox="1"/>
+          <p:nvPr/>
+        </p:nvSpPr>
+        <p:spPr>
+          <a:xfrm>
+            <a:off x="423862" y="5346281"/>
+            <a:ext cx="8210747" cy="369332"/>
+          </a:xfrm>
+          <a:prstGeom prst="rect">
+            <a:avLst/>
+          </a:prstGeom>
+          <a:noFill/>
+        </p:spPr>
+        <p:txBody>
+          <a:bodyPr wrap="square" rtlCol="0">
+            <a:spAutoFit/>
+          </a:bodyPr>
+          <a:lstStyle/>
+          <a:p>
+            <a:r>
+              <a:rPr lang="it-IT" b="1" i="1" dirty="0"/>
+              <a:t>Database per </a:t>
+            </a:r>
+            <a:r>
+              <a:rPr lang="it-IT" b="1" i="1" dirty="0" err="1"/>
+              <a:t>Microsertvice</a:t>
+            </a:r>
+            <a:r>
+              <a:rPr lang="it-IT" b="1" i="1" dirty="0"/>
+              <a:t> pattern </a:t>
+            </a:r>
+            <a:r>
+              <a:rPr lang="it-IT" sz="1400" dirty="0"/>
+              <a:t>(to </a:t>
+            </a:r>
+            <a:r>
+              <a:rPr lang="it-IT" sz="1400" dirty="0" err="1"/>
+              <a:t>avoid</a:t>
+            </a:r>
+            <a:r>
+              <a:rPr lang="it-IT" sz="1400" dirty="0"/>
+              <a:t> direct </a:t>
+            </a:r>
+            <a:r>
+              <a:rPr lang="it-IT" sz="1400" dirty="0" err="1"/>
+              <a:t>coupling</a:t>
+            </a:r>
+            <a:r>
+              <a:rPr lang="it-IT" sz="1400" dirty="0"/>
+              <a:t> to </a:t>
+            </a:r>
+            <a:r>
+              <a:rPr lang="it-IT" sz="1400" dirty="0" err="1"/>
+              <a:t>shared</a:t>
+            </a:r>
+            <a:r>
+              <a:rPr lang="it-IT" sz="1400" dirty="0"/>
+              <a:t> </a:t>
+            </a:r>
+            <a:r>
+              <a:rPr lang="it-IT" sz="1400" dirty="0" err="1"/>
+              <a:t>databases</a:t>
+            </a:r>
+            <a:r>
+              <a:rPr lang="it-IT" sz="1400" dirty="0"/>
+              <a:t>)</a:t>
+            </a:r>
+            <a:endParaRPr lang="en-GB" sz="1400" b="1" dirty="0"/>
           </a:p>
         </p:txBody>
       </p:sp>
     </p:spTree>
     <p:extLst>
       <p:ext uri="{BB962C8B-B14F-4D97-AF65-F5344CB8AC3E}">
-        <p14:creationId xmlns:p14="http://schemas.microsoft.com/office/powerpoint/2010/main" val="3590855284"/>
+        <p14:creationId xmlns:p14="http://schemas.microsoft.com/office/powerpoint/2010/main" val="580874257"/>
       </p:ext>
     </p:extLst>
   </p:cSld>
   <p:clrMapOvr>
     <a:masterClrMapping/>
   </p:clrMapOvr>
+  <p:timing>
+    <p:tnLst>
+      <p:par>
+        <p:cTn id="1" dur="indefinite" restart="never" nodeType="tmRoot">
+          <p:childTnLst>
+            <p:seq concurrent="1" nextAc="seek">
+              <p:cTn id="2" dur="indefinite" nodeType="mainSeq">
+                <p:childTnLst>
+                  <p:par>
+                    <p:cTn id="3" fill="hold">
+                      <p:stCondLst>
+                        <p:cond delay="indefinite"/>
+                      </p:stCondLst>
+                      <p:childTnLst>
+                        <p:par>
+                          <p:cTn id="4" fill="hold">
+                            <p:stCondLst>
+                              <p:cond delay="0"/>
+                            </p:stCondLst>
+                            <p:childTnLst>
+                              <p:par>
+                                <p:cTn id="5" presetID="10" presetClass="entr" presetSubtype="0" fill="hold" grpId="0" nodeType="clickEffect">
+                                  <p:stCondLst>
+                                    <p:cond delay="0"/>
+                                  </p:stCondLst>
+                                  <p:childTnLst>
+                                    <p:set>
+                                      <p:cBhvr>
+                                        <p:cTn id="6" dur="1" fill="hold">
+                                          <p:stCondLst>
+                                            <p:cond delay="0"/>
+                                          </p:stCondLst>
+                                        </p:cTn>
+                                        <p:tgtEl>
+                                          <p:spTgt spid="11"/>
+                                        </p:tgtEl>
+                                        <p:attrNameLst>
+                                          <p:attrName>style.visibility</p:attrName>
+                                        </p:attrNameLst>
+                                      </p:cBhvr>
+                                      <p:to>
+                                        <p:strVal val="visible"/>
+                                      </p:to>
+                                    </p:set>
+                                    <p:animEffect transition="in" filter="fade">
+                                      <p:cBhvr>
+                                        <p:cTn id="7" dur="500"/>
+                                        <p:tgtEl>
+                                          <p:spTgt spid="11"/>
+                                        </p:tgtEl>
+                                      </p:cBhvr>
+                                    </p:animEffect>
+                                  </p:childTnLst>
+                                </p:cTn>
+                              </p:par>
+                            </p:childTnLst>
+                          </p:cTn>
+                        </p:par>
+                      </p:childTnLst>
+                    </p:cTn>
+                  </p:par>
+                  <p:par>
+                    <p:cTn id="8" fill="hold">
+                      <p:stCondLst>
+                        <p:cond delay="indefinite"/>
+                      </p:stCondLst>
+                      <p:childTnLst>
+                        <p:par>
+                          <p:cTn id="9" fill="hold">
+                            <p:stCondLst>
+                              <p:cond delay="0"/>
+                            </p:stCondLst>
+                            <p:childTnLst>
+                              <p:par>
+                                <p:cTn id="10" presetID="10" presetClass="entr" presetSubtype="0" fill="hold" grpId="0" nodeType="clickEffect">
+                                  <p:stCondLst>
+                                    <p:cond delay="0"/>
+                                  </p:stCondLst>
+                                  <p:childTnLst>
+                                    <p:set>
+                                      <p:cBhvr>
+                                        <p:cTn id="11" dur="1" fill="hold">
+                                          <p:stCondLst>
+                                            <p:cond delay="0"/>
+                                          </p:stCondLst>
+                                        </p:cTn>
+                                        <p:tgtEl>
+                                          <p:spTgt spid="12"/>
+                                        </p:tgtEl>
+                                        <p:attrNameLst>
+                                          <p:attrName>style.visibility</p:attrName>
+                                        </p:attrNameLst>
+                                      </p:cBhvr>
+                                      <p:to>
+                                        <p:strVal val="visible"/>
+                                      </p:to>
+                                    </p:set>
+                                    <p:animEffect transition="in" filter="fade">
+                                      <p:cBhvr>
+                                        <p:cTn id="12" dur="500"/>
+                                        <p:tgtEl>
+                                          <p:spTgt spid="12"/>
+                                        </p:tgtEl>
+                                      </p:cBhvr>
+                                    </p:animEffect>
+                                  </p:childTnLst>
+                                </p:cTn>
+                              </p:par>
+                            </p:childTnLst>
+                          </p:cTn>
+                        </p:par>
+                      </p:childTnLst>
+                    </p:cTn>
+                  </p:par>
+                  <p:par>
+                    <p:cTn id="13" fill="hold">
+                      <p:stCondLst>
+                        <p:cond delay="indefinite"/>
+                      </p:stCondLst>
+                      <p:childTnLst>
+                        <p:par>
+                          <p:cTn id="14" fill="hold">
+                            <p:stCondLst>
+                              <p:cond delay="0"/>
+                            </p:stCondLst>
+                            <p:childTnLst>
+                              <p:par>
+                                <p:cTn id="15" presetID="10" presetClass="entr" presetSubtype="0" fill="hold" grpId="0" nodeType="clickEffect">
+                                  <p:stCondLst>
+                                    <p:cond delay="0"/>
+                                  </p:stCondLst>
+                                  <p:childTnLst>
+                                    <p:set>
+                                      <p:cBhvr>
+                                        <p:cTn id="16" dur="1" fill="hold">
+                                          <p:stCondLst>
+                                            <p:cond delay="0"/>
+                                          </p:stCondLst>
+                                        </p:cTn>
+                                        <p:tgtEl>
+                                          <p:spTgt spid="13"/>
+                                        </p:tgtEl>
+                                        <p:attrNameLst>
+                                          <p:attrName>style.visibility</p:attrName>
+                                        </p:attrNameLst>
+                                      </p:cBhvr>
+                                      <p:to>
+                                        <p:strVal val="visible"/>
+                                      </p:to>
+                                    </p:set>
+                                    <p:animEffect transition="in" filter="fade">
+                                      <p:cBhvr>
+                                        <p:cTn id="17" dur="500"/>
+                                        <p:tgtEl>
+                                          <p:spTgt spid="13"/>
+                                        </p:tgtEl>
+                                      </p:cBhvr>
+                                    </p:animEffect>
+                                  </p:childTnLst>
+                                </p:cTn>
+                              </p:par>
+                            </p:childTnLst>
+                          </p:cTn>
+                        </p:par>
+                      </p:childTnLst>
+                    </p:cTn>
+                  </p:par>
+                  <p:par>
+                    <p:cTn id="18" fill="hold">
+                      <p:stCondLst>
+                        <p:cond delay="indefinite"/>
+                      </p:stCondLst>
+                      <p:childTnLst>
+                        <p:par>
+                          <p:cTn id="19" fill="hold">
+                            <p:stCondLst>
+                              <p:cond delay="0"/>
+                            </p:stCondLst>
+                            <p:childTnLst>
+                              <p:par>
+                                <p:cTn id="20" presetID="10" presetClass="entr" presetSubtype="0" fill="hold" grpId="0" nodeType="clickEffect">
+                                  <p:stCondLst>
+                                    <p:cond delay="0"/>
+                                  </p:stCondLst>
+                                  <p:childTnLst>
+                                    <p:set>
+                                      <p:cBhvr>
+                                        <p:cTn id="21" dur="1" fill="hold">
+                                          <p:stCondLst>
+                                            <p:cond delay="0"/>
+                                          </p:stCondLst>
+                                        </p:cTn>
+                                        <p:tgtEl>
+                                          <p:spTgt spid="14"/>
+                                        </p:tgtEl>
+                                        <p:attrNameLst>
+                                          <p:attrName>style.visibility</p:attrName>
+                                        </p:attrNameLst>
+                                      </p:cBhvr>
+                                      <p:to>
+                                        <p:strVal val="visible"/>
+                                      </p:to>
+                                    </p:set>
+                                    <p:animEffect transition="in" filter="fade">
+                                      <p:cBhvr>
+                                        <p:cTn id="22" dur="500"/>
+                                        <p:tgtEl>
+                                          <p:spTgt spid="14"/>
+                                        </p:tgtEl>
+                                      </p:cBhvr>
+                                    </p:animEffect>
+                                  </p:childTnLst>
+                                </p:cTn>
+                              </p:par>
+                            </p:childTnLst>
+                          </p:cTn>
+                        </p:par>
+                      </p:childTnLst>
+                    </p:cTn>
+                  </p:par>
+                  <p:par>
+                    <p:cTn id="23" fill="hold">
+                      <p:stCondLst>
+                        <p:cond delay="indefinite"/>
+                      </p:stCondLst>
+                      <p:childTnLst>
+                        <p:par>
+                          <p:cTn id="24" fill="hold">
+                            <p:stCondLst>
+                              <p:cond delay="0"/>
+                            </p:stCondLst>
+                            <p:childTnLst>
+                              <p:par>
+                                <p:cTn id="25" presetID="10" presetClass="entr" presetSubtype="0" fill="hold" grpId="0" nodeType="clickEffect">
+                                  <p:stCondLst>
+                                    <p:cond delay="0"/>
+                                  </p:stCondLst>
+                                  <p:childTnLst>
+                                    <p:set>
+                                      <p:cBhvr>
+                                        <p:cTn id="26" dur="1" fill="hold">
+                                          <p:stCondLst>
+                                            <p:cond delay="0"/>
+                                          </p:stCondLst>
+                                        </p:cTn>
+                                        <p:tgtEl>
+                                          <p:spTgt spid="15"/>
+                                        </p:tgtEl>
+                                        <p:attrNameLst>
+                                          <p:attrName>style.visibility</p:attrName>
+                                        </p:attrNameLst>
+                                      </p:cBhvr>
+                                      <p:to>
+                                        <p:strVal val="visible"/>
+                                      </p:to>
+                                    </p:set>
+                                    <p:animEffect transition="in" filter="fade">
+                                      <p:cBhvr>
+                                        <p:cTn id="27" dur="500"/>
+                                        <p:tgtEl>
+                                          <p:spTgt spid="15"/>
+                                        </p:tgtEl>
+                                      </p:cBhvr>
+                                    </p:animEffect>
+                                  </p:childTnLst>
+                                </p:cTn>
+                              </p:par>
+                            </p:childTnLst>
+                          </p:cTn>
+                        </p:par>
+                      </p:childTnLst>
+                    </p:cTn>
+                  </p:par>
+                  <p:par>
+                    <p:cTn id="28" fill="hold">
+                      <p:stCondLst>
+                        <p:cond delay="indefinite"/>
+                      </p:stCondLst>
+                      <p:childTnLst>
+                        <p:par>
+                          <p:cTn id="29" fill="hold">
+                            <p:stCondLst>
+                              <p:cond delay="0"/>
+                            </p:stCondLst>
+                            <p:childTnLst>
+                              <p:par>
+                                <p:cTn id="30" presetID="10" presetClass="entr" presetSubtype="0" fill="hold" grpId="0" nodeType="clickEffect">
+                                  <p:stCondLst>
+                                    <p:cond delay="0"/>
+                                  </p:stCondLst>
+                                  <p:childTnLst>
+                                    <p:set>
+                                      <p:cBhvr>
+                                        <p:cTn id="31" dur="1" fill="hold">
+                                          <p:stCondLst>
+                                            <p:cond delay="0"/>
+                                          </p:stCondLst>
+                                        </p:cTn>
+                                        <p:tgtEl>
+                                          <p:spTgt spid="16"/>
+                                        </p:tgtEl>
+                                        <p:attrNameLst>
+                                          <p:attrName>style.visibility</p:attrName>
+                                        </p:attrNameLst>
+                                      </p:cBhvr>
+                                      <p:to>
+                                        <p:strVal val="visible"/>
+                                      </p:to>
+                                    </p:set>
+                                    <p:animEffect transition="in" filter="fade">
+                                      <p:cBhvr>
+                                        <p:cTn id="32" dur="500"/>
+                                        <p:tgtEl>
+                                          <p:spTgt spid="16"/>
+                                        </p:tgtEl>
+                                      </p:cBhvr>
+                                    </p:animEffect>
+                                  </p:childTnLst>
+                                </p:cTn>
+                              </p:par>
+                            </p:childTnLst>
+                          </p:cTn>
+                        </p:par>
+                      </p:childTnLst>
+                    </p:cTn>
+                  </p:par>
+                </p:childTnLst>
+              </p:cTn>
+              <p:prevCondLst>
+                <p:cond evt="onPrev" delay="0">
+                  <p:tgtEl>
+                    <p:sldTgt/>
+                  </p:tgtEl>
+                </p:cond>
+              </p:prevCondLst>
+              <p:nextCondLst>
+                <p:cond evt="onNext" delay="0">
+                  <p:tgtEl>
+                    <p:sldTgt/>
+                  </p:tgtEl>
+                </p:cond>
+              </p:nextCondLst>
+            </p:seq>
+          </p:childTnLst>
+        </p:cTn>
+      </p:par>
+    </p:tnLst>
+    <p:bldLst>
+      <p:bldP spid="11" grpId="0"/>
+      <p:bldP spid="12" grpId="0"/>
+      <p:bldP spid="13" grpId="0"/>
+      <p:bldP spid="14" grpId="0"/>
+      <p:bldP spid="15" grpId="0"/>
+      <p:bldP spid="16" grpId="0"/>
+    </p:bldLst>
+  </p:timing>
 </p:sld>
 </file>
 
@@ -20295,91 +22518,18 @@
           <a:p>
             <a:r>
               <a:rPr lang="en-US" dirty="0"/>
-              <a:t>IDEALS Principles</a:t>
+              <a:t>Single Responsibility</a:t>
             </a:r>
           </a:p>
           <a:p>
             <a:endParaRPr lang="en-US" dirty="0"/>
-          </a:p>
-        </p:txBody>
-      </p:sp>
-      <p:sp>
-        <p:nvSpPr>
-          <p:cNvPr id="5" name="TextBox 4"/>
-          <p:cNvSpPr txBox="1"/>
-          <p:nvPr/>
-        </p:nvSpPr>
-        <p:spPr>
-          <a:xfrm>
-            <a:off x="621372" y="1859340"/>
-            <a:ext cx="8210747" cy="2554545"/>
-          </a:xfrm>
-          <a:prstGeom prst="rect">
-            <a:avLst/>
-          </a:prstGeom>
-          <a:noFill/>
-        </p:spPr>
-        <p:txBody>
-          <a:bodyPr wrap="square" rtlCol="0">
-            <a:spAutoFit/>
-          </a:bodyPr>
-          <a:lstStyle/>
-          <a:p>
-            <a:endParaRPr lang="en-GB" sz="1600" u="sng" dirty="0">
-              <a:latin typeface="Chronicle Display" pitchFamily="50" charset="0"/>
-            </a:endParaRPr>
-          </a:p>
-          <a:p>
-            <a:endParaRPr lang="en-GB" sz="1600" u="sng" dirty="0">
-              <a:latin typeface="Chronicle Display" pitchFamily="50" charset="0"/>
-            </a:endParaRPr>
-          </a:p>
-          <a:p>
-            <a:r>
-              <a:rPr lang="en-GB" sz="3200" b="1" i="1" dirty="0">
-                <a:latin typeface="Chronicle Display" pitchFamily="50" charset="0"/>
-              </a:rPr>
-              <a:t>Resources</a:t>
-            </a:r>
-          </a:p>
-          <a:p>
-            <a:endParaRPr lang="en-GB" sz="3200" b="1" i="1" dirty="0">
-              <a:latin typeface="Chronicle Display" pitchFamily="50" charset="0"/>
-            </a:endParaRPr>
-          </a:p>
-          <a:p>
-            <a:endParaRPr lang="en-GB" sz="1600" dirty="0">
-              <a:latin typeface="Chronicle Display" pitchFamily="50" charset="0"/>
-            </a:endParaRPr>
-          </a:p>
-          <a:p>
-            <a:r>
-              <a:rPr lang="en-GB" sz="1600" b="1" i="1" dirty="0">
-                <a:latin typeface="Chronicle Display" pitchFamily="50" charset="0"/>
-                <a:hlinkClick r:id="rId3"/>
-              </a:rPr>
-              <a:t>https://www.infoq.com/articles/microservices-design-ideals/</a:t>
-            </a:r>
-            <a:endParaRPr lang="en-GB" sz="1600" b="1" i="1" dirty="0">
-              <a:latin typeface="Chronicle Display" pitchFamily="50" charset="0"/>
-            </a:endParaRPr>
-          </a:p>
-          <a:p>
-            <a:endParaRPr lang="en-GB" sz="1600" dirty="0">
-              <a:latin typeface="Chronicle Display" pitchFamily="50" charset="0"/>
-            </a:endParaRPr>
-          </a:p>
-          <a:p>
-            <a:endParaRPr lang="en-GB" sz="1600" dirty="0">
-              <a:latin typeface="Chronicle Display" pitchFamily="50" charset="0"/>
-            </a:endParaRPr>
           </a:p>
         </p:txBody>
       </p:sp>
     </p:spTree>
     <p:extLst>
       <p:ext uri="{BB962C8B-B14F-4D97-AF65-F5344CB8AC3E}">
-        <p14:creationId xmlns:p14="http://schemas.microsoft.com/office/powerpoint/2010/main" val="3371919035"/>
+        <p14:creationId xmlns:p14="http://schemas.microsoft.com/office/powerpoint/2010/main" val="3590855284"/>
       </p:ext>
     </p:extLst>
   </p:cSld>
@@ -20468,6 +22618,134 @@
     <p:extLst>
       <p:ext uri="{BB962C8B-B14F-4D97-AF65-F5344CB8AC3E}">
         <p14:creationId xmlns:p14="http://schemas.microsoft.com/office/powerpoint/2010/main" val="2045971338"/>
+      </p:ext>
+    </p:extLst>
+  </p:cSld>
+  <p:clrMapOvr>
+    <a:masterClrMapping/>
+  </p:clrMapOvr>
+</p:sld>
+</file>
+
+<file path=ppt/slides/slide50.xml><?xml version="1.0" encoding="utf-8"?>
+<p:sld xmlns:a="http://schemas.openxmlformats.org/drawingml/2006/main" xmlns:r="http://schemas.openxmlformats.org/officeDocument/2006/relationships" xmlns:p="http://schemas.openxmlformats.org/presentationml/2006/main">
+  <p:cSld>
+    <p:spTree>
+      <p:nvGrpSpPr>
+        <p:cNvPr id="1" name=""/>
+        <p:cNvGrpSpPr/>
+        <p:nvPr/>
+      </p:nvGrpSpPr>
+      <p:grpSpPr>
+        <a:xfrm>
+          <a:off x="0" y="0"/>
+          <a:ext cx="0" cy="0"/>
+          <a:chOff x="0" y="0"/>
+          <a:chExt cx="0" cy="0"/>
+        </a:xfrm>
+      </p:grpSpPr>
+      <p:sp>
+        <p:nvSpPr>
+          <p:cNvPr id="2" name="Text Placeholder 1"/>
+          <p:cNvSpPr>
+            <a:spLocks noGrp="1"/>
+          </p:cNvSpPr>
+          <p:nvPr>
+            <p:ph type="body" sz="quarter" idx="11"/>
+          </p:nvPr>
+        </p:nvSpPr>
+        <p:spPr/>
+        <p:txBody>
+          <a:bodyPr/>
+          <a:lstStyle/>
+          <a:p>
+            <a:r>
+              <a:rPr lang="en-US" dirty="0"/>
+              <a:t>IDEALS Principles</a:t>
+            </a:r>
+          </a:p>
+          <a:p>
+            <a:endParaRPr lang="en-US" dirty="0"/>
+          </a:p>
+        </p:txBody>
+      </p:sp>
+      <p:sp>
+        <p:nvSpPr>
+          <p:cNvPr id="5" name="TextBox 4"/>
+          <p:cNvSpPr txBox="1"/>
+          <p:nvPr/>
+        </p:nvSpPr>
+        <p:spPr>
+          <a:xfrm>
+            <a:off x="621372" y="1859340"/>
+            <a:ext cx="8210747" cy="2554545"/>
+          </a:xfrm>
+          <a:prstGeom prst="rect">
+            <a:avLst/>
+          </a:prstGeom>
+          <a:noFill/>
+        </p:spPr>
+        <p:txBody>
+          <a:bodyPr wrap="square" rtlCol="0">
+            <a:spAutoFit/>
+          </a:bodyPr>
+          <a:lstStyle/>
+          <a:p>
+            <a:endParaRPr lang="en-GB" sz="1600" u="sng" dirty="0">
+              <a:latin typeface="Chronicle Display" pitchFamily="50" charset="0"/>
+            </a:endParaRPr>
+          </a:p>
+          <a:p>
+            <a:endParaRPr lang="en-GB" sz="1600" u="sng" dirty="0">
+              <a:latin typeface="Chronicle Display" pitchFamily="50" charset="0"/>
+            </a:endParaRPr>
+          </a:p>
+          <a:p>
+            <a:r>
+              <a:rPr lang="en-GB" sz="3200" b="1" i="1" dirty="0">
+                <a:latin typeface="Chronicle Display" pitchFamily="50" charset="0"/>
+              </a:rPr>
+              <a:t>Resources</a:t>
+            </a:r>
+          </a:p>
+          <a:p>
+            <a:endParaRPr lang="en-GB" sz="3200" b="1" i="1" dirty="0">
+              <a:latin typeface="Chronicle Display" pitchFamily="50" charset="0"/>
+            </a:endParaRPr>
+          </a:p>
+          <a:p>
+            <a:endParaRPr lang="en-GB" sz="1600" dirty="0">
+              <a:latin typeface="Chronicle Display" pitchFamily="50" charset="0"/>
+            </a:endParaRPr>
+          </a:p>
+          <a:p>
+            <a:r>
+              <a:rPr lang="en-GB" sz="1600" b="1" i="1" dirty="0">
+                <a:latin typeface="Chronicle Display" pitchFamily="50" charset="0"/>
+                <a:hlinkClick r:id="rId3"/>
+              </a:rPr>
+              <a:t>https://www.infoq.com/articles/microservices-design-ideals/</a:t>
+            </a:r>
+            <a:endParaRPr lang="en-GB" sz="1600" b="1" i="1" dirty="0">
+              <a:latin typeface="Chronicle Display" pitchFamily="50" charset="0"/>
+            </a:endParaRPr>
+          </a:p>
+          <a:p>
+            <a:endParaRPr lang="en-GB" sz="1600" dirty="0">
+              <a:latin typeface="Chronicle Display" pitchFamily="50" charset="0"/>
+            </a:endParaRPr>
+          </a:p>
+          <a:p>
+            <a:endParaRPr lang="en-GB" sz="1600" dirty="0">
+              <a:latin typeface="Chronicle Display" pitchFamily="50" charset="0"/>
+            </a:endParaRPr>
+          </a:p>
+        </p:txBody>
+      </p:sp>
+    </p:spTree>
+    <p:extLst>
+      <p:ext uri="{BB962C8B-B14F-4D97-AF65-F5344CB8AC3E}">
+        <p14:creationId xmlns:p14="http://schemas.microsoft.com/office/powerpoint/2010/main" val="3371919035"/>
       </p:ext>
     </p:extLst>
   </p:cSld>

--- a/docs/solid.pptx
+++ b/docs/solid.pptx
@@ -5,10 +5,10 @@
     <p:sldMasterId id="2147483650" r:id="rId1"/>
   </p:sldMasterIdLst>
   <p:notesMasterIdLst>
-    <p:notesMasterId r:id="rId52"/>
+    <p:notesMasterId r:id="rId55"/>
   </p:notesMasterIdLst>
   <p:handoutMasterIdLst>
-    <p:handoutMasterId r:id="rId53"/>
+    <p:handoutMasterId r:id="rId56"/>
   </p:handoutMasterIdLst>
   <p:sldIdLst>
     <p:sldId id="309" r:id="rId2"/>
@@ -57,10 +57,13 @@
     <p:sldId id="340" r:id="rId45"/>
     <p:sldId id="342" r:id="rId46"/>
     <p:sldId id="334" r:id="rId47"/>
-    <p:sldId id="335" r:id="rId48"/>
-    <p:sldId id="344" r:id="rId49"/>
-    <p:sldId id="343" r:id="rId50"/>
-    <p:sldId id="330" r:id="rId51"/>
+    <p:sldId id="343" r:id="rId48"/>
+    <p:sldId id="346" r:id="rId49"/>
+    <p:sldId id="347" r:id="rId50"/>
+    <p:sldId id="335" r:id="rId51"/>
+    <p:sldId id="344" r:id="rId52"/>
+    <p:sldId id="345" r:id="rId53"/>
+    <p:sldId id="330" r:id="rId54"/>
   </p:sldIdLst>
   <p:sldSz cx="9144000" cy="6858000" type="screen4x3"/>
   <p:notesSz cx="6858000" cy="9144000"/>
@@ -4714,7 +4717,7 @@
     </p:spTree>
     <p:extLst>
       <p:ext uri="{BB962C8B-B14F-4D97-AF65-F5344CB8AC3E}">
-        <p14:creationId xmlns:p14="http://schemas.microsoft.com/office/powerpoint/2010/main" val="2866667866"/>
+        <p14:creationId xmlns:p14="http://schemas.microsoft.com/office/powerpoint/2010/main" val="3060836967"/>
       </p:ext>
     </p:extLst>
   </p:cSld>
@@ -4806,7 +4809,7 @@
     </p:spTree>
     <p:extLst>
       <p:ext uri="{BB962C8B-B14F-4D97-AF65-F5344CB8AC3E}">
-        <p14:creationId xmlns:p14="http://schemas.microsoft.com/office/powerpoint/2010/main" val="138877905"/>
+        <p14:creationId xmlns:p14="http://schemas.microsoft.com/office/powerpoint/2010/main" val="2311791083"/>
       </p:ext>
     </p:extLst>
   </p:cSld>
@@ -4898,7 +4901,7 @@
     </p:spTree>
     <p:extLst>
       <p:ext uri="{BB962C8B-B14F-4D97-AF65-F5344CB8AC3E}">
-        <p14:creationId xmlns:p14="http://schemas.microsoft.com/office/powerpoint/2010/main" val="3060836967"/>
+        <p14:creationId xmlns:p14="http://schemas.microsoft.com/office/powerpoint/2010/main" val="1125692931"/>
       </p:ext>
     </p:extLst>
   </p:cSld>
@@ -5074,6 +5077,282 @@
             <a:fld id="{2C5A56FE-B2E8-4285-8F31-2AEEB8EA39C6}" type="slidenum">
               <a:rPr lang="en-GB" smtClean="0"/>
               <a:t>50</a:t>
+            </a:fld>
+            <a:endParaRPr lang="en-GB"/>
+          </a:p>
+        </p:txBody>
+      </p:sp>
+    </p:spTree>
+    <p:extLst>
+      <p:ext uri="{BB962C8B-B14F-4D97-AF65-F5344CB8AC3E}">
+        <p14:creationId xmlns:p14="http://schemas.microsoft.com/office/powerpoint/2010/main" val="2866667866"/>
+      </p:ext>
+    </p:extLst>
+  </p:cSld>
+  <p:clrMapOvr>
+    <a:masterClrMapping/>
+  </p:clrMapOvr>
+</p:notes>
+</file>
+
+<file path=ppt/notesSlides/notesSlide51.xml><?xml version="1.0" encoding="utf-8"?>
+<p:notes xmlns:a="http://schemas.openxmlformats.org/drawingml/2006/main" xmlns:r="http://schemas.openxmlformats.org/officeDocument/2006/relationships" xmlns:p="http://schemas.openxmlformats.org/presentationml/2006/main">
+  <p:cSld>
+    <p:spTree>
+      <p:nvGrpSpPr>
+        <p:cNvPr id="1" name=""/>
+        <p:cNvGrpSpPr/>
+        <p:nvPr/>
+      </p:nvGrpSpPr>
+      <p:grpSpPr>
+        <a:xfrm>
+          <a:off x="0" y="0"/>
+          <a:ext cx="0" cy="0"/>
+          <a:chOff x="0" y="0"/>
+          <a:chExt cx="0" cy="0"/>
+        </a:xfrm>
+      </p:grpSpPr>
+      <p:sp>
+        <p:nvSpPr>
+          <p:cNvPr id="2" name="Slide Image Placeholder 1"/>
+          <p:cNvSpPr>
+            <a:spLocks noGrp="1" noRot="1" noChangeAspect="1"/>
+          </p:cNvSpPr>
+          <p:nvPr>
+            <p:ph type="sldImg"/>
+          </p:nvPr>
+        </p:nvSpPr>
+        <p:spPr>
+          <a:xfrm>
+            <a:off x="1143000" y="685800"/>
+            <a:ext cx="4572000" cy="3429000"/>
+          </a:xfrm>
+          <a:prstGeom prst="rect">
+            <a:avLst/>
+          </a:prstGeom>
+        </p:spPr>
+      </p:sp>
+      <p:sp>
+        <p:nvSpPr>
+          <p:cNvPr id="3" name="Notes Placeholder 2"/>
+          <p:cNvSpPr>
+            <a:spLocks noGrp="1"/>
+          </p:cNvSpPr>
+          <p:nvPr>
+            <p:ph type="body" idx="1"/>
+          </p:nvPr>
+        </p:nvSpPr>
+        <p:spPr/>
+        <p:txBody>
+          <a:bodyPr/>
+          <a:lstStyle/>
+          <a:p>
+            <a:endParaRPr lang="it-IT" dirty="0"/>
+          </a:p>
+        </p:txBody>
+      </p:sp>
+      <p:sp>
+        <p:nvSpPr>
+          <p:cNvPr id="4" name="Slide Number Placeholder 3"/>
+          <p:cNvSpPr>
+            <a:spLocks noGrp="1"/>
+          </p:cNvSpPr>
+          <p:nvPr>
+            <p:ph type="sldNum" sz="quarter" idx="10"/>
+          </p:nvPr>
+        </p:nvSpPr>
+        <p:spPr/>
+        <p:txBody>
+          <a:bodyPr/>
+          <a:lstStyle/>
+          <a:p>
+            <a:fld id="{2C5A56FE-B2E8-4285-8F31-2AEEB8EA39C6}" type="slidenum">
+              <a:rPr lang="en-GB" smtClean="0"/>
+              <a:t>51</a:t>
+            </a:fld>
+            <a:endParaRPr lang="en-GB"/>
+          </a:p>
+        </p:txBody>
+      </p:sp>
+    </p:spTree>
+    <p:extLst>
+      <p:ext uri="{BB962C8B-B14F-4D97-AF65-F5344CB8AC3E}">
+        <p14:creationId xmlns:p14="http://schemas.microsoft.com/office/powerpoint/2010/main" val="138877905"/>
+      </p:ext>
+    </p:extLst>
+  </p:cSld>
+  <p:clrMapOvr>
+    <a:masterClrMapping/>
+  </p:clrMapOvr>
+</p:notes>
+</file>
+
+<file path=ppt/notesSlides/notesSlide52.xml><?xml version="1.0" encoding="utf-8"?>
+<p:notes xmlns:a="http://schemas.openxmlformats.org/drawingml/2006/main" xmlns:r="http://schemas.openxmlformats.org/officeDocument/2006/relationships" xmlns:p="http://schemas.openxmlformats.org/presentationml/2006/main">
+  <p:cSld>
+    <p:spTree>
+      <p:nvGrpSpPr>
+        <p:cNvPr id="1" name=""/>
+        <p:cNvGrpSpPr/>
+        <p:nvPr/>
+      </p:nvGrpSpPr>
+      <p:grpSpPr>
+        <a:xfrm>
+          <a:off x="0" y="0"/>
+          <a:ext cx="0" cy="0"/>
+          <a:chOff x="0" y="0"/>
+          <a:chExt cx="0" cy="0"/>
+        </a:xfrm>
+      </p:grpSpPr>
+      <p:sp>
+        <p:nvSpPr>
+          <p:cNvPr id="2" name="Slide Image Placeholder 1"/>
+          <p:cNvSpPr>
+            <a:spLocks noGrp="1" noRot="1" noChangeAspect="1"/>
+          </p:cNvSpPr>
+          <p:nvPr>
+            <p:ph type="sldImg"/>
+          </p:nvPr>
+        </p:nvSpPr>
+        <p:spPr>
+          <a:xfrm>
+            <a:off x="1143000" y="685800"/>
+            <a:ext cx="4572000" cy="3429000"/>
+          </a:xfrm>
+          <a:prstGeom prst="rect">
+            <a:avLst/>
+          </a:prstGeom>
+        </p:spPr>
+      </p:sp>
+      <p:sp>
+        <p:nvSpPr>
+          <p:cNvPr id="3" name="Notes Placeholder 2"/>
+          <p:cNvSpPr>
+            <a:spLocks noGrp="1"/>
+          </p:cNvSpPr>
+          <p:nvPr>
+            <p:ph type="body" idx="1"/>
+          </p:nvPr>
+        </p:nvSpPr>
+        <p:spPr/>
+        <p:txBody>
+          <a:bodyPr/>
+          <a:lstStyle/>
+          <a:p>
+            <a:endParaRPr lang="it-IT" dirty="0"/>
+          </a:p>
+        </p:txBody>
+      </p:sp>
+      <p:sp>
+        <p:nvSpPr>
+          <p:cNvPr id="4" name="Slide Number Placeholder 3"/>
+          <p:cNvSpPr>
+            <a:spLocks noGrp="1"/>
+          </p:cNvSpPr>
+          <p:nvPr>
+            <p:ph type="sldNum" sz="quarter" idx="10"/>
+          </p:nvPr>
+        </p:nvSpPr>
+        <p:spPr/>
+        <p:txBody>
+          <a:bodyPr/>
+          <a:lstStyle/>
+          <a:p>
+            <a:fld id="{2C5A56FE-B2E8-4285-8F31-2AEEB8EA39C6}" type="slidenum">
+              <a:rPr lang="en-GB" smtClean="0"/>
+              <a:t>52</a:t>
+            </a:fld>
+            <a:endParaRPr lang="en-GB"/>
+          </a:p>
+        </p:txBody>
+      </p:sp>
+    </p:spTree>
+    <p:extLst>
+      <p:ext uri="{BB962C8B-B14F-4D97-AF65-F5344CB8AC3E}">
+        <p14:creationId xmlns:p14="http://schemas.microsoft.com/office/powerpoint/2010/main" val="996561776"/>
+      </p:ext>
+    </p:extLst>
+  </p:cSld>
+  <p:clrMapOvr>
+    <a:masterClrMapping/>
+  </p:clrMapOvr>
+</p:notes>
+</file>
+
+<file path=ppt/notesSlides/notesSlide53.xml><?xml version="1.0" encoding="utf-8"?>
+<p:notes xmlns:a="http://schemas.openxmlformats.org/drawingml/2006/main" xmlns:r="http://schemas.openxmlformats.org/officeDocument/2006/relationships" xmlns:p="http://schemas.openxmlformats.org/presentationml/2006/main">
+  <p:cSld>
+    <p:spTree>
+      <p:nvGrpSpPr>
+        <p:cNvPr id="1" name=""/>
+        <p:cNvGrpSpPr/>
+        <p:nvPr/>
+      </p:nvGrpSpPr>
+      <p:grpSpPr>
+        <a:xfrm>
+          <a:off x="0" y="0"/>
+          <a:ext cx="0" cy="0"/>
+          <a:chOff x="0" y="0"/>
+          <a:chExt cx="0" cy="0"/>
+        </a:xfrm>
+      </p:grpSpPr>
+      <p:sp>
+        <p:nvSpPr>
+          <p:cNvPr id="2" name="Slide Image Placeholder 1"/>
+          <p:cNvSpPr>
+            <a:spLocks noGrp="1" noRot="1" noChangeAspect="1"/>
+          </p:cNvSpPr>
+          <p:nvPr>
+            <p:ph type="sldImg"/>
+          </p:nvPr>
+        </p:nvSpPr>
+        <p:spPr>
+          <a:xfrm>
+            <a:off x="1143000" y="685800"/>
+            <a:ext cx="4572000" cy="3429000"/>
+          </a:xfrm>
+          <a:prstGeom prst="rect">
+            <a:avLst/>
+          </a:prstGeom>
+        </p:spPr>
+      </p:sp>
+      <p:sp>
+        <p:nvSpPr>
+          <p:cNvPr id="3" name="Notes Placeholder 2"/>
+          <p:cNvSpPr>
+            <a:spLocks noGrp="1"/>
+          </p:cNvSpPr>
+          <p:nvPr>
+            <p:ph type="body" idx="1"/>
+          </p:nvPr>
+        </p:nvSpPr>
+        <p:spPr/>
+        <p:txBody>
+          <a:bodyPr/>
+          <a:lstStyle/>
+          <a:p>
+            <a:endParaRPr lang="it-IT" dirty="0"/>
+          </a:p>
+        </p:txBody>
+      </p:sp>
+      <p:sp>
+        <p:nvSpPr>
+          <p:cNvPr id="4" name="Slide Number Placeholder 3"/>
+          <p:cNvSpPr>
+            <a:spLocks noGrp="1"/>
+          </p:cNvSpPr>
+          <p:nvPr>
+            <p:ph type="sldNum" sz="quarter" idx="10"/>
+          </p:nvPr>
+        </p:nvSpPr>
+        <p:spPr/>
+        <p:txBody>
+          <a:bodyPr/>
+          <a:lstStyle/>
+          <a:p>
+            <a:fld id="{2C5A56FE-B2E8-4285-8F31-2AEEB8EA39C6}" type="slidenum">
+              <a:rPr lang="en-GB" smtClean="0"/>
+              <a:t>53</a:t>
             </a:fld>
             <a:endParaRPr lang="en-GB"/>
           </a:p>
@@ -20294,8 +20573,12 @@
           <a:lstStyle/>
           <a:p>
             <a:r>
+              <a:rPr lang="en-GB" sz="1600" b="1" dirty="0"/>
+              <a:t>HTTP call </a:t>
+            </a:r>
+            <a:r>
               <a:rPr lang="en-GB" sz="1600" dirty="0"/>
-              <a:t>HTTP call (REST service)</a:t>
+              <a:t>(REST service)</a:t>
             </a:r>
           </a:p>
         </p:txBody>
@@ -20329,8 +20612,12 @@
           <a:lstStyle/>
           <a:p>
             <a:r>
+              <a:rPr lang="en-GB" sz="1600" b="1" dirty="0"/>
+              <a:t>RPC-Like call</a:t>
+            </a:r>
+            <a:r>
               <a:rPr lang="en-GB" sz="1600" dirty="0"/>
-              <a:t>RPC-Like call (</a:t>
+              <a:t> (</a:t>
             </a:r>
             <a:r>
               <a:rPr lang="en-GB" sz="1600" dirty="0" err="1"/>
@@ -20372,8 +20659,12 @@
           <a:lstStyle/>
           <a:p>
             <a:r>
+              <a:rPr lang="en-GB" sz="1600" b="1" dirty="0"/>
+              <a:t>Asynchronous messages </a:t>
+            </a:r>
+            <a:r>
               <a:rPr lang="en-GB" sz="1600" dirty="0"/>
-              <a:t>Asynchronous messages using message broken</a:t>
+              <a:t>using message broken</a:t>
             </a:r>
           </a:p>
         </p:txBody>
@@ -20853,6 +21144,1786 @@
 </file>
 
 <file path=ppt/slides/slide47.xml><?xml version="1.0" encoding="utf-8"?>
+<p:sld xmlns:a="http://schemas.openxmlformats.org/drawingml/2006/main" xmlns:r="http://schemas.openxmlformats.org/officeDocument/2006/relationships" xmlns:p="http://schemas.openxmlformats.org/presentationml/2006/main">
+  <p:cSld>
+    <p:spTree>
+      <p:nvGrpSpPr>
+        <p:cNvPr id="1" name=""/>
+        <p:cNvGrpSpPr/>
+        <p:nvPr/>
+      </p:nvGrpSpPr>
+      <p:grpSpPr>
+        <a:xfrm>
+          <a:off x="0" y="0"/>
+          <a:ext cx="0" cy="0"/>
+          <a:chOff x="0" y="0"/>
+          <a:chExt cx="0" cy="0"/>
+        </a:xfrm>
+      </p:grpSpPr>
+      <p:sp>
+        <p:nvSpPr>
+          <p:cNvPr id="2" name="Text Placeholder 1"/>
+          <p:cNvSpPr>
+            <a:spLocks noGrp="1"/>
+          </p:cNvSpPr>
+          <p:nvPr>
+            <p:ph type="body" sz="quarter" idx="11"/>
+          </p:nvPr>
+        </p:nvSpPr>
+        <p:spPr>
+          <a:xfrm>
+            <a:off x="328613" y="1079048"/>
+            <a:ext cx="8401246" cy="742196"/>
+          </a:xfrm>
+        </p:spPr>
+        <p:txBody>
+          <a:bodyPr/>
+          <a:lstStyle/>
+          <a:p>
+            <a:r>
+              <a:rPr lang="en-US" dirty="0"/>
+              <a:t>Availability over Consistency</a:t>
+            </a:r>
+          </a:p>
+        </p:txBody>
+      </p:sp>
+      <p:sp>
+        <p:nvSpPr>
+          <p:cNvPr id="3" name="TextBox 2">
+            <a:extLst>
+              <a:ext uri="{FF2B5EF4-FFF2-40B4-BE49-F238E27FC236}">
+                <a16:creationId xmlns:a16="http://schemas.microsoft.com/office/drawing/2014/main" id="{647886CA-AD8B-4217-A687-4BE0AA037954}"/>
+              </a:ext>
+            </a:extLst>
+          </p:cNvPr>
+          <p:cNvSpPr txBox="1"/>
+          <p:nvPr/>
+        </p:nvSpPr>
+        <p:spPr>
+          <a:xfrm>
+            <a:off x="423862" y="2247703"/>
+            <a:ext cx="8210747" cy="400110"/>
+          </a:xfrm>
+          <a:prstGeom prst="rect">
+            <a:avLst/>
+          </a:prstGeom>
+          <a:noFill/>
+        </p:spPr>
+        <p:txBody>
+          <a:bodyPr wrap="square" rtlCol="0">
+            <a:spAutoFit/>
+          </a:bodyPr>
+          <a:lstStyle/>
+          <a:p>
+            <a:r>
+              <a:rPr lang="en-US" sz="2000" b="1" i="1" dirty="0"/>
+              <a:t>CAP Theorem</a:t>
+            </a:r>
+            <a:endParaRPr lang="en-GB" sz="2000" b="1" i="1" dirty="0"/>
+          </a:p>
+        </p:txBody>
+      </p:sp>
+      <p:pic>
+        <p:nvPicPr>
+          <p:cNvPr id="1026" name="Picture 2" descr="BlingTechs: CAP THEOREM">
+            <a:extLst>
+              <a:ext uri="{FF2B5EF4-FFF2-40B4-BE49-F238E27FC236}">
+                <a16:creationId xmlns:a16="http://schemas.microsoft.com/office/drawing/2014/main" id="{87EA086C-1088-445C-B186-474521F93AEB}"/>
+              </a:ext>
+            </a:extLst>
+          </p:cNvPr>
+          <p:cNvPicPr>
+            <a:picLocks noChangeAspect="1" noChangeArrowheads="1"/>
+          </p:cNvPicPr>
+          <p:nvPr/>
+        </p:nvPicPr>
+        <p:blipFill>
+          <a:blip r:embed="rId3">
+            <a:extLst>
+              <a:ext uri="{28A0092B-C50C-407E-A947-70E740481C1C}">
+                <a14:useLocalDpi xmlns:a14="http://schemas.microsoft.com/office/drawing/2010/main" val="0"/>
+              </a:ext>
+            </a:extLst>
+          </a:blip>
+          <a:srcRect/>
+          <a:stretch>
+            <a:fillRect/>
+          </a:stretch>
+        </p:blipFill>
+        <p:spPr bwMode="auto">
+          <a:xfrm>
+            <a:off x="3910288" y="2247703"/>
+            <a:ext cx="4240436" cy="4099088"/>
+          </a:xfrm>
+          <a:prstGeom prst="rect">
+            <a:avLst/>
+          </a:prstGeom>
+          <a:noFill/>
+          <a:extLst>
+            <a:ext uri="{909E8E84-426E-40DD-AFC4-6F175D3DCCD1}">
+              <a14:hiddenFill xmlns:a14="http://schemas.microsoft.com/office/drawing/2010/main">
+                <a:solidFill>
+                  <a:srgbClr val="FFFFFF"/>
+                </a:solidFill>
+              </a14:hiddenFill>
+            </a:ext>
+          </a:extLst>
+        </p:spPr>
+      </p:pic>
+      <p:sp>
+        <p:nvSpPr>
+          <p:cNvPr id="5" name="TextBox 4">
+            <a:extLst>
+              <a:ext uri="{FF2B5EF4-FFF2-40B4-BE49-F238E27FC236}">
+                <a16:creationId xmlns:a16="http://schemas.microsoft.com/office/drawing/2014/main" id="{886BF60B-E17D-4152-AF56-B9C0BB7C11D9}"/>
+              </a:ext>
+            </a:extLst>
+          </p:cNvPr>
+          <p:cNvSpPr txBox="1"/>
+          <p:nvPr/>
+        </p:nvSpPr>
+        <p:spPr>
+          <a:xfrm>
+            <a:off x="423863" y="3074272"/>
+            <a:ext cx="3097712" cy="1323439"/>
+          </a:xfrm>
+          <a:prstGeom prst="rect">
+            <a:avLst/>
+          </a:prstGeom>
+          <a:noFill/>
+        </p:spPr>
+        <p:txBody>
+          <a:bodyPr wrap="square" rtlCol="0">
+            <a:spAutoFit/>
+          </a:bodyPr>
+          <a:lstStyle/>
+          <a:p>
+            <a:r>
+              <a:rPr lang="en-GB" sz="1600" b="1" i="1" dirty="0"/>
+              <a:t>“It’s not possible for a distributed data store to simultaneously provide more than two features between Consistency, Availability and Partition tolerance”</a:t>
+            </a:r>
+          </a:p>
+        </p:txBody>
+      </p:sp>
+    </p:spTree>
+    <p:extLst>
+      <p:ext uri="{BB962C8B-B14F-4D97-AF65-F5344CB8AC3E}">
+        <p14:creationId xmlns:p14="http://schemas.microsoft.com/office/powerpoint/2010/main" val="3590855284"/>
+      </p:ext>
+    </p:extLst>
+  </p:cSld>
+  <p:clrMapOvr>
+    <a:masterClrMapping/>
+  </p:clrMapOvr>
+  <p:timing>
+    <p:tnLst>
+      <p:par>
+        <p:cTn id="1" dur="indefinite" restart="never" nodeType="tmRoot">
+          <p:childTnLst>
+            <p:seq concurrent="1" nextAc="seek">
+              <p:cTn id="2" dur="indefinite" nodeType="mainSeq">
+                <p:childTnLst>
+                  <p:par>
+                    <p:cTn id="3" fill="hold">
+                      <p:stCondLst>
+                        <p:cond delay="indefinite"/>
+                      </p:stCondLst>
+                      <p:childTnLst>
+                        <p:par>
+                          <p:cTn id="4" fill="hold">
+                            <p:stCondLst>
+                              <p:cond delay="0"/>
+                            </p:stCondLst>
+                            <p:childTnLst>
+                              <p:par>
+                                <p:cTn id="5" presetID="10" presetClass="entr" presetSubtype="0" fill="hold" grpId="0" nodeType="clickEffect">
+                                  <p:stCondLst>
+                                    <p:cond delay="0"/>
+                                  </p:stCondLst>
+                                  <p:childTnLst>
+                                    <p:set>
+                                      <p:cBhvr>
+                                        <p:cTn id="6" dur="1" fill="hold">
+                                          <p:stCondLst>
+                                            <p:cond delay="0"/>
+                                          </p:stCondLst>
+                                        </p:cTn>
+                                        <p:tgtEl>
+                                          <p:spTgt spid="5"/>
+                                        </p:tgtEl>
+                                        <p:attrNameLst>
+                                          <p:attrName>style.visibility</p:attrName>
+                                        </p:attrNameLst>
+                                      </p:cBhvr>
+                                      <p:to>
+                                        <p:strVal val="visible"/>
+                                      </p:to>
+                                    </p:set>
+                                    <p:animEffect transition="in" filter="fade">
+                                      <p:cBhvr>
+                                        <p:cTn id="7" dur="500"/>
+                                        <p:tgtEl>
+                                          <p:spTgt spid="5"/>
+                                        </p:tgtEl>
+                                      </p:cBhvr>
+                                    </p:animEffect>
+                                  </p:childTnLst>
+                                </p:cTn>
+                              </p:par>
+                            </p:childTnLst>
+                          </p:cTn>
+                        </p:par>
+                        <p:par>
+                          <p:cTn id="8" fill="hold">
+                            <p:stCondLst>
+                              <p:cond delay="500"/>
+                            </p:stCondLst>
+                            <p:childTnLst>
+                              <p:par>
+                                <p:cTn id="9" presetID="10" presetClass="entr" presetSubtype="0" fill="hold" nodeType="afterEffect">
+                                  <p:stCondLst>
+                                    <p:cond delay="0"/>
+                                  </p:stCondLst>
+                                  <p:childTnLst>
+                                    <p:set>
+                                      <p:cBhvr>
+                                        <p:cTn id="10" dur="1" fill="hold">
+                                          <p:stCondLst>
+                                            <p:cond delay="0"/>
+                                          </p:stCondLst>
+                                        </p:cTn>
+                                        <p:tgtEl>
+                                          <p:spTgt spid="1026"/>
+                                        </p:tgtEl>
+                                        <p:attrNameLst>
+                                          <p:attrName>style.visibility</p:attrName>
+                                        </p:attrNameLst>
+                                      </p:cBhvr>
+                                      <p:to>
+                                        <p:strVal val="visible"/>
+                                      </p:to>
+                                    </p:set>
+                                    <p:animEffect transition="in" filter="fade">
+                                      <p:cBhvr>
+                                        <p:cTn id="11" dur="500"/>
+                                        <p:tgtEl>
+                                          <p:spTgt spid="1026"/>
+                                        </p:tgtEl>
+                                      </p:cBhvr>
+                                    </p:animEffect>
+                                  </p:childTnLst>
+                                </p:cTn>
+                              </p:par>
+                            </p:childTnLst>
+                          </p:cTn>
+                        </p:par>
+                      </p:childTnLst>
+                    </p:cTn>
+                  </p:par>
+                </p:childTnLst>
+              </p:cTn>
+              <p:prevCondLst>
+                <p:cond evt="onPrev" delay="0">
+                  <p:tgtEl>
+                    <p:sldTgt/>
+                  </p:tgtEl>
+                </p:cond>
+              </p:prevCondLst>
+              <p:nextCondLst>
+                <p:cond evt="onNext" delay="0">
+                  <p:tgtEl>
+                    <p:sldTgt/>
+                  </p:tgtEl>
+                </p:cond>
+              </p:nextCondLst>
+            </p:seq>
+          </p:childTnLst>
+        </p:cTn>
+      </p:par>
+    </p:tnLst>
+    <p:bldLst>
+      <p:bldP spid="5" grpId="0"/>
+    </p:bldLst>
+  </p:timing>
+</p:sld>
+</file>
+
+<file path=ppt/slides/slide48.xml><?xml version="1.0" encoding="utf-8"?>
+<p:sld xmlns:a="http://schemas.openxmlformats.org/drawingml/2006/main" xmlns:r="http://schemas.openxmlformats.org/officeDocument/2006/relationships" xmlns:p="http://schemas.openxmlformats.org/presentationml/2006/main">
+  <p:cSld>
+    <p:spTree>
+      <p:nvGrpSpPr>
+        <p:cNvPr id="1" name=""/>
+        <p:cNvGrpSpPr/>
+        <p:nvPr/>
+      </p:nvGrpSpPr>
+      <p:grpSpPr>
+        <a:xfrm>
+          <a:off x="0" y="0"/>
+          <a:ext cx="0" cy="0"/>
+          <a:chOff x="0" y="0"/>
+          <a:chExt cx="0" cy="0"/>
+        </a:xfrm>
+      </p:grpSpPr>
+      <p:sp>
+        <p:nvSpPr>
+          <p:cNvPr id="2" name="Text Placeholder 1"/>
+          <p:cNvSpPr>
+            <a:spLocks noGrp="1"/>
+          </p:cNvSpPr>
+          <p:nvPr>
+            <p:ph type="body" sz="quarter" idx="11"/>
+          </p:nvPr>
+        </p:nvSpPr>
+        <p:spPr>
+          <a:xfrm>
+            <a:off x="328613" y="1079048"/>
+            <a:ext cx="8401246" cy="742196"/>
+          </a:xfrm>
+        </p:spPr>
+        <p:txBody>
+          <a:bodyPr/>
+          <a:lstStyle/>
+          <a:p>
+            <a:r>
+              <a:rPr lang="en-US" dirty="0"/>
+              <a:t>Availability over Consistency</a:t>
+            </a:r>
+          </a:p>
+        </p:txBody>
+      </p:sp>
+      <p:sp>
+        <p:nvSpPr>
+          <p:cNvPr id="3" name="TextBox 2">
+            <a:extLst>
+              <a:ext uri="{FF2B5EF4-FFF2-40B4-BE49-F238E27FC236}">
+                <a16:creationId xmlns:a16="http://schemas.microsoft.com/office/drawing/2014/main" id="{647886CA-AD8B-4217-A687-4BE0AA037954}"/>
+              </a:ext>
+            </a:extLst>
+          </p:cNvPr>
+          <p:cNvSpPr txBox="1"/>
+          <p:nvPr/>
+        </p:nvSpPr>
+        <p:spPr>
+          <a:xfrm>
+            <a:off x="423862" y="2247703"/>
+            <a:ext cx="8210747" cy="338554"/>
+          </a:xfrm>
+          <a:prstGeom prst="rect">
+            <a:avLst/>
+          </a:prstGeom>
+          <a:noFill/>
+        </p:spPr>
+        <p:txBody>
+          <a:bodyPr wrap="square" rtlCol="0">
+            <a:spAutoFit/>
+          </a:bodyPr>
+          <a:lstStyle/>
+          <a:p>
+            <a:r>
+              <a:rPr lang="en-US" sz="1600" dirty="0"/>
+              <a:t>The CAP Theorem gives you two options: </a:t>
+            </a:r>
+            <a:r>
+              <a:rPr lang="en-US" sz="1600" b="1" dirty="0"/>
+              <a:t>availability XOR consistency</a:t>
+            </a:r>
+            <a:endParaRPr lang="en-GB" sz="1600" b="1" dirty="0"/>
+          </a:p>
+        </p:txBody>
+      </p:sp>
+      <p:sp>
+        <p:nvSpPr>
+          <p:cNvPr id="6" name="TextBox 5">
+            <a:extLst>
+              <a:ext uri="{FF2B5EF4-FFF2-40B4-BE49-F238E27FC236}">
+                <a16:creationId xmlns:a16="http://schemas.microsoft.com/office/drawing/2014/main" id="{CF978CE5-93C7-4236-B957-9AB892CE3538}"/>
+              </a:ext>
+            </a:extLst>
+          </p:cNvPr>
+          <p:cNvSpPr txBox="1"/>
+          <p:nvPr/>
+        </p:nvSpPr>
+        <p:spPr>
+          <a:xfrm>
+            <a:off x="423862" y="2754024"/>
+            <a:ext cx="8210747" cy="338554"/>
+          </a:xfrm>
+          <a:prstGeom prst="rect">
+            <a:avLst/>
+          </a:prstGeom>
+          <a:noFill/>
+        </p:spPr>
+        <p:txBody>
+          <a:bodyPr wrap="square" rtlCol="0">
+            <a:spAutoFit/>
+          </a:bodyPr>
+          <a:lstStyle/>
+          <a:p>
+            <a:r>
+              <a:rPr lang="en-US" sz="1600" dirty="0"/>
+              <a:t>For microservices, the main strategy that enables the availability choice is </a:t>
+            </a:r>
+            <a:r>
+              <a:rPr lang="en-US" sz="1600" b="1" dirty="0"/>
+              <a:t>data replication</a:t>
+            </a:r>
+            <a:endParaRPr lang="en-GB" sz="1600" b="1" dirty="0"/>
+          </a:p>
+        </p:txBody>
+      </p:sp>
+      <p:sp>
+        <p:nvSpPr>
+          <p:cNvPr id="7" name="TextBox 6">
+            <a:extLst>
+              <a:ext uri="{FF2B5EF4-FFF2-40B4-BE49-F238E27FC236}">
+                <a16:creationId xmlns:a16="http://schemas.microsoft.com/office/drawing/2014/main" id="{7D232326-BB19-4432-9B2A-47594D3FBE80}"/>
+              </a:ext>
+            </a:extLst>
+          </p:cNvPr>
+          <p:cNvSpPr txBox="1"/>
+          <p:nvPr/>
+        </p:nvSpPr>
+        <p:spPr>
+          <a:xfrm>
+            <a:off x="1360933" y="3473035"/>
+            <a:ext cx="7273676" cy="338554"/>
+          </a:xfrm>
+          <a:prstGeom prst="rect">
+            <a:avLst/>
+          </a:prstGeom>
+          <a:noFill/>
+        </p:spPr>
+        <p:txBody>
+          <a:bodyPr wrap="square" rtlCol="0">
+            <a:spAutoFit/>
+          </a:bodyPr>
+          <a:lstStyle/>
+          <a:p>
+            <a:r>
+              <a:rPr lang="en-US" sz="1600" b="1" i="1" dirty="0"/>
+              <a:t>Service Data Replications pattern</a:t>
+            </a:r>
+            <a:endParaRPr lang="en-GB" sz="1600" b="1" i="1" dirty="0"/>
+          </a:p>
+        </p:txBody>
+      </p:sp>
+      <p:sp>
+        <p:nvSpPr>
+          <p:cNvPr id="8" name="TextBox 7">
+            <a:extLst>
+              <a:ext uri="{FF2B5EF4-FFF2-40B4-BE49-F238E27FC236}">
+                <a16:creationId xmlns:a16="http://schemas.microsoft.com/office/drawing/2014/main" id="{4F8039B8-83AD-4A0A-B67E-7D27373E6FDF}"/>
+              </a:ext>
+            </a:extLst>
+          </p:cNvPr>
+          <p:cNvSpPr txBox="1"/>
+          <p:nvPr/>
+        </p:nvSpPr>
+        <p:spPr>
+          <a:xfrm>
+            <a:off x="1360933" y="4022769"/>
+            <a:ext cx="7273676" cy="338554"/>
+          </a:xfrm>
+          <a:prstGeom prst="rect">
+            <a:avLst/>
+          </a:prstGeom>
+          <a:noFill/>
+        </p:spPr>
+        <p:txBody>
+          <a:bodyPr wrap="square" rtlCol="0">
+            <a:spAutoFit/>
+          </a:bodyPr>
+          <a:lstStyle/>
+          <a:p>
+            <a:r>
+              <a:rPr lang="en-US" sz="1600" b="1" i="1" dirty="0"/>
+              <a:t>Command Query Responsibility Segregation CQRS pattern</a:t>
+            </a:r>
+            <a:endParaRPr lang="en-GB" sz="1600" b="1" i="1" dirty="0"/>
+          </a:p>
+        </p:txBody>
+      </p:sp>
+      <p:sp>
+        <p:nvSpPr>
+          <p:cNvPr id="9" name="TextBox 8">
+            <a:extLst>
+              <a:ext uri="{FF2B5EF4-FFF2-40B4-BE49-F238E27FC236}">
+                <a16:creationId xmlns:a16="http://schemas.microsoft.com/office/drawing/2014/main" id="{F0E22410-5BFF-4F7F-AD53-AA75D6772463}"/>
+              </a:ext>
+            </a:extLst>
+          </p:cNvPr>
+          <p:cNvSpPr txBox="1"/>
+          <p:nvPr/>
+        </p:nvSpPr>
+        <p:spPr>
+          <a:xfrm>
+            <a:off x="1360933" y="4572503"/>
+            <a:ext cx="7273676" cy="338554"/>
+          </a:xfrm>
+          <a:prstGeom prst="rect">
+            <a:avLst/>
+          </a:prstGeom>
+          <a:noFill/>
+        </p:spPr>
+        <p:txBody>
+          <a:bodyPr wrap="square" rtlCol="0">
+            <a:spAutoFit/>
+          </a:bodyPr>
+          <a:lstStyle/>
+          <a:p>
+            <a:r>
+              <a:rPr lang="en-US" sz="1600" b="1" i="1" dirty="0"/>
+              <a:t>Event Sourcing pattern</a:t>
+            </a:r>
+            <a:endParaRPr lang="en-GB" sz="1600" b="1" i="1" dirty="0"/>
+          </a:p>
+        </p:txBody>
+      </p:sp>
+    </p:spTree>
+    <p:extLst>
+      <p:ext uri="{BB962C8B-B14F-4D97-AF65-F5344CB8AC3E}">
+        <p14:creationId xmlns:p14="http://schemas.microsoft.com/office/powerpoint/2010/main" val="835469970"/>
+      </p:ext>
+    </p:extLst>
+  </p:cSld>
+  <p:clrMapOvr>
+    <a:masterClrMapping/>
+  </p:clrMapOvr>
+  <p:timing>
+    <p:tnLst>
+      <p:par>
+        <p:cTn id="1" dur="indefinite" restart="never" nodeType="tmRoot">
+          <p:childTnLst>
+            <p:seq concurrent="1" nextAc="seek">
+              <p:cTn id="2" dur="indefinite" nodeType="mainSeq">
+                <p:childTnLst>
+                  <p:par>
+                    <p:cTn id="3" fill="hold">
+                      <p:stCondLst>
+                        <p:cond delay="indefinite"/>
+                      </p:stCondLst>
+                      <p:childTnLst>
+                        <p:par>
+                          <p:cTn id="4" fill="hold">
+                            <p:stCondLst>
+                              <p:cond delay="0"/>
+                            </p:stCondLst>
+                            <p:childTnLst>
+                              <p:par>
+                                <p:cTn id="5" presetID="10" presetClass="entr" presetSubtype="0" fill="hold" grpId="0" nodeType="clickEffect">
+                                  <p:stCondLst>
+                                    <p:cond delay="0"/>
+                                  </p:stCondLst>
+                                  <p:childTnLst>
+                                    <p:set>
+                                      <p:cBhvr>
+                                        <p:cTn id="6" dur="1" fill="hold">
+                                          <p:stCondLst>
+                                            <p:cond delay="0"/>
+                                          </p:stCondLst>
+                                        </p:cTn>
+                                        <p:tgtEl>
+                                          <p:spTgt spid="3"/>
+                                        </p:tgtEl>
+                                        <p:attrNameLst>
+                                          <p:attrName>style.visibility</p:attrName>
+                                        </p:attrNameLst>
+                                      </p:cBhvr>
+                                      <p:to>
+                                        <p:strVal val="visible"/>
+                                      </p:to>
+                                    </p:set>
+                                    <p:animEffect transition="in" filter="fade">
+                                      <p:cBhvr>
+                                        <p:cTn id="7" dur="500"/>
+                                        <p:tgtEl>
+                                          <p:spTgt spid="3"/>
+                                        </p:tgtEl>
+                                      </p:cBhvr>
+                                    </p:animEffect>
+                                  </p:childTnLst>
+                                </p:cTn>
+                              </p:par>
+                            </p:childTnLst>
+                          </p:cTn>
+                        </p:par>
+                      </p:childTnLst>
+                    </p:cTn>
+                  </p:par>
+                  <p:par>
+                    <p:cTn id="8" fill="hold">
+                      <p:stCondLst>
+                        <p:cond delay="indefinite"/>
+                      </p:stCondLst>
+                      <p:childTnLst>
+                        <p:par>
+                          <p:cTn id="9" fill="hold">
+                            <p:stCondLst>
+                              <p:cond delay="0"/>
+                            </p:stCondLst>
+                            <p:childTnLst>
+                              <p:par>
+                                <p:cTn id="10" presetID="10" presetClass="entr" presetSubtype="0" fill="hold" grpId="0" nodeType="clickEffect">
+                                  <p:stCondLst>
+                                    <p:cond delay="0"/>
+                                  </p:stCondLst>
+                                  <p:childTnLst>
+                                    <p:set>
+                                      <p:cBhvr>
+                                        <p:cTn id="11" dur="1" fill="hold">
+                                          <p:stCondLst>
+                                            <p:cond delay="0"/>
+                                          </p:stCondLst>
+                                        </p:cTn>
+                                        <p:tgtEl>
+                                          <p:spTgt spid="6"/>
+                                        </p:tgtEl>
+                                        <p:attrNameLst>
+                                          <p:attrName>style.visibility</p:attrName>
+                                        </p:attrNameLst>
+                                      </p:cBhvr>
+                                      <p:to>
+                                        <p:strVal val="visible"/>
+                                      </p:to>
+                                    </p:set>
+                                    <p:animEffect transition="in" filter="fade">
+                                      <p:cBhvr>
+                                        <p:cTn id="12" dur="500"/>
+                                        <p:tgtEl>
+                                          <p:spTgt spid="6"/>
+                                        </p:tgtEl>
+                                      </p:cBhvr>
+                                    </p:animEffect>
+                                  </p:childTnLst>
+                                </p:cTn>
+                              </p:par>
+                            </p:childTnLst>
+                          </p:cTn>
+                        </p:par>
+                      </p:childTnLst>
+                    </p:cTn>
+                  </p:par>
+                  <p:par>
+                    <p:cTn id="13" fill="hold">
+                      <p:stCondLst>
+                        <p:cond delay="indefinite"/>
+                      </p:stCondLst>
+                      <p:childTnLst>
+                        <p:par>
+                          <p:cTn id="14" fill="hold">
+                            <p:stCondLst>
+                              <p:cond delay="0"/>
+                            </p:stCondLst>
+                            <p:childTnLst>
+                              <p:par>
+                                <p:cTn id="15" presetID="10" presetClass="entr" presetSubtype="0" fill="hold" grpId="0" nodeType="clickEffect">
+                                  <p:stCondLst>
+                                    <p:cond delay="0"/>
+                                  </p:stCondLst>
+                                  <p:childTnLst>
+                                    <p:set>
+                                      <p:cBhvr>
+                                        <p:cTn id="16" dur="1" fill="hold">
+                                          <p:stCondLst>
+                                            <p:cond delay="0"/>
+                                          </p:stCondLst>
+                                        </p:cTn>
+                                        <p:tgtEl>
+                                          <p:spTgt spid="7"/>
+                                        </p:tgtEl>
+                                        <p:attrNameLst>
+                                          <p:attrName>style.visibility</p:attrName>
+                                        </p:attrNameLst>
+                                      </p:cBhvr>
+                                      <p:to>
+                                        <p:strVal val="visible"/>
+                                      </p:to>
+                                    </p:set>
+                                    <p:animEffect transition="in" filter="fade">
+                                      <p:cBhvr>
+                                        <p:cTn id="17" dur="500"/>
+                                        <p:tgtEl>
+                                          <p:spTgt spid="7"/>
+                                        </p:tgtEl>
+                                      </p:cBhvr>
+                                    </p:animEffect>
+                                  </p:childTnLst>
+                                </p:cTn>
+                              </p:par>
+                            </p:childTnLst>
+                          </p:cTn>
+                        </p:par>
+                      </p:childTnLst>
+                    </p:cTn>
+                  </p:par>
+                  <p:par>
+                    <p:cTn id="18" fill="hold">
+                      <p:stCondLst>
+                        <p:cond delay="indefinite"/>
+                      </p:stCondLst>
+                      <p:childTnLst>
+                        <p:par>
+                          <p:cTn id="19" fill="hold">
+                            <p:stCondLst>
+                              <p:cond delay="0"/>
+                            </p:stCondLst>
+                            <p:childTnLst>
+                              <p:par>
+                                <p:cTn id="20" presetID="10" presetClass="entr" presetSubtype="0" fill="hold" grpId="0" nodeType="clickEffect">
+                                  <p:stCondLst>
+                                    <p:cond delay="0"/>
+                                  </p:stCondLst>
+                                  <p:childTnLst>
+                                    <p:set>
+                                      <p:cBhvr>
+                                        <p:cTn id="21" dur="1" fill="hold">
+                                          <p:stCondLst>
+                                            <p:cond delay="0"/>
+                                          </p:stCondLst>
+                                        </p:cTn>
+                                        <p:tgtEl>
+                                          <p:spTgt spid="8"/>
+                                        </p:tgtEl>
+                                        <p:attrNameLst>
+                                          <p:attrName>style.visibility</p:attrName>
+                                        </p:attrNameLst>
+                                      </p:cBhvr>
+                                      <p:to>
+                                        <p:strVal val="visible"/>
+                                      </p:to>
+                                    </p:set>
+                                    <p:animEffect transition="in" filter="fade">
+                                      <p:cBhvr>
+                                        <p:cTn id="22" dur="500"/>
+                                        <p:tgtEl>
+                                          <p:spTgt spid="8"/>
+                                        </p:tgtEl>
+                                      </p:cBhvr>
+                                    </p:animEffect>
+                                  </p:childTnLst>
+                                </p:cTn>
+                              </p:par>
+                            </p:childTnLst>
+                          </p:cTn>
+                        </p:par>
+                      </p:childTnLst>
+                    </p:cTn>
+                  </p:par>
+                  <p:par>
+                    <p:cTn id="23" fill="hold">
+                      <p:stCondLst>
+                        <p:cond delay="indefinite"/>
+                      </p:stCondLst>
+                      <p:childTnLst>
+                        <p:par>
+                          <p:cTn id="24" fill="hold">
+                            <p:stCondLst>
+                              <p:cond delay="0"/>
+                            </p:stCondLst>
+                            <p:childTnLst>
+                              <p:par>
+                                <p:cTn id="25" presetID="10" presetClass="entr" presetSubtype="0" fill="hold" grpId="0" nodeType="clickEffect">
+                                  <p:stCondLst>
+                                    <p:cond delay="0"/>
+                                  </p:stCondLst>
+                                  <p:childTnLst>
+                                    <p:set>
+                                      <p:cBhvr>
+                                        <p:cTn id="26" dur="1" fill="hold">
+                                          <p:stCondLst>
+                                            <p:cond delay="0"/>
+                                          </p:stCondLst>
+                                        </p:cTn>
+                                        <p:tgtEl>
+                                          <p:spTgt spid="9"/>
+                                        </p:tgtEl>
+                                        <p:attrNameLst>
+                                          <p:attrName>style.visibility</p:attrName>
+                                        </p:attrNameLst>
+                                      </p:cBhvr>
+                                      <p:to>
+                                        <p:strVal val="visible"/>
+                                      </p:to>
+                                    </p:set>
+                                    <p:animEffect transition="in" filter="fade">
+                                      <p:cBhvr>
+                                        <p:cTn id="27" dur="500"/>
+                                        <p:tgtEl>
+                                          <p:spTgt spid="9"/>
+                                        </p:tgtEl>
+                                      </p:cBhvr>
+                                    </p:animEffect>
+                                  </p:childTnLst>
+                                </p:cTn>
+                              </p:par>
+                            </p:childTnLst>
+                          </p:cTn>
+                        </p:par>
+                      </p:childTnLst>
+                    </p:cTn>
+                  </p:par>
+                </p:childTnLst>
+              </p:cTn>
+              <p:prevCondLst>
+                <p:cond evt="onPrev" delay="0">
+                  <p:tgtEl>
+                    <p:sldTgt/>
+                  </p:tgtEl>
+                </p:cond>
+              </p:prevCondLst>
+              <p:nextCondLst>
+                <p:cond evt="onNext" delay="0">
+                  <p:tgtEl>
+                    <p:sldTgt/>
+                  </p:tgtEl>
+                </p:cond>
+              </p:nextCondLst>
+            </p:seq>
+          </p:childTnLst>
+        </p:cTn>
+      </p:par>
+    </p:tnLst>
+    <p:bldLst>
+      <p:bldP spid="3" grpId="0"/>
+      <p:bldP spid="6" grpId="0"/>
+      <p:bldP spid="7" grpId="0"/>
+      <p:bldP spid="8" grpId="0"/>
+      <p:bldP spid="9" grpId="0"/>
+    </p:bldLst>
+  </p:timing>
+</p:sld>
+</file>
+
+<file path=ppt/slides/slide49.xml><?xml version="1.0" encoding="utf-8"?>
+<p:sld xmlns:a="http://schemas.openxmlformats.org/drawingml/2006/main" xmlns:r="http://schemas.openxmlformats.org/officeDocument/2006/relationships" xmlns:p="http://schemas.openxmlformats.org/presentationml/2006/main">
+  <p:cSld>
+    <p:spTree>
+      <p:nvGrpSpPr>
+        <p:cNvPr id="1" name=""/>
+        <p:cNvGrpSpPr/>
+        <p:nvPr/>
+      </p:nvGrpSpPr>
+      <p:grpSpPr>
+        <a:xfrm>
+          <a:off x="0" y="0"/>
+          <a:ext cx="0" cy="0"/>
+          <a:chOff x="0" y="0"/>
+          <a:chExt cx="0" cy="0"/>
+        </a:xfrm>
+      </p:grpSpPr>
+      <p:sp>
+        <p:nvSpPr>
+          <p:cNvPr id="2" name="Text Placeholder 1"/>
+          <p:cNvSpPr>
+            <a:spLocks noGrp="1"/>
+          </p:cNvSpPr>
+          <p:nvPr>
+            <p:ph type="body" sz="quarter" idx="11"/>
+          </p:nvPr>
+        </p:nvSpPr>
+        <p:spPr>
+          <a:xfrm>
+            <a:off x="328613" y="1079048"/>
+            <a:ext cx="8401246" cy="742196"/>
+          </a:xfrm>
+        </p:spPr>
+        <p:txBody>
+          <a:bodyPr/>
+          <a:lstStyle/>
+          <a:p>
+            <a:r>
+              <a:rPr lang="en-US" dirty="0"/>
+              <a:t>Availability over Consistency</a:t>
+            </a:r>
+          </a:p>
+        </p:txBody>
+      </p:sp>
+      <p:sp>
+        <p:nvSpPr>
+          <p:cNvPr id="10" name="Rectangle 9">
+            <a:extLst>
+              <a:ext uri="{FF2B5EF4-FFF2-40B4-BE49-F238E27FC236}">
+                <a16:creationId xmlns:a16="http://schemas.microsoft.com/office/drawing/2014/main" id="{C7C16F0E-1DA7-4C26-8AE0-9B062E1C9361}"/>
+              </a:ext>
+            </a:extLst>
+          </p:cNvPr>
+          <p:cNvSpPr/>
+          <p:nvPr/>
+        </p:nvSpPr>
+        <p:spPr>
+          <a:xfrm>
+            <a:off x="671123" y="3819085"/>
+            <a:ext cx="1110343" cy="690465"/>
+          </a:xfrm>
+          <a:prstGeom prst="rect">
+            <a:avLst/>
+          </a:prstGeom>
+        </p:spPr>
+        <p:style>
+          <a:lnRef idx="1">
+            <a:schemeClr val="accent1"/>
+          </a:lnRef>
+          <a:fillRef idx="3">
+            <a:schemeClr val="accent1"/>
+          </a:fillRef>
+          <a:effectRef idx="2">
+            <a:schemeClr val="accent1"/>
+          </a:effectRef>
+          <a:fontRef idx="minor">
+            <a:schemeClr val="lt1"/>
+          </a:fontRef>
+        </p:style>
+        <p:txBody>
+          <a:bodyPr rot="0" spcFirstLastPara="0" vertOverflow="overflow" horzOverflow="overflow" vert="horz" wrap="square" lIns="91440" tIns="45720" rIns="91440" bIns="45720" numCol="1" spcCol="0" rtlCol="0" fromWordArt="0" anchor="ctr" anchorCtr="0" forceAA="0" compatLnSpc="1">
+            <a:prstTxWarp prst="textNoShape">
+              <a:avLst/>
+            </a:prstTxWarp>
+            <a:noAutofit/>
+          </a:bodyPr>
+          <a:lstStyle/>
+          <a:p>
+            <a:pPr algn="ctr"/>
+            <a:r>
+              <a:rPr lang="it-IT" dirty="0">
+                <a:ln w="0"/>
+                <a:solidFill>
+                  <a:schemeClr val="tx1"/>
+                </a:solidFill>
+                <a:effectLst>
+                  <a:outerShdw blurRad="38100" dist="19050" dir="2700000" algn="tl" rotWithShape="0">
+                    <a:schemeClr val="dk1">
+                      <a:alpha val="40000"/>
+                    </a:schemeClr>
+                  </a:outerShdw>
+                </a:effectLst>
+              </a:rPr>
+              <a:t>Client App</a:t>
+            </a:r>
+          </a:p>
+        </p:txBody>
+      </p:sp>
+      <p:sp>
+        <p:nvSpPr>
+          <p:cNvPr id="11" name="Oval 10">
+            <a:extLst>
+              <a:ext uri="{FF2B5EF4-FFF2-40B4-BE49-F238E27FC236}">
+                <a16:creationId xmlns:a16="http://schemas.microsoft.com/office/drawing/2014/main" id="{A6F4AE5D-C9CE-401B-89BC-5FAE209C9A35}"/>
+              </a:ext>
+            </a:extLst>
+          </p:cNvPr>
+          <p:cNvSpPr/>
+          <p:nvPr/>
+        </p:nvSpPr>
+        <p:spPr>
+          <a:xfrm>
+            <a:off x="3124906" y="2219853"/>
+            <a:ext cx="1447094" cy="1209147"/>
+          </a:xfrm>
+          <a:prstGeom prst="ellipse">
+            <a:avLst/>
+          </a:prstGeom>
+        </p:spPr>
+        <p:style>
+          <a:lnRef idx="1">
+            <a:schemeClr val="accent2"/>
+          </a:lnRef>
+          <a:fillRef idx="3">
+            <a:schemeClr val="accent2"/>
+          </a:fillRef>
+          <a:effectRef idx="2">
+            <a:schemeClr val="accent2"/>
+          </a:effectRef>
+          <a:fontRef idx="minor">
+            <a:schemeClr val="lt1"/>
+          </a:fontRef>
+        </p:style>
+        <p:txBody>
+          <a:bodyPr rot="0" spcFirstLastPara="0" vertOverflow="overflow" horzOverflow="overflow" vert="horz" wrap="square" lIns="91440" tIns="45720" rIns="91440" bIns="45720" numCol="1" spcCol="0" rtlCol="0" fromWordArt="0" anchor="ctr" anchorCtr="0" forceAA="0" compatLnSpc="1">
+            <a:prstTxWarp prst="textNoShape">
+              <a:avLst/>
+            </a:prstTxWarp>
+            <a:noAutofit/>
+          </a:bodyPr>
+          <a:lstStyle/>
+          <a:p>
+            <a:pPr algn="ctr"/>
+            <a:r>
+              <a:rPr lang="it-IT" dirty="0">
+                <a:ln w="0"/>
+                <a:solidFill>
+                  <a:schemeClr val="tx1"/>
+                </a:solidFill>
+                <a:effectLst>
+                  <a:outerShdw blurRad="38100" dist="19050" dir="2700000" algn="tl" rotWithShape="0">
+                    <a:schemeClr val="dk1">
+                      <a:alpha val="40000"/>
+                    </a:schemeClr>
+                  </a:outerShdw>
+                </a:effectLst>
+              </a:rPr>
+              <a:t>REST service/ Query</a:t>
+            </a:r>
+          </a:p>
+        </p:txBody>
+      </p:sp>
+      <p:sp>
+        <p:nvSpPr>
+          <p:cNvPr id="12" name="Oval 11">
+            <a:extLst>
+              <a:ext uri="{FF2B5EF4-FFF2-40B4-BE49-F238E27FC236}">
+                <a16:creationId xmlns:a16="http://schemas.microsoft.com/office/drawing/2014/main" id="{F1E11EEB-84C1-4E1E-8B09-C84D2E536D7B}"/>
+              </a:ext>
+            </a:extLst>
+          </p:cNvPr>
+          <p:cNvSpPr/>
+          <p:nvPr/>
+        </p:nvSpPr>
+        <p:spPr>
+          <a:xfrm>
+            <a:off x="3082142" y="4977606"/>
+            <a:ext cx="1447094" cy="1209147"/>
+          </a:xfrm>
+          <a:prstGeom prst="ellipse">
+            <a:avLst/>
+          </a:prstGeom>
+        </p:spPr>
+        <p:style>
+          <a:lnRef idx="1">
+            <a:schemeClr val="accent2"/>
+          </a:lnRef>
+          <a:fillRef idx="3">
+            <a:schemeClr val="accent2"/>
+          </a:fillRef>
+          <a:effectRef idx="2">
+            <a:schemeClr val="accent2"/>
+          </a:effectRef>
+          <a:fontRef idx="minor">
+            <a:schemeClr val="lt1"/>
+          </a:fontRef>
+        </p:style>
+        <p:txBody>
+          <a:bodyPr rot="0" spcFirstLastPara="0" vertOverflow="overflow" horzOverflow="overflow" vert="horz" wrap="square" lIns="91440" tIns="45720" rIns="91440" bIns="45720" numCol="1" spcCol="0" rtlCol="0" fromWordArt="0" anchor="ctr" anchorCtr="0" forceAA="0" compatLnSpc="1">
+            <a:prstTxWarp prst="textNoShape">
+              <a:avLst/>
+            </a:prstTxWarp>
+            <a:noAutofit/>
+          </a:bodyPr>
+          <a:lstStyle/>
+          <a:p>
+            <a:pPr algn="ctr"/>
+            <a:r>
+              <a:rPr lang="it-IT" dirty="0">
+                <a:ln w="0"/>
+                <a:solidFill>
+                  <a:schemeClr val="tx1"/>
+                </a:solidFill>
+                <a:effectLst>
+                  <a:outerShdw blurRad="38100" dist="19050" dir="2700000" algn="tl" rotWithShape="0">
+                    <a:schemeClr val="dk1">
+                      <a:alpha val="40000"/>
+                    </a:schemeClr>
+                  </a:outerShdw>
+                </a:effectLst>
+              </a:rPr>
+              <a:t>REST service/ </a:t>
+            </a:r>
+            <a:r>
+              <a:rPr lang="it-IT" dirty="0" err="1">
+                <a:ln w="0"/>
+                <a:solidFill>
+                  <a:schemeClr val="tx1"/>
+                </a:solidFill>
+                <a:effectLst>
+                  <a:outerShdw blurRad="38100" dist="19050" dir="2700000" algn="tl" rotWithShape="0">
+                    <a:schemeClr val="dk1">
+                      <a:alpha val="40000"/>
+                    </a:schemeClr>
+                  </a:outerShdw>
+                </a:effectLst>
+              </a:rPr>
+              <a:t>Cmd</a:t>
+            </a:r>
+            <a:endParaRPr lang="it-IT" dirty="0">
+              <a:ln w="0"/>
+              <a:solidFill>
+                <a:schemeClr val="tx1"/>
+              </a:solidFill>
+              <a:effectLst>
+                <a:outerShdw blurRad="38100" dist="19050" dir="2700000" algn="tl" rotWithShape="0">
+                  <a:schemeClr val="dk1">
+                    <a:alpha val="40000"/>
+                  </a:schemeClr>
+                </a:outerShdw>
+              </a:effectLst>
+            </a:endParaRPr>
+          </a:p>
+        </p:txBody>
+      </p:sp>
+      <p:sp>
+        <p:nvSpPr>
+          <p:cNvPr id="13" name="Rectangle: Rounded Corners 12">
+            <a:extLst>
+              <a:ext uri="{FF2B5EF4-FFF2-40B4-BE49-F238E27FC236}">
+                <a16:creationId xmlns:a16="http://schemas.microsoft.com/office/drawing/2014/main" id="{CE8B0633-7818-4B53-B60D-57F957B8CD13}"/>
+              </a:ext>
+            </a:extLst>
+          </p:cNvPr>
+          <p:cNvSpPr/>
+          <p:nvPr/>
+        </p:nvSpPr>
+        <p:spPr>
+          <a:xfrm>
+            <a:off x="5771825" y="5240233"/>
+            <a:ext cx="1520890" cy="1243694"/>
+          </a:xfrm>
+          <a:prstGeom prst="roundRect">
+            <a:avLst/>
+          </a:prstGeom>
+        </p:spPr>
+        <p:style>
+          <a:lnRef idx="1">
+            <a:schemeClr val="accent3"/>
+          </a:lnRef>
+          <a:fillRef idx="3">
+            <a:schemeClr val="accent3"/>
+          </a:fillRef>
+          <a:effectRef idx="2">
+            <a:schemeClr val="accent3"/>
+          </a:effectRef>
+          <a:fontRef idx="minor">
+            <a:schemeClr val="lt1"/>
+          </a:fontRef>
+        </p:style>
+        <p:txBody>
+          <a:bodyPr rot="0" spcFirstLastPara="0" vertOverflow="overflow" horzOverflow="overflow" vert="horz" wrap="square" lIns="91440" tIns="45720" rIns="91440" bIns="45720" numCol="1" spcCol="0" rtlCol="0" fromWordArt="0" anchor="ctr" anchorCtr="0" forceAA="0" compatLnSpc="1">
+            <a:prstTxWarp prst="textNoShape">
+              <a:avLst/>
+            </a:prstTxWarp>
+            <a:noAutofit/>
+          </a:bodyPr>
+          <a:lstStyle/>
+          <a:p>
+            <a:pPr algn="ctr"/>
+            <a:r>
+              <a:rPr lang="it-IT" dirty="0">
+                <a:ln w="0"/>
+                <a:solidFill>
+                  <a:schemeClr val="tx1"/>
+                </a:solidFill>
+                <a:effectLst>
+                  <a:outerShdw blurRad="38100" dist="19050" dir="2700000" algn="tl" rotWithShape="0">
+                    <a:schemeClr val="dk1">
+                      <a:alpha val="40000"/>
+                    </a:schemeClr>
+                  </a:outerShdw>
+                </a:effectLst>
+              </a:rPr>
+              <a:t>Master data store</a:t>
+            </a:r>
+          </a:p>
+        </p:txBody>
+      </p:sp>
+      <p:sp>
+        <p:nvSpPr>
+          <p:cNvPr id="14" name="Rectangle: Rounded Corners 13">
+            <a:extLst>
+              <a:ext uri="{FF2B5EF4-FFF2-40B4-BE49-F238E27FC236}">
+                <a16:creationId xmlns:a16="http://schemas.microsoft.com/office/drawing/2014/main" id="{8FCC7B59-65CD-4353-9021-DE753173AA9B}"/>
+              </a:ext>
+            </a:extLst>
+          </p:cNvPr>
+          <p:cNvSpPr/>
+          <p:nvPr/>
+        </p:nvSpPr>
+        <p:spPr>
+          <a:xfrm>
+            <a:off x="5771825" y="2049139"/>
+            <a:ext cx="1520890" cy="1243694"/>
+          </a:xfrm>
+          <a:prstGeom prst="roundRect">
+            <a:avLst/>
+          </a:prstGeom>
+        </p:spPr>
+        <p:style>
+          <a:lnRef idx="1">
+            <a:schemeClr val="accent3"/>
+          </a:lnRef>
+          <a:fillRef idx="3">
+            <a:schemeClr val="accent3"/>
+          </a:fillRef>
+          <a:effectRef idx="2">
+            <a:schemeClr val="accent3"/>
+          </a:effectRef>
+          <a:fontRef idx="minor">
+            <a:schemeClr val="lt1"/>
+          </a:fontRef>
+        </p:style>
+        <p:txBody>
+          <a:bodyPr rot="0" spcFirstLastPara="0" vertOverflow="overflow" horzOverflow="overflow" vert="horz" wrap="square" lIns="91440" tIns="45720" rIns="91440" bIns="45720" numCol="1" spcCol="0" rtlCol="0" fromWordArt="0" anchor="ctr" anchorCtr="0" forceAA="0" compatLnSpc="1">
+            <a:prstTxWarp prst="textNoShape">
+              <a:avLst/>
+            </a:prstTxWarp>
+            <a:noAutofit/>
+          </a:bodyPr>
+          <a:lstStyle/>
+          <a:p>
+            <a:pPr algn="ctr"/>
+            <a:r>
+              <a:rPr lang="it-IT" dirty="0">
+                <a:ln w="0"/>
+                <a:solidFill>
+                  <a:schemeClr val="tx1"/>
+                </a:solidFill>
+                <a:effectLst>
+                  <a:outerShdw blurRad="38100" dist="19050" dir="2700000" algn="tl" rotWithShape="0">
+                    <a:schemeClr val="dk1">
+                      <a:alpha val="40000"/>
+                    </a:schemeClr>
+                  </a:outerShdw>
+                </a:effectLst>
+              </a:rPr>
+              <a:t>Query data store</a:t>
+            </a:r>
+          </a:p>
+        </p:txBody>
+      </p:sp>
+      <p:sp>
+        <p:nvSpPr>
+          <p:cNvPr id="15" name="Rectangle: Rounded Corners 14">
+            <a:extLst>
+              <a:ext uri="{FF2B5EF4-FFF2-40B4-BE49-F238E27FC236}">
+                <a16:creationId xmlns:a16="http://schemas.microsoft.com/office/drawing/2014/main" id="{6380BDC6-4994-4B91-8474-4F74AA51B757}"/>
+              </a:ext>
+            </a:extLst>
+          </p:cNvPr>
+          <p:cNvSpPr/>
+          <p:nvPr/>
+        </p:nvSpPr>
+        <p:spPr>
+          <a:xfrm>
+            <a:off x="7496755" y="3756775"/>
+            <a:ext cx="1322912" cy="1007648"/>
+          </a:xfrm>
+          <a:prstGeom prst="roundRect">
+            <a:avLst/>
+          </a:prstGeom>
+        </p:spPr>
+        <p:style>
+          <a:lnRef idx="1">
+            <a:schemeClr val="accent6"/>
+          </a:lnRef>
+          <a:fillRef idx="3">
+            <a:schemeClr val="accent6"/>
+          </a:fillRef>
+          <a:effectRef idx="2">
+            <a:schemeClr val="accent6"/>
+          </a:effectRef>
+          <a:fontRef idx="minor">
+            <a:schemeClr val="lt1"/>
+          </a:fontRef>
+        </p:style>
+        <p:txBody>
+          <a:bodyPr rot="0" spcFirstLastPara="0" vertOverflow="overflow" horzOverflow="overflow" vert="horz" wrap="square" lIns="91440" tIns="45720" rIns="91440" bIns="45720" numCol="1" spcCol="0" rtlCol="0" fromWordArt="0" anchor="ctr" anchorCtr="0" forceAA="0" compatLnSpc="1">
+            <a:prstTxWarp prst="textNoShape">
+              <a:avLst/>
+            </a:prstTxWarp>
+            <a:noAutofit/>
+          </a:bodyPr>
+          <a:lstStyle/>
+          <a:p>
+            <a:pPr algn="ctr"/>
+            <a:r>
+              <a:rPr lang="it-IT" dirty="0">
+                <a:ln w="0"/>
+                <a:solidFill>
+                  <a:schemeClr val="tx1"/>
+                </a:solidFill>
+                <a:effectLst>
+                  <a:outerShdw blurRad="38100" dist="19050" dir="2700000" algn="tl" rotWithShape="0">
+                    <a:schemeClr val="dk1">
+                      <a:alpha val="40000"/>
+                    </a:schemeClr>
+                  </a:outerShdw>
+                </a:effectLst>
+              </a:rPr>
+              <a:t>Replication</a:t>
+            </a:r>
+          </a:p>
+        </p:txBody>
+      </p:sp>
+      <p:cxnSp>
+        <p:nvCxnSpPr>
+          <p:cNvPr id="5" name="Straight Arrow Connector 4">
+            <a:extLst>
+              <a:ext uri="{FF2B5EF4-FFF2-40B4-BE49-F238E27FC236}">
+                <a16:creationId xmlns:a16="http://schemas.microsoft.com/office/drawing/2014/main" id="{95D90304-2D09-4BDB-9655-587F0969C745}"/>
+              </a:ext>
+            </a:extLst>
+          </p:cNvPr>
+          <p:cNvCxnSpPr>
+            <a:cxnSpLocks/>
+            <a:stCxn id="10" idx="3"/>
+            <a:endCxn id="12" idx="2"/>
+          </p:cNvCxnSpPr>
+          <p:nvPr/>
+        </p:nvCxnSpPr>
+        <p:spPr>
+          <a:xfrm>
+            <a:off x="1781466" y="4164318"/>
+            <a:ext cx="1300676" cy="1417862"/>
+          </a:xfrm>
+          <a:prstGeom prst="straightConnector1">
+            <a:avLst/>
+          </a:prstGeom>
+          <a:ln>
+            <a:tailEnd type="triangle"/>
+          </a:ln>
+        </p:spPr>
+        <p:style>
+          <a:lnRef idx="2">
+            <a:schemeClr val="accent1"/>
+          </a:lnRef>
+          <a:fillRef idx="0">
+            <a:schemeClr val="accent1"/>
+          </a:fillRef>
+          <a:effectRef idx="1">
+            <a:schemeClr val="accent1"/>
+          </a:effectRef>
+          <a:fontRef idx="minor">
+            <a:schemeClr val="tx1"/>
+          </a:fontRef>
+        </p:style>
+      </p:cxnSp>
+      <p:cxnSp>
+        <p:nvCxnSpPr>
+          <p:cNvPr id="16" name="Straight Arrow Connector 15">
+            <a:extLst>
+              <a:ext uri="{FF2B5EF4-FFF2-40B4-BE49-F238E27FC236}">
+                <a16:creationId xmlns:a16="http://schemas.microsoft.com/office/drawing/2014/main" id="{D9E8451C-1937-48CE-8387-DD845F29160C}"/>
+              </a:ext>
+            </a:extLst>
+          </p:cNvPr>
+          <p:cNvCxnSpPr>
+            <a:cxnSpLocks/>
+            <a:stCxn id="12" idx="6"/>
+            <a:endCxn id="13" idx="1"/>
+          </p:cNvCxnSpPr>
+          <p:nvPr/>
+        </p:nvCxnSpPr>
+        <p:spPr>
+          <a:xfrm>
+            <a:off x="4529236" y="5582180"/>
+            <a:ext cx="1242589" cy="279900"/>
+          </a:xfrm>
+          <a:prstGeom prst="straightConnector1">
+            <a:avLst/>
+          </a:prstGeom>
+          <a:ln>
+            <a:tailEnd type="triangle"/>
+          </a:ln>
+        </p:spPr>
+        <p:style>
+          <a:lnRef idx="2">
+            <a:schemeClr val="accent3"/>
+          </a:lnRef>
+          <a:fillRef idx="0">
+            <a:schemeClr val="accent3"/>
+          </a:fillRef>
+          <a:effectRef idx="1">
+            <a:schemeClr val="accent3"/>
+          </a:effectRef>
+          <a:fontRef idx="minor">
+            <a:schemeClr val="tx1"/>
+          </a:fontRef>
+        </p:style>
+      </p:cxnSp>
+      <p:cxnSp>
+        <p:nvCxnSpPr>
+          <p:cNvPr id="19" name="Straight Arrow Connector 18">
+            <a:extLst>
+              <a:ext uri="{FF2B5EF4-FFF2-40B4-BE49-F238E27FC236}">
+                <a16:creationId xmlns:a16="http://schemas.microsoft.com/office/drawing/2014/main" id="{C72A41B1-0FCA-4CA9-B23B-7787F6C93C00}"/>
+              </a:ext>
+            </a:extLst>
+          </p:cNvPr>
+          <p:cNvCxnSpPr>
+            <a:cxnSpLocks/>
+            <a:stCxn id="13" idx="3"/>
+            <a:endCxn id="15" idx="2"/>
+          </p:cNvCxnSpPr>
+          <p:nvPr/>
+        </p:nvCxnSpPr>
+        <p:spPr>
+          <a:xfrm flipV="1">
+            <a:off x="7292715" y="4764423"/>
+            <a:ext cx="865496" cy="1097657"/>
+          </a:xfrm>
+          <a:prstGeom prst="straightConnector1">
+            <a:avLst/>
+          </a:prstGeom>
+          <a:ln>
+            <a:tailEnd type="triangle"/>
+          </a:ln>
+        </p:spPr>
+        <p:style>
+          <a:lnRef idx="2">
+            <a:schemeClr val="accent3"/>
+          </a:lnRef>
+          <a:fillRef idx="0">
+            <a:schemeClr val="accent3"/>
+          </a:fillRef>
+          <a:effectRef idx="1">
+            <a:schemeClr val="accent3"/>
+          </a:effectRef>
+          <a:fontRef idx="minor">
+            <a:schemeClr val="tx1"/>
+          </a:fontRef>
+        </p:style>
+      </p:cxnSp>
+      <p:cxnSp>
+        <p:nvCxnSpPr>
+          <p:cNvPr id="22" name="Straight Arrow Connector 21">
+            <a:extLst>
+              <a:ext uri="{FF2B5EF4-FFF2-40B4-BE49-F238E27FC236}">
+                <a16:creationId xmlns:a16="http://schemas.microsoft.com/office/drawing/2014/main" id="{EC278F59-056C-4FC9-8B08-A65A2BC13AA0}"/>
+              </a:ext>
+            </a:extLst>
+          </p:cNvPr>
+          <p:cNvCxnSpPr>
+            <a:cxnSpLocks/>
+            <a:stCxn id="15" idx="0"/>
+            <a:endCxn id="14" idx="3"/>
+          </p:cNvCxnSpPr>
+          <p:nvPr/>
+        </p:nvCxnSpPr>
+        <p:spPr>
+          <a:xfrm flipH="1" flipV="1">
+            <a:off x="7292715" y="2670986"/>
+            <a:ext cx="865496" cy="1085789"/>
+          </a:xfrm>
+          <a:prstGeom prst="straightConnector1">
+            <a:avLst/>
+          </a:prstGeom>
+          <a:ln>
+            <a:tailEnd type="triangle"/>
+          </a:ln>
+        </p:spPr>
+        <p:style>
+          <a:lnRef idx="2">
+            <a:schemeClr val="accent3"/>
+          </a:lnRef>
+          <a:fillRef idx="0">
+            <a:schemeClr val="accent3"/>
+          </a:fillRef>
+          <a:effectRef idx="1">
+            <a:schemeClr val="accent3"/>
+          </a:effectRef>
+          <a:fontRef idx="minor">
+            <a:schemeClr val="tx1"/>
+          </a:fontRef>
+        </p:style>
+      </p:cxnSp>
+      <p:cxnSp>
+        <p:nvCxnSpPr>
+          <p:cNvPr id="28" name="Straight Arrow Connector 27">
+            <a:extLst>
+              <a:ext uri="{FF2B5EF4-FFF2-40B4-BE49-F238E27FC236}">
+                <a16:creationId xmlns:a16="http://schemas.microsoft.com/office/drawing/2014/main" id="{A987F837-C56F-4AE7-A092-E9B4D63B0463}"/>
+              </a:ext>
+            </a:extLst>
+          </p:cNvPr>
+          <p:cNvCxnSpPr>
+            <a:cxnSpLocks/>
+            <a:stCxn id="14" idx="1"/>
+            <a:endCxn id="11" idx="6"/>
+          </p:cNvCxnSpPr>
+          <p:nvPr/>
+        </p:nvCxnSpPr>
+        <p:spPr>
+          <a:xfrm flipH="1">
+            <a:off x="4572000" y="2670986"/>
+            <a:ext cx="1199825" cy="153441"/>
+          </a:xfrm>
+          <a:prstGeom prst="straightConnector1">
+            <a:avLst/>
+          </a:prstGeom>
+          <a:ln>
+            <a:tailEnd type="triangle"/>
+          </a:ln>
+        </p:spPr>
+        <p:style>
+          <a:lnRef idx="2">
+            <a:schemeClr val="accent3"/>
+          </a:lnRef>
+          <a:fillRef idx="0">
+            <a:schemeClr val="accent3"/>
+          </a:fillRef>
+          <a:effectRef idx="1">
+            <a:schemeClr val="accent3"/>
+          </a:effectRef>
+          <a:fontRef idx="minor">
+            <a:schemeClr val="tx1"/>
+          </a:fontRef>
+        </p:style>
+      </p:cxnSp>
+      <p:cxnSp>
+        <p:nvCxnSpPr>
+          <p:cNvPr id="31" name="Straight Arrow Connector 30">
+            <a:extLst>
+              <a:ext uri="{FF2B5EF4-FFF2-40B4-BE49-F238E27FC236}">
+                <a16:creationId xmlns:a16="http://schemas.microsoft.com/office/drawing/2014/main" id="{1D700850-A401-41E4-BCC2-89AAA85BCE7A}"/>
+              </a:ext>
+            </a:extLst>
+          </p:cNvPr>
+          <p:cNvCxnSpPr>
+            <a:cxnSpLocks/>
+            <a:stCxn id="10" idx="3"/>
+            <a:endCxn id="11" idx="2"/>
+          </p:cNvCxnSpPr>
+          <p:nvPr/>
+        </p:nvCxnSpPr>
+        <p:spPr>
+          <a:xfrm flipV="1">
+            <a:off x="1781466" y="2824427"/>
+            <a:ext cx="1343440" cy="1339891"/>
+          </a:xfrm>
+          <a:prstGeom prst="straightConnector1">
+            <a:avLst/>
+          </a:prstGeom>
+          <a:ln>
+            <a:tailEnd type="triangle"/>
+          </a:ln>
+        </p:spPr>
+        <p:style>
+          <a:lnRef idx="2">
+            <a:schemeClr val="accent1"/>
+          </a:lnRef>
+          <a:fillRef idx="0">
+            <a:schemeClr val="accent1"/>
+          </a:fillRef>
+          <a:effectRef idx="1">
+            <a:schemeClr val="accent1"/>
+          </a:effectRef>
+          <a:fontRef idx="minor">
+            <a:schemeClr val="tx1"/>
+          </a:fontRef>
+        </p:style>
+      </p:cxnSp>
+      <p:sp>
+        <p:nvSpPr>
+          <p:cNvPr id="37" name="Callout: Bent Line 36">
+            <a:extLst>
+              <a:ext uri="{FF2B5EF4-FFF2-40B4-BE49-F238E27FC236}">
+                <a16:creationId xmlns:a16="http://schemas.microsoft.com/office/drawing/2014/main" id="{D87F08E9-E24D-4B29-957C-5F6AB9D6F6BC}"/>
+              </a:ext>
+            </a:extLst>
+          </p:cNvPr>
+          <p:cNvSpPr/>
+          <p:nvPr/>
+        </p:nvSpPr>
+        <p:spPr>
+          <a:xfrm>
+            <a:off x="1382353" y="5783162"/>
+            <a:ext cx="914400" cy="403591"/>
+          </a:xfrm>
+          <a:prstGeom prst="borderCallout2">
+            <a:avLst>
+              <a:gd name="adj1" fmla="val -14434"/>
+              <a:gd name="adj2" fmla="val 53706"/>
+              <a:gd name="adj3" fmla="val -72479"/>
+              <a:gd name="adj4" fmla="val 94856"/>
+              <a:gd name="adj5" fmla="val -194088"/>
+              <a:gd name="adj6" fmla="val 110503"/>
+            </a:avLst>
+          </a:prstGeom>
+        </p:spPr>
+        <p:style>
+          <a:lnRef idx="1">
+            <a:schemeClr val="accent3"/>
+          </a:lnRef>
+          <a:fillRef idx="2">
+            <a:schemeClr val="accent3"/>
+          </a:fillRef>
+          <a:effectRef idx="1">
+            <a:schemeClr val="accent3"/>
+          </a:effectRef>
+          <a:fontRef idx="minor">
+            <a:schemeClr val="dk1"/>
+          </a:fontRef>
+        </p:style>
+        <p:txBody>
+          <a:bodyPr rtlCol="0" anchor="ctr"/>
+          <a:lstStyle/>
+          <a:p>
+            <a:pPr algn="ctr"/>
+            <a:r>
+              <a:rPr lang="it-IT" sz="1200" dirty="0" err="1"/>
+              <a:t>Command</a:t>
+            </a:r>
+            <a:r>
+              <a:rPr lang="it-IT" sz="1200" dirty="0"/>
+              <a:t> operations</a:t>
+            </a:r>
+          </a:p>
+        </p:txBody>
+      </p:sp>
+      <p:sp>
+        <p:nvSpPr>
+          <p:cNvPr id="38" name="Callout: Bent Line 37">
+            <a:extLst>
+              <a:ext uri="{FF2B5EF4-FFF2-40B4-BE49-F238E27FC236}">
+                <a16:creationId xmlns:a16="http://schemas.microsoft.com/office/drawing/2014/main" id="{10E32319-419C-46B5-99EF-639C7232AE6F}"/>
+              </a:ext>
+            </a:extLst>
+          </p:cNvPr>
+          <p:cNvSpPr/>
+          <p:nvPr/>
+        </p:nvSpPr>
+        <p:spPr>
+          <a:xfrm>
+            <a:off x="1324266" y="2371230"/>
+            <a:ext cx="914400" cy="403591"/>
+          </a:xfrm>
+          <a:prstGeom prst="borderCallout2">
+            <a:avLst>
+              <a:gd name="adj1" fmla="val 124127"/>
+              <a:gd name="adj2" fmla="val 50400"/>
+              <a:gd name="adj3" fmla="val 167194"/>
+              <a:gd name="adj4" fmla="val 60972"/>
+              <a:gd name="adj5" fmla="val 244064"/>
+              <a:gd name="adj6" fmla="val 125379"/>
+            </a:avLst>
+          </a:prstGeom>
+        </p:spPr>
+        <p:style>
+          <a:lnRef idx="1">
+            <a:schemeClr val="accent3"/>
+          </a:lnRef>
+          <a:fillRef idx="2">
+            <a:schemeClr val="accent3"/>
+          </a:fillRef>
+          <a:effectRef idx="1">
+            <a:schemeClr val="accent3"/>
+          </a:effectRef>
+          <a:fontRef idx="minor">
+            <a:schemeClr val="dk1"/>
+          </a:fontRef>
+        </p:style>
+        <p:txBody>
+          <a:bodyPr rtlCol="0" anchor="ctr"/>
+          <a:lstStyle/>
+          <a:p>
+            <a:pPr algn="ctr"/>
+            <a:r>
+              <a:rPr lang="it-IT" sz="1200" dirty="0"/>
+              <a:t>Query operations</a:t>
+            </a:r>
+          </a:p>
+        </p:txBody>
+      </p:sp>
+    </p:spTree>
+    <p:extLst>
+      <p:ext uri="{BB962C8B-B14F-4D97-AF65-F5344CB8AC3E}">
+        <p14:creationId xmlns:p14="http://schemas.microsoft.com/office/powerpoint/2010/main" val="2125302927"/>
+      </p:ext>
+    </p:extLst>
+  </p:cSld>
+  <p:clrMapOvr>
+    <a:masterClrMapping/>
+  </p:clrMapOvr>
+</p:sld>
+</file>
+
+<file path=ppt/slides/slide5.xml><?xml version="1.0" encoding="utf-8"?>
+<p:sld xmlns:a="http://schemas.openxmlformats.org/drawingml/2006/main" xmlns:r="http://schemas.openxmlformats.org/officeDocument/2006/relationships" xmlns:p="http://schemas.openxmlformats.org/presentationml/2006/main">
+  <p:cSld>
+    <p:spTree>
+      <p:nvGrpSpPr>
+        <p:cNvPr id="1" name=""/>
+        <p:cNvGrpSpPr/>
+        <p:nvPr/>
+      </p:nvGrpSpPr>
+      <p:grpSpPr>
+        <a:xfrm>
+          <a:off x="0" y="0"/>
+          <a:ext cx="0" cy="0"/>
+          <a:chOff x="0" y="0"/>
+          <a:chExt cx="0" cy="0"/>
+        </a:xfrm>
+      </p:grpSpPr>
+      <p:sp>
+        <p:nvSpPr>
+          <p:cNvPr id="2" name="Text Placeholder 1"/>
+          <p:cNvSpPr>
+            <a:spLocks noGrp="1"/>
+          </p:cNvSpPr>
+          <p:nvPr>
+            <p:ph type="body" sz="quarter" idx="11"/>
+          </p:nvPr>
+        </p:nvSpPr>
+        <p:spPr/>
+        <p:txBody>
+          <a:bodyPr/>
+          <a:lstStyle/>
+          <a:p>
+            <a:r>
+              <a:rPr lang="en-US"/>
+              <a:t>SRP Single Responsibility Principle</a:t>
+            </a:r>
+          </a:p>
+          <a:p>
+            <a:endParaRPr lang="en-US"/>
+          </a:p>
+          <a:p>
+            <a:endParaRPr lang="en-US" dirty="0"/>
+          </a:p>
+        </p:txBody>
+      </p:sp>
+      <p:pic>
+        <p:nvPicPr>
+          <p:cNvPr id="10" name="Picture 9">
+            <a:extLst>
+              <a:ext uri="{FF2B5EF4-FFF2-40B4-BE49-F238E27FC236}">
+                <a16:creationId xmlns:a16="http://schemas.microsoft.com/office/drawing/2014/main" id="{4190693A-9C04-40F2-8965-031E31197C0C}"/>
+              </a:ext>
+            </a:extLst>
+          </p:cNvPr>
+          <p:cNvPicPr>
+            <a:picLocks noChangeAspect="1"/>
+          </p:cNvPicPr>
+          <p:nvPr/>
+        </p:nvPicPr>
+        <p:blipFill>
+          <a:blip r:embed="rId3"/>
+          <a:stretch>
+            <a:fillRect/>
+          </a:stretch>
+        </p:blipFill>
+        <p:spPr>
+          <a:xfrm>
+            <a:off x="1504498" y="1855813"/>
+            <a:ext cx="6049475" cy="4852607"/>
+          </a:xfrm>
+          <a:prstGeom prst="rect">
+            <a:avLst/>
+          </a:prstGeom>
+        </p:spPr>
+      </p:pic>
+    </p:spTree>
+    <p:extLst>
+      <p:ext uri="{BB962C8B-B14F-4D97-AF65-F5344CB8AC3E}">
+        <p14:creationId xmlns:p14="http://schemas.microsoft.com/office/powerpoint/2010/main" val="2045971338"/>
+      </p:ext>
+    </p:extLst>
+  </p:cSld>
+  <p:clrMapOvr>
+    <a:masterClrMapping/>
+  </p:clrMapOvr>
+</p:sld>
+</file>
+
+<file path=ppt/slides/slide50.xml><?xml version="1.0" encoding="utf-8"?>
 <p:sld xmlns:a="http://schemas.openxmlformats.org/drawingml/2006/main" xmlns:r="http://schemas.openxmlformats.org/officeDocument/2006/relationships" xmlns:p="http://schemas.openxmlformats.org/presentationml/2006/main">
   <p:cSld>
     <p:spTree>
@@ -21595,7 +23666,7 @@
 </p:sld>
 </file>
 
-<file path=ppt/slides/slide48.xml><?xml version="1.0" encoding="utf-8"?>
+<file path=ppt/slides/slide51.xml><?xml version="1.0" encoding="utf-8"?>
 <p:sld xmlns:a="http://schemas.openxmlformats.org/drawingml/2006/main" xmlns:r="http://schemas.openxmlformats.org/officeDocument/2006/relationships" xmlns:p="http://schemas.openxmlformats.org/presentationml/2006/main">
   <p:cSld>
     <p:spTree>
@@ -22484,7 +24555,7 @@
 </p:sld>
 </file>
 
-<file path=ppt/slides/slide49.xml><?xml version="1.0" encoding="utf-8"?>
+<file path=ppt/slides/slide52.xml><?xml version="1.0" encoding="utf-8"?>
 <p:sld xmlns:a="http://schemas.openxmlformats.org/drawingml/2006/main" xmlns:r="http://schemas.openxmlformats.org/officeDocument/2006/relationships" xmlns:p="http://schemas.openxmlformats.org/presentationml/2006/main">
   <p:cSld>
     <p:spTree>
@@ -22529,7 +24600,7 @@
     </p:spTree>
     <p:extLst>
       <p:ext uri="{BB962C8B-B14F-4D97-AF65-F5344CB8AC3E}">
-        <p14:creationId xmlns:p14="http://schemas.microsoft.com/office/powerpoint/2010/main" val="3590855284"/>
+        <p14:creationId xmlns:p14="http://schemas.microsoft.com/office/powerpoint/2010/main" val="804912471"/>
       </p:ext>
     </p:extLst>
   </p:cSld>
@@ -22539,95 +24610,7 @@
 </p:sld>
 </file>
 
-<file path=ppt/slides/slide5.xml><?xml version="1.0" encoding="utf-8"?>
-<p:sld xmlns:a="http://schemas.openxmlformats.org/drawingml/2006/main" xmlns:r="http://schemas.openxmlformats.org/officeDocument/2006/relationships" xmlns:p="http://schemas.openxmlformats.org/presentationml/2006/main">
-  <p:cSld>
-    <p:spTree>
-      <p:nvGrpSpPr>
-        <p:cNvPr id="1" name=""/>
-        <p:cNvGrpSpPr/>
-        <p:nvPr/>
-      </p:nvGrpSpPr>
-      <p:grpSpPr>
-        <a:xfrm>
-          <a:off x="0" y="0"/>
-          <a:ext cx="0" cy="0"/>
-          <a:chOff x="0" y="0"/>
-          <a:chExt cx="0" cy="0"/>
-        </a:xfrm>
-      </p:grpSpPr>
-      <p:sp>
-        <p:nvSpPr>
-          <p:cNvPr id="2" name="Text Placeholder 1"/>
-          <p:cNvSpPr>
-            <a:spLocks noGrp="1"/>
-          </p:cNvSpPr>
-          <p:nvPr>
-            <p:ph type="body" sz="quarter" idx="11"/>
-          </p:nvPr>
-        </p:nvSpPr>
-        <p:spPr/>
-        <p:txBody>
-          <a:bodyPr/>
-          <a:lstStyle/>
-          <a:p>
-            <a:r>
-              <a:rPr lang="en-US"/>
-              <a:t>SRP Single Responsibility Principle</a:t>
-            </a:r>
-          </a:p>
-          <a:p>
-            <a:endParaRPr lang="en-US"/>
-          </a:p>
-          <a:p>
-            <a:endParaRPr lang="en-US" dirty="0"/>
-          </a:p>
-        </p:txBody>
-      </p:sp>
-      <p:pic>
-        <p:nvPicPr>
-          <p:cNvPr id="10" name="Picture 9">
-            <a:extLst>
-              <a:ext uri="{FF2B5EF4-FFF2-40B4-BE49-F238E27FC236}">
-                <a16:creationId xmlns:a16="http://schemas.microsoft.com/office/drawing/2014/main" id="{4190693A-9C04-40F2-8965-031E31197C0C}"/>
-              </a:ext>
-            </a:extLst>
-          </p:cNvPr>
-          <p:cNvPicPr>
-            <a:picLocks noChangeAspect="1"/>
-          </p:cNvPicPr>
-          <p:nvPr/>
-        </p:nvPicPr>
-        <p:blipFill>
-          <a:blip r:embed="rId3"/>
-          <a:stretch>
-            <a:fillRect/>
-          </a:stretch>
-        </p:blipFill>
-        <p:spPr>
-          <a:xfrm>
-            <a:off x="1504498" y="1855813"/>
-            <a:ext cx="6049475" cy="4852607"/>
-          </a:xfrm>
-          <a:prstGeom prst="rect">
-            <a:avLst/>
-          </a:prstGeom>
-        </p:spPr>
-      </p:pic>
-    </p:spTree>
-    <p:extLst>
-      <p:ext uri="{BB962C8B-B14F-4D97-AF65-F5344CB8AC3E}">
-        <p14:creationId xmlns:p14="http://schemas.microsoft.com/office/powerpoint/2010/main" val="2045971338"/>
-      </p:ext>
-    </p:extLst>
-  </p:cSld>
-  <p:clrMapOvr>
-    <a:masterClrMapping/>
-  </p:clrMapOvr>
-</p:sld>
-</file>
-
-<file path=ppt/slides/slide50.xml><?xml version="1.0" encoding="utf-8"?>
+<file path=ppt/slides/slide53.xml><?xml version="1.0" encoding="utf-8"?>
 <p:sld xmlns:a="http://schemas.openxmlformats.org/drawingml/2006/main" xmlns:r="http://schemas.openxmlformats.org/officeDocument/2006/relationships" xmlns:p="http://schemas.openxmlformats.org/presentationml/2006/main">
   <p:cSld>
     <p:spTree>

--- a/docs/solid.pptx
+++ b/docs/solid.pptx
@@ -286,7 +286,7 @@
           <a:p>
             <a:fld id="{BB6D47BE-B638-4384-8186-1BE11A133744}" type="datetimeFigureOut">
               <a:rPr lang="it-IT" smtClean="0"/>
-              <a:t>12/07/2021</a:t>
+              <a:t>13/07/2021</a:t>
             </a:fld>
             <a:endParaRPr lang="it-IT"/>
           </a:p>
@@ -463,7 +463,7 @@
           <a:p>
             <a:fld id="{511C7247-C3DA-4B1B-BCAA-E9308B4A9CD3}" type="datetimeFigureOut">
               <a:rPr lang="en-GB" smtClean="0"/>
-              <a:t>12/07/2021</a:t>
+              <a:t>13/07/2021</a:t>
             </a:fld>
             <a:endParaRPr lang="en-GB"/>
           </a:p>
@@ -24597,6 +24597,164 @@
           </a:p>
         </p:txBody>
       </p:sp>
+      <p:sp>
+        <p:nvSpPr>
+          <p:cNvPr id="3" name="TextBox 2">
+            <a:extLst>
+              <a:ext uri="{FF2B5EF4-FFF2-40B4-BE49-F238E27FC236}">
+                <a16:creationId xmlns:a16="http://schemas.microsoft.com/office/drawing/2014/main" id="{783286F2-3305-4443-93FE-33C7694E04E7}"/>
+              </a:ext>
+            </a:extLst>
+          </p:cNvPr>
+          <p:cNvSpPr txBox="1"/>
+          <p:nvPr/>
+        </p:nvSpPr>
+        <p:spPr>
+          <a:xfrm>
+            <a:off x="328613" y="2064791"/>
+            <a:ext cx="8210747" cy="584775"/>
+          </a:xfrm>
+          <a:prstGeom prst="rect">
+            <a:avLst/>
+          </a:prstGeom>
+          <a:noFill/>
+        </p:spPr>
+        <p:txBody>
+          <a:bodyPr wrap="square" rtlCol="0">
+            <a:spAutoFit/>
+          </a:bodyPr>
+          <a:lstStyle/>
+          <a:p>
+            <a:r>
+              <a:rPr lang="en-GB" sz="1600" b="1" dirty="0"/>
+              <a:t>SRP </a:t>
+            </a:r>
+            <a:r>
+              <a:rPr lang="en-GB" sz="1600" dirty="0"/>
+              <a:t>has we know from OOD is about having cohesive functionality giving one responsibility to a class</a:t>
+            </a:r>
+            <a:endParaRPr lang="en-GB" sz="1600" b="1" dirty="0"/>
+          </a:p>
+        </p:txBody>
+      </p:sp>
+      <p:sp>
+        <p:nvSpPr>
+          <p:cNvPr id="4" name="TextBox 3">
+            <a:extLst>
+              <a:ext uri="{FF2B5EF4-FFF2-40B4-BE49-F238E27FC236}">
+                <a16:creationId xmlns:a16="http://schemas.microsoft.com/office/drawing/2014/main" id="{B2D605F2-C84A-4C24-A154-091C3FDB83AA}"/>
+              </a:ext>
+            </a:extLst>
+          </p:cNvPr>
+          <p:cNvSpPr txBox="1"/>
+          <p:nvPr/>
+        </p:nvSpPr>
+        <p:spPr>
+          <a:xfrm>
+            <a:off x="328613" y="2649566"/>
+            <a:ext cx="8210747" cy="584775"/>
+          </a:xfrm>
+          <a:prstGeom prst="rect">
+            <a:avLst/>
+          </a:prstGeom>
+          <a:noFill/>
+        </p:spPr>
+        <p:txBody>
+          <a:bodyPr wrap="square" rtlCol="0">
+            <a:spAutoFit/>
+          </a:bodyPr>
+          <a:lstStyle/>
+          <a:p>
+            <a:r>
+              <a:rPr lang="en-US" sz="1600" dirty="0"/>
+              <a:t>The notion of single responsibility can be extended to the cohesiveness of services within a microservice</a:t>
+            </a:r>
+            <a:endParaRPr lang="en-GB" sz="1600" b="1" dirty="0"/>
+          </a:p>
+        </p:txBody>
+      </p:sp>
+      <p:sp>
+        <p:nvSpPr>
+          <p:cNvPr id="5" name="TextBox 4">
+            <a:extLst>
+              <a:ext uri="{FF2B5EF4-FFF2-40B4-BE49-F238E27FC236}">
+                <a16:creationId xmlns:a16="http://schemas.microsoft.com/office/drawing/2014/main" id="{BA66D40A-9112-43DD-9217-9A54345FD6F3}"/>
+              </a:ext>
+            </a:extLst>
+          </p:cNvPr>
+          <p:cNvSpPr txBox="1"/>
+          <p:nvPr/>
+        </p:nvSpPr>
+        <p:spPr>
+          <a:xfrm>
+            <a:off x="328613" y="3256946"/>
+            <a:ext cx="8210747" cy="584775"/>
+          </a:xfrm>
+          <a:prstGeom prst="rect">
+            <a:avLst/>
+          </a:prstGeom>
+          <a:noFill/>
+        </p:spPr>
+        <p:txBody>
+          <a:bodyPr wrap="square" rtlCol="0">
+            <a:spAutoFit/>
+          </a:bodyPr>
+          <a:lstStyle/>
+          <a:p>
+            <a:r>
+              <a:rPr lang="en-US" sz="1600" dirty="0"/>
+              <a:t>An important aspect of maturity in microservice design is the ability to create microservices that are not too coarse- or too fine-grained</a:t>
+            </a:r>
+            <a:endParaRPr lang="en-GB" sz="1600" b="1" dirty="0"/>
+          </a:p>
+        </p:txBody>
+      </p:sp>
+      <p:sp>
+        <p:nvSpPr>
+          <p:cNvPr id="6" name="TextBox 5">
+            <a:extLst>
+              <a:ext uri="{FF2B5EF4-FFF2-40B4-BE49-F238E27FC236}">
+                <a16:creationId xmlns:a16="http://schemas.microsoft.com/office/drawing/2014/main" id="{00C0D6D4-4503-4922-ABD2-101F77FE016C}"/>
+              </a:ext>
+            </a:extLst>
+          </p:cNvPr>
+          <p:cNvSpPr txBox="1"/>
+          <p:nvPr/>
+        </p:nvSpPr>
+        <p:spPr>
+          <a:xfrm>
+            <a:off x="328613" y="3864326"/>
+            <a:ext cx="8210747" cy="584775"/>
+          </a:xfrm>
+          <a:prstGeom prst="rect">
+            <a:avLst/>
+          </a:prstGeom>
+          <a:noFill/>
+        </p:spPr>
+        <p:txBody>
+          <a:bodyPr wrap="square" rtlCol="0">
+            <a:spAutoFit/>
+          </a:bodyPr>
+          <a:lstStyle/>
+          <a:p>
+            <a:r>
+              <a:rPr lang="en-US" sz="1600" dirty="0"/>
+              <a:t>An approach that has become popular in the industry to drive the scope of microservices is to follow </a:t>
+            </a:r>
+            <a:r>
+              <a:rPr lang="en-US" sz="1600" u="sng" dirty="0">
+                <a:hlinkClick r:id="rId3"/>
+              </a:rPr>
+              <a:t>Domain-Driven Design (DDD)</a:t>
+            </a:r>
+            <a:r>
+              <a:rPr lang="en-US" sz="1600" dirty="0"/>
+              <a:t> precepts</a:t>
+            </a:r>
+            <a:endParaRPr lang="en-GB" sz="1600" b="1" dirty="0"/>
+          </a:p>
+        </p:txBody>
+      </p:sp>
     </p:spTree>
     <p:extLst>
       <p:ext uri="{BB962C8B-B14F-4D97-AF65-F5344CB8AC3E}">
@@ -24607,6 +24765,254 @@
   <p:clrMapOvr>
     <a:masterClrMapping/>
   </p:clrMapOvr>
+  <p:timing>
+    <p:tnLst>
+      <p:par>
+        <p:cTn id="1" dur="indefinite" restart="never" nodeType="tmRoot">
+          <p:childTnLst>
+            <p:seq concurrent="1" nextAc="seek">
+              <p:cTn id="2" dur="indefinite" nodeType="mainSeq">
+                <p:childTnLst>
+                  <p:par>
+                    <p:cTn id="3" fill="hold">
+                      <p:stCondLst>
+                        <p:cond delay="indefinite"/>
+                      </p:stCondLst>
+                      <p:childTnLst>
+                        <p:par>
+                          <p:cTn id="4" fill="hold">
+                            <p:stCondLst>
+                              <p:cond delay="0"/>
+                            </p:stCondLst>
+                            <p:childTnLst>
+                              <p:par>
+                                <p:cTn id="5" presetID="10" presetClass="entr" presetSubtype="0" fill="hold" grpId="0" nodeType="clickEffect">
+                                  <p:stCondLst>
+                                    <p:cond delay="0"/>
+                                  </p:stCondLst>
+                                  <p:childTnLst>
+                                    <p:set>
+                                      <p:cBhvr>
+                                        <p:cTn id="6" dur="1" fill="hold">
+                                          <p:stCondLst>
+                                            <p:cond delay="0"/>
+                                          </p:stCondLst>
+                                        </p:cTn>
+                                        <p:tgtEl>
+                                          <p:spTgt spid="3"/>
+                                        </p:tgtEl>
+                                        <p:attrNameLst>
+                                          <p:attrName>style.visibility</p:attrName>
+                                        </p:attrNameLst>
+                                      </p:cBhvr>
+                                      <p:to>
+                                        <p:strVal val="visible"/>
+                                      </p:to>
+                                    </p:set>
+                                    <p:animEffect transition="in" filter="fade">
+                                      <p:cBhvr>
+                                        <p:cTn id="7" dur="500"/>
+                                        <p:tgtEl>
+                                          <p:spTgt spid="3"/>
+                                        </p:tgtEl>
+                                      </p:cBhvr>
+                                    </p:animEffect>
+                                  </p:childTnLst>
+                                </p:cTn>
+                              </p:par>
+                            </p:childTnLst>
+                          </p:cTn>
+                        </p:par>
+                      </p:childTnLst>
+                    </p:cTn>
+                  </p:par>
+                  <p:par>
+                    <p:cTn id="8" fill="hold">
+                      <p:stCondLst>
+                        <p:cond delay="indefinite"/>
+                      </p:stCondLst>
+                      <p:childTnLst>
+                        <p:par>
+                          <p:cTn id="9" fill="hold">
+                            <p:stCondLst>
+                              <p:cond delay="0"/>
+                            </p:stCondLst>
+                            <p:childTnLst>
+                              <p:par>
+                                <p:cTn id="10" presetID="10" presetClass="entr" presetSubtype="0" fill="hold" grpId="0" nodeType="clickEffect">
+                                  <p:stCondLst>
+                                    <p:cond delay="0"/>
+                                  </p:stCondLst>
+                                  <p:childTnLst>
+                                    <p:set>
+                                      <p:cBhvr>
+                                        <p:cTn id="11" dur="1" fill="hold">
+                                          <p:stCondLst>
+                                            <p:cond delay="0"/>
+                                          </p:stCondLst>
+                                        </p:cTn>
+                                        <p:tgtEl>
+                                          <p:spTgt spid="4"/>
+                                        </p:tgtEl>
+                                        <p:attrNameLst>
+                                          <p:attrName>style.visibility</p:attrName>
+                                        </p:attrNameLst>
+                                      </p:cBhvr>
+                                      <p:to>
+                                        <p:strVal val="visible"/>
+                                      </p:to>
+                                    </p:set>
+                                    <p:animEffect transition="in" filter="fade">
+                                      <p:cBhvr>
+                                        <p:cTn id="12" dur="500"/>
+                                        <p:tgtEl>
+                                          <p:spTgt spid="4"/>
+                                        </p:tgtEl>
+                                      </p:cBhvr>
+                                    </p:animEffect>
+                                  </p:childTnLst>
+                                </p:cTn>
+                              </p:par>
+                            </p:childTnLst>
+                          </p:cTn>
+                        </p:par>
+                      </p:childTnLst>
+                    </p:cTn>
+                  </p:par>
+                  <p:par>
+                    <p:cTn id="13" fill="hold">
+                      <p:stCondLst>
+                        <p:cond delay="indefinite"/>
+                      </p:stCondLst>
+                      <p:childTnLst>
+                        <p:par>
+                          <p:cTn id="14" fill="hold">
+                            <p:stCondLst>
+                              <p:cond delay="0"/>
+                            </p:stCondLst>
+                            <p:childTnLst>
+                              <p:par>
+                                <p:cTn id="15" presetID="10" presetClass="entr" presetSubtype="0" fill="hold" grpId="0" nodeType="clickEffect">
+                                  <p:stCondLst>
+                                    <p:cond delay="0"/>
+                                  </p:stCondLst>
+                                  <p:childTnLst>
+                                    <p:set>
+                                      <p:cBhvr>
+                                        <p:cTn id="16" dur="1" fill="hold">
+                                          <p:stCondLst>
+                                            <p:cond delay="0"/>
+                                          </p:stCondLst>
+                                        </p:cTn>
+                                        <p:tgtEl>
+                                          <p:spTgt spid="5"/>
+                                        </p:tgtEl>
+                                        <p:attrNameLst>
+                                          <p:attrName>style.visibility</p:attrName>
+                                        </p:attrNameLst>
+                                      </p:cBhvr>
+                                      <p:to>
+                                        <p:strVal val="visible"/>
+                                      </p:to>
+                                    </p:set>
+                                    <p:animEffect transition="in" filter="fade">
+                                      <p:cBhvr>
+                                        <p:cTn id="17" dur="500"/>
+                                        <p:tgtEl>
+                                          <p:spTgt spid="5"/>
+                                        </p:tgtEl>
+                                      </p:cBhvr>
+                                    </p:animEffect>
+                                  </p:childTnLst>
+                                </p:cTn>
+                              </p:par>
+                            </p:childTnLst>
+                          </p:cTn>
+                        </p:par>
+                      </p:childTnLst>
+                    </p:cTn>
+                  </p:par>
+                  <p:par>
+                    <p:cTn id="18" fill="hold">
+                      <p:stCondLst>
+                        <p:cond delay="indefinite"/>
+                      </p:stCondLst>
+                      <p:childTnLst>
+                        <p:par>
+                          <p:cTn id="19" fill="hold">
+                            <p:stCondLst>
+                              <p:cond delay="0"/>
+                            </p:stCondLst>
+                            <p:childTnLst>
+                              <p:par>
+                                <p:cTn id="20" presetID="10" presetClass="entr" presetSubtype="0" fill="hold" grpId="0" nodeType="clickEffect">
+                                  <p:stCondLst>
+                                    <p:cond delay="0"/>
+                                  </p:stCondLst>
+                                  <p:childTnLst>
+                                    <p:set>
+                                      <p:cBhvr>
+                                        <p:cTn id="21" dur="1" fill="hold">
+                                          <p:stCondLst>
+                                            <p:cond delay="0"/>
+                                          </p:stCondLst>
+                                        </p:cTn>
+                                        <p:tgtEl>
+                                          <p:spTgt spid="6"/>
+                                        </p:tgtEl>
+                                        <p:attrNameLst>
+                                          <p:attrName>style.visibility</p:attrName>
+                                        </p:attrNameLst>
+                                      </p:cBhvr>
+                                      <p:to>
+                                        <p:strVal val="visible"/>
+                                      </p:to>
+                                    </p:set>
+                                    <p:animEffect transition="in" filter="fade">
+                                      <p:cBhvr>
+                                        <p:cTn id="22" dur="500"/>
+                                        <p:tgtEl>
+                                          <p:spTgt spid="6"/>
+                                        </p:tgtEl>
+                                      </p:cBhvr>
+                                    </p:animEffect>
+                                  </p:childTnLst>
+                                </p:cTn>
+                              </p:par>
+                            </p:childTnLst>
+                          </p:cTn>
+                        </p:par>
+                      </p:childTnLst>
+                    </p:cTn>
+                  </p:par>
+                </p:childTnLst>
+              </p:cTn>
+              <p:prevCondLst>
+                <p:cond evt="onPrev" delay="0">
+                  <p:tgtEl>
+                    <p:sldTgt/>
+                  </p:tgtEl>
+                </p:cond>
+              </p:prevCondLst>
+              <p:nextCondLst>
+                <p:cond evt="onNext" delay="0">
+                  <p:tgtEl>
+                    <p:sldTgt/>
+                  </p:tgtEl>
+                </p:cond>
+              </p:nextCondLst>
+            </p:seq>
+          </p:childTnLst>
+        </p:cTn>
+      </p:par>
+    </p:tnLst>
+    <p:bldLst>
+      <p:bldP spid="3" grpId="0"/>
+      <p:bldP spid="4" grpId="0"/>
+      <p:bldP spid="5" grpId="0"/>
+      <p:bldP spid="6" grpId="0"/>
+    </p:bldLst>
+  </p:timing>
 </p:sld>
 </file>
 

--- a/docs/solid.pptx
+++ b/docs/solid.pptx
@@ -5826,6 +5826,14 @@
 <file path=ppt/slideLayouts/slideLayout3.xml><?xml version="1.0" encoding="utf-8"?>
 <p:sldLayout xmlns:a="http://schemas.openxmlformats.org/drawingml/2006/main" xmlns:r="http://schemas.openxmlformats.org/officeDocument/2006/relationships" xmlns:p="http://schemas.openxmlformats.org/presentationml/2006/main" showMasterSp="0" userDrawn="1">
   <p:cSld name="Title slide">
+    <p:bg>
+      <p:bgPr>
+        <a:solidFill>
+          <a:schemeClr val="tx1"/>
+        </a:solidFill>
+        <a:effectLst/>
+      </p:bgPr>
+    </p:bg>
     <p:spTree>
       <p:nvGrpSpPr>
         <p:cNvPr id="1" name=""/>
@@ -5977,6 +5985,14 @@
 <file path=ppt/slideLayouts/slideLayout4.xml><?xml version="1.0" encoding="utf-8"?>
 <p:sldLayout xmlns:a="http://schemas.openxmlformats.org/drawingml/2006/main" xmlns:r="http://schemas.openxmlformats.org/officeDocument/2006/relationships" xmlns:p="http://schemas.openxmlformats.org/presentationml/2006/main" showMasterSp="0" userDrawn="1">
   <p:cSld name="sub-title slide">
+    <p:bg>
+      <p:bgPr>
+        <a:solidFill>
+          <a:schemeClr val="tx1"/>
+        </a:solidFill>
+        <a:effectLst/>
+      </p:bgPr>
+    </p:bg>
     <p:spTree>
       <p:nvGrpSpPr>
         <p:cNvPr id="1" name=""/>
@@ -7618,7 +7634,7 @@
         </p:nvSpPr>
         <p:spPr>
           <a:xfrm>
-            <a:off x="388620" y="4937760"/>
+            <a:off x="388620" y="4614594"/>
             <a:ext cx="7383780" cy="646331"/>
           </a:xfrm>
           <a:prstGeom prst="rect">
@@ -7634,23 +7650,35 @@
           <a:p>
             <a:r>
               <a:rPr lang="en-US" sz="3600" i="1" dirty="0">
+                <a:solidFill>
+                  <a:schemeClr val="bg1"/>
+                </a:solidFill>
                 <a:latin typeface="Chronicle Display Light" pitchFamily="50" charset="0"/>
               </a:rPr>
               <a:t>All </a:t>
             </a:r>
             <a:r>
               <a:rPr lang="en-US" sz="3600" b="1" i="1" dirty="0">
+                <a:solidFill>
+                  <a:schemeClr val="bg1"/>
+                </a:solidFill>
                 <a:latin typeface="Chronicle Display Light" pitchFamily="50" charset="0"/>
               </a:rPr>
               <a:t>DEVELOPER </a:t>
             </a:r>
             <a:r>
               <a:rPr lang="en-US" sz="3600" i="1" dirty="0">
+                <a:solidFill>
+                  <a:schemeClr val="bg1"/>
+                </a:solidFill>
                 <a:latin typeface="Chronicle Display Light" pitchFamily="50" charset="0"/>
               </a:rPr>
               <a:t>must know…</a:t>
             </a:r>
             <a:endParaRPr lang="en-US" sz="2400" i="1" dirty="0">
+              <a:solidFill>
+                <a:schemeClr val="bg1"/>
+              </a:solidFill>
               <a:latin typeface="Chronicle Display Light" pitchFamily="50" charset="0"/>
             </a:endParaRPr>
           </a:p>
@@ -7675,7 +7703,7 @@
         <p:spPr>
           <a:xfrm>
             <a:off x="328613" y="1079048"/>
-            <a:ext cx="8401246" cy="3750648"/>
+            <a:ext cx="8401246" cy="3183114"/>
           </a:xfrm>
         </p:spPr>
         <p:txBody>
@@ -7683,17 +7711,24 @@
           <a:lstStyle/>
           <a:p>
             <a:pPr algn="ctr"/>
-            <a:endParaRPr lang="it-IT" dirty="0"/>
+            <a:r>
+              <a:rPr lang="it-IT" sz="9600" b="1" i="1" dirty="0">
+                <a:solidFill>
+                  <a:schemeClr val="bg1"/>
+                </a:solidFill>
+              </a:rPr>
+              <a:t>SOFTWARE </a:t>
+            </a:r>
           </a:p>
           <a:p>
             <a:pPr algn="ctr"/>
-            <a:endParaRPr lang="it-IT" dirty="0"/>
-          </a:p>
-          <a:p>
-            <a:pPr algn="ctr"/>
-            <a:r>
-              <a:rPr lang="it-IT" sz="6000" b="1" i="1" dirty="0"/>
-              <a:t>SOFTWARE PRINCIPLES</a:t>
+            <a:r>
+              <a:rPr lang="it-IT" sz="9600" b="1" i="1" dirty="0">
+                <a:solidFill>
+                  <a:schemeClr val="bg1"/>
+                </a:solidFill>
+              </a:rPr>
+              <a:t>PRINCIPLES</a:t>
             </a:r>
           </a:p>
         </p:txBody>
@@ -7712,7 +7747,7 @@
         </p:nvSpPr>
         <p:spPr>
           <a:xfrm>
-            <a:off x="388620" y="5455786"/>
+            <a:off x="388620" y="5260925"/>
             <a:ext cx="7383780" cy="646331"/>
           </a:xfrm>
           <a:prstGeom prst="rect">
@@ -7728,11 +7763,63 @@
           <a:p>
             <a:r>
               <a:rPr lang="en-US" sz="3600" i="1" dirty="0">
+                <a:solidFill>
+                  <a:schemeClr val="bg1"/>
+                </a:solidFill>
                 <a:latin typeface="Chronicle Display Light" pitchFamily="50" charset="0"/>
               </a:rPr>
-              <a:t>…and apply</a:t>
+              <a:t>…and apply…</a:t>
             </a:r>
             <a:endParaRPr lang="en-US" sz="2400" i="1" dirty="0">
+              <a:solidFill>
+                <a:schemeClr val="bg1"/>
+              </a:solidFill>
+              <a:latin typeface="Chronicle Display Light" pitchFamily="50" charset="0"/>
+            </a:endParaRPr>
+          </a:p>
+        </p:txBody>
+      </p:sp>
+      <p:sp>
+        <p:nvSpPr>
+          <p:cNvPr id="5" name="TextBox 4">
+            <a:extLst>
+              <a:ext uri="{FF2B5EF4-FFF2-40B4-BE49-F238E27FC236}">
+                <a16:creationId xmlns:a16="http://schemas.microsoft.com/office/drawing/2014/main" id="{39BBCFBA-4ECE-469A-9FE2-F78BDB964AE4}"/>
+              </a:ext>
+            </a:extLst>
+          </p:cNvPr>
+          <p:cNvSpPr txBox="1"/>
+          <p:nvPr/>
+        </p:nvSpPr>
+        <p:spPr>
+          <a:xfrm>
+            <a:off x="388620" y="5935147"/>
+            <a:ext cx="7383780" cy="646331"/>
+          </a:xfrm>
+          <a:prstGeom prst="rect">
+            <a:avLst/>
+          </a:prstGeom>
+          <a:noFill/>
+        </p:spPr>
+        <p:txBody>
+          <a:bodyPr wrap="square" rtlCol="0">
+            <a:spAutoFit/>
+          </a:bodyPr>
+          <a:lstStyle/>
+          <a:p>
+            <a:r>
+              <a:rPr lang="en-US" sz="3600" i="1" dirty="0">
+                <a:solidFill>
+                  <a:schemeClr val="bg1"/>
+                </a:solidFill>
+                <a:latin typeface="Chronicle Display Light" pitchFamily="50" charset="0"/>
+              </a:rPr>
+              <a:t>…when possible</a:t>
+            </a:r>
+            <a:endParaRPr lang="en-US" sz="2400" i="1" dirty="0">
+              <a:solidFill>
+                <a:schemeClr val="bg1"/>
+              </a:solidFill>
               <a:latin typeface="Chronicle Display Light" pitchFamily="50" charset="0"/>
             </a:endParaRPr>
           </a:p>
@@ -7862,6 +7949,59 @@
                       </p:childTnLst>
                     </p:cTn>
                   </p:par>
+                  <p:par>
+                    <p:cTn id="13" fill="hold">
+                      <p:stCondLst>
+                        <p:cond delay="indefinite"/>
+                      </p:stCondLst>
+                      <p:childTnLst>
+                        <p:par>
+                          <p:cTn id="14" fill="hold">
+                            <p:stCondLst>
+                              <p:cond delay="0"/>
+                            </p:stCondLst>
+                            <p:childTnLst>
+                              <p:par>
+                                <p:cTn id="15" presetID="10" presetClass="entr" presetSubtype="0" fill="hold" grpId="0" nodeType="clickEffect">
+                                  <p:stCondLst>
+                                    <p:cond delay="0"/>
+                                  </p:stCondLst>
+                                  <p:childTnLst>
+                                    <p:set>
+                                      <p:cBhvr>
+                                        <p:cTn id="16" dur="1" fill="hold">
+                                          <p:stCondLst>
+                                            <p:cond delay="0"/>
+                                          </p:stCondLst>
+                                        </p:cTn>
+                                        <p:tgtEl>
+                                          <p:spTgt spid="5"/>
+                                        </p:tgtEl>
+                                        <p:attrNameLst>
+                                          <p:attrName>style.visibility</p:attrName>
+                                        </p:attrNameLst>
+                                      </p:cBhvr>
+                                      <p:to>
+                                        <p:strVal val="visible"/>
+                                      </p:to>
+                                    </p:set>
+                                    <p:animEffect transition="in" filter="fade">
+                                      <p:cBhvr>
+                                        <p:cTn id="17" dur="500"/>
+                                        <p:tgtEl>
+                                          <p:spTgt spid="5"/>
+                                        </p:tgtEl>
+                                      </p:cBhvr>
+                                    </p:animEffect>
+                                  </p:childTnLst>
+                                </p:cTn>
+                              </p:par>
+                            </p:childTnLst>
+                          </p:cTn>
+                        </p:par>
+                      </p:childTnLst>
+                    </p:cTn>
+                  </p:par>
                 </p:childTnLst>
               </p:cTn>
               <p:prevCondLst>
@@ -7886,6 +8026,7 @@
     <p:bldLst>
       <p:bldP spid="2" grpId="0"/>
       <p:bldP spid="10" grpId="0"/>
+      <p:bldP spid="5" grpId="0"/>
     </p:bldLst>
   </p:timing>
 </p:sld>
@@ -7918,21 +8059,38 @@
             <p:ph type="body" sz="quarter" idx="11"/>
           </p:nvPr>
         </p:nvSpPr>
-        <p:spPr/>
+        <p:spPr>
+          <a:xfrm>
+            <a:off x="328613" y="1079048"/>
+            <a:ext cx="8401246" cy="830998"/>
+          </a:xfrm>
+        </p:spPr>
         <p:txBody>
           <a:bodyPr/>
           <a:lstStyle/>
           <a:p>
             <a:r>
-              <a:rPr lang="en-US"/>
+              <a:rPr lang="en-US" dirty="0">
+                <a:solidFill>
+                  <a:schemeClr val="bg1"/>
+                </a:solidFill>
+              </a:rPr>
               <a:t>OCP Open Closed Principle</a:t>
             </a:r>
           </a:p>
           <a:p>
-            <a:endParaRPr lang="en-US"/>
-          </a:p>
-          <a:p>
-            <a:endParaRPr lang="en-US" dirty="0"/>
+            <a:endParaRPr lang="en-US" dirty="0">
+              <a:solidFill>
+                <a:schemeClr val="bg1"/>
+              </a:solidFill>
+            </a:endParaRPr>
+          </a:p>
+          <a:p>
+            <a:endParaRPr lang="en-US" dirty="0">
+              <a:solidFill>
+                <a:schemeClr val="bg1"/>
+              </a:solidFill>
+            </a:endParaRPr>
           </a:p>
         </p:txBody>
       </p:sp>
@@ -7945,7 +8103,7 @@
         <p:spPr>
           <a:xfrm>
             <a:off x="519112" y="2099729"/>
-            <a:ext cx="8210747" cy="2308324"/>
+            <a:ext cx="8210747" cy="830997"/>
           </a:xfrm>
           <a:prstGeom prst="rect">
             <a:avLst/>
@@ -7958,45 +8116,55 @@
           </a:bodyPr>
           <a:lstStyle/>
           <a:p>
-            <a:endParaRPr lang="en-GB" sz="1600" dirty="0">
-              <a:latin typeface="Chronicle Display" pitchFamily="50" charset="0"/>
-            </a:endParaRPr>
-          </a:p>
-          <a:p>
             <a:r>
               <a:rPr lang="en-GB" sz="2400" b="1" i="1" dirty="0">
+                <a:solidFill>
+                  <a:schemeClr val="bg1"/>
+                </a:solidFill>
                 <a:latin typeface="Chronicle Display" pitchFamily="50" charset="0"/>
               </a:rPr>
               <a:t>Software entities (classes, modules, functions, etc.) should be open for extension, but closed for modification.</a:t>
             </a:r>
           </a:p>
-          <a:p>
-            <a:endParaRPr lang="en-GB" sz="1600" b="1" i="1" dirty="0">
-              <a:latin typeface="Chronicle Display" pitchFamily="50" charset="0"/>
-            </a:endParaRPr>
-          </a:p>
-          <a:p>
-            <a:endParaRPr lang="en-GB" sz="1600" dirty="0">
-              <a:latin typeface="Chronicle Display" pitchFamily="50" charset="0"/>
-            </a:endParaRPr>
-          </a:p>
-          <a:p>
-            <a:r>
-              <a:rPr lang="en-GB" sz="1600" dirty="0">
+        </p:txBody>
+      </p:sp>
+      <p:sp>
+        <p:nvSpPr>
+          <p:cNvPr id="4" name="TextBox 3">
+            <a:extLst>
+              <a:ext uri="{FF2B5EF4-FFF2-40B4-BE49-F238E27FC236}">
+                <a16:creationId xmlns:a16="http://schemas.microsoft.com/office/drawing/2014/main" id="{5DB0B48E-BD94-49D6-A667-C3A7F69A714A}"/>
+              </a:ext>
+            </a:extLst>
+          </p:cNvPr>
+          <p:cNvSpPr txBox="1"/>
+          <p:nvPr/>
+        </p:nvSpPr>
+        <p:spPr>
+          <a:xfrm>
+            <a:off x="423862" y="3505267"/>
+            <a:ext cx="8210747" cy="646331"/>
+          </a:xfrm>
+          <a:prstGeom prst="rect">
+            <a:avLst/>
+          </a:prstGeom>
+          <a:noFill/>
+        </p:spPr>
+        <p:txBody>
+          <a:bodyPr wrap="square" rtlCol="0">
+            <a:spAutoFit/>
+          </a:bodyPr>
+          <a:lstStyle/>
+          <a:p>
+            <a:r>
+              <a:rPr lang="en-GB" dirty="0">
+                <a:solidFill>
+                  <a:schemeClr val="bg1"/>
+                </a:solidFill>
                 <a:latin typeface="Chronicle Display" pitchFamily="50" charset="0"/>
               </a:rPr>
               <a:t>This simply means that a class should be easily extendable without modifying the class itself.</a:t>
             </a:r>
-          </a:p>
-          <a:p>
-            <a:endParaRPr lang="en-GB" sz="1600" dirty="0">
-              <a:latin typeface="Chronicle Display" pitchFamily="50" charset="0"/>
-            </a:endParaRPr>
-          </a:p>
-          <a:p>
-            <a:endParaRPr lang="en-GB" sz="1600" dirty="0">
-              <a:latin typeface="Chronicle Display" pitchFamily="50" charset="0"/>
-            </a:endParaRPr>
           </a:p>
         </p:txBody>
       </p:sp>
@@ -8010,6 +8178,92 @@
   <p:clrMapOvr>
     <a:masterClrMapping/>
   </p:clrMapOvr>
+  <p:timing>
+    <p:tnLst>
+      <p:par>
+        <p:cTn id="1" dur="indefinite" restart="never" nodeType="tmRoot">
+          <p:childTnLst>
+            <p:seq concurrent="1" nextAc="seek">
+              <p:cTn id="2" dur="indefinite" nodeType="mainSeq">
+                <p:childTnLst>
+                  <p:par>
+                    <p:cTn id="3" fill="hold">
+                      <p:stCondLst>
+                        <p:cond delay="indefinite"/>
+                      </p:stCondLst>
+                      <p:childTnLst>
+                        <p:par>
+                          <p:cTn id="4" fill="hold">
+                            <p:stCondLst>
+                              <p:cond delay="0"/>
+                            </p:stCondLst>
+                            <p:childTnLst>
+                              <p:par>
+                                <p:cTn id="5" presetID="10" presetClass="entr" presetSubtype="0" fill="hold" grpId="0" nodeType="clickEffect">
+                                  <p:stCondLst>
+                                    <p:cond delay="0"/>
+                                  </p:stCondLst>
+                                  <p:childTnLst>
+                                    <p:set>
+                                      <p:cBhvr>
+                                        <p:cTn id="6" dur="1" fill="hold">
+                                          <p:stCondLst>
+                                            <p:cond delay="0"/>
+                                          </p:stCondLst>
+                                        </p:cTn>
+                                        <p:tgtEl>
+                                          <p:spTgt spid="4"/>
+                                        </p:tgtEl>
+                                        <p:attrNameLst>
+                                          <p:attrName>style.visibility</p:attrName>
+                                        </p:attrNameLst>
+                                      </p:cBhvr>
+                                      <p:to>
+                                        <p:strVal val="visible"/>
+                                      </p:to>
+                                    </p:set>
+                                    <p:animEffect transition="in" filter="fade">
+                                      <p:cBhvr>
+                                        <p:cTn id="7" dur="500"/>
+                                        <p:tgtEl>
+                                          <p:spTgt spid="4"/>
+                                        </p:tgtEl>
+                                      </p:cBhvr>
+                                    </p:animEffect>
+                                  </p:childTnLst>
+                                </p:cTn>
+                              </p:par>
+                            </p:childTnLst>
+                          </p:cTn>
+                        </p:par>
+                      </p:childTnLst>
+                    </p:cTn>
+                  </p:par>
+                </p:childTnLst>
+              </p:cTn>
+              <p:prevCondLst>
+                <p:cond evt="onPrev" delay="0">
+                  <p:tgtEl>
+                    <p:sldTgt/>
+                  </p:tgtEl>
+                </p:cond>
+              </p:prevCondLst>
+              <p:nextCondLst>
+                <p:cond evt="onNext" delay="0">
+                  <p:tgtEl>
+                    <p:sldTgt/>
+                  </p:tgtEl>
+                </p:cond>
+              </p:nextCondLst>
+            </p:seq>
+          </p:childTnLst>
+        </p:cTn>
+      </p:par>
+    </p:tnLst>
+    <p:bldLst>
+      <p:bldP spid="4" grpId="0"/>
+    </p:bldLst>
+  </p:timing>
 </p:sld>
 </file>
 
@@ -8040,21 +8294,38 @@
             <p:ph type="body" sz="quarter" idx="11"/>
           </p:nvPr>
         </p:nvSpPr>
-        <p:spPr/>
+        <p:spPr>
+          <a:xfrm>
+            <a:off x="328613" y="1079047"/>
+            <a:ext cx="8401246" cy="747407"/>
+          </a:xfrm>
+        </p:spPr>
         <p:txBody>
           <a:bodyPr/>
           <a:lstStyle/>
           <a:p>
             <a:r>
-              <a:rPr lang="en-US"/>
+              <a:rPr lang="en-US" dirty="0">
+                <a:solidFill>
+                  <a:schemeClr val="bg1"/>
+                </a:solidFill>
+              </a:rPr>
               <a:t>OCP Open Closed Principle</a:t>
             </a:r>
           </a:p>
           <a:p>
-            <a:endParaRPr lang="en-US"/>
-          </a:p>
-          <a:p>
-            <a:endParaRPr lang="en-US" dirty="0"/>
+            <a:endParaRPr lang="en-US" dirty="0">
+              <a:solidFill>
+                <a:schemeClr val="bg1"/>
+              </a:solidFill>
+            </a:endParaRPr>
+          </a:p>
+          <a:p>
+            <a:endParaRPr lang="en-US" dirty="0">
+              <a:solidFill>
+                <a:schemeClr val="bg1"/>
+              </a:solidFill>
+            </a:endParaRPr>
           </a:p>
         </p:txBody>
       </p:sp>
@@ -8128,34 +8399,57 @@
             <p:ph type="body" sz="quarter" idx="11"/>
           </p:nvPr>
         </p:nvSpPr>
-        <p:spPr/>
+        <p:spPr>
+          <a:xfrm>
+            <a:off x="328613" y="1079048"/>
+            <a:ext cx="8401246" cy="832880"/>
+          </a:xfrm>
+        </p:spPr>
         <p:txBody>
           <a:bodyPr/>
           <a:lstStyle/>
           <a:p>
             <a:r>
-              <a:rPr lang="en-US" dirty="0"/>
+              <a:rPr lang="en-US" dirty="0">
+                <a:solidFill>
+                  <a:schemeClr val="bg1"/>
+                </a:solidFill>
+              </a:rPr>
               <a:t>OCP Open Closed Principle</a:t>
             </a:r>
           </a:p>
           <a:p>
-            <a:endParaRPr lang="en-US" dirty="0"/>
-          </a:p>
-          <a:p>
-            <a:endParaRPr lang="en-US" dirty="0"/>
-          </a:p>
-        </p:txBody>
-      </p:sp>
-      <p:sp>
-        <p:nvSpPr>
-          <p:cNvPr id="5" name="TextBox 4"/>
+            <a:endParaRPr lang="en-US" dirty="0">
+              <a:solidFill>
+                <a:schemeClr val="bg1"/>
+              </a:solidFill>
+            </a:endParaRPr>
+          </a:p>
+          <a:p>
+            <a:endParaRPr lang="en-US" dirty="0">
+              <a:solidFill>
+                <a:schemeClr val="bg1"/>
+              </a:solidFill>
+            </a:endParaRPr>
+          </a:p>
+        </p:txBody>
+      </p:sp>
+      <p:sp>
+        <p:nvSpPr>
+          <p:cNvPr id="4" name="TextBox 3">
+            <a:extLst>
+              <a:ext uri="{FF2B5EF4-FFF2-40B4-BE49-F238E27FC236}">
+                <a16:creationId xmlns:a16="http://schemas.microsoft.com/office/drawing/2014/main" id="{BAFA7F2F-9057-407A-A9FC-B79761D64CC6}"/>
+              </a:ext>
+            </a:extLst>
+          </p:cNvPr>
           <p:cNvSpPr txBox="1"/>
           <p:nvPr/>
         </p:nvSpPr>
         <p:spPr>
           <a:xfrm>
-            <a:off x="423862" y="2249358"/>
-            <a:ext cx="8210747" cy="2800767"/>
+            <a:off x="328610" y="2281989"/>
+            <a:ext cx="8210747" cy="646331"/>
           </a:xfrm>
           <a:prstGeom prst="rect">
             <a:avLst/>
@@ -8168,80 +8462,131 @@
           </a:bodyPr>
           <a:lstStyle/>
           <a:p>
-            <a:endParaRPr lang="en-GB" sz="1600" dirty="0">
-              <a:latin typeface="Chronicle Display" pitchFamily="50" charset="0"/>
-            </a:endParaRPr>
-          </a:p>
-          <a:p>
-            <a:r>
-              <a:rPr lang="en-GB" sz="1600" dirty="0">
+            <a:r>
+              <a:rPr lang="en-GB" dirty="0">
+                <a:solidFill>
+                  <a:schemeClr val="bg1"/>
+                </a:solidFill>
                 <a:latin typeface="Chronicle Display" pitchFamily="50" charset="0"/>
               </a:rPr>
               <a:t>In this case if we want the sum method to be able to sum areas of more shapes, we would have to add more if blocks to handle the area calculation of the shape.</a:t>
             </a:r>
           </a:p>
-          <a:p>
-            <a:endParaRPr lang="en-GB" sz="1600" dirty="0">
-              <a:latin typeface="Chronicle Display" pitchFamily="50" charset="0"/>
-            </a:endParaRPr>
-          </a:p>
-          <a:p>
-            <a:r>
-              <a:rPr lang="en-GB" sz="1600" dirty="0">
+        </p:txBody>
+      </p:sp>
+      <p:sp>
+        <p:nvSpPr>
+          <p:cNvPr id="6" name="TextBox 5">
+            <a:extLst>
+              <a:ext uri="{FF2B5EF4-FFF2-40B4-BE49-F238E27FC236}">
+                <a16:creationId xmlns:a16="http://schemas.microsoft.com/office/drawing/2014/main" id="{E0390461-2FD9-4546-A56A-94BB0DD776F5}"/>
+              </a:ext>
+            </a:extLst>
+          </p:cNvPr>
+          <p:cNvSpPr txBox="1"/>
+          <p:nvPr/>
+        </p:nvSpPr>
+        <p:spPr>
+          <a:xfrm>
+            <a:off x="328609" y="3376149"/>
+            <a:ext cx="8210747" cy="646331"/>
+          </a:xfrm>
+          <a:prstGeom prst="rect">
+            <a:avLst/>
+          </a:prstGeom>
+          <a:noFill/>
+        </p:spPr>
+        <p:txBody>
+          <a:bodyPr wrap="square" rtlCol="0">
+            <a:spAutoFit/>
+          </a:bodyPr>
+          <a:lstStyle/>
+          <a:p>
+            <a:r>
+              <a:rPr lang="en-GB" dirty="0">
+                <a:solidFill>
+                  <a:schemeClr val="bg1"/>
+                </a:solidFill>
                 <a:latin typeface="Chronicle Display" pitchFamily="50" charset="0"/>
               </a:rPr>
               <a:t>This goes against the </a:t>
             </a:r>
             <a:r>
-              <a:rPr lang="en-GB" sz="1600" b="1" i="1" dirty="0">
+              <a:rPr lang="en-GB" b="1" i="1" dirty="0">
+                <a:solidFill>
+                  <a:schemeClr val="bg1"/>
+                </a:solidFill>
                 <a:latin typeface="Chronicle Display" pitchFamily="50" charset="0"/>
               </a:rPr>
               <a:t>Open Closed Principle </a:t>
             </a:r>
             <a:r>
-              <a:rPr lang="en-GB" sz="1600" dirty="0">
+              <a:rPr lang="en-GB" dirty="0">
+                <a:solidFill>
+                  <a:schemeClr val="bg1"/>
+                </a:solidFill>
                 <a:latin typeface="Chronicle Display" pitchFamily="50" charset="0"/>
               </a:rPr>
               <a:t>because we must modify the class itself to obtain the new behaviour.</a:t>
             </a:r>
           </a:p>
-          <a:p>
-            <a:endParaRPr lang="en-GB" sz="1600" dirty="0">
-              <a:latin typeface="Chronicle Display" pitchFamily="50" charset="0"/>
-            </a:endParaRPr>
-          </a:p>
-          <a:p>
-            <a:r>
-              <a:rPr lang="en-GB" sz="1600" dirty="0">
+        </p:txBody>
+      </p:sp>
+      <p:sp>
+        <p:nvSpPr>
+          <p:cNvPr id="7" name="TextBox 6">
+            <a:extLst>
+              <a:ext uri="{FF2B5EF4-FFF2-40B4-BE49-F238E27FC236}">
+                <a16:creationId xmlns:a16="http://schemas.microsoft.com/office/drawing/2014/main" id="{784F5917-FB1F-4894-83A6-848E7465EB06}"/>
+              </a:ext>
+            </a:extLst>
+          </p:cNvPr>
+          <p:cNvSpPr txBox="1"/>
+          <p:nvPr/>
+        </p:nvSpPr>
+        <p:spPr>
+          <a:xfrm>
+            <a:off x="328608" y="4377729"/>
+            <a:ext cx="8210747" cy="646331"/>
+          </a:xfrm>
+          <a:prstGeom prst="rect">
+            <a:avLst/>
+          </a:prstGeom>
+          <a:noFill/>
+        </p:spPr>
+        <p:txBody>
+          <a:bodyPr wrap="square" rtlCol="0">
+            <a:spAutoFit/>
+          </a:bodyPr>
+          <a:lstStyle/>
+          <a:p>
+            <a:r>
+              <a:rPr lang="en-GB" dirty="0">
+                <a:solidFill>
+                  <a:schemeClr val="bg1"/>
+                </a:solidFill>
                 <a:latin typeface="Chronicle Display" pitchFamily="50" charset="0"/>
               </a:rPr>
               <a:t>A better design is to remove the logic to calculate the area from the </a:t>
             </a:r>
             <a:r>
-              <a:rPr lang="en-GB" sz="1600" b="1" i="1" dirty="0" err="1">
+              <a:rPr lang="en-GB" b="1" i="1" dirty="0" err="1">
+                <a:solidFill>
+                  <a:schemeClr val="bg1"/>
+                </a:solidFill>
                 <a:latin typeface="Chronicle Display" pitchFamily="50" charset="0"/>
               </a:rPr>
               <a:t>AreaCalculator</a:t>
             </a:r>
             <a:r>
-              <a:rPr lang="en-GB" sz="1600" dirty="0">
+              <a:rPr lang="en-GB" dirty="0">
+                <a:solidFill>
+                  <a:schemeClr val="bg1"/>
+                </a:solidFill>
                 <a:latin typeface="Chronicle Display" pitchFamily="50" charset="0"/>
               </a:rPr>
               <a:t> an attach it into the single shape’s classes.</a:t>
             </a:r>
-            <a:endParaRPr lang="en-GB" sz="1600" b="1" i="1" dirty="0">
-              <a:latin typeface="Chronicle Display" pitchFamily="50" charset="0"/>
-            </a:endParaRPr>
-          </a:p>
-          <a:p>
-            <a:endParaRPr lang="en-GB" sz="1600" dirty="0">
-              <a:latin typeface="Chronicle Display" pitchFamily="50" charset="0"/>
-            </a:endParaRPr>
-          </a:p>
-          <a:p>
-            <a:endParaRPr lang="en-GB" sz="1600" dirty="0">
-              <a:latin typeface="Chronicle Display" pitchFamily="50" charset="0"/>
-            </a:endParaRPr>
           </a:p>
         </p:txBody>
       </p:sp>
@@ -8255,6 +8600,200 @@
   <p:clrMapOvr>
     <a:masterClrMapping/>
   </p:clrMapOvr>
+  <p:timing>
+    <p:tnLst>
+      <p:par>
+        <p:cTn id="1" dur="indefinite" restart="never" nodeType="tmRoot">
+          <p:childTnLst>
+            <p:seq concurrent="1" nextAc="seek">
+              <p:cTn id="2" dur="indefinite" nodeType="mainSeq">
+                <p:childTnLst>
+                  <p:par>
+                    <p:cTn id="3" fill="hold">
+                      <p:stCondLst>
+                        <p:cond delay="indefinite"/>
+                      </p:stCondLst>
+                      <p:childTnLst>
+                        <p:par>
+                          <p:cTn id="4" fill="hold">
+                            <p:stCondLst>
+                              <p:cond delay="0"/>
+                            </p:stCondLst>
+                            <p:childTnLst>
+                              <p:par>
+                                <p:cTn id="5" presetID="10" presetClass="entr" presetSubtype="0" fill="hold" grpId="0" nodeType="clickEffect">
+                                  <p:stCondLst>
+                                    <p:cond delay="0"/>
+                                  </p:stCondLst>
+                                  <p:childTnLst>
+                                    <p:set>
+                                      <p:cBhvr>
+                                        <p:cTn id="6" dur="1" fill="hold">
+                                          <p:stCondLst>
+                                            <p:cond delay="0"/>
+                                          </p:stCondLst>
+                                        </p:cTn>
+                                        <p:tgtEl>
+                                          <p:spTgt spid="4"/>
+                                        </p:tgtEl>
+                                        <p:attrNameLst>
+                                          <p:attrName>style.visibility</p:attrName>
+                                        </p:attrNameLst>
+                                      </p:cBhvr>
+                                      <p:to>
+                                        <p:strVal val="visible"/>
+                                      </p:to>
+                                    </p:set>
+                                    <p:animEffect transition="in" filter="fade">
+                                      <p:cBhvr>
+                                        <p:cTn id="7" dur="500"/>
+                                        <p:tgtEl>
+                                          <p:spTgt spid="4"/>
+                                        </p:tgtEl>
+                                      </p:cBhvr>
+                                    </p:animEffect>
+                                  </p:childTnLst>
+                                </p:cTn>
+                              </p:par>
+                            </p:childTnLst>
+                          </p:cTn>
+                        </p:par>
+                      </p:childTnLst>
+                    </p:cTn>
+                  </p:par>
+                  <p:par>
+                    <p:cTn id="8" fill="hold">
+                      <p:stCondLst>
+                        <p:cond delay="indefinite"/>
+                      </p:stCondLst>
+                      <p:childTnLst>
+                        <p:par>
+                          <p:cTn id="9" fill="hold">
+                            <p:stCondLst>
+                              <p:cond delay="0"/>
+                            </p:stCondLst>
+                            <p:childTnLst>
+                              <p:par>
+                                <p:cTn id="10" presetID="10" presetClass="entr" presetSubtype="0" fill="hold" grpId="0" nodeType="clickEffect">
+                                  <p:stCondLst>
+                                    <p:cond delay="0"/>
+                                  </p:stCondLst>
+                                  <p:childTnLst>
+                                    <p:set>
+                                      <p:cBhvr>
+                                        <p:cTn id="11" dur="1" fill="hold">
+                                          <p:stCondLst>
+                                            <p:cond delay="0"/>
+                                          </p:stCondLst>
+                                        </p:cTn>
+                                        <p:tgtEl>
+                                          <p:spTgt spid="6"/>
+                                        </p:tgtEl>
+                                        <p:attrNameLst>
+                                          <p:attrName>style.visibility</p:attrName>
+                                        </p:attrNameLst>
+                                      </p:cBhvr>
+                                      <p:to>
+                                        <p:strVal val="visible"/>
+                                      </p:to>
+                                    </p:set>
+                                    <p:animEffect transition="in" filter="fade">
+                                      <p:cBhvr>
+                                        <p:cTn id="12" dur="500"/>
+                                        <p:tgtEl>
+                                          <p:spTgt spid="6"/>
+                                        </p:tgtEl>
+                                      </p:cBhvr>
+                                    </p:animEffect>
+                                  </p:childTnLst>
+                                </p:cTn>
+                              </p:par>
+                            </p:childTnLst>
+                          </p:cTn>
+                        </p:par>
+                      </p:childTnLst>
+                    </p:cTn>
+                  </p:par>
+                  <p:par>
+                    <p:cTn id="13" fill="hold">
+                      <p:stCondLst>
+                        <p:cond delay="indefinite"/>
+                      </p:stCondLst>
+                      <p:childTnLst>
+                        <p:par>
+                          <p:cTn id="14" fill="hold">
+                            <p:stCondLst>
+                              <p:cond delay="0"/>
+                            </p:stCondLst>
+                            <p:childTnLst>
+                              <p:par>
+                                <p:cTn id="15" presetID="10" presetClass="entr" presetSubtype="0" fill="hold" grpId="0" nodeType="clickEffect">
+                                  <p:stCondLst>
+                                    <p:cond delay="0"/>
+                                  </p:stCondLst>
+                                  <p:childTnLst>
+                                    <p:set>
+                                      <p:cBhvr>
+                                        <p:cTn id="16" dur="1" fill="hold">
+                                          <p:stCondLst>
+                                            <p:cond delay="0"/>
+                                          </p:stCondLst>
+                                        </p:cTn>
+                                        <p:tgtEl>
+                                          <p:spTgt spid="7"/>
+                                        </p:tgtEl>
+                                        <p:attrNameLst>
+                                          <p:attrName>style.visibility</p:attrName>
+                                        </p:attrNameLst>
+                                      </p:cBhvr>
+                                      <p:to>
+                                        <p:strVal val="visible"/>
+                                      </p:to>
+                                    </p:set>
+                                    <p:animEffect transition="in" filter="fade">
+                                      <p:cBhvr>
+                                        <p:cTn id="17" dur="500"/>
+                                        <p:tgtEl>
+                                          <p:spTgt spid="7"/>
+                                        </p:tgtEl>
+                                      </p:cBhvr>
+                                    </p:animEffect>
+                                  </p:childTnLst>
+                                </p:cTn>
+                              </p:par>
+                            </p:childTnLst>
+                          </p:cTn>
+                        </p:par>
+                      </p:childTnLst>
+                    </p:cTn>
+                  </p:par>
+                </p:childTnLst>
+              </p:cTn>
+              <p:prevCondLst>
+                <p:cond evt="onPrev" delay="0">
+                  <p:tgtEl>
+                    <p:sldTgt/>
+                  </p:tgtEl>
+                </p:cond>
+              </p:prevCondLst>
+              <p:nextCondLst>
+                <p:cond evt="onNext" delay="0">
+                  <p:tgtEl>
+                    <p:sldTgt/>
+                  </p:tgtEl>
+                </p:cond>
+              </p:nextCondLst>
+            </p:seq>
+          </p:childTnLst>
+        </p:cTn>
+      </p:par>
+    </p:tnLst>
+    <p:bldLst>
+      <p:bldP spid="4" grpId="0"/>
+      <p:bldP spid="6" grpId="0"/>
+      <p:bldP spid="7" grpId="0"/>
+    </p:bldLst>
+  </p:timing>
 </p:sld>
 </file>
 
@@ -8285,30 +8824,47 @@
             <p:ph type="body" sz="quarter" idx="11"/>
           </p:nvPr>
         </p:nvSpPr>
-        <p:spPr/>
+        <p:spPr>
+          <a:xfrm>
+            <a:off x="321056" y="1079048"/>
+            <a:ext cx="8401246" cy="772424"/>
+          </a:xfrm>
+        </p:spPr>
         <p:txBody>
           <a:bodyPr/>
           <a:lstStyle/>
           <a:p>
             <a:r>
-              <a:rPr lang="en-US" dirty="0"/>
+              <a:rPr lang="en-US" dirty="0">
+                <a:solidFill>
+                  <a:schemeClr val="bg1"/>
+                </a:solidFill>
+              </a:rPr>
               <a:t>OCP Open Closed Principle</a:t>
             </a:r>
           </a:p>
           <a:p>
-            <a:endParaRPr lang="en-US" dirty="0"/>
-          </a:p>
-          <a:p>
-            <a:endParaRPr lang="en-US" dirty="0"/>
+            <a:endParaRPr lang="en-US" dirty="0">
+              <a:solidFill>
+                <a:schemeClr val="bg1"/>
+              </a:solidFill>
+            </a:endParaRPr>
+          </a:p>
+          <a:p>
+            <a:endParaRPr lang="en-US" dirty="0">
+              <a:solidFill>
+                <a:schemeClr val="bg1"/>
+              </a:solidFill>
+            </a:endParaRPr>
           </a:p>
         </p:txBody>
       </p:sp>
       <p:pic>
         <p:nvPicPr>
-          <p:cNvPr id="11" name="Picture 10">
+          <p:cNvPr id="3" name="Picture 2">
             <a:extLst>
               <a:ext uri="{FF2B5EF4-FFF2-40B4-BE49-F238E27FC236}">
-                <a16:creationId xmlns:a16="http://schemas.microsoft.com/office/drawing/2014/main" id="{557AADEB-EC75-40AD-9731-C292074D6BEB}"/>
+                <a16:creationId xmlns:a16="http://schemas.microsoft.com/office/drawing/2014/main" id="{29807733-2D5E-4715-8388-A55DCC423A33}"/>
               </a:ext>
             </a:extLst>
           </p:cNvPr>
@@ -8325,8 +8881,8 @@
         </p:blipFill>
         <p:spPr>
           <a:xfrm>
-            <a:off x="2933471" y="3202453"/>
-            <a:ext cx="3277057" cy="1895740"/>
+            <a:off x="1252074" y="3428999"/>
+            <a:ext cx="6639852" cy="1371791"/>
           </a:xfrm>
           <a:prstGeom prst="rect">
             <a:avLst/>
@@ -8373,21 +8929,38 @@
             <p:ph type="body" sz="quarter" idx="11"/>
           </p:nvPr>
         </p:nvSpPr>
-        <p:spPr/>
+        <p:spPr>
+          <a:xfrm>
+            <a:off x="328613" y="1079047"/>
+            <a:ext cx="8401246" cy="779981"/>
+          </a:xfrm>
+        </p:spPr>
         <p:txBody>
           <a:bodyPr/>
           <a:lstStyle/>
           <a:p>
             <a:r>
-              <a:rPr lang="en-US" dirty="0"/>
+              <a:rPr lang="en-US" dirty="0">
+                <a:solidFill>
+                  <a:schemeClr val="bg1"/>
+                </a:solidFill>
+              </a:rPr>
               <a:t>OCP Open Closed Principle</a:t>
             </a:r>
           </a:p>
           <a:p>
-            <a:endParaRPr lang="en-US" dirty="0"/>
-          </a:p>
-          <a:p>
-            <a:endParaRPr lang="en-US" dirty="0"/>
+            <a:endParaRPr lang="en-US" dirty="0">
+              <a:solidFill>
+                <a:schemeClr val="bg1"/>
+              </a:solidFill>
+            </a:endParaRPr>
+          </a:p>
+          <a:p>
+            <a:endParaRPr lang="en-US" dirty="0">
+              <a:solidFill>
+                <a:schemeClr val="bg1"/>
+              </a:solidFill>
+            </a:endParaRPr>
           </a:p>
         </p:txBody>
       </p:sp>
@@ -8491,21 +9064,38 @@
             <p:ph type="body" sz="quarter" idx="11"/>
           </p:nvPr>
         </p:nvSpPr>
-        <p:spPr/>
+        <p:spPr>
+          <a:xfrm>
+            <a:off x="328613" y="1079047"/>
+            <a:ext cx="8401246" cy="764867"/>
+          </a:xfrm>
+        </p:spPr>
         <p:txBody>
           <a:bodyPr/>
           <a:lstStyle/>
           <a:p>
             <a:r>
-              <a:rPr lang="en-US" dirty="0"/>
+              <a:rPr lang="en-US" dirty="0">
+                <a:solidFill>
+                  <a:schemeClr val="bg1"/>
+                </a:solidFill>
+              </a:rPr>
               <a:t>OCP Open Closed Principle</a:t>
             </a:r>
           </a:p>
           <a:p>
-            <a:endParaRPr lang="en-US" dirty="0"/>
-          </a:p>
-          <a:p>
-            <a:endParaRPr lang="en-US" dirty="0"/>
+            <a:endParaRPr lang="en-US" dirty="0">
+              <a:solidFill>
+                <a:schemeClr val="bg1"/>
+              </a:solidFill>
+            </a:endParaRPr>
+          </a:p>
+          <a:p>
+            <a:endParaRPr lang="en-US" dirty="0">
+              <a:solidFill>
+                <a:schemeClr val="bg1"/>
+              </a:solidFill>
+            </a:endParaRPr>
           </a:p>
         </p:txBody>
       </p:sp>
@@ -8579,21 +9169,38 @@
             <p:ph type="body" sz="quarter" idx="11"/>
           </p:nvPr>
         </p:nvSpPr>
-        <p:spPr/>
+        <p:spPr>
+          <a:xfrm>
+            <a:off x="328613" y="1079048"/>
+            <a:ext cx="8401246" cy="865990"/>
+          </a:xfrm>
+        </p:spPr>
         <p:txBody>
           <a:bodyPr/>
           <a:lstStyle/>
           <a:p>
             <a:r>
-              <a:rPr lang="en-US" dirty="0"/>
+              <a:rPr lang="en-US" dirty="0">
+                <a:solidFill>
+                  <a:schemeClr val="bg1"/>
+                </a:solidFill>
+              </a:rPr>
               <a:t>OCP Open Closed Principle</a:t>
             </a:r>
           </a:p>
           <a:p>
-            <a:endParaRPr lang="en-US" dirty="0"/>
-          </a:p>
-          <a:p>
-            <a:endParaRPr lang="en-US" dirty="0"/>
+            <a:endParaRPr lang="en-US" dirty="0">
+              <a:solidFill>
+                <a:schemeClr val="bg1"/>
+              </a:solidFill>
+            </a:endParaRPr>
+          </a:p>
+          <a:p>
+            <a:endParaRPr lang="en-US" dirty="0">
+              <a:solidFill>
+                <a:schemeClr val="bg1"/>
+              </a:solidFill>
+            </a:endParaRPr>
           </a:p>
         </p:txBody>
       </p:sp>
@@ -8667,30 +9274,47 @@
             <p:ph type="body" sz="quarter" idx="11"/>
           </p:nvPr>
         </p:nvSpPr>
-        <p:spPr/>
+        <p:spPr>
+          <a:xfrm>
+            <a:off x="328613" y="1079048"/>
+            <a:ext cx="8401246" cy="920234"/>
+          </a:xfrm>
+        </p:spPr>
         <p:txBody>
           <a:bodyPr/>
           <a:lstStyle/>
           <a:p>
             <a:r>
-              <a:rPr lang="en-US" dirty="0"/>
+              <a:rPr lang="en-US" dirty="0">
+                <a:solidFill>
+                  <a:schemeClr val="bg1"/>
+                </a:solidFill>
+              </a:rPr>
               <a:t>OCP Open Closed Principle</a:t>
             </a:r>
           </a:p>
           <a:p>
-            <a:endParaRPr lang="en-US" dirty="0"/>
-          </a:p>
-          <a:p>
-            <a:endParaRPr lang="en-US" dirty="0"/>
+            <a:endParaRPr lang="en-US" dirty="0">
+              <a:solidFill>
+                <a:schemeClr val="bg1"/>
+              </a:solidFill>
+            </a:endParaRPr>
+          </a:p>
+          <a:p>
+            <a:endParaRPr lang="en-US" dirty="0">
+              <a:solidFill>
+                <a:schemeClr val="bg1"/>
+              </a:solidFill>
+            </a:endParaRPr>
           </a:p>
         </p:txBody>
       </p:sp>
       <p:pic>
         <p:nvPicPr>
-          <p:cNvPr id="9" name="Picture 8">
+          <p:cNvPr id="3" name="Picture 2">
             <a:extLst>
               <a:ext uri="{FF2B5EF4-FFF2-40B4-BE49-F238E27FC236}">
-                <a16:creationId xmlns:a16="http://schemas.microsoft.com/office/drawing/2014/main" id="{4BA23925-5DCF-4E78-9D0D-769A79152714}"/>
+                <a16:creationId xmlns:a16="http://schemas.microsoft.com/office/drawing/2014/main" id="{1F1D83ED-11B4-46B5-AD41-B5B0AF286047}"/>
               </a:ext>
             </a:extLst>
           </p:cNvPr>
@@ -8707,8 +9331,8 @@
         </p:blipFill>
         <p:spPr>
           <a:xfrm>
-            <a:off x="2581101" y="2645560"/>
-            <a:ext cx="3896269" cy="3229426"/>
+            <a:off x="1410588" y="2626323"/>
+            <a:ext cx="6458851" cy="3086531"/>
           </a:xfrm>
           <a:prstGeom prst="rect">
             <a:avLst/>
@@ -8755,21 +9379,38 @@
             <p:ph type="body" sz="quarter" idx="11"/>
           </p:nvPr>
         </p:nvSpPr>
-        <p:spPr/>
+        <p:spPr>
+          <a:xfrm>
+            <a:off x="328613" y="1079048"/>
+            <a:ext cx="8401246" cy="757502"/>
+          </a:xfrm>
+        </p:spPr>
         <p:txBody>
           <a:bodyPr/>
           <a:lstStyle/>
           <a:p>
             <a:r>
-              <a:rPr lang="en-US" dirty="0"/>
+              <a:rPr lang="en-US" dirty="0">
+                <a:solidFill>
+                  <a:schemeClr val="bg1"/>
+                </a:solidFill>
+              </a:rPr>
               <a:t>OCP Open Closed Principle</a:t>
             </a:r>
           </a:p>
           <a:p>
-            <a:endParaRPr lang="en-US" dirty="0"/>
-          </a:p>
-          <a:p>
-            <a:endParaRPr lang="en-US" dirty="0"/>
+            <a:endParaRPr lang="en-US" dirty="0">
+              <a:solidFill>
+                <a:schemeClr val="bg1"/>
+              </a:solidFill>
+            </a:endParaRPr>
+          </a:p>
+          <a:p>
+            <a:endParaRPr lang="en-US" dirty="0">
+              <a:solidFill>
+                <a:schemeClr val="bg1"/>
+              </a:solidFill>
+            </a:endParaRPr>
           </a:p>
         </p:txBody>
       </p:sp>
@@ -8843,21 +9484,54 @@
             <p:ph type="body" sz="quarter" idx="11"/>
           </p:nvPr>
         </p:nvSpPr>
-        <p:spPr/>
+        <p:spPr>
+          <a:xfrm>
+            <a:off x="328613" y="1079048"/>
+            <a:ext cx="8401246" cy="830998"/>
+          </a:xfrm>
+        </p:spPr>
         <p:txBody>
           <a:bodyPr/>
           <a:lstStyle/>
           <a:p>
             <a:r>
-              <a:rPr lang="en-US"/>
-              <a:t>LSP Liskov Substitution Principle</a:t>
-            </a:r>
-          </a:p>
-          <a:p>
-            <a:endParaRPr lang="en-US"/>
-          </a:p>
-          <a:p>
-            <a:endParaRPr lang="en-US" dirty="0"/>
+              <a:rPr lang="en-US" dirty="0">
+                <a:solidFill>
+                  <a:schemeClr val="bg1"/>
+                </a:solidFill>
+              </a:rPr>
+              <a:t>LSP </a:t>
+            </a:r>
+            <a:r>
+              <a:rPr lang="en-US" dirty="0" err="1">
+                <a:solidFill>
+                  <a:schemeClr val="bg1"/>
+                </a:solidFill>
+              </a:rPr>
+              <a:t>Liskov</a:t>
+            </a:r>
+            <a:r>
+              <a:rPr lang="en-US" dirty="0">
+                <a:solidFill>
+                  <a:schemeClr val="bg1"/>
+                </a:solidFill>
+              </a:rPr>
+              <a:t> Substitution Principle</a:t>
+            </a:r>
+          </a:p>
+          <a:p>
+            <a:endParaRPr lang="en-US" dirty="0">
+              <a:solidFill>
+                <a:schemeClr val="bg1"/>
+              </a:solidFill>
+            </a:endParaRPr>
+          </a:p>
+          <a:p>
+            <a:endParaRPr lang="en-US" dirty="0">
+              <a:solidFill>
+                <a:schemeClr val="bg1"/>
+              </a:solidFill>
+            </a:endParaRPr>
           </a:p>
         </p:txBody>
       </p:sp>
@@ -8870,7 +9544,7 @@
         <p:spPr>
           <a:xfrm>
             <a:off x="621372" y="2274838"/>
-            <a:ext cx="8210747" cy="2308324"/>
+            <a:ext cx="8210747" cy="1938992"/>
           </a:xfrm>
           <a:prstGeom prst="rect">
             <a:avLst/>
@@ -8883,50 +9557,125 @@
           </a:bodyPr>
           <a:lstStyle/>
           <a:p>
-            <a:endParaRPr lang="en-GB" sz="1600" dirty="0">
+            <a:r>
+              <a:rPr lang="en-GB" sz="2400" b="1" i="1" dirty="0">
+                <a:solidFill>
+                  <a:schemeClr val="bg1"/>
+                </a:solidFill>
+                <a:latin typeface="Chronicle Display" pitchFamily="50" charset="0"/>
+              </a:rPr>
+              <a:t>Functions that use reference to base classes must be able to use object of derived classes without knowing it. </a:t>
+            </a:r>
+          </a:p>
+          <a:p>
+            <a:endParaRPr lang="en-GB" sz="2400" b="1" i="1" dirty="0">
+              <a:solidFill>
+                <a:schemeClr val="bg1"/>
+              </a:solidFill>
               <a:latin typeface="Chronicle Display" pitchFamily="50" charset="0"/>
             </a:endParaRPr>
           </a:p>
           <a:p>
             <a:r>
-              <a:rPr lang="en-GB" sz="2400" b="1" i="1" dirty="0">
+              <a:rPr lang="en-US" sz="2400" b="1" i="1" dirty="0">
+                <a:solidFill>
+                  <a:schemeClr val="bg1"/>
+                </a:solidFill>
+                <a:latin typeface="Chronicle Display"/>
+              </a:rPr>
+              <a:t> Ff S is a subtype of T, then objects of type T may be replaced with objects of type S.</a:t>
+            </a:r>
+            <a:endParaRPr lang="en-GB" sz="2400" b="1" i="1" dirty="0">
+              <a:solidFill>
+                <a:schemeClr val="bg1"/>
+              </a:solidFill>
+              <a:latin typeface="Chronicle Display"/>
+            </a:endParaRPr>
+          </a:p>
+        </p:txBody>
+      </p:sp>
+      <p:sp>
+        <p:nvSpPr>
+          <p:cNvPr id="4" name="TextBox 3">
+            <a:extLst>
+              <a:ext uri="{FF2B5EF4-FFF2-40B4-BE49-F238E27FC236}">
+                <a16:creationId xmlns:a16="http://schemas.microsoft.com/office/drawing/2014/main" id="{D0A2EB7E-C6DD-4F42-B4A3-952CF2A50CB1}"/>
+              </a:ext>
+            </a:extLst>
+          </p:cNvPr>
+          <p:cNvSpPr txBox="1"/>
+          <p:nvPr/>
+        </p:nvSpPr>
+        <p:spPr>
+          <a:xfrm>
+            <a:off x="519112" y="4624789"/>
+            <a:ext cx="8210747" cy="646331"/>
+          </a:xfrm>
+          <a:prstGeom prst="rect">
+            <a:avLst/>
+          </a:prstGeom>
+          <a:noFill/>
+        </p:spPr>
+        <p:txBody>
+          <a:bodyPr wrap="square" rtlCol="0">
+            <a:spAutoFit/>
+          </a:bodyPr>
+          <a:lstStyle/>
+          <a:p>
+            <a:r>
+              <a:rPr lang="en-GB" dirty="0">
+                <a:solidFill>
+                  <a:schemeClr val="bg1"/>
+                </a:solidFill>
                 <a:latin typeface="Chronicle Display" pitchFamily="50" charset="0"/>
               </a:rPr>
-              <a:t>Functions that use reference to base classes must be able to use object of derived classes without knowing it.</a:t>
-            </a:r>
-          </a:p>
-          <a:p>
-            <a:endParaRPr lang="en-GB" sz="1600" b="1" i="1" dirty="0">
-              <a:latin typeface="Chronicle Display" pitchFamily="50" charset="0"/>
-            </a:endParaRPr>
-          </a:p>
-          <a:p>
-            <a:endParaRPr lang="en-GB" sz="1600" dirty="0">
-              <a:latin typeface="Chronicle Display" pitchFamily="50" charset="0"/>
-            </a:endParaRPr>
-          </a:p>
-          <a:p>
-            <a:r>
-              <a:rPr lang="en-GB" sz="1600" dirty="0">
+              <a:t>This mean that every subclass/derived should be substitutable for their base/parent class.</a:t>
+            </a:r>
+          </a:p>
+        </p:txBody>
+      </p:sp>
+      <p:sp>
+        <p:nvSpPr>
+          <p:cNvPr id="6" name="TextBox 5">
+            <a:extLst>
+              <a:ext uri="{FF2B5EF4-FFF2-40B4-BE49-F238E27FC236}">
+                <a16:creationId xmlns:a16="http://schemas.microsoft.com/office/drawing/2014/main" id="{542FF21C-5A1E-4C44-9343-5A5DCCC891DE}"/>
+              </a:ext>
+            </a:extLst>
+          </p:cNvPr>
+          <p:cNvSpPr txBox="1"/>
+          <p:nvPr/>
+        </p:nvSpPr>
+        <p:spPr>
+          <a:xfrm>
+            <a:off x="519112" y="5597027"/>
+            <a:ext cx="8210747" cy="369332"/>
+          </a:xfrm>
+          <a:prstGeom prst="rect">
+            <a:avLst/>
+          </a:prstGeom>
+          <a:noFill/>
+        </p:spPr>
+        <p:txBody>
+          <a:bodyPr wrap="square" rtlCol="0">
+            <a:spAutoFit/>
+          </a:bodyPr>
+          <a:lstStyle/>
+          <a:p>
+            <a:r>
+              <a:rPr lang="en-GB" dirty="0">
+                <a:solidFill>
+                  <a:schemeClr val="bg1"/>
+                </a:solidFill>
                 <a:latin typeface="Chronicle Display" pitchFamily="50" charset="0"/>
               </a:rPr>
-              <a:t>This mean that every subclass/derived should be substitutable for their base/parent class.</a:t>
-            </a:r>
-          </a:p>
-          <a:p>
-            <a:endParaRPr lang="en-GB" sz="1600" dirty="0">
-              <a:latin typeface="Chronicle Display" pitchFamily="50" charset="0"/>
-            </a:endParaRPr>
-          </a:p>
-          <a:p>
-            <a:r>
-              <a:rPr lang="en-GB" sz="1600" dirty="0">
-                <a:latin typeface="Chronicle Display" pitchFamily="50" charset="0"/>
-              </a:rPr>
               <a:t>This principle is the base of </a:t>
             </a:r>
             <a:r>
-              <a:rPr lang="en-GB" sz="1600" b="1" i="1" dirty="0">
+              <a:rPr lang="en-GB" b="1" i="1" dirty="0">
+                <a:solidFill>
+                  <a:schemeClr val="bg1"/>
+                </a:solidFill>
                 <a:latin typeface="Chronicle Display" pitchFamily="50" charset="0"/>
               </a:rPr>
               <a:t>Design by Contract</a:t>
@@ -8944,6 +9693,146 @@
   <p:clrMapOvr>
     <a:masterClrMapping/>
   </p:clrMapOvr>
+  <p:timing>
+    <p:tnLst>
+      <p:par>
+        <p:cTn id="1" dur="indefinite" restart="never" nodeType="tmRoot">
+          <p:childTnLst>
+            <p:seq concurrent="1" nextAc="seek">
+              <p:cTn id="2" dur="indefinite" nodeType="mainSeq">
+                <p:childTnLst>
+                  <p:par>
+                    <p:cTn id="3" fill="hold">
+                      <p:stCondLst>
+                        <p:cond delay="indefinite"/>
+                      </p:stCondLst>
+                      <p:childTnLst>
+                        <p:par>
+                          <p:cTn id="4" fill="hold">
+                            <p:stCondLst>
+                              <p:cond delay="0"/>
+                            </p:stCondLst>
+                            <p:childTnLst>
+                              <p:par>
+                                <p:cTn id="5" presetID="10" presetClass="entr" presetSubtype="0" fill="hold" grpId="0" nodeType="clickEffect">
+                                  <p:stCondLst>
+                                    <p:cond delay="0"/>
+                                  </p:stCondLst>
+                                  <p:childTnLst>
+                                    <p:set>
+                                      <p:cBhvr>
+                                        <p:cTn id="6" dur="1" fill="hold">
+                                          <p:stCondLst>
+                                            <p:cond delay="0"/>
+                                          </p:stCondLst>
+                                        </p:cTn>
+                                        <p:tgtEl>
+                                          <p:spTgt spid="4"/>
+                                        </p:tgtEl>
+                                        <p:attrNameLst>
+                                          <p:attrName>style.visibility</p:attrName>
+                                        </p:attrNameLst>
+                                      </p:cBhvr>
+                                      <p:to>
+                                        <p:strVal val="visible"/>
+                                      </p:to>
+                                    </p:set>
+                                    <p:animEffect transition="in" filter="fade">
+                                      <p:cBhvr>
+                                        <p:cTn id="7" dur="500"/>
+                                        <p:tgtEl>
+                                          <p:spTgt spid="4"/>
+                                        </p:tgtEl>
+                                      </p:cBhvr>
+                                    </p:animEffect>
+                                  </p:childTnLst>
+                                </p:cTn>
+                              </p:par>
+                            </p:childTnLst>
+                          </p:cTn>
+                        </p:par>
+                      </p:childTnLst>
+                    </p:cTn>
+                  </p:par>
+                  <p:par>
+                    <p:cTn id="8" fill="hold">
+                      <p:stCondLst>
+                        <p:cond delay="indefinite"/>
+                      </p:stCondLst>
+                      <p:childTnLst>
+                        <p:par>
+                          <p:cTn id="9" fill="hold">
+                            <p:stCondLst>
+                              <p:cond delay="0"/>
+                            </p:stCondLst>
+                            <p:childTnLst>
+                              <p:par>
+                                <p:cTn id="10" presetID="10" presetClass="entr" presetSubtype="0" fill="hold" grpId="0" nodeType="clickEffect">
+                                  <p:stCondLst>
+                                    <p:cond delay="0"/>
+                                  </p:stCondLst>
+                                  <p:childTnLst>
+                                    <p:set>
+                                      <p:cBhvr>
+                                        <p:cTn id="11" dur="1" fill="hold">
+                                          <p:stCondLst>
+                                            <p:cond delay="0"/>
+                                          </p:stCondLst>
+                                        </p:cTn>
+                                        <p:tgtEl>
+                                          <p:spTgt spid="6"/>
+                                        </p:tgtEl>
+                                        <p:attrNameLst>
+                                          <p:attrName>style.visibility</p:attrName>
+                                        </p:attrNameLst>
+                                      </p:cBhvr>
+                                      <p:to>
+                                        <p:strVal val="visible"/>
+                                      </p:to>
+                                    </p:set>
+                                    <p:animEffect transition="in" filter="fade">
+                                      <p:cBhvr>
+                                        <p:cTn id="12" dur="500"/>
+                                        <p:tgtEl>
+                                          <p:spTgt spid="6"/>
+                                        </p:tgtEl>
+                                      </p:cBhvr>
+                                    </p:animEffect>
+                                  </p:childTnLst>
+                                </p:cTn>
+                              </p:par>
+                            </p:childTnLst>
+                          </p:cTn>
+                        </p:par>
+                      </p:childTnLst>
+                    </p:cTn>
+                  </p:par>
+                </p:childTnLst>
+              </p:cTn>
+              <p:prevCondLst>
+                <p:cond evt="onPrev" delay="0">
+                  <p:tgtEl>
+                    <p:sldTgt/>
+                  </p:tgtEl>
+                </p:cond>
+              </p:prevCondLst>
+              <p:nextCondLst>
+                <p:cond evt="onNext" delay="0">
+                  <p:tgtEl>
+                    <p:sldTgt/>
+                  </p:tgtEl>
+                </p:cond>
+              </p:nextCondLst>
+            </p:seq>
+          </p:childTnLst>
+        </p:cTn>
+      </p:par>
+    </p:tnLst>
+    <p:bldLst>
+      <p:bldP spid="4" grpId="0"/>
+      <p:bldP spid="6" grpId="0"/>
+    </p:bldLst>
+  </p:timing>
 </p:sld>
 </file>
 
@@ -8974,22 +9863,39 @@
             <p:ph type="body" sz="quarter" idx="11"/>
           </p:nvPr>
         </p:nvSpPr>
-        <p:spPr/>
+        <p:spPr>
+          <a:xfrm>
+            <a:off x="328613" y="1079047"/>
+            <a:ext cx="8401246" cy="734639"/>
+          </a:xfrm>
+        </p:spPr>
         <p:txBody>
           <a:bodyPr/>
           <a:lstStyle/>
           <a:p>
             <a:r>
-              <a:rPr lang="en-US" b="1" i="1" dirty="0"/>
+              <a:rPr lang="en-US" b="1" i="1" dirty="0">
+                <a:solidFill>
+                  <a:schemeClr val="bg1"/>
+                </a:solidFill>
+              </a:rPr>
               <a:t>SOLID</a:t>
             </a:r>
             <a:r>
-              <a:rPr lang="en-US" dirty="0"/>
+              <a:rPr lang="en-US" dirty="0">
+                <a:solidFill>
+                  <a:schemeClr val="bg1"/>
+                </a:solidFill>
+              </a:rPr>
               <a:t> Principles</a:t>
             </a:r>
           </a:p>
           <a:p>
-            <a:endParaRPr lang="en-US" dirty="0"/>
+            <a:endParaRPr lang="en-US" dirty="0">
+              <a:solidFill>
+                <a:schemeClr val="bg1"/>
+              </a:solidFill>
+            </a:endParaRPr>
           </a:p>
         </p:txBody>
       </p:sp>
@@ -9001,8 +9907,8 @@
         </p:nvSpPr>
         <p:spPr>
           <a:xfrm>
-            <a:off x="621372" y="1501213"/>
-            <a:ext cx="8210747" cy="4647426"/>
+            <a:off x="519112" y="1832413"/>
+            <a:ext cx="8210747" cy="1446550"/>
           </a:xfrm>
           <a:prstGeom prst="rect">
             <a:avLst/>
@@ -9016,149 +9922,330 @@
           <a:lstStyle/>
           <a:p>
             <a:endParaRPr lang="en-GB" sz="1600" u="sng" dirty="0">
+              <a:solidFill>
+                <a:schemeClr val="bg1"/>
+              </a:solidFill>
               <a:latin typeface="Chronicle Display" pitchFamily="50" charset="0"/>
             </a:endParaRPr>
           </a:p>
           <a:p>
+            <a:r>
+              <a:rPr lang="en-GB" sz="2400" b="1" dirty="0">
+                <a:solidFill>
+                  <a:schemeClr val="bg1"/>
+                </a:solidFill>
+                <a:latin typeface="Chronicle Display" pitchFamily="50" charset="0"/>
+              </a:rPr>
+              <a:t>SOLID</a:t>
+            </a:r>
+            <a:r>
+              <a:rPr lang="en-GB" sz="1600" b="1" dirty="0">
+                <a:solidFill>
+                  <a:schemeClr val="bg1"/>
+                </a:solidFill>
+                <a:latin typeface="Chronicle Display" pitchFamily="50" charset="0"/>
+              </a:rPr>
+              <a:t> </a:t>
+            </a:r>
+            <a:r>
+              <a:rPr lang="en-GB" sz="1600" dirty="0">
+                <a:solidFill>
+                  <a:schemeClr val="bg1"/>
+                </a:solidFill>
+                <a:latin typeface="Chronicle Display" pitchFamily="50" charset="0"/>
+              </a:rPr>
+              <a:t>is an acronym for five </a:t>
+            </a:r>
+            <a:r>
+              <a:rPr lang="en-GB" sz="1600" b="1" dirty="0">
+                <a:solidFill>
+                  <a:schemeClr val="bg1"/>
+                </a:solidFill>
+                <a:latin typeface="Chronicle Display" pitchFamily="50" charset="0"/>
+              </a:rPr>
+              <a:t>OOD</a:t>
+            </a:r>
+            <a:r>
+              <a:rPr lang="en-GB" sz="1600" dirty="0">
+                <a:solidFill>
+                  <a:schemeClr val="bg1"/>
+                </a:solidFill>
+                <a:latin typeface="Chronicle Display" pitchFamily="50" charset="0"/>
+              </a:rPr>
+              <a:t> principles by Robert C. Martin (uncle bob)</a:t>
+            </a:r>
             <a:endParaRPr lang="en-GB" sz="1600" u="sng" dirty="0">
+              <a:solidFill>
+                <a:schemeClr val="bg1"/>
+              </a:solidFill>
               <a:latin typeface="Chronicle Display" pitchFamily="50" charset="0"/>
             </a:endParaRPr>
           </a:p>
           <a:p>
-            <a:r>
-              <a:rPr lang="en-GB" sz="2400" b="1" dirty="0">
-                <a:latin typeface="Chronicle Display" pitchFamily="50" charset="0"/>
-              </a:rPr>
-              <a:t>SOLID</a:t>
-            </a:r>
-            <a:r>
-              <a:rPr lang="en-GB" sz="1600" b="1" dirty="0">
-                <a:latin typeface="Chronicle Display" pitchFamily="50" charset="0"/>
-              </a:rPr>
-              <a:t> </a:t>
-            </a:r>
-            <a:r>
-              <a:rPr lang="en-GB" sz="1600" dirty="0">
-                <a:latin typeface="Chronicle Display" pitchFamily="50" charset="0"/>
-              </a:rPr>
-              <a:t>is an acronym for five </a:t>
-            </a:r>
-            <a:r>
-              <a:rPr lang="en-GB" sz="1600" b="1" dirty="0">
-                <a:latin typeface="Chronicle Display" pitchFamily="50" charset="0"/>
-              </a:rPr>
-              <a:t>OOD</a:t>
-            </a:r>
-            <a:r>
-              <a:rPr lang="en-GB" sz="1600" dirty="0">
-                <a:latin typeface="Chronicle Display" pitchFamily="50" charset="0"/>
-              </a:rPr>
-              <a:t> principles by Robert C. Martin (uncle bob)</a:t>
-            </a:r>
             <a:endParaRPr lang="en-GB" sz="1600" u="sng" dirty="0">
+              <a:solidFill>
+                <a:schemeClr val="bg1"/>
+              </a:solidFill>
               <a:latin typeface="Chronicle Display" pitchFamily="50" charset="0"/>
             </a:endParaRPr>
           </a:p>
           <a:p>
-            <a:endParaRPr lang="en-GB" sz="1600" u="sng" dirty="0">
+            <a:endParaRPr lang="en-GB" sz="1600" dirty="0">
+              <a:solidFill>
+                <a:schemeClr val="bg1"/>
+              </a:solidFill>
               <a:latin typeface="Chronicle Display" pitchFamily="50" charset="0"/>
             </a:endParaRPr>
           </a:p>
           <a:p>
-            <a:endParaRPr lang="en-GB" sz="1600" dirty="0">
-              <a:latin typeface="Chronicle Display" pitchFamily="50" charset="0"/>
-            </a:endParaRPr>
-          </a:p>
-          <a:p>
             <a:r>
               <a:rPr lang="en-GB" sz="1600" dirty="0">
+                <a:solidFill>
+                  <a:schemeClr val="bg1"/>
+                </a:solidFill>
                 <a:latin typeface="Chronicle Display" pitchFamily="50" charset="0"/>
               </a:rPr>
-              <a:t>These principles, when applied, help developer in</a:t>
-            </a:r>
-          </a:p>
+              <a:t>These principles, when applied, help developer in:	</a:t>
+            </a:r>
+          </a:p>
+        </p:txBody>
+      </p:sp>
+      <p:sp>
+        <p:nvSpPr>
+          <p:cNvPr id="4" name="TextBox 3">
+            <a:extLst>
+              <a:ext uri="{FF2B5EF4-FFF2-40B4-BE49-F238E27FC236}">
+                <a16:creationId xmlns:a16="http://schemas.microsoft.com/office/drawing/2014/main" id="{93BB961A-3CB4-477D-BD60-E9EA33291C17}"/>
+              </a:ext>
+            </a:extLst>
+          </p:cNvPr>
+          <p:cNvSpPr txBox="1"/>
+          <p:nvPr/>
+        </p:nvSpPr>
+        <p:spPr>
+          <a:xfrm>
+            <a:off x="1186531" y="3702475"/>
+            <a:ext cx="6566978" cy="338554"/>
+          </a:xfrm>
+          <a:prstGeom prst="rect">
+            <a:avLst/>
+          </a:prstGeom>
+          <a:noFill/>
+        </p:spPr>
+        <p:txBody>
+          <a:bodyPr wrap="square" rtlCol="0">
+            <a:spAutoFit/>
+          </a:bodyPr>
+          <a:lstStyle/>
           <a:p>
             <a:r>
               <a:rPr lang="en-GB" sz="1600" dirty="0">
+                <a:solidFill>
+                  <a:schemeClr val="bg1"/>
+                </a:solidFill>
                 <a:latin typeface="Chronicle Display" pitchFamily="50" charset="0"/>
               </a:rPr>
-              <a:t>	</a:t>
-            </a:r>
-          </a:p>
+              <a:t>&gt; Easily maintain software</a:t>
+            </a:r>
+          </a:p>
+        </p:txBody>
+      </p:sp>
+      <p:sp>
+        <p:nvSpPr>
+          <p:cNvPr id="6" name="TextBox 5">
+            <a:extLst>
+              <a:ext uri="{FF2B5EF4-FFF2-40B4-BE49-F238E27FC236}">
+                <a16:creationId xmlns:a16="http://schemas.microsoft.com/office/drawing/2014/main" id="{0B13B60D-B8E3-48A1-AC0E-4F9D11137C59}"/>
+              </a:ext>
+            </a:extLst>
+          </p:cNvPr>
+          <p:cNvSpPr txBox="1"/>
+          <p:nvPr/>
+        </p:nvSpPr>
+        <p:spPr>
+          <a:xfrm>
+            <a:off x="1186531" y="4142890"/>
+            <a:ext cx="6566978" cy="338554"/>
+          </a:xfrm>
+          <a:prstGeom prst="rect">
+            <a:avLst/>
+          </a:prstGeom>
+          <a:noFill/>
+        </p:spPr>
+        <p:txBody>
+          <a:bodyPr wrap="square" rtlCol="0">
+            <a:spAutoFit/>
+          </a:bodyPr>
+          <a:lstStyle/>
           <a:p>
             <a:r>
               <a:rPr lang="en-GB" sz="1600" dirty="0">
+                <a:solidFill>
+                  <a:schemeClr val="bg1"/>
+                </a:solidFill>
                 <a:latin typeface="Chronicle Display" pitchFamily="50" charset="0"/>
               </a:rPr>
-              <a:t>	&gt; easily maintain software</a:t>
-            </a:r>
-          </a:p>
+              <a:t>&gt; Easily extend software</a:t>
+            </a:r>
+          </a:p>
+        </p:txBody>
+      </p:sp>
+      <p:sp>
+        <p:nvSpPr>
+          <p:cNvPr id="7" name="TextBox 6">
+            <a:extLst>
+              <a:ext uri="{FF2B5EF4-FFF2-40B4-BE49-F238E27FC236}">
+                <a16:creationId xmlns:a16="http://schemas.microsoft.com/office/drawing/2014/main" id="{7E4FE2F1-CC4D-42DE-9DD2-D5A9E6999B3E}"/>
+              </a:ext>
+            </a:extLst>
+          </p:cNvPr>
+          <p:cNvSpPr txBox="1"/>
+          <p:nvPr/>
+        </p:nvSpPr>
+        <p:spPr>
+          <a:xfrm>
+            <a:off x="1186531" y="4583305"/>
+            <a:ext cx="6566978" cy="338554"/>
+          </a:xfrm>
+          <a:prstGeom prst="rect">
+            <a:avLst/>
+          </a:prstGeom>
+          <a:noFill/>
+        </p:spPr>
+        <p:txBody>
+          <a:bodyPr wrap="square" rtlCol="0">
+            <a:spAutoFit/>
+          </a:bodyPr>
+          <a:lstStyle/>
           <a:p>
             <a:r>
               <a:rPr lang="en-GB" sz="1600" dirty="0">
+                <a:solidFill>
+                  <a:schemeClr val="bg1"/>
+                </a:solidFill>
                 <a:latin typeface="Chronicle Display" pitchFamily="50" charset="0"/>
               </a:rPr>
-              <a:t>	</a:t>
-            </a:r>
-          </a:p>
+              <a:t>&gt; Avoid smell</a:t>
+            </a:r>
+          </a:p>
+        </p:txBody>
+      </p:sp>
+      <p:sp>
+        <p:nvSpPr>
+          <p:cNvPr id="8" name="TextBox 7">
+            <a:extLst>
+              <a:ext uri="{FF2B5EF4-FFF2-40B4-BE49-F238E27FC236}">
+                <a16:creationId xmlns:a16="http://schemas.microsoft.com/office/drawing/2014/main" id="{41D9005C-1ED3-46C6-82AD-683DC3DE6D9A}"/>
+              </a:ext>
+            </a:extLst>
+          </p:cNvPr>
+          <p:cNvSpPr txBox="1"/>
+          <p:nvPr/>
+        </p:nvSpPr>
+        <p:spPr>
+          <a:xfrm>
+            <a:off x="1186531" y="5023720"/>
+            <a:ext cx="6566978" cy="338554"/>
+          </a:xfrm>
+          <a:prstGeom prst="rect">
+            <a:avLst/>
+          </a:prstGeom>
+          <a:noFill/>
+        </p:spPr>
+        <p:txBody>
+          <a:bodyPr wrap="square" rtlCol="0">
+            <a:spAutoFit/>
+          </a:bodyPr>
+          <a:lstStyle/>
           <a:p>
             <a:r>
               <a:rPr lang="en-GB" sz="1600" dirty="0">
+                <a:solidFill>
+                  <a:schemeClr val="bg1"/>
+                </a:solidFill>
                 <a:latin typeface="Chronicle Display" pitchFamily="50" charset="0"/>
               </a:rPr>
-              <a:t>	&gt; extend software</a:t>
-            </a:r>
-          </a:p>
-          <a:p>
-            <a:endParaRPr lang="en-GB" sz="1600" dirty="0">
-              <a:latin typeface="Chronicle Display" pitchFamily="50" charset="0"/>
-            </a:endParaRPr>
-          </a:p>
+              <a:t>&gt; Easily refactor code</a:t>
+            </a:r>
+          </a:p>
+        </p:txBody>
+      </p:sp>
+      <p:sp>
+        <p:nvSpPr>
+          <p:cNvPr id="9" name="TextBox 8">
+            <a:extLst>
+              <a:ext uri="{FF2B5EF4-FFF2-40B4-BE49-F238E27FC236}">
+                <a16:creationId xmlns:a16="http://schemas.microsoft.com/office/drawing/2014/main" id="{817BE828-75BC-4FE4-AE92-19A1E6BA5297}"/>
+              </a:ext>
+            </a:extLst>
+          </p:cNvPr>
+          <p:cNvSpPr txBox="1"/>
+          <p:nvPr/>
+        </p:nvSpPr>
+        <p:spPr>
+          <a:xfrm>
+            <a:off x="1186531" y="5464135"/>
+            <a:ext cx="6566978" cy="338554"/>
+          </a:xfrm>
+          <a:prstGeom prst="rect">
+            <a:avLst/>
+          </a:prstGeom>
+          <a:noFill/>
+        </p:spPr>
+        <p:txBody>
+          <a:bodyPr wrap="square" rtlCol="0">
+            <a:spAutoFit/>
+          </a:bodyPr>
+          <a:lstStyle/>
           <a:p>
             <a:r>
               <a:rPr lang="en-GB" sz="1600" dirty="0">
+                <a:solidFill>
+                  <a:schemeClr val="bg1"/>
+                </a:solidFill>
                 <a:latin typeface="Chronicle Display" pitchFamily="50" charset="0"/>
               </a:rPr>
-              <a:t>	&gt; avoid smells</a:t>
-            </a:r>
-          </a:p>
-          <a:p>
-            <a:endParaRPr lang="en-GB" sz="1600" dirty="0">
-              <a:latin typeface="Chronicle Display" pitchFamily="50" charset="0"/>
-            </a:endParaRPr>
-          </a:p>
+              <a:t>&gt; Achieve low coupling, high cohesion and strong encapsulation</a:t>
+            </a:r>
+          </a:p>
+        </p:txBody>
+      </p:sp>
+      <p:sp>
+        <p:nvSpPr>
+          <p:cNvPr id="10" name="TextBox 9">
+            <a:extLst>
+              <a:ext uri="{FF2B5EF4-FFF2-40B4-BE49-F238E27FC236}">
+                <a16:creationId xmlns:a16="http://schemas.microsoft.com/office/drawing/2014/main" id="{F8EAFC3A-ABAB-4C8F-84DE-AB237B1BF78B}"/>
+              </a:ext>
+            </a:extLst>
+          </p:cNvPr>
+          <p:cNvSpPr txBox="1"/>
+          <p:nvPr/>
+        </p:nvSpPr>
+        <p:spPr>
+          <a:xfrm>
+            <a:off x="1186531" y="5904550"/>
+            <a:ext cx="6566978" cy="338554"/>
+          </a:xfrm>
+          <a:prstGeom prst="rect">
+            <a:avLst/>
+          </a:prstGeom>
+          <a:noFill/>
+        </p:spPr>
+        <p:txBody>
+          <a:bodyPr wrap="square" rtlCol="0">
+            <a:spAutoFit/>
+          </a:bodyPr>
+          <a:lstStyle/>
           <a:p>
             <a:r>
               <a:rPr lang="en-GB" sz="1600" dirty="0">
+                <a:solidFill>
+                  <a:schemeClr val="bg1"/>
+                </a:solidFill>
                 <a:latin typeface="Chronicle Display" pitchFamily="50" charset="0"/>
               </a:rPr>
-              <a:t>	&gt; easily refactor code</a:t>
-            </a:r>
-          </a:p>
-          <a:p>
-            <a:endParaRPr lang="en-GB" sz="1600" dirty="0">
-              <a:latin typeface="Chronicle Display" pitchFamily="50" charset="0"/>
-            </a:endParaRPr>
-          </a:p>
-          <a:p>
-            <a:r>
-              <a:rPr lang="en-GB" sz="1600" dirty="0">
-                <a:latin typeface="Chronicle Display" pitchFamily="50" charset="0"/>
-              </a:rPr>
-              <a:t>	&gt; achieve low coupling, high cohesion and string encapsulation</a:t>
-            </a:r>
-          </a:p>
-          <a:p>
-            <a:endParaRPr lang="en-GB" sz="1600" dirty="0">
-              <a:latin typeface="Chronicle Display" pitchFamily="50" charset="0"/>
-            </a:endParaRPr>
-          </a:p>
-          <a:p>
-            <a:r>
-              <a:rPr lang="en-GB" sz="1600" dirty="0">
-                <a:latin typeface="Chronicle Display" pitchFamily="50" charset="0"/>
-              </a:rPr>
-              <a:t>	&gt; software easier to read, easier to understand and easier to change</a:t>
+              <a:t>&gt; Software easier to read, easier to understand and easier to change</a:t>
             </a:r>
           </a:p>
         </p:txBody>
@@ -9173,6 +10260,362 @@
   <p:clrMapOvr>
     <a:masterClrMapping/>
   </p:clrMapOvr>
+  <p:timing>
+    <p:tnLst>
+      <p:par>
+        <p:cTn id="1" dur="indefinite" restart="never" nodeType="tmRoot">
+          <p:childTnLst>
+            <p:seq concurrent="1" nextAc="seek">
+              <p:cTn id="2" dur="indefinite" nodeType="mainSeq">
+                <p:childTnLst>
+                  <p:par>
+                    <p:cTn id="3" fill="hold">
+                      <p:stCondLst>
+                        <p:cond delay="indefinite"/>
+                      </p:stCondLst>
+                      <p:childTnLst>
+                        <p:par>
+                          <p:cTn id="4" fill="hold">
+                            <p:stCondLst>
+                              <p:cond delay="0"/>
+                            </p:stCondLst>
+                            <p:childTnLst>
+                              <p:par>
+                                <p:cTn id="5" presetID="10" presetClass="entr" presetSubtype="0" fill="hold" grpId="0" nodeType="clickEffect">
+                                  <p:stCondLst>
+                                    <p:cond delay="0"/>
+                                  </p:stCondLst>
+                                  <p:childTnLst>
+                                    <p:set>
+                                      <p:cBhvr>
+                                        <p:cTn id="6" dur="1" fill="hold">
+                                          <p:stCondLst>
+                                            <p:cond delay="0"/>
+                                          </p:stCondLst>
+                                        </p:cTn>
+                                        <p:tgtEl>
+                                          <p:spTgt spid="4"/>
+                                        </p:tgtEl>
+                                        <p:attrNameLst>
+                                          <p:attrName>style.visibility</p:attrName>
+                                        </p:attrNameLst>
+                                      </p:cBhvr>
+                                      <p:to>
+                                        <p:strVal val="visible"/>
+                                      </p:to>
+                                    </p:set>
+                                    <p:animEffect transition="in" filter="fade">
+                                      <p:cBhvr>
+                                        <p:cTn id="7" dur="500"/>
+                                        <p:tgtEl>
+                                          <p:spTgt spid="4"/>
+                                        </p:tgtEl>
+                                      </p:cBhvr>
+                                    </p:animEffect>
+                                  </p:childTnLst>
+                                </p:cTn>
+                              </p:par>
+                            </p:childTnLst>
+                          </p:cTn>
+                        </p:par>
+                      </p:childTnLst>
+                    </p:cTn>
+                  </p:par>
+                  <p:par>
+                    <p:cTn id="8" fill="hold">
+                      <p:stCondLst>
+                        <p:cond delay="indefinite"/>
+                      </p:stCondLst>
+                      <p:childTnLst>
+                        <p:par>
+                          <p:cTn id="9" fill="hold">
+                            <p:stCondLst>
+                              <p:cond delay="0"/>
+                            </p:stCondLst>
+                            <p:childTnLst>
+                              <p:par>
+                                <p:cTn id="10" presetID="10" presetClass="entr" presetSubtype="0" fill="hold" grpId="0" nodeType="clickEffect">
+                                  <p:stCondLst>
+                                    <p:cond delay="0"/>
+                                  </p:stCondLst>
+                                  <p:childTnLst>
+                                    <p:set>
+                                      <p:cBhvr>
+                                        <p:cTn id="11" dur="1" fill="hold">
+                                          <p:stCondLst>
+                                            <p:cond delay="0"/>
+                                          </p:stCondLst>
+                                        </p:cTn>
+                                        <p:tgtEl>
+                                          <p:spTgt spid="6"/>
+                                        </p:tgtEl>
+                                        <p:attrNameLst>
+                                          <p:attrName>style.visibility</p:attrName>
+                                        </p:attrNameLst>
+                                      </p:cBhvr>
+                                      <p:to>
+                                        <p:strVal val="visible"/>
+                                      </p:to>
+                                    </p:set>
+                                    <p:animEffect transition="in" filter="fade">
+                                      <p:cBhvr>
+                                        <p:cTn id="12" dur="500"/>
+                                        <p:tgtEl>
+                                          <p:spTgt spid="6"/>
+                                        </p:tgtEl>
+                                      </p:cBhvr>
+                                    </p:animEffect>
+                                  </p:childTnLst>
+                                </p:cTn>
+                              </p:par>
+                            </p:childTnLst>
+                          </p:cTn>
+                        </p:par>
+                      </p:childTnLst>
+                    </p:cTn>
+                  </p:par>
+                  <p:par>
+                    <p:cTn id="13" fill="hold">
+                      <p:stCondLst>
+                        <p:cond delay="indefinite"/>
+                      </p:stCondLst>
+                      <p:childTnLst>
+                        <p:par>
+                          <p:cTn id="14" fill="hold">
+                            <p:stCondLst>
+                              <p:cond delay="0"/>
+                            </p:stCondLst>
+                            <p:childTnLst>
+                              <p:par>
+                                <p:cTn id="15" presetID="10" presetClass="entr" presetSubtype="0" fill="hold" grpId="0" nodeType="clickEffect">
+                                  <p:stCondLst>
+                                    <p:cond delay="0"/>
+                                  </p:stCondLst>
+                                  <p:childTnLst>
+                                    <p:set>
+                                      <p:cBhvr>
+                                        <p:cTn id="16" dur="1" fill="hold">
+                                          <p:stCondLst>
+                                            <p:cond delay="0"/>
+                                          </p:stCondLst>
+                                        </p:cTn>
+                                        <p:tgtEl>
+                                          <p:spTgt spid="7"/>
+                                        </p:tgtEl>
+                                        <p:attrNameLst>
+                                          <p:attrName>style.visibility</p:attrName>
+                                        </p:attrNameLst>
+                                      </p:cBhvr>
+                                      <p:to>
+                                        <p:strVal val="visible"/>
+                                      </p:to>
+                                    </p:set>
+                                    <p:animEffect transition="in" filter="fade">
+                                      <p:cBhvr>
+                                        <p:cTn id="17" dur="500"/>
+                                        <p:tgtEl>
+                                          <p:spTgt spid="7"/>
+                                        </p:tgtEl>
+                                      </p:cBhvr>
+                                    </p:animEffect>
+                                  </p:childTnLst>
+                                </p:cTn>
+                              </p:par>
+                            </p:childTnLst>
+                          </p:cTn>
+                        </p:par>
+                      </p:childTnLst>
+                    </p:cTn>
+                  </p:par>
+                  <p:par>
+                    <p:cTn id="18" fill="hold">
+                      <p:stCondLst>
+                        <p:cond delay="indefinite"/>
+                      </p:stCondLst>
+                      <p:childTnLst>
+                        <p:par>
+                          <p:cTn id="19" fill="hold">
+                            <p:stCondLst>
+                              <p:cond delay="0"/>
+                            </p:stCondLst>
+                            <p:childTnLst>
+                              <p:par>
+                                <p:cTn id="20" presetID="10" presetClass="entr" presetSubtype="0" fill="hold" grpId="0" nodeType="clickEffect">
+                                  <p:stCondLst>
+                                    <p:cond delay="0"/>
+                                  </p:stCondLst>
+                                  <p:childTnLst>
+                                    <p:set>
+                                      <p:cBhvr>
+                                        <p:cTn id="21" dur="1" fill="hold">
+                                          <p:stCondLst>
+                                            <p:cond delay="0"/>
+                                          </p:stCondLst>
+                                        </p:cTn>
+                                        <p:tgtEl>
+                                          <p:spTgt spid="8"/>
+                                        </p:tgtEl>
+                                        <p:attrNameLst>
+                                          <p:attrName>style.visibility</p:attrName>
+                                        </p:attrNameLst>
+                                      </p:cBhvr>
+                                      <p:to>
+                                        <p:strVal val="visible"/>
+                                      </p:to>
+                                    </p:set>
+                                    <p:animEffect transition="in" filter="fade">
+                                      <p:cBhvr>
+                                        <p:cTn id="22" dur="500"/>
+                                        <p:tgtEl>
+                                          <p:spTgt spid="8"/>
+                                        </p:tgtEl>
+                                      </p:cBhvr>
+                                    </p:animEffect>
+                                  </p:childTnLst>
+                                </p:cTn>
+                              </p:par>
+                            </p:childTnLst>
+                          </p:cTn>
+                        </p:par>
+                      </p:childTnLst>
+                    </p:cTn>
+                  </p:par>
+                  <p:par>
+                    <p:cTn id="23" fill="hold">
+                      <p:stCondLst>
+                        <p:cond delay="indefinite"/>
+                      </p:stCondLst>
+                      <p:childTnLst>
+                        <p:par>
+                          <p:cTn id="24" fill="hold">
+                            <p:stCondLst>
+                              <p:cond delay="0"/>
+                            </p:stCondLst>
+                            <p:childTnLst>
+                              <p:par>
+                                <p:cTn id="25" presetID="10" presetClass="entr" presetSubtype="0" fill="hold" grpId="0" nodeType="clickEffect">
+                                  <p:stCondLst>
+                                    <p:cond delay="0"/>
+                                  </p:stCondLst>
+                                  <p:childTnLst>
+                                    <p:set>
+                                      <p:cBhvr>
+                                        <p:cTn id="26" dur="1" fill="hold">
+                                          <p:stCondLst>
+                                            <p:cond delay="0"/>
+                                          </p:stCondLst>
+                                        </p:cTn>
+                                        <p:tgtEl>
+                                          <p:spTgt spid="9"/>
+                                        </p:tgtEl>
+                                        <p:attrNameLst>
+                                          <p:attrName>style.visibility</p:attrName>
+                                        </p:attrNameLst>
+                                      </p:cBhvr>
+                                      <p:to>
+                                        <p:strVal val="visible"/>
+                                      </p:to>
+                                    </p:set>
+                                    <p:animEffect transition="in" filter="fade">
+                                      <p:cBhvr>
+                                        <p:cTn id="27" dur="500"/>
+                                        <p:tgtEl>
+                                          <p:spTgt spid="9"/>
+                                        </p:tgtEl>
+                                      </p:cBhvr>
+                                    </p:animEffect>
+                                  </p:childTnLst>
+                                </p:cTn>
+                              </p:par>
+                            </p:childTnLst>
+                          </p:cTn>
+                        </p:par>
+                      </p:childTnLst>
+                    </p:cTn>
+                  </p:par>
+                  <p:par>
+                    <p:cTn id="28" fill="hold">
+                      <p:stCondLst>
+                        <p:cond delay="indefinite"/>
+                      </p:stCondLst>
+                      <p:childTnLst>
+                        <p:par>
+                          <p:cTn id="29" fill="hold">
+                            <p:stCondLst>
+                              <p:cond delay="0"/>
+                            </p:stCondLst>
+                            <p:childTnLst>
+                              <p:par>
+                                <p:cTn id="30" presetID="10" presetClass="entr" presetSubtype="0" fill="hold" grpId="0" nodeType="clickEffect">
+                                  <p:stCondLst>
+                                    <p:cond delay="0"/>
+                                  </p:stCondLst>
+                                  <p:childTnLst>
+                                    <p:set>
+                                      <p:cBhvr>
+                                        <p:cTn id="31" dur="1" fill="hold">
+                                          <p:stCondLst>
+                                            <p:cond delay="0"/>
+                                          </p:stCondLst>
+                                        </p:cTn>
+                                        <p:tgtEl>
+                                          <p:spTgt spid="10"/>
+                                        </p:tgtEl>
+                                        <p:attrNameLst>
+                                          <p:attrName>style.visibility</p:attrName>
+                                        </p:attrNameLst>
+                                      </p:cBhvr>
+                                      <p:to>
+                                        <p:strVal val="visible"/>
+                                      </p:to>
+                                    </p:set>
+                                    <p:animEffect transition="in" filter="fade">
+                                      <p:cBhvr>
+                                        <p:cTn id="32" dur="500"/>
+                                        <p:tgtEl>
+                                          <p:spTgt spid="10"/>
+                                        </p:tgtEl>
+                                      </p:cBhvr>
+                                    </p:animEffect>
+                                  </p:childTnLst>
+                                </p:cTn>
+                              </p:par>
+                            </p:childTnLst>
+                          </p:cTn>
+                        </p:par>
+                      </p:childTnLst>
+                    </p:cTn>
+                  </p:par>
+                </p:childTnLst>
+              </p:cTn>
+              <p:prevCondLst>
+                <p:cond evt="onPrev" delay="0">
+                  <p:tgtEl>
+                    <p:sldTgt/>
+                  </p:tgtEl>
+                </p:cond>
+              </p:prevCondLst>
+              <p:nextCondLst>
+                <p:cond evt="onNext" delay="0">
+                  <p:tgtEl>
+                    <p:sldTgt/>
+                  </p:tgtEl>
+                </p:cond>
+              </p:nextCondLst>
+            </p:seq>
+          </p:childTnLst>
+        </p:cTn>
+      </p:par>
+    </p:tnLst>
+    <p:bldLst>
+      <p:bldP spid="4" grpId="0"/>
+      <p:bldP spid="6" grpId="0"/>
+      <p:bldP spid="7" grpId="0"/>
+      <p:bldP spid="8" grpId="0"/>
+      <p:bldP spid="9" grpId="0"/>
+      <p:bldP spid="10" grpId="0"/>
+    </p:bldLst>
+  </p:timing>
 </p:sld>
 </file>
 
@@ -9203,29 +10646,54 @@
             <p:ph type="body" sz="quarter" idx="11"/>
           </p:nvPr>
         </p:nvSpPr>
-        <p:spPr/>
+        <p:spPr>
+          <a:xfrm>
+            <a:off x="328613" y="1079048"/>
+            <a:ext cx="8401246" cy="743912"/>
+          </a:xfrm>
+        </p:spPr>
         <p:txBody>
           <a:bodyPr/>
           <a:lstStyle/>
           <a:p>
             <a:r>
-              <a:rPr lang="en-US" dirty="0"/>
+              <a:rPr lang="en-US" dirty="0">
+                <a:solidFill>
+                  <a:schemeClr val="bg1"/>
+                </a:solidFill>
+              </a:rPr>
               <a:t>LSP </a:t>
             </a:r>
             <a:r>
-              <a:rPr lang="en-US" dirty="0" err="1"/>
+              <a:rPr lang="en-US" dirty="0" err="1">
+                <a:solidFill>
+                  <a:schemeClr val="bg1"/>
+                </a:solidFill>
+              </a:rPr>
               <a:t>Liskov</a:t>
             </a:r>
             <a:r>
-              <a:rPr lang="en-US" dirty="0"/>
+              <a:rPr lang="en-US" dirty="0">
+                <a:solidFill>
+                  <a:schemeClr val="bg1"/>
+                </a:solidFill>
+              </a:rPr>
               <a:t> Substitution Principle</a:t>
             </a:r>
           </a:p>
           <a:p>
-            <a:endParaRPr lang="en-US" dirty="0"/>
-          </a:p>
-          <a:p>
-            <a:endParaRPr lang="en-US" dirty="0"/>
+            <a:endParaRPr lang="en-US" dirty="0">
+              <a:solidFill>
+                <a:schemeClr val="bg1"/>
+              </a:solidFill>
+            </a:endParaRPr>
+          </a:p>
+          <a:p>
+            <a:endParaRPr lang="en-US" dirty="0">
+              <a:solidFill>
+                <a:schemeClr val="bg1"/>
+              </a:solidFill>
+            </a:endParaRPr>
           </a:p>
         </p:txBody>
       </p:sp>
@@ -9359,29 +10827,54 @@
             <p:ph type="body" sz="quarter" idx="11"/>
           </p:nvPr>
         </p:nvSpPr>
-        <p:spPr/>
+        <p:spPr>
+          <a:xfrm>
+            <a:off x="328613" y="1079048"/>
+            <a:ext cx="8401246" cy="863108"/>
+          </a:xfrm>
+        </p:spPr>
         <p:txBody>
           <a:bodyPr/>
           <a:lstStyle/>
           <a:p>
             <a:r>
-              <a:rPr lang="en-US" dirty="0"/>
+              <a:rPr lang="en-US" dirty="0">
+                <a:solidFill>
+                  <a:schemeClr val="bg1"/>
+                </a:solidFill>
+              </a:rPr>
               <a:t>LSP </a:t>
             </a:r>
             <a:r>
-              <a:rPr lang="en-US" dirty="0" err="1"/>
+              <a:rPr lang="en-US" dirty="0" err="1">
+                <a:solidFill>
+                  <a:schemeClr val="bg1"/>
+                </a:solidFill>
+              </a:rPr>
               <a:t>Liskov</a:t>
             </a:r>
             <a:r>
-              <a:rPr lang="en-US" dirty="0"/>
+              <a:rPr lang="en-US" dirty="0">
+                <a:solidFill>
+                  <a:schemeClr val="bg1"/>
+                </a:solidFill>
+              </a:rPr>
               <a:t> Substitution Principle</a:t>
             </a:r>
           </a:p>
           <a:p>
-            <a:endParaRPr lang="en-US" dirty="0"/>
-          </a:p>
-          <a:p>
-            <a:endParaRPr lang="en-US" dirty="0"/>
+            <a:endParaRPr lang="en-US" dirty="0">
+              <a:solidFill>
+                <a:schemeClr val="bg1"/>
+              </a:solidFill>
+            </a:endParaRPr>
+          </a:p>
+          <a:p>
+            <a:endParaRPr lang="en-US" dirty="0">
+              <a:solidFill>
+                <a:schemeClr val="bg1"/>
+              </a:solidFill>
+            </a:endParaRPr>
           </a:p>
         </p:txBody>
       </p:sp>
@@ -9455,29 +10948,54 @@
             <p:ph type="body" sz="quarter" idx="11"/>
           </p:nvPr>
         </p:nvSpPr>
-        <p:spPr/>
+        <p:spPr>
+          <a:xfrm>
+            <a:off x="328613" y="1079047"/>
+            <a:ext cx="8401246" cy="900893"/>
+          </a:xfrm>
+        </p:spPr>
         <p:txBody>
           <a:bodyPr/>
           <a:lstStyle/>
           <a:p>
             <a:r>
-              <a:rPr lang="en-US" dirty="0"/>
+              <a:rPr lang="en-US" dirty="0">
+                <a:solidFill>
+                  <a:schemeClr val="bg1"/>
+                </a:solidFill>
+              </a:rPr>
               <a:t>LSP </a:t>
             </a:r>
             <a:r>
-              <a:rPr lang="en-US" dirty="0" err="1"/>
+              <a:rPr lang="en-US" dirty="0" err="1">
+                <a:solidFill>
+                  <a:schemeClr val="bg1"/>
+                </a:solidFill>
+              </a:rPr>
               <a:t>Liskov</a:t>
             </a:r>
             <a:r>
-              <a:rPr lang="en-US" dirty="0"/>
+              <a:rPr lang="en-US" dirty="0">
+                <a:solidFill>
+                  <a:schemeClr val="bg1"/>
+                </a:solidFill>
+              </a:rPr>
               <a:t> Substitution Principle</a:t>
             </a:r>
           </a:p>
           <a:p>
-            <a:endParaRPr lang="en-US" dirty="0"/>
-          </a:p>
-          <a:p>
-            <a:endParaRPr lang="en-US" dirty="0"/>
+            <a:endParaRPr lang="en-US" dirty="0">
+              <a:solidFill>
+                <a:schemeClr val="bg1"/>
+              </a:solidFill>
+            </a:endParaRPr>
+          </a:p>
+          <a:p>
+            <a:endParaRPr lang="en-US" dirty="0">
+              <a:solidFill>
+                <a:schemeClr val="bg1"/>
+              </a:solidFill>
+            </a:endParaRPr>
           </a:p>
         </p:txBody>
       </p:sp>
@@ -9551,21 +11069,38 @@
             <p:ph type="body" sz="quarter" idx="11"/>
           </p:nvPr>
         </p:nvSpPr>
-        <p:spPr/>
+        <p:spPr>
+          <a:xfrm>
+            <a:off x="328613" y="1079047"/>
+            <a:ext cx="8401246" cy="734639"/>
+          </a:xfrm>
+        </p:spPr>
         <p:txBody>
           <a:bodyPr/>
           <a:lstStyle/>
           <a:p>
             <a:r>
-              <a:rPr lang="en-US" dirty="0"/>
+              <a:rPr lang="en-US" dirty="0">
+                <a:solidFill>
+                  <a:schemeClr val="bg1"/>
+                </a:solidFill>
+              </a:rPr>
               <a:t>ISP Interface Segregation Principle</a:t>
             </a:r>
           </a:p>
           <a:p>
-            <a:endParaRPr lang="en-US" dirty="0"/>
-          </a:p>
-          <a:p>
-            <a:endParaRPr lang="en-US" dirty="0"/>
+            <a:endParaRPr lang="en-US" dirty="0">
+              <a:solidFill>
+                <a:schemeClr val="bg1"/>
+              </a:solidFill>
+            </a:endParaRPr>
+          </a:p>
+          <a:p>
+            <a:endParaRPr lang="en-US" dirty="0">
+              <a:solidFill>
+                <a:schemeClr val="bg1"/>
+              </a:solidFill>
+            </a:endParaRPr>
           </a:p>
         </p:txBody>
       </p:sp>
@@ -9578,7 +11113,7 @@
         <p:spPr>
           <a:xfrm>
             <a:off x="621372" y="2090172"/>
-            <a:ext cx="8210747" cy="2677656"/>
+            <a:ext cx="8210747" cy="1692771"/>
           </a:xfrm>
           <a:prstGeom prst="rect">
             <a:avLst/>
@@ -9592,12 +11127,18 @@
           <a:lstStyle/>
           <a:p>
             <a:endParaRPr lang="en-GB" sz="1600" dirty="0">
+              <a:solidFill>
+                <a:schemeClr val="bg1"/>
+              </a:solidFill>
               <a:latin typeface="Chronicle Display" pitchFamily="50" charset="0"/>
             </a:endParaRPr>
           </a:p>
           <a:p>
             <a:r>
               <a:rPr lang="en-GB" sz="2400" b="1" i="1" dirty="0">
+                <a:solidFill>
+                  <a:schemeClr val="bg1"/>
+                </a:solidFill>
                 <a:latin typeface="Chronicle Display" pitchFamily="50" charset="0"/>
               </a:rPr>
               <a:t>A client never be forced to implement an interface that it doesn’t use or client shouldn’t be forced to depend on method they do not use.</a:t>
@@ -9605,31 +11146,51 @@
           </a:p>
           <a:p>
             <a:endParaRPr lang="en-GB" sz="1600" b="1" i="1" dirty="0">
+              <a:solidFill>
+                <a:schemeClr val="bg1"/>
+              </a:solidFill>
               <a:latin typeface="Chronicle Display" pitchFamily="50" charset="0"/>
             </a:endParaRPr>
           </a:p>
-          <a:p>
-            <a:endParaRPr lang="en-GB" sz="1600" dirty="0">
-              <a:latin typeface="Chronicle Display" pitchFamily="50" charset="0"/>
-            </a:endParaRPr>
-          </a:p>
-          <a:p>
-            <a:r>
-              <a:rPr lang="en-GB" sz="1600" dirty="0">
+        </p:txBody>
+      </p:sp>
+      <p:sp>
+        <p:nvSpPr>
+          <p:cNvPr id="4" name="TextBox 3">
+            <a:extLst>
+              <a:ext uri="{FF2B5EF4-FFF2-40B4-BE49-F238E27FC236}">
+                <a16:creationId xmlns:a16="http://schemas.microsoft.com/office/drawing/2014/main" id="{15B48375-9454-4309-B958-79B0BC087F7E}"/>
+              </a:ext>
+            </a:extLst>
+          </p:cNvPr>
+          <p:cNvSpPr txBox="1"/>
+          <p:nvPr/>
+        </p:nvSpPr>
+        <p:spPr>
+          <a:xfrm>
+            <a:off x="519112" y="4259482"/>
+            <a:ext cx="8210747" cy="369332"/>
+          </a:xfrm>
+          <a:prstGeom prst="rect">
+            <a:avLst/>
+          </a:prstGeom>
+          <a:noFill/>
+        </p:spPr>
+        <p:txBody>
+          <a:bodyPr wrap="square" rtlCol="0">
+            <a:spAutoFit/>
+          </a:bodyPr>
+          <a:lstStyle/>
+          <a:p>
+            <a:r>
+              <a:rPr lang="en-GB" dirty="0">
+                <a:solidFill>
+                  <a:schemeClr val="bg1"/>
+                </a:solidFill>
                 <a:latin typeface="Chronicle Display" pitchFamily="50" charset="0"/>
               </a:rPr>
               <a:t>This mean it is important to make fine grained interfaces that are client specific.</a:t>
             </a:r>
-          </a:p>
-          <a:p>
-            <a:endParaRPr lang="en-GB" sz="1600" b="1" i="1" dirty="0">
-              <a:latin typeface="Chronicle Display" pitchFamily="50" charset="0"/>
-            </a:endParaRPr>
-          </a:p>
-          <a:p>
-            <a:endParaRPr lang="en-GB" sz="1600" b="1" i="1" dirty="0">
-              <a:latin typeface="Chronicle Display" pitchFamily="50" charset="0"/>
-            </a:endParaRPr>
           </a:p>
         </p:txBody>
       </p:sp>
@@ -9643,6 +11204,92 @@
   <p:clrMapOvr>
     <a:masterClrMapping/>
   </p:clrMapOvr>
+  <p:timing>
+    <p:tnLst>
+      <p:par>
+        <p:cTn id="1" dur="indefinite" restart="never" nodeType="tmRoot">
+          <p:childTnLst>
+            <p:seq concurrent="1" nextAc="seek">
+              <p:cTn id="2" dur="indefinite" nodeType="mainSeq">
+                <p:childTnLst>
+                  <p:par>
+                    <p:cTn id="3" fill="hold">
+                      <p:stCondLst>
+                        <p:cond delay="indefinite"/>
+                      </p:stCondLst>
+                      <p:childTnLst>
+                        <p:par>
+                          <p:cTn id="4" fill="hold">
+                            <p:stCondLst>
+                              <p:cond delay="0"/>
+                            </p:stCondLst>
+                            <p:childTnLst>
+                              <p:par>
+                                <p:cTn id="5" presetID="10" presetClass="entr" presetSubtype="0" fill="hold" grpId="0" nodeType="clickEffect">
+                                  <p:stCondLst>
+                                    <p:cond delay="0"/>
+                                  </p:stCondLst>
+                                  <p:childTnLst>
+                                    <p:set>
+                                      <p:cBhvr>
+                                        <p:cTn id="6" dur="1" fill="hold">
+                                          <p:stCondLst>
+                                            <p:cond delay="0"/>
+                                          </p:stCondLst>
+                                        </p:cTn>
+                                        <p:tgtEl>
+                                          <p:spTgt spid="4"/>
+                                        </p:tgtEl>
+                                        <p:attrNameLst>
+                                          <p:attrName>style.visibility</p:attrName>
+                                        </p:attrNameLst>
+                                      </p:cBhvr>
+                                      <p:to>
+                                        <p:strVal val="visible"/>
+                                      </p:to>
+                                    </p:set>
+                                    <p:animEffect transition="in" filter="fade">
+                                      <p:cBhvr>
+                                        <p:cTn id="7" dur="500"/>
+                                        <p:tgtEl>
+                                          <p:spTgt spid="4"/>
+                                        </p:tgtEl>
+                                      </p:cBhvr>
+                                    </p:animEffect>
+                                  </p:childTnLst>
+                                </p:cTn>
+                              </p:par>
+                            </p:childTnLst>
+                          </p:cTn>
+                        </p:par>
+                      </p:childTnLst>
+                    </p:cTn>
+                  </p:par>
+                </p:childTnLst>
+              </p:cTn>
+              <p:prevCondLst>
+                <p:cond evt="onPrev" delay="0">
+                  <p:tgtEl>
+                    <p:sldTgt/>
+                  </p:tgtEl>
+                </p:cond>
+              </p:prevCondLst>
+              <p:nextCondLst>
+                <p:cond evt="onNext" delay="0">
+                  <p:tgtEl>
+                    <p:sldTgt/>
+                  </p:tgtEl>
+                </p:cond>
+              </p:nextCondLst>
+            </p:seq>
+          </p:childTnLst>
+        </p:cTn>
+      </p:par>
+    </p:tnLst>
+    <p:bldLst>
+      <p:bldP spid="4" grpId="0"/>
+    </p:bldLst>
+  </p:timing>
 </p:sld>
 </file>
 
@@ -9673,21 +11320,38 @@
             <p:ph type="body" sz="quarter" idx="11"/>
           </p:nvPr>
         </p:nvSpPr>
-        <p:spPr/>
+        <p:spPr>
+          <a:xfrm>
+            <a:off x="328613" y="1079047"/>
+            <a:ext cx="8401246" cy="825323"/>
+          </a:xfrm>
+        </p:spPr>
         <p:txBody>
           <a:bodyPr/>
           <a:lstStyle/>
           <a:p>
             <a:r>
-              <a:rPr lang="en-US" dirty="0"/>
+              <a:rPr lang="en-US" dirty="0">
+                <a:solidFill>
+                  <a:schemeClr val="bg1"/>
+                </a:solidFill>
+              </a:rPr>
               <a:t>ISP Interface Segregation Principle</a:t>
             </a:r>
           </a:p>
           <a:p>
-            <a:endParaRPr lang="en-US" dirty="0"/>
-          </a:p>
-          <a:p>
-            <a:endParaRPr lang="en-US" dirty="0"/>
+            <a:endParaRPr lang="en-US" dirty="0">
+              <a:solidFill>
+                <a:schemeClr val="bg1"/>
+              </a:solidFill>
+            </a:endParaRPr>
+          </a:p>
+          <a:p>
+            <a:endParaRPr lang="en-US" dirty="0">
+              <a:solidFill>
+                <a:schemeClr val="bg1"/>
+              </a:solidFill>
+            </a:endParaRPr>
           </a:p>
         </p:txBody>
       </p:sp>
@@ -9791,21 +11455,38 @@
             <p:ph type="body" sz="quarter" idx="11"/>
           </p:nvPr>
         </p:nvSpPr>
-        <p:spPr/>
+        <p:spPr>
+          <a:xfrm>
+            <a:off x="328613" y="1079048"/>
+            <a:ext cx="8401246" cy="847994"/>
+          </a:xfrm>
+        </p:spPr>
         <p:txBody>
           <a:bodyPr/>
           <a:lstStyle/>
           <a:p>
             <a:r>
-              <a:rPr lang="en-US" dirty="0"/>
+              <a:rPr lang="en-US" dirty="0">
+                <a:solidFill>
+                  <a:schemeClr val="bg1"/>
+                </a:solidFill>
+              </a:rPr>
               <a:t>ISP Interface Segregation Principle</a:t>
             </a:r>
           </a:p>
           <a:p>
-            <a:endParaRPr lang="en-US" dirty="0"/>
-          </a:p>
-          <a:p>
-            <a:endParaRPr lang="en-US" dirty="0"/>
+            <a:endParaRPr lang="en-US" dirty="0">
+              <a:solidFill>
+                <a:schemeClr val="bg1"/>
+              </a:solidFill>
+            </a:endParaRPr>
+          </a:p>
+          <a:p>
+            <a:endParaRPr lang="en-US" dirty="0">
+              <a:solidFill>
+                <a:schemeClr val="bg1"/>
+              </a:solidFill>
+            </a:endParaRPr>
           </a:p>
         </p:txBody>
       </p:sp>
@@ -9879,21 +11560,38 @@
             <p:ph type="body" sz="quarter" idx="11"/>
           </p:nvPr>
         </p:nvSpPr>
-        <p:spPr/>
+        <p:spPr>
+          <a:xfrm>
+            <a:off x="328613" y="1079047"/>
+            <a:ext cx="8401246" cy="840437"/>
+          </a:xfrm>
+        </p:spPr>
         <p:txBody>
           <a:bodyPr/>
           <a:lstStyle/>
           <a:p>
             <a:r>
-              <a:rPr lang="en-US" dirty="0"/>
+              <a:rPr lang="en-US" dirty="0">
+                <a:solidFill>
+                  <a:schemeClr val="bg1"/>
+                </a:solidFill>
+              </a:rPr>
               <a:t>ISP Interface Segregation Principle</a:t>
             </a:r>
           </a:p>
           <a:p>
-            <a:endParaRPr lang="en-US" dirty="0"/>
-          </a:p>
-          <a:p>
-            <a:endParaRPr lang="en-US" dirty="0"/>
+            <a:endParaRPr lang="en-US" dirty="0">
+              <a:solidFill>
+                <a:schemeClr val="bg1"/>
+              </a:solidFill>
+            </a:endParaRPr>
+          </a:p>
+          <a:p>
+            <a:endParaRPr lang="en-US" dirty="0">
+              <a:solidFill>
+                <a:schemeClr val="bg1"/>
+              </a:solidFill>
+            </a:endParaRPr>
           </a:p>
         </p:txBody>
       </p:sp>
@@ -9997,21 +11695,38 @@
             <p:ph type="body" sz="quarter" idx="11"/>
           </p:nvPr>
         </p:nvSpPr>
-        <p:spPr/>
+        <p:spPr>
+          <a:xfrm>
+            <a:off x="328613" y="1079047"/>
+            <a:ext cx="8401246" cy="899415"/>
+          </a:xfrm>
+        </p:spPr>
         <p:txBody>
           <a:bodyPr/>
           <a:lstStyle/>
           <a:p>
             <a:r>
-              <a:rPr lang="en-US" dirty="0"/>
+              <a:rPr lang="en-US" dirty="0">
+                <a:solidFill>
+                  <a:schemeClr val="bg1"/>
+                </a:solidFill>
+              </a:rPr>
               <a:t>ISP Interface Segregation Principle</a:t>
             </a:r>
           </a:p>
           <a:p>
-            <a:endParaRPr lang="en-US" dirty="0"/>
-          </a:p>
-          <a:p>
-            <a:endParaRPr lang="en-US" dirty="0"/>
+            <a:endParaRPr lang="en-US" dirty="0">
+              <a:solidFill>
+                <a:schemeClr val="bg1"/>
+              </a:solidFill>
+            </a:endParaRPr>
+          </a:p>
+          <a:p>
+            <a:endParaRPr lang="en-US" dirty="0">
+              <a:solidFill>
+                <a:schemeClr val="bg1"/>
+              </a:solidFill>
+            </a:endParaRPr>
           </a:p>
         </p:txBody>
       </p:sp>
@@ -10145,21 +11860,38 @@
             <p:ph type="body" sz="quarter" idx="11"/>
           </p:nvPr>
         </p:nvSpPr>
-        <p:spPr/>
+        <p:spPr>
+          <a:xfrm>
+            <a:off x="328613" y="1079047"/>
+            <a:ext cx="8401246" cy="825323"/>
+          </a:xfrm>
+        </p:spPr>
         <p:txBody>
           <a:bodyPr/>
           <a:lstStyle/>
           <a:p>
             <a:r>
-              <a:rPr lang="en-US" dirty="0"/>
+              <a:rPr lang="en-US" dirty="0">
+                <a:solidFill>
+                  <a:schemeClr val="bg1"/>
+                </a:solidFill>
+              </a:rPr>
               <a:t>ISP Interface Segregation Principle</a:t>
             </a:r>
           </a:p>
           <a:p>
-            <a:endParaRPr lang="en-US" dirty="0"/>
-          </a:p>
-          <a:p>
-            <a:endParaRPr lang="en-US" dirty="0"/>
+            <a:endParaRPr lang="en-US" dirty="0">
+              <a:solidFill>
+                <a:schemeClr val="bg1"/>
+              </a:solidFill>
+            </a:endParaRPr>
+          </a:p>
+          <a:p>
+            <a:endParaRPr lang="en-US" dirty="0">
+              <a:solidFill>
+                <a:schemeClr val="bg1"/>
+              </a:solidFill>
+            </a:endParaRPr>
           </a:p>
         </p:txBody>
       </p:sp>
@@ -10233,21 +11965,31 @@
             <p:ph type="body" sz="quarter" idx="11"/>
           </p:nvPr>
         </p:nvSpPr>
-        <p:spPr/>
+        <p:spPr>
+          <a:xfrm>
+            <a:off x="328613" y="1079048"/>
+            <a:ext cx="8401246" cy="1006692"/>
+          </a:xfrm>
+        </p:spPr>
         <p:txBody>
           <a:bodyPr/>
           <a:lstStyle/>
           <a:p>
             <a:r>
-              <a:rPr lang="en-US"/>
+              <a:rPr lang="en-US" dirty="0">
+                <a:solidFill>
+                  <a:schemeClr val="bg1"/>
+                </a:solidFill>
+              </a:rPr>
               <a:t>DIP Dependency Inversion Principle</a:t>
             </a:r>
           </a:p>
           <a:p>
-            <a:endParaRPr lang="en-US"/>
-          </a:p>
-          <a:p>
-            <a:endParaRPr lang="en-US" dirty="0"/>
+            <a:endParaRPr lang="en-US" dirty="0">
+              <a:solidFill>
+                <a:schemeClr val="bg1"/>
+              </a:solidFill>
+            </a:endParaRPr>
           </a:p>
         </p:txBody>
       </p:sp>
@@ -10260,7 +12002,7 @@
         <p:spPr>
           <a:xfrm>
             <a:off x="621372" y="2213282"/>
-            <a:ext cx="8210747" cy="2431435"/>
+            <a:ext cx="8210747" cy="954107"/>
           </a:xfrm>
           <a:prstGeom prst="rect">
             <a:avLst/>
@@ -10274,12 +12016,18 @@
           <a:lstStyle/>
           <a:p>
             <a:endParaRPr lang="en-GB" sz="1600" dirty="0">
+              <a:solidFill>
+                <a:schemeClr val="bg1"/>
+              </a:solidFill>
               <a:latin typeface="Chronicle Display" pitchFamily="50" charset="0"/>
             </a:endParaRPr>
           </a:p>
           <a:p>
             <a:r>
               <a:rPr lang="en-GB" sz="2400" b="1" i="1" dirty="0">
+                <a:solidFill>
+                  <a:schemeClr val="bg1"/>
+                </a:solidFill>
                 <a:latin typeface="Chronicle Display" pitchFamily="50" charset="0"/>
               </a:rPr>
               <a:t>Entities must depend on abstraction not on concretions.</a:t>
@@ -10287,40 +12035,95 @@
           </a:p>
           <a:p>
             <a:endParaRPr lang="en-GB" sz="1600" b="1" i="1" dirty="0">
+              <a:solidFill>
+                <a:schemeClr val="bg1"/>
+              </a:solidFill>
               <a:latin typeface="Chronicle Display" pitchFamily="50" charset="0"/>
             </a:endParaRPr>
           </a:p>
-          <a:p>
-            <a:endParaRPr lang="en-GB" sz="1600" dirty="0">
-              <a:latin typeface="Chronicle Display" pitchFamily="50" charset="0"/>
-            </a:endParaRPr>
-          </a:p>
-          <a:p>
-            <a:r>
-              <a:rPr lang="en-GB" sz="1600" dirty="0">
+        </p:txBody>
+      </p:sp>
+      <p:sp>
+        <p:nvSpPr>
+          <p:cNvPr id="4" name="TextBox 3">
+            <a:extLst>
+              <a:ext uri="{FF2B5EF4-FFF2-40B4-BE49-F238E27FC236}">
+                <a16:creationId xmlns:a16="http://schemas.microsoft.com/office/drawing/2014/main" id="{CB591648-B160-4A48-A0AC-150381F24CA4}"/>
+              </a:ext>
+            </a:extLst>
+          </p:cNvPr>
+          <p:cNvSpPr txBox="1"/>
+          <p:nvPr/>
+        </p:nvSpPr>
+        <p:spPr>
+          <a:xfrm>
+            <a:off x="519112" y="3690612"/>
+            <a:ext cx="8210747" cy="646331"/>
+          </a:xfrm>
+          <a:prstGeom prst="rect">
+            <a:avLst/>
+          </a:prstGeom>
+          <a:noFill/>
+        </p:spPr>
+        <p:txBody>
+          <a:bodyPr wrap="square" rtlCol="0">
+            <a:spAutoFit/>
+          </a:bodyPr>
+          <a:lstStyle/>
+          <a:p>
+            <a:r>
+              <a:rPr lang="en-GB" dirty="0">
+                <a:solidFill>
+                  <a:schemeClr val="bg1"/>
+                </a:solidFill>
                 <a:latin typeface="Chronicle Display" pitchFamily="50" charset="0"/>
               </a:rPr>
               <a:t>High level module must not depend on the low level module, but they should depend on abstractions. </a:t>
             </a:r>
           </a:p>
-          <a:p>
-            <a:endParaRPr lang="en-GB" sz="1600" dirty="0">
-              <a:latin typeface="Chronicle Display" pitchFamily="50" charset="0"/>
-            </a:endParaRPr>
-          </a:p>
-          <a:p>
-            <a:r>
-              <a:rPr lang="en-GB" sz="1600" dirty="0">
+        </p:txBody>
+      </p:sp>
+      <p:sp>
+        <p:nvSpPr>
+          <p:cNvPr id="6" name="TextBox 5">
+            <a:extLst>
+              <a:ext uri="{FF2B5EF4-FFF2-40B4-BE49-F238E27FC236}">
+                <a16:creationId xmlns:a16="http://schemas.microsoft.com/office/drawing/2014/main" id="{C9C30C73-EB1F-46C2-84F0-90E86725E433}"/>
+              </a:ext>
+            </a:extLst>
+          </p:cNvPr>
+          <p:cNvSpPr txBox="1"/>
+          <p:nvPr/>
+        </p:nvSpPr>
+        <p:spPr>
+          <a:xfrm>
+            <a:off x="519111" y="4539952"/>
+            <a:ext cx="8210747" cy="369332"/>
+          </a:xfrm>
+          <a:prstGeom prst="rect">
+            <a:avLst/>
+          </a:prstGeom>
+          <a:noFill/>
+        </p:spPr>
+        <p:txBody>
+          <a:bodyPr wrap="square" rtlCol="0">
+            <a:spAutoFit/>
+          </a:bodyPr>
+          <a:lstStyle/>
+          <a:p>
+            <a:r>
+              <a:rPr lang="en-GB" dirty="0">
+                <a:solidFill>
+                  <a:schemeClr val="bg1"/>
+                </a:solidFill>
                 <a:latin typeface="Chronicle Display" pitchFamily="50" charset="0"/>
               </a:rPr>
               <a:t>This principle allows for decoupling</a:t>
             </a:r>
-            <a:endParaRPr lang="en-GB" sz="1600" b="1" i="1" dirty="0">
-              <a:latin typeface="Chronicle Display" pitchFamily="50" charset="0"/>
-            </a:endParaRPr>
-          </a:p>
-          <a:p>
-            <a:endParaRPr lang="en-GB" sz="1600" b="1" i="1" dirty="0">
+            <a:endParaRPr lang="en-GB" b="1" i="1" dirty="0">
+              <a:solidFill>
+                <a:schemeClr val="bg1"/>
+              </a:solidFill>
               <a:latin typeface="Chronicle Display" pitchFamily="50" charset="0"/>
             </a:endParaRPr>
           </a:p>
@@ -10336,6 +12139,146 @@
   <p:clrMapOvr>
     <a:masterClrMapping/>
   </p:clrMapOvr>
+  <p:timing>
+    <p:tnLst>
+      <p:par>
+        <p:cTn id="1" dur="indefinite" restart="never" nodeType="tmRoot">
+          <p:childTnLst>
+            <p:seq concurrent="1" nextAc="seek">
+              <p:cTn id="2" dur="indefinite" nodeType="mainSeq">
+                <p:childTnLst>
+                  <p:par>
+                    <p:cTn id="3" fill="hold">
+                      <p:stCondLst>
+                        <p:cond delay="indefinite"/>
+                      </p:stCondLst>
+                      <p:childTnLst>
+                        <p:par>
+                          <p:cTn id="4" fill="hold">
+                            <p:stCondLst>
+                              <p:cond delay="0"/>
+                            </p:stCondLst>
+                            <p:childTnLst>
+                              <p:par>
+                                <p:cTn id="5" presetID="10" presetClass="entr" presetSubtype="0" fill="hold" grpId="0" nodeType="clickEffect">
+                                  <p:stCondLst>
+                                    <p:cond delay="0"/>
+                                  </p:stCondLst>
+                                  <p:childTnLst>
+                                    <p:set>
+                                      <p:cBhvr>
+                                        <p:cTn id="6" dur="1" fill="hold">
+                                          <p:stCondLst>
+                                            <p:cond delay="0"/>
+                                          </p:stCondLst>
+                                        </p:cTn>
+                                        <p:tgtEl>
+                                          <p:spTgt spid="4"/>
+                                        </p:tgtEl>
+                                        <p:attrNameLst>
+                                          <p:attrName>style.visibility</p:attrName>
+                                        </p:attrNameLst>
+                                      </p:cBhvr>
+                                      <p:to>
+                                        <p:strVal val="visible"/>
+                                      </p:to>
+                                    </p:set>
+                                    <p:animEffect transition="in" filter="fade">
+                                      <p:cBhvr>
+                                        <p:cTn id="7" dur="500"/>
+                                        <p:tgtEl>
+                                          <p:spTgt spid="4"/>
+                                        </p:tgtEl>
+                                      </p:cBhvr>
+                                    </p:animEffect>
+                                  </p:childTnLst>
+                                </p:cTn>
+                              </p:par>
+                            </p:childTnLst>
+                          </p:cTn>
+                        </p:par>
+                      </p:childTnLst>
+                    </p:cTn>
+                  </p:par>
+                  <p:par>
+                    <p:cTn id="8" fill="hold">
+                      <p:stCondLst>
+                        <p:cond delay="indefinite"/>
+                      </p:stCondLst>
+                      <p:childTnLst>
+                        <p:par>
+                          <p:cTn id="9" fill="hold">
+                            <p:stCondLst>
+                              <p:cond delay="0"/>
+                            </p:stCondLst>
+                            <p:childTnLst>
+                              <p:par>
+                                <p:cTn id="10" presetID="10" presetClass="entr" presetSubtype="0" fill="hold" grpId="0" nodeType="clickEffect">
+                                  <p:stCondLst>
+                                    <p:cond delay="0"/>
+                                  </p:stCondLst>
+                                  <p:childTnLst>
+                                    <p:set>
+                                      <p:cBhvr>
+                                        <p:cTn id="11" dur="1" fill="hold">
+                                          <p:stCondLst>
+                                            <p:cond delay="0"/>
+                                          </p:stCondLst>
+                                        </p:cTn>
+                                        <p:tgtEl>
+                                          <p:spTgt spid="6"/>
+                                        </p:tgtEl>
+                                        <p:attrNameLst>
+                                          <p:attrName>style.visibility</p:attrName>
+                                        </p:attrNameLst>
+                                      </p:cBhvr>
+                                      <p:to>
+                                        <p:strVal val="visible"/>
+                                      </p:to>
+                                    </p:set>
+                                    <p:animEffect transition="in" filter="fade">
+                                      <p:cBhvr>
+                                        <p:cTn id="12" dur="500"/>
+                                        <p:tgtEl>
+                                          <p:spTgt spid="6"/>
+                                        </p:tgtEl>
+                                      </p:cBhvr>
+                                    </p:animEffect>
+                                  </p:childTnLst>
+                                </p:cTn>
+                              </p:par>
+                            </p:childTnLst>
+                          </p:cTn>
+                        </p:par>
+                      </p:childTnLst>
+                    </p:cTn>
+                  </p:par>
+                </p:childTnLst>
+              </p:cTn>
+              <p:prevCondLst>
+                <p:cond evt="onPrev" delay="0">
+                  <p:tgtEl>
+                    <p:sldTgt/>
+                  </p:tgtEl>
+                </p:cond>
+              </p:prevCondLst>
+              <p:nextCondLst>
+                <p:cond evt="onNext" delay="0">
+                  <p:tgtEl>
+                    <p:sldTgt/>
+                  </p:tgtEl>
+                </p:cond>
+              </p:nextCondLst>
+            </p:seq>
+          </p:childTnLst>
+        </p:cTn>
+      </p:par>
+    </p:tnLst>
+    <p:bldLst>
+      <p:bldP spid="4" grpId="0"/>
+      <p:bldP spid="6" grpId="0"/>
+    </p:bldLst>
+  </p:timing>
 </p:sld>
 </file>
 
@@ -10377,15 +12320,27 @@
           <a:lstStyle/>
           <a:p>
             <a:r>
-              <a:rPr lang="en-US" dirty="0"/>
+              <a:rPr lang="en-US" dirty="0">
+                <a:solidFill>
+                  <a:schemeClr val="bg1"/>
+                </a:solidFill>
+              </a:rPr>
               <a:t>SOLID stands for</a:t>
             </a:r>
           </a:p>
           <a:p>
-            <a:endParaRPr lang="en-US" dirty="0"/>
-          </a:p>
-          <a:p>
-            <a:endParaRPr lang="en-US" dirty="0"/>
+            <a:endParaRPr lang="en-US" dirty="0">
+              <a:solidFill>
+                <a:schemeClr val="bg1"/>
+              </a:solidFill>
+            </a:endParaRPr>
+          </a:p>
+          <a:p>
+            <a:endParaRPr lang="en-US" dirty="0">
+              <a:solidFill>
+                <a:schemeClr val="bg1"/>
+              </a:solidFill>
+            </a:endParaRPr>
           </a:p>
         </p:txBody>
       </p:sp>
@@ -10418,18 +12373,27 @@
           <a:lstStyle/>
           <a:p>
             <a:endParaRPr lang="en-GB" sz="1600" dirty="0">
+              <a:solidFill>
+                <a:schemeClr val="bg1"/>
+              </a:solidFill>
               <a:latin typeface="Chronicle Display" pitchFamily="50" charset="0"/>
             </a:endParaRPr>
           </a:p>
           <a:p>
             <a:r>
               <a:rPr lang="en-GB" sz="2400" dirty="0">
+                <a:solidFill>
+                  <a:schemeClr val="bg1"/>
+                </a:solidFill>
                 <a:latin typeface="Chronicle Display" pitchFamily="50" charset="0"/>
               </a:rPr>
               <a:t>D</a:t>
             </a:r>
             <a:r>
               <a:rPr lang="en-GB" sz="1600" dirty="0">
+                <a:solidFill>
+                  <a:schemeClr val="bg1"/>
+                </a:solidFill>
                 <a:latin typeface="Chronicle Display" pitchFamily="50" charset="0"/>
               </a:rPr>
               <a:t>  		DIP		Dependency Inversion Principle</a:t>
@@ -10467,12 +12431,18 @@
           <a:p>
             <a:r>
               <a:rPr lang="en-GB" sz="2400" dirty="0">
+                <a:solidFill>
+                  <a:schemeClr val="bg1"/>
+                </a:solidFill>
                 <a:latin typeface="Chronicle Display" pitchFamily="50" charset="0"/>
               </a:rPr>
               <a:t>I</a:t>
             </a:r>
             <a:r>
               <a:rPr lang="en-GB" sz="1600" dirty="0">
+                <a:solidFill>
+                  <a:schemeClr val="bg1"/>
+                </a:solidFill>
                 <a:latin typeface="Chronicle Display" pitchFamily="50" charset="0"/>
               </a:rPr>
               <a:t>  		ISP		Interface Segregation Principle</a:t>
@@ -10480,6 +12450,9 @@
           </a:p>
           <a:p>
             <a:endParaRPr lang="en-GB" sz="1600" dirty="0">
+              <a:solidFill>
+                <a:schemeClr val="bg1"/>
+              </a:solidFill>
               <a:latin typeface="Chronicle Display" pitchFamily="50" charset="0"/>
             </a:endParaRPr>
           </a:p>
@@ -10515,24 +12488,36 @@
           <a:p>
             <a:r>
               <a:rPr lang="en-GB" sz="2400" dirty="0">
+                <a:solidFill>
+                  <a:schemeClr val="bg1"/>
+                </a:solidFill>
                 <a:latin typeface="Chronicle Display" pitchFamily="50" charset="0"/>
               </a:rPr>
               <a:t>L</a:t>
             </a:r>
             <a:r>
               <a:rPr lang="en-GB" sz="1600" dirty="0">
+                <a:solidFill>
+                  <a:schemeClr val="bg1"/>
+                </a:solidFill>
                 <a:latin typeface="Chronicle Display" pitchFamily="50" charset="0"/>
               </a:rPr>
               <a:t>  		LSP		</a:t>
             </a:r>
             <a:r>
               <a:rPr lang="en-GB" sz="1600" dirty="0" err="1">
+                <a:solidFill>
+                  <a:schemeClr val="bg1"/>
+                </a:solidFill>
                 <a:latin typeface="Chronicle Display" pitchFamily="50" charset="0"/>
               </a:rPr>
               <a:t>Liskov</a:t>
             </a:r>
             <a:r>
               <a:rPr lang="en-GB" sz="1600" dirty="0">
+                <a:solidFill>
+                  <a:schemeClr val="bg1"/>
+                </a:solidFill>
                 <a:latin typeface="Chronicle Display" pitchFamily="50" charset="0"/>
               </a:rPr>
               <a:t> Substitution Principle</a:t>
@@ -10570,12 +12555,18 @@
           <a:p>
             <a:r>
               <a:rPr lang="en-GB" sz="2400" dirty="0">
+                <a:solidFill>
+                  <a:schemeClr val="bg1"/>
+                </a:solidFill>
                 <a:latin typeface="Chronicle Display" pitchFamily="50" charset="0"/>
               </a:rPr>
               <a:t>O</a:t>
             </a:r>
             <a:r>
               <a:rPr lang="en-GB" sz="1600" dirty="0">
+                <a:solidFill>
+                  <a:schemeClr val="bg1"/>
+                </a:solidFill>
                 <a:latin typeface="Chronicle Display" pitchFamily="50" charset="0"/>
               </a:rPr>
               <a:t>  		OPC		Open Closed Principle</a:t>
@@ -10613,12 +12604,18 @@
           <a:p>
             <a:r>
               <a:rPr lang="en-GB" sz="2400" dirty="0">
+                <a:solidFill>
+                  <a:schemeClr val="bg1"/>
+                </a:solidFill>
                 <a:latin typeface="Chronicle Display" pitchFamily="50" charset="0"/>
               </a:rPr>
               <a:t>S</a:t>
             </a:r>
             <a:r>
               <a:rPr lang="en-GB" sz="1600" dirty="0">
+                <a:solidFill>
+                  <a:schemeClr val="bg1"/>
+                </a:solidFill>
                 <a:latin typeface="Chronicle Display" pitchFamily="50" charset="0"/>
               </a:rPr>
               <a:t>  		SRP		Single Responsibility Principle</a:t>
@@ -10974,15 +12971,27 @@
           <a:lstStyle/>
           <a:p>
             <a:r>
-              <a:rPr lang="en-US" dirty="0"/>
+              <a:rPr lang="en-US" dirty="0">
+                <a:solidFill>
+                  <a:schemeClr val="bg1"/>
+                </a:solidFill>
+              </a:rPr>
               <a:t>DIP Dependency Inversion Principle</a:t>
             </a:r>
           </a:p>
           <a:p>
-            <a:endParaRPr lang="en-US" dirty="0"/>
-          </a:p>
-          <a:p>
-            <a:endParaRPr lang="en-US" dirty="0"/>
+            <a:endParaRPr lang="en-US" dirty="0">
+              <a:solidFill>
+                <a:schemeClr val="bg1"/>
+              </a:solidFill>
+            </a:endParaRPr>
+          </a:p>
+          <a:p>
+            <a:endParaRPr lang="en-US" dirty="0">
+              <a:solidFill>
+                <a:schemeClr val="bg1"/>
+              </a:solidFill>
+            </a:endParaRPr>
           </a:p>
         </p:txBody>
       </p:sp>
@@ -11038,7 +13047,7 @@
         </p:blipFill>
         <p:spPr>
           <a:xfrm>
-            <a:off x="647146" y="3646489"/>
+            <a:off x="414141" y="3646489"/>
             <a:ext cx="3762900" cy="2743583"/>
           </a:xfrm>
           <a:prstGeom prst="rect">
@@ -11048,10 +13057,10 @@
       </p:pic>
       <p:pic>
         <p:nvPicPr>
-          <p:cNvPr id="5" name="Picture 4">
+          <p:cNvPr id="6" name="Picture 5">
             <a:extLst>
               <a:ext uri="{FF2B5EF4-FFF2-40B4-BE49-F238E27FC236}">
-                <a16:creationId xmlns:a16="http://schemas.microsoft.com/office/drawing/2014/main" id="{7A4A4F1E-25F5-4DFB-978F-85F295217420}"/>
+                <a16:creationId xmlns:a16="http://schemas.microsoft.com/office/drawing/2014/main" id="{28806614-BA4D-495F-A5D9-19B01C4E3E94}"/>
               </a:ext>
             </a:extLst>
           </p:cNvPr>
@@ -11068,8 +13077,8 @@
         </p:blipFill>
         <p:spPr>
           <a:xfrm>
-            <a:off x="4547896" y="3646489"/>
-            <a:ext cx="4372585" cy="2743583"/>
+            <a:off x="4262569" y="3656015"/>
+            <a:ext cx="4763165" cy="2734057"/>
           </a:xfrm>
           <a:prstGeom prst="rect">
             <a:avLst/>
@@ -11116,21 +13125,38 @@
             <p:ph type="body" sz="quarter" idx="11"/>
           </p:nvPr>
         </p:nvSpPr>
-        <p:spPr/>
+        <p:spPr>
+          <a:xfrm>
+            <a:off x="328613" y="1079048"/>
+            <a:ext cx="8401246" cy="817766"/>
+          </a:xfrm>
+        </p:spPr>
         <p:txBody>
           <a:bodyPr/>
           <a:lstStyle/>
           <a:p>
             <a:r>
-              <a:rPr lang="en-US"/>
+              <a:rPr lang="en-US" dirty="0">
+                <a:solidFill>
+                  <a:schemeClr val="bg1"/>
+                </a:solidFill>
+              </a:rPr>
               <a:t>DIP Dependency Inversion Principle</a:t>
             </a:r>
           </a:p>
           <a:p>
-            <a:endParaRPr lang="en-US"/>
-          </a:p>
-          <a:p>
-            <a:endParaRPr lang="en-US" dirty="0"/>
+            <a:endParaRPr lang="en-US" dirty="0">
+              <a:solidFill>
+                <a:schemeClr val="bg1"/>
+              </a:solidFill>
+            </a:endParaRPr>
+          </a:p>
+          <a:p>
+            <a:endParaRPr lang="en-US" dirty="0">
+              <a:solidFill>
+                <a:schemeClr val="bg1"/>
+              </a:solidFill>
+            </a:endParaRPr>
           </a:p>
         </p:txBody>
       </p:sp>
@@ -11204,21 +13230,38 @@
             <p:ph type="body" sz="quarter" idx="11"/>
           </p:nvPr>
         </p:nvSpPr>
-        <p:spPr/>
+        <p:spPr>
+          <a:xfrm>
+            <a:off x="328613" y="1079047"/>
+            <a:ext cx="8401246" cy="825323"/>
+          </a:xfrm>
+        </p:spPr>
         <p:txBody>
           <a:bodyPr/>
           <a:lstStyle/>
           <a:p>
             <a:r>
-              <a:rPr lang="en-US"/>
+              <a:rPr lang="en-US" dirty="0">
+                <a:solidFill>
+                  <a:schemeClr val="bg1"/>
+                </a:solidFill>
+              </a:rPr>
               <a:t>DIP Dependency Inversion Principle</a:t>
             </a:r>
           </a:p>
           <a:p>
-            <a:endParaRPr lang="en-US"/>
-          </a:p>
-          <a:p>
-            <a:endParaRPr lang="en-US" dirty="0"/>
+            <a:endParaRPr lang="en-US" dirty="0">
+              <a:solidFill>
+                <a:schemeClr val="bg1"/>
+              </a:solidFill>
+            </a:endParaRPr>
+          </a:p>
+          <a:p>
+            <a:endParaRPr lang="en-US" dirty="0">
+              <a:solidFill>
+                <a:schemeClr val="bg1"/>
+              </a:solidFill>
+            </a:endParaRPr>
           </a:p>
         </p:txBody>
       </p:sp>
@@ -11292,13 +13335,22 @@
             <p:ph type="body" sz="quarter" idx="11"/>
           </p:nvPr>
         </p:nvSpPr>
-        <p:spPr/>
+        <p:spPr>
+          <a:xfrm>
+            <a:off x="328613" y="1079047"/>
+            <a:ext cx="8401246" cy="780293"/>
+          </a:xfrm>
+        </p:spPr>
         <p:txBody>
           <a:bodyPr/>
           <a:lstStyle/>
           <a:p>
             <a:r>
-              <a:rPr lang="en-US" dirty="0"/>
+              <a:rPr lang="en-US" dirty="0">
+                <a:solidFill>
+                  <a:schemeClr val="bg1"/>
+                </a:solidFill>
+              </a:rPr>
               <a:t>SOLID Principles</a:t>
             </a:r>
           </a:p>
@@ -11335,6 +13387,9 @@
           </a:p>
           <a:p>
             <a:endParaRPr lang="en-GB" sz="1600" u="sng" dirty="0">
+              <a:solidFill>
+                <a:schemeClr val="bg1"/>
+              </a:solidFill>
               <a:latin typeface="Chronicle Display" pitchFamily="50" charset="0"/>
             </a:endParaRPr>
           </a:p>
@@ -11465,12 +13520,20 @@
           <a:lstStyle/>
           <a:p>
             <a:r>
-              <a:rPr lang="en-US" dirty="0"/>
+              <a:rPr lang="en-US" dirty="0">
+                <a:solidFill>
+                  <a:schemeClr val="bg1"/>
+                </a:solidFill>
+              </a:rPr>
               <a:t>Practical Principles</a:t>
             </a:r>
           </a:p>
           <a:p>
-            <a:endParaRPr lang="en-US" dirty="0"/>
+            <a:endParaRPr lang="en-US" dirty="0">
+              <a:solidFill>
+                <a:schemeClr val="bg1"/>
+              </a:solidFill>
+            </a:endParaRPr>
           </a:p>
         </p:txBody>
       </p:sp>
@@ -11638,15 +13701,27 @@
           </a:lstStyle>
           <a:p>
             <a:r>
-              <a:rPr lang="en-US" sz="4000" b="1" i="1" dirty="0"/>
+              <a:rPr lang="en-US" sz="4000" b="1" i="1" dirty="0">
+                <a:solidFill>
+                  <a:schemeClr val="bg1"/>
+                </a:solidFill>
+              </a:rPr>
               <a:t>KISS</a:t>
             </a:r>
           </a:p>
           <a:p>
-            <a:endParaRPr lang="en-US" sz="1800" dirty="0"/>
-          </a:p>
-          <a:p>
-            <a:endParaRPr lang="en-US" sz="1800" dirty="0"/>
+            <a:endParaRPr lang="en-US" sz="1800" dirty="0">
+              <a:solidFill>
+                <a:schemeClr val="bg1"/>
+              </a:solidFill>
+            </a:endParaRPr>
+          </a:p>
+          <a:p>
+            <a:endParaRPr lang="en-US" sz="1800" dirty="0">
+              <a:solidFill>
+                <a:schemeClr val="bg1"/>
+              </a:solidFill>
+            </a:endParaRPr>
           </a:p>
         </p:txBody>
       </p:sp>
@@ -11679,12 +13754,18 @@
           <a:lstStyle/>
           <a:p>
             <a:endParaRPr lang="en-GB" sz="1600" dirty="0">
+              <a:solidFill>
+                <a:schemeClr val="bg1"/>
+              </a:solidFill>
               <a:latin typeface="Chronicle Display" pitchFamily="50" charset="0"/>
             </a:endParaRPr>
           </a:p>
           <a:p>
             <a:r>
               <a:rPr lang="en-GB" sz="2400" b="1" i="1" dirty="0">
+                <a:solidFill>
+                  <a:schemeClr val="bg1"/>
+                </a:solidFill>
                 <a:latin typeface="Chronicle Display" pitchFamily="50" charset="0"/>
               </a:rPr>
               <a:t>Keep It Simple Stupid.</a:t>
@@ -11692,17 +13773,26 @@
           </a:p>
           <a:p>
             <a:endParaRPr lang="en-GB" sz="1600" b="1" i="1" dirty="0">
+              <a:solidFill>
+                <a:schemeClr val="bg1"/>
+              </a:solidFill>
               <a:latin typeface="Chronicle Display" pitchFamily="50" charset="0"/>
             </a:endParaRPr>
           </a:p>
           <a:p>
             <a:endParaRPr lang="en-GB" sz="1600" dirty="0">
+              <a:solidFill>
+                <a:schemeClr val="bg1"/>
+              </a:solidFill>
               <a:latin typeface="Chronicle Display" pitchFamily="50" charset="0"/>
             </a:endParaRPr>
           </a:p>
           <a:p>
             <a:r>
               <a:rPr lang="en-GB" sz="1600" dirty="0">
+                <a:solidFill>
+                  <a:schemeClr val="bg1"/>
+                </a:solidFill>
                 <a:latin typeface="Chronicle Display" pitchFamily="50" charset="0"/>
               </a:rPr>
               <a:t>The most systems work best if they are kept simple rather then made complicated</a:t>
@@ -11710,17 +13800,26 @@
           </a:p>
           <a:p>
             <a:endParaRPr lang="en-GB" sz="1600" dirty="0">
+              <a:solidFill>
+                <a:schemeClr val="bg1"/>
+              </a:solidFill>
               <a:latin typeface="Chronicle Display" pitchFamily="50" charset="0"/>
             </a:endParaRPr>
           </a:p>
           <a:p>
             <a:r>
               <a:rPr lang="en-GB" sz="1600" dirty="0">
+                <a:solidFill>
+                  <a:schemeClr val="bg1"/>
+                </a:solidFill>
                 <a:latin typeface="Chronicle Display" pitchFamily="50" charset="0"/>
               </a:rPr>
               <a:t>Avoid OVER-ENGINEERING</a:t>
             </a:r>
             <a:endParaRPr lang="en-GB" sz="1600" b="1" i="1" dirty="0">
+              <a:solidFill>
+                <a:schemeClr val="bg1"/>
+              </a:solidFill>
               <a:latin typeface="Chronicle Display" pitchFamily="50" charset="0"/>
             </a:endParaRPr>
           </a:p>
@@ -11736,6 +13835,92 @@
   <p:clrMapOvr>
     <a:masterClrMapping/>
   </p:clrMapOvr>
+  <p:timing>
+    <p:tnLst>
+      <p:par>
+        <p:cTn id="1" dur="indefinite" restart="never" nodeType="tmRoot">
+          <p:childTnLst>
+            <p:seq concurrent="1" nextAc="seek">
+              <p:cTn id="2" dur="indefinite" nodeType="mainSeq">
+                <p:childTnLst>
+                  <p:par>
+                    <p:cTn id="3" fill="hold">
+                      <p:stCondLst>
+                        <p:cond delay="indefinite"/>
+                      </p:stCondLst>
+                      <p:childTnLst>
+                        <p:par>
+                          <p:cTn id="4" fill="hold">
+                            <p:stCondLst>
+                              <p:cond delay="0"/>
+                            </p:stCondLst>
+                            <p:childTnLst>
+                              <p:par>
+                                <p:cTn id="5" presetID="10" presetClass="entr" presetSubtype="0" fill="hold" grpId="0" nodeType="clickEffect">
+                                  <p:stCondLst>
+                                    <p:cond delay="0"/>
+                                  </p:stCondLst>
+                                  <p:childTnLst>
+                                    <p:set>
+                                      <p:cBhvr>
+                                        <p:cTn id="6" dur="1" fill="hold">
+                                          <p:stCondLst>
+                                            <p:cond delay="0"/>
+                                          </p:stCondLst>
+                                        </p:cTn>
+                                        <p:tgtEl>
+                                          <p:spTgt spid="8"/>
+                                        </p:tgtEl>
+                                        <p:attrNameLst>
+                                          <p:attrName>style.visibility</p:attrName>
+                                        </p:attrNameLst>
+                                      </p:cBhvr>
+                                      <p:to>
+                                        <p:strVal val="visible"/>
+                                      </p:to>
+                                    </p:set>
+                                    <p:animEffect transition="in" filter="fade">
+                                      <p:cBhvr>
+                                        <p:cTn id="7" dur="500"/>
+                                        <p:tgtEl>
+                                          <p:spTgt spid="8"/>
+                                        </p:tgtEl>
+                                      </p:cBhvr>
+                                    </p:animEffect>
+                                  </p:childTnLst>
+                                </p:cTn>
+                              </p:par>
+                            </p:childTnLst>
+                          </p:cTn>
+                        </p:par>
+                      </p:childTnLst>
+                    </p:cTn>
+                  </p:par>
+                </p:childTnLst>
+              </p:cTn>
+              <p:prevCondLst>
+                <p:cond evt="onPrev" delay="0">
+                  <p:tgtEl>
+                    <p:sldTgt/>
+                  </p:tgtEl>
+                </p:cond>
+              </p:prevCondLst>
+              <p:nextCondLst>
+                <p:cond evt="onNext" delay="0">
+                  <p:tgtEl>
+                    <p:sldTgt/>
+                  </p:tgtEl>
+                </p:cond>
+              </p:nextCondLst>
+            </p:seq>
+          </p:childTnLst>
+        </p:cTn>
+      </p:par>
+    </p:tnLst>
+    <p:bldLst>
+      <p:bldP spid="8" grpId="0"/>
+    </p:bldLst>
+  </p:timing>
 </p:sld>
 </file>
 
@@ -11777,12 +13962,20 @@
           <a:lstStyle/>
           <a:p>
             <a:r>
-              <a:rPr lang="en-US" dirty="0"/>
+              <a:rPr lang="en-US" dirty="0">
+                <a:solidFill>
+                  <a:schemeClr val="bg1"/>
+                </a:solidFill>
+              </a:rPr>
               <a:t>Practical Principles</a:t>
             </a:r>
           </a:p>
           <a:p>
-            <a:endParaRPr lang="en-US" dirty="0"/>
+            <a:endParaRPr lang="en-US" dirty="0">
+              <a:solidFill>
+                <a:schemeClr val="bg1"/>
+              </a:solidFill>
+            </a:endParaRPr>
           </a:p>
         </p:txBody>
       </p:sp>
@@ -11950,15 +14143,27 @@
           </a:lstStyle>
           <a:p>
             <a:r>
-              <a:rPr lang="en-US" sz="4000" b="1" i="1" dirty="0"/>
+              <a:rPr lang="en-US" sz="4000" b="1" i="1" dirty="0">
+                <a:solidFill>
+                  <a:schemeClr val="bg1"/>
+                </a:solidFill>
+              </a:rPr>
               <a:t>YAGNI</a:t>
             </a:r>
           </a:p>
           <a:p>
-            <a:endParaRPr lang="en-US" sz="1800" dirty="0"/>
-          </a:p>
-          <a:p>
-            <a:endParaRPr lang="en-US" sz="1800" dirty="0"/>
+            <a:endParaRPr lang="en-US" sz="1800" dirty="0">
+              <a:solidFill>
+                <a:schemeClr val="bg1"/>
+              </a:solidFill>
+            </a:endParaRPr>
+          </a:p>
+          <a:p>
+            <a:endParaRPr lang="en-US" sz="1800" dirty="0">
+              <a:solidFill>
+                <a:schemeClr val="bg1"/>
+              </a:solidFill>
+            </a:endParaRPr>
           </a:p>
         </p:txBody>
       </p:sp>
@@ -11977,7 +14182,7 @@
         <p:spPr>
           <a:xfrm>
             <a:off x="599630" y="3333139"/>
-            <a:ext cx="8210747" cy="1938992"/>
+            <a:ext cx="8210747" cy="2431435"/>
           </a:xfrm>
           <a:prstGeom prst="rect">
             <a:avLst/>
@@ -11991,49 +14196,55 @@
           <a:lstStyle/>
           <a:p>
             <a:endParaRPr lang="en-GB" sz="1600" dirty="0">
+              <a:solidFill>
+                <a:schemeClr val="bg1"/>
+              </a:solidFill>
               <a:latin typeface="Chronicle Display" pitchFamily="50" charset="0"/>
             </a:endParaRPr>
           </a:p>
           <a:p>
             <a:r>
               <a:rPr lang="en-GB" sz="2400" b="1" i="1" dirty="0">
+                <a:solidFill>
+                  <a:schemeClr val="bg1"/>
+                </a:solidFill>
                 <a:latin typeface="Chronicle Display" pitchFamily="50" charset="0"/>
               </a:rPr>
-              <a:t>You </a:t>
+              <a:t>You Aren’t </a:t>
             </a:r>
             <a:r>
               <a:rPr lang="en-GB" sz="2400" b="1" i="1" dirty="0" err="1">
+                <a:solidFill>
+                  <a:schemeClr val="bg1"/>
+                </a:solidFill>
                 <a:latin typeface="Chronicle Display" pitchFamily="50" charset="0"/>
               </a:rPr>
-              <a:t>Aint</a:t>
+              <a:t>Gonna</a:t>
             </a:r>
             <a:r>
               <a:rPr lang="en-GB" sz="2400" b="1" i="1" dirty="0">
+                <a:solidFill>
+                  <a:schemeClr val="bg1"/>
+                </a:solidFill>
                 <a:latin typeface="Chronicle Display" pitchFamily="50" charset="0"/>
               </a:rPr>
-              <a:t> </a:t>
-            </a:r>
-            <a:r>
-              <a:rPr lang="en-GB" sz="2400" b="1" i="1" dirty="0" err="1">
-                <a:latin typeface="Chronicle Display" pitchFamily="50" charset="0"/>
-              </a:rPr>
-              <a:t>Gonna</a:t>
-            </a:r>
-            <a:r>
-              <a:rPr lang="en-GB" sz="2400" b="1" i="1" dirty="0">
-                <a:latin typeface="Chronicle Display" pitchFamily="50" charset="0"/>
-              </a:rPr>
               <a:t> Need It.</a:t>
             </a:r>
           </a:p>
           <a:p>
             <a:endParaRPr lang="en-GB" sz="1600" b="1" i="1" dirty="0">
+              <a:solidFill>
+                <a:schemeClr val="bg1"/>
+              </a:solidFill>
               <a:latin typeface="Chronicle Display" pitchFamily="50" charset="0"/>
             </a:endParaRPr>
           </a:p>
           <a:p>
             <a:r>
               <a:rPr lang="en-GB" sz="1600" dirty="0">
+                <a:solidFill>
+                  <a:schemeClr val="bg1"/>
+                </a:solidFill>
                 <a:latin typeface="Chronicle Display" pitchFamily="50" charset="0"/>
               </a:rPr>
               <a:t>If you don’t need it don’t do it</a:t>
@@ -12041,22 +14252,47 @@
           </a:p>
           <a:p>
             <a:endParaRPr lang="en-GB" sz="1600" dirty="0">
+              <a:solidFill>
+                <a:schemeClr val="bg1"/>
+              </a:solidFill>
               <a:latin typeface="Chronicle Display" pitchFamily="50" charset="0"/>
             </a:endParaRPr>
           </a:p>
           <a:p>
             <a:r>
               <a:rPr lang="en-GB" sz="1600" dirty="0">
+                <a:solidFill>
+                  <a:schemeClr val="bg1"/>
+                </a:solidFill>
                 <a:latin typeface="Chronicle Display" pitchFamily="50" charset="0"/>
               </a:rPr>
               <a:t>Avoid OVER-ENGINEERING</a:t>
             </a:r>
+          </a:p>
+          <a:p>
             <a:endParaRPr lang="en-GB" sz="1600" b="1" i="1" dirty="0">
+              <a:solidFill>
+                <a:schemeClr val="bg1"/>
+              </a:solidFill>
               <a:latin typeface="Chronicle Display" pitchFamily="50" charset="0"/>
             </a:endParaRPr>
           </a:p>
           <a:p>
+            <a:r>
+              <a:rPr lang="en-GB" sz="1600" b="1" i="1" dirty="0">
+                <a:solidFill>
+                  <a:schemeClr val="bg1"/>
+                </a:solidFill>
+                <a:latin typeface="Chronicle Display" pitchFamily="50" charset="0"/>
+              </a:rPr>
+              <a:t>https://martinfowler.com/bliki/Yagni.html</a:t>
+            </a:r>
+          </a:p>
+          <a:p>
             <a:endParaRPr lang="en-GB" sz="1600" dirty="0">
+              <a:solidFill>
+                <a:schemeClr val="bg1"/>
+              </a:solidFill>
               <a:latin typeface="Chronicle Display" pitchFamily="50" charset="0"/>
             </a:endParaRPr>
           </a:p>
@@ -12072,6 +14308,92 @@
   <p:clrMapOvr>
     <a:masterClrMapping/>
   </p:clrMapOvr>
+  <p:timing>
+    <p:tnLst>
+      <p:par>
+        <p:cTn id="1" dur="indefinite" restart="never" nodeType="tmRoot">
+          <p:childTnLst>
+            <p:seq concurrent="1" nextAc="seek">
+              <p:cTn id="2" dur="indefinite" nodeType="mainSeq">
+                <p:childTnLst>
+                  <p:par>
+                    <p:cTn id="3" fill="hold">
+                      <p:stCondLst>
+                        <p:cond delay="indefinite"/>
+                      </p:stCondLst>
+                      <p:childTnLst>
+                        <p:par>
+                          <p:cTn id="4" fill="hold">
+                            <p:stCondLst>
+                              <p:cond delay="0"/>
+                            </p:stCondLst>
+                            <p:childTnLst>
+                              <p:par>
+                                <p:cTn id="5" presetID="10" presetClass="entr" presetSubtype="0" fill="hold" grpId="0" nodeType="clickEffect">
+                                  <p:stCondLst>
+                                    <p:cond delay="0"/>
+                                  </p:stCondLst>
+                                  <p:childTnLst>
+                                    <p:set>
+                                      <p:cBhvr>
+                                        <p:cTn id="6" dur="1" fill="hold">
+                                          <p:stCondLst>
+                                            <p:cond delay="0"/>
+                                          </p:stCondLst>
+                                        </p:cTn>
+                                        <p:tgtEl>
+                                          <p:spTgt spid="6"/>
+                                        </p:tgtEl>
+                                        <p:attrNameLst>
+                                          <p:attrName>style.visibility</p:attrName>
+                                        </p:attrNameLst>
+                                      </p:cBhvr>
+                                      <p:to>
+                                        <p:strVal val="visible"/>
+                                      </p:to>
+                                    </p:set>
+                                    <p:animEffect transition="in" filter="fade">
+                                      <p:cBhvr>
+                                        <p:cTn id="7" dur="500"/>
+                                        <p:tgtEl>
+                                          <p:spTgt spid="6"/>
+                                        </p:tgtEl>
+                                      </p:cBhvr>
+                                    </p:animEffect>
+                                  </p:childTnLst>
+                                </p:cTn>
+                              </p:par>
+                            </p:childTnLst>
+                          </p:cTn>
+                        </p:par>
+                      </p:childTnLst>
+                    </p:cTn>
+                  </p:par>
+                </p:childTnLst>
+              </p:cTn>
+              <p:prevCondLst>
+                <p:cond evt="onPrev" delay="0">
+                  <p:tgtEl>
+                    <p:sldTgt/>
+                  </p:tgtEl>
+                </p:cond>
+              </p:prevCondLst>
+              <p:nextCondLst>
+                <p:cond evt="onNext" delay="0">
+                  <p:tgtEl>
+                    <p:sldTgt/>
+                  </p:tgtEl>
+                </p:cond>
+              </p:nextCondLst>
+            </p:seq>
+          </p:childTnLst>
+        </p:cTn>
+      </p:par>
+    </p:tnLst>
+    <p:bldLst>
+      <p:bldP spid="6" grpId="0"/>
+    </p:bldLst>
+  </p:timing>
 </p:sld>
 </file>
 
@@ -12102,26 +14424,31 @@
             <p:ph type="body" sz="quarter" idx="11"/>
           </p:nvPr>
         </p:nvSpPr>
-        <p:spPr/>
+        <p:spPr>
+          <a:xfrm>
+            <a:off x="328613" y="1079047"/>
+            <a:ext cx="8401246" cy="885779"/>
+          </a:xfrm>
+        </p:spPr>
         <p:txBody>
           <a:bodyPr/>
           <a:lstStyle/>
           <a:p>
             <a:r>
-              <a:rPr lang="en-US" dirty="0"/>
-              <a:t>Principles for </a:t>
-            </a:r>
-            <a:r>
-              <a:rPr lang="en-US" dirty="0" err="1"/>
-              <a:t>uServices</a:t>
-            </a:r>
-            <a:r>
-              <a:rPr lang="en-US" dirty="0"/>
-              <a:t> Design</a:t>
-            </a:r>
-          </a:p>
-          <a:p>
-            <a:endParaRPr lang="en-US" dirty="0"/>
+              <a:rPr lang="en-US" dirty="0">
+                <a:solidFill>
+                  <a:schemeClr val="bg1"/>
+                </a:solidFill>
+              </a:rPr>
+              <a:t>Principles for micro services Design</a:t>
+            </a:r>
+          </a:p>
+          <a:p>
+            <a:endParaRPr lang="en-US" dirty="0">
+              <a:solidFill>
+                <a:schemeClr val="bg1"/>
+              </a:solidFill>
+            </a:endParaRPr>
           </a:p>
         </p:txBody>
       </p:sp>
@@ -12148,50 +14475,77 @@
           <a:lstStyle/>
           <a:p>
             <a:endParaRPr lang="en-GB" sz="1600" u="sng" dirty="0">
+              <a:solidFill>
+                <a:schemeClr val="bg1"/>
+              </a:solidFill>
               <a:latin typeface="Chronicle Display" pitchFamily="50" charset="0"/>
             </a:endParaRPr>
           </a:p>
           <a:p>
             <a:endParaRPr lang="en-GB" sz="1600" u="sng" dirty="0">
+              <a:solidFill>
+                <a:schemeClr val="bg1"/>
+              </a:solidFill>
               <a:latin typeface="Chronicle Display" pitchFamily="50" charset="0"/>
             </a:endParaRPr>
           </a:p>
           <a:p>
             <a:r>
               <a:rPr lang="en-GB" sz="2400" b="1" dirty="0">
+                <a:solidFill>
+                  <a:schemeClr val="bg1"/>
+                </a:solidFill>
                 <a:latin typeface="Chronicle Display" pitchFamily="50" charset="0"/>
               </a:rPr>
               <a:t>IDEALS</a:t>
             </a:r>
             <a:r>
               <a:rPr lang="en-GB" sz="1600" b="1" dirty="0">
+                <a:solidFill>
+                  <a:schemeClr val="bg1"/>
+                </a:solidFill>
                 <a:latin typeface="Chronicle Display" pitchFamily="50" charset="0"/>
               </a:rPr>
               <a:t> </a:t>
             </a:r>
             <a:r>
               <a:rPr lang="en-GB" sz="1600" dirty="0">
+                <a:solidFill>
+                  <a:schemeClr val="bg1"/>
+                </a:solidFill>
                 <a:latin typeface="Chronicle Display" pitchFamily="50" charset="0"/>
               </a:rPr>
-              <a:t>is an acronym for six microservices principles design</a:t>
+              <a:t>is an acronym for six micro services principles design.</a:t>
             </a:r>
             <a:endParaRPr lang="en-GB" sz="1600" u="sng" dirty="0">
+              <a:solidFill>
+                <a:schemeClr val="bg1"/>
+              </a:solidFill>
               <a:latin typeface="Chronicle Display" pitchFamily="50" charset="0"/>
             </a:endParaRPr>
           </a:p>
           <a:p>
             <a:endParaRPr lang="en-GB" sz="1600" u="sng" dirty="0">
+              <a:solidFill>
+                <a:schemeClr val="bg1"/>
+              </a:solidFill>
               <a:latin typeface="Chronicle Display" pitchFamily="50" charset="0"/>
             </a:endParaRPr>
           </a:p>
           <a:p>
             <a:endParaRPr lang="en-GB" sz="1600" dirty="0">
+              <a:solidFill>
+                <a:schemeClr val="bg1"/>
+              </a:solidFill>
               <a:latin typeface="Chronicle Display" pitchFamily="50" charset="0"/>
             </a:endParaRPr>
           </a:p>
           <a:p>
             <a:r>
               <a:rPr lang="en-GB" sz="1600" dirty="0">
+                <a:solidFill>
+                  <a:schemeClr val="bg1"/>
+                </a:solidFill>
                 <a:latin typeface="Chronicle Display" pitchFamily="50" charset="0"/>
               </a:rPr>
               <a:t>These principles, when applied, help us to design a modern service-based systems (SOA)</a:t>
@@ -12199,6 +14553,9 @@
           </a:p>
           <a:p>
             <a:endParaRPr lang="en-GB" sz="1600" dirty="0">
+              <a:solidFill>
+                <a:schemeClr val="bg1"/>
+              </a:solidFill>
               <a:latin typeface="Chronicle Display" pitchFamily="50" charset="0"/>
             </a:endParaRPr>
           </a:p>
@@ -12250,19 +14607,35 @@
           <a:lstStyle/>
           <a:p>
             <a:r>
-              <a:rPr lang="en-US" b="1" i="1" dirty="0"/>
+              <a:rPr lang="en-US" b="1" i="1" dirty="0">
+                <a:solidFill>
+                  <a:schemeClr val="bg1"/>
+                </a:solidFill>
+              </a:rPr>
               <a:t>IDEALS</a:t>
             </a:r>
             <a:r>
-              <a:rPr lang="en-US" dirty="0"/>
+              <a:rPr lang="en-US" dirty="0">
+                <a:solidFill>
+                  <a:schemeClr val="bg1"/>
+                </a:solidFill>
+              </a:rPr>
               <a:t> stands for</a:t>
             </a:r>
           </a:p>
           <a:p>
-            <a:endParaRPr lang="en-US" dirty="0"/>
-          </a:p>
-          <a:p>
-            <a:endParaRPr lang="en-US" dirty="0"/>
+            <a:endParaRPr lang="en-US" dirty="0">
+              <a:solidFill>
+                <a:schemeClr val="bg1"/>
+              </a:solidFill>
+            </a:endParaRPr>
+          </a:p>
+          <a:p>
+            <a:endParaRPr lang="en-US" dirty="0">
+              <a:solidFill>
+                <a:schemeClr val="bg1"/>
+              </a:solidFill>
+            </a:endParaRPr>
           </a:p>
         </p:txBody>
       </p:sp>
@@ -12290,12 +14663,18 @@
           <a:p>
             <a:r>
               <a:rPr lang="en-GB" sz="2400" dirty="0">
+                <a:solidFill>
+                  <a:schemeClr val="bg1"/>
+                </a:solidFill>
                 <a:latin typeface="Chronicle Display" pitchFamily="50" charset="0"/>
               </a:rPr>
               <a:t>I</a:t>
             </a:r>
             <a:r>
               <a:rPr lang="en-GB" sz="1600" dirty="0">
+                <a:solidFill>
+                  <a:schemeClr val="bg1"/>
+                </a:solidFill>
                 <a:latin typeface="Chronicle Display" pitchFamily="50" charset="0"/>
               </a:rPr>
               <a:t>  		Interface Segregation Principle</a:t>
@@ -12333,12 +14712,18 @@
           <a:p>
             <a:r>
               <a:rPr lang="en-GB" sz="2400" dirty="0">
+                <a:solidFill>
+                  <a:schemeClr val="bg1"/>
+                </a:solidFill>
                 <a:latin typeface="Chronicle Display" pitchFamily="50" charset="0"/>
               </a:rPr>
               <a:t>S</a:t>
             </a:r>
             <a:r>
               <a:rPr lang="en-GB" sz="1600" dirty="0">
+                <a:solidFill>
+                  <a:schemeClr val="bg1"/>
+                </a:solidFill>
                 <a:latin typeface="Chronicle Display" pitchFamily="50" charset="0"/>
               </a:rPr>
               <a:t>  		Single responsibility Principle</a:t>
@@ -12376,12 +14761,18 @@
           <a:p>
             <a:r>
               <a:rPr lang="en-GB" sz="2400" dirty="0">
+                <a:solidFill>
+                  <a:schemeClr val="bg1"/>
+                </a:solidFill>
                 <a:latin typeface="Chronicle Display" pitchFamily="50" charset="0"/>
               </a:rPr>
               <a:t>L</a:t>
             </a:r>
             <a:r>
               <a:rPr lang="en-GB" sz="1600" dirty="0">
+                <a:solidFill>
+                  <a:schemeClr val="bg1"/>
+                </a:solidFill>
                 <a:latin typeface="Chronicle Display" pitchFamily="50" charset="0"/>
               </a:rPr>
               <a:t>  		Loose coupling Principle</a:t>
@@ -12419,24 +14810,36 @@
           <a:p>
             <a:r>
               <a:rPr lang="en-GB" sz="2400" dirty="0">
+                <a:solidFill>
+                  <a:schemeClr val="bg1"/>
+                </a:solidFill>
                 <a:latin typeface="Chronicle Display" pitchFamily="50" charset="0"/>
               </a:rPr>
               <a:t>A</a:t>
             </a:r>
             <a:r>
               <a:rPr lang="en-GB" sz="1600" dirty="0">
+                <a:solidFill>
+                  <a:schemeClr val="bg1"/>
+                </a:solidFill>
                 <a:latin typeface="Chronicle Display" pitchFamily="50" charset="0"/>
               </a:rPr>
               <a:t>		</a:t>
             </a:r>
             <a:r>
               <a:rPr lang="en-GB" sz="1600" dirty="0" err="1">
+                <a:solidFill>
+                  <a:schemeClr val="bg1"/>
+                </a:solidFill>
                 <a:latin typeface="Chronicle Display" pitchFamily="50" charset="0"/>
               </a:rPr>
               <a:t>Availabilty</a:t>
             </a:r>
             <a:r>
               <a:rPr lang="en-GB" sz="1600" dirty="0">
+                <a:solidFill>
+                  <a:schemeClr val="bg1"/>
+                </a:solidFill>
                 <a:latin typeface="Chronicle Display" pitchFamily="50" charset="0"/>
               </a:rPr>
               <a:t> over Consistency Principle</a:t>
@@ -12474,12 +14877,18 @@
           <a:p>
             <a:r>
               <a:rPr lang="en-GB" sz="2400" dirty="0">
+                <a:solidFill>
+                  <a:schemeClr val="bg1"/>
+                </a:solidFill>
                 <a:latin typeface="Chronicle Display" pitchFamily="50" charset="0"/>
               </a:rPr>
               <a:t>E</a:t>
             </a:r>
             <a:r>
               <a:rPr lang="en-GB" sz="1600" dirty="0">
+                <a:solidFill>
+                  <a:schemeClr val="bg1"/>
+                </a:solidFill>
                 <a:latin typeface="Chronicle Display" pitchFamily="50" charset="0"/>
               </a:rPr>
               <a:t> 		Event-Driven Principle</a:t>
@@ -12517,24 +14926,36 @@
           <a:p>
             <a:r>
               <a:rPr lang="en-GB" sz="2400" dirty="0">
+                <a:solidFill>
+                  <a:schemeClr val="bg1"/>
+                </a:solidFill>
                 <a:latin typeface="Chronicle Display" pitchFamily="50" charset="0"/>
               </a:rPr>
               <a:t>D</a:t>
             </a:r>
             <a:r>
               <a:rPr lang="en-GB" sz="1600" dirty="0">
+                <a:solidFill>
+                  <a:schemeClr val="bg1"/>
+                </a:solidFill>
                 <a:latin typeface="Chronicle Display" pitchFamily="50" charset="0"/>
               </a:rPr>
               <a:t>  		</a:t>
             </a:r>
             <a:r>
               <a:rPr lang="en-GB" sz="1600" dirty="0" err="1">
+                <a:solidFill>
+                  <a:schemeClr val="bg1"/>
+                </a:solidFill>
                 <a:latin typeface="Chronicle Display" pitchFamily="50" charset="0"/>
               </a:rPr>
               <a:t>Deployability</a:t>
             </a:r>
             <a:r>
               <a:rPr lang="en-GB" sz="1600" dirty="0">
+                <a:solidFill>
+                  <a:schemeClr val="bg1"/>
+                </a:solidFill>
                 <a:latin typeface="Chronicle Display" pitchFamily="50" charset="0"/>
               </a:rPr>
               <a:t> Principle</a:t>
@@ -12950,16 +15371,27 @@
           <a:p>
             <a:r>
               <a:rPr lang="en-US" dirty="0">
+                <a:solidFill>
+                  <a:schemeClr val="bg1"/>
+                </a:solidFill>
                 <a:latin typeface="+mj-lt"/>
               </a:rPr>
               <a:t>Interface Segregation Principle</a:t>
             </a:r>
           </a:p>
           <a:p>
-            <a:endParaRPr lang="en-US" dirty="0"/>
-          </a:p>
-          <a:p>
-            <a:endParaRPr lang="en-US" dirty="0"/>
+            <a:endParaRPr lang="en-US" dirty="0">
+              <a:solidFill>
+                <a:schemeClr val="bg1"/>
+              </a:solidFill>
+            </a:endParaRPr>
+          </a:p>
+          <a:p>
+            <a:endParaRPr lang="en-US" dirty="0">
+              <a:solidFill>
+                <a:schemeClr val="bg1"/>
+              </a:solidFill>
+            </a:endParaRPr>
           </a:p>
         </p:txBody>
       </p:sp>
@@ -12978,7 +15410,7 @@
         <p:spPr>
           <a:xfrm>
             <a:off x="328613" y="2359417"/>
-            <a:ext cx="8210747" cy="584775"/>
+            <a:ext cx="8210747" cy="646331"/>
           </a:xfrm>
           <a:prstGeom prst="rect">
             <a:avLst/>
@@ -12992,7 +15424,11 @@
           <a:lstStyle/>
           <a:p>
             <a:r>
-              <a:rPr lang="en-GB" sz="1600" dirty="0"/>
+              <a:rPr lang="en-GB" dirty="0">
+                <a:solidFill>
+                  <a:schemeClr val="bg1"/>
+                </a:solidFill>
+              </a:rPr>
               <a:t>As we saw in OOD interface segregation principle admonish to use class implementing “fat” interfaces</a:t>
             </a:r>
           </a:p>
@@ -13013,7 +15449,7 @@
         <p:spPr>
           <a:xfrm>
             <a:off x="328613" y="3136612"/>
-            <a:ext cx="8210747" cy="584775"/>
+            <a:ext cx="8210747" cy="646331"/>
           </a:xfrm>
           <a:prstGeom prst="rect">
             <a:avLst/>
@@ -13027,7 +15463,11 @@
           <a:lstStyle/>
           <a:p>
             <a:r>
-              <a:rPr lang="en-GB" sz="1600" dirty="0"/>
+              <a:rPr lang="en-GB" dirty="0">
+                <a:solidFill>
+                  <a:schemeClr val="bg1"/>
+                </a:solidFill>
+              </a:rPr>
               <a:t>Instead of a class interface with all possible methods client might needs, separate into granular interface for the clients specific needs</a:t>
             </a:r>
           </a:p>
@@ -13048,7 +15488,7 @@
         <p:spPr>
           <a:xfrm>
             <a:off x="328612" y="3913807"/>
-            <a:ext cx="8210747" cy="584775"/>
+            <a:ext cx="8210747" cy="923330"/>
           </a:xfrm>
           <a:prstGeom prst="rect">
             <a:avLst/>
@@ -13062,7 +15502,11 @@
           <a:lstStyle/>
           <a:p>
             <a:r>
-              <a:rPr lang="en-GB" sz="1600" dirty="0"/>
+              <a:rPr lang="en-GB" dirty="0">
+                <a:solidFill>
+                  <a:schemeClr val="bg1"/>
+                </a:solidFill>
+              </a:rPr>
               <a:t>In the era of microservices there are a multitude of client (frontend) to the same service logic; that’s the main motivation to apply interface segregation for each possible client with its needs</a:t>
             </a:r>
           </a:p>
@@ -13082,8 +15526,8 @@
         </p:nvSpPr>
         <p:spPr>
           <a:xfrm>
-            <a:off x="328611" y="4691002"/>
-            <a:ext cx="8210747" cy="584775"/>
+            <a:off x="328609" y="4992038"/>
+            <a:ext cx="8210747" cy="646331"/>
           </a:xfrm>
           <a:prstGeom prst="rect">
             <a:avLst/>
@@ -13097,10 +15541,17 @@
           <a:lstStyle/>
           <a:p>
             <a:r>
-              <a:rPr lang="en-US" sz="1600" dirty="0"/>
+              <a:rPr lang="en-US" dirty="0">
+                <a:solidFill>
+                  <a:schemeClr val="bg1"/>
+                </a:solidFill>
+              </a:rPr>
               <a:t>The goal of interface segregation for microservices is that each type of frontend sees the service contract that best suits its needs</a:t>
             </a:r>
-            <a:endParaRPr lang="en-GB" sz="1600" dirty="0">
+            <a:endParaRPr lang="en-GB" dirty="0">
+              <a:solidFill>
+                <a:schemeClr val="bg1"/>
+              </a:solidFill>
               <a:latin typeface="Chronicle Display" pitchFamily="50" charset="0"/>
             </a:endParaRPr>
           </a:p>
@@ -13120,8 +15571,8 @@
         </p:nvSpPr>
         <p:spPr>
           <a:xfrm>
-            <a:off x="328613" y="5486565"/>
-            <a:ext cx="8210747" cy="338554"/>
+            <a:off x="328610" y="5793270"/>
+            <a:ext cx="8210747" cy="646331"/>
           </a:xfrm>
           <a:prstGeom prst="rect">
             <a:avLst/>
@@ -13135,10 +15586,41 @@
           <a:lstStyle/>
           <a:p>
             <a:r>
-              <a:rPr lang="en-US" sz="1600" dirty="0"/>
-              <a:t>We can reach the goal using the API Gateway pattern or in alternative the BFF pattern</a:t>
-            </a:r>
-            <a:endParaRPr lang="en-GB" sz="1600" dirty="0">
+              <a:rPr lang="en-US" dirty="0">
+                <a:solidFill>
+                  <a:schemeClr val="bg1"/>
+                </a:solidFill>
+              </a:rPr>
+              <a:t>We can reach the goal using the </a:t>
+            </a:r>
+            <a:r>
+              <a:rPr lang="en-US" b="1" i="1" dirty="0">
+                <a:solidFill>
+                  <a:schemeClr val="bg1"/>
+                </a:solidFill>
+              </a:rPr>
+              <a:t>API Gateway </a:t>
+            </a:r>
+            <a:r>
+              <a:rPr lang="en-US" dirty="0">
+                <a:solidFill>
+                  <a:schemeClr val="bg1"/>
+                </a:solidFill>
+              </a:rPr>
+              <a:t>pattern or in alternative the </a:t>
+            </a:r>
+            <a:r>
+              <a:rPr lang="en-US" b="1" i="1" dirty="0">
+                <a:solidFill>
+                  <a:schemeClr val="bg1"/>
+                </a:solidFill>
+              </a:rPr>
+              <a:t>BFF pattern</a:t>
+            </a:r>
+            <a:endParaRPr lang="en-GB" b="1" i="1" dirty="0">
+              <a:solidFill>
+                <a:schemeClr val="bg1"/>
+              </a:solidFill>
               <a:latin typeface="Chronicle Display" pitchFamily="50" charset="0"/>
             </a:endParaRPr>
           </a:p>
@@ -13497,7 +15979,11 @@
           <a:lstStyle/>
           <a:p>
             <a:r>
-              <a:rPr lang="en-US" dirty="0"/>
+              <a:rPr lang="en-US" dirty="0">
+                <a:solidFill>
+                  <a:schemeClr val="bg1"/>
+                </a:solidFill>
+              </a:rPr>
               <a:t>Interface Segregation Principle</a:t>
             </a:r>
           </a:p>
@@ -14475,6 +16961,201 @@
     <p:extLst>
       <p:ext uri="{BB962C8B-B14F-4D97-AF65-F5344CB8AC3E}">
         <p14:creationId xmlns:p14="http://schemas.microsoft.com/office/powerpoint/2010/main" val="3519078401"/>
+      </p:ext>
+    </p:extLst>
+  </p:cSld>
+  <p:clrMapOvr>
+    <a:masterClrMapping/>
+  </p:clrMapOvr>
+</p:sld>
+</file>
+
+<file path=ppt/slides/slide4.xml><?xml version="1.0" encoding="utf-8"?>
+<p:sld xmlns:a="http://schemas.openxmlformats.org/drawingml/2006/main" xmlns:r="http://schemas.openxmlformats.org/officeDocument/2006/relationships" xmlns:p="http://schemas.openxmlformats.org/presentationml/2006/main">
+  <p:cSld>
+    <p:spTree>
+      <p:nvGrpSpPr>
+        <p:cNvPr id="1" name=""/>
+        <p:cNvGrpSpPr/>
+        <p:nvPr/>
+      </p:nvGrpSpPr>
+      <p:grpSpPr>
+        <a:xfrm>
+          <a:off x="0" y="0"/>
+          <a:ext cx="0" cy="0"/>
+          <a:chOff x="0" y="0"/>
+          <a:chExt cx="0" cy="0"/>
+        </a:xfrm>
+      </p:grpSpPr>
+      <p:sp>
+        <p:nvSpPr>
+          <p:cNvPr id="2" name="Text Placeholder 1"/>
+          <p:cNvSpPr>
+            <a:spLocks noGrp="1"/>
+          </p:cNvSpPr>
+          <p:nvPr>
+            <p:ph type="body" sz="quarter" idx="11"/>
+          </p:nvPr>
+        </p:nvSpPr>
+        <p:spPr>
+          <a:xfrm>
+            <a:off x="328613" y="1079047"/>
+            <a:ext cx="8401246" cy="733025"/>
+          </a:xfrm>
+        </p:spPr>
+        <p:txBody>
+          <a:bodyPr/>
+          <a:lstStyle/>
+          <a:p>
+            <a:r>
+              <a:rPr lang="en-US" dirty="0">
+                <a:solidFill>
+                  <a:schemeClr val="bg1"/>
+                </a:solidFill>
+              </a:rPr>
+              <a:t>SRP Single Responsibility Principle</a:t>
+            </a:r>
+          </a:p>
+          <a:p>
+            <a:endParaRPr lang="en-US" dirty="0">
+              <a:solidFill>
+                <a:schemeClr val="bg1"/>
+              </a:solidFill>
+            </a:endParaRPr>
+          </a:p>
+          <a:p>
+            <a:endParaRPr lang="en-US" dirty="0">
+              <a:solidFill>
+                <a:schemeClr val="bg1"/>
+              </a:solidFill>
+            </a:endParaRPr>
+          </a:p>
+        </p:txBody>
+      </p:sp>
+      <p:sp>
+        <p:nvSpPr>
+          <p:cNvPr id="5" name="TextBox 4"/>
+          <p:cNvSpPr txBox="1"/>
+          <p:nvPr/>
+        </p:nvSpPr>
+        <p:spPr>
+          <a:xfrm>
+            <a:off x="519112" y="2273327"/>
+            <a:ext cx="8210747" cy="830997"/>
+          </a:xfrm>
+          <a:prstGeom prst="rect">
+            <a:avLst/>
+          </a:prstGeom>
+          <a:noFill/>
+        </p:spPr>
+        <p:txBody>
+          <a:bodyPr wrap="square" rtlCol="0">
+            <a:spAutoFit/>
+          </a:bodyPr>
+          <a:lstStyle/>
+          <a:p>
+            <a:r>
+              <a:rPr lang="en-GB" sz="2400" b="1" i="1" dirty="0">
+                <a:solidFill>
+                  <a:schemeClr val="bg1"/>
+                </a:solidFill>
+                <a:latin typeface="Chronicle Display" pitchFamily="50" charset="0"/>
+              </a:rPr>
+              <a:t>Class should have one and only one reason to change, meaning a class should have only one job.</a:t>
+            </a:r>
+            <a:endParaRPr lang="en-GB" sz="1600" b="1" i="1" dirty="0">
+              <a:solidFill>
+                <a:schemeClr val="bg1"/>
+              </a:solidFill>
+              <a:latin typeface="Chronicle Display" pitchFamily="50" charset="0"/>
+            </a:endParaRPr>
+          </a:p>
+        </p:txBody>
+      </p:sp>
+      <p:sp>
+        <p:nvSpPr>
+          <p:cNvPr id="4" name="TextBox 3">
+            <a:extLst>
+              <a:ext uri="{FF2B5EF4-FFF2-40B4-BE49-F238E27FC236}">
+                <a16:creationId xmlns:a16="http://schemas.microsoft.com/office/drawing/2014/main" id="{CACDD7B6-B52F-42DA-8565-DB28184EC313}"/>
+              </a:ext>
+            </a:extLst>
+          </p:cNvPr>
+          <p:cNvSpPr txBox="1"/>
+          <p:nvPr/>
+        </p:nvSpPr>
+        <p:spPr>
+          <a:xfrm>
+            <a:off x="519112" y="3753676"/>
+            <a:ext cx="8210747" cy="646331"/>
+          </a:xfrm>
+          <a:prstGeom prst="rect">
+            <a:avLst/>
+          </a:prstGeom>
+          <a:noFill/>
+        </p:spPr>
+        <p:txBody>
+          <a:bodyPr wrap="square" rtlCol="0">
+            <a:spAutoFit/>
+          </a:bodyPr>
+          <a:lstStyle/>
+          <a:p>
+            <a:r>
+              <a:rPr lang="en-GB" dirty="0">
+                <a:solidFill>
+                  <a:schemeClr val="bg1"/>
+                </a:solidFill>
+                <a:latin typeface="Chronicle Display" pitchFamily="50" charset="0"/>
+              </a:rPr>
+              <a:t>If a class has more then one responsibility, then the responsibilities become coupled. Changes to one responsibility may inhibit the class ability to meet the others.</a:t>
+            </a:r>
+          </a:p>
+        </p:txBody>
+      </p:sp>
+      <p:sp>
+        <p:nvSpPr>
+          <p:cNvPr id="6" name="TextBox 5">
+            <a:extLst>
+              <a:ext uri="{FF2B5EF4-FFF2-40B4-BE49-F238E27FC236}">
+                <a16:creationId xmlns:a16="http://schemas.microsoft.com/office/drawing/2014/main" id="{FBC81F2E-DDBC-4872-BD3D-991389FE157D}"/>
+              </a:ext>
+            </a:extLst>
+          </p:cNvPr>
+          <p:cNvSpPr txBox="1"/>
+          <p:nvPr/>
+        </p:nvSpPr>
+        <p:spPr>
+          <a:xfrm>
+            <a:off x="519111" y="4603694"/>
+            <a:ext cx="8210747" cy="646331"/>
+          </a:xfrm>
+          <a:prstGeom prst="rect">
+            <a:avLst/>
+          </a:prstGeom>
+          <a:noFill/>
+        </p:spPr>
+        <p:txBody>
+          <a:bodyPr wrap="square" rtlCol="0">
+            <a:spAutoFit/>
+          </a:bodyPr>
+          <a:lstStyle/>
+          <a:p>
+            <a:r>
+              <a:rPr lang="en-GB" dirty="0">
+                <a:solidFill>
+                  <a:schemeClr val="bg1"/>
+                </a:solidFill>
+                <a:latin typeface="Chronicle Display" pitchFamily="50" charset="0"/>
+              </a:rPr>
+              <a:t>The hardest thing is to detect the responsibilities of a class according with the reason to change</a:t>
+            </a:r>
+          </a:p>
+        </p:txBody>
+      </p:sp>
+    </p:spTree>
+    <p:extLst>
+      <p:ext uri="{BB962C8B-B14F-4D97-AF65-F5344CB8AC3E}">
+        <p14:creationId xmlns:p14="http://schemas.microsoft.com/office/powerpoint/2010/main" val="1699204522"/>
       </p:ext>
     </p:extLst>
   </p:cSld>
@@ -14515,7 +17196,7 @@
                                           </p:stCondLst>
                                         </p:cTn>
                                         <p:tgtEl>
-                                          <p:spTgt spid="3"/>
+                                          <p:spTgt spid="4"/>
                                         </p:tgtEl>
                                         <p:attrNameLst>
                                           <p:attrName>style.visibility</p:attrName>
@@ -14529,51 +17210,7 @@
                                       <p:cBhvr>
                                         <p:cTn id="7" dur="500"/>
                                         <p:tgtEl>
-                                          <p:spTgt spid="3"/>
-                                        </p:tgtEl>
-                                      </p:cBhvr>
-                                    </p:animEffect>
-                                  </p:childTnLst>
-                                </p:cTn>
-                              </p:par>
-                            </p:childTnLst>
-                          </p:cTn>
-                        </p:par>
-                        <p:par>
-                          <p:cTn id="8" fill="hold">
-                            <p:stCondLst>
-                              <p:cond delay="500"/>
-                            </p:stCondLst>
-                            <p:childTnLst>
-                              <p:par>
-                                <p:cTn id="9" presetID="10" presetClass="entr" presetSubtype="0" fill="hold" grpId="0" nodeType="afterEffect">
-                                  <p:stCondLst>
-                                    <p:cond delay="0"/>
-                                  </p:stCondLst>
-                                  <p:childTnLst>
-                                    <p:set>
-                                      <p:cBhvr>
-                                        <p:cTn id="10" dur="1" fill="hold">
-                                          <p:stCondLst>
-                                            <p:cond delay="0"/>
-                                          </p:stCondLst>
-                                        </p:cTn>
-                                        <p:tgtEl>
-                                          <p:spTgt spid="8"/>
-                                        </p:tgtEl>
-                                        <p:attrNameLst>
-                                          <p:attrName>style.visibility</p:attrName>
-                                        </p:attrNameLst>
-                                      </p:cBhvr>
-                                      <p:to>
-                                        <p:strVal val="visible"/>
-                                      </p:to>
-                                    </p:set>
-                                    <p:animEffect transition="in" filter="fade">
-                                      <p:cBhvr>
-                                        <p:cTn id="11" dur="500"/>
-                                        <p:tgtEl>
-                                          <p:spTgt spid="8"/>
+                                          <p:spTgt spid="4"/>
                                         </p:tgtEl>
                                       </p:cBhvr>
                                     </p:animEffect>
@@ -14587,32 +17224,32 @@
                     </p:cTn>
                   </p:par>
                   <p:par>
-                    <p:cTn id="12" fill="hold">
+                    <p:cTn id="8" fill="hold">
                       <p:stCondLst>
                         <p:cond delay="indefinite"/>
                       </p:stCondLst>
                       <p:childTnLst>
                         <p:par>
-                          <p:cTn id="13" fill="hold">
+                          <p:cTn id="9" fill="hold">
                             <p:stCondLst>
                               <p:cond delay="0"/>
                             </p:stCondLst>
                             <p:childTnLst>
                               <p:par>
-                                <p:cTn id="14" presetID="10" presetClass="entr" presetSubtype="0" fill="hold" grpId="0" nodeType="clickEffect">
+                                <p:cTn id="10" presetID="10" presetClass="entr" presetSubtype="0" fill="hold" grpId="0" nodeType="clickEffect">
                                   <p:stCondLst>
                                     <p:cond delay="0"/>
                                   </p:stCondLst>
                                   <p:childTnLst>
                                     <p:set>
                                       <p:cBhvr>
-                                        <p:cTn id="15" dur="1" fill="hold">
+                                        <p:cTn id="11" dur="1" fill="hold">
                                           <p:stCondLst>
                                             <p:cond delay="0"/>
                                           </p:stCondLst>
                                         </p:cTn>
                                         <p:tgtEl>
-                                          <p:spTgt spid="9"/>
+                                          <p:spTgt spid="6"/>
                                         </p:tgtEl>
                                         <p:attrNameLst>
                                           <p:attrName>style.visibility</p:attrName>
@@ -14624,662 +17261,9 @@
                                     </p:set>
                                     <p:animEffect transition="in" filter="fade">
                                       <p:cBhvr>
-                                        <p:cTn id="16" dur="500"/>
+                                        <p:cTn id="12" dur="500"/>
                                         <p:tgtEl>
-                                          <p:spTgt spid="9"/>
-                                        </p:tgtEl>
-                                      </p:cBhvr>
-                                    </p:animEffect>
-                                  </p:childTnLst>
-                                </p:cTn>
-                              </p:par>
-                            </p:childTnLst>
-                          </p:cTn>
-                        </p:par>
-                        <p:par>
-                          <p:cTn id="17" fill="hold">
-                            <p:stCondLst>
-                              <p:cond delay="500"/>
-                            </p:stCondLst>
-                            <p:childTnLst>
-                              <p:par>
-                                <p:cTn id="18" presetID="10" presetClass="entr" presetSubtype="0" fill="hold" grpId="0" nodeType="afterEffect">
-                                  <p:stCondLst>
-                                    <p:cond delay="0"/>
-                                  </p:stCondLst>
-                                  <p:childTnLst>
-                                    <p:set>
-                                      <p:cBhvr>
-                                        <p:cTn id="19" dur="1" fill="hold">
-                                          <p:stCondLst>
-                                            <p:cond delay="0"/>
-                                          </p:stCondLst>
-                                        </p:cTn>
-                                        <p:tgtEl>
-                                          <p:spTgt spid="10"/>
-                                        </p:tgtEl>
-                                        <p:attrNameLst>
-                                          <p:attrName>style.visibility</p:attrName>
-                                        </p:attrNameLst>
-                                      </p:cBhvr>
-                                      <p:to>
-                                        <p:strVal val="visible"/>
-                                      </p:to>
-                                    </p:set>
-                                    <p:animEffect transition="in" filter="fade">
-                                      <p:cBhvr>
-                                        <p:cTn id="20" dur="500"/>
-                                        <p:tgtEl>
-                                          <p:spTgt spid="10"/>
-                                        </p:tgtEl>
-                                      </p:cBhvr>
-                                    </p:animEffect>
-                                  </p:childTnLst>
-                                </p:cTn>
-                              </p:par>
-                            </p:childTnLst>
-                          </p:cTn>
-                        </p:par>
-                      </p:childTnLst>
-                    </p:cTn>
-                  </p:par>
-                  <p:par>
-                    <p:cTn id="21" fill="hold">
-                      <p:stCondLst>
-                        <p:cond delay="indefinite"/>
-                      </p:stCondLst>
-                      <p:childTnLst>
-                        <p:par>
-                          <p:cTn id="22" fill="hold">
-                            <p:stCondLst>
-                              <p:cond delay="0"/>
-                            </p:stCondLst>
-                            <p:childTnLst>
-                              <p:par>
-                                <p:cTn id="23" presetID="10" presetClass="entr" presetSubtype="0" fill="hold" grpId="0" nodeType="clickEffect">
-                                  <p:stCondLst>
-                                    <p:cond delay="0"/>
-                                  </p:stCondLst>
-                                  <p:childTnLst>
-                                    <p:set>
-                                      <p:cBhvr>
-                                        <p:cTn id="24" dur="1" fill="hold">
-                                          <p:stCondLst>
-                                            <p:cond delay="0"/>
-                                          </p:stCondLst>
-                                        </p:cTn>
-                                        <p:tgtEl>
-                                          <p:spTgt spid="11"/>
-                                        </p:tgtEl>
-                                        <p:attrNameLst>
-                                          <p:attrName>style.visibility</p:attrName>
-                                        </p:attrNameLst>
-                                      </p:cBhvr>
-                                      <p:to>
-                                        <p:strVal val="visible"/>
-                                      </p:to>
-                                    </p:set>
-                                    <p:animEffect transition="in" filter="fade">
-                                      <p:cBhvr>
-                                        <p:cTn id="25" dur="500"/>
-                                        <p:tgtEl>
-                                          <p:spTgt spid="11"/>
-                                        </p:tgtEl>
-                                      </p:cBhvr>
-                                    </p:animEffect>
-                                  </p:childTnLst>
-                                </p:cTn>
-                              </p:par>
-                            </p:childTnLst>
-                          </p:cTn>
-                        </p:par>
-                      </p:childTnLst>
-                    </p:cTn>
-                  </p:par>
-                  <p:par>
-                    <p:cTn id="26" fill="hold">
-                      <p:stCondLst>
-                        <p:cond delay="indefinite"/>
-                      </p:stCondLst>
-                      <p:childTnLst>
-                        <p:par>
-                          <p:cTn id="27" fill="hold">
-                            <p:stCondLst>
-                              <p:cond delay="0"/>
-                            </p:stCondLst>
-                            <p:childTnLst>
-                              <p:par>
-                                <p:cTn id="28" presetID="1" presetClass="entr" presetSubtype="0" fill="hold" grpId="0" nodeType="clickEffect">
-                                  <p:stCondLst>
-                                    <p:cond delay="0"/>
-                                  </p:stCondLst>
-                                  <p:childTnLst>
-                                    <p:set>
-                                      <p:cBhvr>
-                                        <p:cTn id="29" dur="1" fill="hold">
-                                          <p:stCondLst>
-                                            <p:cond delay="0"/>
-                                          </p:stCondLst>
-                                        </p:cTn>
-                                        <p:tgtEl>
-                                          <p:spTgt spid="15"/>
-                                        </p:tgtEl>
-                                        <p:attrNameLst>
-                                          <p:attrName>style.visibility</p:attrName>
-                                        </p:attrNameLst>
-                                      </p:cBhvr>
-                                      <p:to>
-                                        <p:strVal val="visible"/>
-                                      </p:to>
-                                    </p:set>
-                                  </p:childTnLst>
-                                </p:cTn>
-                              </p:par>
-                            </p:childTnLst>
-                          </p:cTn>
-                        </p:par>
-                      </p:childTnLst>
-                    </p:cTn>
-                  </p:par>
-                  <p:par>
-                    <p:cTn id="30" fill="hold">
-                      <p:stCondLst>
-                        <p:cond delay="indefinite"/>
-                      </p:stCondLst>
-                      <p:childTnLst>
-                        <p:par>
-                          <p:cTn id="31" fill="hold">
-                            <p:stCondLst>
-                              <p:cond delay="0"/>
-                            </p:stCondLst>
-                            <p:childTnLst>
-                              <p:par>
-                                <p:cTn id="32" presetID="10" presetClass="entr" presetSubtype="0" fill="hold" grpId="0" nodeType="clickEffect">
-                                  <p:stCondLst>
-                                    <p:cond delay="0"/>
-                                  </p:stCondLst>
-                                  <p:childTnLst>
-                                    <p:set>
-                                      <p:cBhvr>
-                                        <p:cTn id="33" dur="1" fill="hold">
-                                          <p:stCondLst>
-                                            <p:cond delay="0"/>
-                                          </p:stCondLst>
-                                        </p:cTn>
-                                        <p:tgtEl>
-                                          <p:spTgt spid="4"/>
-                                        </p:tgtEl>
-                                        <p:attrNameLst>
-                                          <p:attrName>style.visibility</p:attrName>
-                                        </p:attrNameLst>
-                                      </p:cBhvr>
-                                      <p:to>
-                                        <p:strVal val="visible"/>
-                                      </p:to>
-                                    </p:set>
-                                    <p:animEffect transition="in" filter="fade">
-                                      <p:cBhvr>
-                                        <p:cTn id="34" dur="500"/>
-                                        <p:tgtEl>
-                                          <p:spTgt spid="4"/>
-                                        </p:tgtEl>
-                                      </p:cBhvr>
-                                    </p:animEffect>
-                                  </p:childTnLst>
-                                </p:cTn>
-                              </p:par>
-                            </p:childTnLst>
-                          </p:cTn>
-                        </p:par>
-                        <p:par>
-                          <p:cTn id="35" fill="hold">
-                            <p:stCondLst>
-                              <p:cond delay="500"/>
-                            </p:stCondLst>
-                            <p:childTnLst>
-                              <p:par>
-                                <p:cTn id="36" presetID="10" presetClass="entr" presetSubtype="0" fill="hold" nodeType="afterEffect">
-                                  <p:stCondLst>
-                                    <p:cond delay="0"/>
-                                  </p:stCondLst>
-                                  <p:childTnLst>
-                                    <p:set>
-                                      <p:cBhvr>
-                                        <p:cTn id="37" dur="1" fill="hold">
-                                          <p:stCondLst>
-                                            <p:cond delay="0"/>
-                                          </p:stCondLst>
-                                        </p:cTn>
-                                        <p:tgtEl>
-                                          <p:spTgt spid="17"/>
-                                        </p:tgtEl>
-                                        <p:attrNameLst>
-                                          <p:attrName>style.visibility</p:attrName>
-                                        </p:attrNameLst>
-                                      </p:cBhvr>
-                                      <p:to>
-                                        <p:strVal val="visible"/>
-                                      </p:to>
-                                    </p:set>
-                                    <p:animEffect transition="in" filter="fade">
-                                      <p:cBhvr>
-                                        <p:cTn id="38" dur="500"/>
-                                        <p:tgtEl>
-                                          <p:spTgt spid="17"/>
-                                        </p:tgtEl>
-                                      </p:cBhvr>
-                                    </p:animEffect>
-                                  </p:childTnLst>
-                                </p:cTn>
-                              </p:par>
-                            </p:childTnLst>
-                          </p:cTn>
-                        </p:par>
-                        <p:par>
-                          <p:cTn id="39" fill="hold">
-                            <p:stCondLst>
-                              <p:cond delay="1000"/>
-                            </p:stCondLst>
-                            <p:childTnLst>
-                              <p:par>
-                                <p:cTn id="40" presetID="10" presetClass="entr" presetSubtype="0" fill="hold" nodeType="afterEffect">
-                                  <p:stCondLst>
-                                    <p:cond delay="0"/>
-                                  </p:stCondLst>
-                                  <p:childTnLst>
-                                    <p:set>
-                                      <p:cBhvr>
-                                        <p:cTn id="41" dur="1" fill="hold">
-                                          <p:stCondLst>
-                                            <p:cond delay="0"/>
-                                          </p:stCondLst>
-                                        </p:cTn>
-                                        <p:tgtEl>
-                                          <p:spTgt spid="18"/>
-                                        </p:tgtEl>
-                                        <p:attrNameLst>
-                                          <p:attrName>style.visibility</p:attrName>
-                                        </p:attrNameLst>
-                                      </p:cBhvr>
-                                      <p:to>
-                                        <p:strVal val="visible"/>
-                                      </p:to>
-                                    </p:set>
-                                    <p:animEffect transition="in" filter="fade">
-                                      <p:cBhvr>
-                                        <p:cTn id="42" dur="500"/>
-                                        <p:tgtEl>
-                                          <p:spTgt spid="18"/>
-                                        </p:tgtEl>
-                                      </p:cBhvr>
-                                    </p:animEffect>
-                                  </p:childTnLst>
-                                </p:cTn>
-                              </p:par>
-                            </p:childTnLst>
-                          </p:cTn>
-                        </p:par>
-                        <p:par>
-                          <p:cTn id="43" fill="hold">
-                            <p:stCondLst>
-                              <p:cond delay="1500"/>
-                            </p:stCondLst>
-                            <p:childTnLst>
-                              <p:par>
-                                <p:cTn id="44" presetID="10" presetClass="entr" presetSubtype="0" fill="hold" nodeType="afterEffect">
-                                  <p:stCondLst>
-                                    <p:cond delay="0"/>
-                                  </p:stCondLst>
-                                  <p:childTnLst>
-                                    <p:set>
-                                      <p:cBhvr>
-                                        <p:cTn id="45" dur="1" fill="hold">
-                                          <p:stCondLst>
-                                            <p:cond delay="0"/>
-                                          </p:stCondLst>
-                                        </p:cTn>
-                                        <p:tgtEl>
-                                          <p:spTgt spid="30"/>
-                                        </p:tgtEl>
-                                        <p:attrNameLst>
-                                          <p:attrName>style.visibility</p:attrName>
-                                        </p:attrNameLst>
-                                      </p:cBhvr>
-                                      <p:to>
-                                        <p:strVal val="visible"/>
-                                      </p:to>
-                                    </p:set>
-                                    <p:animEffect transition="in" filter="fade">
-                                      <p:cBhvr>
-                                        <p:cTn id="46" dur="500"/>
-                                        <p:tgtEl>
-                                          <p:spTgt spid="30"/>
-                                        </p:tgtEl>
-                                      </p:cBhvr>
-                                    </p:animEffect>
-                                  </p:childTnLst>
-                                </p:cTn>
-                              </p:par>
-                            </p:childTnLst>
-                          </p:cTn>
-                        </p:par>
-                      </p:childTnLst>
-                    </p:cTn>
-                  </p:par>
-                  <p:par>
-                    <p:cTn id="47" fill="hold">
-                      <p:stCondLst>
-                        <p:cond delay="indefinite"/>
-                      </p:stCondLst>
-                      <p:childTnLst>
-                        <p:par>
-                          <p:cTn id="48" fill="hold">
-                            <p:stCondLst>
-                              <p:cond delay="0"/>
-                            </p:stCondLst>
-                            <p:childTnLst>
-                              <p:par>
-                                <p:cTn id="49" presetID="10" presetClass="entr" presetSubtype="0" fill="hold" grpId="0" nodeType="clickEffect">
-                                  <p:stCondLst>
-                                    <p:cond delay="0"/>
-                                  </p:stCondLst>
-                                  <p:childTnLst>
-                                    <p:set>
-                                      <p:cBhvr>
-                                        <p:cTn id="50" dur="1" fill="hold">
-                                          <p:stCondLst>
-                                            <p:cond delay="0"/>
-                                          </p:stCondLst>
-                                        </p:cTn>
-                                        <p:tgtEl>
-                                          <p:spTgt spid="14"/>
-                                        </p:tgtEl>
-                                        <p:attrNameLst>
-                                          <p:attrName>style.visibility</p:attrName>
-                                        </p:attrNameLst>
-                                      </p:cBhvr>
-                                      <p:to>
-                                        <p:strVal val="visible"/>
-                                      </p:to>
-                                    </p:set>
-                                    <p:animEffect transition="in" filter="fade">
-                                      <p:cBhvr>
-                                        <p:cTn id="51" dur="500"/>
-                                        <p:tgtEl>
-                                          <p:spTgt spid="14"/>
-                                        </p:tgtEl>
-                                      </p:cBhvr>
-                                    </p:animEffect>
-                                  </p:childTnLst>
-                                </p:cTn>
-                              </p:par>
-                            </p:childTnLst>
-                          </p:cTn>
-                        </p:par>
-                        <p:par>
-                          <p:cTn id="52" fill="hold">
-                            <p:stCondLst>
-                              <p:cond delay="500"/>
-                            </p:stCondLst>
-                            <p:childTnLst>
-                              <p:par>
-                                <p:cTn id="53" presetID="10" presetClass="entr" presetSubtype="0" fill="hold" nodeType="afterEffect">
-                                  <p:stCondLst>
-                                    <p:cond delay="0"/>
-                                  </p:stCondLst>
-                                  <p:childTnLst>
-                                    <p:set>
-                                      <p:cBhvr>
-                                        <p:cTn id="54" dur="1" fill="hold">
-                                          <p:stCondLst>
-                                            <p:cond delay="0"/>
-                                          </p:stCondLst>
-                                        </p:cTn>
-                                        <p:tgtEl>
-                                          <p:spTgt spid="21"/>
-                                        </p:tgtEl>
-                                        <p:attrNameLst>
-                                          <p:attrName>style.visibility</p:attrName>
-                                        </p:attrNameLst>
-                                      </p:cBhvr>
-                                      <p:to>
-                                        <p:strVal val="visible"/>
-                                      </p:to>
-                                    </p:set>
-                                    <p:animEffect transition="in" filter="fade">
-                                      <p:cBhvr>
-                                        <p:cTn id="55" dur="500"/>
-                                        <p:tgtEl>
-                                          <p:spTgt spid="21"/>
-                                        </p:tgtEl>
-                                      </p:cBhvr>
-                                    </p:animEffect>
-                                  </p:childTnLst>
-                                </p:cTn>
-                              </p:par>
-                            </p:childTnLst>
-                          </p:cTn>
-                        </p:par>
-                        <p:par>
-                          <p:cTn id="56" fill="hold">
-                            <p:stCondLst>
-                              <p:cond delay="1000"/>
-                            </p:stCondLst>
-                            <p:childTnLst>
-                              <p:par>
-                                <p:cTn id="57" presetID="10" presetClass="entr" presetSubtype="0" fill="hold" nodeType="afterEffect">
-                                  <p:stCondLst>
-                                    <p:cond delay="0"/>
-                                  </p:stCondLst>
-                                  <p:childTnLst>
-                                    <p:set>
-                                      <p:cBhvr>
-                                        <p:cTn id="58" dur="1" fill="hold">
-                                          <p:stCondLst>
-                                            <p:cond delay="0"/>
-                                          </p:stCondLst>
-                                        </p:cTn>
-                                        <p:tgtEl>
-                                          <p:spTgt spid="24"/>
-                                        </p:tgtEl>
-                                        <p:attrNameLst>
-                                          <p:attrName>style.visibility</p:attrName>
-                                        </p:attrNameLst>
-                                      </p:cBhvr>
-                                      <p:to>
-                                        <p:strVal val="visible"/>
-                                      </p:to>
-                                    </p:set>
-                                    <p:animEffect transition="in" filter="fade">
-                                      <p:cBhvr>
-                                        <p:cTn id="59" dur="500"/>
-                                        <p:tgtEl>
-                                          <p:spTgt spid="24"/>
-                                        </p:tgtEl>
-                                      </p:cBhvr>
-                                    </p:animEffect>
-                                  </p:childTnLst>
-                                </p:cTn>
-                              </p:par>
-                            </p:childTnLst>
-                          </p:cTn>
-                        </p:par>
-                        <p:par>
-                          <p:cTn id="60" fill="hold">
-                            <p:stCondLst>
-                              <p:cond delay="1500"/>
-                            </p:stCondLst>
-                            <p:childTnLst>
-                              <p:par>
-                                <p:cTn id="61" presetID="10" presetClass="entr" presetSubtype="0" fill="hold" nodeType="afterEffect">
-                                  <p:stCondLst>
-                                    <p:cond delay="0"/>
-                                  </p:stCondLst>
-                                  <p:childTnLst>
-                                    <p:set>
-                                      <p:cBhvr>
-                                        <p:cTn id="62" dur="1" fill="hold">
-                                          <p:stCondLst>
-                                            <p:cond delay="0"/>
-                                          </p:stCondLst>
-                                        </p:cTn>
-                                        <p:tgtEl>
-                                          <p:spTgt spid="33"/>
-                                        </p:tgtEl>
-                                        <p:attrNameLst>
-                                          <p:attrName>style.visibility</p:attrName>
-                                        </p:attrNameLst>
-                                      </p:cBhvr>
-                                      <p:to>
-                                        <p:strVal val="visible"/>
-                                      </p:to>
-                                    </p:set>
-                                    <p:animEffect transition="in" filter="fade">
-                                      <p:cBhvr>
-                                        <p:cTn id="63" dur="500"/>
-                                        <p:tgtEl>
-                                          <p:spTgt spid="33"/>
-                                        </p:tgtEl>
-                                      </p:cBhvr>
-                                    </p:animEffect>
-                                  </p:childTnLst>
-                                </p:cTn>
-                              </p:par>
-                            </p:childTnLst>
-                          </p:cTn>
-                        </p:par>
-                      </p:childTnLst>
-                    </p:cTn>
-                  </p:par>
-                  <p:par>
-                    <p:cTn id="64" fill="hold">
-                      <p:stCondLst>
-                        <p:cond delay="indefinite"/>
-                      </p:stCondLst>
-                      <p:childTnLst>
-                        <p:par>
-                          <p:cTn id="65" fill="hold">
-                            <p:stCondLst>
-                              <p:cond delay="0"/>
-                            </p:stCondLst>
-                            <p:childTnLst>
-                              <p:par>
-                                <p:cTn id="66" presetID="10" presetClass="entr" presetSubtype="0" fill="hold" grpId="0" nodeType="clickEffect">
-                                  <p:stCondLst>
-                                    <p:cond delay="0"/>
-                                  </p:stCondLst>
-                                  <p:childTnLst>
-                                    <p:set>
-                                      <p:cBhvr>
-                                        <p:cTn id="67" dur="1" fill="hold">
-                                          <p:stCondLst>
-                                            <p:cond delay="0"/>
-                                          </p:stCondLst>
-                                        </p:cTn>
-                                        <p:tgtEl>
-                                          <p:spTgt spid="13"/>
-                                        </p:tgtEl>
-                                        <p:attrNameLst>
-                                          <p:attrName>style.visibility</p:attrName>
-                                        </p:attrNameLst>
-                                      </p:cBhvr>
-                                      <p:to>
-                                        <p:strVal val="visible"/>
-                                      </p:to>
-                                    </p:set>
-                                    <p:animEffect transition="in" filter="fade">
-                                      <p:cBhvr>
-                                        <p:cTn id="68" dur="500"/>
-                                        <p:tgtEl>
-                                          <p:spTgt spid="13"/>
-                                        </p:tgtEl>
-                                      </p:cBhvr>
-                                    </p:animEffect>
-                                  </p:childTnLst>
-                                </p:cTn>
-                              </p:par>
-                            </p:childTnLst>
-                          </p:cTn>
-                        </p:par>
-                        <p:par>
-                          <p:cTn id="69" fill="hold">
-                            <p:stCondLst>
-                              <p:cond delay="500"/>
-                            </p:stCondLst>
-                            <p:childTnLst>
-                              <p:par>
-                                <p:cTn id="70" presetID="10" presetClass="entr" presetSubtype="0" fill="hold" nodeType="afterEffect">
-                                  <p:stCondLst>
-                                    <p:cond delay="0"/>
-                                  </p:stCondLst>
-                                  <p:childTnLst>
-                                    <p:set>
-                                      <p:cBhvr>
-                                        <p:cTn id="71" dur="1" fill="hold">
-                                          <p:stCondLst>
-                                            <p:cond delay="0"/>
-                                          </p:stCondLst>
-                                        </p:cTn>
-                                        <p:tgtEl>
-                                          <p:spTgt spid="27"/>
-                                        </p:tgtEl>
-                                        <p:attrNameLst>
-                                          <p:attrName>style.visibility</p:attrName>
-                                        </p:attrNameLst>
-                                      </p:cBhvr>
-                                      <p:to>
-                                        <p:strVal val="visible"/>
-                                      </p:to>
-                                    </p:set>
-                                    <p:animEffect transition="in" filter="fade">
-                                      <p:cBhvr>
-                                        <p:cTn id="72" dur="500"/>
-                                        <p:tgtEl>
-                                          <p:spTgt spid="27"/>
-                                        </p:tgtEl>
-                                      </p:cBhvr>
-                                    </p:animEffect>
-                                  </p:childTnLst>
-                                </p:cTn>
-                              </p:par>
-                            </p:childTnLst>
-                          </p:cTn>
-                        </p:par>
-                        <p:par>
-                          <p:cTn id="73" fill="hold">
-                            <p:stCondLst>
-                              <p:cond delay="1000"/>
-                            </p:stCondLst>
-                            <p:childTnLst>
-                              <p:par>
-                                <p:cTn id="74" presetID="10" presetClass="entr" presetSubtype="0" fill="hold" nodeType="afterEffect">
-                                  <p:stCondLst>
-                                    <p:cond delay="0"/>
-                                  </p:stCondLst>
-                                  <p:childTnLst>
-                                    <p:set>
-                                      <p:cBhvr>
-                                        <p:cTn id="75" dur="1" fill="hold">
-                                          <p:stCondLst>
-                                            <p:cond delay="0"/>
-                                          </p:stCondLst>
-                                        </p:cTn>
-                                        <p:tgtEl>
-                                          <p:spTgt spid="36"/>
-                                        </p:tgtEl>
-                                        <p:attrNameLst>
-                                          <p:attrName>style.visibility</p:attrName>
-                                        </p:attrNameLst>
-                                      </p:cBhvr>
-                                      <p:to>
-                                        <p:strVal val="visible"/>
-                                      </p:to>
-                                    </p:set>
-                                    <p:animEffect transition="in" filter="fade">
-                                      <p:cBhvr>
-                                        <p:cTn id="76" dur="500"/>
-                                        <p:tgtEl>
-                                          <p:spTgt spid="36"/>
+                                          <p:spTgt spid="6"/>
                                         </p:tgtEl>
                                       </p:cBhvr>
                                     </p:animEffect>
@@ -15314,147 +17298,10 @@
       </p:par>
     </p:tnLst>
     <p:bldLst>
-      <p:bldP spid="3" grpId="0" animBg="1"/>
-      <p:bldP spid="8" grpId="0" animBg="1"/>
-      <p:bldP spid="9" grpId="0" animBg="1"/>
-      <p:bldP spid="10" grpId="0" animBg="1"/>
-      <p:bldP spid="11" grpId="0" animBg="1"/>
-      <p:bldP spid="4" grpId="0" animBg="1"/>
-      <p:bldP spid="13" grpId="0" animBg="1"/>
-      <p:bldP spid="14" grpId="0" animBg="1"/>
-      <p:bldP spid="15" grpId="0" animBg="1"/>
+      <p:bldP spid="4" grpId="0"/>
+      <p:bldP spid="6" grpId="0"/>
     </p:bldLst>
   </p:timing>
-</p:sld>
-</file>
-
-<file path=ppt/slides/slide4.xml><?xml version="1.0" encoding="utf-8"?>
-<p:sld xmlns:a="http://schemas.openxmlformats.org/drawingml/2006/main" xmlns:r="http://schemas.openxmlformats.org/officeDocument/2006/relationships" xmlns:p="http://schemas.openxmlformats.org/presentationml/2006/main">
-  <p:cSld>
-    <p:spTree>
-      <p:nvGrpSpPr>
-        <p:cNvPr id="1" name=""/>
-        <p:cNvGrpSpPr/>
-        <p:nvPr/>
-      </p:nvGrpSpPr>
-      <p:grpSpPr>
-        <a:xfrm>
-          <a:off x="0" y="0"/>
-          <a:ext cx="0" cy="0"/>
-          <a:chOff x="0" y="0"/>
-          <a:chExt cx="0" cy="0"/>
-        </a:xfrm>
-      </p:grpSpPr>
-      <p:sp>
-        <p:nvSpPr>
-          <p:cNvPr id="2" name="Text Placeholder 1"/>
-          <p:cNvSpPr>
-            <a:spLocks noGrp="1"/>
-          </p:cNvSpPr>
-          <p:nvPr>
-            <p:ph type="body" sz="quarter" idx="11"/>
-          </p:nvPr>
-        </p:nvSpPr>
-        <p:spPr/>
-        <p:txBody>
-          <a:bodyPr/>
-          <a:lstStyle/>
-          <a:p>
-            <a:r>
-              <a:rPr lang="en-US"/>
-              <a:t>SRP Single Responsibility Principle</a:t>
-            </a:r>
-          </a:p>
-          <a:p>
-            <a:endParaRPr lang="en-US"/>
-          </a:p>
-          <a:p>
-            <a:endParaRPr lang="en-US" dirty="0"/>
-          </a:p>
-        </p:txBody>
-      </p:sp>
-      <p:sp>
-        <p:nvSpPr>
-          <p:cNvPr id="5" name="TextBox 4"/>
-          <p:cNvSpPr txBox="1"/>
-          <p:nvPr/>
-        </p:nvSpPr>
-        <p:spPr>
-          <a:xfrm>
-            <a:off x="519112" y="2149605"/>
-            <a:ext cx="8210747" cy="2800767"/>
-          </a:xfrm>
-          <a:prstGeom prst="rect">
-            <a:avLst/>
-          </a:prstGeom>
-          <a:noFill/>
-        </p:spPr>
-        <p:txBody>
-          <a:bodyPr wrap="square" rtlCol="0">
-            <a:spAutoFit/>
-          </a:bodyPr>
-          <a:lstStyle/>
-          <a:p>
-            <a:endParaRPr lang="en-GB" sz="1600" dirty="0">
-              <a:latin typeface="Chronicle Display" pitchFamily="50" charset="0"/>
-            </a:endParaRPr>
-          </a:p>
-          <a:p>
-            <a:r>
-              <a:rPr lang="en-GB" sz="2400" b="1" i="1" dirty="0">
-                <a:latin typeface="Chronicle Display" pitchFamily="50" charset="0"/>
-              </a:rPr>
-              <a:t>Class should have one and only one reason to change, meaning a class should have only one job.</a:t>
-            </a:r>
-          </a:p>
-          <a:p>
-            <a:endParaRPr lang="en-GB" sz="1600" b="1" i="1" dirty="0">
-              <a:latin typeface="Chronicle Display" pitchFamily="50" charset="0"/>
-            </a:endParaRPr>
-          </a:p>
-          <a:p>
-            <a:endParaRPr lang="en-GB" sz="1600" dirty="0">
-              <a:latin typeface="Chronicle Display" pitchFamily="50" charset="0"/>
-            </a:endParaRPr>
-          </a:p>
-          <a:p>
-            <a:r>
-              <a:rPr lang="en-GB" sz="1600" dirty="0">
-                <a:latin typeface="Chronicle Display" pitchFamily="50" charset="0"/>
-              </a:rPr>
-              <a:t>If a class has more then one responsibility, then the responsibilities become coupled. Changes to one responsibility may inhibit the class ability to meet the others.</a:t>
-            </a:r>
-          </a:p>
-          <a:p>
-            <a:endParaRPr lang="en-GB" sz="1600" dirty="0">
-              <a:latin typeface="Chronicle Display" pitchFamily="50" charset="0"/>
-            </a:endParaRPr>
-          </a:p>
-          <a:p>
-            <a:r>
-              <a:rPr lang="en-GB" sz="1600" dirty="0">
-                <a:latin typeface="Chronicle Display" pitchFamily="50" charset="0"/>
-              </a:rPr>
-              <a:t>The hardest thing is to detect the responsibilities of a class according with the reason to change</a:t>
-            </a:r>
-          </a:p>
-          <a:p>
-            <a:endParaRPr lang="en-GB" sz="1600" dirty="0">
-              <a:latin typeface="Chronicle Display" pitchFamily="50" charset="0"/>
-            </a:endParaRPr>
-          </a:p>
-        </p:txBody>
-      </p:sp>
-    </p:spTree>
-    <p:extLst>
-      <p:ext uri="{BB962C8B-B14F-4D97-AF65-F5344CB8AC3E}">
-        <p14:creationId xmlns:p14="http://schemas.microsoft.com/office/powerpoint/2010/main" val="1699204522"/>
-      </p:ext>
-    </p:extLst>
-  </p:cSld>
-  <p:clrMapOvr>
-    <a:masterClrMapping/>
-  </p:clrMapOvr>
 </p:sld>
 </file>
 
@@ -15496,10 +17343,18 @@
           <a:lstStyle/>
           <a:p>
             <a:r>
-              <a:rPr lang="en-US" dirty="0" err="1"/>
+              <a:rPr lang="en-US" dirty="0" err="1">
+                <a:solidFill>
+                  <a:schemeClr val="bg1"/>
+                </a:solidFill>
+              </a:rPr>
               <a:t>Deployability</a:t>
             </a:r>
-            <a:endParaRPr lang="en-US" dirty="0"/>
+            <a:endParaRPr lang="en-US" dirty="0">
+              <a:solidFill>
+                <a:schemeClr val="bg1"/>
+              </a:solidFill>
+            </a:endParaRPr>
           </a:p>
         </p:txBody>
       </p:sp>
@@ -15532,12 +17387,28 @@
           <a:lstStyle/>
           <a:p>
             <a:r>
-              <a:rPr lang="en-GB" dirty="0" err="1"/>
+              <a:rPr lang="en-GB" dirty="0" err="1">
+                <a:solidFill>
+                  <a:schemeClr val="bg1"/>
+                </a:solidFill>
+              </a:rPr>
               <a:t>Deployability</a:t>
             </a:r>
             <a:r>
-              <a:rPr lang="en-GB" sz="1600" dirty="0"/>
-              <a:t> is ON YOU</a:t>
+              <a:rPr lang="en-GB" sz="1600" dirty="0">
+                <a:solidFill>
+                  <a:schemeClr val="bg1"/>
+                </a:solidFill>
+              </a:rPr>
+              <a:t> is </a:t>
+            </a:r>
+            <a:r>
+              <a:rPr lang="en-GB" sz="1600" b="1" i="1" dirty="0">
+                <a:solidFill>
+                  <a:schemeClr val="bg1"/>
+                </a:solidFill>
+              </a:rPr>
+              <a:t>ON YOU</a:t>
             </a:r>
           </a:p>
         </p:txBody>
@@ -15571,10 +17442,18 @@
           <a:lstStyle/>
           <a:p>
             <a:r>
-              <a:rPr lang="en-US" dirty="0"/>
+              <a:rPr lang="en-US" dirty="0">
+                <a:solidFill>
+                  <a:schemeClr val="bg1"/>
+                </a:solidFill>
+              </a:rPr>
               <a:t>For microservice developers, there are critical design decisions that go beyond the software design as module, dependencies, patterns, etc.</a:t>
             </a:r>
-            <a:endParaRPr lang="en-GB" sz="1600" dirty="0"/>
+            <a:endParaRPr lang="en-GB" sz="1600" dirty="0">
+              <a:solidFill>
+                <a:schemeClr val="bg1"/>
+              </a:solidFill>
+            </a:endParaRPr>
           </a:p>
         </p:txBody>
       </p:sp>
@@ -15607,26 +17486,50 @@
           <a:lstStyle/>
           <a:p>
             <a:r>
-              <a:rPr lang="en-US" dirty="0"/>
+              <a:rPr lang="en-US" dirty="0">
+                <a:solidFill>
+                  <a:schemeClr val="bg1"/>
+                </a:solidFill>
+              </a:rPr>
               <a:t>The realm of technology and design decisions that here we’re calling </a:t>
             </a:r>
             <a:r>
-              <a:rPr lang="en-US" b="1" i="1" dirty="0"/>
+              <a:rPr lang="en-US" b="1" i="1" dirty="0">
+                <a:solidFill>
+                  <a:schemeClr val="bg1"/>
+                </a:solidFill>
+              </a:rPr>
               <a:t>"</a:t>
             </a:r>
             <a:r>
-              <a:rPr lang="en-US" b="1" i="1" dirty="0" err="1"/>
+              <a:rPr lang="en-US" b="1" i="1" dirty="0" err="1">
+                <a:solidFill>
+                  <a:schemeClr val="bg1"/>
+                </a:solidFill>
+              </a:rPr>
               <a:t>deployability</a:t>
             </a:r>
             <a:r>
-              <a:rPr lang="en-US" b="1" i="1" dirty="0"/>
+              <a:rPr lang="en-US" b="1" i="1" dirty="0">
+                <a:solidFill>
+                  <a:schemeClr val="bg1"/>
+                </a:solidFill>
+              </a:rPr>
               <a:t>"</a:t>
             </a:r>
             <a:r>
-              <a:rPr lang="en-US" dirty="0"/>
+              <a:rPr lang="en-US" dirty="0">
+                <a:solidFill>
+                  <a:schemeClr val="bg1"/>
+                </a:solidFill>
+              </a:rPr>
               <a:t> has become critical to the success of microservices</a:t>
             </a:r>
-            <a:endParaRPr lang="en-GB" sz="1600" dirty="0"/>
+            <a:endParaRPr lang="en-GB" sz="1600" dirty="0">
+              <a:solidFill>
+                <a:schemeClr val="bg1"/>
+              </a:solidFill>
+            </a:endParaRPr>
           </a:p>
         </p:txBody>
       </p:sp>
@@ -15659,10 +17562,18 @@
           <a:lstStyle/>
           <a:p>
             <a:r>
-              <a:rPr lang="en-US" dirty="0"/>
+              <a:rPr lang="en-US" b="1" dirty="0">
+                <a:solidFill>
+                  <a:schemeClr val="bg1"/>
+                </a:solidFill>
+              </a:rPr>
               <a:t>The main reason is the simple fact that microservices dramatically increases the number of deployment units</a:t>
             </a:r>
-            <a:endParaRPr lang="en-GB" sz="1600" dirty="0"/>
+            <a:endParaRPr lang="en-GB" sz="1600" b="1" dirty="0">
+              <a:solidFill>
+                <a:schemeClr val="bg1"/>
+              </a:solidFill>
+            </a:endParaRPr>
           </a:p>
         </p:txBody>
       </p:sp>
@@ -15695,7 +17606,11 @@
           <a:lstStyle/>
           <a:p>
             <a:r>
-              <a:rPr lang="en-GB" dirty="0"/>
+              <a:rPr lang="en-GB" dirty="0">
+                <a:solidFill>
+                  <a:schemeClr val="bg1"/>
+                </a:solidFill>
+              </a:rPr>
               <a:t>One of the most important key for a success microservice architecture</a:t>
             </a:r>
           </a:p>
@@ -16054,10 +17969,18 @@
           <a:lstStyle/>
           <a:p>
             <a:r>
-              <a:rPr lang="en-US" dirty="0" err="1"/>
+              <a:rPr lang="en-US" dirty="0" err="1">
+                <a:solidFill>
+                  <a:schemeClr val="bg1"/>
+                </a:solidFill>
+              </a:rPr>
               <a:t>Deployability</a:t>
             </a:r>
-            <a:endParaRPr lang="en-US" dirty="0"/>
+            <a:endParaRPr lang="en-US" dirty="0">
+              <a:solidFill>
+                <a:schemeClr val="bg1"/>
+              </a:solidFill>
+            </a:endParaRPr>
           </a:p>
         </p:txBody>
       </p:sp>
@@ -16090,14 +18013,26 @@
           <a:lstStyle/>
           <a:p>
             <a:r>
-              <a:rPr lang="en-US" b="1" dirty="0"/>
+              <a:rPr lang="en-US" b="1" dirty="0">
+                <a:solidFill>
+                  <a:schemeClr val="bg1"/>
+                </a:solidFill>
+              </a:rPr>
               <a:t>Scaling microservices in and out</a:t>
             </a:r>
             <a:r>
-              <a:rPr lang="en-US" dirty="0"/>
+              <a:rPr lang="en-US" dirty="0">
+                <a:solidFill>
+                  <a:schemeClr val="bg1"/>
+                </a:solidFill>
+              </a:rPr>
               <a:t>, or migrating them from one runtime environment to another</a:t>
             </a:r>
-            <a:endParaRPr lang="en-GB" sz="1600" dirty="0"/>
+            <a:endParaRPr lang="en-GB" sz="1600" dirty="0">
+              <a:solidFill>
+                <a:schemeClr val="bg1"/>
+              </a:solidFill>
+            </a:endParaRPr>
           </a:p>
         </p:txBody>
       </p:sp>
@@ -16130,18 +18065,34 @@
           <a:lstStyle/>
           <a:p>
             <a:r>
-              <a:rPr lang="en-US" dirty="0"/>
+              <a:rPr lang="en-US" dirty="0">
+                <a:solidFill>
+                  <a:schemeClr val="bg1"/>
+                </a:solidFill>
+              </a:rPr>
               <a:t>Expediting the </a:t>
             </a:r>
             <a:r>
-              <a:rPr lang="en-US" b="1" dirty="0"/>
+              <a:rPr lang="en-US" b="1" dirty="0">
+                <a:solidFill>
+                  <a:schemeClr val="bg1"/>
+                </a:solidFill>
+              </a:rPr>
               <a:t>commit + build + test + deploy</a:t>
             </a:r>
             <a:r>
-              <a:rPr lang="en-US" dirty="0"/>
+              <a:rPr lang="en-US" dirty="0">
+                <a:solidFill>
+                  <a:schemeClr val="bg1"/>
+                </a:solidFill>
+              </a:rPr>
               <a:t> process.</a:t>
             </a:r>
-            <a:endParaRPr lang="en-GB" sz="1600" dirty="0"/>
+            <a:endParaRPr lang="en-GB" sz="1600" dirty="0">
+              <a:solidFill>
+                <a:schemeClr val="bg1"/>
+              </a:solidFill>
+            </a:endParaRPr>
           </a:p>
         </p:txBody>
       </p:sp>
@@ -16174,14 +18125,26 @@
           <a:lstStyle/>
           <a:p>
             <a:r>
-              <a:rPr lang="en-US" b="1" dirty="0"/>
+              <a:rPr lang="en-US" b="1" dirty="0">
+                <a:solidFill>
+                  <a:schemeClr val="bg1"/>
+                </a:solidFill>
+              </a:rPr>
               <a:t>Minimizing downtime </a:t>
             </a:r>
             <a:r>
-              <a:rPr lang="en-US" dirty="0"/>
+              <a:rPr lang="en-US" dirty="0">
+                <a:solidFill>
+                  <a:schemeClr val="bg1"/>
+                </a:solidFill>
+              </a:rPr>
               <a:t>for replacing the current version.</a:t>
             </a:r>
-            <a:endParaRPr lang="en-GB" sz="1600" dirty="0"/>
+            <a:endParaRPr lang="en-GB" sz="1600" dirty="0">
+              <a:solidFill>
+                <a:schemeClr val="bg1"/>
+              </a:solidFill>
+            </a:endParaRPr>
           </a:p>
         </p:txBody>
       </p:sp>
@@ -16214,14 +18177,26 @@
           <a:lstStyle/>
           <a:p>
             <a:r>
-              <a:rPr lang="en-US" b="1" dirty="0"/>
+              <a:rPr lang="en-US" b="1" dirty="0">
+                <a:solidFill>
+                  <a:schemeClr val="bg1"/>
+                </a:solidFill>
+              </a:rPr>
               <a:t>Synchronizing version </a:t>
             </a:r>
             <a:r>
-              <a:rPr lang="en-US" dirty="0"/>
+              <a:rPr lang="en-US" dirty="0">
+                <a:solidFill>
+                  <a:schemeClr val="bg1"/>
+                </a:solidFill>
+              </a:rPr>
               <a:t>changes of related software.</a:t>
             </a:r>
-            <a:endParaRPr lang="en-GB" sz="1600" dirty="0"/>
+            <a:endParaRPr lang="en-GB" sz="1600" dirty="0">
+              <a:solidFill>
+                <a:schemeClr val="bg1"/>
+              </a:solidFill>
+            </a:endParaRPr>
           </a:p>
         </p:txBody>
       </p:sp>
@@ -16254,14 +18229,26 @@
           <a:lstStyle/>
           <a:p>
             <a:r>
-              <a:rPr lang="en-US" b="1" dirty="0"/>
+              <a:rPr lang="en-US" b="1" dirty="0">
+                <a:solidFill>
+                  <a:schemeClr val="bg1"/>
+                </a:solidFill>
+              </a:rPr>
               <a:t>Configuring the runtime infrastructure</a:t>
             </a:r>
             <a:r>
-              <a:rPr lang="en-US" dirty="0"/>
+              <a:rPr lang="en-US" dirty="0">
+                <a:solidFill>
+                  <a:schemeClr val="bg1"/>
+                </a:solidFill>
+              </a:rPr>
               <a:t>, which includes containers, pods, clusters, persistence, security, and networking</a:t>
             </a:r>
-            <a:endParaRPr lang="en-GB" dirty="0"/>
+            <a:endParaRPr lang="en-GB" dirty="0">
+              <a:solidFill>
+                <a:schemeClr val="bg1"/>
+              </a:solidFill>
+            </a:endParaRPr>
           </a:p>
         </p:txBody>
       </p:sp>
@@ -16294,11 +18281,19 @@
           <a:lstStyle/>
           <a:p>
             <a:r>
-              <a:rPr lang="en-GB" sz="2800" dirty="0" err="1"/>
+              <a:rPr lang="en-GB" sz="2800" dirty="0" err="1">
+                <a:solidFill>
+                  <a:schemeClr val="bg1"/>
+                </a:solidFill>
+              </a:rPr>
               <a:t>Deployability</a:t>
             </a:r>
             <a:r>
-              <a:rPr lang="en-GB" sz="2800" dirty="0"/>
+              <a:rPr lang="en-GB" sz="2800" dirty="0">
+                <a:solidFill>
+                  <a:schemeClr val="bg1"/>
+                </a:solidFill>
+              </a:rPr>
               <a:t> involves… </a:t>
             </a:r>
           </a:p>
@@ -16333,14 +18328,26 @@
           <a:lstStyle/>
           <a:p>
             <a:r>
-              <a:rPr lang="en-US" b="1" dirty="0"/>
+              <a:rPr lang="en-US" b="1" dirty="0">
+                <a:solidFill>
+                  <a:schemeClr val="bg1"/>
+                </a:solidFill>
+              </a:rPr>
               <a:t>Monitoring the health </a:t>
             </a:r>
             <a:r>
-              <a:rPr lang="en-US" dirty="0"/>
+              <a:rPr lang="en-US" dirty="0">
+                <a:solidFill>
+                  <a:schemeClr val="bg1"/>
+                </a:solidFill>
+              </a:rPr>
               <a:t>of the microservices to quickly identify and remedy faults.</a:t>
             </a:r>
-            <a:endParaRPr lang="en-GB" sz="1600" dirty="0"/>
+            <a:endParaRPr lang="en-GB" sz="1600" dirty="0">
+              <a:solidFill>
+                <a:schemeClr val="bg1"/>
+              </a:solidFill>
+            </a:endParaRPr>
           </a:p>
         </p:txBody>
       </p:sp>
@@ -16751,10 +18758,18 @@
           <a:lstStyle/>
           <a:p>
             <a:r>
-              <a:rPr lang="en-US" dirty="0" err="1"/>
+              <a:rPr lang="en-US" dirty="0" err="1">
+                <a:solidFill>
+                  <a:schemeClr val="bg1"/>
+                </a:solidFill>
+              </a:rPr>
               <a:t>Deployability</a:t>
             </a:r>
-            <a:endParaRPr lang="en-US" dirty="0"/>
+            <a:endParaRPr lang="en-US" dirty="0">
+              <a:solidFill>
+                <a:schemeClr val="bg1"/>
+              </a:solidFill>
+            </a:endParaRPr>
           </a:p>
         </p:txBody>
       </p:sp>
@@ -16787,26 +18802,50 @@
           <a:lstStyle/>
           <a:p>
             <a:r>
-              <a:rPr lang="it-IT" b="1" dirty="0" err="1"/>
+              <a:rPr lang="it-IT" b="1" dirty="0" err="1">
+                <a:solidFill>
+                  <a:schemeClr val="bg1"/>
+                </a:solidFill>
+              </a:rPr>
               <a:t>Containerization</a:t>
             </a:r>
             <a:r>
-              <a:rPr lang="it-IT" b="1" dirty="0"/>
+              <a:rPr lang="it-IT" b="1" dirty="0">
+                <a:solidFill>
+                  <a:schemeClr val="bg1"/>
+                </a:solidFill>
+              </a:rPr>
               <a:t> and container </a:t>
             </a:r>
             <a:r>
-              <a:rPr lang="it-IT" b="1" dirty="0" err="1"/>
+              <a:rPr lang="it-IT" b="1" dirty="0" err="1">
+                <a:solidFill>
+                  <a:schemeClr val="bg1"/>
+                </a:solidFill>
+              </a:rPr>
               <a:t>orchestration</a:t>
             </a:r>
             <a:r>
-              <a:rPr lang="it-IT" b="1" dirty="0"/>
+              <a:rPr lang="it-IT" b="1" dirty="0">
+                <a:solidFill>
+                  <a:schemeClr val="bg1"/>
+                </a:solidFill>
+              </a:rPr>
               <a:t> </a:t>
             </a:r>
             <a:r>
-              <a:rPr lang="it-IT" dirty="0"/>
+              <a:rPr lang="it-IT" dirty="0">
+                <a:solidFill>
+                  <a:schemeClr val="bg1"/>
+                </a:solidFill>
+              </a:rPr>
               <a:t>(CRI, K8s)</a:t>
             </a:r>
-            <a:endParaRPr lang="en-GB" sz="1600" dirty="0"/>
+            <a:endParaRPr lang="en-GB" sz="1600" dirty="0">
+              <a:solidFill>
+                <a:schemeClr val="bg1"/>
+              </a:solidFill>
+            </a:endParaRPr>
           </a:p>
         </p:txBody>
       </p:sp>
@@ -16839,34 +18878,66 @@
           <a:lstStyle/>
           <a:p>
             <a:r>
-              <a:rPr lang="it-IT" b="1" dirty="0"/>
+              <a:rPr lang="it-IT" b="1" dirty="0">
+                <a:solidFill>
+                  <a:schemeClr val="bg1"/>
+                </a:solidFill>
+              </a:rPr>
               <a:t>Service mesh </a:t>
             </a:r>
             <a:r>
-              <a:rPr lang="it-IT" dirty="0"/>
+              <a:rPr lang="it-IT" dirty="0">
+                <a:solidFill>
+                  <a:schemeClr val="bg1"/>
+                </a:solidFill>
+              </a:rPr>
               <a:t>(</a:t>
             </a:r>
             <a:r>
-              <a:rPr lang="en-US" dirty="0" err="1"/>
+              <a:rPr lang="en-US" dirty="0" err="1">
+                <a:solidFill>
+                  <a:schemeClr val="bg1"/>
+                </a:solidFill>
+              </a:rPr>
               <a:t>Istio</a:t>
             </a:r>
             <a:r>
-              <a:rPr lang="en-US" dirty="0"/>
+              <a:rPr lang="en-US" dirty="0">
+                <a:solidFill>
+                  <a:schemeClr val="bg1"/>
+                </a:solidFill>
+              </a:rPr>
               <a:t>, </a:t>
             </a:r>
             <a:r>
-              <a:rPr lang="en-US" dirty="0" err="1"/>
+              <a:rPr lang="en-US" dirty="0" err="1">
+                <a:solidFill>
+                  <a:schemeClr val="bg1"/>
+                </a:solidFill>
+              </a:rPr>
               <a:t>Linkerd</a:t>
             </a:r>
             <a:r>
-              <a:rPr lang="en-US" dirty="0"/>
+              <a:rPr lang="en-US" dirty="0">
+                <a:solidFill>
+                  <a:schemeClr val="bg1"/>
+                </a:solidFill>
+              </a:rPr>
               <a:t>, and Consul Connect</a:t>
             </a:r>
             <a:r>
-              <a:rPr lang="it-IT" dirty="0"/>
+              <a:rPr lang="it-IT" dirty="0">
+                <a:solidFill>
+                  <a:schemeClr val="bg1"/>
+                </a:solidFill>
+              </a:rPr>
               <a:t>)</a:t>
             </a:r>
-            <a:endParaRPr lang="en-GB" sz="1600" dirty="0"/>
+            <a:endParaRPr lang="en-GB" sz="1600" dirty="0">
+              <a:solidFill>
+                <a:schemeClr val="bg1"/>
+              </a:solidFill>
+            </a:endParaRPr>
           </a:p>
         </p:txBody>
       </p:sp>
@@ -16899,30 +18970,58 @@
           <a:lstStyle/>
           <a:p>
             <a:r>
-              <a:rPr lang="it-IT" b="1" dirty="0"/>
+              <a:rPr lang="it-IT" b="1" dirty="0">
+                <a:solidFill>
+                  <a:schemeClr val="bg1"/>
+                </a:solidFill>
+              </a:rPr>
               <a:t>API gateway </a:t>
             </a:r>
             <a:r>
-              <a:rPr lang="it-IT" dirty="0"/>
+              <a:rPr lang="it-IT" dirty="0">
+                <a:solidFill>
+                  <a:schemeClr val="bg1"/>
+                </a:solidFill>
+              </a:rPr>
               <a:t>(</a:t>
             </a:r>
             <a:r>
-              <a:rPr lang="en-US" dirty="0"/>
+              <a:rPr lang="en-US" dirty="0">
+                <a:solidFill>
+                  <a:schemeClr val="bg1"/>
+                </a:solidFill>
+              </a:rPr>
               <a:t>Kong, </a:t>
             </a:r>
             <a:r>
-              <a:rPr lang="en-US" dirty="0" err="1"/>
+              <a:rPr lang="en-US" dirty="0" err="1">
+                <a:solidFill>
+                  <a:schemeClr val="bg1"/>
+                </a:solidFill>
+              </a:rPr>
               <a:t>Apiman</a:t>
             </a:r>
             <a:r>
-              <a:rPr lang="en-US" dirty="0"/>
+              <a:rPr lang="en-US" dirty="0">
+                <a:solidFill>
+                  <a:schemeClr val="bg1"/>
+                </a:solidFill>
+              </a:rPr>
               <a:t>, WSO2 API Manager, Apigee, and Amazon API Gateway</a:t>
             </a:r>
             <a:r>
-              <a:rPr lang="it-IT" dirty="0"/>
+              <a:rPr lang="it-IT" dirty="0">
+                <a:solidFill>
+                  <a:schemeClr val="bg1"/>
+                </a:solidFill>
+              </a:rPr>
               <a:t>)</a:t>
             </a:r>
-            <a:endParaRPr lang="en-GB" sz="1600" dirty="0"/>
+            <a:endParaRPr lang="en-GB" sz="1600" dirty="0">
+              <a:solidFill>
+                <a:schemeClr val="bg1"/>
+              </a:solidFill>
+            </a:endParaRPr>
           </a:p>
         </p:txBody>
       </p:sp>
@@ -16955,34 +19054,66 @@
           <a:lstStyle/>
           <a:p>
             <a:r>
-              <a:rPr lang="it-IT" b="1" dirty="0" err="1"/>
+              <a:rPr lang="it-IT" b="1" dirty="0" err="1">
+                <a:solidFill>
+                  <a:schemeClr val="bg1"/>
+                </a:solidFill>
+              </a:rPr>
               <a:t>Serverless</a:t>
             </a:r>
             <a:r>
-              <a:rPr lang="it-IT" b="1" dirty="0"/>
+              <a:rPr lang="it-IT" b="1" dirty="0">
+                <a:solidFill>
+                  <a:schemeClr val="bg1"/>
+                </a:solidFill>
+              </a:rPr>
               <a:t> </a:t>
             </a:r>
             <a:r>
-              <a:rPr lang="it-IT" b="1" dirty="0" err="1"/>
+              <a:rPr lang="it-IT" b="1" dirty="0" err="1">
+                <a:solidFill>
+                  <a:schemeClr val="bg1"/>
+                </a:solidFill>
+              </a:rPr>
               <a:t>architecture</a:t>
             </a:r>
             <a:r>
-              <a:rPr lang="it-IT" dirty="0"/>
+              <a:rPr lang="it-IT" dirty="0">
+                <a:solidFill>
+                  <a:schemeClr val="bg1"/>
+                </a:solidFill>
+              </a:rPr>
               <a:t> (</a:t>
             </a:r>
             <a:r>
-              <a:rPr lang="en-US" dirty="0" err="1"/>
+              <a:rPr lang="en-US" dirty="0" err="1">
+                <a:solidFill>
+                  <a:schemeClr val="bg1"/>
+                </a:solidFill>
+              </a:rPr>
               <a:t>Knative</a:t>
             </a:r>
             <a:r>
-              <a:rPr lang="en-US" dirty="0"/>
+              <a:rPr lang="en-US" dirty="0">
+                <a:solidFill>
+                  <a:schemeClr val="bg1"/>
+                </a:solidFill>
+              </a:rPr>
               <a:t>, AWS Lambda, Az Functions, GC Functions </a:t>
             </a:r>
             <a:r>
-              <a:rPr lang="it-IT" dirty="0"/>
+              <a:rPr lang="it-IT" dirty="0">
+                <a:solidFill>
+                  <a:schemeClr val="bg1"/>
+                </a:solidFill>
+              </a:rPr>
               <a:t>)</a:t>
             </a:r>
-            <a:endParaRPr lang="en-GB" sz="1600" dirty="0"/>
+            <a:endParaRPr lang="en-GB" sz="1600" dirty="0">
+              <a:solidFill>
+                <a:schemeClr val="bg1"/>
+              </a:solidFill>
+            </a:endParaRPr>
           </a:p>
         </p:txBody>
       </p:sp>
@@ -17015,14 +19146,26 @@
           <a:lstStyle/>
           <a:p>
             <a:r>
-              <a:rPr lang="en-US" b="1" i="1" dirty="0"/>
+              <a:rPr lang="en-US" b="1" i="1" dirty="0">
+                <a:solidFill>
+                  <a:schemeClr val="bg1"/>
+                </a:solidFill>
+              </a:rPr>
               <a:t>Automation is the key to effective </a:t>
             </a:r>
             <a:r>
-              <a:rPr lang="en-US" b="1" i="1" dirty="0" err="1"/>
+              <a:rPr lang="en-US" b="1" i="1" dirty="0" err="1">
+                <a:solidFill>
+                  <a:schemeClr val="bg1"/>
+                </a:solidFill>
+              </a:rPr>
               <a:t>deployability</a:t>
             </a:r>
-            <a:endParaRPr lang="en-GB" b="1" i="1" dirty="0"/>
+            <a:endParaRPr lang="en-GB" b="1" i="1" dirty="0">
+              <a:solidFill>
+                <a:schemeClr val="bg1"/>
+              </a:solidFill>
+            </a:endParaRPr>
           </a:p>
         </p:txBody>
       </p:sp>
@@ -17055,14 +19198,26 @@
           <a:lstStyle/>
           <a:p>
             <a:r>
-              <a:rPr lang="en-GB" sz="2800" dirty="0"/>
+              <a:rPr lang="en-GB" sz="2800" dirty="0">
+                <a:solidFill>
+                  <a:schemeClr val="bg1"/>
+                </a:solidFill>
+              </a:rPr>
               <a:t>Achieving good </a:t>
             </a:r>
             <a:r>
-              <a:rPr lang="en-GB" sz="2800" dirty="0" err="1"/>
+              <a:rPr lang="en-GB" sz="2800" dirty="0" err="1">
+                <a:solidFill>
+                  <a:schemeClr val="bg1"/>
+                </a:solidFill>
+              </a:rPr>
               <a:t>deployability</a:t>
             </a:r>
-            <a:endParaRPr lang="en-GB" sz="2800" dirty="0"/>
+            <a:endParaRPr lang="en-GB" sz="2800" dirty="0">
+              <a:solidFill>
+                <a:schemeClr val="bg1"/>
+              </a:solidFill>
+            </a:endParaRPr>
           </a:p>
         </p:txBody>
       </p:sp>
@@ -17095,30 +19250,58 @@
           <a:lstStyle/>
           <a:p>
             <a:r>
-              <a:rPr lang="it-IT" b="1" dirty="0"/>
+              <a:rPr lang="it-IT" b="1" dirty="0">
+                <a:solidFill>
+                  <a:schemeClr val="bg1"/>
+                </a:solidFill>
+              </a:rPr>
               <a:t>Monitoring </a:t>
             </a:r>
             <a:r>
-              <a:rPr lang="it-IT" b="1" dirty="0" err="1"/>
+              <a:rPr lang="it-IT" b="1" dirty="0" err="1">
+                <a:solidFill>
+                  <a:schemeClr val="bg1"/>
+                </a:solidFill>
+              </a:rPr>
               <a:t>tools</a:t>
             </a:r>
             <a:r>
-              <a:rPr lang="it-IT" b="1" dirty="0"/>
+              <a:rPr lang="it-IT" b="1" dirty="0">
+                <a:solidFill>
+                  <a:schemeClr val="bg1"/>
+                </a:solidFill>
+              </a:rPr>
               <a:t> </a:t>
             </a:r>
             <a:r>
-              <a:rPr lang="it-IT" dirty="0"/>
+              <a:rPr lang="it-IT" dirty="0">
+                <a:solidFill>
+                  <a:schemeClr val="bg1"/>
+                </a:solidFill>
+              </a:rPr>
               <a:t>(</a:t>
             </a:r>
             <a:r>
-              <a:rPr lang="en-US" dirty="0"/>
+              <a:rPr lang="en-US" dirty="0">
+                <a:solidFill>
+                  <a:schemeClr val="bg1"/>
+                </a:solidFill>
+              </a:rPr>
               <a:t>CloudWatch, Datadog, Prometheus, and Grafana</a:t>
             </a:r>
             <a:r>
-              <a:rPr lang="it-IT" dirty="0"/>
+              <a:rPr lang="it-IT" dirty="0">
+                <a:solidFill>
+                  <a:schemeClr val="bg1"/>
+                </a:solidFill>
+              </a:rPr>
               <a:t>)</a:t>
             </a:r>
-            <a:endParaRPr lang="en-GB" sz="1600" dirty="0"/>
+            <a:endParaRPr lang="en-GB" sz="1600" dirty="0">
+              <a:solidFill>
+                <a:schemeClr val="bg1"/>
+              </a:solidFill>
+            </a:endParaRPr>
           </a:p>
         </p:txBody>
       </p:sp>
@@ -17151,50 +19334,98 @@
           <a:lstStyle/>
           <a:p>
             <a:r>
-              <a:rPr lang="it-IT" b="1" dirty="0"/>
+              <a:rPr lang="it-IT" b="1" dirty="0">
+                <a:solidFill>
+                  <a:schemeClr val="bg1"/>
+                </a:solidFill>
+              </a:rPr>
               <a:t>Log </a:t>
             </a:r>
             <a:r>
-              <a:rPr lang="it-IT" b="1" dirty="0" err="1"/>
+              <a:rPr lang="it-IT" b="1" dirty="0" err="1">
+                <a:solidFill>
+                  <a:schemeClr val="bg1"/>
+                </a:solidFill>
+              </a:rPr>
               <a:t>consolidation</a:t>
             </a:r>
             <a:r>
-              <a:rPr lang="it-IT" b="1" dirty="0"/>
+              <a:rPr lang="it-IT" b="1" dirty="0">
+                <a:solidFill>
+                  <a:schemeClr val="bg1"/>
+                </a:solidFill>
+              </a:rPr>
               <a:t> </a:t>
             </a:r>
             <a:r>
-              <a:rPr lang="it-IT" b="1" dirty="0" err="1"/>
+              <a:rPr lang="it-IT" b="1" dirty="0" err="1">
+                <a:solidFill>
+                  <a:schemeClr val="bg1"/>
+                </a:solidFill>
+              </a:rPr>
               <a:t>tools</a:t>
             </a:r>
             <a:r>
-              <a:rPr lang="it-IT" b="1" dirty="0"/>
+              <a:rPr lang="it-IT" b="1" dirty="0">
+                <a:solidFill>
+                  <a:schemeClr val="bg1"/>
+                </a:solidFill>
+              </a:rPr>
               <a:t> </a:t>
             </a:r>
             <a:r>
-              <a:rPr lang="it-IT" dirty="0"/>
+              <a:rPr lang="it-IT" dirty="0">
+                <a:solidFill>
+                  <a:schemeClr val="bg1"/>
+                </a:solidFill>
+              </a:rPr>
               <a:t>(</a:t>
             </a:r>
             <a:r>
-              <a:rPr lang="en-US" dirty="0" err="1"/>
+              <a:rPr lang="en-US" dirty="0" err="1">
+                <a:solidFill>
+                  <a:schemeClr val="bg1"/>
+                </a:solidFill>
+              </a:rPr>
               <a:t>Fluentd</a:t>
             </a:r>
             <a:r>
-              <a:rPr lang="en-US" dirty="0"/>
+              <a:rPr lang="en-US" dirty="0">
+                <a:solidFill>
+                  <a:schemeClr val="bg1"/>
+                </a:solidFill>
+              </a:rPr>
               <a:t>, </a:t>
             </a:r>
             <a:r>
-              <a:rPr lang="en-US" dirty="0" err="1"/>
+              <a:rPr lang="en-US" dirty="0" err="1">
+                <a:solidFill>
+                  <a:schemeClr val="bg1"/>
+                </a:solidFill>
+              </a:rPr>
               <a:t>Graylog</a:t>
             </a:r>
             <a:r>
-              <a:rPr lang="en-US" dirty="0"/>
+              <a:rPr lang="en-US" dirty="0">
+                <a:solidFill>
+                  <a:schemeClr val="bg1"/>
+                </a:solidFill>
+              </a:rPr>
               <a:t>, Splunk, and ELK</a:t>
             </a:r>
             <a:r>
-              <a:rPr lang="it-IT" dirty="0"/>
+              <a:rPr lang="it-IT" dirty="0">
+                <a:solidFill>
+                  <a:schemeClr val="bg1"/>
+                </a:solidFill>
+              </a:rPr>
               <a:t>)</a:t>
             </a:r>
-            <a:endParaRPr lang="en-GB" sz="1600" dirty="0"/>
+            <a:endParaRPr lang="en-GB" sz="1600" dirty="0">
+              <a:solidFill>
+                <a:schemeClr val="bg1"/>
+              </a:solidFill>
+            </a:endParaRPr>
           </a:p>
         </p:txBody>
       </p:sp>
@@ -17227,38 +19458,74 @@
           <a:lstStyle/>
           <a:p>
             <a:r>
-              <a:rPr lang="it-IT" b="1" dirty="0" err="1"/>
+              <a:rPr lang="it-IT" b="1" dirty="0" err="1">
+                <a:solidFill>
+                  <a:schemeClr val="bg1"/>
+                </a:solidFill>
+              </a:rPr>
               <a:t>Tracing</a:t>
             </a:r>
             <a:r>
-              <a:rPr lang="it-IT" b="1" dirty="0"/>
+              <a:rPr lang="it-IT" b="1" dirty="0">
+                <a:solidFill>
+                  <a:schemeClr val="bg1"/>
+                </a:solidFill>
+              </a:rPr>
               <a:t> </a:t>
             </a:r>
             <a:r>
-              <a:rPr lang="it-IT" b="1" dirty="0" err="1"/>
+              <a:rPr lang="it-IT" b="1" dirty="0" err="1">
+                <a:solidFill>
+                  <a:schemeClr val="bg1"/>
+                </a:solidFill>
+              </a:rPr>
               <a:t>tools</a:t>
             </a:r>
             <a:r>
-              <a:rPr lang="it-IT" b="1" dirty="0"/>
+              <a:rPr lang="it-IT" b="1" dirty="0">
+                <a:solidFill>
+                  <a:schemeClr val="bg1"/>
+                </a:solidFill>
+              </a:rPr>
               <a:t> </a:t>
             </a:r>
             <a:r>
-              <a:rPr lang="it-IT" dirty="0"/>
+              <a:rPr lang="it-IT" dirty="0">
+                <a:solidFill>
+                  <a:schemeClr val="bg1"/>
+                </a:solidFill>
+              </a:rPr>
               <a:t>(</a:t>
             </a:r>
             <a:r>
-              <a:rPr lang="en-US" dirty="0" err="1"/>
+              <a:rPr lang="en-US" dirty="0" err="1">
+                <a:solidFill>
+                  <a:schemeClr val="bg1"/>
+                </a:solidFill>
+              </a:rPr>
               <a:t>Zipkin</a:t>
             </a:r>
             <a:r>
-              <a:rPr lang="en-US" dirty="0"/>
+              <a:rPr lang="en-US" dirty="0">
+                <a:solidFill>
+                  <a:schemeClr val="bg1"/>
+                </a:solidFill>
+              </a:rPr>
               <a:t>, Jaeger, and AWS X-Ray</a:t>
             </a:r>
             <a:r>
-              <a:rPr lang="it-IT" dirty="0"/>
+              <a:rPr lang="it-IT" dirty="0">
+                <a:solidFill>
+                  <a:schemeClr val="bg1"/>
+                </a:solidFill>
+              </a:rPr>
               <a:t>)</a:t>
             </a:r>
-            <a:endParaRPr lang="en-GB" sz="1600" dirty="0"/>
+            <a:endParaRPr lang="en-GB" sz="1600" dirty="0">
+              <a:solidFill>
+                <a:schemeClr val="bg1"/>
+              </a:solidFill>
+            </a:endParaRPr>
           </a:p>
         </p:txBody>
       </p:sp>
@@ -17777,10 +20044,18 @@
           <a:lstStyle/>
           <a:p>
             <a:r>
-              <a:rPr lang="en-US" dirty="0" err="1"/>
+              <a:rPr lang="en-US" dirty="0" err="1">
+                <a:solidFill>
+                  <a:schemeClr val="bg1"/>
+                </a:solidFill>
+              </a:rPr>
               <a:t>Deployability</a:t>
             </a:r>
-            <a:endParaRPr lang="en-US" dirty="0"/>
+            <a:endParaRPr lang="en-US" dirty="0">
+              <a:solidFill>
+                <a:schemeClr val="bg1"/>
+              </a:solidFill>
+            </a:endParaRPr>
           </a:p>
         </p:txBody>
       </p:sp>
@@ -17813,14 +20088,26 @@
           <a:lstStyle/>
           <a:p>
             <a:r>
-              <a:rPr lang="en-GB" sz="2800" dirty="0"/>
+              <a:rPr lang="en-GB" sz="2800" dirty="0">
+                <a:solidFill>
+                  <a:schemeClr val="bg1"/>
+                </a:solidFill>
+              </a:rPr>
               <a:t>Achieving good </a:t>
             </a:r>
             <a:r>
-              <a:rPr lang="en-GB" sz="2800" dirty="0" err="1"/>
+              <a:rPr lang="en-GB" sz="2800" dirty="0" err="1">
+                <a:solidFill>
+                  <a:schemeClr val="bg1"/>
+                </a:solidFill>
+              </a:rPr>
               <a:t>deployability</a:t>
             </a:r>
-            <a:endParaRPr lang="en-GB" sz="2800" dirty="0"/>
+            <a:endParaRPr lang="en-GB" sz="2800" dirty="0">
+              <a:solidFill>
+                <a:schemeClr val="bg1"/>
+              </a:solidFill>
+            </a:endParaRPr>
           </a:p>
         </p:txBody>
       </p:sp>
@@ -17853,10 +20140,18 @@
           <a:lstStyle/>
           <a:p>
             <a:r>
-              <a:rPr lang="it-IT" b="1" dirty="0" err="1"/>
+              <a:rPr lang="it-IT" b="1" dirty="0" err="1">
+                <a:solidFill>
+                  <a:schemeClr val="bg1"/>
+                </a:solidFill>
+              </a:rPr>
               <a:t>DevOps</a:t>
             </a:r>
-            <a:endParaRPr lang="en-GB" sz="1600" dirty="0"/>
+            <a:endParaRPr lang="en-GB" sz="1600" dirty="0">
+              <a:solidFill>
+                <a:schemeClr val="bg1"/>
+              </a:solidFill>
+            </a:endParaRPr>
           </a:p>
         </p:txBody>
       </p:sp>
@@ -17889,10 +20184,18 @@
           <a:lstStyle/>
           <a:p>
             <a:r>
-              <a:rPr lang="en-US" b="1" dirty="0"/>
+              <a:rPr lang="en-US" b="1" dirty="0">
+                <a:solidFill>
+                  <a:schemeClr val="bg1"/>
+                </a:solidFill>
+              </a:rPr>
               <a:t>Blue-green deployment and canary releasing</a:t>
             </a:r>
-            <a:endParaRPr lang="en-GB" sz="1600" dirty="0"/>
+            <a:endParaRPr lang="en-GB" sz="1600" dirty="0">
+              <a:solidFill>
+                <a:schemeClr val="bg1"/>
+              </a:solidFill>
+            </a:endParaRPr>
           </a:p>
         </p:txBody>
       </p:sp>
@@ -17925,50 +20228,98 @@
           <a:lstStyle/>
           <a:p>
             <a:r>
-              <a:rPr lang="it-IT" b="1" dirty="0" err="1"/>
+              <a:rPr lang="it-IT" b="1" dirty="0" err="1">
+                <a:solidFill>
+                  <a:schemeClr val="bg1"/>
+                </a:solidFill>
+              </a:rPr>
               <a:t>Infrastructure</a:t>
             </a:r>
             <a:r>
-              <a:rPr lang="it-IT" b="1" dirty="0"/>
+              <a:rPr lang="it-IT" b="1" dirty="0">
+                <a:solidFill>
+                  <a:schemeClr val="bg1"/>
+                </a:solidFill>
+              </a:rPr>
               <a:t> </a:t>
             </a:r>
             <a:r>
-              <a:rPr lang="it-IT" b="1" dirty="0" err="1"/>
+              <a:rPr lang="it-IT" b="1" dirty="0" err="1">
+                <a:solidFill>
+                  <a:schemeClr val="bg1"/>
+                </a:solidFill>
+              </a:rPr>
               <a:t>as</a:t>
             </a:r>
             <a:r>
-              <a:rPr lang="it-IT" b="1" dirty="0"/>
+              <a:rPr lang="it-IT" b="1" dirty="0">
+                <a:solidFill>
+                  <a:schemeClr val="bg1"/>
+                </a:solidFill>
+              </a:rPr>
               <a:t> Code (</a:t>
             </a:r>
             <a:r>
-              <a:rPr lang="it-IT" b="1" dirty="0" err="1"/>
+              <a:rPr lang="it-IT" b="1" dirty="0" err="1">
+                <a:solidFill>
+                  <a:schemeClr val="bg1"/>
+                </a:solidFill>
+              </a:rPr>
               <a:t>IaC</a:t>
             </a:r>
             <a:r>
-              <a:rPr lang="it-IT" b="1" dirty="0"/>
+              <a:rPr lang="it-IT" b="1" dirty="0">
+                <a:solidFill>
+                  <a:schemeClr val="bg1"/>
+                </a:solidFill>
+              </a:rPr>
               <a:t>) </a:t>
             </a:r>
             <a:r>
-              <a:rPr lang="it-IT" sz="1600" dirty="0"/>
+              <a:rPr lang="it-IT" sz="1600" dirty="0">
+                <a:solidFill>
+                  <a:schemeClr val="bg1"/>
+                </a:solidFill>
+              </a:rPr>
               <a:t>(</a:t>
             </a:r>
             <a:r>
-              <a:rPr lang="it-IT" sz="1600" dirty="0" err="1"/>
+              <a:rPr lang="it-IT" sz="1600" dirty="0" err="1">
+                <a:solidFill>
+                  <a:schemeClr val="bg1"/>
+                </a:solidFill>
+              </a:rPr>
               <a:t>Terraform</a:t>
             </a:r>
             <a:r>
-              <a:rPr lang="it-IT" sz="1600" dirty="0"/>
+              <a:rPr lang="it-IT" sz="1600" dirty="0">
+                <a:solidFill>
+                  <a:schemeClr val="bg1"/>
+                </a:solidFill>
+              </a:rPr>
               <a:t>, </a:t>
             </a:r>
             <a:r>
-              <a:rPr lang="it-IT" sz="1600" dirty="0" err="1"/>
+              <a:rPr lang="it-IT" sz="1600" dirty="0" err="1">
+                <a:solidFill>
+                  <a:schemeClr val="bg1"/>
+                </a:solidFill>
+              </a:rPr>
               <a:t>Pulumi</a:t>
             </a:r>
             <a:r>
-              <a:rPr lang="it-IT" sz="1600" dirty="0"/>
+              <a:rPr lang="it-IT" sz="1600" dirty="0">
+                <a:solidFill>
+                  <a:schemeClr val="bg1"/>
+                </a:solidFill>
+              </a:rPr>
               <a:t>, AWS CDK)</a:t>
             </a:r>
-            <a:endParaRPr lang="en-GB" sz="1600" dirty="0"/>
+            <a:endParaRPr lang="en-GB" sz="1600" dirty="0">
+              <a:solidFill>
+                <a:schemeClr val="bg1"/>
+              </a:solidFill>
+            </a:endParaRPr>
           </a:p>
         </p:txBody>
       </p:sp>
@@ -18001,14 +20352,26 @@
           <a:lstStyle/>
           <a:p>
             <a:r>
-              <a:rPr lang="it-IT" b="1" dirty="0" err="1"/>
+              <a:rPr lang="it-IT" b="1" dirty="0" err="1">
+                <a:solidFill>
+                  <a:schemeClr val="bg1"/>
+                </a:solidFill>
+              </a:rPr>
               <a:t>Continuous</a:t>
             </a:r>
             <a:r>
-              <a:rPr lang="it-IT" b="1" dirty="0"/>
+              <a:rPr lang="it-IT" b="1" dirty="0">
+                <a:solidFill>
+                  <a:schemeClr val="bg1"/>
+                </a:solidFill>
+              </a:rPr>
               <a:t> delivery</a:t>
             </a:r>
-            <a:endParaRPr lang="en-GB" sz="1600" dirty="0"/>
+            <a:endParaRPr lang="en-GB" sz="1600" dirty="0">
+              <a:solidFill>
+                <a:schemeClr val="bg1"/>
+              </a:solidFill>
+            </a:endParaRPr>
           </a:p>
         </p:txBody>
       </p:sp>
@@ -18041,18 +20404,34 @@
           <a:lstStyle/>
           <a:p>
             <a:r>
-              <a:rPr lang="it-IT" b="1" dirty="0" err="1"/>
+              <a:rPr lang="it-IT" b="1" dirty="0" err="1">
+                <a:solidFill>
+                  <a:schemeClr val="bg1"/>
+                </a:solidFill>
+              </a:rPr>
               <a:t>Externalized</a:t>
             </a:r>
             <a:r>
-              <a:rPr lang="it-IT" b="1" dirty="0"/>
+              <a:rPr lang="it-IT" b="1" dirty="0">
+                <a:solidFill>
+                  <a:schemeClr val="bg1"/>
+                </a:solidFill>
+              </a:rPr>
               <a:t> </a:t>
             </a:r>
             <a:r>
-              <a:rPr lang="it-IT" b="1" dirty="0" err="1"/>
+              <a:rPr lang="it-IT" b="1" dirty="0" err="1">
+                <a:solidFill>
+                  <a:schemeClr val="bg1"/>
+                </a:solidFill>
+              </a:rPr>
               <a:t>configuration</a:t>
             </a:r>
-            <a:endParaRPr lang="en-GB" sz="1600" dirty="0"/>
+            <a:endParaRPr lang="en-GB" sz="1600" dirty="0">
+              <a:solidFill>
+                <a:schemeClr val="bg1"/>
+              </a:solidFill>
+            </a:endParaRPr>
           </a:p>
         </p:txBody>
       </p:sp>
@@ -18085,38 +20464,74 @@
           <a:lstStyle/>
           <a:p>
             <a:r>
-              <a:rPr lang="it-IT" b="1" dirty="0"/>
+              <a:rPr lang="it-IT" b="1" dirty="0">
+                <a:solidFill>
+                  <a:schemeClr val="bg1"/>
+                </a:solidFill>
+              </a:rPr>
               <a:t>Progressive delivery </a:t>
             </a:r>
             <a:r>
-              <a:rPr lang="it-IT" dirty="0"/>
+              <a:rPr lang="it-IT" dirty="0">
+                <a:solidFill>
+                  <a:schemeClr val="bg1"/>
+                </a:solidFill>
+              </a:rPr>
               <a:t>(</a:t>
             </a:r>
             <a:r>
-              <a:rPr lang="it-IT" dirty="0" err="1"/>
+              <a:rPr lang="it-IT" dirty="0" err="1">
+                <a:solidFill>
+                  <a:schemeClr val="bg1"/>
+                </a:solidFill>
+              </a:rPr>
               <a:t>GitOps</a:t>
             </a:r>
             <a:r>
-              <a:rPr lang="it-IT" dirty="0"/>
+              <a:rPr lang="it-IT" dirty="0">
+                <a:solidFill>
+                  <a:schemeClr val="bg1"/>
+                </a:solidFill>
+              </a:rPr>
               <a:t>, </a:t>
             </a:r>
             <a:r>
-              <a:rPr lang="it-IT" dirty="0" err="1"/>
+              <a:rPr lang="it-IT" dirty="0" err="1">
+                <a:solidFill>
+                  <a:schemeClr val="bg1"/>
+                </a:solidFill>
+              </a:rPr>
               <a:t>Flux</a:t>
             </a:r>
             <a:r>
-              <a:rPr lang="it-IT" dirty="0"/>
+              <a:rPr lang="it-IT" dirty="0">
+                <a:solidFill>
+                  <a:schemeClr val="bg1"/>
+                </a:solidFill>
+              </a:rPr>
               <a:t>, </a:t>
             </a:r>
             <a:r>
-              <a:rPr lang="it-IT" dirty="0" err="1"/>
+              <a:rPr lang="it-IT" dirty="0" err="1">
+                <a:solidFill>
+                  <a:schemeClr val="bg1"/>
+                </a:solidFill>
+              </a:rPr>
               <a:t>Flagger</a:t>
             </a:r>
             <a:r>
-              <a:rPr lang="it-IT" dirty="0"/>
+              <a:rPr lang="it-IT" dirty="0">
+                <a:solidFill>
+                  <a:schemeClr val="bg1"/>
+                </a:solidFill>
+              </a:rPr>
               <a:t>)</a:t>
             </a:r>
-            <a:endParaRPr lang="en-GB" sz="1600" dirty="0"/>
+            <a:endParaRPr lang="en-GB" sz="1600" dirty="0">
+              <a:solidFill>
+                <a:schemeClr val="bg1"/>
+              </a:solidFill>
+            </a:endParaRPr>
           </a:p>
         </p:txBody>
       </p:sp>
@@ -18527,10 +20942,18 @@
           <a:lstStyle/>
           <a:p>
             <a:r>
-              <a:rPr lang="en-US" dirty="0" err="1"/>
+              <a:rPr lang="en-US" dirty="0" err="1">
+                <a:solidFill>
+                  <a:schemeClr val="bg1"/>
+                </a:solidFill>
+              </a:rPr>
               <a:t>Deployability</a:t>
             </a:r>
-            <a:endParaRPr lang="en-US" dirty="0"/>
+            <a:endParaRPr lang="en-US" dirty="0">
+              <a:solidFill>
+                <a:schemeClr val="bg1"/>
+              </a:solidFill>
+            </a:endParaRPr>
           </a:p>
         </p:txBody>
       </p:sp>
@@ -18563,7 +20986,11 @@
           <a:lstStyle/>
           <a:p>
             <a:r>
-              <a:rPr lang="en-GB" sz="2800" dirty="0"/>
+              <a:rPr lang="en-GB" sz="2800" dirty="0">
+                <a:solidFill>
+                  <a:schemeClr val="bg1"/>
+                </a:solidFill>
+              </a:rPr>
               <a:t>CI/CD Push</a:t>
             </a:r>
           </a:p>
@@ -19530,10 +21957,18 @@
           <a:lstStyle/>
           <a:p>
             <a:r>
-              <a:rPr lang="en-US" dirty="0" err="1"/>
+              <a:rPr lang="en-US" dirty="0" err="1">
+                <a:solidFill>
+                  <a:schemeClr val="bg1"/>
+                </a:solidFill>
+              </a:rPr>
               <a:t>Deployability</a:t>
             </a:r>
-            <a:endParaRPr lang="en-US" dirty="0"/>
+            <a:endParaRPr lang="en-US" dirty="0">
+              <a:solidFill>
+                <a:schemeClr val="bg1"/>
+              </a:solidFill>
+            </a:endParaRPr>
           </a:p>
         </p:txBody>
       </p:sp>
@@ -19566,15 +22001,27 @@
           <a:lstStyle/>
           <a:p>
             <a:r>
-              <a:rPr lang="en-GB" sz="2800" dirty="0"/>
+              <a:rPr lang="en-GB" sz="2800" dirty="0">
+                <a:solidFill>
+                  <a:schemeClr val="bg1"/>
+                </a:solidFill>
+              </a:rPr>
               <a:t>CI/CD Pull (</a:t>
             </a:r>
             <a:r>
-              <a:rPr lang="en-GB" sz="2800" dirty="0" err="1"/>
+              <a:rPr lang="en-GB" sz="2800" dirty="0" err="1">
+                <a:solidFill>
+                  <a:schemeClr val="bg1"/>
+                </a:solidFill>
+              </a:rPr>
               <a:t>GitOps</a:t>
             </a:r>
             <a:r>
-              <a:rPr lang="en-GB" sz="2800" dirty="0"/>
+              <a:rPr lang="en-GB" sz="2800" dirty="0">
+                <a:solidFill>
+                  <a:schemeClr val="bg1"/>
+                </a:solidFill>
+              </a:rPr>
               <a:t>)</a:t>
             </a:r>
           </a:p>
@@ -20503,7 +22950,11 @@
           <a:lstStyle/>
           <a:p>
             <a:r>
-              <a:rPr lang="en-US" dirty="0"/>
+              <a:rPr lang="en-US" dirty="0">
+                <a:solidFill>
+                  <a:schemeClr val="bg1"/>
+                </a:solidFill>
+              </a:rPr>
               <a:t>Event-Driven</a:t>
             </a:r>
           </a:p>
@@ -20538,7 +22989,11 @@
           <a:lstStyle/>
           <a:p>
             <a:r>
-              <a:rPr lang="en-GB" sz="1600" dirty="0"/>
+              <a:rPr lang="en-GB" sz="1600" dirty="0">
+                <a:solidFill>
+                  <a:schemeClr val="bg1"/>
+                </a:solidFill>
+              </a:rPr>
               <a:t>Microservices are typically activated using one of these connectors</a:t>
             </a:r>
           </a:p>
@@ -20573,11 +23028,19 @@
           <a:lstStyle/>
           <a:p>
             <a:r>
-              <a:rPr lang="en-GB" sz="1600" b="1" dirty="0"/>
+              <a:rPr lang="en-GB" sz="1600" b="1" dirty="0">
+                <a:solidFill>
+                  <a:schemeClr val="bg1"/>
+                </a:solidFill>
+              </a:rPr>
               <a:t>HTTP call </a:t>
             </a:r>
             <a:r>
-              <a:rPr lang="en-GB" sz="1600" dirty="0"/>
+              <a:rPr lang="en-GB" sz="1600" dirty="0">
+                <a:solidFill>
+                  <a:schemeClr val="bg1"/>
+                </a:solidFill>
+              </a:rPr>
               <a:t>(REST service)</a:t>
             </a:r>
           </a:p>
@@ -20612,19 +23075,35 @@
           <a:lstStyle/>
           <a:p>
             <a:r>
-              <a:rPr lang="en-GB" sz="1600" b="1" dirty="0"/>
+              <a:rPr lang="en-GB" sz="1600" b="1" dirty="0">
+                <a:solidFill>
+                  <a:schemeClr val="bg1"/>
+                </a:solidFill>
+              </a:rPr>
               <a:t>RPC-Like call</a:t>
             </a:r>
             <a:r>
-              <a:rPr lang="en-GB" sz="1600" dirty="0"/>
+              <a:rPr lang="en-GB" sz="1600" dirty="0">
+                <a:solidFill>
+                  <a:schemeClr val="bg1"/>
+                </a:solidFill>
+              </a:rPr>
               <a:t> (</a:t>
             </a:r>
             <a:r>
-              <a:rPr lang="en-GB" sz="1600" dirty="0" err="1"/>
+              <a:rPr lang="en-GB" sz="1600" dirty="0" err="1">
+                <a:solidFill>
+                  <a:schemeClr val="bg1"/>
+                </a:solidFill>
+              </a:rPr>
               <a:t>gRPC</a:t>
             </a:r>
             <a:r>
-              <a:rPr lang="en-GB" sz="1600" dirty="0"/>
+              <a:rPr lang="en-GB" sz="1600" dirty="0">
+                <a:solidFill>
+                  <a:schemeClr val="bg1"/>
+                </a:solidFill>
+              </a:rPr>
               <a:t> service)</a:t>
             </a:r>
           </a:p>
@@ -20659,11 +23138,19 @@
           <a:lstStyle/>
           <a:p>
             <a:r>
-              <a:rPr lang="en-GB" sz="1600" b="1" dirty="0"/>
+              <a:rPr lang="en-GB" sz="1600" b="1" dirty="0">
+                <a:solidFill>
+                  <a:schemeClr val="bg1"/>
+                </a:solidFill>
+              </a:rPr>
               <a:t>Asynchronous messages </a:t>
             </a:r>
             <a:r>
-              <a:rPr lang="en-GB" sz="1600" dirty="0"/>
+              <a:rPr lang="en-GB" sz="1600" dirty="0">
+                <a:solidFill>
+                  <a:schemeClr val="bg1"/>
+                </a:solidFill>
+              </a:rPr>
               <a:t>using message broken</a:t>
             </a:r>
           </a:p>
@@ -20698,7 +23185,11 @@
           <a:lstStyle/>
           <a:p>
             <a:r>
-              <a:rPr lang="en-GB" sz="1600" dirty="0"/>
+              <a:rPr lang="en-GB" sz="1600" dirty="0">
+                <a:solidFill>
+                  <a:schemeClr val="bg1"/>
+                </a:solidFill>
+              </a:rPr>
               <a:t>Using Event-Driven architecture we improve scalability and throughput leveraging on Asynchronous communication</a:t>
             </a:r>
           </a:p>
@@ -20733,7 +23224,11 @@
           <a:lstStyle/>
           <a:p>
             <a:r>
-              <a:rPr lang="en-GB" sz="1600" dirty="0"/>
+              <a:rPr lang="en-GB" sz="1600" dirty="0">
+                <a:solidFill>
+                  <a:schemeClr val="bg1"/>
+                </a:solidFill>
+              </a:rPr>
               <a:t>Using Event-Driven also promotes loose-coupling since message senders and receivers are independent</a:t>
             </a:r>
           </a:p>
@@ -20768,7 +23263,11 @@
           <a:lstStyle/>
           <a:p>
             <a:r>
-              <a:rPr lang="en-GB" sz="1600" dirty="0"/>
+              <a:rPr lang="en-GB" sz="1600" dirty="0">
+                <a:solidFill>
+                  <a:schemeClr val="bg1"/>
+                </a:solidFill>
+              </a:rPr>
               <a:t>Using Event-Driven also improve reliability because message could be stored in the queue if some service fails</a:t>
             </a:r>
           </a:p>
@@ -21181,7 +23680,11 @@
           <a:lstStyle/>
           <a:p>
             <a:r>
-              <a:rPr lang="en-US" dirty="0"/>
+              <a:rPr lang="en-US" dirty="0">
+                <a:solidFill>
+                  <a:schemeClr val="bg1"/>
+                </a:solidFill>
+              </a:rPr>
               <a:t>Availability over Consistency</a:t>
             </a:r>
           </a:p>
@@ -21216,10 +23719,18 @@
           <a:lstStyle/>
           <a:p>
             <a:r>
-              <a:rPr lang="en-US" sz="2000" b="1" i="1" dirty="0"/>
+              <a:rPr lang="en-US" sz="2000" b="1" i="1" dirty="0">
+                <a:solidFill>
+                  <a:schemeClr val="bg1"/>
+                </a:solidFill>
+              </a:rPr>
               <a:t>CAP Theorem</a:t>
             </a:r>
-            <a:endParaRPr lang="en-GB" sz="2000" b="1" i="1" dirty="0"/>
+            <a:endParaRPr lang="en-GB" sz="2000" b="1" i="1" dirty="0">
+              <a:solidFill>
+                <a:schemeClr val="bg1"/>
+              </a:solidFill>
+            </a:endParaRPr>
           </a:p>
         </p:txBody>
       </p:sp>
@@ -21299,7 +23810,11 @@
           <a:lstStyle/>
           <a:p>
             <a:r>
-              <a:rPr lang="en-GB" sz="1600" b="1" i="1" dirty="0"/>
+              <a:rPr lang="en-GB" sz="1600" b="1" i="1" dirty="0">
+                <a:solidFill>
+                  <a:schemeClr val="bg1"/>
+                </a:solidFill>
+              </a:rPr>
               <a:t>“It’s not possible for a distributed data store to simultaneously provide more than two features between Consistency, Availability and Partition tolerance”</a:t>
             </a:r>
           </a:p>
@@ -21486,7 +24001,11 @@
           <a:lstStyle/>
           <a:p>
             <a:r>
-              <a:rPr lang="en-US" dirty="0"/>
+              <a:rPr lang="en-US" dirty="0">
+                <a:solidFill>
+                  <a:schemeClr val="bg1"/>
+                </a:solidFill>
+              </a:rPr>
               <a:t>Availability over Consistency</a:t>
             </a:r>
           </a:p>
@@ -21521,14 +24040,26 @@
           <a:lstStyle/>
           <a:p>
             <a:r>
-              <a:rPr lang="en-US" sz="1600" dirty="0"/>
+              <a:rPr lang="en-US" sz="1600" dirty="0">
+                <a:solidFill>
+                  <a:schemeClr val="bg1"/>
+                </a:solidFill>
+              </a:rPr>
               <a:t>The CAP Theorem gives you two options: </a:t>
             </a:r>
             <a:r>
-              <a:rPr lang="en-US" sz="1600" b="1" dirty="0"/>
+              <a:rPr lang="en-US" sz="1600" b="1" dirty="0">
+                <a:solidFill>
+                  <a:schemeClr val="bg1"/>
+                </a:solidFill>
+              </a:rPr>
               <a:t>availability XOR consistency</a:t>
             </a:r>
-            <a:endParaRPr lang="en-GB" sz="1600" b="1" dirty="0"/>
+            <a:endParaRPr lang="en-GB" sz="1600" b="1" dirty="0">
+              <a:solidFill>
+                <a:schemeClr val="bg1"/>
+              </a:solidFill>
+            </a:endParaRPr>
           </a:p>
         </p:txBody>
       </p:sp>
@@ -21561,14 +24092,26 @@
           <a:lstStyle/>
           <a:p>
             <a:r>
-              <a:rPr lang="en-US" sz="1600" dirty="0"/>
+              <a:rPr lang="en-US" sz="1600" dirty="0">
+                <a:solidFill>
+                  <a:schemeClr val="bg1"/>
+                </a:solidFill>
+              </a:rPr>
               <a:t>For microservices, the main strategy that enables the availability choice is </a:t>
             </a:r>
             <a:r>
-              <a:rPr lang="en-US" sz="1600" b="1" dirty="0"/>
+              <a:rPr lang="en-US" sz="1600" b="1" dirty="0">
+                <a:solidFill>
+                  <a:schemeClr val="bg1"/>
+                </a:solidFill>
+              </a:rPr>
               <a:t>data replication</a:t>
             </a:r>
-            <a:endParaRPr lang="en-GB" sz="1600" b="1" dirty="0"/>
+            <a:endParaRPr lang="en-GB" sz="1600" b="1" dirty="0">
+              <a:solidFill>
+                <a:schemeClr val="bg1"/>
+              </a:solidFill>
+            </a:endParaRPr>
           </a:p>
         </p:txBody>
       </p:sp>
@@ -21601,10 +24144,18 @@
           <a:lstStyle/>
           <a:p>
             <a:r>
-              <a:rPr lang="en-US" sz="1600" b="1" i="1" dirty="0"/>
+              <a:rPr lang="en-US" sz="1600" b="1" i="1" dirty="0">
+                <a:solidFill>
+                  <a:schemeClr val="bg1"/>
+                </a:solidFill>
+              </a:rPr>
               <a:t>Service Data Replications pattern</a:t>
             </a:r>
-            <a:endParaRPr lang="en-GB" sz="1600" b="1" i="1" dirty="0"/>
+            <a:endParaRPr lang="en-GB" sz="1600" b="1" i="1" dirty="0">
+              <a:solidFill>
+                <a:schemeClr val="bg1"/>
+              </a:solidFill>
+            </a:endParaRPr>
           </a:p>
         </p:txBody>
       </p:sp>
@@ -21637,10 +24188,18 @@
           <a:lstStyle/>
           <a:p>
             <a:r>
-              <a:rPr lang="en-US" sz="1600" b="1" i="1" dirty="0"/>
+              <a:rPr lang="en-US" sz="1600" b="1" i="1" dirty="0">
+                <a:solidFill>
+                  <a:schemeClr val="bg1"/>
+                </a:solidFill>
+              </a:rPr>
               <a:t>Command Query Responsibility Segregation CQRS pattern</a:t>
             </a:r>
-            <a:endParaRPr lang="en-GB" sz="1600" b="1" i="1" dirty="0"/>
+            <a:endParaRPr lang="en-GB" sz="1600" b="1" i="1" dirty="0">
+              <a:solidFill>
+                <a:schemeClr val="bg1"/>
+              </a:solidFill>
+            </a:endParaRPr>
           </a:p>
         </p:txBody>
       </p:sp>
@@ -21673,10 +24232,18 @@
           <a:lstStyle/>
           <a:p>
             <a:r>
-              <a:rPr lang="en-US" sz="1600" b="1" i="1" dirty="0"/>
+              <a:rPr lang="en-US" sz="1600" b="1" i="1" dirty="0">
+                <a:solidFill>
+                  <a:schemeClr val="bg1"/>
+                </a:solidFill>
+              </a:rPr>
               <a:t>Event Sourcing pattern</a:t>
             </a:r>
-            <a:endParaRPr lang="en-GB" sz="1600" b="1" i="1" dirty="0"/>
+            <a:endParaRPr lang="en-GB" sz="1600" b="1" i="1" dirty="0">
+              <a:solidFill>
+                <a:schemeClr val="bg1"/>
+              </a:solidFill>
+            </a:endParaRPr>
           </a:p>
         </p:txBody>
       </p:sp>
@@ -22033,7 +24600,11 @@
           <a:lstStyle/>
           <a:p>
             <a:r>
-              <a:rPr lang="en-US" dirty="0"/>
+              <a:rPr lang="en-US" dirty="0">
+                <a:solidFill>
+                  <a:schemeClr val="bg1"/>
+                </a:solidFill>
+              </a:rPr>
               <a:t>Availability over Consistency</a:t>
             </a:r>
           </a:p>
@@ -22862,21 +25433,38 @@
             <p:ph type="body" sz="quarter" idx="11"/>
           </p:nvPr>
         </p:nvSpPr>
-        <p:spPr/>
+        <p:spPr>
+          <a:xfrm>
+            <a:off x="328613" y="1079048"/>
+            <a:ext cx="8401246" cy="703258"/>
+          </a:xfrm>
+        </p:spPr>
         <p:txBody>
           <a:bodyPr/>
           <a:lstStyle/>
           <a:p>
             <a:r>
-              <a:rPr lang="en-US"/>
+              <a:rPr lang="en-US" dirty="0">
+                <a:solidFill>
+                  <a:schemeClr val="bg1"/>
+                </a:solidFill>
+              </a:rPr>
               <a:t>SRP Single Responsibility Principle</a:t>
             </a:r>
           </a:p>
           <a:p>
-            <a:endParaRPr lang="en-US"/>
-          </a:p>
-          <a:p>
-            <a:endParaRPr lang="en-US" dirty="0"/>
+            <a:endParaRPr lang="en-US" dirty="0">
+              <a:solidFill>
+                <a:schemeClr val="bg1"/>
+              </a:solidFill>
+            </a:endParaRPr>
+          </a:p>
+          <a:p>
+            <a:endParaRPr lang="en-US" dirty="0">
+              <a:solidFill>
+                <a:schemeClr val="bg1"/>
+              </a:solidFill>
+            </a:endParaRPr>
           </a:p>
         </p:txBody>
       </p:sp>
@@ -22961,7 +25549,11 @@
           <a:lstStyle/>
           <a:p>
             <a:r>
-              <a:rPr lang="en-US" dirty="0"/>
+              <a:rPr lang="en-US" dirty="0">
+                <a:solidFill>
+                  <a:schemeClr val="bg1"/>
+                </a:solidFill>
+              </a:rPr>
               <a:t>Loose-Coupling</a:t>
             </a:r>
           </a:p>
@@ -22996,10 +25588,18 @@
           <a:lstStyle/>
           <a:p>
             <a:r>
-              <a:rPr lang="en-US" sz="1600" dirty="0"/>
+              <a:rPr lang="en-US" sz="1600" dirty="0">
+                <a:solidFill>
+                  <a:schemeClr val="bg1"/>
+                </a:solidFill>
+              </a:rPr>
               <a:t>In software engineering, coupling refers to the degree of interdependence between two software elements</a:t>
             </a:r>
-            <a:endParaRPr lang="en-GB" sz="1600" dirty="0"/>
+            <a:endParaRPr lang="en-GB" sz="1600" dirty="0">
+              <a:solidFill>
+                <a:schemeClr val="bg1"/>
+              </a:solidFill>
+            </a:endParaRPr>
           </a:p>
         </p:txBody>
       </p:sp>
@@ -23032,10 +25632,18 @@
           <a:lstStyle/>
           <a:p>
             <a:r>
-              <a:rPr lang="en-US" sz="1600" dirty="0"/>
+              <a:rPr lang="en-US" sz="1600" dirty="0">
+                <a:solidFill>
+                  <a:schemeClr val="bg1"/>
+                </a:solidFill>
+              </a:rPr>
               <a:t>Services exposes its functionality through the service contract (json, proto, xml) </a:t>
             </a:r>
-            <a:endParaRPr lang="en-GB" sz="1600" dirty="0"/>
+            <a:endParaRPr lang="en-GB" sz="1600" dirty="0">
+              <a:solidFill>
+                <a:schemeClr val="bg1"/>
+              </a:solidFill>
+            </a:endParaRPr>
           </a:p>
         </p:txBody>
       </p:sp>
@@ -23068,10 +25676,18 @@
           <a:lstStyle/>
           <a:p>
             <a:r>
-              <a:rPr lang="en-US" sz="1600" dirty="0"/>
+              <a:rPr lang="en-US" sz="1600" dirty="0">
+                <a:solidFill>
+                  <a:schemeClr val="bg1"/>
+                </a:solidFill>
+              </a:rPr>
               <a:t>The contract should not be tightly coupled to implementation details or a specific technology</a:t>
             </a:r>
-            <a:endParaRPr lang="en-GB" sz="1600" dirty="0"/>
+            <a:endParaRPr lang="en-GB" sz="1600" dirty="0">
+              <a:solidFill>
+                <a:schemeClr val="bg1"/>
+              </a:solidFill>
+            </a:endParaRPr>
           </a:p>
         </p:txBody>
       </p:sp>
@@ -23104,22 +25720,42 @@
           <a:lstStyle/>
           <a:p>
             <a:r>
-              <a:rPr lang="it-IT" b="1" i="1" dirty="0" err="1"/>
+              <a:rPr lang="it-IT" b="1" i="1" dirty="0" err="1">
+                <a:solidFill>
+                  <a:schemeClr val="bg1"/>
+                </a:solidFill>
+              </a:rPr>
               <a:t>Afferent</a:t>
             </a:r>
             <a:r>
-              <a:rPr lang="it-IT" b="1" i="1" dirty="0"/>
+              <a:rPr lang="it-IT" b="1" i="1" dirty="0">
+                <a:solidFill>
+                  <a:schemeClr val="bg1"/>
+                </a:solidFill>
+              </a:rPr>
               <a:t> </a:t>
             </a:r>
             <a:r>
-              <a:rPr lang="it-IT" b="1" i="1" dirty="0" err="1"/>
+              <a:rPr lang="it-IT" b="1" i="1" dirty="0" err="1">
+                <a:solidFill>
+                  <a:schemeClr val="bg1"/>
+                </a:solidFill>
+              </a:rPr>
               <a:t>coupling</a:t>
             </a:r>
             <a:r>
-              <a:rPr lang="it-IT" b="1" dirty="0"/>
+              <a:rPr lang="it-IT" b="1" dirty="0">
+                <a:solidFill>
+                  <a:schemeClr val="bg1"/>
+                </a:solidFill>
+              </a:rPr>
               <a:t> </a:t>
             </a:r>
-            <a:endParaRPr lang="en-GB" sz="1600" b="1" dirty="0"/>
+            <a:endParaRPr lang="en-GB" sz="1600" b="1" dirty="0">
+              <a:solidFill>
+                <a:schemeClr val="bg1"/>
+              </a:solidFill>
+            </a:endParaRPr>
           </a:p>
         </p:txBody>
       </p:sp>
@@ -23152,22 +25788,42 @@
           <a:lstStyle/>
           <a:p>
             <a:r>
-              <a:rPr lang="it-IT" b="1" i="1" dirty="0" err="1"/>
+              <a:rPr lang="it-IT" b="1" i="1" dirty="0" err="1">
+                <a:solidFill>
+                  <a:schemeClr val="bg1"/>
+                </a:solidFill>
+              </a:rPr>
               <a:t>Efferent</a:t>
             </a:r>
             <a:r>
-              <a:rPr lang="it-IT" b="1" i="1" dirty="0"/>
+              <a:rPr lang="it-IT" b="1" i="1" dirty="0">
+                <a:solidFill>
+                  <a:schemeClr val="bg1"/>
+                </a:solidFill>
+              </a:rPr>
               <a:t> </a:t>
             </a:r>
             <a:r>
-              <a:rPr lang="it-IT" b="1" i="1" dirty="0" err="1"/>
+              <a:rPr lang="it-IT" b="1" i="1" dirty="0" err="1">
+                <a:solidFill>
+                  <a:schemeClr val="bg1"/>
+                </a:solidFill>
+              </a:rPr>
               <a:t>coupling</a:t>
             </a:r>
             <a:r>
-              <a:rPr lang="it-IT" b="1" dirty="0"/>
+              <a:rPr lang="it-IT" b="1" dirty="0">
+                <a:solidFill>
+                  <a:schemeClr val="bg1"/>
+                </a:solidFill>
+              </a:rPr>
               <a:t> </a:t>
             </a:r>
-            <a:endParaRPr lang="en-GB" sz="1600" b="1" dirty="0"/>
+            <a:endParaRPr lang="en-GB" sz="1600" b="1" dirty="0">
+              <a:solidFill>
+                <a:schemeClr val="bg1"/>
+              </a:solidFill>
+            </a:endParaRPr>
           </a:p>
         </p:txBody>
       </p:sp>
@@ -23200,10 +25856,18 @@
           <a:lstStyle/>
           <a:p>
             <a:r>
-              <a:rPr lang="en-US" sz="1600" dirty="0"/>
+              <a:rPr lang="en-US" sz="1600" dirty="0">
+                <a:solidFill>
+                  <a:schemeClr val="bg1"/>
+                </a:solidFill>
+              </a:rPr>
               <a:t>Services often need to interact each other</a:t>
             </a:r>
-            <a:endParaRPr lang="en-GB" sz="1600" dirty="0"/>
+            <a:endParaRPr lang="en-GB" sz="1600" dirty="0">
+              <a:solidFill>
+                <a:schemeClr val="bg1"/>
+              </a:solidFill>
+            </a:endParaRPr>
           </a:p>
         </p:txBody>
       </p:sp>
@@ -23236,10 +25900,18 @@
           <a:lstStyle/>
           <a:p>
             <a:r>
-              <a:rPr lang="en-US" sz="1600" dirty="0"/>
+              <a:rPr lang="en-US" sz="1600" dirty="0">
+                <a:solidFill>
+                  <a:schemeClr val="bg1"/>
+                </a:solidFill>
+              </a:rPr>
               <a:t>The interaction establishes runtime dependencies that directly impact the service autonomy</a:t>
             </a:r>
-            <a:endParaRPr lang="en-GB" sz="1600" dirty="0"/>
+            <a:endParaRPr lang="en-GB" sz="1600" dirty="0">
+              <a:solidFill>
+                <a:schemeClr val="bg1"/>
+              </a:solidFill>
+            </a:endParaRPr>
           </a:p>
         </p:txBody>
       </p:sp>
@@ -23704,7 +26376,11 @@
           <a:lstStyle/>
           <a:p>
             <a:r>
-              <a:rPr lang="en-US" dirty="0"/>
+              <a:rPr lang="en-US" dirty="0">
+                <a:solidFill>
+                  <a:schemeClr val="bg1"/>
+                </a:solidFill>
+              </a:rPr>
               <a:t>Loose-Coupling</a:t>
             </a:r>
           </a:p>
@@ -23739,26 +26415,50 @@
           <a:lstStyle/>
           <a:p>
             <a:r>
-              <a:rPr lang="en-US" sz="1600" dirty="0"/>
+              <a:rPr lang="en-US" sz="1600" dirty="0">
+                <a:solidFill>
+                  <a:schemeClr val="bg1"/>
+                </a:solidFill>
+              </a:rPr>
               <a:t>There are some strategies to promote </a:t>
             </a:r>
             <a:r>
-              <a:rPr lang="en-US" sz="1600" b="1" i="1" dirty="0"/>
+              <a:rPr lang="en-US" sz="1600" b="1" i="1" dirty="0">
+                <a:solidFill>
+                  <a:schemeClr val="bg1"/>
+                </a:solidFill>
+              </a:rPr>
               <a:t>Afferent</a:t>
             </a:r>
             <a:r>
-              <a:rPr lang="en-US" sz="1600" dirty="0"/>
+              <a:rPr lang="en-US" sz="1600" dirty="0">
+                <a:solidFill>
+                  <a:schemeClr val="bg1"/>
+                </a:solidFill>
+              </a:rPr>
               <a:t> and </a:t>
             </a:r>
             <a:r>
-              <a:rPr lang="en-US" sz="1600" b="1" i="1" dirty="0"/>
+              <a:rPr lang="en-US" sz="1600" b="1" i="1" dirty="0">
+                <a:solidFill>
+                  <a:schemeClr val="bg1"/>
+                </a:solidFill>
+              </a:rPr>
               <a:t>Efferent</a:t>
             </a:r>
             <a:r>
-              <a:rPr lang="en-US" sz="1600" dirty="0"/>
+              <a:rPr lang="en-US" sz="1600" dirty="0">
+                <a:solidFill>
+                  <a:schemeClr val="bg1"/>
+                </a:solidFill>
+              </a:rPr>
               <a:t> loose coupling</a:t>
             </a:r>
-            <a:endParaRPr lang="en-GB" sz="1600" dirty="0"/>
+            <a:endParaRPr lang="en-GB" sz="1600" dirty="0">
+              <a:solidFill>
+                <a:schemeClr val="bg1"/>
+              </a:solidFill>
+            </a:endParaRPr>
           </a:p>
         </p:txBody>
       </p:sp>
@@ -23791,50 +26491,98 @@
           <a:lstStyle/>
           <a:p>
             <a:r>
-              <a:rPr lang="it-IT" b="1" i="1" dirty="0" err="1"/>
+              <a:rPr lang="it-IT" b="1" i="1" dirty="0" err="1">
+                <a:solidFill>
+                  <a:schemeClr val="bg1"/>
+                </a:solidFill>
+              </a:rPr>
               <a:t>Point-to-point</a:t>
             </a:r>
             <a:r>
-              <a:rPr lang="it-IT" b="1" i="1" dirty="0"/>
+              <a:rPr lang="it-IT" b="1" i="1" dirty="0">
+                <a:solidFill>
+                  <a:schemeClr val="bg1"/>
+                </a:solidFill>
+              </a:rPr>
               <a:t> and </a:t>
             </a:r>
             <a:r>
-              <a:rPr lang="it-IT" b="1" i="1" dirty="0" err="1"/>
+              <a:rPr lang="it-IT" b="1" i="1" dirty="0" err="1">
+                <a:solidFill>
+                  <a:schemeClr val="bg1"/>
+                </a:solidFill>
+              </a:rPr>
               <a:t>publish-subscribe</a:t>
             </a:r>
             <a:r>
-              <a:rPr lang="it-IT" b="1" i="1" dirty="0"/>
+              <a:rPr lang="it-IT" b="1" i="1" dirty="0">
+                <a:solidFill>
+                  <a:schemeClr val="bg1"/>
+                </a:solidFill>
+              </a:rPr>
               <a:t> </a:t>
             </a:r>
             <a:r>
-              <a:rPr lang="it-IT" sz="1400" dirty="0"/>
+              <a:rPr lang="it-IT" sz="1400" dirty="0">
+                <a:solidFill>
+                  <a:schemeClr val="bg1"/>
+                </a:solidFill>
+              </a:rPr>
               <a:t>(</a:t>
             </a:r>
             <a:r>
-              <a:rPr lang="it-IT" sz="1400" dirty="0" err="1"/>
+              <a:rPr lang="it-IT" sz="1400" dirty="0" err="1">
+                <a:solidFill>
+                  <a:schemeClr val="bg1"/>
+                </a:solidFill>
+              </a:rPr>
               <a:t>message-driven</a:t>
             </a:r>
             <a:r>
-              <a:rPr lang="it-IT" sz="1400" dirty="0"/>
+              <a:rPr lang="it-IT" sz="1400" dirty="0">
+                <a:solidFill>
+                  <a:schemeClr val="bg1"/>
+                </a:solidFill>
+              </a:rPr>
               <a:t> pattern to </a:t>
             </a:r>
             <a:r>
-              <a:rPr lang="it-IT" sz="1400" dirty="0" err="1"/>
+              <a:rPr lang="it-IT" sz="1400" dirty="0" err="1">
+                <a:solidFill>
+                  <a:schemeClr val="bg1"/>
+                </a:solidFill>
+              </a:rPr>
               <a:t>decouple</a:t>
             </a:r>
             <a:r>
-              <a:rPr lang="it-IT" sz="1400" dirty="0"/>
+              <a:rPr lang="it-IT" sz="1400" dirty="0">
+                <a:solidFill>
+                  <a:schemeClr val="bg1"/>
+                </a:solidFill>
+              </a:rPr>
               <a:t> </a:t>
             </a:r>
             <a:r>
-              <a:rPr lang="it-IT" sz="1400" dirty="0" err="1"/>
+              <a:rPr lang="it-IT" sz="1400" dirty="0" err="1">
+                <a:solidFill>
+                  <a:schemeClr val="bg1"/>
+                </a:solidFill>
+              </a:rPr>
               <a:t>senders</a:t>
             </a:r>
             <a:r>
-              <a:rPr lang="it-IT" sz="1400" dirty="0"/>
+              <a:rPr lang="it-IT" sz="1400" dirty="0">
+                <a:solidFill>
+                  <a:schemeClr val="bg1"/>
+                </a:solidFill>
+              </a:rPr>
               <a:t> and receivers)</a:t>
             </a:r>
-            <a:endParaRPr lang="en-GB" sz="1400" b="1" dirty="0"/>
+            <a:endParaRPr lang="en-GB" sz="1400" b="1" dirty="0">
+              <a:solidFill>
+                <a:schemeClr val="bg1"/>
+              </a:solidFill>
+            </a:endParaRPr>
           </a:p>
         </p:txBody>
       </p:sp>
@@ -23867,38 +26615,74 @@
           <a:lstStyle/>
           <a:p>
             <a:r>
-              <a:rPr lang="it-IT" b="1" i="1" dirty="0"/>
+              <a:rPr lang="it-IT" b="1" i="1" dirty="0">
+                <a:solidFill>
+                  <a:schemeClr val="bg1"/>
+                </a:solidFill>
+              </a:rPr>
               <a:t>API gateway and BFF </a:t>
             </a:r>
             <a:r>
-              <a:rPr lang="it-IT" sz="1400" dirty="0"/>
+              <a:rPr lang="it-IT" sz="1400" dirty="0">
+                <a:solidFill>
+                  <a:schemeClr val="bg1"/>
+                </a:solidFill>
+              </a:rPr>
               <a:t>(</a:t>
             </a:r>
             <a:r>
-              <a:rPr lang="it-IT" sz="1400" dirty="0" err="1"/>
+              <a:rPr lang="it-IT" sz="1400" dirty="0" err="1">
+                <a:solidFill>
+                  <a:schemeClr val="bg1"/>
+                </a:solidFill>
+              </a:rPr>
               <a:t>intermediary</a:t>
             </a:r>
             <a:r>
-              <a:rPr lang="it-IT" sz="1400" dirty="0"/>
+              <a:rPr lang="it-IT" sz="1400" dirty="0">
+                <a:solidFill>
+                  <a:schemeClr val="bg1"/>
+                </a:solidFill>
+              </a:rPr>
               <a:t> component to deals with contract </a:t>
             </a:r>
             <a:r>
-              <a:rPr lang="it-IT" sz="1400" dirty="0" err="1"/>
+              <a:rPr lang="it-IT" sz="1400" dirty="0" err="1">
+                <a:solidFill>
+                  <a:schemeClr val="bg1"/>
+                </a:solidFill>
+              </a:rPr>
               <a:t>between</a:t>
             </a:r>
             <a:r>
-              <a:rPr lang="it-IT" sz="1400" dirty="0"/>
+              <a:rPr lang="it-IT" sz="1400" dirty="0">
+                <a:solidFill>
+                  <a:schemeClr val="bg1"/>
+                </a:solidFill>
+              </a:rPr>
               <a:t> clients and </a:t>
             </a:r>
             <a:r>
-              <a:rPr lang="it-IT" sz="1400" dirty="0" err="1"/>
+              <a:rPr lang="it-IT" sz="1400" dirty="0" err="1">
+                <a:solidFill>
+                  <a:schemeClr val="bg1"/>
+                </a:solidFill>
+              </a:rPr>
               <a:t>services</a:t>
             </a:r>
             <a:r>
-              <a:rPr lang="it-IT" sz="1400" dirty="0"/>
+              <a:rPr lang="it-IT" sz="1400" dirty="0">
+                <a:solidFill>
+                  <a:schemeClr val="bg1"/>
+                </a:solidFill>
+              </a:rPr>
               <a:t>)</a:t>
             </a:r>
-            <a:endParaRPr lang="en-GB" sz="1400" b="1" dirty="0"/>
+            <a:endParaRPr lang="en-GB" sz="1400" b="1" dirty="0">
+              <a:solidFill>
+                <a:schemeClr val="bg1"/>
+              </a:solidFill>
+            </a:endParaRPr>
           </a:p>
         </p:txBody>
       </p:sp>
@@ -23931,46 +26715,90 @@
           <a:lstStyle/>
           <a:p>
             <a:r>
-              <a:rPr lang="it-IT" b="1" i="1" dirty="0"/>
+              <a:rPr lang="it-IT" b="1" i="1" dirty="0">
+                <a:solidFill>
+                  <a:schemeClr val="bg1"/>
+                </a:solidFill>
+              </a:rPr>
               <a:t>Contract-first design </a:t>
             </a:r>
             <a:r>
-              <a:rPr lang="it-IT" sz="1400" dirty="0"/>
+              <a:rPr lang="it-IT" sz="1400" dirty="0">
+                <a:solidFill>
+                  <a:schemeClr val="bg1"/>
+                </a:solidFill>
+              </a:rPr>
               <a:t>(</a:t>
             </a:r>
             <a:r>
-              <a:rPr lang="it-IT" sz="1400" dirty="0" err="1"/>
+              <a:rPr lang="it-IT" sz="1400" dirty="0" err="1">
+                <a:solidFill>
+                  <a:schemeClr val="bg1"/>
+                </a:solidFill>
+              </a:rPr>
               <a:t>designing</a:t>
             </a:r>
             <a:r>
-              <a:rPr lang="it-IT" sz="1400" dirty="0"/>
+              <a:rPr lang="it-IT" sz="1400" dirty="0">
+                <a:solidFill>
+                  <a:schemeClr val="bg1"/>
+                </a:solidFill>
+              </a:rPr>
               <a:t> the contract </a:t>
             </a:r>
             <a:r>
-              <a:rPr lang="it-IT" sz="1400" dirty="0" err="1"/>
+              <a:rPr lang="it-IT" sz="1400" dirty="0" err="1">
+                <a:solidFill>
+                  <a:schemeClr val="bg1"/>
+                </a:solidFill>
+              </a:rPr>
               <a:t>independently</a:t>
             </a:r>
             <a:r>
-              <a:rPr lang="it-IT" sz="1400" dirty="0"/>
+              <a:rPr lang="it-IT" sz="1400" dirty="0">
+                <a:solidFill>
+                  <a:schemeClr val="bg1"/>
+                </a:solidFill>
+              </a:rPr>
               <a:t> of </a:t>
             </a:r>
             <a:r>
-              <a:rPr lang="it-IT" sz="1400" dirty="0" err="1"/>
+              <a:rPr lang="it-IT" sz="1400" dirty="0" err="1">
+                <a:solidFill>
+                  <a:schemeClr val="bg1"/>
+                </a:solidFill>
+              </a:rPr>
               <a:t>any</a:t>
             </a:r>
             <a:r>
-              <a:rPr lang="it-IT" sz="1400" dirty="0"/>
+              <a:rPr lang="it-IT" sz="1400" dirty="0">
+                <a:solidFill>
+                  <a:schemeClr val="bg1"/>
+                </a:solidFill>
+              </a:rPr>
               <a:t> </a:t>
             </a:r>
             <a:r>
-              <a:rPr lang="it-IT" sz="1400" dirty="0" err="1"/>
+              <a:rPr lang="it-IT" sz="1400" dirty="0" err="1">
+                <a:solidFill>
+                  <a:schemeClr val="bg1"/>
+                </a:solidFill>
+              </a:rPr>
               <a:t>existing</a:t>
             </a:r>
             <a:r>
-              <a:rPr lang="it-IT" sz="1400" dirty="0"/>
+              <a:rPr lang="it-IT" sz="1400" dirty="0">
+                <a:solidFill>
+                  <a:schemeClr val="bg1"/>
+                </a:solidFill>
+              </a:rPr>
               <a:t> code)</a:t>
             </a:r>
-            <a:endParaRPr lang="en-GB" sz="1400" b="1" dirty="0"/>
+            <a:endParaRPr lang="en-GB" sz="1400" b="1" dirty="0">
+              <a:solidFill>
+                <a:schemeClr val="bg1"/>
+              </a:solidFill>
+            </a:endParaRPr>
           </a:p>
         </p:txBody>
       </p:sp>
@@ -24003,34 +26831,66 @@
           <a:lstStyle/>
           <a:p>
             <a:r>
-              <a:rPr lang="it-IT" b="1" i="1" dirty="0" err="1"/>
+              <a:rPr lang="it-IT" b="1" i="1" dirty="0" err="1">
+                <a:solidFill>
+                  <a:schemeClr val="bg1"/>
+                </a:solidFill>
+              </a:rPr>
               <a:t>Hypermedia</a:t>
             </a:r>
             <a:r>
-              <a:rPr lang="it-IT" b="1" i="1" dirty="0"/>
+              <a:rPr lang="it-IT" b="1" i="1" dirty="0">
+                <a:solidFill>
+                  <a:schemeClr val="bg1"/>
+                </a:solidFill>
+              </a:rPr>
               <a:t> </a:t>
             </a:r>
             <a:r>
-              <a:rPr lang="it-IT" sz="1400" dirty="0"/>
+              <a:rPr lang="it-IT" sz="1400" dirty="0">
+                <a:solidFill>
+                  <a:schemeClr val="bg1"/>
+                </a:solidFill>
+              </a:rPr>
               <a:t>(</a:t>
             </a:r>
             <a:r>
-              <a:rPr lang="it-IT" sz="1400" b="1" i="1" dirty="0" err="1"/>
+              <a:rPr lang="it-IT" sz="1400" b="1" i="1" dirty="0" err="1">
+                <a:solidFill>
+                  <a:schemeClr val="bg1"/>
+                </a:solidFill>
+              </a:rPr>
               <a:t>hateoas</a:t>
             </a:r>
             <a:r>
-              <a:rPr lang="it-IT" sz="1400" dirty="0"/>
+              <a:rPr lang="it-IT" sz="1400" dirty="0">
+                <a:solidFill>
+                  <a:schemeClr val="bg1"/>
+                </a:solidFill>
+              </a:rPr>
               <a:t> to help clients to be more </a:t>
             </a:r>
             <a:r>
-              <a:rPr lang="it-IT" sz="1400" dirty="0" err="1"/>
+              <a:rPr lang="it-IT" sz="1400" dirty="0" err="1">
+                <a:solidFill>
+                  <a:schemeClr val="bg1"/>
+                </a:solidFill>
+              </a:rPr>
               <a:t>independend</a:t>
             </a:r>
             <a:r>
-              <a:rPr lang="it-IT" sz="1400" dirty="0"/>
+              <a:rPr lang="it-IT" sz="1400" dirty="0">
+                <a:solidFill>
+                  <a:schemeClr val="bg1"/>
+                </a:solidFill>
+              </a:rPr>
               <a:t> of service endpoint)</a:t>
             </a:r>
-            <a:endParaRPr lang="en-GB" sz="1400" b="1" dirty="0"/>
+            <a:endParaRPr lang="en-GB" sz="1400" b="1" dirty="0">
+              <a:solidFill>
+                <a:schemeClr val="bg1"/>
+              </a:solidFill>
+            </a:endParaRPr>
           </a:p>
         </p:txBody>
       </p:sp>
@@ -24063,46 +26923,90 @@
           <a:lstStyle/>
           <a:p>
             <a:r>
-              <a:rPr lang="it-IT" b="1" i="1" dirty="0"/>
+              <a:rPr lang="it-IT" b="1" i="1" dirty="0">
+                <a:solidFill>
+                  <a:schemeClr val="bg1"/>
+                </a:solidFill>
+              </a:rPr>
               <a:t>Adapter/Wrapper </a:t>
             </a:r>
             <a:r>
-              <a:rPr lang="it-IT" b="1" i="1" dirty="0" err="1"/>
+              <a:rPr lang="it-IT" b="1" i="1" dirty="0" err="1">
+                <a:solidFill>
+                  <a:schemeClr val="bg1"/>
+                </a:solidFill>
+              </a:rPr>
               <a:t>patterns</a:t>
             </a:r>
             <a:r>
-              <a:rPr lang="it-IT" b="1" i="1" dirty="0"/>
+              <a:rPr lang="it-IT" b="1" i="1" dirty="0">
+                <a:solidFill>
+                  <a:schemeClr val="bg1"/>
+                </a:solidFill>
+              </a:rPr>
               <a:t> </a:t>
             </a:r>
             <a:r>
-              <a:rPr lang="it-IT" sz="1400" dirty="0"/>
+              <a:rPr lang="it-IT" sz="1400" dirty="0">
+                <a:solidFill>
+                  <a:schemeClr val="bg1"/>
+                </a:solidFill>
+              </a:rPr>
               <a:t>(code </a:t>
             </a:r>
             <a:r>
-              <a:rPr lang="it-IT" sz="1400" dirty="0" err="1"/>
+              <a:rPr lang="it-IT" sz="1400" dirty="0" err="1">
+                <a:solidFill>
+                  <a:schemeClr val="bg1"/>
+                </a:solidFill>
+              </a:rPr>
               <a:t>is</a:t>
             </a:r>
             <a:r>
-              <a:rPr lang="it-IT" sz="1400" dirty="0"/>
+              <a:rPr lang="it-IT" sz="1400" dirty="0">
+                <a:solidFill>
+                  <a:schemeClr val="bg1"/>
+                </a:solidFill>
+              </a:rPr>
               <a:t> </a:t>
             </a:r>
             <a:r>
-              <a:rPr lang="it-IT" sz="1400" dirty="0" err="1"/>
+              <a:rPr lang="it-IT" sz="1400" dirty="0" err="1">
+                <a:solidFill>
+                  <a:schemeClr val="bg1"/>
+                </a:solidFill>
+              </a:rPr>
               <a:t>not</a:t>
             </a:r>
             <a:r>
-              <a:rPr lang="it-IT" sz="1400" dirty="0"/>
+              <a:rPr lang="it-IT" sz="1400" dirty="0">
+                <a:solidFill>
+                  <a:schemeClr val="bg1"/>
+                </a:solidFill>
+              </a:rPr>
               <a:t> </a:t>
             </a:r>
             <a:r>
-              <a:rPr lang="it-IT" sz="1400" dirty="0" err="1"/>
+              <a:rPr lang="it-IT" sz="1400" dirty="0" err="1">
+                <a:solidFill>
+                  <a:schemeClr val="bg1"/>
+                </a:solidFill>
+              </a:rPr>
               <a:t>dependend</a:t>
             </a:r>
             <a:r>
-              <a:rPr lang="it-IT" sz="1400" dirty="0"/>
+              <a:rPr lang="it-IT" sz="1400" dirty="0">
+                <a:solidFill>
+                  <a:schemeClr val="bg1"/>
+                </a:solidFill>
+              </a:rPr>
               <a:t> from concrete implementation)</a:t>
             </a:r>
-            <a:endParaRPr lang="en-GB" sz="1400" b="1" dirty="0"/>
+            <a:endParaRPr lang="en-GB" sz="1400" b="1" dirty="0">
+              <a:solidFill>
+                <a:schemeClr val="bg1"/>
+              </a:solidFill>
+            </a:endParaRPr>
           </a:p>
         </p:txBody>
       </p:sp>
@@ -24135,54 +27039,106 @@
           <a:lstStyle/>
           <a:p>
             <a:r>
-              <a:rPr lang="it-IT" b="1" i="1" dirty="0"/>
+              <a:rPr lang="it-IT" b="1" i="1" dirty="0">
+                <a:solidFill>
+                  <a:schemeClr val="bg1"/>
+                </a:solidFill>
+              </a:rPr>
               <a:t>Database per </a:t>
             </a:r>
             <a:r>
-              <a:rPr lang="it-IT" b="1" i="1" dirty="0" err="1"/>
+              <a:rPr lang="it-IT" b="1" i="1" dirty="0" err="1">
+                <a:solidFill>
+                  <a:schemeClr val="bg1"/>
+                </a:solidFill>
+              </a:rPr>
               <a:t>Microsertvice</a:t>
             </a:r>
             <a:r>
-              <a:rPr lang="it-IT" b="1" i="1" dirty="0"/>
+              <a:rPr lang="it-IT" b="1" i="1" dirty="0">
+                <a:solidFill>
+                  <a:schemeClr val="bg1"/>
+                </a:solidFill>
+              </a:rPr>
               <a:t> pattern </a:t>
             </a:r>
             <a:r>
-              <a:rPr lang="it-IT" sz="1400" dirty="0"/>
+              <a:rPr lang="it-IT" sz="1400" dirty="0">
+                <a:solidFill>
+                  <a:schemeClr val="bg1"/>
+                </a:solidFill>
+              </a:rPr>
               <a:t>(to </a:t>
             </a:r>
             <a:r>
-              <a:rPr lang="it-IT" sz="1400" dirty="0" err="1"/>
+              <a:rPr lang="it-IT" sz="1400" dirty="0" err="1">
+                <a:solidFill>
+                  <a:schemeClr val="bg1"/>
+                </a:solidFill>
+              </a:rPr>
               <a:t>avoid</a:t>
             </a:r>
             <a:r>
-              <a:rPr lang="it-IT" sz="1400" dirty="0"/>
+              <a:rPr lang="it-IT" sz="1400" dirty="0">
+                <a:solidFill>
+                  <a:schemeClr val="bg1"/>
+                </a:solidFill>
+              </a:rPr>
               <a:t> direct </a:t>
             </a:r>
             <a:r>
-              <a:rPr lang="it-IT" sz="1400" dirty="0" err="1"/>
+              <a:rPr lang="it-IT" sz="1400" dirty="0" err="1">
+                <a:solidFill>
+                  <a:schemeClr val="bg1"/>
+                </a:solidFill>
+              </a:rPr>
               <a:t>coupling</a:t>
             </a:r>
             <a:r>
-              <a:rPr lang="it-IT" sz="1400" dirty="0"/>
+              <a:rPr lang="it-IT" sz="1400" dirty="0">
+                <a:solidFill>
+                  <a:schemeClr val="bg1"/>
+                </a:solidFill>
+              </a:rPr>
               <a:t> to </a:t>
             </a:r>
             <a:r>
-              <a:rPr lang="it-IT" sz="1400" dirty="0" err="1"/>
+              <a:rPr lang="it-IT" sz="1400" dirty="0" err="1">
+                <a:solidFill>
+                  <a:schemeClr val="bg1"/>
+                </a:solidFill>
+              </a:rPr>
               <a:t>shared</a:t>
             </a:r>
             <a:r>
-              <a:rPr lang="it-IT" sz="1400" dirty="0"/>
+              <a:rPr lang="it-IT" sz="1400" dirty="0">
+                <a:solidFill>
+                  <a:schemeClr val="bg1"/>
+                </a:solidFill>
+              </a:rPr>
               <a:t> </a:t>
             </a:r>
             <a:r>
-              <a:rPr lang="it-IT" sz="1400" dirty="0" err="1"/>
+              <a:rPr lang="it-IT" sz="1400" dirty="0" err="1">
+                <a:solidFill>
+                  <a:schemeClr val="bg1"/>
+                </a:solidFill>
+              </a:rPr>
               <a:t>databases</a:t>
             </a:r>
             <a:r>
-              <a:rPr lang="it-IT" sz="1400" dirty="0"/>
+              <a:rPr lang="it-IT" sz="1400" dirty="0">
+                <a:solidFill>
+                  <a:schemeClr val="bg1"/>
+                </a:solidFill>
+              </a:rPr>
               <a:t>)</a:t>
             </a:r>
-            <a:endParaRPr lang="en-GB" sz="1400" b="1" dirty="0"/>
+            <a:endParaRPr lang="en-GB" sz="1400" b="1" dirty="0">
+              <a:solidFill>
+                <a:schemeClr val="bg1"/>
+              </a:solidFill>
+            </a:endParaRPr>
           </a:p>
         </p:txBody>
       </p:sp>
@@ -24582,18 +27538,31 @@
             <p:ph type="body" sz="quarter" idx="11"/>
           </p:nvPr>
         </p:nvSpPr>
-        <p:spPr/>
+        <p:spPr>
+          <a:xfrm>
+            <a:off x="328613" y="1079047"/>
+            <a:ext cx="8401246" cy="749753"/>
+          </a:xfrm>
+        </p:spPr>
         <p:txBody>
           <a:bodyPr/>
           <a:lstStyle/>
           <a:p>
             <a:r>
-              <a:rPr lang="en-US" dirty="0"/>
+              <a:rPr lang="en-US" dirty="0">
+                <a:solidFill>
+                  <a:schemeClr val="bg1"/>
+                </a:solidFill>
+              </a:rPr>
               <a:t>Single Responsibility</a:t>
             </a:r>
           </a:p>
           <a:p>
-            <a:endParaRPr lang="en-US" dirty="0"/>
+            <a:endParaRPr lang="en-US" dirty="0">
+              <a:solidFill>
+                <a:schemeClr val="bg1"/>
+              </a:solidFill>
+            </a:endParaRPr>
           </a:p>
         </p:txBody>
       </p:sp>
@@ -24611,7 +27580,7 @@
         </p:nvSpPr>
         <p:spPr>
           <a:xfrm>
-            <a:off x="328613" y="2064791"/>
+            <a:off x="328613" y="2204856"/>
             <a:ext cx="8210747" cy="584775"/>
           </a:xfrm>
           <a:prstGeom prst="rect">
@@ -24626,14 +27595,26 @@
           <a:lstStyle/>
           <a:p>
             <a:r>
-              <a:rPr lang="en-GB" sz="1600" b="1" dirty="0"/>
+              <a:rPr lang="en-GB" sz="1600" b="1" dirty="0">
+                <a:solidFill>
+                  <a:schemeClr val="bg1"/>
+                </a:solidFill>
+              </a:rPr>
               <a:t>SRP </a:t>
             </a:r>
             <a:r>
-              <a:rPr lang="en-GB" sz="1600" dirty="0"/>
+              <a:rPr lang="en-GB" sz="1600" dirty="0">
+                <a:solidFill>
+                  <a:schemeClr val="bg1"/>
+                </a:solidFill>
+              </a:rPr>
               <a:t>has we know from OOD is about having cohesive functionality giving one responsibility to a class</a:t>
             </a:r>
-            <a:endParaRPr lang="en-GB" sz="1600" b="1" dirty="0"/>
+            <a:endParaRPr lang="en-GB" sz="1600" b="1" dirty="0">
+              <a:solidFill>
+                <a:schemeClr val="bg1"/>
+              </a:solidFill>
+            </a:endParaRPr>
           </a:p>
         </p:txBody>
       </p:sp>
@@ -24651,7 +27632,7 @@
         </p:nvSpPr>
         <p:spPr>
           <a:xfrm>
-            <a:off x="328613" y="2649566"/>
+            <a:off x="328613" y="2946276"/>
             <a:ext cx="8210747" cy="584775"/>
           </a:xfrm>
           <a:prstGeom prst="rect">
@@ -24666,10 +27647,18 @@
           <a:lstStyle/>
           <a:p>
             <a:r>
-              <a:rPr lang="en-US" sz="1600" dirty="0"/>
+              <a:rPr lang="en-US" sz="1600" dirty="0">
+                <a:solidFill>
+                  <a:schemeClr val="bg1"/>
+                </a:solidFill>
+              </a:rPr>
               <a:t>The notion of single responsibility can be extended to the cohesiveness of services within a microservice</a:t>
             </a:r>
-            <a:endParaRPr lang="en-GB" sz="1600" b="1" dirty="0"/>
+            <a:endParaRPr lang="en-GB" sz="1600" b="1" dirty="0">
+              <a:solidFill>
+                <a:schemeClr val="bg1"/>
+              </a:solidFill>
+            </a:endParaRPr>
           </a:p>
         </p:txBody>
       </p:sp>
@@ -24687,7 +27676,7 @@
         </p:nvSpPr>
         <p:spPr>
           <a:xfrm>
-            <a:off x="328613" y="3256946"/>
+            <a:off x="328613" y="3687696"/>
             <a:ext cx="8210747" cy="584775"/>
           </a:xfrm>
           <a:prstGeom prst="rect">
@@ -24702,10 +27691,18 @@
           <a:lstStyle/>
           <a:p>
             <a:r>
-              <a:rPr lang="en-US" sz="1600" dirty="0"/>
+              <a:rPr lang="en-US" sz="1600" dirty="0">
+                <a:solidFill>
+                  <a:schemeClr val="bg1"/>
+                </a:solidFill>
+              </a:rPr>
               <a:t>An important aspect of maturity in microservice design is the ability to create microservices that are not too coarse- or too fine-grained</a:t>
             </a:r>
-            <a:endParaRPr lang="en-GB" sz="1600" b="1" dirty="0"/>
+            <a:endParaRPr lang="en-GB" sz="1600" b="1" dirty="0">
+              <a:solidFill>
+                <a:schemeClr val="bg1"/>
+              </a:solidFill>
+            </a:endParaRPr>
           </a:p>
         </p:txBody>
       </p:sp>
@@ -24723,7 +27720,7 @@
         </p:nvSpPr>
         <p:spPr>
           <a:xfrm>
-            <a:off x="328613" y="3864326"/>
+            <a:off x="328613" y="4429116"/>
             <a:ext cx="8210747" cy="584775"/>
           </a:xfrm>
           <a:prstGeom prst="rect">
@@ -24738,20 +27735,41 @@
           <a:lstStyle/>
           <a:p>
             <a:r>
-              <a:rPr lang="en-US" sz="1600" dirty="0"/>
+              <a:rPr lang="en-US" sz="1600" dirty="0">
+                <a:solidFill>
+                  <a:schemeClr val="bg1"/>
+                </a:solidFill>
+              </a:rPr>
               <a:t>An approach that has become popular in the industry to drive the scope of microservices is to follow </a:t>
             </a:r>
             <a:r>
               <a:rPr lang="en-US" sz="1600" u="sng" dirty="0">
-                <a:hlinkClick r:id="rId3"/>
+                <a:solidFill>
+                  <a:schemeClr val="bg1"/>
+                </a:solidFill>
+                <a:hlinkClick r:id="rId3">
+                  <a:extLst>
+                    <a:ext uri="{A12FA001-AC4F-418D-AE19-62706E023703}">
+                      <ahyp:hlinkClr xmlns:ahyp="http://schemas.microsoft.com/office/drawing/2018/hyperlinkcolor" val="tx"/>
+                    </a:ext>
+                  </a:extLst>
+                </a:hlinkClick>
               </a:rPr>
               <a:t>Domain-Driven Design (DDD)</a:t>
             </a:r>
             <a:r>
-              <a:rPr lang="en-US" sz="1600" dirty="0"/>
+              <a:rPr lang="en-US" sz="1600" dirty="0">
+                <a:solidFill>
+                  <a:schemeClr val="bg1"/>
+                </a:solidFill>
+              </a:rPr>
               <a:t> precepts</a:t>
             </a:r>
-            <a:endParaRPr lang="en-GB" sz="1600" b="1" dirty="0"/>
+            <a:endParaRPr lang="en-GB" sz="1600" b="1" dirty="0">
+              <a:solidFill>
+                <a:schemeClr val="bg1"/>
+              </a:solidFill>
+            </a:endParaRPr>
           </a:p>
         </p:txBody>
       </p:sp>
@@ -25049,12 +28067,20 @@
           <a:lstStyle/>
           <a:p>
             <a:r>
-              <a:rPr lang="en-US" dirty="0"/>
+              <a:rPr lang="en-US" dirty="0">
+                <a:solidFill>
+                  <a:schemeClr val="bg1"/>
+                </a:solidFill>
+              </a:rPr>
               <a:t>IDEALS Principles</a:t>
             </a:r>
           </a:p>
           <a:p>
-            <a:endParaRPr lang="en-US" dirty="0"/>
+            <a:endParaRPr lang="en-US" dirty="0">
+              <a:solidFill>
+                <a:schemeClr val="bg1"/>
+              </a:solidFill>
+            </a:endParaRPr>
           </a:p>
         </p:txBody>
       </p:sp>
@@ -25067,7 +28093,7 @@
         <p:spPr>
           <a:xfrm>
             <a:off x="621372" y="1859340"/>
-            <a:ext cx="8210747" cy="2554545"/>
+            <a:ext cx="8210747" cy="1323439"/>
           </a:xfrm>
           <a:prstGeom prst="rect">
             <a:avLst/>
@@ -25087,24 +28113,7 @@
           <a:p>
             <a:endParaRPr lang="en-GB" sz="1600" u="sng" dirty="0">
               <a:latin typeface="Chronicle Display" pitchFamily="50" charset="0"/>
-            </a:endParaRPr>
-          </a:p>
-          <a:p>
-            <a:r>
-              <a:rPr lang="en-GB" sz="3200" b="1" i="1" dirty="0">
-                <a:latin typeface="Chronicle Display" pitchFamily="50" charset="0"/>
-              </a:rPr>
-              <a:t>Resources</a:t>
-            </a:r>
-          </a:p>
-          <a:p>
-            <a:endParaRPr lang="en-GB" sz="3200" b="1" i="1" dirty="0">
-              <a:latin typeface="Chronicle Display" pitchFamily="50" charset="0"/>
-            </a:endParaRPr>
-          </a:p>
-          <a:p>
-            <a:endParaRPr lang="en-GB" sz="1600" dirty="0">
-              <a:latin typeface="Chronicle Display" pitchFamily="50" charset="0"/>
+              <a:hlinkClick r:id="rId3"/>
             </a:endParaRPr>
           </a:p>
           <a:p>
@@ -25171,34 +28180,57 @@
             <p:ph type="body" sz="quarter" idx="11"/>
           </p:nvPr>
         </p:nvSpPr>
-        <p:spPr/>
+        <p:spPr>
+          <a:xfrm>
+            <a:off x="328613" y="1079048"/>
+            <a:ext cx="8401246" cy="742196"/>
+          </a:xfrm>
+        </p:spPr>
         <p:txBody>
           <a:bodyPr/>
           <a:lstStyle/>
           <a:p>
             <a:r>
-              <a:rPr lang="en-US" dirty="0"/>
+              <a:rPr lang="en-US" dirty="0">
+                <a:solidFill>
+                  <a:schemeClr val="bg1"/>
+                </a:solidFill>
+              </a:rPr>
               <a:t>SRP Single Responsibility Principle</a:t>
             </a:r>
           </a:p>
           <a:p>
-            <a:endParaRPr lang="en-US" dirty="0"/>
-          </a:p>
-          <a:p>
-            <a:endParaRPr lang="en-US" dirty="0"/>
-          </a:p>
-        </p:txBody>
-      </p:sp>
-      <p:sp>
-        <p:nvSpPr>
-          <p:cNvPr id="5" name="TextBox 4"/>
+            <a:endParaRPr lang="en-US" dirty="0">
+              <a:solidFill>
+                <a:schemeClr val="bg1"/>
+              </a:solidFill>
+            </a:endParaRPr>
+          </a:p>
+          <a:p>
+            <a:endParaRPr lang="en-US" dirty="0">
+              <a:solidFill>
+                <a:schemeClr val="bg1"/>
+              </a:solidFill>
+            </a:endParaRPr>
+          </a:p>
+        </p:txBody>
+      </p:sp>
+      <p:sp>
+        <p:nvSpPr>
+          <p:cNvPr id="7" name="TextBox 6">
+            <a:extLst>
+              <a:ext uri="{FF2B5EF4-FFF2-40B4-BE49-F238E27FC236}">
+                <a16:creationId xmlns:a16="http://schemas.microsoft.com/office/drawing/2014/main" id="{D17DDCD5-6EBF-40BB-81AF-415A87FFBFFA}"/>
+              </a:ext>
+            </a:extLst>
+          </p:cNvPr>
           <p:cNvSpPr txBox="1"/>
           <p:nvPr/>
         </p:nvSpPr>
         <p:spPr>
           <a:xfrm>
-            <a:off x="604640" y="1905506"/>
-            <a:ext cx="8210747" cy="3046988"/>
+            <a:off x="466626" y="2479791"/>
+            <a:ext cx="8210747" cy="646331"/>
           </a:xfrm>
           <a:prstGeom prst="rect">
             <a:avLst/>
@@ -25211,250 +28243,164 @@
           </a:bodyPr>
           <a:lstStyle/>
           <a:p>
-            <a:endParaRPr lang="en-GB" sz="1600" dirty="0">
-              <a:latin typeface="Chronicle Display" pitchFamily="50" charset="0"/>
-            </a:endParaRPr>
-          </a:p>
-          <a:p>
-            <a:r>
-              <a:rPr lang="en-GB" sz="1600" dirty="0">
+            <a:r>
+              <a:rPr lang="en-GB" dirty="0">
+                <a:solidFill>
+                  <a:schemeClr val="bg1"/>
+                </a:solidFill>
                 <a:latin typeface="Chronicle Display" pitchFamily="50" charset="0"/>
               </a:rPr>
               <a:t>In the example code the </a:t>
             </a:r>
             <a:r>
-              <a:rPr lang="en-GB" sz="1600" b="1" i="1" dirty="0" err="1">
+              <a:rPr lang="en-GB" b="1" i="1" dirty="0" err="1">
+                <a:solidFill>
+                  <a:schemeClr val="bg1"/>
+                </a:solidFill>
                 <a:latin typeface="Chronicle Display" pitchFamily="50" charset="0"/>
               </a:rPr>
               <a:t>AreaCalculator</a:t>
             </a:r>
             <a:r>
-              <a:rPr lang="en-GB" sz="1600" dirty="0">
+              <a:rPr lang="en-GB" dirty="0">
+                <a:solidFill>
+                  <a:schemeClr val="bg1"/>
+                </a:solidFill>
                 <a:latin typeface="Chronicle Display" pitchFamily="50" charset="0"/>
               </a:rPr>
               <a:t> has both the logic to calculate area and formatting the output data, so it has two responsibilities.</a:t>
             </a:r>
           </a:p>
-          <a:p>
-            <a:endParaRPr lang="en-GB" sz="1600" dirty="0">
-              <a:latin typeface="Chronicle Display" pitchFamily="50" charset="0"/>
-            </a:endParaRPr>
-          </a:p>
-          <a:p>
-            <a:r>
-              <a:rPr lang="en-GB" sz="1600" dirty="0">
-                <a:latin typeface="Chronicle Display" pitchFamily="50" charset="0"/>
-              </a:rPr>
-              <a:t>We are violating the SRP principle, so we should separate the two job of the class into two different classes , each with a single responsibility.</a:t>
-            </a:r>
-          </a:p>
-          <a:p>
-            <a:endParaRPr lang="en-GB" sz="1600" dirty="0">
-              <a:latin typeface="Chronicle Display" pitchFamily="50" charset="0"/>
-            </a:endParaRPr>
-          </a:p>
-          <a:p>
-            <a:r>
-              <a:rPr lang="en-GB" sz="1600" dirty="0">
-                <a:latin typeface="Chronicle Display" pitchFamily="50" charset="0"/>
-              </a:rPr>
-              <a:t>We could add a new class called </a:t>
-            </a:r>
-            <a:r>
-              <a:rPr lang="en-GB" sz="1600" b="1" i="1" u="sng" dirty="0" err="1">
-                <a:latin typeface="Chronicle Display" pitchFamily="50" charset="0"/>
-              </a:rPr>
-              <a:t>AreaCalculatorOutput</a:t>
-            </a:r>
-            <a:r>
-              <a:rPr lang="en-GB" sz="1600" dirty="0">
-                <a:latin typeface="Chronicle Display" pitchFamily="50" charset="0"/>
-              </a:rPr>
-              <a:t> that has the responsibility to format the output data coming from the </a:t>
-            </a:r>
-            <a:r>
-              <a:rPr lang="en-GB" sz="1600" b="1" i="1" dirty="0" err="1">
-                <a:latin typeface="Chronicle Display" pitchFamily="50" charset="0"/>
-              </a:rPr>
-              <a:t>AreaCalculator</a:t>
-            </a:r>
-            <a:endParaRPr lang="en-GB" sz="1600" b="1" i="1" dirty="0">
-              <a:latin typeface="Chronicle Display" pitchFamily="50" charset="0"/>
-            </a:endParaRPr>
-          </a:p>
-          <a:p>
-            <a:endParaRPr lang="en-GB" sz="1600" b="1" i="1" dirty="0">
-              <a:latin typeface="Chronicle Display" pitchFamily="50" charset="0"/>
-            </a:endParaRPr>
-          </a:p>
-          <a:p>
-            <a:endParaRPr lang="en-GB" sz="1600" dirty="0">
-              <a:latin typeface="Chronicle Display" pitchFamily="50" charset="0"/>
-            </a:endParaRPr>
-          </a:p>
-          <a:p>
-            <a:endParaRPr lang="en-GB" sz="1600" dirty="0">
-              <a:latin typeface="Chronicle Display" pitchFamily="50" charset="0"/>
-            </a:endParaRPr>
-          </a:p>
-        </p:txBody>
-      </p:sp>
-      <p:sp>
-        <p:nvSpPr>
-          <p:cNvPr id="9" name="Rectangle: Rounded Corners 8">
+        </p:txBody>
+      </p:sp>
+      <p:sp>
+        <p:nvSpPr>
+          <p:cNvPr id="8" name="TextBox 7">
             <a:extLst>
               <a:ext uri="{FF2B5EF4-FFF2-40B4-BE49-F238E27FC236}">
-                <a16:creationId xmlns:a16="http://schemas.microsoft.com/office/drawing/2014/main" id="{42D394D1-AAA7-49F8-AB59-6E8CF6B83B52}"/>
+                <a16:creationId xmlns:a16="http://schemas.microsoft.com/office/drawing/2014/main" id="{39D51E31-3C4B-4911-ABDD-C75F52ECC22E}"/>
               </a:ext>
             </a:extLst>
           </p:cNvPr>
-          <p:cNvSpPr/>
+          <p:cNvSpPr txBox="1"/>
           <p:nvPr/>
         </p:nvSpPr>
         <p:spPr>
           <a:xfrm>
-            <a:off x="604640" y="3630620"/>
-            <a:ext cx="8125219" cy="773084"/>
-          </a:xfrm>
-          <a:prstGeom prst="roundRect">
+            <a:off x="466626" y="3487382"/>
+            <a:ext cx="8210747" cy="646331"/>
+          </a:xfrm>
+          <a:prstGeom prst="rect">
             <a:avLst/>
           </a:prstGeom>
           <a:noFill/>
-          <a:ln w="57150">
-            <a:solidFill>
-              <a:schemeClr val="tx1">
-                <a:lumMod val="95000"/>
-                <a:lumOff val="5000"/>
-              </a:schemeClr>
-            </a:solidFill>
-          </a:ln>
-        </p:spPr>
-        <p:style>
-          <a:lnRef idx="2">
-            <a:schemeClr val="accent5"/>
-          </a:lnRef>
-          <a:fillRef idx="1">
-            <a:schemeClr val="lt1"/>
-          </a:fillRef>
-          <a:effectRef idx="0">
-            <a:schemeClr val="accent5"/>
-          </a:effectRef>
-          <a:fontRef idx="minor">
-            <a:schemeClr val="dk1"/>
-          </a:fontRef>
-        </p:style>
-        <p:txBody>
-          <a:bodyPr rtlCol="0" anchor="ctr"/>
-          <a:lstStyle/>
-          <a:p>
-            <a:pPr algn="ctr"/>
-            <a:endParaRPr lang="it-IT"/>
-          </a:p>
-        </p:txBody>
-      </p:sp>
-      <p:sp>
-        <p:nvSpPr>
-          <p:cNvPr id="6" name="Rectangle: Rounded Corners 5">
+        </p:spPr>
+        <p:txBody>
+          <a:bodyPr wrap="square" rtlCol="0">
+            <a:spAutoFit/>
+          </a:bodyPr>
+          <a:lstStyle/>
+          <a:p>
+            <a:r>
+              <a:rPr lang="en-GB" dirty="0">
+                <a:solidFill>
+                  <a:schemeClr val="bg1"/>
+                </a:solidFill>
+                <a:latin typeface="Chronicle Display" pitchFamily="50" charset="0"/>
+              </a:rPr>
+              <a:t>We are violating the </a:t>
+            </a:r>
+            <a:r>
+              <a:rPr lang="en-GB" b="1" dirty="0">
+                <a:solidFill>
+                  <a:schemeClr val="bg1"/>
+                </a:solidFill>
+                <a:latin typeface="Chronicle Display" pitchFamily="50" charset="0"/>
+              </a:rPr>
+              <a:t>SRP principle</a:t>
+            </a:r>
+            <a:r>
+              <a:rPr lang="en-GB" dirty="0">
+                <a:solidFill>
+                  <a:schemeClr val="bg1"/>
+                </a:solidFill>
+                <a:latin typeface="Chronicle Display" pitchFamily="50" charset="0"/>
+              </a:rPr>
+              <a:t>, so we should separate the two job of the class into two different classes , each with a single responsibility.</a:t>
+            </a:r>
+          </a:p>
+        </p:txBody>
+      </p:sp>
+      <p:sp>
+        <p:nvSpPr>
+          <p:cNvPr id="10" name="TextBox 9">
             <a:extLst>
               <a:ext uri="{FF2B5EF4-FFF2-40B4-BE49-F238E27FC236}">
-                <a16:creationId xmlns:a16="http://schemas.microsoft.com/office/drawing/2014/main" id="{1D498334-C1FD-4B37-944A-87E0779E5825}"/>
+                <a16:creationId xmlns:a16="http://schemas.microsoft.com/office/drawing/2014/main" id="{F5498817-092D-4930-871C-29B1D96C4BB1}"/>
               </a:ext>
             </a:extLst>
           </p:cNvPr>
-          <p:cNvSpPr/>
+          <p:cNvSpPr txBox="1"/>
           <p:nvPr/>
         </p:nvSpPr>
         <p:spPr>
           <a:xfrm>
-            <a:off x="604640" y="2818015"/>
-            <a:ext cx="8125219" cy="773084"/>
-          </a:xfrm>
-          <a:prstGeom prst="roundRect">
+            <a:off x="466626" y="4402353"/>
+            <a:ext cx="8210747" cy="646331"/>
+          </a:xfrm>
+          <a:prstGeom prst="rect">
             <a:avLst/>
           </a:prstGeom>
           <a:noFill/>
-          <a:ln w="57150">
-            <a:solidFill>
-              <a:schemeClr val="tx1">
-                <a:lumMod val="95000"/>
-                <a:lumOff val="5000"/>
-              </a:schemeClr>
-            </a:solidFill>
-          </a:ln>
-        </p:spPr>
-        <p:style>
-          <a:lnRef idx="2">
-            <a:schemeClr val="accent5"/>
-          </a:lnRef>
-          <a:fillRef idx="1">
-            <a:schemeClr val="lt1"/>
-          </a:fillRef>
-          <a:effectRef idx="0">
-            <a:schemeClr val="accent5"/>
-          </a:effectRef>
-          <a:fontRef idx="minor">
-            <a:schemeClr val="dk1"/>
-          </a:fontRef>
-        </p:style>
-        <p:txBody>
-          <a:bodyPr rtlCol="0" anchor="ctr"/>
-          <a:lstStyle/>
-          <a:p>
-            <a:pPr algn="ctr"/>
-            <a:endParaRPr lang="it-IT"/>
-          </a:p>
-        </p:txBody>
-      </p:sp>
-      <p:sp>
-        <p:nvSpPr>
-          <p:cNvPr id="4" name="Rectangle: Rounded Corners 3">
-            <a:extLst>
-              <a:ext uri="{FF2B5EF4-FFF2-40B4-BE49-F238E27FC236}">
-                <a16:creationId xmlns:a16="http://schemas.microsoft.com/office/drawing/2014/main" id="{6B63734A-6F73-4F97-87D1-8E661666FAFA}"/>
-              </a:ext>
-            </a:extLst>
-          </p:cNvPr>
-          <p:cNvSpPr/>
-          <p:nvPr/>
-        </p:nvSpPr>
-        <p:spPr>
-          <a:xfrm>
-            <a:off x="604640" y="2044931"/>
-            <a:ext cx="8125219" cy="773084"/>
-          </a:xfrm>
-          <a:prstGeom prst="roundRect">
-            <a:avLst/>
-          </a:prstGeom>
-          <a:noFill/>
-          <a:ln w="57150">
-            <a:solidFill>
-              <a:schemeClr val="tx1">
-                <a:lumMod val="95000"/>
-                <a:lumOff val="5000"/>
-              </a:schemeClr>
-            </a:solidFill>
-          </a:ln>
-        </p:spPr>
-        <p:style>
-          <a:lnRef idx="2">
-            <a:schemeClr val="accent5"/>
-          </a:lnRef>
-          <a:fillRef idx="1">
-            <a:schemeClr val="lt1"/>
-          </a:fillRef>
-          <a:effectRef idx="0">
-            <a:schemeClr val="accent5"/>
-          </a:effectRef>
-          <a:fontRef idx="minor">
-            <a:schemeClr val="dk1"/>
-          </a:fontRef>
-        </p:style>
-        <p:txBody>
-          <a:bodyPr rtlCol="0" anchor="ctr"/>
-          <a:lstStyle/>
-          <a:p>
-            <a:pPr algn="ctr"/>
-            <a:endParaRPr lang="it-IT"/>
+        </p:spPr>
+        <p:txBody>
+          <a:bodyPr wrap="square" rtlCol="0">
+            <a:spAutoFit/>
+          </a:bodyPr>
+          <a:lstStyle/>
+          <a:p>
+            <a:r>
+              <a:rPr lang="en-GB" dirty="0">
+                <a:solidFill>
+                  <a:schemeClr val="bg1"/>
+                </a:solidFill>
+                <a:latin typeface="Chronicle Display" pitchFamily="50" charset="0"/>
+              </a:rPr>
+              <a:t>We could add a new class called </a:t>
+            </a:r>
+            <a:r>
+              <a:rPr lang="en-GB" b="1" i="1" dirty="0" err="1">
+                <a:solidFill>
+                  <a:schemeClr val="bg1"/>
+                </a:solidFill>
+                <a:latin typeface="Chronicle Display" pitchFamily="50" charset="0"/>
+              </a:rPr>
+              <a:t>AreaCalculatorOutput</a:t>
+            </a:r>
+            <a:r>
+              <a:rPr lang="en-GB" dirty="0">
+                <a:solidFill>
+                  <a:schemeClr val="bg1"/>
+                </a:solidFill>
+                <a:latin typeface="Chronicle Display" pitchFamily="50" charset="0"/>
+              </a:rPr>
+              <a:t> that has the responsibility to format the output data coming from the </a:t>
+            </a:r>
+            <a:r>
+              <a:rPr lang="en-GB" b="1" i="1" dirty="0" err="1">
+                <a:solidFill>
+                  <a:schemeClr val="bg1"/>
+                </a:solidFill>
+                <a:latin typeface="Chronicle Display" pitchFamily="50" charset="0"/>
+              </a:rPr>
+              <a:t>AreaCalculator</a:t>
+            </a:r>
+            <a:endParaRPr lang="en-GB" b="1" i="1" dirty="0">
+              <a:solidFill>
+                <a:schemeClr val="bg1"/>
+              </a:solidFill>
+              <a:latin typeface="Chronicle Display" pitchFamily="50" charset="0"/>
+            </a:endParaRPr>
           </a:p>
         </p:txBody>
       </p:sp>
@@ -25502,7 +28448,7 @@
                                           </p:stCondLst>
                                         </p:cTn>
                                         <p:tgtEl>
-                                          <p:spTgt spid="4"/>
+                                          <p:spTgt spid="7"/>
                                         </p:tgtEl>
                                         <p:attrNameLst>
                                           <p:attrName>style.visibility</p:attrName>
@@ -25516,7 +28462,7 @@
                                       <p:cBhvr>
                                         <p:cTn id="7" dur="500"/>
                                         <p:tgtEl>
-                                          <p:spTgt spid="4"/>
+                                          <p:spTgt spid="7"/>
                                         </p:tgtEl>
                                       </p:cBhvr>
                                     </p:animEffect>
@@ -25542,55 +28488,20 @@
                             </p:stCondLst>
                             <p:childTnLst>
                               <p:par>
-                                <p:cTn id="10" presetID="10" presetClass="exit" presetSubtype="0" fill="hold" grpId="1" nodeType="clickEffect">
-                                  <p:stCondLst>
-                                    <p:cond delay="0"/>
-                                  </p:stCondLst>
-                                  <p:childTnLst>
-                                    <p:animEffect transition="out" filter="fade">
-                                      <p:cBhvr>
-                                        <p:cTn id="11" dur="500"/>
-                                        <p:tgtEl>
-                                          <p:spTgt spid="4"/>
-                                        </p:tgtEl>
-                                      </p:cBhvr>
-                                    </p:animEffect>
-                                    <p:set>
-                                      <p:cBhvr>
-                                        <p:cTn id="12" dur="1" fill="hold">
-                                          <p:stCondLst>
-                                            <p:cond delay="499"/>
-                                          </p:stCondLst>
-                                        </p:cTn>
-                                        <p:tgtEl>
-                                          <p:spTgt spid="4"/>
-                                        </p:tgtEl>
-                                        <p:attrNameLst>
-                                          <p:attrName>style.visibility</p:attrName>
-                                        </p:attrNameLst>
-                                      </p:cBhvr>
-                                      <p:to>
-                                        <p:strVal val="hidden"/>
-                                      </p:to>
-                                    </p:set>
-                                  </p:childTnLst>
-                                </p:cTn>
-                              </p:par>
-                              <p:par>
-                                <p:cTn id="13" presetID="10" presetClass="entr" presetSubtype="0" fill="hold" grpId="0" nodeType="withEffect">
+                                <p:cTn id="10" presetID="10" presetClass="entr" presetSubtype="0" fill="hold" grpId="0" nodeType="clickEffect">
                                   <p:stCondLst>
                                     <p:cond delay="0"/>
                                   </p:stCondLst>
                                   <p:childTnLst>
                                     <p:set>
                                       <p:cBhvr>
-                                        <p:cTn id="14" dur="1" fill="hold">
+                                        <p:cTn id="11" dur="1" fill="hold">
                                           <p:stCondLst>
                                             <p:cond delay="0"/>
                                           </p:stCondLst>
                                         </p:cTn>
                                         <p:tgtEl>
-                                          <p:spTgt spid="6"/>
+                                          <p:spTgt spid="8"/>
                                         </p:tgtEl>
                                         <p:attrNameLst>
                                           <p:attrName>style.visibility</p:attrName>
@@ -25602,9 +28513,9 @@
                                     </p:set>
                                     <p:animEffect transition="in" filter="fade">
                                       <p:cBhvr>
-                                        <p:cTn id="15" dur="500"/>
+                                        <p:cTn id="12" dur="500"/>
                                         <p:tgtEl>
-                                          <p:spTgt spid="6"/>
+                                          <p:spTgt spid="8"/>
                                         </p:tgtEl>
                                       </p:cBhvr>
                                     </p:animEffect>
@@ -25618,67 +28529,32 @@
                     </p:cTn>
                   </p:par>
                   <p:par>
-                    <p:cTn id="16" fill="hold">
+                    <p:cTn id="13" fill="hold">
                       <p:stCondLst>
                         <p:cond delay="indefinite"/>
                       </p:stCondLst>
                       <p:childTnLst>
                         <p:par>
-                          <p:cTn id="17" fill="hold">
+                          <p:cTn id="14" fill="hold">
                             <p:stCondLst>
                               <p:cond delay="0"/>
                             </p:stCondLst>
                             <p:childTnLst>
                               <p:par>
-                                <p:cTn id="18" presetID="10" presetClass="exit" presetSubtype="0" fill="hold" grpId="1" nodeType="clickEffect">
-                                  <p:stCondLst>
-                                    <p:cond delay="0"/>
-                                  </p:stCondLst>
-                                  <p:childTnLst>
-                                    <p:animEffect transition="out" filter="fade">
-                                      <p:cBhvr>
-                                        <p:cTn id="19" dur="500"/>
-                                        <p:tgtEl>
-                                          <p:spTgt spid="6"/>
-                                        </p:tgtEl>
-                                      </p:cBhvr>
-                                    </p:animEffect>
-                                    <p:set>
-                                      <p:cBhvr>
-                                        <p:cTn id="20" dur="1" fill="hold">
-                                          <p:stCondLst>
-                                            <p:cond delay="499"/>
-                                          </p:stCondLst>
-                                        </p:cTn>
-                                        <p:tgtEl>
-                                          <p:spTgt spid="6"/>
-                                        </p:tgtEl>
-                                        <p:attrNameLst>
-                                          <p:attrName>style.visibility</p:attrName>
-                                        </p:attrNameLst>
-                                      </p:cBhvr>
-                                      <p:to>
-                                        <p:strVal val="hidden"/>
-                                      </p:to>
-                                    </p:set>
-                                  </p:childTnLst>
-                                </p:cTn>
-                              </p:par>
-                              <p:par>
-                                <p:cTn id="21" presetID="10" presetClass="entr" presetSubtype="0" fill="hold" grpId="0" nodeType="withEffect">
+                                <p:cTn id="15" presetID="10" presetClass="entr" presetSubtype="0" fill="hold" grpId="0" nodeType="clickEffect">
                                   <p:stCondLst>
                                     <p:cond delay="0"/>
                                   </p:stCondLst>
                                   <p:childTnLst>
                                     <p:set>
                                       <p:cBhvr>
-                                        <p:cTn id="22" dur="1" fill="hold">
+                                        <p:cTn id="16" dur="1" fill="hold">
                                           <p:stCondLst>
                                             <p:cond delay="0"/>
                                           </p:stCondLst>
                                         </p:cTn>
                                         <p:tgtEl>
-                                          <p:spTgt spid="9"/>
+                                          <p:spTgt spid="10"/>
                                         </p:tgtEl>
                                         <p:attrNameLst>
                                           <p:attrName>style.visibility</p:attrName>
@@ -25690,9 +28566,9 @@
                                     </p:set>
                                     <p:animEffect transition="in" filter="fade">
                                       <p:cBhvr>
-                                        <p:cTn id="23" dur="500"/>
+                                        <p:cTn id="17" dur="500"/>
                                         <p:tgtEl>
-                                          <p:spTgt spid="9"/>
+                                          <p:spTgt spid="10"/>
                                         </p:tgtEl>
                                       </p:cBhvr>
                                     </p:animEffect>
@@ -25727,11 +28603,9 @@
       </p:par>
     </p:tnLst>
     <p:bldLst>
-      <p:bldP spid="9" grpId="0" animBg="1"/>
-      <p:bldP spid="6" grpId="0" animBg="1"/>
-      <p:bldP spid="6" grpId="1" animBg="1"/>
-      <p:bldP spid="4" grpId="0" animBg="1"/>
-      <p:bldP spid="4" grpId="1" animBg="1"/>
+      <p:bldP spid="7" grpId="0"/>
+      <p:bldP spid="8" grpId="0"/>
+      <p:bldP spid="10" grpId="0"/>
     </p:bldLst>
   </p:timing>
 </p:sld>
@@ -25764,21 +28638,38 @@
             <p:ph type="body" sz="quarter" idx="11"/>
           </p:nvPr>
         </p:nvSpPr>
-        <p:spPr/>
+        <p:spPr>
+          <a:xfrm>
+            <a:off x="328613" y="1079047"/>
+            <a:ext cx="8401246" cy="747407"/>
+          </a:xfrm>
+        </p:spPr>
         <p:txBody>
           <a:bodyPr/>
           <a:lstStyle/>
           <a:p>
             <a:r>
-              <a:rPr lang="en-US"/>
+              <a:rPr lang="en-US" dirty="0">
+                <a:solidFill>
+                  <a:schemeClr val="bg1"/>
+                </a:solidFill>
+              </a:rPr>
               <a:t>SRP Single Responsibility Principle</a:t>
             </a:r>
           </a:p>
           <a:p>
-            <a:endParaRPr lang="en-US"/>
-          </a:p>
-          <a:p>
-            <a:endParaRPr lang="en-US" dirty="0"/>
+            <a:endParaRPr lang="en-US" dirty="0">
+              <a:solidFill>
+                <a:schemeClr val="bg1"/>
+              </a:solidFill>
+            </a:endParaRPr>
+          </a:p>
+          <a:p>
+            <a:endParaRPr lang="en-US" dirty="0">
+              <a:solidFill>
+                <a:schemeClr val="bg1"/>
+              </a:solidFill>
+            </a:endParaRPr>
           </a:p>
         </p:txBody>
       </p:sp>
@@ -25852,21 +28743,38 @@
             <p:ph type="body" sz="quarter" idx="11"/>
           </p:nvPr>
         </p:nvSpPr>
-        <p:spPr/>
+        <p:spPr>
+          <a:xfrm>
+            <a:off x="328613" y="1079048"/>
+            <a:ext cx="8401246" cy="787538"/>
+          </a:xfrm>
+        </p:spPr>
         <p:txBody>
           <a:bodyPr/>
           <a:lstStyle/>
           <a:p>
             <a:r>
-              <a:rPr lang="en-US" dirty="0"/>
+              <a:rPr lang="en-US" dirty="0">
+                <a:solidFill>
+                  <a:schemeClr val="bg1"/>
+                </a:solidFill>
+              </a:rPr>
               <a:t>SRP Single Responsibility Principle</a:t>
             </a:r>
           </a:p>
           <a:p>
-            <a:endParaRPr lang="en-US" dirty="0"/>
-          </a:p>
-          <a:p>
-            <a:endParaRPr lang="en-US" dirty="0"/>
+            <a:endParaRPr lang="en-US" dirty="0">
+              <a:solidFill>
+                <a:schemeClr val="bg1"/>
+              </a:solidFill>
+            </a:endParaRPr>
+          </a:p>
+          <a:p>
+            <a:endParaRPr lang="en-US" dirty="0">
+              <a:solidFill>
+                <a:schemeClr val="bg1"/>
+              </a:solidFill>
+            </a:endParaRPr>
           </a:p>
         </p:txBody>
       </p:sp>
@@ -25940,21 +28848,38 @@
             <p:ph type="body" sz="quarter" idx="11"/>
           </p:nvPr>
         </p:nvSpPr>
-        <p:spPr/>
+        <p:spPr>
+          <a:xfrm>
+            <a:off x="328613" y="1079048"/>
+            <a:ext cx="8401246" cy="832880"/>
+          </a:xfrm>
+        </p:spPr>
         <p:txBody>
           <a:bodyPr/>
           <a:lstStyle/>
           <a:p>
             <a:r>
-              <a:rPr lang="en-US" dirty="0"/>
+              <a:rPr lang="en-US" dirty="0">
+                <a:solidFill>
+                  <a:schemeClr val="bg1"/>
+                </a:solidFill>
+              </a:rPr>
               <a:t>SRP Single Responsibility Principle</a:t>
             </a:r>
           </a:p>
           <a:p>
-            <a:endParaRPr lang="en-US" dirty="0"/>
-          </a:p>
-          <a:p>
-            <a:endParaRPr lang="en-US" dirty="0"/>
+            <a:endParaRPr lang="en-US" dirty="0">
+              <a:solidFill>
+                <a:schemeClr val="bg1"/>
+              </a:solidFill>
+            </a:endParaRPr>
+          </a:p>
+          <a:p>
+            <a:endParaRPr lang="en-US" dirty="0">
+              <a:solidFill>
+                <a:schemeClr val="bg1"/>
+              </a:solidFill>
+            </a:endParaRPr>
           </a:p>
         </p:txBody>
       </p:sp>

--- a/docs/solid.pptx
+++ b/docs/solid.pptx
@@ -286,7 +286,7 @@
           <a:p>
             <a:fld id="{BB6D47BE-B638-4384-8186-1BE11A133744}" type="datetimeFigureOut">
               <a:rPr lang="it-IT" smtClean="0"/>
-              <a:t>13/07/2021</a:t>
+              <a:t>14/07/2021</a:t>
             </a:fld>
             <a:endParaRPr lang="it-IT"/>
           </a:p>
@@ -463,7 +463,7 @@
           <a:p>
             <a:fld id="{511C7247-C3DA-4B1B-BCAA-E9308B4A9CD3}" type="datetimeFigureOut">
               <a:rPr lang="en-GB" smtClean="0"/>
-              <a:t>13/07/2021</a:t>
+              <a:t>14/07/2021</a:t>
             </a:fld>
             <a:endParaRPr lang="en-GB"/>
           </a:p>
@@ -7793,8 +7793,8 @@
         </p:nvSpPr>
         <p:spPr>
           <a:xfrm>
-            <a:off x="388620" y="5935147"/>
-            <a:ext cx="7383780" cy="646331"/>
+            <a:off x="2901896" y="5263808"/>
+            <a:ext cx="4477537" cy="646331"/>
           </a:xfrm>
           <a:prstGeom prst="rect">
             <a:avLst/>
@@ -7814,7 +7814,7 @@
                 </a:solidFill>
                 <a:latin typeface="Chronicle Display Light" pitchFamily="50" charset="0"/>
               </a:rPr>
-              <a:t>…when possible</a:t>
+              <a:t>when possible</a:t>
             </a:r>
             <a:endParaRPr lang="en-US" sz="2400" i="1" dirty="0">
               <a:solidFill>
@@ -9583,7 +9583,7 @@
                 </a:solidFill>
                 <a:latin typeface="Chronicle Display"/>
               </a:rPr>
-              <a:t> Ff S is a subtype of T, then objects of type T may be replaced with objects of type S.</a:t>
+              <a:t> If S is a subtype of T, then objects of type T may be replaced with objects of type S.</a:t>
             </a:r>
             <a:endParaRPr lang="en-GB" sz="2400" b="1" i="1" dirty="0">
               <a:solidFill>
@@ -16644,13 +16644,13 @@
         </p:spPr>
         <p:style>
           <a:lnRef idx="2">
-            <a:schemeClr val="dk1"/>
+            <a:schemeClr val="accent3"/>
           </a:lnRef>
           <a:fillRef idx="0">
-            <a:schemeClr val="dk1"/>
+            <a:schemeClr val="accent3"/>
           </a:fillRef>
           <a:effectRef idx="1">
-            <a:schemeClr val="dk1"/>
+            <a:schemeClr val="accent3"/>
           </a:effectRef>
           <a:fontRef idx="minor">
             <a:schemeClr val="tx1"/>
@@ -16687,13 +16687,13 @@
         </p:spPr>
         <p:style>
           <a:lnRef idx="2">
-            <a:schemeClr val="dk1"/>
+            <a:schemeClr val="accent3"/>
           </a:lnRef>
           <a:fillRef idx="0">
-            <a:schemeClr val="dk1"/>
+            <a:schemeClr val="accent3"/>
           </a:fillRef>
           <a:effectRef idx="1">
-            <a:schemeClr val="dk1"/>
+            <a:schemeClr val="accent3"/>
           </a:effectRef>
           <a:fontRef idx="minor">
             <a:schemeClr val="tx1"/>
@@ -16730,13 +16730,13 @@
         </p:spPr>
         <p:style>
           <a:lnRef idx="2">
-            <a:schemeClr val="dk1"/>
+            <a:schemeClr val="accent3"/>
           </a:lnRef>
           <a:fillRef idx="0">
-            <a:schemeClr val="dk1"/>
+            <a:schemeClr val="accent3"/>
           </a:fillRef>
           <a:effectRef idx="1">
-            <a:schemeClr val="dk1"/>
+            <a:schemeClr val="accent3"/>
           </a:effectRef>
           <a:fontRef idx="minor">
             <a:schemeClr val="tx1"/>
@@ -16773,13 +16773,13 @@
         </p:spPr>
         <p:style>
           <a:lnRef idx="2">
-            <a:schemeClr val="dk1"/>
+            <a:schemeClr val="accent3"/>
           </a:lnRef>
           <a:fillRef idx="0">
-            <a:schemeClr val="dk1"/>
+            <a:schemeClr val="accent3"/>
           </a:fillRef>
           <a:effectRef idx="1">
-            <a:schemeClr val="dk1"/>
+            <a:schemeClr val="accent3"/>
           </a:effectRef>
           <a:fontRef idx="minor">
             <a:schemeClr val="tx1"/>
@@ -16816,13 +16816,13 @@
         </p:spPr>
         <p:style>
           <a:lnRef idx="2">
-            <a:schemeClr val="dk1"/>
+            <a:schemeClr val="accent3"/>
           </a:lnRef>
           <a:fillRef idx="0">
-            <a:schemeClr val="dk1"/>
+            <a:schemeClr val="accent3"/>
           </a:fillRef>
           <a:effectRef idx="1">
-            <a:schemeClr val="dk1"/>
+            <a:schemeClr val="accent3"/>
           </a:effectRef>
           <a:fontRef idx="minor">
             <a:schemeClr val="tx1"/>
@@ -16858,13 +16858,13 @@
         </p:spPr>
         <p:style>
           <a:lnRef idx="2">
-            <a:schemeClr val="dk1"/>
+            <a:schemeClr val="accent3"/>
           </a:lnRef>
           <a:fillRef idx="0">
-            <a:schemeClr val="dk1"/>
+            <a:schemeClr val="accent3"/>
           </a:fillRef>
           <a:effectRef idx="1">
-            <a:schemeClr val="dk1"/>
+            <a:schemeClr val="accent3"/>
           </a:effectRef>
           <a:fontRef idx="minor">
             <a:schemeClr val="tx1"/>
@@ -16901,13 +16901,13 @@
         </p:spPr>
         <p:style>
           <a:lnRef idx="2">
-            <a:schemeClr val="dk1"/>
+            <a:schemeClr val="accent3"/>
           </a:lnRef>
           <a:fillRef idx="0">
-            <a:schemeClr val="dk1"/>
+            <a:schemeClr val="accent3"/>
           </a:fillRef>
           <a:effectRef idx="1">
-            <a:schemeClr val="dk1"/>
+            <a:schemeClr val="accent3"/>
           </a:effectRef>
           <a:fontRef idx="minor">
             <a:schemeClr val="tx1"/>
@@ -16944,13 +16944,13 @@
         </p:spPr>
         <p:style>
           <a:lnRef idx="2">
-            <a:schemeClr val="dk1"/>
+            <a:schemeClr val="accent3"/>
           </a:lnRef>
           <a:fillRef idx="0">
-            <a:schemeClr val="dk1"/>
+            <a:schemeClr val="accent3"/>
           </a:fillRef>
           <a:effectRef idx="1">
-            <a:schemeClr val="dk1"/>
+            <a:schemeClr val="accent3"/>
           </a:effectRef>
           <a:fontRef idx="minor">
             <a:schemeClr val="tx1"/>
@@ -20791,7 +20791,7 @@
                                           </p:stCondLst>
                                         </p:cTn>
                                         <p:tgtEl>
-                                          <p:spTgt spid="16"/>
+                                          <p:spTgt spid="17"/>
                                         </p:tgtEl>
                                         <p:attrNameLst>
                                           <p:attrName>style.visibility</p:attrName>
@@ -20805,7 +20805,7 @@
                                       <p:cBhvr>
                                         <p:cTn id="27" dur="500"/>
                                         <p:tgtEl>
-                                          <p:spTgt spid="16"/>
+                                          <p:spTgt spid="17"/>
                                         </p:tgtEl>
                                       </p:cBhvr>
                                     </p:animEffect>
@@ -20844,7 +20844,7 @@
                                           </p:stCondLst>
                                         </p:cTn>
                                         <p:tgtEl>
-                                          <p:spTgt spid="17"/>
+                                          <p:spTgt spid="16"/>
                                         </p:tgtEl>
                                         <p:attrNameLst>
                                           <p:attrName>style.visibility</p:attrName>
@@ -20858,7 +20858,7 @@
                                       <p:cBhvr>
                                         <p:cTn id="32" dur="500"/>
                                         <p:tgtEl>
-                                          <p:spTgt spid="17"/>
+                                          <p:spTgt spid="16"/>
                                         </p:tgtEl>
                                       </p:cBhvr>
                                     </p:animEffect>
@@ -23033,7 +23033,7 @@
                   <a:schemeClr val="bg1"/>
                 </a:solidFill>
               </a:rPr>
-              <a:t>HTTP call </a:t>
+              <a:t>&gt; HTTP call </a:t>
             </a:r>
             <a:r>
               <a:rPr lang="en-GB" sz="1600" dirty="0">
@@ -23080,7 +23080,7 @@
                   <a:schemeClr val="bg1"/>
                 </a:solidFill>
               </a:rPr>
-              <a:t>RPC-Like call</a:t>
+              <a:t>&gt; RPC-Like call</a:t>
             </a:r>
             <a:r>
               <a:rPr lang="en-GB" sz="1600" dirty="0">
@@ -23143,7 +23143,7 @@
                   <a:schemeClr val="bg1"/>
                 </a:solidFill>
               </a:rPr>
-              <a:t>Asynchronous messages </a:t>
+              <a:t>&gt; Asynchronous messages </a:t>
             </a:r>
             <a:r>
               <a:rPr lang="en-GB" sz="1600" dirty="0">
@@ -23151,7 +23151,7 @@
                   <a:schemeClr val="bg1"/>
                 </a:solidFill>
               </a:rPr>
-              <a:t>using message broken</a:t>
+              <a:t>using message broker</a:t>
             </a:r>
           </a:p>
         </p:txBody>
@@ -26012,7 +26012,7 @@
                                           </p:stCondLst>
                                         </p:cTn>
                                         <p:tgtEl>
-                                          <p:spTgt spid="4"/>
+                                          <p:spTgt spid="6"/>
                                         </p:tgtEl>
                                         <p:attrNameLst>
                                           <p:attrName>style.visibility</p:attrName>
@@ -26026,7 +26026,7 @@
                                       <p:cBhvr>
                                         <p:cTn id="12" dur="500"/>
                                         <p:tgtEl>
-                                          <p:spTgt spid="4"/>
+                                          <p:spTgt spid="6"/>
                                         </p:tgtEl>
                                       </p:cBhvr>
                                     </p:animEffect>
@@ -26065,7 +26065,7 @@
                                           </p:stCondLst>
                                         </p:cTn>
                                         <p:tgtEl>
-                                          <p:spTgt spid="5"/>
+                                          <p:spTgt spid="4"/>
                                         </p:tgtEl>
                                         <p:attrNameLst>
                                           <p:attrName>style.visibility</p:attrName>
@@ -26079,7 +26079,7 @@
                                       <p:cBhvr>
                                         <p:cTn id="17" dur="500"/>
                                         <p:tgtEl>
-                                          <p:spTgt spid="5"/>
+                                          <p:spTgt spid="4"/>
                                         </p:tgtEl>
                                       </p:cBhvr>
                                     </p:animEffect>
@@ -26118,7 +26118,7 @@
                                           </p:stCondLst>
                                         </p:cTn>
                                         <p:tgtEl>
-                                          <p:spTgt spid="6"/>
+                                          <p:spTgt spid="5"/>
                                         </p:tgtEl>
                                         <p:attrNameLst>
                                           <p:attrName>style.visibility</p:attrName>
@@ -26132,7 +26132,7 @@
                                       <p:cBhvr>
                                         <p:cTn id="22" dur="500"/>
                                         <p:tgtEl>
-                                          <p:spTgt spid="6"/>
+                                          <p:spTgt spid="5"/>
                                         </p:tgtEl>
                                       </p:cBhvr>
                                     </p:animEffect>
@@ -28326,7 +28326,7 @@
                 </a:solidFill>
                 <a:latin typeface="Chronicle Display" pitchFamily="50" charset="0"/>
               </a:rPr>
-              <a:t>, so we should separate the two job of the class into two different classes , each with a single responsibility.</a:t>
+              <a:t>, so we should separate the two job of the class into two different classes, each with a single responsibility.</a:t>
             </a:r>
           </a:p>
         </p:txBody>

--- a/docs/solid.pptx
+++ b/docs/solid.pptx
@@ -15546,7 +15546,7 @@
                   <a:schemeClr val="bg1"/>
                 </a:solidFill>
               </a:rPr>
-              <a:t>The goal of interface segregation for microservices is that each type of frontend sees the service contract that best suits its needs</a:t>
+              <a:t>The goal of interface segregation for microservices is that each type of frontend sees the service contract that best suits its needs in terms of contract and protocol</a:t>
             </a:r>
             <a:endParaRPr lang="en-GB" dirty="0">
               <a:solidFill>
@@ -18787,7 +18787,7 @@
         </p:nvSpPr>
         <p:spPr>
           <a:xfrm>
-            <a:off x="328599" y="3351238"/>
+            <a:off x="740063" y="3706152"/>
             <a:ext cx="8210747" cy="369332"/>
           </a:xfrm>
           <a:prstGeom prst="rect">
@@ -18863,7 +18863,7 @@
         </p:nvSpPr>
         <p:spPr>
           <a:xfrm>
-            <a:off x="328606" y="3700806"/>
+            <a:off x="740070" y="4055720"/>
             <a:ext cx="8210747" cy="369332"/>
           </a:xfrm>
           <a:prstGeom prst="rect">
@@ -18955,7 +18955,7 @@
         </p:nvSpPr>
         <p:spPr>
           <a:xfrm>
-            <a:off x="328603" y="4050374"/>
+            <a:off x="740067" y="4405288"/>
             <a:ext cx="8210747" cy="369332"/>
           </a:xfrm>
           <a:prstGeom prst="rect">
@@ -19039,7 +19039,7 @@
         </p:nvSpPr>
         <p:spPr>
           <a:xfrm>
-            <a:off x="328602" y="4399942"/>
+            <a:off x="740066" y="4754856"/>
             <a:ext cx="8210747" cy="369332"/>
           </a:xfrm>
           <a:prstGeom prst="rect">
@@ -19235,7 +19235,7 @@
         </p:nvSpPr>
         <p:spPr>
           <a:xfrm>
-            <a:off x="328598" y="4749510"/>
+            <a:off x="740062" y="5104424"/>
             <a:ext cx="8210747" cy="369332"/>
           </a:xfrm>
           <a:prstGeom prst="rect">
@@ -19319,7 +19319,7 @@
         </p:nvSpPr>
         <p:spPr>
           <a:xfrm>
-            <a:off x="328594" y="5118842"/>
+            <a:off x="740058" y="5473756"/>
             <a:ext cx="8210747" cy="369332"/>
           </a:xfrm>
           <a:prstGeom prst="rect">
@@ -19443,7 +19443,7 @@
         </p:nvSpPr>
         <p:spPr>
           <a:xfrm>
-            <a:off x="328590" y="5468410"/>
+            <a:off x="740054" y="5823324"/>
             <a:ext cx="8210747" cy="369332"/>
           </a:xfrm>
           <a:prstGeom prst="rect">
@@ -19522,6 +19522,66 @@
               <a:t>)</a:t>
             </a:r>
             <a:endParaRPr lang="en-GB" sz="1600" dirty="0">
+              <a:solidFill>
+                <a:schemeClr val="bg1"/>
+              </a:solidFill>
+            </a:endParaRPr>
+          </a:p>
+        </p:txBody>
+      </p:sp>
+      <p:sp>
+        <p:nvSpPr>
+          <p:cNvPr id="12" name="TextBox 11">
+            <a:extLst>
+              <a:ext uri="{FF2B5EF4-FFF2-40B4-BE49-F238E27FC236}">
+                <a16:creationId xmlns:a16="http://schemas.microsoft.com/office/drawing/2014/main" id="{7AC5EC97-5EF8-41A0-BAC2-027251EE1759}"/>
+              </a:ext>
+            </a:extLst>
+          </p:cNvPr>
+          <p:cNvSpPr txBox="1"/>
+          <p:nvPr/>
+        </p:nvSpPr>
+        <p:spPr>
+          <a:xfrm>
+            <a:off x="328613" y="3219985"/>
+            <a:ext cx="8210747" cy="369332"/>
+          </a:xfrm>
+          <a:prstGeom prst="rect">
+            <a:avLst/>
+          </a:prstGeom>
+          <a:noFill/>
+        </p:spPr>
+        <p:txBody>
+          <a:bodyPr wrap="square" rtlCol="0">
+            <a:spAutoFit/>
+          </a:bodyPr>
+          <a:lstStyle/>
+          <a:p>
+            <a:r>
+              <a:rPr lang="en-US" dirty="0">
+                <a:solidFill>
+                  <a:schemeClr val="bg1"/>
+                </a:solidFill>
+              </a:rPr>
+              <a:t>Technologies to improve </a:t>
+            </a:r>
+            <a:r>
+              <a:rPr lang="en-US" dirty="0" err="1">
+                <a:solidFill>
+                  <a:schemeClr val="bg1"/>
+                </a:solidFill>
+              </a:rPr>
+              <a:t>deployability</a:t>
+            </a:r>
+            <a:r>
+              <a:rPr lang="en-US" dirty="0">
+                <a:solidFill>
+                  <a:schemeClr val="bg1"/>
+                </a:solidFill>
+              </a:rPr>
+              <a:t>:</a:t>
+            </a:r>
+            <a:endParaRPr lang="en-GB" b="1" i="1" dirty="0">
               <a:solidFill>
                 <a:schemeClr val="bg1"/>
               </a:solidFill>
@@ -19573,7 +19633,7 @@
                                           </p:stCondLst>
                                         </p:cTn>
                                         <p:tgtEl>
-                                          <p:spTgt spid="7"/>
+                                          <p:spTgt spid="12"/>
                                         </p:tgtEl>
                                         <p:attrNameLst>
                                           <p:attrName>style.visibility</p:attrName>
@@ -19587,7 +19647,7 @@
                                       <p:cBhvr>
                                         <p:cTn id="7" dur="500"/>
                                         <p:tgtEl>
-                                          <p:spTgt spid="7"/>
+                                          <p:spTgt spid="12"/>
                                         </p:tgtEl>
                                       </p:cBhvr>
                                     </p:animEffect>
@@ -19997,10 +20057,10 @@
       <p:bldP spid="4" grpId="0"/>
       <p:bldP spid="5" grpId="0"/>
       <p:bldP spid="6" grpId="0"/>
-      <p:bldP spid="7" grpId="0"/>
       <p:bldP spid="9" grpId="0"/>
       <p:bldP spid="10" grpId="0"/>
       <p:bldP spid="11" grpId="0"/>
+      <p:bldP spid="12" grpId="0"/>
     </p:bldLst>
   </p:timing>
 </p:sld>
@@ -20125,7 +20185,7 @@
         </p:nvSpPr>
         <p:spPr>
           <a:xfrm>
-            <a:off x="328609" y="2940950"/>
+            <a:off x="808669" y="2906363"/>
             <a:ext cx="8210747" cy="369332"/>
           </a:xfrm>
           <a:prstGeom prst="rect">
@@ -20169,7 +20229,7 @@
         </p:nvSpPr>
         <p:spPr>
           <a:xfrm>
-            <a:off x="328609" y="3364180"/>
+            <a:off x="808669" y="3329593"/>
             <a:ext cx="8210747" cy="369332"/>
           </a:xfrm>
           <a:prstGeom prst="rect">
@@ -20213,7 +20273,7 @@
         </p:nvSpPr>
         <p:spPr>
           <a:xfrm>
-            <a:off x="328613" y="3753387"/>
+            <a:off x="808673" y="3718800"/>
             <a:ext cx="8210747" cy="369332"/>
           </a:xfrm>
           <a:prstGeom prst="rect">
@@ -20337,7 +20397,7 @@
         </p:nvSpPr>
         <p:spPr>
           <a:xfrm>
-            <a:off x="328613" y="4142594"/>
+            <a:off x="808673" y="4108007"/>
             <a:ext cx="8210747" cy="369332"/>
           </a:xfrm>
           <a:prstGeom prst="rect">
@@ -20389,7 +20449,7 @@
         </p:nvSpPr>
         <p:spPr>
           <a:xfrm>
-            <a:off x="328608" y="4897782"/>
+            <a:off x="808668" y="4863195"/>
             <a:ext cx="8210747" cy="369332"/>
           </a:xfrm>
           <a:prstGeom prst="rect">
@@ -20449,7 +20509,7 @@
         </p:nvSpPr>
         <p:spPr>
           <a:xfrm>
-            <a:off x="328613" y="4508575"/>
+            <a:off x="808673" y="4473988"/>
             <a:ext cx="8210747" cy="369332"/>
           </a:xfrm>
           <a:prstGeom prst="rect">

--- a/docs/solid.pptx
+++ b/docs/solid.pptx
@@ -286,7 +286,7 @@
           <a:p>
             <a:fld id="{BB6D47BE-B638-4384-8186-1BE11A133744}" type="datetimeFigureOut">
               <a:rPr lang="it-IT" smtClean="0"/>
-              <a:t>14/07/2021</a:t>
+              <a:t>15/07/2021</a:t>
             </a:fld>
             <a:endParaRPr lang="it-IT"/>
           </a:p>
@@ -463,7 +463,7 @@
           <a:p>
             <a:fld id="{511C7247-C3DA-4B1B-BCAA-E9308B4A9CD3}" type="datetimeFigureOut">
               <a:rPr lang="en-GB" smtClean="0"/>
-              <a:t>14/07/2021</a:t>
+              <a:t>15/07/2021</a:t>
             </a:fld>
             <a:endParaRPr lang="en-GB"/>
           </a:p>
@@ -9311,10 +9311,10 @@
       </p:sp>
       <p:pic>
         <p:nvPicPr>
-          <p:cNvPr id="3" name="Picture 2">
+          <p:cNvPr id="6" name="Picture 5">
             <a:extLst>
               <a:ext uri="{FF2B5EF4-FFF2-40B4-BE49-F238E27FC236}">
-                <a16:creationId xmlns:a16="http://schemas.microsoft.com/office/drawing/2014/main" id="{1F1D83ED-11B4-46B5-AD41-B5B0AF286047}"/>
+                <a16:creationId xmlns:a16="http://schemas.microsoft.com/office/drawing/2014/main" id="{80441A67-4AB2-45BF-9D39-22DB213E6A6D}"/>
               </a:ext>
             </a:extLst>
           </p:cNvPr>
@@ -9331,8 +9331,8 @@
         </p:blipFill>
         <p:spPr>
           <a:xfrm>
-            <a:off x="1410588" y="2626323"/>
-            <a:ext cx="6458851" cy="3086531"/>
+            <a:off x="809204" y="2171135"/>
+            <a:ext cx="7440063" cy="3915321"/>
           </a:xfrm>
           <a:prstGeom prst="rect">
             <a:avLst/>
@@ -15409,7 +15409,7 @@
         </p:nvSpPr>
         <p:spPr>
           <a:xfrm>
-            <a:off x="328613" y="2359417"/>
+            <a:off x="328608" y="1962456"/>
             <a:ext cx="8210747" cy="646331"/>
           </a:xfrm>
           <a:prstGeom prst="rect">
@@ -15448,7 +15448,7 @@
         </p:nvSpPr>
         <p:spPr>
           <a:xfrm>
-            <a:off x="328613" y="3136612"/>
+            <a:off x="328607" y="2635957"/>
             <a:ext cx="8210747" cy="646331"/>
           </a:xfrm>
           <a:prstGeom prst="rect">
@@ -15487,8 +15487,8 @@
         </p:nvSpPr>
         <p:spPr>
           <a:xfrm>
-            <a:off x="328612" y="3913807"/>
-            <a:ext cx="8210747" cy="923330"/>
+            <a:off x="328605" y="4261572"/>
+            <a:ext cx="8210747" cy="646331"/>
           </a:xfrm>
           <a:prstGeom prst="rect">
             <a:avLst/>
@@ -15507,7 +15507,7 @@
                   <a:schemeClr val="bg1"/>
                 </a:solidFill>
               </a:rPr>
-              <a:t>In the era of microservices there are a multitude of client (frontend) to the same service logic; that’s the main motivation to apply interface segregation for each possible client with its needs</a:t>
+              <a:t>In the era of microservices there are a multitude of client (frontend) to the same service logic</a:t>
             </a:r>
           </a:p>
         </p:txBody>
@@ -15623,6 +15623,45 @@
               </a:solidFill>
               <a:latin typeface="Chronicle Display" pitchFamily="50" charset="0"/>
             </a:endParaRPr>
+          </a:p>
+        </p:txBody>
+      </p:sp>
+      <p:sp>
+        <p:nvSpPr>
+          <p:cNvPr id="10" name="TextBox 9">
+            <a:extLst>
+              <a:ext uri="{FF2B5EF4-FFF2-40B4-BE49-F238E27FC236}">
+                <a16:creationId xmlns:a16="http://schemas.microsoft.com/office/drawing/2014/main" id="{DF287BDA-35F3-4682-B70D-9B05D0FC6523}"/>
+              </a:ext>
+            </a:extLst>
+          </p:cNvPr>
+          <p:cNvSpPr txBox="1"/>
+          <p:nvPr/>
+        </p:nvSpPr>
+        <p:spPr>
+          <a:xfrm>
+            <a:off x="328604" y="3567652"/>
+            <a:ext cx="8210747" cy="461665"/>
+          </a:xfrm>
+          <a:prstGeom prst="rect">
+            <a:avLst/>
+          </a:prstGeom>
+          <a:noFill/>
+        </p:spPr>
+        <p:txBody>
+          <a:bodyPr wrap="square" rtlCol="0">
+            <a:spAutoFit/>
+          </a:bodyPr>
+          <a:lstStyle/>
+          <a:p>
+            <a:r>
+              <a:rPr lang="en-GB" sz="2400" b="1" dirty="0">
+                <a:solidFill>
+                  <a:schemeClr val="bg1"/>
+                </a:solidFill>
+              </a:rPr>
+              <a:t>Interface = service contract</a:t>
+            </a:r>
           </a:p>
         </p:txBody>
       </p:sp>
@@ -15776,7 +15815,7 @@
                                           </p:stCondLst>
                                         </p:cTn>
                                         <p:tgtEl>
-                                          <p:spTgt spid="7"/>
+                                          <p:spTgt spid="10"/>
                                         </p:tgtEl>
                                         <p:attrNameLst>
                                           <p:attrName>style.visibility</p:attrName>
@@ -15790,7 +15829,7 @@
                                       <p:cBhvr>
                                         <p:cTn id="17" dur="500"/>
                                         <p:tgtEl>
-                                          <p:spTgt spid="7"/>
+                                          <p:spTgt spid="10"/>
                                         </p:tgtEl>
                                       </p:cBhvr>
                                     </p:animEffect>
@@ -15829,7 +15868,7 @@
                                           </p:stCondLst>
                                         </p:cTn>
                                         <p:tgtEl>
-                                          <p:spTgt spid="8"/>
+                                          <p:spTgt spid="7"/>
                                         </p:tgtEl>
                                         <p:attrNameLst>
                                           <p:attrName>style.visibility</p:attrName>
@@ -15843,7 +15882,7 @@
                                       <p:cBhvr>
                                         <p:cTn id="22" dur="500"/>
                                         <p:tgtEl>
-                                          <p:spTgt spid="8"/>
+                                          <p:spTgt spid="7"/>
                                         </p:tgtEl>
                                       </p:cBhvr>
                                     </p:animEffect>
@@ -15882,6 +15921,59 @@
                                           </p:stCondLst>
                                         </p:cTn>
                                         <p:tgtEl>
+                                          <p:spTgt spid="8"/>
+                                        </p:tgtEl>
+                                        <p:attrNameLst>
+                                          <p:attrName>style.visibility</p:attrName>
+                                        </p:attrNameLst>
+                                      </p:cBhvr>
+                                      <p:to>
+                                        <p:strVal val="visible"/>
+                                      </p:to>
+                                    </p:set>
+                                    <p:animEffect transition="in" filter="fade">
+                                      <p:cBhvr>
+                                        <p:cTn id="27" dur="500"/>
+                                        <p:tgtEl>
+                                          <p:spTgt spid="8"/>
+                                        </p:tgtEl>
+                                      </p:cBhvr>
+                                    </p:animEffect>
+                                  </p:childTnLst>
+                                </p:cTn>
+                              </p:par>
+                            </p:childTnLst>
+                          </p:cTn>
+                        </p:par>
+                      </p:childTnLst>
+                    </p:cTn>
+                  </p:par>
+                  <p:par>
+                    <p:cTn id="28" fill="hold">
+                      <p:stCondLst>
+                        <p:cond delay="indefinite"/>
+                      </p:stCondLst>
+                      <p:childTnLst>
+                        <p:par>
+                          <p:cTn id="29" fill="hold">
+                            <p:stCondLst>
+                              <p:cond delay="0"/>
+                            </p:stCondLst>
+                            <p:childTnLst>
+                              <p:par>
+                                <p:cTn id="30" presetID="10" presetClass="entr" presetSubtype="0" fill="hold" grpId="0" nodeType="clickEffect">
+                                  <p:stCondLst>
+                                    <p:cond delay="0"/>
+                                  </p:stCondLst>
+                                  <p:childTnLst>
+                                    <p:set>
+                                      <p:cBhvr>
+                                        <p:cTn id="31" dur="1" fill="hold">
+                                          <p:stCondLst>
+                                            <p:cond delay="0"/>
+                                          </p:stCondLst>
+                                        </p:cTn>
+                                        <p:tgtEl>
                                           <p:spTgt spid="9"/>
                                         </p:tgtEl>
                                         <p:attrNameLst>
@@ -15894,7 +15986,7 @@
                                     </p:set>
                                     <p:animEffect transition="in" filter="fade">
                                       <p:cBhvr>
-                                        <p:cTn id="27" dur="500"/>
+                                        <p:cTn id="32" dur="500"/>
                                         <p:tgtEl>
                                           <p:spTgt spid="9"/>
                                         </p:tgtEl>
@@ -15936,6 +16028,7 @@
       <p:bldP spid="7" grpId="0"/>
       <p:bldP spid="8" grpId="0"/>
       <p:bldP spid="9" grpId="0"/>
+      <p:bldP spid="10" grpId="0"/>
     </p:bldLst>
   </p:timing>
 </p:sld>
@@ -17447,7 +17540,23 @@
                   <a:schemeClr val="bg1"/>
                 </a:solidFill>
               </a:rPr>
-              <a:t>For microservice developers, there are critical design decisions that go beyond the software design as module, dependencies, patterns, etc.</a:t>
+              <a:t>For microservice developers, </a:t>
+            </a:r>
+            <a:r>
+              <a:rPr lang="en-US" u="sng" dirty="0">
+                <a:solidFill>
+                  <a:schemeClr val="bg1"/>
+                </a:solidFill>
+              </a:rPr>
+              <a:t>there are critical design decisions that go beyond the software design as module</a:t>
+            </a:r>
+            <a:r>
+              <a:rPr lang="en-US" dirty="0">
+                <a:solidFill>
+                  <a:schemeClr val="bg1"/>
+                </a:solidFill>
+              </a:rPr>
+              <a:t>, dependencies, patterns, etc.</a:t>
             </a:r>
             <a:endParaRPr lang="en-GB" sz="1600" dirty="0">
               <a:solidFill>
@@ -19563,7 +19672,23 @@
                   <a:schemeClr val="bg1"/>
                 </a:solidFill>
               </a:rPr>
-              <a:t>Technologies to improve </a:t>
+              <a:t>Technologies </a:t>
+            </a:r>
+            <a:r>
+              <a:rPr lang="en-US">
+                <a:solidFill>
+                  <a:schemeClr val="bg1"/>
+                </a:solidFill>
+              </a:rPr>
+              <a:t>and strategies to </a:t>
+            </a:r>
+            <a:r>
+              <a:rPr lang="en-US" dirty="0">
+                <a:solidFill>
+                  <a:schemeClr val="bg1"/>
+                </a:solidFill>
+              </a:rPr>
+              <a:t>improve </a:t>
             </a:r>
             <a:r>
               <a:rPr lang="en-US" dirty="0" err="1">
@@ -23875,7 +24000,7 @@
                   <a:schemeClr val="bg1"/>
                 </a:solidFill>
               </a:rPr>
-              <a:t>“It’s not possible for a distributed data store to simultaneously provide more than two features between Consistency, Availability and Partition tolerance”</a:t>
+              <a:t>“It’s not possible for a distributed system to simultaneously provide more than two features between Consistency, Availability and Partition tolerance”</a:t>
             </a:r>
           </a:p>
         </p:txBody>
@@ -26556,23 +26681,7 @@
                   <a:schemeClr val="bg1"/>
                 </a:solidFill>
               </a:rPr>
-              <a:t>Point-to-point</a:t>
-            </a:r>
-            <a:r>
-              <a:rPr lang="it-IT" b="1" i="1" dirty="0">
-                <a:solidFill>
-                  <a:schemeClr val="bg1"/>
-                </a:solidFill>
-              </a:rPr>
-              <a:t> and </a:t>
-            </a:r>
-            <a:r>
-              <a:rPr lang="it-IT" b="1" i="1" dirty="0" err="1">
-                <a:solidFill>
-                  <a:schemeClr val="bg1"/>
-                </a:solidFill>
-              </a:rPr>
-              <a:t>publish-subscribe</a:t>
+              <a:t>Publish-subscribe</a:t>
             </a:r>
             <a:r>
               <a:rPr lang="it-IT" b="1" i="1" dirty="0">

--- a/docs/solid.pptx
+++ b/docs/solid.pptx
@@ -5,65 +5,69 @@
     <p:sldMasterId id="2147483650" r:id="rId1"/>
   </p:sldMasterIdLst>
   <p:notesMasterIdLst>
-    <p:notesMasterId r:id="rId55"/>
+    <p:notesMasterId r:id="rId59"/>
   </p:notesMasterIdLst>
   <p:handoutMasterIdLst>
-    <p:handoutMasterId r:id="rId56"/>
+    <p:handoutMasterId r:id="rId60"/>
   </p:handoutMasterIdLst>
   <p:sldIdLst>
     <p:sldId id="309" r:id="rId2"/>
-    <p:sldId id="310" r:id="rId3"/>
-    <p:sldId id="289" r:id="rId4"/>
-    <p:sldId id="290" r:id="rId5"/>
-    <p:sldId id="291" r:id="rId6"/>
-    <p:sldId id="292" r:id="rId7"/>
-    <p:sldId id="293" r:id="rId8"/>
-    <p:sldId id="298" r:id="rId9"/>
-    <p:sldId id="314" r:id="rId10"/>
-    <p:sldId id="294" r:id="rId11"/>
-    <p:sldId id="295" r:id="rId12"/>
-    <p:sldId id="296" r:id="rId13"/>
-    <p:sldId id="297" r:id="rId14"/>
-    <p:sldId id="315" r:id="rId15"/>
-    <p:sldId id="316" r:id="rId16"/>
-    <p:sldId id="317" r:id="rId17"/>
-    <p:sldId id="313" r:id="rId18"/>
-    <p:sldId id="318" r:id="rId19"/>
-    <p:sldId id="299" r:id="rId20"/>
-    <p:sldId id="300" r:id="rId21"/>
-    <p:sldId id="301" r:id="rId22"/>
-    <p:sldId id="322" r:id="rId23"/>
-    <p:sldId id="302" r:id="rId24"/>
-    <p:sldId id="303" r:id="rId25"/>
-    <p:sldId id="324" r:id="rId26"/>
-    <p:sldId id="325" r:id="rId27"/>
-    <p:sldId id="323" r:id="rId28"/>
-    <p:sldId id="305" r:id="rId29"/>
-    <p:sldId id="306" r:id="rId30"/>
-    <p:sldId id="307" r:id="rId31"/>
-    <p:sldId id="326" r:id="rId32"/>
-    <p:sldId id="327" r:id="rId33"/>
-    <p:sldId id="328" r:id="rId34"/>
-    <p:sldId id="319" r:id="rId35"/>
-    <p:sldId id="320" r:id="rId36"/>
-    <p:sldId id="329" r:id="rId37"/>
-    <p:sldId id="331" r:id="rId38"/>
-    <p:sldId id="332" r:id="rId39"/>
-    <p:sldId id="336" r:id="rId40"/>
-    <p:sldId id="333" r:id="rId41"/>
-    <p:sldId id="337" r:id="rId42"/>
-    <p:sldId id="338" r:id="rId43"/>
-    <p:sldId id="339" r:id="rId44"/>
-    <p:sldId id="340" r:id="rId45"/>
-    <p:sldId id="342" r:id="rId46"/>
-    <p:sldId id="334" r:id="rId47"/>
-    <p:sldId id="343" r:id="rId48"/>
-    <p:sldId id="346" r:id="rId49"/>
-    <p:sldId id="347" r:id="rId50"/>
-    <p:sldId id="335" r:id="rId51"/>
-    <p:sldId id="344" r:id="rId52"/>
-    <p:sldId id="345" r:id="rId53"/>
-    <p:sldId id="330" r:id="rId54"/>
+    <p:sldId id="349" r:id="rId3"/>
+    <p:sldId id="310" r:id="rId4"/>
+    <p:sldId id="289" r:id="rId5"/>
+    <p:sldId id="290" r:id="rId6"/>
+    <p:sldId id="291" r:id="rId7"/>
+    <p:sldId id="292" r:id="rId8"/>
+    <p:sldId id="293" r:id="rId9"/>
+    <p:sldId id="298" r:id="rId10"/>
+    <p:sldId id="314" r:id="rId11"/>
+    <p:sldId id="294" r:id="rId12"/>
+    <p:sldId id="295" r:id="rId13"/>
+    <p:sldId id="296" r:id="rId14"/>
+    <p:sldId id="297" r:id="rId15"/>
+    <p:sldId id="315" r:id="rId16"/>
+    <p:sldId id="316" r:id="rId17"/>
+    <p:sldId id="317" r:id="rId18"/>
+    <p:sldId id="313" r:id="rId19"/>
+    <p:sldId id="318" r:id="rId20"/>
+    <p:sldId id="299" r:id="rId21"/>
+    <p:sldId id="300" r:id="rId22"/>
+    <p:sldId id="301" r:id="rId23"/>
+    <p:sldId id="322" r:id="rId24"/>
+    <p:sldId id="302" r:id="rId25"/>
+    <p:sldId id="303" r:id="rId26"/>
+    <p:sldId id="324" r:id="rId27"/>
+    <p:sldId id="325" r:id="rId28"/>
+    <p:sldId id="323" r:id="rId29"/>
+    <p:sldId id="305" r:id="rId30"/>
+    <p:sldId id="306" r:id="rId31"/>
+    <p:sldId id="307" r:id="rId32"/>
+    <p:sldId id="326" r:id="rId33"/>
+    <p:sldId id="327" r:id="rId34"/>
+    <p:sldId id="328" r:id="rId35"/>
+    <p:sldId id="319" r:id="rId36"/>
+    <p:sldId id="348" r:id="rId37"/>
+    <p:sldId id="320" r:id="rId38"/>
+    <p:sldId id="351" r:id="rId39"/>
+    <p:sldId id="350" r:id="rId40"/>
+    <p:sldId id="329" r:id="rId41"/>
+    <p:sldId id="331" r:id="rId42"/>
+    <p:sldId id="332" r:id="rId43"/>
+    <p:sldId id="336" r:id="rId44"/>
+    <p:sldId id="333" r:id="rId45"/>
+    <p:sldId id="337" r:id="rId46"/>
+    <p:sldId id="338" r:id="rId47"/>
+    <p:sldId id="339" r:id="rId48"/>
+    <p:sldId id="340" r:id="rId49"/>
+    <p:sldId id="342" r:id="rId50"/>
+    <p:sldId id="334" r:id="rId51"/>
+    <p:sldId id="343" r:id="rId52"/>
+    <p:sldId id="346" r:id="rId53"/>
+    <p:sldId id="347" r:id="rId54"/>
+    <p:sldId id="335" r:id="rId55"/>
+    <p:sldId id="344" r:id="rId56"/>
+    <p:sldId id="345" r:id="rId57"/>
+    <p:sldId id="330" r:id="rId58"/>
   </p:sldIdLst>
   <p:sldSz cx="9144000" cy="6858000" type="screen4x3"/>
   <p:notesSz cx="6858000" cy="9144000"/>
@@ -846,10 +850,6 @@
           <a:bodyPr/>
           <a:lstStyle/>
           <a:p>
-            <a:pPr marL="171450" indent="-171450">
-              <a:buFontTx/>
-              <a:buChar char="-"/>
-            </a:pPr>
             <a:endParaRPr lang="it-IT" dirty="0"/>
           </a:p>
         </p:txBody>
@@ -880,7 +880,7 @@
     </p:spTree>
     <p:extLst>
       <p:ext uri="{BB962C8B-B14F-4D97-AF65-F5344CB8AC3E}">
-        <p14:creationId xmlns:p14="http://schemas.microsoft.com/office/powerpoint/2010/main" val="920077862"/>
+        <p14:creationId xmlns:p14="http://schemas.microsoft.com/office/powerpoint/2010/main" val="3842067168"/>
       </p:ext>
     </p:extLst>
   </p:cSld>
@@ -976,7 +976,7 @@
     </p:spTree>
     <p:extLst>
       <p:ext uri="{BB962C8B-B14F-4D97-AF65-F5344CB8AC3E}">
-        <p14:creationId xmlns:p14="http://schemas.microsoft.com/office/powerpoint/2010/main" val="890213963"/>
+        <p14:creationId xmlns:p14="http://schemas.microsoft.com/office/powerpoint/2010/main" val="920077862"/>
       </p:ext>
     </p:extLst>
   </p:cSld>
@@ -1038,6 +1038,10 @@
           <a:bodyPr/>
           <a:lstStyle/>
           <a:p>
+            <a:pPr marL="171450" indent="-171450">
+              <a:buFontTx/>
+              <a:buChar char="-"/>
+            </a:pPr>
             <a:endParaRPr lang="it-IT" dirty="0"/>
           </a:p>
         </p:txBody>
@@ -1068,7 +1072,7 @@
     </p:spTree>
     <p:extLst>
       <p:ext uri="{BB962C8B-B14F-4D97-AF65-F5344CB8AC3E}">
-        <p14:creationId xmlns:p14="http://schemas.microsoft.com/office/powerpoint/2010/main" val="1849095323"/>
+        <p14:creationId xmlns:p14="http://schemas.microsoft.com/office/powerpoint/2010/main" val="890213963"/>
       </p:ext>
     </p:extLst>
   </p:cSld>
@@ -1130,37 +1134,6 @@
           <a:bodyPr/>
           <a:lstStyle/>
           <a:p>
-            <a:pPr marL="171450" indent="-171450">
-              <a:buFontTx/>
-              <a:buChar char="-"/>
-            </a:pPr>
-            <a:r>
-              <a:rPr lang="it-IT" dirty="0"/>
-              <a:t>Codice scritto in questo modo</a:t>
-            </a:r>
-            <a:r>
-              <a:rPr lang="it-IT" baseline="0" dirty="0"/>
-              <a:t> mi permette facilmente di estendere la classe che calcola l’area contemplando anche nuove </a:t>
-            </a:r>
-            <a:r>
-              <a:rPr lang="it-IT" baseline="0" dirty="0" err="1"/>
-              <a:t>Shape</a:t>
-            </a:r>
-            <a:endParaRPr lang="it-IT" baseline="0" dirty="0"/>
-          </a:p>
-          <a:p>
-            <a:pPr marL="171450" indent="-171450">
-              <a:buFontTx/>
-              <a:buChar char="-"/>
-            </a:pPr>
-            <a:r>
-              <a:rPr lang="it-IT" baseline="0" dirty="0"/>
-              <a:t>Come ad esempio potrebbe essere </a:t>
-            </a:r>
-            <a:r>
-              <a:rPr lang="it-IT" baseline="0" dirty="0" err="1"/>
-              <a:t>Rectangle</a:t>
-            </a:r>
             <a:endParaRPr lang="it-IT" dirty="0"/>
           </a:p>
         </p:txBody>
@@ -1191,7 +1164,7 @@
     </p:spTree>
     <p:extLst>
       <p:ext uri="{BB962C8B-B14F-4D97-AF65-F5344CB8AC3E}">
-        <p14:creationId xmlns:p14="http://schemas.microsoft.com/office/powerpoint/2010/main" val="74825620"/>
+        <p14:creationId xmlns:p14="http://schemas.microsoft.com/office/powerpoint/2010/main" val="1849095323"/>
       </p:ext>
     </p:extLst>
   </p:cSld>
@@ -1314,7 +1287,7 @@
     </p:spTree>
     <p:extLst>
       <p:ext uri="{BB962C8B-B14F-4D97-AF65-F5344CB8AC3E}">
-        <p14:creationId xmlns:p14="http://schemas.microsoft.com/office/powerpoint/2010/main" val="2945386210"/>
+        <p14:creationId xmlns:p14="http://schemas.microsoft.com/office/powerpoint/2010/main" val="74825620"/>
       </p:ext>
     </p:extLst>
   </p:cSld>
@@ -1437,7 +1410,7 @@
     </p:spTree>
     <p:extLst>
       <p:ext uri="{BB962C8B-B14F-4D97-AF65-F5344CB8AC3E}">
-        <p14:creationId xmlns:p14="http://schemas.microsoft.com/office/powerpoint/2010/main" val="1444188855"/>
+        <p14:creationId xmlns:p14="http://schemas.microsoft.com/office/powerpoint/2010/main" val="2945386210"/>
       </p:ext>
     </p:extLst>
   </p:cSld>
@@ -1560,7 +1533,7 @@
     </p:spTree>
     <p:extLst>
       <p:ext uri="{BB962C8B-B14F-4D97-AF65-F5344CB8AC3E}">
-        <p14:creationId xmlns:p14="http://schemas.microsoft.com/office/powerpoint/2010/main" val="1516866082"/>
+        <p14:creationId xmlns:p14="http://schemas.microsoft.com/office/powerpoint/2010/main" val="1444188855"/>
       </p:ext>
     </p:extLst>
   </p:cSld>
@@ -1622,6 +1595,37 @@
           <a:bodyPr/>
           <a:lstStyle/>
           <a:p>
+            <a:pPr marL="171450" indent="-171450">
+              <a:buFontTx/>
+              <a:buChar char="-"/>
+            </a:pPr>
+            <a:r>
+              <a:rPr lang="it-IT" dirty="0"/>
+              <a:t>Codice scritto in questo modo</a:t>
+            </a:r>
+            <a:r>
+              <a:rPr lang="it-IT" baseline="0" dirty="0"/>
+              <a:t> mi permette facilmente di estendere la classe che calcola l’area contemplando anche nuove </a:t>
+            </a:r>
+            <a:r>
+              <a:rPr lang="it-IT" baseline="0" dirty="0" err="1"/>
+              <a:t>Shape</a:t>
+            </a:r>
+            <a:endParaRPr lang="it-IT" baseline="0" dirty="0"/>
+          </a:p>
+          <a:p>
+            <a:pPr marL="171450" indent="-171450">
+              <a:buFontTx/>
+              <a:buChar char="-"/>
+            </a:pPr>
+            <a:r>
+              <a:rPr lang="it-IT" baseline="0" dirty="0"/>
+              <a:t>Come ad esempio potrebbe essere </a:t>
+            </a:r>
+            <a:r>
+              <a:rPr lang="it-IT" baseline="0" dirty="0" err="1"/>
+              <a:t>Rectangle</a:t>
+            </a:r>
             <a:endParaRPr lang="it-IT" dirty="0"/>
           </a:p>
         </p:txBody>
@@ -1652,7 +1656,7 @@
     </p:spTree>
     <p:extLst>
       <p:ext uri="{BB962C8B-B14F-4D97-AF65-F5344CB8AC3E}">
-        <p14:creationId xmlns:p14="http://schemas.microsoft.com/office/powerpoint/2010/main" val="3670212822"/>
+        <p14:creationId xmlns:p14="http://schemas.microsoft.com/office/powerpoint/2010/main" val="1516866082"/>
       </p:ext>
     </p:extLst>
   </p:cSld>
@@ -1744,7 +1748,7 @@
     </p:spTree>
     <p:extLst>
       <p:ext uri="{BB962C8B-B14F-4D97-AF65-F5344CB8AC3E}">
-        <p14:creationId xmlns:p14="http://schemas.microsoft.com/office/powerpoint/2010/main" val="3896729092"/>
+        <p14:creationId xmlns:p14="http://schemas.microsoft.com/office/powerpoint/2010/main" val="3670212822"/>
       </p:ext>
     </p:extLst>
   </p:cSld>
@@ -1806,10 +1810,7 @@
           <a:bodyPr/>
           <a:lstStyle/>
           <a:p>
-            <a:r>
-              <a:rPr lang="it-IT" dirty="0"/>
-              <a:t>- </a:t>
-            </a:r>
+            <a:endParaRPr lang="it-IT" dirty="0"/>
           </a:p>
         </p:txBody>
       </p:sp>
@@ -1839,7 +1840,7 @@
     </p:spTree>
     <p:extLst>
       <p:ext uri="{BB962C8B-B14F-4D97-AF65-F5344CB8AC3E}">
-        <p14:creationId xmlns:p14="http://schemas.microsoft.com/office/powerpoint/2010/main" val="2118481561"/>
+        <p14:creationId xmlns:p14="http://schemas.microsoft.com/office/powerpoint/2010/main" val="3896729092"/>
       </p:ext>
     </p:extLst>
   </p:cSld>
@@ -1931,7 +1932,7 @@
     </p:spTree>
     <p:extLst>
       <p:ext uri="{BB962C8B-B14F-4D97-AF65-F5344CB8AC3E}">
-        <p14:creationId xmlns:p14="http://schemas.microsoft.com/office/powerpoint/2010/main" val="3791005458"/>
+        <p14:creationId xmlns:p14="http://schemas.microsoft.com/office/powerpoint/2010/main" val="2549180333"/>
       </p:ext>
     </p:extLst>
   </p:cSld>
@@ -1993,7 +1994,10 @@
           <a:bodyPr/>
           <a:lstStyle/>
           <a:p>
-            <a:endParaRPr lang="it-IT" dirty="0"/>
+            <a:r>
+              <a:rPr lang="it-IT" dirty="0"/>
+              <a:t>- </a:t>
+            </a:r>
           </a:p>
         </p:txBody>
       </p:sp>
@@ -2023,7 +2027,7 @@
     </p:spTree>
     <p:extLst>
       <p:ext uri="{BB962C8B-B14F-4D97-AF65-F5344CB8AC3E}">
-        <p14:creationId xmlns:p14="http://schemas.microsoft.com/office/powerpoint/2010/main" val="1289168601"/>
+        <p14:creationId xmlns:p14="http://schemas.microsoft.com/office/powerpoint/2010/main" val="2118481561"/>
       </p:ext>
     </p:extLst>
   </p:cSld>
@@ -2115,7 +2119,7 @@
     </p:spTree>
     <p:extLst>
       <p:ext uri="{BB962C8B-B14F-4D97-AF65-F5344CB8AC3E}">
-        <p14:creationId xmlns:p14="http://schemas.microsoft.com/office/powerpoint/2010/main" val="847996177"/>
+        <p14:creationId xmlns:p14="http://schemas.microsoft.com/office/powerpoint/2010/main" val="1289168601"/>
       </p:ext>
     </p:extLst>
   </p:cSld>
@@ -2207,7 +2211,7 @@
     </p:spTree>
     <p:extLst>
       <p:ext uri="{BB962C8B-B14F-4D97-AF65-F5344CB8AC3E}">
-        <p14:creationId xmlns:p14="http://schemas.microsoft.com/office/powerpoint/2010/main" val="3080452212"/>
+        <p14:creationId xmlns:p14="http://schemas.microsoft.com/office/powerpoint/2010/main" val="847996177"/>
       </p:ext>
     </p:extLst>
   </p:cSld>
@@ -2299,7 +2303,7 @@
     </p:spTree>
     <p:extLst>
       <p:ext uri="{BB962C8B-B14F-4D97-AF65-F5344CB8AC3E}">
-        <p14:creationId xmlns:p14="http://schemas.microsoft.com/office/powerpoint/2010/main" val="2409970017"/>
+        <p14:creationId xmlns:p14="http://schemas.microsoft.com/office/powerpoint/2010/main" val="3080452212"/>
       </p:ext>
     </p:extLst>
   </p:cSld>
@@ -2391,7 +2395,7 @@
     </p:spTree>
     <p:extLst>
       <p:ext uri="{BB962C8B-B14F-4D97-AF65-F5344CB8AC3E}">
-        <p14:creationId xmlns:p14="http://schemas.microsoft.com/office/powerpoint/2010/main" val="2237224610"/>
+        <p14:creationId xmlns:p14="http://schemas.microsoft.com/office/powerpoint/2010/main" val="2409970017"/>
       </p:ext>
     </p:extLst>
   </p:cSld>
@@ -2483,7 +2487,7 @@
     </p:spTree>
     <p:extLst>
       <p:ext uri="{BB962C8B-B14F-4D97-AF65-F5344CB8AC3E}">
-        <p14:creationId xmlns:p14="http://schemas.microsoft.com/office/powerpoint/2010/main" val="4116839982"/>
+        <p14:creationId xmlns:p14="http://schemas.microsoft.com/office/powerpoint/2010/main" val="2237224610"/>
       </p:ext>
     </p:extLst>
   </p:cSld>
@@ -2575,7 +2579,7 @@
     </p:spTree>
     <p:extLst>
       <p:ext uri="{BB962C8B-B14F-4D97-AF65-F5344CB8AC3E}">
-        <p14:creationId xmlns:p14="http://schemas.microsoft.com/office/powerpoint/2010/main" val="142054436"/>
+        <p14:creationId xmlns:p14="http://schemas.microsoft.com/office/powerpoint/2010/main" val="4116839982"/>
       </p:ext>
     </p:extLst>
   </p:cSld>
@@ -2667,7 +2671,7 @@
     </p:spTree>
     <p:extLst>
       <p:ext uri="{BB962C8B-B14F-4D97-AF65-F5344CB8AC3E}">
-        <p14:creationId xmlns:p14="http://schemas.microsoft.com/office/powerpoint/2010/main" val="2102290595"/>
+        <p14:creationId xmlns:p14="http://schemas.microsoft.com/office/powerpoint/2010/main" val="142054436"/>
       </p:ext>
     </p:extLst>
   </p:cSld>
@@ -2759,7 +2763,7 @@
     </p:spTree>
     <p:extLst>
       <p:ext uri="{BB962C8B-B14F-4D97-AF65-F5344CB8AC3E}">
-        <p14:creationId xmlns:p14="http://schemas.microsoft.com/office/powerpoint/2010/main" val="1888146680"/>
+        <p14:creationId xmlns:p14="http://schemas.microsoft.com/office/powerpoint/2010/main" val="2102290595"/>
       </p:ext>
     </p:extLst>
   </p:cSld>
@@ -2821,33 +2825,7 @@
           <a:bodyPr/>
           <a:lstStyle/>
           <a:p>
-            <a:pPr marL="171450" indent="-171450">
-              <a:buFontTx/>
-              <a:buChar char="-"/>
-            </a:pPr>
-            <a:r>
-              <a:rPr lang="it-IT" dirty="0"/>
-              <a:t>Alla base degli </a:t>
-            </a:r>
-            <a:r>
-              <a:rPr lang="it-IT" dirty="0" err="1"/>
-              <a:t>IoC</a:t>
-            </a:r>
             <a:endParaRPr lang="it-IT" dirty="0"/>
-          </a:p>
-          <a:p>
-            <a:pPr marL="171450" indent="-171450">
-              <a:buFontTx/>
-              <a:buChar char="-"/>
-            </a:pPr>
-            <a:r>
-              <a:rPr lang="it-IT" dirty="0"/>
-              <a:t>Bisogna</a:t>
-            </a:r>
-            <a:r>
-              <a:rPr lang="it-IT" baseline="0" dirty="0"/>
-              <a:t> sviluppare per interfacce e non per concrete</a:t>
-            </a:r>
           </a:p>
         </p:txBody>
       </p:sp>
@@ -2877,7 +2855,7 @@
     </p:spTree>
     <p:extLst>
       <p:ext uri="{BB962C8B-B14F-4D97-AF65-F5344CB8AC3E}">
-        <p14:creationId xmlns:p14="http://schemas.microsoft.com/office/powerpoint/2010/main" val="1349941112"/>
+        <p14:creationId xmlns:p14="http://schemas.microsoft.com/office/powerpoint/2010/main" val="1888146680"/>
       </p:ext>
     </p:extLst>
   </p:cSld>
@@ -2969,7 +2947,7 @@
     </p:spTree>
     <p:extLst>
       <p:ext uri="{BB962C8B-B14F-4D97-AF65-F5344CB8AC3E}">
-        <p14:creationId xmlns:p14="http://schemas.microsoft.com/office/powerpoint/2010/main" val="156475395"/>
+        <p14:creationId xmlns:p14="http://schemas.microsoft.com/office/powerpoint/2010/main" val="3791005458"/>
       </p:ext>
     </p:extLst>
   </p:cSld>
@@ -3031,7 +3009,33 @@
           <a:bodyPr/>
           <a:lstStyle/>
           <a:p>
+            <a:pPr marL="171450" indent="-171450">
+              <a:buFontTx/>
+              <a:buChar char="-"/>
+            </a:pPr>
+            <a:r>
+              <a:rPr lang="it-IT" dirty="0"/>
+              <a:t>Alla base degli </a:t>
+            </a:r>
+            <a:r>
+              <a:rPr lang="it-IT" dirty="0" err="1"/>
+              <a:t>IoC</a:t>
+            </a:r>
             <a:endParaRPr lang="it-IT" dirty="0"/>
+          </a:p>
+          <a:p>
+            <a:pPr marL="171450" indent="-171450">
+              <a:buFontTx/>
+              <a:buChar char="-"/>
+            </a:pPr>
+            <a:r>
+              <a:rPr lang="it-IT" dirty="0"/>
+              <a:t>Bisogna</a:t>
+            </a:r>
+            <a:r>
+              <a:rPr lang="it-IT" baseline="0" dirty="0"/>
+              <a:t> sviluppare per interfacce e non per concrete</a:t>
+            </a:r>
           </a:p>
         </p:txBody>
       </p:sp>
@@ -3061,7 +3065,7 @@
     </p:spTree>
     <p:extLst>
       <p:ext uri="{BB962C8B-B14F-4D97-AF65-F5344CB8AC3E}">
-        <p14:creationId xmlns:p14="http://schemas.microsoft.com/office/powerpoint/2010/main" val="738174605"/>
+        <p14:creationId xmlns:p14="http://schemas.microsoft.com/office/powerpoint/2010/main" val="1349941112"/>
       </p:ext>
     </p:extLst>
   </p:cSld>
@@ -3153,7 +3157,7 @@
     </p:spTree>
     <p:extLst>
       <p:ext uri="{BB962C8B-B14F-4D97-AF65-F5344CB8AC3E}">
-        <p14:creationId xmlns:p14="http://schemas.microsoft.com/office/powerpoint/2010/main" val="3986163092"/>
+        <p14:creationId xmlns:p14="http://schemas.microsoft.com/office/powerpoint/2010/main" val="738174605"/>
       </p:ext>
     </p:extLst>
   </p:cSld>
@@ -3245,7 +3249,7 @@
     </p:spTree>
     <p:extLst>
       <p:ext uri="{BB962C8B-B14F-4D97-AF65-F5344CB8AC3E}">
-        <p14:creationId xmlns:p14="http://schemas.microsoft.com/office/powerpoint/2010/main" val="447199454"/>
+        <p14:creationId xmlns:p14="http://schemas.microsoft.com/office/powerpoint/2010/main" val="3986163092"/>
       </p:ext>
     </p:extLst>
   </p:cSld>
@@ -3337,7 +3341,7 @@
     </p:spTree>
     <p:extLst>
       <p:ext uri="{BB962C8B-B14F-4D97-AF65-F5344CB8AC3E}">
-        <p14:creationId xmlns:p14="http://schemas.microsoft.com/office/powerpoint/2010/main" val="1895338400"/>
+        <p14:creationId xmlns:p14="http://schemas.microsoft.com/office/powerpoint/2010/main" val="447199454"/>
       </p:ext>
     </p:extLst>
   </p:cSld>
@@ -3429,7 +3433,7 @@
     </p:spTree>
     <p:extLst>
       <p:ext uri="{BB962C8B-B14F-4D97-AF65-F5344CB8AC3E}">
-        <p14:creationId xmlns:p14="http://schemas.microsoft.com/office/powerpoint/2010/main" val="700657275"/>
+        <p14:creationId xmlns:p14="http://schemas.microsoft.com/office/powerpoint/2010/main" val="1895338400"/>
       </p:ext>
     </p:extLst>
   </p:cSld>
@@ -3521,7 +3525,7 @@
     </p:spTree>
     <p:extLst>
       <p:ext uri="{BB962C8B-B14F-4D97-AF65-F5344CB8AC3E}">
-        <p14:creationId xmlns:p14="http://schemas.microsoft.com/office/powerpoint/2010/main" val="4192043878"/>
+        <p14:creationId xmlns:p14="http://schemas.microsoft.com/office/powerpoint/2010/main" val="700657275"/>
       </p:ext>
     </p:extLst>
   </p:cSld>
@@ -3613,7 +3617,7 @@
     </p:spTree>
     <p:extLst>
       <p:ext uri="{BB962C8B-B14F-4D97-AF65-F5344CB8AC3E}">
-        <p14:creationId xmlns:p14="http://schemas.microsoft.com/office/powerpoint/2010/main" val="937582895"/>
+        <p14:creationId xmlns:p14="http://schemas.microsoft.com/office/powerpoint/2010/main" val="2823446296"/>
       </p:ext>
     </p:extLst>
   </p:cSld>
@@ -3705,7 +3709,7 @@
     </p:spTree>
     <p:extLst>
       <p:ext uri="{BB962C8B-B14F-4D97-AF65-F5344CB8AC3E}">
-        <p14:creationId xmlns:p14="http://schemas.microsoft.com/office/powerpoint/2010/main" val="3611770367"/>
+        <p14:creationId xmlns:p14="http://schemas.microsoft.com/office/powerpoint/2010/main" val="4192043878"/>
       </p:ext>
     </p:extLst>
   </p:cSld>
@@ -3797,7 +3801,7 @@
     </p:spTree>
     <p:extLst>
       <p:ext uri="{BB962C8B-B14F-4D97-AF65-F5344CB8AC3E}">
-        <p14:creationId xmlns:p14="http://schemas.microsoft.com/office/powerpoint/2010/main" val="2685214439"/>
+        <p14:creationId xmlns:p14="http://schemas.microsoft.com/office/powerpoint/2010/main" val="719545095"/>
       </p:ext>
     </p:extLst>
   </p:cSld>
@@ -3889,7 +3893,7 @@
     </p:spTree>
     <p:extLst>
       <p:ext uri="{BB962C8B-B14F-4D97-AF65-F5344CB8AC3E}">
-        <p14:creationId xmlns:p14="http://schemas.microsoft.com/office/powerpoint/2010/main" val="641130536"/>
+        <p14:creationId xmlns:p14="http://schemas.microsoft.com/office/powerpoint/2010/main" val="110153872"/>
       </p:ext>
     </p:extLst>
   </p:cSld>
@@ -3981,7 +3985,7 @@
     </p:spTree>
     <p:extLst>
       <p:ext uri="{BB962C8B-B14F-4D97-AF65-F5344CB8AC3E}">
-        <p14:creationId xmlns:p14="http://schemas.microsoft.com/office/powerpoint/2010/main" val="227422975"/>
+        <p14:creationId xmlns:p14="http://schemas.microsoft.com/office/powerpoint/2010/main" val="156475395"/>
       </p:ext>
     </p:extLst>
   </p:cSld>
@@ -4073,7 +4077,7 @@
     </p:spTree>
     <p:extLst>
       <p:ext uri="{BB962C8B-B14F-4D97-AF65-F5344CB8AC3E}">
-        <p14:creationId xmlns:p14="http://schemas.microsoft.com/office/powerpoint/2010/main" val="194811362"/>
+        <p14:creationId xmlns:p14="http://schemas.microsoft.com/office/powerpoint/2010/main" val="937582895"/>
       </p:ext>
     </p:extLst>
   </p:cSld>
@@ -4165,7 +4169,7 @@
     </p:spTree>
     <p:extLst>
       <p:ext uri="{BB962C8B-B14F-4D97-AF65-F5344CB8AC3E}">
-        <p14:creationId xmlns:p14="http://schemas.microsoft.com/office/powerpoint/2010/main" val="1868279530"/>
+        <p14:creationId xmlns:p14="http://schemas.microsoft.com/office/powerpoint/2010/main" val="3611770367"/>
       </p:ext>
     </p:extLst>
   </p:cSld>
@@ -4257,7 +4261,7 @@
     </p:spTree>
     <p:extLst>
       <p:ext uri="{BB962C8B-B14F-4D97-AF65-F5344CB8AC3E}">
-        <p14:creationId xmlns:p14="http://schemas.microsoft.com/office/powerpoint/2010/main" val="1414121173"/>
+        <p14:creationId xmlns:p14="http://schemas.microsoft.com/office/powerpoint/2010/main" val="2685214439"/>
       </p:ext>
     </p:extLst>
   </p:cSld>
@@ -4349,7 +4353,7 @@
     </p:spTree>
     <p:extLst>
       <p:ext uri="{BB962C8B-B14F-4D97-AF65-F5344CB8AC3E}">
-        <p14:creationId xmlns:p14="http://schemas.microsoft.com/office/powerpoint/2010/main" val="1114115547"/>
+        <p14:creationId xmlns:p14="http://schemas.microsoft.com/office/powerpoint/2010/main" val="641130536"/>
       </p:ext>
     </p:extLst>
   </p:cSld>
@@ -4441,7 +4445,7 @@
     </p:spTree>
     <p:extLst>
       <p:ext uri="{BB962C8B-B14F-4D97-AF65-F5344CB8AC3E}">
-        <p14:creationId xmlns:p14="http://schemas.microsoft.com/office/powerpoint/2010/main" val="3343323683"/>
+        <p14:creationId xmlns:p14="http://schemas.microsoft.com/office/powerpoint/2010/main" val="194811362"/>
       </p:ext>
     </p:extLst>
   </p:cSld>
@@ -4533,7 +4537,7 @@
     </p:spTree>
     <p:extLst>
       <p:ext uri="{BB962C8B-B14F-4D97-AF65-F5344CB8AC3E}">
-        <p14:creationId xmlns:p14="http://schemas.microsoft.com/office/powerpoint/2010/main" val="744288894"/>
+        <p14:creationId xmlns:p14="http://schemas.microsoft.com/office/powerpoint/2010/main" val="1868279530"/>
       </p:ext>
     </p:extLst>
   </p:cSld>
@@ -4625,7 +4629,7 @@
     </p:spTree>
     <p:extLst>
       <p:ext uri="{BB962C8B-B14F-4D97-AF65-F5344CB8AC3E}">
-        <p14:creationId xmlns:p14="http://schemas.microsoft.com/office/powerpoint/2010/main" val="715644702"/>
+        <p14:creationId xmlns:p14="http://schemas.microsoft.com/office/powerpoint/2010/main" val="1414121173"/>
       </p:ext>
     </p:extLst>
   </p:cSld>
@@ -4717,7 +4721,7 @@
     </p:spTree>
     <p:extLst>
       <p:ext uri="{BB962C8B-B14F-4D97-AF65-F5344CB8AC3E}">
-        <p14:creationId xmlns:p14="http://schemas.microsoft.com/office/powerpoint/2010/main" val="3060836967"/>
+        <p14:creationId xmlns:p14="http://schemas.microsoft.com/office/powerpoint/2010/main" val="1114115547"/>
       </p:ext>
     </p:extLst>
   </p:cSld>
@@ -4809,7 +4813,7 @@
     </p:spTree>
     <p:extLst>
       <p:ext uri="{BB962C8B-B14F-4D97-AF65-F5344CB8AC3E}">
-        <p14:creationId xmlns:p14="http://schemas.microsoft.com/office/powerpoint/2010/main" val="2311791083"/>
+        <p14:creationId xmlns:p14="http://schemas.microsoft.com/office/powerpoint/2010/main" val="3343323683"/>
       </p:ext>
     </p:extLst>
   </p:cSld>
@@ -4901,7 +4905,7 @@
     </p:spTree>
     <p:extLst>
       <p:ext uri="{BB962C8B-B14F-4D97-AF65-F5344CB8AC3E}">
-        <p14:creationId xmlns:p14="http://schemas.microsoft.com/office/powerpoint/2010/main" val="1125692931"/>
+        <p14:creationId xmlns:p14="http://schemas.microsoft.com/office/powerpoint/2010/main" val="744288894"/>
       </p:ext>
     </p:extLst>
   </p:cSld>
@@ -4993,7 +4997,7 @@
     </p:spTree>
     <p:extLst>
       <p:ext uri="{BB962C8B-B14F-4D97-AF65-F5344CB8AC3E}">
-        <p14:creationId xmlns:p14="http://schemas.microsoft.com/office/powerpoint/2010/main" val="4071013871"/>
+        <p14:creationId xmlns:p14="http://schemas.microsoft.com/office/powerpoint/2010/main" val="227422975"/>
       </p:ext>
     </p:extLst>
   </p:cSld>
@@ -5085,7 +5089,7 @@
     </p:spTree>
     <p:extLst>
       <p:ext uri="{BB962C8B-B14F-4D97-AF65-F5344CB8AC3E}">
-        <p14:creationId xmlns:p14="http://schemas.microsoft.com/office/powerpoint/2010/main" val="2866667866"/>
+        <p14:creationId xmlns:p14="http://schemas.microsoft.com/office/powerpoint/2010/main" val="715644702"/>
       </p:ext>
     </p:extLst>
   </p:cSld>
@@ -5177,7 +5181,7 @@
     </p:spTree>
     <p:extLst>
       <p:ext uri="{BB962C8B-B14F-4D97-AF65-F5344CB8AC3E}">
-        <p14:creationId xmlns:p14="http://schemas.microsoft.com/office/powerpoint/2010/main" val="138877905"/>
+        <p14:creationId xmlns:p14="http://schemas.microsoft.com/office/powerpoint/2010/main" val="3060836967"/>
       </p:ext>
     </p:extLst>
   </p:cSld>
@@ -5269,7 +5273,7 @@
     </p:spTree>
     <p:extLst>
       <p:ext uri="{BB962C8B-B14F-4D97-AF65-F5344CB8AC3E}">
-        <p14:creationId xmlns:p14="http://schemas.microsoft.com/office/powerpoint/2010/main" val="996561776"/>
+        <p14:creationId xmlns:p14="http://schemas.microsoft.com/office/powerpoint/2010/main" val="2311791083"/>
       </p:ext>
     </p:extLst>
   </p:cSld>
@@ -5353,6 +5357,374 @@
             <a:fld id="{2C5A56FE-B2E8-4285-8F31-2AEEB8EA39C6}" type="slidenum">
               <a:rPr lang="en-GB" smtClean="0"/>
               <a:t>53</a:t>
+            </a:fld>
+            <a:endParaRPr lang="en-GB"/>
+          </a:p>
+        </p:txBody>
+      </p:sp>
+    </p:spTree>
+    <p:extLst>
+      <p:ext uri="{BB962C8B-B14F-4D97-AF65-F5344CB8AC3E}">
+        <p14:creationId xmlns:p14="http://schemas.microsoft.com/office/powerpoint/2010/main" val="1125692931"/>
+      </p:ext>
+    </p:extLst>
+  </p:cSld>
+  <p:clrMapOvr>
+    <a:masterClrMapping/>
+  </p:clrMapOvr>
+</p:notes>
+</file>
+
+<file path=ppt/notesSlides/notesSlide54.xml><?xml version="1.0" encoding="utf-8"?>
+<p:notes xmlns:a="http://schemas.openxmlformats.org/drawingml/2006/main" xmlns:r="http://schemas.openxmlformats.org/officeDocument/2006/relationships" xmlns:p="http://schemas.openxmlformats.org/presentationml/2006/main">
+  <p:cSld>
+    <p:spTree>
+      <p:nvGrpSpPr>
+        <p:cNvPr id="1" name=""/>
+        <p:cNvGrpSpPr/>
+        <p:nvPr/>
+      </p:nvGrpSpPr>
+      <p:grpSpPr>
+        <a:xfrm>
+          <a:off x="0" y="0"/>
+          <a:ext cx="0" cy="0"/>
+          <a:chOff x="0" y="0"/>
+          <a:chExt cx="0" cy="0"/>
+        </a:xfrm>
+      </p:grpSpPr>
+      <p:sp>
+        <p:nvSpPr>
+          <p:cNvPr id="2" name="Slide Image Placeholder 1"/>
+          <p:cNvSpPr>
+            <a:spLocks noGrp="1" noRot="1" noChangeAspect="1"/>
+          </p:cNvSpPr>
+          <p:nvPr>
+            <p:ph type="sldImg"/>
+          </p:nvPr>
+        </p:nvSpPr>
+        <p:spPr>
+          <a:xfrm>
+            <a:off x="1143000" y="685800"/>
+            <a:ext cx="4572000" cy="3429000"/>
+          </a:xfrm>
+          <a:prstGeom prst="rect">
+            <a:avLst/>
+          </a:prstGeom>
+        </p:spPr>
+      </p:sp>
+      <p:sp>
+        <p:nvSpPr>
+          <p:cNvPr id="3" name="Notes Placeholder 2"/>
+          <p:cNvSpPr>
+            <a:spLocks noGrp="1"/>
+          </p:cNvSpPr>
+          <p:nvPr>
+            <p:ph type="body" idx="1"/>
+          </p:nvPr>
+        </p:nvSpPr>
+        <p:spPr/>
+        <p:txBody>
+          <a:bodyPr/>
+          <a:lstStyle/>
+          <a:p>
+            <a:endParaRPr lang="it-IT" dirty="0"/>
+          </a:p>
+        </p:txBody>
+      </p:sp>
+      <p:sp>
+        <p:nvSpPr>
+          <p:cNvPr id="4" name="Slide Number Placeholder 3"/>
+          <p:cNvSpPr>
+            <a:spLocks noGrp="1"/>
+          </p:cNvSpPr>
+          <p:nvPr>
+            <p:ph type="sldNum" sz="quarter" idx="10"/>
+          </p:nvPr>
+        </p:nvSpPr>
+        <p:spPr/>
+        <p:txBody>
+          <a:bodyPr/>
+          <a:lstStyle/>
+          <a:p>
+            <a:fld id="{2C5A56FE-B2E8-4285-8F31-2AEEB8EA39C6}" type="slidenum">
+              <a:rPr lang="en-GB" smtClean="0"/>
+              <a:t>54</a:t>
+            </a:fld>
+            <a:endParaRPr lang="en-GB"/>
+          </a:p>
+        </p:txBody>
+      </p:sp>
+    </p:spTree>
+    <p:extLst>
+      <p:ext uri="{BB962C8B-B14F-4D97-AF65-F5344CB8AC3E}">
+        <p14:creationId xmlns:p14="http://schemas.microsoft.com/office/powerpoint/2010/main" val="2866667866"/>
+      </p:ext>
+    </p:extLst>
+  </p:cSld>
+  <p:clrMapOvr>
+    <a:masterClrMapping/>
+  </p:clrMapOvr>
+</p:notes>
+</file>
+
+<file path=ppt/notesSlides/notesSlide55.xml><?xml version="1.0" encoding="utf-8"?>
+<p:notes xmlns:a="http://schemas.openxmlformats.org/drawingml/2006/main" xmlns:r="http://schemas.openxmlformats.org/officeDocument/2006/relationships" xmlns:p="http://schemas.openxmlformats.org/presentationml/2006/main">
+  <p:cSld>
+    <p:spTree>
+      <p:nvGrpSpPr>
+        <p:cNvPr id="1" name=""/>
+        <p:cNvGrpSpPr/>
+        <p:nvPr/>
+      </p:nvGrpSpPr>
+      <p:grpSpPr>
+        <a:xfrm>
+          <a:off x="0" y="0"/>
+          <a:ext cx="0" cy="0"/>
+          <a:chOff x="0" y="0"/>
+          <a:chExt cx="0" cy="0"/>
+        </a:xfrm>
+      </p:grpSpPr>
+      <p:sp>
+        <p:nvSpPr>
+          <p:cNvPr id="2" name="Slide Image Placeholder 1"/>
+          <p:cNvSpPr>
+            <a:spLocks noGrp="1" noRot="1" noChangeAspect="1"/>
+          </p:cNvSpPr>
+          <p:nvPr>
+            <p:ph type="sldImg"/>
+          </p:nvPr>
+        </p:nvSpPr>
+        <p:spPr>
+          <a:xfrm>
+            <a:off x="1143000" y="685800"/>
+            <a:ext cx="4572000" cy="3429000"/>
+          </a:xfrm>
+          <a:prstGeom prst="rect">
+            <a:avLst/>
+          </a:prstGeom>
+        </p:spPr>
+      </p:sp>
+      <p:sp>
+        <p:nvSpPr>
+          <p:cNvPr id="3" name="Notes Placeholder 2"/>
+          <p:cNvSpPr>
+            <a:spLocks noGrp="1"/>
+          </p:cNvSpPr>
+          <p:nvPr>
+            <p:ph type="body" idx="1"/>
+          </p:nvPr>
+        </p:nvSpPr>
+        <p:spPr/>
+        <p:txBody>
+          <a:bodyPr/>
+          <a:lstStyle/>
+          <a:p>
+            <a:endParaRPr lang="it-IT" dirty="0"/>
+          </a:p>
+        </p:txBody>
+      </p:sp>
+      <p:sp>
+        <p:nvSpPr>
+          <p:cNvPr id="4" name="Slide Number Placeholder 3"/>
+          <p:cNvSpPr>
+            <a:spLocks noGrp="1"/>
+          </p:cNvSpPr>
+          <p:nvPr>
+            <p:ph type="sldNum" sz="quarter" idx="10"/>
+          </p:nvPr>
+        </p:nvSpPr>
+        <p:spPr/>
+        <p:txBody>
+          <a:bodyPr/>
+          <a:lstStyle/>
+          <a:p>
+            <a:fld id="{2C5A56FE-B2E8-4285-8F31-2AEEB8EA39C6}" type="slidenum">
+              <a:rPr lang="en-GB" smtClean="0"/>
+              <a:t>55</a:t>
+            </a:fld>
+            <a:endParaRPr lang="en-GB"/>
+          </a:p>
+        </p:txBody>
+      </p:sp>
+    </p:spTree>
+    <p:extLst>
+      <p:ext uri="{BB962C8B-B14F-4D97-AF65-F5344CB8AC3E}">
+        <p14:creationId xmlns:p14="http://schemas.microsoft.com/office/powerpoint/2010/main" val="138877905"/>
+      </p:ext>
+    </p:extLst>
+  </p:cSld>
+  <p:clrMapOvr>
+    <a:masterClrMapping/>
+  </p:clrMapOvr>
+</p:notes>
+</file>
+
+<file path=ppt/notesSlides/notesSlide56.xml><?xml version="1.0" encoding="utf-8"?>
+<p:notes xmlns:a="http://schemas.openxmlformats.org/drawingml/2006/main" xmlns:r="http://schemas.openxmlformats.org/officeDocument/2006/relationships" xmlns:p="http://schemas.openxmlformats.org/presentationml/2006/main">
+  <p:cSld>
+    <p:spTree>
+      <p:nvGrpSpPr>
+        <p:cNvPr id="1" name=""/>
+        <p:cNvGrpSpPr/>
+        <p:nvPr/>
+      </p:nvGrpSpPr>
+      <p:grpSpPr>
+        <a:xfrm>
+          <a:off x="0" y="0"/>
+          <a:ext cx="0" cy="0"/>
+          <a:chOff x="0" y="0"/>
+          <a:chExt cx="0" cy="0"/>
+        </a:xfrm>
+      </p:grpSpPr>
+      <p:sp>
+        <p:nvSpPr>
+          <p:cNvPr id="2" name="Slide Image Placeholder 1"/>
+          <p:cNvSpPr>
+            <a:spLocks noGrp="1" noRot="1" noChangeAspect="1"/>
+          </p:cNvSpPr>
+          <p:nvPr>
+            <p:ph type="sldImg"/>
+          </p:nvPr>
+        </p:nvSpPr>
+        <p:spPr>
+          <a:xfrm>
+            <a:off x="1143000" y="685800"/>
+            <a:ext cx="4572000" cy="3429000"/>
+          </a:xfrm>
+          <a:prstGeom prst="rect">
+            <a:avLst/>
+          </a:prstGeom>
+        </p:spPr>
+      </p:sp>
+      <p:sp>
+        <p:nvSpPr>
+          <p:cNvPr id="3" name="Notes Placeholder 2"/>
+          <p:cNvSpPr>
+            <a:spLocks noGrp="1"/>
+          </p:cNvSpPr>
+          <p:nvPr>
+            <p:ph type="body" idx="1"/>
+          </p:nvPr>
+        </p:nvSpPr>
+        <p:spPr/>
+        <p:txBody>
+          <a:bodyPr/>
+          <a:lstStyle/>
+          <a:p>
+            <a:endParaRPr lang="it-IT" dirty="0"/>
+          </a:p>
+        </p:txBody>
+      </p:sp>
+      <p:sp>
+        <p:nvSpPr>
+          <p:cNvPr id="4" name="Slide Number Placeholder 3"/>
+          <p:cNvSpPr>
+            <a:spLocks noGrp="1"/>
+          </p:cNvSpPr>
+          <p:nvPr>
+            <p:ph type="sldNum" sz="quarter" idx="10"/>
+          </p:nvPr>
+        </p:nvSpPr>
+        <p:spPr/>
+        <p:txBody>
+          <a:bodyPr/>
+          <a:lstStyle/>
+          <a:p>
+            <a:fld id="{2C5A56FE-B2E8-4285-8F31-2AEEB8EA39C6}" type="slidenum">
+              <a:rPr lang="en-GB" smtClean="0"/>
+              <a:t>56</a:t>
+            </a:fld>
+            <a:endParaRPr lang="en-GB"/>
+          </a:p>
+        </p:txBody>
+      </p:sp>
+    </p:spTree>
+    <p:extLst>
+      <p:ext uri="{BB962C8B-B14F-4D97-AF65-F5344CB8AC3E}">
+        <p14:creationId xmlns:p14="http://schemas.microsoft.com/office/powerpoint/2010/main" val="996561776"/>
+      </p:ext>
+    </p:extLst>
+  </p:cSld>
+  <p:clrMapOvr>
+    <a:masterClrMapping/>
+  </p:clrMapOvr>
+</p:notes>
+</file>
+
+<file path=ppt/notesSlides/notesSlide57.xml><?xml version="1.0" encoding="utf-8"?>
+<p:notes xmlns:a="http://schemas.openxmlformats.org/drawingml/2006/main" xmlns:r="http://schemas.openxmlformats.org/officeDocument/2006/relationships" xmlns:p="http://schemas.openxmlformats.org/presentationml/2006/main">
+  <p:cSld>
+    <p:spTree>
+      <p:nvGrpSpPr>
+        <p:cNvPr id="1" name=""/>
+        <p:cNvGrpSpPr/>
+        <p:nvPr/>
+      </p:nvGrpSpPr>
+      <p:grpSpPr>
+        <a:xfrm>
+          <a:off x="0" y="0"/>
+          <a:ext cx="0" cy="0"/>
+          <a:chOff x="0" y="0"/>
+          <a:chExt cx="0" cy="0"/>
+        </a:xfrm>
+      </p:grpSpPr>
+      <p:sp>
+        <p:nvSpPr>
+          <p:cNvPr id="2" name="Slide Image Placeholder 1"/>
+          <p:cNvSpPr>
+            <a:spLocks noGrp="1" noRot="1" noChangeAspect="1"/>
+          </p:cNvSpPr>
+          <p:nvPr>
+            <p:ph type="sldImg"/>
+          </p:nvPr>
+        </p:nvSpPr>
+        <p:spPr>
+          <a:xfrm>
+            <a:off x="1143000" y="685800"/>
+            <a:ext cx="4572000" cy="3429000"/>
+          </a:xfrm>
+          <a:prstGeom prst="rect">
+            <a:avLst/>
+          </a:prstGeom>
+        </p:spPr>
+      </p:sp>
+      <p:sp>
+        <p:nvSpPr>
+          <p:cNvPr id="3" name="Notes Placeholder 2"/>
+          <p:cNvSpPr>
+            <a:spLocks noGrp="1"/>
+          </p:cNvSpPr>
+          <p:nvPr>
+            <p:ph type="body" idx="1"/>
+          </p:nvPr>
+        </p:nvSpPr>
+        <p:spPr/>
+        <p:txBody>
+          <a:bodyPr/>
+          <a:lstStyle/>
+          <a:p>
+            <a:endParaRPr lang="it-IT" dirty="0"/>
+          </a:p>
+        </p:txBody>
+      </p:sp>
+      <p:sp>
+        <p:nvSpPr>
+          <p:cNvPr id="4" name="Slide Number Placeholder 3"/>
+          <p:cNvSpPr>
+            <a:spLocks noGrp="1"/>
+          </p:cNvSpPr>
+          <p:nvPr>
+            <p:ph type="sldNum" sz="quarter" idx="10"/>
+          </p:nvPr>
+        </p:nvSpPr>
+        <p:spPr/>
+        <p:txBody>
+          <a:bodyPr/>
+          <a:lstStyle/>
+          <a:p>
+            <a:fld id="{2C5A56FE-B2E8-4285-8F31-2AEEB8EA39C6}" type="slidenum">
+              <a:rPr lang="en-GB" smtClean="0"/>
+              <a:t>57</a:t>
             </a:fld>
             <a:endParaRPr lang="en-GB"/>
           </a:p>
@@ -5453,7 +5825,7 @@
     </p:spTree>
     <p:extLst>
       <p:ext uri="{BB962C8B-B14F-4D97-AF65-F5344CB8AC3E}">
-        <p14:creationId xmlns:p14="http://schemas.microsoft.com/office/powerpoint/2010/main" val="257687918"/>
+        <p14:creationId xmlns:p14="http://schemas.microsoft.com/office/powerpoint/2010/main" val="4071013871"/>
       </p:ext>
     </p:extLst>
   </p:cSld>
@@ -5545,7 +5917,7 @@
     </p:spTree>
     <p:extLst>
       <p:ext uri="{BB962C8B-B14F-4D97-AF65-F5344CB8AC3E}">
-        <p14:creationId xmlns:p14="http://schemas.microsoft.com/office/powerpoint/2010/main" val="3449063600"/>
+        <p14:creationId xmlns:p14="http://schemas.microsoft.com/office/powerpoint/2010/main" val="257687918"/>
       </p:ext>
     </p:extLst>
   </p:cSld>
@@ -5637,7 +6009,7 @@
     </p:spTree>
     <p:extLst>
       <p:ext uri="{BB962C8B-B14F-4D97-AF65-F5344CB8AC3E}">
-        <p14:creationId xmlns:p14="http://schemas.microsoft.com/office/powerpoint/2010/main" val="1981760586"/>
+        <p14:creationId xmlns:p14="http://schemas.microsoft.com/office/powerpoint/2010/main" val="3449063600"/>
       </p:ext>
     </p:extLst>
   </p:cSld>
@@ -5729,7 +6101,7 @@
     </p:spTree>
     <p:extLst>
       <p:ext uri="{BB962C8B-B14F-4D97-AF65-F5344CB8AC3E}">
-        <p14:creationId xmlns:p14="http://schemas.microsoft.com/office/powerpoint/2010/main" val="3842067168"/>
+        <p14:creationId xmlns:p14="http://schemas.microsoft.com/office/powerpoint/2010/main" val="1981760586"/>
       </p:ext>
     </p:extLst>
   </p:cSld>
@@ -8062,6 +8434,111 @@
         <p:spPr>
           <a:xfrm>
             <a:off x="328613" y="1079048"/>
+            <a:ext cx="8401246" cy="832880"/>
+          </a:xfrm>
+        </p:spPr>
+        <p:txBody>
+          <a:bodyPr/>
+          <a:lstStyle/>
+          <a:p>
+            <a:r>
+              <a:rPr lang="en-US" dirty="0">
+                <a:solidFill>
+                  <a:schemeClr val="bg1"/>
+                </a:solidFill>
+              </a:rPr>
+              <a:t>SRP Single Responsibility Principle</a:t>
+            </a:r>
+          </a:p>
+          <a:p>
+            <a:endParaRPr lang="en-US" dirty="0">
+              <a:solidFill>
+                <a:schemeClr val="bg1"/>
+              </a:solidFill>
+            </a:endParaRPr>
+          </a:p>
+          <a:p>
+            <a:endParaRPr lang="en-US" dirty="0">
+              <a:solidFill>
+                <a:schemeClr val="bg1"/>
+              </a:solidFill>
+            </a:endParaRPr>
+          </a:p>
+        </p:txBody>
+      </p:sp>
+      <p:pic>
+        <p:nvPicPr>
+          <p:cNvPr id="3" name="Picture 2">
+            <a:extLst>
+              <a:ext uri="{FF2B5EF4-FFF2-40B4-BE49-F238E27FC236}">
+                <a16:creationId xmlns:a16="http://schemas.microsoft.com/office/drawing/2014/main" id="{17A316CB-EDB6-4E3A-8082-4340A74FD5DC}"/>
+              </a:ext>
+            </a:extLst>
+          </p:cNvPr>
+          <p:cNvPicPr>
+            <a:picLocks noChangeAspect="1"/>
+          </p:cNvPicPr>
+          <p:nvPr/>
+        </p:nvPicPr>
+        <p:blipFill>
+          <a:blip r:embed="rId3"/>
+          <a:stretch>
+            <a:fillRect/>
+          </a:stretch>
+        </p:blipFill>
+        <p:spPr>
+          <a:xfrm>
+            <a:off x="1833285" y="2469505"/>
+            <a:ext cx="5391902" cy="3448531"/>
+          </a:xfrm>
+          <a:prstGeom prst="rect">
+            <a:avLst/>
+          </a:prstGeom>
+        </p:spPr>
+      </p:pic>
+    </p:spTree>
+    <p:extLst>
+      <p:ext uri="{BB962C8B-B14F-4D97-AF65-F5344CB8AC3E}">
+        <p14:creationId xmlns:p14="http://schemas.microsoft.com/office/powerpoint/2010/main" val="2247099466"/>
+      </p:ext>
+    </p:extLst>
+  </p:cSld>
+  <p:clrMapOvr>
+    <a:masterClrMapping/>
+  </p:clrMapOvr>
+</p:sld>
+</file>
+
+<file path=ppt/slides/slide11.xml><?xml version="1.0" encoding="utf-8"?>
+<p:sld xmlns:a="http://schemas.openxmlformats.org/drawingml/2006/main" xmlns:r="http://schemas.openxmlformats.org/officeDocument/2006/relationships" xmlns:p="http://schemas.openxmlformats.org/presentationml/2006/main">
+  <p:cSld>
+    <p:spTree>
+      <p:nvGrpSpPr>
+        <p:cNvPr id="1" name=""/>
+        <p:cNvGrpSpPr/>
+        <p:nvPr/>
+      </p:nvGrpSpPr>
+      <p:grpSpPr>
+        <a:xfrm>
+          <a:off x="0" y="0"/>
+          <a:ext cx="0" cy="0"/>
+          <a:chOff x="0" y="0"/>
+          <a:chExt cx="0" cy="0"/>
+        </a:xfrm>
+      </p:grpSpPr>
+      <p:sp>
+        <p:nvSpPr>
+          <p:cNvPr id="2" name="Text Placeholder 1"/>
+          <p:cNvSpPr>
+            <a:spLocks noGrp="1"/>
+          </p:cNvSpPr>
+          <p:nvPr>
+            <p:ph type="body" sz="quarter" idx="11"/>
+          </p:nvPr>
+        </p:nvSpPr>
+        <p:spPr>
+          <a:xfrm>
+            <a:off x="328613" y="1079048"/>
             <a:ext cx="8401246" cy="830998"/>
           </a:xfrm>
         </p:spPr>
@@ -8267,7 +8744,7 @@
 </p:sld>
 </file>
 
-<file path=ppt/slides/slide11.xml><?xml version="1.0" encoding="utf-8"?>
+<file path=ppt/slides/slide12.xml><?xml version="1.0" encoding="utf-8"?>
 <p:sld xmlns:a="http://schemas.openxmlformats.org/drawingml/2006/main" xmlns:r="http://schemas.openxmlformats.org/officeDocument/2006/relationships" xmlns:p="http://schemas.openxmlformats.org/presentationml/2006/main">
   <p:cSld>
     <p:spTree>
@@ -8372,7 +8849,7 @@
 </p:sld>
 </file>
 
-<file path=ppt/slides/slide12.xml><?xml version="1.0" encoding="utf-8"?>
+<file path=ppt/slides/slide13.xml><?xml version="1.0" encoding="utf-8"?>
 <p:sld xmlns:a="http://schemas.openxmlformats.org/drawingml/2006/main" xmlns:r="http://schemas.openxmlformats.org/officeDocument/2006/relationships" xmlns:p="http://schemas.openxmlformats.org/presentationml/2006/main">
   <p:cSld>
     <p:spTree>
@@ -8797,7 +9274,7 @@
 </p:sld>
 </file>
 
-<file path=ppt/slides/slide13.xml><?xml version="1.0" encoding="utf-8"?>
+<file path=ppt/slides/slide14.xml><?xml version="1.0" encoding="utf-8"?>
 <p:sld xmlns:a="http://schemas.openxmlformats.org/drawingml/2006/main" xmlns:r="http://schemas.openxmlformats.org/officeDocument/2006/relationships" xmlns:p="http://schemas.openxmlformats.org/presentationml/2006/main">
   <p:cSld>
     <p:spTree>
@@ -8893,141 +9370,6 @@
     <p:extLst>
       <p:ext uri="{BB962C8B-B14F-4D97-AF65-F5344CB8AC3E}">
         <p14:creationId xmlns:p14="http://schemas.microsoft.com/office/powerpoint/2010/main" val="2863610833"/>
-      </p:ext>
-    </p:extLst>
-  </p:cSld>
-  <p:clrMapOvr>
-    <a:masterClrMapping/>
-  </p:clrMapOvr>
-</p:sld>
-</file>
-
-<file path=ppt/slides/slide14.xml><?xml version="1.0" encoding="utf-8"?>
-<p:sld xmlns:a="http://schemas.openxmlformats.org/drawingml/2006/main" xmlns:r="http://schemas.openxmlformats.org/officeDocument/2006/relationships" xmlns:p="http://schemas.openxmlformats.org/presentationml/2006/main">
-  <p:cSld>
-    <p:spTree>
-      <p:nvGrpSpPr>
-        <p:cNvPr id="1" name=""/>
-        <p:cNvGrpSpPr/>
-        <p:nvPr/>
-      </p:nvGrpSpPr>
-      <p:grpSpPr>
-        <a:xfrm>
-          <a:off x="0" y="0"/>
-          <a:ext cx="0" cy="0"/>
-          <a:chOff x="0" y="0"/>
-          <a:chExt cx="0" cy="0"/>
-        </a:xfrm>
-      </p:grpSpPr>
-      <p:sp>
-        <p:nvSpPr>
-          <p:cNvPr id="2" name="Text Placeholder 1"/>
-          <p:cNvSpPr>
-            <a:spLocks noGrp="1"/>
-          </p:cNvSpPr>
-          <p:nvPr>
-            <p:ph type="body" sz="quarter" idx="11"/>
-          </p:nvPr>
-        </p:nvSpPr>
-        <p:spPr>
-          <a:xfrm>
-            <a:off x="328613" y="1079047"/>
-            <a:ext cx="8401246" cy="779981"/>
-          </a:xfrm>
-        </p:spPr>
-        <p:txBody>
-          <a:bodyPr/>
-          <a:lstStyle/>
-          <a:p>
-            <a:r>
-              <a:rPr lang="en-US" dirty="0">
-                <a:solidFill>
-                  <a:schemeClr val="bg1"/>
-                </a:solidFill>
-              </a:rPr>
-              <a:t>OCP Open Closed Principle</a:t>
-            </a:r>
-          </a:p>
-          <a:p>
-            <a:endParaRPr lang="en-US" dirty="0">
-              <a:solidFill>
-                <a:schemeClr val="bg1"/>
-              </a:solidFill>
-            </a:endParaRPr>
-          </a:p>
-          <a:p>
-            <a:endParaRPr lang="en-US" dirty="0">
-              <a:solidFill>
-                <a:schemeClr val="bg1"/>
-              </a:solidFill>
-            </a:endParaRPr>
-          </a:p>
-        </p:txBody>
-      </p:sp>
-      <p:pic>
-        <p:nvPicPr>
-          <p:cNvPr id="12" name="Picture 11">
-            <a:extLst>
-              <a:ext uri="{FF2B5EF4-FFF2-40B4-BE49-F238E27FC236}">
-                <a16:creationId xmlns:a16="http://schemas.microsoft.com/office/drawing/2014/main" id="{83083E9A-0CE4-4900-83B1-AB213D9E43D2}"/>
-              </a:ext>
-            </a:extLst>
-          </p:cNvPr>
-          <p:cNvPicPr>
-            <a:picLocks noChangeAspect="1"/>
-          </p:cNvPicPr>
-          <p:nvPr/>
-        </p:nvPicPr>
-        <p:blipFill>
-          <a:blip r:embed="rId3"/>
-          <a:stretch>
-            <a:fillRect/>
-          </a:stretch>
-        </p:blipFill>
-        <p:spPr>
-          <a:xfrm>
-            <a:off x="504056" y="2590345"/>
-            <a:ext cx="3172268" cy="2762636"/>
-          </a:xfrm>
-          <a:prstGeom prst="rect">
-            <a:avLst/>
-          </a:prstGeom>
-        </p:spPr>
-      </p:pic>
-      <p:pic>
-        <p:nvPicPr>
-          <p:cNvPr id="3" name="Picture 2">
-            <a:extLst>
-              <a:ext uri="{FF2B5EF4-FFF2-40B4-BE49-F238E27FC236}">
-                <a16:creationId xmlns:a16="http://schemas.microsoft.com/office/drawing/2014/main" id="{FB1DAEDC-DF54-453A-A993-6AE21DB1DE2E}"/>
-              </a:ext>
-            </a:extLst>
-          </p:cNvPr>
-          <p:cNvPicPr>
-            <a:picLocks noChangeAspect="1"/>
-          </p:cNvPicPr>
-          <p:nvPr/>
-        </p:nvPicPr>
-        <p:blipFill>
-          <a:blip r:embed="rId4"/>
-          <a:stretch>
-            <a:fillRect/>
-          </a:stretch>
-        </p:blipFill>
-        <p:spPr>
-          <a:xfrm>
-            <a:off x="3851767" y="2618924"/>
-            <a:ext cx="4677428" cy="2734057"/>
-          </a:xfrm>
-          <a:prstGeom prst="rect">
-            <a:avLst/>
-          </a:prstGeom>
-        </p:spPr>
-      </p:pic>
-    </p:spTree>
-    <p:extLst>
-      <p:ext uri="{BB962C8B-B14F-4D97-AF65-F5344CB8AC3E}">
-        <p14:creationId xmlns:p14="http://schemas.microsoft.com/office/powerpoint/2010/main" val="1697085868"/>
       </p:ext>
     </p:extLst>
   </p:cSld>
@@ -9067,7 +9409,7 @@
         <p:spPr>
           <a:xfrm>
             <a:off x="328613" y="1079047"/>
-            <a:ext cx="8401246" cy="764867"/>
+            <a:ext cx="8401246" cy="779981"/>
           </a:xfrm>
         </p:spPr>
         <p:txBody>
@@ -9101,10 +9443,10 @@
       </p:sp>
       <p:pic>
         <p:nvPicPr>
-          <p:cNvPr id="4" name="Picture 3">
+          <p:cNvPr id="12" name="Picture 11">
             <a:extLst>
               <a:ext uri="{FF2B5EF4-FFF2-40B4-BE49-F238E27FC236}">
-                <a16:creationId xmlns:a16="http://schemas.microsoft.com/office/drawing/2014/main" id="{89109F30-9AA0-48ED-9331-79217AF5CD09}"/>
+                <a16:creationId xmlns:a16="http://schemas.microsoft.com/office/drawing/2014/main" id="{83083E9A-0CE4-4900-83B1-AB213D9E43D2}"/>
               </a:ext>
             </a:extLst>
           </p:cNvPr>
@@ -9121,8 +9463,38 @@
         </p:blipFill>
         <p:spPr>
           <a:xfrm>
-            <a:off x="2547759" y="2882949"/>
-            <a:ext cx="3962953" cy="2896004"/>
+            <a:off x="504056" y="2590345"/>
+            <a:ext cx="3172268" cy="2762636"/>
+          </a:xfrm>
+          <a:prstGeom prst="rect">
+            <a:avLst/>
+          </a:prstGeom>
+        </p:spPr>
+      </p:pic>
+      <p:pic>
+        <p:nvPicPr>
+          <p:cNvPr id="3" name="Picture 2">
+            <a:extLst>
+              <a:ext uri="{FF2B5EF4-FFF2-40B4-BE49-F238E27FC236}">
+                <a16:creationId xmlns:a16="http://schemas.microsoft.com/office/drawing/2014/main" id="{FB1DAEDC-DF54-453A-A993-6AE21DB1DE2E}"/>
+              </a:ext>
+            </a:extLst>
+          </p:cNvPr>
+          <p:cNvPicPr>
+            <a:picLocks noChangeAspect="1"/>
+          </p:cNvPicPr>
+          <p:nvPr/>
+        </p:nvPicPr>
+        <p:blipFill>
+          <a:blip r:embed="rId4"/>
+          <a:stretch>
+            <a:fillRect/>
+          </a:stretch>
+        </p:blipFill>
+        <p:spPr>
+          <a:xfrm>
+            <a:off x="3851767" y="2618924"/>
+            <a:ext cx="4677428" cy="2734057"/>
           </a:xfrm>
           <a:prstGeom prst="rect">
             <a:avLst/>
@@ -9132,7 +9504,7 @@
     </p:spTree>
     <p:extLst>
       <p:ext uri="{BB962C8B-B14F-4D97-AF65-F5344CB8AC3E}">
-        <p14:creationId xmlns:p14="http://schemas.microsoft.com/office/powerpoint/2010/main" val="4100286324"/>
+        <p14:creationId xmlns:p14="http://schemas.microsoft.com/office/powerpoint/2010/main" val="1697085868"/>
       </p:ext>
     </p:extLst>
   </p:cSld>
@@ -9171,8 +9543,8 @@
         </p:nvSpPr>
         <p:spPr>
           <a:xfrm>
-            <a:off x="328613" y="1079048"/>
-            <a:ext cx="8401246" cy="865990"/>
+            <a:off x="328613" y="1079047"/>
+            <a:ext cx="8401246" cy="764867"/>
           </a:xfrm>
         </p:spPr>
         <p:txBody>
@@ -9206,10 +9578,10 @@
       </p:sp>
       <p:pic>
         <p:nvPicPr>
-          <p:cNvPr id="3" name="Picture 2">
+          <p:cNvPr id="4" name="Picture 3">
             <a:extLst>
               <a:ext uri="{FF2B5EF4-FFF2-40B4-BE49-F238E27FC236}">
-                <a16:creationId xmlns:a16="http://schemas.microsoft.com/office/drawing/2014/main" id="{7AE6E3E4-66EB-4835-8D09-2F9D295C9531}"/>
+                <a16:creationId xmlns:a16="http://schemas.microsoft.com/office/drawing/2014/main" id="{89109F30-9AA0-48ED-9331-79217AF5CD09}"/>
               </a:ext>
             </a:extLst>
           </p:cNvPr>
@@ -9226,8 +9598,8 @@
         </p:blipFill>
         <p:spPr>
           <a:xfrm>
-            <a:off x="2271496" y="2826742"/>
-            <a:ext cx="4515480" cy="2734057"/>
+            <a:off x="2547759" y="2882949"/>
+            <a:ext cx="3962953" cy="2896004"/>
           </a:xfrm>
           <a:prstGeom prst="rect">
             <a:avLst/>
@@ -9237,7 +9609,7 @@
     </p:spTree>
     <p:extLst>
       <p:ext uri="{BB962C8B-B14F-4D97-AF65-F5344CB8AC3E}">
-        <p14:creationId xmlns:p14="http://schemas.microsoft.com/office/powerpoint/2010/main" val="4136040863"/>
+        <p14:creationId xmlns:p14="http://schemas.microsoft.com/office/powerpoint/2010/main" val="4100286324"/>
       </p:ext>
     </p:extLst>
   </p:cSld>
@@ -9277,7 +9649,7 @@
         <p:spPr>
           <a:xfrm>
             <a:off x="328613" y="1079048"/>
-            <a:ext cx="8401246" cy="920234"/>
+            <a:ext cx="8401246" cy="865990"/>
           </a:xfrm>
         </p:spPr>
         <p:txBody>
@@ -9311,10 +9683,10 @@
       </p:sp>
       <p:pic>
         <p:nvPicPr>
-          <p:cNvPr id="6" name="Picture 5">
+          <p:cNvPr id="3" name="Picture 2">
             <a:extLst>
               <a:ext uri="{FF2B5EF4-FFF2-40B4-BE49-F238E27FC236}">
-                <a16:creationId xmlns:a16="http://schemas.microsoft.com/office/drawing/2014/main" id="{80441A67-4AB2-45BF-9D39-22DB213E6A6D}"/>
+                <a16:creationId xmlns:a16="http://schemas.microsoft.com/office/drawing/2014/main" id="{7AE6E3E4-66EB-4835-8D09-2F9D295C9531}"/>
               </a:ext>
             </a:extLst>
           </p:cNvPr>
@@ -9331,8 +9703,8 @@
         </p:blipFill>
         <p:spPr>
           <a:xfrm>
-            <a:off x="809204" y="2171135"/>
-            <a:ext cx="7440063" cy="3915321"/>
+            <a:off x="2271496" y="2826742"/>
+            <a:ext cx="4515480" cy="2734057"/>
           </a:xfrm>
           <a:prstGeom prst="rect">
             <a:avLst/>
@@ -9342,7 +9714,7 @@
     </p:spTree>
     <p:extLst>
       <p:ext uri="{BB962C8B-B14F-4D97-AF65-F5344CB8AC3E}">
-        <p14:creationId xmlns:p14="http://schemas.microsoft.com/office/powerpoint/2010/main" val="1797008956"/>
+        <p14:creationId xmlns:p14="http://schemas.microsoft.com/office/powerpoint/2010/main" val="4136040863"/>
       </p:ext>
     </p:extLst>
   </p:cSld>
@@ -9382,6 +9754,111 @@
         <p:spPr>
           <a:xfrm>
             <a:off x="328613" y="1079048"/>
+            <a:ext cx="8401246" cy="920234"/>
+          </a:xfrm>
+        </p:spPr>
+        <p:txBody>
+          <a:bodyPr/>
+          <a:lstStyle/>
+          <a:p>
+            <a:r>
+              <a:rPr lang="en-US" dirty="0">
+                <a:solidFill>
+                  <a:schemeClr val="bg1"/>
+                </a:solidFill>
+              </a:rPr>
+              <a:t>OCP Open Closed Principle</a:t>
+            </a:r>
+          </a:p>
+          <a:p>
+            <a:endParaRPr lang="en-US" dirty="0">
+              <a:solidFill>
+                <a:schemeClr val="bg1"/>
+              </a:solidFill>
+            </a:endParaRPr>
+          </a:p>
+          <a:p>
+            <a:endParaRPr lang="en-US" dirty="0">
+              <a:solidFill>
+                <a:schemeClr val="bg1"/>
+              </a:solidFill>
+            </a:endParaRPr>
+          </a:p>
+        </p:txBody>
+      </p:sp>
+      <p:pic>
+        <p:nvPicPr>
+          <p:cNvPr id="6" name="Picture 5">
+            <a:extLst>
+              <a:ext uri="{FF2B5EF4-FFF2-40B4-BE49-F238E27FC236}">
+                <a16:creationId xmlns:a16="http://schemas.microsoft.com/office/drawing/2014/main" id="{80441A67-4AB2-45BF-9D39-22DB213E6A6D}"/>
+              </a:ext>
+            </a:extLst>
+          </p:cNvPr>
+          <p:cNvPicPr>
+            <a:picLocks noChangeAspect="1"/>
+          </p:cNvPicPr>
+          <p:nvPr/>
+        </p:nvPicPr>
+        <p:blipFill>
+          <a:blip r:embed="rId3"/>
+          <a:stretch>
+            <a:fillRect/>
+          </a:stretch>
+        </p:blipFill>
+        <p:spPr>
+          <a:xfrm>
+            <a:off x="809204" y="2171135"/>
+            <a:ext cx="7440063" cy="3915321"/>
+          </a:xfrm>
+          <a:prstGeom prst="rect">
+            <a:avLst/>
+          </a:prstGeom>
+        </p:spPr>
+      </p:pic>
+    </p:spTree>
+    <p:extLst>
+      <p:ext uri="{BB962C8B-B14F-4D97-AF65-F5344CB8AC3E}">
+        <p14:creationId xmlns:p14="http://schemas.microsoft.com/office/powerpoint/2010/main" val="1797008956"/>
+      </p:ext>
+    </p:extLst>
+  </p:cSld>
+  <p:clrMapOvr>
+    <a:masterClrMapping/>
+  </p:clrMapOvr>
+</p:sld>
+</file>
+
+<file path=ppt/slides/slide19.xml><?xml version="1.0" encoding="utf-8"?>
+<p:sld xmlns:a="http://schemas.openxmlformats.org/drawingml/2006/main" xmlns:r="http://schemas.openxmlformats.org/officeDocument/2006/relationships" xmlns:p="http://schemas.openxmlformats.org/presentationml/2006/main">
+  <p:cSld>
+    <p:spTree>
+      <p:nvGrpSpPr>
+        <p:cNvPr id="1" name=""/>
+        <p:cNvGrpSpPr/>
+        <p:nvPr/>
+      </p:nvGrpSpPr>
+      <p:grpSpPr>
+        <a:xfrm>
+          <a:off x="0" y="0"/>
+          <a:ext cx="0" cy="0"/>
+          <a:chOff x="0" y="0"/>
+          <a:chExt cx="0" cy="0"/>
+        </a:xfrm>
+      </p:grpSpPr>
+      <p:sp>
+        <p:nvSpPr>
+          <p:cNvPr id="2" name="Text Placeholder 1"/>
+          <p:cNvSpPr>
+            <a:spLocks noGrp="1"/>
+          </p:cNvSpPr>
+          <p:nvPr>
+            <p:ph type="body" sz="quarter" idx="11"/>
+          </p:nvPr>
+        </p:nvSpPr>
+        <p:spPr>
+          <a:xfrm>
+            <a:off x="328613" y="1079048"/>
             <a:ext cx="8401246" cy="757502"/>
           </a:xfrm>
         </p:spPr>
@@ -9457,7 +9934,250 @@
 </p:sld>
 </file>
 
-<file path=ppt/slides/slide19.xml><?xml version="1.0" encoding="utf-8"?>
+<file path=ppt/slides/slide2.xml><?xml version="1.0" encoding="utf-8"?>
+<p:sld xmlns:a="http://schemas.openxmlformats.org/drawingml/2006/main" xmlns:r="http://schemas.openxmlformats.org/officeDocument/2006/relationships" xmlns:p="http://schemas.openxmlformats.org/presentationml/2006/main">
+  <p:cSld>
+    <p:spTree>
+      <p:nvGrpSpPr>
+        <p:cNvPr id="1" name=""/>
+        <p:cNvGrpSpPr/>
+        <p:nvPr/>
+      </p:nvGrpSpPr>
+      <p:grpSpPr>
+        <a:xfrm>
+          <a:off x="0" y="0"/>
+          <a:ext cx="0" cy="0"/>
+          <a:chOff x="0" y="0"/>
+          <a:chExt cx="0" cy="0"/>
+        </a:xfrm>
+      </p:grpSpPr>
+      <p:sp>
+        <p:nvSpPr>
+          <p:cNvPr id="2" name="Text Placeholder 1"/>
+          <p:cNvSpPr>
+            <a:spLocks noGrp="1"/>
+          </p:cNvSpPr>
+          <p:nvPr>
+            <p:ph type="body" sz="quarter" idx="11"/>
+          </p:nvPr>
+        </p:nvSpPr>
+        <p:spPr>
+          <a:xfrm>
+            <a:off x="328613" y="1079048"/>
+            <a:ext cx="8401246" cy="758066"/>
+          </a:xfrm>
+        </p:spPr>
+        <p:txBody>
+          <a:bodyPr/>
+          <a:lstStyle/>
+          <a:p>
+            <a:r>
+              <a:rPr lang="en-US" dirty="0">
+                <a:solidFill>
+                  <a:schemeClr val="bg1"/>
+                </a:solidFill>
+              </a:rPr>
+              <a:t>Software Principles</a:t>
+            </a:r>
+          </a:p>
+          <a:p>
+            <a:endParaRPr lang="en-US" dirty="0">
+              <a:solidFill>
+                <a:schemeClr val="bg1"/>
+              </a:solidFill>
+            </a:endParaRPr>
+          </a:p>
+        </p:txBody>
+      </p:sp>
+      <p:sp>
+        <p:nvSpPr>
+          <p:cNvPr id="7" name="Text Placeholder 1">
+            <a:extLst>
+              <a:ext uri="{FF2B5EF4-FFF2-40B4-BE49-F238E27FC236}">
+                <a16:creationId xmlns:a16="http://schemas.microsoft.com/office/drawing/2014/main" id="{40B8D4C3-C7B6-4056-8B2A-2B024852F5BB}"/>
+              </a:ext>
+            </a:extLst>
+          </p:cNvPr>
+          <p:cNvSpPr txBox="1">
+            <a:spLocks/>
+          </p:cNvSpPr>
+          <p:nvPr/>
+        </p:nvSpPr>
+        <p:spPr>
+          <a:xfrm>
+            <a:off x="328613" y="2954545"/>
+            <a:ext cx="8401246" cy="1099606"/>
+          </a:xfrm>
+          <a:prstGeom prst="rect">
+            <a:avLst/>
+          </a:prstGeom>
+        </p:spPr>
+        <p:txBody>
+          <a:bodyPr vert="horz"/>
+          <a:lstStyle>
+            <a:lvl1pPr marL="0" indent="0" algn="l" defTabSz="457200" rtl="0" eaLnBrk="1" latinLnBrk="0" hangingPunct="1">
+              <a:spcBef>
+                <a:spcPct val="20000"/>
+              </a:spcBef>
+              <a:buFontTx/>
+              <a:buNone/>
+              <a:defRPr sz="4200" b="0" i="0" kern="1200" baseline="0">
+                <a:solidFill>
+                  <a:schemeClr val="tx1"/>
+                </a:solidFill>
+                <a:latin typeface="Chronicle Display Light"/>
+                <a:ea typeface="+mn-ea"/>
+                <a:cs typeface="+mn-cs"/>
+              </a:defRPr>
+            </a:lvl1pPr>
+            <a:lvl2pPr marL="742950" indent="-285750" algn="l" defTabSz="457200" rtl="0" eaLnBrk="1" latinLnBrk="0" hangingPunct="1">
+              <a:spcBef>
+                <a:spcPct val="20000"/>
+              </a:spcBef>
+              <a:buFont typeface="Arial"/>
+              <a:buChar char="–"/>
+              <a:defRPr sz="2800" kern="1200">
+                <a:solidFill>
+                  <a:schemeClr val="tx1"/>
+                </a:solidFill>
+                <a:latin typeface="+mn-lt"/>
+                <a:ea typeface="+mn-ea"/>
+                <a:cs typeface="+mn-cs"/>
+              </a:defRPr>
+            </a:lvl2pPr>
+            <a:lvl3pPr marL="1143000" indent="-228600" algn="l" defTabSz="457200" rtl="0" eaLnBrk="1" latinLnBrk="0" hangingPunct="1">
+              <a:spcBef>
+                <a:spcPct val="20000"/>
+              </a:spcBef>
+              <a:buFont typeface="Arial"/>
+              <a:buChar char="•"/>
+              <a:defRPr sz="2400" kern="1200">
+                <a:solidFill>
+                  <a:schemeClr val="tx1"/>
+                </a:solidFill>
+                <a:latin typeface="+mn-lt"/>
+                <a:ea typeface="+mn-ea"/>
+                <a:cs typeface="+mn-cs"/>
+              </a:defRPr>
+            </a:lvl3pPr>
+            <a:lvl4pPr marL="1600200" indent="-228600" algn="l" defTabSz="457200" rtl="0" eaLnBrk="1" latinLnBrk="0" hangingPunct="1">
+              <a:spcBef>
+                <a:spcPct val="20000"/>
+              </a:spcBef>
+              <a:buFont typeface="Arial"/>
+              <a:buChar char="–"/>
+              <a:defRPr sz="2000" kern="1200">
+                <a:solidFill>
+                  <a:schemeClr val="tx1"/>
+                </a:solidFill>
+                <a:latin typeface="+mn-lt"/>
+                <a:ea typeface="+mn-ea"/>
+                <a:cs typeface="+mn-cs"/>
+              </a:defRPr>
+            </a:lvl4pPr>
+            <a:lvl5pPr marL="2057400" indent="-228600" algn="l" defTabSz="457200" rtl="0" eaLnBrk="1" latinLnBrk="0" hangingPunct="1">
+              <a:spcBef>
+                <a:spcPct val="20000"/>
+              </a:spcBef>
+              <a:buFont typeface="Arial"/>
+              <a:buChar char="»"/>
+              <a:defRPr sz="2000" kern="1200">
+                <a:solidFill>
+                  <a:schemeClr val="tx1"/>
+                </a:solidFill>
+                <a:latin typeface="+mn-lt"/>
+                <a:ea typeface="+mn-ea"/>
+                <a:cs typeface="+mn-cs"/>
+              </a:defRPr>
+            </a:lvl5pPr>
+            <a:lvl6pPr marL="2514600" indent="-228600" algn="l" defTabSz="457200" rtl="0" eaLnBrk="1" latinLnBrk="0" hangingPunct="1">
+              <a:spcBef>
+                <a:spcPct val="20000"/>
+              </a:spcBef>
+              <a:buFont typeface="Arial"/>
+              <a:buChar char="•"/>
+              <a:defRPr sz="2000" kern="1200">
+                <a:solidFill>
+                  <a:schemeClr val="tx1"/>
+                </a:solidFill>
+                <a:latin typeface="+mn-lt"/>
+                <a:ea typeface="+mn-ea"/>
+                <a:cs typeface="+mn-cs"/>
+              </a:defRPr>
+            </a:lvl6pPr>
+            <a:lvl7pPr marL="2971800" indent="-228600" algn="l" defTabSz="457200" rtl="0" eaLnBrk="1" latinLnBrk="0" hangingPunct="1">
+              <a:spcBef>
+                <a:spcPct val="20000"/>
+              </a:spcBef>
+              <a:buFont typeface="Arial"/>
+              <a:buChar char="•"/>
+              <a:defRPr sz="2000" kern="1200">
+                <a:solidFill>
+                  <a:schemeClr val="tx1"/>
+                </a:solidFill>
+                <a:latin typeface="+mn-lt"/>
+                <a:ea typeface="+mn-ea"/>
+                <a:cs typeface="+mn-cs"/>
+              </a:defRPr>
+            </a:lvl7pPr>
+            <a:lvl8pPr marL="3429000" indent="-228600" algn="l" defTabSz="457200" rtl="0" eaLnBrk="1" latinLnBrk="0" hangingPunct="1">
+              <a:spcBef>
+                <a:spcPct val="20000"/>
+              </a:spcBef>
+              <a:buFont typeface="Arial"/>
+              <a:buChar char="•"/>
+              <a:defRPr sz="2000" kern="1200">
+                <a:solidFill>
+                  <a:schemeClr val="tx1"/>
+                </a:solidFill>
+                <a:latin typeface="+mn-lt"/>
+                <a:ea typeface="+mn-ea"/>
+                <a:cs typeface="+mn-cs"/>
+              </a:defRPr>
+            </a:lvl8pPr>
+            <a:lvl9pPr marL="3886200" indent="-228600" algn="l" defTabSz="457200" rtl="0" eaLnBrk="1" latinLnBrk="0" hangingPunct="1">
+              <a:spcBef>
+                <a:spcPct val="20000"/>
+              </a:spcBef>
+              <a:buFont typeface="Arial"/>
+              <a:buChar char="•"/>
+              <a:defRPr sz="2000" kern="1200">
+                <a:solidFill>
+                  <a:schemeClr val="tx1"/>
+                </a:solidFill>
+                <a:latin typeface="+mn-lt"/>
+                <a:ea typeface="+mn-ea"/>
+                <a:cs typeface="+mn-cs"/>
+              </a:defRPr>
+            </a:lvl9pPr>
+          </a:lstStyle>
+          <a:p>
+            <a:pPr algn="ctr"/>
+            <a:r>
+              <a:rPr lang="en-US" sz="6000" b="1" i="1" dirty="0">
+                <a:solidFill>
+                  <a:schemeClr val="bg1"/>
+                </a:solidFill>
+              </a:rPr>
+              <a:t>SOLID Principles</a:t>
+            </a:r>
+          </a:p>
+        </p:txBody>
+      </p:sp>
+    </p:spTree>
+    <p:extLst>
+      <p:ext uri="{BB962C8B-B14F-4D97-AF65-F5344CB8AC3E}">
+        <p14:creationId xmlns:p14="http://schemas.microsoft.com/office/powerpoint/2010/main" val="2566959400"/>
+      </p:ext>
+    </p:extLst>
+  </p:cSld>
+  <p:clrMapOvr>
+    <a:masterClrMapping/>
+  </p:clrMapOvr>
+</p:sld>
+</file>
+
+<file path=ppt/slides/slide20.xml><?xml version="1.0" encoding="utf-8"?>
 <p:sld xmlns:a="http://schemas.openxmlformats.org/drawingml/2006/main" xmlns:r="http://schemas.openxmlformats.org/officeDocument/2006/relationships" xmlns:p="http://schemas.openxmlformats.org/presentationml/2006/main">
   <p:cSld>
     <p:spTree>
@@ -9836,7 +10556,1326 @@
 </p:sld>
 </file>
 
-<file path=ppt/slides/slide2.xml><?xml version="1.0" encoding="utf-8"?>
+<file path=ppt/slides/slide21.xml><?xml version="1.0" encoding="utf-8"?>
+<p:sld xmlns:a="http://schemas.openxmlformats.org/drawingml/2006/main" xmlns:r="http://schemas.openxmlformats.org/officeDocument/2006/relationships" xmlns:p="http://schemas.openxmlformats.org/presentationml/2006/main">
+  <p:cSld>
+    <p:spTree>
+      <p:nvGrpSpPr>
+        <p:cNvPr id="1" name=""/>
+        <p:cNvGrpSpPr/>
+        <p:nvPr/>
+      </p:nvGrpSpPr>
+      <p:grpSpPr>
+        <a:xfrm>
+          <a:off x="0" y="0"/>
+          <a:ext cx="0" cy="0"/>
+          <a:chOff x="0" y="0"/>
+          <a:chExt cx="0" cy="0"/>
+        </a:xfrm>
+      </p:grpSpPr>
+      <p:sp>
+        <p:nvSpPr>
+          <p:cNvPr id="2" name="Text Placeholder 1"/>
+          <p:cNvSpPr>
+            <a:spLocks noGrp="1"/>
+          </p:cNvSpPr>
+          <p:nvPr>
+            <p:ph type="body" sz="quarter" idx="11"/>
+          </p:nvPr>
+        </p:nvSpPr>
+        <p:spPr>
+          <a:xfrm>
+            <a:off x="328613" y="1079048"/>
+            <a:ext cx="8401246" cy="743912"/>
+          </a:xfrm>
+        </p:spPr>
+        <p:txBody>
+          <a:bodyPr/>
+          <a:lstStyle/>
+          <a:p>
+            <a:r>
+              <a:rPr lang="en-US" dirty="0">
+                <a:solidFill>
+                  <a:schemeClr val="bg1"/>
+                </a:solidFill>
+              </a:rPr>
+              <a:t>LSP </a:t>
+            </a:r>
+            <a:r>
+              <a:rPr lang="en-US" dirty="0" err="1">
+                <a:solidFill>
+                  <a:schemeClr val="bg1"/>
+                </a:solidFill>
+              </a:rPr>
+              <a:t>Liskov</a:t>
+            </a:r>
+            <a:r>
+              <a:rPr lang="en-US" dirty="0">
+                <a:solidFill>
+                  <a:schemeClr val="bg1"/>
+                </a:solidFill>
+              </a:rPr>
+              <a:t> Substitution Principle</a:t>
+            </a:r>
+          </a:p>
+          <a:p>
+            <a:endParaRPr lang="en-US" dirty="0">
+              <a:solidFill>
+                <a:schemeClr val="bg1"/>
+              </a:solidFill>
+            </a:endParaRPr>
+          </a:p>
+          <a:p>
+            <a:endParaRPr lang="en-US" dirty="0">
+              <a:solidFill>
+                <a:schemeClr val="bg1"/>
+              </a:solidFill>
+            </a:endParaRPr>
+          </a:p>
+        </p:txBody>
+      </p:sp>
+      <p:pic>
+        <p:nvPicPr>
+          <p:cNvPr id="4" name="Picture 3">
+            <a:extLst>
+              <a:ext uri="{FF2B5EF4-FFF2-40B4-BE49-F238E27FC236}">
+                <a16:creationId xmlns:a16="http://schemas.microsoft.com/office/drawing/2014/main" id="{F3DF34AA-28DA-41D8-9514-8E3C4F546401}"/>
+              </a:ext>
+            </a:extLst>
+          </p:cNvPr>
+          <p:cNvPicPr>
+            <a:picLocks noChangeAspect="1"/>
+          </p:cNvPicPr>
+          <p:nvPr/>
+        </p:nvPicPr>
+        <p:blipFill>
+          <a:blip r:embed="rId3"/>
+          <a:stretch>
+            <a:fillRect/>
+          </a:stretch>
+        </p:blipFill>
+        <p:spPr>
+          <a:xfrm>
+            <a:off x="2566707" y="1822959"/>
+            <a:ext cx="4010585" cy="2553056"/>
+          </a:xfrm>
+          <a:prstGeom prst="rect">
+            <a:avLst/>
+          </a:prstGeom>
+        </p:spPr>
+      </p:pic>
+      <p:pic>
+        <p:nvPicPr>
+          <p:cNvPr id="5" name="Picture 4">
+            <a:extLst>
+              <a:ext uri="{FF2B5EF4-FFF2-40B4-BE49-F238E27FC236}">
+                <a16:creationId xmlns:a16="http://schemas.microsoft.com/office/drawing/2014/main" id="{4D4DD59A-2A70-4B38-B907-CBDEFCC78245}"/>
+              </a:ext>
+            </a:extLst>
+          </p:cNvPr>
+          <p:cNvPicPr>
+            <a:picLocks noChangeAspect="1"/>
+          </p:cNvPicPr>
+          <p:nvPr/>
+        </p:nvPicPr>
+        <p:blipFill>
+          <a:blip r:embed="rId4"/>
+          <a:stretch>
+            <a:fillRect/>
+          </a:stretch>
+        </p:blipFill>
+        <p:spPr>
+          <a:xfrm>
+            <a:off x="266098" y="4450155"/>
+            <a:ext cx="4171895" cy="2229161"/>
+          </a:xfrm>
+          <a:prstGeom prst="rect">
+            <a:avLst/>
+          </a:prstGeom>
+        </p:spPr>
+      </p:pic>
+      <p:pic>
+        <p:nvPicPr>
+          <p:cNvPr id="7" name="Picture 6">
+            <a:extLst>
+              <a:ext uri="{FF2B5EF4-FFF2-40B4-BE49-F238E27FC236}">
+                <a16:creationId xmlns:a16="http://schemas.microsoft.com/office/drawing/2014/main" id="{51366BA9-E17C-46E9-8317-688E1A452830}"/>
+              </a:ext>
+            </a:extLst>
+          </p:cNvPr>
+          <p:cNvPicPr>
+            <a:picLocks noChangeAspect="1"/>
+          </p:cNvPicPr>
+          <p:nvPr/>
+        </p:nvPicPr>
+        <p:blipFill>
+          <a:blip r:embed="rId5"/>
+          <a:stretch>
+            <a:fillRect/>
+          </a:stretch>
+        </p:blipFill>
+        <p:spPr>
+          <a:xfrm>
+            <a:off x="4500508" y="4450154"/>
+            <a:ext cx="4557726" cy="2229161"/>
+          </a:xfrm>
+          <a:prstGeom prst="rect">
+            <a:avLst/>
+          </a:prstGeom>
+        </p:spPr>
+      </p:pic>
+    </p:spTree>
+    <p:extLst>
+      <p:ext uri="{BB962C8B-B14F-4D97-AF65-F5344CB8AC3E}">
+        <p14:creationId xmlns:p14="http://schemas.microsoft.com/office/powerpoint/2010/main" val="1174909020"/>
+      </p:ext>
+    </p:extLst>
+  </p:cSld>
+  <p:clrMapOvr>
+    <a:masterClrMapping/>
+  </p:clrMapOvr>
+</p:sld>
+</file>
+
+<file path=ppt/slides/slide22.xml><?xml version="1.0" encoding="utf-8"?>
+<p:sld xmlns:a="http://schemas.openxmlformats.org/drawingml/2006/main" xmlns:r="http://schemas.openxmlformats.org/officeDocument/2006/relationships" xmlns:p="http://schemas.openxmlformats.org/presentationml/2006/main">
+  <p:cSld>
+    <p:spTree>
+      <p:nvGrpSpPr>
+        <p:cNvPr id="1" name=""/>
+        <p:cNvGrpSpPr/>
+        <p:nvPr/>
+      </p:nvGrpSpPr>
+      <p:grpSpPr>
+        <a:xfrm>
+          <a:off x="0" y="0"/>
+          <a:ext cx="0" cy="0"/>
+          <a:chOff x="0" y="0"/>
+          <a:chExt cx="0" cy="0"/>
+        </a:xfrm>
+      </p:grpSpPr>
+      <p:sp>
+        <p:nvSpPr>
+          <p:cNvPr id="2" name="Text Placeholder 1"/>
+          <p:cNvSpPr>
+            <a:spLocks noGrp="1"/>
+          </p:cNvSpPr>
+          <p:nvPr>
+            <p:ph type="body" sz="quarter" idx="11"/>
+          </p:nvPr>
+        </p:nvSpPr>
+        <p:spPr>
+          <a:xfrm>
+            <a:off x="328613" y="1079048"/>
+            <a:ext cx="8401246" cy="863108"/>
+          </a:xfrm>
+        </p:spPr>
+        <p:txBody>
+          <a:bodyPr/>
+          <a:lstStyle/>
+          <a:p>
+            <a:r>
+              <a:rPr lang="en-US" dirty="0">
+                <a:solidFill>
+                  <a:schemeClr val="bg1"/>
+                </a:solidFill>
+              </a:rPr>
+              <a:t>LSP </a:t>
+            </a:r>
+            <a:r>
+              <a:rPr lang="en-US" dirty="0" err="1">
+                <a:solidFill>
+                  <a:schemeClr val="bg1"/>
+                </a:solidFill>
+              </a:rPr>
+              <a:t>Liskov</a:t>
+            </a:r>
+            <a:r>
+              <a:rPr lang="en-US" dirty="0">
+                <a:solidFill>
+                  <a:schemeClr val="bg1"/>
+                </a:solidFill>
+              </a:rPr>
+              <a:t> Substitution Principle</a:t>
+            </a:r>
+          </a:p>
+          <a:p>
+            <a:endParaRPr lang="en-US" dirty="0">
+              <a:solidFill>
+                <a:schemeClr val="bg1"/>
+              </a:solidFill>
+            </a:endParaRPr>
+          </a:p>
+          <a:p>
+            <a:endParaRPr lang="en-US" dirty="0">
+              <a:solidFill>
+                <a:schemeClr val="bg1"/>
+              </a:solidFill>
+            </a:endParaRPr>
+          </a:p>
+        </p:txBody>
+      </p:sp>
+      <p:pic>
+        <p:nvPicPr>
+          <p:cNvPr id="3" name="Picture 2">
+            <a:extLst>
+              <a:ext uri="{FF2B5EF4-FFF2-40B4-BE49-F238E27FC236}">
+                <a16:creationId xmlns:a16="http://schemas.microsoft.com/office/drawing/2014/main" id="{41E81130-9825-42FF-8B7C-31725375DEB6}"/>
+              </a:ext>
+            </a:extLst>
+          </p:cNvPr>
+          <p:cNvPicPr>
+            <a:picLocks noChangeAspect="1"/>
+          </p:cNvPicPr>
+          <p:nvPr/>
+        </p:nvPicPr>
+        <p:blipFill>
+          <a:blip r:embed="rId3"/>
+          <a:stretch>
+            <a:fillRect/>
+          </a:stretch>
+        </p:blipFill>
+        <p:spPr>
+          <a:xfrm>
+            <a:off x="1599785" y="2334556"/>
+            <a:ext cx="5944430" cy="2896004"/>
+          </a:xfrm>
+          <a:prstGeom prst="rect">
+            <a:avLst/>
+          </a:prstGeom>
+        </p:spPr>
+      </p:pic>
+    </p:spTree>
+    <p:extLst>
+      <p:ext uri="{BB962C8B-B14F-4D97-AF65-F5344CB8AC3E}">
+        <p14:creationId xmlns:p14="http://schemas.microsoft.com/office/powerpoint/2010/main" val="2095394683"/>
+      </p:ext>
+    </p:extLst>
+  </p:cSld>
+  <p:clrMapOvr>
+    <a:masterClrMapping/>
+  </p:clrMapOvr>
+</p:sld>
+</file>
+
+<file path=ppt/slides/slide23.xml><?xml version="1.0" encoding="utf-8"?>
+<p:sld xmlns:a="http://schemas.openxmlformats.org/drawingml/2006/main" xmlns:r="http://schemas.openxmlformats.org/officeDocument/2006/relationships" xmlns:p="http://schemas.openxmlformats.org/presentationml/2006/main">
+  <p:cSld>
+    <p:spTree>
+      <p:nvGrpSpPr>
+        <p:cNvPr id="1" name=""/>
+        <p:cNvGrpSpPr/>
+        <p:nvPr/>
+      </p:nvGrpSpPr>
+      <p:grpSpPr>
+        <a:xfrm>
+          <a:off x="0" y="0"/>
+          <a:ext cx="0" cy="0"/>
+          <a:chOff x="0" y="0"/>
+          <a:chExt cx="0" cy="0"/>
+        </a:xfrm>
+      </p:grpSpPr>
+      <p:sp>
+        <p:nvSpPr>
+          <p:cNvPr id="2" name="Text Placeholder 1"/>
+          <p:cNvSpPr>
+            <a:spLocks noGrp="1"/>
+          </p:cNvSpPr>
+          <p:nvPr>
+            <p:ph type="body" sz="quarter" idx="11"/>
+          </p:nvPr>
+        </p:nvSpPr>
+        <p:spPr>
+          <a:xfrm>
+            <a:off x="328613" y="1079047"/>
+            <a:ext cx="8401246" cy="900893"/>
+          </a:xfrm>
+        </p:spPr>
+        <p:txBody>
+          <a:bodyPr/>
+          <a:lstStyle/>
+          <a:p>
+            <a:r>
+              <a:rPr lang="en-US" dirty="0">
+                <a:solidFill>
+                  <a:schemeClr val="bg1"/>
+                </a:solidFill>
+              </a:rPr>
+              <a:t>LSP </a:t>
+            </a:r>
+            <a:r>
+              <a:rPr lang="en-US" dirty="0" err="1">
+                <a:solidFill>
+                  <a:schemeClr val="bg1"/>
+                </a:solidFill>
+              </a:rPr>
+              <a:t>Liskov</a:t>
+            </a:r>
+            <a:r>
+              <a:rPr lang="en-US" dirty="0">
+                <a:solidFill>
+                  <a:schemeClr val="bg1"/>
+                </a:solidFill>
+              </a:rPr>
+              <a:t> Substitution Principle</a:t>
+            </a:r>
+          </a:p>
+          <a:p>
+            <a:endParaRPr lang="en-US" dirty="0">
+              <a:solidFill>
+                <a:schemeClr val="bg1"/>
+              </a:solidFill>
+            </a:endParaRPr>
+          </a:p>
+          <a:p>
+            <a:endParaRPr lang="en-US" dirty="0">
+              <a:solidFill>
+                <a:schemeClr val="bg1"/>
+              </a:solidFill>
+            </a:endParaRPr>
+          </a:p>
+        </p:txBody>
+      </p:sp>
+      <p:pic>
+        <p:nvPicPr>
+          <p:cNvPr id="4" name="Picture 3">
+            <a:extLst>
+              <a:ext uri="{FF2B5EF4-FFF2-40B4-BE49-F238E27FC236}">
+                <a16:creationId xmlns:a16="http://schemas.microsoft.com/office/drawing/2014/main" id="{CDE18172-2F07-46DE-9C55-D8C74BF2BD2C}"/>
+              </a:ext>
+            </a:extLst>
+          </p:cNvPr>
+          <p:cNvPicPr>
+            <a:picLocks noChangeAspect="1"/>
+          </p:cNvPicPr>
+          <p:nvPr/>
+        </p:nvPicPr>
+        <p:blipFill>
+          <a:blip r:embed="rId3"/>
+          <a:stretch>
+            <a:fillRect/>
+          </a:stretch>
+        </p:blipFill>
+        <p:spPr>
+          <a:xfrm>
+            <a:off x="1866522" y="2549527"/>
+            <a:ext cx="5410955" cy="3229426"/>
+          </a:xfrm>
+          <a:prstGeom prst="rect">
+            <a:avLst/>
+          </a:prstGeom>
+        </p:spPr>
+      </p:pic>
+    </p:spTree>
+    <p:extLst>
+      <p:ext uri="{BB962C8B-B14F-4D97-AF65-F5344CB8AC3E}">
+        <p14:creationId xmlns:p14="http://schemas.microsoft.com/office/powerpoint/2010/main" val="16659559"/>
+      </p:ext>
+    </p:extLst>
+  </p:cSld>
+  <p:clrMapOvr>
+    <a:masterClrMapping/>
+  </p:clrMapOvr>
+</p:sld>
+</file>
+
+<file path=ppt/slides/slide24.xml><?xml version="1.0" encoding="utf-8"?>
+<p:sld xmlns:a="http://schemas.openxmlformats.org/drawingml/2006/main" xmlns:r="http://schemas.openxmlformats.org/officeDocument/2006/relationships" xmlns:p="http://schemas.openxmlformats.org/presentationml/2006/main">
+  <p:cSld>
+    <p:spTree>
+      <p:nvGrpSpPr>
+        <p:cNvPr id="1" name=""/>
+        <p:cNvGrpSpPr/>
+        <p:nvPr/>
+      </p:nvGrpSpPr>
+      <p:grpSpPr>
+        <a:xfrm>
+          <a:off x="0" y="0"/>
+          <a:ext cx="0" cy="0"/>
+          <a:chOff x="0" y="0"/>
+          <a:chExt cx="0" cy="0"/>
+        </a:xfrm>
+      </p:grpSpPr>
+      <p:sp>
+        <p:nvSpPr>
+          <p:cNvPr id="2" name="Text Placeholder 1"/>
+          <p:cNvSpPr>
+            <a:spLocks noGrp="1"/>
+          </p:cNvSpPr>
+          <p:nvPr>
+            <p:ph type="body" sz="quarter" idx="11"/>
+          </p:nvPr>
+        </p:nvSpPr>
+        <p:spPr>
+          <a:xfrm>
+            <a:off x="328613" y="1079047"/>
+            <a:ext cx="8401246" cy="734639"/>
+          </a:xfrm>
+        </p:spPr>
+        <p:txBody>
+          <a:bodyPr/>
+          <a:lstStyle/>
+          <a:p>
+            <a:r>
+              <a:rPr lang="en-US" dirty="0">
+                <a:solidFill>
+                  <a:schemeClr val="bg1"/>
+                </a:solidFill>
+              </a:rPr>
+              <a:t>ISP Interface Segregation Principle</a:t>
+            </a:r>
+          </a:p>
+          <a:p>
+            <a:endParaRPr lang="en-US" dirty="0">
+              <a:solidFill>
+                <a:schemeClr val="bg1"/>
+              </a:solidFill>
+            </a:endParaRPr>
+          </a:p>
+          <a:p>
+            <a:endParaRPr lang="en-US" dirty="0">
+              <a:solidFill>
+                <a:schemeClr val="bg1"/>
+              </a:solidFill>
+            </a:endParaRPr>
+          </a:p>
+        </p:txBody>
+      </p:sp>
+      <p:sp>
+        <p:nvSpPr>
+          <p:cNvPr id="5" name="TextBox 4"/>
+          <p:cNvSpPr txBox="1"/>
+          <p:nvPr/>
+        </p:nvSpPr>
+        <p:spPr>
+          <a:xfrm>
+            <a:off x="621372" y="2090172"/>
+            <a:ext cx="8210747" cy="1692771"/>
+          </a:xfrm>
+          <a:prstGeom prst="rect">
+            <a:avLst/>
+          </a:prstGeom>
+          <a:noFill/>
+        </p:spPr>
+        <p:txBody>
+          <a:bodyPr wrap="square" rtlCol="0">
+            <a:spAutoFit/>
+          </a:bodyPr>
+          <a:lstStyle/>
+          <a:p>
+            <a:endParaRPr lang="en-GB" sz="1600" dirty="0">
+              <a:solidFill>
+                <a:schemeClr val="bg1"/>
+              </a:solidFill>
+              <a:latin typeface="Chronicle Display" pitchFamily="50" charset="0"/>
+            </a:endParaRPr>
+          </a:p>
+          <a:p>
+            <a:r>
+              <a:rPr lang="en-GB" sz="2400" b="1" i="1" dirty="0">
+                <a:solidFill>
+                  <a:schemeClr val="bg1"/>
+                </a:solidFill>
+                <a:latin typeface="Chronicle Display" pitchFamily="50" charset="0"/>
+              </a:rPr>
+              <a:t>A client never be forced to implement an interface that it doesn’t use or client shouldn’t be forced to depend on method they do not use.</a:t>
+            </a:r>
+          </a:p>
+          <a:p>
+            <a:endParaRPr lang="en-GB" sz="1600" b="1" i="1" dirty="0">
+              <a:solidFill>
+                <a:schemeClr val="bg1"/>
+              </a:solidFill>
+              <a:latin typeface="Chronicle Display" pitchFamily="50" charset="0"/>
+            </a:endParaRPr>
+          </a:p>
+        </p:txBody>
+      </p:sp>
+      <p:sp>
+        <p:nvSpPr>
+          <p:cNvPr id="4" name="TextBox 3">
+            <a:extLst>
+              <a:ext uri="{FF2B5EF4-FFF2-40B4-BE49-F238E27FC236}">
+                <a16:creationId xmlns:a16="http://schemas.microsoft.com/office/drawing/2014/main" id="{15B48375-9454-4309-B958-79B0BC087F7E}"/>
+              </a:ext>
+            </a:extLst>
+          </p:cNvPr>
+          <p:cNvSpPr txBox="1"/>
+          <p:nvPr/>
+        </p:nvSpPr>
+        <p:spPr>
+          <a:xfrm>
+            <a:off x="519112" y="4259482"/>
+            <a:ext cx="8210747" cy="369332"/>
+          </a:xfrm>
+          <a:prstGeom prst="rect">
+            <a:avLst/>
+          </a:prstGeom>
+          <a:noFill/>
+        </p:spPr>
+        <p:txBody>
+          <a:bodyPr wrap="square" rtlCol="0">
+            <a:spAutoFit/>
+          </a:bodyPr>
+          <a:lstStyle/>
+          <a:p>
+            <a:r>
+              <a:rPr lang="en-GB" dirty="0">
+                <a:solidFill>
+                  <a:schemeClr val="bg1"/>
+                </a:solidFill>
+                <a:latin typeface="Chronicle Display" pitchFamily="50" charset="0"/>
+              </a:rPr>
+              <a:t>This mean it is important to make fine grained interfaces that are client specific.</a:t>
+            </a:r>
+          </a:p>
+        </p:txBody>
+      </p:sp>
+    </p:spTree>
+    <p:extLst>
+      <p:ext uri="{BB962C8B-B14F-4D97-AF65-F5344CB8AC3E}">
+        <p14:creationId xmlns:p14="http://schemas.microsoft.com/office/powerpoint/2010/main" val="1258660463"/>
+      </p:ext>
+    </p:extLst>
+  </p:cSld>
+  <p:clrMapOvr>
+    <a:masterClrMapping/>
+  </p:clrMapOvr>
+  <p:timing>
+    <p:tnLst>
+      <p:par>
+        <p:cTn id="1" dur="indefinite" restart="never" nodeType="tmRoot">
+          <p:childTnLst>
+            <p:seq concurrent="1" nextAc="seek">
+              <p:cTn id="2" dur="indefinite" nodeType="mainSeq">
+                <p:childTnLst>
+                  <p:par>
+                    <p:cTn id="3" fill="hold">
+                      <p:stCondLst>
+                        <p:cond delay="indefinite"/>
+                      </p:stCondLst>
+                      <p:childTnLst>
+                        <p:par>
+                          <p:cTn id="4" fill="hold">
+                            <p:stCondLst>
+                              <p:cond delay="0"/>
+                            </p:stCondLst>
+                            <p:childTnLst>
+                              <p:par>
+                                <p:cTn id="5" presetID="10" presetClass="entr" presetSubtype="0" fill="hold" grpId="0" nodeType="clickEffect">
+                                  <p:stCondLst>
+                                    <p:cond delay="0"/>
+                                  </p:stCondLst>
+                                  <p:childTnLst>
+                                    <p:set>
+                                      <p:cBhvr>
+                                        <p:cTn id="6" dur="1" fill="hold">
+                                          <p:stCondLst>
+                                            <p:cond delay="0"/>
+                                          </p:stCondLst>
+                                        </p:cTn>
+                                        <p:tgtEl>
+                                          <p:spTgt spid="4"/>
+                                        </p:tgtEl>
+                                        <p:attrNameLst>
+                                          <p:attrName>style.visibility</p:attrName>
+                                        </p:attrNameLst>
+                                      </p:cBhvr>
+                                      <p:to>
+                                        <p:strVal val="visible"/>
+                                      </p:to>
+                                    </p:set>
+                                    <p:animEffect transition="in" filter="fade">
+                                      <p:cBhvr>
+                                        <p:cTn id="7" dur="500"/>
+                                        <p:tgtEl>
+                                          <p:spTgt spid="4"/>
+                                        </p:tgtEl>
+                                      </p:cBhvr>
+                                    </p:animEffect>
+                                  </p:childTnLst>
+                                </p:cTn>
+                              </p:par>
+                            </p:childTnLst>
+                          </p:cTn>
+                        </p:par>
+                      </p:childTnLst>
+                    </p:cTn>
+                  </p:par>
+                </p:childTnLst>
+              </p:cTn>
+              <p:prevCondLst>
+                <p:cond evt="onPrev" delay="0">
+                  <p:tgtEl>
+                    <p:sldTgt/>
+                  </p:tgtEl>
+                </p:cond>
+              </p:prevCondLst>
+              <p:nextCondLst>
+                <p:cond evt="onNext" delay="0">
+                  <p:tgtEl>
+                    <p:sldTgt/>
+                  </p:tgtEl>
+                </p:cond>
+              </p:nextCondLst>
+            </p:seq>
+          </p:childTnLst>
+        </p:cTn>
+      </p:par>
+    </p:tnLst>
+    <p:bldLst>
+      <p:bldP spid="4" grpId="0"/>
+    </p:bldLst>
+  </p:timing>
+</p:sld>
+</file>
+
+<file path=ppt/slides/slide25.xml><?xml version="1.0" encoding="utf-8"?>
+<p:sld xmlns:a="http://schemas.openxmlformats.org/drawingml/2006/main" xmlns:r="http://schemas.openxmlformats.org/officeDocument/2006/relationships" xmlns:p="http://schemas.openxmlformats.org/presentationml/2006/main">
+  <p:cSld>
+    <p:spTree>
+      <p:nvGrpSpPr>
+        <p:cNvPr id="1" name=""/>
+        <p:cNvGrpSpPr/>
+        <p:nvPr/>
+      </p:nvGrpSpPr>
+      <p:grpSpPr>
+        <a:xfrm>
+          <a:off x="0" y="0"/>
+          <a:ext cx="0" cy="0"/>
+          <a:chOff x="0" y="0"/>
+          <a:chExt cx="0" cy="0"/>
+        </a:xfrm>
+      </p:grpSpPr>
+      <p:sp>
+        <p:nvSpPr>
+          <p:cNvPr id="2" name="Text Placeholder 1"/>
+          <p:cNvSpPr>
+            <a:spLocks noGrp="1"/>
+          </p:cNvSpPr>
+          <p:nvPr>
+            <p:ph type="body" sz="quarter" idx="11"/>
+          </p:nvPr>
+        </p:nvSpPr>
+        <p:spPr>
+          <a:xfrm>
+            <a:off x="328613" y="1079047"/>
+            <a:ext cx="8401246" cy="825323"/>
+          </a:xfrm>
+        </p:spPr>
+        <p:txBody>
+          <a:bodyPr/>
+          <a:lstStyle/>
+          <a:p>
+            <a:r>
+              <a:rPr lang="en-US" dirty="0">
+                <a:solidFill>
+                  <a:schemeClr val="bg1"/>
+                </a:solidFill>
+              </a:rPr>
+              <a:t>ISP Interface Segregation Principle</a:t>
+            </a:r>
+          </a:p>
+          <a:p>
+            <a:endParaRPr lang="en-US" dirty="0">
+              <a:solidFill>
+                <a:schemeClr val="bg1"/>
+              </a:solidFill>
+            </a:endParaRPr>
+          </a:p>
+          <a:p>
+            <a:endParaRPr lang="en-US" dirty="0">
+              <a:solidFill>
+                <a:schemeClr val="bg1"/>
+              </a:solidFill>
+            </a:endParaRPr>
+          </a:p>
+        </p:txBody>
+      </p:sp>
+      <p:pic>
+        <p:nvPicPr>
+          <p:cNvPr id="3" name="Picture 2">
+            <a:extLst>
+              <a:ext uri="{FF2B5EF4-FFF2-40B4-BE49-F238E27FC236}">
+                <a16:creationId xmlns:a16="http://schemas.microsoft.com/office/drawing/2014/main" id="{CBD90FAF-A5BD-4ECB-ADB7-5BE0F29EDE47}"/>
+              </a:ext>
+            </a:extLst>
+          </p:cNvPr>
+          <p:cNvPicPr>
+            <a:picLocks noChangeAspect="1"/>
+          </p:cNvPicPr>
+          <p:nvPr/>
+        </p:nvPicPr>
+        <p:blipFill>
+          <a:blip r:embed="rId3"/>
+          <a:stretch>
+            <a:fillRect/>
+          </a:stretch>
+        </p:blipFill>
+        <p:spPr>
+          <a:xfrm>
+            <a:off x="1116795" y="2784526"/>
+            <a:ext cx="2210108" cy="1733792"/>
+          </a:xfrm>
+          <a:prstGeom prst="rect">
+            <a:avLst/>
+          </a:prstGeom>
+        </p:spPr>
+      </p:pic>
+      <p:pic>
+        <p:nvPicPr>
+          <p:cNvPr id="4" name="Picture 3">
+            <a:extLst>
+              <a:ext uri="{FF2B5EF4-FFF2-40B4-BE49-F238E27FC236}">
+                <a16:creationId xmlns:a16="http://schemas.microsoft.com/office/drawing/2014/main" id="{3CBA74BB-855A-4FF8-819A-4EB418EC75DA}"/>
+              </a:ext>
+            </a:extLst>
+          </p:cNvPr>
+          <p:cNvPicPr>
+            <a:picLocks noChangeAspect="1"/>
+          </p:cNvPicPr>
+          <p:nvPr/>
+        </p:nvPicPr>
+        <p:blipFill>
+          <a:blip r:embed="rId4"/>
+          <a:stretch>
+            <a:fillRect/>
+          </a:stretch>
+        </p:blipFill>
+        <p:spPr>
+          <a:xfrm>
+            <a:off x="4572000" y="2775000"/>
+            <a:ext cx="2753109" cy="1743318"/>
+          </a:xfrm>
+          <a:prstGeom prst="rect">
+            <a:avLst/>
+          </a:prstGeom>
+        </p:spPr>
+      </p:pic>
+    </p:spTree>
+    <p:extLst>
+      <p:ext uri="{BB962C8B-B14F-4D97-AF65-F5344CB8AC3E}">
+        <p14:creationId xmlns:p14="http://schemas.microsoft.com/office/powerpoint/2010/main" val="2437559805"/>
+      </p:ext>
+    </p:extLst>
+  </p:cSld>
+  <p:clrMapOvr>
+    <a:masterClrMapping/>
+  </p:clrMapOvr>
+</p:sld>
+</file>
+
+<file path=ppt/slides/slide26.xml><?xml version="1.0" encoding="utf-8"?>
+<p:sld xmlns:a="http://schemas.openxmlformats.org/drawingml/2006/main" xmlns:r="http://schemas.openxmlformats.org/officeDocument/2006/relationships" xmlns:p="http://schemas.openxmlformats.org/presentationml/2006/main">
+  <p:cSld>
+    <p:spTree>
+      <p:nvGrpSpPr>
+        <p:cNvPr id="1" name=""/>
+        <p:cNvGrpSpPr/>
+        <p:nvPr/>
+      </p:nvGrpSpPr>
+      <p:grpSpPr>
+        <a:xfrm>
+          <a:off x="0" y="0"/>
+          <a:ext cx="0" cy="0"/>
+          <a:chOff x="0" y="0"/>
+          <a:chExt cx="0" cy="0"/>
+        </a:xfrm>
+      </p:grpSpPr>
+      <p:sp>
+        <p:nvSpPr>
+          <p:cNvPr id="2" name="Text Placeholder 1"/>
+          <p:cNvSpPr>
+            <a:spLocks noGrp="1"/>
+          </p:cNvSpPr>
+          <p:nvPr>
+            <p:ph type="body" sz="quarter" idx="11"/>
+          </p:nvPr>
+        </p:nvSpPr>
+        <p:spPr>
+          <a:xfrm>
+            <a:off x="328613" y="1079048"/>
+            <a:ext cx="8401246" cy="847994"/>
+          </a:xfrm>
+        </p:spPr>
+        <p:txBody>
+          <a:bodyPr/>
+          <a:lstStyle/>
+          <a:p>
+            <a:r>
+              <a:rPr lang="en-US" dirty="0">
+                <a:solidFill>
+                  <a:schemeClr val="bg1"/>
+                </a:solidFill>
+              </a:rPr>
+              <a:t>ISP Interface Segregation Principle</a:t>
+            </a:r>
+          </a:p>
+          <a:p>
+            <a:endParaRPr lang="en-US" dirty="0">
+              <a:solidFill>
+                <a:schemeClr val="bg1"/>
+              </a:solidFill>
+            </a:endParaRPr>
+          </a:p>
+          <a:p>
+            <a:endParaRPr lang="en-US" dirty="0">
+              <a:solidFill>
+                <a:schemeClr val="bg1"/>
+              </a:solidFill>
+            </a:endParaRPr>
+          </a:p>
+        </p:txBody>
+      </p:sp>
+      <p:pic>
+        <p:nvPicPr>
+          <p:cNvPr id="5" name="Picture 4">
+            <a:extLst>
+              <a:ext uri="{FF2B5EF4-FFF2-40B4-BE49-F238E27FC236}">
+                <a16:creationId xmlns:a16="http://schemas.microsoft.com/office/drawing/2014/main" id="{8A8BAAF5-AB5A-4430-BC94-210F94813054}"/>
+              </a:ext>
+            </a:extLst>
+          </p:cNvPr>
+          <p:cNvPicPr>
+            <a:picLocks noChangeAspect="1"/>
+          </p:cNvPicPr>
+          <p:nvPr/>
+        </p:nvPicPr>
+        <p:blipFill>
+          <a:blip r:embed="rId3"/>
+          <a:stretch>
+            <a:fillRect/>
+          </a:stretch>
+        </p:blipFill>
+        <p:spPr>
+          <a:xfrm>
+            <a:off x="2366759" y="2648263"/>
+            <a:ext cx="4324954" cy="2896004"/>
+          </a:xfrm>
+          <a:prstGeom prst="rect">
+            <a:avLst/>
+          </a:prstGeom>
+        </p:spPr>
+      </p:pic>
+    </p:spTree>
+    <p:extLst>
+      <p:ext uri="{BB962C8B-B14F-4D97-AF65-F5344CB8AC3E}">
+        <p14:creationId xmlns:p14="http://schemas.microsoft.com/office/powerpoint/2010/main" val="439066"/>
+      </p:ext>
+    </p:extLst>
+  </p:cSld>
+  <p:clrMapOvr>
+    <a:masterClrMapping/>
+  </p:clrMapOvr>
+</p:sld>
+</file>
+
+<file path=ppt/slides/slide27.xml><?xml version="1.0" encoding="utf-8"?>
+<p:sld xmlns:a="http://schemas.openxmlformats.org/drawingml/2006/main" xmlns:r="http://schemas.openxmlformats.org/officeDocument/2006/relationships" xmlns:p="http://schemas.openxmlformats.org/presentationml/2006/main">
+  <p:cSld>
+    <p:spTree>
+      <p:nvGrpSpPr>
+        <p:cNvPr id="1" name=""/>
+        <p:cNvGrpSpPr/>
+        <p:nvPr/>
+      </p:nvGrpSpPr>
+      <p:grpSpPr>
+        <a:xfrm>
+          <a:off x="0" y="0"/>
+          <a:ext cx="0" cy="0"/>
+          <a:chOff x="0" y="0"/>
+          <a:chExt cx="0" cy="0"/>
+        </a:xfrm>
+      </p:grpSpPr>
+      <p:sp>
+        <p:nvSpPr>
+          <p:cNvPr id="2" name="Text Placeholder 1"/>
+          <p:cNvSpPr>
+            <a:spLocks noGrp="1"/>
+          </p:cNvSpPr>
+          <p:nvPr>
+            <p:ph type="body" sz="quarter" idx="11"/>
+          </p:nvPr>
+        </p:nvSpPr>
+        <p:spPr>
+          <a:xfrm>
+            <a:off x="328613" y="1079047"/>
+            <a:ext cx="8401246" cy="840437"/>
+          </a:xfrm>
+        </p:spPr>
+        <p:txBody>
+          <a:bodyPr/>
+          <a:lstStyle/>
+          <a:p>
+            <a:r>
+              <a:rPr lang="en-US" dirty="0">
+                <a:solidFill>
+                  <a:schemeClr val="bg1"/>
+                </a:solidFill>
+              </a:rPr>
+              <a:t>ISP Interface Segregation Principle</a:t>
+            </a:r>
+          </a:p>
+          <a:p>
+            <a:endParaRPr lang="en-US" dirty="0">
+              <a:solidFill>
+                <a:schemeClr val="bg1"/>
+              </a:solidFill>
+            </a:endParaRPr>
+          </a:p>
+          <a:p>
+            <a:endParaRPr lang="en-US" dirty="0">
+              <a:solidFill>
+                <a:schemeClr val="bg1"/>
+              </a:solidFill>
+            </a:endParaRPr>
+          </a:p>
+        </p:txBody>
+      </p:sp>
+      <p:pic>
+        <p:nvPicPr>
+          <p:cNvPr id="4" name="Picture 3">
+            <a:extLst>
+              <a:ext uri="{FF2B5EF4-FFF2-40B4-BE49-F238E27FC236}">
+                <a16:creationId xmlns:a16="http://schemas.microsoft.com/office/drawing/2014/main" id="{FBFCC2E9-A5F6-4C3C-831F-F5E4629505E6}"/>
+              </a:ext>
+            </a:extLst>
+          </p:cNvPr>
+          <p:cNvPicPr>
+            <a:picLocks noChangeAspect="1"/>
+          </p:cNvPicPr>
+          <p:nvPr/>
+        </p:nvPicPr>
+        <p:blipFill>
+          <a:blip r:embed="rId3"/>
+          <a:stretch>
+            <a:fillRect/>
+          </a:stretch>
+        </p:blipFill>
+        <p:spPr>
+          <a:xfrm>
+            <a:off x="526321" y="2132436"/>
+            <a:ext cx="3115110" cy="3762900"/>
+          </a:xfrm>
+          <a:prstGeom prst="rect">
+            <a:avLst/>
+          </a:prstGeom>
+        </p:spPr>
+      </p:pic>
+      <p:pic>
+        <p:nvPicPr>
+          <p:cNvPr id="6" name="Picture 5">
+            <a:extLst>
+              <a:ext uri="{FF2B5EF4-FFF2-40B4-BE49-F238E27FC236}">
+                <a16:creationId xmlns:a16="http://schemas.microsoft.com/office/drawing/2014/main" id="{AC49809A-2F12-43A2-8BDC-61466D25054D}"/>
+              </a:ext>
+            </a:extLst>
+          </p:cNvPr>
+          <p:cNvPicPr>
+            <a:picLocks noChangeAspect="1"/>
+          </p:cNvPicPr>
+          <p:nvPr/>
+        </p:nvPicPr>
+        <p:blipFill>
+          <a:blip r:embed="rId4"/>
+          <a:stretch>
+            <a:fillRect/>
+          </a:stretch>
+        </p:blipFill>
+        <p:spPr>
+          <a:xfrm>
+            <a:off x="4422407" y="2048104"/>
+            <a:ext cx="4039164" cy="4096322"/>
+          </a:xfrm>
+          <a:prstGeom prst="rect">
+            <a:avLst/>
+          </a:prstGeom>
+        </p:spPr>
+      </p:pic>
+    </p:spTree>
+    <p:extLst>
+      <p:ext uri="{BB962C8B-B14F-4D97-AF65-F5344CB8AC3E}">
+        <p14:creationId xmlns:p14="http://schemas.microsoft.com/office/powerpoint/2010/main" val="4064514796"/>
+      </p:ext>
+    </p:extLst>
+  </p:cSld>
+  <p:clrMapOvr>
+    <a:masterClrMapping/>
+  </p:clrMapOvr>
+</p:sld>
+</file>
+
+<file path=ppt/slides/slide28.xml><?xml version="1.0" encoding="utf-8"?>
+<p:sld xmlns:a="http://schemas.openxmlformats.org/drawingml/2006/main" xmlns:r="http://schemas.openxmlformats.org/officeDocument/2006/relationships" xmlns:p="http://schemas.openxmlformats.org/presentationml/2006/main">
+  <p:cSld>
+    <p:spTree>
+      <p:nvGrpSpPr>
+        <p:cNvPr id="1" name=""/>
+        <p:cNvGrpSpPr/>
+        <p:nvPr/>
+      </p:nvGrpSpPr>
+      <p:grpSpPr>
+        <a:xfrm>
+          <a:off x="0" y="0"/>
+          <a:ext cx="0" cy="0"/>
+          <a:chOff x="0" y="0"/>
+          <a:chExt cx="0" cy="0"/>
+        </a:xfrm>
+      </p:grpSpPr>
+      <p:sp>
+        <p:nvSpPr>
+          <p:cNvPr id="2" name="Text Placeholder 1"/>
+          <p:cNvSpPr>
+            <a:spLocks noGrp="1"/>
+          </p:cNvSpPr>
+          <p:nvPr>
+            <p:ph type="body" sz="quarter" idx="11"/>
+          </p:nvPr>
+        </p:nvSpPr>
+        <p:spPr>
+          <a:xfrm>
+            <a:off x="328613" y="1079047"/>
+            <a:ext cx="8401246" cy="899415"/>
+          </a:xfrm>
+        </p:spPr>
+        <p:txBody>
+          <a:bodyPr/>
+          <a:lstStyle/>
+          <a:p>
+            <a:r>
+              <a:rPr lang="en-US" dirty="0">
+                <a:solidFill>
+                  <a:schemeClr val="bg1"/>
+                </a:solidFill>
+              </a:rPr>
+              <a:t>ISP Interface Segregation Principle</a:t>
+            </a:r>
+          </a:p>
+          <a:p>
+            <a:endParaRPr lang="en-US" dirty="0">
+              <a:solidFill>
+                <a:schemeClr val="bg1"/>
+              </a:solidFill>
+            </a:endParaRPr>
+          </a:p>
+          <a:p>
+            <a:endParaRPr lang="en-US" dirty="0">
+              <a:solidFill>
+                <a:schemeClr val="bg1"/>
+              </a:solidFill>
+            </a:endParaRPr>
+          </a:p>
+        </p:txBody>
+      </p:sp>
+      <p:pic>
+        <p:nvPicPr>
+          <p:cNvPr id="3" name="Picture 2">
+            <a:extLst>
+              <a:ext uri="{FF2B5EF4-FFF2-40B4-BE49-F238E27FC236}">
+                <a16:creationId xmlns:a16="http://schemas.microsoft.com/office/drawing/2014/main" id="{C8EB224C-873B-4700-A803-6BA66066399E}"/>
+              </a:ext>
+            </a:extLst>
+          </p:cNvPr>
+          <p:cNvPicPr>
+            <a:picLocks noChangeAspect="1"/>
+          </p:cNvPicPr>
+          <p:nvPr/>
+        </p:nvPicPr>
+        <p:blipFill>
+          <a:blip r:embed="rId3"/>
+          <a:stretch>
+            <a:fillRect/>
+          </a:stretch>
+        </p:blipFill>
+        <p:spPr>
+          <a:xfrm>
+            <a:off x="2942153" y="2067819"/>
+            <a:ext cx="3486637" cy="1714739"/>
+          </a:xfrm>
+          <a:prstGeom prst="rect">
+            <a:avLst/>
+          </a:prstGeom>
+        </p:spPr>
+      </p:pic>
+      <p:pic>
+        <p:nvPicPr>
+          <p:cNvPr id="4" name="Picture 3">
+            <a:extLst>
+              <a:ext uri="{FF2B5EF4-FFF2-40B4-BE49-F238E27FC236}">
+                <a16:creationId xmlns:a16="http://schemas.microsoft.com/office/drawing/2014/main" id="{054E2526-A850-4705-9842-EEAB5D8B2EFC}"/>
+              </a:ext>
+            </a:extLst>
+          </p:cNvPr>
+          <p:cNvPicPr>
+            <a:picLocks noChangeAspect="1"/>
+          </p:cNvPicPr>
+          <p:nvPr/>
+        </p:nvPicPr>
+        <p:blipFill>
+          <a:blip r:embed="rId4"/>
+          <a:stretch>
+            <a:fillRect/>
+          </a:stretch>
+        </p:blipFill>
+        <p:spPr>
+          <a:xfrm>
+            <a:off x="256108" y="3871915"/>
+            <a:ext cx="4134427" cy="2753109"/>
+          </a:xfrm>
+          <a:prstGeom prst="rect">
+            <a:avLst/>
+          </a:prstGeom>
+        </p:spPr>
+      </p:pic>
+      <p:pic>
+        <p:nvPicPr>
+          <p:cNvPr id="5" name="Picture 4">
+            <a:extLst>
+              <a:ext uri="{FF2B5EF4-FFF2-40B4-BE49-F238E27FC236}">
+                <a16:creationId xmlns:a16="http://schemas.microsoft.com/office/drawing/2014/main" id="{335B57ED-3D93-4362-80EB-F214DF842526}"/>
+              </a:ext>
+            </a:extLst>
+          </p:cNvPr>
+          <p:cNvPicPr>
+            <a:picLocks noChangeAspect="1"/>
+          </p:cNvPicPr>
+          <p:nvPr/>
+        </p:nvPicPr>
+        <p:blipFill>
+          <a:blip r:embed="rId5"/>
+          <a:stretch>
+            <a:fillRect/>
+          </a:stretch>
+        </p:blipFill>
+        <p:spPr>
+          <a:xfrm>
+            <a:off x="4414343" y="3871915"/>
+            <a:ext cx="4658375" cy="2724530"/>
+          </a:xfrm>
+          <a:prstGeom prst="rect">
+            <a:avLst/>
+          </a:prstGeom>
+        </p:spPr>
+      </p:pic>
+    </p:spTree>
+    <p:extLst>
+      <p:ext uri="{BB962C8B-B14F-4D97-AF65-F5344CB8AC3E}">
+        <p14:creationId xmlns:p14="http://schemas.microsoft.com/office/powerpoint/2010/main" val="4031165098"/>
+      </p:ext>
+    </p:extLst>
+  </p:cSld>
+  <p:clrMapOvr>
+    <a:masterClrMapping/>
+  </p:clrMapOvr>
+</p:sld>
+</file>
+
+<file path=ppt/slides/slide29.xml><?xml version="1.0" encoding="utf-8"?>
+<p:sld xmlns:a="http://schemas.openxmlformats.org/drawingml/2006/main" xmlns:r="http://schemas.openxmlformats.org/officeDocument/2006/relationships" xmlns:p="http://schemas.openxmlformats.org/presentationml/2006/main">
+  <p:cSld>
+    <p:spTree>
+      <p:nvGrpSpPr>
+        <p:cNvPr id="1" name=""/>
+        <p:cNvGrpSpPr/>
+        <p:nvPr/>
+      </p:nvGrpSpPr>
+      <p:grpSpPr>
+        <a:xfrm>
+          <a:off x="0" y="0"/>
+          <a:ext cx="0" cy="0"/>
+          <a:chOff x="0" y="0"/>
+          <a:chExt cx="0" cy="0"/>
+        </a:xfrm>
+      </p:grpSpPr>
+      <p:sp>
+        <p:nvSpPr>
+          <p:cNvPr id="2" name="Text Placeholder 1"/>
+          <p:cNvSpPr>
+            <a:spLocks noGrp="1"/>
+          </p:cNvSpPr>
+          <p:nvPr>
+            <p:ph type="body" sz="quarter" idx="11"/>
+          </p:nvPr>
+        </p:nvSpPr>
+        <p:spPr>
+          <a:xfrm>
+            <a:off x="328613" y="1079047"/>
+            <a:ext cx="8401246" cy="825323"/>
+          </a:xfrm>
+        </p:spPr>
+        <p:txBody>
+          <a:bodyPr/>
+          <a:lstStyle/>
+          <a:p>
+            <a:r>
+              <a:rPr lang="en-US" dirty="0">
+                <a:solidFill>
+                  <a:schemeClr val="bg1"/>
+                </a:solidFill>
+              </a:rPr>
+              <a:t>ISP Interface Segregation Principle</a:t>
+            </a:r>
+          </a:p>
+          <a:p>
+            <a:endParaRPr lang="en-US" dirty="0">
+              <a:solidFill>
+                <a:schemeClr val="bg1"/>
+              </a:solidFill>
+            </a:endParaRPr>
+          </a:p>
+          <a:p>
+            <a:endParaRPr lang="en-US" dirty="0">
+              <a:solidFill>
+                <a:schemeClr val="bg1"/>
+              </a:solidFill>
+            </a:endParaRPr>
+          </a:p>
+        </p:txBody>
+      </p:sp>
+      <p:pic>
+        <p:nvPicPr>
+          <p:cNvPr id="3" name="Picture 2">
+            <a:extLst>
+              <a:ext uri="{FF2B5EF4-FFF2-40B4-BE49-F238E27FC236}">
+                <a16:creationId xmlns:a16="http://schemas.microsoft.com/office/drawing/2014/main" id="{9AD109B9-04AE-4575-AEA1-94A4654E9214}"/>
+              </a:ext>
+            </a:extLst>
+          </p:cNvPr>
+          <p:cNvPicPr>
+            <a:picLocks noChangeAspect="1"/>
+          </p:cNvPicPr>
+          <p:nvPr/>
+        </p:nvPicPr>
+        <p:blipFill>
+          <a:blip r:embed="rId3"/>
+          <a:stretch>
+            <a:fillRect/>
+          </a:stretch>
+        </p:blipFill>
+        <p:spPr>
+          <a:xfrm>
+            <a:off x="1623601" y="1980804"/>
+            <a:ext cx="5896798" cy="4277322"/>
+          </a:xfrm>
+          <a:prstGeom prst="rect">
+            <a:avLst/>
+          </a:prstGeom>
+        </p:spPr>
+      </p:pic>
+    </p:spTree>
+    <p:extLst>
+      <p:ext uri="{BB962C8B-B14F-4D97-AF65-F5344CB8AC3E}">
+        <p14:creationId xmlns:p14="http://schemas.microsoft.com/office/powerpoint/2010/main" val="2011498610"/>
+      </p:ext>
+    </p:extLst>
+  </p:cSld>
+  <p:clrMapOvr>
+    <a:masterClrMapping/>
+  </p:clrMapOvr>
+</p:sld>
+</file>
+
+<file path=ppt/slides/slide3.xml><?xml version="1.0" encoding="utf-8"?>
 <p:sld xmlns:a="http://schemas.openxmlformats.org/drawingml/2006/main" xmlns:r="http://schemas.openxmlformats.org/officeDocument/2006/relationships" xmlns:p="http://schemas.openxmlformats.org/presentationml/2006/main">
   <p:cSld>
     <p:spTree>
@@ -10619,1326 +12658,7 @@
 </p:sld>
 </file>
 
-<file path=ppt/slides/slide20.xml><?xml version="1.0" encoding="utf-8"?>
-<p:sld xmlns:a="http://schemas.openxmlformats.org/drawingml/2006/main" xmlns:r="http://schemas.openxmlformats.org/officeDocument/2006/relationships" xmlns:p="http://schemas.openxmlformats.org/presentationml/2006/main">
-  <p:cSld>
-    <p:spTree>
-      <p:nvGrpSpPr>
-        <p:cNvPr id="1" name=""/>
-        <p:cNvGrpSpPr/>
-        <p:nvPr/>
-      </p:nvGrpSpPr>
-      <p:grpSpPr>
-        <a:xfrm>
-          <a:off x="0" y="0"/>
-          <a:ext cx="0" cy="0"/>
-          <a:chOff x="0" y="0"/>
-          <a:chExt cx="0" cy="0"/>
-        </a:xfrm>
-      </p:grpSpPr>
-      <p:sp>
-        <p:nvSpPr>
-          <p:cNvPr id="2" name="Text Placeholder 1"/>
-          <p:cNvSpPr>
-            <a:spLocks noGrp="1"/>
-          </p:cNvSpPr>
-          <p:nvPr>
-            <p:ph type="body" sz="quarter" idx="11"/>
-          </p:nvPr>
-        </p:nvSpPr>
-        <p:spPr>
-          <a:xfrm>
-            <a:off x="328613" y="1079048"/>
-            <a:ext cx="8401246" cy="743912"/>
-          </a:xfrm>
-        </p:spPr>
-        <p:txBody>
-          <a:bodyPr/>
-          <a:lstStyle/>
-          <a:p>
-            <a:r>
-              <a:rPr lang="en-US" dirty="0">
-                <a:solidFill>
-                  <a:schemeClr val="bg1"/>
-                </a:solidFill>
-              </a:rPr>
-              <a:t>LSP </a:t>
-            </a:r>
-            <a:r>
-              <a:rPr lang="en-US" dirty="0" err="1">
-                <a:solidFill>
-                  <a:schemeClr val="bg1"/>
-                </a:solidFill>
-              </a:rPr>
-              <a:t>Liskov</a:t>
-            </a:r>
-            <a:r>
-              <a:rPr lang="en-US" dirty="0">
-                <a:solidFill>
-                  <a:schemeClr val="bg1"/>
-                </a:solidFill>
-              </a:rPr>
-              <a:t> Substitution Principle</a:t>
-            </a:r>
-          </a:p>
-          <a:p>
-            <a:endParaRPr lang="en-US" dirty="0">
-              <a:solidFill>
-                <a:schemeClr val="bg1"/>
-              </a:solidFill>
-            </a:endParaRPr>
-          </a:p>
-          <a:p>
-            <a:endParaRPr lang="en-US" dirty="0">
-              <a:solidFill>
-                <a:schemeClr val="bg1"/>
-              </a:solidFill>
-            </a:endParaRPr>
-          </a:p>
-        </p:txBody>
-      </p:sp>
-      <p:pic>
-        <p:nvPicPr>
-          <p:cNvPr id="4" name="Picture 3">
-            <a:extLst>
-              <a:ext uri="{FF2B5EF4-FFF2-40B4-BE49-F238E27FC236}">
-                <a16:creationId xmlns:a16="http://schemas.microsoft.com/office/drawing/2014/main" id="{F3DF34AA-28DA-41D8-9514-8E3C4F546401}"/>
-              </a:ext>
-            </a:extLst>
-          </p:cNvPr>
-          <p:cNvPicPr>
-            <a:picLocks noChangeAspect="1"/>
-          </p:cNvPicPr>
-          <p:nvPr/>
-        </p:nvPicPr>
-        <p:blipFill>
-          <a:blip r:embed="rId3"/>
-          <a:stretch>
-            <a:fillRect/>
-          </a:stretch>
-        </p:blipFill>
-        <p:spPr>
-          <a:xfrm>
-            <a:off x="2566707" y="1822959"/>
-            <a:ext cx="4010585" cy="2553056"/>
-          </a:xfrm>
-          <a:prstGeom prst="rect">
-            <a:avLst/>
-          </a:prstGeom>
-        </p:spPr>
-      </p:pic>
-      <p:pic>
-        <p:nvPicPr>
-          <p:cNvPr id="5" name="Picture 4">
-            <a:extLst>
-              <a:ext uri="{FF2B5EF4-FFF2-40B4-BE49-F238E27FC236}">
-                <a16:creationId xmlns:a16="http://schemas.microsoft.com/office/drawing/2014/main" id="{4D4DD59A-2A70-4B38-B907-CBDEFCC78245}"/>
-              </a:ext>
-            </a:extLst>
-          </p:cNvPr>
-          <p:cNvPicPr>
-            <a:picLocks noChangeAspect="1"/>
-          </p:cNvPicPr>
-          <p:nvPr/>
-        </p:nvPicPr>
-        <p:blipFill>
-          <a:blip r:embed="rId4"/>
-          <a:stretch>
-            <a:fillRect/>
-          </a:stretch>
-        </p:blipFill>
-        <p:spPr>
-          <a:xfrm>
-            <a:off x="266098" y="4450155"/>
-            <a:ext cx="4171895" cy="2229161"/>
-          </a:xfrm>
-          <a:prstGeom prst="rect">
-            <a:avLst/>
-          </a:prstGeom>
-        </p:spPr>
-      </p:pic>
-      <p:pic>
-        <p:nvPicPr>
-          <p:cNvPr id="7" name="Picture 6">
-            <a:extLst>
-              <a:ext uri="{FF2B5EF4-FFF2-40B4-BE49-F238E27FC236}">
-                <a16:creationId xmlns:a16="http://schemas.microsoft.com/office/drawing/2014/main" id="{51366BA9-E17C-46E9-8317-688E1A452830}"/>
-              </a:ext>
-            </a:extLst>
-          </p:cNvPr>
-          <p:cNvPicPr>
-            <a:picLocks noChangeAspect="1"/>
-          </p:cNvPicPr>
-          <p:nvPr/>
-        </p:nvPicPr>
-        <p:blipFill>
-          <a:blip r:embed="rId5"/>
-          <a:stretch>
-            <a:fillRect/>
-          </a:stretch>
-        </p:blipFill>
-        <p:spPr>
-          <a:xfrm>
-            <a:off x="4500508" y="4450154"/>
-            <a:ext cx="4557726" cy="2229161"/>
-          </a:xfrm>
-          <a:prstGeom prst="rect">
-            <a:avLst/>
-          </a:prstGeom>
-        </p:spPr>
-      </p:pic>
-    </p:spTree>
-    <p:extLst>
-      <p:ext uri="{BB962C8B-B14F-4D97-AF65-F5344CB8AC3E}">
-        <p14:creationId xmlns:p14="http://schemas.microsoft.com/office/powerpoint/2010/main" val="1174909020"/>
-      </p:ext>
-    </p:extLst>
-  </p:cSld>
-  <p:clrMapOvr>
-    <a:masterClrMapping/>
-  </p:clrMapOvr>
-</p:sld>
-</file>
-
-<file path=ppt/slides/slide21.xml><?xml version="1.0" encoding="utf-8"?>
-<p:sld xmlns:a="http://schemas.openxmlformats.org/drawingml/2006/main" xmlns:r="http://schemas.openxmlformats.org/officeDocument/2006/relationships" xmlns:p="http://schemas.openxmlformats.org/presentationml/2006/main">
-  <p:cSld>
-    <p:spTree>
-      <p:nvGrpSpPr>
-        <p:cNvPr id="1" name=""/>
-        <p:cNvGrpSpPr/>
-        <p:nvPr/>
-      </p:nvGrpSpPr>
-      <p:grpSpPr>
-        <a:xfrm>
-          <a:off x="0" y="0"/>
-          <a:ext cx="0" cy="0"/>
-          <a:chOff x="0" y="0"/>
-          <a:chExt cx="0" cy="0"/>
-        </a:xfrm>
-      </p:grpSpPr>
-      <p:sp>
-        <p:nvSpPr>
-          <p:cNvPr id="2" name="Text Placeholder 1"/>
-          <p:cNvSpPr>
-            <a:spLocks noGrp="1"/>
-          </p:cNvSpPr>
-          <p:nvPr>
-            <p:ph type="body" sz="quarter" idx="11"/>
-          </p:nvPr>
-        </p:nvSpPr>
-        <p:spPr>
-          <a:xfrm>
-            <a:off x="328613" y="1079048"/>
-            <a:ext cx="8401246" cy="863108"/>
-          </a:xfrm>
-        </p:spPr>
-        <p:txBody>
-          <a:bodyPr/>
-          <a:lstStyle/>
-          <a:p>
-            <a:r>
-              <a:rPr lang="en-US" dirty="0">
-                <a:solidFill>
-                  <a:schemeClr val="bg1"/>
-                </a:solidFill>
-              </a:rPr>
-              <a:t>LSP </a:t>
-            </a:r>
-            <a:r>
-              <a:rPr lang="en-US" dirty="0" err="1">
-                <a:solidFill>
-                  <a:schemeClr val="bg1"/>
-                </a:solidFill>
-              </a:rPr>
-              <a:t>Liskov</a:t>
-            </a:r>
-            <a:r>
-              <a:rPr lang="en-US" dirty="0">
-                <a:solidFill>
-                  <a:schemeClr val="bg1"/>
-                </a:solidFill>
-              </a:rPr>
-              <a:t> Substitution Principle</a:t>
-            </a:r>
-          </a:p>
-          <a:p>
-            <a:endParaRPr lang="en-US" dirty="0">
-              <a:solidFill>
-                <a:schemeClr val="bg1"/>
-              </a:solidFill>
-            </a:endParaRPr>
-          </a:p>
-          <a:p>
-            <a:endParaRPr lang="en-US" dirty="0">
-              <a:solidFill>
-                <a:schemeClr val="bg1"/>
-              </a:solidFill>
-            </a:endParaRPr>
-          </a:p>
-        </p:txBody>
-      </p:sp>
-      <p:pic>
-        <p:nvPicPr>
-          <p:cNvPr id="3" name="Picture 2">
-            <a:extLst>
-              <a:ext uri="{FF2B5EF4-FFF2-40B4-BE49-F238E27FC236}">
-                <a16:creationId xmlns:a16="http://schemas.microsoft.com/office/drawing/2014/main" id="{41E81130-9825-42FF-8B7C-31725375DEB6}"/>
-              </a:ext>
-            </a:extLst>
-          </p:cNvPr>
-          <p:cNvPicPr>
-            <a:picLocks noChangeAspect="1"/>
-          </p:cNvPicPr>
-          <p:nvPr/>
-        </p:nvPicPr>
-        <p:blipFill>
-          <a:blip r:embed="rId3"/>
-          <a:stretch>
-            <a:fillRect/>
-          </a:stretch>
-        </p:blipFill>
-        <p:spPr>
-          <a:xfrm>
-            <a:off x="1599785" y="2334556"/>
-            <a:ext cx="5944430" cy="2896004"/>
-          </a:xfrm>
-          <a:prstGeom prst="rect">
-            <a:avLst/>
-          </a:prstGeom>
-        </p:spPr>
-      </p:pic>
-    </p:spTree>
-    <p:extLst>
-      <p:ext uri="{BB962C8B-B14F-4D97-AF65-F5344CB8AC3E}">
-        <p14:creationId xmlns:p14="http://schemas.microsoft.com/office/powerpoint/2010/main" val="2095394683"/>
-      </p:ext>
-    </p:extLst>
-  </p:cSld>
-  <p:clrMapOvr>
-    <a:masterClrMapping/>
-  </p:clrMapOvr>
-</p:sld>
-</file>
-
-<file path=ppt/slides/slide22.xml><?xml version="1.0" encoding="utf-8"?>
-<p:sld xmlns:a="http://schemas.openxmlformats.org/drawingml/2006/main" xmlns:r="http://schemas.openxmlformats.org/officeDocument/2006/relationships" xmlns:p="http://schemas.openxmlformats.org/presentationml/2006/main">
-  <p:cSld>
-    <p:spTree>
-      <p:nvGrpSpPr>
-        <p:cNvPr id="1" name=""/>
-        <p:cNvGrpSpPr/>
-        <p:nvPr/>
-      </p:nvGrpSpPr>
-      <p:grpSpPr>
-        <a:xfrm>
-          <a:off x="0" y="0"/>
-          <a:ext cx="0" cy="0"/>
-          <a:chOff x="0" y="0"/>
-          <a:chExt cx="0" cy="0"/>
-        </a:xfrm>
-      </p:grpSpPr>
-      <p:sp>
-        <p:nvSpPr>
-          <p:cNvPr id="2" name="Text Placeholder 1"/>
-          <p:cNvSpPr>
-            <a:spLocks noGrp="1"/>
-          </p:cNvSpPr>
-          <p:nvPr>
-            <p:ph type="body" sz="quarter" idx="11"/>
-          </p:nvPr>
-        </p:nvSpPr>
-        <p:spPr>
-          <a:xfrm>
-            <a:off x="328613" y="1079047"/>
-            <a:ext cx="8401246" cy="900893"/>
-          </a:xfrm>
-        </p:spPr>
-        <p:txBody>
-          <a:bodyPr/>
-          <a:lstStyle/>
-          <a:p>
-            <a:r>
-              <a:rPr lang="en-US" dirty="0">
-                <a:solidFill>
-                  <a:schemeClr val="bg1"/>
-                </a:solidFill>
-              </a:rPr>
-              <a:t>LSP </a:t>
-            </a:r>
-            <a:r>
-              <a:rPr lang="en-US" dirty="0" err="1">
-                <a:solidFill>
-                  <a:schemeClr val="bg1"/>
-                </a:solidFill>
-              </a:rPr>
-              <a:t>Liskov</a:t>
-            </a:r>
-            <a:r>
-              <a:rPr lang="en-US" dirty="0">
-                <a:solidFill>
-                  <a:schemeClr val="bg1"/>
-                </a:solidFill>
-              </a:rPr>
-              <a:t> Substitution Principle</a:t>
-            </a:r>
-          </a:p>
-          <a:p>
-            <a:endParaRPr lang="en-US" dirty="0">
-              <a:solidFill>
-                <a:schemeClr val="bg1"/>
-              </a:solidFill>
-            </a:endParaRPr>
-          </a:p>
-          <a:p>
-            <a:endParaRPr lang="en-US" dirty="0">
-              <a:solidFill>
-                <a:schemeClr val="bg1"/>
-              </a:solidFill>
-            </a:endParaRPr>
-          </a:p>
-        </p:txBody>
-      </p:sp>
-      <p:pic>
-        <p:nvPicPr>
-          <p:cNvPr id="4" name="Picture 3">
-            <a:extLst>
-              <a:ext uri="{FF2B5EF4-FFF2-40B4-BE49-F238E27FC236}">
-                <a16:creationId xmlns:a16="http://schemas.microsoft.com/office/drawing/2014/main" id="{CDE18172-2F07-46DE-9C55-D8C74BF2BD2C}"/>
-              </a:ext>
-            </a:extLst>
-          </p:cNvPr>
-          <p:cNvPicPr>
-            <a:picLocks noChangeAspect="1"/>
-          </p:cNvPicPr>
-          <p:nvPr/>
-        </p:nvPicPr>
-        <p:blipFill>
-          <a:blip r:embed="rId3"/>
-          <a:stretch>
-            <a:fillRect/>
-          </a:stretch>
-        </p:blipFill>
-        <p:spPr>
-          <a:xfrm>
-            <a:off x="1866522" y="2549527"/>
-            <a:ext cx="5410955" cy="3229426"/>
-          </a:xfrm>
-          <a:prstGeom prst="rect">
-            <a:avLst/>
-          </a:prstGeom>
-        </p:spPr>
-      </p:pic>
-    </p:spTree>
-    <p:extLst>
-      <p:ext uri="{BB962C8B-B14F-4D97-AF65-F5344CB8AC3E}">
-        <p14:creationId xmlns:p14="http://schemas.microsoft.com/office/powerpoint/2010/main" val="16659559"/>
-      </p:ext>
-    </p:extLst>
-  </p:cSld>
-  <p:clrMapOvr>
-    <a:masterClrMapping/>
-  </p:clrMapOvr>
-</p:sld>
-</file>
-
-<file path=ppt/slides/slide23.xml><?xml version="1.0" encoding="utf-8"?>
-<p:sld xmlns:a="http://schemas.openxmlformats.org/drawingml/2006/main" xmlns:r="http://schemas.openxmlformats.org/officeDocument/2006/relationships" xmlns:p="http://schemas.openxmlformats.org/presentationml/2006/main">
-  <p:cSld>
-    <p:spTree>
-      <p:nvGrpSpPr>
-        <p:cNvPr id="1" name=""/>
-        <p:cNvGrpSpPr/>
-        <p:nvPr/>
-      </p:nvGrpSpPr>
-      <p:grpSpPr>
-        <a:xfrm>
-          <a:off x="0" y="0"/>
-          <a:ext cx="0" cy="0"/>
-          <a:chOff x="0" y="0"/>
-          <a:chExt cx="0" cy="0"/>
-        </a:xfrm>
-      </p:grpSpPr>
-      <p:sp>
-        <p:nvSpPr>
-          <p:cNvPr id="2" name="Text Placeholder 1"/>
-          <p:cNvSpPr>
-            <a:spLocks noGrp="1"/>
-          </p:cNvSpPr>
-          <p:nvPr>
-            <p:ph type="body" sz="quarter" idx="11"/>
-          </p:nvPr>
-        </p:nvSpPr>
-        <p:spPr>
-          <a:xfrm>
-            <a:off x="328613" y="1079047"/>
-            <a:ext cx="8401246" cy="734639"/>
-          </a:xfrm>
-        </p:spPr>
-        <p:txBody>
-          <a:bodyPr/>
-          <a:lstStyle/>
-          <a:p>
-            <a:r>
-              <a:rPr lang="en-US" dirty="0">
-                <a:solidFill>
-                  <a:schemeClr val="bg1"/>
-                </a:solidFill>
-              </a:rPr>
-              <a:t>ISP Interface Segregation Principle</a:t>
-            </a:r>
-          </a:p>
-          <a:p>
-            <a:endParaRPr lang="en-US" dirty="0">
-              <a:solidFill>
-                <a:schemeClr val="bg1"/>
-              </a:solidFill>
-            </a:endParaRPr>
-          </a:p>
-          <a:p>
-            <a:endParaRPr lang="en-US" dirty="0">
-              <a:solidFill>
-                <a:schemeClr val="bg1"/>
-              </a:solidFill>
-            </a:endParaRPr>
-          </a:p>
-        </p:txBody>
-      </p:sp>
-      <p:sp>
-        <p:nvSpPr>
-          <p:cNvPr id="5" name="TextBox 4"/>
-          <p:cNvSpPr txBox="1"/>
-          <p:nvPr/>
-        </p:nvSpPr>
-        <p:spPr>
-          <a:xfrm>
-            <a:off x="621372" y="2090172"/>
-            <a:ext cx="8210747" cy="1692771"/>
-          </a:xfrm>
-          <a:prstGeom prst="rect">
-            <a:avLst/>
-          </a:prstGeom>
-          <a:noFill/>
-        </p:spPr>
-        <p:txBody>
-          <a:bodyPr wrap="square" rtlCol="0">
-            <a:spAutoFit/>
-          </a:bodyPr>
-          <a:lstStyle/>
-          <a:p>
-            <a:endParaRPr lang="en-GB" sz="1600" dirty="0">
-              <a:solidFill>
-                <a:schemeClr val="bg1"/>
-              </a:solidFill>
-              <a:latin typeface="Chronicle Display" pitchFamily="50" charset="0"/>
-            </a:endParaRPr>
-          </a:p>
-          <a:p>
-            <a:r>
-              <a:rPr lang="en-GB" sz="2400" b="1" i="1" dirty="0">
-                <a:solidFill>
-                  <a:schemeClr val="bg1"/>
-                </a:solidFill>
-                <a:latin typeface="Chronicle Display" pitchFamily="50" charset="0"/>
-              </a:rPr>
-              <a:t>A client never be forced to implement an interface that it doesn’t use or client shouldn’t be forced to depend on method they do not use.</a:t>
-            </a:r>
-          </a:p>
-          <a:p>
-            <a:endParaRPr lang="en-GB" sz="1600" b="1" i="1" dirty="0">
-              <a:solidFill>
-                <a:schemeClr val="bg1"/>
-              </a:solidFill>
-              <a:latin typeface="Chronicle Display" pitchFamily="50" charset="0"/>
-            </a:endParaRPr>
-          </a:p>
-        </p:txBody>
-      </p:sp>
-      <p:sp>
-        <p:nvSpPr>
-          <p:cNvPr id="4" name="TextBox 3">
-            <a:extLst>
-              <a:ext uri="{FF2B5EF4-FFF2-40B4-BE49-F238E27FC236}">
-                <a16:creationId xmlns:a16="http://schemas.microsoft.com/office/drawing/2014/main" id="{15B48375-9454-4309-B958-79B0BC087F7E}"/>
-              </a:ext>
-            </a:extLst>
-          </p:cNvPr>
-          <p:cNvSpPr txBox="1"/>
-          <p:nvPr/>
-        </p:nvSpPr>
-        <p:spPr>
-          <a:xfrm>
-            <a:off x="519112" y="4259482"/>
-            <a:ext cx="8210747" cy="369332"/>
-          </a:xfrm>
-          <a:prstGeom prst="rect">
-            <a:avLst/>
-          </a:prstGeom>
-          <a:noFill/>
-        </p:spPr>
-        <p:txBody>
-          <a:bodyPr wrap="square" rtlCol="0">
-            <a:spAutoFit/>
-          </a:bodyPr>
-          <a:lstStyle/>
-          <a:p>
-            <a:r>
-              <a:rPr lang="en-GB" dirty="0">
-                <a:solidFill>
-                  <a:schemeClr val="bg1"/>
-                </a:solidFill>
-                <a:latin typeface="Chronicle Display" pitchFamily="50" charset="0"/>
-              </a:rPr>
-              <a:t>This mean it is important to make fine grained interfaces that are client specific.</a:t>
-            </a:r>
-          </a:p>
-        </p:txBody>
-      </p:sp>
-    </p:spTree>
-    <p:extLst>
-      <p:ext uri="{BB962C8B-B14F-4D97-AF65-F5344CB8AC3E}">
-        <p14:creationId xmlns:p14="http://schemas.microsoft.com/office/powerpoint/2010/main" val="1258660463"/>
-      </p:ext>
-    </p:extLst>
-  </p:cSld>
-  <p:clrMapOvr>
-    <a:masterClrMapping/>
-  </p:clrMapOvr>
-  <p:timing>
-    <p:tnLst>
-      <p:par>
-        <p:cTn id="1" dur="indefinite" restart="never" nodeType="tmRoot">
-          <p:childTnLst>
-            <p:seq concurrent="1" nextAc="seek">
-              <p:cTn id="2" dur="indefinite" nodeType="mainSeq">
-                <p:childTnLst>
-                  <p:par>
-                    <p:cTn id="3" fill="hold">
-                      <p:stCondLst>
-                        <p:cond delay="indefinite"/>
-                      </p:stCondLst>
-                      <p:childTnLst>
-                        <p:par>
-                          <p:cTn id="4" fill="hold">
-                            <p:stCondLst>
-                              <p:cond delay="0"/>
-                            </p:stCondLst>
-                            <p:childTnLst>
-                              <p:par>
-                                <p:cTn id="5" presetID="10" presetClass="entr" presetSubtype="0" fill="hold" grpId="0" nodeType="clickEffect">
-                                  <p:stCondLst>
-                                    <p:cond delay="0"/>
-                                  </p:stCondLst>
-                                  <p:childTnLst>
-                                    <p:set>
-                                      <p:cBhvr>
-                                        <p:cTn id="6" dur="1" fill="hold">
-                                          <p:stCondLst>
-                                            <p:cond delay="0"/>
-                                          </p:stCondLst>
-                                        </p:cTn>
-                                        <p:tgtEl>
-                                          <p:spTgt spid="4"/>
-                                        </p:tgtEl>
-                                        <p:attrNameLst>
-                                          <p:attrName>style.visibility</p:attrName>
-                                        </p:attrNameLst>
-                                      </p:cBhvr>
-                                      <p:to>
-                                        <p:strVal val="visible"/>
-                                      </p:to>
-                                    </p:set>
-                                    <p:animEffect transition="in" filter="fade">
-                                      <p:cBhvr>
-                                        <p:cTn id="7" dur="500"/>
-                                        <p:tgtEl>
-                                          <p:spTgt spid="4"/>
-                                        </p:tgtEl>
-                                      </p:cBhvr>
-                                    </p:animEffect>
-                                  </p:childTnLst>
-                                </p:cTn>
-                              </p:par>
-                            </p:childTnLst>
-                          </p:cTn>
-                        </p:par>
-                      </p:childTnLst>
-                    </p:cTn>
-                  </p:par>
-                </p:childTnLst>
-              </p:cTn>
-              <p:prevCondLst>
-                <p:cond evt="onPrev" delay="0">
-                  <p:tgtEl>
-                    <p:sldTgt/>
-                  </p:tgtEl>
-                </p:cond>
-              </p:prevCondLst>
-              <p:nextCondLst>
-                <p:cond evt="onNext" delay="0">
-                  <p:tgtEl>
-                    <p:sldTgt/>
-                  </p:tgtEl>
-                </p:cond>
-              </p:nextCondLst>
-            </p:seq>
-          </p:childTnLst>
-        </p:cTn>
-      </p:par>
-    </p:tnLst>
-    <p:bldLst>
-      <p:bldP spid="4" grpId="0"/>
-    </p:bldLst>
-  </p:timing>
-</p:sld>
-</file>
-
-<file path=ppt/slides/slide24.xml><?xml version="1.0" encoding="utf-8"?>
-<p:sld xmlns:a="http://schemas.openxmlformats.org/drawingml/2006/main" xmlns:r="http://schemas.openxmlformats.org/officeDocument/2006/relationships" xmlns:p="http://schemas.openxmlformats.org/presentationml/2006/main">
-  <p:cSld>
-    <p:spTree>
-      <p:nvGrpSpPr>
-        <p:cNvPr id="1" name=""/>
-        <p:cNvGrpSpPr/>
-        <p:nvPr/>
-      </p:nvGrpSpPr>
-      <p:grpSpPr>
-        <a:xfrm>
-          <a:off x="0" y="0"/>
-          <a:ext cx="0" cy="0"/>
-          <a:chOff x="0" y="0"/>
-          <a:chExt cx="0" cy="0"/>
-        </a:xfrm>
-      </p:grpSpPr>
-      <p:sp>
-        <p:nvSpPr>
-          <p:cNvPr id="2" name="Text Placeholder 1"/>
-          <p:cNvSpPr>
-            <a:spLocks noGrp="1"/>
-          </p:cNvSpPr>
-          <p:nvPr>
-            <p:ph type="body" sz="quarter" idx="11"/>
-          </p:nvPr>
-        </p:nvSpPr>
-        <p:spPr>
-          <a:xfrm>
-            <a:off x="328613" y="1079047"/>
-            <a:ext cx="8401246" cy="825323"/>
-          </a:xfrm>
-        </p:spPr>
-        <p:txBody>
-          <a:bodyPr/>
-          <a:lstStyle/>
-          <a:p>
-            <a:r>
-              <a:rPr lang="en-US" dirty="0">
-                <a:solidFill>
-                  <a:schemeClr val="bg1"/>
-                </a:solidFill>
-              </a:rPr>
-              <a:t>ISP Interface Segregation Principle</a:t>
-            </a:r>
-          </a:p>
-          <a:p>
-            <a:endParaRPr lang="en-US" dirty="0">
-              <a:solidFill>
-                <a:schemeClr val="bg1"/>
-              </a:solidFill>
-            </a:endParaRPr>
-          </a:p>
-          <a:p>
-            <a:endParaRPr lang="en-US" dirty="0">
-              <a:solidFill>
-                <a:schemeClr val="bg1"/>
-              </a:solidFill>
-            </a:endParaRPr>
-          </a:p>
-        </p:txBody>
-      </p:sp>
-      <p:pic>
-        <p:nvPicPr>
-          <p:cNvPr id="3" name="Picture 2">
-            <a:extLst>
-              <a:ext uri="{FF2B5EF4-FFF2-40B4-BE49-F238E27FC236}">
-                <a16:creationId xmlns:a16="http://schemas.microsoft.com/office/drawing/2014/main" id="{CBD90FAF-A5BD-4ECB-ADB7-5BE0F29EDE47}"/>
-              </a:ext>
-            </a:extLst>
-          </p:cNvPr>
-          <p:cNvPicPr>
-            <a:picLocks noChangeAspect="1"/>
-          </p:cNvPicPr>
-          <p:nvPr/>
-        </p:nvPicPr>
-        <p:blipFill>
-          <a:blip r:embed="rId3"/>
-          <a:stretch>
-            <a:fillRect/>
-          </a:stretch>
-        </p:blipFill>
-        <p:spPr>
-          <a:xfrm>
-            <a:off x="1116795" y="2784526"/>
-            <a:ext cx="2210108" cy="1733792"/>
-          </a:xfrm>
-          <a:prstGeom prst="rect">
-            <a:avLst/>
-          </a:prstGeom>
-        </p:spPr>
-      </p:pic>
-      <p:pic>
-        <p:nvPicPr>
-          <p:cNvPr id="4" name="Picture 3">
-            <a:extLst>
-              <a:ext uri="{FF2B5EF4-FFF2-40B4-BE49-F238E27FC236}">
-                <a16:creationId xmlns:a16="http://schemas.microsoft.com/office/drawing/2014/main" id="{3CBA74BB-855A-4FF8-819A-4EB418EC75DA}"/>
-              </a:ext>
-            </a:extLst>
-          </p:cNvPr>
-          <p:cNvPicPr>
-            <a:picLocks noChangeAspect="1"/>
-          </p:cNvPicPr>
-          <p:nvPr/>
-        </p:nvPicPr>
-        <p:blipFill>
-          <a:blip r:embed="rId4"/>
-          <a:stretch>
-            <a:fillRect/>
-          </a:stretch>
-        </p:blipFill>
-        <p:spPr>
-          <a:xfrm>
-            <a:off x="4572000" y="2775000"/>
-            <a:ext cx="2753109" cy="1743318"/>
-          </a:xfrm>
-          <a:prstGeom prst="rect">
-            <a:avLst/>
-          </a:prstGeom>
-        </p:spPr>
-      </p:pic>
-    </p:spTree>
-    <p:extLst>
-      <p:ext uri="{BB962C8B-B14F-4D97-AF65-F5344CB8AC3E}">
-        <p14:creationId xmlns:p14="http://schemas.microsoft.com/office/powerpoint/2010/main" val="2437559805"/>
-      </p:ext>
-    </p:extLst>
-  </p:cSld>
-  <p:clrMapOvr>
-    <a:masterClrMapping/>
-  </p:clrMapOvr>
-</p:sld>
-</file>
-
-<file path=ppt/slides/slide25.xml><?xml version="1.0" encoding="utf-8"?>
-<p:sld xmlns:a="http://schemas.openxmlformats.org/drawingml/2006/main" xmlns:r="http://schemas.openxmlformats.org/officeDocument/2006/relationships" xmlns:p="http://schemas.openxmlformats.org/presentationml/2006/main">
-  <p:cSld>
-    <p:spTree>
-      <p:nvGrpSpPr>
-        <p:cNvPr id="1" name=""/>
-        <p:cNvGrpSpPr/>
-        <p:nvPr/>
-      </p:nvGrpSpPr>
-      <p:grpSpPr>
-        <a:xfrm>
-          <a:off x="0" y="0"/>
-          <a:ext cx="0" cy="0"/>
-          <a:chOff x="0" y="0"/>
-          <a:chExt cx="0" cy="0"/>
-        </a:xfrm>
-      </p:grpSpPr>
-      <p:sp>
-        <p:nvSpPr>
-          <p:cNvPr id="2" name="Text Placeholder 1"/>
-          <p:cNvSpPr>
-            <a:spLocks noGrp="1"/>
-          </p:cNvSpPr>
-          <p:nvPr>
-            <p:ph type="body" sz="quarter" idx="11"/>
-          </p:nvPr>
-        </p:nvSpPr>
-        <p:spPr>
-          <a:xfrm>
-            <a:off x="328613" y="1079048"/>
-            <a:ext cx="8401246" cy="847994"/>
-          </a:xfrm>
-        </p:spPr>
-        <p:txBody>
-          <a:bodyPr/>
-          <a:lstStyle/>
-          <a:p>
-            <a:r>
-              <a:rPr lang="en-US" dirty="0">
-                <a:solidFill>
-                  <a:schemeClr val="bg1"/>
-                </a:solidFill>
-              </a:rPr>
-              <a:t>ISP Interface Segregation Principle</a:t>
-            </a:r>
-          </a:p>
-          <a:p>
-            <a:endParaRPr lang="en-US" dirty="0">
-              <a:solidFill>
-                <a:schemeClr val="bg1"/>
-              </a:solidFill>
-            </a:endParaRPr>
-          </a:p>
-          <a:p>
-            <a:endParaRPr lang="en-US" dirty="0">
-              <a:solidFill>
-                <a:schemeClr val="bg1"/>
-              </a:solidFill>
-            </a:endParaRPr>
-          </a:p>
-        </p:txBody>
-      </p:sp>
-      <p:pic>
-        <p:nvPicPr>
-          <p:cNvPr id="5" name="Picture 4">
-            <a:extLst>
-              <a:ext uri="{FF2B5EF4-FFF2-40B4-BE49-F238E27FC236}">
-                <a16:creationId xmlns:a16="http://schemas.microsoft.com/office/drawing/2014/main" id="{8A8BAAF5-AB5A-4430-BC94-210F94813054}"/>
-              </a:ext>
-            </a:extLst>
-          </p:cNvPr>
-          <p:cNvPicPr>
-            <a:picLocks noChangeAspect="1"/>
-          </p:cNvPicPr>
-          <p:nvPr/>
-        </p:nvPicPr>
-        <p:blipFill>
-          <a:blip r:embed="rId3"/>
-          <a:stretch>
-            <a:fillRect/>
-          </a:stretch>
-        </p:blipFill>
-        <p:spPr>
-          <a:xfrm>
-            <a:off x="2366759" y="2648263"/>
-            <a:ext cx="4324954" cy="2896004"/>
-          </a:xfrm>
-          <a:prstGeom prst="rect">
-            <a:avLst/>
-          </a:prstGeom>
-        </p:spPr>
-      </p:pic>
-    </p:spTree>
-    <p:extLst>
-      <p:ext uri="{BB962C8B-B14F-4D97-AF65-F5344CB8AC3E}">
-        <p14:creationId xmlns:p14="http://schemas.microsoft.com/office/powerpoint/2010/main" val="439066"/>
-      </p:ext>
-    </p:extLst>
-  </p:cSld>
-  <p:clrMapOvr>
-    <a:masterClrMapping/>
-  </p:clrMapOvr>
-</p:sld>
-</file>
-
-<file path=ppt/slides/slide26.xml><?xml version="1.0" encoding="utf-8"?>
-<p:sld xmlns:a="http://schemas.openxmlformats.org/drawingml/2006/main" xmlns:r="http://schemas.openxmlformats.org/officeDocument/2006/relationships" xmlns:p="http://schemas.openxmlformats.org/presentationml/2006/main">
-  <p:cSld>
-    <p:spTree>
-      <p:nvGrpSpPr>
-        <p:cNvPr id="1" name=""/>
-        <p:cNvGrpSpPr/>
-        <p:nvPr/>
-      </p:nvGrpSpPr>
-      <p:grpSpPr>
-        <a:xfrm>
-          <a:off x="0" y="0"/>
-          <a:ext cx="0" cy="0"/>
-          <a:chOff x="0" y="0"/>
-          <a:chExt cx="0" cy="0"/>
-        </a:xfrm>
-      </p:grpSpPr>
-      <p:sp>
-        <p:nvSpPr>
-          <p:cNvPr id="2" name="Text Placeholder 1"/>
-          <p:cNvSpPr>
-            <a:spLocks noGrp="1"/>
-          </p:cNvSpPr>
-          <p:nvPr>
-            <p:ph type="body" sz="quarter" idx="11"/>
-          </p:nvPr>
-        </p:nvSpPr>
-        <p:spPr>
-          <a:xfrm>
-            <a:off x="328613" y="1079047"/>
-            <a:ext cx="8401246" cy="840437"/>
-          </a:xfrm>
-        </p:spPr>
-        <p:txBody>
-          <a:bodyPr/>
-          <a:lstStyle/>
-          <a:p>
-            <a:r>
-              <a:rPr lang="en-US" dirty="0">
-                <a:solidFill>
-                  <a:schemeClr val="bg1"/>
-                </a:solidFill>
-              </a:rPr>
-              <a:t>ISP Interface Segregation Principle</a:t>
-            </a:r>
-          </a:p>
-          <a:p>
-            <a:endParaRPr lang="en-US" dirty="0">
-              <a:solidFill>
-                <a:schemeClr val="bg1"/>
-              </a:solidFill>
-            </a:endParaRPr>
-          </a:p>
-          <a:p>
-            <a:endParaRPr lang="en-US" dirty="0">
-              <a:solidFill>
-                <a:schemeClr val="bg1"/>
-              </a:solidFill>
-            </a:endParaRPr>
-          </a:p>
-        </p:txBody>
-      </p:sp>
-      <p:pic>
-        <p:nvPicPr>
-          <p:cNvPr id="4" name="Picture 3">
-            <a:extLst>
-              <a:ext uri="{FF2B5EF4-FFF2-40B4-BE49-F238E27FC236}">
-                <a16:creationId xmlns:a16="http://schemas.microsoft.com/office/drawing/2014/main" id="{FBFCC2E9-A5F6-4C3C-831F-F5E4629505E6}"/>
-              </a:ext>
-            </a:extLst>
-          </p:cNvPr>
-          <p:cNvPicPr>
-            <a:picLocks noChangeAspect="1"/>
-          </p:cNvPicPr>
-          <p:nvPr/>
-        </p:nvPicPr>
-        <p:blipFill>
-          <a:blip r:embed="rId3"/>
-          <a:stretch>
-            <a:fillRect/>
-          </a:stretch>
-        </p:blipFill>
-        <p:spPr>
-          <a:xfrm>
-            <a:off x="526321" y="2132436"/>
-            <a:ext cx="3115110" cy="3762900"/>
-          </a:xfrm>
-          <a:prstGeom prst="rect">
-            <a:avLst/>
-          </a:prstGeom>
-        </p:spPr>
-      </p:pic>
-      <p:pic>
-        <p:nvPicPr>
-          <p:cNvPr id="6" name="Picture 5">
-            <a:extLst>
-              <a:ext uri="{FF2B5EF4-FFF2-40B4-BE49-F238E27FC236}">
-                <a16:creationId xmlns:a16="http://schemas.microsoft.com/office/drawing/2014/main" id="{AC49809A-2F12-43A2-8BDC-61466D25054D}"/>
-              </a:ext>
-            </a:extLst>
-          </p:cNvPr>
-          <p:cNvPicPr>
-            <a:picLocks noChangeAspect="1"/>
-          </p:cNvPicPr>
-          <p:nvPr/>
-        </p:nvPicPr>
-        <p:blipFill>
-          <a:blip r:embed="rId4"/>
-          <a:stretch>
-            <a:fillRect/>
-          </a:stretch>
-        </p:blipFill>
-        <p:spPr>
-          <a:xfrm>
-            <a:off x="4422407" y="2048104"/>
-            <a:ext cx="4039164" cy="4096322"/>
-          </a:xfrm>
-          <a:prstGeom prst="rect">
-            <a:avLst/>
-          </a:prstGeom>
-        </p:spPr>
-      </p:pic>
-    </p:spTree>
-    <p:extLst>
-      <p:ext uri="{BB962C8B-B14F-4D97-AF65-F5344CB8AC3E}">
-        <p14:creationId xmlns:p14="http://schemas.microsoft.com/office/powerpoint/2010/main" val="4064514796"/>
-      </p:ext>
-    </p:extLst>
-  </p:cSld>
-  <p:clrMapOvr>
-    <a:masterClrMapping/>
-  </p:clrMapOvr>
-</p:sld>
-</file>
-
-<file path=ppt/slides/slide27.xml><?xml version="1.0" encoding="utf-8"?>
-<p:sld xmlns:a="http://schemas.openxmlformats.org/drawingml/2006/main" xmlns:r="http://schemas.openxmlformats.org/officeDocument/2006/relationships" xmlns:p="http://schemas.openxmlformats.org/presentationml/2006/main">
-  <p:cSld>
-    <p:spTree>
-      <p:nvGrpSpPr>
-        <p:cNvPr id="1" name=""/>
-        <p:cNvGrpSpPr/>
-        <p:nvPr/>
-      </p:nvGrpSpPr>
-      <p:grpSpPr>
-        <a:xfrm>
-          <a:off x="0" y="0"/>
-          <a:ext cx="0" cy="0"/>
-          <a:chOff x="0" y="0"/>
-          <a:chExt cx="0" cy="0"/>
-        </a:xfrm>
-      </p:grpSpPr>
-      <p:sp>
-        <p:nvSpPr>
-          <p:cNvPr id="2" name="Text Placeholder 1"/>
-          <p:cNvSpPr>
-            <a:spLocks noGrp="1"/>
-          </p:cNvSpPr>
-          <p:nvPr>
-            <p:ph type="body" sz="quarter" idx="11"/>
-          </p:nvPr>
-        </p:nvSpPr>
-        <p:spPr>
-          <a:xfrm>
-            <a:off x="328613" y="1079047"/>
-            <a:ext cx="8401246" cy="899415"/>
-          </a:xfrm>
-        </p:spPr>
-        <p:txBody>
-          <a:bodyPr/>
-          <a:lstStyle/>
-          <a:p>
-            <a:r>
-              <a:rPr lang="en-US" dirty="0">
-                <a:solidFill>
-                  <a:schemeClr val="bg1"/>
-                </a:solidFill>
-              </a:rPr>
-              <a:t>ISP Interface Segregation Principle</a:t>
-            </a:r>
-          </a:p>
-          <a:p>
-            <a:endParaRPr lang="en-US" dirty="0">
-              <a:solidFill>
-                <a:schemeClr val="bg1"/>
-              </a:solidFill>
-            </a:endParaRPr>
-          </a:p>
-          <a:p>
-            <a:endParaRPr lang="en-US" dirty="0">
-              <a:solidFill>
-                <a:schemeClr val="bg1"/>
-              </a:solidFill>
-            </a:endParaRPr>
-          </a:p>
-        </p:txBody>
-      </p:sp>
-      <p:pic>
-        <p:nvPicPr>
-          <p:cNvPr id="3" name="Picture 2">
-            <a:extLst>
-              <a:ext uri="{FF2B5EF4-FFF2-40B4-BE49-F238E27FC236}">
-                <a16:creationId xmlns:a16="http://schemas.microsoft.com/office/drawing/2014/main" id="{C8EB224C-873B-4700-A803-6BA66066399E}"/>
-              </a:ext>
-            </a:extLst>
-          </p:cNvPr>
-          <p:cNvPicPr>
-            <a:picLocks noChangeAspect="1"/>
-          </p:cNvPicPr>
-          <p:nvPr/>
-        </p:nvPicPr>
-        <p:blipFill>
-          <a:blip r:embed="rId3"/>
-          <a:stretch>
-            <a:fillRect/>
-          </a:stretch>
-        </p:blipFill>
-        <p:spPr>
-          <a:xfrm>
-            <a:off x="2942153" y="2067819"/>
-            <a:ext cx="3486637" cy="1714739"/>
-          </a:xfrm>
-          <a:prstGeom prst="rect">
-            <a:avLst/>
-          </a:prstGeom>
-        </p:spPr>
-      </p:pic>
-      <p:pic>
-        <p:nvPicPr>
-          <p:cNvPr id="4" name="Picture 3">
-            <a:extLst>
-              <a:ext uri="{FF2B5EF4-FFF2-40B4-BE49-F238E27FC236}">
-                <a16:creationId xmlns:a16="http://schemas.microsoft.com/office/drawing/2014/main" id="{054E2526-A850-4705-9842-EEAB5D8B2EFC}"/>
-              </a:ext>
-            </a:extLst>
-          </p:cNvPr>
-          <p:cNvPicPr>
-            <a:picLocks noChangeAspect="1"/>
-          </p:cNvPicPr>
-          <p:nvPr/>
-        </p:nvPicPr>
-        <p:blipFill>
-          <a:blip r:embed="rId4"/>
-          <a:stretch>
-            <a:fillRect/>
-          </a:stretch>
-        </p:blipFill>
-        <p:spPr>
-          <a:xfrm>
-            <a:off x="256108" y="3871915"/>
-            <a:ext cx="4134427" cy="2753109"/>
-          </a:xfrm>
-          <a:prstGeom prst="rect">
-            <a:avLst/>
-          </a:prstGeom>
-        </p:spPr>
-      </p:pic>
-      <p:pic>
-        <p:nvPicPr>
-          <p:cNvPr id="5" name="Picture 4">
-            <a:extLst>
-              <a:ext uri="{FF2B5EF4-FFF2-40B4-BE49-F238E27FC236}">
-                <a16:creationId xmlns:a16="http://schemas.microsoft.com/office/drawing/2014/main" id="{335B57ED-3D93-4362-80EB-F214DF842526}"/>
-              </a:ext>
-            </a:extLst>
-          </p:cNvPr>
-          <p:cNvPicPr>
-            <a:picLocks noChangeAspect="1"/>
-          </p:cNvPicPr>
-          <p:nvPr/>
-        </p:nvPicPr>
-        <p:blipFill>
-          <a:blip r:embed="rId5"/>
-          <a:stretch>
-            <a:fillRect/>
-          </a:stretch>
-        </p:blipFill>
-        <p:spPr>
-          <a:xfrm>
-            <a:off x="4414343" y="3871915"/>
-            <a:ext cx="4658375" cy="2724530"/>
-          </a:xfrm>
-          <a:prstGeom prst="rect">
-            <a:avLst/>
-          </a:prstGeom>
-        </p:spPr>
-      </p:pic>
-    </p:spTree>
-    <p:extLst>
-      <p:ext uri="{BB962C8B-B14F-4D97-AF65-F5344CB8AC3E}">
-        <p14:creationId xmlns:p14="http://schemas.microsoft.com/office/powerpoint/2010/main" val="4031165098"/>
-      </p:ext>
-    </p:extLst>
-  </p:cSld>
-  <p:clrMapOvr>
-    <a:masterClrMapping/>
-  </p:clrMapOvr>
-</p:sld>
-</file>
-
-<file path=ppt/slides/slide28.xml><?xml version="1.0" encoding="utf-8"?>
-<p:sld xmlns:a="http://schemas.openxmlformats.org/drawingml/2006/main" xmlns:r="http://schemas.openxmlformats.org/officeDocument/2006/relationships" xmlns:p="http://schemas.openxmlformats.org/presentationml/2006/main">
-  <p:cSld>
-    <p:spTree>
-      <p:nvGrpSpPr>
-        <p:cNvPr id="1" name=""/>
-        <p:cNvGrpSpPr/>
-        <p:nvPr/>
-      </p:nvGrpSpPr>
-      <p:grpSpPr>
-        <a:xfrm>
-          <a:off x="0" y="0"/>
-          <a:ext cx="0" cy="0"/>
-          <a:chOff x="0" y="0"/>
-          <a:chExt cx="0" cy="0"/>
-        </a:xfrm>
-      </p:grpSpPr>
-      <p:sp>
-        <p:nvSpPr>
-          <p:cNvPr id="2" name="Text Placeholder 1"/>
-          <p:cNvSpPr>
-            <a:spLocks noGrp="1"/>
-          </p:cNvSpPr>
-          <p:nvPr>
-            <p:ph type="body" sz="quarter" idx="11"/>
-          </p:nvPr>
-        </p:nvSpPr>
-        <p:spPr>
-          <a:xfrm>
-            <a:off x="328613" y="1079047"/>
-            <a:ext cx="8401246" cy="825323"/>
-          </a:xfrm>
-        </p:spPr>
-        <p:txBody>
-          <a:bodyPr/>
-          <a:lstStyle/>
-          <a:p>
-            <a:r>
-              <a:rPr lang="en-US" dirty="0">
-                <a:solidFill>
-                  <a:schemeClr val="bg1"/>
-                </a:solidFill>
-              </a:rPr>
-              <a:t>ISP Interface Segregation Principle</a:t>
-            </a:r>
-          </a:p>
-          <a:p>
-            <a:endParaRPr lang="en-US" dirty="0">
-              <a:solidFill>
-                <a:schemeClr val="bg1"/>
-              </a:solidFill>
-            </a:endParaRPr>
-          </a:p>
-          <a:p>
-            <a:endParaRPr lang="en-US" dirty="0">
-              <a:solidFill>
-                <a:schemeClr val="bg1"/>
-              </a:solidFill>
-            </a:endParaRPr>
-          </a:p>
-        </p:txBody>
-      </p:sp>
-      <p:pic>
-        <p:nvPicPr>
-          <p:cNvPr id="3" name="Picture 2">
-            <a:extLst>
-              <a:ext uri="{FF2B5EF4-FFF2-40B4-BE49-F238E27FC236}">
-                <a16:creationId xmlns:a16="http://schemas.microsoft.com/office/drawing/2014/main" id="{9AD109B9-04AE-4575-AEA1-94A4654E9214}"/>
-              </a:ext>
-            </a:extLst>
-          </p:cNvPr>
-          <p:cNvPicPr>
-            <a:picLocks noChangeAspect="1"/>
-          </p:cNvPicPr>
-          <p:nvPr/>
-        </p:nvPicPr>
-        <p:blipFill>
-          <a:blip r:embed="rId3"/>
-          <a:stretch>
-            <a:fillRect/>
-          </a:stretch>
-        </p:blipFill>
-        <p:spPr>
-          <a:xfrm>
-            <a:off x="1623601" y="1980804"/>
-            <a:ext cx="5896798" cy="4277322"/>
-          </a:xfrm>
-          <a:prstGeom prst="rect">
-            <a:avLst/>
-          </a:prstGeom>
-        </p:spPr>
-      </p:pic>
-    </p:spTree>
-    <p:extLst>
-      <p:ext uri="{BB962C8B-B14F-4D97-AF65-F5344CB8AC3E}">
-        <p14:creationId xmlns:p14="http://schemas.microsoft.com/office/powerpoint/2010/main" val="2011498610"/>
-      </p:ext>
-    </p:extLst>
-  </p:cSld>
-  <p:clrMapOvr>
-    <a:masterClrMapping/>
-  </p:clrMapOvr>
-</p:sld>
-</file>
-
-<file path=ppt/slides/slide29.xml><?xml version="1.0" encoding="utf-8"?>
+<file path=ppt/slides/slide30.xml><?xml version="1.0" encoding="utf-8"?>
 <p:sld xmlns:a="http://schemas.openxmlformats.org/drawingml/2006/main" xmlns:r="http://schemas.openxmlformats.org/officeDocument/2006/relationships" xmlns:p="http://schemas.openxmlformats.org/presentationml/2006/main">
   <p:cSld>
     <p:spTree>
@@ -12282,7 +13002,2386 @@
 </p:sld>
 </file>
 
-<file path=ppt/slides/slide3.xml><?xml version="1.0" encoding="utf-8"?>
+<file path=ppt/slides/slide31.xml><?xml version="1.0" encoding="utf-8"?>
+<p:sld xmlns:a="http://schemas.openxmlformats.org/drawingml/2006/main" xmlns:r="http://schemas.openxmlformats.org/officeDocument/2006/relationships" xmlns:p="http://schemas.openxmlformats.org/presentationml/2006/main">
+  <p:cSld>
+    <p:spTree>
+      <p:nvGrpSpPr>
+        <p:cNvPr id="1" name=""/>
+        <p:cNvGrpSpPr/>
+        <p:nvPr/>
+      </p:nvGrpSpPr>
+      <p:grpSpPr>
+        <a:xfrm>
+          <a:off x="0" y="0"/>
+          <a:ext cx="0" cy="0"/>
+          <a:chOff x="0" y="0"/>
+          <a:chExt cx="0" cy="0"/>
+        </a:xfrm>
+      </p:grpSpPr>
+      <p:sp>
+        <p:nvSpPr>
+          <p:cNvPr id="2" name="Text Placeholder 1"/>
+          <p:cNvSpPr>
+            <a:spLocks noGrp="1"/>
+          </p:cNvSpPr>
+          <p:nvPr>
+            <p:ph type="body" sz="quarter" idx="11"/>
+          </p:nvPr>
+        </p:nvSpPr>
+        <p:spPr/>
+        <p:txBody>
+          <a:bodyPr/>
+          <a:lstStyle/>
+          <a:p>
+            <a:r>
+              <a:rPr lang="en-US" dirty="0">
+                <a:solidFill>
+                  <a:schemeClr val="bg1"/>
+                </a:solidFill>
+              </a:rPr>
+              <a:t>DIP Dependency Inversion Principle</a:t>
+            </a:r>
+          </a:p>
+          <a:p>
+            <a:endParaRPr lang="en-US" dirty="0">
+              <a:solidFill>
+                <a:schemeClr val="bg1"/>
+              </a:solidFill>
+            </a:endParaRPr>
+          </a:p>
+          <a:p>
+            <a:endParaRPr lang="en-US" dirty="0">
+              <a:solidFill>
+                <a:schemeClr val="bg1"/>
+              </a:solidFill>
+            </a:endParaRPr>
+          </a:p>
+        </p:txBody>
+      </p:sp>
+      <p:pic>
+        <p:nvPicPr>
+          <p:cNvPr id="3" name="Picture 2">
+            <a:extLst>
+              <a:ext uri="{FF2B5EF4-FFF2-40B4-BE49-F238E27FC236}">
+                <a16:creationId xmlns:a16="http://schemas.microsoft.com/office/drawing/2014/main" id="{D386205D-CE29-445F-BCF2-E5672B6C0CD4}"/>
+              </a:ext>
+            </a:extLst>
+          </p:cNvPr>
+          <p:cNvPicPr>
+            <a:picLocks noChangeAspect="1"/>
+          </p:cNvPicPr>
+          <p:nvPr/>
+        </p:nvPicPr>
+        <p:blipFill>
+          <a:blip r:embed="rId3"/>
+          <a:stretch>
+            <a:fillRect/>
+          </a:stretch>
+        </p:blipFill>
+        <p:spPr>
+          <a:xfrm>
+            <a:off x="2898822" y="2169173"/>
+            <a:ext cx="2562583" cy="1381318"/>
+          </a:xfrm>
+          <a:prstGeom prst="rect">
+            <a:avLst/>
+          </a:prstGeom>
+        </p:spPr>
+      </p:pic>
+      <p:pic>
+        <p:nvPicPr>
+          <p:cNvPr id="4" name="Picture 3">
+            <a:extLst>
+              <a:ext uri="{FF2B5EF4-FFF2-40B4-BE49-F238E27FC236}">
+                <a16:creationId xmlns:a16="http://schemas.microsoft.com/office/drawing/2014/main" id="{DB6E735D-D5C2-45DD-9E54-5CAC1880433E}"/>
+              </a:ext>
+            </a:extLst>
+          </p:cNvPr>
+          <p:cNvPicPr>
+            <a:picLocks noChangeAspect="1"/>
+          </p:cNvPicPr>
+          <p:nvPr/>
+        </p:nvPicPr>
+        <p:blipFill>
+          <a:blip r:embed="rId4"/>
+          <a:stretch>
+            <a:fillRect/>
+          </a:stretch>
+        </p:blipFill>
+        <p:spPr>
+          <a:xfrm>
+            <a:off x="414141" y="3646489"/>
+            <a:ext cx="3762900" cy="2743583"/>
+          </a:xfrm>
+          <a:prstGeom prst="rect">
+            <a:avLst/>
+          </a:prstGeom>
+        </p:spPr>
+      </p:pic>
+      <p:pic>
+        <p:nvPicPr>
+          <p:cNvPr id="6" name="Picture 5">
+            <a:extLst>
+              <a:ext uri="{FF2B5EF4-FFF2-40B4-BE49-F238E27FC236}">
+                <a16:creationId xmlns:a16="http://schemas.microsoft.com/office/drawing/2014/main" id="{28806614-BA4D-495F-A5D9-19B01C4E3E94}"/>
+              </a:ext>
+            </a:extLst>
+          </p:cNvPr>
+          <p:cNvPicPr>
+            <a:picLocks noChangeAspect="1"/>
+          </p:cNvPicPr>
+          <p:nvPr/>
+        </p:nvPicPr>
+        <p:blipFill>
+          <a:blip r:embed="rId5"/>
+          <a:stretch>
+            <a:fillRect/>
+          </a:stretch>
+        </p:blipFill>
+        <p:spPr>
+          <a:xfrm>
+            <a:off x="4262569" y="3656015"/>
+            <a:ext cx="4763165" cy="2734057"/>
+          </a:xfrm>
+          <a:prstGeom prst="rect">
+            <a:avLst/>
+          </a:prstGeom>
+        </p:spPr>
+      </p:pic>
+    </p:spTree>
+    <p:extLst>
+      <p:ext uri="{BB962C8B-B14F-4D97-AF65-F5344CB8AC3E}">
+        <p14:creationId xmlns:p14="http://schemas.microsoft.com/office/powerpoint/2010/main" val="3054674583"/>
+      </p:ext>
+    </p:extLst>
+  </p:cSld>
+  <p:clrMapOvr>
+    <a:masterClrMapping/>
+  </p:clrMapOvr>
+</p:sld>
+</file>
+
+<file path=ppt/slides/slide32.xml><?xml version="1.0" encoding="utf-8"?>
+<p:sld xmlns:a="http://schemas.openxmlformats.org/drawingml/2006/main" xmlns:r="http://schemas.openxmlformats.org/officeDocument/2006/relationships" xmlns:p="http://schemas.openxmlformats.org/presentationml/2006/main">
+  <p:cSld>
+    <p:spTree>
+      <p:nvGrpSpPr>
+        <p:cNvPr id="1" name=""/>
+        <p:cNvGrpSpPr/>
+        <p:nvPr/>
+      </p:nvGrpSpPr>
+      <p:grpSpPr>
+        <a:xfrm>
+          <a:off x="0" y="0"/>
+          <a:ext cx="0" cy="0"/>
+          <a:chOff x="0" y="0"/>
+          <a:chExt cx="0" cy="0"/>
+        </a:xfrm>
+      </p:grpSpPr>
+      <p:sp>
+        <p:nvSpPr>
+          <p:cNvPr id="2" name="Text Placeholder 1"/>
+          <p:cNvSpPr>
+            <a:spLocks noGrp="1"/>
+          </p:cNvSpPr>
+          <p:nvPr>
+            <p:ph type="body" sz="quarter" idx="11"/>
+          </p:nvPr>
+        </p:nvSpPr>
+        <p:spPr>
+          <a:xfrm>
+            <a:off x="328613" y="1079048"/>
+            <a:ext cx="8401246" cy="817766"/>
+          </a:xfrm>
+        </p:spPr>
+        <p:txBody>
+          <a:bodyPr/>
+          <a:lstStyle/>
+          <a:p>
+            <a:r>
+              <a:rPr lang="en-US" dirty="0">
+                <a:solidFill>
+                  <a:schemeClr val="bg1"/>
+                </a:solidFill>
+              </a:rPr>
+              <a:t>DIP Dependency Inversion Principle</a:t>
+            </a:r>
+          </a:p>
+          <a:p>
+            <a:endParaRPr lang="en-US" dirty="0">
+              <a:solidFill>
+                <a:schemeClr val="bg1"/>
+              </a:solidFill>
+            </a:endParaRPr>
+          </a:p>
+          <a:p>
+            <a:endParaRPr lang="en-US" dirty="0">
+              <a:solidFill>
+                <a:schemeClr val="bg1"/>
+              </a:solidFill>
+            </a:endParaRPr>
+          </a:p>
+        </p:txBody>
+      </p:sp>
+      <p:pic>
+        <p:nvPicPr>
+          <p:cNvPr id="3" name="Picture 2">
+            <a:extLst>
+              <a:ext uri="{FF2B5EF4-FFF2-40B4-BE49-F238E27FC236}">
+                <a16:creationId xmlns:a16="http://schemas.microsoft.com/office/drawing/2014/main" id="{2339C8CF-74A6-4C2F-BB51-E76C778D8BEA}"/>
+              </a:ext>
+            </a:extLst>
+          </p:cNvPr>
+          <p:cNvPicPr>
+            <a:picLocks noChangeAspect="1"/>
+          </p:cNvPicPr>
+          <p:nvPr/>
+        </p:nvPicPr>
+        <p:blipFill>
+          <a:blip r:embed="rId3"/>
+          <a:stretch>
+            <a:fillRect/>
+          </a:stretch>
+        </p:blipFill>
+        <p:spPr>
+          <a:xfrm>
+            <a:off x="2080865" y="2491179"/>
+            <a:ext cx="4982270" cy="2734057"/>
+          </a:xfrm>
+          <a:prstGeom prst="rect">
+            <a:avLst/>
+          </a:prstGeom>
+        </p:spPr>
+      </p:pic>
+    </p:spTree>
+    <p:extLst>
+      <p:ext uri="{BB962C8B-B14F-4D97-AF65-F5344CB8AC3E}">
+        <p14:creationId xmlns:p14="http://schemas.microsoft.com/office/powerpoint/2010/main" val="3073883093"/>
+      </p:ext>
+    </p:extLst>
+  </p:cSld>
+  <p:clrMapOvr>
+    <a:masterClrMapping/>
+  </p:clrMapOvr>
+</p:sld>
+</file>
+
+<file path=ppt/slides/slide33.xml><?xml version="1.0" encoding="utf-8"?>
+<p:sld xmlns:a="http://schemas.openxmlformats.org/drawingml/2006/main" xmlns:r="http://schemas.openxmlformats.org/officeDocument/2006/relationships" xmlns:p="http://schemas.openxmlformats.org/presentationml/2006/main">
+  <p:cSld>
+    <p:spTree>
+      <p:nvGrpSpPr>
+        <p:cNvPr id="1" name=""/>
+        <p:cNvGrpSpPr/>
+        <p:nvPr/>
+      </p:nvGrpSpPr>
+      <p:grpSpPr>
+        <a:xfrm>
+          <a:off x="0" y="0"/>
+          <a:ext cx="0" cy="0"/>
+          <a:chOff x="0" y="0"/>
+          <a:chExt cx="0" cy="0"/>
+        </a:xfrm>
+      </p:grpSpPr>
+      <p:sp>
+        <p:nvSpPr>
+          <p:cNvPr id="2" name="Text Placeholder 1"/>
+          <p:cNvSpPr>
+            <a:spLocks noGrp="1"/>
+          </p:cNvSpPr>
+          <p:nvPr>
+            <p:ph type="body" sz="quarter" idx="11"/>
+          </p:nvPr>
+        </p:nvSpPr>
+        <p:spPr>
+          <a:xfrm>
+            <a:off x="328613" y="1079047"/>
+            <a:ext cx="8401246" cy="825323"/>
+          </a:xfrm>
+        </p:spPr>
+        <p:txBody>
+          <a:bodyPr/>
+          <a:lstStyle/>
+          <a:p>
+            <a:r>
+              <a:rPr lang="en-US" dirty="0">
+                <a:solidFill>
+                  <a:schemeClr val="bg1"/>
+                </a:solidFill>
+              </a:rPr>
+              <a:t>DIP Dependency Inversion Principle</a:t>
+            </a:r>
+          </a:p>
+          <a:p>
+            <a:endParaRPr lang="en-US" dirty="0">
+              <a:solidFill>
+                <a:schemeClr val="bg1"/>
+              </a:solidFill>
+            </a:endParaRPr>
+          </a:p>
+          <a:p>
+            <a:endParaRPr lang="en-US" dirty="0">
+              <a:solidFill>
+                <a:schemeClr val="bg1"/>
+              </a:solidFill>
+            </a:endParaRPr>
+          </a:p>
+        </p:txBody>
+      </p:sp>
+      <p:pic>
+        <p:nvPicPr>
+          <p:cNvPr id="3" name="Picture 2">
+            <a:extLst>
+              <a:ext uri="{FF2B5EF4-FFF2-40B4-BE49-F238E27FC236}">
+                <a16:creationId xmlns:a16="http://schemas.microsoft.com/office/drawing/2014/main" id="{6BD5F852-8850-400B-B6BA-690EA969F557}"/>
+              </a:ext>
+            </a:extLst>
+          </p:cNvPr>
+          <p:cNvPicPr>
+            <a:picLocks noChangeAspect="1"/>
+          </p:cNvPicPr>
+          <p:nvPr/>
+        </p:nvPicPr>
+        <p:blipFill>
+          <a:blip r:embed="rId3"/>
+          <a:stretch>
+            <a:fillRect/>
+          </a:stretch>
+        </p:blipFill>
+        <p:spPr>
+          <a:xfrm>
+            <a:off x="1366390" y="2096506"/>
+            <a:ext cx="6411220" cy="3934374"/>
+          </a:xfrm>
+          <a:prstGeom prst="rect">
+            <a:avLst/>
+          </a:prstGeom>
+        </p:spPr>
+      </p:pic>
+    </p:spTree>
+    <p:extLst>
+      <p:ext uri="{BB962C8B-B14F-4D97-AF65-F5344CB8AC3E}">
+        <p14:creationId xmlns:p14="http://schemas.microsoft.com/office/powerpoint/2010/main" val="1237620757"/>
+      </p:ext>
+    </p:extLst>
+  </p:cSld>
+  <p:clrMapOvr>
+    <a:masterClrMapping/>
+  </p:clrMapOvr>
+</p:sld>
+</file>
+
+<file path=ppt/slides/slide34.xml><?xml version="1.0" encoding="utf-8"?>
+<p:sld xmlns:a="http://schemas.openxmlformats.org/drawingml/2006/main" xmlns:r="http://schemas.openxmlformats.org/officeDocument/2006/relationships" xmlns:p="http://schemas.openxmlformats.org/presentationml/2006/main">
+  <p:cSld>
+    <p:spTree>
+      <p:nvGrpSpPr>
+        <p:cNvPr id="1" name=""/>
+        <p:cNvGrpSpPr/>
+        <p:nvPr/>
+      </p:nvGrpSpPr>
+      <p:grpSpPr>
+        <a:xfrm>
+          <a:off x="0" y="0"/>
+          <a:ext cx="0" cy="0"/>
+          <a:chOff x="0" y="0"/>
+          <a:chExt cx="0" cy="0"/>
+        </a:xfrm>
+      </p:grpSpPr>
+      <p:sp>
+        <p:nvSpPr>
+          <p:cNvPr id="2" name="Text Placeholder 1"/>
+          <p:cNvSpPr>
+            <a:spLocks noGrp="1"/>
+          </p:cNvSpPr>
+          <p:nvPr>
+            <p:ph type="body" sz="quarter" idx="11"/>
+          </p:nvPr>
+        </p:nvSpPr>
+        <p:spPr>
+          <a:xfrm>
+            <a:off x="328613" y="1079047"/>
+            <a:ext cx="8401246" cy="780293"/>
+          </a:xfrm>
+        </p:spPr>
+        <p:txBody>
+          <a:bodyPr/>
+          <a:lstStyle/>
+          <a:p>
+            <a:r>
+              <a:rPr lang="en-US" dirty="0">
+                <a:solidFill>
+                  <a:schemeClr val="bg1"/>
+                </a:solidFill>
+              </a:rPr>
+              <a:t>SOLID Principles</a:t>
+            </a:r>
+          </a:p>
+          <a:p>
+            <a:endParaRPr lang="en-US" dirty="0"/>
+          </a:p>
+        </p:txBody>
+      </p:sp>
+      <p:sp>
+        <p:nvSpPr>
+          <p:cNvPr id="5" name="TextBox 4"/>
+          <p:cNvSpPr txBox="1"/>
+          <p:nvPr/>
+        </p:nvSpPr>
+        <p:spPr>
+          <a:xfrm>
+            <a:off x="621372" y="1859340"/>
+            <a:ext cx="8210747" cy="3785652"/>
+          </a:xfrm>
+          <a:prstGeom prst="rect">
+            <a:avLst/>
+          </a:prstGeom>
+          <a:noFill/>
+        </p:spPr>
+        <p:txBody>
+          <a:bodyPr wrap="square" rtlCol="0">
+            <a:spAutoFit/>
+          </a:bodyPr>
+          <a:lstStyle/>
+          <a:p>
+            <a:endParaRPr lang="en-GB" sz="1600" u="sng" dirty="0">
+              <a:latin typeface="Chronicle Display" pitchFamily="50" charset="0"/>
+            </a:endParaRPr>
+          </a:p>
+          <a:p>
+            <a:endParaRPr lang="en-GB" sz="1600" u="sng" dirty="0">
+              <a:solidFill>
+                <a:schemeClr val="bg1"/>
+              </a:solidFill>
+              <a:latin typeface="Chronicle Display" pitchFamily="50" charset="0"/>
+            </a:endParaRPr>
+          </a:p>
+          <a:p>
+            <a:r>
+              <a:rPr lang="en-GB" sz="3200" b="1" i="1" dirty="0">
+                <a:latin typeface="Chronicle Display" pitchFamily="50" charset="0"/>
+              </a:rPr>
+              <a:t>Resources</a:t>
+            </a:r>
+          </a:p>
+          <a:p>
+            <a:endParaRPr lang="en-GB" sz="3200" b="1" i="1" dirty="0">
+              <a:latin typeface="Chronicle Display" pitchFamily="50" charset="0"/>
+            </a:endParaRPr>
+          </a:p>
+          <a:p>
+            <a:endParaRPr lang="en-GB" sz="1600" dirty="0">
+              <a:latin typeface="Chronicle Display" pitchFamily="50" charset="0"/>
+            </a:endParaRPr>
+          </a:p>
+          <a:p>
+            <a:r>
+              <a:rPr lang="en-GB" sz="1600" b="1" i="1" dirty="0">
+                <a:latin typeface="Chronicle Display" pitchFamily="50" charset="0"/>
+                <a:hlinkClick r:id="rId3"/>
+              </a:rPr>
+              <a:t>https://github.com/francomelandri/SOLID</a:t>
+            </a:r>
+            <a:endParaRPr lang="en-GB" sz="1600" b="1" i="1" dirty="0">
+              <a:latin typeface="Chronicle Display" pitchFamily="50" charset="0"/>
+            </a:endParaRPr>
+          </a:p>
+          <a:p>
+            <a:endParaRPr lang="en-GB" sz="1600" b="1" i="1" dirty="0">
+              <a:latin typeface="Chronicle Display" pitchFamily="50" charset="0"/>
+            </a:endParaRPr>
+          </a:p>
+          <a:p>
+            <a:r>
+              <a:rPr lang="en-GB" sz="1600" b="1" i="1" dirty="0">
+                <a:latin typeface="Chronicle Display" pitchFamily="50" charset="0"/>
+                <a:hlinkClick r:id="rId4"/>
+              </a:rPr>
+              <a:t>http://butunclebob.com/ArticleS.UncleBob.PrinciplesOfOod</a:t>
+            </a:r>
+            <a:endParaRPr lang="en-GB" sz="1600" b="1" i="1" dirty="0">
+              <a:latin typeface="Chronicle Display" pitchFamily="50" charset="0"/>
+            </a:endParaRPr>
+          </a:p>
+          <a:p>
+            <a:endParaRPr lang="en-GB" sz="1600" b="1" i="1" dirty="0">
+              <a:latin typeface="Chronicle Display" pitchFamily="50" charset="0"/>
+            </a:endParaRPr>
+          </a:p>
+          <a:p>
+            <a:r>
+              <a:rPr lang="en-GB" sz="1600" b="1" i="1" dirty="0">
+                <a:latin typeface="Chronicle Display" pitchFamily="50" charset="0"/>
+                <a:hlinkClick r:id="rId5"/>
+              </a:rPr>
+              <a:t>http://www.codeproject.com/Articles/703634/SOLID-architecture-principles-using-simple-Csharp</a:t>
+            </a:r>
+            <a:endParaRPr lang="en-GB" sz="1600" b="1" i="1" dirty="0">
+              <a:latin typeface="Chronicle Display" pitchFamily="50" charset="0"/>
+            </a:endParaRPr>
+          </a:p>
+          <a:p>
+            <a:endParaRPr lang="en-GB" sz="1600" dirty="0">
+              <a:latin typeface="Chronicle Display" pitchFamily="50" charset="0"/>
+            </a:endParaRPr>
+          </a:p>
+          <a:p>
+            <a:endParaRPr lang="en-GB" sz="1600" dirty="0">
+              <a:latin typeface="Chronicle Display" pitchFamily="50" charset="0"/>
+            </a:endParaRPr>
+          </a:p>
+        </p:txBody>
+      </p:sp>
+    </p:spTree>
+    <p:extLst>
+      <p:ext uri="{BB962C8B-B14F-4D97-AF65-F5344CB8AC3E}">
+        <p14:creationId xmlns:p14="http://schemas.microsoft.com/office/powerpoint/2010/main" val="2987290541"/>
+      </p:ext>
+    </p:extLst>
+  </p:cSld>
+  <p:clrMapOvr>
+    <a:masterClrMapping/>
+  </p:clrMapOvr>
+</p:sld>
+</file>
+
+<file path=ppt/slides/slide35.xml><?xml version="1.0" encoding="utf-8"?>
+<p:sld xmlns:a="http://schemas.openxmlformats.org/drawingml/2006/main" xmlns:r="http://schemas.openxmlformats.org/officeDocument/2006/relationships" xmlns:p="http://schemas.openxmlformats.org/presentationml/2006/main">
+  <p:cSld>
+    <p:spTree>
+      <p:nvGrpSpPr>
+        <p:cNvPr id="1" name=""/>
+        <p:cNvGrpSpPr/>
+        <p:nvPr/>
+      </p:nvGrpSpPr>
+      <p:grpSpPr>
+        <a:xfrm>
+          <a:off x="0" y="0"/>
+          <a:ext cx="0" cy="0"/>
+          <a:chOff x="0" y="0"/>
+          <a:chExt cx="0" cy="0"/>
+        </a:xfrm>
+      </p:grpSpPr>
+      <p:sp>
+        <p:nvSpPr>
+          <p:cNvPr id="2" name="Text Placeholder 1"/>
+          <p:cNvSpPr>
+            <a:spLocks noGrp="1"/>
+          </p:cNvSpPr>
+          <p:nvPr>
+            <p:ph type="body" sz="quarter" idx="11"/>
+          </p:nvPr>
+        </p:nvSpPr>
+        <p:spPr>
+          <a:xfrm>
+            <a:off x="328613" y="1079048"/>
+            <a:ext cx="8401246" cy="758066"/>
+          </a:xfrm>
+        </p:spPr>
+        <p:txBody>
+          <a:bodyPr/>
+          <a:lstStyle/>
+          <a:p>
+            <a:r>
+              <a:rPr lang="en-US" dirty="0">
+                <a:solidFill>
+                  <a:schemeClr val="bg1"/>
+                </a:solidFill>
+              </a:rPr>
+              <a:t>Software Principles</a:t>
+            </a:r>
+          </a:p>
+          <a:p>
+            <a:endParaRPr lang="en-US" dirty="0">
+              <a:solidFill>
+                <a:schemeClr val="bg1"/>
+              </a:solidFill>
+            </a:endParaRPr>
+          </a:p>
+        </p:txBody>
+      </p:sp>
+      <p:sp>
+        <p:nvSpPr>
+          <p:cNvPr id="7" name="Text Placeholder 1">
+            <a:extLst>
+              <a:ext uri="{FF2B5EF4-FFF2-40B4-BE49-F238E27FC236}">
+                <a16:creationId xmlns:a16="http://schemas.microsoft.com/office/drawing/2014/main" id="{40B8D4C3-C7B6-4056-8B2A-2B024852F5BB}"/>
+              </a:ext>
+            </a:extLst>
+          </p:cNvPr>
+          <p:cNvSpPr txBox="1">
+            <a:spLocks/>
+          </p:cNvSpPr>
+          <p:nvPr/>
+        </p:nvSpPr>
+        <p:spPr>
+          <a:xfrm>
+            <a:off x="328613" y="2954545"/>
+            <a:ext cx="8401246" cy="1099606"/>
+          </a:xfrm>
+          <a:prstGeom prst="rect">
+            <a:avLst/>
+          </a:prstGeom>
+        </p:spPr>
+        <p:txBody>
+          <a:bodyPr vert="horz"/>
+          <a:lstStyle>
+            <a:lvl1pPr marL="0" indent="0" algn="l" defTabSz="457200" rtl="0" eaLnBrk="1" latinLnBrk="0" hangingPunct="1">
+              <a:spcBef>
+                <a:spcPct val="20000"/>
+              </a:spcBef>
+              <a:buFontTx/>
+              <a:buNone/>
+              <a:defRPr sz="4200" b="0" i="0" kern="1200" baseline="0">
+                <a:solidFill>
+                  <a:schemeClr val="tx1"/>
+                </a:solidFill>
+                <a:latin typeface="Chronicle Display Light"/>
+                <a:ea typeface="+mn-ea"/>
+                <a:cs typeface="+mn-cs"/>
+              </a:defRPr>
+            </a:lvl1pPr>
+            <a:lvl2pPr marL="742950" indent="-285750" algn="l" defTabSz="457200" rtl="0" eaLnBrk="1" latinLnBrk="0" hangingPunct="1">
+              <a:spcBef>
+                <a:spcPct val="20000"/>
+              </a:spcBef>
+              <a:buFont typeface="Arial"/>
+              <a:buChar char="–"/>
+              <a:defRPr sz="2800" kern="1200">
+                <a:solidFill>
+                  <a:schemeClr val="tx1"/>
+                </a:solidFill>
+                <a:latin typeface="+mn-lt"/>
+                <a:ea typeface="+mn-ea"/>
+                <a:cs typeface="+mn-cs"/>
+              </a:defRPr>
+            </a:lvl2pPr>
+            <a:lvl3pPr marL="1143000" indent="-228600" algn="l" defTabSz="457200" rtl="0" eaLnBrk="1" latinLnBrk="0" hangingPunct="1">
+              <a:spcBef>
+                <a:spcPct val="20000"/>
+              </a:spcBef>
+              <a:buFont typeface="Arial"/>
+              <a:buChar char="•"/>
+              <a:defRPr sz="2400" kern="1200">
+                <a:solidFill>
+                  <a:schemeClr val="tx1"/>
+                </a:solidFill>
+                <a:latin typeface="+mn-lt"/>
+                <a:ea typeface="+mn-ea"/>
+                <a:cs typeface="+mn-cs"/>
+              </a:defRPr>
+            </a:lvl3pPr>
+            <a:lvl4pPr marL="1600200" indent="-228600" algn="l" defTabSz="457200" rtl="0" eaLnBrk="1" latinLnBrk="0" hangingPunct="1">
+              <a:spcBef>
+                <a:spcPct val="20000"/>
+              </a:spcBef>
+              <a:buFont typeface="Arial"/>
+              <a:buChar char="–"/>
+              <a:defRPr sz="2000" kern="1200">
+                <a:solidFill>
+                  <a:schemeClr val="tx1"/>
+                </a:solidFill>
+                <a:latin typeface="+mn-lt"/>
+                <a:ea typeface="+mn-ea"/>
+                <a:cs typeface="+mn-cs"/>
+              </a:defRPr>
+            </a:lvl4pPr>
+            <a:lvl5pPr marL="2057400" indent="-228600" algn="l" defTabSz="457200" rtl="0" eaLnBrk="1" latinLnBrk="0" hangingPunct="1">
+              <a:spcBef>
+                <a:spcPct val="20000"/>
+              </a:spcBef>
+              <a:buFont typeface="Arial"/>
+              <a:buChar char="»"/>
+              <a:defRPr sz="2000" kern="1200">
+                <a:solidFill>
+                  <a:schemeClr val="tx1"/>
+                </a:solidFill>
+                <a:latin typeface="+mn-lt"/>
+                <a:ea typeface="+mn-ea"/>
+                <a:cs typeface="+mn-cs"/>
+              </a:defRPr>
+            </a:lvl5pPr>
+            <a:lvl6pPr marL="2514600" indent="-228600" algn="l" defTabSz="457200" rtl="0" eaLnBrk="1" latinLnBrk="0" hangingPunct="1">
+              <a:spcBef>
+                <a:spcPct val="20000"/>
+              </a:spcBef>
+              <a:buFont typeface="Arial"/>
+              <a:buChar char="•"/>
+              <a:defRPr sz="2000" kern="1200">
+                <a:solidFill>
+                  <a:schemeClr val="tx1"/>
+                </a:solidFill>
+                <a:latin typeface="+mn-lt"/>
+                <a:ea typeface="+mn-ea"/>
+                <a:cs typeface="+mn-cs"/>
+              </a:defRPr>
+            </a:lvl6pPr>
+            <a:lvl7pPr marL="2971800" indent="-228600" algn="l" defTabSz="457200" rtl="0" eaLnBrk="1" latinLnBrk="0" hangingPunct="1">
+              <a:spcBef>
+                <a:spcPct val="20000"/>
+              </a:spcBef>
+              <a:buFont typeface="Arial"/>
+              <a:buChar char="•"/>
+              <a:defRPr sz="2000" kern="1200">
+                <a:solidFill>
+                  <a:schemeClr val="tx1"/>
+                </a:solidFill>
+                <a:latin typeface="+mn-lt"/>
+                <a:ea typeface="+mn-ea"/>
+                <a:cs typeface="+mn-cs"/>
+              </a:defRPr>
+            </a:lvl7pPr>
+            <a:lvl8pPr marL="3429000" indent="-228600" algn="l" defTabSz="457200" rtl="0" eaLnBrk="1" latinLnBrk="0" hangingPunct="1">
+              <a:spcBef>
+                <a:spcPct val="20000"/>
+              </a:spcBef>
+              <a:buFont typeface="Arial"/>
+              <a:buChar char="•"/>
+              <a:defRPr sz="2000" kern="1200">
+                <a:solidFill>
+                  <a:schemeClr val="tx1"/>
+                </a:solidFill>
+                <a:latin typeface="+mn-lt"/>
+                <a:ea typeface="+mn-ea"/>
+                <a:cs typeface="+mn-cs"/>
+              </a:defRPr>
+            </a:lvl8pPr>
+            <a:lvl9pPr marL="3886200" indent="-228600" algn="l" defTabSz="457200" rtl="0" eaLnBrk="1" latinLnBrk="0" hangingPunct="1">
+              <a:spcBef>
+                <a:spcPct val="20000"/>
+              </a:spcBef>
+              <a:buFont typeface="Arial"/>
+              <a:buChar char="•"/>
+              <a:defRPr sz="2000" kern="1200">
+                <a:solidFill>
+                  <a:schemeClr val="tx1"/>
+                </a:solidFill>
+                <a:latin typeface="+mn-lt"/>
+                <a:ea typeface="+mn-ea"/>
+                <a:cs typeface="+mn-cs"/>
+              </a:defRPr>
+            </a:lvl9pPr>
+          </a:lstStyle>
+          <a:p>
+            <a:pPr algn="ctr"/>
+            <a:r>
+              <a:rPr lang="en-US" sz="6000" b="1" i="1" dirty="0">
+                <a:solidFill>
+                  <a:schemeClr val="bg1"/>
+                </a:solidFill>
+              </a:rPr>
+              <a:t>Common Sense Principles</a:t>
+            </a:r>
+          </a:p>
+        </p:txBody>
+      </p:sp>
+    </p:spTree>
+    <p:extLst>
+      <p:ext uri="{BB962C8B-B14F-4D97-AF65-F5344CB8AC3E}">
+        <p14:creationId xmlns:p14="http://schemas.microsoft.com/office/powerpoint/2010/main" val="1712401196"/>
+      </p:ext>
+    </p:extLst>
+  </p:cSld>
+  <p:clrMapOvr>
+    <a:masterClrMapping/>
+  </p:clrMapOvr>
+</p:sld>
+</file>
+
+<file path=ppt/slides/slide36.xml><?xml version="1.0" encoding="utf-8"?>
+<p:sld xmlns:a="http://schemas.openxmlformats.org/drawingml/2006/main" xmlns:r="http://schemas.openxmlformats.org/officeDocument/2006/relationships" xmlns:p="http://schemas.openxmlformats.org/presentationml/2006/main">
+  <p:cSld>
+    <p:spTree>
+      <p:nvGrpSpPr>
+        <p:cNvPr id="1" name=""/>
+        <p:cNvGrpSpPr/>
+        <p:nvPr/>
+      </p:nvGrpSpPr>
+      <p:grpSpPr>
+        <a:xfrm>
+          <a:off x="0" y="0"/>
+          <a:ext cx="0" cy="0"/>
+          <a:chOff x="0" y="0"/>
+          <a:chExt cx="0" cy="0"/>
+        </a:xfrm>
+      </p:grpSpPr>
+      <p:sp>
+        <p:nvSpPr>
+          <p:cNvPr id="2" name="Text Placeholder 1"/>
+          <p:cNvSpPr>
+            <a:spLocks noGrp="1"/>
+          </p:cNvSpPr>
+          <p:nvPr>
+            <p:ph type="body" sz="quarter" idx="11"/>
+          </p:nvPr>
+        </p:nvSpPr>
+        <p:spPr>
+          <a:xfrm>
+            <a:off x="328613" y="1079048"/>
+            <a:ext cx="8401246" cy="758066"/>
+          </a:xfrm>
+        </p:spPr>
+        <p:txBody>
+          <a:bodyPr/>
+          <a:lstStyle/>
+          <a:p>
+            <a:r>
+              <a:rPr lang="en-US" dirty="0">
+                <a:solidFill>
+                  <a:schemeClr val="bg1"/>
+                </a:solidFill>
+              </a:rPr>
+              <a:t>Practical Principles</a:t>
+            </a:r>
+          </a:p>
+          <a:p>
+            <a:endParaRPr lang="en-US" dirty="0">
+              <a:solidFill>
+                <a:schemeClr val="bg1"/>
+              </a:solidFill>
+            </a:endParaRPr>
+          </a:p>
+        </p:txBody>
+      </p:sp>
+      <p:sp>
+        <p:nvSpPr>
+          <p:cNvPr id="7" name="Text Placeholder 1">
+            <a:extLst>
+              <a:ext uri="{FF2B5EF4-FFF2-40B4-BE49-F238E27FC236}">
+                <a16:creationId xmlns:a16="http://schemas.microsoft.com/office/drawing/2014/main" id="{40B8D4C3-C7B6-4056-8B2A-2B024852F5BB}"/>
+              </a:ext>
+            </a:extLst>
+          </p:cNvPr>
+          <p:cNvSpPr txBox="1">
+            <a:spLocks/>
+          </p:cNvSpPr>
+          <p:nvPr/>
+        </p:nvSpPr>
+        <p:spPr>
+          <a:xfrm>
+            <a:off x="311881" y="2329394"/>
+            <a:ext cx="8401246" cy="656402"/>
+          </a:xfrm>
+          <a:prstGeom prst="rect">
+            <a:avLst/>
+          </a:prstGeom>
+        </p:spPr>
+        <p:txBody>
+          <a:bodyPr vert="horz"/>
+          <a:lstStyle>
+            <a:lvl1pPr marL="0" indent="0" algn="l" defTabSz="457200" rtl="0" eaLnBrk="1" latinLnBrk="0" hangingPunct="1">
+              <a:spcBef>
+                <a:spcPct val="20000"/>
+              </a:spcBef>
+              <a:buFontTx/>
+              <a:buNone/>
+              <a:defRPr sz="4200" b="0" i="0" kern="1200" baseline="0">
+                <a:solidFill>
+                  <a:schemeClr val="tx1"/>
+                </a:solidFill>
+                <a:latin typeface="Chronicle Display Light"/>
+                <a:ea typeface="+mn-ea"/>
+                <a:cs typeface="+mn-cs"/>
+              </a:defRPr>
+            </a:lvl1pPr>
+            <a:lvl2pPr marL="742950" indent="-285750" algn="l" defTabSz="457200" rtl="0" eaLnBrk="1" latinLnBrk="0" hangingPunct="1">
+              <a:spcBef>
+                <a:spcPct val="20000"/>
+              </a:spcBef>
+              <a:buFont typeface="Arial"/>
+              <a:buChar char="–"/>
+              <a:defRPr sz="2800" kern="1200">
+                <a:solidFill>
+                  <a:schemeClr val="tx1"/>
+                </a:solidFill>
+                <a:latin typeface="+mn-lt"/>
+                <a:ea typeface="+mn-ea"/>
+                <a:cs typeface="+mn-cs"/>
+              </a:defRPr>
+            </a:lvl2pPr>
+            <a:lvl3pPr marL="1143000" indent="-228600" algn="l" defTabSz="457200" rtl="0" eaLnBrk="1" latinLnBrk="0" hangingPunct="1">
+              <a:spcBef>
+                <a:spcPct val="20000"/>
+              </a:spcBef>
+              <a:buFont typeface="Arial"/>
+              <a:buChar char="•"/>
+              <a:defRPr sz="2400" kern="1200">
+                <a:solidFill>
+                  <a:schemeClr val="tx1"/>
+                </a:solidFill>
+                <a:latin typeface="+mn-lt"/>
+                <a:ea typeface="+mn-ea"/>
+                <a:cs typeface="+mn-cs"/>
+              </a:defRPr>
+            </a:lvl3pPr>
+            <a:lvl4pPr marL="1600200" indent="-228600" algn="l" defTabSz="457200" rtl="0" eaLnBrk="1" latinLnBrk="0" hangingPunct="1">
+              <a:spcBef>
+                <a:spcPct val="20000"/>
+              </a:spcBef>
+              <a:buFont typeface="Arial"/>
+              <a:buChar char="–"/>
+              <a:defRPr sz="2000" kern="1200">
+                <a:solidFill>
+                  <a:schemeClr val="tx1"/>
+                </a:solidFill>
+                <a:latin typeface="+mn-lt"/>
+                <a:ea typeface="+mn-ea"/>
+                <a:cs typeface="+mn-cs"/>
+              </a:defRPr>
+            </a:lvl4pPr>
+            <a:lvl5pPr marL="2057400" indent="-228600" algn="l" defTabSz="457200" rtl="0" eaLnBrk="1" latinLnBrk="0" hangingPunct="1">
+              <a:spcBef>
+                <a:spcPct val="20000"/>
+              </a:spcBef>
+              <a:buFont typeface="Arial"/>
+              <a:buChar char="»"/>
+              <a:defRPr sz="2000" kern="1200">
+                <a:solidFill>
+                  <a:schemeClr val="tx1"/>
+                </a:solidFill>
+                <a:latin typeface="+mn-lt"/>
+                <a:ea typeface="+mn-ea"/>
+                <a:cs typeface="+mn-cs"/>
+              </a:defRPr>
+            </a:lvl5pPr>
+            <a:lvl6pPr marL="2514600" indent="-228600" algn="l" defTabSz="457200" rtl="0" eaLnBrk="1" latinLnBrk="0" hangingPunct="1">
+              <a:spcBef>
+                <a:spcPct val="20000"/>
+              </a:spcBef>
+              <a:buFont typeface="Arial"/>
+              <a:buChar char="•"/>
+              <a:defRPr sz="2000" kern="1200">
+                <a:solidFill>
+                  <a:schemeClr val="tx1"/>
+                </a:solidFill>
+                <a:latin typeface="+mn-lt"/>
+                <a:ea typeface="+mn-ea"/>
+                <a:cs typeface="+mn-cs"/>
+              </a:defRPr>
+            </a:lvl6pPr>
+            <a:lvl7pPr marL="2971800" indent="-228600" algn="l" defTabSz="457200" rtl="0" eaLnBrk="1" latinLnBrk="0" hangingPunct="1">
+              <a:spcBef>
+                <a:spcPct val="20000"/>
+              </a:spcBef>
+              <a:buFont typeface="Arial"/>
+              <a:buChar char="•"/>
+              <a:defRPr sz="2000" kern="1200">
+                <a:solidFill>
+                  <a:schemeClr val="tx1"/>
+                </a:solidFill>
+                <a:latin typeface="+mn-lt"/>
+                <a:ea typeface="+mn-ea"/>
+                <a:cs typeface="+mn-cs"/>
+              </a:defRPr>
+            </a:lvl7pPr>
+            <a:lvl8pPr marL="3429000" indent="-228600" algn="l" defTabSz="457200" rtl="0" eaLnBrk="1" latinLnBrk="0" hangingPunct="1">
+              <a:spcBef>
+                <a:spcPct val="20000"/>
+              </a:spcBef>
+              <a:buFont typeface="Arial"/>
+              <a:buChar char="•"/>
+              <a:defRPr sz="2000" kern="1200">
+                <a:solidFill>
+                  <a:schemeClr val="tx1"/>
+                </a:solidFill>
+                <a:latin typeface="+mn-lt"/>
+                <a:ea typeface="+mn-ea"/>
+                <a:cs typeface="+mn-cs"/>
+              </a:defRPr>
+            </a:lvl8pPr>
+            <a:lvl9pPr marL="3886200" indent="-228600" algn="l" defTabSz="457200" rtl="0" eaLnBrk="1" latinLnBrk="0" hangingPunct="1">
+              <a:spcBef>
+                <a:spcPct val="20000"/>
+              </a:spcBef>
+              <a:buFont typeface="Arial"/>
+              <a:buChar char="•"/>
+              <a:defRPr sz="2000" kern="1200">
+                <a:solidFill>
+                  <a:schemeClr val="tx1"/>
+                </a:solidFill>
+                <a:latin typeface="+mn-lt"/>
+                <a:ea typeface="+mn-ea"/>
+                <a:cs typeface="+mn-cs"/>
+              </a:defRPr>
+            </a:lvl9pPr>
+          </a:lstStyle>
+          <a:p>
+            <a:r>
+              <a:rPr lang="en-US" sz="4000" b="1" i="1" dirty="0">
+                <a:solidFill>
+                  <a:schemeClr val="bg1"/>
+                </a:solidFill>
+              </a:rPr>
+              <a:t>KISS</a:t>
+            </a:r>
+          </a:p>
+          <a:p>
+            <a:endParaRPr lang="en-US" sz="1800" dirty="0">
+              <a:solidFill>
+                <a:schemeClr val="bg1"/>
+              </a:solidFill>
+            </a:endParaRPr>
+          </a:p>
+          <a:p>
+            <a:endParaRPr lang="en-US" sz="1800" dirty="0">
+              <a:solidFill>
+                <a:schemeClr val="bg1"/>
+              </a:solidFill>
+            </a:endParaRPr>
+          </a:p>
+        </p:txBody>
+      </p:sp>
+      <p:sp>
+        <p:nvSpPr>
+          <p:cNvPr id="8" name="TextBox 7">
+            <a:extLst>
+              <a:ext uri="{FF2B5EF4-FFF2-40B4-BE49-F238E27FC236}">
+                <a16:creationId xmlns:a16="http://schemas.microsoft.com/office/drawing/2014/main" id="{0E25C1C8-AF88-4D36-83DC-EDB6F771A57B}"/>
+              </a:ext>
+            </a:extLst>
+          </p:cNvPr>
+          <p:cNvSpPr txBox="1"/>
+          <p:nvPr/>
+        </p:nvSpPr>
+        <p:spPr>
+          <a:xfrm>
+            <a:off x="621372" y="3073309"/>
+            <a:ext cx="8210747" cy="1938992"/>
+          </a:xfrm>
+          <a:prstGeom prst="rect">
+            <a:avLst/>
+          </a:prstGeom>
+          <a:noFill/>
+        </p:spPr>
+        <p:txBody>
+          <a:bodyPr wrap="square" rtlCol="0">
+            <a:spAutoFit/>
+          </a:bodyPr>
+          <a:lstStyle/>
+          <a:p>
+            <a:endParaRPr lang="en-GB" sz="1600" dirty="0">
+              <a:solidFill>
+                <a:schemeClr val="bg1"/>
+              </a:solidFill>
+              <a:latin typeface="Chronicle Display" pitchFamily="50" charset="0"/>
+            </a:endParaRPr>
+          </a:p>
+          <a:p>
+            <a:r>
+              <a:rPr lang="en-GB" sz="2400" b="1" i="1" dirty="0">
+                <a:solidFill>
+                  <a:schemeClr val="bg1"/>
+                </a:solidFill>
+                <a:latin typeface="Chronicle Display" pitchFamily="50" charset="0"/>
+              </a:rPr>
+              <a:t>Keep It Simple Stupid.</a:t>
+            </a:r>
+          </a:p>
+          <a:p>
+            <a:endParaRPr lang="en-GB" sz="1600" b="1" i="1" dirty="0">
+              <a:solidFill>
+                <a:schemeClr val="bg1"/>
+              </a:solidFill>
+              <a:latin typeface="Chronicle Display" pitchFamily="50" charset="0"/>
+            </a:endParaRPr>
+          </a:p>
+          <a:p>
+            <a:endParaRPr lang="en-GB" sz="1600" dirty="0">
+              <a:solidFill>
+                <a:schemeClr val="bg1"/>
+              </a:solidFill>
+              <a:latin typeface="Chronicle Display" pitchFamily="50" charset="0"/>
+            </a:endParaRPr>
+          </a:p>
+          <a:p>
+            <a:r>
+              <a:rPr lang="en-GB" sz="1600" dirty="0">
+                <a:solidFill>
+                  <a:schemeClr val="bg1"/>
+                </a:solidFill>
+                <a:latin typeface="Chronicle Display" pitchFamily="50" charset="0"/>
+              </a:rPr>
+              <a:t>The most systems work best if they are kept simple rather then made complicated</a:t>
+            </a:r>
+          </a:p>
+          <a:p>
+            <a:endParaRPr lang="en-GB" sz="1600" dirty="0">
+              <a:solidFill>
+                <a:schemeClr val="bg1"/>
+              </a:solidFill>
+              <a:latin typeface="Chronicle Display" pitchFamily="50" charset="0"/>
+            </a:endParaRPr>
+          </a:p>
+          <a:p>
+            <a:r>
+              <a:rPr lang="en-GB" sz="1600" dirty="0">
+                <a:solidFill>
+                  <a:schemeClr val="bg1"/>
+                </a:solidFill>
+                <a:latin typeface="Chronicle Display" pitchFamily="50" charset="0"/>
+              </a:rPr>
+              <a:t>Avoid OVER-ENGINEERING</a:t>
+            </a:r>
+            <a:endParaRPr lang="en-GB" sz="1600" b="1" i="1" dirty="0">
+              <a:solidFill>
+                <a:schemeClr val="bg1"/>
+              </a:solidFill>
+              <a:latin typeface="Chronicle Display" pitchFamily="50" charset="0"/>
+            </a:endParaRPr>
+          </a:p>
+        </p:txBody>
+      </p:sp>
+    </p:spTree>
+    <p:extLst>
+      <p:ext uri="{BB962C8B-B14F-4D97-AF65-F5344CB8AC3E}">
+        <p14:creationId xmlns:p14="http://schemas.microsoft.com/office/powerpoint/2010/main" val="2004679946"/>
+      </p:ext>
+    </p:extLst>
+  </p:cSld>
+  <p:clrMapOvr>
+    <a:masterClrMapping/>
+  </p:clrMapOvr>
+  <p:timing>
+    <p:tnLst>
+      <p:par>
+        <p:cTn id="1" dur="indefinite" restart="never" nodeType="tmRoot">
+          <p:childTnLst>
+            <p:seq concurrent="1" nextAc="seek">
+              <p:cTn id="2" dur="indefinite" nodeType="mainSeq">
+                <p:childTnLst>
+                  <p:par>
+                    <p:cTn id="3" fill="hold">
+                      <p:stCondLst>
+                        <p:cond delay="indefinite"/>
+                      </p:stCondLst>
+                      <p:childTnLst>
+                        <p:par>
+                          <p:cTn id="4" fill="hold">
+                            <p:stCondLst>
+                              <p:cond delay="0"/>
+                            </p:stCondLst>
+                            <p:childTnLst>
+                              <p:par>
+                                <p:cTn id="5" presetID="10" presetClass="entr" presetSubtype="0" fill="hold" grpId="0" nodeType="clickEffect">
+                                  <p:stCondLst>
+                                    <p:cond delay="0"/>
+                                  </p:stCondLst>
+                                  <p:childTnLst>
+                                    <p:set>
+                                      <p:cBhvr>
+                                        <p:cTn id="6" dur="1" fill="hold">
+                                          <p:stCondLst>
+                                            <p:cond delay="0"/>
+                                          </p:stCondLst>
+                                        </p:cTn>
+                                        <p:tgtEl>
+                                          <p:spTgt spid="8"/>
+                                        </p:tgtEl>
+                                        <p:attrNameLst>
+                                          <p:attrName>style.visibility</p:attrName>
+                                        </p:attrNameLst>
+                                      </p:cBhvr>
+                                      <p:to>
+                                        <p:strVal val="visible"/>
+                                      </p:to>
+                                    </p:set>
+                                    <p:animEffect transition="in" filter="fade">
+                                      <p:cBhvr>
+                                        <p:cTn id="7" dur="500"/>
+                                        <p:tgtEl>
+                                          <p:spTgt spid="8"/>
+                                        </p:tgtEl>
+                                      </p:cBhvr>
+                                    </p:animEffect>
+                                  </p:childTnLst>
+                                </p:cTn>
+                              </p:par>
+                            </p:childTnLst>
+                          </p:cTn>
+                        </p:par>
+                      </p:childTnLst>
+                    </p:cTn>
+                  </p:par>
+                </p:childTnLst>
+              </p:cTn>
+              <p:prevCondLst>
+                <p:cond evt="onPrev" delay="0">
+                  <p:tgtEl>
+                    <p:sldTgt/>
+                  </p:tgtEl>
+                </p:cond>
+              </p:prevCondLst>
+              <p:nextCondLst>
+                <p:cond evt="onNext" delay="0">
+                  <p:tgtEl>
+                    <p:sldTgt/>
+                  </p:tgtEl>
+                </p:cond>
+              </p:nextCondLst>
+            </p:seq>
+          </p:childTnLst>
+        </p:cTn>
+      </p:par>
+    </p:tnLst>
+    <p:bldLst>
+      <p:bldP spid="8" grpId="0"/>
+    </p:bldLst>
+  </p:timing>
+</p:sld>
+</file>
+
+<file path=ppt/slides/slide37.xml><?xml version="1.0" encoding="utf-8"?>
+<p:sld xmlns:a="http://schemas.openxmlformats.org/drawingml/2006/main" xmlns:r="http://schemas.openxmlformats.org/officeDocument/2006/relationships" xmlns:p="http://schemas.openxmlformats.org/presentationml/2006/main">
+  <p:cSld>
+    <p:spTree>
+      <p:nvGrpSpPr>
+        <p:cNvPr id="1" name=""/>
+        <p:cNvGrpSpPr/>
+        <p:nvPr/>
+      </p:nvGrpSpPr>
+      <p:grpSpPr>
+        <a:xfrm>
+          <a:off x="0" y="0"/>
+          <a:ext cx="0" cy="0"/>
+          <a:chOff x="0" y="0"/>
+          <a:chExt cx="0" cy="0"/>
+        </a:xfrm>
+      </p:grpSpPr>
+      <p:sp>
+        <p:nvSpPr>
+          <p:cNvPr id="2" name="Text Placeholder 1"/>
+          <p:cNvSpPr>
+            <a:spLocks noGrp="1"/>
+          </p:cNvSpPr>
+          <p:nvPr>
+            <p:ph type="body" sz="quarter" idx="11"/>
+          </p:nvPr>
+        </p:nvSpPr>
+        <p:spPr>
+          <a:xfrm>
+            <a:off x="328613" y="1079048"/>
+            <a:ext cx="8401246" cy="758066"/>
+          </a:xfrm>
+        </p:spPr>
+        <p:txBody>
+          <a:bodyPr/>
+          <a:lstStyle/>
+          <a:p>
+            <a:r>
+              <a:rPr lang="en-US" dirty="0">
+                <a:solidFill>
+                  <a:schemeClr val="bg1"/>
+                </a:solidFill>
+              </a:rPr>
+              <a:t>Practical Principles</a:t>
+            </a:r>
+          </a:p>
+          <a:p>
+            <a:endParaRPr lang="en-US" dirty="0">
+              <a:solidFill>
+                <a:schemeClr val="bg1"/>
+              </a:solidFill>
+            </a:endParaRPr>
+          </a:p>
+        </p:txBody>
+      </p:sp>
+      <p:sp>
+        <p:nvSpPr>
+          <p:cNvPr id="4" name="Text Placeholder 1">
+            <a:extLst>
+              <a:ext uri="{FF2B5EF4-FFF2-40B4-BE49-F238E27FC236}">
+                <a16:creationId xmlns:a16="http://schemas.microsoft.com/office/drawing/2014/main" id="{A1711C96-B1AA-4CCD-BBA0-0AA74FBE74C0}"/>
+              </a:ext>
+            </a:extLst>
+          </p:cNvPr>
+          <p:cNvSpPr txBox="1">
+            <a:spLocks/>
+          </p:cNvSpPr>
+          <p:nvPr/>
+        </p:nvSpPr>
+        <p:spPr>
+          <a:xfrm>
+            <a:off x="328613" y="2402993"/>
+            <a:ext cx="8401246" cy="485802"/>
+          </a:xfrm>
+          <a:prstGeom prst="rect">
+            <a:avLst/>
+          </a:prstGeom>
+        </p:spPr>
+        <p:txBody>
+          <a:bodyPr vert="horz"/>
+          <a:lstStyle>
+            <a:lvl1pPr marL="0" indent="0" algn="l" defTabSz="457200" rtl="0" eaLnBrk="1" latinLnBrk="0" hangingPunct="1">
+              <a:spcBef>
+                <a:spcPct val="20000"/>
+              </a:spcBef>
+              <a:buFontTx/>
+              <a:buNone/>
+              <a:defRPr sz="4200" b="0" i="0" kern="1200" baseline="0">
+                <a:solidFill>
+                  <a:schemeClr val="tx1"/>
+                </a:solidFill>
+                <a:latin typeface="Chronicle Display Light"/>
+                <a:ea typeface="+mn-ea"/>
+                <a:cs typeface="+mn-cs"/>
+              </a:defRPr>
+            </a:lvl1pPr>
+            <a:lvl2pPr marL="742950" indent="-285750" algn="l" defTabSz="457200" rtl="0" eaLnBrk="1" latinLnBrk="0" hangingPunct="1">
+              <a:spcBef>
+                <a:spcPct val="20000"/>
+              </a:spcBef>
+              <a:buFont typeface="Arial"/>
+              <a:buChar char="–"/>
+              <a:defRPr sz="2800" kern="1200">
+                <a:solidFill>
+                  <a:schemeClr val="tx1"/>
+                </a:solidFill>
+                <a:latin typeface="+mn-lt"/>
+                <a:ea typeface="+mn-ea"/>
+                <a:cs typeface="+mn-cs"/>
+              </a:defRPr>
+            </a:lvl2pPr>
+            <a:lvl3pPr marL="1143000" indent="-228600" algn="l" defTabSz="457200" rtl="0" eaLnBrk="1" latinLnBrk="0" hangingPunct="1">
+              <a:spcBef>
+                <a:spcPct val="20000"/>
+              </a:spcBef>
+              <a:buFont typeface="Arial"/>
+              <a:buChar char="•"/>
+              <a:defRPr sz="2400" kern="1200">
+                <a:solidFill>
+                  <a:schemeClr val="tx1"/>
+                </a:solidFill>
+                <a:latin typeface="+mn-lt"/>
+                <a:ea typeface="+mn-ea"/>
+                <a:cs typeface="+mn-cs"/>
+              </a:defRPr>
+            </a:lvl3pPr>
+            <a:lvl4pPr marL="1600200" indent="-228600" algn="l" defTabSz="457200" rtl="0" eaLnBrk="1" latinLnBrk="0" hangingPunct="1">
+              <a:spcBef>
+                <a:spcPct val="20000"/>
+              </a:spcBef>
+              <a:buFont typeface="Arial"/>
+              <a:buChar char="–"/>
+              <a:defRPr sz="2000" kern="1200">
+                <a:solidFill>
+                  <a:schemeClr val="tx1"/>
+                </a:solidFill>
+                <a:latin typeface="+mn-lt"/>
+                <a:ea typeface="+mn-ea"/>
+                <a:cs typeface="+mn-cs"/>
+              </a:defRPr>
+            </a:lvl4pPr>
+            <a:lvl5pPr marL="2057400" indent="-228600" algn="l" defTabSz="457200" rtl="0" eaLnBrk="1" latinLnBrk="0" hangingPunct="1">
+              <a:spcBef>
+                <a:spcPct val="20000"/>
+              </a:spcBef>
+              <a:buFont typeface="Arial"/>
+              <a:buChar char="»"/>
+              <a:defRPr sz="2000" kern="1200">
+                <a:solidFill>
+                  <a:schemeClr val="tx1"/>
+                </a:solidFill>
+                <a:latin typeface="+mn-lt"/>
+                <a:ea typeface="+mn-ea"/>
+                <a:cs typeface="+mn-cs"/>
+              </a:defRPr>
+            </a:lvl5pPr>
+            <a:lvl6pPr marL="2514600" indent="-228600" algn="l" defTabSz="457200" rtl="0" eaLnBrk="1" latinLnBrk="0" hangingPunct="1">
+              <a:spcBef>
+                <a:spcPct val="20000"/>
+              </a:spcBef>
+              <a:buFont typeface="Arial"/>
+              <a:buChar char="•"/>
+              <a:defRPr sz="2000" kern="1200">
+                <a:solidFill>
+                  <a:schemeClr val="tx1"/>
+                </a:solidFill>
+                <a:latin typeface="+mn-lt"/>
+                <a:ea typeface="+mn-ea"/>
+                <a:cs typeface="+mn-cs"/>
+              </a:defRPr>
+            </a:lvl6pPr>
+            <a:lvl7pPr marL="2971800" indent="-228600" algn="l" defTabSz="457200" rtl="0" eaLnBrk="1" latinLnBrk="0" hangingPunct="1">
+              <a:spcBef>
+                <a:spcPct val="20000"/>
+              </a:spcBef>
+              <a:buFont typeface="Arial"/>
+              <a:buChar char="•"/>
+              <a:defRPr sz="2000" kern="1200">
+                <a:solidFill>
+                  <a:schemeClr val="tx1"/>
+                </a:solidFill>
+                <a:latin typeface="+mn-lt"/>
+                <a:ea typeface="+mn-ea"/>
+                <a:cs typeface="+mn-cs"/>
+              </a:defRPr>
+            </a:lvl7pPr>
+            <a:lvl8pPr marL="3429000" indent="-228600" algn="l" defTabSz="457200" rtl="0" eaLnBrk="1" latinLnBrk="0" hangingPunct="1">
+              <a:spcBef>
+                <a:spcPct val="20000"/>
+              </a:spcBef>
+              <a:buFont typeface="Arial"/>
+              <a:buChar char="•"/>
+              <a:defRPr sz="2000" kern="1200">
+                <a:solidFill>
+                  <a:schemeClr val="tx1"/>
+                </a:solidFill>
+                <a:latin typeface="+mn-lt"/>
+                <a:ea typeface="+mn-ea"/>
+                <a:cs typeface="+mn-cs"/>
+              </a:defRPr>
+            </a:lvl8pPr>
+            <a:lvl9pPr marL="3886200" indent="-228600" algn="l" defTabSz="457200" rtl="0" eaLnBrk="1" latinLnBrk="0" hangingPunct="1">
+              <a:spcBef>
+                <a:spcPct val="20000"/>
+              </a:spcBef>
+              <a:buFont typeface="Arial"/>
+              <a:buChar char="•"/>
+              <a:defRPr sz="2000" kern="1200">
+                <a:solidFill>
+                  <a:schemeClr val="tx1"/>
+                </a:solidFill>
+                <a:latin typeface="+mn-lt"/>
+                <a:ea typeface="+mn-ea"/>
+                <a:cs typeface="+mn-cs"/>
+              </a:defRPr>
+            </a:lvl9pPr>
+          </a:lstStyle>
+          <a:p>
+            <a:r>
+              <a:rPr lang="en-US" sz="4000" b="1" i="1" dirty="0">
+                <a:solidFill>
+                  <a:schemeClr val="bg1"/>
+                </a:solidFill>
+              </a:rPr>
+              <a:t>YAGNI</a:t>
+            </a:r>
+          </a:p>
+          <a:p>
+            <a:endParaRPr lang="en-US" sz="1800" dirty="0">
+              <a:solidFill>
+                <a:schemeClr val="bg1"/>
+              </a:solidFill>
+            </a:endParaRPr>
+          </a:p>
+          <a:p>
+            <a:endParaRPr lang="en-US" sz="1800" dirty="0">
+              <a:solidFill>
+                <a:schemeClr val="bg1"/>
+              </a:solidFill>
+            </a:endParaRPr>
+          </a:p>
+        </p:txBody>
+      </p:sp>
+      <p:sp>
+        <p:nvSpPr>
+          <p:cNvPr id="6" name="TextBox 5">
+            <a:extLst>
+              <a:ext uri="{FF2B5EF4-FFF2-40B4-BE49-F238E27FC236}">
+                <a16:creationId xmlns:a16="http://schemas.microsoft.com/office/drawing/2014/main" id="{055ABF08-109E-4841-8F1D-B16DF2A5E818}"/>
+              </a:ext>
+            </a:extLst>
+          </p:cNvPr>
+          <p:cNvSpPr txBox="1"/>
+          <p:nvPr/>
+        </p:nvSpPr>
+        <p:spPr>
+          <a:xfrm>
+            <a:off x="599630" y="3333139"/>
+            <a:ext cx="8210747" cy="2431435"/>
+          </a:xfrm>
+          <a:prstGeom prst="rect">
+            <a:avLst/>
+          </a:prstGeom>
+          <a:noFill/>
+        </p:spPr>
+        <p:txBody>
+          <a:bodyPr wrap="square" rtlCol="0">
+            <a:spAutoFit/>
+          </a:bodyPr>
+          <a:lstStyle/>
+          <a:p>
+            <a:endParaRPr lang="en-GB" sz="1600" dirty="0">
+              <a:solidFill>
+                <a:schemeClr val="bg1"/>
+              </a:solidFill>
+              <a:latin typeface="Chronicle Display" pitchFamily="50" charset="0"/>
+            </a:endParaRPr>
+          </a:p>
+          <a:p>
+            <a:r>
+              <a:rPr lang="en-GB" sz="2400" b="1" i="1" dirty="0">
+                <a:solidFill>
+                  <a:schemeClr val="bg1"/>
+                </a:solidFill>
+                <a:latin typeface="Chronicle Display" pitchFamily="50" charset="0"/>
+              </a:rPr>
+              <a:t>You Aren’t </a:t>
+            </a:r>
+            <a:r>
+              <a:rPr lang="en-GB" sz="2400" b="1" i="1" dirty="0" err="1">
+                <a:solidFill>
+                  <a:schemeClr val="bg1"/>
+                </a:solidFill>
+                <a:latin typeface="Chronicle Display" pitchFamily="50" charset="0"/>
+              </a:rPr>
+              <a:t>Gonna</a:t>
+            </a:r>
+            <a:r>
+              <a:rPr lang="en-GB" sz="2400" b="1" i="1" dirty="0">
+                <a:solidFill>
+                  <a:schemeClr val="bg1"/>
+                </a:solidFill>
+                <a:latin typeface="Chronicle Display" pitchFamily="50" charset="0"/>
+              </a:rPr>
+              <a:t> Need It.</a:t>
+            </a:r>
+          </a:p>
+          <a:p>
+            <a:endParaRPr lang="en-GB" sz="1600" b="1" i="1" dirty="0">
+              <a:solidFill>
+                <a:schemeClr val="bg1"/>
+              </a:solidFill>
+              <a:latin typeface="Chronicle Display" pitchFamily="50" charset="0"/>
+            </a:endParaRPr>
+          </a:p>
+          <a:p>
+            <a:r>
+              <a:rPr lang="en-GB" sz="1600" dirty="0">
+                <a:solidFill>
+                  <a:schemeClr val="bg1"/>
+                </a:solidFill>
+                <a:latin typeface="Chronicle Display" pitchFamily="50" charset="0"/>
+              </a:rPr>
+              <a:t>If you don’t need it don’t do it</a:t>
+            </a:r>
+          </a:p>
+          <a:p>
+            <a:endParaRPr lang="en-GB" sz="1600" dirty="0">
+              <a:solidFill>
+                <a:schemeClr val="bg1"/>
+              </a:solidFill>
+              <a:latin typeface="Chronicle Display" pitchFamily="50" charset="0"/>
+            </a:endParaRPr>
+          </a:p>
+          <a:p>
+            <a:r>
+              <a:rPr lang="en-GB" sz="1600" dirty="0">
+                <a:solidFill>
+                  <a:schemeClr val="bg1"/>
+                </a:solidFill>
+                <a:latin typeface="Chronicle Display" pitchFamily="50" charset="0"/>
+              </a:rPr>
+              <a:t>Avoid OVER-ENGINEERING</a:t>
+            </a:r>
+          </a:p>
+          <a:p>
+            <a:endParaRPr lang="en-GB" sz="1600" b="1" i="1" dirty="0">
+              <a:solidFill>
+                <a:schemeClr val="bg1"/>
+              </a:solidFill>
+              <a:latin typeface="Chronicle Display" pitchFamily="50" charset="0"/>
+            </a:endParaRPr>
+          </a:p>
+          <a:p>
+            <a:r>
+              <a:rPr lang="en-GB" sz="1600" b="1" i="1" dirty="0">
+                <a:solidFill>
+                  <a:schemeClr val="bg1"/>
+                </a:solidFill>
+                <a:latin typeface="Chronicle Display" pitchFamily="50" charset="0"/>
+              </a:rPr>
+              <a:t>https://martinfowler.com/bliki/Yagni.html</a:t>
+            </a:r>
+          </a:p>
+          <a:p>
+            <a:endParaRPr lang="en-GB" sz="1600" dirty="0">
+              <a:solidFill>
+                <a:schemeClr val="bg1"/>
+              </a:solidFill>
+              <a:latin typeface="Chronicle Display" pitchFamily="50" charset="0"/>
+            </a:endParaRPr>
+          </a:p>
+        </p:txBody>
+      </p:sp>
+    </p:spTree>
+    <p:extLst>
+      <p:ext uri="{BB962C8B-B14F-4D97-AF65-F5344CB8AC3E}">
+        <p14:creationId xmlns:p14="http://schemas.microsoft.com/office/powerpoint/2010/main" val="2768036412"/>
+      </p:ext>
+    </p:extLst>
+  </p:cSld>
+  <p:clrMapOvr>
+    <a:masterClrMapping/>
+  </p:clrMapOvr>
+  <p:timing>
+    <p:tnLst>
+      <p:par>
+        <p:cTn id="1" dur="indefinite" restart="never" nodeType="tmRoot">
+          <p:childTnLst>
+            <p:seq concurrent="1" nextAc="seek">
+              <p:cTn id="2" dur="indefinite" nodeType="mainSeq">
+                <p:childTnLst>
+                  <p:par>
+                    <p:cTn id="3" fill="hold">
+                      <p:stCondLst>
+                        <p:cond delay="indefinite"/>
+                      </p:stCondLst>
+                      <p:childTnLst>
+                        <p:par>
+                          <p:cTn id="4" fill="hold">
+                            <p:stCondLst>
+                              <p:cond delay="0"/>
+                            </p:stCondLst>
+                            <p:childTnLst>
+                              <p:par>
+                                <p:cTn id="5" presetID="10" presetClass="entr" presetSubtype="0" fill="hold" grpId="0" nodeType="clickEffect">
+                                  <p:stCondLst>
+                                    <p:cond delay="0"/>
+                                  </p:stCondLst>
+                                  <p:childTnLst>
+                                    <p:set>
+                                      <p:cBhvr>
+                                        <p:cTn id="6" dur="1" fill="hold">
+                                          <p:stCondLst>
+                                            <p:cond delay="0"/>
+                                          </p:stCondLst>
+                                        </p:cTn>
+                                        <p:tgtEl>
+                                          <p:spTgt spid="6"/>
+                                        </p:tgtEl>
+                                        <p:attrNameLst>
+                                          <p:attrName>style.visibility</p:attrName>
+                                        </p:attrNameLst>
+                                      </p:cBhvr>
+                                      <p:to>
+                                        <p:strVal val="visible"/>
+                                      </p:to>
+                                    </p:set>
+                                    <p:animEffect transition="in" filter="fade">
+                                      <p:cBhvr>
+                                        <p:cTn id="7" dur="500"/>
+                                        <p:tgtEl>
+                                          <p:spTgt spid="6"/>
+                                        </p:tgtEl>
+                                      </p:cBhvr>
+                                    </p:animEffect>
+                                  </p:childTnLst>
+                                </p:cTn>
+                              </p:par>
+                            </p:childTnLst>
+                          </p:cTn>
+                        </p:par>
+                      </p:childTnLst>
+                    </p:cTn>
+                  </p:par>
+                </p:childTnLst>
+              </p:cTn>
+              <p:prevCondLst>
+                <p:cond evt="onPrev" delay="0">
+                  <p:tgtEl>
+                    <p:sldTgt/>
+                  </p:tgtEl>
+                </p:cond>
+              </p:prevCondLst>
+              <p:nextCondLst>
+                <p:cond evt="onNext" delay="0">
+                  <p:tgtEl>
+                    <p:sldTgt/>
+                  </p:tgtEl>
+                </p:cond>
+              </p:nextCondLst>
+            </p:seq>
+          </p:childTnLst>
+        </p:cTn>
+      </p:par>
+    </p:tnLst>
+    <p:bldLst>
+      <p:bldP spid="6" grpId="0"/>
+    </p:bldLst>
+  </p:timing>
+</p:sld>
+</file>
+
+<file path=ppt/slides/slide38.xml><?xml version="1.0" encoding="utf-8"?>
+<p:sld xmlns:a="http://schemas.openxmlformats.org/drawingml/2006/main" xmlns:r="http://schemas.openxmlformats.org/officeDocument/2006/relationships" xmlns:p="http://schemas.openxmlformats.org/presentationml/2006/main">
+  <p:cSld>
+    <p:spTree>
+      <p:nvGrpSpPr>
+        <p:cNvPr id="1" name=""/>
+        <p:cNvGrpSpPr/>
+        <p:nvPr/>
+      </p:nvGrpSpPr>
+      <p:grpSpPr>
+        <a:xfrm>
+          <a:off x="0" y="0"/>
+          <a:ext cx="0" cy="0"/>
+          <a:chOff x="0" y="0"/>
+          <a:chExt cx="0" cy="0"/>
+        </a:xfrm>
+      </p:grpSpPr>
+      <p:sp>
+        <p:nvSpPr>
+          <p:cNvPr id="2" name="Text Placeholder 1"/>
+          <p:cNvSpPr>
+            <a:spLocks noGrp="1"/>
+          </p:cNvSpPr>
+          <p:nvPr>
+            <p:ph type="body" sz="quarter" idx="11"/>
+          </p:nvPr>
+        </p:nvSpPr>
+        <p:spPr>
+          <a:xfrm>
+            <a:off x="328613" y="1079048"/>
+            <a:ext cx="8401246" cy="758066"/>
+          </a:xfrm>
+        </p:spPr>
+        <p:txBody>
+          <a:bodyPr/>
+          <a:lstStyle/>
+          <a:p>
+            <a:r>
+              <a:rPr lang="en-US" dirty="0">
+                <a:solidFill>
+                  <a:schemeClr val="bg1"/>
+                </a:solidFill>
+              </a:rPr>
+              <a:t>Practical Principles</a:t>
+            </a:r>
+          </a:p>
+          <a:p>
+            <a:endParaRPr lang="en-US" dirty="0">
+              <a:solidFill>
+                <a:schemeClr val="bg1"/>
+              </a:solidFill>
+            </a:endParaRPr>
+          </a:p>
+        </p:txBody>
+      </p:sp>
+      <p:sp>
+        <p:nvSpPr>
+          <p:cNvPr id="4" name="Text Placeholder 1">
+            <a:extLst>
+              <a:ext uri="{FF2B5EF4-FFF2-40B4-BE49-F238E27FC236}">
+                <a16:creationId xmlns:a16="http://schemas.microsoft.com/office/drawing/2014/main" id="{A1711C96-B1AA-4CCD-BBA0-0AA74FBE74C0}"/>
+              </a:ext>
+            </a:extLst>
+          </p:cNvPr>
+          <p:cNvSpPr txBox="1">
+            <a:spLocks/>
+          </p:cNvSpPr>
+          <p:nvPr/>
+        </p:nvSpPr>
+        <p:spPr>
+          <a:xfrm>
+            <a:off x="328613" y="2402992"/>
+            <a:ext cx="8401246" cy="610795"/>
+          </a:xfrm>
+          <a:prstGeom prst="rect">
+            <a:avLst/>
+          </a:prstGeom>
+        </p:spPr>
+        <p:txBody>
+          <a:bodyPr vert="horz"/>
+          <a:lstStyle>
+            <a:lvl1pPr marL="0" indent="0" algn="l" defTabSz="457200" rtl="0" eaLnBrk="1" latinLnBrk="0" hangingPunct="1">
+              <a:spcBef>
+                <a:spcPct val="20000"/>
+              </a:spcBef>
+              <a:buFontTx/>
+              <a:buNone/>
+              <a:defRPr sz="4200" b="0" i="0" kern="1200" baseline="0">
+                <a:solidFill>
+                  <a:schemeClr val="tx1"/>
+                </a:solidFill>
+                <a:latin typeface="Chronicle Display Light"/>
+                <a:ea typeface="+mn-ea"/>
+                <a:cs typeface="+mn-cs"/>
+              </a:defRPr>
+            </a:lvl1pPr>
+            <a:lvl2pPr marL="742950" indent="-285750" algn="l" defTabSz="457200" rtl="0" eaLnBrk="1" latinLnBrk="0" hangingPunct="1">
+              <a:spcBef>
+                <a:spcPct val="20000"/>
+              </a:spcBef>
+              <a:buFont typeface="Arial"/>
+              <a:buChar char="–"/>
+              <a:defRPr sz="2800" kern="1200">
+                <a:solidFill>
+                  <a:schemeClr val="tx1"/>
+                </a:solidFill>
+                <a:latin typeface="+mn-lt"/>
+                <a:ea typeface="+mn-ea"/>
+                <a:cs typeface="+mn-cs"/>
+              </a:defRPr>
+            </a:lvl2pPr>
+            <a:lvl3pPr marL="1143000" indent="-228600" algn="l" defTabSz="457200" rtl="0" eaLnBrk="1" latinLnBrk="0" hangingPunct="1">
+              <a:spcBef>
+                <a:spcPct val="20000"/>
+              </a:spcBef>
+              <a:buFont typeface="Arial"/>
+              <a:buChar char="•"/>
+              <a:defRPr sz="2400" kern="1200">
+                <a:solidFill>
+                  <a:schemeClr val="tx1"/>
+                </a:solidFill>
+                <a:latin typeface="+mn-lt"/>
+                <a:ea typeface="+mn-ea"/>
+                <a:cs typeface="+mn-cs"/>
+              </a:defRPr>
+            </a:lvl3pPr>
+            <a:lvl4pPr marL="1600200" indent="-228600" algn="l" defTabSz="457200" rtl="0" eaLnBrk="1" latinLnBrk="0" hangingPunct="1">
+              <a:spcBef>
+                <a:spcPct val="20000"/>
+              </a:spcBef>
+              <a:buFont typeface="Arial"/>
+              <a:buChar char="–"/>
+              <a:defRPr sz="2000" kern="1200">
+                <a:solidFill>
+                  <a:schemeClr val="tx1"/>
+                </a:solidFill>
+                <a:latin typeface="+mn-lt"/>
+                <a:ea typeface="+mn-ea"/>
+                <a:cs typeface="+mn-cs"/>
+              </a:defRPr>
+            </a:lvl4pPr>
+            <a:lvl5pPr marL="2057400" indent="-228600" algn="l" defTabSz="457200" rtl="0" eaLnBrk="1" latinLnBrk="0" hangingPunct="1">
+              <a:spcBef>
+                <a:spcPct val="20000"/>
+              </a:spcBef>
+              <a:buFont typeface="Arial"/>
+              <a:buChar char="»"/>
+              <a:defRPr sz="2000" kern="1200">
+                <a:solidFill>
+                  <a:schemeClr val="tx1"/>
+                </a:solidFill>
+                <a:latin typeface="+mn-lt"/>
+                <a:ea typeface="+mn-ea"/>
+                <a:cs typeface="+mn-cs"/>
+              </a:defRPr>
+            </a:lvl5pPr>
+            <a:lvl6pPr marL="2514600" indent="-228600" algn="l" defTabSz="457200" rtl="0" eaLnBrk="1" latinLnBrk="0" hangingPunct="1">
+              <a:spcBef>
+                <a:spcPct val="20000"/>
+              </a:spcBef>
+              <a:buFont typeface="Arial"/>
+              <a:buChar char="•"/>
+              <a:defRPr sz="2000" kern="1200">
+                <a:solidFill>
+                  <a:schemeClr val="tx1"/>
+                </a:solidFill>
+                <a:latin typeface="+mn-lt"/>
+                <a:ea typeface="+mn-ea"/>
+                <a:cs typeface="+mn-cs"/>
+              </a:defRPr>
+            </a:lvl6pPr>
+            <a:lvl7pPr marL="2971800" indent="-228600" algn="l" defTabSz="457200" rtl="0" eaLnBrk="1" latinLnBrk="0" hangingPunct="1">
+              <a:spcBef>
+                <a:spcPct val="20000"/>
+              </a:spcBef>
+              <a:buFont typeface="Arial"/>
+              <a:buChar char="•"/>
+              <a:defRPr sz="2000" kern="1200">
+                <a:solidFill>
+                  <a:schemeClr val="tx1"/>
+                </a:solidFill>
+                <a:latin typeface="+mn-lt"/>
+                <a:ea typeface="+mn-ea"/>
+                <a:cs typeface="+mn-cs"/>
+              </a:defRPr>
+            </a:lvl7pPr>
+            <a:lvl8pPr marL="3429000" indent="-228600" algn="l" defTabSz="457200" rtl="0" eaLnBrk="1" latinLnBrk="0" hangingPunct="1">
+              <a:spcBef>
+                <a:spcPct val="20000"/>
+              </a:spcBef>
+              <a:buFont typeface="Arial"/>
+              <a:buChar char="•"/>
+              <a:defRPr sz="2000" kern="1200">
+                <a:solidFill>
+                  <a:schemeClr val="tx1"/>
+                </a:solidFill>
+                <a:latin typeface="+mn-lt"/>
+                <a:ea typeface="+mn-ea"/>
+                <a:cs typeface="+mn-cs"/>
+              </a:defRPr>
+            </a:lvl8pPr>
+            <a:lvl9pPr marL="3886200" indent="-228600" algn="l" defTabSz="457200" rtl="0" eaLnBrk="1" latinLnBrk="0" hangingPunct="1">
+              <a:spcBef>
+                <a:spcPct val="20000"/>
+              </a:spcBef>
+              <a:buFont typeface="Arial"/>
+              <a:buChar char="•"/>
+              <a:defRPr sz="2000" kern="1200">
+                <a:solidFill>
+                  <a:schemeClr val="tx1"/>
+                </a:solidFill>
+                <a:latin typeface="+mn-lt"/>
+                <a:ea typeface="+mn-ea"/>
+                <a:cs typeface="+mn-cs"/>
+              </a:defRPr>
+            </a:lvl9pPr>
+          </a:lstStyle>
+          <a:p>
+            <a:r>
+              <a:rPr lang="en-US" sz="4000" b="1" i="1" dirty="0">
+                <a:solidFill>
+                  <a:schemeClr val="bg1"/>
+                </a:solidFill>
+              </a:rPr>
+              <a:t>The Boy Scout Rule</a:t>
+            </a:r>
+          </a:p>
+          <a:p>
+            <a:endParaRPr lang="en-US" sz="1800" dirty="0">
+              <a:solidFill>
+                <a:schemeClr val="bg1"/>
+              </a:solidFill>
+            </a:endParaRPr>
+          </a:p>
+          <a:p>
+            <a:endParaRPr lang="en-US" sz="1800" dirty="0">
+              <a:solidFill>
+                <a:schemeClr val="bg1"/>
+              </a:solidFill>
+            </a:endParaRPr>
+          </a:p>
+        </p:txBody>
+      </p:sp>
+      <p:sp>
+        <p:nvSpPr>
+          <p:cNvPr id="6" name="TextBox 5">
+            <a:extLst>
+              <a:ext uri="{FF2B5EF4-FFF2-40B4-BE49-F238E27FC236}">
+                <a16:creationId xmlns:a16="http://schemas.microsoft.com/office/drawing/2014/main" id="{055ABF08-109E-4841-8F1D-B16DF2A5E818}"/>
+              </a:ext>
+            </a:extLst>
+          </p:cNvPr>
+          <p:cNvSpPr txBox="1"/>
+          <p:nvPr/>
+        </p:nvSpPr>
+        <p:spPr>
+          <a:xfrm>
+            <a:off x="599630" y="3333139"/>
+            <a:ext cx="8210747" cy="1692771"/>
+          </a:xfrm>
+          <a:prstGeom prst="rect">
+            <a:avLst/>
+          </a:prstGeom>
+          <a:noFill/>
+        </p:spPr>
+        <p:txBody>
+          <a:bodyPr wrap="square" rtlCol="0">
+            <a:spAutoFit/>
+          </a:bodyPr>
+          <a:lstStyle/>
+          <a:p>
+            <a:endParaRPr lang="en-GB" sz="1600" dirty="0">
+              <a:solidFill>
+                <a:schemeClr val="bg1"/>
+              </a:solidFill>
+              <a:latin typeface="Chronicle Display" pitchFamily="50" charset="0"/>
+            </a:endParaRPr>
+          </a:p>
+          <a:p>
+            <a:r>
+              <a:rPr lang="en-US" sz="2000" dirty="0">
+                <a:solidFill>
+                  <a:schemeClr val="bg1"/>
+                </a:solidFill>
+              </a:rPr>
+              <a:t>Always leave the campground cleaner than you found it.</a:t>
+            </a:r>
+          </a:p>
+          <a:p>
+            <a:endParaRPr lang="en-US" sz="2000" dirty="0">
+              <a:solidFill>
+                <a:schemeClr val="bg1"/>
+              </a:solidFill>
+            </a:endParaRPr>
+          </a:p>
+          <a:p>
+            <a:endParaRPr lang="en-GB" sz="1600" b="1" i="1" dirty="0">
+              <a:solidFill>
+                <a:schemeClr val="bg1"/>
+              </a:solidFill>
+              <a:latin typeface="Chronicle Display" pitchFamily="50" charset="0"/>
+            </a:endParaRPr>
+          </a:p>
+          <a:p>
+            <a:r>
+              <a:rPr lang="en-GB" sz="1600" b="1" i="1" dirty="0">
+                <a:solidFill>
+                  <a:schemeClr val="bg1"/>
+                </a:solidFill>
+                <a:latin typeface="Chronicle Display" pitchFamily="50" charset="0"/>
+              </a:rPr>
+              <a:t>https://www.oreilly.com/library/view/97-things-every/9780596809515/ch08.html</a:t>
+            </a:r>
+          </a:p>
+          <a:p>
+            <a:endParaRPr lang="en-GB" sz="1600" dirty="0">
+              <a:solidFill>
+                <a:schemeClr val="bg1"/>
+              </a:solidFill>
+              <a:latin typeface="Chronicle Display" pitchFamily="50" charset="0"/>
+            </a:endParaRPr>
+          </a:p>
+        </p:txBody>
+      </p:sp>
+    </p:spTree>
+    <p:extLst>
+      <p:ext uri="{BB962C8B-B14F-4D97-AF65-F5344CB8AC3E}">
+        <p14:creationId xmlns:p14="http://schemas.microsoft.com/office/powerpoint/2010/main" val="951982551"/>
+      </p:ext>
+    </p:extLst>
+  </p:cSld>
+  <p:clrMapOvr>
+    <a:masterClrMapping/>
+  </p:clrMapOvr>
+  <p:timing>
+    <p:tnLst>
+      <p:par>
+        <p:cTn id="1" dur="indefinite" restart="never" nodeType="tmRoot">
+          <p:childTnLst>
+            <p:seq concurrent="1" nextAc="seek">
+              <p:cTn id="2" dur="indefinite" nodeType="mainSeq">
+                <p:childTnLst>
+                  <p:par>
+                    <p:cTn id="3" fill="hold">
+                      <p:stCondLst>
+                        <p:cond delay="indefinite"/>
+                      </p:stCondLst>
+                      <p:childTnLst>
+                        <p:par>
+                          <p:cTn id="4" fill="hold">
+                            <p:stCondLst>
+                              <p:cond delay="0"/>
+                            </p:stCondLst>
+                            <p:childTnLst>
+                              <p:par>
+                                <p:cTn id="5" presetID="10" presetClass="entr" presetSubtype="0" fill="hold" grpId="0" nodeType="clickEffect">
+                                  <p:stCondLst>
+                                    <p:cond delay="0"/>
+                                  </p:stCondLst>
+                                  <p:childTnLst>
+                                    <p:set>
+                                      <p:cBhvr>
+                                        <p:cTn id="6" dur="1" fill="hold">
+                                          <p:stCondLst>
+                                            <p:cond delay="0"/>
+                                          </p:stCondLst>
+                                        </p:cTn>
+                                        <p:tgtEl>
+                                          <p:spTgt spid="6"/>
+                                        </p:tgtEl>
+                                        <p:attrNameLst>
+                                          <p:attrName>style.visibility</p:attrName>
+                                        </p:attrNameLst>
+                                      </p:cBhvr>
+                                      <p:to>
+                                        <p:strVal val="visible"/>
+                                      </p:to>
+                                    </p:set>
+                                    <p:animEffect transition="in" filter="fade">
+                                      <p:cBhvr>
+                                        <p:cTn id="7" dur="500"/>
+                                        <p:tgtEl>
+                                          <p:spTgt spid="6"/>
+                                        </p:tgtEl>
+                                      </p:cBhvr>
+                                    </p:animEffect>
+                                  </p:childTnLst>
+                                </p:cTn>
+                              </p:par>
+                            </p:childTnLst>
+                          </p:cTn>
+                        </p:par>
+                      </p:childTnLst>
+                    </p:cTn>
+                  </p:par>
+                </p:childTnLst>
+              </p:cTn>
+              <p:prevCondLst>
+                <p:cond evt="onPrev" delay="0">
+                  <p:tgtEl>
+                    <p:sldTgt/>
+                  </p:tgtEl>
+                </p:cond>
+              </p:prevCondLst>
+              <p:nextCondLst>
+                <p:cond evt="onNext" delay="0">
+                  <p:tgtEl>
+                    <p:sldTgt/>
+                  </p:tgtEl>
+                </p:cond>
+              </p:nextCondLst>
+            </p:seq>
+          </p:childTnLst>
+        </p:cTn>
+      </p:par>
+    </p:tnLst>
+    <p:bldLst>
+      <p:bldP spid="6" grpId="0"/>
+    </p:bldLst>
+  </p:timing>
+</p:sld>
+</file>
+
+<file path=ppt/slides/slide39.xml><?xml version="1.0" encoding="utf-8"?>
+<p:sld xmlns:a="http://schemas.openxmlformats.org/drawingml/2006/main" xmlns:r="http://schemas.openxmlformats.org/officeDocument/2006/relationships" xmlns:p="http://schemas.openxmlformats.org/presentationml/2006/main">
+  <p:cSld>
+    <p:spTree>
+      <p:nvGrpSpPr>
+        <p:cNvPr id="1" name=""/>
+        <p:cNvGrpSpPr/>
+        <p:nvPr/>
+      </p:nvGrpSpPr>
+      <p:grpSpPr>
+        <a:xfrm>
+          <a:off x="0" y="0"/>
+          <a:ext cx="0" cy="0"/>
+          <a:chOff x="0" y="0"/>
+          <a:chExt cx="0" cy="0"/>
+        </a:xfrm>
+      </p:grpSpPr>
+      <p:sp>
+        <p:nvSpPr>
+          <p:cNvPr id="2" name="Text Placeholder 1"/>
+          <p:cNvSpPr>
+            <a:spLocks noGrp="1"/>
+          </p:cNvSpPr>
+          <p:nvPr>
+            <p:ph type="body" sz="quarter" idx="11"/>
+          </p:nvPr>
+        </p:nvSpPr>
+        <p:spPr>
+          <a:xfrm>
+            <a:off x="328613" y="1079048"/>
+            <a:ext cx="8401246" cy="758066"/>
+          </a:xfrm>
+        </p:spPr>
+        <p:txBody>
+          <a:bodyPr/>
+          <a:lstStyle/>
+          <a:p>
+            <a:r>
+              <a:rPr lang="en-US" dirty="0">
+                <a:solidFill>
+                  <a:schemeClr val="bg1"/>
+                </a:solidFill>
+              </a:rPr>
+              <a:t>Software Principles</a:t>
+            </a:r>
+          </a:p>
+          <a:p>
+            <a:endParaRPr lang="en-US" dirty="0">
+              <a:solidFill>
+                <a:schemeClr val="bg1"/>
+              </a:solidFill>
+            </a:endParaRPr>
+          </a:p>
+        </p:txBody>
+      </p:sp>
+      <p:sp>
+        <p:nvSpPr>
+          <p:cNvPr id="7" name="Text Placeholder 1">
+            <a:extLst>
+              <a:ext uri="{FF2B5EF4-FFF2-40B4-BE49-F238E27FC236}">
+                <a16:creationId xmlns:a16="http://schemas.microsoft.com/office/drawing/2014/main" id="{40B8D4C3-C7B6-4056-8B2A-2B024852F5BB}"/>
+              </a:ext>
+            </a:extLst>
+          </p:cNvPr>
+          <p:cNvSpPr txBox="1">
+            <a:spLocks/>
+          </p:cNvSpPr>
+          <p:nvPr/>
+        </p:nvSpPr>
+        <p:spPr>
+          <a:xfrm>
+            <a:off x="328613" y="2740959"/>
+            <a:ext cx="8401246" cy="2279928"/>
+          </a:xfrm>
+          <a:prstGeom prst="rect">
+            <a:avLst/>
+          </a:prstGeom>
+        </p:spPr>
+        <p:txBody>
+          <a:bodyPr vert="horz"/>
+          <a:lstStyle>
+            <a:lvl1pPr marL="0" indent="0" algn="l" defTabSz="457200" rtl="0" eaLnBrk="1" latinLnBrk="0" hangingPunct="1">
+              <a:spcBef>
+                <a:spcPct val="20000"/>
+              </a:spcBef>
+              <a:buFontTx/>
+              <a:buNone/>
+              <a:defRPr sz="4200" b="0" i="0" kern="1200" baseline="0">
+                <a:solidFill>
+                  <a:schemeClr val="tx1"/>
+                </a:solidFill>
+                <a:latin typeface="Chronicle Display Light"/>
+                <a:ea typeface="+mn-ea"/>
+                <a:cs typeface="+mn-cs"/>
+              </a:defRPr>
+            </a:lvl1pPr>
+            <a:lvl2pPr marL="742950" indent="-285750" algn="l" defTabSz="457200" rtl="0" eaLnBrk="1" latinLnBrk="0" hangingPunct="1">
+              <a:spcBef>
+                <a:spcPct val="20000"/>
+              </a:spcBef>
+              <a:buFont typeface="Arial"/>
+              <a:buChar char="–"/>
+              <a:defRPr sz="2800" kern="1200">
+                <a:solidFill>
+                  <a:schemeClr val="tx1"/>
+                </a:solidFill>
+                <a:latin typeface="+mn-lt"/>
+                <a:ea typeface="+mn-ea"/>
+                <a:cs typeface="+mn-cs"/>
+              </a:defRPr>
+            </a:lvl2pPr>
+            <a:lvl3pPr marL="1143000" indent="-228600" algn="l" defTabSz="457200" rtl="0" eaLnBrk="1" latinLnBrk="0" hangingPunct="1">
+              <a:spcBef>
+                <a:spcPct val="20000"/>
+              </a:spcBef>
+              <a:buFont typeface="Arial"/>
+              <a:buChar char="•"/>
+              <a:defRPr sz="2400" kern="1200">
+                <a:solidFill>
+                  <a:schemeClr val="tx1"/>
+                </a:solidFill>
+                <a:latin typeface="+mn-lt"/>
+                <a:ea typeface="+mn-ea"/>
+                <a:cs typeface="+mn-cs"/>
+              </a:defRPr>
+            </a:lvl3pPr>
+            <a:lvl4pPr marL="1600200" indent="-228600" algn="l" defTabSz="457200" rtl="0" eaLnBrk="1" latinLnBrk="0" hangingPunct="1">
+              <a:spcBef>
+                <a:spcPct val="20000"/>
+              </a:spcBef>
+              <a:buFont typeface="Arial"/>
+              <a:buChar char="–"/>
+              <a:defRPr sz="2000" kern="1200">
+                <a:solidFill>
+                  <a:schemeClr val="tx1"/>
+                </a:solidFill>
+                <a:latin typeface="+mn-lt"/>
+                <a:ea typeface="+mn-ea"/>
+                <a:cs typeface="+mn-cs"/>
+              </a:defRPr>
+            </a:lvl4pPr>
+            <a:lvl5pPr marL="2057400" indent="-228600" algn="l" defTabSz="457200" rtl="0" eaLnBrk="1" latinLnBrk="0" hangingPunct="1">
+              <a:spcBef>
+                <a:spcPct val="20000"/>
+              </a:spcBef>
+              <a:buFont typeface="Arial"/>
+              <a:buChar char="»"/>
+              <a:defRPr sz="2000" kern="1200">
+                <a:solidFill>
+                  <a:schemeClr val="tx1"/>
+                </a:solidFill>
+                <a:latin typeface="+mn-lt"/>
+                <a:ea typeface="+mn-ea"/>
+                <a:cs typeface="+mn-cs"/>
+              </a:defRPr>
+            </a:lvl5pPr>
+            <a:lvl6pPr marL="2514600" indent="-228600" algn="l" defTabSz="457200" rtl="0" eaLnBrk="1" latinLnBrk="0" hangingPunct="1">
+              <a:spcBef>
+                <a:spcPct val="20000"/>
+              </a:spcBef>
+              <a:buFont typeface="Arial"/>
+              <a:buChar char="•"/>
+              <a:defRPr sz="2000" kern="1200">
+                <a:solidFill>
+                  <a:schemeClr val="tx1"/>
+                </a:solidFill>
+                <a:latin typeface="+mn-lt"/>
+                <a:ea typeface="+mn-ea"/>
+                <a:cs typeface="+mn-cs"/>
+              </a:defRPr>
+            </a:lvl6pPr>
+            <a:lvl7pPr marL="2971800" indent="-228600" algn="l" defTabSz="457200" rtl="0" eaLnBrk="1" latinLnBrk="0" hangingPunct="1">
+              <a:spcBef>
+                <a:spcPct val="20000"/>
+              </a:spcBef>
+              <a:buFont typeface="Arial"/>
+              <a:buChar char="•"/>
+              <a:defRPr sz="2000" kern="1200">
+                <a:solidFill>
+                  <a:schemeClr val="tx1"/>
+                </a:solidFill>
+                <a:latin typeface="+mn-lt"/>
+                <a:ea typeface="+mn-ea"/>
+                <a:cs typeface="+mn-cs"/>
+              </a:defRPr>
+            </a:lvl7pPr>
+            <a:lvl8pPr marL="3429000" indent="-228600" algn="l" defTabSz="457200" rtl="0" eaLnBrk="1" latinLnBrk="0" hangingPunct="1">
+              <a:spcBef>
+                <a:spcPct val="20000"/>
+              </a:spcBef>
+              <a:buFont typeface="Arial"/>
+              <a:buChar char="•"/>
+              <a:defRPr sz="2000" kern="1200">
+                <a:solidFill>
+                  <a:schemeClr val="tx1"/>
+                </a:solidFill>
+                <a:latin typeface="+mn-lt"/>
+                <a:ea typeface="+mn-ea"/>
+                <a:cs typeface="+mn-cs"/>
+              </a:defRPr>
+            </a:lvl8pPr>
+            <a:lvl9pPr marL="3886200" indent="-228600" algn="l" defTabSz="457200" rtl="0" eaLnBrk="1" latinLnBrk="0" hangingPunct="1">
+              <a:spcBef>
+                <a:spcPct val="20000"/>
+              </a:spcBef>
+              <a:buFont typeface="Arial"/>
+              <a:buChar char="•"/>
+              <a:defRPr sz="2000" kern="1200">
+                <a:solidFill>
+                  <a:schemeClr val="tx1"/>
+                </a:solidFill>
+                <a:latin typeface="+mn-lt"/>
+                <a:ea typeface="+mn-ea"/>
+                <a:cs typeface="+mn-cs"/>
+              </a:defRPr>
+            </a:lvl9pPr>
+          </a:lstStyle>
+          <a:p>
+            <a:pPr algn="ctr"/>
+            <a:r>
+              <a:rPr lang="en-US" sz="6000" b="1" i="1" dirty="0">
+                <a:solidFill>
+                  <a:schemeClr val="bg1"/>
+                </a:solidFill>
+              </a:rPr>
+              <a:t>Micro Services</a:t>
+            </a:r>
+          </a:p>
+          <a:p>
+            <a:pPr algn="ctr"/>
+            <a:r>
+              <a:rPr lang="en-US" sz="6000" b="1" i="1" dirty="0">
+                <a:solidFill>
+                  <a:schemeClr val="bg1"/>
+                </a:solidFill>
+              </a:rPr>
+              <a:t>Principles</a:t>
+            </a:r>
+          </a:p>
+        </p:txBody>
+      </p:sp>
+    </p:spTree>
+    <p:extLst>
+      <p:ext uri="{BB962C8B-B14F-4D97-AF65-F5344CB8AC3E}">
+        <p14:creationId xmlns:p14="http://schemas.microsoft.com/office/powerpoint/2010/main" val="246459092"/>
+      </p:ext>
+    </p:extLst>
+  </p:cSld>
+  <p:clrMapOvr>
+    <a:masterClrMapping/>
+  </p:clrMapOvr>
+</p:sld>
+</file>
+
+<file path=ppt/slides/slide4.xml><?xml version="1.0" encoding="utf-8"?>
 <p:sld xmlns:a="http://schemas.openxmlformats.org/drawingml/2006/main" xmlns:r="http://schemas.openxmlformats.org/officeDocument/2006/relationships" xmlns:p="http://schemas.openxmlformats.org/presentationml/2006/main">
   <p:cSld>
     <p:spTree>
@@ -12938,7 +16037,7 @@
 </p:sld>
 </file>
 
-<file path=ppt/slides/slide30.xml><?xml version="1.0" encoding="utf-8"?>
+<file path=ppt/slides/slide40.xml><?xml version="1.0" encoding="utf-8"?>
 <p:sld xmlns:a="http://schemas.openxmlformats.org/drawingml/2006/main" xmlns:r="http://schemas.openxmlformats.org/officeDocument/2006/relationships" xmlns:p="http://schemas.openxmlformats.org/presentationml/2006/main">
   <p:cSld>
     <p:spTree>
@@ -12965,1465 +16064,6 @@
             <p:ph type="body" sz="quarter" idx="11"/>
           </p:nvPr>
         </p:nvSpPr>
-        <p:spPr/>
-        <p:txBody>
-          <a:bodyPr/>
-          <a:lstStyle/>
-          <a:p>
-            <a:r>
-              <a:rPr lang="en-US" dirty="0">
-                <a:solidFill>
-                  <a:schemeClr val="bg1"/>
-                </a:solidFill>
-              </a:rPr>
-              <a:t>DIP Dependency Inversion Principle</a:t>
-            </a:r>
-          </a:p>
-          <a:p>
-            <a:endParaRPr lang="en-US" dirty="0">
-              <a:solidFill>
-                <a:schemeClr val="bg1"/>
-              </a:solidFill>
-            </a:endParaRPr>
-          </a:p>
-          <a:p>
-            <a:endParaRPr lang="en-US" dirty="0">
-              <a:solidFill>
-                <a:schemeClr val="bg1"/>
-              </a:solidFill>
-            </a:endParaRPr>
-          </a:p>
-        </p:txBody>
-      </p:sp>
-      <p:pic>
-        <p:nvPicPr>
-          <p:cNvPr id="3" name="Picture 2">
-            <a:extLst>
-              <a:ext uri="{FF2B5EF4-FFF2-40B4-BE49-F238E27FC236}">
-                <a16:creationId xmlns:a16="http://schemas.microsoft.com/office/drawing/2014/main" id="{D386205D-CE29-445F-BCF2-E5672B6C0CD4}"/>
-              </a:ext>
-            </a:extLst>
-          </p:cNvPr>
-          <p:cNvPicPr>
-            <a:picLocks noChangeAspect="1"/>
-          </p:cNvPicPr>
-          <p:nvPr/>
-        </p:nvPicPr>
-        <p:blipFill>
-          <a:blip r:embed="rId3"/>
-          <a:stretch>
-            <a:fillRect/>
-          </a:stretch>
-        </p:blipFill>
-        <p:spPr>
-          <a:xfrm>
-            <a:off x="2898822" y="2169173"/>
-            <a:ext cx="2562583" cy="1381318"/>
-          </a:xfrm>
-          <a:prstGeom prst="rect">
-            <a:avLst/>
-          </a:prstGeom>
-        </p:spPr>
-      </p:pic>
-      <p:pic>
-        <p:nvPicPr>
-          <p:cNvPr id="4" name="Picture 3">
-            <a:extLst>
-              <a:ext uri="{FF2B5EF4-FFF2-40B4-BE49-F238E27FC236}">
-                <a16:creationId xmlns:a16="http://schemas.microsoft.com/office/drawing/2014/main" id="{DB6E735D-D5C2-45DD-9E54-5CAC1880433E}"/>
-              </a:ext>
-            </a:extLst>
-          </p:cNvPr>
-          <p:cNvPicPr>
-            <a:picLocks noChangeAspect="1"/>
-          </p:cNvPicPr>
-          <p:nvPr/>
-        </p:nvPicPr>
-        <p:blipFill>
-          <a:blip r:embed="rId4"/>
-          <a:stretch>
-            <a:fillRect/>
-          </a:stretch>
-        </p:blipFill>
-        <p:spPr>
-          <a:xfrm>
-            <a:off x="414141" y="3646489"/>
-            <a:ext cx="3762900" cy="2743583"/>
-          </a:xfrm>
-          <a:prstGeom prst="rect">
-            <a:avLst/>
-          </a:prstGeom>
-        </p:spPr>
-      </p:pic>
-      <p:pic>
-        <p:nvPicPr>
-          <p:cNvPr id="6" name="Picture 5">
-            <a:extLst>
-              <a:ext uri="{FF2B5EF4-FFF2-40B4-BE49-F238E27FC236}">
-                <a16:creationId xmlns:a16="http://schemas.microsoft.com/office/drawing/2014/main" id="{28806614-BA4D-495F-A5D9-19B01C4E3E94}"/>
-              </a:ext>
-            </a:extLst>
-          </p:cNvPr>
-          <p:cNvPicPr>
-            <a:picLocks noChangeAspect="1"/>
-          </p:cNvPicPr>
-          <p:nvPr/>
-        </p:nvPicPr>
-        <p:blipFill>
-          <a:blip r:embed="rId5"/>
-          <a:stretch>
-            <a:fillRect/>
-          </a:stretch>
-        </p:blipFill>
-        <p:spPr>
-          <a:xfrm>
-            <a:off x="4262569" y="3656015"/>
-            <a:ext cx="4763165" cy="2734057"/>
-          </a:xfrm>
-          <a:prstGeom prst="rect">
-            <a:avLst/>
-          </a:prstGeom>
-        </p:spPr>
-      </p:pic>
-    </p:spTree>
-    <p:extLst>
-      <p:ext uri="{BB962C8B-B14F-4D97-AF65-F5344CB8AC3E}">
-        <p14:creationId xmlns:p14="http://schemas.microsoft.com/office/powerpoint/2010/main" val="3054674583"/>
-      </p:ext>
-    </p:extLst>
-  </p:cSld>
-  <p:clrMapOvr>
-    <a:masterClrMapping/>
-  </p:clrMapOvr>
-</p:sld>
-</file>
-
-<file path=ppt/slides/slide31.xml><?xml version="1.0" encoding="utf-8"?>
-<p:sld xmlns:a="http://schemas.openxmlformats.org/drawingml/2006/main" xmlns:r="http://schemas.openxmlformats.org/officeDocument/2006/relationships" xmlns:p="http://schemas.openxmlformats.org/presentationml/2006/main">
-  <p:cSld>
-    <p:spTree>
-      <p:nvGrpSpPr>
-        <p:cNvPr id="1" name=""/>
-        <p:cNvGrpSpPr/>
-        <p:nvPr/>
-      </p:nvGrpSpPr>
-      <p:grpSpPr>
-        <a:xfrm>
-          <a:off x="0" y="0"/>
-          <a:ext cx="0" cy="0"/>
-          <a:chOff x="0" y="0"/>
-          <a:chExt cx="0" cy="0"/>
-        </a:xfrm>
-      </p:grpSpPr>
-      <p:sp>
-        <p:nvSpPr>
-          <p:cNvPr id="2" name="Text Placeholder 1"/>
-          <p:cNvSpPr>
-            <a:spLocks noGrp="1"/>
-          </p:cNvSpPr>
-          <p:nvPr>
-            <p:ph type="body" sz="quarter" idx="11"/>
-          </p:nvPr>
-        </p:nvSpPr>
-        <p:spPr>
-          <a:xfrm>
-            <a:off x="328613" y="1079048"/>
-            <a:ext cx="8401246" cy="817766"/>
-          </a:xfrm>
-        </p:spPr>
-        <p:txBody>
-          <a:bodyPr/>
-          <a:lstStyle/>
-          <a:p>
-            <a:r>
-              <a:rPr lang="en-US" dirty="0">
-                <a:solidFill>
-                  <a:schemeClr val="bg1"/>
-                </a:solidFill>
-              </a:rPr>
-              <a:t>DIP Dependency Inversion Principle</a:t>
-            </a:r>
-          </a:p>
-          <a:p>
-            <a:endParaRPr lang="en-US" dirty="0">
-              <a:solidFill>
-                <a:schemeClr val="bg1"/>
-              </a:solidFill>
-            </a:endParaRPr>
-          </a:p>
-          <a:p>
-            <a:endParaRPr lang="en-US" dirty="0">
-              <a:solidFill>
-                <a:schemeClr val="bg1"/>
-              </a:solidFill>
-            </a:endParaRPr>
-          </a:p>
-        </p:txBody>
-      </p:sp>
-      <p:pic>
-        <p:nvPicPr>
-          <p:cNvPr id="3" name="Picture 2">
-            <a:extLst>
-              <a:ext uri="{FF2B5EF4-FFF2-40B4-BE49-F238E27FC236}">
-                <a16:creationId xmlns:a16="http://schemas.microsoft.com/office/drawing/2014/main" id="{2339C8CF-74A6-4C2F-BB51-E76C778D8BEA}"/>
-              </a:ext>
-            </a:extLst>
-          </p:cNvPr>
-          <p:cNvPicPr>
-            <a:picLocks noChangeAspect="1"/>
-          </p:cNvPicPr>
-          <p:nvPr/>
-        </p:nvPicPr>
-        <p:blipFill>
-          <a:blip r:embed="rId3"/>
-          <a:stretch>
-            <a:fillRect/>
-          </a:stretch>
-        </p:blipFill>
-        <p:spPr>
-          <a:xfrm>
-            <a:off x="2080865" y="2491179"/>
-            <a:ext cx="4982270" cy="2734057"/>
-          </a:xfrm>
-          <a:prstGeom prst="rect">
-            <a:avLst/>
-          </a:prstGeom>
-        </p:spPr>
-      </p:pic>
-    </p:spTree>
-    <p:extLst>
-      <p:ext uri="{BB962C8B-B14F-4D97-AF65-F5344CB8AC3E}">
-        <p14:creationId xmlns:p14="http://schemas.microsoft.com/office/powerpoint/2010/main" val="3073883093"/>
-      </p:ext>
-    </p:extLst>
-  </p:cSld>
-  <p:clrMapOvr>
-    <a:masterClrMapping/>
-  </p:clrMapOvr>
-</p:sld>
-</file>
-
-<file path=ppt/slides/slide32.xml><?xml version="1.0" encoding="utf-8"?>
-<p:sld xmlns:a="http://schemas.openxmlformats.org/drawingml/2006/main" xmlns:r="http://schemas.openxmlformats.org/officeDocument/2006/relationships" xmlns:p="http://schemas.openxmlformats.org/presentationml/2006/main">
-  <p:cSld>
-    <p:spTree>
-      <p:nvGrpSpPr>
-        <p:cNvPr id="1" name=""/>
-        <p:cNvGrpSpPr/>
-        <p:nvPr/>
-      </p:nvGrpSpPr>
-      <p:grpSpPr>
-        <a:xfrm>
-          <a:off x="0" y="0"/>
-          <a:ext cx="0" cy="0"/>
-          <a:chOff x="0" y="0"/>
-          <a:chExt cx="0" cy="0"/>
-        </a:xfrm>
-      </p:grpSpPr>
-      <p:sp>
-        <p:nvSpPr>
-          <p:cNvPr id="2" name="Text Placeholder 1"/>
-          <p:cNvSpPr>
-            <a:spLocks noGrp="1"/>
-          </p:cNvSpPr>
-          <p:nvPr>
-            <p:ph type="body" sz="quarter" idx="11"/>
-          </p:nvPr>
-        </p:nvSpPr>
-        <p:spPr>
-          <a:xfrm>
-            <a:off x="328613" y="1079047"/>
-            <a:ext cx="8401246" cy="825323"/>
-          </a:xfrm>
-        </p:spPr>
-        <p:txBody>
-          <a:bodyPr/>
-          <a:lstStyle/>
-          <a:p>
-            <a:r>
-              <a:rPr lang="en-US" dirty="0">
-                <a:solidFill>
-                  <a:schemeClr val="bg1"/>
-                </a:solidFill>
-              </a:rPr>
-              <a:t>DIP Dependency Inversion Principle</a:t>
-            </a:r>
-          </a:p>
-          <a:p>
-            <a:endParaRPr lang="en-US" dirty="0">
-              <a:solidFill>
-                <a:schemeClr val="bg1"/>
-              </a:solidFill>
-            </a:endParaRPr>
-          </a:p>
-          <a:p>
-            <a:endParaRPr lang="en-US" dirty="0">
-              <a:solidFill>
-                <a:schemeClr val="bg1"/>
-              </a:solidFill>
-            </a:endParaRPr>
-          </a:p>
-        </p:txBody>
-      </p:sp>
-      <p:pic>
-        <p:nvPicPr>
-          <p:cNvPr id="3" name="Picture 2">
-            <a:extLst>
-              <a:ext uri="{FF2B5EF4-FFF2-40B4-BE49-F238E27FC236}">
-                <a16:creationId xmlns:a16="http://schemas.microsoft.com/office/drawing/2014/main" id="{6BD5F852-8850-400B-B6BA-690EA969F557}"/>
-              </a:ext>
-            </a:extLst>
-          </p:cNvPr>
-          <p:cNvPicPr>
-            <a:picLocks noChangeAspect="1"/>
-          </p:cNvPicPr>
-          <p:nvPr/>
-        </p:nvPicPr>
-        <p:blipFill>
-          <a:blip r:embed="rId3"/>
-          <a:stretch>
-            <a:fillRect/>
-          </a:stretch>
-        </p:blipFill>
-        <p:spPr>
-          <a:xfrm>
-            <a:off x="1366390" y="2096506"/>
-            <a:ext cx="6411220" cy="3934374"/>
-          </a:xfrm>
-          <a:prstGeom prst="rect">
-            <a:avLst/>
-          </a:prstGeom>
-        </p:spPr>
-      </p:pic>
-    </p:spTree>
-    <p:extLst>
-      <p:ext uri="{BB962C8B-B14F-4D97-AF65-F5344CB8AC3E}">
-        <p14:creationId xmlns:p14="http://schemas.microsoft.com/office/powerpoint/2010/main" val="1237620757"/>
-      </p:ext>
-    </p:extLst>
-  </p:cSld>
-  <p:clrMapOvr>
-    <a:masterClrMapping/>
-  </p:clrMapOvr>
-</p:sld>
-</file>
-
-<file path=ppt/slides/slide33.xml><?xml version="1.0" encoding="utf-8"?>
-<p:sld xmlns:a="http://schemas.openxmlformats.org/drawingml/2006/main" xmlns:r="http://schemas.openxmlformats.org/officeDocument/2006/relationships" xmlns:p="http://schemas.openxmlformats.org/presentationml/2006/main">
-  <p:cSld>
-    <p:spTree>
-      <p:nvGrpSpPr>
-        <p:cNvPr id="1" name=""/>
-        <p:cNvGrpSpPr/>
-        <p:nvPr/>
-      </p:nvGrpSpPr>
-      <p:grpSpPr>
-        <a:xfrm>
-          <a:off x="0" y="0"/>
-          <a:ext cx="0" cy="0"/>
-          <a:chOff x="0" y="0"/>
-          <a:chExt cx="0" cy="0"/>
-        </a:xfrm>
-      </p:grpSpPr>
-      <p:sp>
-        <p:nvSpPr>
-          <p:cNvPr id="2" name="Text Placeholder 1"/>
-          <p:cNvSpPr>
-            <a:spLocks noGrp="1"/>
-          </p:cNvSpPr>
-          <p:nvPr>
-            <p:ph type="body" sz="quarter" idx="11"/>
-          </p:nvPr>
-        </p:nvSpPr>
-        <p:spPr>
-          <a:xfrm>
-            <a:off x="328613" y="1079047"/>
-            <a:ext cx="8401246" cy="780293"/>
-          </a:xfrm>
-        </p:spPr>
-        <p:txBody>
-          <a:bodyPr/>
-          <a:lstStyle/>
-          <a:p>
-            <a:r>
-              <a:rPr lang="en-US" dirty="0">
-                <a:solidFill>
-                  <a:schemeClr val="bg1"/>
-                </a:solidFill>
-              </a:rPr>
-              <a:t>SOLID Principles</a:t>
-            </a:r>
-          </a:p>
-          <a:p>
-            <a:endParaRPr lang="en-US" dirty="0"/>
-          </a:p>
-        </p:txBody>
-      </p:sp>
-      <p:sp>
-        <p:nvSpPr>
-          <p:cNvPr id="5" name="TextBox 4"/>
-          <p:cNvSpPr txBox="1"/>
-          <p:nvPr/>
-        </p:nvSpPr>
-        <p:spPr>
-          <a:xfrm>
-            <a:off x="621372" y="1859340"/>
-            <a:ext cx="8210747" cy="3785652"/>
-          </a:xfrm>
-          <a:prstGeom prst="rect">
-            <a:avLst/>
-          </a:prstGeom>
-          <a:noFill/>
-        </p:spPr>
-        <p:txBody>
-          <a:bodyPr wrap="square" rtlCol="0">
-            <a:spAutoFit/>
-          </a:bodyPr>
-          <a:lstStyle/>
-          <a:p>
-            <a:endParaRPr lang="en-GB" sz="1600" u="sng" dirty="0">
-              <a:latin typeface="Chronicle Display" pitchFamily="50" charset="0"/>
-            </a:endParaRPr>
-          </a:p>
-          <a:p>
-            <a:endParaRPr lang="en-GB" sz="1600" u="sng" dirty="0">
-              <a:solidFill>
-                <a:schemeClr val="bg1"/>
-              </a:solidFill>
-              <a:latin typeface="Chronicle Display" pitchFamily="50" charset="0"/>
-            </a:endParaRPr>
-          </a:p>
-          <a:p>
-            <a:r>
-              <a:rPr lang="en-GB" sz="3200" b="1" i="1" dirty="0">
-                <a:latin typeface="Chronicle Display" pitchFamily="50" charset="0"/>
-              </a:rPr>
-              <a:t>Resources</a:t>
-            </a:r>
-          </a:p>
-          <a:p>
-            <a:endParaRPr lang="en-GB" sz="3200" b="1" i="1" dirty="0">
-              <a:latin typeface="Chronicle Display" pitchFamily="50" charset="0"/>
-            </a:endParaRPr>
-          </a:p>
-          <a:p>
-            <a:endParaRPr lang="en-GB" sz="1600" dirty="0">
-              <a:latin typeface="Chronicle Display" pitchFamily="50" charset="0"/>
-            </a:endParaRPr>
-          </a:p>
-          <a:p>
-            <a:r>
-              <a:rPr lang="en-GB" sz="1600" b="1" i="1" dirty="0">
-                <a:latin typeface="Chronicle Display" pitchFamily="50" charset="0"/>
-                <a:hlinkClick r:id="rId3"/>
-              </a:rPr>
-              <a:t>https://github.com/francomelandri/SOLID</a:t>
-            </a:r>
-            <a:endParaRPr lang="en-GB" sz="1600" b="1" i="1" dirty="0">
-              <a:latin typeface="Chronicle Display" pitchFamily="50" charset="0"/>
-            </a:endParaRPr>
-          </a:p>
-          <a:p>
-            <a:endParaRPr lang="en-GB" sz="1600" b="1" i="1" dirty="0">
-              <a:latin typeface="Chronicle Display" pitchFamily="50" charset="0"/>
-            </a:endParaRPr>
-          </a:p>
-          <a:p>
-            <a:r>
-              <a:rPr lang="en-GB" sz="1600" b="1" i="1" dirty="0">
-                <a:latin typeface="Chronicle Display" pitchFamily="50" charset="0"/>
-                <a:hlinkClick r:id="rId4"/>
-              </a:rPr>
-              <a:t>http://butunclebob.com/ArticleS.UncleBob.PrinciplesOfOod</a:t>
-            </a:r>
-            <a:endParaRPr lang="en-GB" sz="1600" b="1" i="1" dirty="0">
-              <a:latin typeface="Chronicle Display" pitchFamily="50" charset="0"/>
-            </a:endParaRPr>
-          </a:p>
-          <a:p>
-            <a:endParaRPr lang="en-GB" sz="1600" b="1" i="1" dirty="0">
-              <a:latin typeface="Chronicle Display" pitchFamily="50" charset="0"/>
-            </a:endParaRPr>
-          </a:p>
-          <a:p>
-            <a:r>
-              <a:rPr lang="en-GB" sz="1600" b="1" i="1" dirty="0">
-                <a:latin typeface="Chronicle Display" pitchFamily="50" charset="0"/>
-                <a:hlinkClick r:id="rId5"/>
-              </a:rPr>
-              <a:t>http://www.codeproject.com/Articles/703634/SOLID-architecture-principles-using-simple-Csharp</a:t>
-            </a:r>
-            <a:endParaRPr lang="en-GB" sz="1600" b="1" i="1" dirty="0">
-              <a:latin typeface="Chronicle Display" pitchFamily="50" charset="0"/>
-            </a:endParaRPr>
-          </a:p>
-          <a:p>
-            <a:endParaRPr lang="en-GB" sz="1600" dirty="0">
-              <a:latin typeface="Chronicle Display" pitchFamily="50" charset="0"/>
-            </a:endParaRPr>
-          </a:p>
-          <a:p>
-            <a:endParaRPr lang="en-GB" sz="1600" dirty="0">
-              <a:latin typeface="Chronicle Display" pitchFamily="50" charset="0"/>
-            </a:endParaRPr>
-          </a:p>
-        </p:txBody>
-      </p:sp>
-    </p:spTree>
-    <p:extLst>
-      <p:ext uri="{BB962C8B-B14F-4D97-AF65-F5344CB8AC3E}">
-        <p14:creationId xmlns:p14="http://schemas.microsoft.com/office/powerpoint/2010/main" val="2987290541"/>
-      </p:ext>
-    </p:extLst>
-  </p:cSld>
-  <p:clrMapOvr>
-    <a:masterClrMapping/>
-  </p:clrMapOvr>
-</p:sld>
-</file>
-
-<file path=ppt/slides/slide34.xml><?xml version="1.0" encoding="utf-8"?>
-<p:sld xmlns:a="http://schemas.openxmlformats.org/drawingml/2006/main" xmlns:r="http://schemas.openxmlformats.org/officeDocument/2006/relationships" xmlns:p="http://schemas.openxmlformats.org/presentationml/2006/main">
-  <p:cSld>
-    <p:spTree>
-      <p:nvGrpSpPr>
-        <p:cNvPr id="1" name=""/>
-        <p:cNvGrpSpPr/>
-        <p:nvPr/>
-      </p:nvGrpSpPr>
-      <p:grpSpPr>
-        <a:xfrm>
-          <a:off x="0" y="0"/>
-          <a:ext cx="0" cy="0"/>
-          <a:chOff x="0" y="0"/>
-          <a:chExt cx="0" cy="0"/>
-        </a:xfrm>
-      </p:grpSpPr>
-      <p:sp>
-        <p:nvSpPr>
-          <p:cNvPr id="2" name="Text Placeholder 1"/>
-          <p:cNvSpPr>
-            <a:spLocks noGrp="1"/>
-          </p:cNvSpPr>
-          <p:nvPr>
-            <p:ph type="body" sz="quarter" idx="11"/>
-          </p:nvPr>
-        </p:nvSpPr>
-        <p:spPr>
-          <a:xfrm>
-            <a:off x="328613" y="1079048"/>
-            <a:ext cx="8401246" cy="758066"/>
-          </a:xfrm>
-        </p:spPr>
-        <p:txBody>
-          <a:bodyPr/>
-          <a:lstStyle/>
-          <a:p>
-            <a:r>
-              <a:rPr lang="en-US" dirty="0">
-                <a:solidFill>
-                  <a:schemeClr val="bg1"/>
-                </a:solidFill>
-              </a:rPr>
-              <a:t>Practical Principles</a:t>
-            </a:r>
-          </a:p>
-          <a:p>
-            <a:endParaRPr lang="en-US" dirty="0">
-              <a:solidFill>
-                <a:schemeClr val="bg1"/>
-              </a:solidFill>
-            </a:endParaRPr>
-          </a:p>
-        </p:txBody>
-      </p:sp>
-      <p:sp>
-        <p:nvSpPr>
-          <p:cNvPr id="7" name="Text Placeholder 1">
-            <a:extLst>
-              <a:ext uri="{FF2B5EF4-FFF2-40B4-BE49-F238E27FC236}">
-                <a16:creationId xmlns:a16="http://schemas.microsoft.com/office/drawing/2014/main" id="{40B8D4C3-C7B6-4056-8B2A-2B024852F5BB}"/>
-              </a:ext>
-            </a:extLst>
-          </p:cNvPr>
-          <p:cNvSpPr txBox="1">
-            <a:spLocks/>
-          </p:cNvSpPr>
-          <p:nvPr/>
-        </p:nvSpPr>
-        <p:spPr>
-          <a:xfrm>
-            <a:off x="311881" y="2329394"/>
-            <a:ext cx="8401246" cy="656402"/>
-          </a:xfrm>
-          <a:prstGeom prst="rect">
-            <a:avLst/>
-          </a:prstGeom>
-        </p:spPr>
-        <p:txBody>
-          <a:bodyPr vert="horz"/>
-          <a:lstStyle>
-            <a:lvl1pPr marL="0" indent="0" algn="l" defTabSz="457200" rtl="0" eaLnBrk="1" latinLnBrk="0" hangingPunct="1">
-              <a:spcBef>
-                <a:spcPct val="20000"/>
-              </a:spcBef>
-              <a:buFontTx/>
-              <a:buNone/>
-              <a:defRPr sz="4200" b="0" i="0" kern="1200" baseline="0">
-                <a:solidFill>
-                  <a:schemeClr val="tx1"/>
-                </a:solidFill>
-                <a:latin typeface="Chronicle Display Light"/>
-                <a:ea typeface="+mn-ea"/>
-                <a:cs typeface="+mn-cs"/>
-              </a:defRPr>
-            </a:lvl1pPr>
-            <a:lvl2pPr marL="742950" indent="-285750" algn="l" defTabSz="457200" rtl="0" eaLnBrk="1" latinLnBrk="0" hangingPunct="1">
-              <a:spcBef>
-                <a:spcPct val="20000"/>
-              </a:spcBef>
-              <a:buFont typeface="Arial"/>
-              <a:buChar char="–"/>
-              <a:defRPr sz="2800" kern="1200">
-                <a:solidFill>
-                  <a:schemeClr val="tx1"/>
-                </a:solidFill>
-                <a:latin typeface="+mn-lt"/>
-                <a:ea typeface="+mn-ea"/>
-                <a:cs typeface="+mn-cs"/>
-              </a:defRPr>
-            </a:lvl2pPr>
-            <a:lvl3pPr marL="1143000" indent="-228600" algn="l" defTabSz="457200" rtl="0" eaLnBrk="1" latinLnBrk="0" hangingPunct="1">
-              <a:spcBef>
-                <a:spcPct val="20000"/>
-              </a:spcBef>
-              <a:buFont typeface="Arial"/>
-              <a:buChar char="•"/>
-              <a:defRPr sz="2400" kern="1200">
-                <a:solidFill>
-                  <a:schemeClr val="tx1"/>
-                </a:solidFill>
-                <a:latin typeface="+mn-lt"/>
-                <a:ea typeface="+mn-ea"/>
-                <a:cs typeface="+mn-cs"/>
-              </a:defRPr>
-            </a:lvl3pPr>
-            <a:lvl4pPr marL="1600200" indent="-228600" algn="l" defTabSz="457200" rtl="0" eaLnBrk="1" latinLnBrk="0" hangingPunct="1">
-              <a:spcBef>
-                <a:spcPct val="20000"/>
-              </a:spcBef>
-              <a:buFont typeface="Arial"/>
-              <a:buChar char="–"/>
-              <a:defRPr sz="2000" kern="1200">
-                <a:solidFill>
-                  <a:schemeClr val="tx1"/>
-                </a:solidFill>
-                <a:latin typeface="+mn-lt"/>
-                <a:ea typeface="+mn-ea"/>
-                <a:cs typeface="+mn-cs"/>
-              </a:defRPr>
-            </a:lvl4pPr>
-            <a:lvl5pPr marL="2057400" indent="-228600" algn="l" defTabSz="457200" rtl="0" eaLnBrk="1" latinLnBrk="0" hangingPunct="1">
-              <a:spcBef>
-                <a:spcPct val="20000"/>
-              </a:spcBef>
-              <a:buFont typeface="Arial"/>
-              <a:buChar char="»"/>
-              <a:defRPr sz="2000" kern="1200">
-                <a:solidFill>
-                  <a:schemeClr val="tx1"/>
-                </a:solidFill>
-                <a:latin typeface="+mn-lt"/>
-                <a:ea typeface="+mn-ea"/>
-                <a:cs typeface="+mn-cs"/>
-              </a:defRPr>
-            </a:lvl5pPr>
-            <a:lvl6pPr marL="2514600" indent="-228600" algn="l" defTabSz="457200" rtl="0" eaLnBrk="1" latinLnBrk="0" hangingPunct="1">
-              <a:spcBef>
-                <a:spcPct val="20000"/>
-              </a:spcBef>
-              <a:buFont typeface="Arial"/>
-              <a:buChar char="•"/>
-              <a:defRPr sz="2000" kern="1200">
-                <a:solidFill>
-                  <a:schemeClr val="tx1"/>
-                </a:solidFill>
-                <a:latin typeface="+mn-lt"/>
-                <a:ea typeface="+mn-ea"/>
-                <a:cs typeface="+mn-cs"/>
-              </a:defRPr>
-            </a:lvl6pPr>
-            <a:lvl7pPr marL="2971800" indent="-228600" algn="l" defTabSz="457200" rtl="0" eaLnBrk="1" latinLnBrk="0" hangingPunct="1">
-              <a:spcBef>
-                <a:spcPct val="20000"/>
-              </a:spcBef>
-              <a:buFont typeface="Arial"/>
-              <a:buChar char="•"/>
-              <a:defRPr sz="2000" kern="1200">
-                <a:solidFill>
-                  <a:schemeClr val="tx1"/>
-                </a:solidFill>
-                <a:latin typeface="+mn-lt"/>
-                <a:ea typeface="+mn-ea"/>
-                <a:cs typeface="+mn-cs"/>
-              </a:defRPr>
-            </a:lvl7pPr>
-            <a:lvl8pPr marL="3429000" indent="-228600" algn="l" defTabSz="457200" rtl="0" eaLnBrk="1" latinLnBrk="0" hangingPunct="1">
-              <a:spcBef>
-                <a:spcPct val="20000"/>
-              </a:spcBef>
-              <a:buFont typeface="Arial"/>
-              <a:buChar char="•"/>
-              <a:defRPr sz="2000" kern="1200">
-                <a:solidFill>
-                  <a:schemeClr val="tx1"/>
-                </a:solidFill>
-                <a:latin typeface="+mn-lt"/>
-                <a:ea typeface="+mn-ea"/>
-                <a:cs typeface="+mn-cs"/>
-              </a:defRPr>
-            </a:lvl8pPr>
-            <a:lvl9pPr marL="3886200" indent="-228600" algn="l" defTabSz="457200" rtl="0" eaLnBrk="1" latinLnBrk="0" hangingPunct="1">
-              <a:spcBef>
-                <a:spcPct val="20000"/>
-              </a:spcBef>
-              <a:buFont typeface="Arial"/>
-              <a:buChar char="•"/>
-              <a:defRPr sz="2000" kern="1200">
-                <a:solidFill>
-                  <a:schemeClr val="tx1"/>
-                </a:solidFill>
-                <a:latin typeface="+mn-lt"/>
-                <a:ea typeface="+mn-ea"/>
-                <a:cs typeface="+mn-cs"/>
-              </a:defRPr>
-            </a:lvl9pPr>
-          </a:lstStyle>
-          <a:p>
-            <a:r>
-              <a:rPr lang="en-US" sz="4000" b="1" i="1" dirty="0">
-                <a:solidFill>
-                  <a:schemeClr val="bg1"/>
-                </a:solidFill>
-              </a:rPr>
-              <a:t>KISS</a:t>
-            </a:r>
-          </a:p>
-          <a:p>
-            <a:endParaRPr lang="en-US" sz="1800" dirty="0">
-              <a:solidFill>
-                <a:schemeClr val="bg1"/>
-              </a:solidFill>
-            </a:endParaRPr>
-          </a:p>
-          <a:p>
-            <a:endParaRPr lang="en-US" sz="1800" dirty="0">
-              <a:solidFill>
-                <a:schemeClr val="bg1"/>
-              </a:solidFill>
-            </a:endParaRPr>
-          </a:p>
-        </p:txBody>
-      </p:sp>
-      <p:sp>
-        <p:nvSpPr>
-          <p:cNvPr id="8" name="TextBox 7">
-            <a:extLst>
-              <a:ext uri="{FF2B5EF4-FFF2-40B4-BE49-F238E27FC236}">
-                <a16:creationId xmlns:a16="http://schemas.microsoft.com/office/drawing/2014/main" id="{0E25C1C8-AF88-4D36-83DC-EDB6F771A57B}"/>
-              </a:ext>
-            </a:extLst>
-          </p:cNvPr>
-          <p:cNvSpPr txBox="1"/>
-          <p:nvPr/>
-        </p:nvSpPr>
-        <p:spPr>
-          <a:xfrm>
-            <a:off x="621372" y="3073309"/>
-            <a:ext cx="8210747" cy="1938992"/>
-          </a:xfrm>
-          <a:prstGeom prst="rect">
-            <a:avLst/>
-          </a:prstGeom>
-          <a:noFill/>
-        </p:spPr>
-        <p:txBody>
-          <a:bodyPr wrap="square" rtlCol="0">
-            <a:spAutoFit/>
-          </a:bodyPr>
-          <a:lstStyle/>
-          <a:p>
-            <a:endParaRPr lang="en-GB" sz="1600" dirty="0">
-              <a:solidFill>
-                <a:schemeClr val="bg1"/>
-              </a:solidFill>
-              <a:latin typeface="Chronicle Display" pitchFamily="50" charset="0"/>
-            </a:endParaRPr>
-          </a:p>
-          <a:p>
-            <a:r>
-              <a:rPr lang="en-GB" sz="2400" b="1" i="1" dirty="0">
-                <a:solidFill>
-                  <a:schemeClr val="bg1"/>
-                </a:solidFill>
-                <a:latin typeface="Chronicle Display" pitchFamily="50" charset="0"/>
-              </a:rPr>
-              <a:t>Keep It Simple Stupid.</a:t>
-            </a:r>
-          </a:p>
-          <a:p>
-            <a:endParaRPr lang="en-GB" sz="1600" b="1" i="1" dirty="0">
-              <a:solidFill>
-                <a:schemeClr val="bg1"/>
-              </a:solidFill>
-              <a:latin typeface="Chronicle Display" pitchFamily="50" charset="0"/>
-            </a:endParaRPr>
-          </a:p>
-          <a:p>
-            <a:endParaRPr lang="en-GB" sz="1600" dirty="0">
-              <a:solidFill>
-                <a:schemeClr val="bg1"/>
-              </a:solidFill>
-              <a:latin typeface="Chronicle Display" pitchFamily="50" charset="0"/>
-            </a:endParaRPr>
-          </a:p>
-          <a:p>
-            <a:r>
-              <a:rPr lang="en-GB" sz="1600" dirty="0">
-                <a:solidFill>
-                  <a:schemeClr val="bg1"/>
-                </a:solidFill>
-                <a:latin typeface="Chronicle Display" pitchFamily="50" charset="0"/>
-              </a:rPr>
-              <a:t>The most systems work best if they are kept simple rather then made complicated</a:t>
-            </a:r>
-          </a:p>
-          <a:p>
-            <a:endParaRPr lang="en-GB" sz="1600" dirty="0">
-              <a:solidFill>
-                <a:schemeClr val="bg1"/>
-              </a:solidFill>
-              <a:latin typeface="Chronicle Display" pitchFamily="50" charset="0"/>
-            </a:endParaRPr>
-          </a:p>
-          <a:p>
-            <a:r>
-              <a:rPr lang="en-GB" sz="1600" dirty="0">
-                <a:solidFill>
-                  <a:schemeClr val="bg1"/>
-                </a:solidFill>
-                <a:latin typeface="Chronicle Display" pitchFamily="50" charset="0"/>
-              </a:rPr>
-              <a:t>Avoid OVER-ENGINEERING</a:t>
-            </a:r>
-            <a:endParaRPr lang="en-GB" sz="1600" b="1" i="1" dirty="0">
-              <a:solidFill>
-                <a:schemeClr val="bg1"/>
-              </a:solidFill>
-              <a:latin typeface="Chronicle Display" pitchFamily="50" charset="0"/>
-            </a:endParaRPr>
-          </a:p>
-        </p:txBody>
-      </p:sp>
-    </p:spTree>
-    <p:extLst>
-      <p:ext uri="{BB962C8B-B14F-4D97-AF65-F5344CB8AC3E}">
-        <p14:creationId xmlns:p14="http://schemas.microsoft.com/office/powerpoint/2010/main" val="1712401196"/>
-      </p:ext>
-    </p:extLst>
-  </p:cSld>
-  <p:clrMapOvr>
-    <a:masterClrMapping/>
-  </p:clrMapOvr>
-  <p:timing>
-    <p:tnLst>
-      <p:par>
-        <p:cTn id="1" dur="indefinite" restart="never" nodeType="tmRoot">
-          <p:childTnLst>
-            <p:seq concurrent="1" nextAc="seek">
-              <p:cTn id="2" dur="indefinite" nodeType="mainSeq">
-                <p:childTnLst>
-                  <p:par>
-                    <p:cTn id="3" fill="hold">
-                      <p:stCondLst>
-                        <p:cond delay="indefinite"/>
-                      </p:stCondLst>
-                      <p:childTnLst>
-                        <p:par>
-                          <p:cTn id="4" fill="hold">
-                            <p:stCondLst>
-                              <p:cond delay="0"/>
-                            </p:stCondLst>
-                            <p:childTnLst>
-                              <p:par>
-                                <p:cTn id="5" presetID="10" presetClass="entr" presetSubtype="0" fill="hold" grpId="0" nodeType="clickEffect">
-                                  <p:stCondLst>
-                                    <p:cond delay="0"/>
-                                  </p:stCondLst>
-                                  <p:childTnLst>
-                                    <p:set>
-                                      <p:cBhvr>
-                                        <p:cTn id="6" dur="1" fill="hold">
-                                          <p:stCondLst>
-                                            <p:cond delay="0"/>
-                                          </p:stCondLst>
-                                        </p:cTn>
-                                        <p:tgtEl>
-                                          <p:spTgt spid="8"/>
-                                        </p:tgtEl>
-                                        <p:attrNameLst>
-                                          <p:attrName>style.visibility</p:attrName>
-                                        </p:attrNameLst>
-                                      </p:cBhvr>
-                                      <p:to>
-                                        <p:strVal val="visible"/>
-                                      </p:to>
-                                    </p:set>
-                                    <p:animEffect transition="in" filter="fade">
-                                      <p:cBhvr>
-                                        <p:cTn id="7" dur="500"/>
-                                        <p:tgtEl>
-                                          <p:spTgt spid="8"/>
-                                        </p:tgtEl>
-                                      </p:cBhvr>
-                                    </p:animEffect>
-                                  </p:childTnLst>
-                                </p:cTn>
-                              </p:par>
-                            </p:childTnLst>
-                          </p:cTn>
-                        </p:par>
-                      </p:childTnLst>
-                    </p:cTn>
-                  </p:par>
-                </p:childTnLst>
-              </p:cTn>
-              <p:prevCondLst>
-                <p:cond evt="onPrev" delay="0">
-                  <p:tgtEl>
-                    <p:sldTgt/>
-                  </p:tgtEl>
-                </p:cond>
-              </p:prevCondLst>
-              <p:nextCondLst>
-                <p:cond evt="onNext" delay="0">
-                  <p:tgtEl>
-                    <p:sldTgt/>
-                  </p:tgtEl>
-                </p:cond>
-              </p:nextCondLst>
-            </p:seq>
-          </p:childTnLst>
-        </p:cTn>
-      </p:par>
-    </p:tnLst>
-    <p:bldLst>
-      <p:bldP spid="8" grpId="0"/>
-    </p:bldLst>
-  </p:timing>
-</p:sld>
-</file>
-
-<file path=ppt/slides/slide35.xml><?xml version="1.0" encoding="utf-8"?>
-<p:sld xmlns:a="http://schemas.openxmlformats.org/drawingml/2006/main" xmlns:r="http://schemas.openxmlformats.org/officeDocument/2006/relationships" xmlns:p="http://schemas.openxmlformats.org/presentationml/2006/main">
-  <p:cSld>
-    <p:spTree>
-      <p:nvGrpSpPr>
-        <p:cNvPr id="1" name=""/>
-        <p:cNvGrpSpPr/>
-        <p:nvPr/>
-      </p:nvGrpSpPr>
-      <p:grpSpPr>
-        <a:xfrm>
-          <a:off x="0" y="0"/>
-          <a:ext cx="0" cy="0"/>
-          <a:chOff x="0" y="0"/>
-          <a:chExt cx="0" cy="0"/>
-        </a:xfrm>
-      </p:grpSpPr>
-      <p:sp>
-        <p:nvSpPr>
-          <p:cNvPr id="2" name="Text Placeholder 1"/>
-          <p:cNvSpPr>
-            <a:spLocks noGrp="1"/>
-          </p:cNvSpPr>
-          <p:nvPr>
-            <p:ph type="body" sz="quarter" idx="11"/>
-          </p:nvPr>
-        </p:nvSpPr>
-        <p:spPr>
-          <a:xfrm>
-            <a:off x="328613" y="1079048"/>
-            <a:ext cx="8401246" cy="758066"/>
-          </a:xfrm>
-        </p:spPr>
-        <p:txBody>
-          <a:bodyPr/>
-          <a:lstStyle/>
-          <a:p>
-            <a:r>
-              <a:rPr lang="en-US" dirty="0">
-                <a:solidFill>
-                  <a:schemeClr val="bg1"/>
-                </a:solidFill>
-              </a:rPr>
-              <a:t>Practical Principles</a:t>
-            </a:r>
-          </a:p>
-          <a:p>
-            <a:endParaRPr lang="en-US" dirty="0">
-              <a:solidFill>
-                <a:schemeClr val="bg1"/>
-              </a:solidFill>
-            </a:endParaRPr>
-          </a:p>
-        </p:txBody>
-      </p:sp>
-      <p:sp>
-        <p:nvSpPr>
-          <p:cNvPr id="4" name="Text Placeholder 1">
-            <a:extLst>
-              <a:ext uri="{FF2B5EF4-FFF2-40B4-BE49-F238E27FC236}">
-                <a16:creationId xmlns:a16="http://schemas.microsoft.com/office/drawing/2014/main" id="{A1711C96-B1AA-4CCD-BBA0-0AA74FBE74C0}"/>
-              </a:ext>
-            </a:extLst>
-          </p:cNvPr>
-          <p:cNvSpPr txBox="1">
-            <a:spLocks/>
-          </p:cNvSpPr>
-          <p:nvPr/>
-        </p:nvSpPr>
-        <p:spPr>
-          <a:xfrm>
-            <a:off x="328613" y="2402993"/>
-            <a:ext cx="8401246" cy="485802"/>
-          </a:xfrm>
-          <a:prstGeom prst="rect">
-            <a:avLst/>
-          </a:prstGeom>
-        </p:spPr>
-        <p:txBody>
-          <a:bodyPr vert="horz"/>
-          <a:lstStyle>
-            <a:lvl1pPr marL="0" indent="0" algn="l" defTabSz="457200" rtl="0" eaLnBrk="1" latinLnBrk="0" hangingPunct="1">
-              <a:spcBef>
-                <a:spcPct val="20000"/>
-              </a:spcBef>
-              <a:buFontTx/>
-              <a:buNone/>
-              <a:defRPr sz="4200" b="0" i="0" kern="1200" baseline="0">
-                <a:solidFill>
-                  <a:schemeClr val="tx1"/>
-                </a:solidFill>
-                <a:latin typeface="Chronicle Display Light"/>
-                <a:ea typeface="+mn-ea"/>
-                <a:cs typeface="+mn-cs"/>
-              </a:defRPr>
-            </a:lvl1pPr>
-            <a:lvl2pPr marL="742950" indent="-285750" algn="l" defTabSz="457200" rtl="0" eaLnBrk="1" latinLnBrk="0" hangingPunct="1">
-              <a:spcBef>
-                <a:spcPct val="20000"/>
-              </a:spcBef>
-              <a:buFont typeface="Arial"/>
-              <a:buChar char="–"/>
-              <a:defRPr sz="2800" kern="1200">
-                <a:solidFill>
-                  <a:schemeClr val="tx1"/>
-                </a:solidFill>
-                <a:latin typeface="+mn-lt"/>
-                <a:ea typeface="+mn-ea"/>
-                <a:cs typeface="+mn-cs"/>
-              </a:defRPr>
-            </a:lvl2pPr>
-            <a:lvl3pPr marL="1143000" indent="-228600" algn="l" defTabSz="457200" rtl="0" eaLnBrk="1" latinLnBrk="0" hangingPunct="1">
-              <a:spcBef>
-                <a:spcPct val="20000"/>
-              </a:spcBef>
-              <a:buFont typeface="Arial"/>
-              <a:buChar char="•"/>
-              <a:defRPr sz="2400" kern="1200">
-                <a:solidFill>
-                  <a:schemeClr val="tx1"/>
-                </a:solidFill>
-                <a:latin typeface="+mn-lt"/>
-                <a:ea typeface="+mn-ea"/>
-                <a:cs typeface="+mn-cs"/>
-              </a:defRPr>
-            </a:lvl3pPr>
-            <a:lvl4pPr marL="1600200" indent="-228600" algn="l" defTabSz="457200" rtl="0" eaLnBrk="1" latinLnBrk="0" hangingPunct="1">
-              <a:spcBef>
-                <a:spcPct val="20000"/>
-              </a:spcBef>
-              <a:buFont typeface="Arial"/>
-              <a:buChar char="–"/>
-              <a:defRPr sz="2000" kern="1200">
-                <a:solidFill>
-                  <a:schemeClr val="tx1"/>
-                </a:solidFill>
-                <a:latin typeface="+mn-lt"/>
-                <a:ea typeface="+mn-ea"/>
-                <a:cs typeface="+mn-cs"/>
-              </a:defRPr>
-            </a:lvl4pPr>
-            <a:lvl5pPr marL="2057400" indent="-228600" algn="l" defTabSz="457200" rtl="0" eaLnBrk="1" latinLnBrk="0" hangingPunct="1">
-              <a:spcBef>
-                <a:spcPct val="20000"/>
-              </a:spcBef>
-              <a:buFont typeface="Arial"/>
-              <a:buChar char="»"/>
-              <a:defRPr sz="2000" kern="1200">
-                <a:solidFill>
-                  <a:schemeClr val="tx1"/>
-                </a:solidFill>
-                <a:latin typeface="+mn-lt"/>
-                <a:ea typeface="+mn-ea"/>
-                <a:cs typeface="+mn-cs"/>
-              </a:defRPr>
-            </a:lvl5pPr>
-            <a:lvl6pPr marL="2514600" indent="-228600" algn="l" defTabSz="457200" rtl="0" eaLnBrk="1" latinLnBrk="0" hangingPunct="1">
-              <a:spcBef>
-                <a:spcPct val="20000"/>
-              </a:spcBef>
-              <a:buFont typeface="Arial"/>
-              <a:buChar char="•"/>
-              <a:defRPr sz="2000" kern="1200">
-                <a:solidFill>
-                  <a:schemeClr val="tx1"/>
-                </a:solidFill>
-                <a:latin typeface="+mn-lt"/>
-                <a:ea typeface="+mn-ea"/>
-                <a:cs typeface="+mn-cs"/>
-              </a:defRPr>
-            </a:lvl6pPr>
-            <a:lvl7pPr marL="2971800" indent="-228600" algn="l" defTabSz="457200" rtl="0" eaLnBrk="1" latinLnBrk="0" hangingPunct="1">
-              <a:spcBef>
-                <a:spcPct val="20000"/>
-              </a:spcBef>
-              <a:buFont typeface="Arial"/>
-              <a:buChar char="•"/>
-              <a:defRPr sz="2000" kern="1200">
-                <a:solidFill>
-                  <a:schemeClr val="tx1"/>
-                </a:solidFill>
-                <a:latin typeface="+mn-lt"/>
-                <a:ea typeface="+mn-ea"/>
-                <a:cs typeface="+mn-cs"/>
-              </a:defRPr>
-            </a:lvl7pPr>
-            <a:lvl8pPr marL="3429000" indent="-228600" algn="l" defTabSz="457200" rtl="0" eaLnBrk="1" latinLnBrk="0" hangingPunct="1">
-              <a:spcBef>
-                <a:spcPct val="20000"/>
-              </a:spcBef>
-              <a:buFont typeface="Arial"/>
-              <a:buChar char="•"/>
-              <a:defRPr sz="2000" kern="1200">
-                <a:solidFill>
-                  <a:schemeClr val="tx1"/>
-                </a:solidFill>
-                <a:latin typeface="+mn-lt"/>
-                <a:ea typeface="+mn-ea"/>
-                <a:cs typeface="+mn-cs"/>
-              </a:defRPr>
-            </a:lvl8pPr>
-            <a:lvl9pPr marL="3886200" indent="-228600" algn="l" defTabSz="457200" rtl="0" eaLnBrk="1" latinLnBrk="0" hangingPunct="1">
-              <a:spcBef>
-                <a:spcPct val="20000"/>
-              </a:spcBef>
-              <a:buFont typeface="Arial"/>
-              <a:buChar char="•"/>
-              <a:defRPr sz="2000" kern="1200">
-                <a:solidFill>
-                  <a:schemeClr val="tx1"/>
-                </a:solidFill>
-                <a:latin typeface="+mn-lt"/>
-                <a:ea typeface="+mn-ea"/>
-                <a:cs typeface="+mn-cs"/>
-              </a:defRPr>
-            </a:lvl9pPr>
-          </a:lstStyle>
-          <a:p>
-            <a:r>
-              <a:rPr lang="en-US" sz="4000" b="1" i="1" dirty="0">
-                <a:solidFill>
-                  <a:schemeClr val="bg1"/>
-                </a:solidFill>
-              </a:rPr>
-              <a:t>YAGNI</a:t>
-            </a:r>
-          </a:p>
-          <a:p>
-            <a:endParaRPr lang="en-US" sz="1800" dirty="0">
-              <a:solidFill>
-                <a:schemeClr val="bg1"/>
-              </a:solidFill>
-            </a:endParaRPr>
-          </a:p>
-          <a:p>
-            <a:endParaRPr lang="en-US" sz="1800" dirty="0">
-              <a:solidFill>
-                <a:schemeClr val="bg1"/>
-              </a:solidFill>
-            </a:endParaRPr>
-          </a:p>
-        </p:txBody>
-      </p:sp>
-      <p:sp>
-        <p:nvSpPr>
-          <p:cNvPr id="6" name="TextBox 5">
-            <a:extLst>
-              <a:ext uri="{FF2B5EF4-FFF2-40B4-BE49-F238E27FC236}">
-                <a16:creationId xmlns:a16="http://schemas.microsoft.com/office/drawing/2014/main" id="{055ABF08-109E-4841-8F1D-B16DF2A5E818}"/>
-              </a:ext>
-            </a:extLst>
-          </p:cNvPr>
-          <p:cNvSpPr txBox="1"/>
-          <p:nvPr/>
-        </p:nvSpPr>
-        <p:spPr>
-          <a:xfrm>
-            <a:off x="599630" y="3333139"/>
-            <a:ext cx="8210747" cy="2431435"/>
-          </a:xfrm>
-          <a:prstGeom prst="rect">
-            <a:avLst/>
-          </a:prstGeom>
-          <a:noFill/>
-        </p:spPr>
-        <p:txBody>
-          <a:bodyPr wrap="square" rtlCol="0">
-            <a:spAutoFit/>
-          </a:bodyPr>
-          <a:lstStyle/>
-          <a:p>
-            <a:endParaRPr lang="en-GB" sz="1600" dirty="0">
-              <a:solidFill>
-                <a:schemeClr val="bg1"/>
-              </a:solidFill>
-              <a:latin typeface="Chronicle Display" pitchFamily="50" charset="0"/>
-            </a:endParaRPr>
-          </a:p>
-          <a:p>
-            <a:r>
-              <a:rPr lang="en-GB" sz="2400" b="1" i="1" dirty="0">
-                <a:solidFill>
-                  <a:schemeClr val="bg1"/>
-                </a:solidFill>
-                <a:latin typeface="Chronicle Display" pitchFamily="50" charset="0"/>
-              </a:rPr>
-              <a:t>You Aren’t </a:t>
-            </a:r>
-            <a:r>
-              <a:rPr lang="en-GB" sz="2400" b="1" i="1" dirty="0" err="1">
-                <a:solidFill>
-                  <a:schemeClr val="bg1"/>
-                </a:solidFill>
-                <a:latin typeface="Chronicle Display" pitchFamily="50" charset="0"/>
-              </a:rPr>
-              <a:t>Gonna</a:t>
-            </a:r>
-            <a:r>
-              <a:rPr lang="en-GB" sz="2400" b="1" i="1" dirty="0">
-                <a:solidFill>
-                  <a:schemeClr val="bg1"/>
-                </a:solidFill>
-                <a:latin typeface="Chronicle Display" pitchFamily="50" charset="0"/>
-              </a:rPr>
-              <a:t> Need It.</a:t>
-            </a:r>
-          </a:p>
-          <a:p>
-            <a:endParaRPr lang="en-GB" sz="1600" b="1" i="1" dirty="0">
-              <a:solidFill>
-                <a:schemeClr val="bg1"/>
-              </a:solidFill>
-              <a:latin typeface="Chronicle Display" pitchFamily="50" charset="0"/>
-            </a:endParaRPr>
-          </a:p>
-          <a:p>
-            <a:r>
-              <a:rPr lang="en-GB" sz="1600" dirty="0">
-                <a:solidFill>
-                  <a:schemeClr val="bg1"/>
-                </a:solidFill>
-                <a:latin typeface="Chronicle Display" pitchFamily="50" charset="0"/>
-              </a:rPr>
-              <a:t>If you don’t need it don’t do it</a:t>
-            </a:r>
-          </a:p>
-          <a:p>
-            <a:endParaRPr lang="en-GB" sz="1600" dirty="0">
-              <a:solidFill>
-                <a:schemeClr val="bg1"/>
-              </a:solidFill>
-              <a:latin typeface="Chronicle Display" pitchFamily="50" charset="0"/>
-            </a:endParaRPr>
-          </a:p>
-          <a:p>
-            <a:r>
-              <a:rPr lang="en-GB" sz="1600" dirty="0">
-                <a:solidFill>
-                  <a:schemeClr val="bg1"/>
-                </a:solidFill>
-                <a:latin typeface="Chronicle Display" pitchFamily="50" charset="0"/>
-              </a:rPr>
-              <a:t>Avoid OVER-ENGINEERING</a:t>
-            </a:r>
-          </a:p>
-          <a:p>
-            <a:endParaRPr lang="en-GB" sz="1600" b="1" i="1" dirty="0">
-              <a:solidFill>
-                <a:schemeClr val="bg1"/>
-              </a:solidFill>
-              <a:latin typeface="Chronicle Display" pitchFamily="50" charset="0"/>
-            </a:endParaRPr>
-          </a:p>
-          <a:p>
-            <a:r>
-              <a:rPr lang="en-GB" sz="1600" b="1" i="1" dirty="0">
-                <a:solidFill>
-                  <a:schemeClr val="bg1"/>
-                </a:solidFill>
-                <a:latin typeface="Chronicle Display" pitchFamily="50" charset="0"/>
-              </a:rPr>
-              <a:t>https://martinfowler.com/bliki/Yagni.html</a:t>
-            </a:r>
-          </a:p>
-          <a:p>
-            <a:endParaRPr lang="en-GB" sz="1600" dirty="0">
-              <a:solidFill>
-                <a:schemeClr val="bg1"/>
-              </a:solidFill>
-              <a:latin typeface="Chronicle Display" pitchFamily="50" charset="0"/>
-            </a:endParaRPr>
-          </a:p>
-        </p:txBody>
-      </p:sp>
-    </p:spTree>
-    <p:extLst>
-      <p:ext uri="{BB962C8B-B14F-4D97-AF65-F5344CB8AC3E}">
-        <p14:creationId xmlns:p14="http://schemas.microsoft.com/office/powerpoint/2010/main" val="2768036412"/>
-      </p:ext>
-    </p:extLst>
-  </p:cSld>
-  <p:clrMapOvr>
-    <a:masterClrMapping/>
-  </p:clrMapOvr>
-  <p:timing>
-    <p:tnLst>
-      <p:par>
-        <p:cTn id="1" dur="indefinite" restart="never" nodeType="tmRoot">
-          <p:childTnLst>
-            <p:seq concurrent="1" nextAc="seek">
-              <p:cTn id="2" dur="indefinite" nodeType="mainSeq">
-                <p:childTnLst>
-                  <p:par>
-                    <p:cTn id="3" fill="hold">
-                      <p:stCondLst>
-                        <p:cond delay="indefinite"/>
-                      </p:stCondLst>
-                      <p:childTnLst>
-                        <p:par>
-                          <p:cTn id="4" fill="hold">
-                            <p:stCondLst>
-                              <p:cond delay="0"/>
-                            </p:stCondLst>
-                            <p:childTnLst>
-                              <p:par>
-                                <p:cTn id="5" presetID="10" presetClass="entr" presetSubtype="0" fill="hold" grpId="0" nodeType="clickEffect">
-                                  <p:stCondLst>
-                                    <p:cond delay="0"/>
-                                  </p:stCondLst>
-                                  <p:childTnLst>
-                                    <p:set>
-                                      <p:cBhvr>
-                                        <p:cTn id="6" dur="1" fill="hold">
-                                          <p:stCondLst>
-                                            <p:cond delay="0"/>
-                                          </p:stCondLst>
-                                        </p:cTn>
-                                        <p:tgtEl>
-                                          <p:spTgt spid="6"/>
-                                        </p:tgtEl>
-                                        <p:attrNameLst>
-                                          <p:attrName>style.visibility</p:attrName>
-                                        </p:attrNameLst>
-                                      </p:cBhvr>
-                                      <p:to>
-                                        <p:strVal val="visible"/>
-                                      </p:to>
-                                    </p:set>
-                                    <p:animEffect transition="in" filter="fade">
-                                      <p:cBhvr>
-                                        <p:cTn id="7" dur="500"/>
-                                        <p:tgtEl>
-                                          <p:spTgt spid="6"/>
-                                        </p:tgtEl>
-                                      </p:cBhvr>
-                                    </p:animEffect>
-                                  </p:childTnLst>
-                                </p:cTn>
-                              </p:par>
-                            </p:childTnLst>
-                          </p:cTn>
-                        </p:par>
-                      </p:childTnLst>
-                    </p:cTn>
-                  </p:par>
-                </p:childTnLst>
-              </p:cTn>
-              <p:prevCondLst>
-                <p:cond evt="onPrev" delay="0">
-                  <p:tgtEl>
-                    <p:sldTgt/>
-                  </p:tgtEl>
-                </p:cond>
-              </p:prevCondLst>
-              <p:nextCondLst>
-                <p:cond evt="onNext" delay="0">
-                  <p:tgtEl>
-                    <p:sldTgt/>
-                  </p:tgtEl>
-                </p:cond>
-              </p:nextCondLst>
-            </p:seq>
-          </p:childTnLst>
-        </p:cTn>
-      </p:par>
-    </p:tnLst>
-    <p:bldLst>
-      <p:bldP spid="6" grpId="0"/>
-    </p:bldLst>
-  </p:timing>
-</p:sld>
-</file>
-
-<file path=ppt/slides/slide36.xml><?xml version="1.0" encoding="utf-8"?>
-<p:sld xmlns:a="http://schemas.openxmlformats.org/drawingml/2006/main" xmlns:r="http://schemas.openxmlformats.org/officeDocument/2006/relationships" xmlns:p="http://schemas.openxmlformats.org/presentationml/2006/main">
-  <p:cSld>
-    <p:spTree>
-      <p:nvGrpSpPr>
-        <p:cNvPr id="1" name=""/>
-        <p:cNvGrpSpPr/>
-        <p:nvPr/>
-      </p:nvGrpSpPr>
-      <p:grpSpPr>
-        <a:xfrm>
-          <a:off x="0" y="0"/>
-          <a:ext cx="0" cy="0"/>
-          <a:chOff x="0" y="0"/>
-          <a:chExt cx="0" cy="0"/>
-        </a:xfrm>
-      </p:grpSpPr>
-      <p:sp>
-        <p:nvSpPr>
-          <p:cNvPr id="2" name="Text Placeholder 1"/>
-          <p:cNvSpPr>
-            <a:spLocks noGrp="1"/>
-          </p:cNvSpPr>
-          <p:nvPr>
-            <p:ph type="body" sz="quarter" idx="11"/>
-          </p:nvPr>
-        </p:nvSpPr>
         <p:spPr>
           <a:xfrm>
             <a:off x="328613" y="1079047"/>
@@ -14574,7 +16214,7 @@
 </p:sld>
 </file>
 
-<file path=ppt/slides/slide37.xml><?xml version="1.0" encoding="utf-8"?>
+<file path=ppt/slides/slide41.xml><?xml version="1.0" encoding="utf-8"?>
 <p:sld xmlns:a="http://schemas.openxmlformats.org/drawingml/2006/main" xmlns:r="http://schemas.openxmlformats.org/officeDocument/2006/relationships" xmlns:p="http://schemas.openxmlformats.org/presentationml/2006/main">
   <p:cSld>
     <p:spTree>
@@ -15332,7 +16972,7 @@
 </p:sld>
 </file>
 
-<file path=ppt/slides/slide38.xml><?xml version="1.0" encoding="utf-8"?>
+<file path=ppt/slides/slide42.xml><?xml version="1.0" encoding="utf-8"?>
 <p:sld xmlns:a="http://schemas.openxmlformats.org/drawingml/2006/main" xmlns:r="http://schemas.openxmlformats.org/officeDocument/2006/relationships" xmlns:p="http://schemas.openxmlformats.org/presentationml/2006/main">
   <p:cSld>
     <p:spTree>
@@ -16034,7 +17674,7 @@
 </p:sld>
 </file>
 
-<file path=ppt/slides/slide39.xml><?xml version="1.0" encoding="utf-8"?>
+<file path=ppt/slides/slide43.xml><?xml version="1.0" encoding="utf-8"?>
 <p:sld xmlns:a="http://schemas.openxmlformats.org/drawingml/2006/main" xmlns:r="http://schemas.openxmlformats.org/officeDocument/2006/relationships" xmlns:p="http://schemas.openxmlformats.org/presentationml/2006/main">
   <p:cSld>
     <p:spTree>
@@ -17063,342 +18703,7 @@
 </p:sld>
 </file>
 
-<file path=ppt/slides/slide4.xml><?xml version="1.0" encoding="utf-8"?>
-<p:sld xmlns:a="http://schemas.openxmlformats.org/drawingml/2006/main" xmlns:r="http://schemas.openxmlformats.org/officeDocument/2006/relationships" xmlns:p="http://schemas.openxmlformats.org/presentationml/2006/main">
-  <p:cSld>
-    <p:spTree>
-      <p:nvGrpSpPr>
-        <p:cNvPr id="1" name=""/>
-        <p:cNvGrpSpPr/>
-        <p:nvPr/>
-      </p:nvGrpSpPr>
-      <p:grpSpPr>
-        <a:xfrm>
-          <a:off x="0" y="0"/>
-          <a:ext cx="0" cy="0"/>
-          <a:chOff x="0" y="0"/>
-          <a:chExt cx="0" cy="0"/>
-        </a:xfrm>
-      </p:grpSpPr>
-      <p:sp>
-        <p:nvSpPr>
-          <p:cNvPr id="2" name="Text Placeholder 1"/>
-          <p:cNvSpPr>
-            <a:spLocks noGrp="1"/>
-          </p:cNvSpPr>
-          <p:nvPr>
-            <p:ph type="body" sz="quarter" idx="11"/>
-          </p:nvPr>
-        </p:nvSpPr>
-        <p:spPr>
-          <a:xfrm>
-            <a:off x="328613" y="1079047"/>
-            <a:ext cx="8401246" cy="733025"/>
-          </a:xfrm>
-        </p:spPr>
-        <p:txBody>
-          <a:bodyPr/>
-          <a:lstStyle/>
-          <a:p>
-            <a:r>
-              <a:rPr lang="en-US" dirty="0">
-                <a:solidFill>
-                  <a:schemeClr val="bg1"/>
-                </a:solidFill>
-              </a:rPr>
-              <a:t>SRP Single Responsibility Principle</a:t>
-            </a:r>
-          </a:p>
-          <a:p>
-            <a:endParaRPr lang="en-US" dirty="0">
-              <a:solidFill>
-                <a:schemeClr val="bg1"/>
-              </a:solidFill>
-            </a:endParaRPr>
-          </a:p>
-          <a:p>
-            <a:endParaRPr lang="en-US" dirty="0">
-              <a:solidFill>
-                <a:schemeClr val="bg1"/>
-              </a:solidFill>
-            </a:endParaRPr>
-          </a:p>
-        </p:txBody>
-      </p:sp>
-      <p:sp>
-        <p:nvSpPr>
-          <p:cNvPr id="5" name="TextBox 4"/>
-          <p:cNvSpPr txBox="1"/>
-          <p:nvPr/>
-        </p:nvSpPr>
-        <p:spPr>
-          <a:xfrm>
-            <a:off x="519112" y="2273327"/>
-            <a:ext cx="8210747" cy="830997"/>
-          </a:xfrm>
-          <a:prstGeom prst="rect">
-            <a:avLst/>
-          </a:prstGeom>
-          <a:noFill/>
-        </p:spPr>
-        <p:txBody>
-          <a:bodyPr wrap="square" rtlCol="0">
-            <a:spAutoFit/>
-          </a:bodyPr>
-          <a:lstStyle/>
-          <a:p>
-            <a:r>
-              <a:rPr lang="en-GB" sz="2400" b="1" i="1" dirty="0">
-                <a:solidFill>
-                  <a:schemeClr val="bg1"/>
-                </a:solidFill>
-                <a:latin typeface="Chronicle Display" pitchFamily="50" charset="0"/>
-              </a:rPr>
-              <a:t>Class should have one and only one reason to change, meaning a class should have only one job.</a:t>
-            </a:r>
-            <a:endParaRPr lang="en-GB" sz="1600" b="1" i="1" dirty="0">
-              <a:solidFill>
-                <a:schemeClr val="bg1"/>
-              </a:solidFill>
-              <a:latin typeface="Chronicle Display" pitchFamily="50" charset="0"/>
-            </a:endParaRPr>
-          </a:p>
-        </p:txBody>
-      </p:sp>
-      <p:sp>
-        <p:nvSpPr>
-          <p:cNvPr id="4" name="TextBox 3">
-            <a:extLst>
-              <a:ext uri="{FF2B5EF4-FFF2-40B4-BE49-F238E27FC236}">
-                <a16:creationId xmlns:a16="http://schemas.microsoft.com/office/drawing/2014/main" id="{CACDD7B6-B52F-42DA-8565-DB28184EC313}"/>
-              </a:ext>
-            </a:extLst>
-          </p:cNvPr>
-          <p:cNvSpPr txBox="1"/>
-          <p:nvPr/>
-        </p:nvSpPr>
-        <p:spPr>
-          <a:xfrm>
-            <a:off x="519112" y="3753676"/>
-            <a:ext cx="8210747" cy="646331"/>
-          </a:xfrm>
-          <a:prstGeom prst="rect">
-            <a:avLst/>
-          </a:prstGeom>
-          <a:noFill/>
-        </p:spPr>
-        <p:txBody>
-          <a:bodyPr wrap="square" rtlCol="0">
-            <a:spAutoFit/>
-          </a:bodyPr>
-          <a:lstStyle/>
-          <a:p>
-            <a:r>
-              <a:rPr lang="en-GB" dirty="0">
-                <a:solidFill>
-                  <a:schemeClr val="bg1"/>
-                </a:solidFill>
-                <a:latin typeface="Chronicle Display" pitchFamily="50" charset="0"/>
-              </a:rPr>
-              <a:t>If a class has more then one responsibility, then the responsibilities become coupled. Changes to one responsibility may inhibit the class ability to meet the others.</a:t>
-            </a:r>
-          </a:p>
-        </p:txBody>
-      </p:sp>
-      <p:sp>
-        <p:nvSpPr>
-          <p:cNvPr id="6" name="TextBox 5">
-            <a:extLst>
-              <a:ext uri="{FF2B5EF4-FFF2-40B4-BE49-F238E27FC236}">
-                <a16:creationId xmlns:a16="http://schemas.microsoft.com/office/drawing/2014/main" id="{FBC81F2E-DDBC-4872-BD3D-991389FE157D}"/>
-              </a:ext>
-            </a:extLst>
-          </p:cNvPr>
-          <p:cNvSpPr txBox="1"/>
-          <p:nvPr/>
-        </p:nvSpPr>
-        <p:spPr>
-          <a:xfrm>
-            <a:off x="519111" y="4603694"/>
-            <a:ext cx="8210747" cy="646331"/>
-          </a:xfrm>
-          <a:prstGeom prst="rect">
-            <a:avLst/>
-          </a:prstGeom>
-          <a:noFill/>
-        </p:spPr>
-        <p:txBody>
-          <a:bodyPr wrap="square" rtlCol="0">
-            <a:spAutoFit/>
-          </a:bodyPr>
-          <a:lstStyle/>
-          <a:p>
-            <a:r>
-              <a:rPr lang="en-GB" dirty="0">
-                <a:solidFill>
-                  <a:schemeClr val="bg1"/>
-                </a:solidFill>
-                <a:latin typeface="Chronicle Display" pitchFamily="50" charset="0"/>
-              </a:rPr>
-              <a:t>The hardest thing is to detect the responsibilities of a class according with the reason to change</a:t>
-            </a:r>
-          </a:p>
-        </p:txBody>
-      </p:sp>
-    </p:spTree>
-    <p:extLst>
-      <p:ext uri="{BB962C8B-B14F-4D97-AF65-F5344CB8AC3E}">
-        <p14:creationId xmlns:p14="http://schemas.microsoft.com/office/powerpoint/2010/main" val="1699204522"/>
-      </p:ext>
-    </p:extLst>
-  </p:cSld>
-  <p:clrMapOvr>
-    <a:masterClrMapping/>
-  </p:clrMapOvr>
-  <p:timing>
-    <p:tnLst>
-      <p:par>
-        <p:cTn id="1" dur="indefinite" restart="never" nodeType="tmRoot">
-          <p:childTnLst>
-            <p:seq concurrent="1" nextAc="seek">
-              <p:cTn id="2" dur="indefinite" nodeType="mainSeq">
-                <p:childTnLst>
-                  <p:par>
-                    <p:cTn id="3" fill="hold">
-                      <p:stCondLst>
-                        <p:cond delay="indefinite"/>
-                      </p:stCondLst>
-                      <p:childTnLst>
-                        <p:par>
-                          <p:cTn id="4" fill="hold">
-                            <p:stCondLst>
-                              <p:cond delay="0"/>
-                            </p:stCondLst>
-                            <p:childTnLst>
-                              <p:par>
-                                <p:cTn id="5" presetID="10" presetClass="entr" presetSubtype="0" fill="hold" grpId="0" nodeType="clickEffect">
-                                  <p:stCondLst>
-                                    <p:cond delay="0"/>
-                                  </p:stCondLst>
-                                  <p:childTnLst>
-                                    <p:set>
-                                      <p:cBhvr>
-                                        <p:cTn id="6" dur="1" fill="hold">
-                                          <p:stCondLst>
-                                            <p:cond delay="0"/>
-                                          </p:stCondLst>
-                                        </p:cTn>
-                                        <p:tgtEl>
-                                          <p:spTgt spid="4"/>
-                                        </p:tgtEl>
-                                        <p:attrNameLst>
-                                          <p:attrName>style.visibility</p:attrName>
-                                        </p:attrNameLst>
-                                      </p:cBhvr>
-                                      <p:to>
-                                        <p:strVal val="visible"/>
-                                      </p:to>
-                                    </p:set>
-                                    <p:animEffect transition="in" filter="fade">
-                                      <p:cBhvr>
-                                        <p:cTn id="7" dur="500"/>
-                                        <p:tgtEl>
-                                          <p:spTgt spid="4"/>
-                                        </p:tgtEl>
-                                      </p:cBhvr>
-                                    </p:animEffect>
-                                  </p:childTnLst>
-                                </p:cTn>
-                              </p:par>
-                            </p:childTnLst>
-                          </p:cTn>
-                        </p:par>
-                      </p:childTnLst>
-                    </p:cTn>
-                  </p:par>
-                  <p:par>
-                    <p:cTn id="8" fill="hold">
-                      <p:stCondLst>
-                        <p:cond delay="indefinite"/>
-                      </p:stCondLst>
-                      <p:childTnLst>
-                        <p:par>
-                          <p:cTn id="9" fill="hold">
-                            <p:stCondLst>
-                              <p:cond delay="0"/>
-                            </p:stCondLst>
-                            <p:childTnLst>
-                              <p:par>
-                                <p:cTn id="10" presetID="10" presetClass="entr" presetSubtype="0" fill="hold" grpId="0" nodeType="clickEffect">
-                                  <p:stCondLst>
-                                    <p:cond delay="0"/>
-                                  </p:stCondLst>
-                                  <p:childTnLst>
-                                    <p:set>
-                                      <p:cBhvr>
-                                        <p:cTn id="11" dur="1" fill="hold">
-                                          <p:stCondLst>
-                                            <p:cond delay="0"/>
-                                          </p:stCondLst>
-                                        </p:cTn>
-                                        <p:tgtEl>
-                                          <p:spTgt spid="6"/>
-                                        </p:tgtEl>
-                                        <p:attrNameLst>
-                                          <p:attrName>style.visibility</p:attrName>
-                                        </p:attrNameLst>
-                                      </p:cBhvr>
-                                      <p:to>
-                                        <p:strVal val="visible"/>
-                                      </p:to>
-                                    </p:set>
-                                    <p:animEffect transition="in" filter="fade">
-                                      <p:cBhvr>
-                                        <p:cTn id="12" dur="500"/>
-                                        <p:tgtEl>
-                                          <p:spTgt spid="6"/>
-                                        </p:tgtEl>
-                                      </p:cBhvr>
-                                    </p:animEffect>
-                                  </p:childTnLst>
-                                </p:cTn>
-                              </p:par>
-                            </p:childTnLst>
-                          </p:cTn>
-                        </p:par>
-                      </p:childTnLst>
-                    </p:cTn>
-                  </p:par>
-                </p:childTnLst>
-              </p:cTn>
-              <p:prevCondLst>
-                <p:cond evt="onPrev" delay="0">
-                  <p:tgtEl>
-                    <p:sldTgt/>
-                  </p:tgtEl>
-                </p:cond>
-              </p:prevCondLst>
-              <p:nextCondLst>
-                <p:cond evt="onNext" delay="0">
-                  <p:tgtEl>
-                    <p:sldTgt/>
-                  </p:tgtEl>
-                </p:cond>
-              </p:nextCondLst>
-            </p:seq>
-          </p:childTnLst>
-        </p:cTn>
-      </p:par>
-    </p:tnLst>
-    <p:bldLst>
-      <p:bldP spid="4" grpId="0"/>
-      <p:bldP spid="6" grpId="0"/>
-    </p:bldLst>
-  </p:timing>
-</p:sld>
-</file>
-
-<file path=ppt/slides/slide40.xml><?xml version="1.0" encoding="utf-8"?>
+<file path=ppt/slides/slide44.xml><?xml version="1.0" encoding="utf-8"?>
 <p:sld xmlns:a="http://schemas.openxmlformats.org/drawingml/2006/main" xmlns:r="http://schemas.openxmlformats.org/officeDocument/2006/relationships" xmlns:p="http://schemas.openxmlformats.org/presentationml/2006/main">
   <p:cSld>
     <p:spTree>
@@ -18040,7 +19345,7 @@
 </p:sld>
 </file>
 
-<file path=ppt/slides/slide41.xml><?xml version="1.0" encoding="utf-8"?>
+<file path=ppt/slides/slide45.xml><?xml version="1.0" encoding="utf-8"?>
 <p:sld xmlns:a="http://schemas.openxmlformats.org/drawingml/2006/main" xmlns:r="http://schemas.openxmlformats.org/officeDocument/2006/relationships" xmlns:p="http://schemas.openxmlformats.org/presentationml/2006/main">
   <p:cSld>
     <p:spTree>
@@ -18829,7 +20134,7 @@
 </p:sld>
 </file>
 
-<file path=ppt/slides/slide42.xml><?xml version="1.0" encoding="utf-8"?>
+<file path=ppt/slides/slide46.xml><?xml version="1.0" encoding="utf-8"?>
 <p:sld xmlns:a="http://schemas.openxmlformats.org/drawingml/2006/main" xmlns:r="http://schemas.openxmlformats.org/officeDocument/2006/relationships" xmlns:p="http://schemas.openxmlformats.org/presentationml/2006/main">
   <p:cSld>
     <p:spTree>
@@ -20191,7 +21496,7 @@
 </p:sld>
 </file>
 
-<file path=ppt/slides/slide43.xml><?xml version="1.0" encoding="utf-8"?>
+<file path=ppt/slides/slide47.xml><?xml version="1.0" encoding="utf-8"?>
 <p:sld xmlns:a="http://schemas.openxmlformats.org/drawingml/2006/main" xmlns:r="http://schemas.openxmlformats.org/officeDocument/2006/relationships" xmlns:p="http://schemas.openxmlformats.org/presentationml/2006/main">
   <p:cSld>
     <p:spTree>
@@ -21089,7 +22394,7 @@
 </p:sld>
 </file>
 
-<file path=ppt/slides/slide44.xml><?xml version="1.0" encoding="utf-8"?>
+<file path=ppt/slides/slide48.xml><?xml version="1.0" encoding="utf-8"?>
 <p:sld xmlns:a="http://schemas.openxmlformats.org/drawingml/2006/main" xmlns:r="http://schemas.openxmlformats.org/officeDocument/2006/relationships" xmlns:p="http://schemas.openxmlformats.org/presentationml/2006/main">
   <p:cSld>
     <p:spTree>
@@ -22104,7 +23409,7 @@
 </p:sld>
 </file>
 
-<file path=ppt/slides/slide45.xml><?xml version="1.0" encoding="utf-8"?>
+<file path=ppt/slides/slide49.xml><?xml version="1.0" encoding="utf-8"?>
 <p:sld xmlns:a="http://schemas.openxmlformats.org/drawingml/2006/main" xmlns:r="http://schemas.openxmlformats.org/officeDocument/2006/relationships" xmlns:p="http://schemas.openxmlformats.org/presentationml/2006/main">
   <p:cSld>
     <p:spTree>
@@ -23097,7 +24402,342 @@
 </p:sld>
 </file>
 
-<file path=ppt/slides/slide46.xml><?xml version="1.0" encoding="utf-8"?>
+<file path=ppt/slides/slide5.xml><?xml version="1.0" encoding="utf-8"?>
+<p:sld xmlns:a="http://schemas.openxmlformats.org/drawingml/2006/main" xmlns:r="http://schemas.openxmlformats.org/officeDocument/2006/relationships" xmlns:p="http://schemas.openxmlformats.org/presentationml/2006/main">
+  <p:cSld>
+    <p:spTree>
+      <p:nvGrpSpPr>
+        <p:cNvPr id="1" name=""/>
+        <p:cNvGrpSpPr/>
+        <p:nvPr/>
+      </p:nvGrpSpPr>
+      <p:grpSpPr>
+        <a:xfrm>
+          <a:off x="0" y="0"/>
+          <a:ext cx="0" cy="0"/>
+          <a:chOff x="0" y="0"/>
+          <a:chExt cx="0" cy="0"/>
+        </a:xfrm>
+      </p:grpSpPr>
+      <p:sp>
+        <p:nvSpPr>
+          <p:cNvPr id="2" name="Text Placeholder 1"/>
+          <p:cNvSpPr>
+            <a:spLocks noGrp="1"/>
+          </p:cNvSpPr>
+          <p:nvPr>
+            <p:ph type="body" sz="quarter" idx="11"/>
+          </p:nvPr>
+        </p:nvSpPr>
+        <p:spPr>
+          <a:xfrm>
+            <a:off x="328613" y="1079047"/>
+            <a:ext cx="8401246" cy="733025"/>
+          </a:xfrm>
+        </p:spPr>
+        <p:txBody>
+          <a:bodyPr/>
+          <a:lstStyle/>
+          <a:p>
+            <a:r>
+              <a:rPr lang="en-US" dirty="0">
+                <a:solidFill>
+                  <a:schemeClr val="bg1"/>
+                </a:solidFill>
+              </a:rPr>
+              <a:t>SRP Single Responsibility Principle</a:t>
+            </a:r>
+          </a:p>
+          <a:p>
+            <a:endParaRPr lang="en-US" dirty="0">
+              <a:solidFill>
+                <a:schemeClr val="bg1"/>
+              </a:solidFill>
+            </a:endParaRPr>
+          </a:p>
+          <a:p>
+            <a:endParaRPr lang="en-US" dirty="0">
+              <a:solidFill>
+                <a:schemeClr val="bg1"/>
+              </a:solidFill>
+            </a:endParaRPr>
+          </a:p>
+        </p:txBody>
+      </p:sp>
+      <p:sp>
+        <p:nvSpPr>
+          <p:cNvPr id="5" name="TextBox 4"/>
+          <p:cNvSpPr txBox="1"/>
+          <p:nvPr/>
+        </p:nvSpPr>
+        <p:spPr>
+          <a:xfrm>
+            <a:off x="519112" y="2273327"/>
+            <a:ext cx="8210747" cy="830997"/>
+          </a:xfrm>
+          <a:prstGeom prst="rect">
+            <a:avLst/>
+          </a:prstGeom>
+          <a:noFill/>
+        </p:spPr>
+        <p:txBody>
+          <a:bodyPr wrap="square" rtlCol="0">
+            <a:spAutoFit/>
+          </a:bodyPr>
+          <a:lstStyle/>
+          <a:p>
+            <a:r>
+              <a:rPr lang="en-GB" sz="2400" b="1" i="1" dirty="0">
+                <a:solidFill>
+                  <a:schemeClr val="bg1"/>
+                </a:solidFill>
+                <a:latin typeface="Chronicle Display" pitchFamily="50" charset="0"/>
+              </a:rPr>
+              <a:t>Class should have one and only one reason to change, meaning a class should have only one job.</a:t>
+            </a:r>
+            <a:endParaRPr lang="en-GB" sz="1600" b="1" i="1" dirty="0">
+              <a:solidFill>
+                <a:schemeClr val="bg1"/>
+              </a:solidFill>
+              <a:latin typeface="Chronicle Display" pitchFamily="50" charset="0"/>
+            </a:endParaRPr>
+          </a:p>
+        </p:txBody>
+      </p:sp>
+      <p:sp>
+        <p:nvSpPr>
+          <p:cNvPr id="4" name="TextBox 3">
+            <a:extLst>
+              <a:ext uri="{FF2B5EF4-FFF2-40B4-BE49-F238E27FC236}">
+                <a16:creationId xmlns:a16="http://schemas.microsoft.com/office/drawing/2014/main" id="{CACDD7B6-B52F-42DA-8565-DB28184EC313}"/>
+              </a:ext>
+            </a:extLst>
+          </p:cNvPr>
+          <p:cNvSpPr txBox="1"/>
+          <p:nvPr/>
+        </p:nvSpPr>
+        <p:spPr>
+          <a:xfrm>
+            <a:off x="519112" y="3753676"/>
+            <a:ext cx="8210747" cy="646331"/>
+          </a:xfrm>
+          <a:prstGeom prst="rect">
+            <a:avLst/>
+          </a:prstGeom>
+          <a:noFill/>
+        </p:spPr>
+        <p:txBody>
+          <a:bodyPr wrap="square" rtlCol="0">
+            <a:spAutoFit/>
+          </a:bodyPr>
+          <a:lstStyle/>
+          <a:p>
+            <a:r>
+              <a:rPr lang="en-GB" dirty="0">
+                <a:solidFill>
+                  <a:schemeClr val="bg1"/>
+                </a:solidFill>
+                <a:latin typeface="Chronicle Display" pitchFamily="50" charset="0"/>
+              </a:rPr>
+              <a:t>If a class has more then one responsibility, then the responsibilities become coupled. Changes to one responsibility may inhibit the class ability to meet the others.</a:t>
+            </a:r>
+          </a:p>
+        </p:txBody>
+      </p:sp>
+      <p:sp>
+        <p:nvSpPr>
+          <p:cNvPr id="6" name="TextBox 5">
+            <a:extLst>
+              <a:ext uri="{FF2B5EF4-FFF2-40B4-BE49-F238E27FC236}">
+                <a16:creationId xmlns:a16="http://schemas.microsoft.com/office/drawing/2014/main" id="{FBC81F2E-DDBC-4872-BD3D-991389FE157D}"/>
+              </a:ext>
+            </a:extLst>
+          </p:cNvPr>
+          <p:cNvSpPr txBox="1"/>
+          <p:nvPr/>
+        </p:nvSpPr>
+        <p:spPr>
+          <a:xfrm>
+            <a:off x="519111" y="4603694"/>
+            <a:ext cx="8210747" cy="646331"/>
+          </a:xfrm>
+          <a:prstGeom prst="rect">
+            <a:avLst/>
+          </a:prstGeom>
+          <a:noFill/>
+        </p:spPr>
+        <p:txBody>
+          <a:bodyPr wrap="square" rtlCol="0">
+            <a:spAutoFit/>
+          </a:bodyPr>
+          <a:lstStyle/>
+          <a:p>
+            <a:r>
+              <a:rPr lang="en-GB" dirty="0">
+                <a:solidFill>
+                  <a:schemeClr val="bg1"/>
+                </a:solidFill>
+                <a:latin typeface="Chronicle Display" pitchFamily="50" charset="0"/>
+              </a:rPr>
+              <a:t>The hardest thing is to detect the responsibilities of a class according with the reason to change</a:t>
+            </a:r>
+          </a:p>
+        </p:txBody>
+      </p:sp>
+    </p:spTree>
+    <p:extLst>
+      <p:ext uri="{BB962C8B-B14F-4D97-AF65-F5344CB8AC3E}">
+        <p14:creationId xmlns:p14="http://schemas.microsoft.com/office/powerpoint/2010/main" val="1699204522"/>
+      </p:ext>
+    </p:extLst>
+  </p:cSld>
+  <p:clrMapOvr>
+    <a:masterClrMapping/>
+  </p:clrMapOvr>
+  <p:timing>
+    <p:tnLst>
+      <p:par>
+        <p:cTn id="1" dur="indefinite" restart="never" nodeType="tmRoot">
+          <p:childTnLst>
+            <p:seq concurrent="1" nextAc="seek">
+              <p:cTn id="2" dur="indefinite" nodeType="mainSeq">
+                <p:childTnLst>
+                  <p:par>
+                    <p:cTn id="3" fill="hold">
+                      <p:stCondLst>
+                        <p:cond delay="indefinite"/>
+                      </p:stCondLst>
+                      <p:childTnLst>
+                        <p:par>
+                          <p:cTn id="4" fill="hold">
+                            <p:stCondLst>
+                              <p:cond delay="0"/>
+                            </p:stCondLst>
+                            <p:childTnLst>
+                              <p:par>
+                                <p:cTn id="5" presetID="10" presetClass="entr" presetSubtype="0" fill="hold" grpId="0" nodeType="clickEffect">
+                                  <p:stCondLst>
+                                    <p:cond delay="0"/>
+                                  </p:stCondLst>
+                                  <p:childTnLst>
+                                    <p:set>
+                                      <p:cBhvr>
+                                        <p:cTn id="6" dur="1" fill="hold">
+                                          <p:stCondLst>
+                                            <p:cond delay="0"/>
+                                          </p:stCondLst>
+                                        </p:cTn>
+                                        <p:tgtEl>
+                                          <p:spTgt spid="4"/>
+                                        </p:tgtEl>
+                                        <p:attrNameLst>
+                                          <p:attrName>style.visibility</p:attrName>
+                                        </p:attrNameLst>
+                                      </p:cBhvr>
+                                      <p:to>
+                                        <p:strVal val="visible"/>
+                                      </p:to>
+                                    </p:set>
+                                    <p:animEffect transition="in" filter="fade">
+                                      <p:cBhvr>
+                                        <p:cTn id="7" dur="500"/>
+                                        <p:tgtEl>
+                                          <p:spTgt spid="4"/>
+                                        </p:tgtEl>
+                                      </p:cBhvr>
+                                    </p:animEffect>
+                                  </p:childTnLst>
+                                </p:cTn>
+                              </p:par>
+                            </p:childTnLst>
+                          </p:cTn>
+                        </p:par>
+                      </p:childTnLst>
+                    </p:cTn>
+                  </p:par>
+                  <p:par>
+                    <p:cTn id="8" fill="hold">
+                      <p:stCondLst>
+                        <p:cond delay="indefinite"/>
+                      </p:stCondLst>
+                      <p:childTnLst>
+                        <p:par>
+                          <p:cTn id="9" fill="hold">
+                            <p:stCondLst>
+                              <p:cond delay="0"/>
+                            </p:stCondLst>
+                            <p:childTnLst>
+                              <p:par>
+                                <p:cTn id="10" presetID="10" presetClass="entr" presetSubtype="0" fill="hold" grpId="0" nodeType="clickEffect">
+                                  <p:stCondLst>
+                                    <p:cond delay="0"/>
+                                  </p:stCondLst>
+                                  <p:childTnLst>
+                                    <p:set>
+                                      <p:cBhvr>
+                                        <p:cTn id="11" dur="1" fill="hold">
+                                          <p:stCondLst>
+                                            <p:cond delay="0"/>
+                                          </p:stCondLst>
+                                        </p:cTn>
+                                        <p:tgtEl>
+                                          <p:spTgt spid="6"/>
+                                        </p:tgtEl>
+                                        <p:attrNameLst>
+                                          <p:attrName>style.visibility</p:attrName>
+                                        </p:attrNameLst>
+                                      </p:cBhvr>
+                                      <p:to>
+                                        <p:strVal val="visible"/>
+                                      </p:to>
+                                    </p:set>
+                                    <p:animEffect transition="in" filter="fade">
+                                      <p:cBhvr>
+                                        <p:cTn id="12" dur="500"/>
+                                        <p:tgtEl>
+                                          <p:spTgt spid="6"/>
+                                        </p:tgtEl>
+                                      </p:cBhvr>
+                                    </p:animEffect>
+                                  </p:childTnLst>
+                                </p:cTn>
+                              </p:par>
+                            </p:childTnLst>
+                          </p:cTn>
+                        </p:par>
+                      </p:childTnLst>
+                    </p:cTn>
+                  </p:par>
+                </p:childTnLst>
+              </p:cTn>
+              <p:prevCondLst>
+                <p:cond evt="onPrev" delay="0">
+                  <p:tgtEl>
+                    <p:sldTgt/>
+                  </p:tgtEl>
+                </p:cond>
+              </p:prevCondLst>
+              <p:nextCondLst>
+                <p:cond evt="onNext" delay="0">
+                  <p:tgtEl>
+                    <p:sldTgt/>
+                  </p:tgtEl>
+                </p:cond>
+              </p:nextCondLst>
+            </p:seq>
+          </p:childTnLst>
+        </p:cTn>
+      </p:par>
+    </p:tnLst>
+    <p:bldLst>
+      <p:bldP spid="4" grpId="0"/>
+      <p:bldP spid="6" grpId="0"/>
+    </p:bldLst>
+  </p:timing>
+</p:sld>
+</file>
+
+<file path=ppt/slides/slide50.xml><?xml version="1.0" encoding="utf-8"?>
 <p:sld xmlns:a="http://schemas.openxmlformats.org/drawingml/2006/main" xmlns:r="http://schemas.openxmlformats.org/officeDocument/2006/relationships" xmlns:p="http://schemas.openxmlformats.org/presentationml/2006/main">
   <p:cSld>
     <p:spTree>
@@ -23827,7 +25467,7 @@
 </p:sld>
 </file>
 
-<file path=ppt/slides/slide47.xml><?xml version="1.0" encoding="utf-8"?>
+<file path=ppt/slides/slide51.xml><?xml version="1.0" encoding="utf-8"?>
 <p:sld xmlns:a="http://schemas.openxmlformats.org/drawingml/2006/main" xmlns:r="http://schemas.openxmlformats.org/officeDocument/2006/relationships" xmlns:p="http://schemas.openxmlformats.org/presentationml/2006/main">
   <p:cSld>
     <p:spTree>
@@ -24148,7 +25788,7 @@
 </p:sld>
 </file>
 
-<file path=ppt/slides/slide48.xml><?xml version="1.0" encoding="utf-8"?>
+<file path=ppt/slides/slide52.xml><?xml version="1.0" encoding="utf-8"?>
 <p:sld xmlns:a="http://schemas.openxmlformats.org/drawingml/2006/main" xmlns:r="http://schemas.openxmlformats.org/officeDocument/2006/relationships" xmlns:p="http://schemas.openxmlformats.org/presentationml/2006/main">
   <p:cSld>
     <p:spTree>
@@ -24747,7 +26387,7 @@
 </p:sld>
 </file>
 
-<file path=ppt/slides/slide49.xml><?xml version="1.0" encoding="utf-8"?>
+<file path=ppt/slides/slide53.xml><?xml version="1.0" encoding="utf-8"?>
 <p:sld xmlns:a="http://schemas.openxmlformats.org/drawingml/2006/main" xmlns:r="http://schemas.openxmlformats.org/officeDocument/2006/relationships" xmlns:p="http://schemas.openxmlformats.org/presentationml/2006/main">
   <p:cSld>
     <p:spTree>
@@ -25591,112 +27231,7 @@
 </p:sld>
 </file>
 
-<file path=ppt/slides/slide5.xml><?xml version="1.0" encoding="utf-8"?>
-<p:sld xmlns:a="http://schemas.openxmlformats.org/drawingml/2006/main" xmlns:r="http://schemas.openxmlformats.org/officeDocument/2006/relationships" xmlns:p="http://schemas.openxmlformats.org/presentationml/2006/main">
-  <p:cSld>
-    <p:spTree>
-      <p:nvGrpSpPr>
-        <p:cNvPr id="1" name=""/>
-        <p:cNvGrpSpPr/>
-        <p:nvPr/>
-      </p:nvGrpSpPr>
-      <p:grpSpPr>
-        <a:xfrm>
-          <a:off x="0" y="0"/>
-          <a:ext cx="0" cy="0"/>
-          <a:chOff x="0" y="0"/>
-          <a:chExt cx="0" cy="0"/>
-        </a:xfrm>
-      </p:grpSpPr>
-      <p:sp>
-        <p:nvSpPr>
-          <p:cNvPr id="2" name="Text Placeholder 1"/>
-          <p:cNvSpPr>
-            <a:spLocks noGrp="1"/>
-          </p:cNvSpPr>
-          <p:nvPr>
-            <p:ph type="body" sz="quarter" idx="11"/>
-          </p:nvPr>
-        </p:nvSpPr>
-        <p:spPr>
-          <a:xfrm>
-            <a:off x="328613" y="1079048"/>
-            <a:ext cx="8401246" cy="703258"/>
-          </a:xfrm>
-        </p:spPr>
-        <p:txBody>
-          <a:bodyPr/>
-          <a:lstStyle/>
-          <a:p>
-            <a:r>
-              <a:rPr lang="en-US" dirty="0">
-                <a:solidFill>
-                  <a:schemeClr val="bg1"/>
-                </a:solidFill>
-              </a:rPr>
-              <a:t>SRP Single Responsibility Principle</a:t>
-            </a:r>
-          </a:p>
-          <a:p>
-            <a:endParaRPr lang="en-US" dirty="0">
-              <a:solidFill>
-                <a:schemeClr val="bg1"/>
-              </a:solidFill>
-            </a:endParaRPr>
-          </a:p>
-          <a:p>
-            <a:endParaRPr lang="en-US" dirty="0">
-              <a:solidFill>
-                <a:schemeClr val="bg1"/>
-              </a:solidFill>
-            </a:endParaRPr>
-          </a:p>
-        </p:txBody>
-      </p:sp>
-      <p:pic>
-        <p:nvPicPr>
-          <p:cNvPr id="10" name="Picture 9">
-            <a:extLst>
-              <a:ext uri="{FF2B5EF4-FFF2-40B4-BE49-F238E27FC236}">
-                <a16:creationId xmlns:a16="http://schemas.microsoft.com/office/drawing/2014/main" id="{4190693A-9C04-40F2-8965-031E31197C0C}"/>
-              </a:ext>
-            </a:extLst>
-          </p:cNvPr>
-          <p:cNvPicPr>
-            <a:picLocks noChangeAspect="1"/>
-          </p:cNvPicPr>
-          <p:nvPr/>
-        </p:nvPicPr>
-        <p:blipFill>
-          <a:blip r:embed="rId3"/>
-          <a:stretch>
-            <a:fillRect/>
-          </a:stretch>
-        </p:blipFill>
-        <p:spPr>
-          <a:xfrm>
-            <a:off x="1504498" y="1855813"/>
-            <a:ext cx="6049475" cy="4852607"/>
-          </a:xfrm>
-          <a:prstGeom prst="rect">
-            <a:avLst/>
-          </a:prstGeom>
-        </p:spPr>
-      </p:pic>
-    </p:spTree>
-    <p:extLst>
-      <p:ext uri="{BB962C8B-B14F-4D97-AF65-F5344CB8AC3E}">
-        <p14:creationId xmlns:p14="http://schemas.microsoft.com/office/powerpoint/2010/main" val="2045971338"/>
-      </p:ext>
-    </p:extLst>
-  </p:cSld>
-  <p:clrMapOvr>
-    <a:masterClrMapping/>
-  </p:clrMapOvr>
-</p:sld>
-</file>
-
-<file path=ppt/slides/slide50.xml><?xml version="1.0" encoding="utf-8"?>
+<file path=ppt/slides/slide54.xml><?xml version="1.0" encoding="utf-8"?>
 <p:sld xmlns:a="http://schemas.openxmlformats.org/drawingml/2006/main" xmlns:r="http://schemas.openxmlformats.org/officeDocument/2006/relationships" xmlns:p="http://schemas.openxmlformats.org/presentationml/2006/main">
   <p:cSld>
     <p:spTree>
@@ -26523,7 +28058,7 @@
 </p:sld>
 </file>
 
-<file path=ppt/slides/slide51.xml><?xml version="1.0" encoding="utf-8"?>
+<file path=ppt/slides/slide55.xml><?xml version="1.0" encoding="utf-8"?>
 <p:sld xmlns:a="http://schemas.openxmlformats.org/drawingml/2006/main" xmlns:r="http://schemas.openxmlformats.org/officeDocument/2006/relationships" xmlns:p="http://schemas.openxmlformats.org/presentationml/2006/main">
   <p:cSld>
     <p:spTree>
@@ -27680,7 +29215,7 @@
 </p:sld>
 </file>
 
-<file path=ppt/slides/slide52.xml><?xml version="1.0" encoding="utf-8"?>
+<file path=ppt/slides/slide56.xml><?xml version="1.0" encoding="utf-8"?>
 <p:sld xmlns:a="http://schemas.openxmlformats.org/drawingml/2006/main" xmlns:r="http://schemas.openxmlformats.org/officeDocument/2006/relationships" xmlns:p="http://schemas.openxmlformats.org/presentationml/2006/main">
   <p:cSld>
     <p:spTree>
@@ -28203,7 +29738,7 @@
 </p:sld>
 </file>
 
-<file path=ppt/slides/slide53.xml><?xml version="1.0" encoding="utf-8"?>
+<file path=ppt/slides/slide57.xml><?xml version="1.0" encoding="utf-8"?>
 <p:sld xmlns:a="http://schemas.openxmlformats.org/drawingml/2006/main" xmlns:r="http://schemas.openxmlformats.org/officeDocument/2006/relationships" xmlns:p="http://schemas.openxmlformats.org/presentationml/2006/main">
   <p:cSld>
     <p:spTree>
@@ -28323,6 +29858,111 @@
 </file>
 
 <file path=ppt/slides/slide6.xml><?xml version="1.0" encoding="utf-8"?>
+<p:sld xmlns:a="http://schemas.openxmlformats.org/drawingml/2006/main" xmlns:r="http://schemas.openxmlformats.org/officeDocument/2006/relationships" xmlns:p="http://schemas.openxmlformats.org/presentationml/2006/main">
+  <p:cSld>
+    <p:spTree>
+      <p:nvGrpSpPr>
+        <p:cNvPr id="1" name=""/>
+        <p:cNvGrpSpPr/>
+        <p:nvPr/>
+      </p:nvGrpSpPr>
+      <p:grpSpPr>
+        <a:xfrm>
+          <a:off x="0" y="0"/>
+          <a:ext cx="0" cy="0"/>
+          <a:chOff x="0" y="0"/>
+          <a:chExt cx="0" cy="0"/>
+        </a:xfrm>
+      </p:grpSpPr>
+      <p:sp>
+        <p:nvSpPr>
+          <p:cNvPr id="2" name="Text Placeholder 1"/>
+          <p:cNvSpPr>
+            <a:spLocks noGrp="1"/>
+          </p:cNvSpPr>
+          <p:nvPr>
+            <p:ph type="body" sz="quarter" idx="11"/>
+          </p:nvPr>
+        </p:nvSpPr>
+        <p:spPr>
+          <a:xfrm>
+            <a:off x="328613" y="1079048"/>
+            <a:ext cx="8401246" cy="703258"/>
+          </a:xfrm>
+        </p:spPr>
+        <p:txBody>
+          <a:bodyPr/>
+          <a:lstStyle/>
+          <a:p>
+            <a:r>
+              <a:rPr lang="en-US" dirty="0">
+                <a:solidFill>
+                  <a:schemeClr val="bg1"/>
+                </a:solidFill>
+              </a:rPr>
+              <a:t>SRP Single Responsibility Principle</a:t>
+            </a:r>
+          </a:p>
+          <a:p>
+            <a:endParaRPr lang="en-US" dirty="0">
+              <a:solidFill>
+                <a:schemeClr val="bg1"/>
+              </a:solidFill>
+            </a:endParaRPr>
+          </a:p>
+          <a:p>
+            <a:endParaRPr lang="en-US" dirty="0">
+              <a:solidFill>
+                <a:schemeClr val="bg1"/>
+              </a:solidFill>
+            </a:endParaRPr>
+          </a:p>
+        </p:txBody>
+      </p:sp>
+      <p:pic>
+        <p:nvPicPr>
+          <p:cNvPr id="10" name="Picture 9">
+            <a:extLst>
+              <a:ext uri="{FF2B5EF4-FFF2-40B4-BE49-F238E27FC236}">
+                <a16:creationId xmlns:a16="http://schemas.microsoft.com/office/drawing/2014/main" id="{4190693A-9C04-40F2-8965-031E31197C0C}"/>
+              </a:ext>
+            </a:extLst>
+          </p:cNvPr>
+          <p:cNvPicPr>
+            <a:picLocks noChangeAspect="1"/>
+          </p:cNvPicPr>
+          <p:nvPr/>
+        </p:nvPicPr>
+        <p:blipFill>
+          <a:blip r:embed="rId3"/>
+          <a:stretch>
+            <a:fillRect/>
+          </a:stretch>
+        </p:blipFill>
+        <p:spPr>
+          <a:xfrm>
+            <a:off x="1504498" y="1855813"/>
+            <a:ext cx="6049475" cy="4852607"/>
+          </a:xfrm>
+          <a:prstGeom prst="rect">
+            <a:avLst/>
+          </a:prstGeom>
+        </p:spPr>
+      </p:pic>
+    </p:spTree>
+    <p:extLst>
+      <p:ext uri="{BB962C8B-B14F-4D97-AF65-F5344CB8AC3E}">
+        <p14:creationId xmlns:p14="http://schemas.microsoft.com/office/powerpoint/2010/main" val="2045971338"/>
+      </p:ext>
+    </p:extLst>
+  </p:cSld>
+  <p:clrMapOvr>
+    <a:masterClrMapping/>
+  </p:clrMapOvr>
+</p:sld>
+</file>
+
+<file path=ppt/slides/slide7.xml><?xml version="1.0" encoding="utf-8"?>
 <p:sld xmlns:a="http://schemas.openxmlformats.org/drawingml/2006/main" xmlns:r="http://schemas.openxmlformats.org/officeDocument/2006/relationships" xmlns:p="http://schemas.openxmlformats.org/presentationml/2006/main">
   <p:cSld>
     <p:spTree>
@@ -28780,7 +30420,7 @@
 </p:sld>
 </file>
 
-<file path=ppt/slides/slide7.xml><?xml version="1.0" encoding="utf-8"?>
+<file path=ppt/slides/slide8.xml><?xml version="1.0" encoding="utf-8"?>
 <p:sld xmlns:a="http://schemas.openxmlformats.org/drawingml/2006/main" xmlns:r="http://schemas.openxmlformats.org/officeDocument/2006/relationships" xmlns:p="http://schemas.openxmlformats.org/presentationml/2006/main">
   <p:cSld>
     <p:spTree>
@@ -28876,111 +30516,6 @@
     <p:extLst>
       <p:ext uri="{BB962C8B-B14F-4D97-AF65-F5344CB8AC3E}">
         <p14:creationId xmlns:p14="http://schemas.microsoft.com/office/powerpoint/2010/main" val="265275012"/>
-      </p:ext>
-    </p:extLst>
-  </p:cSld>
-  <p:clrMapOvr>
-    <a:masterClrMapping/>
-  </p:clrMapOvr>
-</p:sld>
-</file>
-
-<file path=ppt/slides/slide8.xml><?xml version="1.0" encoding="utf-8"?>
-<p:sld xmlns:a="http://schemas.openxmlformats.org/drawingml/2006/main" xmlns:r="http://schemas.openxmlformats.org/officeDocument/2006/relationships" xmlns:p="http://schemas.openxmlformats.org/presentationml/2006/main">
-  <p:cSld>
-    <p:spTree>
-      <p:nvGrpSpPr>
-        <p:cNvPr id="1" name=""/>
-        <p:cNvGrpSpPr/>
-        <p:nvPr/>
-      </p:nvGrpSpPr>
-      <p:grpSpPr>
-        <a:xfrm>
-          <a:off x="0" y="0"/>
-          <a:ext cx="0" cy="0"/>
-          <a:chOff x="0" y="0"/>
-          <a:chExt cx="0" cy="0"/>
-        </a:xfrm>
-      </p:grpSpPr>
-      <p:sp>
-        <p:nvSpPr>
-          <p:cNvPr id="2" name="Text Placeholder 1"/>
-          <p:cNvSpPr>
-            <a:spLocks noGrp="1"/>
-          </p:cNvSpPr>
-          <p:nvPr>
-            <p:ph type="body" sz="quarter" idx="11"/>
-          </p:nvPr>
-        </p:nvSpPr>
-        <p:spPr>
-          <a:xfrm>
-            <a:off x="328613" y="1079048"/>
-            <a:ext cx="8401246" cy="787538"/>
-          </a:xfrm>
-        </p:spPr>
-        <p:txBody>
-          <a:bodyPr/>
-          <a:lstStyle/>
-          <a:p>
-            <a:r>
-              <a:rPr lang="en-US" dirty="0">
-                <a:solidFill>
-                  <a:schemeClr val="bg1"/>
-                </a:solidFill>
-              </a:rPr>
-              <a:t>SRP Single Responsibility Principle</a:t>
-            </a:r>
-          </a:p>
-          <a:p>
-            <a:endParaRPr lang="en-US" dirty="0">
-              <a:solidFill>
-                <a:schemeClr val="bg1"/>
-              </a:solidFill>
-            </a:endParaRPr>
-          </a:p>
-          <a:p>
-            <a:endParaRPr lang="en-US" dirty="0">
-              <a:solidFill>
-                <a:schemeClr val="bg1"/>
-              </a:solidFill>
-            </a:endParaRPr>
-          </a:p>
-        </p:txBody>
-      </p:sp>
-      <p:pic>
-        <p:nvPicPr>
-          <p:cNvPr id="10" name="Picture 9">
-            <a:extLst>
-              <a:ext uri="{FF2B5EF4-FFF2-40B4-BE49-F238E27FC236}">
-                <a16:creationId xmlns:a16="http://schemas.microsoft.com/office/drawing/2014/main" id="{7116F872-68F6-4029-8DE8-69298139ACE9}"/>
-              </a:ext>
-            </a:extLst>
-          </p:cNvPr>
-          <p:cNvPicPr>
-            <a:picLocks noChangeAspect="1"/>
-          </p:cNvPicPr>
-          <p:nvPr/>
-        </p:nvPicPr>
-        <p:blipFill>
-          <a:blip r:embed="rId3"/>
-          <a:stretch>
-            <a:fillRect/>
-          </a:stretch>
-        </p:blipFill>
-        <p:spPr>
-          <a:xfrm>
-            <a:off x="1918917" y="2369114"/>
-            <a:ext cx="5306165" cy="3915321"/>
-          </a:xfrm>
-          <a:prstGeom prst="rect">
-            <a:avLst/>
-          </a:prstGeom>
-        </p:spPr>
-      </p:pic>
-    </p:spTree>
-    <p:extLst>
-      <p:ext uri="{BB962C8B-B14F-4D97-AF65-F5344CB8AC3E}">
-        <p14:creationId xmlns:p14="http://schemas.microsoft.com/office/powerpoint/2010/main" val="2122867086"/>
       </p:ext>
     </p:extLst>
   </p:cSld>
@@ -29020,7 +30555,7 @@
         <p:spPr>
           <a:xfrm>
             <a:off x="328613" y="1079048"/>
-            <a:ext cx="8401246" cy="832880"/>
+            <a:ext cx="8401246" cy="787538"/>
           </a:xfrm>
         </p:spPr>
         <p:txBody>
@@ -29054,10 +30589,10 @@
       </p:sp>
       <p:pic>
         <p:nvPicPr>
-          <p:cNvPr id="3" name="Picture 2">
+          <p:cNvPr id="10" name="Picture 9">
             <a:extLst>
               <a:ext uri="{FF2B5EF4-FFF2-40B4-BE49-F238E27FC236}">
-                <a16:creationId xmlns:a16="http://schemas.microsoft.com/office/drawing/2014/main" id="{17A316CB-EDB6-4E3A-8082-4340A74FD5DC}"/>
+                <a16:creationId xmlns:a16="http://schemas.microsoft.com/office/drawing/2014/main" id="{7116F872-68F6-4029-8DE8-69298139ACE9}"/>
               </a:ext>
             </a:extLst>
           </p:cNvPr>
@@ -29074,8 +30609,8 @@
         </p:blipFill>
         <p:spPr>
           <a:xfrm>
-            <a:off x="1833285" y="2469505"/>
-            <a:ext cx="5391902" cy="3448531"/>
+            <a:off x="1918917" y="2369114"/>
+            <a:ext cx="5306165" cy="3915321"/>
           </a:xfrm>
           <a:prstGeom prst="rect">
             <a:avLst/>
@@ -29085,7 +30620,7 @@
     </p:spTree>
     <p:extLst>
       <p:ext uri="{BB962C8B-B14F-4D97-AF65-F5344CB8AC3E}">
-        <p14:creationId xmlns:p14="http://schemas.microsoft.com/office/powerpoint/2010/main" val="2247099466"/>
+        <p14:creationId xmlns:p14="http://schemas.microsoft.com/office/powerpoint/2010/main" val="2122867086"/>
       </p:ext>
     </p:extLst>
   </p:cSld>
